--- a/content/docs/theory-analysis/istio-sidecar-proxy-access-log/images/images.pptx
+++ b/content/docs/theory-analysis/istio-sidecar-proxy-access-log/images/images.pptx
@@ -5,7 +5,7 @@
     <p:sldMasterId id="2147483648" r:id="rId1"/>
   </p:sldMasterIdLst>
   <p:notesMasterIdLst>
-    <p:notesMasterId r:id="rId20"/>
+    <p:notesMasterId r:id="rId22"/>
   </p:notesMasterIdLst>
   <p:sldIdLst>
     <p:sldId id="398" r:id="rId2"/>
@@ -16,16 +16,18 @@
     <p:sldId id="402" r:id="rId7"/>
     <p:sldId id="404" r:id="rId8"/>
     <p:sldId id="405" r:id="rId9"/>
-    <p:sldId id="406" r:id="rId10"/>
+    <p:sldId id="408" r:id="rId10"/>
     <p:sldId id="407" r:id="rId11"/>
-    <p:sldId id="387" r:id="rId12"/>
-    <p:sldId id="392" r:id="rId13"/>
-    <p:sldId id="393" r:id="rId14"/>
-    <p:sldId id="394" r:id="rId15"/>
-    <p:sldId id="395" r:id="rId16"/>
-    <p:sldId id="396" r:id="rId17"/>
-    <p:sldId id="397" r:id="rId18"/>
-    <p:sldId id="391" r:id="rId19"/>
+    <p:sldId id="409" r:id="rId12"/>
+    <p:sldId id="410" r:id="rId13"/>
+    <p:sldId id="387" r:id="rId14"/>
+    <p:sldId id="392" r:id="rId15"/>
+    <p:sldId id="393" r:id="rId16"/>
+    <p:sldId id="394" r:id="rId17"/>
+    <p:sldId id="395" r:id="rId18"/>
+    <p:sldId id="396" r:id="rId19"/>
+    <p:sldId id="397" r:id="rId20"/>
+    <p:sldId id="391" r:id="rId21"/>
   </p:sldIdLst>
   <p:sldSz cx="9144000" cy="5143500" type="screen16x9"/>
   <p:notesSz cx="6858000" cy="9144000"/>
@@ -3846,9 +3848,13 @@
             <a:pPr algn="ctr"/>
             <a:r>
               <a:rPr lang="en-US" altLang="ko-KR" sz="1000"/>
-              <a:t>Pod</a:t>
-            </a:r>
-            <a:endParaRPr lang="ko-KR" altLang="en-US" sz="1000"/>
+              <a:t>Pod with </a:t>
+            </a:r>
+            <a:r>
+              <a:rPr lang="en-US" altLang="ko-KR" sz="1000" b="1"/>
+              <a:t>iptables RESET</a:t>
+            </a:r>
+            <a:endParaRPr lang="ko-KR" altLang="en-US" sz="1000" b="1"/>
           </a:p>
         </p:txBody>
       </p:sp>
@@ -4043,7 +4049,7 @@
         <p:spPr>
           <a:xfrm>
             <a:off x="6168329" y="1199086"/>
-            <a:ext cx="276364" cy="804108"/>
+            <a:ext cx="276349" cy="741998"/>
           </a:xfrm>
           <a:prstGeom prst="arc">
             <a:avLst>
@@ -4096,7 +4102,7 @@
         </p:nvSpPr>
         <p:spPr>
           <a:xfrm>
-            <a:off x="6337278" y="1478029"/>
+            <a:off x="6337278" y="1449489"/>
             <a:ext cx="689798" cy="246221"/>
           </a:xfrm>
           <a:prstGeom prst="rect">
@@ -4114,258 +4120,6 @@
             <a:r>
               <a:rPr kumimoji="1" lang="en-US" altLang="ko-KR" sz="1000" i="1"/>
               <a:t>3times</a:t>
-            </a:r>
-            <a:endParaRPr kumimoji="1" lang="ko-KR" altLang="en-US" sz="1000" i="1"/>
-          </a:p>
-        </p:txBody>
-      </p:sp>
-      <p:cxnSp>
-        <p:nvCxnSpPr>
-          <p:cNvPr id="15" name="Straight Arrow Connector 81">
-            <a:extLst>
-              <a:ext uri="{FF2B5EF4-FFF2-40B4-BE49-F238E27FC236}">
-                <a16:creationId xmlns:a16="http://schemas.microsoft.com/office/drawing/2014/main" id="{B2C35755-D448-DD1E-E5CC-C7BBEFB03A11}"/>
-              </a:ext>
-            </a:extLst>
-          </p:cNvPr>
-          <p:cNvCxnSpPr>
-            <a:cxnSpLocks/>
-          </p:cNvCxnSpPr>
-          <p:nvPr/>
-        </p:nvCxnSpPr>
-        <p:spPr>
-          <a:xfrm>
-            <a:off x="2346071" y="4240199"/>
-            <a:ext cx="569745" cy="0"/>
-          </a:xfrm>
-          <a:prstGeom prst="straightConnector1">
-            <a:avLst/>
-          </a:prstGeom>
-          <a:ln>
-            <a:solidFill>
-              <a:schemeClr val="tx1"/>
-            </a:solidFill>
-            <a:tailEnd type="triangle"/>
-          </a:ln>
-        </p:spPr>
-        <p:style>
-          <a:lnRef idx="1">
-            <a:schemeClr val="accent1"/>
-          </a:lnRef>
-          <a:fillRef idx="0">
-            <a:schemeClr val="accent1"/>
-          </a:fillRef>
-          <a:effectRef idx="0">
-            <a:schemeClr val="accent1"/>
-          </a:effectRef>
-          <a:fontRef idx="minor">
-            <a:schemeClr val="tx1"/>
-          </a:fontRef>
-        </p:style>
-      </p:cxnSp>
-      <p:sp>
-        <p:nvSpPr>
-          <p:cNvPr id="16" name="TextBox 15">
-            <a:extLst>
-              <a:ext uri="{FF2B5EF4-FFF2-40B4-BE49-F238E27FC236}">
-                <a16:creationId xmlns:a16="http://schemas.microsoft.com/office/drawing/2014/main" id="{53D59C71-8CA4-780B-CEA1-70E32CD960C8}"/>
-              </a:ext>
-            </a:extLst>
-          </p:cNvPr>
-          <p:cNvSpPr txBox="1"/>
-          <p:nvPr/>
-        </p:nvSpPr>
-        <p:spPr>
-          <a:xfrm>
-            <a:off x="2928454" y="4117088"/>
-            <a:ext cx="2795674" cy="246221"/>
-          </a:xfrm>
-          <a:prstGeom prst="rect">
-            <a:avLst/>
-          </a:prstGeom>
-          <a:noFill/>
-        </p:spPr>
-        <p:txBody>
-          <a:bodyPr wrap="square" rtlCol="0">
-            <a:spAutoFit/>
-          </a:bodyPr>
-          <a:lstStyle/>
-          <a:p>
-            <a:r>
-              <a:rPr kumimoji="1" lang="en-US" altLang="ko-KR" sz="1000" i="1"/>
-              <a:t>GET </a:t>
-            </a:r>
-            <a:r>
-              <a:rPr lang="en" altLang="ko-KR" sz="1000" i="1"/>
-              <a:t>mock-server:8080/status/503</a:t>
-            </a:r>
-            <a:endParaRPr kumimoji="1" lang="ko-KR" altLang="en-US" sz="1000" i="1"/>
-          </a:p>
-        </p:txBody>
-      </p:sp>
-      <p:cxnSp>
-        <p:nvCxnSpPr>
-          <p:cNvPr id="22" name="Straight Arrow Connector 81">
-            <a:extLst>
-              <a:ext uri="{FF2B5EF4-FFF2-40B4-BE49-F238E27FC236}">
-                <a16:creationId xmlns:a16="http://schemas.microsoft.com/office/drawing/2014/main" id="{BBE05777-D429-BC7D-F820-1B53E8967140}"/>
-              </a:ext>
-            </a:extLst>
-          </p:cNvPr>
-          <p:cNvCxnSpPr>
-            <a:cxnSpLocks/>
-          </p:cNvCxnSpPr>
-          <p:nvPr/>
-        </p:nvCxnSpPr>
-        <p:spPr>
-          <a:xfrm>
-            <a:off x="2346071" y="4485769"/>
-            <a:ext cx="569745" cy="0"/>
-          </a:xfrm>
-          <a:prstGeom prst="straightConnector1">
-            <a:avLst/>
-          </a:prstGeom>
-          <a:ln>
-            <a:solidFill>
-              <a:schemeClr val="tx1"/>
-            </a:solidFill>
-            <a:tailEnd type="triangle"/>
-          </a:ln>
-        </p:spPr>
-        <p:style>
-          <a:lnRef idx="1">
-            <a:schemeClr val="accent1"/>
-          </a:lnRef>
-          <a:fillRef idx="0">
-            <a:schemeClr val="accent1"/>
-          </a:fillRef>
-          <a:effectRef idx="0">
-            <a:schemeClr val="accent1"/>
-          </a:effectRef>
-          <a:fontRef idx="minor">
-            <a:schemeClr val="tx1"/>
-          </a:fontRef>
-        </p:style>
-      </p:cxnSp>
-      <p:sp>
-        <p:nvSpPr>
-          <p:cNvPr id="25" name="TextBox 24">
-            <a:extLst>
-              <a:ext uri="{FF2B5EF4-FFF2-40B4-BE49-F238E27FC236}">
-                <a16:creationId xmlns:a16="http://schemas.microsoft.com/office/drawing/2014/main" id="{6A85C077-9068-2101-5563-2CABB54087BE}"/>
-              </a:ext>
-            </a:extLst>
-          </p:cNvPr>
-          <p:cNvSpPr txBox="1"/>
-          <p:nvPr/>
-        </p:nvSpPr>
-        <p:spPr>
-          <a:xfrm>
-            <a:off x="2928454" y="4362658"/>
-            <a:ext cx="2795674" cy="246221"/>
-          </a:xfrm>
-          <a:prstGeom prst="rect">
-            <a:avLst/>
-          </a:prstGeom>
-          <a:noFill/>
-        </p:spPr>
-        <p:txBody>
-          <a:bodyPr wrap="square" rtlCol="0">
-            <a:spAutoFit/>
-          </a:bodyPr>
-          <a:lstStyle/>
-          <a:p>
-            <a:r>
-              <a:rPr kumimoji="1" lang="en-US" altLang="ko-KR" sz="1000" i="1"/>
-              <a:t>GET </a:t>
-            </a:r>
-            <a:r>
-              <a:rPr lang="en" altLang="ko-KR" sz="1000" i="1"/>
-              <a:t>mock-server:8080/status/503</a:t>
-            </a:r>
-            <a:endParaRPr kumimoji="1" lang="ko-KR" altLang="en-US" sz="1000" i="1"/>
-          </a:p>
-        </p:txBody>
-      </p:sp>
-      <p:cxnSp>
-        <p:nvCxnSpPr>
-          <p:cNvPr id="26" name="Straight Arrow Connector 81">
-            <a:extLst>
-              <a:ext uri="{FF2B5EF4-FFF2-40B4-BE49-F238E27FC236}">
-                <a16:creationId xmlns:a16="http://schemas.microsoft.com/office/drawing/2014/main" id="{CACFB3BF-97B8-2B7A-0FAA-633422ACA79F}"/>
-              </a:ext>
-            </a:extLst>
-          </p:cNvPr>
-          <p:cNvCxnSpPr>
-            <a:cxnSpLocks/>
-          </p:cNvCxnSpPr>
-          <p:nvPr/>
-        </p:nvCxnSpPr>
-        <p:spPr>
-          <a:xfrm>
-            <a:off x="2346071" y="4731990"/>
-            <a:ext cx="569745" cy="0"/>
-          </a:xfrm>
-          <a:prstGeom prst="straightConnector1">
-            <a:avLst/>
-          </a:prstGeom>
-          <a:ln>
-            <a:solidFill>
-              <a:schemeClr val="tx1"/>
-            </a:solidFill>
-            <a:tailEnd type="triangle"/>
-          </a:ln>
-        </p:spPr>
-        <p:style>
-          <a:lnRef idx="1">
-            <a:schemeClr val="accent1"/>
-          </a:lnRef>
-          <a:fillRef idx="0">
-            <a:schemeClr val="accent1"/>
-          </a:fillRef>
-          <a:effectRef idx="0">
-            <a:schemeClr val="accent1"/>
-          </a:effectRef>
-          <a:fontRef idx="minor">
-            <a:schemeClr val="tx1"/>
-          </a:fontRef>
-        </p:style>
-      </p:cxnSp>
-      <p:sp>
-        <p:nvSpPr>
-          <p:cNvPr id="27" name="TextBox 26">
-            <a:extLst>
-              <a:ext uri="{FF2B5EF4-FFF2-40B4-BE49-F238E27FC236}">
-                <a16:creationId xmlns:a16="http://schemas.microsoft.com/office/drawing/2014/main" id="{92F6E6F6-702F-29C9-A03D-C4DC1598D961}"/>
-              </a:ext>
-            </a:extLst>
-          </p:cNvPr>
-          <p:cNvSpPr txBox="1"/>
-          <p:nvPr/>
-        </p:nvSpPr>
-        <p:spPr>
-          <a:xfrm>
-            <a:off x="2928454" y="4608879"/>
-            <a:ext cx="2795674" cy="246221"/>
-          </a:xfrm>
-          <a:prstGeom prst="rect">
-            <a:avLst/>
-          </a:prstGeom>
-          <a:noFill/>
-        </p:spPr>
-        <p:txBody>
-          <a:bodyPr wrap="square" rtlCol="0">
-            <a:spAutoFit/>
-          </a:bodyPr>
-          <a:lstStyle/>
-          <a:p>
-            <a:r>
-              <a:rPr kumimoji="1" lang="en-US" altLang="ko-KR" sz="1000" i="1"/>
-              <a:t>GET </a:t>
-            </a:r>
-            <a:r>
-              <a:rPr lang="en" altLang="ko-KR" sz="1000" i="1"/>
-              <a:t>mock-server:8080/status/503</a:t>
             </a:r>
             <a:endParaRPr kumimoji="1" lang="ko-KR" altLang="en-US" sz="1000" i="1"/>
           </a:p>
@@ -4780,6 +4534,597 @@
             <a:r>
               <a:rPr kumimoji="1" lang="en-US" altLang="ko-KR" sz="1000" i="1"/>
               <a:t>TCP RST</a:t>
+            </a:r>
+            <a:endParaRPr kumimoji="1" lang="ko-KR" altLang="en-US" sz="1000" i="1"/>
+          </a:p>
+        </p:txBody>
+      </p:sp>
+      <p:cxnSp>
+        <p:nvCxnSpPr>
+          <p:cNvPr id="36" name="Straight Arrow Connector 81">
+            <a:extLst>
+              <a:ext uri="{FF2B5EF4-FFF2-40B4-BE49-F238E27FC236}">
+                <a16:creationId xmlns:a16="http://schemas.microsoft.com/office/drawing/2014/main" id="{6F5FEACF-3ACA-03D5-70C7-19EA84058C6D}"/>
+              </a:ext>
+            </a:extLst>
+          </p:cNvPr>
+          <p:cNvCxnSpPr>
+            <a:cxnSpLocks/>
+          </p:cNvCxnSpPr>
+          <p:nvPr/>
+        </p:nvCxnSpPr>
+        <p:spPr>
+          <a:xfrm>
+            <a:off x="2346071" y="2556223"/>
+            <a:ext cx="3960440" cy="0"/>
+          </a:xfrm>
+          <a:prstGeom prst="straightConnector1">
+            <a:avLst/>
+          </a:prstGeom>
+          <a:ln>
+            <a:solidFill>
+              <a:schemeClr val="tx1"/>
+            </a:solidFill>
+            <a:tailEnd type="triangle"/>
+          </a:ln>
+        </p:spPr>
+        <p:style>
+          <a:lnRef idx="1">
+            <a:schemeClr val="accent1"/>
+          </a:lnRef>
+          <a:fillRef idx="0">
+            <a:schemeClr val="accent1"/>
+          </a:fillRef>
+          <a:effectRef idx="0">
+            <a:schemeClr val="accent1"/>
+          </a:effectRef>
+          <a:fontRef idx="minor">
+            <a:schemeClr val="tx1"/>
+          </a:fontRef>
+        </p:style>
+      </p:cxnSp>
+      <p:sp>
+        <p:nvSpPr>
+          <p:cNvPr id="37" name="TextBox 36">
+            <a:extLst>
+              <a:ext uri="{FF2B5EF4-FFF2-40B4-BE49-F238E27FC236}">
+                <a16:creationId xmlns:a16="http://schemas.microsoft.com/office/drawing/2014/main" id="{DD535CE9-4DE8-633D-6DAD-11553F4247D8}"/>
+              </a:ext>
+            </a:extLst>
+          </p:cNvPr>
+          <p:cNvSpPr txBox="1"/>
+          <p:nvPr/>
+        </p:nvSpPr>
+        <p:spPr>
+          <a:xfrm>
+            <a:off x="2928454" y="2310002"/>
+            <a:ext cx="2795674" cy="246221"/>
+          </a:xfrm>
+          <a:prstGeom prst="rect">
+            <a:avLst/>
+          </a:prstGeom>
+          <a:noFill/>
+        </p:spPr>
+        <p:txBody>
+          <a:bodyPr wrap="square" rtlCol="0">
+            <a:spAutoFit/>
+          </a:bodyPr>
+          <a:lstStyle/>
+          <a:p>
+            <a:r>
+              <a:rPr kumimoji="1" lang="en-US" altLang="ko-KR" sz="1000" i="1"/>
+              <a:t>GET </a:t>
+            </a:r>
+            <a:r>
+              <a:rPr lang="en" altLang="ko-KR" sz="1000" i="1"/>
+              <a:t>mock-server:8080/status/200</a:t>
+            </a:r>
+            <a:endParaRPr kumimoji="1" lang="ko-KR" altLang="en-US" sz="1000" i="1"/>
+          </a:p>
+        </p:txBody>
+      </p:sp>
+      <p:sp>
+        <p:nvSpPr>
+          <p:cNvPr id="38" name="호 37">
+            <a:extLst>
+              <a:ext uri="{FF2B5EF4-FFF2-40B4-BE49-F238E27FC236}">
+                <a16:creationId xmlns:a16="http://schemas.microsoft.com/office/drawing/2014/main" id="{67892C83-169A-B2BE-3A5B-48806F9346F0}"/>
+              </a:ext>
+            </a:extLst>
+          </p:cNvPr>
+          <p:cNvSpPr/>
+          <p:nvPr/>
+        </p:nvSpPr>
+        <p:spPr>
+          <a:xfrm>
+            <a:off x="6168329" y="2551713"/>
+            <a:ext cx="291216" cy="740118"/>
+          </a:xfrm>
+          <a:prstGeom prst="arc">
+            <a:avLst>
+              <a:gd name="adj1" fmla="val 16200000"/>
+              <a:gd name="adj2" fmla="val 5412057"/>
+            </a:avLst>
+          </a:prstGeom>
+          <a:ln>
+            <a:solidFill>
+              <a:schemeClr val="tx1"/>
+            </a:solidFill>
+            <a:headEnd type="none" w="med" len="med"/>
+            <a:tailEnd type="triangle" w="med" len="med"/>
+          </a:ln>
+        </p:spPr>
+        <p:style>
+          <a:lnRef idx="1">
+            <a:schemeClr val="accent1"/>
+          </a:lnRef>
+          <a:fillRef idx="0">
+            <a:schemeClr val="accent1"/>
+          </a:fillRef>
+          <a:effectRef idx="0">
+            <a:schemeClr val="accent1"/>
+          </a:effectRef>
+          <a:fontRef idx="minor">
+            <a:schemeClr val="tx1"/>
+          </a:fontRef>
+        </p:style>
+        <p:txBody>
+          <a:bodyPr rtlCol="0" anchor="ctr"/>
+          <a:lstStyle/>
+          <a:p>
+            <a:pPr algn="ctr"/>
+            <a:endParaRPr kumimoji="1" lang="ko-KR" altLang="en-US"/>
+          </a:p>
+        </p:txBody>
+      </p:sp>
+      <p:sp>
+        <p:nvSpPr>
+          <p:cNvPr id="39" name="TextBox 38">
+            <a:extLst>
+              <a:ext uri="{FF2B5EF4-FFF2-40B4-BE49-F238E27FC236}">
+                <a16:creationId xmlns:a16="http://schemas.microsoft.com/office/drawing/2014/main" id="{70B56C59-29F0-AC52-F99C-0BB709255BFE}"/>
+              </a:ext>
+            </a:extLst>
+          </p:cNvPr>
+          <p:cNvSpPr txBox="1"/>
+          <p:nvPr/>
+        </p:nvSpPr>
+        <p:spPr>
+          <a:xfrm>
+            <a:off x="6337278" y="2802116"/>
+            <a:ext cx="689798" cy="246221"/>
+          </a:xfrm>
+          <a:prstGeom prst="rect">
+            <a:avLst/>
+          </a:prstGeom>
+          <a:noFill/>
+        </p:spPr>
+        <p:txBody>
+          <a:bodyPr wrap="square" rtlCol="0">
+            <a:spAutoFit/>
+          </a:bodyPr>
+          <a:lstStyle/>
+          <a:p>
+            <a:pPr algn="ctr"/>
+            <a:r>
+              <a:rPr kumimoji="1" lang="en-US" altLang="ko-KR" sz="1000" i="1"/>
+              <a:t>3times</a:t>
+            </a:r>
+            <a:endParaRPr kumimoji="1" lang="ko-KR" altLang="en-US" sz="1000" i="1"/>
+          </a:p>
+        </p:txBody>
+      </p:sp>
+      <p:cxnSp>
+        <p:nvCxnSpPr>
+          <p:cNvPr id="40" name="Straight Arrow Connector 81">
+            <a:extLst>
+              <a:ext uri="{FF2B5EF4-FFF2-40B4-BE49-F238E27FC236}">
+                <a16:creationId xmlns:a16="http://schemas.microsoft.com/office/drawing/2014/main" id="{CB047370-A1D1-79FB-507A-A4DFDBDB48D9}"/>
+              </a:ext>
+            </a:extLst>
+          </p:cNvPr>
+          <p:cNvCxnSpPr>
+            <a:cxnSpLocks/>
+          </p:cNvCxnSpPr>
+          <p:nvPr/>
+        </p:nvCxnSpPr>
+        <p:spPr>
+          <a:xfrm>
+            <a:off x="2346071" y="2617486"/>
+            <a:ext cx="3960440" cy="0"/>
+          </a:xfrm>
+          <a:prstGeom prst="straightConnector1">
+            <a:avLst/>
+          </a:prstGeom>
+          <a:ln>
+            <a:solidFill>
+              <a:schemeClr val="tx1"/>
+            </a:solidFill>
+            <a:headEnd type="triangle" w="med" len="med"/>
+            <a:tailEnd type="none" w="med" len="med"/>
+          </a:ln>
+        </p:spPr>
+        <p:style>
+          <a:lnRef idx="1">
+            <a:schemeClr val="accent1"/>
+          </a:lnRef>
+          <a:fillRef idx="0">
+            <a:schemeClr val="accent1"/>
+          </a:fillRef>
+          <a:effectRef idx="0">
+            <a:schemeClr val="accent1"/>
+          </a:effectRef>
+          <a:fontRef idx="minor">
+            <a:schemeClr val="tx1"/>
+          </a:fontRef>
+        </p:style>
+      </p:cxnSp>
+      <p:sp>
+        <p:nvSpPr>
+          <p:cNvPr id="41" name="TextBox 40">
+            <a:extLst>
+              <a:ext uri="{FF2B5EF4-FFF2-40B4-BE49-F238E27FC236}">
+                <a16:creationId xmlns:a16="http://schemas.microsoft.com/office/drawing/2014/main" id="{3B2D9504-C38D-1FFF-0E5E-268413E94871}"/>
+              </a:ext>
+            </a:extLst>
+          </p:cNvPr>
+          <p:cNvSpPr txBox="1"/>
+          <p:nvPr/>
+        </p:nvSpPr>
+        <p:spPr>
+          <a:xfrm>
+            <a:off x="2928454" y="2617485"/>
+            <a:ext cx="2795674" cy="246221"/>
+          </a:xfrm>
+          <a:prstGeom prst="rect">
+            <a:avLst/>
+          </a:prstGeom>
+          <a:noFill/>
+        </p:spPr>
+        <p:txBody>
+          <a:bodyPr wrap="square" rtlCol="0">
+            <a:spAutoFit/>
+          </a:bodyPr>
+          <a:lstStyle/>
+          <a:p>
+            <a:pPr algn="r"/>
+            <a:r>
+              <a:rPr kumimoji="1" lang="en-US" altLang="ko-KR" sz="1000" i="1"/>
+              <a:t>TCP RST</a:t>
+            </a:r>
+            <a:endParaRPr kumimoji="1" lang="ko-KR" altLang="en-US" sz="1000" i="1"/>
+          </a:p>
+        </p:txBody>
+      </p:sp>
+      <p:cxnSp>
+        <p:nvCxnSpPr>
+          <p:cNvPr id="42" name="Straight Arrow Connector 81">
+            <a:extLst>
+              <a:ext uri="{FF2B5EF4-FFF2-40B4-BE49-F238E27FC236}">
+                <a16:creationId xmlns:a16="http://schemas.microsoft.com/office/drawing/2014/main" id="{3E1C0C04-F759-A99B-8B4E-04DBBFDAB212}"/>
+              </a:ext>
+            </a:extLst>
+          </p:cNvPr>
+          <p:cNvCxnSpPr>
+            <a:cxnSpLocks/>
+          </p:cNvCxnSpPr>
+          <p:nvPr/>
+        </p:nvCxnSpPr>
+        <p:spPr>
+          <a:xfrm>
+            <a:off x="2346071" y="2925813"/>
+            <a:ext cx="3960440" cy="0"/>
+          </a:xfrm>
+          <a:prstGeom prst="straightConnector1">
+            <a:avLst/>
+          </a:prstGeom>
+          <a:ln>
+            <a:solidFill>
+              <a:schemeClr val="tx1"/>
+            </a:solidFill>
+            <a:tailEnd type="triangle"/>
+          </a:ln>
+        </p:spPr>
+        <p:style>
+          <a:lnRef idx="1">
+            <a:schemeClr val="accent1"/>
+          </a:lnRef>
+          <a:fillRef idx="0">
+            <a:schemeClr val="accent1"/>
+          </a:fillRef>
+          <a:effectRef idx="0">
+            <a:schemeClr val="accent1"/>
+          </a:effectRef>
+          <a:fontRef idx="minor">
+            <a:schemeClr val="tx1"/>
+          </a:fontRef>
+        </p:style>
+      </p:cxnSp>
+      <p:sp>
+        <p:nvSpPr>
+          <p:cNvPr id="43" name="TextBox 42">
+            <a:extLst>
+              <a:ext uri="{FF2B5EF4-FFF2-40B4-BE49-F238E27FC236}">
+                <a16:creationId xmlns:a16="http://schemas.microsoft.com/office/drawing/2014/main" id="{CE1298CA-2A75-1EBE-8141-3F011DEEE8F8}"/>
+              </a:ext>
+            </a:extLst>
+          </p:cNvPr>
+          <p:cNvSpPr txBox="1"/>
+          <p:nvPr/>
+        </p:nvSpPr>
+        <p:spPr>
+          <a:xfrm>
+            <a:off x="2928454" y="2679592"/>
+            <a:ext cx="2795674" cy="246221"/>
+          </a:xfrm>
+          <a:prstGeom prst="rect">
+            <a:avLst/>
+          </a:prstGeom>
+          <a:noFill/>
+        </p:spPr>
+        <p:txBody>
+          <a:bodyPr wrap="square" rtlCol="0">
+            <a:spAutoFit/>
+          </a:bodyPr>
+          <a:lstStyle/>
+          <a:p>
+            <a:r>
+              <a:rPr kumimoji="1" lang="en-US" altLang="ko-KR" sz="1000" i="1"/>
+              <a:t>GET </a:t>
+            </a:r>
+            <a:r>
+              <a:rPr lang="en" altLang="ko-KR" sz="1000" i="1"/>
+              <a:t>mock-server:8080/status/200</a:t>
+            </a:r>
+            <a:endParaRPr kumimoji="1" lang="ko-KR" altLang="en-US" sz="1000" i="1"/>
+          </a:p>
+        </p:txBody>
+      </p:sp>
+      <p:cxnSp>
+        <p:nvCxnSpPr>
+          <p:cNvPr id="44" name="Straight Arrow Connector 81">
+            <a:extLst>
+              <a:ext uri="{FF2B5EF4-FFF2-40B4-BE49-F238E27FC236}">
+                <a16:creationId xmlns:a16="http://schemas.microsoft.com/office/drawing/2014/main" id="{6DDF2384-9065-5A99-C22E-0E78EDC8ABAB}"/>
+              </a:ext>
+            </a:extLst>
+          </p:cNvPr>
+          <p:cNvCxnSpPr>
+            <a:cxnSpLocks/>
+          </p:cNvCxnSpPr>
+          <p:nvPr/>
+        </p:nvCxnSpPr>
+        <p:spPr>
+          <a:xfrm>
+            <a:off x="2346071" y="2987076"/>
+            <a:ext cx="3960440" cy="0"/>
+          </a:xfrm>
+          <a:prstGeom prst="straightConnector1">
+            <a:avLst/>
+          </a:prstGeom>
+          <a:ln>
+            <a:solidFill>
+              <a:schemeClr val="tx1"/>
+            </a:solidFill>
+            <a:headEnd type="triangle" w="med" len="med"/>
+            <a:tailEnd type="none" w="med" len="med"/>
+          </a:ln>
+        </p:spPr>
+        <p:style>
+          <a:lnRef idx="1">
+            <a:schemeClr val="accent1"/>
+          </a:lnRef>
+          <a:fillRef idx="0">
+            <a:schemeClr val="accent1"/>
+          </a:fillRef>
+          <a:effectRef idx="0">
+            <a:schemeClr val="accent1"/>
+          </a:effectRef>
+          <a:fontRef idx="minor">
+            <a:schemeClr val="tx1"/>
+          </a:fontRef>
+        </p:style>
+      </p:cxnSp>
+      <p:sp>
+        <p:nvSpPr>
+          <p:cNvPr id="45" name="TextBox 44">
+            <a:extLst>
+              <a:ext uri="{FF2B5EF4-FFF2-40B4-BE49-F238E27FC236}">
+                <a16:creationId xmlns:a16="http://schemas.microsoft.com/office/drawing/2014/main" id="{DDBBF713-7DDE-DA4F-2CE3-4BC4CC5698CD}"/>
+              </a:ext>
+            </a:extLst>
+          </p:cNvPr>
+          <p:cNvSpPr txBox="1"/>
+          <p:nvPr/>
+        </p:nvSpPr>
+        <p:spPr>
+          <a:xfrm>
+            <a:off x="2928454" y="2987075"/>
+            <a:ext cx="2795674" cy="246221"/>
+          </a:xfrm>
+          <a:prstGeom prst="rect">
+            <a:avLst/>
+          </a:prstGeom>
+          <a:noFill/>
+        </p:spPr>
+        <p:txBody>
+          <a:bodyPr wrap="square" rtlCol="0">
+            <a:spAutoFit/>
+          </a:bodyPr>
+          <a:lstStyle/>
+          <a:p>
+            <a:pPr algn="r"/>
+            <a:r>
+              <a:rPr kumimoji="1" lang="en-US" altLang="ko-KR" sz="1000" i="1"/>
+              <a:t>TCP RST</a:t>
+            </a:r>
+            <a:endParaRPr kumimoji="1" lang="ko-KR" altLang="en-US" sz="1000" i="1"/>
+          </a:p>
+        </p:txBody>
+      </p:sp>
+      <p:cxnSp>
+        <p:nvCxnSpPr>
+          <p:cNvPr id="46" name="Straight Arrow Connector 81">
+            <a:extLst>
+              <a:ext uri="{FF2B5EF4-FFF2-40B4-BE49-F238E27FC236}">
+                <a16:creationId xmlns:a16="http://schemas.microsoft.com/office/drawing/2014/main" id="{3AF615AF-39A5-3D3B-3ECA-E3E9D0CBD68B}"/>
+              </a:ext>
+            </a:extLst>
+          </p:cNvPr>
+          <p:cNvCxnSpPr>
+            <a:cxnSpLocks/>
+          </p:cNvCxnSpPr>
+          <p:nvPr/>
+        </p:nvCxnSpPr>
+        <p:spPr>
+          <a:xfrm>
+            <a:off x="2346071" y="3294558"/>
+            <a:ext cx="569745" cy="0"/>
+          </a:xfrm>
+          <a:prstGeom prst="straightConnector1">
+            <a:avLst/>
+          </a:prstGeom>
+          <a:ln>
+            <a:solidFill>
+              <a:schemeClr val="tx1"/>
+            </a:solidFill>
+            <a:tailEnd type="triangle"/>
+          </a:ln>
+        </p:spPr>
+        <p:style>
+          <a:lnRef idx="1">
+            <a:schemeClr val="accent1"/>
+          </a:lnRef>
+          <a:fillRef idx="0">
+            <a:schemeClr val="accent1"/>
+          </a:fillRef>
+          <a:effectRef idx="0">
+            <a:schemeClr val="accent1"/>
+          </a:effectRef>
+          <a:fontRef idx="minor">
+            <a:schemeClr val="tx1"/>
+          </a:fontRef>
+        </p:style>
+      </p:cxnSp>
+      <p:sp>
+        <p:nvSpPr>
+          <p:cNvPr id="47" name="TextBox 46">
+            <a:extLst>
+              <a:ext uri="{FF2B5EF4-FFF2-40B4-BE49-F238E27FC236}">
+                <a16:creationId xmlns:a16="http://schemas.microsoft.com/office/drawing/2014/main" id="{53512A37-9C14-018B-32BE-5AB8F6B8874A}"/>
+              </a:ext>
+            </a:extLst>
+          </p:cNvPr>
+          <p:cNvSpPr txBox="1"/>
+          <p:nvPr/>
+        </p:nvSpPr>
+        <p:spPr>
+          <a:xfrm>
+            <a:off x="2928454" y="3048337"/>
+            <a:ext cx="2795674" cy="246221"/>
+          </a:xfrm>
+          <a:prstGeom prst="rect">
+            <a:avLst/>
+          </a:prstGeom>
+          <a:noFill/>
+        </p:spPr>
+        <p:txBody>
+          <a:bodyPr wrap="square" rtlCol="0">
+            <a:spAutoFit/>
+          </a:bodyPr>
+          <a:lstStyle/>
+          <a:p>
+            <a:r>
+              <a:rPr kumimoji="1" lang="en-US" altLang="ko-KR" sz="1000" i="1"/>
+              <a:t>GET </a:t>
+            </a:r>
+            <a:r>
+              <a:rPr lang="en" altLang="ko-KR" sz="1000" i="1"/>
+              <a:t>mock-server:8080/status/200</a:t>
+            </a:r>
+            <a:endParaRPr kumimoji="1" lang="ko-KR" altLang="en-US" sz="1000" i="1"/>
+          </a:p>
+        </p:txBody>
+      </p:sp>
+      <p:cxnSp>
+        <p:nvCxnSpPr>
+          <p:cNvPr id="51" name="Straight Arrow Connector 81">
+            <a:extLst>
+              <a:ext uri="{FF2B5EF4-FFF2-40B4-BE49-F238E27FC236}">
+                <a16:creationId xmlns:a16="http://schemas.microsoft.com/office/drawing/2014/main" id="{5152A37B-C53B-F7AB-EFE0-16A2797D1541}"/>
+              </a:ext>
+            </a:extLst>
+          </p:cNvPr>
+          <p:cNvCxnSpPr>
+            <a:cxnSpLocks/>
+          </p:cNvCxnSpPr>
+          <p:nvPr/>
+        </p:nvCxnSpPr>
+        <p:spPr>
+          <a:xfrm>
+            <a:off x="2346071" y="3909523"/>
+            <a:ext cx="569745" cy="0"/>
+          </a:xfrm>
+          <a:prstGeom prst="straightConnector1">
+            <a:avLst/>
+          </a:prstGeom>
+          <a:ln>
+            <a:solidFill>
+              <a:schemeClr val="tx1"/>
+            </a:solidFill>
+            <a:tailEnd type="triangle"/>
+          </a:ln>
+        </p:spPr>
+        <p:style>
+          <a:lnRef idx="1">
+            <a:schemeClr val="accent1"/>
+          </a:lnRef>
+          <a:fillRef idx="0">
+            <a:schemeClr val="accent1"/>
+          </a:fillRef>
+          <a:effectRef idx="0">
+            <a:schemeClr val="accent1"/>
+          </a:effectRef>
+          <a:fontRef idx="minor">
+            <a:schemeClr val="tx1"/>
+          </a:fontRef>
+        </p:style>
+      </p:cxnSp>
+      <p:sp>
+        <p:nvSpPr>
+          <p:cNvPr id="52" name="TextBox 51">
+            <a:extLst>
+              <a:ext uri="{FF2B5EF4-FFF2-40B4-BE49-F238E27FC236}">
+                <a16:creationId xmlns:a16="http://schemas.microsoft.com/office/drawing/2014/main" id="{6E009FED-1A2B-FE7E-FD11-453FA1BB225B}"/>
+              </a:ext>
+            </a:extLst>
+          </p:cNvPr>
+          <p:cNvSpPr txBox="1"/>
+          <p:nvPr/>
+        </p:nvSpPr>
+        <p:spPr>
+          <a:xfrm>
+            <a:off x="2928454" y="3663302"/>
+            <a:ext cx="2795674" cy="246221"/>
+          </a:xfrm>
+          <a:prstGeom prst="rect">
+            <a:avLst/>
+          </a:prstGeom>
+          <a:noFill/>
+        </p:spPr>
+        <p:txBody>
+          <a:bodyPr wrap="square" rtlCol="0">
+            <a:spAutoFit/>
+          </a:bodyPr>
+          <a:lstStyle/>
+          <a:p>
+            <a:r>
+              <a:rPr kumimoji="1" lang="en-US" altLang="ko-KR" sz="1000" i="1"/>
+              <a:t>GET </a:t>
+            </a:r>
+            <a:r>
+              <a:rPr lang="en" altLang="ko-KR" sz="1000" i="1"/>
+              <a:t>mock-server:8080/status/200</a:t>
             </a:r>
             <a:endParaRPr kumimoji="1" lang="ko-KR" altLang="en-US" sz="1000" i="1"/>
           </a:p>
@@ -4803,6 +5148,1760 @@
   <p:cSld>
     <p:spTree>
       <p:nvGrpSpPr>
+        <p:cNvPr id="1" name="">
+          <a:extLst>
+            <a:ext uri="{FF2B5EF4-FFF2-40B4-BE49-F238E27FC236}">
+              <a16:creationId xmlns:a16="http://schemas.microsoft.com/office/drawing/2014/main" id="{EAB47C03-8604-8855-A140-9F4EEE3F6814}"/>
+            </a:ext>
+          </a:extLst>
+        </p:cNvPr>
+        <p:cNvGrpSpPr/>
+        <p:nvPr/>
+      </p:nvGrpSpPr>
+      <p:grpSpPr>
+        <a:xfrm>
+          <a:off x="0" y="0"/>
+          <a:ext cx="0" cy="0"/>
+          <a:chOff x="0" y="0"/>
+          <a:chExt cx="0" cy="0"/>
+        </a:xfrm>
+      </p:grpSpPr>
+      <p:sp>
+        <p:nvSpPr>
+          <p:cNvPr id="4" name="사각형: 둥근 모서리 29">
+            <a:extLst>
+              <a:ext uri="{FF2B5EF4-FFF2-40B4-BE49-F238E27FC236}">
+                <a16:creationId xmlns:a16="http://schemas.microsoft.com/office/drawing/2014/main" id="{A3921287-DE4A-277B-2F43-EEF650BB928A}"/>
+              </a:ext>
+            </a:extLst>
+          </p:cNvPr>
+          <p:cNvSpPr/>
+          <p:nvPr/>
+        </p:nvSpPr>
+        <p:spPr>
+          <a:xfrm>
+            <a:off x="1763688" y="411510"/>
+            <a:ext cx="1164765" cy="657290"/>
+          </a:xfrm>
+          <a:prstGeom prst="roundRect">
+            <a:avLst>
+              <a:gd name="adj" fmla="val 17374"/>
+            </a:avLst>
+          </a:prstGeom>
+          <a:ln w="12700"/>
+        </p:spPr>
+        <p:style>
+          <a:lnRef idx="2">
+            <a:schemeClr val="dk1"/>
+          </a:lnRef>
+          <a:fillRef idx="1">
+            <a:schemeClr val="lt1"/>
+          </a:fillRef>
+          <a:effectRef idx="0">
+            <a:schemeClr val="dk1"/>
+          </a:effectRef>
+          <a:fontRef idx="minor">
+            <a:schemeClr val="dk1"/>
+          </a:fontRef>
+        </p:style>
+        <p:txBody>
+          <a:bodyPr rtlCol="0" anchor="ctr"/>
+          <a:lstStyle/>
+          <a:p>
+            <a:pPr algn="ctr"/>
+            <a:r>
+              <a:rPr lang="en-US" altLang="ko-KR" sz="1000" b="1"/>
+              <a:t>shell</a:t>
+            </a:r>
+          </a:p>
+          <a:p>
+            <a:pPr algn="ctr"/>
+            <a:r>
+              <a:rPr lang="en-US" altLang="ko-KR" sz="1000"/>
+              <a:t>Pod</a:t>
+            </a:r>
+            <a:endParaRPr lang="ko-KR" altLang="en-US" sz="1000"/>
+          </a:p>
+        </p:txBody>
+      </p:sp>
+      <p:sp>
+        <p:nvSpPr>
+          <p:cNvPr id="5" name="사각형: 둥근 모서리 29">
+            <a:extLst>
+              <a:ext uri="{FF2B5EF4-FFF2-40B4-BE49-F238E27FC236}">
+                <a16:creationId xmlns:a16="http://schemas.microsoft.com/office/drawing/2014/main" id="{7EA3AE83-9389-EE9B-C85F-EE90AE117C10}"/>
+              </a:ext>
+            </a:extLst>
+          </p:cNvPr>
+          <p:cNvSpPr/>
+          <p:nvPr/>
+        </p:nvSpPr>
+        <p:spPr>
+          <a:xfrm>
+            <a:off x="5724128" y="411510"/>
+            <a:ext cx="1164765" cy="657290"/>
+          </a:xfrm>
+          <a:prstGeom prst="roundRect">
+            <a:avLst>
+              <a:gd name="adj" fmla="val 17374"/>
+            </a:avLst>
+          </a:prstGeom>
+          <a:ln w="12700"/>
+        </p:spPr>
+        <p:style>
+          <a:lnRef idx="2">
+            <a:schemeClr val="dk1"/>
+          </a:lnRef>
+          <a:fillRef idx="1">
+            <a:schemeClr val="lt1"/>
+          </a:fillRef>
+          <a:effectRef idx="0">
+            <a:schemeClr val="dk1"/>
+          </a:effectRef>
+          <a:fontRef idx="minor">
+            <a:schemeClr val="dk1"/>
+          </a:fontRef>
+        </p:style>
+        <p:txBody>
+          <a:bodyPr rtlCol="0" anchor="ctr"/>
+          <a:lstStyle/>
+          <a:p>
+            <a:pPr algn="ctr"/>
+            <a:r>
+              <a:rPr lang="en-US" altLang="ko-KR" sz="1000" b="1"/>
+              <a:t>mock-server</a:t>
+            </a:r>
+          </a:p>
+          <a:p>
+            <a:pPr algn="ctr"/>
+            <a:r>
+              <a:rPr lang="en-US" altLang="ko-KR" sz="1000"/>
+              <a:t>Pod</a:t>
+            </a:r>
+            <a:endParaRPr lang="ko-KR" altLang="en-US" sz="1000"/>
+          </a:p>
+        </p:txBody>
+      </p:sp>
+      <p:cxnSp>
+        <p:nvCxnSpPr>
+          <p:cNvPr id="8" name="Straight Arrow Connector 81">
+            <a:extLst>
+              <a:ext uri="{FF2B5EF4-FFF2-40B4-BE49-F238E27FC236}">
+                <a16:creationId xmlns:a16="http://schemas.microsoft.com/office/drawing/2014/main" id="{C044EB1E-B38E-A148-6C44-5DD54E6FD97A}"/>
+              </a:ext>
+            </a:extLst>
+          </p:cNvPr>
+          <p:cNvCxnSpPr>
+            <a:cxnSpLocks/>
+            <a:stCxn id="5" idx="2"/>
+          </p:cNvCxnSpPr>
+          <p:nvPr/>
+        </p:nvCxnSpPr>
+        <p:spPr>
+          <a:xfrm>
+            <a:off x="6306511" y="1068800"/>
+            <a:ext cx="0" cy="3375158"/>
+          </a:xfrm>
+          <a:prstGeom prst="straightConnector1">
+            <a:avLst/>
+          </a:prstGeom>
+          <a:ln>
+            <a:solidFill>
+              <a:schemeClr val="tx1"/>
+            </a:solidFill>
+            <a:prstDash val="dash"/>
+            <a:tailEnd type="triangle"/>
+          </a:ln>
+        </p:spPr>
+        <p:style>
+          <a:lnRef idx="1">
+            <a:schemeClr val="accent1"/>
+          </a:lnRef>
+          <a:fillRef idx="0">
+            <a:schemeClr val="accent1"/>
+          </a:fillRef>
+          <a:effectRef idx="0">
+            <a:schemeClr val="accent1"/>
+          </a:effectRef>
+          <a:fontRef idx="minor">
+            <a:schemeClr val="tx1"/>
+          </a:fontRef>
+        </p:style>
+      </p:cxnSp>
+      <p:cxnSp>
+        <p:nvCxnSpPr>
+          <p:cNvPr id="2" name="Straight Arrow Connector 81">
+            <a:extLst>
+              <a:ext uri="{FF2B5EF4-FFF2-40B4-BE49-F238E27FC236}">
+                <a16:creationId xmlns:a16="http://schemas.microsoft.com/office/drawing/2014/main" id="{FAA025F6-DCDA-96CC-E482-D8998BF4996D}"/>
+              </a:ext>
+            </a:extLst>
+          </p:cNvPr>
+          <p:cNvCxnSpPr>
+            <a:cxnSpLocks/>
+            <a:stCxn id="4" idx="2"/>
+          </p:cNvCxnSpPr>
+          <p:nvPr/>
+        </p:nvCxnSpPr>
+        <p:spPr>
+          <a:xfrm>
+            <a:off x="2346071" y="1068800"/>
+            <a:ext cx="0" cy="3375158"/>
+          </a:xfrm>
+          <a:prstGeom prst="straightConnector1">
+            <a:avLst/>
+          </a:prstGeom>
+          <a:ln>
+            <a:solidFill>
+              <a:schemeClr val="tx1"/>
+            </a:solidFill>
+            <a:prstDash val="dash"/>
+            <a:tailEnd type="triangle"/>
+          </a:ln>
+        </p:spPr>
+        <p:style>
+          <a:lnRef idx="1">
+            <a:schemeClr val="accent1"/>
+          </a:lnRef>
+          <a:fillRef idx="0">
+            <a:schemeClr val="accent1"/>
+          </a:fillRef>
+          <a:effectRef idx="0">
+            <a:schemeClr val="accent1"/>
+          </a:effectRef>
+          <a:fontRef idx="minor">
+            <a:schemeClr val="tx1"/>
+          </a:fontRef>
+        </p:style>
+      </p:cxnSp>
+      <p:cxnSp>
+        <p:nvCxnSpPr>
+          <p:cNvPr id="17" name="Straight Arrow Connector 81">
+            <a:extLst>
+              <a:ext uri="{FF2B5EF4-FFF2-40B4-BE49-F238E27FC236}">
+                <a16:creationId xmlns:a16="http://schemas.microsoft.com/office/drawing/2014/main" id="{C3910DC2-8FB1-966B-02B2-FCAA2292CAE5}"/>
+              </a:ext>
+            </a:extLst>
+          </p:cNvPr>
+          <p:cNvCxnSpPr>
+            <a:cxnSpLocks/>
+          </p:cNvCxnSpPr>
+          <p:nvPr/>
+        </p:nvCxnSpPr>
+        <p:spPr>
+          <a:xfrm>
+            <a:off x="2346071" y="1203596"/>
+            <a:ext cx="3960440" cy="0"/>
+          </a:xfrm>
+          <a:prstGeom prst="straightConnector1">
+            <a:avLst/>
+          </a:prstGeom>
+          <a:ln>
+            <a:solidFill>
+              <a:schemeClr val="tx1"/>
+            </a:solidFill>
+            <a:tailEnd type="triangle"/>
+          </a:ln>
+        </p:spPr>
+        <p:style>
+          <a:lnRef idx="1">
+            <a:schemeClr val="accent1"/>
+          </a:lnRef>
+          <a:fillRef idx="0">
+            <a:schemeClr val="accent1"/>
+          </a:fillRef>
+          <a:effectRef idx="0">
+            <a:schemeClr val="accent1"/>
+          </a:effectRef>
+          <a:fontRef idx="minor">
+            <a:schemeClr val="tx1"/>
+          </a:fontRef>
+        </p:style>
+      </p:cxnSp>
+      <p:sp>
+        <p:nvSpPr>
+          <p:cNvPr id="20" name="TextBox 19">
+            <a:extLst>
+              <a:ext uri="{FF2B5EF4-FFF2-40B4-BE49-F238E27FC236}">
+                <a16:creationId xmlns:a16="http://schemas.microsoft.com/office/drawing/2014/main" id="{6BB569B8-566E-8A4B-3850-9862BCB57E1B}"/>
+              </a:ext>
+            </a:extLst>
+          </p:cNvPr>
+          <p:cNvSpPr txBox="1"/>
+          <p:nvPr/>
+        </p:nvSpPr>
+        <p:spPr>
+          <a:xfrm>
+            <a:off x="2928454" y="957375"/>
+            <a:ext cx="2795674" cy="246221"/>
+          </a:xfrm>
+          <a:prstGeom prst="rect">
+            <a:avLst/>
+          </a:prstGeom>
+          <a:noFill/>
+        </p:spPr>
+        <p:txBody>
+          <a:bodyPr wrap="square" rtlCol="0">
+            <a:spAutoFit/>
+          </a:bodyPr>
+          <a:lstStyle/>
+          <a:p>
+            <a:r>
+              <a:rPr kumimoji="1" lang="en-US" altLang="ko-KR" sz="1000" i="1"/>
+              <a:t>GET </a:t>
+            </a:r>
+            <a:r>
+              <a:rPr lang="en" altLang="ko-KR" sz="1000" i="1"/>
+              <a:t>mock-server:8080/status/200</a:t>
+            </a:r>
+            <a:endParaRPr kumimoji="1" lang="ko-KR" altLang="en-US" sz="1000" i="1"/>
+          </a:p>
+        </p:txBody>
+      </p:sp>
+      <p:sp>
+        <p:nvSpPr>
+          <p:cNvPr id="13" name="호 12">
+            <a:extLst>
+              <a:ext uri="{FF2B5EF4-FFF2-40B4-BE49-F238E27FC236}">
+                <a16:creationId xmlns:a16="http://schemas.microsoft.com/office/drawing/2014/main" id="{63CB48C8-9AFC-1197-17E3-80EB9491D68F}"/>
+              </a:ext>
+            </a:extLst>
+          </p:cNvPr>
+          <p:cNvSpPr/>
+          <p:nvPr/>
+        </p:nvSpPr>
+        <p:spPr>
+          <a:xfrm>
+            <a:off x="6168329" y="1199086"/>
+            <a:ext cx="276349" cy="741998"/>
+          </a:xfrm>
+          <a:prstGeom prst="arc">
+            <a:avLst>
+              <a:gd name="adj1" fmla="val 16200000"/>
+              <a:gd name="adj2" fmla="val 5412057"/>
+            </a:avLst>
+          </a:prstGeom>
+          <a:ln>
+            <a:solidFill>
+              <a:schemeClr val="tx1"/>
+            </a:solidFill>
+            <a:headEnd type="none" w="med" len="med"/>
+            <a:tailEnd type="triangle" w="med" len="med"/>
+          </a:ln>
+        </p:spPr>
+        <p:style>
+          <a:lnRef idx="1">
+            <a:schemeClr val="accent1"/>
+          </a:lnRef>
+          <a:fillRef idx="0">
+            <a:schemeClr val="accent1"/>
+          </a:fillRef>
+          <a:effectRef idx="0">
+            <a:schemeClr val="accent1"/>
+          </a:effectRef>
+          <a:fontRef idx="minor">
+            <a:schemeClr val="tx1"/>
+          </a:fontRef>
+        </p:style>
+        <p:txBody>
+          <a:bodyPr rtlCol="0" anchor="ctr"/>
+          <a:lstStyle/>
+          <a:p>
+            <a:pPr algn="ctr"/>
+            <a:endParaRPr kumimoji="1" lang="ko-KR" altLang="en-US"/>
+          </a:p>
+        </p:txBody>
+      </p:sp>
+      <p:sp>
+        <p:nvSpPr>
+          <p:cNvPr id="14" name="TextBox 13">
+            <a:extLst>
+              <a:ext uri="{FF2B5EF4-FFF2-40B4-BE49-F238E27FC236}">
+                <a16:creationId xmlns:a16="http://schemas.microsoft.com/office/drawing/2014/main" id="{ED7FDF94-EFE3-D6EF-5614-B2D20E9768AC}"/>
+              </a:ext>
+            </a:extLst>
+          </p:cNvPr>
+          <p:cNvSpPr txBox="1"/>
+          <p:nvPr/>
+        </p:nvSpPr>
+        <p:spPr>
+          <a:xfrm>
+            <a:off x="6337278" y="1449489"/>
+            <a:ext cx="689798" cy="246221"/>
+          </a:xfrm>
+          <a:prstGeom prst="rect">
+            <a:avLst/>
+          </a:prstGeom>
+          <a:noFill/>
+        </p:spPr>
+        <p:txBody>
+          <a:bodyPr wrap="square" rtlCol="0">
+            <a:spAutoFit/>
+          </a:bodyPr>
+          <a:lstStyle/>
+          <a:p>
+            <a:pPr algn="ctr"/>
+            <a:r>
+              <a:rPr kumimoji="1" lang="en-US" altLang="ko-KR" sz="1000" i="1"/>
+              <a:t>3times</a:t>
+            </a:r>
+            <a:endParaRPr kumimoji="1" lang="ko-KR" altLang="en-US" sz="1000" i="1"/>
+          </a:p>
+        </p:txBody>
+      </p:sp>
+      <p:cxnSp>
+        <p:nvCxnSpPr>
+          <p:cNvPr id="7" name="Straight Arrow Connector 81">
+            <a:extLst>
+              <a:ext uri="{FF2B5EF4-FFF2-40B4-BE49-F238E27FC236}">
+                <a16:creationId xmlns:a16="http://schemas.microsoft.com/office/drawing/2014/main" id="{3EF49D4C-55EC-0F5B-04B2-C7C00CF860D1}"/>
+              </a:ext>
+            </a:extLst>
+          </p:cNvPr>
+          <p:cNvCxnSpPr>
+            <a:cxnSpLocks/>
+          </p:cNvCxnSpPr>
+          <p:nvPr/>
+        </p:nvCxnSpPr>
+        <p:spPr>
+          <a:xfrm>
+            <a:off x="2346071" y="1264859"/>
+            <a:ext cx="3960440" cy="0"/>
+          </a:xfrm>
+          <a:prstGeom prst="straightConnector1">
+            <a:avLst/>
+          </a:prstGeom>
+          <a:ln>
+            <a:solidFill>
+              <a:schemeClr val="tx1"/>
+            </a:solidFill>
+            <a:headEnd type="triangle" w="med" len="med"/>
+            <a:tailEnd type="none" w="med" len="med"/>
+          </a:ln>
+        </p:spPr>
+        <p:style>
+          <a:lnRef idx="1">
+            <a:schemeClr val="accent1"/>
+          </a:lnRef>
+          <a:fillRef idx="0">
+            <a:schemeClr val="accent1"/>
+          </a:fillRef>
+          <a:effectRef idx="0">
+            <a:schemeClr val="accent1"/>
+          </a:effectRef>
+          <a:fontRef idx="minor">
+            <a:schemeClr val="tx1"/>
+          </a:fontRef>
+        </p:style>
+      </p:cxnSp>
+      <p:sp>
+        <p:nvSpPr>
+          <p:cNvPr id="9" name="TextBox 8">
+            <a:extLst>
+              <a:ext uri="{FF2B5EF4-FFF2-40B4-BE49-F238E27FC236}">
+                <a16:creationId xmlns:a16="http://schemas.microsoft.com/office/drawing/2014/main" id="{B24CC50B-7398-456C-F972-22C19214AD1B}"/>
+              </a:ext>
+            </a:extLst>
+          </p:cNvPr>
+          <p:cNvSpPr txBox="1"/>
+          <p:nvPr/>
+        </p:nvSpPr>
+        <p:spPr>
+          <a:xfrm>
+            <a:off x="2928454" y="1264858"/>
+            <a:ext cx="2795674" cy="246221"/>
+          </a:xfrm>
+          <a:prstGeom prst="rect">
+            <a:avLst/>
+          </a:prstGeom>
+          <a:noFill/>
+        </p:spPr>
+        <p:txBody>
+          <a:bodyPr wrap="square" rtlCol="0">
+            <a:spAutoFit/>
+          </a:bodyPr>
+          <a:lstStyle/>
+          <a:p>
+            <a:pPr algn="r"/>
+            <a:r>
+              <a:rPr kumimoji="1" lang="en-US" altLang="ko-KR" sz="1000" i="1"/>
+              <a:t>TCP RST</a:t>
+            </a:r>
+            <a:endParaRPr kumimoji="1" lang="ko-KR" altLang="en-US" sz="1000" i="1"/>
+          </a:p>
+        </p:txBody>
+      </p:sp>
+      <p:cxnSp>
+        <p:nvCxnSpPr>
+          <p:cNvPr id="12" name="Straight Arrow Connector 81">
+            <a:extLst>
+              <a:ext uri="{FF2B5EF4-FFF2-40B4-BE49-F238E27FC236}">
+                <a16:creationId xmlns:a16="http://schemas.microsoft.com/office/drawing/2014/main" id="{509D3887-C167-5845-FF27-B2740E1F6B78}"/>
+              </a:ext>
+            </a:extLst>
+          </p:cNvPr>
+          <p:cNvCxnSpPr>
+            <a:cxnSpLocks/>
+          </p:cNvCxnSpPr>
+          <p:nvPr/>
+        </p:nvCxnSpPr>
+        <p:spPr>
+          <a:xfrm>
+            <a:off x="2346071" y="1573186"/>
+            <a:ext cx="3960440" cy="0"/>
+          </a:xfrm>
+          <a:prstGeom prst="straightConnector1">
+            <a:avLst/>
+          </a:prstGeom>
+          <a:ln>
+            <a:solidFill>
+              <a:schemeClr val="tx1"/>
+            </a:solidFill>
+            <a:tailEnd type="triangle"/>
+          </a:ln>
+        </p:spPr>
+        <p:style>
+          <a:lnRef idx="1">
+            <a:schemeClr val="accent1"/>
+          </a:lnRef>
+          <a:fillRef idx="0">
+            <a:schemeClr val="accent1"/>
+          </a:fillRef>
+          <a:effectRef idx="0">
+            <a:schemeClr val="accent1"/>
+          </a:effectRef>
+          <a:fontRef idx="minor">
+            <a:schemeClr val="tx1"/>
+          </a:fontRef>
+        </p:style>
+      </p:cxnSp>
+      <p:sp>
+        <p:nvSpPr>
+          <p:cNvPr id="21" name="TextBox 20">
+            <a:extLst>
+              <a:ext uri="{FF2B5EF4-FFF2-40B4-BE49-F238E27FC236}">
+                <a16:creationId xmlns:a16="http://schemas.microsoft.com/office/drawing/2014/main" id="{A59AA48B-D489-02AC-57AD-B755F92A27B2}"/>
+              </a:ext>
+            </a:extLst>
+          </p:cNvPr>
+          <p:cNvSpPr txBox="1"/>
+          <p:nvPr/>
+        </p:nvSpPr>
+        <p:spPr>
+          <a:xfrm>
+            <a:off x="2928454" y="1326965"/>
+            <a:ext cx="2795674" cy="246221"/>
+          </a:xfrm>
+          <a:prstGeom prst="rect">
+            <a:avLst/>
+          </a:prstGeom>
+          <a:noFill/>
+        </p:spPr>
+        <p:txBody>
+          <a:bodyPr wrap="square" rtlCol="0">
+            <a:spAutoFit/>
+          </a:bodyPr>
+          <a:lstStyle/>
+          <a:p>
+            <a:r>
+              <a:rPr kumimoji="1" lang="en-US" altLang="ko-KR" sz="1000" i="1"/>
+              <a:t>GET </a:t>
+            </a:r>
+            <a:r>
+              <a:rPr lang="en" altLang="ko-KR" sz="1000" i="1"/>
+              <a:t>mock-server:8080/status/200</a:t>
+            </a:r>
+            <a:endParaRPr kumimoji="1" lang="ko-KR" altLang="en-US" sz="1000" i="1"/>
+          </a:p>
+        </p:txBody>
+      </p:sp>
+      <p:cxnSp>
+        <p:nvCxnSpPr>
+          <p:cNvPr id="23" name="Straight Arrow Connector 81">
+            <a:extLst>
+              <a:ext uri="{FF2B5EF4-FFF2-40B4-BE49-F238E27FC236}">
+                <a16:creationId xmlns:a16="http://schemas.microsoft.com/office/drawing/2014/main" id="{C7381311-C275-4B48-77E3-F57CD88FCDB3}"/>
+              </a:ext>
+            </a:extLst>
+          </p:cNvPr>
+          <p:cNvCxnSpPr>
+            <a:cxnSpLocks/>
+          </p:cNvCxnSpPr>
+          <p:nvPr/>
+        </p:nvCxnSpPr>
+        <p:spPr>
+          <a:xfrm>
+            <a:off x="2346071" y="1634449"/>
+            <a:ext cx="3960440" cy="0"/>
+          </a:xfrm>
+          <a:prstGeom prst="straightConnector1">
+            <a:avLst/>
+          </a:prstGeom>
+          <a:ln>
+            <a:solidFill>
+              <a:schemeClr val="tx1"/>
+            </a:solidFill>
+            <a:headEnd type="triangle" w="med" len="med"/>
+            <a:tailEnd type="none" w="med" len="med"/>
+          </a:ln>
+        </p:spPr>
+        <p:style>
+          <a:lnRef idx="1">
+            <a:schemeClr val="accent1"/>
+          </a:lnRef>
+          <a:fillRef idx="0">
+            <a:schemeClr val="accent1"/>
+          </a:fillRef>
+          <a:effectRef idx="0">
+            <a:schemeClr val="accent1"/>
+          </a:effectRef>
+          <a:fontRef idx="minor">
+            <a:schemeClr val="tx1"/>
+          </a:fontRef>
+        </p:style>
+      </p:cxnSp>
+      <p:sp>
+        <p:nvSpPr>
+          <p:cNvPr id="24" name="TextBox 23">
+            <a:extLst>
+              <a:ext uri="{FF2B5EF4-FFF2-40B4-BE49-F238E27FC236}">
+                <a16:creationId xmlns:a16="http://schemas.microsoft.com/office/drawing/2014/main" id="{7436EAC3-8CA8-873D-E962-DF07C695D9EA}"/>
+              </a:ext>
+            </a:extLst>
+          </p:cNvPr>
+          <p:cNvSpPr txBox="1"/>
+          <p:nvPr/>
+        </p:nvSpPr>
+        <p:spPr>
+          <a:xfrm>
+            <a:off x="2928454" y="1634448"/>
+            <a:ext cx="2795674" cy="246221"/>
+          </a:xfrm>
+          <a:prstGeom prst="rect">
+            <a:avLst/>
+          </a:prstGeom>
+          <a:noFill/>
+        </p:spPr>
+        <p:txBody>
+          <a:bodyPr wrap="square" rtlCol="0">
+            <a:spAutoFit/>
+          </a:bodyPr>
+          <a:lstStyle/>
+          <a:p>
+            <a:pPr algn="r"/>
+            <a:r>
+              <a:rPr kumimoji="1" lang="en-US" altLang="ko-KR" sz="1000" i="1"/>
+              <a:t>TCP RST</a:t>
+            </a:r>
+            <a:endParaRPr kumimoji="1" lang="ko-KR" altLang="en-US" sz="1000" i="1"/>
+          </a:p>
+        </p:txBody>
+      </p:sp>
+      <p:cxnSp>
+        <p:nvCxnSpPr>
+          <p:cNvPr id="32" name="Straight Arrow Connector 81">
+            <a:extLst>
+              <a:ext uri="{FF2B5EF4-FFF2-40B4-BE49-F238E27FC236}">
+                <a16:creationId xmlns:a16="http://schemas.microsoft.com/office/drawing/2014/main" id="{55387091-048A-DC75-4CD7-D18B293B1A1D}"/>
+              </a:ext>
+            </a:extLst>
+          </p:cNvPr>
+          <p:cNvCxnSpPr>
+            <a:cxnSpLocks/>
+          </p:cNvCxnSpPr>
+          <p:nvPr/>
+        </p:nvCxnSpPr>
+        <p:spPr>
+          <a:xfrm>
+            <a:off x="2346071" y="1941931"/>
+            <a:ext cx="3960440" cy="0"/>
+          </a:xfrm>
+          <a:prstGeom prst="straightConnector1">
+            <a:avLst/>
+          </a:prstGeom>
+          <a:ln>
+            <a:solidFill>
+              <a:schemeClr val="tx1"/>
+            </a:solidFill>
+            <a:tailEnd type="triangle"/>
+          </a:ln>
+        </p:spPr>
+        <p:style>
+          <a:lnRef idx="1">
+            <a:schemeClr val="accent1"/>
+          </a:lnRef>
+          <a:fillRef idx="0">
+            <a:schemeClr val="accent1"/>
+          </a:fillRef>
+          <a:effectRef idx="0">
+            <a:schemeClr val="accent1"/>
+          </a:effectRef>
+          <a:fontRef idx="minor">
+            <a:schemeClr val="tx1"/>
+          </a:fontRef>
+        </p:style>
+      </p:cxnSp>
+      <p:sp>
+        <p:nvSpPr>
+          <p:cNvPr id="33" name="TextBox 32">
+            <a:extLst>
+              <a:ext uri="{FF2B5EF4-FFF2-40B4-BE49-F238E27FC236}">
+                <a16:creationId xmlns:a16="http://schemas.microsoft.com/office/drawing/2014/main" id="{D165F276-8FD8-05D3-B5B3-8F18F4FB62CC}"/>
+              </a:ext>
+            </a:extLst>
+          </p:cNvPr>
+          <p:cNvSpPr txBox="1"/>
+          <p:nvPr/>
+        </p:nvSpPr>
+        <p:spPr>
+          <a:xfrm>
+            <a:off x="2928454" y="1695710"/>
+            <a:ext cx="2795674" cy="246221"/>
+          </a:xfrm>
+          <a:prstGeom prst="rect">
+            <a:avLst/>
+          </a:prstGeom>
+          <a:noFill/>
+        </p:spPr>
+        <p:txBody>
+          <a:bodyPr wrap="square" rtlCol="0">
+            <a:spAutoFit/>
+          </a:bodyPr>
+          <a:lstStyle/>
+          <a:p>
+            <a:r>
+              <a:rPr kumimoji="1" lang="en-US" altLang="ko-KR" sz="1000" i="1"/>
+              <a:t>GET </a:t>
+            </a:r>
+            <a:r>
+              <a:rPr lang="en" altLang="ko-KR" sz="1000" i="1"/>
+              <a:t>mock-server:8080/status/200</a:t>
+            </a:r>
+            <a:endParaRPr kumimoji="1" lang="ko-KR" altLang="en-US" sz="1000" i="1"/>
+          </a:p>
+        </p:txBody>
+      </p:sp>
+      <p:cxnSp>
+        <p:nvCxnSpPr>
+          <p:cNvPr id="34" name="Straight Arrow Connector 81">
+            <a:extLst>
+              <a:ext uri="{FF2B5EF4-FFF2-40B4-BE49-F238E27FC236}">
+                <a16:creationId xmlns:a16="http://schemas.microsoft.com/office/drawing/2014/main" id="{6EAF61D1-4BCB-5DF0-A218-7971B4B9C96B}"/>
+              </a:ext>
+            </a:extLst>
+          </p:cNvPr>
+          <p:cNvCxnSpPr>
+            <a:cxnSpLocks/>
+          </p:cNvCxnSpPr>
+          <p:nvPr/>
+        </p:nvCxnSpPr>
+        <p:spPr>
+          <a:xfrm>
+            <a:off x="2346071" y="2003194"/>
+            <a:ext cx="3960440" cy="0"/>
+          </a:xfrm>
+          <a:prstGeom prst="straightConnector1">
+            <a:avLst/>
+          </a:prstGeom>
+          <a:ln>
+            <a:solidFill>
+              <a:schemeClr val="tx1"/>
+            </a:solidFill>
+            <a:headEnd type="triangle" w="med" len="med"/>
+            <a:tailEnd type="none" w="med" len="med"/>
+          </a:ln>
+        </p:spPr>
+        <p:style>
+          <a:lnRef idx="1">
+            <a:schemeClr val="accent1"/>
+          </a:lnRef>
+          <a:fillRef idx="0">
+            <a:schemeClr val="accent1"/>
+          </a:fillRef>
+          <a:effectRef idx="0">
+            <a:schemeClr val="accent1"/>
+          </a:effectRef>
+          <a:fontRef idx="minor">
+            <a:schemeClr val="tx1"/>
+          </a:fontRef>
+        </p:style>
+      </p:cxnSp>
+      <p:sp>
+        <p:nvSpPr>
+          <p:cNvPr id="35" name="TextBox 34">
+            <a:extLst>
+              <a:ext uri="{FF2B5EF4-FFF2-40B4-BE49-F238E27FC236}">
+                <a16:creationId xmlns:a16="http://schemas.microsoft.com/office/drawing/2014/main" id="{9FD5FDBF-2876-BC51-C4A5-E9CC294C8847}"/>
+              </a:ext>
+            </a:extLst>
+          </p:cNvPr>
+          <p:cNvSpPr txBox="1"/>
+          <p:nvPr/>
+        </p:nvSpPr>
+        <p:spPr>
+          <a:xfrm>
+            <a:off x="2928454" y="2003193"/>
+            <a:ext cx="2795674" cy="246221"/>
+          </a:xfrm>
+          <a:prstGeom prst="rect">
+            <a:avLst/>
+          </a:prstGeom>
+          <a:noFill/>
+        </p:spPr>
+        <p:txBody>
+          <a:bodyPr wrap="square" rtlCol="0">
+            <a:spAutoFit/>
+          </a:bodyPr>
+          <a:lstStyle/>
+          <a:p>
+            <a:pPr algn="r"/>
+            <a:r>
+              <a:rPr kumimoji="1" lang="en-US" altLang="ko-KR" sz="1000" i="1"/>
+              <a:t>TCP RST</a:t>
+            </a:r>
+            <a:endParaRPr kumimoji="1" lang="ko-KR" altLang="en-US" sz="1000" i="1"/>
+          </a:p>
+        </p:txBody>
+      </p:sp>
+      <p:cxnSp>
+        <p:nvCxnSpPr>
+          <p:cNvPr id="36" name="Straight Arrow Connector 81">
+            <a:extLst>
+              <a:ext uri="{FF2B5EF4-FFF2-40B4-BE49-F238E27FC236}">
+                <a16:creationId xmlns:a16="http://schemas.microsoft.com/office/drawing/2014/main" id="{3DE2B306-823A-E86B-7D03-DF7A85622EE5}"/>
+              </a:ext>
+            </a:extLst>
+          </p:cNvPr>
+          <p:cNvCxnSpPr>
+            <a:cxnSpLocks/>
+          </p:cNvCxnSpPr>
+          <p:nvPr/>
+        </p:nvCxnSpPr>
+        <p:spPr>
+          <a:xfrm>
+            <a:off x="2346071" y="2556223"/>
+            <a:ext cx="3960440" cy="0"/>
+          </a:xfrm>
+          <a:prstGeom prst="straightConnector1">
+            <a:avLst/>
+          </a:prstGeom>
+          <a:ln>
+            <a:solidFill>
+              <a:schemeClr val="tx1"/>
+            </a:solidFill>
+            <a:tailEnd type="triangle"/>
+          </a:ln>
+        </p:spPr>
+        <p:style>
+          <a:lnRef idx="1">
+            <a:schemeClr val="accent1"/>
+          </a:lnRef>
+          <a:fillRef idx="0">
+            <a:schemeClr val="accent1"/>
+          </a:fillRef>
+          <a:effectRef idx="0">
+            <a:schemeClr val="accent1"/>
+          </a:effectRef>
+          <a:fontRef idx="minor">
+            <a:schemeClr val="tx1"/>
+          </a:fontRef>
+        </p:style>
+      </p:cxnSp>
+      <p:sp>
+        <p:nvSpPr>
+          <p:cNvPr id="37" name="TextBox 36">
+            <a:extLst>
+              <a:ext uri="{FF2B5EF4-FFF2-40B4-BE49-F238E27FC236}">
+                <a16:creationId xmlns:a16="http://schemas.microsoft.com/office/drawing/2014/main" id="{C243A749-ADD6-EE6C-EE40-2AA14F676275}"/>
+              </a:ext>
+            </a:extLst>
+          </p:cNvPr>
+          <p:cNvSpPr txBox="1"/>
+          <p:nvPr/>
+        </p:nvSpPr>
+        <p:spPr>
+          <a:xfrm>
+            <a:off x="2928454" y="2310002"/>
+            <a:ext cx="2795674" cy="246221"/>
+          </a:xfrm>
+          <a:prstGeom prst="rect">
+            <a:avLst/>
+          </a:prstGeom>
+          <a:noFill/>
+        </p:spPr>
+        <p:txBody>
+          <a:bodyPr wrap="square" rtlCol="0">
+            <a:spAutoFit/>
+          </a:bodyPr>
+          <a:lstStyle/>
+          <a:p>
+            <a:r>
+              <a:rPr kumimoji="1" lang="en-US" altLang="ko-KR" sz="1000" i="1"/>
+              <a:t>GET </a:t>
+            </a:r>
+            <a:r>
+              <a:rPr lang="en" altLang="ko-KR" sz="1000" i="1"/>
+              <a:t>mock-server:8080/status/200</a:t>
+            </a:r>
+            <a:endParaRPr kumimoji="1" lang="ko-KR" altLang="en-US" sz="1000" i="1"/>
+          </a:p>
+        </p:txBody>
+      </p:sp>
+      <p:sp>
+        <p:nvSpPr>
+          <p:cNvPr id="38" name="호 37">
+            <a:extLst>
+              <a:ext uri="{FF2B5EF4-FFF2-40B4-BE49-F238E27FC236}">
+                <a16:creationId xmlns:a16="http://schemas.microsoft.com/office/drawing/2014/main" id="{79EF7BB9-C6BD-D40F-9EC5-8BD92591603A}"/>
+              </a:ext>
+            </a:extLst>
+          </p:cNvPr>
+          <p:cNvSpPr/>
+          <p:nvPr/>
+        </p:nvSpPr>
+        <p:spPr>
+          <a:xfrm>
+            <a:off x="6168329" y="2551713"/>
+            <a:ext cx="291216" cy="740118"/>
+          </a:xfrm>
+          <a:prstGeom prst="arc">
+            <a:avLst>
+              <a:gd name="adj1" fmla="val 16200000"/>
+              <a:gd name="adj2" fmla="val 5412057"/>
+            </a:avLst>
+          </a:prstGeom>
+          <a:ln>
+            <a:solidFill>
+              <a:schemeClr val="tx1"/>
+            </a:solidFill>
+            <a:headEnd type="none" w="med" len="med"/>
+            <a:tailEnd type="triangle" w="med" len="med"/>
+          </a:ln>
+        </p:spPr>
+        <p:style>
+          <a:lnRef idx="1">
+            <a:schemeClr val="accent1"/>
+          </a:lnRef>
+          <a:fillRef idx="0">
+            <a:schemeClr val="accent1"/>
+          </a:fillRef>
+          <a:effectRef idx="0">
+            <a:schemeClr val="accent1"/>
+          </a:effectRef>
+          <a:fontRef idx="minor">
+            <a:schemeClr val="tx1"/>
+          </a:fontRef>
+        </p:style>
+        <p:txBody>
+          <a:bodyPr rtlCol="0" anchor="ctr"/>
+          <a:lstStyle/>
+          <a:p>
+            <a:pPr algn="ctr"/>
+            <a:endParaRPr kumimoji="1" lang="ko-KR" altLang="en-US"/>
+          </a:p>
+        </p:txBody>
+      </p:sp>
+      <p:sp>
+        <p:nvSpPr>
+          <p:cNvPr id="39" name="TextBox 38">
+            <a:extLst>
+              <a:ext uri="{FF2B5EF4-FFF2-40B4-BE49-F238E27FC236}">
+                <a16:creationId xmlns:a16="http://schemas.microsoft.com/office/drawing/2014/main" id="{59240B6D-D301-6BF5-D225-127FC2B2F58A}"/>
+              </a:ext>
+            </a:extLst>
+          </p:cNvPr>
+          <p:cNvSpPr txBox="1"/>
+          <p:nvPr/>
+        </p:nvSpPr>
+        <p:spPr>
+          <a:xfrm>
+            <a:off x="6337278" y="2802116"/>
+            <a:ext cx="689798" cy="246221"/>
+          </a:xfrm>
+          <a:prstGeom prst="rect">
+            <a:avLst/>
+          </a:prstGeom>
+          <a:noFill/>
+        </p:spPr>
+        <p:txBody>
+          <a:bodyPr wrap="square" rtlCol="0">
+            <a:spAutoFit/>
+          </a:bodyPr>
+          <a:lstStyle/>
+          <a:p>
+            <a:pPr algn="ctr"/>
+            <a:r>
+              <a:rPr kumimoji="1" lang="en-US" altLang="ko-KR" sz="1000" i="1"/>
+              <a:t>3times</a:t>
+            </a:r>
+            <a:endParaRPr kumimoji="1" lang="ko-KR" altLang="en-US" sz="1000" i="1"/>
+          </a:p>
+        </p:txBody>
+      </p:sp>
+      <p:cxnSp>
+        <p:nvCxnSpPr>
+          <p:cNvPr id="40" name="Straight Arrow Connector 81">
+            <a:extLst>
+              <a:ext uri="{FF2B5EF4-FFF2-40B4-BE49-F238E27FC236}">
+                <a16:creationId xmlns:a16="http://schemas.microsoft.com/office/drawing/2014/main" id="{CEB081EA-5EEC-6457-9E4C-C29E0264FC72}"/>
+              </a:ext>
+            </a:extLst>
+          </p:cNvPr>
+          <p:cNvCxnSpPr>
+            <a:cxnSpLocks/>
+          </p:cNvCxnSpPr>
+          <p:nvPr/>
+        </p:nvCxnSpPr>
+        <p:spPr>
+          <a:xfrm>
+            <a:off x="2346071" y="2617486"/>
+            <a:ext cx="3960440" cy="0"/>
+          </a:xfrm>
+          <a:prstGeom prst="straightConnector1">
+            <a:avLst/>
+          </a:prstGeom>
+          <a:ln>
+            <a:solidFill>
+              <a:schemeClr val="tx1"/>
+            </a:solidFill>
+            <a:headEnd type="triangle" w="med" len="med"/>
+            <a:tailEnd type="none" w="med" len="med"/>
+          </a:ln>
+        </p:spPr>
+        <p:style>
+          <a:lnRef idx="1">
+            <a:schemeClr val="accent1"/>
+          </a:lnRef>
+          <a:fillRef idx="0">
+            <a:schemeClr val="accent1"/>
+          </a:fillRef>
+          <a:effectRef idx="0">
+            <a:schemeClr val="accent1"/>
+          </a:effectRef>
+          <a:fontRef idx="minor">
+            <a:schemeClr val="tx1"/>
+          </a:fontRef>
+        </p:style>
+      </p:cxnSp>
+      <p:sp>
+        <p:nvSpPr>
+          <p:cNvPr id="41" name="TextBox 40">
+            <a:extLst>
+              <a:ext uri="{FF2B5EF4-FFF2-40B4-BE49-F238E27FC236}">
+                <a16:creationId xmlns:a16="http://schemas.microsoft.com/office/drawing/2014/main" id="{D34BF60F-6E76-00A6-4AC9-37698736C4D3}"/>
+              </a:ext>
+            </a:extLst>
+          </p:cNvPr>
+          <p:cNvSpPr txBox="1"/>
+          <p:nvPr/>
+        </p:nvSpPr>
+        <p:spPr>
+          <a:xfrm>
+            <a:off x="2928454" y="2617485"/>
+            <a:ext cx="2795674" cy="246221"/>
+          </a:xfrm>
+          <a:prstGeom prst="rect">
+            <a:avLst/>
+          </a:prstGeom>
+          <a:noFill/>
+        </p:spPr>
+        <p:txBody>
+          <a:bodyPr wrap="square" rtlCol="0">
+            <a:spAutoFit/>
+          </a:bodyPr>
+          <a:lstStyle/>
+          <a:p>
+            <a:pPr algn="r"/>
+            <a:r>
+              <a:rPr kumimoji="1" lang="en-US" altLang="ko-KR" sz="1000" i="1"/>
+              <a:t>TCP RST</a:t>
+            </a:r>
+            <a:endParaRPr kumimoji="1" lang="ko-KR" altLang="en-US" sz="1000" i="1"/>
+          </a:p>
+        </p:txBody>
+      </p:sp>
+      <p:cxnSp>
+        <p:nvCxnSpPr>
+          <p:cNvPr id="42" name="Straight Arrow Connector 81">
+            <a:extLst>
+              <a:ext uri="{FF2B5EF4-FFF2-40B4-BE49-F238E27FC236}">
+                <a16:creationId xmlns:a16="http://schemas.microsoft.com/office/drawing/2014/main" id="{EE5D3499-F3E7-9278-3769-7FB0F408E3D4}"/>
+              </a:ext>
+            </a:extLst>
+          </p:cNvPr>
+          <p:cNvCxnSpPr>
+            <a:cxnSpLocks/>
+          </p:cNvCxnSpPr>
+          <p:nvPr/>
+        </p:nvCxnSpPr>
+        <p:spPr>
+          <a:xfrm>
+            <a:off x="2346071" y="2925813"/>
+            <a:ext cx="3960440" cy="0"/>
+          </a:xfrm>
+          <a:prstGeom prst="straightConnector1">
+            <a:avLst/>
+          </a:prstGeom>
+          <a:ln>
+            <a:solidFill>
+              <a:schemeClr val="tx1"/>
+            </a:solidFill>
+            <a:tailEnd type="triangle"/>
+          </a:ln>
+        </p:spPr>
+        <p:style>
+          <a:lnRef idx="1">
+            <a:schemeClr val="accent1"/>
+          </a:lnRef>
+          <a:fillRef idx="0">
+            <a:schemeClr val="accent1"/>
+          </a:fillRef>
+          <a:effectRef idx="0">
+            <a:schemeClr val="accent1"/>
+          </a:effectRef>
+          <a:fontRef idx="minor">
+            <a:schemeClr val="tx1"/>
+          </a:fontRef>
+        </p:style>
+      </p:cxnSp>
+      <p:sp>
+        <p:nvSpPr>
+          <p:cNvPr id="43" name="TextBox 42">
+            <a:extLst>
+              <a:ext uri="{FF2B5EF4-FFF2-40B4-BE49-F238E27FC236}">
+                <a16:creationId xmlns:a16="http://schemas.microsoft.com/office/drawing/2014/main" id="{8458627A-3EA7-52A8-19CB-70908589A2E8}"/>
+              </a:ext>
+            </a:extLst>
+          </p:cNvPr>
+          <p:cNvSpPr txBox="1"/>
+          <p:nvPr/>
+        </p:nvSpPr>
+        <p:spPr>
+          <a:xfrm>
+            <a:off x="2928454" y="2679592"/>
+            <a:ext cx="2795674" cy="246221"/>
+          </a:xfrm>
+          <a:prstGeom prst="rect">
+            <a:avLst/>
+          </a:prstGeom>
+          <a:noFill/>
+        </p:spPr>
+        <p:txBody>
+          <a:bodyPr wrap="square" rtlCol="0">
+            <a:spAutoFit/>
+          </a:bodyPr>
+          <a:lstStyle/>
+          <a:p>
+            <a:r>
+              <a:rPr kumimoji="1" lang="en-US" altLang="ko-KR" sz="1000" i="1"/>
+              <a:t>GET </a:t>
+            </a:r>
+            <a:r>
+              <a:rPr lang="en" altLang="ko-KR" sz="1000" i="1"/>
+              <a:t>mock-server:8080/status/200</a:t>
+            </a:r>
+            <a:endParaRPr kumimoji="1" lang="ko-KR" altLang="en-US" sz="1000" i="1"/>
+          </a:p>
+        </p:txBody>
+      </p:sp>
+      <p:cxnSp>
+        <p:nvCxnSpPr>
+          <p:cNvPr id="44" name="Straight Arrow Connector 81">
+            <a:extLst>
+              <a:ext uri="{FF2B5EF4-FFF2-40B4-BE49-F238E27FC236}">
+                <a16:creationId xmlns:a16="http://schemas.microsoft.com/office/drawing/2014/main" id="{AC11F974-8DE8-AD43-DBB2-2994B74E8904}"/>
+              </a:ext>
+            </a:extLst>
+          </p:cNvPr>
+          <p:cNvCxnSpPr>
+            <a:cxnSpLocks/>
+          </p:cNvCxnSpPr>
+          <p:nvPr/>
+        </p:nvCxnSpPr>
+        <p:spPr>
+          <a:xfrm>
+            <a:off x="2346071" y="2987076"/>
+            <a:ext cx="3960440" cy="0"/>
+          </a:xfrm>
+          <a:prstGeom prst="straightConnector1">
+            <a:avLst/>
+          </a:prstGeom>
+          <a:ln>
+            <a:solidFill>
+              <a:schemeClr val="tx1"/>
+            </a:solidFill>
+            <a:headEnd type="triangle" w="med" len="med"/>
+            <a:tailEnd type="none" w="med" len="med"/>
+          </a:ln>
+        </p:spPr>
+        <p:style>
+          <a:lnRef idx="1">
+            <a:schemeClr val="accent1"/>
+          </a:lnRef>
+          <a:fillRef idx="0">
+            <a:schemeClr val="accent1"/>
+          </a:fillRef>
+          <a:effectRef idx="0">
+            <a:schemeClr val="accent1"/>
+          </a:effectRef>
+          <a:fontRef idx="minor">
+            <a:schemeClr val="tx1"/>
+          </a:fontRef>
+        </p:style>
+      </p:cxnSp>
+      <p:sp>
+        <p:nvSpPr>
+          <p:cNvPr id="45" name="TextBox 44">
+            <a:extLst>
+              <a:ext uri="{FF2B5EF4-FFF2-40B4-BE49-F238E27FC236}">
+                <a16:creationId xmlns:a16="http://schemas.microsoft.com/office/drawing/2014/main" id="{6B9F73D7-4644-420E-6E92-A0B36281B7BF}"/>
+              </a:ext>
+            </a:extLst>
+          </p:cNvPr>
+          <p:cNvSpPr txBox="1"/>
+          <p:nvPr/>
+        </p:nvSpPr>
+        <p:spPr>
+          <a:xfrm>
+            <a:off x="2928454" y="2987075"/>
+            <a:ext cx="2795674" cy="246221"/>
+          </a:xfrm>
+          <a:prstGeom prst="rect">
+            <a:avLst/>
+          </a:prstGeom>
+          <a:noFill/>
+        </p:spPr>
+        <p:txBody>
+          <a:bodyPr wrap="square" rtlCol="0">
+            <a:spAutoFit/>
+          </a:bodyPr>
+          <a:lstStyle/>
+          <a:p>
+            <a:pPr algn="r"/>
+            <a:r>
+              <a:rPr kumimoji="1" lang="en-US" altLang="ko-KR" sz="1000" i="1"/>
+              <a:t>TCP RST</a:t>
+            </a:r>
+            <a:endParaRPr kumimoji="1" lang="ko-KR" altLang="en-US" sz="1000" i="1"/>
+          </a:p>
+        </p:txBody>
+      </p:sp>
+      <p:cxnSp>
+        <p:nvCxnSpPr>
+          <p:cNvPr id="46" name="Straight Arrow Connector 81">
+            <a:extLst>
+              <a:ext uri="{FF2B5EF4-FFF2-40B4-BE49-F238E27FC236}">
+                <a16:creationId xmlns:a16="http://schemas.microsoft.com/office/drawing/2014/main" id="{57BCC680-FCD5-624B-BBFA-46EEA3EFAE3E}"/>
+              </a:ext>
+            </a:extLst>
+          </p:cNvPr>
+          <p:cNvCxnSpPr>
+            <a:cxnSpLocks/>
+          </p:cNvCxnSpPr>
+          <p:nvPr/>
+        </p:nvCxnSpPr>
+        <p:spPr>
+          <a:xfrm>
+            <a:off x="2346071" y="3294558"/>
+            <a:ext cx="569745" cy="0"/>
+          </a:xfrm>
+          <a:prstGeom prst="straightConnector1">
+            <a:avLst/>
+          </a:prstGeom>
+          <a:ln>
+            <a:solidFill>
+              <a:schemeClr val="tx1"/>
+            </a:solidFill>
+            <a:tailEnd type="triangle"/>
+          </a:ln>
+        </p:spPr>
+        <p:style>
+          <a:lnRef idx="1">
+            <a:schemeClr val="accent1"/>
+          </a:lnRef>
+          <a:fillRef idx="0">
+            <a:schemeClr val="accent1"/>
+          </a:fillRef>
+          <a:effectRef idx="0">
+            <a:schemeClr val="accent1"/>
+          </a:effectRef>
+          <a:fontRef idx="minor">
+            <a:schemeClr val="tx1"/>
+          </a:fontRef>
+        </p:style>
+      </p:cxnSp>
+      <p:sp>
+        <p:nvSpPr>
+          <p:cNvPr id="47" name="TextBox 46">
+            <a:extLst>
+              <a:ext uri="{FF2B5EF4-FFF2-40B4-BE49-F238E27FC236}">
+                <a16:creationId xmlns:a16="http://schemas.microsoft.com/office/drawing/2014/main" id="{25DE74D5-B66B-CE63-827F-D5AF34C7AFC1}"/>
+              </a:ext>
+            </a:extLst>
+          </p:cNvPr>
+          <p:cNvSpPr txBox="1"/>
+          <p:nvPr/>
+        </p:nvSpPr>
+        <p:spPr>
+          <a:xfrm>
+            <a:off x="2928454" y="3048337"/>
+            <a:ext cx="2795674" cy="246221"/>
+          </a:xfrm>
+          <a:prstGeom prst="rect">
+            <a:avLst/>
+          </a:prstGeom>
+          <a:noFill/>
+        </p:spPr>
+        <p:txBody>
+          <a:bodyPr wrap="square" rtlCol="0">
+            <a:spAutoFit/>
+          </a:bodyPr>
+          <a:lstStyle/>
+          <a:p>
+            <a:r>
+              <a:rPr kumimoji="1" lang="en-US" altLang="ko-KR" sz="1000" i="1"/>
+              <a:t>GET </a:t>
+            </a:r>
+            <a:r>
+              <a:rPr lang="en" altLang="ko-KR" sz="1000" i="1"/>
+              <a:t>mock-server:8080/status/200</a:t>
+            </a:r>
+            <a:endParaRPr kumimoji="1" lang="ko-KR" altLang="en-US" sz="1000" i="1"/>
+          </a:p>
+        </p:txBody>
+      </p:sp>
+      <p:cxnSp>
+        <p:nvCxnSpPr>
+          <p:cNvPr id="51" name="Straight Arrow Connector 81">
+            <a:extLst>
+              <a:ext uri="{FF2B5EF4-FFF2-40B4-BE49-F238E27FC236}">
+                <a16:creationId xmlns:a16="http://schemas.microsoft.com/office/drawing/2014/main" id="{95C23966-0E48-06F3-7FF8-F11F00E53A5D}"/>
+              </a:ext>
+            </a:extLst>
+          </p:cNvPr>
+          <p:cNvCxnSpPr>
+            <a:cxnSpLocks/>
+          </p:cNvCxnSpPr>
+          <p:nvPr/>
+        </p:nvCxnSpPr>
+        <p:spPr>
+          <a:xfrm>
+            <a:off x="2346071" y="3909523"/>
+            <a:ext cx="569745" cy="0"/>
+          </a:xfrm>
+          <a:prstGeom prst="straightConnector1">
+            <a:avLst/>
+          </a:prstGeom>
+          <a:ln>
+            <a:solidFill>
+              <a:schemeClr val="tx1"/>
+            </a:solidFill>
+            <a:tailEnd type="triangle"/>
+          </a:ln>
+        </p:spPr>
+        <p:style>
+          <a:lnRef idx="1">
+            <a:schemeClr val="accent1"/>
+          </a:lnRef>
+          <a:fillRef idx="0">
+            <a:schemeClr val="accent1"/>
+          </a:fillRef>
+          <a:effectRef idx="0">
+            <a:schemeClr val="accent1"/>
+          </a:effectRef>
+          <a:fontRef idx="minor">
+            <a:schemeClr val="tx1"/>
+          </a:fontRef>
+        </p:style>
+      </p:cxnSp>
+      <p:sp>
+        <p:nvSpPr>
+          <p:cNvPr id="52" name="TextBox 51">
+            <a:extLst>
+              <a:ext uri="{FF2B5EF4-FFF2-40B4-BE49-F238E27FC236}">
+                <a16:creationId xmlns:a16="http://schemas.microsoft.com/office/drawing/2014/main" id="{2A113F1B-85EE-B66E-8ADF-D8C430461B08}"/>
+              </a:ext>
+            </a:extLst>
+          </p:cNvPr>
+          <p:cNvSpPr txBox="1"/>
+          <p:nvPr/>
+        </p:nvSpPr>
+        <p:spPr>
+          <a:xfrm>
+            <a:off x="2928454" y="3663302"/>
+            <a:ext cx="2795674" cy="246221"/>
+          </a:xfrm>
+          <a:prstGeom prst="rect">
+            <a:avLst/>
+          </a:prstGeom>
+          <a:noFill/>
+        </p:spPr>
+        <p:txBody>
+          <a:bodyPr wrap="square" rtlCol="0">
+            <a:spAutoFit/>
+          </a:bodyPr>
+          <a:lstStyle/>
+          <a:p>
+            <a:r>
+              <a:rPr kumimoji="1" lang="en-US" altLang="ko-KR" sz="1000" i="1"/>
+              <a:t>GET </a:t>
+            </a:r>
+            <a:r>
+              <a:rPr lang="en" altLang="ko-KR" sz="1000" i="1"/>
+              <a:t>mock-server:8080/status/200</a:t>
+            </a:r>
+            <a:endParaRPr kumimoji="1" lang="ko-KR" altLang="en-US" sz="1000" i="1"/>
+          </a:p>
+        </p:txBody>
+      </p:sp>
+    </p:spTree>
+    <p:extLst>
+      <p:ext uri="{BB962C8B-B14F-4D97-AF65-F5344CB8AC3E}">
+        <p14:creationId xmlns:p14="http://schemas.microsoft.com/office/powerpoint/2010/main" val="2717609078"/>
+      </p:ext>
+    </p:extLst>
+  </p:cSld>
+  <p:clrMapOvr>
+    <a:masterClrMapping/>
+  </p:clrMapOvr>
+</p:sld>
+</file>
+
+<file path=ppt/slides/slide12.xml><?xml version="1.0" encoding="utf-8"?>
+<p:sld xmlns:a="http://schemas.openxmlformats.org/drawingml/2006/main" xmlns:r="http://schemas.openxmlformats.org/officeDocument/2006/relationships" xmlns:p="http://schemas.openxmlformats.org/presentationml/2006/main">
+  <p:cSld>
+    <p:spTree>
+      <p:nvGrpSpPr>
+        <p:cNvPr id="1" name="">
+          <a:extLst>
+            <a:ext uri="{FF2B5EF4-FFF2-40B4-BE49-F238E27FC236}">
+              <a16:creationId xmlns:a16="http://schemas.microsoft.com/office/drawing/2014/main" id="{497D8BC0-362D-14EE-5098-F76C2B5A459D}"/>
+            </a:ext>
+          </a:extLst>
+        </p:cNvPr>
+        <p:cNvGrpSpPr/>
+        <p:nvPr/>
+      </p:nvGrpSpPr>
+      <p:grpSpPr>
+        <a:xfrm>
+          <a:off x="0" y="0"/>
+          <a:ext cx="0" cy="0"/>
+          <a:chOff x="0" y="0"/>
+          <a:chExt cx="0" cy="0"/>
+        </a:xfrm>
+      </p:grpSpPr>
+      <p:sp>
+        <p:nvSpPr>
+          <p:cNvPr id="4" name="사각형: 둥근 모서리 29">
+            <a:extLst>
+              <a:ext uri="{FF2B5EF4-FFF2-40B4-BE49-F238E27FC236}">
+                <a16:creationId xmlns:a16="http://schemas.microsoft.com/office/drawing/2014/main" id="{D01B1821-9F0D-BB8B-F841-12BC00A45ED0}"/>
+              </a:ext>
+            </a:extLst>
+          </p:cNvPr>
+          <p:cNvSpPr/>
+          <p:nvPr/>
+        </p:nvSpPr>
+        <p:spPr>
+          <a:xfrm>
+            <a:off x="1763688" y="411510"/>
+            <a:ext cx="1164765" cy="657290"/>
+          </a:xfrm>
+          <a:prstGeom prst="roundRect">
+            <a:avLst>
+              <a:gd name="adj" fmla="val 17374"/>
+            </a:avLst>
+          </a:prstGeom>
+          <a:ln w="12700"/>
+        </p:spPr>
+        <p:style>
+          <a:lnRef idx="2">
+            <a:schemeClr val="dk1"/>
+          </a:lnRef>
+          <a:fillRef idx="1">
+            <a:schemeClr val="lt1"/>
+          </a:fillRef>
+          <a:effectRef idx="0">
+            <a:schemeClr val="dk1"/>
+          </a:effectRef>
+          <a:fontRef idx="minor">
+            <a:schemeClr val="dk1"/>
+          </a:fontRef>
+        </p:style>
+        <p:txBody>
+          <a:bodyPr rtlCol="0" anchor="ctr"/>
+          <a:lstStyle/>
+          <a:p>
+            <a:pPr algn="ctr"/>
+            <a:r>
+              <a:rPr lang="en-US" altLang="ko-KR" sz="1000" b="1"/>
+              <a:t>shell</a:t>
+            </a:r>
+          </a:p>
+          <a:p>
+            <a:pPr algn="ctr"/>
+            <a:r>
+              <a:rPr lang="en-US" altLang="ko-KR" sz="1000"/>
+              <a:t>Pod</a:t>
+            </a:r>
+            <a:endParaRPr lang="ko-KR" altLang="en-US" sz="1000"/>
+          </a:p>
+        </p:txBody>
+      </p:sp>
+      <p:sp>
+        <p:nvSpPr>
+          <p:cNvPr id="5" name="사각형: 둥근 모서리 29">
+            <a:extLst>
+              <a:ext uri="{FF2B5EF4-FFF2-40B4-BE49-F238E27FC236}">
+                <a16:creationId xmlns:a16="http://schemas.microsoft.com/office/drawing/2014/main" id="{90EECB49-034C-1BA9-0FCF-CCB4DE231C5B}"/>
+              </a:ext>
+            </a:extLst>
+          </p:cNvPr>
+          <p:cNvSpPr/>
+          <p:nvPr/>
+        </p:nvSpPr>
+        <p:spPr>
+          <a:xfrm>
+            <a:off x="5724128" y="411510"/>
+            <a:ext cx="1164765" cy="657290"/>
+          </a:xfrm>
+          <a:prstGeom prst="roundRect">
+            <a:avLst>
+              <a:gd name="adj" fmla="val 17374"/>
+            </a:avLst>
+          </a:prstGeom>
+          <a:ln w="12700">
+            <a:prstDash val="dash"/>
+          </a:ln>
+        </p:spPr>
+        <p:style>
+          <a:lnRef idx="2">
+            <a:schemeClr val="dk1"/>
+          </a:lnRef>
+          <a:fillRef idx="1">
+            <a:schemeClr val="lt1"/>
+          </a:fillRef>
+          <a:effectRef idx="0">
+            <a:schemeClr val="dk1"/>
+          </a:effectRef>
+          <a:fontRef idx="minor">
+            <a:schemeClr val="dk1"/>
+          </a:fontRef>
+        </p:style>
+        <p:txBody>
+          <a:bodyPr rtlCol="0" anchor="ctr"/>
+          <a:lstStyle/>
+          <a:p>
+            <a:pPr algn="ctr"/>
+            <a:r>
+              <a:rPr lang="en-US" altLang="ko-KR" sz="1000" b="1"/>
+              <a:t>mock-server</a:t>
+            </a:r>
+          </a:p>
+          <a:p>
+            <a:pPr algn="ctr"/>
+            <a:r>
+              <a:rPr lang="en-US" altLang="ko-KR" sz="1000"/>
+              <a:t>Pod</a:t>
+            </a:r>
+            <a:endParaRPr lang="ko-KR" altLang="en-US" sz="1000"/>
+          </a:p>
+        </p:txBody>
+      </p:sp>
+      <p:cxnSp>
+        <p:nvCxnSpPr>
+          <p:cNvPr id="8" name="Straight Arrow Connector 81">
+            <a:extLst>
+              <a:ext uri="{FF2B5EF4-FFF2-40B4-BE49-F238E27FC236}">
+                <a16:creationId xmlns:a16="http://schemas.microsoft.com/office/drawing/2014/main" id="{99155572-EE10-0E76-CC22-41D55270BDE9}"/>
+              </a:ext>
+            </a:extLst>
+          </p:cNvPr>
+          <p:cNvCxnSpPr>
+            <a:cxnSpLocks/>
+            <a:stCxn id="5" idx="2"/>
+          </p:cNvCxnSpPr>
+          <p:nvPr/>
+        </p:nvCxnSpPr>
+        <p:spPr>
+          <a:xfrm>
+            <a:off x="6306511" y="1068800"/>
+            <a:ext cx="0" cy="3375158"/>
+          </a:xfrm>
+          <a:prstGeom prst="straightConnector1">
+            <a:avLst/>
+          </a:prstGeom>
+          <a:ln>
+            <a:solidFill>
+              <a:schemeClr val="tx1"/>
+            </a:solidFill>
+            <a:prstDash val="dash"/>
+            <a:tailEnd type="triangle"/>
+          </a:ln>
+        </p:spPr>
+        <p:style>
+          <a:lnRef idx="1">
+            <a:schemeClr val="accent1"/>
+          </a:lnRef>
+          <a:fillRef idx="0">
+            <a:schemeClr val="accent1"/>
+          </a:fillRef>
+          <a:effectRef idx="0">
+            <a:schemeClr val="accent1"/>
+          </a:effectRef>
+          <a:fontRef idx="minor">
+            <a:schemeClr val="tx1"/>
+          </a:fontRef>
+        </p:style>
+      </p:cxnSp>
+      <p:cxnSp>
+        <p:nvCxnSpPr>
+          <p:cNvPr id="2" name="Straight Arrow Connector 81">
+            <a:extLst>
+              <a:ext uri="{FF2B5EF4-FFF2-40B4-BE49-F238E27FC236}">
+                <a16:creationId xmlns:a16="http://schemas.microsoft.com/office/drawing/2014/main" id="{4FC29E80-131D-CDD1-18FD-1B6BA39E899C}"/>
+              </a:ext>
+            </a:extLst>
+          </p:cNvPr>
+          <p:cNvCxnSpPr>
+            <a:cxnSpLocks/>
+            <a:stCxn id="4" idx="2"/>
+          </p:cNvCxnSpPr>
+          <p:nvPr/>
+        </p:nvCxnSpPr>
+        <p:spPr>
+          <a:xfrm>
+            <a:off x="2346071" y="1068800"/>
+            <a:ext cx="0" cy="3375158"/>
+          </a:xfrm>
+          <a:prstGeom prst="straightConnector1">
+            <a:avLst/>
+          </a:prstGeom>
+          <a:ln>
+            <a:solidFill>
+              <a:schemeClr val="tx1"/>
+            </a:solidFill>
+            <a:prstDash val="dash"/>
+            <a:tailEnd type="triangle"/>
+          </a:ln>
+        </p:spPr>
+        <p:style>
+          <a:lnRef idx="1">
+            <a:schemeClr val="accent1"/>
+          </a:lnRef>
+          <a:fillRef idx="0">
+            <a:schemeClr val="accent1"/>
+          </a:fillRef>
+          <a:effectRef idx="0">
+            <a:schemeClr val="accent1"/>
+          </a:effectRef>
+          <a:fontRef idx="minor">
+            <a:schemeClr val="tx1"/>
+          </a:fontRef>
+        </p:style>
+      </p:cxnSp>
+      <p:cxnSp>
+        <p:nvCxnSpPr>
+          <p:cNvPr id="17" name="Straight Arrow Connector 81">
+            <a:extLst>
+              <a:ext uri="{FF2B5EF4-FFF2-40B4-BE49-F238E27FC236}">
+                <a16:creationId xmlns:a16="http://schemas.microsoft.com/office/drawing/2014/main" id="{7A358CCC-C45E-5AB4-705E-1F8018AF1ECD}"/>
+              </a:ext>
+            </a:extLst>
+          </p:cNvPr>
+          <p:cNvCxnSpPr>
+            <a:cxnSpLocks/>
+          </p:cNvCxnSpPr>
+          <p:nvPr/>
+        </p:nvCxnSpPr>
+        <p:spPr>
+          <a:xfrm>
+            <a:off x="2346071" y="1203596"/>
+            <a:ext cx="582382" cy="0"/>
+          </a:xfrm>
+          <a:prstGeom prst="straightConnector1">
+            <a:avLst/>
+          </a:prstGeom>
+          <a:ln>
+            <a:solidFill>
+              <a:schemeClr val="tx1"/>
+            </a:solidFill>
+            <a:tailEnd type="triangle"/>
+          </a:ln>
+        </p:spPr>
+        <p:style>
+          <a:lnRef idx="1">
+            <a:schemeClr val="accent1"/>
+          </a:lnRef>
+          <a:fillRef idx="0">
+            <a:schemeClr val="accent1"/>
+          </a:fillRef>
+          <a:effectRef idx="0">
+            <a:schemeClr val="accent1"/>
+          </a:effectRef>
+          <a:fontRef idx="minor">
+            <a:schemeClr val="tx1"/>
+          </a:fontRef>
+        </p:style>
+      </p:cxnSp>
+      <p:sp>
+        <p:nvSpPr>
+          <p:cNvPr id="20" name="TextBox 19">
+            <a:extLst>
+              <a:ext uri="{FF2B5EF4-FFF2-40B4-BE49-F238E27FC236}">
+                <a16:creationId xmlns:a16="http://schemas.microsoft.com/office/drawing/2014/main" id="{4E4B68DE-38BC-3067-4244-964156DBFBED}"/>
+              </a:ext>
+            </a:extLst>
+          </p:cNvPr>
+          <p:cNvSpPr txBox="1"/>
+          <p:nvPr/>
+        </p:nvSpPr>
+        <p:spPr>
+          <a:xfrm>
+            <a:off x="2928454" y="957375"/>
+            <a:ext cx="2795674" cy="246221"/>
+          </a:xfrm>
+          <a:prstGeom prst="rect">
+            <a:avLst/>
+          </a:prstGeom>
+          <a:noFill/>
+        </p:spPr>
+        <p:txBody>
+          <a:bodyPr wrap="square" rtlCol="0">
+            <a:spAutoFit/>
+          </a:bodyPr>
+          <a:lstStyle/>
+          <a:p>
+            <a:r>
+              <a:rPr kumimoji="1" lang="en-US" altLang="ko-KR" sz="1000" i="1"/>
+              <a:t>GET </a:t>
+            </a:r>
+            <a:r>
+              <a:rPr lang="en" altLang="ko-KR" sz="1000" i="1"/>
+              <a:t>mock-server:8080/status/200</a:t>
+            </a:r>
+            <a:endParaRPr kumimoji="1" lang="ko-KR" altLang="en-US" sz="1000" i="1"/>
+          </a:p>
+        </p:txBody>
+      </p:sp>
+    </p:spTree>
+    <p:extLst>
+      <p:ext uri="{BB962C8B-B14F-4D97-AF65-F5344CB8AC3E}">
+        <p14:creationId xmlns:p14="http://schemas.microsoft.com/office/powerpoint/2010/main" val="512652559"/>
+      </p:ext>
+    </p:extLst>
+  </p:cSld>
+  <p:clrMapOvr>
+    <a:masterClrMapping/>
+  </p:clrMapOvr>
+</p:sld>
+</file>
+
+<file path=ppt/slides/slide13.xml><?xml version="1.0" encoding="utf-8"?>
+<p:sld xmlns:a="http://schemas.openxmlformats.org/drawingml/2006/main" xmlns:r="http://schemas.openxmlformats.org/officeDocument/2006/relationships" xmlns:p="http://schemas.openxmlformats.org/presentationml/2006/main">
+  <p:cSld>
+    <p:spTree>
+      <p:nvGrpSpPr>
         <p:cNvPr id="1" name=""/>
         <p:cNvGrpSpPr/>
         <p:nvPr/>
@@ -4878,7 +6977,7 @@
 </p:sld>
 </file>
 
-<file path=ppt/slides/slide12.xml><?xml version="1.0" encoding="utf-8"?>
+<file path=ppt/slides/slide14.xml><?xml version="1.0" encoding="utf-8"?>
 <p:sld xmlns:a="http://schemas.openxmlformats.org/drawingml/2006/main" xmlns:r="http://schemas.openxmlformats.org/officeDocument/2006/relationships" xmlns:p="http://schemas.openxmlformats.org/presentationml/2006/main">
   <p:cSld>
     <p:spTree>
@@ -6453,7 +8552,7 @@
 </p:sld>
 </file>
 
-<file path=ppt/slides/slide13.xml><?xml version="1.0" encoding="utf-8"?>
+<file path=ppt/slides/slide15.xml><?xml version="1.0" encoding="utf-8"?>
 <p:sld xmlns:a="http://schemas.openxmlformats.org/drawingml/2006/main" xmlns:r="http://schemas.openxmlformats.org/officeDocument/2006/relationships" xmlns:p="http://schemas.openxmlformats.org/presentationml/2006/main">
   <p:cSld>
     <p:spTree>
@@ -7884,7 +9983,7 @@
 </p:sld>
 </file>
 
-<file path=ppt/slides/slide14.xml><?xml version="1.0" encoding="utf-8"?>
+<file path=ppt/slides/slide16.xml><?xml version="1.0" encoding="utf-8"?>
 <p:sld xmlns:a="http://schemas.openxmlformats.org/drawingml/2006/main" xmlns:r="http://schemas.openxmlformats.org/officeDocument/2006/relationships" xmlns:p="http://schemas.openxmlformats.org/presentationml/2006/main">
   <p:cSld>
     <p:spTree>
@@ -9192,7 +11291,7 @@
 </p:sld>
 </file>
 
-<file path=ppt/slides/slide15.xml><?xml version="1.0" encoding="utf-8"?>
+<file path=ppt/slides/slide17.xml><?xml version="1.0" encoding="utf-8"?>
 <p:sld xmlns:a="http://schemas.openxmlformats.org/drawingml/2006/main" xmlns:r="http://schemas.openxmlformats.org/officeDocument/2006/relationships" xmlns:p="http://schemas.openxmlformats.org/presentationml/2006/main">
   <p:cSld>
     <p:spTree>
@@ -10425,7 +12524,7 @@
 </p:sld>
 </file>
 
-<file path=ppt/slides/slide16.xml><?xml version="1.0" encoding="utf-8"?>
+<file path=ppt/slides/slide18.xml><?xml version="1.0" encoding="utf-8"?>
 <p:sld xmlns:a="http://schemas.openxmlformats.org/drawingml/2006/main" xmlns:r="http://schemas.openxmlformats.org/officeDocument/2006/relationships" xmlns:p="http://schemas.openxmlformats.org/presentationml/2006/main">
   <p:cSld>
     <p:spTree>
@@ -11784,7 +13883,7 @@
 </p:sld>
 </file>
 
-<file path=ppt/slides/slide17.xml><?xml version="1.0" encoding="utf-8"?>
+<file path=ppt/slides/slide19.xml><?xml version="1.0" encoding="utf-8"?>
 <p:sld xmlns:a="http://schemas.openxmlformats.org/drawingml/2006/main" xmlns:r="http://schemas.openxmlformats.org/officeDocument/2006/relationships" xmlns:p="http://schemas.openxmlformats.org/presentationml/2006/main">
   <p:cSld>
     <p:spTree>
@@ -13299,1344 +15398,6 @@
 </p:sld>
 </file>
 
-<file path=ppt/slides/slide18.xml><?xml version="1.0" encoding="utf-8"?>
-<p:sld xmlns:a="http://schemas.openxmlformats.org/drawingml/2006/main" xmlns:r="http://schemas.openxmlformats.org/officeDocument/2006/relationships" xmlns:p="http://schemas.openxmlformats.org/presentationml/2006/main">
-  <p:cSld>
-    <p:spTree>
-      <p:nvGrpSpPr>
-        <p:cNvPr id="1" name=""/>
-        <p:cNvGrpSpPr/>
-        <p:nvPr/>
-      </p:nvGrpSpPr>
-      <p:grpSpPr>
-        <a:xfrm>
-          <a:off x="0" y="0"/>
-          <a:ext cx="0" cy="0"/>
-          <a:chOff x="0" y="0"/>
-          <a:chExt cx="0" cy="0"/>
-        </a:xfrm>
-      </p:grpSpPr>
-      <p:sp>
-        <p:nvSpPr>
-          <p:cNvPr id="19" name="사각형: 둥근 모서리 29">
-            <a:extLst>
-              <a:ext uri="{FF2B5EF4-FFF2-40B4-BE49-F238E27FC236}">
-                <a16:creationId xmlns:a16="http://schemas.microsoft.com/office/drawing/2014/main" id="{ACD14712-953B-4B41-9FE2-C7701A81A58D}"/>
-              </a:ext>
-            </a:extLst>
-          </p:cNvPr>
-          <p:cNvSpPr/>
-          <p:nvPr/>
-        </p:nvSpPr>
-        <p:spPr>
-          <a:xfrm>
-            <a:off x="108468" y="1995686"/>
-            <a:ext cx="2189067" cy="1625039"/>
-          </a:xfrm>
-          <a:prstGeom prst="roundRect">
-            <a:avLst>
-              <a:gd name="adj" fmla="val 8891"/>
-            </a:avLst>
-          </a:prstGeom>
-          <a:ln w="12700"/>
-        </p:spPr>
-        <p:style>
-          <a:lnRef idx="2">
-            <a:schemeClr val="dk1"/>
-          </a:lnRef>
-          <a:fillRef idx="1">
-            <a:schemeClr val="lt1"/>
-          </a:fillRef>
-          <a:effectRef idx="0">
-            <a:schemeClr val="dk1"/>
-          </a:effectRef>
-          <a:fontRef idx="minor">
-            <a:schemeClr val="dk1"/>
-          </a:fontRef>
-        </p:style>
-        <p:txBody>
-          <a:bodyPr rtlCol="0" anchor="b"/>
-          <a:lstStyle/>
-          <a:p>
-            <a:pPr algn="ctr"/>
-            <a:r>
-              <a:rPr lang="en-US" altLang="ko-KR" sz="900" b="1"/>
-              <a:t>region : kr, zone : a </a:t>
-            </a:r>
-            <a:r>
-              <a:rPr lang="en-US" altLang="ko-KR" sz="900"/>
-              <a:t>Worker Node 1</a:t>
-            </a:r>
-            <a:endParaRPr lang="ko-KR" altLang="en-US" sz="900"/>
-          </a:p>
-        </p:txBody>
-      </p:sp>
-      <p:sp>
-        <p:nvSpPr>
-          <p:cNvPr id="26" name="사각형: 둥근 모서리 29">
-            <a:extLst>
-              <a:ext uri="{FF2B5EF4-FFF2-40B4-BE49-F238E27FC236}">
-                <a16:creationId xmlns:a16="http://schemas.microsoft.com/office/drawing/2014/main" id="{DD7C8ABF-CB2D-3143-983E-92F0F058294C}"/>
-              </a:ext>
-            </a:extLst>
-          </p:cNvPr>
-          <p:cNvSpPr/>
-          <p:nvPr/>
-        </p:nvSpPr>
-        <p:spPr>
-          <a:xfrm>
-            <a:off x="198627" y="2608611"/>
-            <a:ext cx="2008747" cy="742979"/>
-          </a:xfrm>
-          <a:prstGeom prst="roundRect">
-            <a:avLst>
-              <a:gd name="adj" fmla="val 11707"/>
-            </a:avLst>
-          </a:prstGeom>
-          <a:ln w="12700">
-            <a:prstDash val="solid"/>
-          </a:ln>
-        </p:spPr>
-        <p:style>
-          <a:lnRef idx="2">
-            <a:schemeClr val="dk1"/>
-          </a:lnRef>
-          <a:fillRef idx="1">
-            <a:schemeClr val="lt1"/>
-          </a:fillRef>
-          <a:effectRef idx="0">
-            <a:schemeClr val="dk1"/>
-          </a:effectRef>
-          <a:fontRef idx="minor">
-            <a:schemeClr val="dk1"/>
-          </a:fontRef>
-        </p:style>
-        <p:txBody>
-          <a:bodyPr rtlCol="0" anchor="b"/>
-          <a:lstStyle/>
-          <a:p>
-            <a:pPr algn="ctr"/>
-            <a:r>
-              <a:rPr lang="en-US" altLang="ko-KR" sz="900" b="1"/>
-              <a:t>helloworld-kr-a</a:t>
-            </a:r>
-            <a:r>
-              <a:rPr lang="en-US" altLang="ko-KR" sz="900"/>
-              <a:t> Deployment</a:t>
-            </a:r>
-            <a:endParaRPr lang="ko-KR" altLang="en-US" sz="900"/>
-          </a:p>
-        </p:txBody>
-      </p:sp>
-      <p:sp>
-        <p:nvSpPr>
-          <p:cNvPr id="27" name="사각형: 둥근 모서리 29">
-            <a:extLst>
-              <a:ext uri="{FF2B5EF4-FFF2-40B4-BE49-F238E27FC236}">
-                <a16:creationId xmlns:a16="http://schemas.microsoft.com/office/drawing/2014/main" id="{5A3B18EA-035A-9A4B-B9EA-839ED9F83C51}"/>
-              </a:ext>
-            </a:extLst>
-          </p:cNvPr>
-          <p:cNvSpPr/>
-          <p:nvPr/>
-        </p:nvSpPr>
-        <p:spPr>
-          <a:xfrm>
-            <a:off x="929366" y="2693051"/>
-            <a:ext cx="547268" cy="360040"/>
-          </a:xfrm>
-          <a:prstGeom prst="roundRect">
-            <a:avLst>
-              <a:gd name="adj" fmla="val 17374"/>
-            </a:avLst>
-          </a:prstGeom>
-          <a:ln w="12700"/>
-        </p:spPr>
-        <p:style>
-          <a:lnRef idx="2">
-            <a:schemeClr val="dk1"/>
-          </a:lnRef>
-          <a:fillRef idx="1">
-            <a:schemeClr val="lt1"/>
-          </a:fillRef>
-          <a:effectRef idx="0">
-            <a:schemeClr val="dk1"/>
-          </a:effectRef>
-          <a:fontRef idx="minor">
-            <a:schemeClr val="dk1"/>
-          </a:fontRef>
-        </p:style>
-        <p:txBody>
-          <a:bodyPr rtlCol="0" anchor="ctr"/>
-          <a:lstStyle/>
-          <a:p>
-            <a:pPr algn="ctr"/>
-            <a:r>
-              <a:rPr lang="en-US" altLang="ko-KR" sz="900"/>
-              <a:t>Pod</a:t>
-            </a:r>
-            <a:endParaRPr lang="ko-KR" altLang="en-US" sz="900"/>
-          </a:p>
-        </p:txBody>
-      </p:sp>
-      <p:sp>
-        <p:nvSpPr>
-          <p:cNvPr id="39" name="사각형: 둥근 모서리 29">
-            <a:extLst>
-              <a:ext uri="{FF2B5EF4-FFF2-40B4-BE49-F238E27FC236}">
-                <a16:creationId xmlns:a16="http://schemas.microsoft.com/office/drawing/2014/main" id="{152B2FD7-269F-4545-B5FC-B7A81DD16EA8}"/>
-              </a:ext>
-            </a:extLst>
-          </p:cNvPr>
-          <p:cNvSpPr/>
-          <p:nvPr/>
-        </p:nvSpPr>
-        <p:spPr>
-          <a:xfrm>
-            <a:off x="290363" y="2693051"/>
-            <a:ext cx="547268" cy="360040"/>
-          </a:xfrm>
-          <a:prstGeom prst="roundRect">
-            <a:avLst>
-              <a:gd name="adj" fmla="val 17374"/>
-            </a:avLst>
-          </a:prstGeom>
-          <a:ln w="12700"/>
-        </p:spPr>
-        <p:style>
-          <a:lnRef idx="2">
-            <a:schemeClr val="dk1"/>
-          </a:lnRef>
-          <a:fillRef idx="1">
-            <a:schemeClr val="lt1"/>
-          </a:fillRef>
-          <a:effectRef idx="0">
-            <a:schemeClr val="dk1"/>
-          </a:effectRef>
-          <a:fontRef idx="minor">
-            <a:schemeClr val="dk1"/>
-          </a:fontRef>
-        </p:style>
-        <p:txBody>
-          <a:bodyPr rtlCol="0" anchor="ctr"/>
-          <a:lstStyle/>
-          <a:p>
-            <a:pPr algn="ctr"/>
-            <a:r>
-              <a:rPr lang="en-US" altLang="ko-KR" sz="900"/>
-              <a:t>Pod</a:t>
-            </a:r>
-            <a:endParaRPr lang="ko-KR" altLang="en-US" sz="900"/>
-          </a:p>
-        </p:txBody>
-      </p:sp>
-      <p:sp>
-        <p:nvSpPr>
-          <p:cNvPr id="40" name="사각형: 둥근 모서리 29">
-            <a:extLst>
-              <a:ext uri="{FF2B5EF4-FFF2-40B4-BE49-F238E27FC236}">
-                <a16:creationId xmlns:a16="http://schemas.microsoft.com/office/drawing/2014/main" id="{3D95BA5C-BF69-1840-9C86-39A47818FA08}"/>
-              </a:ext>
-            </a:extLst>
-          </p:cNvPr>
-          <p:cNvSpPr/>
-          <p:nvPr/>
-        </p:nvSpPr>
-        <p:spPr>
-          <a:xfrm>
-            <a:off x="1566794" y="2693051"/>
-            <a:ext cx="547268" cy="360040"/>
-          </a:xfrm>
-          <a:prstGeom prst="roundRect">
-            <a:avLst>
-              <a:gd name="adj" fmla="val 17374"/>
-            </a:avLst>
-          </a:prstGeom>
-          <a:ln w="12700"/>
-        </p:spPr>
-        <p:style>
-          <a:lnRef idx="2">
-            <a:schemeClr val="dk1"/>
-          </a:lnRef>
-          <a:fillRef idx="1">
-            <a:schemeClr val="lt1"/>
-          </a:fillRef>
-          <a:effectRef idx="0">
-            <a:schemeClr val="dk1"/>
-          </a:effectRef>
-          <a:fontRef idx="minor">
-            <a:schemeClr val="dk1"/>
-          </a:fontRef>
-        </p:style>
-        <p:txBody>
-          <a:bodyPr rtlCol="0" anchor="ctr"/>
-          <a:lstStyle/>
-          <a:p>
-            <a:pPr algn="ctr"/>
-            <a:r>
-              <a:rPr lang="en-US" altLang="ko-KR" sz="900"/>
-              <a:t>Pod</a:t>
-            </a:r>
-            <a:endParaRPr lang="ko-KR" altLang="en-US" sz="900"/>
-          </a:p>
-        </p:txBody>
-      </p:sp>
-      <p:sp>
-        <p:nvSpPr>
-          <p:cNvPr id="56" name="사각형: 둥근 모서리 29">
-            <a:extLst>
-              <a:ext uri="{FF2B5EF4-FFF2-40B4-BE49-F238E27FC236}">
-                <a16:creationId xmlns:a16="http://schemas.microsoft.com/office/drawing/2014/main" id="{4A221CAB-409F-AC41-AD7D-5A021A256F3D}"/>
-              </a:ext>
-            </a:extLst>
-          </p:cNvPr>
-          <p:cNvSpPr/>
-          <p:nvPr/>
-        </p:nvSpPr>
-        <p:spPr>
-          <a:xfrm>
-            <a:off x="2378791" y="2499742"/>
-            <a:ext cx="2189067" cy="1120983"/>
-          </a:xfrm>
-          <a:prstGeom prst="roundRect">
-            <a:avLst>
-              <a:gd name="adj" fmla="val 8891"/>
-            </a:avLst>
-          </a:prstGeom>
-          <a:ln w="12700"/>
-        </p:spPr>
-        <p:style>
-          <a:lnRef idx="2">
-            <a:schemeClr val="dk1"/>
-          </a:lnRef>
-          <a:fillRef idx="1">
-            <a:schemeClr val="lt1"/>
-          </a:fillRef>
-          <a:effectRef idx="0">
-            <a:schemeClr val="dk1"/>
-          </a:effectRef>
-          <a:fontRef idx="minor">
-            <a:schemeClr val="dk1"/>
-          </a:fontRef>
-        </p:style>
-        <p:txBody>
-          <a:bodyPr rtlCol="0" anchor="b"/>
-          <a:lstStyle/>
-          <a:p>
-            <a:pPr algn="ctr"/>
-            <a:r>
-              <a:rPr lang="en-US" altLang="ko-KR" sz="900" b="1"/>
-              <a:t>region : kr, zone : b </a:t>
-            </a:r>
-            <a:r>
-              <a:rPr lang="en-US" altLang="ko-KR" sz="900"/>
-              <a:t>Worker Node 2</a:t>
-            </a:r>
-            <a:endParaRPr lang="ko-KR" altLang="en-US" sz="900"/>
-          </a:p>
-        </p:txBody>
-      </p:sp>
-      <p:sp>
-        <p:nvSpPr>
-          <p:cNvPr id="57" name="사각형: 둥근 모서리 29">
-            <a:extLst>
-              <a:ext uri="{FF2B5EF4-FFF2-40B4-BE49-F238E27FC236}">
-                <a16:creationId xmlns:a16="http://schemas.microsoft.com/office/drawing/2014/main" id="{1FA6D55E-65C0-414C-AA46-FB4B0B157E0A}"/>
-              </a:ext>
-            </a:extLst>
-          </p:cNvPr>
-          <p:cNvSpPr/>
-          <p:nvPr/>
-        </p:nvSpPr>
-        <p:spPr>
-          <a:xfrm>
-            <a:off x="2468950" y="2608611"/>
-            <a:ext cx="2008747" cy="742979"/>
-          </a:xfrm>
-          <a:prstGeom prst="roundRect">
-            <a:avLst>
-              <a:gd name="adj" fmla="val 11707"/>
-            </a:avLst>
-          </a:prstGeom>
-          <a:ln w="12700">
-            <a:prstDash val="solid"/>
-          </a:ln>
-        </p:spPr>
-        <p:style>
-          <a:lnRef idx="2">
-            <a:schemeClr val="dk1"/>
-          </a:lnRef>
-          <a:fillRef idx="1">
-            <a:schemeClr val="lt1"/>
-          </a:fillRef>
-          <a:effectRef idx="0">
-            <a:schemeClr val="dk1"/>
-          </a:effectRef>
-          <a:fontRef idx="minor">
-            <a:schemeClr val="dk1"/>
-          </a:fontRef>
-        </p:style>
-        <p:txBody>
-          <a:bodyPr rtlCol="0" anchor="b"/>
-          <a:lstStyle/>
-          <a:p>
-            <a:pPr algn="ctr"/>
-            <a:r>
-              <a:rPr lang="en-US" altLang="ko-KR" sz="900" b="1"/>
-              <a:t>helloworld-kr-b</a:t>
-            </a:r>
-            <a:r>
-              <a:rPr lang="en-US" altLang="ko-KR" sz="900"/>
-              <a:t> Deployment</a:t>
-            </a:r>
-            <a:endParaRPr lang="ko-KR" altLang="en-US" sz="900"/>
-          </a:p>
-        </p:txBody>
-      </p:sp>
-      <p:sp>
-        <p:nvSpPr>
-          <p:cNvPr id="58" name="사각형: 둥근 모서리 29">
-            <a:extLst>
-              <a:ext uri="{FF2B5EF4-FFF2-40B4-BE49-F238E27FC236}">
-                <a16:creationId xmlns:a16="http://schemas.microsoft.com/office/drawing/2014/main" id="{AA86D1B0-D5D4-3A4C-A2AC-37553576AFDB}"/>
-              </a:ext>
-            </a:extLst>
-          </p:cNvPr>
-          <p:cNvSpPr/>
-          <p:nvPr/>
-        </p:nvSpPr>
-        <p:spPr>
-          <a:xfrm>
-            <a:off x="3199689" y="2693051"/>
-            <a:ext cx="547268" cy="360040"/>
-          </a:xfrm>
-          <a:prstGeom prst="roundRect">
-            <a:avLst>
-              <a:gd name="adj" fmla="val 17374"/>
-            </a:avLst>
-          </a:prstGeom>
-          <a:ln w="12700"/>
-        </p:spPr>
-        <p:style>
-          <a:lnRef idx="2">
-            <a:schemeClr val="dk1"/>
-          </a:lnRef>
-          <a:fillRef idx="1">
-            <a:schemeClr val="lt1"/>
-          </a:fillRef>
-          <a:effectRef idx="0">
-            <a:schemeClr val="dk1"/>
-          </a:effectRef>
-          <a:fontRef idx="minor">
-            <a:schemeClr val="dk1"/>
-          </a:fontRef>
-        </p:style>
-        <p:txBody>
-          <a:bodyPr rtlCol="0" anchor="ctr"/>
-          <a:lstStyle/>
-          <a:p>
-            <a:pPr algn="ctr"/>
-            <a:r>
-              <a:rPr lang="en-US" altLang="ko-KR" sz="900"/>
-              <a:t>Pod</a:t>
-            </a:r>
-            <a:endParaRPr lang="ko-KR" altLang="en-US" sz="900"/>
-          </a:p>
-        </p:txBody>
-      </p:sp>
-      <p:sp>
-        <p:nvSpPr>
-          <p:cNvPr id="59" name="사각형: 둥근 모서리 29">
-            <a:extLst>
-              <a:ext uri="{FF2B5EF4-FFF2-40B4-BE49-F238E27FC236}">
-                <a16:creationId xmlns:a16="http://schemas.microsoft.com/office/drawing/2014/main" id="{4BF036EC-6320-8346-86CD-B9410C8A6E19}"/>
-              </a:ext>
-            </a:extLst>
-          </p:cNvPr>
-          <p:cNvSpPr/>
-          <p:nvPr/>
-        </p:nvSpPr>
-        <p:spPr>
-          <a:xfrm>
-            <a:off x="2560686" y="2693051"/>
-            <a:ext cx="547268" cy="360040"/>
-          </a:xfrm>
-          <a:prstGeom prst="roundRect">
-            <a:avLst>
-              <a:gd name="adj" fmla="val 17374"/>
-            </a:avLst>
-          </a:prstGeom>
-          <a:ln w="12700"/>
-        </p:spPr>
-        <p:style>
-          <a:lnRef idx="2">
-            <a:schemeClr val="dk1"/>
-          </a:lnRef>
-          <a:fillRef idx="1">
-            <a:schemeClr val="lt1"/>
-          </a:fillRef>
-          <a:effectRef idx="0">
-            <a:schemeClr val="dk1"/>
-          </a:effectRef>
-          <a:fontRef idx="minor">
-            <a:schemeClr val="dk1"/>
-          </a:fontRef>
-        </p:style>
-        <p:txBody>
-          <a:bodyPr rtlCol="0" anchor="ctr"/>
-          <a:lstStyle/>
-          <a:p>
-            <a:pPr algn="ctr"/>
-            <a:r>
-              <a:rPr lang="en-US" altLang="ko-KR" sz="900"/>
-              <a:t>Pod</a:t>
-            </a:r>
-            <a:endParaRPr lang="ko-KR" altLang="en-US" sz="900"/>
-          </a:p>
-        </p:txBody>
-      </p:sp>
-      <p:sp>
-        <p:nvSpPr>
-          <p:cNvPr id="60" name="사각형: 둥근 모서리 29">
-            <a:extLst>
-              <a:ext uri="{FF2B5EF4-FFF2-40B4-BE49-F238E27FC236}">
-                <a16:creationId xmlns:a16="http://schemas.microsoft.com/office/drawing/2014/main" id="{A3C3EA20-D46F-6B4D-B484-5FBF64BA3F01}"/>
-              </a:ext>
-            </a:extLst>
-          </p:cNvPr>
-          <p:cNvSpPr/>
-          <p:nvPr/>
-        </p:nvSpPr>
-        <p:spPr>
-          <a:xfrm>
-            <a:off x="3837117" y="2693051"/>
-            <a:ext cx="547268" cy="360040"/>
-          </a:xfrm>
-          <a:prstGeom prst="roundRect">
-            <a:avLst>
-              <a:gd name="adj" fmla="val 17374"/>
-            </a:avLst>
-          </a:prstGeom>
-          <a:ln w="12700"/>
-        </p:spPr>
-        <p:style>
-          <a:lnRef idx="2">
-            <a:schemeClr val="dk1"/>
-          </a:lnRef>
-          <a:fillRef idx="1">
-            <a:schemeClr val="lt1"/>
-          </a:fillRef>
-          <a:effectRef idx="0">
-            <a:schemeClr val="dk1"/>
-          </a:effectRef>
-          <a:fontRef idx="minor">
-            <a:schemeClr val="dk1"/>
-          </a:fontRef>
-        </p:style>
-        <p:txBody>
-          <a:bodyPr rtlCol="0" anchor="ctr"/>
-          <a:lstStyle/>
-          <a:p>
-            <a:pPr algn="ctr"/>
-            <a:r>
-              <a:rPr lang="en-US" altLang="ko-KR" sz="900"/>
-              <a:t>Pod</a:t>
-            </a:r>
-            <a:endParaRPr lang="ko-KR" altLang="en-US" sz="900"/>
-          </a:p>
-        </p:txBody>
-      </p:sp>
-      <p:sp>
-        <p:nvSpPr>
-          <p:cNvPr id="61" name="사각형: 둥근 모서리 29">
-            <a:extLst>
-              <a:ext uri="{FF2B5EF4-FFF2-40B4-BE49-F238E27FC236}">
-                <a16:creationId xmlns:a16="http://schemas.microsoft.com/office/drawing/2014/main" id="{0A2ECE38-BD93-B74F-A5F7-ECDF15F62E46}"/>
-              </a:ext>
-            </a:extLst>
-          </p:cNvPr>
-          <p:cNvSpPr/>
-          <p:nvPr/>
-        </p:nvSpPr>
-        <p:spPr>
-          <a:xfrm>
-            <a:off x="4649114" y="2499742"/>
-            <a:ext cx="2189067" cy="1120983"/>
-          </a:xfrm>
-          <a:prstGeom prst="roundRect">
-            <a:avLst>
-              <a:gd name="adj" fmla="val 8891"/>
-            </a:avLst>
-          </a:prstGeom>
-          <a:ln w="12700"/>
-        </p:spPr>
-        <p:style>
-          <a:lnRef idx="2">
-            <a:schemeClr val="dk1"/>
-          </a:lnRef>
-          <a:fillRef idx="1">
-            <a:schemeClr val="lt1"/>
-          </a:fillRef>
-          <a:effectRef idx="0">
-            <a:schemeClr val="dk1"/>
-          </a:effectRef>
-          <a:fontRef idx="minor">
-            <a:schemeClr val="dk1"/>
-          </a:fontRef>
-        </p:style>
-        <p:txBody>
-          <a:bodyPr rtlCol="0" anchor="b"/>
-          <a:lstStyle/>
-          <a:p>
-            <a:pPr algn="ctr"/>
-            <a:r>
-              <a:rPr lang="en-US" altLang="ko-KR" sz="900" b="1"/>
-              <a:t>region : us, zone : a </a:t>
-            </a:r>
-            <a:r>
-              <a:rPr lang="en-US" altLang="ko-KR" sz="900"/>
-              <a:t>Worker Node 3</a:t>
-            </a:r>
-            <a:endParaRPr lang="ko-KR" altLang="en-US" sz="900"/>
-          </a:p>
-        </p:txBody>
-      </p:sp>
-      <p:sp>
-        <p:nvSpPr>
-          <p:cNvPr id="62" name="사각형: 둥근 모서리 29">
-            <a:extLst>
-              <a:ext uri="{FF2B5EF4-FFF2-40B4-BE49-F238E27FC236}">
-                <a16:creationId xmlns:a16="http://schemas.microsoft.com/office/drawing/2014/main" id="{3BC9D4CE-5D12-DC48-9043-F7373229B4D4}"/>
-              </a:ext>
-            </a:extLst>
-          </p:cNvPr>
-          <p:cNvSpPr/>
-          <p:nvPr/>
-        </p:nvSpPr>
-        <p:spPr>
-          <a:xfrm>
-            <a:off x="4739273" y="2608611"/>
-            <a:ext cx="2008747" cy="742979"/>
-          </a:xfrm>
-          <a:prstGeom prst="roundRect">
-            <a:avLst>
-              <a:gd name="adj" fmla="val 11707"/>
-            </a:avLst>
-          </a:prstGeom>
-          <a:ln w="12700">
-            <a:prstDash val="solid"/>
-          </a:ln>
-        </p:spPr>
-        <p:style>
-          <a:lnRef idx="2">
-            <a:schemeClr val="dk1"/>
-          </a:lnRef>
-          <a:fillRef idx="1">
-            <a:schemeClr val="lt1"/>
-          </a:fillRef>
-          <a:effectRef idx="0">
-            <a:schemeClr val="dk1"/>
-          </a:effectRef>
-          <a:fontRef idx="minor">
-            <a:schemeClr val="dk1"/>
-          </a:fontRef>
-        </p:style>
-        <p:txBody>
-          <a:bodyPr rtlCol="0" anchor="b"/>
-          <a:lstStyle/>
-          <a:p>
-            <a:pPr algn="ctr"/>
-            <a:r>
-              <a:rPr lang="en-US" altLang="ko-KR" sz="900" b="1"/>
-              <a:t>helloworld-us-a</a:t>
-            </a:r>
-            <a:r>
-              <a:rPr lang="en-US" altLang="ko-KR" sz="900"/>
-              <a:t> Deployment</a:t>
-            </a:r>
-            <a:endParaRPr lang="ko-KR" altLang="en-US" sz="900"/>
-          </a:p>
-        </p:txBody>
-      </p:sp>
-      <p:sp>
-        <p:nvSpPr>
-          <p:cNvPr id="63" name="사각형: 둥근 모서리 29">
-            <a:extLst>
-              <a:ext uri="{FF2B5EF4-FFF2-40B4-BE49-F238E27FC236}">
-                <a16:creationId xmlns:a16="http://schemas.microsoft.com/office/drawing/2014/main" id="{D015331B-685D-C34B-BE32-8BF1BB842BE1}"/>
-              </a:ext>
-            </a:extLst>
-          </p:cNvPr>
-          <p:cNvSpPr/>
-          <p:nvPr/>
-        </p:nvSpPr>
-        <p:spPr>
-          <a:xfrm>
-            <a:off x="5470012" y="2693051"/>
-            <a:ext cx="547268" cy="360040"/>
-          </a:xfrm>
-          <a:prstGeom prst="roundRect">
-            <a:avLst>
-              <a:gd name="adj" fmla="val 17374"/>
-            </a:avLst>
-          </a:prstGeom>
-          <a:ln w="12700"/>
-        </p:spPr>
-        <p:style>
-          <a:lnRef idx="2">
-            <a:schemeClr val="dk1"/>
-          </a:lnRef>
-          <a:fillRef idx="1">
-            <a:schemeClr val="lt1"/>
-          </a:fillRef>
-          <a:effectRef idx="0">
-            <a:schemeClr val="dk1"/>
-          </a:effectRef>
-          <a:fontRef idx="minor">
-            <a:schemeClr val="dk1"/>
-          </a:fontRef>
-        </p:style>
-        <p:txBody>
-          <a:bodyPr rtlCol="0" anchor="ctr"/>
-          <a:lstStyle/>
-          <a:p>
-            <a:pPr algn="ctr"/>
-            <a:r>
-              <a:rPr lang="en-US" altLang="ko-KR" sz="900"/>
-              <a:t>Pod</a:t>
-            </a:r>
-            <a:endParaRPr lang="ko-KR" altLang="en-US" sz="900"/>
-          </a:p>
-        </p:txBody>
-      </p:sp>
-      <p:sp>
-        <p:nvSpPr>
-          <p:cNvPr id="64" name="사각형: 둥근 모서리 29">
-            <a:extLst>
-              <a:ext uri="{FF2B5EF4-FFF2-40B4-BE49-F238E27FC236}">
-                <a16:creationId xmlns:a16="http://schemas.microsoft.com/office/drawing/2014/main" id="{0F967C67-4C30-314D-ACBD-6E0B53EB7889}"/>
-              </a:ext>
-            </a:extLst>
-          </p:cNvPr>
-          <p:cNvSpPr/>
-          <p:nvPr/>
-        </p:nvSpPr>
-        <p:spPr>
-          <a:xfrm>
-            <a:off x="4831009" y="2693051"/>
-            <a:ext cx="547268" cy="360040"/>
-          </a:xfrm>
-          <a:prstGeom prst="roundRect">
-            <a:avLst>
-              <a:gd name="adj" fmla="val 17374"/>
-            </a:avLst>
-          </a:prstGeom>
-          <a:ln w="12700"/>
-        </p:spPr>
-        <p:style>
-          <a:lnRef idx="2">
-            <a:schemeClr val="dk1"/>
-          </a:lnRef>
-          <a:fillRef idx="1">
-            <a:schemeClr val="lt1"/>
-          </a:fillRef>
-          <a:effectRef idx="0">
-            <a:schemeClr val="dk1"/>
-          </a:effectRef>
-          <a:fontRef idx="minor">
-            <a:schemeClr val="dk1"/>
-          </a:fontRef>
-        </p:style>
-        <p:txBody>
-          <a:bodyPr rtlCol="0" anchor="ctr"/>
-          <a:lstStyle/>
-          <a:p>
-            <a:pPr algn="ctr"/>
-            <a:r>
-              <a:rPr lang="en-US" altLang="ko-KR" sz="900"/>
-              <a:t>Pod</a:t>
-            </a:r>
-            <a:endParaRPr lang="ko-KR" altLang="en-US" sz="900"/>
-          </a:p>
-        </p:txBody>
-      </p:sp>
-      <p:sp>
-        <p:nvSpPr>
-          <p:cNvPr id="65" name="사각형: 둥근 모서리 29">
-            <a:extLst>
-              <a:ext uri="{FF2B5EF4-FFF2-40B4-BE49-F238E27FC236}">
-                <a16:creationId xmlns:a16="http://schemas.microsoft.com/office/drawing/2014/main" id="{1036DB88-3B2A-C343-93FD-E37E4C5F8F29}"/>
-              </a:ext>
-            </a:extLst>
-          </p:cNvPr>
-          <p:cNvSpPr/>
-          <p:nvPr/>
-        </p:nvSpPr>
-        <p:spPr>
-          <a:xfrm>
-            <a:off x="6107440" y="2693051"/>
-            <a:ext cx="547268" cy="360040"/>
-          </a:xfrm>
-          <a:prstGeom prst="roundRect">
-            <a:avLst>
-              <a:gd name="adj" fmla="val 17374"/>
-            </a:avLst>
-          </a:prstGeom>
-          <a:ln w="12700"/>
-        </p:spPr>
-        <p:style>
-          <a:lnRef idx="2">
-            <a:schemeClr val="dk1"/>
-          </a:lnRef>
-          <a:fillRef idx="1">
-            <a:schemeClr val="lt1"/>
-          </a:fillRef>
-          <a:effectRef idx="0">
-            <a:schemeClr val="dk1"/>
-          </a:effectRef>
-          <a:fontRef idx="minor">
-            <a:schemeClr val="dk1"/>
-          </a:fontRef>
-        </p:style>
-        <p:txBody>
-          <a:bodyPr rtlCol="0" anchor="ctr"/>
-          <a:lstStyle/>
-          <a:p>
-            <a:pPr algn="ctr"/>
-            <a:r>
-              <a:rPr lang="en-US" altLang="ko-KR" sz="900"/>
-              <a:t>Pod</a:t>
-            </a:r>
-            <a:endParaRPr lang="ko-KR" altLang="en-US" sz="900"/>
-          </a:p>
-        </p:txBody>
-      </p:sp>
-      <p:sp>
-        <p:nvSpPr>
-          <p:cNvPr id="66" name="사각형: 둥근 모서리 29">
-            <a:extLst>
-              <a:ext uri="{FF2B5EF4-FFF2-40B4-BE49-F238E27FC236}">
-                <a16:creationId xmlns:a16="http://schemas.microsoft.com/office/drawing/2014/main" id="{733F9388-9EFA-6344-ADE7-16848AA42823}"/>
-              </a:ext>
-            </a:extLst>
-          </p:cNvPr>
-          <p:cNvSpPr/>
-          <p:nvPr/>
-        </p:nvSpPr>
-        <p:spPr>
-          <a:xfrm>
-            <a:off x="6919437" y="2499742"/>
-            <a:ext cx="2189067" cy="1120983"/>
-          </a:xfrm>
-          <a:prstGeom prst="roundRect">
-            <a:avLst>
-              <a:gd name="adj" fmla="val 8891"/>
-            </a:avLst>
-          </a:prstGeom>
-          <a:ln w="12700"/>
-        </p:spPr>
-        <p:style>
-          <a:lnRef idx="2">
-            <a:schemeClr val="dk1"/>
-          </a:lnRef>
-          <a:fillRef idx="1">
-            <a:schemeClr val="lt1"/>
-          </a:fillRef>
-          <a:effectRef idx="0">
-            <a:schemeClr val="dk1"/>
-          </a:effectRef>
-          <a:fontRef idx="minor">
-            <a:schemeClr val="dk1"/>
-          </a:fontRef>
-        </p:style>
-        <p:txBody>
-          <a:bodyPr rtlCol="0" anchor="b"/>
-          <a:lstStyle/>
-          <a:p>
-            <a:pPr algn="ctr"/>
-            <a:r>
-              <a:rPr lang="en-US" altLang="ko-KR" sz="900" b="1"/>
-              <a:t>region : us, zone : a </a:t>
-            </a:r>
-            <a:r>
-              <a:rPr lang="en-US" altLang="ko-KR" sz="900"/>
-              <a:t>Worker Node 3</a:t>
-            </a:r>
-            <a:endParaRPr lang="ko-KR" altLang="en-US" sz="900"/>
-          </a:p>
-        </p:txBody>
-      </p:sp>
-      <p:sp>
-        <p:nvSpPr>
-          <p:cNvPr id="67" name="사각형: 둥근 모서리 29">
-            <a:extLst>
-              <a:ext uri="{FF2B5EF4-FFF2-40B4-BE49-F238E27FC236}">
-                <a16:creationId xmlns:a16="http://schemas.microsoft.com/office/drawing/2014/main" id="{D9B2C655-0801-9E4C-8E2C-50B1606A001F}"/>
-              </a:ext>
-            </a:extLst>
-          </p:cNvPr>
-          <p:cNvSpPr/>
-          <p:nvPr/>
-        </p:nvSpPr>
-        <p:spPr>
-          <a:xfrm>
-            <a:off x="7009596" y="2608611"/>
-            <a:ext cx="2008747" cy="742979"/>
-          </a:xfrm>
-          <a:prstGeom prst="roundRect">
-            <a:avLst>
-              <a:gd name="adj" fmla="val 11707"/>
-            </a:avLst>
-          </a:prstGeom>
-          <a:ln w="12700">
-            <a:prstDash val="solid"/>
-          </a:ln>
-        </p:spPr>
-        <p:style>
-          <a:lnRef idx="2">
-            <a:schemeClr val="dk1"/>
-          </a:lnRef>
-          <a:fillRef idx="1">
-            <a:schemeClr val="lt1"/>
-          </a:fillRef>
-          <a:effectRef idx="0">
-            <a:schemeClr val="dk1"/>
-          </a:effectRef>
-          <a:fontRef idx="minor">
-            <a:schemeClr val="dk1"/>
-          </a:fontRef>
-        </p:style>
-        <p:txBody>
-          <a:bodyPr rtlCol="0" anchor="b"/>
-          <a:lstStyle/>
-          <a:p>
-            <a:pPr algn="ctr"/>
-            <a:r>
-              <a:rPr lang="en-US" altLang="ko-KR" sz="900" b="1"/>
-              <a:t>helloworld-us-a</a:t>
-            </a:r>
-            <a:r>
-              <a:rPr lang="en-US" altLang="ko-KR" sz="900"/>
-              <a:t> Deployment</a:t>
-            </a:r>
-            <a:endParaRPr lang="ko-KR" altLang="en-US" sz="900"/>
-          </a:p>
-        </p:txBody>
-      </p:sp>
-      <p:sp>
-        <p:nvSpPr>
-          <p:cNvPr id="68" name="사각형: 둥근 모서리 29">
-            <a:extLst>
-              <a:ext uri="{FF2B5EF4-FFF2-40B4-BE49-F238E27FC236}">
-                <a16:creationId xmlns:a16="http://schemas.microsoft.com/office/drawing/2014/main" id="{63597B7B-6E3C-EF40-9B63-1F6C7165B9BD}"/>
-              </a:ext>
-            </a:extLst>
-          </p:cNvPr>
-          <p:cNvSpPr/>
-          <p:nvPr/>
-        </p:nvSpPr>
-        <p:spPr>
-          <a:xfrm>
-            <a:off x="7740335" y="2693051"/>
-            <a:ext cx="547268" cy="360040"/>
-          </a:xfrm>
-          <a:prstGeom prst="roundRect">
-            <a:avLst>
-              <a:gd name="adj" fmla="val 17374"/>
-            </a:avLst>
-          </a:prstGeom>
-          <a:ln w="12700"/>
-        </p:spPr>
-        <p:style>
-          <a:lnRef idx="2">
-            <a:schemeClr val="dk1"/>
-          </a:lnRef>
-          <a:fillRef idx="1">
-            <a:schemeClr val="lt1"/>
-          </a:fillRef>
-          <a:effectRef idx="0">
-            <a:schemeClr val="dk1"/>
-          </a:effectRef>
-          <a:fontRef idx="minor">
-            <a:schemeClr val="dk1"/>
-          </a:fontRef>
-        </p:style>
-        <p:txBody>
-          <a:bodyPr rtlCol="0" anchor="ctr"/>
-          <a:lstStyle/>
-          <a:p>
-            <a:pPr algn="ctr"/>
-            <a:r>
-              <a:rPr lang="en-US" altLang="ko-KR" sz="900"/>
-              <a:t>Pod</a:t>
-            </a:r>
-            <a:endParaRPr lang="ko-KR" altLang="en-US" sz="900"/>
-          </a:p>
-        </p:txBody>
-      </p:sp>
-      <p:sp>
-        <p:nvSpPr>
-          <p:cNvPr id="69" name="사각형: 둥근 모서리 29">
-            <a:extLst>
-              <a:ext uri="{FF2B5EF4-FFF2-40B4-BE49-F238E27FC236}">
-                <a16:creationId xmlns:a16="http://schemas.microsoft.com/office/drawing/2014/main" id="{6E6B131C-A6C8-1149-BE88-4711EB29DE82}"/>
-              </a:ext>
-            </a:extLst>
-          </p:cNvPr>
-          <p:cNvSpPr/>
-          <p:nvPr/>
-        </p:nvSpPr>
-        <p:spPr>
-          <a:xfrm>
-            <a:off x="7101332" y="2693051"/>
-            <a:ext cx="547268" cy="360040"/>
-          </a:xfrm>
-          <a:prstGeom prst="roundRect">
-            <a:avLst>
-              <a:gd name="adj" fmla="val 17374"/>
-            </a:avLst>
-          </a:prstGeom>
-          <a:ln w="12700"/>
-        </p:spPr>
-        <p:style>
-          <a:lnRef idx="2">
-            <a:schemeClr val="dk1"/>
-          </a:lnRef>
-          <a:fillRef idx="1">
-            <a:schemeClr val="lt1"/>
-          </a:fillRef>
-          <a:effectRef idx="0">
-            <a:schemeClr val="dk1"/>
-          </a:effectRef>
-          <a:fontRef idx="minor">
-            <a:schemeClr val="dk1"/>
-          </a:fontRef>
-        </p:style>
-        <p:txBody>
-          <a:bodyPr rtlCol="0" anchor="ctr"/>
-          <a:lstStyle/>
-          <a:p>
-            <a:pPr algn="ctr"/>
-            <a:r>
-              <a:rPr lang="en-US" altLang="ko-KR" sz="900"/>
-              <a:t>Pod</a:t>
-            </a:r>
-            <a:endParaRPr lang="ko-KR" altLang="en-US" sz="900"/>
-          </a:p>
-        </p:txBody>
-      </p:sp>
-      <p:sp>
-        <p:nvSpPr>
-          <p:cNvPr id="70" name="사각형: 둥근 모서리 29">
-            <a:extLst>
-              <a:ext uri="{FF2B5EF4-FFF2-40B4-BE49-F238E27FC236}">
-                <a16:creationId xmlns:a16="http://schemas.microsoft.com/office/drawing/2014/main" id="{CA4CD21A-F636-DD42-B0E4-5244FD332C8C}"/>
-              </a:ext>
-            </a:extLst>
-          </p:cNvPr>
-          <p:cNvSpPr/>
-          <p:nvPr/>
-        </p:nvSpPr>
-        <p:spPr>
-          <a:xfrm>
-            <a:off x="8377763" y="2693051"/>
-            <a:ext cx="547268" cy="360040"/>
-          </a:xfrm>
-          <a:prstGeom prst="roundRect">
-            <a:avLst>
-              <a:gd name="adj" fmla="val 17374"/>
-            </a:avLst>
-          </a:prstGeom>
-          <a:ln w="12700"/>
-        </p:spPr>
-        <p:style>
-          <a:lnRef idx="2">
-            <a:schemeClr val="dk1"/>
-          </a:lnRef>
-          <a:fillRef idx="1">
-            <a:schemeClr val="lt1"/>
-          </a:fillRef>
-          <a:effectRef idx="0">
-            <a:schemeClr val="dk1"/>
-          </a:effectRef>
-          <a:fontRef idx="minor">
-            <a:schemeClr val="dk1"/>
-          </a:fontRef>
-        </p:style>
-        <p:txBody>
-          <a:bodyPr rtlCol="0" anchor="ctr"/>
-          <a:lstStyle/>
-          <a:p>
-            <a:pPr algn="ctr"/>
-            <a:r>
-              <a:rPr lang="en-US" altLang="ko-KR" sz="900"/>
-              <a:t>Pod</a:t>
-            </a:r>
-            <a:endParaRPr lang="ko-KR" altLang="en-US" sz="900"/>
-          </a:p>
-        </p:txBody>
-      </p:sp>
-      <p:sp>
-        <p:nvSpPr>
-          <p:cNvPr id="71" name="사각형: 둥근 모서리 29">
-            <a:extLst>
-              <a:ext uri="{FF2B5EF4-FFF2-40B4-BE49-F238E27FC236}">
-                <a16:creationId xmlns:a16="http://schemas.microsoft.com/office/drawing/2014/main" id="{77A98D48-BB79-0C4D-A5C4-BE111D7DBA22}"/>
-              </a:ext>
-            </a:extLst>
-          </p:cNvPr>
-          <p:cNvSpPr/>
-          <p:nvPr/>
-        </p:nvSpPr>
-        <p:spPr>
-          <a:xfrm>
-            <a:off x="198627" y="1910613"/>
-            <a:ext cx="1224136" cy="360040"/>
-          </a:xfrm>
-          <a:prstGeom prst="roundRect">
-            <a:avLst>
-              <a:gd name="adj" fmla="val 17374"/>
-            </a:avLst>
-          </a:prstGeom>
-          <a:ln w="12700"/>
-        </p:spPr>
-        <p:style>
-          <a:lnRef idx="2">
-            <a:schemeClr val="dk1"/>
-          </a:lnRef>
-          <a:fillRef idx="1">
-            <a:schemeClr val="lt1"/>
-          </a:fillRef>
-          <a:effectRef idx="0">
-            <a:schemeClr val="dk1"/>
-          </a:effectRef>
-          <a:fontRef idx="minor">
-            <a:schemeClr val="dk1"/>
-          </a:fontRef>
-        </p:style>
-        <p:txBody>
-          <a:bodyPr rtlCol="0" anchor="ctr"/>
-          <a:lstStyle/>
-          <a:p>
-            <a:pPr algn="ctr"/>
-            <a:r>
-              <a:rPr lang="en-US" altLang="ko-KR" sz="900"/>
-              <a:t>myshell-kr-a Pod</a:t>
-            </a:r>
-            <a:endParaRPr lang="ko-KR" altLang="en-US" sz="900"/>
-          </a:p>
-        </p:txBody>
-      </p:sp>
-      <p:sp>
-        <p:nvSpPr>
-          <p:cNvPr id="72" name="사각형: 둥근 모서리 29">
-            <a:extLst>
-              <a:ext uri="{FF2B5EF4-FFF2-40B4-BE49-F238E27FC236}">
-                <a16:creationId xmlns:a16="http://schemas.microsoft.com/office/drawing/2014/main" id="{898704CB-2A1E-DF4C-93AD-25D8EEA7D5A1}"/>
-              </a:ext>
-            </a:extLst>
-          </p:cNvPr>
-          <p:cNvSpPr/>
-          <p:nvPr/>
-        </p:nvSpPr>
-        <p:spPr>
-          <a:xfrm>
-            <a:off x="3969482" y="1732721"/>
-            <a:ext cx="1278007" cy="525929"/>
-          </a:xfrm>
-          <a:prstGeom prst="roundRect">
-            <a:avLst>
-              <a:gd name="adj" fmla="val 11707"/>
-            </a:avLst>
-          </a:prstGeom>
-          <a:ln w="12700">
-            <a:prstDash val="solid"/>
-          </a:ln>
-        </p:spPr>
-        <p:style>
-          <a:lnRef idx="2">
-            <a:schemeClr val="dk1"/>
-          </a:lnRef>
-          <a:fillRef idx="1">
-            <a:schemeClr val="lt1"/>
-          </a:fillRef>
-          <a:effectRef idx="0">
-            <a:schemeClr val="dk1"/>
-          </a:effectRef>
-          <a:fontRef idx="minor">
-            <a:schemeClr val="dk1"/>
-          </a:fontRef>
-        </p:style>
-        <p:txBody>
-          <a:bodyPr rtlCol="0" anchor="ctr"/>
-          <a:lstStyle/>
-          <a:p>
-            <a:pPr algn="ctr"/>
-            <a:r>
-              <a:rPr lang="en-US" altLang="ko-KR" sz="900" b="1"/>
-              <a:t>helloworld</a:t>
-            </a:r>
-            <a:r>
-              <a:rPr lang="en-US" altLang="ko-KR" sz="900"/>
-              <a:t> Service</a:t>
-            </a:r>
-            <a:endParaRPr lang="ko-KR" altLang="en-US" sz="900"/>
-          </a:p>
-        </p:txBody>
-      </p:sp>
-      <p:cxnSp>
-        <p:nvCxnSpPr>
-          <p:cNvPr id="73" name="Straight Arrow Connector 72">
-            <a:extLst>
-              <a:ext uri="{FF2B5EF4-FFF2-40B4-BE49-F238E27FC236}">
-                <a16:creationId xmlns:a16="http://schemas.microsoft.com/office/drawing/2014/main" id="{B19D2ACE-B887-AD4D-950D-92E6C10FD86B}"/>
-              </a:ext>
-            </a:extLst>
-          </p:cNvPr>
-          <p:cNvCxnSpPr>
-            <a:cxnSpLocks/>
-          </p:cNvCxnSpPr>
-          <p:nvPr/>
-        </p:nvCxnSpPr>
-        <p:spPr>
-          <a:xfrm flipH="1">
-            <a:off x="1307334" y="1297688"/>
-            <a:ext cx="3431939" cy="515859"/>
-          </a:xfrm>
-          <a:prstGeom prst="straightConnector1">
-            <a:avLst/>
-          </a:prstGeom>
-          <a:ln w="12700">
-            <a:solidFill>
-              <a:schemeClr val="tx1"/>
-            </a:solidFill>
-            <a:tailEnd type="triangle"/>
-          </a:ln>
-        </p:spPr>
-        <p:style>
-          <a:lnRef idx="1">
-            <a:schemeClr val="accent1"/>
-          </a:lnRef>
-          <a:fillRef idx="0">
-            <a:schemeClr val="accent1"/>
-          </a:fillRef>
-          <a:effectRef idx="0">
-            <a:schemeClr val="accent1"/>
-          </a:effectRef>
-          <a:fontRef idx="minor">
-            <a:schemeClr val="tx1"/>
-          </a:fontRef>
-        </p:style>
-      </p:cxnSp>
-      <p:cxnSp>
-        <p:nvCxnSpPr>
-          <p:cNvPr id="77" name="Elbow Connector 76">
-            <a:extLst>
-              <a:ext uri="{FF2B5EF4-FFF2-40B4-BE49-F238E27FC236}">
-                <a16:creationId xmlns:a16="http://schemas.microsoft.com/office/drawing/2014/main" id="{A0549765-AC56-BB4E-85C8-69D67A6BDA5B}"/>
-              </a:ext>
-            </a:extLst>
-          </p:cNvPr>
-          <p:cNvCxnSpPr>
-            <a:cxnSpLocks/>
-            <a:stCxn id="72" idx="2"/>
-            <a:endCxn id="26" idx="0"/>
-          </p:cNvCxnSpPr>
-          <p:nvPr/>
-        </p:nvCxnSpPr>
-        <p:spPr>
-          <a:xfrm rot="5400000">
-            <a:off x="2730764" y="730888"/>
-            <a:ext cx="349961" cy="3405485"/>
-          </a:xfrm>
-          <a:prstGeom prst="bentConnector3">
-            <a:avLst>
-              <a:gd name="adj1" fmla="val 50000"/>
-            </a:avLst>
-          </a:prstGeom>
-          <a:ln w="12700">
-            <a:solidFill>
-              <a:schemeClr val="tx1"/>
-            </a:solidFill>
-            <a:tailEnd type="triangle"/>
-          </a:ln>
-        </p:spPr>
-        <p:style>
-          <a:lnRef idx="1">
-            <a:schemeClr val="accent1"/>
-          </a:lnRef>
-          <a:fillRef idx="0">
-            <a:schemeClr val="accent1"/>
-          </a:fillRef>
-          <a:effectRef idx="0">
-            <a:schemeClr val="accent1"/>
-          </a:effectRef>
-          <a:fontRef idx="minor">
-            <a:schemeClr val="tx1"/>
-          </a:fontRef>
-        </p:style>
-      </p:cxnSp>
-      <p:cxnSp>
-        <p:nvCxnSpPr>
-          <p:cNvPr id="83" name="Elbow Connector 82">
-            <a:extLst>
-              <a:ext uri="{FF2B5EF4-FFF2-40B4-BE49-F238E27FC236}">
-                <a16:creationId xmlns:a16="http://schemas.microsoft.com/office/drawing/2014/main" id="{63D0452D-63F0-B447-BAF1-415A1116037D}"/>
-              </a:ext>
-            </a:extLst>
-          </p:cNvPr>
-          <p:cNvCxnSpPr>
-            <a:cxnSpLocks/>
-            <a:stCxn id="72" idx="2"/>
-            <a:endCxn id="57" idx="0"/>
-          </p:cNvCxnSpPr>
-          <p:nvPr/>
-        </p:nvCxnSpPr>
-        <p:spPr>
-          <a:xfrm rot="5400000">
-            <a:off x="3865925" y="1866049"/>
-            <a:ext cx="349961" cy="1135162"/>
-          </a:xfrm>
-          <a:prstGeom prst="bentConnector3">
-            <a:avLst>
-              <a:gd name="adj1" fmla="val 50000"/>
-            </a:avLst>
-          </a:prstGeom>
-          <a:ln w="12700">
-            <a:solidFill>
-              <a:schemeClr val="tx1"/>
-            </a:solidFill>
-            <a:tailEnd type="triangle"/>
-          </a:ln>
-        </p:spPr>
-        <p:style>
-          <a:lnRef idx="1">
-            <a:schemeClr val="accent1"/>
-          </a:lnRef>
-          <a:fillRef idx="0">
-            <a:schemeClr val="accent1"/>
-          </a:fillRef>
-          <a:effectRef idx="0">
-            <a:schemeClr val="accent1"/>
-          </a:effectRef>
-          <a:fontRef idx="minor">
-            <a:schemeClr val="tx1"/>
-          </a:fontRef>
-        </p:style>
-      </p:cxnSp>
-    </p:spTree>
-    <p:extLst>
-      <p:ext uri="{BB962C8B-B14F-4D97-AF65-F5344CB8AC3E}">
-        <p14:creationId xmlns:p14="http://schemas.microsoft.com/office/powerpoint/2010/main" val="3786382398"/>
-      </p:ext>
-    </p:extLst>
-  </p:cSld>
-  <p:clrMapOvr>
-    <a:masterClrMapping/>
-  </p:clrMapOvr>
-</p:sld>
-</file>
-
 <file path=ppt/slides/slide2.xml><?xml version="1.0" encoding="utf-8"?>
 <p:sld xmlns:a="http://schemas.openxmlformats.org/drawingml/2006/main" xmlns:r="http://schemas.openxmlformats.org/officeDocument/2006/relationships" xmlns:p="http://schemas.openxmlformats.org/presentationml/2006/main">
   <p:cSld>
@@ -14714,6 +15475,1344 @@
     <p:extLst>
       <p:ext uri="{BB962C8B-B14F-4D97-AF65-F5344CB8AC3E}">
         <p14:creationId xmlns:p14="http://schemas.microsoft.com/office/powerpoint/2010/main" val="3503086589"/>
+      </p:ext>
+    </p:extLst>
+  </p:cSld>
+  <p:clrMapOvr>
+    <a:masterClrMapping/>
+  </p:clrMapOvr>
+</p:sld>
+</file>
+
+<file path=ppt/slides/slide20.xml><?xml version="1.0" encoding="utf-8"?>
+<p:sld xmlns:a="http://schemas.openxmlformats.org/drawingml/2006/main" xmlns:r="http://schemas.openxmlformats.org/officeDocument/2006/relationships" xmlns:p="http://schemas.openxmlformats.org/presentationml/2006/main">
+  <p:cSld>
+    <p:spTree>
+      <p:nvGrpSpPr>
+        <p:cNvPr id="1" name=""/>
+        <p:cNvGrpSpPr/>
+        <p:nvPr/>
+      </p:nvGrpSpPr>
+      <p:grpSpPr>
+        <a:xfrm>
+          <a:off x="0" y="0"/>
+          <a:ext cx="0" cy="0"/>
+          <a:chOff x="0" y="0"/>
+          <a:chExt cx="0" cy="0"/>
+        </a:xfrm>
+      </p:grpSpPr>
+      <p:sp>
+        <p:nvSpPr>
+          <p:cNvPr id="19" name="사각형: 둥근 모서리 29">
+            <a:extLst>
+              <a:ext uri="{FF2B5EF4-FFF2-40B4-BE49-F238E27FC236}">
+                <a16:creationId xmlns:a16="http://schemas.microsoft.com/office/drawing/2014/main" id="{ACD14712-953B-4B41-9FE2-C7701A81A58D}"/>
+              </a:ext>
+            </a:extLst>
+          </p:cNvPr>
+          <p:cNvSpPr/>
+          <p:nvPr/>
+        </p:nvSpPr>
+        <p:spPr>
+          <a:xfrm>
+            <a:off x="108468" y="1995686"/>
+            <a:ext cx="2189067" cy="1625039"/>
+          </a:xfrm>
+          <a:prstGeom prst="roundRect">
+            <a:avLst>
+              <a:gd name="adj" fmla="val 8891"/>
+            </a:avLst>
+          </a:prstGeom>
+          <a:ln w="12700"/>
+        </p:spPr>
+        <p:style>
+          <a:lnRef idx="2">
+            <a:schemeClr val="dk1"/>
+          </a:lnRef>
+          <a:fillRef idx="1">
+            <a:schemeClr val="lt1"/>
+          </a:fillRef>
+          <a:effectRef idx="0">
+            <a:schemeClr val="dk1"/>
+          </a:effectRef>
+          <a:fontRef idx="minor">
+            <a:schemeClr val="dk1"/>
+          </a:fontRef>
+        </p:style>
+        <p:txBody>
+          <a:bodyPr rtlCol="0" anchor="b"/>
+          <a:lstStyle/>
+          <a:p>
+            <a:pPr algn="ctr"/>
+            <a:r>
+              <a:rPr lang="en-US" altLang="ko-KR" sz="900" b="1"/>
+              <a:t>region : kr, zone : a </a:t>
+            </a:r>
+            <a:r>
+              <a:rPr lang="en-US" altLang="ko-KR" sz="900"/>
+              <a:t>Worker Node 1</a:t>
+            </a:r>
+            <a:endParaRPr lang="ko-KR" altLang="en-US" sz="900"/>
+          </a:p>
+        </p:txBody>
+      </p:sp>
+      <p:sp>
+        <p:nvSpPr>
+          <p:cNvPr id="26" name="사각형: 둥근 모서리 29">
+            <a:extLst>
+              <a:ext uri="{FF2B5EF4-FFF2-40B4-BE49-F238E27FC236}">
+                <a16:creationId xmlns:a16="http://schemas.microsoft.com/office/drawing/2014/main" id="{DD7C8ABF-CB2D-3143-983E-92F0F058294C}"/>
+              </a:ext>
+            </a:extLst>
+          </p:cNvPr>
+          <p:cNvSpPr/>
+          <p:nvPr/>
+        </p:nvSpPr>
+        <p:spPr>
+          <a:xfrm>
+            <a:off x="198627" y="2608611"/>
+            <a:ext cx="2008747" cy="742979"/>
+          </a:xfrm>
+          <a:prstGeom prst="roundRect">
+            <a:avLst>
+              <a:gd name="adj" fmla="val 11707"/>
+            </a:avLst>
+          </a:prstGeom>
+          <a:ln w="12700">
+            <a:prstDash val="solid"/>
+          </a:ln>
+        </p:spPr>
+        <p:style>
+          <a:lnRef idx="2">
+            <a:schemeClr val="dk1"/>
+          </a:lnRef>
+          <a:fillRef idx="1">
+            <a:schemeClr val="lt1"/>
+          </a:fillRef>
+          <a:effectRef idx="0">
+            <a:schemeClr val="dk1"/>
+          </a:effectRef>
+          <a:fontRef idx="minor">
+            <a:schemeClr val="dk1"/>
+          </a:fontRef>
+        </p:style>
+        <p:txBody>
+          <a:bodyPr rtlCol="0" anchor="b"/>
+          <a:lstStyle/>
+          <a:p>
+            <a:pPr algn="ctr"/>
+            <a:r>
+              <a:rPr lang="en-US" altLang="ko-KR" sz="900" b="1"/>
+              <a:t>helloworld-kr-a</a:t>
+            </a:r>
+            <a:r>
+              <a:rPr lang="en-US" altLang="ko-KR" sz="900"/>
+              <a:t> Deployment</a:t>
+            </a:r>
+            <a:endParaRPr lang="ko-KR" altLang="en-US" sz="900"/>
+          </a:p>
+        </p:txBody>
+      </p:sp>
+      <p:sp>
+        <p:nvSpPr>
+          <p:cNvPr id="27" name="사각형: 둥근 모서리 29">
+            <a:extLst>
+              <a:ext uri="{FF2B5EF4-FFF2-40B4-BE49-F238E27FC236}">
+                <a16:creationId xmlns:a16="http://schemas.microsoft.com/office/drawing/2014/main" id="{5A3B18EA-035A-9A4B-B9EA-839ED9F83C51}"/>
+              </a:ext>
+            </a:extLst>
+          </p:cNvPr>
+          <p:cNvSpPr/>
+          <p:nvPr/>
+        </p:nvSpPr>
+        <p:spPr>
+          <a:xfrm>
+            <a:off x="929366" y="2693051"/>
+            <a:ext cx="547268" cy="360040"/>
+          </a:xfrm>
+          <a:prstGeom prst="roundRect">
+            <a:avLst>
+              <a:gd name="adj" fmla="val 17374"/>
+            </a:avLst>
+          </a:prstGeom>
+          <a:ln w="12700"/>
+        </p:spPr>
+        <p:style>
+          <a:lnRef idx="2">
+            <a:schemeClr val="dk1"/>
+          </a:lnRef>
+          <a:fillRef idx="1">
+            <a:schemeClr val="lt1"/>
+          </a:fillRef>
+          <a:effectRef idx="0">
+            <a:schemeClr val="dk1"/>
+          </a:effectRef>
+          <a:fontRef idx="minor">
+            <a:schemeClr val="dk1"/>
+          </a:fontRef>
+        </p:style>
+        <p:txBody>
+          <a:bodyPr rtlCol="0" anchor="ctr"/>
+          <a:lstStyle/>
+          <a:p>
+            <a:pPr algn="ctr"/>
+            <a:r>
+              <a:rPr lang="en-US" altLang="ko-KR" sz="900"/>
+              <a:t>Pod</a:t>
+            </a:r>
+            <a:endParaRPr lang="ko-KR" altLang="en-US" sz="900"/>
+          </a:p>
+        </p:txBody>
+      </p:sp>
+      <p:sp>
+        <p:nvSpPr>
+          <p:cNvPr id="39" name="사각형: 둥근 모서리 29">
+            <a:extLst>
+              <a:ext uri="{FF2B5EF4-FFF2-40B4-BE49-F238E27FC236}">
+                <a16:creationId xmlns:a16="http://schemas.microsoft.com/office/drawing/2014/main" id="{152B2FD7-269F-4545-B5FC-B7A81DD16EA8}"/>
+              </a:ext>
+            </a:extLst>
+          </p:cNvPr>
+          <p:cNvSpPr/>
+          <p:nvPr/>
+        </p:nvSpPr>
+        <p:spPr>
+          <a:xfrm>
+            <a:off x="290363" y="2693051"/>
+            <a:ext cx="547268" cy="360040"/>
+          </a:xfrm>
+          <a:prstGeom prst="roundRect">
+            <a:avLst>
+              <a:gd name="adj" fmla="val 17374"/>
+            </a:avLst>
+          </a:prstGeom>
+          <a:ln w="12700"/>
+        </p:spPr>
+        <p:style>
+          <a:lnRef idx="2">
+            <a:schemeClr val="dk1"/>
+          </a:lnRef>
+          <a:fillRef idx="1">
+            <a:schemeClr val="lt1"/>
+          </a:fillRef>
+          <a:effectRef idx="0">
+            <a:schemeClr val="dk1"/>
+          </a:effectRef>
+          <a:fontRef idx="minor">
+            <a:schemeClr val="dk1"/>
+          </a:fontRef>
+        </p:style>
+        <p:txBody>
+          <a:bodyPr rtlCol="0" anchor="ctr"/>
+          <a:lstStyle/>
+          <a:p>
+            <a:pPr algn="ctr"/>
+            <a:r>
+              <a:rPr lang="en-US" altLang="ko-KR" sz="900"/>
+              <a:t>Pod</a:t>
+            </a:r>
+            <a:endParaRPr lang="ko-KR" altLang="en-US" sz="900"/>
+          </a:p>
+        </p:txBody>
+      </p:sp>
+      <p:sp>
+        <p:nvSpPr>
+          <p:cNvPr id="40" name="사각형: 둥근 모서리 29">
+            <a:extLst>
+              <a:ext uri="{FF2B5EF4-FFF2-40B4-BE49-F238E27FC236}">
+                <a16:creationId xmlns:a16="http://schemas.microsoft.com/office/drawing/2014/main" id="{3D95BA5C-BF69-1840-9C86-39A47818FA08}"/>
+              </a:ext>
+            </a:extLst>
+          </p:cNvPr>
+          <p:cNvSpPr/>
+          <p:nvPr/>
+        </p:nvSpPr>
+        <p:spPr>
+          <a:xfrm>
+            <a:off x="1566794" y="2693051"/>
+            <a:ext cx="547268" cy="360040"/>
+          </a:xfrm>
+          <a:prstGeom prst="roundRect">
+            <a:avLst>
+              <a:gd name="adj" fmla="val 17374"/>
+            </a:avLst>
+          </a:prstGeom>
+          <a:ln w="12700"/>
+        </p:spPr>
+        <p:style>
+          <a:lnRef idx="2">
+            <a:schemeClr val="dk1"/>
+          </a:lnRef>
+          <a:fillRef idx="1">
+            <a:schemeClr val="lt1"/>
+          </a:fillRef>
+          <a:effectRef idx="0">
+            <a:schemeClr val="dk1"/>
+          </a:effectRef>
+          <a:fontRef idx="minor">
+            <a:schemeClr val="dk1"/>
+          </a:fontRef>
+        </p:style>
+        <p:txBody>
+          <a:bodyPr rtlCol="0" anchor="ctr"/>
+          <a:lstStyle/>
+          <a:p>
+            <a:pPr algn="ctr"/>
+            <a:r>
+              <a:rPr lang="en-US" altLang="ko-KR" sz="900"/>
+              <a:t>Pod</a:t>
+            </a:r>
+            <a:endParaRPr lang="ko-KR" altLang="en-US" sz="900"/>
+          </a:p>
+        </p:txBody>
+      </p:sp>
+      <p:sp>
+        <p:nvSpPr>
+          <p:cNvPr id="56" name="사각형: 둥근 모서리 29">
+            <a:extLst>
+              <a:ext uri="{FF2B5EF4-FFF2-40B4-BE49-F238E27FC236}">
+                <a16:creationId xmlns:a16="http://schemas.microsoft.com/office/drawing/2014/main" id="{4A221CAB-409F-AC41-AD7D-5A021A256F3D}"/>
+              </a:ext>
+            </a:extLst>
+          </p:cNvPr>
+          <p:cNvSpPr/>
+          <p:nvPr/>
+        </p:nvSpPr>
+        <p:spPr>
+          <a:xfrm>
+            <a:off x="2378791" y="2499742"/>
+            <a:ext cx="2189067" cy="1120983"/>
+          </a:xfrm>
+          <a:prstGeom prst="roundRect">
+            <a:avLst>
+              <a:gd name="adj" fmla="val 8891"/>
+            </a:avLst>
+          </a:prstGeom>
+          <a:ln w="12700"/>
+        </p:spPr>
+        <p:style>
+          <a:lnRef idx="2">
+            <a:schemeClr val="dk1"/>
+          </a:lnRef>
+          <a:fillRef idx="1">
+            <a:schemeClr val="lt1"/>
+          </a:fillRef>
+          <a:effectRef idx="0">
+            <a:schemeClr val="dk1"/>
+          </a:effectRef>
+          <a:fontRef idx="minor">
+            <a:schemeClr val="dk1"/>
+          </a:fontRef>
+        </p:style>
+        <p:txBody>
+          <a:bodyPr rtlCol="0" anchor="b"/>
+          <a:lstStyle/>
+          <a:p>
+            <a:pPr algn="ctr"/>
+            <a:r>
+              <a:rPr lang="en-US" altLang="ko-KR" sz="900" b="1"/>
+              <a:t>region : kr, zone : b </a:t>
+            </a:r>
+            <a:r>
+              <a:rPr lang="en-US" altLang="ko-KR" sz="900"/>
+              <a:t>Worker Node 2</a:t>
+            </a:r>
+            <a:endParaRPr lang="ko-KR" altLang="en-US" sz="900"/>
+          </a:p>
+        </p:txBody>
+      </p:sp>
+      <p:sp>
+        <p:nvSpPr>
+          <p:cNvPr id="57" name="사각형: 둥근 모서리 29">
+            <a:extLst>
+              <a:ext uri="{FF2B5EF4-FFF2-40B4-BE49-F238E27FC236}">
+                <a16:creationId xmlns:a16="http://schemas.microsoft.com/office/drawing/2014/main" id="{1FA6D55E-65C0-414C-AA46-FB4B0B157E0A}"/>
+              </a:ext>
+            </a:extLst>
+          </p:cNvPr>
+          <p:cNvSpPr/>
+          <p:nvPr/>
+        </p:nvSpPr>
+        <p:spPr>
+          <a:xfrm>
+            <a:off x="2468950" y="2608611"/>
+            <a:ext cx="2008747" cy="742979"/>
+          </a:xfrm>
+          <a:prstGeom prst="roundRect">
+            <a:avLst>
+              <a:gd name="adj" fmla="val 11707"/>
+            </a:avLst>
+          </a:prstGeom>
+          <a:ln w="12700">
+            <a:prstDash val="solid"/>
+          </a:ln>
+        </p:spPr>
+        <p:style>
+          <a:lnRef idx="2">
+            <a:schemeClr val="dk1"/>
+          </a:lnRef>
+          <a:fillRef idx="1">
+            <a:schemeClr val="lt1"/>
+          </a:fillRef>
+          <a:effectRef idx="0">
+            <a:schemeClr val="dk1"/>
+          </a:effectRef>
+          <a:fontRef idx="minor">
+            <a:schemeClr val="dk1"/>
+          </a:fontRef>
+        </p:style>
+        <p:txBody>
+          <a:bodyPr rtlCol="0" anchor="b"/>
+          <a:lstStyle/>
+          <a:p>
+            <a:pPr algn="ctr"/>
+            <a:r>
+              <a:rPr lang="en-US" altLang="ko-KR" sz="900" b="1"/>
+              <a:t>helloworld-kr-b</a:t>
+            </a:r>
+            <a:r>
+              <a:rPr lang="en-US" altLang="ko-KR" sz="900"/>
+              <a:t> Deployment</a:t>
+            </a:r>
+            <a:endParaRPr lang="ko-KR" altLang="en-US" sz="900"/>
+          </a:p>
+        </p:txBody>
+      </p:sp>
+      <p:sp>
+        <p:nvSpPr>
+          <p:cNvPr id="58" name="사각형: 둥근 모서리 29">
+            <a:extLst>
+              <a:ext uri="{FF2B5EF4-FFF2-40B4-BE49-F238E27FC236}">
+                <a16:creationId xmlns:a16="http://schemas.microsoft.com/office/drawing/2014/main" id="{AA86D1B0-D5D4-3A4C-A2AC-37553576AFDB}"/>
+              </a:ext>
+            </a:extLst>
+          </p:cNvPr>
+          <p:cNvSpPr/>
+          <p:nvPr/>
+        </p:nvSpPr>
+        <p:spPr>
+          <a:xfrm>
+            <a:off x="3199689" y="2693051"/>
+            <a:ext cx="547268" cy="360040"/>
+          </a:xfrm>
+          <a:prstGeom prst="roundRect">
+            <a:avLst>
+              <a:gd name="adj" fmla="val 17374"/>
+            </a:avLst>
+          </a:prstGeom>
+          <a:ln w="12700"/>
+        </p:spPr>
+        <p:style>
+          <a:lnRef idx="2">
+            <a:schemeClr val="dk1"/>
+          </a:lnRef>
+          <a:fillRef idx="1">
+            <a:schemeClr val="lt1"/>
+          </a:fillRef>
+          <a:effectRef idx="0">
+            <a:schemeClr val="dk1"/>
+          </a:effectRef>
+          <a:fontRef idx="minor">
+            <a:schemeClr val="dk1"/>
+          </a:fontRef>
+        </p:style>
+        <p:txBody>
+          <a:bodyPr rtlCol="0" anchor="ctr"/>
+          <a:lstStyle/>
+          <a:p>
+            <a:pPr algn="ctr"/>
+            <a:r>
+              <a:rPr lang="en-US" altLang="ko-KR" sz="900"/>
+              <a:t>Pod</a:t>
+            </a:r>
+            <a:endParaRPr lang="ko-KR" altLang="en-US" sz="900"/>
+          </a:p>
+        </p:txBody>
+      </p:sp>
+      <p:sp>
+        <p:nvSpPr>
+          <p:cNvPr id="59" name="사각형: 둥근 모서리 29">
+            <a:extLst>
+              <a:ext uri="{FF2B5EF4-FFF2-40B4-BE49-F238E27FC236}">
+                <a16:creationId xmlns:a16="http://schemas.microsoft.com/office/drawing/2014/main" id="{4BF036EC-6320-8346-86CD-B9410C8A6E19}"/>
+              </a:ext>
+            </a:extLst>
+          </p:cNvPr>
+          <p:cNvSpPr/>
+          <p:nvPr/>
+        </p:nvSpPr>
+        <p:spPr>
+          <a:xfrm>
+            <a:off x="2560686" y="2693051"/>
+            <a:ext cx="547268" cy="360040"/>
+          </a:xfrm>
+          <a:prstGeom prst="roundRect">
+            <a:avLst>
+              <a:gd name="adj" fmla="val 17374"/>
+            </a:avLst>
+          </a:prstGeom>
+          <a:ln w="12700"/>
+        </p:spPr>
+        <p:style>
+          <a:lnRef idx="2">
+            <a:schemeClr val="dk1"/>
+          </a:lnRef>
+          <a:fillRef idx="1">
+            <a:schemeClr val="lt1"/>
+          </a:fillRef>
+          <a:effectRef idx="0">
+            <a:schemeClr val="dk1"/>
+          </a:effectRef>
+          <a:fontRef idx="minor">
+            <a:schemeClr val="dk1"/>
+          </a:fontRef>
+        </p:style>
+        <p:txBody>
+          <a:bodyPr rtlCol="0" anchor="ctr"/>
+          <a:lstStyle/>
+          <a:p>
+            <a:pPr algn="ctr"/>
+            <a:r>
+              <a:rPr lang="en-US" altLang="ko-KR" sz="900"/>
+              <a:t>Pod</a:t>
+            </a:r>
+            <a:endParaRPr lang="ko-KR" altLang="en-US" sz="900"/>
+          </a:p>
+        </p:txBody>
+      </p:sp>
+      <p:sp>
+        <p:nvSpPr>
+          <p:cNvPr id="60" name="사각형: 둥근 모서리 29">
+            <a:extLst>
+              <a:ext uri="{FF2B5EF4-FFF2-40B4-BE49-F238E27FC236}">
+                <a16:creationId xmlns:a16="http://schemas.microsoft.com/office/drawing/2014/main" id="{A3C3EA20-D46F-6B4D-B484-5FBF64BA3F01}"/>
+              </a:ext>
+            </a:extLst>
+          </p:cNvPr>
+          <p:cNvSpPr/>
+          <p:nvPr/>
+        </p:nvSpPr>
+        <p:spPr>
+          <a:xfrm>
+            <a:off x="3837117" y="2693051"/>
+            <a:ext cx="547268" cy="360040"/>
+          </a:xfrm>
+          <a:prstGeom prst="roundRect">
+            <a:avLst>
+              <a:gd name="adj" fmla="val 17374"/>
+            </a:avLst>
+          </a:prstGeom>
+          <a:ln w="12700"/>
+        </p:spPr>
+        <p:style>
+          <a:lnRef idx="2">
+            <a:schemeClr val="dk1"/>
+          </a:lnRef>
+          <a:fillRef idx="1">
+            <a:schemeClr val="lt1"/>
+          </a:fillRef>
+          <a:effectRef idx="0">
+            <a:schemeClr val="dk1"/>
+          </a:effectRef>
+          <a:fontRef idx="minor">
+            <a:schemeClr val="dk1"/>
+          </a:fontRef>
+        </p:style>
+        <p:txBody>
+          <a:bodyPr rtlCol="0" anchor="ctr"/>
+          <a:lstStyle/>
+          <a:p>
+            <a:pPr algn="ctr"/>
+            <a:r>
+              <a:rPr lang="en-US" altLang="ko-KR" sz="900"/>
+              <a:t>Pod</a:t>
+            </a:r>
+            <a:endParaRPr lang="ko-KR" altLang="en-US" sz="900"/>
+          </a:p>
+        </p:txBody>
+      </p:sp>
+      <p:sp>
+        <p:nvSpPr>
+          <p:cNvPr id="61" name="사각형: 둥근 모서리 29">
+            <a:extLst>
+              <a:ext uri="{FF2B5EF4-FFF2-40B4-BE49-F238E27FC236}">
+                <a16:creationId xmlns:a16="http://schemas.microsoft.com/office/drawing/2014/main" id="{0A2ECE38-BD93-B74F-A5F7-ECDF15F62E46}"/>
+              </a:ext>
+            </a:extLst>
+          </p:cNvPr>
+          <p:cNvSpPr/>
+          <p:nvPr/>
+        </p:nvSpPr>
+        <p:spPr>
+          <a:xfrm>
+            <a:off x="4649114" y="2499742"/>
+            <a:ext cx="2189067" cy="1120983"/>
+          </a:xfrm>
+          <a:prstGeom prst="roundRect">
+            <a:avLst>
+              <a:gd name="adj" fmla="val 8891"/>
+            </a:avLst>
+          </a:prstGeom>
+          <a:ln w="12700"/>
+        </p:spPr>
+        <p:style>
+          <a:lnRef idx="2">
+            <a:schemeClr val="dk1"/>
+          </a:lnRef>
+          <a:fillRef idx="1">
+            <a:schemeClr val="lt1"/>
+          </a:fillRef>
+          <a:effectRef idx="0">
+            <a:schemeClr val="dk1"/>
+          </a:effectRef>
+          <a:fontRef idx="minor">
+            <a:schemeClr val="dk1"/>
+          </a:fontRef>
+        </p:style>
+        <p:txBody>
+          <a:bodyPr rtlCol="0" anchor="b"/>
+          <a:lstStyle/>
+          <a:p>
+            <a:pPr algn="ctr"/>
+            <a:r>
+              <a:rPr lang="en-US" altLang="ko-KR" sz="900" b="1"/>
+              <a:t>region : us, zone : a </a:t>
+            </a:r>
+            <a:r>
+              <a:rPr lang="en-US" altLang="ko-KR" sz="900"/>
+              <a:t>Worker Node 3</a:t>
+            </a:r>
+            <a:endParaRPr lang="ko-KR" altLang="en-US" sz="900"/>
+          </a:p>
+        </p:txBody>
+      </p:sp>
+      <p:sp>
+        <p:nvSpPr>
+          <p:cNvPr id="62" name="사각형: 둥근 모서리 29">
+            <a:extLst>
+              <a:ext uri="{FF2B5EF4-FFF2-40B4-BE49-F238E27FC236}">
+                <a16:creationId xmlns:a16="http://schemas.microsoft.com/office/drawing/2014/main" id="{3BC9D4CE-5D12-DC48-9043-F7373229B4D4}"/>
+              </a:ext>
+            </a:extLst>
+          </p:cNvPr>
+          <p:cNvSpPr/>
+          <p:nvPr/>
+        </p:nvSpPr>
+        <p:spPr>
+          <a:xfrm>
+            <a:off x="4739273" y="2608611"/>
+            <a:ext cx="2008747" cy="742979"/>
+          </a:xfrm>
+          <a:prstGeom prst="roundRect">
+            <a:avLst>
+              <a:gd name="adj" fmla="val 11707"/>
+            </a:avLst>
+          </a:prstGeom>
+          <a:ln w="12700">
+            <a:prstDash val="solid"/>
+          </a:ln>
+        </p:spPr>
+        <p:style>
+          <a:lnRef idx="2">
+            <a:schemeClr val="dk1"/>
+          </a:lnRef>
+          <a:fillRef idx="1">
+            <a:schemeClr val="lt1"/>
+          </a:fillRef>
+          <a:effectRef idx="0">
+            <a:schemeClr val="dk1"/>
+          </a:effectRef>
+          <a:fontRef idx="minor">
+            <a:schemeClr val="dk1"/>
+          </a:fontRef>
+        </p:style>
+        <p:txBody>
+          <a:bodyPr rtlCol="0" anchor="b"/>
+          <a:lstStyle/>
+          <a:p>
+            <a:pPr algn="ctr"/>
+            <a:r>
+              <a:rPr lang="en-US" altLang="ko-KR" sz="900" b="1"/>
+              <a:t>helloworld-us-a</a:t>
+            </a:r>
+            <a:r>
+              <a:rPr lang="en-US" altLang="ko-KR" sz="900"/>
+              <a:t> Deployment</a:t>
+            </a:r>
+            <a:endParaRPr lang="ko-KR" altLang="en-US" sz="900"/>
+          </a:p>
+        </p:txBody>
+      </p:sp>
+      <p:sp>
+        <p:nvSpPr>
+          <p:cNvPr id="63" name="사각형: 둥근 모서리 29">
+            <a:extLst>
+              <a:ext uri="{FF2B5EF4-FFF2-40B4-BE49-F238E27FC236}">
+                <a16:creationId xmlns:a16="http://schemas.microsoft.com/office/drawing/2014/main" id="{D015331B-685D-C34B-BE32-8BF1BB842BE1}"/>
+              </a:ext>
+            </a:extLst>
+          </p:cNvPr>
+          <p:cNvSpPr/>
+          <p:nvPr/>
+        </p:nvSpPr>
+        <p:spPr>
+          <a:xfrm>
+            <a:off x="5470012" y="2693051"/>
+            <a:ext cx="547268" cy="360040"/>
+          </a:xfrm>
+          <a:prstGeom prst="roundRect">
+            <a:avLst>
+              <a:gd name="adj" fmla="val 17374"/>
+            </a:avLst>
+          </a:prstGeom>
+          <a:ln w="12700"/>
+        </p:spPr>
+        <p:style>
+          <a:lnRef idx="2">
+            <a:schemeClr val="dk1"/>
+          </a:lnRef>
+          <a:fillRef idx="1">
+            <a:schemeClr val="lt1"/>
+          </a:fillRef>
+          <a:effectRef idx="0">
+            <a:schemeClr val="dk1"/>
+          </a:effectRef>
+          <a:fontRef idx="minor">
+            <a:schemeClr val="dk1"/>
+          </a:fontRef>
+        </p:style>
+        <p:txBody>
+          <a:bodyPr rtlCol="0" anchor="ctr"/>
+          <a:lstStyle/>
+          <a:p>
+            <a:pPr algn="ctr"/>
+            <a:r>
+              <a:rPr lang="en-US" altLang="ko-KR" sz="900"/>
+              <a:t>Pod</a:t>
+            </a:r>
+            <a:endParaRPr lang="ko-KR" altLang="en-US" sz="900"/>
+          </a:p>
+        </p:txBody>
+      </p:sp>
+      <p:sp>
+        <p:nvSpPr>
+          <p:cNvPr id="64" name="사각형: 둥근 모서리 29">
+            <a:extLst>
+              <a:ext uri="{FF2B5EF4-FFF2-40B4-BE49-F238E27FC236}">
+                <a16:creationId xmlns:a16="http://schemas.microsoft.com/office/drawing/2014/main" id="{0F967C67-4C30-314D-ACBD-6E0B53EB7889}"/>
+              </a:ext>
+            </a:extLst>
+          </p:cNvPr>
+          <p:cNvSpPr/>
+          <p:nvPr/>
+        </p:nvSpPr>
+        <p:spPr>
+          <a:xfrm>
+            <a:off x="4831009" y="2693051"/>
+            <a:ext cx="547268" cy="360040"/>
+          </a:xfrm>
+          <a:prstGeom prst="roundRect">
+            <a:avLst>
+              <a:gd name="adj" fmla="val 17374"/>
+            </a:avLst>
+          </a:prstGeom>
+          <a:ln w="12700"/>
+        </p:spPr>
+        <p:style>
+          <a:lnRef idx="2">
+            <a:schemeClr val="dk1"/>
+          </a:lnRef>
+          <a:fillRef idx="1">
+            <a:schemeClr val="lt1"/>
+          </a:fillRef>
+          <a:effectRef idx="0">
+            <a:schemeClr val="dk1"/>
+          </a:effectRef>
+          <a:fontRef idx="minor">
+            <a:schemeClr val="dk1"/>
+          </a:fontRef>
+        </p:style>
+        <p:txBody>
+          <a:bodyPr rtlCol="0" anchor="ctr"/>
+          <a:lstStyle/>
+          <a:p>
+            <a:pPr algn="ctr"/>
+            <a:r>
+              <a:rPr lang="en-US" altLang="ko-KR" sz="900"/>
+              <a:t>Pod</a:t>
+            </a:r>
+            <a:endParaRPr lang="ko-KR" altLang="en-US" sz="900"/>
+          </a:p>
+        </p:txBody>
+      </p:sp>
+      <p:sp>
+        <p:nvSpPr>
+          <p:cNvPr id="65" name="사각형: 둥근 모서리 29">
+            <a:extLst>
+              <a:ext uri="{FF2B5EF4-FFF2-40B4-BE49-F238E27FC236}">
+                <a16:creationId xmlns:a16="http://schemas.microsoft.com/office/drawing/2014/main" id="{1036DB88-3B2A-C343-93FD-E37E4C5F8F29}"/>
+              </a:ext>
+            </a:extLst>
+          </p:cNvPr>
+          <p:cNvSpPr/>
+          <p:nvPr/>
+        </p:nvSpPr>
+        <p:spPr>
+          <a:xfrm>
+            <a:off x="6107440" y="2693051"/>
+            <a:ext cx="547268" cy="360040"/>
+          </a:xfrm>
+          <a:prstGeom prst="roundRect">
+            <a:avLst>
+              <a:gd name="adj" fmla="val 17374"/>
+            </a:avLst>
+          </a:prstGeom>
+          <a:ln w="12700"/>
+        </p:spPr>
+        <p:style>
+          <a:lnRef idx="2">
+            <a:schemeClr val="dk1"/>
+          </a:lnRef>
+          <a:fillRef idx="1">
+            <a:schemeClr val="lt1"/>
+          </a:fillRef>
+          <a:effectRef idx="0">
+            <a:schemeClr val="dk1"/>
+          </a:effectRef>
+          <a:fontRef idx="minor">
+            <a:schemeClr val="dk1"/>
+          </a:fontRef>
+        </p:style>
+        <p:txBody>
+          <a:bodyPr rtlCol="0" anchor="ctr"/>
+          <a:lstStyle/>
+          <a:p>
+            <a:pPr algn="ctr"/>
+            <a:r>
+              <a:rPr lang="en-US" altLang="ko-KR" sz="900"/>
+              <a:t>Pod</a:t>
+            </a:r>
+            <a:endParaRPr lang="ko-KR" altLang="en-US" sz="900"/>
+          </a:p>
+        </p:txBody>
+      </p:sp>
+      <p:sp>
+        <p:nvSpPr>
+          <p:cNvPr id="66" name="사각형: 둥근 모서리 29">
+            <a:extLst>
+              <a:ext uri="{FF2B5EF4-FFF2-40B4-BE49-F238E27FC236}">
+                <a16:creationId xmlns:a16="http://schemas.microsoft.com/office/drawing/2014/main" id="{733F9388-9EFA-6344-ADE7-16848AA42823}"/>
+              </a:ext>
+            </a:extLst>
+          </p:cNvPr>
+          <p:cNvSpPr/>
+          <p:nvPr/>
+        </p:nvSpPr>
+        <p:spPr>
+          <a:xfrm>
+            <a:off x="6919437" y="2499742"/>
+            <a:ext cx="2189067" cy="1120983"/>
+          </a:xfrm>
+          <a:prstGeom prst="roundRect">
+            <a:avLst>
+              <a:gd name="adj" fmla="val 8891"/>
+            </a:avLst>
+          </a:prstGeom>
+          <a:ln w="12700"/>
+        </p:spPr>
+        <p:style>
+          <a:lnRef idx="2">
+            <a:schemeClr val="dk1"/>
+          </a:lnRef>
+          <a:fillRef idx="1">
+            <a:schemeClr val="lt1"/>
+          </a:fillRef>
+          <a:effectRef idx="0">
+            <a:schemeClr val="dk1"/>
+          </a:effectRef>
+          <a:fontRef idx="minor">
+            <a:schemeClr val="dk1"/>
+          </a:fontRef>
+        </p:style>
+        <p:txBody>
+          <a:bodyPr rtlCol="0" anchor="b"/>
+          <a:lstStyle/>
+          <a:p>
+            <a:pPr algn="ctr"/>
+            <a:r>
+              <a:rPr lang="en-US" altLang="ko-KR" sz="900" b="1"/>
+              <a:t>region : us, zone : a </a:t>
+            </a:r>
+            <a:r>
+              <a:rPr lang="en-US" altLang="ko-KR" sz="900"/>
+              <a:t>Worker Node 3</a:t>
+            </a:r>
+            <a:endParaRPr lang="ko-KR" altLang="en-US" sz="900"/>
+          </a:p>
+        </p:txBody>
+      </p:sp>
+      <p:sp>
+        <p:nvSpPr>
+          <p:cNvPr id="67" name="사각형: 둥근 모서리 29">
+            <a:extLst>
+              <a:ext uri="{FF2B5EF4-FFF2-40B4-BE49-F238E27FC236}">
+                <a16:creationId xmlns:a16="http://schemas.microsoft.com/office/drawing/2014/main" id="{D9B2C655-0801-9E4C-8E2C-50B1606A001F}"/>
+              </a:ext>
+            </a:extLst>
+          </p:cNvPr>
+          <p:cNvSpPr/>
+          <p:nvPr/>
+        </p:nvSpPr>
+        <p:spPr>
+          <a:xfrm>
+            <a:off x="7009596" y="2608611"/>
+            <a:ext cx="2008747" cy="742979"/>
+          </a:xfrm>
+          <a:prstGeom prst="roundRect">
+            <a:avLst>
+              <a:gd name="adj" fmla="val 11707"/>
+            </a:avLst>
+          </a:prstGeom>
+          <a:ln w="12700">
+            <a:prstDash val="solid"/>
+          </a:ln>
+        </p:spPr>
+        <p:style>
+          <a:lnRef idx="2">
+            <a:schemeClr val="dk1"/>
+          </a:lnRef>
+          <a:fillRef idx="1">
+            <a:schemeClr val="lt1"/>
+          </a:fillRef>
+          <a:effectRef idx="0">
+            <a:schemeClr val="dk1"/>
+          </a:effectRef>
+          <a:fontRef idx="minor">
+            <a:schemeClr val="dk1"/>
+          </a:fontRef>
+        </p:style>
+        <p:txBody>
+          <a:bodyPr rtlCol="0" anchor="b"/>
+          <a:lstStyle/>
+          <a:p>
+            <a:pPr algn="ctr"/>
+            <a:r>
+              <a:rPr lang="en-US" altLang="ko-KR" sz="900" b="1"/>
+              <a:t>helloworld-us-a</a:t>
+            </a:r>
+            <a:r>
+              <a:rPr lang="en-US" altLang="ko-KR" sz="900"/>
+              <a:t> Deployment</a:t>
+            </a:r>
+            <a:endParaRPr lang="ko-KR" altLang="en-US" sz="900"/>
+          </a:p>
+        </p:txBody>
+      </p:sp>
+      <p:sp>
+        <p:nvSpPr>
+          <p:cNvPr id="68" name="사각형: 둥근 모서리 29">
+            <a:extLst>
+              <a:ext uri="{FF2B5EF4-FFF2-40B4-BE49-F238E27FC236}">
+                <a16:creationId xmlns:a16="http://schemas.microsoft.com/office/drawing/2014/main" id="{63597B7B-6E3C-EF40-9B63-1F6C7165B9BD}"/>
+              </a:ext>
+            </a:extLst>
+          </p:cNvPr>
+          <p:cNvSpPr/>
+          <p:nvPr/>
+        </p:nvSpPr>
+        <p:spPr>
+          <a:xfrm>
+            <a:off x="7740335" y="2693051"/>
+            <a:ext cx="547268" cy="360040"/>
+          </a:xfrm>
+          <a:prstGeom prst="roundRect">
+            <a:avLst>
+              <a:gd name="adj" fmla="val 17374"/>
+            </a:avLst>
+          </a:prstGeom>
+          <a:ln w="12700"/>
+        </p:spPr>
+        <p:style>
+          <a:lnRef idx="2">
+            <a:schemeClr val="dk1"/>
+          </a:lnRef>
+          <a:fillRef idx="1">
+            <a:schemeClr val="lt1"/>
+          </a:fillRef>
+          <a:effectRef idx="0">
+            <a:schemeClr val="dk1"/>
+          </a:effectRef>
+          <a:fontRef idx="minor">
+            <a:schemeClr val="dk1"/>
+          </a:fontRef>
+        </p:style>
+        <p:txBody>
+          <a:bodyPr rtlCol="0" anchor="ctr"/>
+          <a:lstStyle/>
+          <a:p>
+            <a:pPr algn="ctr"/>
+            <a:r>
+              <a:rPr lang="en-US" altLang="ko-KR" sz="900"/>
+              <a:t>Pod</a:t>
+            </a:r>
+            <a:endParaRPr lang="ko-KR" altLang="en-US" sz="900"/>
+          </a:p>
+        </p:txBody>
+      </p:sp>
+      <p:sp>
+        <p:nvSpPr>
+          <p:cNvPr id="69" name="사각형: 둥근 모서리 29">
+            <a:extLst>
+              <a:ext uri="{FF2B5EF4-FFF2-40B4-BE49-F238E27FC236}">
+                <a16:creationId xmlns:a16="http://schemas.microsoft.com/office/drawing/2014/main" id="{6E6B131C-A6C8-1149-BE88-4711EB29DE82}"/>
+              </a:ext>
+            </a:extLst>
+          </p:cNvPr>
+          <p:cNvSpPr/>
+          <p:nvPr/>
+        </p:nvSpPr>
+        <p:spPr>
+          <a:xfrm>
+            <a:off x="7101332" y="2693051"/>
+            <a:ext cx="547268" cy="360040"/>
+          </a:xfrm>
+          <a:prstGeom prst="roundRect">
+            <a:avLst>
+              <a:gd name="adj" fmla="val 17374"/>
+            </a:avLst>
+          </a:prstGeom>
+          <a:ln w="12700"/>
+        </p:spPr>
+        <p:style>
+          <a:lnRef idx="2">
+            <a:schemeClr val="dk1"/>
+          </a:lnRef>
+          <a:fillRef idx="1">
+            <a:schemeClr val="lt1"/>
+          </a:fillRef>
+          <a:effectRef idx="0">
+            <a:schemeClr val="dk1"/>
+          </a:effectRef>
+          <a:fontRef idx="minor">
+            <a:schemeClr val="dk1"/>
+          </a:fontRef>
+        </p:style>
+        <p:txBody>
+          <a:bodyPr rtlCol="0" anchor="ctr"/>
+          <a:lstStyle/>
+          <a:p>
+            <a:pPr algn="ctr"/>
+            <a:r>
+              <a:rPr lang="en-US" altLang="ko-KR" sz="900"/>
+              <a:t>Pod</a:t>
+            </a:r>
+            <a:endParaRPr lang="ko-KR" altLang="en-US" sz="900"/>
+          </a:p>
+        </p:txBody>
+      </p:sp>
+      <p:sp>
+        <p:nvSpPr>
+          <p:cNvPr id="70" name="사각형: 둥근 모서리 29">
+            <a:extLst>
+              <a:ext uri="{FF2B5EF4-FFF2-40B4-BE49-F238E27FC236}">
+                <a16:creationId xmlns:a16="http://schemas.microsoft.com/office/drawing/2014/main" id="{CA4CD21A-F636-DD42-B0E4-5244FD332C8C}"/>
+              </a:ext>
+            </a:extLst>
+          </p:cNvPr>
+          <p:cNvSpPr/>
+          <p:nvPr/>
+        </p:nvSpPr>
+        <p:spPr>
+          <a:xfrm>
+            <a:off x="8377763" y="2693051"/>
+            <a:ext cx="547268" cy="360040"/>
+          </a:xfrm>
+          <a:prstGeom prst="roundRect">
+            <a:avLst>
+              <a:gd name="adj" fmla="val 17374"/>
+            </a:avLst>
+          </a:prstGeom>
+          <a:ln w="12700"/>
+        </p:spPr>
+        <p:style>
+          <a:lnRef idx="2">
+            <a:schemeClr val="dk1"/>
+          </a:lnRef>
+          <a:fillRef idx="1">
+            <a:schemeClr val="lt1"/>
+          </a:fillRef>
+          <a:effectRef idx="0">
+            <a:schemeClr val="dk1"/>
+          </a:effectRef>
+          <a:fontRef idx="minor">
+            <a:schemeClr val="dk1"/>
+          </a:fontRef>
+        </p:style>
+        <p:txBody>
+          <a:bodyPr rtlCol="0" anchor="ctr"/>
+          <a:lstStyle/>
+          <a:p>
+            <a:pPr algn="ctr"/>
+            <a:r>
+              <a:rPr lang="en-US" altLang="ko-KR" sz="900"/>
+              <a:t>Pod</a:t>
+            </a:r>
+            <a:endParaRPr lang="ko-KR" altLang="en-US" sz="900"/>
+          </a:p>
+        </p:txBody>
+      </p:sp>
+      <p:sp>
+        <p:nvSpPr>
+          <p:cNvPr id="71" name="사각형: 둥근 모서리 29">
+            <a:extLst>
+              <a:ext uri="{FF2B5EF4-FFF2-40B4-BE49-F238E27FC236}">
+                <a16:creationId xmlns:a16="http://schemas.microsoft.com/office/drawing/2014/main" id="{77A98D48-BB79-0C4D-A5C4-BE111D7DBA22}"/>
+              </a:ext>
+            </a:extLst>
+          </p:cNvPr>
+          <p:cNvSpPr/>
+          <p:nvPr/>
+        </p:nvSpPr>
+        <p:spPr>
+          <a:xfrm>
+            <a:off x="198627" y="1910613"/>
+            <a:ext cx="1224136" cy="360040"/>
+          </a:xfrm>
+          <a:prstGeom prst="roundRect">
+            <a:avLst>
+              <a:gd name="adj" fmla="val 17374"/>
+            </a:avLst>
+          </a:prstGeom>
+          <a:ln w="12700"/>
+        </p:spPr>
+        <p:style>
+          <a:lnRef idx="2">
+            <a:schemeClr val="dk1"/>
+          </a:lnRef>
+          <a:fillRef idx="1">
+            <a:schemeClr val="lt1"/>
+          </a:fillRef>
+          <a:effectRef idx="0">
+            <a:schemeClr val="dk1"/>
+          </a:effectRef>
+          <a:fontRef idx="minor">
+            <a:schemeClr val="dk1"/>
+          </a:fontRef>
+        </p:style>
+        <p:txBody>
+          <a:bodyPr rtlCol="0" anchor="ctr"/>
+          <a:lstStyle/>
+          <a:p>
+            <a:pPr algn="ctr"/>
+            <a:r>
+              <a:rPr lang="en-US" altLang="ko-KR" sz="900"/>
+              <a:t>myshell-kr-a Pod</a:t>
+            </a:r>
+            <a:endParaRPr lang="ko-KR" altLang="en-US" sz="900"/>
+          </a:p>
+        </p:txBody>
+      </p:sp>
+      <p:sp>
+        <p:nvSpPr>
+          <p:cNvPr id="72" name="사각형: 둥근 모서리 29">
+            <a:extLst>
+              <a:ext uri="{FF2B5EF4-FFF2-40B4-BE49-F238E27FC236}">
+                <a16:creationId xmlns:a16="http://schemas.microsoft.com/office/drawing/2014/main" id="{898704CB-2A1E-DF4C-93AD-25D8EEA7D5A1}"/>
+              </a:ext>
+            </a:extLst>
+          </p:cNvPr>
+          <p:cNvSpPr/>
+          <p:nvPr/>
+        </p:nvSpPr>
+        <p:spPr>
+          <a:xfrm>
+            <a:off x="3969482" y="1732721"/>
+            <a:ext cx="1278007" cy="525929"/>
+          </a:xfrm>
+          <a:prstGeom prst="roundRect">
+            <a:avLst>
+              <a:gd name="adj" fmla="val 11707"/>
+            </a:avLst>
+          </a:prstGeom>
+          <a:ln w="12700">
+            <a:prstDash val="solid"/>
+          </a:ln>
+        </p:spPr>
+        <p:style>
+          <a:lnRef idx="2">
+            <a:schemeClr val="dk1"/>
+          </a:lnRef>
+          <a:fillRef idx="1">
+            <a:schemeClr val="lt1"/>
+          </a:fillRef>
+          <a:effectRef idx="0">
+            <a:schemeClr val="dk1"/>
+          </a:effectRef>
+          <a:fontRef idx="minor">
+            <a:schemeClr val="dk1"/>
+          </a:fontRef>
+        </p:style>
+        <p:txBody>
+          <a:bodyPr rtlCol="0" anchor="ctr"/>
+          <a:lstStyle/>
+          <a:p>
+            <a:pPr algn="ctr"/>
+            <a:r>
+              <a:rPr lang="en-US" altLang="ko-KR" sz="900" b="1"/>
+              <a:t>helloworld</a:t>
+            </a:r>
+            <a:r>
+              <a:rPr lang="en-US" altLang="ko-KR" sz="900"/>
+              <a:t> Service</a:t>
+            </a:r>
+            <a:endParaRPr lang="ko-KR" altLang="en-US" sz="900"/>
+          </a:p>
+        </p:txBody>
+      </p:sp>
+      <p:cxnSp>
+        <p:nvCxnSpPr>
+          <p:cNvPr id="73" name="Straight Arrow Connector 72">
+            <a:extLst>
+              <a:ext uri="{FF2B5EF4-FFF2-40B4-BE49-F238E27FC236}">
+                <a16:creationId xmlns:a16="http://schemas.microsoft.com/office/drawing/2014/main" id="{B19D2ACE-B887-AD4D-950D-92E6C10FD86B}"/>
+              </a:ext>
+            </a:extLst>
+          </p:cNvPr>
+          <p:cNvCxnSpPr>
+            <a:cxnSpLocks/>
+          </p:cNvCxnSpPr>
+          <p:nvPr/>
+        </p:nvCxnSpPr>
+        <p:spPr>
+          <a:xfrm flipH="1">
+            <a:off x="1307334" y="1297688"/>
+            <a:ext cx="3431939" cy="515859"/>
+          </a:xfrm>
+          <a:prstGeom prst="straightConnector1">
+            <a:avLst/>
+          </a:prstGeom>
+          <a:ln w="12700">
+            <a:solidFill>
+              <a:schemeClr val="tx1"/>
+            </a:solidFill>
+            <a:tailEnd type="triangle"/>
+          </a:ln>
+        </p:spPr>
+        <p:style>
+          <a:lnRef idx="1">
+            <a:schemeClr val="accent1"/>
+          </a:lnRef>
+          <a:fillRef idx="0">
+            <a:schemeClr val="accent1"/>
+          </a:fillRef>
+          <a:effectRef idx="0">
+            <a:schemeClr val="accent1"/>
+          </a:effectRef>
+          <a:fontRef idx="minor">
+            <a:schemeClr val="tx1"/>
+          </a:fontRef>
+        </p:style>
+      </p:cxnSp>
+      <p:cxnSp>
+        <p:nvCxnSpPr>
+          <p:cNvPr id="77" name="Elbow Connector 76">
+            <a:extLst>
+              <a:ext uri="{FF2B5EF4-FFF2-40B4-BE49-F238E27FC236}">
+                <a16:creationId xmlns:a16="http://schemas.microsoft.com/office/drawing/2014/main" id="{A0549765-AC56-BB4E-85C8-69D67A6BDA5B}"/>
+              </a:ext>
+            </a:extLst>
+          </p:cNvPr>
+          <p:cNvCxnSpPr>
+            <a:cxnSpLocks/>
+            <a:stCxn id="72" idx="2"/>
+            <a:endCxn id="26" idx="0"/>
+          </p:cNvCxnSpPr>
+          <p:nvPr/>
+        </p:nvCxnSpPr>
+        <p:spPr>
+          <a:xfrm rot="5400000">
+            <a:off x="2730764" y="730888"/>
+            <a:ext cx="349961" cy="3405485"/>
+          </a:xfrm>
+          <a:prstGeom prst="bentConnector3">
+            <a:avLst>
+              <a:gd name="adj1" fmla="val 50000"/>
+            </a:avLst>
+          </a:prstGeom>
+          <a:ln w="12700">
+            <a:solidFill>
+              <a:schemeClr val="tx1"/>
+            </a:solidFill>
+            <a:tailEnd type="triangle"/>
+          </a:ln>
+        </p:spPr>
+        <p:style>
+          <a:lnRef idx="1">
+            <a:schemeClr val="accent1"/>
+          </a:lnRef>
+          <a:fillRef idx="0">
+            <a:schemeClr val="accent1"/>
+          </a:fillRef>
+          <a:effectRef idx="0">
+            <a:schemeClr val="accent1"/>
+          </a:effectRef>
+          <a:fontRef idx="minor">
+            <a:schemeClr val="tx1"/>
+          </a:fontRef>
+        </p:style>
+      </p:cxnSp>
+      <p:cxnSp>
+        <p:nvCxnSpPr>
+          <p:cNvPr id="83" name="Elbow Connector 82">
+            <a:extLst>
+              <a:ext uri="{FF2B5EF4-FFF2-40B4-BE49-F238E27FC236}">
+                <a16:creationId xmlns:a16="http://schemas.microsoft.com/office/drawing/2014/main" id="{63D0452D-63F0-B447-BAF1-415A1116037D}"/>
+              </a:ext>
+            </a:extLst>
+          </p:cNvPr>
+          <p:cNvCxnSpPr>
+            <a:cxnSpLocks/>
+            <a:stCxn id="72" idx="2"/>
+            <a:endCxn id="57" idx="0"/>
+          </p:cNvCxnSpPr>
+          <p:nvPr/>
+        </p:nvCxnSpPr>
+        <p:spPr>
+          <a:xfrm rot="5400000">
+            <a:off x="3865925" y="1866049"/>
+            <a:ext cx="349961" cy="1135162"/>
+          </a:xfrm>
+          <a:prstGeom prst="bentConnector3">
+            <a:avLst>
+              <a:gd name="adj1" fmla="val 50000"/>
+            </a:avLst>
+          </a:prstGeom>
+          <a:ln w="12700">
+            <a:solidFill>
+              <a:schemeClr val="tx1"/>
+            </a:solidFill>
+            <a:tailEnd type="triangle"/>
+          </a:ln>
+        </p:spPr>
+        <p:style>
+          <a:lnRef idx="1">
+            <a:schemeClr val="accent1"/>
+          </a:lnRef>
+          <a:fillRef idx="0">
+            <a:schemeClr val="accent1"/>
+          </a:fillRef>
+          <a:effectRef idx="0">
+            <a:schemeClr val="accent1"/>
+          </a:effectRef>
+          <a:fontRef idx="minor">
+            <a:schemeClr val="tx1"/>
+          </a:fontRef>
+        </p:style>
+      </p:cxnSp>
+    </p:spTree>
+    <p:extLst>
+      <p:ext uri="{BB962C8B-B14F-4D97-AF65-F5344CB8AC3E}">
+        <p14:creationId xmlns:p14="http://schemas.microsoft.com/office/powerpoint/2010/main" val="3786382398"/>
       </p:ext>
     </p:extLst>
   </p:cSld>
@@ -18454,7 +20553,7 @@
         </p:nvCxnSpPr>
         <p:spPr>
           <a:xfrm>
-            <a:off x="2346071" y="3058344"/>
+            <a:off x="2346071" y="3092360"/>
             <a:ext cx="569745" cy="0"/>
           </a:xfrm>
           <a:prstGeom prst="straightConnector1">
@@ -18496,7 +20595,7 @@
         </p:nvSpPr>
         <p:spPr>
           <a:xfrm>
-            <a:off x="2928454" y="2935233"/>
+            <a:off x="2928454" y="2852801"/>
             <a:ext cx="2795674" cy="246221"/>
           </a:xfrm>
           <a:prstGeom prst="rect">
@@ -18538,7 +20637,7 @@
         </p:nvCxnSpPr>
         <p:spPr>
           <a:xfrm>
-            <a:off x="2346071" y="3303914"/>
+            <a:off x="2346071" y="3337930"/>
             <a:ext cx="569745" cy="0"/>
           </a:xfrm>
           <a:prstGeom prst="straightConnector1">
@@ -18580,7 +20679,7 @@
         </p:nvSpPr>
         <p:spPr>
           <a:xfrm>
-            <a:off x="2928454" y="3180803"/>
+            <a:off x="2928454" y="3098371"/>
             <a:ext cx="2795674" cy="246221"/>
           </a:xfrm>
           <a:prstGeom prst="rect">
@@ -18622,7 +20721,7 @@
         </p:nvCxnSpPr>
         <p:spPr>
           <a:xfrm>
-            <a:off x="2346071" y="3550135"/>
+            <a:off x="2346071" y="3584151"/>
             <a:ext cx="569745" cy="0"/>
           </a:xfrm>
           <a:prstGeom prst="straightConnector1">
@@ -18664,7 +20763,7 @@
         </p:nvSpPr>
         <p:spPr>
           <a:xfrm>
-            <a:off x="2928454" y="3427024"/>
+            <a:off x="2928454" y="3344592"/>
             <a:ext cx="2795674" cy="246221"/>
           </a:xfrm>
           <a:prstGeom prst="rect">
@@ -18711,7 +20810,7 @@
         <p:cNvPr id="1" name="">
           <a:extLst>
             <a:ext uri="{FF2B5EF4-FFF2-40B4-BE49-F238E27FC236}">
-              <a16:creationId xmlns:a16="http://schemas.microsoft.com/office/drawing/2014/main" id="{FA59E4D5-B878-6534-1ED5-589EB0909A83}"/>
+              <a16:creationId xmlns:a16="http://schemas.microsoft.com/office/drawing/2014/main" id="{94E9846E-93DE-7B46-CFF0-5CA363A99B38}"/>
             </a:ext>
           </a:extLst>
         </p:cNvPr>
@@ -18731,7 +20830,7 @@
           <p:cNvPr id="4" name="사각형: 둥근 모서리 29">
             <a:extLst>
               <a:ext uri="{FF2B5EF4-FFF2-40B4-BE49-F238E27FC236}">
-                <a16:creationId xmlns:a16="http://schemas.microsoft.com/office/drawing/2014/main" id="{7A4D15B4-A973-6389-27A4-B7E7A1C90D06}"/>
+                <a16:creationId xmlns:a16="http://schemas.microsoft.com/office/drawing/2014/main" id="{6A739A79-7398-1DF1-5A09-936867C3134A}"/>
               </a:ext>
             </a:extLst>
           </p:cNvPr>
@@ -18789,7 +20888,7 @@
           <p:cNvPr id="5" name="사각형: 둥근 모서리 29">
             <a:extLst>
               <a:ext uri="{FF2B5EF4-FFF2-40B4-BE49-F238E27FC236}">
-                <a16:creationId xmlns:a16="http://schemas.microsoft.com/office/drawing/2014/main" id="{A239444A-29C3-0ABA-D203-489DE6546997}"/>
+                <a16:creationId xmlns:a16="http://schemas.microsoft.com/office/drawing/2014/main" id="{2247D83D-A8B9-EC9B-EC5F-AE41A8B5306F}"/>
               </a:ext>
             </a:extLst>
           </p:cNvPr>
@@ -18836,9 +20935,13 @@
             <a:pPr algn="ctr"/>
             <a:r>
               <a:rPr lang="en-US" altLang="ko-KR" sz="1000"/>
-              <a:t>Pod</a:t>
-            </a:r>
-            <a:endParaRPr lang="ko-KR" altLang="en-US" sz="1000"/>
+              <a:t>Pod with </a:t>
+            </a:r>
+            <a:r>
+              <a:rPr lang="en-US" altLang="ko-KR" sz="1000" b="1"/>
+              <a:t>iptables DROP</a:t>
+            </a:r>
+            <a:endParaRPr lang="ko-KR" altLang="en-US" sz="1000" b="1"/>
           </a:p>
         </p:txBody>
       </p:sp>
@@ -18847,7 +20950,7 @@
           <p:cNvPr id="8" name="Straight Arrow Connector 81">
             <a:extLst>
               <a:ext uri="{FF2B5EF4-FFF2-40B4-BE49-F238E27FC236}">
-                <a16:creationId xmlns:a16="http://schemas.microsoft.com/office/drawing/2014/main" id="{61440F98-17E5-73AB-2BFB-B37F805724DD}"/>
+                <a16:creationId xmlns:a16="http://schemas.microsoft.com/office/drawing/2014/main" id="{2B313E4A-8FFF-8023-C696-4D1EEC0D4262}"/>
               </a:ext>
             </a:extLst>
           </p:cNvPr>
@@ -18893,7 +20996,7 @@
           <p:cNvPr id="2" name="Straight Arrow Connector 81">
             <a:extLst>
               <a:ext uri="{FF2B5EF4-FFF2-40B4-BE49-F238E27FC236}">
-                <a16:creationId xmlns:a16="http://schemas.microsoft.com/office/drawing/2014/main" id="{D6D7B60E-CD35-AB94-A81C-EF6D79B3DB24}"/>
+                <a16:creationId xmlns:a16="http://schemas.microsoft.com/office/drawing/2014/main" id="{45AE5EEB-DFBC-F311-ACBB-763CD696E412}"/>
               </a:ext>
             </a:extLst>
           </p:cNvPr>
@@ -18939,7 +21042,7 @@
           <p:cNvPr id="17" name="Straight Arrow Connector 81">
             <a:extLst>
               <a:ext uri="{FF2B5EF4-FFF2-40B4-BE49-F238E27FC236}">
-                <a16:creationId xmlns:a16="http://schemas.microsoft.com/office/drawing/2014/main" id="{2FA5C53C-56E6-A828-84C9-92ABE61F39D4}"/>
+                <a16:creationId xmlns:a16="http://schemas.microsoft.com/office/drawing/2014/main" id="{A413435C-F32A-D0B2-F471-0F12D45BDCC6}"/>
               </a:ext>
             </a:extLst>
           </p:cNvPr>
@@ -18983,7 +21086,7 @@
           <p:cNvPr id="20" name="TextBox 19">
             <a:extLst>
               <a:ext uri="{FF2B5EF4-FFF2-40B4-BE49-F238E27FC236}">
-                <a16:creationId xmlns:a16="http://schemas.microsoft.com/office/drawing/2014/main" id="{4205D4A2-1122-7EF1-4302-E40A4C68A0C7}"/>
+                <a16:creationId xmlns:a16="http://schemas.microsoft.com/office/drawing/2014/main" id="{1E44A8B4-D0EA-62BD-8390-7EF49FB7F122}"/>
               </a:ext>
             </a:extLst>
           </p:cNvPr>
@@ -19020,10 +21123,10 @@
       </p:sp>
       <p:cxnSp>
         <p:nvCxnSpPr>
-          <p:cNvPr id="3" name="Straight Arrow Connector 81">
-            <a:extLst>
-              <a:ext uri="{FF2B5EF4-FFF2-40B4-BE49-F238E27FC236}">
-                <a16:creationId xmlns:a16="http://schemas.microsoft.com/office/drawing/2014/main" id="{FDA94E34-97BE-7B36-12E7-4F41E97F7F40}"/>
+          <p:cNvPr id="12" name="Straight Arrow Connector 81">
+            <a:extLst>
+              <a:ext uri="{FF2B5EF4-FFF2-40B4-BE49-F238E27FC236}">
+                <a16:creationId xmlns:a16="http://schemas.microsoft.com/office/drawing/2014/main" id="{67ED4FCC-B0F9-767F-5EA3-0B7DD1177904}"/>
               </a:ext>
             </a:extLst>
           </p:cNvPr>
@@ -19034,7 +21137,7 @@
         </p:nvCxnSpPr>
         <p:spPr>
           <a:xfrm>
-            <a:off x="2346071" y="2279291"/>
+            <a:off x="2346071" y="1573186"/>
             <a:ext cx="3378057" cy="0"/>
           </a:xfrm>
           <a:prstGeom prst="straightConnector1">
@@ -19064,10 +21167,10 @@
       </p:cxnSp>
       <p:sp>
         <p:nvSpPr>
-          <p:cNvPr id="6" name="TextBox 5">
-            <a:extLst>
-              <a:ext uri="{FF2B5EF4-FFF2-40B4-BE49-F238E27FC236}">
-                <a16:creationId xmlns:a16="http://schemas.microsoft.com/office/drawing/2014/main" id="{CB249107-141D-0958-B2D4-0A8844B7F0C6}"/>
+          <p:cNvPr id="21" name="TextBox 20">
+            <a:extLst>
+              <a:ext uri="{FF2B5EF4-FFF2-40B4-BE49-F238E27FC236}">
+                <a16:creationId xmlns:a16="http://schemas.microsoft.com/office/drawing/2014/main" id="{3B2F6635-58D3-77E5-4B70-3E715B105A46}"/>
               </a:ext>
             </a:extLst>
           </p:cNvPr>
@@ -19076,7 +21179,7 @@
         </p:nvSpPr>
         <p:spPr>
           <a:xfrm>
-            <a:off x="2928454" y="2033070"/>
+            <a:off x="2928454" y="1326965"/>
             <a:ext cx="2795674" cy="246221"/>
           </a:xfrm>
           <a:prstGeom prst="rect">
@@ -19102,12 +21205,432 @@
           </a:p>
         </p:txBody>
       </p:sp>
-      <p:sp>
-        <p:nvSpPr>
-          <p:cNvPr id="13" name="호 12">
-            <a:extLst>
-              <a:ext uri="{FF2B5EF4-FFF2-40B4-BE49-F238E27FC236}">
-                <a16:creationId xmlns:a16="http://schemas.microsoft.com/office/drawing/2014/main" id="{E066FF5F-32F4-3F4C-E401-3D445E875534}"/>
+      <p:cxnSp>
+        <p:nvCxnSpPr>
+          <p:cNvPr id="32" name="Straight Arrow Connector 81">
+            <a:extLst>
+              <a:ext uri="{FF2B5EF4-FFF2-40B4-BE49-F238E27FC236}">
+                <a16:creationId xmlns:a16="http://schemas.microsoft.com/office/drawing/2014/main" id="{023970D5-C78D-D6C2-09E2-178350CAF966}"/>
+              </a:ext>
+            </a:extLst>
+          </p:cNvPr>
+          <p:cNvCxnSpPr>
+            <a:cxnSpLocks/>
+          </p:cNvCxnSpPr>
+          <p:nvPr/>
+        </p:nvCxnSpPr>
+        <p:spPr>
+          <a:xfrm>
+            <a:off x="2346071" y="1941931"/>
+            <a:ext cx="3378057" cy="0"/>
+          </a:xfrm>
+          <a:prstGeom prst="straightConnector1">
+            <a:avLst/>
+          </a:prstGeom>
+          <a:ln>
+            <a:solidFill>
+              <a:schemeClr val="tx1"/>
+            </a:solidFill>
+            <a:tailEnd type="triangle"/>
+          </a:ln>
+        </p:spPr>
+        <p:style>
+          <a:lnRef idx="1">
+            <a:schemeClr val="accent1"/>
+          </a:lnRef>
+          <a:fillRef idx="0">
+            <a:schemeClr val="accent1"/>
+          </a:fillRef>
+          <a:effectRef idx="0">
+            <a:schemeClr val="accent1"/>
+          </a:effectRef>
+          <a:fontRef idx="minor">
+            <a:schemeClr val="tx1"/>
+          </a:fontRef>
+        </p:style>
+      </p:cxnSp>
+      <p:sp>
+        <p:nvSpPr>
+          <p:cNvPr id="33" name="TextBox 32">
+            <a:extLst>
+              <a:ext uri="{FF2B5EF4-FFF2-40B4-BE49-F238E27FC236}">
+                <a16:creationId xmlns:a16="http://schemas.microsoft.com/office/drawing/2014/main" id="{910B15DD-2052-BEF9-9252-A656EDFC1037}"/>
+              </a:ext>
+            </a:extLst>
+          </p:cNvPr>
+          <p:cNvSpPr txBox="1"/>
+          <p:nvPr/>
+        </p:nvSpPr>
+        <p:spPr>
+          <a:xfrm>
+            <a:off x="2928454" y="1695710"/>
+            <a:ext cx="2795674" cy="246221"/>
+          </a:xfrm>
+          <a:prstGeom prst="rect">
+            <a:avLst/>
+          </a:prstGeom>
+          <a:noFill/>
+        </p:spPr>
+        <p:txBody>
+          <a:bodyPr wrap="square" rtlCol="0">
+            <a:spAutoFit/>
+          </a:bodyPr>
+          <a:lstStyle/>
+          <a:p>
+            <a:r>
+              <a:rPr kumimoji="1" lang="en-US" altLang="ko-KR" sz="1000" i="1"/>
+              <a:t>GET </a:t>
+            </a:r>
+            <a:r>
+              <a:rPr lang="en" altLang="ko-KR" sz="1000" i="1"/>
+              <a:t>mock-server:8080/status/200</a:t>
+            </a:r>
+            <a:endParaRPr kumimoji="1" lang="ko-KR" altLang="en-US" sz="1000" i="1"/>
+          </a:p>
+        </p:txBody>
+      </p:sp>
+      <p:cxnSp>
+        <p:nvCxnSpPr>
+          <p:cNvPr id="36" name="Straight Arrow Connector 81">
+            <a:extLst>
+              <a:ext uri="{FF2B5EF4-FFF2-40B4-BE49-F238E27FC236}">
+                <a16:creationId xmlns:a16="http://schemas.microsoft.com/office/drawing/2014/main" id="{E2BD90C4-6FA3-85AA-6601-6D881F4D8899}"/>
+              </a:ext>
+            </a:extLst>
+          </p:cNvPr>
+          <p:cNvCxnSpPr>
+            <a:cxnSpLocks/>
+          </p:cNvCxnSpPr>
+          <p:nvPr/>
+        </p:nvCxnSpPr>
+        <p:spPr>
+          <a:xfrm>
+            <a:off x="2346071" y="2556223"/>
+            <a:ext cx="3378057" cy="0"/>
+          </a:xfrm>
+          <a:prstGeom prst="straightConnector1">
+            <a:avLst/>
+          </a:prstGeom>
+          <a:ln>
+            <a:solidFill>
+              <a:schemeClr val="tx1"/>
+            </a:solidFill>
+            <a:tailEnd type="triangle"/>
+          </a:ln>
+        </p:spPr>
+        <p:style>
+          <a:lnRef idx="1">
+            <a:schemeClr val="accent1"/>
+          </a:lnRef>
+          <a:fillRef idx="0">
+            <a:schemeClr val="accent1"/>
+          </a:fillRef>
+          <a:effectRef idx="0">
+            <a:schemeClr val="accent1"/>
+          </a:effectRef>
+          <a:fontRef idx="minor">
+            <a:schemeClr val="tx1"/>
+          </a:fontRef>
+        </p:style>
+      </p:cxnSp>
+      <p:sp>
+        <p:nvSpPr>
+          <p:cNvPr id="37" name="TextBox 36">
+            <a:extLst>
+              <a:ext uri="{FF2B5EF4-FFF2-40B4-BE49-F238E27FC236}">
+                <a16:creationId xmlns:a16="http://schemas.microsoft.com/office/drawing/2014/main" id="{CC0F0CAC-4E10-0730-9D35-86FE499431A2}"/>
+              </a:ext>
+            </a:extLst>
+          </p:cNvPr>
+          <p:cNvSpPr txBox="1"/>
+          <p:nvPr/>
+        </p:nvSpPr>
+        <p:spPr>
+          <a:xfrm>
+            <a:off x="2928454" y="2310002"/>
+            <a:ext cx="2795674" cy="246221"/>
+          </a:xfrm>
+          <a:prstGeom prst="rect">
+            <a:avLst/>
+          </a:prstGeom>
+          <a:noFill/>
+        </p:spPr>
+        <p:txBody>
+          <a:bodyPr wrap="square" rtlCol="0">
+            <a:spAutoFit/>
+          </a:bodyPr>
+          <a:lstStyle/>
+          <a:p>
+            <a:r>
+              <a:rPr kumimoji="1" lang="en-US" altLang="ko-KR" sz="1000" i="1"/>
+              <a:t>GET </a:t>
+            </a:r>
+            <a:r>
+              <a:rPr lang="en" altLang="ko-KR" sz="1000" i="1"/>
+              <a:t>mock-server:8080/status/200</a:t>
+            </a:r>
+            <a:endParaRPr kumimoji="1" lang="ko-KR" altLang="en-US" sz="1000" i="1"/>
+          </a:p>
+        </p:txBody>
+      </p:sp>
+      <p:cxnSp>
+        <p:nvCxnSpPr>
+          <p:cNvPr id="42" name="Straight Arrow Connector 81">
+            <a:extLst>
+              <a:ext uri="{FF2B5EF4-FFF2-40B4-BE49-F238E27FC236}">
+                <a16:creationId xmlns:a16="http://schemas.microsoft.com/office/drawing/2014/main" id="{56767916-D7C5-C652-446F-40D2F32F2173}"/>
+              </a:ext>
+            </a:extLst>
+          </p:cNvPr>
+          <p:cNvCxnSpPr>
+            <a:cxnSpLocks/>
+          </p:cNvCxnSpPr>
+          <p:nvPr/>
+        </p:nvCxnSpPr>
+        <p:spPr>
+          <a:xfrm>
+            <a:off x="2346071" y="2925813"/>
+            <a:ext cx="3378057" cy="0"/>
+          </a:xfrm>
+          <a:prstGeom prst="straightConnector1">
+            <a:avLst/>
+          </a:prstGeom>
+          <a:ln>
+            <a:solidFill>
+              <a:schemeClr val="tx1"/>
+            </a:solidFill>
+            <a:tailEnd type="triangle"/>
+          </a:ln>
+        </p:spPr>
+        <p:style>
+          <a:lnRef idx="1">
+            <a:schemeClr val="accent1"/>
+          </a:lnRef>
+          <a:fillRef idx="0">
+            <a:schemeClr val="accent1"/>
+          </a:fillRef>
+          <a:effectRef idx="0">
+            <a:schemeClr val="accent1"/>
+          </a:effectRef>
+          <a:fontRef idx="minor">
+            <a:schemeClr val="tx1"/>
+          </a:fontRef>
+        </p:style>
+      </p:cxnSp>
+      <p:sp>
+        <p:nvSpPr>
+          <p:cNvPr id="43" name="TextBox 42">
+            <a:extLst>
+              <a:ext uri="{FF2B5EF4-FFF2-40B4-BE49-F238E27FC236}">
+                <a16:creationId xmlns:a16="http://schemas.microsoft.com/office/drawing/2014/main" id="{AFD49711-4B8B-754F-959E-8D170846BBE5}"/>
+              </a:ext>
+            </a:extLst>
+          </p:cNvPr>
+          <p:cNvSpPr txBox="1"/>
+          <p:nvPr/>
+        </p:nvSpPr>
+        <p:spPr>
+          <a:xfrm>
+            <a:off x="2928454" y="2679592"/>
+            <a:ext cx="2795674" cy="246221"/>
+          </a:xfrm>
+          <a:prstGeom prst="rect">
+            <a:avLst/>
+          </a:prstGeom>
+          <a:noFill/>
+        </p:spPr>
+        <p:txBody>
+          <a:bodyPr wrap="square" rtlCol="0">
+            <a:spAutoFit/>
+          </a:bodyPr>
+          <a:lstStyle/>
+          <a:p>
+            <a:r>
+              <a:rPr kumimoji="1" lang="en-US" altLang="ko-KR" sz="1000" i="1"/>
+              <a:t>GET </a:t>
+            </a:r>
+            <a:r>
+              <a:rPr lang="en" altLang="ko-KR" sz="1000" i="1"/>
+              <a:t>mock-server:8080/status/200</a:t>
+            </a:r>
+            <a:endParaRPr kumimoji="1" lang="ko-KR" altLang="en-US" sz="1000" i="1"/>
+          </a:p>
+        </p:txBody>
+      </p:sp>
+      <p:cxnSp>
+        <p:nvCxnSpPr>
+          <p:cNvPr id="46" name="Straight Arrow Connector 81">
+            <a:extLst>
+              <a:ext uri="{FF2B5EF4-FFF2-40B4-BE49-F238E27FC236}">
+                <a16:creationId xmlns:a16="http://schemas.microsoft.com/office/drawing/2014/main" id="{D6AF04DA-4B5F-69E3-8EDC-EA3396635B0A}"/>
+              </a:ext>
+            </a:extLst>
+          </p:cNvPr>
+          <p:cNvCxnSpPr>
+            <a:cxnSpLocks/>
+          </p:cNvCxnSpPr>
+          <p:nvPr/>
+        </p:nvCxnSpPr>
+        <p:spPr>
+          <a:xfrm>
+            <a:off x="2346071" y="3294558"/>
+            <a:ext cx="569745" cy="0"/>
+          </a:xfrm>
+          <a:prstGeom prst="straightConnector1">
+            <a:avLst/>
+          </a:prstGeom>
+          <a:ln>
+            <a:solidFill>
+              <a:schemeClr val="tx1"/>
+            </a:solidFill>
+            <a:tailEnd type="triangle"/>
+          </a:ln>
+        </p:spPr>
+        <p:style>
+          <a:lnRef idx="1">
+            <a:schemeClr val="accent1"/>
+          </a:lnRef>
+          <a:fillRef idx="0">
+            <a:schemeClr val="accent1"/>
+          </a:fillRef>
+          <a:effectRef idx="0">
+            <a:schemeClr val="accent1"/>
+          </a:effectRef>
+          <a:fontRef idx="minor">
+            <a:schemeClr val="tx1"/>
+          </a:fontRef>
+        </p:style>
+      </p:cxnSp>
+      <p:sp>
+        <p:nvSpPr>
+          <p:cNvPr id="47" name="TextBox 46">
+            <a:extLst>
+              <a:ext uri="{FF2B5EF4-FFF2-40B4-BE49-F238E27FC236}">
+                <a16:creationId xmlns:a16="http://schemas.microsoft.com/office/drawing/2014/main" id="{B3D2600B-C90C-C4F9-6229-1D80606E0558}"/>
+              </a:ext>
+            </a:extLst>
+          </p:cNvPr>
+          <p:cNvSpPr txBox="1"/>
+          <p:nvPr/>
+        </p:nvSpPr>
+        <p:spPr>
+          <a:xfrm>
+            <a:off x="2928454" y="3048337"/>
+            <a:ext cx="2795674" cy="246221"/>
+          </a:xfrm>
+          <a:prstGeom prst="rect">
+            <a:avLst/>
+          </a:prstGeom>
+          <a:noFill/>
+        </p:spPr>
+        <p:txBody>
+          <a:bodyPr wrap="square" rtlCol="0">
+            <a:spAutoFit/>
+          </a:bodyPr>
+          <a:lstStyle/>
+          <a:p>
+            <a:r>
+              <a:rPr kumimoji="1" lang="en-US" altLang="ko-KR" sz="1000" i="1"/>
+              <a:t>GET </a:t>
+            </a:r>
+            <a:r>
+              <a:rPr lang="en" altLang="ko-KR" sz="1000" i="1"/>
+              <a:t>mock-server:8080/status/200</a:t>
+            </a:r>
+            <a:endParaRPr kumimoji="1" lang="ko-KR" altLang="en-US" sz="1000" i="1"/>
+          </a:p>
+        </p:txBody>
+      </p:sp>
+      <p:cxnSp>
+        <p:nvCxnSpPr>
+          <p:cNvPr id="51" name="Straight Arrow Connector 81">
+            <a:extLst>
+              <a:ext uri="{FF2B5EF4-FFF2-40B4-BE49-F238E27FC236}">
+                <a16:creationId xmlns:a16="http://schemas.microsoft.com/office/drawing/2014/main" id="{2DAB456F-528B-79E3-59DD-87BA591D035C}"/>
+              </a:ext>
+            </a:extLst>
+          </p:cNvPr>
+          <p:cNvCxnSpPr>
+            <a:cxnSpLocks/>
+          </p:cNvCxnSpPr>
+          <p:nvPr/>
+        </p:nvCxnSpPr>
+        <p:spPr>
+          <a:xfrm>
+            <a:off x="2346071" y="3909523"/>
+            <a:ext cx="569745" cy="0"/>
+          </a:xfrm>
+          <a:prstGeom prst="straightConnector1">
+            <a:avLst/>
+          </a:prstGeom>
+          <a:ln>
+            <a:solidFill>
+              <a:schemeClr val="tx1"/>
+            </a:solidFill>
+            <a:tailEnd type="triangle"/>
+          </a:ln>
+        </p:spPr>
+        <p:style>
+          <a:lnRef idx="1">
+            <a:schemeClr val="accent1"/>
+          </a:lnRef>
+          <a:fillRef idx="0">
+            <a:schemeClr val="accent1"/>
+          </a:fillRef>
+          <a:effectRef idx="0">
+            <a:schemeClr val="accent1"/>
+          </a:effectRef>
+          <a:fontRef idx="minor">
+            <a:schemeClr val="tx1"/>
+          </a:fontRef>
+        </p:style>
+      </p:cxnSp>
+      <p:sp>
+        <p:nvSpPr>
+          <p:cNvPr id="52" name="TextBox 51">
+            <a:extLst>
+              <a:ext uri="{FF2B5EF4-FFF2-40B4-BE49-F238E27FC236}">
+                <a16:creationId xmlns:a16="http://schemas.microsoft.com/office/drawing/2014/main" id="{FF6EBBD6-CC4F-5F7E-AC3A-431DAC1C10A0}"/>
+              </a:ext>
+            </a:extLst>
+          </p:cNvPr>
+          <p:cNvSpPr txBox="1"/>
+          <p:nvPr/>
+        </p:nvSpPr>
+        <p:spPr>
+          <a:xfrm>
+            <a:off x="2928454" y="3663302"/>
+            <a:ext cx="2795674" cy="246221"/>
+          </a:xfrm>
+          <a:prstGeom prst="rect">
+            <a:avLst/>
+          </a:prstGeom>
+          <a:noFill/>
+        </p:spPr>
+        <p:txBody>
+          <a:bodyPr wrap="square" rtlCol="0">
+            <a:spAutoFit/>
+          </a:bodyPr>
+          <a:lstStyle/>
+          <a:p>
+            <a:r>
+              <a:rPr kumimoji="1" lang="en-US" altLang="ko-KR" sz="1000" i="1"/>
+              <a:t>GET </a:t>
+            </a:r>
+            <a:r>
+              <a:rPr lang="en" altLang="ko-KR" sz="1000" i="1"/>
+              <a:t>mock-server:8080/status/200</a:t>
+            </a:r>
+            <a:endParaRPr kumimoji="1" lang="ko-KR" altLang="en-US" sz="1000" i="1"/>
+          </a:p>
+        </p:txBody>
+      </p:sp>
+      <p:sp>
+        <p:nvSpPr>
+          <p:cNvPr id="3" name="호 2">
+            <a:extLst>
+              <a:ext uri="{FF2B5EF4-FFF2-40B4-BE49-F238E27FC236}">
+                <a16:creationId xmlns:a16="http://schemas.microsoft.com/office/drawing/2014/main" id="{5CE7404B-5D57-89A6-B43C-D38A5C9F73CC}"/>
               </a:ext>
             </a:extLst>
           </p:cNvPr>
@@ -19116,8 +21639,8 @@
         </p:nvSpPr>
         <p:spPr>
           <a:xfrm>
-            <a:off x="6168328" y="1199085"/>
-            <a:ext cx="276365" cy="1300653"/>
+            <a:off x="6168329" y="1199086"/>
+            <a:ext cx="276349" cy="741998"/>
           </a:xfrm>
           <a:prstGeom prst="arc">
             <a:avLst>
@@ -19158,10 +21681,10 @@
       </p:sp>
       <p:sp>
         <p:nvSpPr>
-          <p:cNvPr id="14" name="TextBox 13">
-            <a:extLst>
-              <a:ext uri="{FF2B5EF4-FFF2-40B4-BE49-F238E27FC236}">
-                <a16:creationId xmlns:a16="http://schemas.microsoft.com/office/drawing/2014/main" id="{5E89EA53-DB05-EC1C-559D-6DD48486E97D}"/>
+          <p:cNvPr id="6" name="TextBox 5">
+            <a:extLst>
+              <a:ext uri="{FF2B5EF4-FFF2-40B4-BE49-F238E27FC236}">
+                <a16:creationId xmlns:a16="http://schemas.microsoft.com/office/drawing/2014/main" id="{F5DB4F46-CD50-EC84-04A5-649A77E56CB5}"/>
               </a:ext>
             </a:extLst>
           </p:cNvPr>
@@ -19170,7 +21693,7 @@
         </p:nvSpPr>
         <p:spPr>
           <a:xfrm>
-            <a:off x="6337278" y="1726300"/>
+            <a:off x="6337278" y="1449489"/>
             <a:ext cx="689798" cy="246221"/>
           </a:xfrm>
           <a:prstGeom prst="rect">
@@ -19193,33 +21716,35 @@
           </a:p>
         </p:txBody>
       </p:sp>
-      <p:cxnSp>
-        <p:nvCxnSpPr>
-          <p:cNvPr id="15" name="Straight Arrow Connector 81">
-            <a:extLst>
-              <a:ext uri="{FF2B5EF4-FFF2-40B4-BE49-F238E27FC236}">
-                <a16:creationId xmlns:a16="http://schemas.microsoft.com/office/drawing/2014/main" id="{AA0FDC58-1E54-308D-35B3-736E1C200EA2}"/>
-              </a:ext>
-            </a:extLst>
-          </p:cNvPr>
-          <p:cNvCxnSpPr>
-            <a:cxnSpLocks/>
-          </p:cNvCxnSpPr>
-          <p:nvPr/>
-        </p:nvCxnSpPr>
-        <p:spPr>
-          <a:xfrm>
-            <a:off x="2346071" y="4240199"/>
-            <a:ext cx="569745" cy="0"/>
-          </a:xfrm>
-          <a:prstGeom prst="straightConnector1">
-            <a:avLst/>
+      <p:sp>
+        <p:nvSpPr>
+          <p:cNvPr id="10" name="호 9">
+            <a:extLst>
+              <a:ext uri="{FF2B5EF4-FFF2-40B4-BE49-F238E27FC236}">
+                <a16:creationId xmlns:a16="http://schemas.microsoft.com/office/drawing/2014/main" id="{952A7466-22B2-43F9-51EB-8FBCC88C7604}"/>
+              </a:ext>
+            </a:extLst>
+          </p:cNvPr>
+          <p:cNvSpPr/>
+          <p:nvPr/>
+        </p:nvSpPr>
+        <p:spPr>
+          <a:xfrm>
+            <a:off x="6168329" y="2551713"/>
+            <a:ext cx="291216" cy="740118"/>
+          </a:xfrm>
+          <a:prstGeom prst="arc">
+            <a:avLst>
+              <a:gd name="adj1" fmla="val 16200000"/>
+              <a:gd name="adj2" fmla="val 5412057"/>
+            </a:avLst>
           </a:prstGeom>
           <a:ln>
             <a:solidFill>
               <a:schemeClr val="tx1"/>
             </a:solidFill>
-            <a:tailEnd type="triangle"/>
+            <a:headEnd type="none" w="med" len="med"/>
+            <a:tailEnd type="triangle" w="med" len="med"/>
           </a:ln>
         </p:spPr>
         <p:style>
@@ -19236,13 +21761,21 @@
             <a:schemeClr val="tx1"/>
           </a:fontRef>
         </p:style>
-      </p:cxnSp>
-      <p:sp>
-        <p:nvSpPr>
-          <p:cNvPr id="16" name="TextBox 15">
-            <a:extLst>
-              <a:ext uri="{FF2B5EF4-FFF2-40B4-BE49-F238E27FC236}">
-                <a16:creationId xmlns:a16="http://schemas.microsoft.com/office/drawing/2014/main" id="{7A9CBBBB-CB35-CF2C-778F-5DAECFADA518}"/>
+        <p:txBody>
+          <a:bodyPr rtlCol="0" anchor="ctr"/>
+          <a:lstStyle/>
+          <a:p>
+            <a:pPr algn="ctr"/>
+            <a:endParaRPr kumimoji="1" lang="ko-KR" altLang="en-US"/>
+          </a:p>
+        </p:txBody>
+      </p:sp>
+      <p:sp>
+        <p:nvSpPr>
+          <p:cNvPr id="11" name="TextBox 10">
+            <a:extLst>
+              <a:ext uri="{FF2B5EF4-FFF2-40B4-BE49-F238E27FC236}">
+                <a16:creationId xmlns:a16="http://schemas.microsoft.com/office/drawing/2014/main" id="{26733D18-4D2E-E70E-BE16-188B0B70AE91}"/>
               </a:ext>
             </a:extLst>
           </p:cNvPr>
@@ -19251,8 +21784,8 @@
         </p:nvSpPr>
         <p:spPr>
           <a:xfrm>
-            <a:off x="2928454" y="4117088"/>
-            <a:ext cx="2795674" cy="246221"/>
+            <a:off x="6337278" y="2802116"/>
+            <a:ext cx="689798" cy="246221"/>
           </a:xfrm>
           <a:prstGeom prst="rect">
             <a:avLst/>
@@ -19265,265 +21798,10 @@
           </a:bodyPr>
           <a:lstStyle/>
           <a:p>
+            <a:pPr algn="ctr"/>
             <a:r>
               <a:rPr kumimoji="1" lang="en-US" altLang="ko-KR" sz="1000" i="1"/>
-              <a:t>GET </a:t>
-            </a:r>
-            <a:r>
-              <a:rPr lang="en" altLang="ko-KR" sz="1000" i="1"/>
-              <a:t>mock-server:8080/status/503</a:t>
-            </a:r>
-            <a:endParaRPr kumimoji="1" lang="ko-KR" altLang="en-US" sz="1000" i="1"/>
-          </a:p>
-        </p:txBody>
-      </p:sp>
-      <p:cxnSp>
-        <p:nvCxnSpPr>
-          <p:cNvPr id="22" name="Straight Arrow Connector 81">
-            <a:extLst>
-              <a:ext uri="{FF2B5EF4-FFF2-40B4-BE49-F238E27FC236}">
-                <a16:creationId xmlns:a16="http://schemas.microsoft.com/office/drawing/2014/main" id="{A746187D-EA76-1ED7-1E53-61043DF4328B}"/>
-              </a:ext>
-            </a:extLst>
-          </p:cNvPr>
-          <p:cNvCxnSpPr>
-            <a:cxnSpLocks/>
-          </p:cNvCxnSpPr>
-          <p:nvPr/>
-        </p:nvCxnSpPr>
-        <p:spPr>
-          <a:xfrm>
-            <a:off x="2346071" y="4485769"/>
-            <a:ext cx="569745" cy="0"/>
-          </a:xfrm>
-          <a:prstGeom prst="straightConnector1">
-            <a:avLst/>
-          </a:prstGeom>
-          <a:ln>
-            <a:solidFill>
-              <a:schemeClr val="tx1"/>
-            </a:solidFill>
-            <a:tailEnd type="triangle"/>
-          </a:ln>
-        </p:spPr>
-        <p:style>
-          <a:lnRef idx="1">
-            <a:schemeClr val="accent1"/>
-          </a:lnRef>
-          <a:fillRef idx="0">
-            <a:schemeClr val="accent1"/>
-          </a:fillRef>
-          <a:effectRef idx="0">
-            <a:schemeClr val="accent1"/>
-          </a:effectRef>
-          <a:fontRef idx="minor">
-            <a:schemeClr val="tx1"/>
-          </a:fontRef>
-        </p:style>
-      </p:cxnSp>
-      <p:sp>
-        <p:nvSpPr>
-          <p:cNvPr id="25" name="TextBox 24">
-            <a:extLst>
-              <a:ext uri="{FF2B5EF4-FFF2-40B4-BE49-F238E27FC236}">
-                <a16:creationId xmlns:a16="http://schemas.microsoft.com/office/drawing/2014/main" id="{DF9AD8E1-8530-DB63-123C-2BD67338571A}"/>
-              </a:ext>
-            </a:extLst>
-          </p:cNvPr>
-          <p:cNvSpPr txBox="1"/>
-          <p:nvPr/>
-        </p:nvSpPr>
-        <p:spPr>
-          <a:xfrm>
-            <a:off x="2928454" y="4362658"/>
-            <a:ext cx="2795674" cy="246221"/>
-          </a:xfrm>
-          <a:prstGeom prst="rect">
-            <a:avLst/>
-          </a:prstGeom>
-          <a:noFill/>
-        </p:spPr>
-        <p:txBody>
-          <a:bodyPr wrap="square" rtlCol="0">
-            <a:spAutoFit/>
-          </a:bodyPr>
-          <a:lstStyle/>
-          <a:p>
-            <a:r>
-              <a:rPr kumimoji="1" lang="en-US" altLang="ko-KR" sz="1000" i="1"/>
-              <a:t>GET </a:t>
-            </a:r>
-            <a:r>
-              <a:rPr lang="en" altLang="ko-KR" sz="1000" i="1"/>
-              <a:t>mock-server:8080/status/503</a:t>
-            </a:r>
-            <a:endParaRPr kumimoji="1" lang="ko-KR" altLang="en-US" sz="1000" i="1"/>
-          </a:p>
-        </p:txBody>
-      </p:sp>
-      <p:cxnSp>
-        <p:nvCxnSpPr>
-          <p:cNvPr id="26" name="Straight Arrow Connector 81">
-            <a:extLst>
-              <a:ext uri="{FF2B5EF4-FFF2-40B4-BE49-F238E27FC236}">
-                <a16:creationId xmlns:a16="http://schemas.microsoft.com/office/drawing/2014/main" id="{A251B1B7-7072-49E1-7FF9-5F54A4DE8633}"/>
-              </a:ext>
-            </a:extLst>
-          </p:cNvPr>
-          <p:cNvCxnSpPr>
-            <a:cxnSpLocks/>
-          </p:cNvCxnSpPr>
-          <p:nvPr/>
-        </p:nvCxnSpPr>
-        <p:spPr>
-          <a:xfrm>
-            <a:off x="2346071" y="4731990"/>
-            <a:ext cx="569745" cy="0"/>
-          </a:xfrm>
-          <a:prstGeom prst="straightConnector1">
-            <a:avLst/>
-          </a:prstGeom>
-          <a:ln>
-            <a:solidFill>
-              <a:schemeClr val="tx1"/>
-            </a:solidFill>
-            <a:tailEnd type="triangle"/>
-          </a:ln>
-        </p:spPr>
-        <p:style>
-          <a:lnRef idx="1">
-            <a:schemeClr val="accent1"/>
-          </a:lnRef>
-          <a:fillRef idx="0">
-            <a:schemeClr val="accent1"/>
-          </a:fillRef>
-          <a:effectRef idx="0">
-            <a:schemeClr val="accent1"/>
-          </a:effectRef>
-          <a:fontRef idx="minor">
-            <a:schemeClr val="tx1"/>
-          </a:fontRef>
-        </p:style>
-      </p:cxnSp>
-      <p:sp>
-        <p:nvSpPr>
-          <p:cNvPr id="27" name="TextBox 26">
-            <a:extLst>
-              <a:ext uri="{FF2B5EF4-FFF2-40B4-BE49-F238E27FC236}">
-                <a16:creationId xmlns:a16="http://schemas.microsoft.com/office/drawing/2014/main" id="{C0918959-2113-EE5C-C0F5-1F4A4489DC3F}"/>
-              </a:ext>
-            </a:extLst>
-          </p:cNvPr>
-          <p:cNvSpPr txBox="1"/>
-          <p:nvPr/>
-        </p:nvSpPr>
-        <p:spPr>
-          <a:xfrm>
-            <a:off x="2928454" y="4608879"/>
-            <a:ext cx="2795674" cy="246221"/>
-          </a:xfrm>
-          <a:prstGeom prst="rect">
-            <a:avLst/>
-          </a:prstGeom>
-          <a:noFill/>
-        </p:spPr>
-        <p:txBody>
-          <a:bodyPr wrap="square" rtlCol="0">
-            <a:spAutoFit/>
-          </a:bodyPr>
-          <a:lstStyle/>
-          <a:p>
-            <a:r>
-              <a:rPr kumimoji="1" lang="en-US" altLang="ko-KR" sz="1000" i="1"/>
-              <a:t>GET </a:t>
-            </a:r>
-            <a:r>
-              <a:rPr lang="en" altLang="ko-KR" sz="1000" i="1"/>
-              <a:t>mock-server:8080/status/503</a:t>
-            </a:r>
-            <a:endParaRPr kumimoji="1" lang="ko-KR" altLang="en-US" sz="1000" i="1"/>
-          </a:p>
-        </p:txBody>
-      </p:sp>
-      <p:cxnSp>
-        <p:nvCxnSpPr>
-          <p:cNvPr id="18" name="Straight Arrow Connector 81">
-            <a:extLst>
-              <a:ext uri="{FF2B5EF4-FFF2-40B4-BE49-F238E27FC236}">
-                <a16:creationId xmlns:a16="http://schemas.microsoft.com/office/drawing/2014/main" id="{E45F8554-52C6-12A0-ED6F-788B420FDA06}"/>
-              </a:ext>
-            </a:extLst>
-          </p:cNvPr>
-          <p:cNvCxnSpPr>
-            <a:cxnSpLocks/>
-          </p:cNvCxnSpPr>
-          <p:nvPr/>
-        </p:nvCxnSpPr>
-        <p:spPr>
-          <a:xfrm>
-            <a:off x="2346071" y="1664322"/>
-            <a:ext cx="3378057" cy="0"/>
-          </a:xfrm>
-          <a:prstGeom prst="straightConnector1">
-            <a:avLst/>
-          </a:prstGeom>
-          <a:ln>
-            <a:solidFill>
-              <a:schemeClr val="tx1"/>
-            </a:solidFill>
-            <a:tailEnd type="triangle"/>
-          </a:ln>
-        </p:spPr>
-        <p:style>
-          <a:lnRef idx="1">
-            <a:schemeClr val="accent1"/>
-          </a:lnRef>
-          <a:fillRef idx="0">
-            <a:schemeClr val="accent1"/>
-          </a:fillRef>
-          <a:effectRef idx="0">
-            <a:schemeClr val="accent1"/>
-          </a:effectRef>
-          <a:fontRef idx="minor">
-            <a:schemeClr val="tx1"/>
-          </a:fontRef>
-        </p:style>
-      </p:cxnSp>
-      <p:sp>
-        <p:nvSpPr>
-          <p:cNvPr id="19" name="TextBox 18">
-            <a:extLst>
-              <a:ext uri="{FF2B5EF4-FFF2-40B4-BE49-F238E27FC236}">
-                <a16:creationId xmlns:a16="http://schemas.microsoft.com/office/drawing/2014/main" id="{D74D2AC2-7C10-2F85-5FB1-161B799DC8E1}"/>
-              </a:ext>
-            </a:extLst>
-          </p:cNvPr>
-          <p:cNvSpPr txBox="1"/>
-          <p:nvPr/>
-        </p:nvSpPr>
-        <p:spPr>
-          <a:xfrm>
-            <a:off x="2928454" y="1418101"/>
-            <a:ext cx="2795674" cy="246221"/>
-          </a:xfrm>
-          <a:prstGeom prst="rect">
-            <a:avLst/>
-          </a:prstGeom>
-          <a:noFill/>
-        </p:spPr>
-        <p:txBody>
-          <a:bodyPr wrap="square" rtlCol="0">
-            <a:spAutoFit/>
-          </a:bodyPr>
-          <a:lstStyle/>
-          <a:p>
-            <a:r>
-              <a:rPr kumimoji="1" lang="en-US" altLang="ko-KR" sz="1000" i="1"/>
-              <a:t>GET </a:t>
-            </a:r>
-            <a:r>
-              <a:rPr lang="en" altLang="ko-KR" sz="1000" i="1"/>
-              <a:t>mock-server:8080/status/200</a:t>
+              <a:t>3times</a:t>
             </a:r>
             <a:endParaRPr kumimoji="1" lang="ko-KR" altLang="en-US" sz="1000" i="1"/>
           </a:p>
@@ -19532,7 +21810,7 @@
     </p:spTree>
     <p:extLst>
       <p:ext uri="{BB962C8B-B14F-4D97-AF65-F5344CB8AC3E}">
-        <p14:creationId xmlns:p14="http://schemas.microsoft.com/office/powerpoint/2010/main" val="3056192957"/>
+        <p14:creationId xmlns:p14="http://schemas.microsoft.com/office/powerpoint/2010/main" val="3473888967"/>
       </p:ext>
     </p:extLst>
   </p:cSld>

--- a/content/docs/theory-analysis/istio-sidecar-proxy-access-log/images/images.pptx
+++ b/content/docs/theory-analysis/istio-sidecar-proxy-access-log/images/images.pptx
@@ -244,7 +244,7 @@
           <a:p>
             <a:fld id="{6CD5550B-26C4-49A9-A5BA-636EF7BE6CE9}" type="datetimeFigureOut">
               <a:rPr lang="ko-KR" altLang="en-US" smtClean="0"/>
-              <a:t>2025. 12. 27.</a:t>
+              <a:t>2025. 12. 28.</a:t>
             </a:fld>
             <a:endParaRPr lang="ko-KR" altLang="en-US"/>
           </a:p>
@@ -690,7 +690,7 @@
           <a:p>
             <a:fld id="{FB30EDBD-1C2D-4C1E-B459-B60219FAB484}" type="datetimeFigureOut">
               <a:rPr lang="ko-KR" altLang="en-US" smtClean="0"/>
-              <a:t>2025. 12. 27.</a:t>
+              <a:t>2025. 12. 28.</a:t>
             </a:fld>
             <a:endParaRPr lang="ko-KR" altLang="en-US"/>
           </a:p>
@@ -853,7 +853,7 @@
           <a:p>
             <a:fld id="{FB30EDBD-1C2D-4C1E-B459-B60219FAB484}" type="datetimeFigureOut">
               <a:rPr lang="ko-KR" altLang="en-US" smtClean="0"/>
-              <a:t>2025. 12. 27.</a:t>
+              <a:t>2025. 12. 28.</a:t>
             </a:fld>
             <a:endParaRPr lang="ko-KR" altLang="en-US"/>
           </a:p>
@@ -1026,7 +1026,7 @@
           <a:p>
             <a:fld id="{FB30EDBD-1C2D-4C1E-B459-B60219FAB484}" type="datetimeFigureOut">
               <a:rPr lang="ko-KR" altLang="en-US" smtClean="0"/>
-              <a:t>2025. 12. 27.</a:t>
+              <a:t>2025. 12. 28.</a:t>
             </a:fld>
             <a:endParaRPr lang="ko-KR" altLang="en-US"/>
           </a:p>
@@ -1189,7 +1189,7 @@
           <a:p>
             <a:fld id="{FB30EDBD-1C2D-4C1E-B459-B60219FAB484}" type="datetimeFigureOut">
               <a:rPr lang="ko-KR" altLang="en-US" smtClean="0"/>
-              <a:t>2025. 12. 27.</a:t>
+              <a:t>2025. 12. 28.</a:t>
             </a:fld>
             <a:endParaRPr lang="ko-KR" altLang="en-US"/>
           </a:p>
@@ -1429,7 +1429,7 @@
           <a:p>
             <a:fld id="{FB30EDBD-1C2D-4C1E-B459-B60219FAB484}" type="datetimeFigureOut">
               <a:rPr lang="ko-KR" altLang="en-US" smtClean="0"/>
-              <a:t>2025. 12. 27.</a:t>
+              <a:t>2025. 12. 28.</a:t>
             </a:fld>
             <a:endParaRPr lang="ko-KR" altLang="en-US"/>
           </a:p>
@@ -1709,7 +1709,7 @@
           <a:p>
             <a:fld id="{FB30EDBD-1C2D-4C1E-B459-B60219FAB484}" type="datetimeFigureOut">
               <a:rPr lang="ko-KR" altLang="en-US" smtClean="0"/>
-              <a:t>2025. 12. 27.</a:t>
+              <a:t>2025. 12. 28.</a:t>
             </a:fld>
             <a:endParaRPr lang="ko-KR" altLang="en-US"/>
           </a:p>
@@ -2123,7 +2123,7 @@
           <a:p>
             <a:fld id="{FB30EDBD-1C2D-4C1E-B459-B60219FAB484}" type="datetimeFigureOut">
               <a:rPr lang="ko-KR" altLang="en-US" smtClean="0"/>
-              <a:t>2025. 12. 27.</a:t>
+              <a:t>2025. 12. 28.</a:t>
             </a:fld>
             <a:endParaRPr lang="ko-KR" altLang="en-US"/>
           </a:p>
@@ -2235,7 +2235,7 @@
           <a:p>
             <a:fld id="{FB30EDBD-1C2D-4C1E-B459-B60219FAB484}" type="datetimeFigureOut">
               <a:rPr lang="ko-KR" altLang="en-US" smtClean="0"/>
-              <a:t>2025. 12. 27.</a:t>
+              <a:t>2025. 12. 28.</a:t>
             </a:fld>
             <a:endParaRPr lang="ko-KR" altLang="en-US"/>
           </a:p>
@@ -2325,7 +2325,7 @@
           <a:p>
             <a:fld id="{FB30EDBD-1C2D-4C1E-B459-B60219FAB484}" type="datetimeFigureOut">
               <a:rPr lang="ko-KR" altLang="en-US" smtClean="0"/>
-              <a:t>2025. 12. 27.</a:t>
+              <a:t>2025. 12. 28.</a:t>
             </a:fld>
             <a:endParaRPr lang="ko-KR" altLang="en-US"/>
           </a:p>
@@ -2595,7 +2595,7 @@
           <a:p>
             <a:fld id="{FB30EDBD-1C2D-4C1E-B459-B60219FAB484}" type="datetimeFigureOut">
               <a:rPr lang="ko-KR" altLang="en-US" smtClean="0"/>
-              <a:t>2025. 12. 27.</a:t>
+              <a:t>2025. 12. 28.</a:t>
             </a:fld>
             <a:endParaRPr lang="ko-KR" altLang="en-US"/>
           </a:p>
@@ -2842,7 +2842,7 @@
           <a:p>
             <a:fld id="{FB30EDBD-1C2D-4C1E-B459-B60219FAB484}" type="datetimeFigureOut">
               <a:rPr lang="ko-KR" altLang="en-US" smtClean="0"/>
-              <a:t>2025. 12. 27.</a:t>
+              <a:t>2025. 12. 28.</a:t>
             </a:fld>
             <a:endParaRPr lang="ko-KR" altLang="en-US"/>
           </a:p>
@@ -3048,7 +3048,7 @@
           <a:p>
             <a:fld id="{FB30EDBD-1C2D-4C1E-B459-B60219FAB484}" type="datetimeFigureOut">
               <a:rPr lang="ko-KR" altLang="en-US" smtClean="0"/>
-              <a:t>2025. 12. 27.</a:t>
+              <a:t>2025. 12. 28.</a:t>
             </a:fld>
             <a:endParaRPr lang="ko-KR" altLang="en-US"/>
           </a:p>
@@ -3594,7 +3594,6 @@
               <a:rPr lang="en-US" altLang="ko-KR" sz="1000"/>
               <a:t>Pod</a:t>
             </a:r>
-            <a:endParaRPr lang="ko-KR" altLang="en-US" sz="1000"/>
           </a:p>
         </p:txBody>
       </p:sp>

--- a/content/docs/theory-analysis/istio-sidecar-proxy-access-log/images/images.pptx
+++ b/content/docs/theory-analysis/istio-sidecar-proxy-access-log/images/images.pptx
@@ -3438,7 +3438,7 @@
         </p:nvSpPr>
         <p:spPr>
           <a:xfrm>
-            <a:off x="5364088" y="672945"/>
+            <a:off x="5364088" y="1347614"/>
             <a:ext cx="1639925" cy="1034709"/>
           </a:xfrm>
           <a:prstGeom prst="roundRect">
@@ -3496,7 +3496,7 @@
         </p:nvSpPr>
         <p:spPr>
           <a:xfrm>
-            <a:off x="2139987" y="672945"/>
+            <a:off x="1403648" y="1347614"/>
             <a:ext cx="1639925" cy="1034709"/>
           </a:xfrm>
           <a:prstGeom prst="roundRect">
@@ -3554,7 +3554,7 @@
         </p:nvSpPr>
         <p:spPr>
           <a:xfrm>
-            <a:off x="2377568" y="843558"/>
+            <a:off x="1641229" y="1518227"/>
             <a:ext cx="1164765" cy="513275"/>
           </a:xfrm>
           <a:prstGeom prst="roundRect">
@@ -3611,7 +3611,7 @@
         </p:nvSpPr>
         <p:spPr>
           <a:xfrm>
-            <a:off x="5601669" y="843558"/>
+            <a:off x="5601669" y="1518227"/>
             <a:ext cx="1164765" cy="513275"/>
           </a:xfrm>
           <a:prstGeom prst="roundRect">
@@ -3666,20 +3666,342 @@
           </p:cNvPr>
           <p:cNvCxnSpPr>
             <a:cxnSpLocks/>
-            <a:stCxn id="4" idx="3"/>
-            <a:endCxn id="5" idx="1"/>
+            <a:stCxn id="9" idx="2"/>
+            <a:endCxn id="3" idx="0"/>
           </p:cNvCxnSpPr>
           <p:nvPr/>
         </p:nvCxnSpPr>
         <p:spPr>
           <a:xfrm>
-            <a:off x="3542333" y="1100196"/>
-            <a:ext cx="2059336" cy="0"/>
+            <a:off x="4199322" y="1336606"/>
+            <a:ext cx="0" cy="173250"/>
           </a:xfrm>
           <a:prstGeom prst="straightConnector1">
             <a:avLst/>
           </a:prstGeom>
           <a:ln>
+            <a:solidFill>
+              <a:schemeClr val="tx1"/>
+            </a:solidFill>
+            <a:tailEnd type="triangle"/>
+          </a:ln>
+        </p:spPr>
+        <p:style>
+          <a:lnRef idx="1">
+            <a:schemeClr val="accent1"/>
+          </a:lnRef>
+          <a:fillRef idx="0">
+            <a:schemeClr val="accent1"/>
+          </a:fillRef>
+          <a:effectRef idx="0">
+            <a:schemeClr val="accent1"/>
+          </a:effectRef>
+          <a:fontRef idx="minor">
+            <a:schemeClr val="tx1"/>
+          </a:fontRef>
+        </p:style>
+      </p:cxnSp>
+      <p:sp>
+        <p:nvSpPr>
+          <p:cNvPr id="2" name="사각형: 둥근 모서리 29">
+            <a:extLst>
+              <a:ext uri="{FF2B5EF4-FFF2-40B4-BE49-F238E27FC236}">
+                <a16:creationId xmlns:a16="http://schemas.microsoft.com/office/drawing/2014/main" id="{85641599-95DD-45BF-D4F4-3A50F04D2562}"/>
+              </a:ext>
+            </a:extLst>
+          </p:cNvPr>
+          <p:cNvSpPr/>
+          <p:nvPr/>
+        </p:nvSpPr>
+        <p:spPr>
+          <a:xfrm>
+            <a:off x="3560319" y="2216434"/>
+            <a:ext cx="1278007" cy="525929"/>
+          </a:xfrm>
+          <a:prstGeom prst="roundRect">
+            <a:avLst>
+              <a:gd name="adj" fmla="val 11707"/>
+            </a:avLst>
+          </a:prstGeom>
+          <a:ln w="12700">
+            <a:prstDash val="solid"/>
+          </a:ln>
+        </p:spPr>
+        <p:style>
+          <a:lnRef idx="2">
+            <a:schemeClr val="dk1"/>
+          </a:lnRef>
+          <a:fillRef idx="1">
+            <a:schemeClr val="lt1"/>
+          </a:fillRef>
+          <a:effectRef idx="0">
+            <a:schemeClr val="dk1"/>
+          </a:effectRef>
+          <a:fontRef idx="minor">
+            <a:schemeClr val="dk1"/>
+          </a:fontRef>
+        </p:style>
+        <p:txBody>
+          <a:bodyPr rtlCol="0" anchor="ctr"/>
+          <a:lstStyle/>
+          <a:p>
+            <a:pPr algn="ctr"/>
+            <a:r>
+              <a:rPr lang="en-US" altLang="ko-KR" sz="1000" b="1"/>
+              <a:t>mock-server</a:t>
+            </a:r>
+            <a:r>
+              <a:rPr lang="en-US" altLang="ko-KR" sz="1000"/>
+              <a:t> </a:t>
+            </a:r>
+          </a:p>
+          <a:p>
+            <a:pPr algn="ctr"/>
+            <a:r>
+              <a:rPr lang="en-US" altLang="ko-KR" sz="1000"/>
+              <a:t>Service</a:t>
+            </a:r>
+            <a:endParaRPr lang="ko-KR" altLang="en-US" sz="1000"/>
+          </a:p>
+        </p:txBody>
+      </p:sp>
+      <p:sp>
+        <p:nvSpPr>
+          <p:cNvPr id="3" name="사각형: 둥근 모서리 29">
+            <a:extLst>
+              <a:ext uri="{FF2B5EF4-FFF2-40B4-BE49-F238E27FC236}">
+                <a16:creationId xmlns:a16="http://schemas.microsoft.com/office/drawing/2014/main" id="{726E044F-1A65-8804-CFC2-46BCCA04155E}"/>
+              </a:ext>
+            </a:extLst>
+          </p:cNvPr>
+          <p:cNvSpPr/>
+          <p:nvPr/>
+        </p:nvSpPr>
+        <p:spPr>
+          <a:xfrm>
+            <a:off x="3560318" y="1509856"/>
+            <a:ext cx="1278007" cy="525929"/>
+          </a:xfrm>
+          <a:prstGeom prst="roundRect">
+            <a:avLst>
+              <a:gd name="adj" fmla="val 11707"/>
+            </a:avLst>
+          </a:prstGeom>
+          <a:ln w="12700">
+            <a:prstDash val="solid"/>
+          </a:ln>
+        </p:spPr>
+        <p:style>
+          <a:lnRef idx="2">
+            <a:schemeClr val="dk1"/>
+          </a:lnRef>
+          <a:fillRef idx="1">
+            <a:schemeClr val="lt1"/>
+          </a:fillRef>
+          <a:effectRef idx="0">
+            <a:schemeClr val="dk1"/>
+          </a:effectRef>
+          <a:fontRef idx="minor">
+            <a:schemeClr val="dk1"/>
+          </a:fontRef>
+        </p:style>
+        <p:txBody>
+          <a:bodyPr rtlCol="0" anchor="ctr"/>
+          <a:lstStyle/>
+          <a:p>
+            <a:pPr algn="ctr"/>
+            <a:r>
+              <a:rPr lang="en-US" altLang="ko-KR" sz="1000" b="1"/>
+              <a:t>mock-server</a:t>
+            </a:r>
+          </a:p>
+          <a:p>
+            <a:pPr algn="ctr"/>
+            <a:r>
+              <a:rPr lang="en-US" altLang="ko-KR" sz="1000"/>
+              <a:t>DestinationRule</a:t>
+            </a:r>
+            <a:endParaRPr lang="ko-KR" altLang="en-US" sz="1000"/>
+          </a:p>
+        </p:txBody>
+      </p:sp>
+      <p:sp>
+        <p:nvSpPr>
+          <p:cNvPr id="9" name="사각형: 둥근 모서리 29">
+            <a:extLst>
+              <a:ext uri="{FF2B5EF4-FFF2-40B4-BE49-F238E27FC236}">
+                <a16:creationId xmlns:a16="http://schemas.microsoft.com/office/drawing/2014/main" id="{6A93278C-E31C-E585-CF63-674AB91E87C7}"/>
+              </a:ext>
+            </a:extLst>
+          </p:cNvPr>
+          <p:cNvSpPr/>
+          <p:nvPr/>
+        </p:nvSpPr>
+        <p:spPr>
+          <a:xfrm>
+            <a:off x="3560318" y="810677"/>
+            <a:ext cx="1278007" cy="525929"/>
+          </a:xfrm>
+          <a:prstGeom prst="roundRect">
+            <a:avLst>
+              <a:gd name="adj" fmla="val 11707"/>
+            </a:avLst>
+          </a:prstGeom>
+          <a:ln w="12700">
+            <a:prstDash val="solid"/>
+          </a:ln>
+        </p:spPr>
+        <p:style>
+          <a:lnRef idx="2">
+            <a:schemeClr val="dk1"/>
+          </a:lnRef>
+          <a:fillRef idx="1">
+            <a:schemeClr val="lt1"/>
+          </a:fillRef>
+          <a:effectRef idx="0">
+            <a:schemeClr val="dk1"/>
+          </a:effectRef>
+          <a:fontRef idx="minor">
+            <a:schemeClr val="dk1"/>
+          </a:fontRef>
+        </p:style>
+        <p:txBody>
+          <a:bodyPr rtlCol="0" anchor="ctr"/>
+          <a:lstStyle/>
+          <a:p>
+            <a:pPr algn="ctr"/>
+            <a:r>
+              <a:rPr lang="en-US" altLang="ko-KR" sz="1000" b="1"/>
+              <a:t>mock-server</a:t>
+            </a:r>
+          </a:p>
+          <a:p>
+            <a:pPr algn="ctr"/>
+            <a:r>
+              <a:rPr lang="en-US" altLang="ko-KR" sz="1000"/>
+              <a:t>VirtualService</a:t>
+            </a:r>
+            <a:endParaRPr lang="ko-KR" altLang="en-US" sz="1000"/>
+          </a:p>
+        </p:txBody>
+      </p:sp>
+      <p:cxnSp>
+        <p:nvCxnSpPr>
+          <p:cNvPr id="11" name="Elbow Connector 80">
+            <a:extLst>
+              <a:ext uri="{FF2B5EF4-FFF2-40B4-BE49-F238E27FC236}">
+                <a16:creationId xmlns:a16="http://schemas.microsoft.com/office/drawing/2014/main" id="{BBEB9EAA-A657-70C3-8A9B-3F1FE4578D30}"/>
+              </a:ext>
+            </a:extLst>
+          </p:cNvPr>
+          <p:cNvCxnSpPr>
+            <a:cxnSpLocks/>
+            <a:stCxn id="4" idx="0"/>
+            <a:endCxn id="9" idx="1"/>
+          </p:cNvCxnSpPr>
+          <p:nvPr/>
+        </p:nvCxnSpPr>
+        <p:spPr>
+          <a:xfrm rot="5400000" flipH="1" flipV="1">
+            <a:off x="2669673" y="627582"/>
+            <a:ext cx="444585" cy="1336706"/>
+          </a:xfrm>
+          <a:prstGeom prst="bentConnector2">
+            <a:avLst/>
+          </a:prstGeom>
+          <a:ln w="12700">
+            <a:solidFill>
+              <a:schemeClr val="tx1"/>
+            </a:solidFill>
+            <a:tailEnd type="triangle"/>
+          </a:ln>
+        </p:spPr>
+        <p:style>
+          <a:lnRef idx="1">
+            <a:schemeClr val="accent1"/>
+          </a:lnRef>
+          <a:fillRef idx="0">
+            <a:schemeClr val="accent1"/>
+          </a:fillRef>
+          <a:effectRef idx="0">
+            <a:schemeClr val="accent1"/>
+          </a:effectRef>
+          <a:fontRef idx="minor">
+            <a:schemeClr val="tx1"/>
+          </a:fontRef>
+        </p:style>
+      </p:cxnSp>
+      <p:cxnSp>
+        <p:nvCxnSpPr>
+          <p:cNvPr id="18" name="Straight Arrow Connector 81">
+            <a:extLst>
+              <a:ext uri="{FF2B5EF4-FFF2-40B4-BE49-F238E27FC236}">
+                <a16:creationId xmlns:a16="http://schemas.microsoft.com/office/drawing/2014/main" id="{47222323-B67F-18C2-875C-D82748BDCA42}"/>
+              </a:ext>
+            </a:extLst>
+          </p:cNvPr>
+          <p:cNvCxnSpPr>
+            <a:cxnSpLocks/>
+            <a:stCxn id="3" idx="2"/>
+            <a:endCxn id="2" idx="0"/>
+          </p:cNvCxnSpPr>
+          <p:nvPr/>
+        </p:nvCxnSpPr>
+        <p:spPr>
+          <a:xfrm>
+            <a:off x="4199322" y="2035785"/>
+            <a:ext cx="1" cy="180649"/>
+          </a:xfrm>
+          <a:prstGeom prst="straightConnector1">
+            <a:avLst/>
+          </a:prstGeom>
+          <a:ln>
+            <a:solidFill>
+              <a:schemeClr val="tx1"/>
+            </a:solidFill>
+            <a:tailEnd type="triangle"/>
+          </a:ln>
+        </p:spPr>
+        <p:style>
+          <a:lnRef idx="1">
+            <a:schemeClr val="accent1"/>
+          </a:lnRef>
+          <a:fillRef idx="0">
+            <a:schemeClr val="accent1"/>
+          </a:fillRef>
+          <a:effectRef idx="0">
+            <a:schemeClr val="accent1"/>
+          </a:effectRef>
+          <a:fontRef idx="minor">
+            <a:schemeClr val="tx1"/>
+          </a:fontRef>
+        </p:style>
+      </p:cxnSp>
+      <p:cxnSp>
+        <p:nvCxnSpPr>
+          <p:cNvPr id="21" name="Elbow Connector 80">
+            <a:extLst>
+              <a:ext uri="{FF2B5EF4-FFF2-40B4-BE49-F238E27FC236}">
+                <a16:creationId xmlns:a16="http://schemas.microsoft.com/office/drawing/2014/main" id="{A0EE3E5F-4068-AB1E-B7CC-8A379D49124F}"/>
+              </a:ext>
+            </a:extLst>
+          </p:cNvPr>
+          <p:cNvCxnSpPr>
+            <a:cxnSpLocks/>
+            <a:stCxn id="2" idx="3"/>
+            <a:endCxn id="5" idx="2"/>
+          </p:cNvCxnSpPr>
+          <p:nvPr/>
+        </p:nvCxnSpPr>
+        <p:spPr>
+          <a:xfrm flipV="1">
+            <a:off x="4838326" y="2031502"/>
+            <a:ext cx="1345726" cy="447897"/>
+          </a:xfrm>
+          <a:prstGeom prst="bentConnector2">
+            <a:avLst/>
+          </a:prstGeom>
+          <a:ln w="12700">
             <a:solidFill>
               <a:schemeClr val="tx1"/>
             </a:solidFill>

--- a/content/docs/theory-analysis/istio-sidecar-proxy-access-log/images/images.pptx
+++ b/content/docs/theory-analysis/istio-sidecar-proxy-access-log/images/images.pptx
@@ -5,7 +5,7 @@
     <p:sldMasterId id="2147483648" r:id="rId1"/>
   </p:sldMasterIdLst>
   <p:notesMasterIdLst>
-    <p:notesMasterId r:id="rId22"/>
+    <p:notesMasterId r:id="rId24"/>
   </p:notesMasterIdLst>
   <p:sldIdLst>
     <p:sldId id="398" r:id="rId2"/>
@@ -21,13 +21,15 @@
     <p:sldId id="409" r:id="rId12"/>
     <p:sldId id="410" r:id="rId13"/>
     <p:sldId id="387" r:id="rId14"/>
-    <p:sldId id="392" r:id="rId15"/>
-    <p:sldId id="393" r:id="rId16"/>
-    <p:sldId id="394" r:id="rId17"/>
-    <p:sldId id="395" r:id="rId18"/>
-    <p:sldId id="396" r:id="rId19"/>
-    <p:sldId id="397" r:id="rId20"/>
-    <p:sldId id="391" r:id="rId21"/>
+    <p:sldId id="411" r:id="rId15"/>
+    <p:sldId id="412" r:id="rId16"/>
+    <p:sldId id="392" r:id="rId17"/>
+    <p:sldId id="393" r:id="rId18"/>
+    <p:sldId id="394" r:id="rId19"/>
+    <p:sldId id="395" r:id="rId20"/>
+    <p:sldId id="396" r:id="rId21"/>
+    <p:sldId id="397" r:id="rId22"/>
+    <p:sldId id="391" r:id="rId23"/>
   </p:sldIdLst>
   <p:sldSz cx="9144000" cy="5143500" type="screen16x9"/>
   <p:notesSz cx="6858000" cy="9144000"/>
@@ -7303,6 +7305,1079 @@
   <p:cSld>
     <p:spTree>
       <p:nvGrpSpPr>
+        <p:cNvPr id="1" name="">
+          <a:extLst>
+            <a:ext uri="{FF2B5EF4-FFF2-40B4-BE49-F238E27FC236}">
+              <a16:creationId xmlns:a16="http://schemas.microsoft.com/office/drawing/2014/main" id="{82109E44-1A46-B2CD-E2CC-332E4151EF73}"/>
+            </a:ext>
+          </a:extLst>
+        </p:cNvPr>
+        <p:cNvGrpSpPr/>
+        <p:nvPr/>
+      </p:nvGrpSpPr>
+      <p:grpSpPr>
+        <a:xfrm>
+          <a:off x="0" y="0"/>
+          <a:ext cx="0" cy="0"/>
+          <a:chOff x="0" y="0"/>
+          <a:chExt cx="0" cy="0"/>
+        </a:xfrm>
+      </p:grpSpPr>
+      <p:sp>
+        <p:nvSpPr>
+          <p:cNvPr id="4" name="사각형: 둥근 모서리 29">
+            <a:extLst>
+              <a:ext uri="{FF2B5EF4-FFF2-40B4-BE49-F238E27FC236}">
+                <a16:creationId xmlns:a16="http://schemas.microsoft.com/office/drawing/2014/main" id="{BB8DF1DD-9531-EA2E-D38F-58866FCB8445}"/>
+              </a:ext>
+            </a:extLst>
+          </p:cNvPr>
+          <p:cNvSpPr/>
+          <p:nvPr/>
+        </p:nvSpPr>
+        <p:spPr>
+          <a:xfrm>
+            <a:off x="1763688" y="411510"/>
+            <a:ext cx="1164765" cy="657290"/>
+          </a:xfrm>
+          <a:prstGeom prst="roundRect">
+            <a:avLst>
+              <a:gd name="adj" fmla="val 17374"/>
+            </a:avLst>
+          </a:prstGeom>
+          <a:ln w="12700"/>
+        </p:spPr>
+        <p:style>
+          <a:lnRef idx="2">
+            <a:schemeClr val="dk1"/>
+          </a:lnRef>
+          <a:fillRef idx="1">
+            <a:schemeClr val="lt1"/>
+          </a:fillRef>
+          <a:effectRef idx="0">
+            <a:schemeClr val="dk1"/>
+          </a:effectRef>
+          <a:fontRef idx="minor">
+            <a:schemeClr val="dk1"/>
+          </a:fontRef>
+        </p:style>
+        <p:txBody>
+          <a:bodyPr rtlCol="0" anchor="ctr"/>
+          <a:lstStyle/>
+          <a:p>
+            <a:pPr algn="ctr"/>
+            <a:r>
+              <a:rPr lang="en-US" altLang="ko-KR" sz="1000" b="1"/>
+              <a:t>shell</a:t>
+            </a:r>
+          </a:p>
+          <a:p>
+            <a:pPr algn="ctr"/>
+            <a:r>
+              <a:rPr lang="en-US" altLang="ko-KR" sz="1000"/>
+              <a:t>Pod</a:t>
+            </a:r>
+            <a:endParaRPr lang="ko-KR" altLang="en-US" sz="1000"/>
+          </a:p>
+        </p:txBody>
+      </p:sp>
+      <p:sp>
+        <p:nvSpPr>
+          <p:cNvPr id="5" name="사각형: 둥근 모서리 29">
+            <a:extLst>
+              <a:ext uri="{FF2B5EF4-FFF2-40B4-BE49-F238E27FC236}">
+                <a16:creationId xmlns:a16="http://schemas.microsoft.com/office/drawing/2014/main" id="{EFA98641-E4C7-C964-894E-4667869452D9}"/>
+              </a:ext>
+            </a:extLst>
+          </p:cNvPr>
+          <p:cNvSpPr/>
+          <p:nvPr/>
+        </p:nvSpPr>
+        <p:spPr>
+          <a:xfrm>
+            <a:off x="5724128" y="411510"/>
+            <a:ext cx="1164765" cy="657290"/>
+          </a:xfrm>
+          <a:prstGeom prst="roundRect">
+            <a:avLst>
+              <a:gd name="adj" fmla="val 17374"/>
+            </a:avLst>
+          </a:prstGeom>
+          <a:ln w="12700"/>
+        </p:spPr>
+        <p:style>
+          <a:lnRef idx="2">
+            <a:schemeClr val="dk1"/>
+          </a:lnRef>
+          <a:fillRef idx="1">
+            <a:schemeClr val="lt1"/>
+          </a:fillRef>
+          <a:effectRef idx="0">
+            <a:schemeClr val="dk1"/>
+          </a:effectRef>
+          <a:fontRef idx="minor">
+            <a:schemeClr val="dk1"/>
+          </a:fontRef>
+        </p:style>
+        <p:txBody>
+          <a:bodyPr rtlCol="0" anchor="ctr"/>
+          <a:lstStyle/>
+          <a:p>
+            <a:pPr algn="ctr"/>
+            <a:r>
+              <a:rPr lang="en-US" altLang="ko-KR" sz="1000" b="1"/>
+              <a:t>mock-server</a:t>
+            </a:r>
+          </a:p>
+          <a:p>
+            <a:pPr algn="ctr"/>
+            <a:r>
+              <a:rPr lang="en-US" altLang="ko-KR" sz="1000"/>
+              <a:t>Pod</a:t>
+            </a:r>
+            <a:endParaRPr lang="ko-KR" altLang="en-US" sz="1000"/>
+          </a:p>
+        </p:txBody>
+      </p:sp>
+      <p:cxnSp>
+        <p:nvCxnSpPr>
+          <p:cNvPr id="8" name="Straight Arrow Connector 81">
+            <a:extLst>
+              <a:ext uri="{FF2B5EF4-FFF2-40B4-BE49-F238E27FC236}">
+                <a16:creationId xmlns:a16="http://schemas.microsoft.com/office/drawing/2014/main" id="{0C4CAD2A-6379-3AE5-B5B8-902E4AC0101C}"/>
+              </a:ext>
+            </a:extLst>
+          </p:cNvPr>
+          <p:cNvCxnSpPr>
+            <a:cxnSpLocks/>
+            <a:stCxn id="5" idx="2"/>
+          </p:cNvCxnSpPr>
+          <p:nvPr/>
+        </p:nvCxnSpPr>
+        <p:spPr>
+          <a:xfrm>
+            <a:off x="6306511" y="1068800"/>
+            <a:ext cx="0" cy="3375158"/>
+          </a:xfrm>
+          <a:prstGeom prst="straightConnector1">
+            <a:avLst/>
+          </a:prstGeom>
+          <a:ln>
+            <a:solidFill>
+              <a:schemeClr val="tx1"/>
+            </a:solidFill>
+            <a:prstDash val="dash"/>
+            <a:tailEnd type="triangle"/>
+          </a:ln>
+        </p:spPr>
+        <p:style>
+          <a:lnRef idx="1">
+            <a:schemeClr val="accent1"/>
+          </a:lnRef>
+          <a:fillRef idx="0">
+            <a:schemeClr val="accent1"/>
+          </a:fillRef>
+          <a:effectRef idx="0">
+            <a:schemeClr val="accent1"/>
+          </a:effectRef>
+          <a:fontRef idx="minor">
+            <a:schemeClr val="tx1"/>
+          </a:fontRef>
+        </p:style>
+      </p:cxnSp>
+      <p:cxnSp>
+        <p:nvCxnSpPr>
+          <p:cNvPr id="2" name="Straight Arrow Connector 81">
+            <a:extLst>
+              <a:ext uri="{FF2B5EF4-FFF2-40B4-BE49-F238E27FC236}">
+                <a16:creationId xmlns:a16="http://schemas.microsoft.com/office/drawing/2014/main" id="{D961DCA0-D61E-6625-AB46-B154CE3861F3}"/>
+              </a:ext>
+            </a:extLst>
+          </p:cNvPr>
+          <p:cNvCxnSpPr>
+            <a:cxnSpLocks/>
+            <a:stCxn id="4" idx="2"/>
+          </p:cNvCxnSpPr>
+          <p:nvPr/>
+        </p:nvCxnSpPr>
+        <p:spPr>
+          <a:xfrm>
+            <a:off x="2346071" y="1068800"/>
+            <a:ext cx="0" cy="3375158"/>
+          </a:xfrm>
+          <a:prstGeom prst="straightConnector1">
+            <a:avLst/>
+          </a:prstGeom>
+          <a:ln>
+            <a:solidFill>
+              <a:schemeClr val="tx1"/>
+            </a:solidFill>
+            <a:prstDash val="dash"/>
+            <a:tailEnd type="triangle"/>
+          </a:ln>
+        </p:spPr>
+        <p:style>
+          <a:lnRef idx="1">
+            <a:schemeClr val="accent1"/>
+          </a:lnRef>
+          <a:fillRef idx="0">
+            <a:schemeClr val="accent1"/>
+          </a:fillRef>
+          <a:effectRef idx="0">
+            <a:schemeClr val="accent1"/>
+          </a:effectRef>
+          <a:fontRef idx="minor">
+            <a:schemeClr val="tx1"/>
+          </a:fontRef>
+        </p:style>
+      </p:cxnSp>
+      <p:cxnSp>
+        <p:nvCxnSpPr>
+          <p:cNvPr id="17" name="Straight Arrow Connector 81">
+            <a:extLst>
+              <a:ext uri="{FF2B5EF4-FFF2-40B4-BE49-F238E27FC236}">
+                <a16:creationId xmlns:a16="http://schemas.microsoft.com/office/drawing/2014/main" id="{5E08A13B-8278-3746-8100-C6817BAB4EC2}"/>
+              </a:ext>
+            </a:extLst>
+          </p:cNvPr>
+          <p:cNvCxnSpPr>
+            <a:cxnSpLocks/>
+          </p:cNvCxnSpPr>
+          <p:nvPr/>
+        </p:nvCxnSpPr>
+        <p:spPr>
+          <a:xfrm>
+            <a:off x="2346071" y="1203596"/>
+            <a:ext cx="3960440" cy="0"/>
+          </a:xfrm>
+          <a:prstGeom prst="straightConnector1">
+            <a:avLst/>
+          </a:prstGeom>
+          <a:ln>
+            <a:solidFill>
+              <a:schemeClr val="tx1"/>
+            </a:solidFill>
+            <a:tailEnd type="triangle"/>
+          </a:ln>
+        </p:spPr>
+        <p:style>
+          <a:lnRef idx="1">
+            <a:schemeClr val="accent1"/>
+          </a:lnRef>
+          <a:fillRef idx="0">
+            <a:schemeClr val="accent1"/>
+          </a:fillRef>
+          <a:effectRef idx="0">
+            <a:schemeClr val="accent1"/>
+          </a:effectRef>
+          <a:fontRef idx="minor">
+            <a:schemeClr val="tx1"/>
+          </a:fontRef>
+        </p:style>
+      </p:cxnSp>
+      <p:sp>
+        <p:nvSpPr>
+          <p:cNvPr id="20" name="TextBox 19">
+            <a:extLst>
+              <a:ext uri="{FF2B5EF4-FFF2-40B4-BE49-F238E27FC236}">
+                <a16:creationId xmlns:a16="http://schemas.microsoft.com/office/drawing/2014/main" id="{5163CE11-D96A-B719-EDAF-8395F8C9E007}"/>
+              </a:ext>
+            </a:extLst>
+          </p:cNvPr>
+          <p:cNvSpPr txBox="1"/>
+          <p:nvPr/>
+        </p:nvSpPr>
+        <p:spPr>
+          <a:xfrm>
+            <a:off x="2928454" y="957375"/>
+            <a:ext cx="2795674" cy="246221"/>
+          </a:xfrm>
+          <a:prstGeom prst="rect">
+            <a:avLst/>
+          </a:prstGeom>
+          <a:noFill/>
+        </p:spPr>
+        <p:txBody>
+          <a:bodyPr wrap="square" rtlCol="0">
+            <a:spAutoFit/>
+          </a:bodyPr>
+          <a:lstStyle/>
+          <a:p>
+            <a:r>
+              <a:rPr kumimoji="1" lang="en-US" altLang="ko-KR" sz="1000" i="1"/>
+              <a:t>GET </a:t>
+            </a:r>
+            <a:r>
+              <a:rPr lang="en" altLang="ko-KR" sz="1000" i="1"/>
+              <a:t>mock-server:8080/delay/10000</a:t>
+            </a:r>
+            <a:endParaRPr kumimoji="1" lang="ko-KR" altLang="en-US" sz="1000" i="1"/>
+          </a:p>
+        </p:txBody>
+      </p:sp>
+      <p:cxnSp>
+        <p:nvCxnSpPr>
+          <p:cNvPr id="23" name="Straight Arrow Connector 81">
+            <a:extLst>
+              <a:ext uri="{FF2B5EF4-FFF2-40B4-BE49-F238E27FC236}">
+                <a16:creationId xmlns:a16="http://schemas.microsoft.com/office/drawing/2014/main" id="{3219319F-9135-83F3-F4F8-15C128726505}"/>
+              </a:ext>
+            </a:extLst>
+          </p:cNvPr>
+          <p:cNvCxnSpPr>
+            <a:cxnSpLocks/>
+          </p:cNvCxnSpPr>
+          <p:nvPr/>
+        </p:nvCxnSpPr>
+        <p:spPr>
+          <a:xfrm>
+            <a:off x="2346071" y="1626621"/>
+            <a:ext cx="3960440" cy="0"/>
+          </a:xfrm>
+          <a:prstGeom prst="straightConnector1">
+            <a:avLst/>
+          </a:prstGeom>
+          <a:ln>
+            <a:solidFill>
+              <a:schemeClr val="tx1"/>
+            </a:solidFill>
+            <a:headEnd type="none" w="med" len="med"/>
+            <a:tailEnd type="triangle" w="med" len="med"/>
+          </a:ln>
+        </p:spPr>
+        <p:style>
+          <a:lnRef idx="1">
+            <a:schemeClr val="accent1"/>
+          </a:lnRef>
+          <a:fillRef idx="0">
+            <a:schemeClr val="accent1"/>
+          </a:fillRef>
+          <a:effectRef idx="0">
+            <a:schemeClr val="accent1"/>
+          </a:effectRef>
+          <a:fontRef idx="minor">
+            <a:schemeClr val="tx1"/>
+          </a:fontRef>
+        </p:style>
+      </p:cxnSp>
+      <p:sp>
+        <p:nvSpPr>
+          <p:cNvPr id="24" name="TextBox 23">
+            <a:extLst>
+              <a:ext uri="{FF2B5EF4-FFF2-40B4-BE49-F238E27FC236}">
+                <a16:creationId xmlns:a16="http://schemas.microsoft.com/office/drawing/2014/main" id="{BB319C13-7B9D-3C05-92F4-9A6BE4F1F413}"/>
+              </a:ext>
+            </a:extLst>
+          </p:cNvPr>
+          <p:cNvSpPr txBox="1"/>
+          <p:nvPr/>
+        </p:nvSpPr>
+        <p:spPr>
+          <a:xfrm>
+            <a:off x="2928454" y="1380400"/>
+            <a:ext cx="2795674" cy="246221"/>
+          </a:xfrm>
+          <a:prstGeom prst="rect">
+            <a:avLst/>
+          </a:prstGeom>
+          <a:noFill/>
+        </p:spPr>
+        <p:txBody>
+          <a:bodyPr wrap="square" rtlCol="0">
+            <a:spAutoFit/>
+          </a:bodyPr>
+          <a:lstStyle/>
+          <a:p>
+            <a:r>
+              <a:rPr kumimoji="1" lang="en-US" altLang="ko-KR" sz="1000" i="1"/>
+              <a:t>TCP RST</a:t>
+            </a:r>
+            <a:endParaRPr kumimoji="1" lang="ko-KR" altLang="en-US" sz="1000" i="1"/>
+          </a:p>
+        </p:txBody>
+      </p:sp>
+      <p:cxnSp>
+        <p:nvCxnSpPr>
+          <p:cNvPr id="3" name="Straight Arrow Connector 81">
+            <a:extLst>
+              <a:ext uri="{FF2B5EF4-FFF2-40B4-BE49-F238E27FC236}">
+                <a16:creationId xmlns:a16="http://schemas.microsoft.com/office/drawing/2014/main" id="{87A44243-E44E-5801-484D-9B8DB8DBAAD4}"/>
+              </a:ext>
+            </a:extLst>
+          </p:cNvPr>
+          <p:cNvCxnSpPr>
+            <a:cxnSpLocks/>
+          </p:cNvCxnSpPr>
+          <p:nvPr/>
+        </p:nvCxnSpPr>
+        <p:spPr>
+          <a:xfrm>
+            <a:off x="2346071" y="1707654"/>
+            <a:ext cx="3960440" cy="0"/>
+          </a:xfrm>
+          <a:prstGeom prst="straightConnector1">
+            <a:avLst/>
+          </a:prstGeom>
+          <a:ln>
+            <a:solidFill>
+              <a:schemeClr val="tx1"/>
+            </a:solidFill>
+            <a:headEnd type="triangle" w="med" len="med"/>
+            <a:tailEnd type="none" w="med" len="med"/>
+          </a:ln>
+        </p:spPr>
+        <p:style>
+          <a:lnRef idx="1">
+            <a:schemeClr val="accent1"/>
+          </a:lnRef>
+          <a:fillRef idx="0">
+            <a:schemeClr val="accent1"/>
+          </a:fillRef>
+          <a:effectRef idx="0">
+            <a:schemeClr val="accent1"/>
+          </a:effectRef>
+          <a:fontRef idx="minor">
+            <a:schemeClr val="tx1"/>
+          </a:fontRef>
+        </p:style>
+      </p:cxnSp>
+      <p:sp>
+        <p:nvSpPr>
+          <p:cNvPr id="6" name="TextBox 5">
+            <a:extLst>
+              <a:ext uri="{FF2B5EF4-FFF2-40B4-BE49-F238E27FC236}">
+                <a16:creationId xmlns:a16="http://schemas.microsoft.com/office/drawing/2014/main" id="{F43B22D4-C705-035A-ED97-B5FE0C281860}"/>
+              </a:ext>
+            </a:extLst>
+          </p:cNvPr>
+          <p:cNvSpPr txBox="1"/>
+          <p:nvPr/>
+        </p:nvSpPr>
+        <p:spPr>
+          <a:xfrm>
+            <a:off x="2928454" y="1707653"/>
+            <a:ext cx="2795674" cy="246221"/>
+          </a:xfrm>
+          <a:prstGeom prst="rect">
+            <a:avLst/>
+          </a:prstGeom>
+          <a:noFill/>
+        </p:spPr>
+        <p:txBody>
+          <a:bodyPr wrap="square" rtlCol="0">
+            <a:spAutoFit/>
+          </a:bodyPr>
+          <a:lstStyle/>
+          <a:p>
+            <a:pPr algn="r"/>
+            <a:r>
+              <a:rPr kumimoji="1" lang="en-US" altLang="ko-KR" sz="1000" i="1"/>
+              <a:t>TCP RST</a:t>
+            </a:r>
+            <a:endParaRPr kumimoji="1" lang="ko-KR" altLang="en-US" sz="1000" i="1"/>
+          </a:p>
+        </p:txBody>
+      </p:sp>
+    </p:spTree>
+    <p:extLst>
+      <p:ext uri="{BB962C8B-B14F-4D97-AF65-F5344CB8AC3E}">
+        <p14:creationId xmlns:p14="http://schemas.microsoft.com/office/powerpoint/2010/main" val="920202767"/>
+      </p:ext>
+    </p:extLst>
+  </p:cSld>
+  <p:clrMapOvr>
+    <a:masterClrMapping/>
+  </p:clrMapOvr>
+</p:sld>
+</file>
+
+<file path=ppt/slides/slide15.xml><?xml version="1.0" encoding="utf-8"?>
+<p:sld xmlns:a="http://schemas.openxmlformats.org/drawingml/2006/main" xmlns:r="http://schemas.openxmlformats.org/officeDocument/2006/relationships" xmlns:p="http://schemas.openxmlformats.org/presentationml/2006/main">
+  <p:cSld>
+    <p:spTree>
+      <p:nvGrpSpPr>
+        <p:cNvPr id="1" name="">
+          <a:extLst>
+            <a:ext uri="{FF2B5EF4-FFF2-40B4-BE49-F238E27FC236}">
+              <a16:creationId xmlns:a16="http://schemas.microsoft.com/office/drawing/2014/main" id="{4701010A-A1EF-2B1B-F120-E35D3BB08A92}"/>
+            </a:ext>
+          </a:extLst>
+        </p:cNvPr>
+        <p:cNvGrpSpPr/>
+        <p:nvPr/>
+      </p:nvGrpSpPr>
+      <p:grpSpPr>
+        <a:xfrm>
+          <a:off x="0" y="0"/>
+          <a:ext cx="0" cy="0"/>
+          <a:chOff x="0" y="0"/>
+          <a:chExt cx="0" cy="0"/>
+        </a:xfrm>
+      </p:grpSpPr>
+      <p:sp>
+        <p:nvSpPr>
+          <p:cNvPr id="4" name="사각형: 둥근 모서리 29">
+            <a:extLst>
+              <a:ext uri="{FF2B5EF4-FFF2-40B4-BE49-F238E27FC236}">
+                <a16:creationId xmlns:a16="http://schemas.microsoft.com/office/drawing/2014/main" id="{420FBD69-F2A8-B166-5018-CAAAFA067EF0}"/>
+              </a:ext>
+            </a:extLst>
+          </p:cNvPr>
+          <p:cNvSpPr/>
+          <p:nvPr/>
+        </p:nvSpPr>
+        <p:spPr>
+          <a:xfrm>
+            <a:off x="1763688" y="411510"/>
+            <a:ext cx="1164765" cy="657290"/>
+          </a:xfrm>
+          <a:prstGeom prst="roundRect">
+            <a:avLst>
+              <a:gd name="adj" fmla="val 17374"/>
+            </a:avLst>
+          </a:prstGeom>
+          <a:ln w="12700"/>
+        </p:spPr>
+        <p:style>
+          <a:lnRef idx="2">
+            <a:schemeClr val="dk1"/>
+          </a:lnRef>
+          <a:fillRef idx="1">
+            <a:schemeClr val="lt1"/>
+          </a:fillRef>
+          <a:effectRef idx="0">
+            <a:schemeClr val="dk1"/>
+          </a:effectRef>
+          <a:fontRef idx="minor">
+            <a:schemeClr val="dk1"/>
+          </a:fontRef>
+        </p:style>
+        <p:txBody>
+          <a:bodyPr rtlCol="0" anchor="ctr"/>
+          <a:lstStyle/>
+          <a:p>
+            <a:pPr algn="ctr"/>
+            <a:r>
+              <a:rPr lang="en-US" altLang="ko-KR" sz="1000" b="1"/>
+              <a:t>shell</a:t>
+            </a:r>
+          </a:p>
+          <a:p>
+            <a:pPr algn="ctr"/>
+            <a:r>
+              <a:rPr lang="en-US" altLang="ko-KR" sz="1000"/>
+              <a:t>Pod</a:t>
+            </a:r>
+            <a:endParaRPr lang="ko-KR" altLang="en-US" sz="1000"/>
+          </a:p>
+        </p:txBody>
+      </p:sp>
+      <p:sp>
+        <p:nvSpPr>
+          <p:cNvPr id="5" name="사각형: 둥근 모서리 29">
+            <a:extLst>
+              <a:ext uri="{FF2B5EF4-FFF2-40B4-BE49-F238E27FC236}">
+                <a16:creationId xmlns:a16="http://schemas.microsoft.com/office/drawing/2014/main" id="{B03BC163-5975-9200-B868-5F3417050237}"/>
+              </a:ext>
+            </a:extLst>
+          </p:cNvPr>
+          <p:cNvSpPr/>
+          <p:nvPr/>
+        </p:nvSpPr>
+        <p:spPr>
+          <a:xfrm>
+            <a:off x="5724128" y="411510"/>
+            <a:ext cx="1164765" cy="657290"/>
+          </a:xfrm>
+          <a:prstGeom prst="roundRect">
+            <a:avLst>
+              <a:gd name="adj" fmla="val 17374"/>
+            </a:avLst>
+          </a:prstGeom>
+          <a:ln w="12700"/>
+        </p:spPr>
+        <p:style>
+          <a:lnRef idx="2">
+            <a:schemeClr val="dk1"/>
+          </a:lnRef>
+          <a:fillRef idx="1">
+            <a:schemeClr val="lt1"/>
+          </a:fillRef>
+          <a:effectRef idx="0">
+            <a:schemeClr val="dk1"/>
+          </a:effectRef>
+          <a:fontRef idx="minor">
+            <a:schemeClr val="dk1"/>
+          </a:fontRef>
+        </p:style>
+        <p:txBody>
+          <a:bodyPr rtlCol="0" anchor="ctr"/>
+          <a:lstStyle/>
+          <a:p>
+            <a:pPr algn="ctr"/>
+            <a:r>
+              <a:rPr lang="en-US" altLang="ko-KR" sz="1000" b="1"/>
+              <a:t>mock-server</a:t>
+            </a:r>
+          </a:p>
+          <a:p>
+            <a:pPr algn="ctr"/>
+            <a:r>
+              <a:rPr lang="en-US" altLang="ko-KR" sz="1000"/>
+              <a:t>Pod</a:t>
+            </a:r>
+            <a:endParaRPr lang="ko-KR" altLang="en-US" sz="1000"/>
+          </a:p>
+        </p:txBody>
+      </p:sp>
+      <p:cxnSp>
+        <p:nvCxnSpPr>
+          <p:cNvPr id="8" name="Straight Arrow Connector 81">
+            <a:extLst>
+              <a:ext uri="{FF2B5EF4-FFF2-40B4-BE49-F238E27FC236}">
+                <a16:creationId xmlns:a16="http://schemas.microsoft.com/office/drawing/2014/main" id="{94359EBC-A245-048F-782D-5D58A081B510}"/>
+              </a:ext>
+            </a:extLst>
+          </p:cNvPr>
+          <p:cNvCxnSpPr>
+            <a:cxnSpLocks/>
+            <a:stCxn id="5" idx="2"/>
+          </p:cNvCxnSpPr>
+          <p:nvPr/>
+        </p:nvCxnSpPr>
+        <p:spPr>
+          <a:xfrm>
+            <a:off x="6306511" y="1068800"/>
+            <a:ext cx="0" cy="3375158"/>
+          </a:xfrm>
+          <a:prstGeom prst="straightConnector1">
+            <a:avLst/>
+          </a:prstGeom>
+          <a:ln>
+            <a:solidFill>
+              <a:schemeClr val="tx1"/>
+            </a:solidFill>
+            <a:prstDash val="dash"/>
+            <a:tailEnd type="triangle"/>
+          </a:ln>
+        </p:spPr>
+        <p:style>
+          <a:lnRef idx="1">
+            <a:schemeClr val="accent1"/>
+          </a:lnRef>
+          <a:fillRef idx="0">
+            <a:schemeClr val="accent1"/>
+          </a:fillRef>
+          <a:effectRef idx="0">
+            <a:schemeClr val="accent1"/>
+          </a:effectRef>
+          <a:fontRef idx="minor">
+            <a:schemeClr val="tx1"/>
+          </a:fontRef>
+        </p:style>
+      </p:cxnSp>
+      <p:cxnSp>
+        <p:nvCxnSpPr>
+          <p:cNvPr id="2" name="Straight Arrow Connector 81">
+            <a:extLst>
+              <a:ext uri="{FF2B5EF4-FFF2-40B4-BE49-F238E27FC236}">
+                <a16:creationId xmlns:a16="http://schemas.microsoft.com/office/drawing/2014/main" id="{ED7FD069-C200-2BF6-4EAA-53C326ED95AB}"/>
+              </a:ext>
+            </a:extLst>
+          </p:cNvPr>
+          <p:cNvCxnSpPr>
+            <a:cxnSpLocks/>
+            <a:stCxn id="4" idx="2"/>
+          </p:cNvCxnSpPr>
+          <p:nvPr/>
+        </p:nvCxnSpPr>
+        <p:spPr>
+          <a:xfrm>
+            <a:off x="2346071" y="1068800"/>
+            <a:ext cx="0" cy="3375158"/>
+          </a:xfrm>
+          <a:prstGeom prst="straightConnector1">
+            <a:avLst/>
+          </a:prstGeom>
+          <a:ln>
+            <a:solidFill>
+              <a:schemeClr val="tx1"/>
+            </a:solidFill>
+            <a:prstDash val="dash"/>
+            <a:tailEnd type="triangle"/>
+          </a:ln>
+        </p:spPr>
+        <p:style>
+          <a:lnRef idx="1">
+            <a:schemeClr val="accent1"/>
+          </a:lnRef>
+          <a:fillRef idx="0">
+            <a:schemeClr val="accent1"/>
+          </a:fillRef>
+          <a:effectRef idx="0">
+            <a:schemeClr val="accent1"/>
+          </a:effectRef>
+          <a:fontRef idx="minor">
+            <a:schemeClr val="tx1"/>
+          </a:fontRef>
+        </p:style>
+      </p:cxnSp>
+      <p:sp>
+        <p:nvSpPr>
+          <p:cNvPr id="20" name="TextBox 19">
+            <a:extLst>
+              <a:ext uri="{FF2B5EF4-FFF2-40B4-BE49-F238E27FC236}">
+                <a16:creationId xmlns:a16="http://schemas.microsoft.com/office/drawing/2014/main" id="{8DAD27EB-1403-DA88-312B-D642AFA325C3}"/>
+              </a:ext>
+            </a:extLst>
+          </p:cNvPr>
+          <p:cNvSpPr txBox="1"/>
+          <p:nvPr/>
+        </p:nvSpPr>
+        <p:spPr>
+          <a:xfrm>
+            <a:off x="2928454" y="957375"/>
+            <a:ext cx="2795674" cy="246221"/>
+          </a:xfrm>
+          <a:prstGeom prst="rect">
+            <a:avLst/>
+          </a:prstGeom>
+          <a:noFill/>
+        </p:spPr>
+        <p:txBody>
+          <a:bodyPr wrap="square" rtlCol="0">
+            <a:spAutoFit/>
+          </a:bodyPr>
+          <a:lstStyle/>
+          <a:p>
+            <a:r>
+              <a:rPr kumimoji="1" lang="en-US" altLang="ko-KR" sz="1000" i="1"/>
+              <a:t>GET </a:t>
+            </a:r>
+            <a:r>
+              <a:rPr lang="en" altLang="ko-KR" sz="1000" i="1"/>
+              <a:t>mock-server:8080/disconnect/1000</a:t>
+            </a:r>
+            <a:endParaRPr kumimoji="1" lang="ko-KR" altLang="en-US" sz="1000" i="1"/>
+          </a:p>
+        </p:txBody>
+      </p:sp>
+      <p:cxnSp>
+        <p:nvCxnSpPr>
+          <p:cNvPr id="17" name="Straight Arrow Connector 81">
+            <a:extLst>
+              <a:ext uri="{FF2B5EF4-FFF2-40B4-BE49-F238E27FC236}">
+                <a16:creationId xmlns:a16="http://schemas.microsoft.com/office/drawing/2014/main" id="{436B011A-667C-46AE-C8E9-B18CDC602A04}"/>
+              </a:ext>
+            </a:extLst>
+          </p:cNvPr>
+          <p:cNvCxnSpPr>
+            <a:cxnSpLocks/>
+          </p:cNvCxnSpPr>
+          <p:nvPr/>
+        </p:nvCxnSpPr>
+        <p:spPr>
+          <a:xfrm>
+            <a:off x="2346071" y="1203596"/>
+            <a:ext cx="3960440" cy="0"/>
+          </a:xfrm>
+          <a:prstGeom prst="straightConnector1">
+            <a:avLst/>
+          </a:prstGeom>
+          <a:ln>
+            <a:solidFill>
+              <a:schemeClr val="tx1"/>
+            </a:solidFill>
+            <a:tailEnd type="triangle"/>
+          </a:ln>
+        </p:spPr>
+        <p:style>
+          <a:lnRef idx="1">
+            <a:schemeClr val="accent1"/>
+          </a:lnRef>
+          <a:fillRef idx="0">
+            <a:schemeClr val="accent1"/>
+          </a:fillRef>
+          <a:effectRef idx="0">
+            <a:schemeClr val="accent1"/>
+          </a:effectRef>
+          <a:fontRef idx="minor">
+            <a:schemeClr val="tx1"/>
+          </a:fontRef>
+        </p:style>
+      </p:cxnSp>
+      <p:cxnSp>
+        <p:nvCxnSpPr>
+          <p:cNvPr id="23" name="Straight Arrow Connector 81">
+            <a:extLst>
+              <a:ext uri="{FF2B5EF4-FFF2-40B4-BE49-F238E27FC236}">
+                <a16:creationId xmlns:a16="http://schemas.microsoft.com/office/drawing/2014/main" id="{684F40FA-3A5E-FEB2-616D-BA19202EB181}"/>
+              </a:ext>
+            </a:extLst>
+          </p:cNvPr>
+          <p:cNvCxnSpPr>
+            <a:cxnSpLocks/>
+          </p:cNvCxnSpPr>
+          <p:nvPr/>
+        </p:nvCxnSpPr>
+        <p:spPr>
+          <a:xfrm>
+            <a:off x="2346071" y="1626621"/>
+            <a:ext cx="3960440" cy="0"/>
+          </a:xfrm>
+          <a:prstGeom prst="straightConnector1">
+            <a:avLst/>
+          </a:prstGeom>
+          <a:ln>
+            <a:solidFill>
+              <a:schemeClr val="tx1"/>
+            </a:solidFill>
+            <a:headEnd type="triangle" w="med" len="med"/>
+            <a:tailEnd type="none" w="med" len="med"/>
+          </a:ln>
+        </p:spPr>
+        <p:style>
+          <a:lnRef idx="1">
+            <a:schemeClr val="accent1"/>
+          </a:lnRef>
+          <a:fillRef idx="0">
+            <a:schemeClr val="accent1"/>
+          </a:fillRef>
+          <a:effectRef idx="0">
+            <a:schemeClr val="accent1"/>
+          </a:effectRef>
+          <a:fontRef idx="minor">
+            <a:schemeClr val="tx1"/>
+          </a:fontRef>
+        </p:style>
+      </p:cxnSp>
+      <p:sp>
+        <p:nvSpPr>
+          <p:cNvPr id="24" name="TextBox 23">
+            <a:extLst>
+              <a:ext uri="{FF2B5EF4-FFF2-40B4-BE49-F238E27FC236}">
+                <a16:creationId xmlns:a16="http://schemas.microsoft.com/office/drawing/2014/main" id="{8E0BA1D4-B024-B064-7724-67AE51A28462}"/>
+              </a:ext>
+            </a:extLst>
+          </p:cNvPr>
+          <p:cNvSpPr txBox="1"/>
+          <p:nvPr/>
+        </p:nvSpPr>
+        <p:spPr>
+          <a:xfrm>
+            <a:off x="2928454" y="1380400"/>
+            <a:ext cx="2795674" cy="246221"/>
+          </a:xfrm>
+          <a:prstGeom prst="rect">
+            <a:avLst/>
+          </a:prstGeom>
+          <a:noFill/>
+        </p:spPr>
+        <p:txBody>
+          <a:bodyPr wrap="square" rtlCol="0">
+            <a:spAutoFit/>
+          </a:bodyPr>
+          <a:lstStyle/>
+          <a:p>
+            <a:pPr algn="r"/>
+            <a:r>
+              <a:rPr kumimoji="1" lang="en-US" altLang="ko-KR" sz="1000" i="1"/>
+              <a:t>TCP RST</a:t>
+            </a:r>
+            <a:endParaRPr kumimoji="1" lang="ko-KR" altLang="en-US" sz="1000" i="1"/>
+          </a:p>
+        </p:txBody>
+      </p:sp>
+      <p:cxnSp>
+        <p:nvCxnSpPr>
+          <p:cNvPr id="3" name="Straight Arrow Connector 81">
+            <a:extLst>
+              <a:ext uri="{FF2B5EF4-FFF2-40B4-BE49-F238E27FC236}">
+                <a16:creationId xmlns:a16="http://schemas.microsoft.com/office/drawing/2014/main" id="{7F1FACCB-BF9D-CEFF-3216-166A4F284CBA}"/>
+              </a:ext>
+            </a:extLst>
+          </p:cNvPr>
+          <p:cNvCxnSpPr>
+            <a:cxnSpLocks/>
+          </p:cNvCxnSpPr>
+          <p:nvPr/>
+        </p:nvCxnSpPr>
+        <p:spPr>
+          <a:xfrm>
+            <a:off x="2346071" y="1707654"/>
+            <a:ext cx="3960440" cy="0"/>
+          </a:xfrm>
+          <a:prstGeom prst="straightConnector1">
+            <a:avLst/>
+          </a:prstGeom>
+          <a:ln>
+            <a:solidFill>
+              <a:schemeClr val="tx1"/>
+            </a:solidFill>
+            <a:headEnd type="none" w="med" len="med"/>
+            <a:tailEnd type="triangle" w="med" len="med"/>
+          </a:ln>
+        </p:spPr>
+        <p:style>
+          <a:lnRef idx="1">
+            <a:schemeClr val="accent1"/>
+          </a:lnRef>
+          <a:fillRef idx="0">
+            <a:schemeClr val="accent1"/>
+          </a:fillRef>
+          <a:effectRef idx="0">
+            <a:schemeClr val="accent1"/>
+          </a:effectRef>
+          <a:fontRef idx="minor">
+            <a:schemeClr val="tx1"/>
+          </a:fontRef>
+        </p:style>
+      </p:cxnSp>
+      <p:sp>
+        <p:nvSpPr>
+          <p:cNvPr id="6" name="TextBox 5">
+            <a:extLst>
+              <a:ext uri="{FF2B5EF4-FFF2-40B4-BE49-F238E27FC236}">
+                <a16:creationId xmlns:a16="http://schemas.microsoft.com/office/drawing/2014/main" id="{33E18ABD-7A7A-1CF9-530F-DBA604B703DA}"/>
+              </a:ext>
+            </a:extLst>
+          </p:cNvPr>
+          <p:cNvSpPr txBox="1"/>
+          <p:nvPr/>
+        </p:nvSpPr>
+        <p:spPr>
+          <a:xfrm>
+            <a:off x="2928454" y="1707653"/>
+            <a:ext cx="2795674" cy="246221"/>
+          </a:xfrm>
+          <a:prstGeom prst="rect">
+            <a:avLst/>
+          </a:prstGeom>
+          <a:noFill/>
+        </p:spPr>
+        <p:txBody>
+          <a:bodyPr wrap="square" rtlCol="0">
+            <a:spAutoFit/>
+          </a:bodyPr>
+          <a:lstStyle/>
+          <a:p>
+            <a:r>
+              <a:rPr kumimoji="1" lang="en-US" altLang="ko-KR" sz="1000" i="1"/>
+              <a:t>TCP RST</a:t>
+            </a:r>
+            <a:endParaRPr kumimoji="1" lang="ko-KR" altLang="en-US" sz="1000" i="1"/>
+          </a:p>
+        </p:txBody>
+      </p:sp>
+      <p:sp>
+        <p:nvSpPr>
+          <p:cNvPr id="9" name="호 8">
+            <a:extLst>
+              <a:ext uri="{FF2B5EF4-FFF2-40B4-BE49-F238E27FC236}">
+                <a16:creationId xmlns:a16="http://schemas.microsoft.com/office/drawing/2014/main" id="{98D0E240-0273-A2AC-C50C-ED9A814C4DFB}"/>
+              </a:ext>
+            </a:extLst>
+          </p:cNvPr>
+          <p:cNvSpPr/>
+          <p:nvPr/>
+        </p:nvSpPr>
+        <p:spPr>
+          <a:xfrm>
+            <a:off x="6168328" y="1199085"/>
+            <a:ext cx="276365" cy="423019"/>
+          </a:xfrm>
+          <a:prstGeom prst="arc">
+            <a:avLst>
+              <a:gd name="adj1" fmla="val 16200000"/>
+              <a:gd name="adj2" fmla="val 5389298"/>
+            </a:avLst>
+          </a:prstGeom>
+          <a:ln>
+            <a:solidFill>
+              <a:schemeClr val="tx1"/>
+            </a:solidFill>
+            <a:headEnd type="none" w="med" len="med"/>
+            <a:tailEnd type="triangle" w="med" len="med"/>
+          </a:ln>
+        </p:spPr>
+        <p:style>
+          <a:lnRef idx="1">
+            <a:schemeClr val="accent1"/>
+          </a:lnRef>
+          <a:fillRef idx="0">
+            <a:schemeClr val="accent1"/>
+          </a:fillRef>
+          <a:effectRef idx="0">
+            <a:schemeClr val="accent1"/>
+          </a:effectRef>
+          <a:fontRef idx="minor">
+            <a:schemeClr val="tx1"/>
+          </a:fontRef>
+        </p:style>
+        <p:txBody>
+          <a:bodyPr rtlCol="0" anchor="ctr"/>
+          <a:lstStyle/>
+          <a:p>
+            <a:pPr algn="ctr"/>
+            <a:endParaRPr kumimoji="1" lang="ko-KR" altLang="en-US"/>
+          </a:p>
+        </p:txBody>
+      </p:sp>
+      <p:sp>
+        <p:nvSpPr>
+          <p:cNvPr id="10" name="TextBox 9">
+            <a:extLst>
+              <a:ext uri="{FF2B5EF4-FFF2-40B4-BE49-F238E27FC236}">
+                <a16:creationId xmlns:a16="http://schemas.microsoft.com/office/drawing/2014/main" id="{BDF432B1-B870-B44F-43D4-63BC2E1FC2E5}"/>
+              </a:ext>
+            </a:extLst>
+          </p:cNvPr>
+          <p:cNvSpPr txBox="1"/>
+          <p:nvPr/>
+        </p:nvSpPr>
+        <p:spPr>
+          <a:xfrm>
+            <a:off x="6337278" y="1287483"/>
+            <a:ext cx="689798" cy="246221"/>
+          </a:xfrm>
+          <a:prstGeom prst="rect">
+            <a:avLst/>
+          </a:prstGeom>
+          <a:noFill/>
+        </p:spPr>
+        <p:txBody>
+          <a:bodyPr wrap="square" rtlCol="0">
+            <a:spAutoFit/>
+          </a:bodyPr>
+          <a:lstStyle/>
+          <a:p>
+            <a:pPr algn="ctr"/>
+            <a:r>
+              <a:rPr kumimoji="1" lang="en-US" altLang="ko-KR" sz="1000" i="1"/>
+              <a:t>1000ms</a:t>
+            </a:r>
+            <a:endParaRPr kumimoji="1" lang="ko-KR" altLang="en-US" sz="1000" i="1"/>
+          </a:p>
+        </p:txBody>
+      </p:sp>
+    </p:spTree>
+    <p:extLst>
+      <p:ext uri="{BB962C8B-B14F-4D97-AF65-F5344CB8AC3E}">
+        <p14:creationId xmlns:p14="http://schemas.microsoft.com/office/powerpoint/2010/main" val="2069309105"/>
+      </p:ext>
+    </p:extLst>
+  </p:cSld>
+  <p:clrMapOvr>
+    <a:masterClrMapping/>
+  </p:clrMapOvr>
+</p:sld>
+</file>
+
+<file path=ppt/slides/slide16.xml><?xml version="1.0" encoding="utf-8"?>
+<p:sld xmlns:a="http://schemas.openxmlformats.org/drawingml/2006/main" xmlns:r="http://schemas.openxmlformats.org/officeDocument/2006/relationships" xmlns:p="http://schemas.openxmlformats.org/presentationml/2006/main">
+  <p:cSld>
+    <p:spTree>
+      <p:nvGrpSpPr>
         <p:cNvPr id="1" name=""/>
         <p:cNvGrpSpPr/>
         <p:nvPr/>
@@ -8873,7 +9948,7 @@
 </p:sld>
 </file>
 
-<file path=ppt/slides/slide15.xml><?xml version="1.0" encoding="utf-8"?>
+<file path=ppt/slides/slide17.xml><?xml version="1.0" encoding="utf-8"?>
 <p:sld xmlns:a="http://schemas.openxmlformats.org/drawingml/2006/main" xmlns:r="http://schemas.openxmlformats.org/officeDocument/2006/relationships" xmlns:p="http://schemas.openxmlformats.org/presentationml/2006/main">
   <p:cSld>
     <p:spTree>
@@ -10304,7 +11379,7 @@
 </p:sld>
 </file>
 
-<file path=ppt/slides/slide16.xml><?xml version="1.0" encoding="utf-8"?>
+<file path=ppt/slides/slide18.xml><?xml version="1.0" encoding="utf-8"?>
 <p:sld xmlns:a="http://schemas.openxmlformats.org/drawingml/2006/main" xmlns:r="http://schemas.openxmlformats.org/officeDocument/2006/relationships" xmlns:p="http://schemas.openxmlformats.org/presentationml/2006/main">
   <p:cSld>
     <p:spTree>
@@ -11612,7 +12687,7 @@
 </p:sld>
 </file>
 
-<file path=ppt/slides/slide17.xml><?xml version="1.0" encoding="utf-8"?>
+<file path=ppt/slides/slide19.xml><?xml version="1.0" encoding="utf-8"?>
 <p:sld xmlns:a="http://schemas.openxmlformats.org/drawingml/2006/main" xmlns:r="http://schemas.openxmlformats.org/officeDocument/2006/relationships" xmlns:p="http://schemas.openxmlformats.org/presentationml/2006/main">
   <p:cSld>
     <p:spTree>
@@ -12845,7 +13920,93 @@
 </p:sld>
 </file>
 
-<file path=ppt/slides/slide18.xml><?xml version="1.0" encoding="utf-8"?>
+<file path=ppt/slides/slide2.xml><?xml version="1.0" encoding="utf-8"?>
+<p:sld xmlns:a="http://schemas.openxmlformats.org/drawingml/2006/main" xmlns:r="http://schemas.openxmlformats.org/officeDocument/2006/relationships" xmlns:p="http://schemas.openxmlformats.org/presentationml/2006/main">
+  <p:cSld>
+    <p:spTree>
+      <p:nvGrpSpPr>
+        <p:cNvPr id="1" name="">
+          <a:extLst>
+            <a:ext uri="{FF2B5EF4-FFF2-40B4-BE49-F238E27FC236}">
+              <a16:creationId xmlns:a16="http://schemas.microsoft.com/office/drawing/2014/main" id="{B0FBCAE2-C219-280C-B18B-5792963E4478}"/>
+            </a:ext>
+          </a:extLst>
+        </p:cNvPr>
+        <p:cNvGrpSpPr/>
+        <p:nvPr/>
+      </p:nvGrpSpPr>
+      <p:grpSpPr>
+        <a:xfrm>
+          <a:off x="0" y="0"/>
+          <a:ext cx="0" cy="0"/>
+          <a:chOff x="0" y="0"/>
+          <a:chExt cx="0" cy="0"/>
+        </a:xfrm>
+      </p:grpSpPr>
+      <p:sp>
+        <p:nvSpPr>
+          <p:cNvPr id="2" name="제목 1">
+            <a:extLst>
+              <a:ext uri="{FF2B5EF4-FFF2-40B4-BE49-F238E27FC236}">
+                <a16:creationId xmlns:a16="http://schemas.microsoft.com/office/drawing/2014/main" id="{FF9826F6-CAD4-96B9-4D3A-235FC7CEE780}"/>
+              </a:ext>
+            </a:extLst>
+          </p:cNvPr>
+          <p:cNvSpPr>
+            <a:spLocks noGrp="1"/>
+          </p:cNvSpPr>
+          <p:nvPr>
+            <p:ph type="title"/>
+          </p:nvPr>
+        </p:nvSpPr>
+        <p:spPr/>
+        <p:txBody>
+          <a:bodyPr/>
+          <a:lstStyle/>
+          <a:p>
+            <a:endParaRPr lang="ko-KR" altLang="en-US"/>
+          </a:p>
+        </p:txBody>
+      </p:sp>
+      <p:sp>
+        <p:nvSpPr>
+          <p:cNvPr id="3" name="내용 개체 틀 2">
+            <a:extLst>
+              <a:ext uri="{FF2B5EF4-FFF2-40B4-BE49-F238E27FC236}">
+                <a16:creationId xmlns:a16="http://schemas.microsoft.com/office/drawing/2014/main" id="{11B2D437-E790-3E9B-BE82-EDE6EB743551}"/>
+              </a:ext>
+            </a:extLst>
+          </p:cNvPr>
+          <p:cNvSpPr>
+            <a:spLocks noGrp="1"/>
+          </p:cNvSpPr>
+          <p:nvPr>
+            <p:ph idx="1"/>
+          </p:nvPr>
+        </p:nvSpPr>
+        <p:spPr/>
+        <p:txBody>
+          <a:bodyPr/>
+          <a:lstStyle/>
+          <a:p>
+            <a:endParaRPr lang="ko-KR" altLang="en-US"/>
+          </a:p>
+        </p:txBody>
+      </p:sp>
+    </p:spTree>
+    <p:extLst>
+      <p:ext uri="{BB962C8B-B14F-4D97-AF65-F5344CB8AC3E}">
+        <p14:creationId xmlns:p14="http://schemas.microsoft.com/office/powerpoint/2010/main" val="3503086589"/>
+      </p:ext>
+    </p:extLst>
+  </p:cSld>
+  <p:clrMapOvr>
+    <a:masterClrMapping/>
+  </p:clrMapOvr>
+</p:sld>
+</file>
+
+<file path=ppt/slides/slide20.xml><?xml version="1.0" encoding="utf-8"?>
 <p:sld xmlns:a="http://schemas.openxmlformats.org/drawingml/2006/main" xmlns:r="http://schemas.openxmlformats.org/officeDocument/2006/relationships" xmlns:p="http://schemas.openxmlformats.org/presentationml/2006/main">
   <p:cSld>
     <p:spTree>
@@ -14204,7 +15365,7 @@
 </p:sld>
 </file>
 
-<file path=ppt/slides/slide19.xml><?xml version="1.0" encoding="utf-8"?>
+<file path=ppt/slides/slide21.xml><?xml version="1.0" encoding="utf-8"?>
 <p:sld xmlns:a="http://schemas.openxmlformats.org/drawingml/2006/main" xmlns:r="http://schemas.openxmlformats.org/officeDocument/2006/relationships" xmlns:p="http://schemas.openxmlformats.org/presentationml/2006/main">
   <p:cSld>
     <p:spTree>
@@ -15719,93 +16880,7 @@
 </p:sld>
 </file>
 
-<file path=ppt/slides/slide2.xml><?xml version="1.0" encoding="utf-8"?>
-<p:sld xmlns:a="http://schemas.openxmlformats.org/drawingml/2006/main" xmlns:r="http://schemas.openxmlformats.org/officeDocument/2006/relationships" xmlns:p="http://schemas.openxmlformats.org/presentationml/2006/main">
-  <p:cSld>
-    <p:spTree>
-      <p:nvGrpSpPr>
-        <p:cNvPr id="1" name="">
-          <a:extLst>
-            <a:ext uri="{FF2B5EF4-FFF2-40B4-BE49-F238E27FC236}">
-              <a16:creationId xmlns:a16="http://schemas.microsoft.com/office/drawing/2014/main" id="{B0FBCAE2-C219-280C-B18B-5792963E4478}"/>
-            </a:ext>
-          </a:extLst>
-        </p:cNvPr>
-        <p:cNvGrpSpPr/>
-        <p:nvPr/>
-      </p:nvGrpSpPr>
-      <p:grpSpPr>
-        <a:xfrm>
-          <a:off x="0" y="0"/>
-          <a:ext cx="0" cy="0"/>
-          <a:chOff x="0" y="0"/>
-          <a:chExt cx="0" cy="0"/>
-        </a:xfrm>
-      </p:grpSpPr>
-      <p:sp>
-        <p:nvSpPr>
-          <p:cNvPr id="2" name="제목 1">
-            <a:extLst>
-              <a:ext uri="{FF2B5EF4-FFF2-40B4-BE49-F238E27FC236}">
-                <a16:creationId xmlns:a16="http://schemas.microsoft.com/office/drawing/2014/main" id="{FF9826F6-CAD4-96B9-4D3A-235FC7CEE780}"/>
-              </a:ext>
-            </a:extLst>
-          </p:cNvPr>
-          <p:cNvSpPr>
-            <a:spLocks noGrp="1"/>
-          </p:cNvSpPr>
-          <p:nvPr>
-            <p:ph type="title"/>
-          </p:nvPr>
-        </p:nvSpPr>
-        <p:spPr/>
-        <p:txBody>
-          <a:bodyPr/>
-          <a:lstStyle/>
-          <a:p>
-            <a:endParaRPr lang="ko-KR" altLang="en-US"/>
-          </a:p>
-        </p:txBody>
-      </p:sp>
-      <p:sp>
-        <p:nvSpPr>
-          <p:cNvPr id="3" name="내용 개체 틀 2">
-            <a:extLst>
-              <a:ext uri="{FF2B5EF4-FFF2-40B4-BE49-F238E27FC236}">
-                <a16:creationId xmlns:a16="http://schemas.microsoft.com/office/drawing/2014/main" id="{11B2D437-E790-3E9B-BE82-EDE6EB743551}"/>
-              </a:ext>
-            </a:extLst>
-          </p:cNvPr>
-          <p:cNvSpPr>
-            <a:spLocks noGrp="1"/>
-          </p:cNvSpPr>
-          <p:nvPr>
-            <p:ph idx="1"/>
-          </p:nvPr>
-        </p:nvSpPr>
-        <p:spPr/>
-        <p:txBody>
-          <a:bodyPr/>
-          <a:lstStyle/>
-          <a:p>
-            <a:endParaRPr lang="ko-KR" altLang="en-US"/>
-          </a:p>
-        </p:txBody>
-      </p:sp>
-    </p:spTree>
-    <p:extLst>
-      <p:ext uri="{BB962C8B-B14F-4D97-AF65-F5344CB8AC3E}">
-        <p14:creationId xmlns:p14="http://schemas.microsoft.com/office/powerpoint/2010/main" val="3503086589"/>
-      </p:ext>
-    </p:extLst>
-  </p:cSld>
-  <p:clrMapOvr>
-    <a:masterClrMapping/>
-  </p:clrMapOvr>
-</p:sld>
-</file>
-
-<file path=ppt/slides/slide20.xml><?xml version="1.0" encoding="utf-8"?>
+<file path=ppt/slides/slide22.xml><?xml version="1.0" encoding="utf-8"?>
 <p:sld xmlns:a="http://schemas.openxmlformats.org/drawingml/2006/main" xmlns:r="http://schemas.openxmlformats.org/officeDocument/2006/relationships" xmlns:p="http://schemas.openxmlformats.org/presentationml/2006/main">
   <p:cSld>
     <p:spTree>
@@ -18359,88 +19434,6 @@
           </a:p>
         </p:txBody>
       </p:sp>
-      <p:cxnSp>
-        <p:nvCxnSpPr>
-          <p:cNvPr id="3" name="Straight Arrow Connector 81">
-            <a:extLst>
-              <a:ext uri="{FF2B5EF4-FFF2-40B4-BE49-F238E27FC236}">
-                <a16:creationId xmlns:a16="http://schemas.microsoft.com/office/drawing/2014/main" id="{33967945-664B-9F49-A3A5-BDE002203EF9}"/>
-              </a:ext>
-            </a:extLst>
-          </p:cNvPr>
-          <p:cNvCxnSpPr>
-            <a:cxnSpLocks/>
-          </p:cNvCxnSpPr>
-          <p:nvPr/>
-        </p:nvCxnSpPr>
-        <p:spPr>
-          <a:xfrm>
-            <a:off x="2346071" y="1707654"/>
-            <a:ext cx="3960440" cy="0"/>
-          </a:xfrm>
-          <a:prstGeom prst="straightConnector1">
-            <a:avLst/>
-          </a:prstGeom>
-          <a:ln>
-            <a:solidFill>
-              <a:schemeClr val="tx1"/>
-            </a:solidFill>
-            <a:headEnd type="triangle" w="med" len="med"/>
-            <a:tailEnd type="none" w="med" len="med"/>
-          </a:ln>
-        </p:spPr>
-        <p:style>
-          <a:lnRef idx="1">
-            <a:schemeClr val="accent1"/>
-          </a:lnRef>
-          <a:fillRef idx="0">
-            <a:schemeClr val="accent1"/>
-          </a:fillRef>
-          <a:effectRef idx="0">
-            <a:schemeClr val="accent1"/>
-          </a:effectRef>
-          <a:fontRef idx="minor">
-            <a:schemeClr val="tx1"/>
-          </a:fontRef>
-        </p:style>
-      </p:cxnSp>
-      <p:sp>
-        <p:nvSpPr>
-          <p:cNvPr id="6" name="TextBox 5">
-            <a:extLst>
-              <a:ext uri="{FF2B5EF4-FFF2-40B4-BE49-F238E27FC236}">
-                <a16:creationId xmlns:a16="http://schemas.microsoft.com/office/drawing/2014/main" id="{155F8583-A68B-97BE-F126-26F9434B5AA6}"/>
-              </a:ext>
-            </a:extLst>
-          </p:cNvPr>
-          <p:cNvSpPr txBox="1"/>
-          <p:nvPr/>
-        </p:nvSpPr>
-        <p:spPr>
-          <a:xfrm>
-            <a:off x="2928454" y="1707653"/>
-            <a:ext cx="2795674" cy="246221"/>
-          </a:xfrm>
-          <a:prstGeom prst="rect">
-            <a:avLst/>
-          </a:prstGeom>
-          <a:noFill/>
-        </p:spPr>
-        <p:txBody>
-          <a:bodyPr wrap="square" rtlCol="0">
-            <a:spAutoFit/>
-          </a:bodyPr>
-          <a:lstStyle/>
-          <a:p>
-            <a:pPr algn="r"/>
-            <a:r>
-              <a:rPr kumimoji="1" lang="en-US" altLang="ko-KR" sz="1000" i="1"/>
-              <a:t>TCP RST</a:t>
-            </a:r>
-            <a:endParaRPr kumimoji="1" lang="ko-KR" altLang="en-US" sz="1000" i="1"/>
-          </a:p>
-        </p:txBody>
-      </p:sp>
     </p:spTree>
     <p:extLst>
       <p:ext uri="{BB962C8B-B14F-4D97-AF65-F5344CB8AC3E}">
@@ -18843,87 +19836,6 @@
           <a:lstStyle/>
           <a:p>
             <a:pPr algn="r"/>
-            <a:r>
-              <a:rPr kumimoji="1" lang="en-US" altLang="ko-KR" sz="1000" i="1"/>
-              <a:t>TCP RST</a:t>
-            </a:r>
-            <a:endParaRPr kumimoji="1" lang="ko-KR" altLang="en-US" sz="1000" i="1"/>
-          </a:p>
-        </p:txBody>
-      </p:sp>
-      <p:cxnSp>
-        <p:nvCxnSpPr>
-          <p:cNvPr id="3" name="Straight Arrow Connector 81">
-            <a:extLst>
-              <a:ext uri="{FF2B5EF4-FFF2-40B4-BE49-F238E27FC236}">
-                <a16:creationId xmlns:a16="http://schemas.microsoft.com/office/drawing/2014/main" id="{DBB7EFCA-CE30-36A5-9104-75447735AD13}"/>
-              </a:ext>
-            </a:extLst>
-          </p:cNvPr>
-          <p:cNvCxnSpPr>
-            <a:cxnSpLocks/>
-          </p:cNvCxnSpPr>
-          <p:nvPr/>
-        </p:nvCxnSpPr>
-        <p:spPr>
-          <a:xfrm>
-            <a:off x="2346071" y="1707654"/>
-            <a:ext cx="3960440" cy="0"/>
-          </a:xfrm>
-          <a:prstGeom prst="straightConnector1">
-            <a:avLst/>
-          </a:prstGeom>
-          <a:ln>
-            <a:solidFill>
-              <a:schemeClr val="tx1"/>
-            </a:solidFill>
-            <a:headEnd type="none" w="med" len="med"/>
-            <a:tailEnd type="triangle" w="med" len="med"/>
-          </a:ln>
-        </p:spPr>
-        <p:style>
-          <a:lnRef idx="1">
-            <a:schemeClr val="accent1"/>
-          </a:lnRef>
-          <a:fillRef idx="0">
-            <a:schemeClr val="accent1"/>
-          </a:fillRef>
-          <a:effectRef idx="0">
-            <a:schemeClr val="accent1"/>
-          </a:effectRef>
-          <a:fontRef idx="minor">
-            <a:schemeClr val="tx1"/>
-          </a:fontRef>
-        </p:style>
-      </p:cxnSp>
-      <p:sp>
-        <p:nvSpPr>
-          <p:cNvPr id="6" name="TextBox 5">
-            <a:extLst>
-              <a:ext uri="{FF2B5EF4-FFF2-40B4-BE49-F238E27FC236}">
-                <a16:creationId xmlns:a16="http://schemas.microsoft.com/office/drawing/2014/main" id="{31BB12D4-66D9-A230-722C-23B4E5BC8209}"/>
-              </a:ext>
-            </a:extLst>
-          </p:cNvPr>
-          <p:cNvSpPr txBox="1"/>
-          <p:nvPr/>
-        </p:nvSpPr>
-        <p:spPr>
-          <a:xfrm>
-            <a:off x="2928454" y="1707653"/>
-            <a:ext cx="2795674" cy="246221"/>
-          </a:xfrm>
-          <a:prstGeom prst="rect">
-            <a:avLst/>
-          </a:prstGeom>
-          <a:noFill/>
-        </p:spPr>
-        <p:txBody>
-          <a:bodyPr wrap="square" rtlCol="0">
-            <a:spAutoFit/>
-          </a:bodyPr>
-          <a:lstStyle/>
-          <a:p>
             <a:r>
               <a:rPr kumimoji="1" lang="en-US" altLang="ko-KR" sz="1000" i="1"/>
               <a:t>TCP RST</a:t>

--- a/content/docs/theory-analysis/istio-sidecar-proxy-access-log/images/images.pptx
+++ b/content/docs/theory-analysis/istio-sidecar-proxy-access-log/images/images.pptx
@@ -5,26 +5,27 @@
     <p:sldMasterId id="2147483648" r:id="rId1"/>
   </p:sldMasterIdLst>
   <p:notesMasterIdLst>
-    <p:notesMasterId r:id="rId19"/>
+    <p:notesMasterId r:id="rId20"/>
   </p:notesMasterIdLst>
   <p:sldIdLst>
-    <p:sldId id="414" r:id="rId2"/>
+    <p:sldId id="398" r:id="rId2"/>
     <p:sldId id="413" r:id="rId3"/>
-    <p:sldId id="398" r:id="rId4"/>
-    <p:sldId id="403" r:id="rId5"/>
-    <p:sldId id="399" r:id="rId6"/>
-    <p:sldId id="400" r:id="rId7"/>
-    <p:sldId id="401" r:id="rId8"/>
-    <p:sldId id="402" r:id="rId9"/>
-    <p:sldId id="404" r:id="rId10"/>
-    <p:sldId id="405" r:id="rId11"/>
-    <p:sldId id="408" r:id="rId12"/>
-    <p:sldId id="407" r:id="rId13"/>
-    <p:sldId id="409" r:id="rId14"/>
-    <p:sldId id="410" r:id="rId15"/>
-    <p:sldId id="387" r:id="rId16"/>
-    <p:sldId id="411" r:id="rId17"/>
-    <p:sldId id="412" r:id="rId18"/>
+    <p:sldId id="414" r:id="rId4"/>
+    <p:sldId id="415" r:id="rId5"/>
+    <p:sldId id="403" r:id="rId6"/>
+    <p:sldId id="399" r:id="rId7"/>
+    <p:sldId id="400" r:id="rId8"/>
+    <p:sldId id="401" r:id="rId9"/>
+    <p:sldId id="402" r:id="rId10"/>
+    <p:sldId id="404" r:id="rId11"/>
+    <p:sldId id="405" r:id="rId12"/>
+    <p:sldId id="408" r:id="rId13"/>
+    <p:sldId id="407" r:id="rId14"/>
+    <p:sldId id="409" r:id="rId15"/>
+    <p:sldId id="410" r:id="rId16"/>
+    <p:sldId id="387" r:id="rId17"/>
+    <p:sldId id="411" r:id="rId18"/>
+    <p:sldId id="412" r:id="rId19"/>
   </p:sldIdLst>
   <p:sldSz cx="9144000" cy="5143500" type="screen16x9"/>
   <p:notesSz cx="6858000" cy="9144000"/>
@@ -3406,7 +3407,7 @@
         <p:cNvPr id="1" name="">
           <a:extLst>
             <a:ext uri="{FF2B5EF4-FFF2-40B4-BE49-F238E27FC236}">
-              <a16:creationId xmlns:a16="http://schemas.microsoft.com/office/drawing/2014/main" id="{B201D244-26D7-6140-60E1-E03A5F2D9C57}"/>
+              <a16:creationId xmlns:a16="http://schemas.microsoft.com/office/drawing/2014/main" id="{2FFB719D-B266-16CC-C562-6996970E1A1C}"/>
             </a:ext>
           </a:extLst>
         </p:cNvPr>
@@ -3421,124 +3422,12 @@
           <a:chExt cx="0" cy="0"/>
         </a:xfrm>
       </p:grpSpPr>
-      <p:sp>
-        <p:nvSpPr>
-          <p:cNvPr id="6" name="사각형: 둥근 모서리 29">
-            <a:extLst>
-              <a:ext uri="{FF2B5EF4-FFF2-40B4-BE49-F238E27FC236}">
-                <a16:creationId xmlns:a16="http://schemas.microsoft.com/office/drawing/2014/main" id="{E7C860AB-99C2-5548-B211-1C5713672C6C}"/>
-              </a:ext>
-            </a:extLst>
-          </p:cNvPr>
-          <p:cNvSpPr/>
-          <p:nvPr/>
-        </p:nvSpPr>
-        <p:spPr>
-          <a:xfrm>
-            <a:off x="179512" y="1938094"/>
-            <a:ext cx="2551069" cy="1267312"/>
-          </a:xfrm>
-          <a:prstGeom prst="roundRect">
-            <a:avLst>
-              <a:gd name="adj" fmla="val 6027"/>
-            </a:avLst>
-          </a:prstGeom>
-          <a:ln w="12700"/>
-        </p:spPr>
-        <p:style>
-          <a:lnRef idx="2">
-            <a:schemeClr val="dk1"/>
-          </a:lnRef>
-          <a:fillRef idx="1">
-            <a:schemeClr val="lt1"/>
-          </a:fillRef>
-          <a:effectRef idx="0">
-            <a:schemeClr val="dk1"/>
-          </a:effectRef>
-          <a:fontRef idx="minor">
-            <a:schemeClr val="dk1"/>
-          </a:fontRef>
-        </p:style>
-        <p:txBody>
-          <a:bodyPr rtlCol="0" anchor="b"/>
-          <a:lstStyle/>
-          <a:p>
-            <a:pPr algn="ctr"/>
-            <a:r>
-              <a:rPr lang="en-US" altLang="ko-KR" sz="1000" b="1"/>
-              <a:t> </a:t>
-            </a:r>
-          </a:p>
-          <a:p>
-            <a:pPr algn="ctr"/>
-            <a:r>
-              <a:rPr lang="en-US" altLang="ko-KR" sz="1000"/>
-              <a:t>Worker Node</a:t>
-            </a:r>
-            <a:endParaRPr lang="ko-KR" altLang="en-US" sz="1000"/>
-          </a:p>
-        </p:txBody>
-      </p:sp>
-      <p:sp>
-        <p:nvSpPr>
-          <p:cNvPr id="4" name="사각형: 둥근 모서리 29">
-            <a:extLst>
-              <a:ext uri="{FF2B5EF4-FFF2-40B4-BE49-F238E27FC236}">
-                <a16:creationId xmlns:a16="http://schemas.microsoft.com/office/drawing/2014/main" id="{9C3DFF99-F482-A5A6-19D9-6DEAAF1C93D6}"/>
-              </a:ext>
-            </a:extLst>
-          </p:cNvPr>
-          <p:cNvSpPr/>
-          <p:nvPr/>
-        </p:nvSpPr>
-        <p:spPr>
-          <a:xfrm>
-            <a:off x="270021" y="2037546"/>
-            <a:ext cx="2372526" cy="888200"/>
-          </a:xfrm>
-          <a:prstGeom prst="roundRect">
-            <a:avLst>
-              <a:gd name="adj" fmla="val 10124"/>
-            </a:avLst>
-          </a:prstGeom>
-          <a:ln w="12700"/>
-        </p:spPr>
-        <p:style>
-          <a:lnRef idx="2">
-            <a:schemeClr val="dk1"/>
-          </a:lnRef>
-          <a:fillRef idx="1">
-            <a:schemeClr val="lt1"/>
-          </a:fillRef>
-          <a:effectRef idx="0">
-            <a:schemeClr val="dk1"/>
-          </a:effectRef>
-          <a:fontRef idx="minor">
-            <a:schemeClr val="dk1"/>
-          </a:fontRef>
-        </p:style>
-        <p:txBody>
-          <a:bodyPr rtlCol="0" anchor="b"/>
-          <a:lstStyle/>
-          <a:p>
-            <a:pPr algn="ctr"/>
-            <a:r>
-              <a:rPr lang="en-US" altLang="ko-KR" sz="1000" b="1"/>
-              <a:t>shell </a:t>
-            </a:r>
-            <a:r>
-              <a:rPr lang="en-US" altLang="ko-KR" sz="1000"/>
-              <a:t>Pod</a:t>
-            </a:r>
-          </a:p>
-        </p:txBody>
-      </p:sp>
       <p:cxnSp>
         <p:nvCxnSpPr>
           <p:cNvPr id="8" name="Straight Arrow Connector 81">
             <a:extLst>
               <a:ext uri="{FF2B5EF4-FFF2-40B4-BE49-F238E27FC236}">
-                <a16:creationId xmlns:a16="http://schemas.microsoft.com/office/drawing/2014/main" id="{394A9B85-E0CB-C3E2-FE6B-313FDB0F8276}"/>
+                <a16:creationId xmlns:a16="http://schemas.microsoft.com/office/drawing/2014/main" id="{E5905F3A-7036-4CDE-4198-9FB6D36A9AAF}"/>
               </a:ext>
             </a:extLst>
           </p:cNvPr>
@@ -3551,7 +3440,7 @@
         </p:nvCxnSpPr>
         <p:spPr>
           <a:xfrm>
-            <a:off x="3689931" y="2043387"/>
+            <a:off x="4450617" y="2062537"/>
             <a:ext cx="0" cy="173250"/>
           </a:xfrm>
           <a:prstGeom prst="straightConnector1">
@@ -3584,7 +3473,7 @@
           <p:cNvPr id="2" name="사각형: 둥근 모서리 29">
             <a:extLst>
               <a:ext uri="{FF2B5EF4-FFF2-40B4-BE49-F238E27FC236}">
-                <a16:creationId xmlns:a16="http://schemas.microsoft.com/office/drawing/2014/main" id="{E83EA57A-E1C7-74DD-D938-77886DEE88B0}"/>
+                <a16:creationId xmlns:a16="http://schemas.microsoft.com/office/drawing/2014/main" id="{85641599-95DD-45BF-D4F4-3A50F04D2562}"/>
               </a:ext>
             </a:extLst>
           </p:cNvPr>
@@ -3593,8 +3482,8 @@
         </p:nvSpPr>
         <p:spPr>
           <a:xfrm>
-            <a:off x="3027276" y="2923215"/>
-            <a:ext cx="1325312" cy="525929"/>
+            <a:off x="3811614" y="2942365"/>
+            <a:ext cx="1278007" cy="525929"/>
           </a:xfrm>
           <a:prstGeom prst="roundRect">
             <a:avLst>
@@ -3626,7 +3515,7 @@
             <a:pPr algn="ctr"/>
             <a:r>
               <a:rPr lang="en-US" altLang="ko-KR" sz="1000" b="1"/>
-              <a:t>mock-server-http</a:t>
+              <a:t>mock-server</a:t>
             </a:r>
             <a:r>
               <a:rPr lang="en-US" altLang="ko-KR" sz="1000"/>
@@ -3648,7 +3537,7 @@
           <p:cNvPr id="3" name="사각형: 둥근 모서리 29">
             <a:extLst>
               <a:ext uri="{FF2B5EF4-FFF2-40B4-BE49-F238E27FC236}">
-                <a16:creationId xmlns:a16="http://schemas.microsoft.com/office/drawing/2014/main" id="{B158FBE7-8CF1-D522-A286-8D7DED3F9319}"/>
+                <a16:creationId xmlns:a16="http://schemas.microsoft.com/office/drawing/2014/main" id="{726E044F-1A65-8804-CFC2-46BCCA04155E}"/>
               </a:ext>
             </a:extLst>
           </p:cNvPr>
@@ -3657,8 +3546,8 @@
         </p:nvSpPr>
         <p:spPr>
           <a:xfrm>
-            <a:off x="3027275" y="2216637"/>
-            <a:ext cx="1325312" cy="525929"/>
+            <a:off x="3811613" y="2235787"/>
+            <a:ext cx="1278007" cy="525929"/>
           </a:xfrm>
           <a:prstGeom prst="roundRect">
             <a:avLst>
@@ -3690,7 +3579,7 @@
             <a:pPr algn="ctr"/>
             <a:r>
               <a:rPr lang="en-US" altLang="ko-KR" sz="1000" b="1"/>
-              <a:t>mock-server-http</a:t>
+              <a:t>mock-server</a:t>
             </a:r>
           </a:p>
           <a:p>
@@ -3708,7 +3597,7 @@
           <p:cNvPr id="9" name="사각형: 둥근 모서리 29">
             <a:extLst>
               <a:ext uri="{FF2B5EF4-FFF2-40B4-BE49-F238E27FC236}">
-                <a16:creationId xmlns:a16="http://schemas.microsoft.com/office/drawing/2014/main" id="{2FB41AAC-29ED-C86A-F5FE-80C636EE48C3}"/>
+                <a16:creationId xmlns:a16="http://schemas.microsoft.com/office/drawing/2014/main" id="{6A93278C-E31C-E585-CF63-674AB91E87C7}"/>
               </a:ext>
             </a:extLst>
           </p:cNvPr>
@@ -3717,8 +3606,8 @@
         </p:nvSpPr>
         <p:spPr>
           <a:xfrm>
-            <a:off x="3027275" y="1517458"/>
-            <a:ext cx="1325312" cy="525929"/>
+            <a:off x="3811613" y="1536608"/>
+            <a:ext cx="1278007" cy="525929"/>
           </a:xfrm>
           <a:prstGeom prst="roundRect">
             <a:avLst>
@@ -3750,7 +3639,7 @@
             <a:pPr algn="ctr"/>
             <a:r>
               <a:rPr lang="en-US" altLang="ko-KR" sz="1000" b="1"/>
-              <a:t>mock-server-http</a:t>
+              <a:t>mock-server</a:t>
             </a:r>
           </a:p>
           <a:p>
@@ -3765,28 +3654,618 @@
       </p:sp>
       <p:cxnSp>
         <p:nvCxnSpPr>
-          <p:cNvPr id="11" name="Elbow Connector 80">
-            <a:extLst>
-              <a:ext uri="{FF2B5EF4-FFF2-40B4-BE49-F238E27FC236}">
-                <a16:creationId xmlns:a16="http://schemas.microsoft.com/office/drawing/2014/main" id="{3AD24A9F-6640-EF23-87A5-D85494C3E613}"/>
+          <p:cNvPr id="18" name="Straight Arrow Connector 81">
+            <a:extLst>
+              <a:ext uri="{FF2B5EF4-FFF2-40B4-BE49-F238E27FC236}">
+                <a16:creationId xmlns:a16="http://schemas.microsoft.com/office/drawing/2014/main" id="{47222323-B67F-18C2-875C-D82748BDCA42}"/>
               </a:ext>
             </a:extLst>
           </p:cNvPr>
           <p:cNvCxnSpPr>
             <a:cxnSpLocks/>
-            <a:stCxn id="75" idx="0"/>
+            <a:stCxn id="3" idx="2"/>
+            <a:endCxn id="2" idx="0"/>
+          </p:cNvCxnSpPr>
+          <p:nvPr/>
+        </p:nvCxnSpPr>
+        <p:spPr>
+          <a:xfrm>
+            <a:off x="4450617" y="2761716"/>
+            <a:ext cx="1" cy="180649"/>
+          </a:xfrm>
+          <a:prstGeom prst="straightConnector1">
+            <a:avLst/>
+          </a:prstGeom>
+          <a:ln>
+            <a:solidFill>
+              <a:schemeClr val="tx1"/>
+            </a:solidFill>
+            <a:tailEnd type="triangle"/>
+          </a:ln>
+        </p:spPr>
+        <p:style>
+          <a:lnRef idx="1">
+            <a:schemeClr val="accent1"/>
+          </a:lnRef>
+          <a:fillRef idx="0">
+            <a:schemeClr val="accent1"/>
+          </a:fillRef>
+          <a:effectRef idx="0">
+            <a:schemeClr val="accent1"/>
+          </a:effectRef>
+          <a:fontRef idx="minor">
+            <a:schemeClr val="tx1"/>
+          </a:fontRef>
+        </p:style>
+      </p:cxnSp>
+      <p:sp>
+        <p:nvSpPr>
+          <p:cNvPr id="26" name="사각형: 둥근 모서리 29">
+            <a:extLst>
+              <a:ext uri="{FF2B5EF4-FFF2-40B4-BE49-F238E27FC236}">
+                <a16:creationId xmlns:a16="http://schemas.microsoft.com/office/drawing/2014/main" id="{0BF34E4E-D819-D227-3EB9-B02A8298008D}"/>
+              </a:ext>
+            </a:extLst>
+          </p:cNvPr>
+          <p:cNvSpPr/>
+          <p:nvPr/>
+        </p:nvSpPr>
+        <p:spPr>
+          <a:xfrm>
+            <a:off x="899592" y="1851670"/>
+            <a:ext cx="2551069" cy="1267312"/>
+          </a:xfrm>
+          <a:prstGeom prst="roundRect">
+            <a:avLst>
+              <a:gd name="adj" fmla="val 6027"/>
+            </a:avLst>
+          </a:prstGeom>
+          <a:ln w="12700"/>
+        </p:spPr>
+        <p:style>
+          <a:lnRef idx="2">
+            <a:schemeClr val="dk1"/>
+          </a:lnRef>
+          <a:fillRef idx="1">
+            <a:schemeClr val="lt1"/>
+          </a:fillRef>
+          <a:effectRef idx="0">
+            <a:schemeClr val="dk1"/>
+          </a:effectRef>
+          <a:fontRef idx="minor">
+            <a:schemeClr val="dk1"/>
+          </a:fontRef>
+        </p:style>
+        <p:txBody>
+          <a:bodyPr rtlCol="0" anchor="b"/>
+          <a:lstStyle/>
+          <a:p>
+            <a:pPr algn="ctr"/>
+            <a:r>
+              <a:rPr lang="en-US" altLang="ko-KR" sz="1000" b="1"/>
+              <a:t> </a:t>
+            </a:r>
+          </a:p>
+          <a:p>
+            <a:pPr algn="ctr"/>
+            <a:r>
+              <a:rPr lang="en-US" altLang="ko-KR" sz="1000"/>
+              <a:t>Worker Node</a:t>
+            </a:r>
+            <a:endParaRPr lang="ko-KR" altLang="en-US" sz="1000"/>
+          </a:p>
+        </p:txBody>
+      </p:sp>
+      <p:sp>
+        <p:nvSpPr>
+          <p:cNvPr id="27" name="사각형: 둥근 모서리 29">
+            <a:extLst>
+              <a:ext uri="{FF2B5EF4-FFF2-40B4-BE49-F238E27FC236}">
+                <a16:creationId xmlns:a16="http://schemas.microsoft.com/office/drawing/2014/main" id="{E097F662-9C91-B3D9-B15F-F660A0526DEF}"/>
+              </a:ext>
+            </a:extLst>
+          </p:cNvPr>
+          <p:cNvSpPr/>
+          <p:nvPr/>
+        </p:nvSpPr>
+        <p:spPr>
+          <a:xfrm>
+            <a:off x="990101" y="1951122"/>
+            <a:ext cx="2372526" cy="888200"/>
+          </a:xfrm>
+          <a:prstGeom prst="roundRect">
+            <a:avLst>
+              <a:gd name="adj" fmla="val 10124"/>
+            </a:avLst>
+          </a:prstGeom>
+          <a:ln w="12700"/>
+        </p:spPr>
+        <p:style>
+          <a:lnRef idx="2">
+            <a:schemeClr val="dk1"/>
+          </a:lnRef>
+          <a:fillRef idx="1">
+            <a:schemeClr val="lt1"/>
+          </a:fillRef>
+          <a:effectRef idx="0">
+            <a:schemeClr val="dk1"/>
+          </a:effectRef>
+          <a:fontRef idx="minor">
+            <a:schemeClr val="dk1"/>
+          </a:fontRef>
+        </p:style>
+        <p:txBody>
+          <a:bodyPr rtlCol="0" anchor="b"/>
+          <a:lstStyle/>
+          <a:p>
+            <a:pPr algn="ctr"/>
+            <a:r>
+              <a:rPr lang="en-US" altLang="ko-KR" sz="1000" b="1"/>
+              <a:t>shell </a:t>
+            </a:r>
+            <a:r>
+              <a:rPr lang="en-US" altLang="ko-KR" sz="1000"/>
+              <a:t>Pod</a:t>
+            </a:r>
+          </a:p>
+        </p:txBody>
+      </p:sp>
+      <p:sp>
+        <p:nvSpPr>
+          <p:cNvPr id="28" name="사각형: 둥근 모서리 29">
+            <a:extLst>
+              <a:ext uri="{FF2B5EF4-FFF2-40B4-BE49-F238E27FC236}">
+                <a16:creationId xmlns:a16="http://schemas.microsoft.com/office/drawing/2014/main" id="{C6C9454E-4573-AF98-DEF0-375D7AED75F1}"/>
+              </a:ext>
+            </a:extLst>
+          </p:cNvPr>
+          <p:cNvSpPr/>
+          <p:nvPr/>
+        </p:nvSpPr>
+        <p:spPr>
+          <a:xfrm>
+            <a:off x="2377097" y="2045930"/>
+            <a:ext cx="891282" cy="439396"/>
+          </a:xfrm>
+          <a:prstGeom prst="roundRect">
+            <a:avLst>
+              <a:gd name="adj" fmla="val 14520"/>
+            </a:avLst>
+          </a:prstGeom>
+          <a:ln w="12700"/>
+        </p:spPr>
+        <p:style>
+          <a:lnRef idx="2">
+            <a:schemeClr val="dk1"/>
+          </a:lnRef>
+          <a:fillRef idx="1">
+            <a:schemeClr val="lt1"/>
+          </a:fillRef>
+          <a:effectRef idx="0">
+            <a:schemeClr val="dk1"/>
+          </a:effectRef>
+          <a:fontRef idx="minor">
+            <a:schemeClr val="dk1"/>
+          </a:fontRef>
+        </p:style>
+        <p:txBody>
+          <a:bodyPr rtlCol="0" anchor="ctr"/>
+          <a:lstStyle/>
+          <a:p>
+            <a:pPr algn="ctr"/>
+            <a:r>
+              <a:rPr lang="en-US" altLang="ko-KR" sz="1000" b="1"/>
+              <a:t>istio-proxy</a:t>
+            </a:r>
+          </a:p>
+          <a:p>
+            <a:pPr algn="ctr"/>
+            <a:r>
+              <a:rPr lang="en-US" altLang="ko-KR" sz="1000"/>
+              <a:t>Container</a:t>
+            </a:r>
+          </a:p>
+        </p:txBody>
+      </p:sp>
+      <p:sp>
+        <p:nvSpPr>
+          <p:cNvPr id="29" name="사각형: 둥근 모서리 29">
+            <a:extLst>
+              <a:ext uri="{FF2B5EF4-FFF2-40B4-BE49-F238E27FC236}">
+                <a16:creationId xmlns:a16="http://schemas.microsoft.com/office/drawing/2014/main" id="{7BCD3A1A-69FC-D273-70A9-D694743F2497}"/>
+              </a:ext>
+            </a:extLst>
+          </p:cNvPr>
+          <p:cNvSpPr/>
+          <p:nvPr/>
+        </p:nvSpPr>
+        <p:spPr>
+          <a:xfrm>
+            <a:off x="1087860" y="2045930"/>
+            <a:ext cx="989457" cy="439396"/>
+          </a:xfrm>
+          <a:prstGeom prst="roundRect">
+            <a:avLst>
+              <a:gd name="adj" fmla="val 14520"/>
+            </a:avLst>
+          </a:prstGeom>
+          <a:ln w="12700"/>
+        </p:spPr>
+        <p:style>
+          <a:lnRef idx="2">
+            <a:schemeClr val="dk1"/>
+          </a:lnRef>
+          <a:fillRef idx="1">
+            <a:schemeClr val="lt1"/>
+          </a:fillRef>
+          <a:effectRef idx="0">
+            <a:schemeClr val="dk1"/>
+          </a:effectRef>
+          <a:fontRef idx="minor">
+            <a:schemeClr val="dk1"/>
+          </a:fontRef>
+        </p:style>
+        <p:txBody>
+          <a:bodyPr rtlCol="0" anchor="ctr"/>
+          <a:lstStyle/>
+          <a:p>
+            <a:pPr algn="ctr"/>
+            <a:r>
+              <a:rPr lang="en-US" altLang="ko-KR" sz="1000" b="1"/>
+              <a:t>shell</a:t>
+            </a:r>
+          </a:p>
+          <a:p>
+            <a:pPr algn="ctr"/>
+            <a:r>
+              <a:rPr lang="en-US" altLang="ko-KR" sz="1000"/>
+              <a:t>Container</a:t>
+            </a:r>
+          </a:p>
+        </p:txBody>
+      </p:sp>
+      <p:cxnSp>
+        <p:nvCxnSpPr>
+          <p:cNvPr id="30" name="Straight Arrow Connector 81">
+            <a:extLst>
+              <a:ext uri="{FF2B5EF4-FFF2-40B4-BE49-F238E27FC236}">
+                <a16:creationId xmlns:a16="http://schemas.microsoft.com/office/drawing/2014/main" id="{AFA355D9-47D5-662F-1A7B-8C2D92C053B5}"/>
+              </a:ext>
+            </a:extLst>
+          </p:cNvPr>
+          <p:cNvCxnSpPr>
+            <a:cxnSpLocks/>
+            <a:stCxn id="29" idx="3"/>
+            <a:endCxn id="28" idx="1"/>
+          </p:cNvCxnSpPr>
+          <p:nvPr/>
+        </p:nvCxnSpPr>
+        <p:spPr>
+          <a:xfrm>
+            <a:off x="2077317" y="2265628"/>
+            <a:ext cx="299780" cy="0"/>
+          </a:xfrm>
+          <a:prstGeom prst="straightConnector1">
+            <a:avLst/>
+          </a:prstGeom>
+          <a:ln>
+            <a:solidFill>
+              <a:schemeClr val="tx1"/>
+            </a:solidFill>
+            <a:tailEnd type="triangle"/>
+          </a:ln>
+        </p:spPr>
+        <p:style>
+          <a:lnRef idx="1">
+            <a:schemeClr val="accent1"/>
+          </a:lnRef>
+          <a:fillRef idx="0">
+            <a:schemeClr val="accent1"/>
+          </a:fillRef>
+          <a:effectRef idx="0">
+            <a:schemeClr val="accent1"/>
+          </a:effectRef>
+          <a:fontRef idx="minor">
+            <a:schemeClr val="tx1"/>
+          </a:fontRef>
+        </p:style>
+      </p:cxnSp>
+      <p:sp>
+        <p:nvSpPr>
+          <p:cNvPr id="31" name="사각형: 둥근 모서리 29">
+            <a:extLst>
+              <a:ext uri="{FF2B5EF4-FFF2-40B4-BE49-F238E27FC236}">
+                <a16:creationId xmlns:a16="http://schemas.microsoft.com/office/drawing/2014/main" id="{A87D3520-DD14-E30C-4291-1C37B4DCDB91}"/>
+              </a:ext>
+            </a:extLst>
+          </p:cNvPr>
+          <p:cNvSpPr/>
+          <p:nvPr/>
+        </p:nvSpPr>
+        <p:spPr>
+          <a:xfrm>
+            <a:off x="5450572" y="1851670"/>
+            <a:ext cx="2551069" cy="1267312"/>
+          </a:xfrm>
+          <a:prstGeom prst="roundRect">
+            <a:avLst>
+              <a:gd name="adj" fmla="val 6027"/>
+            </a:avLst>
+          </a:prstGeom>
+          <a:ln w="12700"/>
+        </p:spPr>
+        <p:style>
+          <a:lnRef idx="2">
+            <a:schemeClr val="dk1"/>
+          </a:lnRef>
+          <a:fillRef idx="1">
+            <a:schemeClr val="lt1"/>
+          </a:fillRef>
+          <a:effectRef idx="0">
+            <a:schemeClr val="dk1"/>
+          </a:effectRef>
+          <a:fontRef idx="minor">
+            <a:schemeClr val="dk1"/>
+          </a:fontRef>
+        </p:style>
+        <p:txBody>
+          <a:bodyPr rtlCol="0" anchor="b"/>
+          <a:lstStyle/>
+          <a:p>
+            <a:pPr algn="ctr"/>
+            <a:r>
+              <a:rPr lang="en-US" altLang="ko-KR" sz="1000" b="1"/>
+              <a:t> </a:t>
+            </a:r>
+          </a:p>
+          <a:p>
+            <a:pPr algn="ctr"/>
+            <a:r>
+              <a:rPr lang="en-US" altLang="ko-KR" sz="1000"/>
+              <a:t>Worker Node</a:t>
+            </a:r>
+            <a:endParaRPr lang="ko-KR" altLang="en-US" sz="1000"/>
+          </a:p>
+        </p:txBody>
+      </p:sp>
+      <p:sp>
+        <p:nvSpPr>
+          <p:cNvPr id="32" name="사각형: 둥근 모서리 29">
+            <a:extLst>
+              <a:ext uri="{FF2B5EF4-FFF2-40B4-BE49-F238E27FC236}">
+                <a16:creationId xmlns:a16="http://schemas.microsoft.com/office/drawing/2014/main" id="{213B2CC5-D52F-D2A4-CADD-7C6EA9B23701}"/>
+              </a:ext>
+            </a:extLst>
+          </p:cNvPr>
+          <p:cNvSpPr/>
+          <p:nvPr/>
+        </p:nvSpPr>
+        <p:spPr>
+          <a:xfrm>
+            <a:off x="5541081" y="1951122"/>
+            <a:ext cx="2372526" cy="888200"/>
+          </a:xfrm>
+          <a:prstGeom prst="roundRect">
+            <a:avLst>
+              <a:gd name="adj" fmla="val 10124"/>
+            </a:avLst>
+          </a:prstGeom>
+          <a:ln w="12700"/>
+        </p:spPr>
+        <p:style>
+          <a:lnRef idx="2">
+            <a:schemeClr val="dk1"/>
+          </a:lnRef>
+          <a:fillRef idx="1">
+            <a:schemeClr val="lt1"/>
+          </a:fillRef>
+          <a:effectRef idx="0">
+            <a:schemeClr val="dk1"/>
+          </a:effectRef>
+          <a:fontRef idx="minor">
+            <a:schemeClr val="dk1"/>
+          </a:fontRef>
+        </p:style>
+        <p:txBody>
+          <a:bodyPr rtlCol="0" anchor="b"/>
+          <a:lstStyle/>
+          <a:p>
+            <a:pPr algn="ctr"/>
+            <a:r>
+              <a:rPr lang="en-US" altLang="ko-KR" sz="1000" b="1"/>
+              <a:t>mock-server </a:t>
+            </a:r>
+            <a:r>
+              <a:rPr lang="en-US" altLang="ko-KR" sz="1000"/>
+              <a:t>Pod</a:t>
+            </a:r>
+          </a:p>
+        </p:txBody>
+      </p:sp>
+      <p:sp>
+        <p:nvSpPr>
+          <p:cNvPr id="33" name="사각형: 둥근 모서리 29">
+            <a:extLst>
+              <a:ext uri="{FF2B5EF4-FFF2-40B4-BE49-F238E27FC236}">
+                <a16:creationId xmlns:a16="http://schemas.microsoft.com/office/drawing/2014/main" id="{EC26083D-6DBA-A754-DB94-36D4550FB3A2}"/>
+              </a:ext>
+            </a:extLst>
+          </p:cNvPr>
+          <p:cNvSpPr/>
+          <p:nvPr/>
+        </p:nvSpPr>
+        <p:spPr>
+          <a:xfrm>
+            <a:off x="6829902" y="2045930"/>
+            <a:ext cx="989457" cy="439396"/>
+          </a:xfrm>
+          <a:prstGeom prst="roundRect">
+            <a:avLst>
+              <a:gd name="adj" fmla="val 14520"/>
+            </a:avLst>
+          </a:prstGeom>
+          <a:ln w="12700"/>
+        </p:spPr>
+        <p:style>
+          <a:lnRef idx="2">
+            <a:schemeClr val="dk1"/>
+          </a:lnRef>
+          <a:fillRef idx="1">
+            <a:schemeClr val="lt1"/>
+          </a:fillRef>
+          <a:effectRef idx="0">
+            <a:schemeClr val="dk1"/>
+          </a:effectRef>
+          <a:fontRef idx="minor">
+            <a:schemeClr val="dk1"/>
+          </a:fontRef>
+        </p:style>
+        <p:txBody>
+          <a:bodyPr rtlCol="0" anchor="ctr"/>
+          <a:lstStyle/>
+          <a:p>
+            <a:pPr algn="ctr"/>
+            <a:r>
+              <a:rPr lang="en-US" altLang="ko-KR" sz="1000" b="1"/>
+              <a:t>mock-server</a:t>
+            </a:r>
+          </a:p>
+          <a:p>
+            <a:pPr algn="ctr"/>
+            <a:r>
+              <a:rPr lang="en-US" altLang="ko-KR" sz="1000"/>
+              <a:t>Container</a:t>
+            </a:r>
+          </a:p>
+        </p:txBody>
+      </p:sp>
+      <p:sp>
+        <p:nvSpPr>
+          <p:cNvPr id="34" name="사각형: 둥근 모서리 29">
+            <a:extLst>
+              <a:ext uri="{FF2B5EF4-FFF2-40B4-BE49-F238E27FC236}">
+                <a16:creationId xmlns:a16="http://schemas.microsoft.com/office/drawing/2014/main" id="{7D67EF93-D3CB-BDE4-08F7-694E0D9B1738}"/>
+              </a:ext>
+            </a:extLst>
+          </p:cNvPr>
+          <p:cNvSpPr/>
+          <p:nvPr/>
+        </p:nvSpPr>
+        <p:spPr>
+          <a:xfrm>
+            <a:off x="5638840" y="2045930"/>
+            <a:ext cx="891282" cy="439396"/>
+          </a:xfrm>
+          <a:prstGeom prst="roundRect">
+            <a:avLst>
+              <a:gd name="adj" fmla="val 14520"/>
+            </a:avLst>
+          </a:prstGeom>
+          <a:ln w="12700"/>
+        </p:spPr>
+        <p:style>
+          <a:lnRef idx="2">
+            <a:schemeClr val="dk1"/>
+          </a:lnRef>
+          <a:fillRef idx="1">
+            <a:schemeClr val="lt1"/>
+          </a:fillRef>
+          <a:effectRef idx="0">
+            <a:schemeClr val="dk1"/>
+          </a:effectRef>
+          <a:fontRef idx="minor">
+            <a:schemeClr val="dk1"/>
+          </a:fontRef>
+        </p:style>
+        <p:txBody>
+          <a:bodyPr rtlCol="0" anchor="ctr"/>
+          <a:lstStyle/>
+          <a:p>
+            <a:pPr algn="ctr"/>
+            <a:r>
+              <a:rPr lang="en-US" altLang="ko-KR" sz="1000" b="1"/>
+              <a:t>istio-proxy</a:t>
+            </a:r>
+          </a:p>
+          <a:p>
+            <a:pPr algn="ctr"/>
+            <a:r>
+              <a:rPr lang="en-US" altLang="ko-KR" sz="1000"/>
+              <a:t>Container</a:t>
+            </a:r>
+          </a:p>
+        </p:txBody>
+      </p:sp>
+      <p:cxnSp>
+        <p:nvCxnSpPr>
+          <p:cNvPr id="35" name="Straight Arrow Connector 81">
+            <a:extLst>
+              <a:ext uri="{FF2B5EF4-FFF2-40B4-BE49-F238E27FC236}">
+                <a16:creationId xmlns:a16="http://schemas.microsoft.com/office/drawing/2014/main" id="{348CB496-C848-EE63-622E-4EBF46BB10D7}"/>
+              </a:ext>
+            </a:extLst>
+          </p:cNvPr>
+          <p:cNvCxnSpPr>
+            <a:cxnSpLocks/>
+            <a:stCxn id="34" idx="3"/>
+            <a:endCxn id="33" idx="1"/>
+          </p:cNvCxnSpPr>
+          <p:nvPr/>
+        </p:nvCxnSpPr>
+        <p:spPr>
+          <a:xfrm>
+            <a:off x="6530122" y="2265628"/>
+            <a:ext cx="299780" cy="0"/>
+          </a:xfrm>
+          <a:prstGeom prst="straightConnector1">
+            <a:avLst/>
+          </a:prstGeom>
+          <a:ln>
+            <a:solidFill>
+              <a:schemeClr val="tx1"/>
+            </a:solidFill>
+            <a:tailEnd type="triangle"/>
+          </a:ln>
+        </p:spPr>
+        <p:style>
+          <a:lnRef idx="1">
+            <a:schemeClr val="accent1"/>
+          </a:lnRef>
+          <a:fillRef idx="0">
+            <a:schemeClr val="accent1"/>
+          </a:fillRef>
+          <a:effectRef idx="0">
+            <a:schemeClr val="accent1"/>
+          </a:effectRef>
+          <a:fontRef idx="minor">
+            <a:schemeClr val="tx1"/>
+          </a:fontRef>
+        </p:style>
+      </p:cxnSp>
+      <p:cxnSp>
+        <p:nvCxnSpPr>
+          <p:cNvPr id="37" name="Elbow Connector 80">
+            <a:extLst>
+              <a:ext uri="{FF2B5EF4-FFF2-40B4-BE49-F238E27FC236}">
+                <a16:creationId xmlns:a16="http://schemas.microsoft.com/office/drawing/2014/main" id="{60D77C7A-7EB3-5D25-0373-DA9D1152FF5A}"/>
+              </a:ext>
+            </a:extLst>
+          </p:cNvPr>
+          <p:cNvCxnSpPr>
+            <a:cxnSpLocks/>
+            <a:stCxn id="28" idx="0"/>
             <a:endCxn id="9" idx="0"/>
           </p:cNvCxnSpPr>
           <p:nvPr/>
         </p:nvCxnSpPr>
         <p:spPr>
           <a:xfrm rot="5400000" flipH="1" flipV="1">
-            <a:off x="2588846" y="1031270"/>
-            <a:ext cx="614896" cy="1587273"/>
+            <a:off x="3382016" y="977330"/>
+            <a:ext cx="509322" cy="1627879"/>
           </a:xfrm>
           <a:prstGeom prst="bentConnector3">
             <a:avLst>
-              <a:gd name="adj1" fmla="val 137177"/>
+              <a:gd name="adj1" fmla="val 144883"/>
             </a:avLst>
           </a:prstGeom>
           <a:ln w="12700">
@@ -3813,350 +4292,28 @@
       </p:cxnSp>
       <p:cxnSp>
         <p:nvCxnSpPr>
-          <p:cNvPr id="18" name="Straight Arrow Connector 81">
-            <a:extLst>
-              <a:ext uri="{FF2B5EF4-FFF2-40B4-BE49-F238E27FC236}">
-                <a16:creationId xmlns:a16="http://schemas.microsoft.com/office/drawing/2014/main" id="{789A67B3-1412-BD36-5A55-3995D51EB0D6}"/>
+          <p:cNvPr id="44" name="Elbow Connector 80">
+            <a:extLst>
+              <a:ext uri="{FF2B5EF4-FFF2-40B4-BE49-F238E27FC236}">
+                <a16:creationId xmlns:a16="http://schemas.microsoft.com/office/drawing/2014/main" id="{08F1DEB0-4265-25DB-7A8D-0D7B60041B5C}"/>
               </a:ext>
             </a:extLst>
           </p:cNvPr>
           <p:cNvCxnSpPr>
             <a:cxnSpLocks/>
-            <a:stCxn id="3" idx="2"/>
-            <a:endCxn id="2" idx="0"/>
+            <a:stCxn id="2" idx="2"/>
+            <a:endCxn id="34" idx="2"/>
           </p:cNvCxnSpPr>
           <p:nvPr/>
         </p:nvCxnSpPr>
         <p:spPr>
-          <a:xfrm>
-            <a:off x="3689931" y="2742566"/>
-            <a:ext cx="1" cy="180649"/>
-          </a:xfrm>
-          <a:prstGeom prst="straightConnector1">
-            <a:avLst/>
-          </a:prstGeom>
-          <a:ln>
-            <a:solidFill>
-              <a:schemeClr val="tx1"/>
-            </a:solidFill>
-            <a:tailEnd type="triangle"/>
-          </a:ln>
-        </p:spPr>
-        <p:style>
-          <a:lnRef idx="1">
-            <a:schemeClr val="accent1"/>
-          </a:lnRef>
-          <a:fillRef idx="0">
-            <a:schemeClr val="accent1"/>
-          </a:fillRef>
-          <a:effectRef idx="0">
-            <a:schemeClr val="accent1"/>
-          </a:effectRef>
-          <a:fontRef idx="minor">
-            <a:schemeClr val="tx1"/>
-          </a:fontRef>
-        </p:style>
-      </p:cxnSp>
-      <p:cxnSp>
-        <p:nvCxnSpPr>
-          <p:cNvPr id="15" name="Straight Arrow Connector 81">
-            <a:extLst>
-              <a:ext uri="{FF2B5EF4-FFF2-40B4-BE49-F238E27FC236}">
-                <a16:creationId xmlns:a16="http://schemas.microsoft.com/office/drawing/2014/main" id="{22D72CE6-D484-F2BE-F23D-8F2D5269CFD7}"/>
-              </a:ext>
-            </a:extLst>
-          </p:cNvPr>
-          <p:cNvCxnSpPr>
-            <a:cxnSpLocks/>
-            <a:stCxn id="19" idx="2"/>
-            <a:endCxn id="17" idx="0"/>
-          </p:cNvCxnSpPr>
-          <p:nvPr/>
-        </p:nvCxnSpPr>
-        <p:spPr>
-          <a:xfrm>
-            <a:off x="5390759" y="2037546"/>
-            <a:ext cx="0" cy="173250"/>
-          </a:xfrm>
-          <a:prstGeom prst="straightConnector1">
-            <a:avLst/>
-          </a:prstGeom>
-          <a:ln>
-            <a:solidFill>
-              <a:schemeClr val="tx1"/>
-            </a:solidFill>
-            <a:tailEnd type="triangle"/>
-          </a:ln>
-        </p:spPr>
-        <p:style>
-          <a:lnRef idx="1">
-            <a:schemeClr val="accent1"/>
-          </a:lnRef>
-          <a:fillRef idx="0">
-            <a:schemeClr val="accent1"/>
-          </a:fillRef>
-          <a:effectRef idx="0">
-            <a:schemeClr val="accent1"/>
-          </a:effectRef>
-          <a:fontRef idx="minor">
-            <a:schemeClr val="tx1"/>
-          </a:fontRef>
-        </p:style>
-      </p:cxnSp>
-      <p:sp>
-        <p:nvSpPr>
-          <p:cNvPr id="16" name="사각형: 둥근 모서리 29">
-            <a:extLst>
-              <a:ext uri="{FF2B5EF4-FFF2-40B4-BE49-F238E27FC236}">
-                <a16:creationId xmlns:a16="http://schemas.microsoft.com/office/drawing/2014/main" id="{3C137BD7-6783-3AEA-2E54-E0DEB4115F36}"/>
-              </a:ext>
-            </a:extLst>
-          </p:cNvPr>
-          <p:cNvSpPr/>
-          <p:nvPr/>
-        </p:nvSpPr>
-        <p:spPr>
-          <a:xfrm>
-            <a:off x="4728104" y="2917374"/>
-            <a:ext cx="1325312" cy="525929"/>
-          </a:xfrm>
-          <a:prstGeom prst="roundRect">
-            <a:avLst>
-              <a:gd name="adj" fmla="val 11707"/>
-            </a:avLst>
-          </a:prstGeom>
-          <a:ln w="12700">
-            <a:prstDash val="solid"/>
-          </a:ln>
-        </p:spPr>
-        <p:style>
-          <a:lnRef idx="2">
-            <a:schemeClr val="dk1"/>
-          </a:lnRef>
-          <a:fillRef idx="1">
-            <a:schemeClr val="lt1"/>
-          </a:fillRef>
-          <a:effectRef idx="0">
-            <a:schemeClr val="dk1"/>
-          </a:effectRef>
-          <a:fontRef idx="minor">
-            <a:schemeClr val="dk1"/>
-          </a:fontRef>
-        </p:style>
-        <p:txBody>
-          <a:bodyPr rtlCol="0" anchor="ctr"/>
-          <a:lstStyle/>
-          <a:p>
-            <a:pPr algn="ctr"/>
-            <a:r>
-              <a:rPr lang="en-US" altLang="ko-KR" sz="1000" b="1"/>
-              <a:t>mock-server-grpc</a:t>
-            </a:r>
-            <a:r>
-              <a:rPr lang="en-US" altLang="ko-KR" sz="1000"/>
-              <a:t> </a:t>
-            </a:r>
-          </a:p>
-          <a:p>
-            <a:pPr algn="ctr"/>
-            <a:r>
-              <a:rPr lang="en-US" altLang="ko-KR" sz="1000"/>
-              <a:t>Service</a:t>
-            </a:r>
-            <a:endParaRPr lang="ko-KR" altLang="en-US" sz="1000"/>
-          </a:p>
-        </p:txBody>
-      </p:sp>
-      <p:sp>
-        <p:nvSpPr>
-          <p:cNvPr id="17" name="사각형: 둥근 모서리 29">
-            <a:extLst>
-              <a:ext uri="{FF2B5EF4-FFF2-40B4-BE49-F238E27FC236}">
-                <a16:creationId xmlns:a16="http://schemas.microsoft.com/office/drawing/2014/main" id="{7CE4F32E-8DA1-2B58-FB4C-EF04F5E067EE}"/>
-              </a:ext>
-            </a:extLst>
-          </p:cNvPr>
-          <p:cNvSpPr/>
-          <p:nvPr/>
-        </p:nvSpPr>
-        <p:spPr>
-          <a:xfrm>
-            <a:off x="4728103" y="2210796"/>
-            <a:ext cx="1325312" cy="525929"/>
-          </a:xfrm>
-          <a:prstGeom prst="roundRect">
-            <a:avLst>
-              <a:gd name="adj" fmla="val 11707"/>
-            </a:avLst>
-          </a:prstGeom>
-          <a:ln w="12700">
-            <a:prstDash val="solid"/>
-          </a:ln>
-        </p:spPr>
-        <p:style>
-          <a:lnRef idx="2">
-            <a:schemeClr val="dk1"/>
-          </a:lnRef>
-          <a:fillRef idx="1">
-            <a:schemeClr val="lt1"/>
-          </a:fillRef>
-          <a:effectRef idx="0">
-            <a:schemeClr val="dk1"/>
-          </a:effectRef>
-          <a:fontRef idx="minor">
-            <a:schemeClr val="dk1"/>
-          </a:fontRef>
-        </p:style>
-        <p:txBody>
-          <a:bodyPr rtlCol="0" anchor="ctr"/>
-          <a:lstStyle/>
-          <a:p>
-            <a:pPr algn="ctr"/>
-            <a:r>
-              <a:rPr lang="en-US" altLang="ko-KR" sz="1000" b="1"/>
-              <a:t>mock-server-grpc</a:t>
-            </a:r>
-          </a:p>
-          <a:p>
-            <a:pPr algn="ctr"/>
-            <a:r>
-              <a:rPr lang="en-US" altLang="ko-KR" sz="1000"/>
-              <a:t>DestinationRule</a:t>
-            </a:r>
-            <a:endParaRPr lang="ko-KR" altLang="en-US" sz="1000"/>
-          </a:p>
-        </p:txBody>
-      </p:sp>
-      <p:sp>
-        <p:nvSpPr>
-          <p:cNvPr id="19" name="사각형: 둥근 모서리 29">
-            <a:extLst>
-              <a:ext uri="{FF2B5EF4-FFF2-40B4-BE49-F238E27FC236}">
-                <a16:creationId xmlns:a16="http://schemas.microsoft.com/office/drawing/2014/main" id="{761FE38E-FE45-B2D9-FEB2-5C058A412947}"/>
-              </a:ext>
-            </a:extLst>
-          </p:cNvPr>
-          <p:cNvSpPr/>
-          <p:nvPr/>
-        </p:nvSpPr>
-        <p:spPr>
-          <a:xfrm>
-            <a:off x="4728103" y="1511617"/>
-            <a:ext cx="1325312" cy="525929"/>
-          </a:xfrm>
-          <a:prstGeom prst="roundRect">
-            <a:avLst>
-              <a:gd name="adj" fmla="val 11707"/>
-            </a:avLst>
-          </a:prstGeom>
-          <a:ln w="12700">
-            <a:prstDash val="solid"/>
-          </a:ln>
-        </p:spPr>
-        <p:style>
-          <a:lnRef idx="2">
-            <a:schemeClr val="dk1"/>
-          </a:lnRef>
-          <a:fillRef idx="1">
-            <a:schemeClr val="lt1"/>
-          </a:fillRef>
-          <a:effectRef idx="0">
-            <a:schemeClr val="dk1"/>
-          </a:effectRef>
-          <a:fontRef idx="minor">
-            <a:schemeClr val="dk1"/>
-          </a:fontRef>
-        </p:style>
-        <p:txBody>
-          <a:bodyPr rtlCol="0" anchor="ctr"/>
-          <a:lstStyle/>
-          <a:p>
-            <a:pPr algn="ctr"/>
-            <a:r>
-              <a:rPr lang="en-US" altLang="ko-KR" sz="1000" b="1"/>
-              <a:t>mock-server-grpc</a:t>
-            </a:r>
-          </a:p>
-          <a:p>
-            <a:pPr algn="ctr"/>
-            <a:r>
-              <a:rPr lang="en-US" altLang="ko-KR" sz="1000"/>
-              <a:t>VirtualService</a:t>
-            </a:r>
-            <a:endParaRPr lang="ko-KR" altLang="en-US" sz="1000"/>
-          </a:p>
-        </p:txBody>
-      </p:sp>
-      <p:cxnSp>
-        <p:nvCxnSpPr>
-          <p:cNvPr id="20" name="Straight Arrow Connector 81">
-            <a:extLst>
-              <a:ext uri="{FF2B5EF4-FFF2-40B4-BE49-F238E27FC236}">
-                <a16:creationId xmlns:a16="http://schemas.microsoft.com/office/drawing/2014/main" id="{9030E72C-75D0-5101-BCBB-F20E65CBF7C2}"/>
-              </a:ext>
-            </a:extLst>
-          </p:cNvPr>
-          <p:cNvCxnSpPr>
-            <a:cxnSpLocks/>
-            <a:stCxn id="17" idx="2"/>
-            <a:endCxn id="16" idx="0"/>
-          </p:cNvCxnSpPr>
-          <p:nvPr/>
-        </p:nvCxnSpPr>
-        <p:spPr>
-          <a:xfrm>
-            <a:off x="5390759" y="2736725"/>
-            <a:ext cx="1" cy="180649"/>
-          </a:xfrm>
-          <a:prstGeom prst="straightConnector1">
-            <a:avLst/>
-          </a:prstGeom>
-          <a:ln>
-            <a:solidFill>
-              <a:schemeClr val="tx1"/>
-            </a:solidFill>
-            <a:tailEnd type="triangle"/>
-          </a:ln>
-        </p:spPr>
-        <p:style>
-          <a:lnRef idx="1">
-            <a:schemeClr val="accent1"/>
-          </a:lnRef>
-          <a:fillRef idx="0">
-            <a:schemeClr val="accent1"/>
-          </a:fillRef>
-          <a:effectRef idx="0">
-            <a:schemeClr val="accent1"/>
-          </a:effectRef>
-          <a:fontRef idx="minor">
-            <a:schemeClr val="tx1"/>
-          </a:fontRef>
-        </p:style>
-      </p:cxnSp>
-      <p:cxnSp>
-        <p:nvCxnSpPr>
-          <p:cNvPr id="29" name="Elbow Connector 80">
-            <a:extLst>
-              <a:ext uri="{FF2B5EF4-FFF2-40B4-BE49-F238E27FC236}">
-                <a16:creationId xmlns:a16="http://schemas.microsoft.com/office/drawing/2014/main" id="{1DD5E458-4627-ECDC-EB61-C9360DD9EE62}"/>
-              </a:ext>
-            </a:extLst>
-          </p:cNvPr>
-          <p:cNvCxnSpPr>
-            <a:cxnSpLocks/>
-            <a:stCxn id="75" idx="0"/>
-            <a:endCxn id="19" idx="0"/>
-          </p:cNvCxnSpPr>
-          <p:nvPr/>
-        </p:nvCxnSpPr>
-        <p:spPr>
           <a:xfrm rot="5400000" flipH="1" flipV="1">
-            <a:off x="3436340" y="177936"/>
-            <a:ext cx="620737" cy="3288101"/>
+            <a:off x="4776065" y="2159878"/>
+            <a:ext cx="982968" cy="1633863"/>
           </a:xfrm>
           <a:prstGeom prst="bentConnector3">
             <a:avLst>
-              <a:gd name="adj1" fmla="val 136827"/>
+              <a:gd name="adj1" fmla="val -23256"/>
             </a:avLst>
           </a:prstGeom>
           <a:ln w="12700">
@@ -4181,538 +4338,10 @@
           </a:fontRef>
         </p:style>
       </p:cxnSp>
-      <p:sp>
-        <p:nvSpPr>
-          <p:cNvPr id="75" name="사각형: 둥근 모서리 29">
-            <a:extLst>
-              <a:ext uri="{FF2B5EF4-FFF2-40B4-BE49-F238E27FC236}">
-                <a16:creationId xmlns:a16="http://schemas.microsoft.com/office/drawing/2014/main" id="{27CB51E6-5DD2-9D69-16A8-3C99F2C8B398}"/>
-              </a:ext>
-            </a:extLst>
-          </p:cNvPr>
-          <p:cNvSpPr/>
-          <p:nvPr/>
-        </p:nvSpPr>
-        <p:spPr>
-          <a:xfrm>
-            <a:off x="1657017" y="2132354"/>
-            <a:ext cx="891282" cy="439396"/>
-          </a:xfrm>
-          <a:prstGeom prst="roundRect">
-            <a:avLst>
-              <a:gd name="adj" fmla="val 14520"/>
-            </a:avLst>
-          </a:prstGeom>
-          <a:ln w="12700"/>
-        </p:spPr>
-        <p:style>
-          <a:lnRef idx="2">
-            <a:schemeClr val="dk1"/>
-          </a:lnRef>
-          <a:fillRef idx="1">
-            <a:schemeClr val="lt1"/>
-          </a:fillRef>
-          <a:effectRef idx="0">
-            <a:schemeClr val="dk1"/>
-          </a:effectRef>
-          <a:fontRef idx="minor">
-            <a:schemeClr val="dk1"/>
-          </a:fontRef>
-        </p:style>
-        <p:txBody>
-          <a:bodyPr rtlCol="0" anchor="ctr"/>
-          <a:lstStyle/>
-          <a:p>
-            <a:pPr algn="ctr"/>
-            <a:r>
-              <a:rPr lang="en-US" altLang="ko-KR" sz="1000" b="1"/>
-              <a:t>istio-proxy</a:t>
-            </a:r>
-          </a:p>
-          <a:p>
-            <a:pPr algn="ctr"/>
-            <a:r>
-              <a:rPr lang="en-US" altLang="ko-KR" sz="1000"/>
-              <a:t>Container</a:t>
-            </a:r>
-          </a:p>
-        </p:txBody>
-      </p:sp>
-      <p:sp>
-        <p:nvSpPr>
-          <p:cNvPr id="78" name="사각형: 둥근 모서리 29">
-            <a:extLst>
-              <a:ext uri="{FF2B5EF4-FFF2-40B4-BE49-F238E27FC236}">
-                <a16:creationId xmlns:a16="http://schemas.microsoft.com/office/drawing/2014/main" id="{8503C275-CF2C-2B51-2E41-E6DB18EDD050}"/>
-              </a:ext>
-            </a:extLst>
-          </p:cNvPr>
-          <p:cNvSpPr/>
-          <p:nvPr/>
-        </p:nvSpPr>
-        <p:spPr>
-          <a:xfrm>
-            <a:off x="367780" y="2132354"/>
-            <a:ext cx="989457" cy="439396"/>
-          </a:xfrm>
-          <a:prstGeom prst="roundRect">
-            <a:avLst>
-              <a:gd name="adj" fmla="val 14520"/>
-            </a:avLst>
-          </a:prstGeom>
-          <a:ln w="12700"/>
-        </p:spPr>
-        <p:style>
-          <a:lnRef idx="2">
-            <a:schemeClr val="dk1"/>
-          </a:lnRef>
-          <a:fillRef idx="1">
-            <a:schemeClr val="lt1"/>
-          </a:fillRef>
-          <a:effectRef idx="0">
-            <a:schemeClr val="dk1"/>
-          </a:effectRef>
-          <a:fontRef idx="minor">
-            <a:schemeClr val="dk1"/>
-          </a:fontRef>
-        </p:style>
-        <p:txBody>
-          <a:bodyPr rtlCol="0" anchor="ctr"/>
-          <a:lstStyle/>
-          <a:p>
-            <a:pPr algn="ctr"/>
-            <a:r>
-              <a:rPr lang="en-US" altLang="ko-KR" sz="1000" b="1"/>
-              <a:t>shell</a:t>
-            </a:r>
-          </a:p>
-          <a:p>
-            <a:pPr algn="ctr"/>
-            <a:r>
-              <a:rPr lang="en-US" altLang="ko-KR" sz="1000"/>
-              <a:t>Container</a:t>
-            </a:r>
-          </a:p>
-        </p:txBody>
-      </p:sp>
-      <p:cxnSp>
-        <p:nvCxnSpPr>
-          <p:cNvPr id="95" name="Straight Arrow Connector 81">
-            <a:extLst>
-              <a:ext uri="{FF2B5EF4-FFF2-40B4-BE49-F238E27FC236}">
-                <a16:creationId xmlns:a16="http://schemas.microsoft.com/office/drawing/2014/main" id="{B9EC7C6E-C256-CC67-5D93-504342EDC0A7}"/>
-              </a:ext>
-            </a:extLst>
-          </p:cNvPr>
-          <p:cNvCxnSpPr>
-            <a:cxnSpLocks/>
-            <a:stCxn id="78" idx="3"/>
-            <a:endCxn id="75" idx="1"/>
-          </p:cNvCxnSpPr>
-          <p:nvPr/>
-        </p:nvCxnSpPr>
-        <p:spPr>
-          <a:xfrm>
-            <a:off x="1357237" y="2352052"/>
-            <a:ext cx="299780" cy="0"/>
-          </a:xfrm>
-          <a:prstGeom prst="straightConnector1">
-            <a:avLst/>
-          </a:prstGeom>
-          <a:ln>
-            <a:solidFill>
-              <a:schemeClr val="tx1"/>
-            </a:solidFill>
-            <a:tailEnd type="triangle"/>
-          </a:ln>
-        </p:spPr>
-        <p:style>
-          <a:lnRef idx="1">
-            <a:schemeClr val="accent1"/>
-          </a:lnRef>
-          <a:fillRef idx="0">
-            <a:schemeClr val="accent1"/>
-          </a:fillRef>
-          <a:effectRef idx="0">
-            <a:schemeClr val="accent1"/>
-          </a:effectRef>
-          <a:fontRef idx="minor">
-            <a:schemeClr val="tx1"/>
-          </a:fontRef>
-        </p:style>
-      </p:cxnSp>
-      <p:sp>
-        <p:nvSpPr>
-          <p:cNvPr id="100" name="사각형: 둥근 모서리 29">
-            <a:extLst>
-              <a:ext uri="{FF2B5EF4-FFF2-40B4-BE49-F238E27FC236}">
-                <a16:creationId xmlns:a16="http://schemas.microsoft.com/office/drawing/2014/main" id="{A4B68954-A646-B3E9-B9BC-4478931DAEB5}"/>
-              </a:ext>
-            </a:extLst>
-          </p:cNvPr>
-          <p:cNvSpPr/>
-          <p:nvPr/>
-        </p:nvSpPr>
-        <p:spPr>
-          <a:xfrm>
-            <a:off x="6352093" y="1938094"/>
-            <a:ext cx="2551069" cy="1267312"/>
-          </a:xfrm>
-          <a:prstGeom prst="roundRect">
-            <a:avLst>
-              <a:gd name="adj" fmla="val 6027"/>
-            </a:avLst>
-          </a:prstGeom>
-          <a:ln w="12700"/>
-        </p:spPr>
-        <p:style>
-          <a:lnRef idx="2">
-            <a:schemeClr val="dk1"/>
-          </a:lnRef>
-          <a:fillRef idx="1">
-            <a:schemeClr val="lt1"/>
-          </a:fillRef>
-          <a:effectRef idx="0">
-            <a:schemeClr val="dk1"/>
-          </a:effectRef>
-          <a:fontRef idx="minor">
-            <a:schemeClr val="dk1"/>
-          </a:fontRef>
-        </p:style>
-        <p:txBody>
-          <a:bodyPr rtlCol="0" anchor="b"/>
-          <a:lstStyle/>
-          <a:p>
-            <a:pPr algn="ctr"/>
-            <a:r>
-              <a:rPr lang="en-US" altLang="ko-KR" sz="1000" b="1"/>
-              <a:t> </a:t>
-            </a:r>
-          </a:p>
-          <a:p>
-            <a:pPr algn="ctr"/>
-            <a:r>
-              <a:rPr lang="en-US" altLang="ko-KR" sz="1000"/>
-              <a:t>Worker Node</a:t>
-            </a:r>
-            <a:endParaRPr lang="ko-KR" altLang="en-US" sz="1000"/>
-          </a:p>
-        </p:txBody>
-      </p:sp>
-      <p:sp>
-        <p:nvSpPr>
-          <p:cNvPr id="101" name="사각형: 둥근 모서리 29">
-            <a:extLst>
-              <a:ext uri="{FF2B5EF4-FFF2-40B4-BE49-F238E27FC236}">
-                <a16:creationId xmlns:a16="http://schemas.microsoft.com/office/drawing/2014/main" id="{E9CCED40-2C00-B387-B7BC-AD47EE9854A5}"/>
-              </a:ext>
-            </a:extLst>
-          </p:cNvPr>
-          <p:cNvSpPr/>
-          <p:nvPr/>
-        </p:nvSpPr>
-        <p:spPr>
-          <a:xfrm>
-            <a:off x="6442602" y="2037546"/>
-            <a:ext cx="2372526" cy="888200"/>
-          </a:xfrm>
-          <a:prstGeom prst="roundRect">
-            <a:avLst>
-              <a:gd name="adj" fmla="val 10124"/>
-            </a:avLst>
-          </a:prstGeom>
-          <a:ln w="12700"/>
-        </p:spPr>
-        <p:style>
-          <a:lnRef idx="2">
-            <a:schemeClr val="dk1"/>
-          </a:lnRef>
-          <a:fillRef idx="1">
-            <a:schemeClr val="lt1"/>
-          </a:fillRef>
-          <a:effectRef idx="0">
-            <a:schemeClr val="dk1"/>
-          </a:effectRef>
-          <a:fontRef idx="minor">
-            <a:schemeClr val="dk1"/>
-          </a:fontRef>
-        </p:style>
-        <p:txBody>
-          <a:bodyPr rtlCol="0" anchor="b"/>
-          <a:lstStyle/>
-          <a:p>
-            <a:pPr algn="ctr"/>
-            <a:r>
-              <a:rPr lang="en-US" altLang="ko-KR" sz="1000" b="1"/>
-              <a:t>mock-server </a:t>
-            </a:r>
-            <a:r>
-              <a:rPr lang="en-US" altLang="ko-KR" sz="1000"/>
-              <a:t>Pod</a:t>
-            </a:r>
-          </a:p>
-        </p:txBody>
-      </p:sp>
-      <p:cxnSp>
-        <p:nvCxnSpPr>
-          <p:cNvPr id="105" name="Elbow Connector 80">
-            <a:extLst>
-              <a:ext uri="{FF2B5EF4-FFF2-40B4-BE49-F238E27FC236}">
-                <a16:creationId xmlns:a16="http://schemas.microsoft.com/office/drawing/2014/main" id="{CDD1A6AA-32EA-20E0-8EC1-9357B0CB5D87}"/>
-              </a:ext>
-            </a:extLst>
-          </p:cNvPr>
-          <p:cNvCxnSpPr>
-            <a:cxnSpLocks/>
-            <a:stCxn id="16" idx="2"/>
-            <a:endCxn id="113" idx="2"/>
-          </p:cNvCxnSpPr>
-          <p:nvPr/>
-        </p:nvCxnSpPr>
-        <p:spPr>
-          <a:xfrm rot="5400000" flipH="1" flipV="1">
-            <a:off x="5752604" y="2209906"/>
-            <a:ext cx="871553" cy="1595242"/>
-          </a:xfrm>
-          <a:prstGeom prst="bentConnector3">
-            <a:avLst>
-              <a:gd name="adj1" fmla="val -26229"/>
-            </a:avLst>
-          </a:prstGeom>
-          <a:ln w="12700">
-            <a:solidFill>
-              <a:schemeClr val="tx1"/>
-            </a:solidFill>
-            <a:tailEnd type="triangle"/>
-          </a:ln>
-        </p:spPr>
-        <p:style>
-          <a:lnRef idx="1">
-            <a:schemeClr val="accent1"/>
-          </a:lnRef>
-          <a:fillRef idx="0">
-            <a:schemeClr val="accent1"/>
-          </a:fillRef>
-          <a:effectRef idx="0">
-            <a:schemeClr val="accent1"/>
-          </a:effectRef>
-          <a:fontRef idx="minor">
-            <a:schemeClr val="tx1"/>
-          </a:fontRef>
-        </p:style>
-      </p:cxnSp>
-      <p:sp>
-        <p:nvSpPr>
-          <p:cNvPr id="112" name="사각형: 둥근 모서리 29">
-            <a:extLst>
-              <a:ext uri="{FF2B5EF4-FFF2-40B4-BE49-F238E27FC236}">
-                <a16:creationId xmlns:a16="http://schemas.microsoft.com/office/drawing/2014/main" id="{BE712579-55D1-0371-8312-3A9CDBBFD97D}"/>
-              </a:ext>
-            </a:extLst>
-          </p:cNvPr>
-          <p:cNvSpPr/>
-          <p:nvPr/>
-        </p:nvSpPr>
-        <p:spPr>
-          <a:xfrm>
-            <a:off x="7731423" y="2132354"/>
-            <a:ext cx="989457" cy="439396"/>
-          </a:xfrm>
-          <a:prstGeom prst="roundRect">
-            <a:avLst>
-              <a:gd name="adj" fmla="val 14520"/>
-            </a:avLst>
-          </a:prstGeom>
-          <a:ln w="12700"/>
-        </p:spPr>
-        <p:style>
-          <a:lnRef idx="2">
-            <a:schemeClr val="dk1"/>
-          </a:lnRef>
-          <a:fillRef idx="1">
-            <a:schemeClr val="lt1"/>
-          </a:fillRef>
-          <a:effectRef idx="0">
-            <a:schemeClr val="dk1"/>
-          </a:effectRef>
-          <a:fontRef idx="minor">
-            <a:schemeClr val="dk1"/>
-          </a:fontRef>
-        </p:style>
-        <p:txBody>
-          <a:bodyPr rtlCol="0" anchor="ctr"/>
-          <a:lstStyle/>
-          <a:p>
-            <a:pPr algn="ctr"/>
-            <a:r>
-              <a:rPr lang="en-US" altLang="ko-KR" sz="1000" b="1"/>
-              <a:t>mock-server</a:t>
-            </a:r>
-          </a:p>
-          <a:p>
-            <a:pPr algn="ctr"/>
-            <a:r>
-              <a:rPr lang="en-US" altLang="ko-KR" sz="1000"/>
-              <a:t>Container</a:t>
-            </a:r>
-          </a:p>
-        </p:txBody>
-      </p:sp>
-      <p:sp>
-        <p:nvSpPr>
-          <p:cNvPr id="113" name="사각형: 둥근 모서리 29">
-            <a:extLst>
-              <a:ext uri="{FF2B5EF4-FFF2-40B4-BE49-F238E27FC236}">
-                <a16:creationId xmlns:a16="http://schemas.microsoft.com/office/drawing/2014/main" id="{C982D15B-33E2-2313-C616-9751C4C9E450}"/>
-              </a:ext>
-            </a:extLst>
-          </p:cNvPr>
-          <p:cNvSpPr/>
-          <p:nvPr/>
-        </p:nvSpPr>
-        <p:spPr>
-          <a:xfrm>
-            <a:off x="6540361" y="2132354"/>
-            <a:ext cx="891282" cy="439396"/>
-          </a:xfrm>
-          <a:prstGeom prst="roundRect">
-            <a:avLst>
-              <a:gd name="adj" fmla="val 14520"/>
-            </a:avLst>
-          </a:prstGeom>
-          <a:ln w="12700"/>
-        </p:spPr>
-        <p:style>
-          <a:lnRef idx="2">
-            <a:schemeClr val="dk1"/>
-          </a:lnRef>
-          <a:fillRef idx="1">
-            <a:schemeClr val="lt1"/>
-          </a:fillRef>
-          <a:effectRef idx="0">
-            <a:schemeClr val="dk1"/>
-          </a:effectRef>
-          <a:fontRef idx="minor">
-            <a:schemeClr val="dk1"/>
-          </a:fontRef>
-        </p:style>
-        <p:txBody>
-          <a:bodyPr rtlCol="0" anchor="ctr"/>
-          <a:lstStyle/>
-          <a:p>
-            <a:pPr algn="ctr"/>
-            <a:r>
-              <a:rPr lang="en-US" altLang="ko-KR" sz="1000" b="1"/>
-              <a:t>istio-proxy</a:t>
-            </a:r>
-          </a:p>
-          <a:p>
-            <a:pPr algn="ctr"/>
-            <a:r>
-              <a:rPr lang="en-US" altLang="ko-KR" sz="1000"/>
-              <a:t>Container</a:t>
-            </a:r>
-          </a:p>
-        </p:txBody>
-      </p:sp>
-      <p:cxnSp>
-        <p:nvCxnSpPr>
-          <p:cNvPr id="115" name="Elbow Connector 80">
-            <a:extLst>
-              <a:ext uri="{FF2B5EF4-FFF2-40B4-BE49-F238E27FC236}">
-                <a16:creationId xmlns:a16="http://schemas.microsoft.com/office/drawing/2014/main" id="{99705ABF-F96A-CA9D-A70F-2B396DEB0002}"/>
-              </a:ext>
-            </a:extLst>
-          </p:cNvPr>
-          <p:cNvCxnSpPr>
-            <a:cxnSpLocks/>
-            <a:stCxn id="2" idx="2"/>
-            <a:endCxn id="113" idx="2"/>
-          </p:cNvCxnSpPr>
-          <p:nvPr/>
-        </p:nvCxnSpPr>
-        <p:spPr>
-          <a:xfrm rot="5400000" flipH="1" flipV="1">
-            <a:off x="4899270" y="1362412"/>
-            <a:ext cx="877394" cy="3296070"/>
-          </a:xfrm>
-          <a:prstGeom prst="bentConnector3">
-            <a:avLst>
-              <a:gd name="adj1" fmla="val -26054"/>
-            </a:avLst>
-          </a:prstGeom>
-          <a:ln w="12700">
-            <a:solidFill>
-              <a:schemeClr val="tx1"/>
-            </a:solidFill>
-            <a:tailEnd type="triangle"/>
-          </a:ln>
-        </p:spPr>
-        <p:style>
-          <a:lnRef idx="1">
-            <a:schemeClr val="accent1"/>
-          </a:lnRef>
-          <a:fillRef idx="0">
-            <a:schemeClr val="accent1"/>
-          </a:fillRef>
-          <a:effectRef idx="0">
-            <a:schemeClr val="accent1"/>
-          </a:effectRef>
-          <a:fontRef idx="minor">
-            <a:schemeClr val="tx1"/>
-          </a:fontRef>
-        </p:style>
-      </p:cxnSp>
-      <p:cxnSp>
-        <p:nvCxnSpPr>
-          <p:cNvPr id="118" name="Straight Arrow Connector 81">
-            <a:extLst>
-              <a:ext uri="{FF2B5EF4-FFF2-40B4-BE49-F238E27FC236}">
-                <a16:creationId xmlns:a16="http://schemas.microsoft.com/office/drawing/2014/main" id="{FF6CFCB8-EACD-517B-C20F-FF639AA59450}"/>
-              </a:ext>
-            </a:extLst>
-          </p:cNvPr>
-          <p:cNvCxnSpPr>
-            <a:cxnSpLocks/>
-            <a:stCxn id="113" idx="3"/>
-            <a:endCxn id="112" idx="1"/>
-          </p:cNvCxnSpPr>
-          <p:nvPr/>
-        </p:nvCxnSpPr>
-        <p:spPr>
-          <a:xfrm>
-            <a:off x="7431643" y="2352052"/>
-            <a:ext cx="299780" cy="0"/>
-          </a:xfrm>
-          <a:prstGeom prst="straightConnector1">
-            <a:avLst/>
-          </a:prstGeom>
-          <a:ln>
-            <a:solidFill>
-              <a:schemeClr val="tx1"/>
-            </a:solidFill>
-            <a:tailEnd type="triangle"/>
-          </a:ln>
-        </p:spPr>
-        <p:style>
-          <a:lnRef idx="1">
-            <a:schemeClr val="accent1"/>
-          </a:lnRef>
-          <a:fillRef idx="0">
-            <a:schemeClr val="accent1"/>
-          </a:fillRef>
-          <a:effectRef idx="0">
-            <a:schemeClr val="accent1"/>
-          </a:effectRef>
-          <a:fontRef idx="minor">
-            <a:schemeClr val="tx1"/>
-          </a:fontRef>
-        </p:style>
-      </p:cxnSp>
     </p:spTree>
     <p:extLst>
       <p:ext uri="{BB962C8B-B14F-4D97-AF65-F5344CB8AC3E}">
-        <p14:creationId xmlns:p14="http://schemas.microsoft.com/office/powerpoint/2010/main" val="3694794733"/>
+        <p14:creationId xmlns:p14="http://schemas.microsoft.com/office/powerpoint/2010/main" val="4187821285"/>
       </p:ext>
     </p:extLst>
   </p:cSld>
@@ -4723,6 +4352,1018 @@
 </file>
 
 <file path=ppt/slides/slide10.xml><?xml version="1.0" encoding="utf-8"?>
+<p:sld xmlns:a="http://schemas.openxmlformats.org/drawingml/2006/main" xmlns:r="http://schemas.openxmlformats.org/officeDocument/2006/relationships" xmlns:p="http://schemas.openxmlformats.org/presentationml/2006/main">
+  <p:cSld>
+    <p:spTree>
+      <p:nvGrpSpPr>
+        <p:cNvPr id="1" name="">
+          <a:extLst>
+            <a:ext uri="{FF2B5EF4-FFF2-40B4-BE49-F238E27FC236}">
+              <a16:creationId xmlns:a16="http://schemas.microsoft.com/office/drawing/2014/main" id="{311FEFB3-B0E3-A751-2A11-E37C0EF4964A}"/>
+            </a:ext>
+          </a:extLst>
+        </p:cNvPr>
+        <p:cNvGrpSpPr/>
+        <p:nvPr/>
+      </p:nvGrpSpPr>
+      <p:grpSpPr>
+        <a:xfrm>
+          <a:off x="0" y="0"/>
+          <a:ext cx="0" cy="0"/>
+          <a:chOff x="0" y="0"/>
+          <a:chExt cx="0" cy="0"/>
+        </a:xfrm>
+      </p:grpSpPr>
+      <p:sp>
+        <p:nvSpPr>
+          <p:cNvPr id="4" name="사각형: 둥근 모서리 29">
+            <a:extLst>
+              <a:ext uri="{FF2B5EF4-FFF2-40B4-BE49-F238E27FC236}">
+                <a16:creationId xmlns:a16="http://schemas.microsoft.com/office/drawing/2014/main" id="{318A68AB-3960-B94A-A510-D9D287498672}"/>
+              </a:ext>
+            </a:extLst>
+          </p:cNvPr>
+          <p:cNvSpPr/>
+          <p:nvPr/>
+        </p:nvSpPr>
+        <p:spPr>
+          <a:xfrm>
+            <a:off x="1763688" y="411510"/>
+            <a:ext cx="1164765" cy="657290"/>
+          </a:xfrm>
+          <a:prstGeom prst="roundRect">
+            <a:avLst>
+              <a:gd name="adj" fmla="val 17374"/>
+            </a:avLst>
+          </a:prstGeom>
+          <a:ln w="12700"/>
+        </p:spPr>
+        <p:style>
+          <a:lnRef idx="2">
+            <a:schemeClr val="dk1"/>
+          </a:lnRef>
+          <a:fillRef idx="1">
+            <a:schemeClr val="lt1"/>
+          </a:fillRef>
+          <a:effectRef idx="0">
+            <a:schemeClr val="dk1"/>
+          </a:effectRef>
+          <a:fontRef idx="minor">
+            <a:schemeClr val="dk1"/>
+          </a:fontRef>
+        </p:style>
+        <p:txBody>
+          <a:bodyPr rtlCol="0" anchor="ctr"/>
+          <a:lstStyle/>
+          <a:p>
+            <a:pPr algn="ctr"/>
+            <a:r>
+              <a:rPr lang="en-US" altLang="ko-KR" sz="1000" b="1"/>
+              <a:t>shell</a:t>
+            </a:r>
+          </a:p>
+          <a:p>
+            <a:pPr algn="ctr"/>
+            <a:r>
+              <a:rPr lang="en-US" altLang="ko-KR" sz="1000"/>
+              <a:t>Pod</a:t>
+            </a:r>
+            <a:endParaRPr lang="ko-KR" altLang="en-US" sz="1000"/>
+          </a:p>
+        </p:txBody>
+      </p:sp>
+      <p:sp>
+        <p:nvSpPr>
+          <p:cNvPr id="5" name="사각형: 둥근 모서리 29">
+            <a:extLst>
+              <a:ext uri="{FF2B5EF4-FFF2-40B4-BE49-F238E27FC236}">
+                <a16:creationId xmlns:a16="http://schemas.microsoft.com/office/drawing/2014/main" id="{C8F00B08-DDBF-F48A-EAD9-EBF25501504A}"/>
+              </a:ext>
+            </a:extLst>
+          </p:cNvPr>
+          <p:cNvSpPr/>
+          <p:nvPr/>
+        </p:nvSpPr>
+        <p:spPr>
+          <a:xfrm>
+            <a:off x="5724128" y="411510"/>
+            <a:ext cx="1164765" cy="657290"/>
+          </a:xfrm>
+          <a:prstGeom prst="roundRect">
+            <a:avLst>
+              <a:gd name="adj" fmla="val 17374"/>
+            </a:avLst>
+          </a:prstGeom>
+          <a:ln w="12700"/>
+        </p:spPr>
+        <p:style>
+          <a:lnRef idx="2">
+            <a:schemeClr val="dk1"/>
+          </a:lnRef>
+          <a:fillRef idx="1">
+            <a:schemeClr val="lt1"/>
+          </a:fillRef>
+          <a:effectRef idx="0">
+            <a:schemeClr val="dk1"/>
+          </a:effectRef>
+          <a:fontRef idx="minor">
+            <a:schemeClr val="dk1"/>
+          </a:fontRef>
+        </p:style>
+        <p:txBody>
+          <a:bodyPr rtlCol="0" anchor="ctr"/>
+          <a:lstStyle/>
+          <a:p>
+            <a:pPr algn="ctr"/>
+            <a:r>
+              <a:rPr lang="en-US" altLang="ko-KR" sz="1000" b="1"/>
+              <a:t>mock-server</a:t>
+            </a:r>
+          </a:p>
+          <a:p>
+            <a:pPr algn="ctr"/>
+            <a:r>
+              <a:rPr lang="en-US" altLang="ko-KR" sz="1000"/>
+              <a:t>Pod</a:t>
+            </a:r>
+            <a:endParaRPr lang="ko-KR" altLang="en-US" sz="1000"/>
+          </a:p>
+        </p:txBody>
+      </p:sp>
+      <p:cxnSp>
+        <p:nvCxnSpPr>
+          <p:cNvPr id="8" name="Straight Arrow Connector 81">
+            <a:extLst>
+              <a:ext uri="{FF2B5EF4-FFF2-40B4-BE49-F238E27FC236}">
+                <a16:creationId xmlns:a16="http://schemas.microsoft.com/office/drawing/2014/main" id="{0EE93234-570E-A794-E7D1-81851B21F5F9}"/>
+              </a:ext>
+            </a:extLst>
+          </p:cNvPr>
+          <p:cNvCxnSpPr>
+            <a:cxnSpLocks/>
+            <a:stCxn id="5" idx="2"/>
+          </p:cNvCxnSpPr>
+          <p:nvPr/>
+        </p:nvCxnSpPr>
+        <p:spPr>
+          <a:xfrm>
+            <a:off x="6306511" y="1068800"/>
+            <a:ext cx="0" cy="3375158"/>
+          </a:xfrm>
+          <a:prstGeom prst="straightConnector1">
+            <a:avLst/>
+          </a:prstGeom>
+          <a:ln>
+            <a:solidFill>
+              <a:schemeClr val="tx1"/>
+            </a:solidFill>
+            <a:prstDash val="dash"/>
+            <a:tailEnd type="triangle"/>
+          </a:ln>
+        </p:spPr>
+        <p:style>
+          <a:lnRef idx="1">
+            <a:schemeClr val="accent1"/>
+          </a:lnRef>
+          <a:fillRef idx="0">
+            <a:schemeClr val="accent1"/>
+          </a:fillRef>
+          <a:effectRef idx="0">
+            <a:schemeClr val="accent1"/>
+          </a:effectRef>
+          <a:fontRef idx="minor">
+            <a:schemeClr val="tx1"/>
+          </a:fontRef>
+        </p:style>
+      </p:cxnSp>
+      <p:cxnSp>
+        <p:nvCxnSpPr>
+          <p:cNvPr id="2" name="Straight Arrow Connector 81">
+            <a:extLst>
+              <a:ext uri="{FF2B5EF4-FFF2-40B4-BE49-F238E27FC236}">
+                <a16:creationId xmlns:a16="http://schemas.microsoft.com/office/drawing/2014/main" id="{F612EB67-A39A-3E80-65B5-18978307EE42}"/>
+              </a:ext>
+            </a:extLst>
+          </p:cNvPr>
+          <p:cNvCxnSpPr>
+            <a:cxnSpLocks/>
+            <a:stCxn id="4" idx="2"/>
+          </p:cNvCxnSpPr>
+          <p:nvPr/>
+        </p:nvCxnSpPr>
+        <p:spPr>
+          <a:xfrm>
+            <a:off x="2346071" y="1068800"/>
+            <a:ext cx="0" cy="3375158"/>
+          </a:xfrm>
+          <a:prstGeom prst="straightConnector1">
+            <a:avLst/>
+          </a:prstGeom>
+          <a:ln>
+            <a:solidFill>
+              <a:schemeClr val="tx1"/>
+            </a:solidFill>
+            <a:prstDash val="dash"/>
+            <a:tailEnd type="triangle"/>
+          </a:ln>
+        </p:spPr>
+        <p:style>
+          <a:lnRef idx="1">
+            <a:schemeClr val="accent1"/>
+          </a:lnRef>
+          <a:fillRef idx="0">
+            <a:schemeClr val="accent1"/>
+          </a:fillRef>
+          <a:effectRef idx="0">
+            <a:schemeClr val="accent1"/>
+          </a:effectRef>
+          <a:fontRef idx="minor">
+            <a:schemeClr val="tx1"/>
+          </a:fontRef>
+        </p:style>
+      </p:cxnSp>
+      <p:sp>
+        <p:nvSpPr>
+          <p:cNvPr id="20" name="TextBox 19">
+            <a:extLst>
+              <a:ext uri="{FF2B5EF4-FFF2-40B4-BE49-F238E27FC236}">
+                <a16:creationId xmlns:a16="http://schemas.microsoft.com/office/drawing/2014/main" id="{E1ED0E87-BDC3-2034-6188-C2DAF60E108A}"/>
+              </a:ext>
+            </a:extLst>
+          </p:cNvPr>
+          <p:cNvSpPr txBox="1"/>
+          <p:nvPr/>
+        </p:nvSpPr>
+        <p:spPr>
+          <a:xfrm>
+            <a:off x="2928454" y="957375"/>
+            <a:ext cx="2795674" cy="246221"/>
+          </a:xfrm>
+          <a:prstGeom prst="rect">
+            <a:avLst/>
+          </a:prstGeom>
+          <a:noFill/>
+        </p:spPr>
+        <p:txBody>
+          <a:bodyPr wrap="square" rtlCol="0">
+            <a:spAutoFit/>
+          </a:bodyPr>
+          <a:lstStyle/>
+          <a:p>
+            <a:r>
+              <a:rPr kumimoji="1" lang="en-US" altLang="ko-KR" sz="1000" i="1">
+                <a:solidFill>
+                  <a:srgbClr val="C00000"/>
+                </a:solidFill>
+              </a:rPr>
+              <a:t>GET </a:t>
+            </a:r>
+            <a:r>
+              <a:rPr lang="en" altLang="ko-KR" sz="1000" i="1">
+                <a:solidFill>
+                  <a:srgbClr val="C00000"/>
+                </a:solidFill>
+              </a:rPr>
+              <a:t>mock-server:8080/delay/5000</a:t>
+            </a:r>
+            <a:endParaRPr kumimoji="1" lang="ko-KR" altLang="en-US" sz="1000" i="1">
+              <a:solidFill>
+                <a:srgbClr val="C00000"/>
+              </a:solidFill>
+            </a:endParaRPr>
+          </a:p>
+        </p:txBody>
+      </p:sp>
+      <p:cxnSp>
+        <p:nvCxnSpPr>
+          <p:cNvPr id="17" name="Straight Arrow Connector 81">
+            <a:extLst>
+              <a:ext uri="{FF2B5EF4-FFF2-40B4-BE49-F238E27FC236}">
+                <a16:creationId xmlns:a16="http://schemas.microsoft.com/office/drawing/2014/main" id="{E2878DA3-D173-547D-5BB4-F8A2FDC1081A}"/>
+              </a:ext>
+            </a:extLst>
+          </p:cNvPr>
+          <p:cNvCxnSpPr>
+            <a:cxnSpLocks/>
+          </p:cNvCxnSpPr>
+          <p:nvPr/>
+        </p:nvCxnSpPr>
+        <p:spPr>
+          <a:xfrm>
+            <a:off x="2346071" y="1203596"/>
+            <a:ext cx="3960440" cy="0"/>
+          </a:xfrm>
+          <a:prstGeom prst="straightConnector1">
+            <a:avLst/>
+          </a:prstGeom>
+          <a:ln>
+            <a:solidFill>
+              <a:srgbClr val="C00000"/>
+            </a:solidFill>
+            <a:tailEnd type="triangle"/>
+          </a:ln>
+        </p:spPr>
+        <p:style>
+          <a:lnRef idx="1">
+            <a:schemeClr val="accent1"/>
+          </a:lnRef>
+          <a:fillRef idx="0">
+            <a:schemeClr val="accent1"/>
+          </a:fillRef>
+          <a:effectRef idx="0">
+            <a:schemeClr val="accent1"/>
+          </a:effectRef>
+          <a:fontRef idx="minor">
+            <a:schemeClr val="tx1"/>
+          </a:fontRef>
+        </p:style>
+      </p:cxnSp>
+      <p:sp>
+        <p:nvSpPr>
+          <p:cNvPr id="24" name="TextBox 23">
+            <a:extLst>
+              <a:ext uri="{FF2B5EF4-FFF2-40B4-BE49-F238E27FC236}">
+                <a16:creationId xmlns:a16="http://schemas.microsoft.com/office/drawing/2014/main" id="{19F71F6D-0BF6-B26C-D762-2F9BC6037A8C}"/>
+              </a:ext>
+            </a:extLst>
+          </p:cNvPr>
+          <p:cNvSpPr txBox="1"/>
+          <p:nvPr/>
+        </p:nvSpPr>
+        <p:spPr>
+          <a:xfrm>
+            <a:off x="2928454" y="1204326"/>
+            <a:ext cx="2795674" cy="246221"/>
+          </a:xfrm>
+          <a:prstGeom prst="rect">
+            <a:avLst/>
+          </a:prstGeom>
+          <a:noFill/>
+        </p:spPr>
+        <p:txBody>
+          <a:bodyPr wrap="square" rtlCol="0">
+            <a:spAutoFit/>
+          </a:bodyPr>
+          <a:lstStyle/>
+          <a:p>
+            <a:r>
+              <a:rPr kumimoji="1" lang="en-US" altLang="ko-KR" sz="1000" i="1">
+                <a:solidFill>
+                  <a:schemeClr val="tx2"/>
+                </a:solidFill>
+              </a:rPr>
+              <a:t>GET </a:t>
+            </a:r>
+            <a:r>
+              <a:rPr lang="en" altLang="ko-KR" sz="1000" i="1">
+                <a:solidFill>
+                  <a:schemeClr val="tx2"/>
+                </a:solidFill>
+              </a:rPr>
+              <a:t>mock-server:8080/delay/5000</a:t>
+            </a:r>
+            <a:endParaRPr kumimoji="1" lang="ko-KR" altLang="en-US" sz="1000" i="1">
+              <a:solidFill>
+                <a:schemeClr val="tx2"/>
+              </a:solidFill>
+            </a:endParaRPr>
+          </a:p>
+        </p:txBody>
+      </p:sp>
+      <p:cxnSp>
+        <p:nvCxnSpPr>
+          <p:cNvPr id="3" name="Straight Arrow Connector 81">
+            <a:extLst>
+              <a:ext uri="{FF2B5EF4-FFF2-40B4-BE49-F238E27FC236}">
+                <a16:creationId xmlns:a16="http://schemas.microsoft.com/office/drawing/2014/main" id="{0E3F641F-D1FD-E10B-6D2B-D9D37736286C}"/>
+              </a:ext>
+            </a:extLst>
+          </p:cNvPr>
+          <p:cNvCxnSpPr>
+            <a:cxnSpLocks/>
+          </p:cNvCxnSpPr>
+          <p:nvPr/>
+        </p:nvCxnSpPr>
+        <p:spPr>
+          <a:xfrm>
+            <a:off x="2346071" y="1347614"/>
+            <a:ext cx="497737" cy="0"/>
+          </a:xfrm>
+          <a:prstGeom prst="straightConnector1">
+            <a:avLst/>
+          </a:prstGeom>
+          <a:ln>
+            <a:solidFill>
+              <a:schemeClr val="accent3"/>
+            </a:solidFill>
+            <a:headEnd type="none" w="med" len="med"/>
+            <a:tailEnd type="triangle" w="med" len="med"/>
+          </a:ln>
+        </p:spPr>
+        <p:style>
+          <a:lnRef idx="1">
+            <a:schemeClr val="accent1"/>
+          </a:lnRef>
+          <a:fillRef idx="0">
+            <a:schemeClr val="accent1"/>
+          </a:fillRef>
+          <a:effectRef idx="0">
+            <a:schemeClr val="accent1"/>
+          </a:effectRef>
+          <a:fontRef idx="minor">
+            <a:schemeClr val="tx1"/>
+          </a:fontRef>
+        </p:style>
+      </p:cxnSp>
+      <p:sp>
+        <p:nvSpPr>
+          <p:cNvPr id="6" name="TextBox 5">
+            <a:extLst>
+              <a:ext uri="{FF2B5EF4-FFF2-40B4-BE49-F238E27FC236}">
+                <a16:creationId xmlns:a16="http://schemas.microsoft.com/office/drawing/2014/main" id="{18397760-A08C-147D-82A3-3C7F44F74E65}"/>
+              </a:ext>
+            </a:extLst>
+          </p:cNvPr>
+          <p:cNvSpPr txBox="1"/>
+          <p:nvPr/>
+        </p:nvSpPr>
+        <p:spPr>
+          <a:xfrm>
+            <a:off x="2928454" y="1443528"/>
+            <a:ext cx="2795674" cy="246221"/>
+          </a:xfrm>
+          <a:prstGeom prst="rect">
+            <a:avLst/>
+          </a:prstGeom>
+          <a:noFill/>
+        </p:spPr>
+        <p:txBody>
+          <a:bodyPr wrap="square" rtlCol="0">
+            <a:spAutoFit/>
+          </a:bodyPr>
+          <a:lstStyle/>
+          <a:p>
+            <a:r>
+              <a:rPr kumimoji="1" lang="en-US" altLang="ko-KR" sz="1000" i="1">
+                <a:solidFill>
+                  <a:schemeClr val="accent3"/>
+                </a:solidFill>
+              </a:rPr>
+              <a:t>GET </a:t>
+            </a:r>
+            <a:r>
+              <a:rPr lang="en" altLang="ko-KR" sz="1000" i="1">
+                <a:solidFill>
+                  <a:schemeClr val="accent3"/>
+                </a:solidFill>
+              </a:rPr>
+              <a:t>mock-server:8080/delay/5000 </a:t>
+            </a:r>
+            <a:endParaRPr kumimoji="1" lang="ko-KR" altLang="en-US" sz="1000" i="1">
+              <a:solidFill>
+                <a:schemeClr val="accent3"/>
+              </a:solidFill>
+            </a:endParaRPr>
+          </a:p>
+        </p:txBody>
+      </p:sp>
+      <p:sp>
+        <p:nvSpPr>
+          <p:cNvPr id="9" name="TextBox 8">
+            <a:extLst>
+              <a:ext uri="{FF2B5EF4-FFF2-40B4-BE49-F238E27FC236}">
+                <a16:creationId xmlns:a16="http://schemas.microsoft.com/office/drawing/2014/main" id="{EC1A8036-57D2-4019-F8B5-53842AFD7D1B}"/>
+              </a:ext>
+            </a:extLst>
+          </p:cNvPr>
+          <p:cNvSpPr txBox="1"/>
+          <p:nvPr/>
+        </p:nvSpPr>
+        <p:spPr>
+          <a:xfrm>
+            <a:off x="2928453" y="2226447"/>
+            <a:ext cx="2795674" cy="246221"/>
+          </a:xfrm>
+          <a:prstGeom prst="rect">
+            <a:avLst/>
+          </a:prstGeom>
+          <a:noFill/>
+        </p:spPr>
+        <p:txBody>
+          <a:bodyPr wrap="square" rtlCol="0">
+            <a:spAutoFit/>
+          </a:bodyPr>
+          <a:lstStyle/>
+          <a:p>
+            <a:pPr algn="r"/>
+            <a:r>
+              <a:rPr kumimoji="1" lang="en-US" altLang="ko-KR" sz="1000" i="1">
+                <a:solidFill>
+                  <a:srgbClr val="C00000"/>
+                </a:solidFill>
+              </a:rPr>
+              <a:t>200 OK</a:t>
+            </a:r>
+            <a:endParaRPr kumimoji="1" lang="ko-KR" altLang="en-US" sz="1000" i="1">
+              <a:solidFill>
+                <a:srgbClr val="C00000"/>
+              </a:solidFill>
+            </a:endParaRPr>
+          </a:p>
+        </p:txBody>
+      </p:sp>
+      <p:cxnSp>
+        <p:nvCxnSpPr>
+          <p:cNvPr id="10" name="Straight Arrow Connector 81">
+            <a:extLst>
+              <a:ext uri="{FF2B5EF4-FFF2-40B4-BE49-F238E27FC236}">
+                <a16:creationId xmlns:a16="http://schemas.microsoft.com/office/drawing/2014/main" id="{296273D4-FD23-898F-5C3B-C33579433863}"/>
+              </a:ext>
+            </a:extLst>
+          </p:cNvPr>
+          <p:cNvCxnSpPr>
+            <a:cxnSpLocks/>
+          </p:cNvCxnSpPr>
+          <p:nvPr/>
+        </p:nvCxnSpPr>
+        <p:spPr>
+          <a:xfrm>
+            <a:off x="2346070" y="2472668"/>
+            <a:ext cx="3960440" cy="0"/>
+          </a:xfrm>
+          <a:prstGeom prst="straightConnector1">
+            <a:avLst/>
+          </a:prstGeom>
+          <a:ln>
+            <a:solidFill>
+              <a:srgbClr val="C00000"/>
+            </a:solidFill>
+            <a:headEnd type="triangle" w="med" len="med"/>
+            <a:tailEnd type="none" w="med" len="med"/>
+          </a:ln>
+        </p:spPr>
+        <p:style>
+          <a:lnRef idx="1">
+            <a:schemeClr val="accent1"/>
+          </a:lnRef>
+          <a:fillRef idx="0">
+            <a:schemeClr val="accent1"/>
+          </a:fillRef>
+          <a:effectRef idx="0">
+            <a:schemeClr val="accent1"/>
+          </a:effectRef>
+          <a:fontRef idx="minor">
+            <a:schemeClr val="tx1"/>
+          </a:fontRef>
+        </p:style>
+      </p:cxnSp>
+      <p:sp>
+        <p:nvSpPr>
+          <p:cNvPr id="12" name="호 11">
+            <a:extLst>
+              <a:ext uri="{FF2B5EF4-FFF2-40B4-BE49-F238E27FC236}">
+                <a16:creationId xmlns:a16="http://schemas.microsoft.com/office/drawing/2014/main" id="{66880876-CC88-B7D1-6105-0ABAA81BC87E}"/>
+              </a:ext>
+            </a:extLst>
+          </p:cNvPr>
+          <p:cNvSpPr/>
+          <p:nvPr/>
+        </p:nvSpPr>
+        <p:spPr>
+          <a:xfrm>
+            <a:off x="6156180" y="1199085"/>
+            <a:ext cx="288514" cy="1273554"/>
+          </a:xfrm>
+          <a:prstGeom prst="arc">
+            <a:avLst>
+              <a:gd name="adj1" fmla="val 16200000"/>
+              <a:gd name="adj2" fmla="val 5389298"/>
+            </a:avLst>
+          </a:prstGeom>
+          <a:ln>
+            <a:solidFill>
+              <a:srgbClr val="C00000"/>
+            </a:solidFill>
+            <a:headEnd type="none" w="med" len="med"/>
+            <a:tailEnd type="triangle" w="med" len="med"/>
+          </a:ln>
+        </p:spPr>
+        <p:style>
+          <a:lnRef idx="1">
+            <a:schemeClr val="accent1"/>
+          </a:lnRef>
+          <a:fillRef idx="0">
+            <a:schemeClr val="accent1"/>
+          </a:fillRef>
+          <a:effectRef idx="0">
+            <a:schemeClr val="accent1"/>
+          </a:effectRef>
+          <a:fontRef idx="minor">
+            <a:schemeClr val="tx1"/>
+          </a:fontRef>
+        </p:style>
+        <p:txBody>
+          <a:bodyPr rtlCol="0" anchor="ctr"/>
+          <a:lstStyle/>
+          <a:p>
+            <a:pPr algn="ctr"/>
+            <a:endParaRPr kumimoji="1" lang="ko-KR" altLang="en-US"/>
+          </a:p>
+        </p:txBody>
+      </p:sp>
+      <p:sp>
+        <p:nvSpPr>
+          <p:cNvPr id="13" name="TextBox 12">
+            <a:extLst>
+              <a:ext uri="{FF2B5EF4-FFF2-40B4-BE49-F238E27FC236}">
+                <a16:creationId xmlns:a16="http://schemas.microsoft.com/office/drawing/2014/main" id="{47B7A617-EFC0-4307-EB52-B7605F7F765C}"/>
+              </a:ext>
+            </a:extLst>
+          </p:cNvPr>
+          <p:cNvSpPr txBox="1"/>
+          <p:nvPr/>
+        </p:nvSpPr>
+        <p:spPr>
+          <a:xfrm>
+            <a:off x="6337278" y="1712751"/>
+            <a:ext cx="689798" cy="246221"/>
+          </a:xfrm>
+          <a:prstGeom prst="rect">
+            <a:avLst/>
+          </a:prstGeom>
+          <a:noFill/>
+        </p:spPr>
+        <p:txBody>
+          <a:bodyPr wrap="square" rtlCol="0">
+            <a:spAutoFit/>
+          </a:bodyPr>
+          <a:lstStyle/>
+          <a:p>
+            <a:pPr algn="ctr"/>
+            <a:r>
+              <a:rPr kumimoji="1" lang="en-US" altLang="ko-KR" sz="1000" i="1">
+                <a:solidFill>
+                  <a:srgbClr val="C00000"/>
+                </a:solidFill>
+              </a:rPr>
+              <a:t>5000ms</a:t>
+            </a:r>
+            <a:endParaRPr kumimoji="1" lang="ko-KR" altLang="en-US" sz="1000" i="1">
+              <a:solidFill>
+                <a:srgbClr val="C00000"/>
+              </a:solidFill>
+            </a:endParaRPr>
+          </a:p>
+        </p:txBody>
+      </p:sp>
+      <p:sp>
+        <p:nvSpPr>
+          <p:cNvPr id="14" name="TextBox 13">
+            <a:extLst>
+              <a:ext uri="{FF2B5EF4-FFF2-40B4-BE49-F238E27FC236}">
+                <a16:creationId xmlns:a16="http://schemas.microsoft.com/office/drawing/2014/main" id="{2A097D09-59D9-0C95-9814-60CDD0A4C79B}"/>
+              </a:ext>
+            </a:extLst>
+          </p:cNvPr>
+          <p:cNvSpPr txBox="1"/>
+          <p:nvPr/>
+        </p:nvSpPr>
+        <p:spPr>
+          <a:xfrm>
+            <a:off x="2928453" y="3569531"/>
+            <a:ext cx="2795674" cy="246221"/>
+          </a:xfrm>
+          <a:prstGeom prst="rect">
+            <a:avLst/>
+          </a:prstGeom>
+          <a:noFill/>
+        </p:spPr>
+        <p:txBody>
+          <a:bodyPr wrap="square" rtlCol="0">
+            <a:spAutoFit/>
+          </a:bodyPr>
+          <a:lstStyle/>
+          <a:p>
+            <a:pPr algn="r"/>
+            <a:r>
+              <a:rPr kumimoji="1" lang="en-US" altLang="ko-KR" sz="1000" i="1">
+                <a:solidFill>
+                  <a:schemeClr val="tx2"/>
+                </a:solidFill>
+              </a:rPr>
+              <a:t>200 OK</a:t>
+            </a:r>
+            <a:endParaRPr kumimoji="1" lang="ko-KR" altLang="en-US" sz="1000" i="1">
+              <a:solidFill>
+                <a:schemeClr val="tx2"/>
+              </a:solidFill>
+            </a:endParaRPr>
+          </a:p>
+        </p:txBody>
+      </p:sp>
+      <p:cxnSp>
+        <p:nvCxnSpPr>
+          <p:cNvPr id="15" name="Straight Arrow Connector 81">
+            <a:extLst>
+              <a:ext uri="{FF2B5EF4-FFF2-40B4-BE49-F238E27FC236}">
+                <a16:creationId xmlns:a16="http://schemas.microsoft.com/office/drawing/2014/main" id="{27F88202-0C33-F5A4-0F18-29F5E8338517}"/>
+              </a:ext>
+            </a:extLst>
+          </p:cNvPr>
+          <p:cNvCxnSpPr>
+            <a:cxnSpLocks/>
+          </p:cNvCxnSpPr>
+          <p:nvPr/>
+        </p:nvCxnSpPr>
+        <p:spPr>
+          <a:xfrm>
+            <a:off x="2346070" y="3815752"/>
+            <a:ext cx="3960440" cy="0"/>
+          </a:xfrm>
+          <a:prstGeom prst="straightConnector1">
+            <a:avLst/>
+          </a:prstGeom>
+          <a:ln>
+            <a:solidFill>
+              <a:schemeClr val="tx2"/>
+            </a:solidFill>
+            <a:headEnd type="triangle" w="med" len="med"/>
+            <a:tailEnd type="none" w="med" len="med"/>
+          </a:ln>
+        </p:spPr>
+        <p:style>
+          <a:lnRef idx="1">
+            <a:schemeClr val="accent1"/>
+          </a:lnRef>
+          <a:fillRef idx="0">
+            <a:schemeClr val="accent1"/>
+          </a:fillRef>
+          <a:effectRef idx="0">
+            <a:schemeClr val="accent1"/>
+          </a:effectRef>
+          <a:fontRef idx="minor">
+            <a:schemeClr val="tx1"/>
+          </a:fontRef>
+        </p:style>
+      </p:cxnSp>
+      <p:cxnSp>
+        <p:nvCxnSpPr>
+          <p:cNvPr id="21" name="Elbow Connector 80">
+            <a:extLst>
+              <a:ext uri="{FF2B5EF4-FFF2-40B4-BE49-F238E27FC236}">
+                <a16:creationId xmlns:a16="http://schemas.microsoft.com/office/drawing/2014/main" id="{ED116C40-095F-9CE3-6D37-24A282BC7869}"/>
+              </a:ext>
+            </a:extLst>
+          </p:cNvPr>
+          <p:cNvCxnSpPr>
+            <a:cxnSpLocks/>
+          </p:cNvCxnSpPr>
+          <p:nvPr/>
+        </p:nvCxnSpPr>
+        <p:spPr>
+          <a:xfrm>
+            <a:off x="2346070" y="1273066"/>
+            <a:ext cx="3960440" cy="1269074"/>
+          </a:xfrm>
+          <a:prstGeom prst="bentConnector3">
+            <a:avLst>
+              <a:gd name="adj1" fmla="val 14405"/>
+            </a:avLst>
+          </a:prstGeom>
+          <a:ln w="12700">
+            <a:solidFill>
+              <a:schemeClr val="tx2"/>
+            </a:solidFill>
+            <a:tailEnd type="triangle"/>
+          </a:ln>
+        </p:spPr>
+        <p:style>
+          <a:lnRef idx="1">
+            <a:schemeClr val="accent1"/>
+          </a:lnRef>
+          <a:fillRef idx="0">
+            <a:schemeClr val="accent1"/>
+          </a:fillRef>
+          <a:effectRef idx="0">
+            <a:schemeClr val="accent1"/>
+          </a:effectRef>
+          <a:fontRef idx="minor">
+            <a:schemeClr val="tx1"/>
+          </a:fontRef>
+        </p:style>
+      </p:cxnSp>
+      <p:sp>
+        <p:nvSpPr>
+          <p:cNvPr id="38" name="호 37">
+            <a:extLst>
+              <a:ext uri="{FF2B5EF4-FFF2-40B4-BE49-F238E27FC236}">
+                <a16:creationId xmlns:a16="http://schemas.microsoft.com/office/drawing/2014/main" id="{5495A184-241B-9957-9618-1CCED2EE74BD}"/>
+              </a:ext>
+            </a:extLst>
+          </p:cNvPr>
+          <p:cNvSpPr/>
+          <p:nvPr/>
+        </p:nvSpPr>
+        <p:spPr>
+          <a:xfrm>
+            <a:off x="6172154" y="2542139"/>
+            <a:ext cx="288514" cy="1273554"/>
+          </a:xfrm>
+          <a:prstGeom prst="arc">
+            <a:avLst>
+              <a:gd name="adj1" fmla="val 16200000"/>
+              <a:gd name="adj2" fmla="val 5389298"/>
+            </a:avLst>
+          </a:prstGeom>
+          <a:ln>
+            <a:solidFill>
+              <a:schemeClr val="tx2"/>
+            </a:solidFill>
+            <a:headEnd type="none" w="med" len="med"/>
+            <a:tailEnd type="triangle" w="med" len="med"/>
+          </a:ln>
+        </p:spPr>
+        <p:style>
+          <a:lnRef idx="1">
+            <a:schemeClr val="accent1"/>
+          </a:lnRef>
+          <a:fillRef idx="0">
+            <a:schemeClr val="accent1"/>
+          </a:fillRef>
+          <a:effectRef idx="0">
+            <a:schemeClr val="accent1"/>
+          </a:effectRef>
+          <a:fontRef idx="minor">
+            <a:schemeClr val="tx1"/>
+          </a:fontRef>
+        </p:style>
+        <p:txBody>
+          <a:bodyPr rtlCol="0" anchor="ctr"/>
+          <a:lstStyle/>
+          <a:p>
+            <a:pPr algn="ctr"/>
+            <a:endParaRPr kumimoji="1" lang="ko-KR" altLang="en-US"/>
+          </a:p>
+        </p:txBody>
+      </p:sp>
+      <p:sp>
+        <p:nvSpPr>
+          <p:cNvPr id="39" name="TextBox 38">
+            <a:extLst>
+              <a:ext uri="{FF2B5EF4-FFF2-40B4-BE49-F238E27FC236}">
+                <a16:creationId xmlns:a16="http://schemas.microsoft.com/office/drawing/2014/main" id="{B54D81F9-D305-F95D-D852-A73D67B692EE}"/>
+              </a:ext>
+            </a:extLst>
+          </p:cNvPr>
+          <p:cNvSpPr txBox="1"/>
+          <p:nvPr/>
+        </p:nvSpPr>
+        <p:spPr>
+          <a:xfrm>
+            <a:off x="6353252" y="3055805"/>
+            <a:ext cx="689798" cy="246221"/>
+          </a:xfrm>
+          <a:prstGeom prst="rect">
+            <a:avLst/>
+          </a:prstGeom>
+          <a:noFill/>
+        </p:spPr>
+        <p:txBody>
+          <a:bodyPr wrap="square" rtlCol="0">
+            <a:spAutoFit/>
+          </a:bodyPr>
+          <a:lstStyle/>
+          <a:p>
+            <a:pPr algn="ctr"/>
+            <a:r>
+              <a:rPr kumimoji="1" lang="en-US" altLang="ko-KR" sz="1000" i="1">
+                <a:solidFill>
+                  <a:schemeClr val="tx2"/>
+                </a:solidFill>
+              </a:rPr>
+              <a:t>5000ms</a:t>
+            </a:r>
+            <a:endParaRPr kumimoji="1" lang="ko-KR" altLang="en-US" sz="1000" i="1">
+              <a:solidFill>
+                <a:schemeClr val="tx2"/>
+              </a:solidFill>
+            </a:endParaRPr>
+          </a:p>
+        </p:txBody>
+      </p:sp>
+      <p:sp>
+        <p:nvSpPr>
+          <p:cNvPr id="46" name="TextBox 45">
+            <a:extLst>
+              <a:ext uri="{FF2B5EF4-FFF2-40B4-BE49-F238E27FC236}">
+                <a16:creationId xmlns:a16="http://schemas.microsoft.com/office/drawing/2014/main" id="{827C212E-DF96-D652-773A-ADF3E8FD3A7D}"/>
+              </a:ext>
+            </a:extLst>
+          </p:cNvPr>
+          <p:cNvSpPr txBox="1"/>
+          <p:nvPr/>
+        </p:nvSpPr>
+        <p:spPr>
+          <a:xfrm>
+            <a:off x="1589094" y="1789013"/>
+            <a:ext cx="689798" cy="246221"/>
+          </a:xfrm>
+          <a:prstGeom prst="rect">
+            <a:avLst/>
+          </a:prstGeom>
+          <a:noFill/>
+        </p:spPr>
+        <p:txBody>
+          <a:bodyPr wrap="square" rtlCol="0">
+            <a:spAutoFit/>
+          </a:bodyPr>
+          <a:lstStyle/>
+          <a:p>
+            <a:pPr algn="ctr"/>
+            <a:r>
+              <a:rPr kumimoji="1" lang="en-US" altLang="ko-KR" sz="1000" i="1">
+                <a:solidFill>
+                  <a:schemeClr val="tx2"/>
+                </a:solidFill>
+              </a:rPr>
+              <a:t>5000ms</a:t>
+            </a:r>
+            <a:endParaRPr kumimoji="1" lang="ko-KR" altLang="en-US" sz="1000" i="1">
+              <a:solidFill>
+                <a:schemeClr val="tx2"/>
+              </a:solidFill>
+            </a:endParaRPr>
+          </a:p>
+        </p:txBody>
+      </p:sp>
+      <p:sp>
+        <p:nvSpPr>
+          <p:cNvPr id="47" name="호 46">
+            <a:extLst>
+              <a:ext uri="{FF2B5EF4-FFF2-40B4-BE49-F238E27FC236}">
+                <a16:creationId xmlns:a16="http://schemas.microsoft.com/office/drawing/2014/main" id="{AD793D3E-8B76-8D92-A59B-F4F937AFE47F}"/>
+              </a:ext>
+            </a:extLst>
+          </p:cNvPr>
+          <p:cNvSpPr/>
+          <p:nvPr/>
+        </p:nvSpPr>
+        <p:spPr>
+          <a:xfrm flipH="1">
+            <a:off x="2199134" y="1273066"/>
+            <a:ext cx="288514" cy="1273554"/>
+          </a:xfrm>
+          <a:prstGeom prst="arc">
+            <a:avLst>
+              <a:gd name="adj1" fmla="val 16200000"/>
+              <a:gd name="adj2" fmla="val 5389298"/>
+            </a:avLst>
+          </a:prstGeom>
+          <a:ln>
+            <a:solidFill>
+              <a:schemeClr val="tx2"/>
+            </a:solidFill>
+            <a:headEnd type="none" w="med" len="med"/>
+            <a:tailEnd type="triangle" w="med" len="med"/>
+          </a:ln>
+        </p:spPr>
+        <p:style>
+          <a:lnRef idx="1">
+            <a:schemeClr val="accent1"/>
+          </a:lnRef>
+          <a:fillRef idx="0">
+            <a:schemeClr val="accent1"/>
+          </a:fillRef>
+          <a:effectRef idx="0">
+            <a:schemeClr val="accent1"/>
+          </a:effectRef>
+          <a:fontRef idx="minor">
+            <a:schemeClr val="tx1"/>
+          </a:fontRef>
+        </p:style>
+        <p:txBody>
+          <a:bodyPr rtlCol="0" anchor="ctr"/>
+          <a:lstStyle/>
+          <a:p>
+            <a:pPr algn="ctr"/>
+            <a:endParaRPr kumimoji="1" lang="ko-KR" altLang="en-US"/>
+          </a:p>
+        </p:txBody>
+      </p:sp>
+    </p:spTree>
+    <p:extLst>
+      <p:ext uri="{BB962C8B-B14F-4D97-AF65-F5344CB8AC3E}">
+        <p14:creationId xmlns:p14="http://schemas.microsoft.com/office/powerpoint/2010/main" val="591218850"/>
+      </p:ext>
+    </p:extLst>
+  </p:cSld>
+  <p:clrMapOvr>
+    <a:masterClrMapping/>
+  </p:clrMapOvr>
+</p:sld>
+</file>
+
+<file path=ppt/slides/slide11.xml><?xml version="1.0" encoding="utf-8"?>
 <p:sld xmlns:a="http://schemas.openxmlformats.org/drawingml/2006/main" xmlns:r="http://schemas.openxmlformats.org/officeDocument/2006/relationships" xmlns:p="http://schemas.openxmlformats.org/presentationml/2006/main">
   <p:cSld>
     <p:spTree>
@@ -5797,7 +6438,7 @@
 </p:sld>
 </file>
 
-<file path=ppt/slides/slide11.xml><?xml version="1.0" encoding="utf-8"?>
+<file path=ppt/slides/slide12.xml><?xml version="1.0" encoding="utf-8"?>
 <p:sld xmlns:a="http://schemas.openxmlformats.org/drawingml/2006/main" xmlns:r="http://schemas.openxmlformats.org/officeDocument/2006/relationships" xmlns:p="http://schemas.openxmlformats.org/presentationml/2006/main">
   <p:cSld>
     <p:spTree>
@@ -6815,7 +7456,7 @@
 </p:sld>
 </file>
 
-<file path=ppt/slides/slide12.xml><?xml version="1.0" encoding="utf-8"?>
+<file path=ppt/slides/slide13.xml><?xml version="1.0" encoding="utf-8"?>
 <p:sld xmlns:a="http://schemas.openxmlformats.org/drawingml/2006/main" xmlns:r="http://schemas.openxmlformats.org/officeDocument/2006/relationships" xmlns:p="http://schemas.openxmlformats.org/presentationml/2006/main">
   <p:cSld>
     <p:spTree>
@@ -8243,7 +8884,7 @@
 </p:sld>
 </file>
 
-<file path=ppt/slides/slide13.xml><?xml version="1.0" encoding="utf-8"?>
+<file path=ppt/slides/slide14.xml><?xml version="1.0" encoding="utf-8"?>
 <p:sld xmlns:a="http://schemas.openxmlformats.org/drawingml/2006/main" xmlns:r="http://schemas.openxmlformats.org/officeDocument/2006/relationships" xmlns:p="http://schemas.openxmlformats.org/presentationml/2006/main">
   <p:cSld>
     <p:spTree>
@@ -9667,7 +10308,7 @@
 </p:sld>
 </file>
 
-<file path=ppt/slides/slide14.xml><?xml version="1.0" encoding="utf-8"?>
+<file path=ppt/slides/slide15.xml><?xml version="1.0" encoding="utf-8"?>
 <p:sld xmlns:a="http://schemas.openxmlformats.org/drawingml/2006/main" xmlns:r="http://schemas.openxmlformats.org/officeDocument/2006/relationships" xmlns:p="http://schemas.openxmlformats.org/presentationml/2006/main">
   <p:cSld>
     <p:spTree>
@@ -9997,7 +10638,7 @@
 </p:sld>
 </file>
 
-<file path=ppt/slides/slide15.xml><?xml version="1.0" encoding="utf-8"?>
+<file path=ppt/slides/slide16.xml><?xml version="1.0" encoding="utf-8"?>
 <p:sld xmlns:a="http://schemas.openxmlformats.org/drawingml/2006/main" xmlns:r="http://schemas.openxmlformats.org/officeDocument/2006/relationships" xmlns:p="http://schemas.openxmlformats.org/presentationml/2006/main">
   <p:cSld>
     <p:spTree>
@@ -10077,7 +10718,7 @@
 </p:sld>
 </file>
 
-<file path=ppt/slides/slide16.xml><?xml version="1.0" encoding="utf-8"?>
+<file path=ppt/slides/slide17.xml><?xml version="1.0" encoding="utf-8"?>
 <p:sld xmlns:a="http://schemas.openxmlformats.org/drawingml/2006/main" xmlns:r="http://schemas.openxmlformats.org/officeDocument/2006/relationships" xmlns:p="http://schemas.openxmlformats.org/presentationml/2006/main">
   <p:cSld>
     <p:spTree>
@@ -10568,7 +11209,7 @@
 </p:sld>
 </file>
 
-<file path=ppt/slides/slide17.xml><?xml version="1.0" encoding="utf-8"?>
+<file path=ppt/slides/slide18.xml><?xml version="1.0" encoding="utf-8"?>
 <p:sld xmlns:a="http://schemas.openxmlformats.org/drawingml/2006/main" xmlns:r="http://schemas.openxmlformats.org/officeDocument/2006/relationships" xmlns:p="http://schemas.openxmlformats.org/presentationml/2006/main">
   <p:cSld>
     <p:spTree>
@@ -11244,7 +11885,7 @@
         <p:cNvPr id="1" name="">
           <a:extLst>
             <a:ext uri="{FF2B5EF4-FFF2-40B4-BE49-F238E27FC236}">
-              <a16:creationId xmlns:a16="http://schemas.microsoft.com/office/drawing/2014/main" id="{2FFB719D-B266-16CC-C562-6996970E1A1C}"/>
+              <a16:creationId xmlns:a16="http://schemas.microsoft.com/office/drawing/2014/main" id="{B201D244-26D7-6140-60E1-E03A5F2D9C57}"/>
             </a:ext>
           </a:extLst>
         </p:cNvPr>
@@ -11261,10 +11902,10 @@
       </p:grpSpPr>
       <p:sp>
         <p:nvSpPr>
-          <p:cNvPr id="7" name="사각형: 둥근 모서리 29">
-            <a:extLst>
-              <a:ext uri="{FF2B5EF4-FFF2-40B4-BE49-F238E27FC236}">
-                <a16:creationId xmlns:a16="http://schemas.microsoft.com/office/drawing/2014/main" id="{F9ABEC67-3036-DBCC-A099-40F70C5561F7}"/>
+          <p:cNvPr id="6" name="사각형: 둥근 모서리 29">
+            <a:extLst>
+              <a:ext uri="{FF2B5EF4-FFF2-40B4-BE49-F238E27FC236}">
+                <a16:creationId xmlns:a16="http://schemas.microsoft.com/office/drawing/2014/main" id="{E7C860AB-99C2-5548-B211-1C5713672C6C}"/>
               </a:ext>
             </a:extLst>
           </p:cNvPr>
@@ -11273,12 +11914,12 @@
         </p:nvSpPr>
         <p:spPr>
           <a:xfrm>
-            <a:off x="5364088" y="1347614"/>
-            <a:ext cx="1639925" cy="1034709"/>
+            <a:off x="179512" y="1938094"/>
+            <a:ext cx="2551069" cy="1267312"/>
           </a:xfrm>
           <a:prstGeom prst="roundRect">
             <a:avLst>
-              <a:gd name="adj" fmla="val 7396"/>
+              <a:gd name="adj" fmla="val 6027"/>
             </a:avLst>
           </a:prstGeom>
           <a:ln w="12700"/>
@@ -11319,10 +11960,10 @@
       </p:sp>
       <p:sp>
         <p:nvSpPr>
-          <p:cNvPr id="6" name="사각형: 둥근 모서리 29">
-            <a:extLst>
-              <a:ext uri="{FF2B5EF4-FFF2-40B4-BE49-F238E27FC236}">
-                <a16:creationId xmlns:a16="http://schemas.microsoft.com/office/drawing/2014/main" id="{7D643B2C-C7AF-712E-27BE-26C602FB7160}"/>
+          <p:cNvPr id="4" name="사각형: 둥근 모서리 29">
+            <a:extLst>
+              <a:ext uri="{FF2B5EF4-FFF2-40B4-BE49-F238E27FC236}">
+                <a16:creationId xmlns:a16="http://schemas.microsoft.com/office/drawing/2014/main" id="{9C3DFF99-F482-A5A6-19D9-6DEAAF1C93D6}"/>
               </a:ext>
             </a:extLst>
           </p:cNvPr>
@@ -11331,12 +11972,12 @@
         </p:nvSpPr>
         <p:spPr>
           <a:xfrm>
-            <a:off x="1403648" y="1347614"/>
-            <a:ext cx="1639925" cy="1034709"/>
+            <a:off x="270021" y="2037546"/>
+            <a:ext cx="2372526" cy="888200"/>
           </a:xfrm>
           <a:prstGeom prst="roundRect">
             <a:avLst>
-              <a:gd name="adj" fmla="val 7396"/>
+              <a:gd name="adj" fmla="val 10124"/>
             </a:avLst>
           </a:prstGeom>
           <a:ln w="12700"/>
@@ -11362,131 +12003,12 @@
             <a:pPr algn="ctr"/>
             <a:r>
               <a:rPr lang="en-US" altLang="ko-KR" sz="1000" b="1"/>
-              <a:t> </a:t>
-            </a:r>
-          </a:p>
-          <a:p>
-            <a:pPr algn="ctr"/>
-            <a:r>
-              <a:rPr lang="en-US" altLang="ko-KR" sz="1000"/>
-              <a:t>Worker Node</a:t>
-            </a:r>
-            <a:endParaRPr lang="ko-KR" altLang="en-US" sz="1000"/>
-          </a:p>
-        </p:txBody>
-      </p:sp>
-      <p:sp>
-        <p:nvSpPr>
-          <p:cNvPr id="4" name="사각형: 둥근 모서리 29">
-            <a:extLst>
-              <a:ext uri="{FF2B5EF4-FFF2-40B4-BE49-F238E27FC236}">
-                <a16:creationId xmlns:a16="http://schemas.microsoft.com/office/drawing/2014/main" id="{085BD0E1-37D9-B16D-83A5-91AB654FE73A}"/>
-              </a:ext>
-            </a:extLst>
-          </p:cNvPr>
-          <p:cNvSpPr/>
-          <p:nvPr/>
-        </p:nvSpPr>
-        <p:spPr>
-          <a:xfrm>
-            <a:off x="1641229" y="1518227"/>
-            <a:ext cx="1164765" cy="513275"/>
-          </a:xfrm>
-          <a:prstGeom prst="roundRect">
-            <a:avLst>
-              <a:gd name="adj" fmla="val 17374"/>
-            </a:avLst>
-          </a:prstGeom>
-          <a:ln w="12700"/>
-        </p:spPr>
-        <p:style>
-          <a:lnRef idx="2">
-            <a:schemeClr val="dk1"/>
-          </a:lnRef>
-          <a:fillRef idx="1">
-            <a:schemeClr val="lt1"/>
-          </a:fillRef>
-          <a:effectRef idx="0">
-            <a:schemeClr val="dk1"/>
-          </a:effectRef>
-          <a:fontRef idx="minor">
-            <a:schemeClr val="dk1"/>
-          </a:fontRef>
-        </p:style>
-        <p:txBody>
-          <a:bodyPr rtlCol="0" anchor="ctr"/>
-          <a:lstStyle/>
-          <a:p>
-            <a:pPr algn="ctr"/>
-            <a:r>
-              <a:rPr lang="en-US" altLang="ko-KR" sz="1000" b="1"/>
-              <a:t>shell</a:t>
-            </a:r>
-          </a:p>
-          <a:p>
-            <a:pPr algn="ctr"/>
+              <a:t>shell </a:t>
+            </a:r>
             <a:r>
               <a:rPr lang="en-US" altLang="ko-KR" sz="1000"/>
               <a:t>Pod</a:t>
             </a:r>
-          </a:p>
-        </p:txBody>
-      </p:sp>
-      <p:sp>
-        <p:nvSpPr>
-          <p:cNvPr id="5" name="사각형: 둥근 모서리 29">
-            <a:extLst>
-              <a:ext uri="{FF2B5EF4-FFF2-40B4-BE49-F238E27FC236}">
-                <a16:creationId xmlns:a16="http://schemas.microsoft.com/office/drawing/2014/main" id="{339F5E8E-C1DA-52BD-7E26-7663EDE534D9}"/>
-              </a:ext>
-            </a:extLst>
-          </p:cNvPr>
-          <p:cNvSpPr/>
-          <p:nvPr/>
-        </p:nvSpPr>
-        <p:spPr>
-          <a:xfrm>
-            <a:off x="5601669" y="1518227"/>
-            <a:ext cx="1164765" cy="513275"/>
-          </a:xfrm>
-          <a:prstGeom prst="roundRect">
-            <a:avLst>
-              <a:gd name="adj" fmla="val 17374"/>
-            </a:avLst>
-          </a:prstGeom>
-          <a:ln w="12700"/>
-        </p:spPr>
-        <p:style>
-          <a:lnRef idx="2">
-            <a:schemeClr val="dk1"/>
-          </a:lnRef>
-          <a:fillRef idx="1">
-            <a:schemeClr val="lt1"/>
-          </a:fillRef>
-          <a:effectRef idx="0">
-            <a:schemeClr val="dk1"/>
-          </a:effectRef>
-          <a:fontRef idx="minor">
-            <a:schemeClr val="dk1"/>
-          </a:fontRef>
-        </p:style>
-        <p:txBody>
-          <a:bodyPr rtlCol="0" anchor="ctr"/>
-          <a:lstStyle/>
-          <a:p>
-            <a:pPr algn="ctr"/>
-            <a:r>
-              <a:rPr lang="en-US" altLang="ko-KR" sz="1000" b="1"/>
-              <a:t>mock-server</a:t>
-            </a:r>
-          </a:p>
-          <a:p>
-            <a:pPr algn="ctr"/>
-            <a:r>
-              <a:rPr lang="en-US" altLang="ko-KR" sz="1000"/>
-              <a:t>Pod</a:t>
-            </a:r>
-            <a:endParaRPr lang="ko-KR" altLang="en-US" sz="1000"/>
           </a:p>
         </p:txBody>
       </p:sp>
@@ -11495,7 +12017,7 @@
           <p:cNvPr id="8" name="Straight Arrow Connector 81">
             <a:extLst>
               <a:ext uri="{FF2B5EF4-FFF2-40B4-BE49-F238E27FC236}">
-                <a16:creationId xmlns:a16="http://schemas.microsoft.com/office/drawing/2014/main" id="{E5905F3A-7036-4CDE-4198-9FB6D36A9AAF}"/>
+                <a16:creationId xmlns:a16="http://schemas.microsoft.com/office/drawing/2014/main" id="{394A9B85-E0CB-C3E2-FE6B-313FDB0F8276}"/>
               </a:ext>
             </a:extLst>
           </p:cNvPr>
@@ -11508,7 +12030,7 @@
         </p:nvCxnSpPr>
         <p:spPr>
           <a:xfrm>
-            <a:off x="4199322" y="1336606"/>
+            <a:off x="3689931" y="2043387"/>
             <a:ext cx="0" cy="173250"/>
           </a:xfrm>
           <a:prstGeom prst="straightConnector1">
@@ -11541,7 +12063,7 @@
           <p:cNvPr id="2" name="사각형: 둥근 모서리 29">
             <a:extLst>
               <a:ext uri="{FF2B5EF4-FFF2-40B4-BE49-F238E27FC236}">
-                <a16:creationId xmlns:a16="http://schemas.microsoft.com/office/drawing/2014/main" id="{85641599-95DD-45BF-D4F4-3A50F04D2562}"/>
+                <a16:creationId xmlns:a16="http://schemas.microsoft.com/office/drawing/2014/main" id="{E83EA57A-E1C7-74DD-D938-77886DEE88B0}"/>
               </a:ext>
             </a:extLst>
           </p:cNvPr>
@@ -11550,8 +12072,8 @@
         </p:nvSpPr>
         <p:spPr>
           <a:xfrm>
-            <a:off x="3560319" y="2216434"/>
-            <a:ext cx="1278007" cy="525929"/>
+            <a:off x="3027276" y="2923215"/>
+            <a:ext cx="1325312" cy="525929"/>
           </a:xfrm>
           <a:prstGeom prst="roundRect">
             <a:avLst>
@@ -11583,7 +12105,7 @@
             <a:pPr algn="ctr"/>
             <a:r>
               <a:rPr lang="en-US" altLang="ko-KR" sz="1000" b="1"/>
-              <a:t>mock-server</a:t>
+              <a:t>mock-server-http</a:t>
             </a:r>
             <a:r>
               <a:rPr lang="en-US" altLang="ko-KR" sz="1000"/>
@@ -11605,7 +12127,7 @@
           <p:cNvPr id="3" name="사각형: 둥근 모서리 29">
             <a:extLst>
               <a:ext uri="{FF2B5EF4-FFF2-40B4-BE49-F238E27FC236}">
-                <a16:creationId xmlns:a16="http://schemas.microsoft.com/office/drawing/2014/main" id="{726E044F-1A65-8804-CFC2-46BCCA04155E}"/>
+                <a16:creationId xmlns:a16="http://schemas.microsoft.com/office/drawing/2014/main" id="{B158FBE7-8CF1-D522-A286-8D7DED3F9319}"/>
               </a:ext>
             </a:extLst>
           </p:cNvPr>
@@ -11614,8 +12136,8 @@
         </p:nvSpPr>
         <p:spPr>
           <a:xfrm>
-            <a:off x="3560318" y="1509856"/>
-            <a:ext cx="1278007" cy="525929"/>
+            <a:off x="3027275" y="2216637"/>
+            <a:ext cx="1325312" cy="525929"/>
           </a:xfrm>
           <a:prstGeom prst="roundRect">
             <a:avLst>
@@ -11647,7 +12169,7 @@
             <a:pPr algn="ctr"/>
             <a:r>
               <a:rPr lang="en-US" altLang="ko-KR" sz="1000" b="1"/>
-              <a:t>mock-server</a:t>
+              <a:t>mock-server-http</a:t>
             </a:r>
           </a:p>
           <a:p>
@@ -11665,7 +12187,7 @@
           <p:cNvPr id="9" name="사각형: 둥근 모서리 29">
             <a:extLst>
               <a:ext uri="{FF2B5EF4-FFF2-40B4-BE49-F238E27FC236}">
-                <a16:creationId xmlns:a16="http://schemas.microsoft.com/office/drawing/2014/main" id="{6A93278C-E31C-E585-CF63-674AB91E87C7}"/>
+                <a16:creationId xmlns:a16="http://schemas.microsoft.com/office/drawing/2014/main" id="{2FB41AAC-29ED-C86A-F5FE-80C636EE48C3}"/>
               </a:ext>
             </a:extLst>
           </p:cNvPr>
@@ -11674,8 +12196,8 @@
         </p:nvSpPr>
         <p:spPr>
           <a:xfrm>
-            <a:off x="3560318" y="810677"/>
-            <a:ext cx="1278007" cy="525929"/>
+            <a:off x="3027275" y="1517458"/>
+            <a:ext cx="1325312" cy="525929"/>
           </a:xfrm>
           <a:prstGeom prst="roundRect">
             <a:avLst>
@@ -11707,7 +12229,7 @@
             <a:pPr algn="ctr"/>
             <a:r>
               <a:rPr lang="en-US" altLang="ko-KR" sz="1000" b="1"/>
-              <a:t>mock-server</a:t>
+              <a:t>mock-server-http</a:t>
             </a:r>
           </a:p>
           <a:p>
@@ -11725,24 +12247,26 @@
           <p:cNvPr id="11" name="Elbow Connector 80">
             <a:extLst>
               <a:ext uri="{FF2B5EF4-FFF2-40B4-BE49-F238E27FC236}">
-                <a16:creationId xmlns:a16="http://schemas.microsoft.com/office/drawing/2014/main" id="{BBEB9EAA-A657-70C3-8A9B-3F1FE4578D30}"/>
+                <a16:creationId xmlns:a16="http://schemas.microsoft.com/office/drawing/2014/main" id="{3AD24A9F-6640-EF23-87A5-D85494C3E613}"/>
               </a:ext>
             </a:extLst>
           </p:cNvPr>
           <p:cNvCxnSpPr>
             <a:cxnSpLocks/>
-            <a:stCxn id="4" idx="0"/>
-            <a:endCxn id="9" idx="1"/>
+            <a:stCxn id="75" idx="0"/>
+            <a:endCxn id="9" idx="0"/>
           </p:cNvCxnSpPr>
           <p:nvPr/>
         </p:nvCxnSpPr>
         <p:spPr>
           <a:xfrm rot="5400000" flipH="1" flipV="1">
-            <a:off x="2669673" y="627582"/>
-            <a:ext cx="444585" cy="1336706"/>
-          </a:xfrm>
-          <a:prstGeom prst="bentConnector2">
-            <a:avLst/>
+            <a:off x="2588846" y="1031270"/>
+            <a:ext cx="614896" cy="1587273"/>
+          </a:xfrm>
+          <a:prstGeom prst="bentConnector3">
+            <a:avLst>
+              <a:gd name="adj1" fmla="val 137177"/>
+            </a:avLst>
           </a:prstGeom>
           <a:ln w="12700">
             <a:solidFill>
@@ -11771,7 +12295,7 @@
           <p:cNvPr id="18" name="Straight Arrow Connector 81">
             <a:extLst>
               <a:ext uri="{FF2B5EF4-FFF2-40B4-BE49-F238E27FC236}">
-                <a16:creationId xmlns:a16="http://schemas.microsoft.com/office/drawing/2014/main" id="{47222323-B67F-18C2-875C-D82748BDCA42}"/>
+                <a16:creationId xmlns:a16="http://schemas.microsoft.com/office/drawing/2014/main" id="{789A67B3-1412-BD36-5A55-3995D51EB0D6}"/>
               </a:ext>
             </a:extLst>
           </p:cNvPr>
@@ -11784,7 +12308,7 @@
         </p:nvCxnSpPr>
         <p:spPr>
           <a:xfrm>
-            <a:off x="4199322" y="2035785"/>
+            <a:off x="3689931" y="2742566"/>
             <a:ext cx="1" cy="180649"/>
           </a:xfrm>
           <a:prstGeom prst="straightConnector1">
@@ -11814,27 +12338,305 @@
       </p:cxnSp>
       <p:cxnSp>
         <p:nvCxnSpPr>
-          <p:cNvPr id="21" name="Elbow Connector 80">
-            <a:extLst>
-              <a:ext uri="{FF2B5EF4-FFF2-40B4-BE49-F238E27FC236}">
-                <a16:creationId xmlns:a16="http://schemas.microsoft.com/office/drawing/2014/main" id="{A0EE3E5F-4068-AB1E-B7CC-8A379D49124F}"/>
+          <p:cNvPr id="15" name="Straight Arrow Connector 81">
+            <a:extLst>
+              <a:ext uri="{FF2B5EF4-FFF2-40B4-BE49-F238E27FC236}">
+                <a16:creationId xmlns:a16="http://schemas.microsoft.com/office/drawing/2014/main" id="{22D72CE6-D484-F2BE-F23D-8F2D5269CFD7}"/>
               </a:ext>
             </a:extLst>
           </p:cNvPr>
           <p:cNvCxnSpPr>
             <a:cxnSpLocks/>
-            <a:stCxn id="2" idx="3"/>
-            <a:endCxn id="5" idx="2"/>
+            <a:stCxn id="19" idx="2"/>
+            <a:endCxn id="17" idx="0"/>
           </p:cNvCxnSpPr>
           <p:nvPr/>
         </p:nvCxnSpPr>
         <p:spPr>
-          <a:xfrm flipV="1">
-            <a:off x="4838326" y="2031502"/>
-            <a:ext cx="1345726" cy="447897"/>
-          </a:xfrm>
-          <a:prstGeom prst="bentConnector2">
-            <a:avLst/>
+          <a:xfrm>
+            <a:off x="5390759" y="2037546"/>
+            <a:ext cx="0" cy="173250"/>
+          </a:xfrm>
+          <a:prstGeom prst="straightConnector1">
+            <a:avLst/>
+          </a:prstGeom>
+          <a:ln>
+            <a:solidFill>
+              <a:schemeClr val="tx1"/>
+            </a:solidFill>
+            <a:tailEnd type="triangle"/>
+          </a:ln>
+        </p:spPr>
+        <p:style>
+          <a:lnRef idx="1">
+            <a:schemeClr val="accent1"/>
+          </a:lnRef>
+          <a:fillRef idx="0">
+            <a:schemeClr val="accent1"/>
+          </a:fillRef>
+          <a:effectRef idx="0">
+            <a:schemeClr val="accent1"/>
+          </a:effectRef>
+          <a:fontRef idx="minor">
+            <a:schemeClr val="tx1"/>
+          </a:fontRef>
+        </p:style>
+      </p:cxnSp>
+      <p:sp>
+        <p:nvSpPr>
+          <p:cNvPr id="16" name="사각형: 둥근 모서리 29">
+            <a:extLst>
+              <a:ext uri="{FF2B5EF4-FFF2-40B4-BE49-F238E27FC236}">
+                <a16:creationId xmlns:a16="http://schemas.microsoft.com/office/drawing/2014/main" id="{3C137BD7-6783-3AEA-2E54-E0DEB4115F36}"/>
+              </a:ext>
+            </a:extLst>
+          </p:cNvPr>
+          <p:cNvSpPr/>
+          <p:nvPr/>
+        </p:nvSpPr>
+        <p:spPr>
+          <a:xfrm>
+            <a:off x="4728104" y="2917374"/>
+            <a:ext cx="1325312" cy="525929"/>
+          </a:xfrm>
+          <a:prstGeom prst="roundRect">
+            <a:avLst>
+              <a:gd name="adj" fmla="val 11707"/>
+            </a:avLst>
+          </a:prstGeom>
+          <a:ln w="12700">
+            <a:prstDash val="solid"/>
+          </a:ln>
+        </p:spPr>
+        <p:style>
+          <a:lnRef idx="2">
+            <a:schemeClr val="dk1"/>
+          </a:lnRef>
+          <a:fillRef idx="1">
+            <a:schemeClr val="lt1"/>
+          </a:fillRef>
+          <a:effectRef idx="0">
+            <a:schemeClr val="dk1"/>
+          </a:effectRef>
+          <a:fontRef idx="minor">
+            <a:schemeClr val="dk1"/>
+          </a:fontRef>
+        </p:style>
+        <p:txBody>
+          <a:bodyPr rtlCol="0" anchor="ctr"/>
+          <a:lstStyle/>
+          <a:p>
+            <a:pPr algn="ctr"/>
+            <a:r>
+              <a:rPr lang="en-US" altLang="ko-KR" sz="1000" b="1"/>
+              <a:t>mock-server-grpc</a:t>
+            </a:r>
+            <a:r>
+              <a:rPr lang="en-US" altLang="ko-KR" sz="1000"/>
+              <a:t> </a:t>
+            </a:r>
+          </a:p>
+          <a:p>
+            <a:pPr algn="ctr"/>
+            <a:r>
+              <a:rPr lang="en-US" altLang="ko-KR" sz="1000"/>
+              <a:t>Service</a:t>
+            </a:r>
+            <a:endParaRPr lang="ko-KR" altLang="en-US" sz="1000"/>
+          </a:p>
+        </p:txBody>
+      </p:sp>
+      <p:sp>
+        <p:nvSpPr>
+          <p:cNvPr id="17" name="사각형: 둥근 모서리 29">
+            <a:extLst>
+              <a:ext uri="{FF2B5EF4-FFF2-40B4-BE49-F238E27FC236}">
+                <a16:creationId xmlns:a16="http://schemas.microsoft.com/office/drawing/2014/main" id="{7CE4F32E-8DA1-2B58-FB4C-EF04F5E067EE}"/>
+              </a:ext>
+            </a:extLst>
+          </p:cNvPr>
+          <p:cNvSpPr/>
+          <p:nvPr/>
+        </p:nvSpPr>
+        <p:spPr>
+          <a:xfrm>
+            <a:off x="4728103" y="2210796"/>
+            <a:ext cx="1325312" cy="525929"/>
+          </a:xfrm>
+          <a:prstGeom prst="roundRect">
+            <a:avLst>
+              <a:gd name="adj" fmla="val 11707"/>
+            </a:avLst>
+          </a:prstGeom>
+          <a:ln w="12700">
+            <a:prstDash val="solid"/>
+          </a:ln>
+        </p:spPr>
+        <p:style>
+          <a:lnRef idx="2">
+            <a:schemeClr val="dk1"/>
+          </a:lnRef>
+          <a:fillRef idx="1">
+            <a:schemeClr val="lt1"/>
+          </a:fillRef>
+          <a:effectRef idx="0">
+            <a:schemeClr val="dk1"/>
+          </a:effectRef>
+          <a:fontRef idx="minor">
+            <a:schemeClr val="dk1"/>
+          </a:fontRef>
+        </p:style>
+        <p:txBody>
+          <a:bodyPr rtlCol="0" anchor="ctr"/>
+          <a:lstStyle/>
+          <a:p>
+            <a:pPr algn="ctr"/>
+            <a:r>
+              <a:rPr lang="en-US" altLang="ko-KR" sz="1000" b="1"/>
+              <a:t>mock-server-grpc</a:t>
+            </a:r>
+          </a:p>
+          <a:p>
+            <a:pPr algn="ctr"/>
+            <a:r>
+              <a:rPr lang="en-US" altLang="ko-KR" sz="1000"/>
+              <a:t>DestinationRule</a:t>
+            </a:r>
+            <a:endParaRPr lang="ko-KR" altLang="en-US" sz="1000"/>
+          </a:p>
+        </p:txBody>
+      </p:sp>
+      <p:sp>
+        <p:nvSpPr>
+          <p:cNvPr id="19" name="사각형: 둥근 모서리 29">
+            <a:extLst>
+              <a:ext uri="{FF2B5EF4-FFF2-40B4-BE49-F238E27FC236}">
+                <a16:creationId xmlns:a16="http://schemas.microsoft.com/office/drawing/2014/main" id="{761FE38E-FE45-B2D9-FEB2-5C058A412947}"/>
+              </a:ext>
+            </a:extLst>
+          </p:cNvPr>
+          <p:cNvSpPr/>
+          <p:nvPr/>
+        </p:nvSpPr>
+        <p:spPr>
+          <a:xfrm>
+            <a:off x="4728103" y="1511617"/>
+            <a:ext cx="1325312" cy="525929"/>
+          </a:xfrm>
+          <a:prstGeom prst="roundRect">
+            <a:avLst>
+              <a:gd name="adj" fmla="val 11707"/>
+            </a:avLst>
+          </a:prstGeom>
+          <a:ln w="12700">
+            <a:prstDash val="solid"/>
+          </a:ln>
+        </p:spPr>
+        <p:style>
+          <a:lnRef idx="2">
+            <a:schemeClr val="dk1"/>
+          </a:lnRef>
+          <a:fillRef idx="1">
+            <a:schemeClr val="lt1"/>
+          </a:fillRef>
+          <a:effectRef idx="0">
+            <a:schemeClr val="dk1"/>
+          </a:effectRef>
+          <a:fontRef idx="minor">
+            <a:schemeClr val="dk1"/>
+          </a:fontRef>
+        </p:style>
+        <p:txBody>
+          <a:bodyPr rtlCol="0" anchor="ctr"/>
+          <a:lstStyle/>
+          <a:p>
+            <a:pPr algn="ctr"/>
+            <a:r>
+              <a:rPr lang="en-US" altLang="ko-KR" sz="1000" b="1"/>
+              <a:t>mock-server-grpc</a:t>
+            </a:r>
+          </a:p>
+          <a:p>
+            <a:pPr algn="ctr"/>
+            <a:r>
+              <a:rPr lang="en-US" altLang="ko-KR" sz="1000"/>
+              <a:t>VirtualService</a:t>
+            </a:r>
+            <a:endParaRPr lang="ko-KR" altLang="en-US" sz="1000"/>
+          </a:p>
+        </p:txBody>
+      </p:sp>
+      <p:cxnSp>
+        <p:nvCxnSpPr>
+          <p:cNvPr id="20" name="Straight Arrow Connector 81">
+            <a:extLst>
+              <a:ext uri="{FF2B5EF4-FFF2-40B4-BE49-F238E27FC236}">
+                <a16:creationId xmlns:a16="http://schemas.microsoft.com/office/drawing/2014/main" id="{9030E72C-75D0-5101-BCBB-F20E65CBF7C2}"/>
+              </a:ext>
+            </a:extLst>
+          </p:cNvPr>
+          <p:cNvCxnSpPr>
+            <a:cxnSpLocks/>
+            <a:stCxn id="17" idx="2"/>
+            <a:endCxn id="16" idx="0"/>
+          </p:cNvCxnSpPr>
+          <p:nvPr/>
+        </p:nvCxnSpPr>
+        <p:spPr>
+          <a:xfrm>
+            <a:off x="5390759" y="2736725"/>
+            <a:ext cx="1" cy="180649"/>
+          </a:xfrm>
+          <a:prstGeom prst="straightConnector1">
+            <a:avLst/>
+          </a:prstGeom>
+          <a:ln>
+            <a:solidFill>
+              <a:schemeClr val="tx1"/>
+            </a:solidFill>
+            <a:tailEnd type="triangle"/>
+          </a:ln>
+        </p:spPr>
+        <p:style>
+          <a:lnRef idx="1">
+            <a:schemeClr val="accent1"/>
+          </a:lnRef>
+          <a:fillRef idx="0">
+            <a:schemeClr val="accent1"/>
+          </a:fillRef>
+          <a:effectRef idx="0">
+            <a:schemeClr val="accent1"/>
+          </a:effectRef>
+          <a:fontRef idx="minor">
+            <a:schemeClr val="tx1"/>
+          </a:fontRef>
+        </p:style>
+      </p:cxnSp>
+      <p:cxnSp>
+        <p:nvCxnSpPr>
+          <p:cNvPr id="29" name="Elbow Connector 80">
+            <a:extLst>
+              <a:ext uri="{FF2B5EF4-FFF2-40B4-BE49-F238E27FC236}">
+                <a16:creationId xmlns:a16="http://schemas.microsoft.com/office/drawing/2014/main" id="{1DD5E458-4627-ECDC-EB61-C9360DD9EE62}"/>
+              </a:ext>
+            </a:extLst>
+          </p:cNvPr>
+          <p:cNvCxnSpPr>
+            <a:cxnSpLocks/>
+            <a:stCxn id="75" idx="0"/>
+            <a:endCxn id="19" idx="0"/>
+          </p:cNvCxnSpPr>
+          <p:nvPr/>
+        </p:nvCxnSpPr>
+        <p:spPr>
+          <a:xfrm rot="5400000" flipH="1" flipV="1">
+            <a:off x="3436340" y="177936"/>
+            <a:ext cx="620737" cy="3288101"/>
+          </a:xfrm>
+          <a:prstGeom prst="bentConnector3">
+            <a:avLst>
+              <a:gd name="adj1" fmla="val 136827"/>
+            </a:avLst>
           </a:prstGeom>
           <a:ln w="12700">
             <a:solidFill>
@@ -11858,10 +12660,538 @@
           </a:fontRef>
         </p:style>
       </p:cxnSp>
+      <p:sp>
+        <p:nvSpPr>
+          <p:cNvPr id="75" name="사각형: 둥근 모서리 29">
+            <a:extLst>
+              <a:ext uri="{FF2B5EF4-FFF2-40B4-BE49-F238E27FC236}">
+                <a16:creationId xmlns:a16="http://schemas.microsoft.com/office/drawing/2014/main" id="{27CB51E6-5DD2-9D69-16A8-3C99F2C8B398}"/>
+              </a:ext>
+            </a:extLst>
+          </p:cNvPr>
+          <p:cNvSpPr/>
+          <p:nvPr/>
+        </p:nvSpPr>
+        <p:spPr>
+          <a:xfrm>
+            <a:off x="1657017" y="2132354"/>
+            <a:ext cx="891282" cy="439396"/>
+          </a:xfrm>
+          <a:prstGeom prst="roundRect">
+            <a:avLst>
+              <a:gd name="adj" fmla="val 14520"/>
+            </a:avLst>
+          </a:prstGeom>
+          <a:ln w="12700"/>
+        </p:spPr>
+        <p:style>
+          <a:lnRef idx="2">
+            <a:schemeClr val="dk1"/>
+          </a:lnRef>
+          <a:fillRef idx="1">
+            <a:schemeClr val="lt1"/>
+          </a:fillRef>
+          <a:effectRef idx="0">
+            <a:schemeClr val="dk1"/>
+          </a:effectRef>
+          <a:fontRef idx="minor">
+            <a:schemeClr val="dk1"/>
+          </a:fontRef>
+        </p:style>
+        <p:txBody>
+          <a:bodyPr rtlCol="0" anchor="ctr"/>
+          <a:lstStyle/>
+          <a:p>
+            <a:pPr algn="ctr"/>
+            <a:r>
+              <a:rPr lang="en-US" altLang="ko-KR" sz="1000" b="1"/>
+              <a:t>istio-proxy</a:t>
+            </a:r>
+          </a:p>
+          <a:p>
+            <a:pPr algn="ctr"/>
+            <a:r>
+              <a:rPr lang="en-US" altLang="ko-KR" sz="1000"/>
+              <a:t>Container</a:t>
+            </a:r>
+          </a:p>
+        </p:txBody>
+      </p:sp>
+      <p:sp>
+        <p:nvSpPr>
+          <p:cNvPr id="78" name="사각형: 둥근 모서리 29">
+            <a:extLst>
+              <a:ext uri="{FF2B5EF4-FFF2-40B4-BE49-F238E27FC236}">
+                <a16:creationId xmlns:a16="http://schemas.microsoft.com/office/drawing/2014/main" id="{8503C275-CF2C-2B51-2E41-E6DB18EDD050}"/>
+              </a:ext>
+            </a:extLst>
+          </p:cNvPr>
+          <p:cNvSpPr/>
+          <p:nvPr/>
+        </p:nvSpPr>
+        <p:spPr>
+          <a:xfrm>
+            <a:off x="367780" y="2132354"/>
+            <a:ext cx="989457" cy="439396"/>
+          </a:xfrm>
+          <a:prstGeom prst="roundRect">
+            <a:avLst>
+              <a:gd name="adj" fmla="val 14520"/>
+            </a:avLst>
+          </a:prstGeom>
+          <a:ln w="12700"/>
+        </p:spPr>
+        <p:style>
+          <a:lnRef idx="2">
+            <a:schemeClr val="dk1"/>
+          </a:lnRef>
+          <a:fillRef idx="1">
+            <a:schemeClr val="lt1"/>
+          </a:fillRef>
+          <a:effectRef idx="0">
+            <a:schemeClr val="dk1"/>
+          </a:effectRef>
+          <a:fontRef idx="minor">
+            <a:schemeClr val="dk1"/>
+          </a:fontRef>
+        </p:style>
+        <p:txBody>
+          <a:bodyPr rtlCol="0" anchor="ctr"/>
+          <a:lstStyle/>
+          <a:p>
+            <a:pPr algn="ctr"/>
+            <a:r>
+              <a:rPr lang="en-US" altLang="ko-KR" sz="1000" b="1"/>
+              <a:t>shell</a:t>
+            </a:r>
+          </a:p>
+          <a:p>
+            <a:pPr algn="ctr"/>
+            <a:r>
+              <a:rPr lang="en-US" altLang="ko-KR" sz="1000"/>
+              <a:t>Container</a:t>
+            </a:r>
+          </a:p>
+        </p:txBody>
+      </p:sp>
+      <p:cxnSp>
+        <p:nvCxnSpPr>
+          <p:cNvPr id="95" name="Straight Arrow Connector 81">
+            <a:extLst>
+              <a:ext uri="{FF2B5EF4-FFF2-40B4-BE49-F238E27FC236}">
+                <a16:creationId xmlns:a16="http://schemas.microsoft.com/office/drawing/2014/main" id="{B9EC7C6E-C256-CC67-5D93-504342EDC0A7}"/>
+              </a:ext>
+            </a:extLst>
+          </p:cNvPr>
+          <p:cNvCxnSpPr>
+            <a:cxnSpLocks/>
+            <a:stCxn id="78" idx="3"/>
+            <a:endCxn id="75" idx="1"/>
+          </p:cNvCxnSpPr>
+          <p:nvPr/>
+        </p:nvCxnSpPr>
+        <p:spPr>
+          <a:xfrm>
+            <a:off x="1357237" y="2352052"/>
+            <a:ext cx="299780" cy="0"/>
+          </a:xfrm>
+          <a:prstGeom prst="straightConnector1">
+            <a:avLst/>
+          </a:prstGeom>
+          <a:ln>
+            <a:solidFill>
+              <a:schemeClr val="tx1"/>
+            </a:solidFill>
+            <a:tailEnd type="triangle"/>
+          </a:ln>
+        </p:spPr>
+        <p:style>
+          <a:lnRef idx="1">
+            <a:schemeClr val="accent1"/>
+          </a:lnRef>
+          <a:fillRef idx="0">
+            <a:schemeClr val="accent1"/>
+          </a:fillRef>
+          <a:effectRef idx="0">
+            <a:schemeClr val="accent1"/>
+          </a:effectRef>
+          <a:fontRef idx="minor">
+            <a:schemeClr val="tx1"/>
+          </a:fontRef>
+        </p:style>
+      </p:cxnSp>
+      <p:sp>
+        <p:nvSpPr>
+          <p:cNvPr id="100" name="사각형: 둥근 모서리 29">
+            <a:extLst>
+              <a:ext uri="{FF2B5EF4-FFF2-40B4-BE49-F238E27FC236}">
+                <a16:creationId xmlns:a16="http://schemas.microsoft.com/office/drawing/2014/main" id="{A4B68954-A646-B3E9-B9BC-4478931DAEB5}"/>
+              </a:ext>
+            </a:extLst>
+          </p:cNvPr>
+          <p:cNvSpPr/>
+          <p:nvPr/>
+        </p:nvSpPr>
+        <p:spPr>
+          <a:xfrm>
+            <a:off x="6352093" y="1938094"/>
+            <a:ext cx="2551069" cy="1267312"/>
+          </a:xfrm>
+          <a:prstGeom prst="roundRect">
+            <a:avLst>
+              <a:gd name="adj" fmla="val 6027"/>
+            </a:avLst>
+          </a:prstGeom>
+          <a:ln w="12700"/>
+        </p:spPr>
+        <p:style>
+          <a:lnRef idx="2">
+            <a:schemeClr val="dk1"/>
+          </a:lnRef>
+          <a:fillRef idx="1">
+            <a:schemeClr val="lt1"/>
+          </a:fillRef>
+          <a:effectRef idx="0">
+            <a:schemeClr val="dk1"/>
+          </a:effectRef>
+          <a:fontRef idx="minor">
+            <a:schemeClr val="dk1"/>
+          </a:fontRef>
+        </p:style>
+        <p:txBody>
+          <a:bodyPr rtlCol="0" anchor="b"/>
+          <a:lstStyle/>
+          <a:p>
+            <a:pPr algn="ctr"/>
+            <a:r>
+              <a:rPr lang="en-US" altLang="ko-KR" sz="1000" b="1"/>
+              <a:t> </a:t>
+            </a:r>
+          </a:p>
+          <a:p>
+            <a:pPr algn="ctr"/>
+            <a:r>
+              <a:rPr lang="en-US" altLang="ko-KR" sz="1000"/>
+              <a:t>Worker Node</a:t>
+            </a:r>
+            <a:endParaRPr lang="ko-KR" altLang="en-US" sz="1000"/>
+          </a:p>
+        </p:txBody>
+      </p:sp>
+      <p:sp>
+        <p:nvSpPr>
+          <p:cNvPr id="101" name="사각형: 둥근 모서리 29">
+            <a:extLst>
+              <a:ext uri="{FF2B5EF4-FFF2-40B4-BE49-F238E27FC236}">
+                <a16:creationId xmlns:a16="http://schemas.microsoft.com/office/drawing/2014/main" id="{E9CCED40-2C00-B387-B7BC-AD47EE9854A5}"/>
+              </a:ext>
+            </a:extLst>
+          </p:cNvPr>
+          <p:cNvSpPr/>
+          <p:nvPr/>
+        </p:nvSpPr>
+        <p:spPr>
+          <a:xfrm>
+            <a:off x="6442602" y="2037546"/>
+            <a:ext cx="2372526" cy="888200"/>
+          </a:xfrm>
+          <a:prstGeom prst="roundRect">
+            <a:avLst>
+              <a:gd name="adj" fmla="val 10124"/>
+            </a:avLst>
+          </a:prstGeom>
+          <a:ln w="12700"/>
+        </p:spPr>
+        <p:style>
+          <a:lnRef idx="2">
+            <a:schemeClr val="dk1"/>
+          </a:lnRef>
+          <a:fillRef idx="1">
+            <a:schemeClr val="lt1"/>
+          </a:fillRef>
+          <a:effectRef idx="0">
+            <a:schemeClr val="dk1"/>
+          </a:effectRef>
+          <a:fontRef idx="minor">
+            <a:schemeClr val="dk1"/>
+          </a:fontRef>
+        </p:style>
+        <p:txBody>
+          <a:bodyPr rtlCol="0" anchor="b"/>
+          <a:lstStyle/>
+          <a:p>
+            <a:pPr algn="ctr"/>
+            <a:r>
+              <a:rPr lang="en-US" altLang="ko-KR" sz="1000" b="1"/>
+              <a:t>mock-server </a:t>
+            </a:r>
+            <a:r>
+              <a:rPr lang="en-US" altLang="ko-KR" sz="1000"/>
+              <a:t>Pod</a:t>
+            </a:r>
+          </a:p>
+        </p:txBody>
+      </p:sp>
+      <p:cxnSp>
+        <p:nvCxnSpPr>
+          <p:cNvPr id="105" name="Elbow Connector 80">
+            <a:extLst>
+              <a:ext uri="{FF2B5EF4-FFF2-40B4-BE49-F238E27FC236}">
+                <a16:creationId xmlns:a16="http://schemas.microsoft.com/office/drawing/2014/main" id="{CDD1A6AA-32EA-20E0-8EC1-9357B0CB5D87}"/>
+              </a:ext>
+            </a:extLst>
+          </p:cNvPr>
+          <p:cNvCxnSpPr>
+            <a:cxnSpLocks/>
+            <a:stCxn id="16" idx="2"/>
+            <a:endCxn id="113" idx="2"/>
+          </p:cNvCxnSpPr>
+          <p:nvPr/>
+        </p:nvCxnSpPr>
+        <p:spPr>
+          <a:xfrm rot="5400000" flipH="1" flipV="1">
+            <a:off x="5752604" y="2209906"/>
+            <a:ext cx="871553" cy="1595242"/>
+          </a:xfrm>
+          <a:prstGeom prst="bentConnector3">
+            <a:avLst>
+              <a:gd name="adj1" fmla="val -26229"/>
+            </a:avLst>
+          </a:prstGeom>
+          <a:ln w="12700">
+            <a:solidFill>
+              <a:schemeClr val="tx1"/>
+            </a:solidFill>
+            <a:tailEnd type="triangle"/>
+          </a:ln>
+        </p:spPr>
+        <p:style>
+          <a:lnRef idx="1">
+            <a:schemeClr val="accent1"/>
+          </a:lnRef>
+          <a:fillRef idx="0">
+            <a:schemeClr val="accent1"/>
+          </a:fillRef>
+          <a:effectRef idx="0">
+            <a:schemeClr val="accent1"/>
+          </a:effectRef>
+          <a:fontRef idx="minor">
+            <a:schemeClr val="tx1"/>
+          </a:fontRef>
+        </p:style>
+      </p:cxnSp>
+      <p:sp>
+        <p:nvSpPr>
+          <p:cNvPr id="112" name="사각형: 둥근 모서리 29">
+            <a:extLst>
+              <a:ext uri="{FF2B5EF4-FFF2-40B4-BE49-F238E27FC236}">
+                <a16:creationId xmlns:a16="http://schemas.microsoft.com/office/drawing/2014/main" id="{BE712579-55D1-0371-8312-3A9CDBBFD97D}"/>
+              </a:ext>
+            </a:extLst>
+          </p:cNvPr>
+          <p:cNvSpPr/>
+          <p:nvPr/>
+        </p:nvSpPr>
+        <p:spPr>
+          <a:xfrm>
+            <a:off x="7731423" y="2132354"/>
+            <a:ext cx="989457" cy="439396"/>
+          </a:xfrm>
+          <a:prstGeom prst="roundRect">
+            <a:avLst>
+              <a:gd name="adj" fmla="val 14520"/>
+            </a:avLst>
+          </a:prstGeom>
+          <a:ln w="12700"/>
+        </p:spPr>
+        <p:style>
+          <a:lnRef idx="2">
+            <a:schemeClr val="dk1"/>
+          </a:lnRef>
+          <a:fillRef idx="1">
+            <a:schemeClr val="lt1"/>
+          </a:fillRef>
+          <a:effectRef idx="0">
+            <a:schemeClr val="dk1"/>
+          </a:effectRef>
+          <a:fontRef idx="minor">
+            <a:schemeClr val="dk1"/>
+          </a:fontRef>
+        </p:style>
+        <p:txBody>
+          <a:bodyPr rtlCol="0" anchor="ctr"/>
+          <a:lstStyle/>
+          <a:p>
+            <a:pPr algn="ctr"/>
+            <a:r>
+              <a:rPr lang="en-US" altLang="ko-KR" sz="1000" b="1"/>
+              <a:t>mock-server</a:t>
+            </a:r>
+          </a:p>
+          <a:p>
+            <a:pPr algn="ctr"/>
+            <a:r>
+              <a:rPr lang="en-US" altLang="ko-KR" sz="1000"/>
+              <a:t>Container</a:t>
+            </a:r>
+          </a:p>
+        </p:txBody>
+      </p:sp>
+      <p:sp>
+        <p:nvSpPr>
+          <p:cNvPr id="113" name="사각형: 둥근 모서리 29">
+            <a:extLst>
+              <a:ext uri="{FF2B5EF4-FFF2-40B4-BE49-F238E27FC236}">
+                <a16:creationId xmlns:a16="http://schemas.microsoft.com/office/drawing/2014/main" id="{C982D15B-33E2-2313-C616-9751C4C9E450}"/>
+              </a:ext>
+            </a:extLst>
+          </p:cNvPr>
+          <p:cNvSpPr/>
+          <p:nvPr/>
+        </p:nvSpPr>
+        <p:spPr>
+          <a:xfrm>
+            <a:off x="6540361" y="2132354"/>
+            <a:ext cx="891282" cy="439396"/>
+          </a:xfrm>
+          <a:prstGeom prst="roundRect">
+            <a:avLst>
+              <a:gd name="adj" fmla="val 14520"/>
+            </a:avLst>
+          </a:prstGeom>
+          <a:ln w="12700"/>
+        </p:spPr>
+        <p:style>
+          <a:lnRef idx="2">
+            <a:schemeClr val="dk1"/>
+          </a:lnRef>
+          <a:fillRef idx="1">
+            <a:schemeClr val="lt1"/>
+          </a:fillRef>
+          <a:effectRef idx="0">
+            <a:schemeClr val="dk1"/>
+          </a:effectRef>
+          <a:fontRef idx="minor">
+            <a:schemeClr val="dk1"/>
+          </a:fontRef>
+        </p:style>
+        <p:txBody>
+          <a:bodyPr rtlCol="0" anchor="ctr"/>
+          <a:lstStyle/>
+          <a:p>
+            <a:pPr algn="ctr"/>
+            <a:r>
+              <a:rPr lang="en-US" altLang="ko-KR" sz="1000" b="1"/>
+              <a:t>istio-proxy</a:t>
+            </a:r>
+          </a:p>
+          <a:p>
+            <a:pPr algn="ctr"/>
+            <a:r>
+              <a:rPr lang="en-US" altLang="ko-KR" sz="1000"/>
+              <a:t>Container</a:t>
+            </a:r>
+          </a:p>
+        </p:txBody>
+      </p:sp>
+      <p:cxnSp>
+        <p:nvCxnSpPr>
+          <p:cNvPr id="115" name="Elbow Connector 80">
+            <a:extLst>
+              <a:ext uri="{FF2B5EF4-FFF2-40B4-BE49-F238E27FC236}">
+                <a16:creationId xmlns:a16="http://schemas.microsoft.com/office/drawing/2014/main" id="{99705ABF-F96A-CA9D-A70F-2B396DEB0002}"/>
+              </a:ext>
+            </a:extLst>
+          </p:cNvPr>
+          <p:cNvCxnSpPr>
+            <a:cxnSpLocks/>
+            <a:stCxn id="2" idx="2"/>
+            <a:endCxn id="113" idx="2"/>
+          </p:cNvCxnSpPr>
+          <p:nvPr/>
+        </p:nvCxnSpPr>
+        <p:spPr>
+          <a:xfrm rot="5400000" flipH="1" flipV="1">
+            <a:off x="4899270" y="1362412"/>
+            <a:ext cx="877394" cy="3296070"/>
+          </a:xfrm>
+          <a:prstGeom prst="bentConnector3">
+            <a:avLst>
+              <a:gd name="adj1" fmla="val -26054"/>
+            </a:avLst>
+          </a:prstGeom>
+          <a:ln w="12700">
+            <a:solidFill>
+              <a:schemeClr val="tx1"/>
+            </a:solidFill>
+            <a:tailEnd type="triangle"/>
+          </a:ln>
+        </p:spPr>
+        <p:style>
+          <a:lnRef idx="1">
+            <a:schemeClr val="accent1"/>
+          </a:lnRef>
+          <a:fillRef idx="0">
+            <a:schemeClr val="accent1"/>
+          </a:fillRef>
+          <a:effectRef idx="0">
+            <a:schemeClr val="accent1"/>
+          </a:effectRef>
+          <a:fontRef idx="minor">
+            <a:schemeClr val="tx1"/>
+          </a:fontRef>
+        </p:style>
+      </p:cxnSp>
+      <p:cxnSp>
+        <p:nvCxnSpPr>
+          <p:cNvPr id="118" name="Straight Arrow Connector 81">
+            <a:extLst>
+              <a:ext uri="{FF2B5EF4-FFF2-40B4-BE49-F238E27FC236}">
+                <a16:creationId xmlns:a16="http://schemas.microsoft.com/office/drawing/2014/main" id="{FF6CFCB8-EACD-517B-C20F-FF639AA59450}"/>
+              </a:ext>
+            </a:extLst>
+          </p:cNvPr>
+          <p:cNvCxnSpPr>
+            <a:cxnSpLocks/>
+            <a:stCxn id="113" idx="3"/>
+            <a:endCxn id="112" idx="1"/>
+          </p:cNvCxnSpPr>
+          <p:nvPr/>
+        </p:nvCxnSpPr>
+        <p:spPr>
+          <a:xfrm>
+            <a:off x="7431643" y="2352052"/>
+            <a:ext cx="299780" cy="0"/>
+          </a:xfrm>
+          <a:prstGeom prst="straightConnector1">
+            <a:avLst/>
+          </a:prstGeom>
+          <a:ln>
+            <a:solidFill>
+              <a:schemeClr val="tx1"/>
+            </a:solidFill>
+            <a:tailEnd type="triangle"/>
+          </a:ln>
+        </p:spPr>
+        <p:style>
+          <a:lnRef idx="1">
+            <a:schemeClr val="accent1"/>
+          </a:lnRef>
+          <a:fillRef idx="0">
+            <a:schemeClr val="accent1"/>
+          </a:fillRef>
+          <a:effectRef idx="0">
+            <a:schemeClr val="accent1"/>
+          </a:effectRef>
+          <a:fontRef idx="minor">
+            <a:schemeClr val="tx1"/>
+          </a:fontRef>
+        </p:style>
+      </p:cxnSp>
     </p:spTree>
     <p:extLst>
       <p:ext uri="{BB962C8B-B14F-4D97-AF65-F5344CB8AC3E}">
-        <p14:creationId xmlns:p14="http://schemas.microsoft.com/office/powerpoint/2010/main" val="4187821285"/>
+        <p14:creationId xmlns:p14="http://schemas.microsoft.com/office/powerpoint/2010/main" val="3694794733"/>
       </p:ext>
     </p:extLst>
   </p:cSld>
@@ -11872,6 +13202,1330 @@
 </file>
 
 <file path=ppt/slides/slide4.xml><?xml version="1.0" encoding="utf-8"?>
+<p:sld xmlns:a="http://schemas.openxmlformats.org/drawingml/2006/main" xmlns:r="http://schemas.openxmlformats.org/officeDocument/2006/relationships" xmlns:p="http://schemas.openxmlformats.org/presentationml/2006/main">
+  <p:cSld>
+    <p:spTree>
+      <p:nvGrpSpPr>
+        <p:cNvPr id="1" name="">
+          <a:extLst>
+            <a:ext uri="{FF2B5EF4-FFF2-40B4-BE49-F238E27FC236}">
+              <a16:creationId xmlns:a16="http://schemas.microsoft.com/office/drawing/2014/main" id="{6FFA9799-1BD4-2511-727E-886F29085D11}"/>
+            </a:ext>
+          </a:extLst>
+        </p:cNvPr>
+        <p:cNvGrpSpPr/>
+        <p:nvPr/>
+      </p:nvGrpSpPr>
+      <p:grpSpPr>
+        <a:xfrm>
+          <a:off x="0" y="0"/>
+          <a:ext cx="0" cy="0"/>
+          <a:chOff x="0" y="0"/>
+          <a:chExt cx="0" cy="0"/>
+        </a:xfrm>
+      </p:grpSpPr>
+      <p:sp>
+        <p:nvSpPr>
+          <p:cNvPr id="6" name="사각형: 둥근 모서리 29">
+            <a:extLst>
+              <a:ext uri="{FF2B5EF4-FFF2-40B4-BE49-F238E27FC236}">
+                <a16:creationId xmlns:a16="http://schemas.microsoft.com/office/drawing/2014/main" id="{C83CEC76-212D-1763-6A95-0DE2858A1BB3}"/>
+              </a:ext>
+            </a:extLst>
+          </p:cNvPr>
+          <p:cNvSpPr/>
+          <p:nvPr/>
+        </p:nvSpPr>
+        <p:spPr>
+          <a:xfrm>
+            <a:off x="179512" y="1938094"/>
+            <a:ext cx="2551069" cy="1267312"/>
+          </a:xfrm>
+          <a:prstGeom prst="roundRect">
+            <a:avLst>
+              <a:gd name="adj" fmla="val 6027"/>
+            </a:avLst>
+          </a:prstGeom>
+          <a:ln w="12700"/>
+        </p:spPr>
+        <p:style>
+          <a:lnRef idx="2">
+            <a:schemeClr val="dk1"/>
+          </a:lnRef>
+          <a:fillRef idx="1">
+            <a:schemeClr val="lt1"/>
+          </a:fillRef>
+          <a:effectRef idx="0">
+            <a:schemeClr val="dk1"/>
+          </a:effectRef>
+          <a:fontRef idx="minor">
+            <a:schemeClr val="dk1"/>
+          </a:fontRef>
+        </p:style>
+        <p:txBody>
+          <a:bodyPr rtlCol="0" anchor="b"/>
+          <a:lstStyle/>
+          <a:p>
+            <a:pPr algn="ctr"/>
+            <a:r>
+              <a:rPr lang="en-US" altLang="ko-KR" sz="1000" b="1"/>
+              <a:t> </a:t>
+            </a:r>
+          </a:p>
+          <a:p>
+            <a:pPr algn="ctr"/>
+            <a:r>
+              <a:rPr lang="en-US" altLang="ko-KR" sz="1000"/>
+              <a:t>Worker Node</a:t>
+            </a:r>
+            <a:endParaRPr lang="ko-KR" altLang="en-US" sz="1000"/>
+          </a:p>
+        </p:txBody>
+      </p:sp>
+      <p:sp>
+        <p:nvSpPr>
+          <p:cNvPr id="4" name="사각형: 둥근 모서리 29">
+            <a:extLst>
+              <a:ext uri="{FF2B5EF4-FFF2-40B4-BE49-F238E27FC236}">
+                <a16:creationId xmlns:a16="http://schemas.microsoft.com/office/drawing/2014/main" id="{CE1D13E9-C6CB-C0C9-EE3C-D3E61B7DF42B}"/>
+              </a:ext>
+            </a:extLst>
+          </p:cNvPr>
+          <p:cNvSpPr/>
+          <p:nvPr/>
+        </p:nvSpPr>
+        <p:spPr>
+          <a:xfrm>
+            <a:off x="270021" y="2037546"/>
+            <a:ext cx="2372526" cy="888200"/>
+          </a:xfrm>
+          <a:prstGeom prst="roundRect">
+            <a:avLst>
+              <a:gd name="adj" fmla="val 10124"/>
+            </a:avLst>
+          </a:prstGeom>
+          <a:ln w="12700"/>
+        </p:spPr>
+        <p:style>
+          <a:lnRef idx="2">
+            <a:schemeClr val="dk1"/>
+          </a:lnRef>
+          <a:fillRef idx="1">
+            <a:schemeClr val="lt1"/>
+          </a:fillRef>
+          <a:effectRef idx="0">
+            <a:schemeClr val="dk1"/>
+          </a:effectRef>
+          <a:fontRef idx="minor">
+            <a:schemeClr val="dk1"/>
+          </a:fontRef>
+        </p:style>
+        <p:txBody>
+          <a:bodyPr rtlCol="0" anchor="b"/>
+          <a:lstStyle/>
+          <a:p>
+            <a:pPr algn="ctr"/>
+            <a:r>
+              <a:rPr lang="en-US" altLang="ko-KR" sz="1000" b="1"/>
+              <a:t>shell </a:t>
+            </a:r>
+            <a:r>
+              <a:rPr lang="en-US" altLang="ko-KR" sz="1000"/>
+              <a:t>Pod</a:t>
+            </a:r>
+          </a:p>
+        </p:txBody>
+      </p:sp>
+      <p:cxnSp>
+        <p:nvCxnSpPr>
+          <p:cNvPr id="8" name="Straight Arrow Connector 81">
+            <a:extLst>
+              <a:ext uri="{FF2B5EF4-FFF2-40B4-BE49-F238E27FC236}">
+                <a16:creationId xmlns:a16="http://schemas.microsoft.com/office/drawing/2014/main" id="{CF8E56E2-71B3-FE13-9089-3B8885069C12}"/>
+              </a:ext>
+            </a:extLst>
+          </p:cNvPr>
+          <p:cNvCxnSpPr>
+            <a:cxnSpLocks/>
+            <a:stCxn id="9" idx="2"/>
+            <a:endCxn id="3" idx="0"/>
+          </p:cNvCxnSpPr>
+          <p:nvPr/>
+        </p:nvCxnSpPr>
+        <p:spPr>
+          <a:xfrm>
+            <a:off x="3689931" y="2043387"/>
+            <a:ext cx="0" cy="173250"/>
+          </a:xfrm>
+          <a:prstGeom prst="straightConnector1">
+            <a:avLst/>
+          </a:prstGeom>
+          <a:ln>
+            <a:solidFill>
+              <a:schemeClr val="tx1"/>
+            </a:solidFill>
+            <a:tailEnd type="triangle"/>
+          </a:ln>
+        </p:spPr>
+        <p:style>
+          <a:lnRef idx="1">
+            <a:schemeClr val="accent1"/>
+          </a:lnRef>
+          <a:fillRef idx="0">
+            <a:schemeClr val="accent1"/>
+          </a:fillRef>
+          <a:effectRef idx="0">
+            <a:schemeClr val="accent1"/>
+          </a:effectRef>
+          <a:fontRef idx="minor">
+            <a:schemeClr val="tx1"/>
+          </a:fontRef>
+        </p:style>
+      </p:cxnSp>
+      <p:sp>
+        <p:nvSpPr>
+          <p:cNvPr id="2" name="사각형: 둥근 모서리 29">
+            <a:extLst>
+              <a:ext uri="{FF2B5EF4-FFF2-40B4-BE49-F238E27FC236}">
+                <a16:creationId xmlns:a16="http://schemas.microsoft.com/office/drawing/2014/main" id="{7C90F752-57B8-4B66-0366-E4A19F054399}"/>
+              </a:ext>
+            </a:extLst>
+          </p:cNvPr>
+          <p:cNvSpPr/>
+          <p:nvPr/>
+        </p:nvSpPr>
+        <p:spPr>
+          <a:xfrm>
+            <a:off x="3027276" y="2923215"/>
+            <a:ext cx="1325312" cy="525929"/>
+          </a:xfrm>
+          <a:prstGeom prst="roundRect">
+            <a:avLst>
+              <a:gd name="adj" fmla="val 11707"/>
+            </a:avLst>
+          </a:prstGeom>
+          <a:ln w="12700">
+            <a:prstDash val="solid"/>
+          </a:ln>
+        </p:spPr>
+        <p:style>
+          <a:lnRef idx="2">
+            <a:schemeClr val="dk1"/>
+          </a:lnRef>
+          <a:fillRef idx="1">
+            <a:schemeClr val="lt1"/>
+          </a:fillRef>
+          <a:effectRef idx="0">
+            <a:schemeClr val="dk1"/>
+          </a:effectRef>
+          <a:fontRef idx="minor">
+            <a:schemeClr val="dk1"/>
+          </a:fontRef>
+        </p:style>
+        <p:txBody>
+          <a:bodyPr rtlCol="0" anchor="ctr"/>
+          <a:lstStyle/>
+          <a:p>
+            <a:pPr algn="ctr"/>
+            <a:r>
+              <a:rPr lang="en-US" altLang="ko-KR" sz="1000" b="1"/>
+              <a:t>mock-server-http</a:t>
+            </a:r>
+            <a:r>
+              <a:rPr lang="en-US" altLang="ko-KR" sz="1000"/>
+              <a:t> </a:t>
+            </a:r>
+          </a:p>
+          <a:p>
+            <a:pPr algn="ctr"/>
+            <a:r>
+              <a:rPr lang="en-US" altLang="ko-KR" sz="1000"/>
+              <a:t>Service</a:t>
+            </a:r>
+            <a:endParaRPr lang="ko-KR" altLang="en-US" sz="1000"/>
+          </a:p>
+        </p:txBody>
+      </p:sp>
+      <p:sp>
+        <p:nvSpPr>
+          <p:cNvPr id="3" name="사각형: 둥근 모서리 29">
+            <a:extLst>
+              <a:ext uri="{FF2B5EF4-FFF2-40B4-BE49-F238E27FC236}">
+                <a16:creationId xmlns:a16="http://schemas.microsoft.com/office/drawing/2014/main" id="{7D1C98E8-6733-F5EB-371F-CE8E7751BDC9}"/>
+              </a:ext>
+            </a:extLst>
+          </p:cNvPr>
+          <p:cNvSpPr/>
+          <p:nvPr/>
+        </p:nvSpPr>
+        <p:spPr>
+          <a:xfrm>
+            <a:off x="3027275" y="2216637"/>
+            <a:ext cx="1325312" cy="525929"/>
+          </a:xfrm>
+          <a:prstGeom prst="roundRect">
+            <a:avLst>
+              <a:gd name="adj" fmla="val 11707"/>
+            </a:avLst>
+          </a:prstGeom>
+          <a:ln w="12700">
+            <a:prstDash val="solid"/>
+          </a:ln>
+        </p:spPr>
+        <p:style>
+          <a:lnRef idx="2">
+            <a:schemeClr val="dk1"/>
+          </a:lnRef>
+          <a:fillRef idx="1">
+            <a:schemeClr val="lt1"/>
+          </a:fillRef>
+          <a:effectRef idx="0">
+            <a:schemeClr val="dk1"/>
+          </a:effectRef>
+          <a:fontRef idx="minor">
+            <a:schemeClr val="dk1"/>
+          </a:fontRef>
+        </p:style>
+        <p:txBody>
+          <a:bodyPr rtlCol="0" anchor="ctr"/>
+          <a:lstStyle/>
+          <a:p>
+            <a:pPr algn="ctr"/>
+            <a:r>
+              <a:rPr lang="en-US" altLang="ko-KR" sz="1000" b="1"/>
+              <a:t>mock-server-http</a:t>
+            </a:r>
+          </a:p>
+          <a:p>
+            <a:pPr algn="ctr"/>
+            <a:r>
+              <a:rPr lang="en-US" altLang="ko-KR" sz="1000"/>
+              <a:t>DestinationRule</a:t>
+            </a:r>
+            <a:endParaRPr lang="ko-KR" altLang="en-US" sz="1000"/>
+          </a:p>
+        </p:txBody>
+      </p:sp>
+      <p:sp>
+        <p:nvSpPr>
+          <p:cNvPr id="9" name="사각형: 둥근 모서리 29">
+            <a:extLst>
+              <a:ext uri="{FF2B5EF4-FFF2-40B4-BE49-F238E27FC236}">
+                <a16:creationId xmlns:a16="http://schemas.microsoft.com/office/drawing/2014/main" id="{7E07A315-AEF4-6B27-5C04-08FD8946E078}"/>
+              </a:ext>
+            </a:extLst>
+          </p:cNvPr>
+          <p:cNvSpPr/>
+          <p:nvPr/>
+        </p:nvSpPr>
+        <p:spPr>
+          <a:xfrm>
+            <a:off x="3027275" y="1517458"/>
+            <a:ext cx="1325312" cy="525929"/>
+          </a:xfrm>
+          <a:prstGeom prst="roundRect">
+            <a:avLst>
+              <a:gd name="adj" fmla="val 11707"/>
+            </a:avLst>
+          </a:prstGeom>
+          <a:ln w="12700">
+            <a:prstDash val="solid"/>
+          </a:ln>
+        </p:spPr>
+        <p:style>
+          <a:lnRef idx="2">
+            <a:schemeClr val="dk1"/>
+          </a:lnRef>
+          <a:fillRef idx="1">
+            <a:schemeClr val="lt1"/>
+          </a:fillRef>
+          <a:effectRef idx="0">
+            <a:schemeClr val="dk1"/>
+          </a:effectRef>
+          <a:fontRef idx="minor">
+            <a:schemeClr val="dk1"/>
+          </a:fontRef>
+        </p:style>
+        <p:txBody>
+          <a:bodyPr rtlCol="0" anchor="ctr"/>
+          <a:lstStyle/>
+          <a:p>
+            <a:pPr algn="ctr"/>
+            <a:r>
+              <a:rPr lang="en-US" altLang="ko-KR" sz="1000" b="1"/>
+              <a:t>mock-server-http</a:t>
+            </a:r>
+          </a:p>
+          <a:p>
+            <a:pPr algn="ctr"/>
+            <a:r>
+              <a:rPr lang="en-US" altLang="ko-KR" sz="1000"/>
+              <a:t>VirtualService</a:t>
+            </a:r>
+            <a:endParaRPr lang="ko-KR" altLang="en-US" sz="1000"/>
+          </a:p>
+        </p:txBody>
+      </p:sp>
+      <p:cxnSp>
+        <p:nvCxnSpPr>
+          <p:cNvPr id="11" name="Elbow Connector 80">
+            <a:extLst>
+              <a:ext uri="{FF2B5EF4-FFF2-40B4-BE49-F238E27FC236}">
+                <a16:creationId xmlns:a16="http://schemas.microsoft.com/office/drawing/2014/main" id="{ED7AA9CF-F5CC-D569-8DCF-FFF979F628D1}"/>
+              </a:ext>
+            </a:extLst>
+          </p:cNvPr>
+          <p:cNvCxnSpPr>
+            <a:cxnSpLocks/>
+            <a:stCxn id="75" idx="0"/>
+            <a:endCxn id="9" idx="0"/>
+          </p:cNvCxnSpPr>
+          <p:nvPr/>
+        </p:nvCxnSpPr>
+        <p:spPr>
+          <a:xfrm rot="5400000" flipH="1" flipV="1">
+            <a:off x="2588846" y="1031270"/>
+            <a:ext cx="614896" cy="1587273"/>
+          </a:xfrm>
+          <a:prstGeom prst="bentConnector3">
+            <a:avLst>
+              <a:gd name="adj1" fmla="val 137177"/>
+            </a:avLst>
+          </a:prstGeom>
+          <a:ln w="12700">
+            <a:solidFill>
+              <a:schemeClr val="tx1"/>
+            </a:solidFill>
+            <a:tailEnd type="triangle"/>
+          </a:ln>
+        </p:spPr>
+        <p:style>
+          <a:lnRef idx="1">
+            <a:schemeClr val="accent1"/>
+          </a:lnRef>
+          <a:fillRef idx="0">
+            <a:schemeClr val="accent1"/>
+          </a:fillRef>
+          <a:effectRef idx="0">
+            <a:schemeClr val="accent1"/>
+          </a:effectRef>
+          <a:fontRef idx="minor">
+            <a:schemeClr val="tx1"/>
+          </a:fontRef>
+        </p:style>
+      </p:cxnSp>
+      <p:cxnSp>
+        <p:nvCxnSpPr>
+          <p:cNvPr id="18" name="Straight Arrow Connector 81">
+            <a:extLst>
+              <a:ext uri="{FF2B5EF4-FFF2-40B4-BE49-F238E27FC236}">
+                <a16:creationId xmlns:a16="http://schemas.microsoft.com/office/drawing/2014/main" id="{65255914-9ADC-59FF-BBC2-742A57E33CAC}"/>
+              </a:ext>
+            </a:extLst>
+          </p:cNvPr>
+          <p:cNvCxnSpPr>
+            <a:cxnSpLocks/>
+            <a:stCxn id="3" idx="2"/>
+            <a:endCxn id="2" idx="0"/>
+          </p:cNvCxnSpPr>
+          <p:nvPr/>
+        </p:nvCxnSpPr>
+        <p:spPr>
+          <a:xfrm>
+            <a:off x="3689931" y="2742566"/>
+            <a:ext cx="1" cy="180649"/>
+          </a:xfrm>
+          <a:prstGeom prst="straightConnector1">
+            <a:avLst/>
+          </a:prstGeom>
+          <a:ln>
+            <a:solidFill>
+              <a:schemeClr val="tx1"/>
+            </a:solidFill>
+            <a:tailEnd type="triangle"/>
+          </a:ln>
+        </p:spPr>
+        <p:style>
+          <a:lnRef idx="1">
+            <a:schemeClr val="accent1"/>
+          </a:lnRef>
+          <a:fillRef idx="0">
+            <a:schemeClr val="accent1"/>
+          </a:fillRef>
+          <a:effectRef idx="0">
+            <a:schemeClr val="accent1"/>
+          </a:effectRef>
+          <a:fontRef idx="minor">
+            <a:schemeClr val="tx1"/>
+          </a:fontRef>
+        </p:style>
+      </p:cxnSp>
+      <p:cxnSp>
+        <p:nvCxnSpPr>
+          <p:cNvPr id="15" name="Straight Arrow Connector 81">
+            <a:extLst>
+              <a:ext uri="{FF2B5EF4-FFF2-40B4-BE49-F238E27FC236}">
+                <a16:creationId xmlns:a16="http://schemas.microsoft.com/office/drawing/2014/main" id="{F555840B-8DB0-18F2-7767-45E7F6C2DB47}"/>
+              </a:ext>
+            </a:extLst>
+          </p:cNvPr>
+          <p:cNvCxnSpPr>
+            <a:cxnSpLocks/>
+            <a:stCxn id="19" idx="2"/>
+            <a:endCxn id="17" idx="0"/>
+          </p:cNvCxnSpPr>
+          <p:nvPr/>
+        </p:nvCxnSpPr>
+        <p:spPr>
+          <a:xfrm>
+            <a:off x="5390759" y="2037546"/>
+            <a:ext cx="0" cy="173250"/>
+          </a:xfrm>
+          <a:prstGeom prst="straightConnector1">
+            <a:avLst/>
+          </a:prstGeom>
+          <a:ln>
+            <a:solidFill>
+              <a:schemeClr val="tx1"/>
+            </a:solidFill>
+            <a:tailEnd type="triangle"/>
+          </a:ln>
+        </p:spPr>
+        <p:style>
+          <a:lnRef idx="1">
+            <a:schemeClr val="accent1"/>
+          </a:lnRef>
+          <a:fillRef idx="0">
+            <a:schemeClr val="accent1"/>
+          </a:fillRef>
+          <a:effectRef idx="0">
+            <a:schemeClr val="accent1"/>
+          </a:effectRef>
+          <a:fontRef idx="minor">
+            <a:schemeClr val="tx1"/>
+          </a:fontRef>
+        </p:style>
+      </p:cxnSp>
+      <p:sp>
+        <p:nvSpPr>
+          <p:cNvPr id="16" name="사각형: 둥근 모서리 29">
+            <a:extLst>
+              <a:ext uri="{FF2B5EF4-FFF2-40B4-BE49-F238E27FC236}">
+                <a16:creationId xmlns:a16="http://schemas.microsoft.com/office/drawing/2014/main" id="{53B1D163-A163-3956-6C4F-4573E6817193}"/>
+              </a:ext>
+            </a:extLst>
+          </p:cNvPr>
+          <p:cNvSpPr/>
+          <p:nvPr/>
+        </p:nvSpPr>
+        <p:spPr>
+          <a:xfrm>
+            <a:off x="4728104" y="2917374"/>
+            <a:ext cx="1325312" cy="525929"/>
+          </a:xfrm>
+          <a:prstGeom prst="roundRect">
+            <a:avLst>
+              <a:gd name="adj" fmla="val 11707"/>
+            </a:avLst>
+          </a:prstGeom>
+          <a:ln w="12700">
+            <a:prstDash val="solid"/>
+          </a:ln>
+        </p:spPr>
+        <p:style>
+          <a:lnRef idx="2">
+            <a:schemeClr val="dk1"/>
+          </a:lnRef>
+          <a:fillRef idx="1">
+            <a:schemeClr val="lt1"/>
+          </a:fillRef>
+          <a:effectRef idx="0">
+            <a:schemeClr val="dk1"/>
+          </a:effectRef>
+          <a:fontRef idx="minor">
+            <a:schemeClr val="dk1"/>
+          </a:fontRef>
+        </p:style>
+        <p:txBody>
+          <a:bodyPr rtlCol="0" anchor="ctr"/>
+          <a:lstStyle/>
+          <a:p>
+            <a:pPr algn="ctr"/>
+            <a:r>
+              <a:rPr lang="en-US" altLang="ko-KR" sz="1000" b="1"/>
+              <a:t>mock-server-grpc</a:t>
+            </a:r>
+            <a:r>
+              <a:rPr lang="en-US" altLang="ko-KR" sz="1000"/>
+              <a:t> </a:t>
+            </a:r>
+          </a:p>
+          <a:p>
+            <a:pPr algn="ctr"/>
+            <a:r>
+              <a:rPr lang="en-US" altLang="ko-KR" sz="1000"/>
+              <a:t>Service</a:t>
+            </a:r>
+            <a:endParaRPr lang="ko-KR" altLang="en-US" sz="1000"/>
+          </a:p>
+        </p:txBody>
+      </p:sp>
+      <p:sp>
+        <p:nvSpPr>
+          <p:cNvPr id="17" name="사각형: 둥근 모서리 29">
+            <a:extLst>
+              <a:ext uri="{FF2B5EF4-FFF2-40B4-BE49-F238E27FC236}">
+                <a16:creationId xmlns:a16="http://schemas.microsoft.com/office/drawing/2014/main" id="{CBB26C07-679A-BBD4-AEE6-2408DD0FEF38}"/>
+              </a:ext>
+            </a:extLst>
+          </p:cNvPr>
+          <p:cNvSpPr/>
+          <p:nvPr/>
+        </p:nvSpPr>
+        <p:spPr>
+          <a:xfrm>
+            <a:off x="4728103" y="2210796"/>
+            <a:ext cx="1325312" cy="525929"/>
+          </a:xfrm>
+          <a:prstGeom prst="roundRect">
+            <a:avLst>
+              <a:gd name="adj" fmla="val 11707"/>
+            </a:avLst>
+          </a:prstGeom>
+          <a:ln w="12700">
+            <a:prstDash val="solid"/>
+          </a:ln>
+        </p:spPr>
+        <p:style>
+          <a:lnRef idx="2">
+            <a:schemeClr val="dk1"/>
+          </a:lnRef>
+          <a:fillRef idx="1">
+            <a:schemeClr val="lt1"/>
+          </a:fillRef>
+          <a:effectRef idx="0">
+            <a:schemeClr val="dk1"/>
+          </a:effectRef>
+          <a:fontRef idx="minor">
+            <a:schemeClr val="dk1"/>
+          </a:fontRef>
+        </p:style>
+        <p:txBody>
+          <a:bodyPr rtlCol="0" anchor="ctr"/>
+          <a:lstStyle/>
+          <a:p>
+            <a:pPr algn="ctr"/>
+            <a:r>
+              <a:rPr lang="en-US" altLang="ko-KR" sz="1000" b="1"/>
+              <a:t>mock-server-grpc</a:t>
+            </a:r>
+          </a:p>
+          <a:p>
+            <a:pPr algn="ctr"/>
+            <a:r>
+              <a:rPr lang="en-US" altLang="ko-KR" sz="1000"/>
+              <a:t>DestinationRule</a:t>
+            </a:r>
+            <a:endParaRPr lang="ko-KR" altLang="en-US" sz="1000"/>
+          </a:p>
+        </p:txBody>
+      </p:sp>
+      <p:sp>
+        <p:nvSpPr>
+          <p:cNvPr id="19" name="사각형: 둥근 모서리 29">
+            <a:extLst>
+              <a:ext uri="{FF2B5EF4-FFF2-40B4-BE49-F238E27FC236}">
+                <a16:creationId xmlns:a16="http://schemas.microsoft.com/office/drawing/2014/main" id="{9658EA15-C115-D046-BC01-CE361FF2FF39}"/>
+              </a:ext>
+            </a:extLst>
+          </p:cNvPr>
+          <p:cNvSpPr/>
+          <p:nvPr/>
+        </p:nvSpPr>
+        <p:spPr>
+          <a:xfrm>
+            <a:off x="4728103" y="1511617"/>
+            <a:ext cx="1325312" cy="525929"/>
+          </a:xfrm>
+          <a:prstGeom prst="roundRect">
+            <a:avLst>
+              <a:gd name="adj" fmla="val 11707"/>
+            </a:avLst>
+          </a:prstGeom>
+          <a:ln w="12700">
+            <a:prstDash val="solid"/>
+          </a:ln>
+        </p:spPr>
+        <p:style>
+          <a:lnRef idx="2">
+            <a:schemeClr val="dk1"/>
+          </a:lnRef>
+          <a:fillRef idx="1">
+            <a:schemeClr val="lt1"/>
+          </a:fillRef>
+          <a:effectRef idx="0">
+            <a:schemeClr val="dk1"/>
+          </a:effectRef>
+          <a:fontRef idx="minor">
+            <a:schemeClr val="dk1"/>
+          </a:fontRef>
+        </p:style>
+        <p:txBody>
+          <a:bodyPr rtlCol="0" anchor="ctr"/>
+          <a:lstStyle/>
+          <a:p>
+            <a:pPr algn="ctr"/>
+            <a:r>
+              <a:rPr lang="en-US" altLang="ko-KR" sz="1000" b="1"/>
+              <a:t>mock-server-grpc</a:t>
+            </a:r>
+          </a:p>
+          <a:p>
+            <a:pPr algn="ctr"/>
+            <a:r>
+              <a:rPr lang="en-US" altLang="ko-KR" sz="1000"/>
+              <a:t>VirtualService</a:t>
+            </a:r>
+            <a:endParaRPr lang="ko-KR" altLang="en-US" sz="1000"/>
+          </a:p>
+        </p:txBody>
+      </p:sp>
+      <p:cxnSp>
+        <p:nvCxnSpPr>
+          <p:cNvPr id="20" name="Straight Arrow Connector 81">
+            <a:extLst>
+              <a:ext uri="{FF2B5EF4-FFF2-40B4-BE49-F238E27FC236}">
+                <a16:creationId xmlns:a16="http://schemas.microsoft.com/office/drawing/2014/main" id="{856D5F42-B52F-BC51-10EE-B7553B484597}"/>
+              </a:ext>
+            </a:extLst>
+          </p:cNvPr>
+          <p:cNvCxnSpPr>
+            <a:cxnSpLocks/>
+            <a:stCxn id="17" idx="2"/>
+            <a:endCxn id="16" idx="0"/>
+          </p:cNvCxnSpPr>
+          <p:nvPr/>
+        </p:nvCxnSpPr>
+        <p:spPr>
+          <a:xfrm>
+            <a:off x="5390759" y="2736725"/>
+            <a:ext cx="1" cy="180649"/>
+          </a:xfrm>
+          <a:prstGeom prst="straightConnector1">
+            <a:avLst/>
+          </a:prstGeom>
+          <a:ln>
+            <a:solidFill>
+              <a:schemeClr val="tx1"/>
+            </a:solidFill>
+            <a:tailEnd type="triangle"/>
+          </a:ln>
+        </p:spPr>
+        <p:style>
+          <a:lnRef idx="1">
+            <a:schemeClr val="accent1"/>
+          </a:lnRef>
+          <a:fillRef idx="0">
+            <a:schemeClr val="accent1"/>
+          </a:fillRef>
+          <a:effectRef idx="0">
+            <a:schemeClr val="accent1"/>
+          </a:effectRef>
+          <a:fontRef idx="minor">
+            <a:schemeClr val="tx1"/>
+          </a:fontRef>
+        </p:style>
+      </p:cxnSp>
+      <p:cxnSp>
+        <p:nvCxnSpPr>
+          <p:cNvPr id="29" name="Elbow Connector 80">
+            <a:extLst>
+              <a:ext uri="{FF2B5EF4-FFF2-40B4-BE49-F238E27FC236}">
+                <a16:creationId xmlns:a16="http://schemas.microsoft.com/office/drawing/2014/main" id="{F6ED1B92-CF70-F61F-D1A0-24AD995DB76F}"/>
+              </a:ext>
+            </a:extLst>
+          </p:cNvPr>
+          <p:cNvCxnSpPr>
+            <a:cxnSpLocks/>
+            <a:stCxn id="75" idx="0"/>
+            <a:endCxn id="19" idx="0"/>
+          </p:cNvCxnSpPr>
+          <p:nvPr/>
+        </p:nvCxnSpPr>
+        <p:spPr>
+          <a:xfrm rot="5400000" flipH="1" flipV="1">
+            <a:off x="3436340" y="177936"/>
+            <a:ext cx="620737" cy="3288101"/>
+          </a:xfrm>
+          <a:prstGeom prst="bentConnector3">
+            <a:avLst>
+              <a:gd name="adj1" fmla="val 136827"/>
+            </a:avLst>
+          </a:prstGeom>
+          <a:ln w="12700">
+            <a:solidFill>
+              <a:schemeClr val="tx1"/>
+            </a:solidFill>
+            <a:tailEnd type="triangle"/>
+          </a:ln>
+        </p:spPr>
+        <p:style>
+          <a:lnRef idx="1">
+            <a:schemeClr val="accent1"/>
+          </a:lnRef>
+          <a:fillRef idx="0">
+            <a:schemeClr val="accent1"/>
+          </a:fillRef>
+          <a:effectRef idx="0">
+            <a:schemeClr val="accent1"/>
+          </a:effectRef>
+          <a:fontRef idx="minor">
+            <a:schemeClr val="tx1"/>
+          </a:fontRef>
+        </p:style>
+      </p:cxnSp>
+      <p:sp>
+        <p:nvSpPr>
+          <p:cNvPr id="75" name="사각형: 둥근 모서리 29">
+            <a:extLst>
+              <a:ext uri="{FF2B5EF4-FFF2-40B4-BE49-F238E27FC236}">
+                <a16:creationId xmlns:a16="http://schemas.microsoft.com/office/drawing/2014/main" id="{5AF144A9-D6DF-7770-D4F5-17B2DF531D48}"/>
+              </a:ext>
+            </a:extLst>
+          </p:cNvPr>
+          <p:cNvSpPr/>
+          <p:nvPr/>
+        </p:nvSpPr>
+        <p:spPr>
+          <a:xfrm>
+            <a:off x="1657017" y="2132354"/>
+            <a:ext cx="891282" cy="439396"/>
+          </a:xfrm>
+          <a:prstGeom prst="roundRect">
+            <a:avLst>
+              <a:gd name="adj" fmla="val 14520"/>
+            </a:avLst>
+          </a:prstGeom>
+          <a:ln w="12700"/>
+        </p:spPr>
+        <p:style>
+          <a:lnRef idx="2">
+            <a:schemeClr val="dk1"/>
+          </a:lnRef>
+          <a:fillRef idx="1">
+            <a:schemeClr val="lt1"/>
+          </a:fillRef>
+          <a:effectRef idx="0">
+            <a:schemeClr val="dk1"/>
+          </a:effectRef>
+          <a:fontRef idx="minor">
+            <a:schemeClr val="dk1"/>
+          </a:fontRef>
+        </p:style>
+        <p:txBody>
+          <a:bodyPr rtlCol="0" anchor="ctr"/>
+          <a:lstStyle/>
+          <a:p>
+            <a:pPr algn="ctr"/>
+            <a:r>
+              <a:rPr lang="en-US" altLang="ko-KR" sz="1000" b="1"/>
+              <a:t>istio-proxy</a:t>
+            </a:r>
+          </a:p>
+          <a:p>
+            <a:pPr algn="ctr"/>
+            <a:r>
+              <a:rPr lang="en-US" altLang="ko-KR" sz="1000"/>
+              <a:t>Container</a:t>
+            </a:r>
+          </a:p>
+        </p:txBody>
+      </p:sp>
+      <p:sp>
+        <p:nvSpPr>
+          <p:cNvPr id="78" name="사각형: 둥근 모서리 29">
+            <a:extLst>
+              <a:ext uri="{FF2B5EF4-FFF2-40B4-BE49-F238E27FC236}">
+                <a16:creationId xmlns:a16="http://schemas.microsoft.com/office/drawing/2014/main" id="{22638D79-CACB-922D-56CA-AA594E5EB7A5}"/>
+              </a:ext>
+            </a:extLst>
+          </p:cNvPr>
+          <p:cNvSpPr/>
+          <p:nvPr/>
+        </p:nvSpPr>
+        <p:spPr>
+          <a:xfrm>
+            <a:off x="367780" y="2132354"/>
+            <a:ext cx="989457" cy="439396"/>
+          </a:xfrm>
+          <a:prstGeom prst="roundRect">
+            <a:avLst>
+              <a:gd name="adj" fmla="val 14520"/>
+            </a:avLst>
+          </a:prstGeom>
+          <a:ln w="12700"/>
+        </p:spPr>
+        <p:style>
+          <a:lnRef idx="2">
+            <a:schemeClr val="dk1"/>
+          </a:lnRef>
+          <a:fillRef idx="1">
+            <a:schemeClr val="lt1"/>
+          </a:fillRef>
+          <a:effectRef idx="0">
+            <a:schemeClr val="dk1"/>
+          </a:effectRef>
+          <a:fontRef idx="minor">
+            <a:schemeClr val="dk1"/>
+          </a:fontRef>
+        </p:style>
+        <p:txBody>
+          <a:bodyPr rtlCol="0" anchor="ctr"/>
+          <a:lstStyle/>
+          <a:p>
+            <a:pPr algn="ctr"/>
+            <a:r>
+              <a:rPr lang="en-US" altLang="ko-KR" sz="1000" b="1"/>
+              <a:t>shell</a:t>
+            </a:r>
+          </a:p>
+          <a:p>
+            <a:pPr algn="ctr"/>
+            <a:r>
+              <a:rPr lang="en-US" altLang="ko-KR" sz="1000"/>
+              <a:t>Container</a:t>
+            </a:r>
+          </a:p>
+        </p:txBody>
+      </p:sp>
+      <p:cxnSp>
+        <p:nvCxnSpPr>
+          <p:cNvPr id="95" name="Straight Arrow Connector 81">
+            <a:extLst>
+              <a:ext uri="{FF2B5EF4-FFF2-40B4-BE49-F238E27FC236}">
+                <a16:creationId xmlns:a16="http://schemas.microsoft.com/office/drawing/2014/main" id="{0A24C366-F812-7FE1-6A10-9569FD8DA77D}"/>
+              </a:ext>
+            </a:extLst>
+          </p:cNvPr>
+          <p:cNvCxnSpPr>
+            <a:cxnSpLocks/>
+            <a:stCxn id="78" idx="3"/>
+            <a:endCxn id="75" idx="1"/>
+          </p:cNvCxnSpPr>
+          <p:nvPr/>
+        </p:nvCxnSpPr>
+        <p:spPr>
+          <a:xfrm>
+            <a:off x="1357237" y="2352052"/>
+            <a:ext cx="299780" cy="0"/>
+          </a:xfrm>
+          <a:prstGeom prst="straightConnector1">
+            <a:avLst/>
+          </a:prstGeom>
+          <a:ln>
+            <a:solidFill>
+              <a:schemeClr val="tx1"/>
+            </a:solidFill>
+            <a:tailEnd type="triangle"/>
+          </a:ln>
+        </p:spPr>
+        <p:style>
+          <a:lnRef idx="1">
+            <a:schemeClr val="accent1"/>
+          </a:lnRef>
+          <a:fillRef idx="0">
+            <a:schemeClr val="accent1"/>
+          </a:fillRef>
+          <a:effectRef idx="0">
+            <a:schemeClr val="accent1"/>
+          </a:effectRef>
+          <a:fontRef idx="minor">
+            <a:schemeClr val="tx1"/>
+          </a:fontRef>
+        </p:style>
+      </p:cxnSp>
+      <p:sp>
+        <p:nvSpPr>
+          <p:cNvPr id="100" name="사각형: 둥근 모서리 29">
+            <a:extLst>
+              <a:ext uri="{FF2B5EF4-FFF2-40B4-BE49-F238E27FC236}">
+                <a16:creationId xmlns:a16="http://schemas.microsoft.com/office/drawing/2014/main" id="{426153DF-4581-7616-0CF0-1E6ED427FAA8}"/>
+              </a:ext>
+            </a:extLst>
+          </p:cNvPr>
+          <p:cNvSpPr/>
+          <p:nvPr/>
+        </p:nvSpPr>
+        <p:spPr>
+          <a:xfrm>
+            <a:off x="6352093" y="1938094"/>
+            <a:ext cx="2551069" cy="1267312"/>
+          </a:xfrm>
+          <a:prstGeom prst="roundRect">
+            <a:avLst>
+              <a:gd name="adj" fmla="val 6027"/>
+            </a:avLst>
+          </a:prstGeom>
+          <a:ln w="12700"/>
+        </p:spPr>
+        <p:style>
+          <a:lnRef idx="2">
+            <a:schemeClr val="dk1"/>
+          </a:lnRef>
+          <a:fillRef idx="1">
+            <a:schemeClr val="lt1"/>
+          </a:fillRef>
+          <a:effectRef idx="0">
+            <a:schemeClr val="dk1"/>
+          </a:effectRef>
+          <a:fontRef idx="minor">
+            <a:schemeClr val="dk1"/>
+          </a:fontRef>
+        </p:style>
+        <p:txBody>
+          <a:bodyPr rtlCol="0" anchor="b"/>
+          <a:lstStyle/>
+          <a:p>
+            <a:pPr algn="ctr"/>
+            <a:r>
+              <a:rPr lang="en-US" altLang="ko-KR" sz="1000" b="1"/>
+              <a:t> </a:t>
+            </a:r>
+          </a:p>
+          <a:p>
+            <a:pPr algn="ctr"/>
+            <a:r>
+              <a:rPr lang="en-US" altLang="ko-KR" sz="1000"/>
+              <a:t>Worker Node</a:t>
+            </a:r>
+            <a:endParaRPr lang="ko-KR" altLang="en-US" sz="1000"/>
+          </a:p>
+        </p:txBody>
+      </p:sp>
+      <p:sp>
+        <p:nvSpPr>
+          <p:cNvPr id="101" name="사각형: 둥근 모서리 29">
+            <a:extLst>
+              <a:ext uri="{FF2B5EF4-FFF2-40B4-BE49-F238E27FC236}">
+                <a16:creationId xmlns:a16="http://schemas.microsoft.com/office/drawing/2014/main" id="{287FDFA1-A474-A85C-35DD-77CAB13453C3}"/>
+              </a:ext>
+            </a:extLst>
+          </p:cNvPr>
+          <p:cNvSpPr/>
+          <p:nvPr/>
+        </p:nvSpPr>
+        <p:spPr>
+          <a:xfrm>
+            <a:off x="6442602" y="2037546"/>
+            <a:ext cx="2372526" cy="888200"/>
+          </a:xfrm>
+          <a:prstGeom prst="roundRect">
+            <a:avLst>
+              <a:gd name="adj" fmla="val 10124"/>
+            </a:avLst>
+          </a:prstGeom>
+          <a:ln w="12700"/>
+        </p:spPr>
+        <p:style>
+          <a:lnRef idx="2">
+            <a:schemeClr val="dk1"/>
+          </a:lnRef>
+          <a:fillRef idx="1">
+            <a:schemeClr val="lt1"/>
+          </a:fillRef>
+          <a:effectRef idx="0">
+            <a:schemeClr val="dk1"/>
+          </a:effectRef>
+          <a:fontRef idx="minor">
+            <a:schemeClr val="dk1"/>
+          </a:fontRef>
+        </p:style>
+        <p:txBody>
+          <a:bodyPr rtlCol="0" anchor="b"/>
+          <a:lstStyle/>
+          <a:p>
+            <a:pPr algn="ctr"/>
+            <a:r>
+              <a:rPr lang="en-US" altLang="ko-KR" sz="1000" b="1"/>
+              <a:t>mock-server </a:t>
+            </a:r>
+            <a:r>
+              <a:rPr lang="en-US" altLang="ko-KR" sz="1000"/>
+              <a:t>Pod</a:t>
+            </a:r>
+          </a:p>
+        </p:txBody>
+      </p:sp>
+      <p:cxnSp>
+        <p:nvCxnSpPr>
+          <p:cNvPr id="105" name="Elbow Connector 80">
+            <a:extLst>
+              <a:ext uri="{FF2B5EF4-FFF2-40B4-BE49-F238E27FC236}">
+                <a16:creationId xmlns:a16="http://schemas.microsoft.com/office/drawing/2014/main" id="{71E748AA-F0EE-5F37-E5F2-5BE0F8261349}"/>
+              </a:ext>
+            </a:extLst>
+          </p:cNvPr>
+          <p:cNvCxnSpPr>
+            <a:cxnSpLocks/>
+            <a:stCxn id="16" idx="2"/>
+            <a:endCxn id="113" idx="2"/>
+          </p:cNvCxnSpPr>
+          <p:nvPr/>
+        </p:nvCxnSpPr>
+        <p:spPr>
+          <a:xfrm rot="5400000" flipH="1" flipV="1">
+            <a:off x="5752604" y="2209906"/>
+            <a:ext cx="871553" cy="1595242"/>
+          </a:xfrm>
+          <a:prstGeom prst="bentConnector3">
+            <a:avLst>
+              <a:gd name="adj1" fmla="val -26229"/>
+            </a:avLst>
+          </a:prstGeom>
+          <a:ln w="12700">
+            <a:solidFill>
+              <a:schemeClr val="tx1"/>
+            </a:solidFill>
+            <a:tailEnd type="triangle"/>
+          </a:ln>
+        </p:spPr>
+        <p:style>
+          <a:lnRef idx="1">
+            <a:schemeClr val="accent1"/>
+          </a:lnRef>
+          <a:fillRef idx="0">
+            <a:schemeClr val="accent1"/>
+          </a:fillRef>
+          <a:effectRef idx="0">
+            <a:schemeClr val="accent1"/>
+          </a:effectRef>
+          <a:fontRef idx="minor">
+            <a:schemeClr val="tx1"/>
+          </a:fontRef>
+        </p:style>
+      </p:cxnSp>
+      <p:sp>
+        <p:nvSpPr>
+          <p:cNvPr id="112" name="사각형: 둥근 모서리 29">
+            <a:extLst>
+              <a:ext uri="{FF2B5EF4-FFF2-40B4-BE49-F238E27FC236}">
+                <a16:creationId xmlns:a16="http://schemas.microsoft.com/office/drawing/2014/main" id="{A5315546-D51A-A61E-2276-827A9CF41C09}"/>
+              </a:ext>
+            </a:extLst>
+          </p:cNvPr>
+          <p:cNvSpPr/>
+          <p:nvPr/>
+        </p:nvSpPr>
+        <p:spPr>
+          <a:xfrm>
+            <a:off x="7731423" y="2132354"/>
+            <a:ext cx="989457" cy="439396"/>
+          </a:xfrm>
+          <a:prstGeom prst="roundRect">
+            <a:avLst>
+              <a:gd name="adj" fmla="val 14520"/>
+            </a:avLst>
+          </a:prstGeom>
+          <a:ln w="12700"/>
+        </p:spPr>
+        <p:style>
+          <a:lnRef idx="2">
+            <a:schemeClr val="dk1"/>
+          </a:lnRef>
+          <a:fillRef idx="1">
+            <a:schemeClr val="lt1"/>
+          </a:fillRef>
+          <a:effectRef idx="0">
+            <a:schemeClr val="dk1"/>
+          </a:effectRef>
+          <a:fontRef idx="minor">
+            <a:schemeClr val="dk1"/>
+          </a:fontRef>
+        </p:style>
+        <p:txBody>
+          <a:bodyPr rtlCol="0" anchor="ctr"/>
+          <a:lstStyle/>
+          <a:p>
+            <a:pPr algn="ctr"/>
+            <a:r>
+              <a:rPr lang="en-US" altLang="ko-KR" sz="1000" b="1"/>
+              <a:t>mock-server</a:t>
+            </a:r>
+          </a:p>
+          <a:p>
+            <a:pPr algn="ctr"/>
+            <a:r>
+              <a:rPr lang="en-US" altLang="ko-KR" sz="1000"/>
+              <a:t>Container</a:t>
+            </a:r>
+          </a:p>
+        </p:txBody>
+      </p:sp>
+      <p:sp>
+        <p:nvSpPr>
+          <p:cNvPr id="113" name="사각형: 둥근 모서리 29">
+            <a:extLst>
+              <a:ext uri="{FF2B5EF4-FFF2-40B4-BE49-F238E27FC236}">
+                <a16:creationId xmlns:a16="http://schemas.microsoft.com/office/drawing/2014/main" id="{8986F231-6AB7-4458-6849-38C3D221D0BC}"/>
+              </a:ext>
+            </a:extLst>
+          </p:cNvPr>
+          <p:cNvSpPr/>
+          <p:nvPr/>
+        </p:nvSpPr>
+        <p:spPr>
+          <a:xfrm>
+            <a:off x="6540361" y="2132354"/>
+            <a:ext cx="891282" cy="439396"/>
+          </a:xfrm>
+          <a:prstGeom prst="roundRect">
+            <a:avLst>
+              <a:gd name="adj" fmla="val 14520"/>
+            </a:avLst>
+          </a:prstGeom>
+          <a:ln w="12700"/>
+        </p:spPr>
+        <p:style>
+          <a:lnRef idx="2">
+            <a:schemeClr val="dk1"/>
+          </a:lnRef>
+          <a:fillRef idx="1">
+            <a:schemeClr val="lt1"/>
+          </a:fillRef>
+          <a:effectRef idx="0">
+            <a:schemeClr val="dk1"/>
+          </a:effectRef>
+          <a:fontRef idx="minor">
+            <a:schemeClr val="dk1"/>
+          </a:fontRef>
+        </p:style>
+        <p:txBody>
+          <a:bodyPr rtlCol="0" anchor="ctr"/>
+          <a:lstStyle/>
+          <a:p>
+            <a:pPr algn="ctr"/>
+            <a:r>
+              <a:rPr lang="en-US" altLang="ko-KR" sz="1000" b="1"/>
+              <a:t>istio-proxy</a:t>
+            </a:r>
+          </a:p>
+          <a:p>
+            <a:pPr algn="ctr"/>
+            <a:r>
+              <a:rPr lang="en-US" altLang="ko-KR" sz="1000"/>
+              <a:t>Container</a:t>
+            </a:r>
+          </a:p>
+        </p:txBody>
+      </p:sp>
+      <p:cxnSp>
+        <p:nvCxnSpPr>
+          <p:cNvPr id="115" name="Elbow Connector 80">
+            <a:extLst>
+              <a:ext uri="{FF2B5EF4-FFF2-40B4-BE49-F238E27FC236}">
+                <a16:creationId xmlns:a16="http://schemas.microsoft.com/office/drawing/2014/main" id="{905FCA48-E7F9-1498-4E07-8B26DBFFA486}"/>
+              </a:ext>
+            </a:extLst>
+          </p:cNvPr>
+          <p:cNvCxnSpPr>
+            <a:cxnSpLocks/>
+            <a:stCxn id="2" idx="2"/>
+            <a:endCxn id="113" idx="2"/>
+          </p:cNvCxnSpPr>
+          <p:nvPr/>
+        </p:nvCxnSpPr>
+        <p:spPr>
+          <a:xfrm rot="5400000" flipH="1" flipV="1">
+            <a:off x="4899270" y="1362412"/>
+            <a:ext cx="877394" cy="3296070"/>
+          </a:xfrm>
+          <a:prstGeom prst="bentConnector3">
+            <a:avLst>
+              <a:gd name="adj1" fmla="val -26054"/>
+            </a:avLst>
+          </a:prstGeom>
+          <a:ln w="12700">
+            <a:solidFill>
+              <a:schemeClr val="tx1"/>
+            </a:solidFill>
+            <a:tailEnd type="triangle"/>
+          </a:ln>
+        </p:spPr>
+        <p:style>
+          <a:lnRef idx="1">
+            <a:schemeClr val="accent1"/>
+          </a:lnRef>
+          <a:fillRef idx="0">
+            <a:schemeClr val="accent1"/>
+          </a:fillRef>
+          <a:effectRef idx="0">
+            <a:schemeClr val="accent1"/>
+          </a:effectRef>
+          <a:fontRef idx="minor">
+            <a:schemeClr val="tx1"/>
+          </a:fontRef>
+        </p:style>
+      </p:cxnSp>
+      <p:cxnSp>
+        <p:nvCxnSpPr>
+          <p:cNvPr id="118" name="Straight Arrow Connector 81">
+            <a:extLst>
+              <a:ext uri="{FF2B5EF4-FFF2-40B4-BE49-F238E27FC236}">
+                <a16:creationId xmlns:a16="http://schemas.microsoft.com/office/drawing/2014/main" id="{85934D11-0BEB-44EC-5F95-50D994482308}"/>
+              </a:ext>
+            </a:extLst>
+          </p:cNvPr>
+          <p:cNvCxnSpPr>
+            <a:cxnSpLocks/>
+            <a:stCxn id="113" idx="3"/>
+            <a:endCxn id="112" idx="1"/>
+          </p:cNvCxnSpPr>
+          <p:nvPr/>
+        </p:nvCxnSpPr>
+        <p:spPr>
+          <a:xfrm>
+            <a:off x="7431643" y="2352052"/>
+            <a:ext cx="299780" cy="0"/>
+          </a:xfrm>
+          <a:prstGeom prst="straightConnector1">
+            <a:avLst/>
+          </a:prstGeom>
+          <a:ln>
+            <a:solidFill>
+              <a:schemeClr val="tx1"/>
+            </a:solidFill>
+            <a:tailEnd type="triangle"/>
+          </a:ln>
+        </p:spPr>
+        <p:style>
+          <a:lnRef idx="1">
+            <a:schemeClr val="accent1"/>
+          </a:lnRef>
+          <a:fillRef idx="0">
+            <a:schemeClr val="accent1"/>
+          </a:fillRef>
+          <a:effectRef idx="0">
+            <a:schemeClr val="accent1"/>
+          </a:effectRef>
+          <a:fontRef idx="minor">
+            <a:schemeClr val="tx1"/>
+          </a:fontRef>
+        </p:style>
+      </p:cxnSp>
+    </p:spTree>
+    <p:extLst>
+      <p:ext uri="{BB962C8B-B14F-4D97-AF65-F5344CB8AC3E}">
+        <p14:creationId xmlns:p14="http://schemas.microsoft.com/office/powerpoint/2010/main" val="3712881515"/>
+      </p:ext>
+    </p:extLst>
+  </p:cSld>
+  <p:clrMapOvr>
+    <a:masterClrMapping/>
+  </p:clrMapOvr>
+</p:sld>
+</file>
+
+<file path=ppt/slides/slide5.xml><?xml version="1.0" encoding="utf-8"?>
 <p:sld xmlns:a="http://schemas.openxmlformats.org/drawingml/2006/main" xmlns:r="http://schemas.openxmlformats.org/officeDocument/2006/relationships" xmlns:p="http://schemas.openxmlformats.org/presentationml/2006/main">
   <p:cSld>
     <p:spTree>
@@ -11957,7 +14611,7 @@
 </p:sld>
 </file>
 
-<file path=ppt/slides/slide5.xml><?xml version="1.0" encoding="utf-8"?>
+<file path=ppt/slides/slide6.xml><?xml version="1.0" encoding="utf-8"?>
 <p:sld xmlns:a="http://schemas.openxmlformats.org/drawingml/2006/main" xmlns:r="http://schemas.openxmlformats.org/officeDocument/2006/relationships" xmlns:p="http://schemas.openxmlformats.org/presentationml/2006/main">
   <p:cSld>
     <p:spTree>
@@ -12367,7 +15021,7 @@
 </p:sld>
 </file>
 
-<file path=ppt/slides/slide6.xml><?xml version="1.0" encoding="utf-8"?>
+<file path=ppt/slides/slide7.xml><?xml version="1.0" encoding="utf-8"?>
 <p:sld xmlns:a="http://schemas.openxmlformats.org/drawingml/2006/main" xmlns:r="http://schemas.openxmlformats.org/officeDocument/2006/relationships" xmlns:p="http://schemas.openxmlformats.org/presentationml/2006/main">
   <p:cSld>
     <p:spTree>
@@ -12777,7 +15431,7 @@
 </p:sld>
 </file>
 
-<file path=ppt/slides/slide7.xml><?xml version="1.0" encoding="utf-8"?>
+<file path=ppt/slides/slide8.xml><?xml version="1.0" encoding="utf-8"?>
 <p:sld xmlns:a="http://schemas.openxmlformats.org/drawingml/2006/main" xmlns:r="http://schemas.openxmlformats.org/officeDocument/2006/relationships" xmlns:p="http://schemas.openxmlformats.org/presentationml/2006/main">
   <p:cSld>
     <p:spTree>
@@ -13186,7 +15840,7 @@
 </p:sld>
 </file>
 
-<file path=ppt/slides/slide8.xml><?xml version="1.0" encoding="utf-8"?>
+<file path=ppt/slides/slide9.xml><?xml version="1.0" encoding="utf-8"?>
 <p:sld xmlns:a="http://schemas.openxmlformats.org/drawingml/2006/main" xmlns:r="http://schemas.openxmlformats.org/officeDocument/2006/relationships" xmlns:p="http://schemas.openxmlformats.org/presentationml/2006/main">
   <p:cSld>
     <p:spTree>
@@ -13678,1018 +16332,6 @@
     <p:extLst>
       <p:ext uri="{BB962C8B-B14F-4D97-AF65-F5344CB8AC3E}">
         <p14:creationId xmlns:p14="http://schemas.microsoft.com/office/powerpoint/2010/main" val="2284733793"/>
-      </p:ext>
-    </p:extLst>
-  </p:cSld>
-  <p:clrMapOvr>
-    <a:masterClrMapping/>
-  </p:clrMapOvr>
-</p:sld>
-</file>
-
-<file path=ppt/slides/slide9.xml><?xml version="1.0" encoding="utf-8"?>
-<p:sld xmlns:a="http://schemas.openxmlformats.org/drawingml/2006/main" xmlns:r="http://schemas.openxmlformats.org/officeDocument/2006/relationships" xmlns:p="http://schemas.openxmlformats.org/presentationml/2006/main">
-  <p:cSld>
-    <p:spTree>
-      <p:nvGrpSpPr>
-        <p:cNvPr id="1" name="">
-          <a:extLst>
-            <a:ext uri="{FF2B5EF4-FFF2-40B4-BE49-F238E27FC236}">
-              <a16:creationId xmlns:a16="http://schemas.microsoft.com/office/drawing/2014/main" id="{311FEFB3-B0E3-A751-2A11-E37C0EF4964A}"/>
-            </a:ext>
-          </a:extLst>
-        </p:cNvPr>
-        <p:cNvGrpSpPr/>
-        <p:nvPr/>
-      </p:nvGrpSpPr>
-      <p:grpSpPr>
-        <a:xfrm>
-          <a:off x="0" y="0"/>
-          <a:ext cx="0" cy="0"/>
-          <a:chOff x="0" y="0"/>
-          <a:chExt cx="0" cy="0"/>
-        </a:xfrm>
-      </p:grpSpPr>
-      <p:sp>
-        <p:nvSpPr>
-          <p:cNvPr id="4" name="사각형: 둥근 모서리 29">
-            <a:extLst>
-              <a:ext uri="{FF2B5EF4-FFF2-40B4-BE49-F238E27FC236}">
-                <a16:creationId xmlns:a16="http://schemas.microsoft.com/office/drawing/2014/main" id="{318A68AB-3960-B94A-A510-D9D287498672}"/>
-              </a:ext>
-            </a:extLst>
-          </p:cNvPr>
-          <p:cNvSpPr/>
-          <p:nvPr/>
-        </p:nvSpPr>
-        <p:spPr>
-          <a:xfrm>
-            <a:off x="1763688" y="411510"/>
-            <a:ext cx="1164765" cy="657290"/>
-          </a:xfrm>
-          <a:prstGeom prst="roundRect">
-            <a:avLst>
-              <a:gd name="adj" fmla="val 17374"/>
-            </a:avLst>
-          </a:prstGeom>
-          <a:ln w="12700"/>
-        </p:spPr>
-        <p:style>
-          <a:lnRef idx="2">
-            <a:schemeClr val="dk1"/>
-          </a:lnRef>
-          <a:fillRef idx="1">
-            <a:schemeClr val="lt1"/>
-          </a:fillRef>
-          <a:effectRef idx="0">
-            <a:schemeClr val="dk1"/>
-          </a:effectRef>
-          <a:fontRef idx="minor">
-            <a:schemeClr val="dk1"/>
-          </a:fontRef>
-        </p:style>
-        <p:txBody>
-          <a:bodyPr rtlCol="0" anchor="ctr"/>
-          <a:lstStyle/>
-          <a:p>
-            <a:pPr algn="ctr"/>
-            <a:r>
-              <a:rPr lang="en-US" altLang="ko-KR" sz="1000" b="1"/>
-              <a:t>shell</a:t>
-            </a:r>
-          </a:p>
-          <a:p>
-            <a:pPr algn="ctr"/>
-            <a:r>
-              <a:rPr lang="en-US" altLang="ko-KR" sz="1000"/>
-              <a:t>Pod</a:t>
-            </a:r>
-            <a:endParaRPr lang="ko-KR" altLang="en-US" sz="1000"/>
-          </a:p>
-        </p:txBody>
-      </p:sp>
-      <p:sp>
-        <p:nvSpPr>
-          <p:cNvPr id="5" name="사각형: 둥근 모서리 29">
-            <a:extLst>
-              <a:ext uri="{FF2B5EF4-FFF2-40B4-BE49-F238E27FC236}">
-                <a16:creationId xmlns:a16="http://schemas.microsoft.com/office/drawing/2014/main" id="{C8F00B08-DDBF-F48A-EAD9-EBF25501504A}"/>
-              </a:ext>
-            </a:extLst>
-          </p:cNvPr>
-          <p:cNvSpPr/>
-          <p:nvPr/>
-        </p:nvSpPr>
-        <p:spPr>
-          <a:xfrm>
-            <a:off x="5724128" y="411510"/>
-            <a:ext cx="1164765" cy="657290"/>
-          </a:xfrm>
-          <a:prstGeom prst="roundRect">
-            <a:avLst>
-              <a:gd name="adj" fmla="val 17374"/>
-            </a:avLst>
-          </a:prstGeom>
-          <a:ln w="12700"/>
-        </p:spPr>
-        <p:style>
-          <a:lnRef idx="2">
-            <a:schemeClr val="dk1"/>
-          </a:lnRef>
-          <a:fillRef idx="1">
-            <a:schemeClr val="lt1"/>
-          </a:fillRef>
-          <a:effectRef idx="0">
-            <a:schemeClr val="dk1"/>
-          </a:effectRef>
-          <a:fontRef idx="minor">
-            <a:schemeClr val="dk1"/>
-          </a:fontRef>
-        </p:style>
-        <p:txBody>
-          <a:bodyPr rtlCol="0" anchor="ctr"/>
-          <a:lstStyle/>
-          <a:p>
-            <a:pPr algn="ctr"/>
-            <a:r>
-              <a:rPr lang="en-US" altLang="ko-KR" sz="1000" b="1"/>
-              <a:t>mock-server</a:t>
-            </a:r>
-          </a:p>
-          <a:p>
-            <a:pPr algn="ctr"/>
-            <a:r>
-              <a:rPr lang="en-US" altLang="ko-KR" sz="1000"/>
-              <a:t>Pod</a:t>
-            </a:r>
-            <a:endParaRPr lang="ko-KR" altLang="en-US" sz="1000"/>
-          </a:p>
-        </p:txBody>
-      </p:sp>
-      <p:cxnSp>
-        <p:nvCxnSpPr>
-          <p:cNvPr id="8" name="Straight Arrow Connector 81">
-            <a:extLst>
-              <a:ext uri="{FF2B5EF4-FFF2-40B4-BE49-F238E27FC236}">
-                <a16:creationId xmlns:a16="http://schemas.microsoft.com/office/drawing/2014/main" id="{0EE93234-570E-A794-E7D1-81851B21F5F9}"/>
-              </a:ext>
-            </a:extLst>
-          </p:cNvPr>
-          <p:cNvCxnSpPr>
-            <a:cxnSpLocks/>
-            <a:stCxn id="5" idx="2"/>
-          </p:cNvCxnSpPr>
-          <p:nvPr/>
-        </p:nvCxnSpPr>
-        <p:spPr>
-          <a:xfrm>
-            <a:off x="6306511" y="1068800"/>
-            <a:ext cx="0" cy="3375158"/>
-          </a:xfrm>
-          <a:prstGeom prst="straightConnector1">
-            <a:avLst/>
-          </a:prstGeom>
-          <a:ln>
-            <a:solidFill>
-              <a:schemeClr val="tx1"/>
-            </a:solidFill>
-            <a:prstDash val="dash"/>
-            <a:tailEnd type="triangle"/>
-          </a:ln>
-        </p:spPr>
-        <p:style>
-          <a:lnRef idx="1">
-            <a:schemeClr val="accent1"/>
-          </a:lnRef>
-          <a:fillRef idx="0">
-            <a:schemeClr val="accent1"/>
-          </a:fillRef>
-          <a:effectRef idx="0">
-            <a:schemeClr val="accent1"/>
-          </a:effectRef>
-          <a:fontRef idx="minor">
-            <a:schemeClr val="tx1"/>
-          </a:fontRef>
-        </p:style>
-      </p:cxnSp>
-      <p:cxnSp>
-        <p:nvCxnSpPr>
-          <p:cNvPr id="2" name="Straight Arrow Connector 81">
-            <a:extLst>
-              <a:ext uri="{FF2B5EF4-FFF2-40B4-BE49-F238E27FC236}">
-                <a16:creationId xmlns:a16="http://schemas.microsoft.com/office/drawing/2014/main" id="{F612EB67-A39A-3E80-65B5-18978307EE42}"/>
-              </a:ext>
-            </a:extLst>
-          </p:cNvPr>
-          <p:cNvCxnSpPr>
-            <a:cxnSpLocks/>
-            <a:stCxn id="4" idx="2"/>
-          </p:cNvCxnSpPr>
-          <p:nvPr/>
-        </p:nvCxnSpPr>
-        <p:spPr>
-          <a:xfrm>
-            <a:off x="2346071" y="1068800"/>
-            <a:ext cx="0" cy="3375158"/>
-          </a:xfrm>
-          <a:prstGeom prst="straightConnector1">
-            <a:avLst/>
-          </a:prstGeom>
-          <a:ln>
-            <a:solidFill>
-              <a:schemeClr val="tx1"/>
-            </a:solidFill>
-            <a:prstDash val="dash"/>
-            <a:tailEnd type="triangle"/>
-          </a:ln>
-        </p:spPr>
-        <p:style>
-          <a:lnRef idx="1">
-            <a:schemeClr val="accent1"/>
-          </a:lnRef>
-          <a:fillRef idx="0">
-            <a:schemeClr val="accent1"/>
-          </a:fillRef>
-          <a:effectRef idx="0">
-            <a:schemeClr val="accent1"/>
-          </a:effectRef>
-          <a:fontRef idx="minor">
-            <a:schemeClr val="tx1"/>
-          </a:fontRef>
-        </p:style>
-      </p:cxnSp>
-      <p:sp>
-        <p:nvSpPr>
-          <p:cNvPr id="20" name="TextBox 19">
-            <a:extLst>
-              <a:ext uri="{FF2B5EF4-FFF2-40B4-BE49-F238E27FC236}">
-                <a16:creationId xmlns:a16="http://schemas.microsoft.com/office/drawing/2014/main" id="{E1ED0E87-BDC3-2034-6188-C2DAF60E108A}"/>
-              </a:ext>
-            </a:extLst>
-          </p:cNvPr>
-          <p:cNvSpPr txBox="1"/>
-          <p:nvPr/>
-        </p:nvSpPr>
-        <p:spPr>
-          <a:xfrm>
-            <a:off x="2928454" y="957375"/>
-            <a:ext cx="2795674" cy="246221"/>
-          </a:xfrm>
-          <a:prstGeom prst="rect">
-            <a:avLst/>
-          </a:prstGeom>
-          <a:noFill/>
-        </p:spPr>
-        <p:txBody>
-          <a:bodyPr wrap="square" rtlCol="0">
-            <a:spAutoFit/>
-          </a:bodyPr>
-          <a:lstStyle/>
-          <a:p>
-            <a:r>
-              <a:rPr kumimoji="1" lang="en-US" altLang="ko-KR" sz="1000" i="1">
-                <a:solidFill>
-                  <a:srgbClr val="C00000"/>
-                </a:solidFill>
-              </a:rPr>
-              <a:t>GET </a:t>
-            </a:r>
-            <a:r>
-              <a:rPr lang="en" altLang="ko-KR" sz="1000" i="1">
-                <a:solidFill>
-                  <a:srgbClr val="C00000"/>
-                </a:solidFill>
-              </a:rPr>
-              <a:t>mock-server:8080/delay/5000</a:t>
-            </a:r>
-            <a:endParaRPr kumimoji="1" lang="ko-KR" altLang="en-US" sz="1000" i="1">
-              <a:solidFill>
-                <a:srgbClr val="C00000"/>
-              </a:solidFill>
-            </a:endParaRPr>
-          </a:p>
-        </p:txBody>
-      </p:sp>
-      <p:cxnSp>
-        <p:nvCxnSpPr>
-          <p:cNvPr id="17" name="Straight Arrow Connector 81">
-            <a:extLst>
-              <a:ext uri="{FF2B5EF4-FFF2-40B4-BE49-F238E27FC236}">
-                <a16:creationId xmlns:a16="http://schemas.microsoft.com/office/drawing/2014/main" id="{E2878DA3-D173-547D-5BB4-F8A2FDC1081A}"/>
-              </a:ext>
-            </a:extLst>
-          </p:cNvPr>
-          <p:cNvCxnSpPr>
-            <a:cxnSpLocks/>
-          </p:cNvCxnSpPr>
-          <p:nvPr/>
-        </p:nvCxnSpPr>
-        <p:spPr>
-          <a:xfrm>
-            <a:off x="2346071" y="1203596"/>
-            <a:ext cx="3960440" cy="0"/>
-          </a:xfrm>
-          <a:prstGeom prst="straightConnector1">
-            <a:avLst/>
-          </a:prstGeom>
-          <a:ln>
-            <a:solidFill>
-              <a:srgbClr val="C00000"/>
-            </a:solidFill>
-            <a:tailEnd type="triangle"/>
-          </a:ln>
-        </p:spPr>
-        <p:style>
-          <a:lnRef idx="1">
-            <a:schemeClr val="accent1"/>
-          </a:lnRef>
-          <a:fillRef idx="0">
-            <a:schemeClr val="accent1"/>
-          </a:fillRef>
-          <a:effectRef idx="0">
-            <a:schemeClr val="accent1"/>
-          </a:effectRef>
-          <a:fontRef idx="minor">
-            <a:schemeClr val="tx1"/>
-          </a:fontRef>
-        </p:style>
-      </p:cxnSp>
-      <p:sp>
-        <p:nvSpPr>
-          <p:cNvPr id="24" name="TextBox 23">
-            <a:extLst>
-              <a:ext uri="{FF2B5EF4-FFF2-40B4-BE49-F238E27FC236}">
-                <a16:creationId xmlns:a16="http://schemas.microsoft.com/office/drawing/2014/main" id="{19F71F6D-0BF6-B26C-D762-2F9BC6037A8C}"/>
-              </a:ext>
-            </a:extLst>
-          </p:cNvPr>
-          <p:cNvSpPr txBox="1"/>
-          <p:nvPr/>
-        </p:nvSpPr>
-        <p:spPr>
-          <a:xfrm>
-            <a:off x="2928454" y="1204326"/>
-            <a:ext cx="2795674" cy="246221"/>
-          </a:xfrm>
-          <a:prstGeom prst="rect">
-            <a:avLst/>
-          </a:prstGeom>
-          <a:noFill/>
-        </p:spPr>
-        <p:txBody>
-          <a:bodyPr wrap="square" rtlCol="0">
-            <a:spAutoFit/>
-          </a:bodyPr>
-          <a:lstStyle/>
-          <a:p>
-            <a:r>
-              <a:rPr kumimoji="1" lang="en-US" altLang="ko-KR" sz="1000" i="1">
-                <a:solidFill>
-                  <a:schemeClr val="tx2"/>
-                </a:solidFill>
-              </a:rPr>
-              <a:t>GET </a:t>
-            </a:r>
-            <a:r>
-              <a:rPr lang="en" altLang="ko-KR" sz="1000" i="1">
-                <a:solidFill>
-                  <a:schemeClr val="tx2"/>
-                </a:solidFill>
-              </a:rPr>
-              <a:t>mock-server:8080/delay/5000</a:t>
-            </a:r>
-            <a:endParaRPr kumimoji="1" lang="ko-KR" altLang="en-US" sz="1000" i="1">
-              <a:solidFill>
-                <a:schemeClr val="tx2"/>
-              </a:solidFill>
-            </a:endParaRPr>
-          </a:p>
-        </p:txBody>
-      </p:sp>
-      <p:cxnSp>
-        <p:nvCxnSpPr>
-          <p:cNvPr id="3" name="Straight Arrow Connector 81">
-            <a:extLst>
-              <a:ext uri="{FF2B5EF4-FFF2-40B4-BE49-F238E27FC236}">
-                <a16:creationId xmlns:a16="http://schemas.microsoft.com/office/drawing/2014/main" id="{0E3F641F-D1FD-E10B-6D2B-D9D37736286C}"/>
-              </a:ext>
-            </a:extLst>
-          </p:cNvPr>
-          <p:cNvCxnSpPr>
-            <a:cxnSpLocks/>
-          </p:cNvCxnSpPr>
-          <p:nvPr/>
-        </p:nvCxnSpPr>
-        <p:spPr>
-          <a:xfrm>
-            <a:off x="2346071" y="1347614"/>
-            <a:ext cx="497737" cy="0"/>
-          </a:xfrm>
-          <a:prstGeom prst="straightConnector1">
-            <a:avLst/>
-          </a:prstGeom>
-          <a:ln>
-            <a:solidFill>
-              <a:schemeClr val="accent3"/>
-            </a:solidFill>
-            <a:headEnd type="none" w="med" len="med"/>
-            <a:tailEnd type="triangle" w="med" len="med"/>
-          </a:ln>
-        </p:spPr>
-        <p:style>
-          <a:lnRef idx="1">
-            <a:schemeClr val="accent1"/>
-          </a:lnRef>
-          <a:fillRef idx="0">
-            <a:schemeClr val="accent1"/>
-          </a:fillRef>
-          <a:effectRef idx="0">
-            <a:schemeClr val="accent1"/>
-          </a:effectRef>
-          <a:fontRef idx="minor">
-            <a:schemeClr val="tx1"/>
-          </a:fontRef>
-        </p:style>
-      </p:cxnSp>
-      <p:sp>
-        <p:nvSpPr>
-          <p:cNvPr id="6" name="TextBox 5">
-            <a:extLst>
-              <a:ext uri="{FF2B5EF4-FFF2-40B4-BE49-F238E27FC236}">
-                <a16:creationId xmlns:a16="http://schemas.microsoft.com/office/drawing/2014/main" id="{18397760-A08C-147D-82A3-3C7F44F74E65}"/>
-              </a:ext>
-            </a:extLst>
-          </p:cNvPr>
-          <p:cNvSpPr txBox="1"/>
-          <p:nvPr/>
-        </p:nvSpPr>
-        <p:spPr>
-          <a:xfrm>
-            <a:off x="2928454" y="1443528"/>
-            <a:ext cx="2795674" cy="246221"/>
-          </a:xfrm>
-          <a:prstGeom prst="rect">
-            <a:avLst/>
-          </a:prstGeom>
-          <a:noFill/>
-        </p:spPr>
-        <p:txBody>
-          <a:bodyPr wrap="square" rtlCol="0">
-            <a:spAutoFit/>
-          </a:bodyPr>
-          <a:lstStyle/>
-          <a:p>
-            <a:r>
-              <a:rPr kumimoji="1" lang="en-US" altLang="ko-KR" sz="1000" i="1">
-                <a:solidFill>
-                  <a:schemeClr val="accent3"/>
-                </a:solidFill>
-              </a:rPr>
-              <a:t>GET </a:t>
-            </a:r>
-            <a:r>
-              <a:rPr lang="en" altLang="ko-KR" sz="1000" i="1">
-                <a:solidFill>
-                  <a:schemeClr val="accent3"/>
-                </a:solidFill>
-              </a:rPr>
-              <a:t>mock-server:8080/delay/5000 </a:t>
-            </a:r>
-            <a:endParaRPr kumimoji="1" lang="ko-KR" altLang="en-US" sz="1000" i="1">
-              <a:solidFill>
-                <a:schemeClr val="accent3"/>
-              </a:solidFill>
-            </a:endParaRPr>
-          </a:p>
-        </p:txBody>
-      </p:sp>
-      <p:sp>
-        <p:nvSpPr>
-          <p:cNvPr id="9" name="TextBox 8">
-            <a:extLst>
-              <a:ext uri="{FF2B5EF4-FFF2-40B4-BE49-F238E27FC236}">
-                <a16:creationId xmlns:a16="http://schemas.microsoft.com/office/drawing/2014/main" id="{EC1A8036-57D2-4019-F8B5-53842AFD7D1B}"/>
-              </a:ext>
-            </a:extLst>
-          </p:cNvPr>
-          <p:cNvSpPr txBox="1"/>
-          <p:nvPr/>
-        </p:nvSpPr>
-        <p:spPr>
-          <a:xfrm>
-            <a:off x="2928453" y="2226447"/>
-            <a:ext cx="2795674" cy="246221"/>
-          </a:xfrm>
-          <a:prstGeom prst="rect">
-            <a:avLst/>
-          </a:prstGeom>
-          <a:noFill/>
-        </p:spPr>
-        <p:txBody>
-          <a:bodyPr wrap="square" rtlCol="0">
-            <a:spAutoFit/>
-          </a:bodyPr>
-          <a:lstStyle/>
-          <a:p>
-            <a:pPr algn="r"/>
-            <a:r>
-              <a:rPr kumimoji="1" lang="en-US" altLang="ko-KR" sz="1000" i="1">
-                <a:solidFill>
-                  <a:srgbClr val="C00000"/>
-                </a:solidFill>
-              </a:rPr>
-              <a:t>200 OK</a:t>
-            </a:r>
-            <a:endParaRPr kumimoji="1" lang="ko-KR" altLang="en-US" sz="1000" i="1">
-              <a:solidFill>
-                <a:srgbClr val="C00000"/>
-              </a:solidFill>
-            </a:endParaRPr>
-          </a:p>
-        </p:txBody>
-      </p:sp>
-      <p:cxnSp>
-        <p:nvCxnSpPr>
-          <p:cNvPr id="10" name="Straight Arrow Connector 81">
-            <a:extLst>
-              <a:ext uri="{FF2B5EF4-FFF2-40B4-BE49-F238E27FC236}">
-                <a16:creationId xmlns:a16="http://schemas.microsoft.com/office/drawing/2014/main" id="{296273D4-FD23-898F-5C3B-C33579433863}"/>
-              </a:ext>
-            </a:extLst>
-          </p:cNvPr>
-          <p:cNvCxnSpPr>
-            <a:cxnSpLocks/>
-          </p:cNvCxnSpPr>
-          <p:nvPr/>
-        </p:nvCxnSpPr>
-        <p:spPr>
-          <a:xfrm>
-            <a:off x="2346070" y="2472668"/>
-            <a:ext cx="3960440" cy="0"/>
-          </a:xfrm>
-          <a:prstGeom prst="straightConnector1">
-            <a:avLst/>
-          </a:prstGeom>
-          <a:ln>
-            <a:solidFill>
-              <a:srgbClr val="C00000"/>
-            </a:solidFill>
-            <a:headEnd type="triangle" w="med" len="med"/>
-            <a:tailEnd type="none" w="med" len="med"/>
-          </a:ln>
-        </p:spPr>
-        <p:style>
-          <a:lnRef idx="1">
-            <a:schemeClr val="accent1"/>
-          </a:lnRef>
-          <a:fillRef idx="0">
-            <a:schemeClr val="accent1"/>
-          </a:fillRef>
-          <a:effectRef idx="0">
-            <a:schemeClr val="accent1"/>
-          </a:effectRef>
-          <a:fontRef idx="minor">
-            <a:schemeClr val="tx1"/>
-          </a:fontRef>
-        </p:style>
-      </p:cxnSp>
-      <p:sp>
-        <p:nvSpPr>
-          <p:cNvPr id="12" name="호 11">
-            <a:extLst>
-              <a:ext uri="{FF2B5EF4-FFF2-40B4-BE49-F238E27FC236}">
-                <a16:creationId xmlns:a16="http://schemas.microsoft.com/office/drawing/2014/main" id="{66880876-CC88-B7D1-6105-0ABAA81BC87E}"/>
-              </a:ext>
-            </a:extLst>
-          </p:cNvPr>
-          <p:cNvSpPr/>
-          <p:nvPr/>
-        </p:nvSpPr>
-        <p:spPr>
-          <a:xfrm>
-            <a:off x="6156180" y="1199085"/>
-            <a:ext cx="288514" cy="1273554"/>
-          </a:xfrm>
-          <a:prstGeom prst="arc">
-            <a:avLst>
-              <a:gd name="adj1" fmla="val 16200000"/>
-              <a:gd name="adj2" fmla="val 5389298"/>
-            </a:avLst>
-          </a:prstGeom>
-          <a:ln>
-            <a:solidFill>
-              <a:srgbClr val="C00000"/>
-            </a:solidFill>
-            <a:headEnd type="none" w="med" len="med"/>
-            <a:tailEnd type="triangle" w="med" len="med"/>
-          </a:ln>
-        </p:spPr>
-        <p:style>
-          <a:lnRef idx="1">
-            <a:schemeClr val="accent1"/>
-          </a:lnRef>
-          <a:fillRef idx="0">
-            <a:schemeClr val="accent1"/>
-          </a:fillRef>
-          <a:effectRef idx="0">
-            <a:schemeClr val="accent1"/>
-          </a:effectRef>
-          <a:fontRef idx="minor">
-            <a:schemeClr val="tx1"/>
-          </a:fontRef>
-        </p:style>
-        <p:txBody>
-          <a:bodyPr rtlCol="0" anchor="ctr"/>
-          <a:lstStyle/>
-          <a:p>
-            <a:pPr algn="ctr"/>
-            <a:endParaRPr kumimoji="1" lang="ko-KR" altLang="en-US"/>
-          </a:p>
-        </p:txBody>
-      </p:sp>
-      <p:sp>
-        <p:nvSpPr>
-          <p:cNvPr id="13" name="TextBox 12">
-            <a:extLst>
-              <a:ext uri="{FF2B5EF4-FFF2-40B4-BE49-F238E27FC236}">
-                <a16:creationId xmlns:a16="http://schemas.microsoft.com/office/drawing/2014/main" id="{47B7A617-EFC0-4307-EB52-B7605F7F765C}"/>
-              </a:ext>
-            </a:extLst>
-          </p:cNvPr>
-          <p:cNvSpPr txBox="1"/>
-          <p:nvPr/>
-        </p:nvSpPr>
-        <p:spPr>
-          <a:xfrm>
-            <a:off x="6337278" y="1712751"/>
-            <a:ext cx="689798" cy="246221"/>
-          </a:xfrm>
-          <a:prstGeom prst="rect">
-            <a:avLst/>
-          </a:prstGeom>
-          <a:noFill/>
-        </p:spPr>
-        <p:txBody>
-          <a:bodyPr wrap="square" rtlCol="0">
-            <a:spAutoFit/>
-          </a:bodyPr>
-          <a:lstStyle/>
-          <a:p>
-            <a:pPr algn="ctr"/>
-            <a:r>
-              <a:rPr kumimoji="1" lang="en-US" altLang="ko-KR" sz="1000" i="1">
-                <a:solidFill>
-                  <a:srgbClr val="C00000"/>
-                </a:solidFill>
-              </a:rPr>
-              <a:t>5000ms</a:t>
-            </a:r>
-            <a:endParaRPr kumimoji="1" lang="ko-KR" altLang="en-US" sz="1000" i="1">
-              <a:solidFill>
-                <a:srgbClr val="C00000"/>
-              </a:solidFill>
-            </a:endParaRPr>
-          </a:p>
-        </p:txBody>
-      </p:sp>
-      <p:sp>
-        <p:nvSpPr>
-          <p:cNvPr id="14" name="TextBox 13">
-            <a:extLst>
-              <a:ext uri="{FF2B5EF4-FFF2-40B4-BE49-F238E27FC236}">
-                <a16:creationId xmlns:a16="http://schemas.microsoft.com/office/drawing/2014/main" id="{2A097D09-59D9-0C95-9814-60CDD0A4C79B}"/>
-              </a:ext>
-            </a:extLst>
-          </p:cNvPr>
-          <p:cNvSpPr txBox="1"/>
-          <p:nvPr/>
-        </p:nvSpPr>
-        <p:spPr>
-          <a:xfrm>
-            <a:off x="2928453" y="3569531"/>
-            <a:ext cx="2795674" cy="246221"/>
-          </a:xfrm>
-          <a:prstGeom prst="rect">
-            <a:avLst/>
-          </a:prstGeom>
-          <a:noFill/>
-        </p:spPr>
-        <p:txBody>
-          <a:bodyPr wrap="square" rtlCol="0">
-            <a:spAutoFit/>
-          </a:bodyPr>
-          <a:lstStyle/>
-          <a:p>
-            <a:pPr algn="r"/>
-            <a:r>
-              <a:rPr kumimoji="1" lang="en-US" altLang="ko-KR" sz="1000" i="1">
-                <a:solidFill>
-                  <a:schemeClr val="tx2"/>
-                </a:solidFill>
-              </a:rPr>
-              <a:t>200 OK</a:t>
-            </a:r>
-            <a:endParaRPr kumimoji="1" lang="ko-KR" altLang="en-US" sz="1000" i="1">
-              <a:solidFill>
-                <a:schemeClr val="tx2"/>
-              </a:solidFill>
-            </a:endParaRPr>
-          </a:p>
-        </p:txBody>
-      </p:sp>
-      <p:cxnSp>
-        <p:nvCxnSpPr>
-          <p:cNvPr id="15" name="Straight Arrow Connector 81">
-            <a:extLst>
-              <a:ext uri="{FF2B5EF4-FFF2-40B4-BE49-F238E27FC236}">
-                <a16:creationId xmlns:a16="http://schemas.microsoft.com/office/drawing/2014/main" id="{27F88202-0C33-F5A4-0F18-29F5E8338517}"/>
-              </a:ext>
-            </a:extLst>
-          </p:cNvPr>
-          <p:cNvCxnSpPr>
-            <a:cxnSpLocks/>
-          </p:cNvCxnSpPr>
-          <p:nvPr/>
-        </p:nvCxnSpPr>
-        <p:spPr>
-          <a:xfrm>
-            <a:off x="2346070" y="3815752"/>
-            <a:ext cx="3960440" cy="0"/>
-          </a:xfrm>
-          <a:prstGeom prst="straightConnector1">
-            <a:avLst/>
-          </a:prstGeom>
-          <a:ln>
-            <a:solidFill>
-              <a:schemeClr val="tx2"/>
-            </a:solidFill>
-            <a:headEnd type="triangle" w="med" len="med"/>
-            <a:tailEnd type="none" w="med" len="med"/>
-          </a:ln>
-        </p:spPr>
-        <p:style>
-          <a:lnRef idx="1">
-            <a:schemeClr val="accent1"/>
-          </a:lnRef>
-          <a:fillRef idx="0">
-            <a:schemeClr val="accent1"/>
-          </a:fillRef>
-          <a:effectRef idx="0">
-            <a:schemeClr val="accent1"/>
-          </a:effectRef>
-          <a:fontRef idx="minor">
-            <a:schemeClr val="tx1"/>
-          </a:fontRef>
-        </p:style>
-      </p:cxnSp>
-      <p:cxnSp>
-        <p:nvCxnSpPr>
-          <p:cNvPr id="21" name="Elbow Connector 80">
-            <a:extLst>
-              <a:ext uri="{FF2B5EF4-FFF2-40B4-BE49-F238E27FC236}">
-                <a16:creationId xmlns:a16="http://schemas.microsoft.com/office/drawing/2014/main" id="{ED116C40-095F-9CE3-6D37-24A282BC7869}"/>
-              </a:ext>
-            </a:extLst>
-          </p:cNvPr>
-          <p:cNvCxnSpPr>
-            <a:cxnSpLocks/>
-          </p:cNvCxnSpPr>
-          <p:nvPr/>
-        </p:nvCxnSpPr>
-        <p:spPr>
-          <a:xfrm>
-            <a:off x="2346070" y="1273066"/>
-            <a:ext cx="3960440" cy="1269074"/>
-          </a:xfrm>
-          <a:prstGeom prst="bentConnector3">
-            <a:avLst>
-              <a:gd name="adj1" fmla="val 14405"/>
-            </a:avLst>
-          </a:prstGeom>
-          <a:ln w="12700">
-            <a:solidFill>
-              <a:schemeClr val="tx2"/>
-            </a:solidFill>
-            <a:tailEnd type="triangle"/>
-          </a:ln>
-        </p:spPr>
-        <p:style>
-          <a:lnRef idx="1">
-            <a:schemeClr val="accent1"/>
-          </a:lnRef>
-          <a:fillRef idx="0">
-            <a:schemeClr val="accent1"/>
-          </a:fillRef>
-          <a:effectRef idx="0">
-            <a:schemeClr val="accent1"/>
-          </a:effectRef>
-          <a:fontRef idx="minor">
-            <a:schemeClr val="tx1"/>
-          </a:fontRef>
-        </p:style>
-      </p:cxnSp>
-      <p:sp>
-        <p:nvSpPr>
-          <p:cNvPr id="38" name="호 37">
-            <a:extLst>
-              <a:ext uri="{FF2B5EF4-FFF2-40B4-BE49-F238E27FC236}">
-                <a16:creationId xmlns:a16="http://schemas.microsoft.com/office/drawing/2014/main" id="{5495A184-241B-9957-9618-1CCED2EE74BD}"/>
-              </a:ext>
-            </a:extLst>
-          </p:cNvPr>
-          <p:cNvSpPr/>
-          <p:nvPr/>
-        </p:nvSpPr>
-        <p:spPr>
-          <a:xfrm>
-            <a:off x="6172154" y="2542139"/>
-            <a:ext cx="288514" cy="1273554"/>
-          </a:xfrm>
-          <a:prstGeom prst="arc">
-            <a:avLst>
-              <a:gd name="adj1" fmla="val 16200000"/>
-              <a:gd name="adj2" fmla="val 5389298"/>
-            </a:avLst>
-          </a:prstGeom>
-          <a:ln>
-            <a:solidFill>
-              <a:schemeClr val="tx2"/>
-            </a:solidFill>
-            <a:headEnd type="none" w="med" len="med"/>
-            <a:tailEnd type="triangle" w="med" len="med"/>
-          </a:ln>
-        </p:spPr>
-        <p:style>
-          <a:lnRef idx="1">
-            <a:schemeClr val="accent1"/>
-          </a:lnRef>
-          <a:fillRef idx="0">
-            <a:schemeClr val="accent1"/>
-          </a:fillRef>
-          <a:effectRef idx="0">
-            <a:schemeClr val="accent1"/>
-          </a:effectRef>
-          <a:fontRef idx="minor">
-            <a:schemeClr val="tx1"/>
-          </a:fontRef>
-        </p:style>
-        <p:txBody>
-          <a:bodyPr rtlCol="0" anchor="ctr"/>
-          <a:lstStyle/>
-          <a:p>
-            <a:pPr algn="ctr"/>
-            <a:endParaRPr kumimoji="1" lang="ko-KR" altLang="en-US"/>
-          </a:p>
-        </p:txBody>
-      </p:sp>
-      <p:sp>
-        <p:nvSpPr>
-          <p:cNvPr id="39" name="TextBox 38">
-            <a:extLst>
-              <a:ext uri="{FF2B5EF4-FFF2-40B4-BE49-F238E27FC236}">
-                <a16:creationId xmlns:a16="http://schemas.microsoft.com/office/drawing/2014/main" id="{B54D81F9-D305-F95D-D852-A73D67B692EE}"/>
-              </a:ext>
-            </a:extLst>
-          </p:cNvPr>
-          <p:cNvSpPr txBox="1"/>
-          <p:nvPr/>
-        </p:nvSpPr>
-        <p:spPr>
-          <a:xfrm>
-            <a:off x="6353252" y="3055805"/>
-            <a:ext cx="689798" cy="246221"/>
-          </a:xfrm>
-          <a:prstGeom prst="rect">
-            <a:avLst/>
-          </a:prstGeom>
-          <a:noFill/>
-        </p:spPr>
-        <p:txBody>
-          <a:bodyPr wrap="square" rtlCol="0">
-            <a:spAutoFit/>
-          </a:bodyPr>
-          <a:lstStyle/>
-          <a:p>
-            <a:pPr algn="ctr"/>
-            <a:r>
-              <a:rPr kumimoji="1" lang="en-US" altLang="ko-KR" sz="1000" i="1">
-                <a:solidFill>
-                  <a:schemeClr val="tx2"/>
-                </a:solidFill>
-              </a:rPr>
-              <a:t>5000ms</a:t>
-            </a:r>
-            <a:endParaRPr kumimoji="1" lang="ko-KR" altLang="en-US" sz="1000" i="1">
-              <a:solidFill>
-                <a:schemeClr val="tx2"/>
-              </a:solidFill>
-            </a:endParaRPr>
-          </a:p>
-        </p:txBody>
-      </p:sp>
-      <p:sp>
-        <p:nvSpPr>
-          <p:cNvPr id="46" name="TextBox 45">
-            <a:extLst>
-              <a:ext uri="{FF2B5EF4-FFF2-40B4-BE49-F238E27FC236}">
-                <a16:creationId xmlns:a16="http://schemas.microsoft.com/office/drawing/2014/main" id="{827C212E-DF96-D652-773A-ADF3E8FD3A7D}"/>
-              </a:ext>
-            </a:extLst>
-          </p:cNvPr>
-          <p:cNvSpPr txBox="1"/>
-          <p:nvPr/>
-        </p:nvSpPr>
-        <p:spPr>
-          <a:xfrm>
-            <a:off x="1589094" y="1789013"/>
-            <a:ext cx="689798" cy="246221"/>
-          </a:xfrm>
-          <a:prstGeom prst="rect">
-            <a:avLst/>
-          </a:prstGeom>
-          <a:noFill/>
-        </p:spPr>
-        <p:txBody>
-          <a:bodyPr wrap="square" rtlCol="0">
-            <a:spAutoFit/>
-          </a:bodyPr>
-          <a:lstStyle/>
-          <a:p>
-            <a:pPr algn="ctr"/>
-            <a:r>
-              <a:rPr kumimoji="1" lang="en-US" altLang="ko-KR" sz="1000" i="1">
-                <a:solidFill>
-                  <a:schemeClr val="tx2"/>
-                </a:solidFill>
-              </a:rPr>
-              <a:t>5000ms</a:t>
-            </a:r>
-            <a:endParaRPr kumimoji="1" lang="ko-KR" altLang="en-US" sz="1000" i="1">
-              <a:solidFill>
-                <a:schemeClr val="tx2"/>
-              </a:solidFill>
-            </a:endParaRPr>
-          </a:p>
-        </p:txBody>
-      </p:sp>
-      <p:sp>
-        <p:nvSpPr>
-          <p:cNvPr id="47" name="호 46">
-            <a:extLst>
-              <a:ext uri="{FF2B5EF4-FFF2-40B4-BE49-F238E27FC236}">
-                <a16:creationId xmlns:a16="http://schemas.microsoft.com/office/drawing/2014/main" id="{AD793D3E-8B76-8D92-A59B-F4F937AFE47F}"/>
-              </a:ext>
-            </a:extLst>
-          </p:cNvPr>
-          <p:cNvSpPr/>
-          <p:nvPr/>
-        </p:nvSpPr>
-        <p:spPr>
-          <a:xfrm flipH="1">
-            <a:off x="2199134" y="1273066"/>
-            <a:ext cx="288514" cy="1273554"/>
-          </a:xfrm>
-          <a:prstGeom prst="arc">
-            <a:avLst>
-              <a:gd name="adj1" fmla="val 16200000"/>
-              <a:gd name="adj2" fmla="val 5389298"/>
-            </a:avLst>
-          </a:prstGeom>
-          <a:ln>
-            <a:solidFill>
-              <a:schemeClr val="tx2"/>
-            </a:solidFill>
-            <a:headEnd type="none" w="med" len="med"/>
-            <a:tailEnd type="triangle" w="med" len="med"/>
-          </a:ln>
-        </p:spPr>
-        <p:style>
-          <a:lnRef idx="1">
-            <a:schemeClr val="accent1"/>
-          </a:lnRef>
-          <a:fillRef idx="0">
-            <a:schemeClr val="accent1"/>
-          </a:fillRef>
-          <a:effectRef idx="0">
-            <a:schemeClr val="accent1"/>
-          </a:effectRef>
-          <a:fontRef idx="minor">
-            <a:schemeClr val="tx1"/>
-          </a:fontRef>
-        </p:style>
-        <p:txBody>
-          <a:bodyPr rtlCol="0" anchor="ctr"/>
-          <a:lstStyle/>
-          <a:p>
-            <a:pPr algn="ctr"/>
-            <a:endParaRPr kumimoji="1" lang="ko-KR" altLang="en-US"/>
-          </a:p>
-        </p:txBody>
-      </p:sp>
-    </p:spTree>
-    <p:extLst>
-      <p:ext uri="{BB962C8B-B14F-4D97-AF65-F5344CB8AC3E}">
-        <p14:creationId xmlns:p14="http://schemas.microsoft.com/office/powerpoint/2010/main" val="591218850"/>
       </p:ext>
     </p:extLst>
   </p:cSld>

--- a/content/docs/theory-analysis/istio-sidecar-proxy-access-log/images/images.pptx
+++ b/content/docs/theory-analysis/istio-sidecar-proxy-access-log/images/images.pptx
@@ -5,27 +5,32 @@
     <p:sldMasterId id="2147483648" r:id="rId1"/>
   </p:sldMasterIdLst>
   <p:notesMasterIdLst>
-    <p:notesMasterId r:id="rId20"/>
+    <p:notesMasterId r:id="rId25"/>
   </p:notesMasterIdLst>
   <p:sldIdLst>
     <p:sldId id="398" r:id="rId2"/>
-    <p:sldId id="413" r:id="rId3"/>
-    <p:sldId id="414" r:id="rId4"/>
-    <p:sldId id="415" r:id="rId5"/>
-    <p:sldId id="403" r:id="rId6"/>
-    <p:sldId id="399" r:id="rId7"/>
-    <p:sldId id="400" r:id="rId8"/>
-    <p:sldId id="401" r:id="rId9"/>
-    <p:sldId id="402" r:id="rId10"/>
-    <p:sldId id="404" r:id="rId11"/>
-    <p:sldId id="405" r:id="rId12"/>
-    <p:sldId id="408" r:id="rId13"/>
-    <p:sldId id="407" r:id="rId14"/>
-    <p:sldId id="409" r:id="rId15"/>
-    <p:sldId id="410" r:id="rId16"/>
-    <p:sldId id="387" r:id="rId17"/>
-    <p:sldId id="411" r:id="rId18"/>
-    <p:sldId id="412" r:id="rId19"/>
+    <p:sldId id="416" r:id="rId3"/>
+    <p:sldId id="417" r:id="rId4"/>
+    <p:sldId id="418" r:id="rId5"/>
+    <p:sldId id="419" r:id="rId6"/>
+    <p:sldId id="420" r:id="rId7"/>
+    <p:sldId id="413" r:id="rId8"/>
+    <p:sldId id="414" r:id="rId9"/>
+    <p:sldId id="415" r:id="rId10"/>
+    <p:sldId id="403" r:id="rId11"/>
+    <p:sldId id="399" r:id="rId12"/>
+    <p:sldId id="400" r:id="rId13"/>
+    <p:sldId id="401" r:id="rId14"/>
+    <p:sldId id="402" r:id="rId15"/>
+    <p:sldId id="404" r:id="rId16"/>
+    <p:sldId id="405" r:id="rId17"/>
+    <p:sldId id="408" r:id="rId18"/>
+    <p:sldId id="407" r:id="rId19"/>
+    <p:sldId id="409" r:id="rId20"/>
+    <p:sldId id="410" r:id="rId21"/>
+    <p:sldId id="387" r:id="rId22"/>
+    <p:sldId id="411" r:id="rId23"/>
+    <p:sldId id="412" r:id="rId24"/>
   </p:sldIdLst>
   <p:sldSz cx="9144000" cy="5143500" type="screen16x9"/>
   <p:notesSz cx="6858000" cy="9144000"/>
@@ -4359,6 +4364,1822 @@
         <p:cNvPr id="1" name="">
           <a:extLst>
             <a:ext uri="{FF2B5EF4-FFF2-40B4-BE49-F238E27FC236}">
+              <a16:creationId xmlns:a16="http://schemas.microsoft.com/office/drawing/2014/main" id="{B0FBCAE2-C219-280C-B18B-5792963E4478}"/>
+            </a:ext>
+          </a:extLst>
+        </p:cNvPr>
+        <p:cNvGrpSpPr/>
+        <p:nvPr/>
+      </p:nvGrpSpPr>
+      <p:grpSpPr>
+        <a:xfrm>
+          <a:off x="0" y="0"/>
+          <a:ext cx="0" cy="0"/>
+          <a:chOff x="0" y="0"/>
+          <a:chExt cx="0" cy="0"/>
+        </a:xfrm>
+      </p:grpSpPr>
+      <p:sp>
+        <p:nvSpPr>
+          <p:cNvPr id="2" name="제목 1">
+            <a:extLst>
+              <a:ext uri="{FF2B5EF4-FFF2-40B4-BE49-F238E27FC236}">
+                <a16:creationId xmlns:a16="http://schemas.microsoft.com/office/drawing/2014/main" id="{FF9826F6-CAD4-96B9-4D3A-235FC7CEE780}"/>
+              </a:ext>
+            </a:extLst>
+          </p:cNvPr>
+          <p:cNvSpPr>
+            <a:spLocks noGrp="1"/>
+          </p:cNvSpPr>
+          <p:nvPr>
+            <p:ph type="title"/>
+          </p:nvPr>
+        </p:nvSpPr>
+        <p:spPr/>
+        <p:txBody>
+          <a:bodyPr/>
+          <a:lstStyle/>
+          <a:p>
+            <a:endParaRPr lang="ko-KR" altLang="en-US"/>
+          </a:p>
+        </p:txBody>
+      </p:sp>
+      <p:sp>
+        <p:nvSpPr>
+          <p:cNvPr id="3" name="내용 개체 틀 2">
+            <a:extLst>
+              <a:ext uri="{FF2B5EF4-FFF2-40B4-BE49-F238E27FC236}">
+                <a16:creationId xmlns:a16="http://schemas.microsoft.com/office/drawing/2014/main" id="{11B2D437-E790-3E9B-BE82-EDE6EB743551}"/>
+              </a:ext>
+            </a:extLst>
+          </p:cNvPr>
+          <p:cNvSpPr>
+            <a:spLocks noGrp="1"/>
+          </p:cNvSpPr>
+          <p:nvPr>
+            <p:ph idx="1"/>
+          </p:nvPr>
+        </p:nvSpPr>
+        <p:spPr/>
+        <p:txBody>
+          <a:bodyPr/>
+          <a:lstStyle/>
+          <a:p>
+            <a:endParaRPr lang="ko-KR" altLang="en-US"/>
+          </a:p>
+        </p:txBody>
+      </p:sp>
+    </p:spTree>
+    <p:extLst>
+      <p:ext uri="{BB962C8B-B14F-4D97-AF65-F5344CB8AC3E}">
+        <p14:creationId xmlns:p14="http://schemas.microsoft.com/office/powerpoint/2010/main" val="3503086589"/>
+      </p:ext>
+    </p:extLst>
+  </p:cSld>
+  <p:clrMapOvr>
+    <a:masterClrMapping/>
+  </p:clrMapOvr>
+</p:sld>
+</file>
+
+<file path=ppt/slides/slide11.xml><?xml version="1.0" encoding="utf-8"?>
+<p:sld xmlns:a="http://schemas.openxmlformats.org/drawingml/2006/main" xmlns:r="http://schemas.openxmlformats.org/officeDocument/2006/relationships" xmlns:p="http://schemas.openxmlformats.org/presentationml/2006/main">
+  <p:cSld>
+    <p:spTree>
+      <p:nvGrpSpPr>
+        <p:cNvPr id="1" name="">
+          <a:extLst>
+            <a:ext uri="{FF2B5EF4-FFF2-40B4-BE49-F238E27FC236}">
+              <a16:creationId xmlns:a16="http://schemas.microsoft.com/office/drawing/2014/main" id="{66D4170B-3EF0-4005-1219-0D589B3AA00B}"/>
+            </a:ext>
+          </a:extLst>
+        </p:cNvPr>
+        <p:cNvGrpSpPr/>
+        <p:nvPr/>
+      </p:nvGrpSpPr>
+      <p:grpSpPr>
+        <a:xfrm>
+          <a:off x="0" y="0"/>
+          <a:ext cx="0" cy="0"/>
+          <a:chOff x="0" y="0"/>
+          <a:chExt cx="0" cy="0"/>
+        </a:xfrm>
+      </p:grpSpPr>
+      <p:sp>
+        <p:nvSpPr>
+          <p:cNvPr id="4" name="사각형: 둥근 모서리 29">
+            <a:extLst>
+              <a:ext uri="{FF2B5EF4-FFF2-40B4-BE49-F238E27FC236}">
+                <a16:creationId xmlns:a16="http://schemas.microsoft.com/office/drawing/2014/main" id="{978518AD-E17E-2D88-74B6-D5ADC210ED45}"/>
+              </a:ext>
+            </a:extLst>
+          </p:cNvPr>
+          <p:cNvSpPr/>
+          <p:nvPr/>
+        </p:nvSpPr>
+        <p:spPr>
+          <a:xfrm>
+            <a:off x="1763688" y="411510"/>
+            <a:ext cx="1164765" cy="657290"/>
+          </a:xfrm>
+          <a:prstGeom prst="roundRect">
+            <a:avLst>
+              <a:gd name="adj" fmla="val 17374"/>
+            </a:avLst>
+          </a:prstGeom>
+          <a:ln w="12700"/>
+        </p:spPr>
+        <p:style>
+          <a:lnRef idx="2">
+            <a:schemeClr val="dk1"/>
+          </a:lnRef>
+          <a:fillRef idx="1">
+            <a:schemeClr val="lt1"/>
+          </a:fillRef>
+          <a:effectRef idx="0">
+            <a:schemeClr val="dk1"/>
+          </a:effectRef>
+          <a:fontRef idx="minor">
+            <a:schemeClr val="dk1"/>
+          </a:fontRef>
+        </p:style>
+        <p:txBody>
+          <a:bodyPr rtlCol="0" anchor="ctr"/>
+          <a:lstStyle/>
+          <a:p>
+            <a:pPr algn="ctr"/>
+            <a:r>
+              <a:rPr lang="en-US" altLang="ko-KR" sz="1000" b="1"/>
+              <a:t>shell</a:t>
+            </a:r>
+          </a:p>
+          <a:p>
+            <a:pPr algn="ctr"/>
+            <a:r>
+              <a:rPr lang="en-US" altLang="ko-KR" sz="1000"/>
+              <a:t>Pod</a:t>
+            </a:r>
+            <a:endParaRPr lang="ko-KR" altLang="en-US" sz="1000"/>
+          </a:p>
+        </p:txBody>
+      </p:sp>
+      <p:sp>
+        <p:nvSpPr>
+          <p:cNvPr id="5" name="사각형: 둥근 모서리 29">
+            <a:extLst>
+              <a:ext uri="{FF2B5EF4-FFF2-40B4-BE49-F238E27FC236}">
+                <a16:creationId xmlns:a16="http://schemas.microsoft.com/office/drawing/2014/main" id="{1C24A9C2-DA18-68F0-71AF-D8F445B40B6D}"/>
+              </a:ext>
+            </a:extLst>
+          </p:cNvPr>
+          <p:cNvSpPr/>
+          <p:nvPr/>
+        </p:nvSpPr>
+        <p:spPr>
+          <a:xfrm>
+            <a:off x="5724128" y="411510"/>
+            <a:ext cx="1164765" cy="657290"/>
+          </a:xfrm>
+          <a:prstGeom prst="roundRect">
+            <a:avLst>
+              <a:gd name="adj" fmla="val 17374"/>
+            </a:avLst>
+          </a:prstGeom>
+          <a:ln w="12700"/>
+        </p:spPr>
+        <p:style>
+          <a:lnRef idx="2">
+            <a:schemeClr val="dk1"/>
+          </a:lnRef>
+          <a:fillRef idx="1">
+            <a:schemeClr val="lt1"/>
+          </a:fillRef>
+          <a:effectRef idx="0">
+            <a:schemeClr val="dk1"/>
+          </a:effectRef>
+          <a:fontRef idx="minor">
+            <a:schemeClr val="dk1"/>
+          </a:fontRef>
+        </p:style>
+        <p:txBody>
+          <a:bodyPr rtlCol="0" anchor="ctr"/>
+          <a:lstStyle/>
+          <a:p>
+            <a:pPr algn="ctr"/>
+            <a:r>
+              <a:rPr lang="en-US" altLang="ko-KR" sz="1000" b="1"/>
+              <a:t>mock-server</a:t>
+            </a:r>
+          </a:p>
+          <a:p>
+            <a:pPr algn="ctr"/>
+            <a:r>
+              <a:rPr lang="en-US" altLang="ko-KR" sz="1000"/>
+              <a:t>Pod</a:t>
+            </a:r>
+            <a:endParaRPr lang="ko-KR" altLang="en-US" sz="1000"/>
+          </a:p>
+        </p:txBody>
+      </p:sp>
+      <p:cxnSp>
+        <p:nvCxnSpPr>
+          <p:cNvPr id="8" name="Straight Arrow Connector 81">
+            <a:extLst>
+              <a:ext uri="{FF2B5EF4-FFF2-40B4-BE49-F238E27FC236}">
+                <a16:creationId xmlns:a16="http://schemas.microsoft.com/office/drawing/2014/main" id="{D8F7689B-9749-EF22-886E-8645EDE43E08}"/>
+              </a:ext>
+            </a:extLst>
+          </p:cNvPr>
+          <p:cNvCxnSpPr>
+            <a:cxnSpLocks/>
+            <a:stCxn id="5" idx="2"/>
+          </p:cNvCxnSpPr>
+          <p:nvPr/>
+        </p:nvCxnSpPr>
+        <p:spPr>
+          <a:xfrm>
+            <a:off x="6306511" y="1068800"/>
+            <a:ext cx="0" cy="3375158"/>
+          </a:xfrm>
+          <a:prstGeom prst="straightConnector1">
+            <a:avLst/>
+          </a:prstGeom>
+          <a:ln>
+            <a:solidFill>
+              <a:schemeClr val="tx1"/>
+            </a:solidFill>
+            <a:prstDash val="dash"/>
+            <a:tailEnd type="triangle"/>
+          </a:ln>
+        </p:spPr>
+        <p:style>
+          <a:lnRef idx="1">
+            <a:schemeClr val="accent1"/>
+          </a:lnRef>
+          <a:fillRef idx="0">
+            <a:schemeClr val="accent1"/>
+          </a:fillRef>
+          <a:effectRef idx="0">
+            <a:schemeClr val="accent1"/>
+          </a:effectRef>
+          <a:fontRef idx="minor">
+            <a:schemeClr val="tx1"/>
+          </a:fontRef>
+        </p:style>
+      </p:cxnSp>
+      <p:cxnSp>
+        <p:nvCxnSpPr>
+          <p:cNvPr id="2" name="Straight Arrow Connector 81">
+            <a:extLst>
+              <a:ext uri="{FF2B5EF4-FFF2-40B4-BE49-F238E27FC236}">
+                <a16:creationId xmlns:a16="http://schemas.microsoft.com/office/drawing/2014/main" id="{55E87322-5E7C-7993-E794-B06A78EBB691}"/>
+              </a:ext>
+            </a:extLst>
+          </p:cNvPr>
+          <p:cNvCxnSpPr>
+            <a:cxnSpLocks/>
+            <a:stCxn id="4" idx="2"/>
+          </p:cNvCxnSpPr>
+          <p:nvPr/>
+        </p:nvCxnSpPr>
+        <p:spPr>
+          <a:xfrm>
+            <a:off x="2346071" y="1068800"/>
+            <a:ext cx="0" cy="3375158"/>
+          </a:xfrm>
+          <a:prstGeom prst="straightConnector1">
+            <a:avLst/>
+          </a:prstGeom>
+          <a:ln>
+            <a:solidFill>
+              <a:schemeClr val="tx1"/>
+            </a:solidFill>
+            <a:prstDash val="dash"/>
+            <a:tailEnd type="triangle"/>
+          </a:ln>
+        </p:spPr>
+        <p:style>
+          <a:lnRef idx="1">
+            <a:schemeClr val="accent1"/>
+          </a:lnRef>
+          <a:fillRef idx="0">
+            <a:schemeClr val="accent1"/>
+          </a:fillRef>
+          <a:effectRef idx="0">
+            <a:schemeClr val="accent1"/>
+          </a:effectRef>
+          <a:fontRef idx="minor">
+            <a:schemeClr val="tx1"/>
+          </a:fontRef>
+        </p:style>
+      </p:cxnSp>
+      <p:cxnSp>
+        <p:nvCxnSpPr>
+          <p:cNvPr id="17" name="Straight Arrow Connector 81">
+            <a:extLst>
+              <a:ext uri="{FF2B5EF4-FFF2-40B4-BE49-F238E27FC236}">
+                <a16:creationId xmlns:a16="http://schemas.microsoft.com/office/drawing/2014/main" id="{919A54BE-CA91-3232-6BA1-94273CA3B6F3}"/>
+              </a:ext>
+            </a:extLst>
+          </p:cNvPr>
+          <p:cNvCxnSpPr>
+            <a:cxnSpLocks/>
+          </p:cNvCxnSpPr>
+          <p:nvPr/>
+        </p:nvCxnSpPr>
+        <p:spPr>
+          <a:xfrm>
+            <a:off x="2346071" y="1203596"/>
+            <a:ext cx="3960440" cy="0"/>
+          </a:xfrm>
+          <a:prstGeom prst="straightConnector1">
+            <a:avLst/>
+          </a:prstGeom>
+          <a:ln>
+            <a:solidFill>
+              <a:schemeClr val="tx1"/>
+            </a:solidFill>
+            <a:tailEnd type="triangle"/>
+          </a:ln>
+        </p:spPr>
+        <p:style>
+          <a:lnRef idx="1">
+            <a:schemeClr val="accent1"/>
+          </a:lnRef>
+          <a:fillRef idx="0">
+            <a:schemeClr val="accent1"/>
+          </a:fillRef>
+          <a:effectRef idx="0">
+            <a:schemeClr val="accent1"/>
+          </a:effectRef>
+          <a:fontRef idx="minor">
+            <a:schemeClr val="tx1"/>
+          </a:fontRef>
+        </p:style>
+      </p:cxnSp>
+      <p:sp>
+        <p:nvSpPr>
+          <p:cNvPr id="20" name="TextBox 19">
+            <a:extLst>
+              <a:ext uri="{FF2B5EF4-FFF2-40B4-BE49-F238E27FC236}">
+                <a16:creationId xmlns:a16="http://schemas.microsoft.com/office/drawing/2014/main" id="{C4E2AE9B-5D64-B540-1FC5-D69BDEBD940F}"/>
+              </a:ext>
+            </a:extLst>
+          </p:cNvPr>
+          <p:cNvSpPr txBox="1"/>
+          <p:nvPr/>
+        </p:nvSpPr>
+        <p:spPr>
+          <a:xfrm>
+            <a:off x="2928454" y="957375"/>
+            <a:ext cx="2795674" cy="246221"/>
+          </a:xfrm>
+          <a:prstGeom prst="rect">
+            <a:avLst/>
+          </a:prstGeom>
+          <a:noFill/>
+        </p:spPr>
+        <p:txBody>
+          <a:bodyPr wrap="square" rtlCol="0">
+            <a:spAutoFit/>
+          </a:bodyPr>
+          <a:lstStyle/>
+          <a:p>
+            <a:r>
+              <a:rPr kumimoji="1" lang="en-US" altLang="ko-KR" sz="1000" i="1"/>
+              <a:t>GET </a:t>
+            </a:r>
+            <a:r>
+              <a:rPr lang="en" altLang="ko-KR" sz="1000" i="1"/>
+              <a:t>mock-server:8080/status/200</a:t>
+            </a:r>
+            <a:endParaRPr kumimoji="1" lang="ko-KR" altLang="en-US" sz="1000" i="1"/>
+          </a:p>
+        </p:txBody>
+      </p:sp>
+      <p:cxnSp>
+        <p:nvCxnSpPr>
+          <p:cNvPr id="23" name="Straight Arrow Connector 81">
+            <a:extLst>
+              <a:ext uri="{FF2B5EF4-FFF2-40B4-BE49-F238E27FC236}">
+                <a16:creationId xmlns:a16="http://schemas.microsoft.com/office/drawing/2014/main" id="{9228B211-E67B-8273-78A8-F7B761517D31}"/>
+              </a:ext>
+            </a:extLst>
+          </p:cNvPr>
+          <p:cNvCxnSpPr>
+            <a:cxnSpLocks/>
+          </p:cNvCxnSpPr>
+          <p:nvPr/>
+        </p:nvCxnSpPr>
+        <p:spPr>
+          <a:xfrm>
+            <a:off x="2346071" y="1275606"/>
+            <a:ext cx="3960440" cy="0"/>
+          </a:xfrm>
+          <a:prstGeom prst="straightConnector1">
+            <a:avLst/>
+          </a:prstGeom>
+          <a:ln>
+            <a:solidFill>
+              <a:schemeClr val="tx1"/>
+            </a:solidFill>
+            <a:headEnd type="triangle" w="med" len="med"/>
+            <a:tailEnd type="none" w="med" len="med"/>
+          </a:ln>
+        </p:spPr>
+        <p:style>
+          <a:lnRef idx="1">
+            <a:schemeClr val="accent1"/>
+          </a:lnRef>
+          <a:fillRef idx="0">
+            <a:schemeClr val="accent1"/>
+          </a:fillRef>
+          <a:effectRef idx="0">
+            <a:schemeClr val="accent1"/>
+          </a:effectRef>
+          <a:fontRef idx="minor">
+            <a:schemeClr val="tx1"/>
+          </a:fontRef>
+        </p:style>
+      </p:cxnSp>
+      <p:sp>
+        <p:nvSpPr>
+          <p:cNvPr id="24" name="TextBox 23">
+            <a:extLst>
+              <a:ext uri="{FF2B5EF4-FFF2-40B4-BE49-F238E27FC236}">
+                <a16:creationId xmlns:a16="http://schemas.microsoft.com/office/drawing/2014/main" id="{B868CEEB-76D6-54E6-C9AC-4744800246A6}"/>
+              </a:ext>
+            </a:extLst>
+          </p:cNvPr>
+          <p:cNvSpPr txBox="1"/>
+          <p:nvPr/>
+        </p:nvSpPr>
+        <p:spPr>
+          <a:xfrm>
+            <a:off x="2928454" y="1275606"/>
+            <a:ext cx="2795674" cy="246221"/>
+          </a:xfrm>
+          <a:prstGeom prst="rect">
+            <a:avLst/>
+          </a:prstGeom>
+          <a:noFill/>
+        </p:spPr>
+        <p:txBody>
+          <a:bodyPr wrap="square" rtlCol="0">
+            <a:spAutoFit/>
+          </a:bodyPr>
+          <a:lstStyle/>
+          <a:p>
+            <a:pPr algn="r"/>
+            <a:r>
+              <a:rPr kumimoji="1" lang="en-US" altLang="ko-KR" sz="1000" i="1"/>
+              <a:t>200 OK</a:t>
+            </a:r>
+            <a:endParaRPr kumimoji="1" lang="ko-KR" altLang="en-US" sz="1000" i="1"/>
+          </a:p>
+        </p:txBody>
+      </p:sp>
+    </p:spTree>
+    <p:extLst>
+      <p:ext uri="{BB962C8B-B14F-4D97-AF65-F5344CB8AC3E}">
+        <p14:creationId xmlns:p14="http://schemas.microsoft.com/office/powerpoint/2010/main" val="326728203"/>
+      </p:ext>
+    </p:extLst>
+  </p:cSld>
+  <p:clrMapOvr>
+    <a:masterClrMapping/>
+  </p:clrMapOvr>
+</p:sld>
+</file>
+
+<file path=ppt/slides/slide12.xml><?xml version="1.0" encoding="utf-8"?>
+<p:sld xmlns:a="http://schemas.openxmlformats.org/drawingml/2006/main" xmlns:r="http://schemas.openxmlformats.org/officeDocument/2006/relationships" xmlns:p="http://schemas.openxmlformats.org/presentationml/2006/main">
+  <p:cSld>
+    <p:spTree>
+      <p:nvGrpSpPr>
+        <p:cNvPr id="1" name="">
+          <a:extLst>
+            <a:ext uri="{FF2B5EF4-FFF2-40B4-BE49-F238E27FC236}">
+              <a16:creationId xmlns:a16="http://schemas.microsoft.com/office/drawing/2014/main" id="{00B56635-3832-C276-1838-0F309C04DEEE}"/>
+            </a:ext>
+          </a:extLst>
+        </p:cNvPr>
+        <p:cNvGrpSpPr/>
+        <p:nvPr/>
+      </p:nvGrpSpPr>
+      <p:grpSpPr>
+        <a:xfrm>
+          <a:off x="0" y="0"/>
+          <a:ext cx="0" cy="0"/>
+          <a:chOff x="0" y="0"/>
+          <a:chExt cx="0" cy="0"/>
+        </a:xfrm>
+      </p:grpSpPr>
+      <p:sp>
+        <p:nvSpPr>
+          <p:cNvPr id="4" name="사각형: 둥근 모서리 29">
+            <a:extLst>
+              <a:ext uri="{FF2B5EF4-FFF2-40B4-BE49-F238E27FC236}">
+                <a16:creationId xmlns:a16="http://schemas.microsoft.com/office/drawing/2014/main" id="{AD2FE382-FA3A-0C22-EC4F-395267900D9D}"/>
+              </a:ext>
+            </a:extLst>
+          </p:cNvPr>
+          <p:cNvSpPr/>
+          <p:nvPr/>
+        </p:nvSpPr>
+        <p:spPr>
+          <a:xfrm>
+            <a:off x="1763688" y="411510"/>
+            <a:ext cx="1164765" cy="657290"/>
+          </a:xfrm>
+          <a:prstGeom prst="roundRect">
+            <a:avLst>
+              <a:gd name="adj" fmla="val 17374"/>
+            </a:avLst>
+          </a:prstGeom>
+          <a:ln w="12700"/>
+        </p:spPr>
+        <p:style>
+          <a:lnRef idx="2">
+            <a:schemeClr val="dk1"/>
+          </a:lnRef>
+          <a:fillRef idx="1">
+            <a:schemeClr val="lt1"/>
+          </a:fillRef>
+          <a:effectRef idx="0">
+            <a:schemeClr val="dk1"/>
+          </a:effectRef>
+          <a:fontRef idx="minor">
+            <a:schemeClr val="dk1"/>
+          </a:fontRef>
+        </p:style>
+        <p:txBody>
+          <a:bodyPr rtlCol="0" anchor="ctr"/>
+          <a:lstStyle/>
+          <a:p>
+            <a:pPr algn="ctr"/>
+            <a:r>
+              <a:rPr lang="en-US" altLang="ko-KR" sz="1000" b="1"/>
+              <a:t>shell</a:t>
+            </a:r>
+          </a:p>
+          <a:p>
+            <a:pPr algn="ctr"/>
+            <a:r>
+              <a:rPr lang="en-US" altLang="ko-KR" sz="1000"/>
+              <a:t>Pod</a:t>
+            </a:r>
+            <a:endParaRPr lang="ko-KR" altLang="en-US" sz="1000"/>
+          </a:p>
+        </p:txBody>
+      </p:sp>
+      <p:sp>
+        <p:nvSpPr>
+          <p:cNvPr id="5" name="사각형: 둥근 모서리 29">
+            <a:extLst>
+              <a:ext uri="{FF2B5EF4-FFF2-40B4-BE49-F238E27FC236}">
+                <a16:creationId xmlns:a16="http://schemas.microsoft.com/office/drawing/2014/main" id="{C4F1F9D3-6910-F956-C082-3B87EBB2724C}"/>
+              </a:ext>
+            </a:extLst>
+          </p:cNvPr>
+          <p:cNvSpPr/>
+          <p:nvPr/>
+        </p:nvSpPr>
+        <p:spPr>
+          <a:xfrm>
+            <a:off x="5724128" y="411510"/>
+            <a:ext cx="1164765" cy="657290"/>
+          </a:xfrm>
+          <a:prstGeom prst="roundRect">
+            <a:avLst>
+              <a:gd name="adj" fmla="val 17374"/>
+            </a:avLst>
+          </a:prstGeom>
+          <a:ln w="12700"/>
+        </p:spPr>
+        <p:style>
+          <a:lnRef idx="2">
+            <a:schemeClr val="dk1"/>
+          </a:lnRef>
+          <a:fillRef idx="1">
+            <a:schemeClr val="lt1"/>
+          </a:fillRef>
+          <a:effectRef idx="0">
+            <a:schemeClr val="dk1"/>
+          </a:effectRef>
+          <a:fontRef idx="minor">
+            <a:schemeClr val="dk1"/>
+          </a:fontRef>
+        </p:style>
+        <p:txBody>
+          <a:bodyPr rtlCol="0" anchor="ctr"/>
+          <a:lstStyle/>
+          <a:p>
+            <a:pPr algn="ctr"/>
+            <a:r>
+              <a:rPr lang="en-US" altLang="ko-KR" sz="1000" b="1"/>
+              <a:t>mock-server</a:t>
+            </a:r>
+          </a:p>
+          <a:p>
+            <a:pPr algn="ctr"/>
+            <a:r>
+              <a:rPr lang="en-US" altLang="ko-KR" sz="1000"/>
+              <a:t>Pod</a:t>
+            </a:r>
+            <a:endParaRPr lang="ko-KR" altLang="en-US" sz="1000"/>
+          </a:p>
+        </p:txBody>
+      </p:sp>
+      <p:cxnSp>
+        <p:nvCxnSpPr>
+          <p:cNvPr id="8" name="Straight Arrow Connector 81">
+            <a:extLst>
+              <a:ext uri="{FF2B5EF4-FFF2-40B4-BE49-F238E27FC236}">
+                <a16:creationId xmlns:a16="http://schemas.microsoft.com/office/drawing/2014/main" id="{D8E2D78F-46DB-3A48-03ED-036F0069B122}"/>
+              </a:ext>
+            </a:extLst>
+          </p:cNvPr>
+          <p:cNvCxnSpPr>
+            <a:cxnSpLocks/>
+            <a:stCxn id="5" idx="2"/>
+          </p:cNvCxnSpPr>
+          <p:nvPr/>
+        </p:nvCxnSpPr>
+        <p:spPr>
+          <a:xfrm>
+            <a:off x="6306511" y="1068800"/>
+            <a:ext cx="0" cy="3375158"/>
+          </a:xfrm>
+          <a:prstGeom prst="straightConnector1">
+            <a:avLst/>
+          </a:prstGeom>
+          <a:ln>
+            <a:solidFill>
+              <a:schemeClr val="tx1"/>
+            </a:solidFill>
+            <a:prstDash val="dash"/>
+            <a:tailEnd type="triangle"/>
+          </a:ln>
+        </p:spPr>
+        <p:style>
+          <a:lnRef idx="1">
+            <a:schemeClr val="accent1"/>
+          </a:lnRef>
+          <a:fillRef idx="0">
+            <a:schemeClr val="accent1"/>
+          </a:fillRef>
+          <a:effectRef idx="0">
+            <a:schemeClr val="accent1"/>
+          </a:effectRef>
+          <a:fontRef idx="minor">
+            <a:schemeClr val="tx1"/>
+          </a:fontRef>
+        </p:style>
+      </p:cxnSp>
+      <p:cxnSp>
+        <p:nvCxnSpPr>
+          <p:cNvPr id="2" name="Straight Arrow Connector 81">
+            <a:extLst>
+              <a:ext uri="{FF2B5EF4-FFF2-40B4-BE49-F238E27FC236}">
+                <a16:creationId xmlns:a16="http://schemas.microsoft.com/office/drawing/2014/main" id="{6CF797F6-085F-8F60-FFA3-A11476654AC6}"/>
+              </a:ext>
+            </a:extLst>
+          </p:cNvPr>
+          <p:cNvCxnSpPr>
+            <a:cxnSpLocks/>
+            <a:stCxn id="4" idx="2"/>
+          </p:cNvCxnSpPr>
+          <p:nvPr/>
+        </p:nvCxnSpPr>
+        <p:spPr>
+          <a:xfrm>
+            <a:off x="2346071" y="1068800"/>
+            <a:ext cx="0" cy="3375158"/>
+          </a:xfrm>
+          <a:prstGeom prst="straightConnector1">
+            <a:avLst/>
+          </a:prstGeom>
+          <a:ln>
+            <a:solidFill>
+              <a:schemeClr val="tx1"/>
+            </a:solidFill>
+            <a:prstDash val="dash"/>
+            <a:tailEnd type="triangle"/>
+          </a:ln>
+        </p:spPr>
+        <p:style>
+          <a:lnRef idx="1">
+            <a:schemeClr val="accent1"/>
+          </a:lnRef>
+          <a:fillRef idx="0">
+            <a:schemeClr val="accent1"/>
+          </a:fillRef>
+          <a:effectRef idx="0">
+            <a:schemeClr val="accent1"/>
+          </a:effectRef>
+          <a:fontRef idx="minor">
+            <a:schemeClr val="tx1"/>
+          </a:fontRef>
+        </p:style>
+      </p:cxnSp>
+      <p:cxnSp>
+        <p:nvCxnSpPr>
+          <p:cNvPr id="17" name="Straight Arrow Connector 81">
+            <a:extLst>
+              <a:ext uri="{FF2B5EF4-FFF2-40B4-BE49-F238E27FC236}">
+                <a16:creationId xmlns:a16="http://schemas.microsoft.com/office/drawing/2014/main" id="{2FDD720A-1F7A-156B-F090-295D2CF7EF54}"/>
+              </a:ext>
+            </a:extLst>
+          </p:cNvPr>
+          <p:cNvCxnSpPr>
+            <a:cxnSpLocks/>
+          </p:cNvCxnSpPr>
+          <p:nvPr/>
+        </p:nvCxnSpPr>
+        <p:spPr>
+          <a:xfrm>
+            <a:off x="2346071" y="1203596"/>
+            <a:ext cx="3960440" cy="0"/>
+          </a:xfrm>
+          <a:prstGeom prst="straightConnector1">
+            <a:avLst/>
+          </a:prstGeom>
+          <a:ln>
+            <a:solidFill>
+              <a:schemeClr val="tx1"/>
+            </a:solidFill>
+            <a:tailEnd type="triangle"/>
+          </a:ln>
+        </p:spPr>
+        <p:style>
+          <a:lnRef idx="1">
+            <a:schemeClr val="accent1"/>
+          </a:lnRef>
+          <a:fillRef idx="0">
+            <a:schemeClr val="accent1"/>
+          </a:fillRef>
+          <a:effectRef idx="0">
+            <a:schemeClr val="accent1"/>
+          </a:effectRef>
+          <a:fontRef idx="minor">
+            <a:schemeClr val="tx1"/>
+          </a:fontRef>
+        </p:style>
+      </p:cxnSp>
+      <p:sp>
+        <p:nvSpPr>
+          <p:cNvPr id="20" name="TextBox 19">
+            <a:extLst>
+              <a:ext uri="{FF2B5EF4-FFF2-40B4-BE49-F238E27FC236}">
+                <a16:creationId xmlns:a16="http://schemas.microsoft.com/office/drawing/2014/main" id="{425E2887-5B32-A3B0-3661-D8A4104A7356}"/>
+              </a:ext>
+            </a:extLst>
+          </p:cNvPr>
+          <p:cNvSpPr txBox="1"/>
+          <p:nvPr/>
+        </p:nvSpPr>
+        <p:spPr>
+          <a:xfrm>
+            <a:off x="2928454" y="957375"/>
+            <a:ext cx="2795674" cy="246221"/>
+          </a:xfrm>
+          <a:prstGeom prst="rect">
+            <a:avLst/>
+          </a:prstGeom>
+          <a:noFill/>
+        </p:spPr>
+        <p:txBody>
+          <a:bodyPr wrap="square" rtlCol="0">
+            <a:spAutoFit/>
+          </a:bodyPr>
+          <a:lstStyle/>
+          <a:p>
+            <a:r>
+              <a:rPr kumimoji="1" lang="en-US" altLang="ko-KR" sz="1000" i="1"/>
+              <a:t>GET </a:t>
+            </a:r>
+            <a:r>
+              <a:rPr lang="en" altLang="ko-KR" sz="1000" i="1"/>
+              <a:t>mock-server:8080/status/503</a:t>
+            </a:r>
+            <a:endParaRPr kumimoji="1" lang="ko-KR" altLang="en-US" sz="1000" i="1"/>
+          </a:p>
+        </p:txBody>
+      </p:sp>
+      <p:cxnSp>
+        <p:nvCxnSpPr>
+          <p:cNvPr id="23" name="Straight Arrow Connector 81">
+            <a:extLst>
+              <a:ext uri="{FF2B5EF4-FFF2-40B4-BE49-F238E27FC236}">
+                <a16:creationId xmlns:a16="http://schemas.microsoft.com/office/drawing/2014/main" id="{787C5812-7DEA-262E-AA79-587FDB7FD65D}"/>
+              </a:ext>
+            </a:extLst>
+          </p:cNvPr>
+          <p:cNvCxnSpPr>
+            <a:cxnSpLocks/>
+          </p:cNvCxnSpPr>
+          <p:nvPr/>
+        </p:nvCxnSpPr>
+        <p:spPr>
+          <a:xfrm>
+            <a:off x="2346071" y="1275606"/>
+            <a:ext cx="3960440" cy="0"/>
+          </a:xfrm>
+          <a:prstGeom prst="straightConnector1">
+            <a:avLst/>
+          </a:prstGeom>
+          <a:ln>
+            <a:solidFill>
+              <a:schemeClr val="tx1"/>
+            </a:solidFill>
+            <a:headEnd type="triangle" w="med" len="med"/>
+            <a:tailEnd type="none" w="med" len="med"/>
+          </a:ln>
+        </p:spPr>
+        <p:style>
+          <a:lnRef idx="1">
+            <a:schemeClr val="accent1"/>
+          </a:lnRef>
+          <a:fillRef idx="0">
+            <a:schemeClr val="accent1"/>
+          </a:fillRef>
+          <a:effectRef idx="0">
+            <a:schemeClr val="accent1"/>
+          </a:effectRef>
+          <a:fontRef idx="minor">
+            <a:schemeClr val="tx1"/>
+          </a:fontRef>
+        </p:style>
+      </p:cxnSp>
+      <p:sp>
+        <p:nvSpPr>
+          <p:cNvPr id="24" name="TextBox 23">
+            <a:extLst>
+              <a:ext uri="{FF2B5EF4-FFF2-40B4-BE49-F238E27FC236}">
+                <a16:creationId xmlns:a16="http://schemas.microsoft.com/office/drawing/2014/main" id="{AB39243B-9FBA-3DED-F3B8-F36B5E150D12}"/>
+              </a:ext>
+            </a:extLst>
+          </p:cNvPr>
+          <p:cNvSpPr txBox="1"/>
+          <p:nvPr/>
+        </p:nvSpPr>
+        <p:spPr>
+          <a:xfrm>
+            <a:off x="2928454" y="1275606"/>
+            <a:ext cx="2795674" cy="246221"/>
+          </a:xfrm>
+          <a:prstGeom prst="rect">
+            <a:avLst/>
+          </a:prstGeom>
+          <a:noFill/>
+        </p:spPr>
+        <p:txBody>
+          <a:bodyPr wrap="square" rtlCol="0">
+            <a:spAutoFit/>
+          </a:bodyPr>
+          <a:lstStyle/>
+          <a:p>
+            <a:pPr algn="r"/>
+            <a:r>
+              <a:rPr kumimoji="1" lang="en-US" altLang="ko-KR" sz="1000" i="1"/>
+              <a:t>503 Service Unavailable</a:t>
+            </a:r>
+            <a:endParaRPr kumimoji="1" lang="ko-KR" altLang="en-US" sz="1000" i="1"/>
+          </a:p>
+        </p:txBody>
+      </p:sp>
+    </p:spTree>
+    <p:extLst>
+      <p:ext uri="{BB962C8B-B14F-4D97-AF65-F5344CB8AC3E}">
+        <p14:creationId xmlns:p14="http://schemas.microsoft.com/office/powerpoint/2010/main" val="1859403969"/>
+      </p:ext>
+    </p:extLst>
+  </p:cSld>
+  <p:clrMapOvr>
+    <a:masterClrMapping/>
+  </p:clrMapOvr>
+</p:sld>
+</file>
+
+<file path=ppt/slides/slide13.xml><?xml version="1.0" encoding="utf-8"?>
+<p:sld xmlns:a="http://schemas.openxmlformats.org/drawingml/2006/main" xmlns:r="http://schemas.openxmlformats.org/officeDocument/2006/relationships" xmlns:p="http://schemas.openxmlformats.org/presentationml/2006/main">
+  <p:cSld>
+    <p:spTree>
+      <p:nvGrpSpPr>
+        <p:cNvPr id="1" name="">
+          <a:extLst>
+            <a:ext uri="{FF2B5EF4-FFF2-40B4-BE49-F238E27FC236}">
+              <a16:creationId xmlns:a16="http://schemas.microsoft.com/office/drawing/2014/main" id="{7E27744C-4F31-ACC6-9034-FCA148427720}"/>
+            </a:ext>
+          </a:extLst>
+        </p:cNvPr>
+        <p:cNvGrpSpPr/>
+        <p:nvPr/>
+      </p:nvGrpSpPr>
+      <p:grpSpPr>
+        <a:xfrm>
+          <a:off x="0" y="0"/>
+          <a:ext cx="0" cy="0"/>
+          <a:chOff x="0" y="0"/>
+          <a:chExt cx="0" cy="0"/>
+        </a:xfrm>
+      </p:grpSpPr>
+      <p:sp>
+        <p:nvSpPr>
+          <p:cNvPr id="4" name="사각형: 둥근 모서리 29">
+            <a:extLst>
+              <a:ext uri="{FF2B5EF4-FFF2-40B4-BE49-F238E27FC236}">
+                <a16:creationId xmlns:a16="http://schemas.microsoft.com/office/drawing/2014/main" id="{C6E3B579-43FF-1F83-3E25-1994E3C9121E}"/>
+              </a:ext>
+            </a:extLst>
+          </p:cNvPr>
+          <p:cNvSpPr/>
+          <p:nvPr/>
+        </p:nvSpPr>
+        <p:spPr>
+          <a:xfrm>
+            <a:off x="1763688" y="411510"/>
+            <a:ext cx="1164765" cy="657290"/>
+          </a:xfrm>
+          <a:prstGeom prst="roundRect">
+            <a:avLst>
+              <a:gd name="adj" fmla="val 17374"/>
+            </a:avLst>
+          </a:prstGeom>
+          <a:ln w="12700"/>
+        </p:spPr>
+        <p:style>
+          <a:lnRef idx="2">
+            <a:schemeClr val="dk1"/>
+          </a:lnRef>
+          <a:fillRef idx="1">
+            <a:schemeClr val="lt1"/>
+          </a:fillRef>
+          <a:effectRef idx="0">
+            <a:schemeClr val="dk1"/>
+          </a:effectRef>
+          <a:fontRef idx="minor">
+            <a:schemeClr val="dk1"/>
+          </a:fontRef>
+        </p:style>
+        <p:txBody>
+          <a:bodyPr rtlCol="0" anchor="ctr"/>
+          <a:lstStyle/>
+          <a:p>
+            <a:pPr algn="ctr"/>
+            <a:r>
+              <a:rPr lang="en-US" altLang="ko-KR" sz="1000" b="1"/>
+              <a:t>shell</a:t>
+            </a:r>
+          </a:p>
+          <a:p>
+            <a:pPr algn="ctr"/>
+            <a:r>
+              <a:rPr lang="en-US" altLang="ko-KR" sz="1000"/>
+              <a:t>Pod</a:t>
+            </a:r>
+            <a:endParaRPr lang="ko-KR" altLang="en-US" sz="1000"/>
+          </a:p>
+        </p:txBody>
+      </p:sp>
+      <p:sp>
+        <p:nvSpPr>
+          <p:cNvPr id="5" name="사각형: 둥근 모서리 29">
+            <a:extLst>
+              <a:ext uri="{FF2B5EF4-FFF2-40B4-BE49-F238E27FC236}">
+                <a16:creationId xmlns:a16="http://schemas.microsoft.com/office/drawing/2014/main" id="{1E1420F5-D1EE-7A1E-FE42-8300A4EE99EC}"/>
+              </a:ext>
+            </a:extLst>
+          </p:cNvPr>
+          <p:cNvSpPr/>
+          <p:nvPr/>
+        </p:nvSpPr>
+        <p:spPr>
+          <a:xfrm>
+            <a:off x="5724128" y="411510"/>
+            <a:ext cx="1164765" cy="657290"/>
+          </a:xfrm>
+          <a:prstGeom prst="roundRect">
+            <a:avLst>
+              <a:gd name="adj" fmla="val 17374"/>
+            </a:avLst>
+          </a:prstGeom>
+          <a:ln w="12700"/>
+        </p:spPr>
+        <p:style>
+          <a:lnRef idx="2">
+            <a:schemeClr val="dk1"/>
+          </a:lnRef>
+          <a:fillRef idx="1">
+            <a:schemeClr val="lt1"/>
+          </a:fillRef>
+          <a:effectRef idx="0">
+            <a:schemeClr val="dk1"/>
+          </a:effectRef>
+          <a:fontRef idx="minor">
+            <a:schemeClr val="dk1"/>
+          </a:fontRef>
+        </p:style>
+        <p:txBody>
+          <a:bodyPr rtlCol="0" anchor="ctr"/>
+          <a:lstStyle/>
+          <a:p>
+            <a:pPr algn="ctr"/>
+            <a:r>
+              <a:rPr lang="en-US" altLang="ko-KR" sz="1000" b="1"/>
+              <a:t>mock-server</a:t>
+            </a:r>
+          </a:p>
+          <a:p>
+            <a:pPr algn="ctr"/>
+            <a:r>
+              <a:rPr lang="en-US" altLang="ko-KR" sz="1000"/>
+              <a:t>Pod</a:t>
+            </a:r>
+            <a:endParaRPr lang="ko-KR" altLang="en-US" sz="1000"/>
+          </a:p>
+        </p:txBody>
+      </p:sp>
+      <p:cxnSp>
+        <p:nvCxnSpPr>
+          <p:cNvPr id="8" name="Straight Arrow Connector 81">
+            <a:extLst>
+              <a:ext uri="{FF2B5EF4-FFF2-40B4-BE49-F238E27FC236}">
+                <a16:creationId xmlns:a16="http://schemas.microsoft.com/office/drawing/2014/main" id="{6D21DD75-893B-AB12-BA9A-3ABCB0221741}"/>
+              </a:ext>
+            </a:extLst>
+          </p:cNvPr>
+          <p:cNvCxnSpPr>
+            <a:cxnSpLocks/>
+            <a:stCxn id="5" idx="2"/>
+          </p:cNvCxnSpPr>
+          <p:nvPr/>
+        </p:nvCxnSpPr>
+        <p:spPr>
+          <a:xfrm>
+            <a:off x="6306511" y="1068800"/>
+            <a:ext cx="0" cy="3375158"/>
+          </a:xfrm>
+          <a:prstGeom prst="straightConnector1">
+            <a:avLst/>
+          </a:prstGeom>
+          <a:ln>
+            <a:solidFill>
+              <a:schemeClr val="tx1"/>
+            </a:solidFill>
+            <a:prstDash val="dash"/>
+            <a:tailEnd type="triangle"/>
+          </a:ln>
+        </p:spPr>
+        <p:style>
+          <a:lnRef idx="1">
+            <a:schemeClr val="accent1"/>
+          </a:lnRef>
+          <a:fillRef idx="0">
+            <a:schemeClr val="accent1"/>
+          </a:fillRef>
+          <a:effectRef idx="0">
+            <a:schemeClr val="accent1"/>
+          </a:effectRef>
+          <a:fontRef idx="minor">
+            <a:schemeClr val="tx1"/>
+          </a:fontRef>
+        </p:style>
+      </p:cxnSp>
+      <p:cxnSp>
+        <p:nvCxnSpPr>
+          <p:cNvPr id="2" name="Straight Arrow Connector 81">
+            <a:extLst>
+              <a:ext uri="{FF2B5EF4-FFF2-40B4-BE49-F238E27FC236}">
+                <a16:creationId xmlns:a16="http://schemas.microsoft.com/office/drawing/2014/main" id="{1B0D2045-4044-F20A-E3C5-F9CB5F9F64F9}"/>
+              </a:ext>
+            </a:extLst>
+          </p:cNvPr>
+          <p:cNvCxnSpPr>
+            <a:cxnSpLocks/>
+            <a:stCxn id="4" idx="2"/>
+          </p:cNvCxnSpPr>
+          <p:nvPr/>
+        </p:nvCxnSpPr>
+        <p:spPr>
+          <a:xfrm>
+            <a:off x="2346071" y="1068800"/>
+            <a:ext cx="0" cy="3375158"/>
+          </a:xfrm>
+          <a:prstGeom prst="straightConnector1">
+            <a:avLst/>
+          </a:prstGeom>
+          <a:ln>
+            <a:solidFill>
+              <a:schemeClr val="tx1"/>
+            </a:solidFill>
+            <a:prstDash val="dash"/>
+            <a:tailEnd type="triangle"/>
+          </a:ln>
+        </p:spPr>
+        <p:style>
+          <a:lnRef idx="1">
+            <a:schemeClr val="accent1"/>
+          </a:lnRef>
+          <a:fillRef idx="0">
+            <a:schemeClr val="accent1"/>
+          </a:fillRef>
+          <a:effectRef idx="0">
+            <a:schemeClr val="accent1"/>
+          </a:effectRef>
+          <a:fontRef idx="minor">
+            <a:schemeClr val="tx1"/>
+          </a:fontRef>
+        </p:style>
+      </p:cxnSp>
+      <p:cxnSp>
+        <p:nvCxnSpPr>
+          <p:cNvPr id="17" name="Straight Arrow Connector 81">
+            <a:extLst>
+              <a:ext uri="{FF2B5EF4-FFF2-40B4-BE49-F238E27FC236}">
+                <a16:creationId xmlns:a16="http://schemas.microsoft.com/office/drawing/2014/main" id="{46D1088F-D4AA-08F1-FF07-C976E1C79683}"/>
+              </a:ext>
+            </a:extLst>
+          </p:cNvPr>
+          <p:cNvCxnSpPr>
+            <a:cxnSpLocks/>
+          </p:cNvCxnSpPr>
+          <p:nvPr/>
+        </p:nvCxnSpPr>
+        <p:spPr>
+          <a:xfrm>
+            <a:off x="2346071" y="1203596"/>
+            <a:ext cx="3960440" cy="0"/>
+          </a:xfrm>
+          <a:prstGeom prst="straightConnector1">
+            <a:avLst/>
+          </a:prstGeom>
+          <a:ln>
+            <a:solidFill>
+              <a:schemeClr val="tx1"/>
+            </a:solidFill>
+            <a:tailEnd type="triangle"/>
+          </a:ln>
+        </p:spPr>
+        <p:style>
+          <a:lnRef idx="1">
+            <a:schemeClr val="accent1"/>
+          </a:lnRef>
+          <a:fillRef idx="0">
+            <a:schemeClr val="accent1"/>
+          </a:fillRef>
+          <a:effectRef idx="0">
+            <a:schemeClr val="accent1"/>
+          </a:effectRef>
+          <a:fontRef idx="minor">
+            <a:schemeClr val="tx1"/>
+          </a:fontRef>
+        </p:style>
+      </p:cxnSp>
+      <p:sp>
+        <p:nvSpPr>
+          <p:cNvPr id="20" name="TextBox 19">
+            <a:extLst>
+              <a:ext uri="{FF2B5EF4-FFF2-40B4-BE49-F238E27FC236}">
+                <a16:creationId xmlns:a16="http://schemas.microsoft.com/office/drawing/2014/main" id="{1001786A-BD84-00BB-94A4-89CAA6911164}"/>
+              </a:ext>
+            </a:extLst>
+          </p:cNvPr>
+          <p:cNvSpPr txBox="1"/>
+          <p:nvPr/>
+        </p:nvSpPr>
+        <p:spPr>
+          <a:xfrm>
+            <a:off x="2928454" y="957375"/>
+            <a:ext cx="2795674" cy="246221"/>
+          </a:xfrm>
+          <a:prstGeom prst="rect">
+            <a:avLst/>
+          </a:prstGeom>
+          <a:noFill/>
+        </p:spPr>
+        <p:txBody>
+          <a:bodyPr wrap="square" rtlCol="0">
+            <a:spAutoFit/>
+          </a:bodyPr>
+          <a:lstStyle/>
+          <a:p>
+            <a:r>
+              <a:rPr kumimoji="1" lang="en-US" altLang="ko-KR" sz="1000" i="1"/>
+              <a:t>GET </a:t>
+            </a:r>
+            <a:r>
+              <a:rPr lang="en" altLang="ko-KR" sz="1000" i="1"/>
+              <a:t>mock-server:8080/delay/10000</a:t>
+            </a:r>
+            <a:endParaRPr kumimoji="1" lang="ko-KR" altLang="en-US" sz="1000" i="1"/>
+          </a:p>
+        </p:txBody>
+      </p:sp>
+      <p:cxnSp>
+        <p:nvCxnSpPr>
+          <p:cNvPr id="23" name="Straight Arrow Connector 81">
+            <a:extLst>
+              <a:ext uri="{FF2B5EF4-FFF2-40B4-BE49-F238E27FC236}">
+                <a16:creationId xmlns:a16="http://schemas.microsoft.com/office/drawing/2014/main" id="{6A75BD21-359D-F1D7-304B-3840858399BC}"/>
+              </a:ext>
+            </a:extLst>
+          </p:cNvPr>
+          <p:cNvCxnSpPr>
+            <a:cxnSpLocks/>
+          </p:cNvCxnSpPr>
+          <p:nvPr/>
+        </p:nvCxnSpPr>
+        <p:spPr>
+          <a:xfrm>
+            <a:off x="2346071" y="1626621"/>
+            <a:ext cx="3960440" cy="0"/>
+          </a:xfrm>
+          <a:prstGeom prst="straightConnector1">
+            <a:avLst/>
+          </a:prstGeom>
+          <a:ln>
+            <a:solidFill>
+              <a:schemeClr val="tx1"/>
+            </a:solidFill>
+            <a:headEnd type="none" w="med" len="med"/>
+            <a:tailEnd type="triangle" w="med" len="med"/>
+          </a:ln>
+        </p:spPr>
+        <p:style>
+          <a:lnRef idx="1">
+            <a:schemeClr val="accent1"/>
+          </a:lnRef>
+          <a:fillRef idx="0">
+            <a:schemeClr val="accent1"/>
+          </a:fillRef>
+          <a:effectRef idx="0">
+            <a:schemeClr val="accent1"/>
+          </a:effectRef>
+          <a:fontRef idx="minor">
+            <a:schemeClr val="tx1"/>
+          </a:fontRef>
+        </p:style>
+      </p:cxnSp>
+      <p:sp>
+        <p:nvSpPr>
+          <p:cNvPr id="24" name="TextBox 23">
+            <a:extLst>
+              <a:ext uri="{FF2B5EF4-FFF2-40B4-BE49-F238E27FC236}">
+                <a16:creationId xmlns:a16="http://schemas.microsoft.com/office/drawing/2014/main" id="{1E110930-74F5-58E0-61FE-B3AD31E887A0}"/>
+              </a:ext>
+            </a:extLst>
+          </p:cNvPr>
+          <p:cNvSpPr txBox="1"/>
+          <p:nvPr/>
+        </p:nvSpPr>
+        <p:spPr>
+          <a:xfrm>
+            <a:off x="2928454" y="1380400"/>
+            <a:ext cx="2795674" cy="246221"/>
+          </a:xfrm>
+          <a:prstGeom prst="rect">
+            <a:avLst/>
+          </a:prstGeom>
+          <a:noFill/>
+        </p:spPr>
+        <p:txBody>
+          <a:bodyPr wrap="square" rtlCol="0">
+            <a:spAutoFit/>
+          </a:bodyPr>
+          <a:lstStyle/>
+          <a:p>
+            <a:r>
+              <a:rPr kumimoji="1" lang="en-US" altLang="ko-KR" sz="1000" i="1"/>
+              <a:t>TCP RST</a:t>
+            </a:r>
+            <a:endParaRPr kumimoji="1" lang="ko-KR" altLang="en-US" sz="1000" i="1"/>
+          </a:p>
+        </p:txBody>
+      </p:sp>
+    </p:spTree>
+    <p:extLst>
+      <p:ext uri="{BB962C8B-B14F-4D97-AF65-F5344CB8AC3E}">
+        <p14:creationId xmlns:p14="http://schemas.microsoft.com/office/powerpoint/2010/main" val="1699418574"/>
+      </p:ext>
+    </p:extLst>
+  </p:cSld>
+  <p:clrMapOvr>
+    <a:masterClrMapping/>
+  </p:clrMapOvr>
+</p:sld>
+</file>
+
+<file path=ppt/slides/slide14.xml><?xml version="1.0" encoding="utf-8"?>
+<p:sld xmlns:a="http://schemas.openxmlformats.org/drawingml/2006/main" xmlns:r="http://schemas.openxmlformats.org/officeDocument/2006/relationships" xmlns:p="http://schemas.openxmlformats.org/presentationml/2006/main">
+  <p:cSld>
+    <p:spTree>
+      <p:nvGrpSpPr>
+        <p:cNvPr id="1" name="">
+          <a:extLst>
+            <a:ext uri="{FF2B5EF4-FFF2-40B4-BE49-F238E27FC236}">
+              <a16:creationId xmlns:a16="http://schemas.microsoft.com/office/drawing/2014/main" id="{4837F7EE-E639-E25D-03B6-D772379C136F}"/>
+            </a:ext>
+          </a:extLst>
+        </p:cNvPr>
+        <p:cNvGrpSpPr/>
+        <p:nvPr/>
+      </p:nvGrpSpPr>
+      <p:grpSpPr>
+        <a:xfrm>
+          <a:off x="0" y="0"/>
+          <a:ext cx="0" cy="0"/>
+          <a:chOff x="0" y="0"/>
+          <a:chExt cx="0" cy="0"/>
+        </a:xfrm>
+      </p:grpSpPr>
+      <p:sp>
+        <p:nvSpPr>
+          <p:cNvPr id="4" name="사각형: 둥근 모서리 29">
+            <a:extLst>
+              <a:ext uri="{FF2B5EF4-FFF2-40B4-BE49-F238E27FC236}">
+                <a16:creationId xmlns:a16="http://schemas.microsoft.com/office/drawing/2014/main" id="{F0C6EBDC-B32E-42ED-4484-4F64F05D5700}"/>
+              </a:ext>
+            </a:extLst>
+          </p:cNvPr>
+          <p:cNvSpPr/>
+          <p:nvPr/>
+        </p:nvSpPr>
+        <p:spPr>
+          <a:xfrm>
+            <a:off x="1763688" y="411510"/>
+            <a:ext cx="1164765" cy="657290"/>
+          </a:xfrm>
+          <a:prstGeom prst="roundRect">
+            <a:avLst>
+              <a:gd name="adj" fmla="val 17374"/>
+            </a:avLst>
+          </a:prstGeom>
+          <a:ln w="12700"/>
+        </p:spPr>
+        <p:style>
+          <a:lnRef idx="2">
+            <a:schemeClr val="dk1"/>
+          </a:lnRef>
+          <a:fillRef idx="1">
+            <a:schemeClr val="lt1"/>
+          </a:fillRef>
+          <a:effectRef idx="0">
+            <a:schemeClr val="dk1"/>
+          </a:effectRef>
+          <a:fontRef idx="minor">
+            <a:schemeClr val="dk1"/>
+          </a:fontRef>
+        </p:style>
+        <p:txBody>
+          <a:bodyPr rtlCol="0" anchor="ctr"/>
+          <a:lstStyle/>
+          <a:p>
+            <a:pPr algn="ctr"/>
+            <a:r>
+              <a:rPr lang="en-US" altLang="ko-KR" sz="1000" b="1"/>
+              <a:t>shell</a:t>
+            </a:r>
+          </a:p>
+          <a:p>
+            <a:pPr algn="ctr"/>
+            <a:r>
+              <a:rPr lang="en-US" altLang="ko-KR" sz="1000"/>
+              <a:t>Pod</a:t>
+            </a:r>
+            <a:endParaRPr lang="ko-KR" altLang="en-US" sz="1000"/>
+          </a:p>
+        </p:txBody>
+      </p:sp>
+      <p:sp>
+        <p:nvSpPr>
+          <p:cNvPr id="5" name="사각형: 둥근 모서리 29">
+            <a:extLst>
+              <a:ext uri="{FF2B5EF4-FFF2-40B4-BE49-F238E27FC236}">
+                <a16:creationId xmlns:a16="http://schemas.microsoft.com/office/drawing/2014/main" id="{741B2862-1B60-3BCB-B7E3-AC2A483E6FEA}"/>
+              </a:ext>
+            </a:extLst>
+          </p:cNvPr>
+          <p:cNvSpPr/>
+          <p:nvPr/>
+        </p:nvSpPr>
+        <p:spPr>
+          <a:xfrm>
+            <a:off x="5724128" y="411510"/>
+            <a:ext cx="1164765" cy="657290"/>
+          </a:xfrm>
+          <a:prstGeom prst="roundRect">
+            <a:avLst>
+              <a:gd name="adj" fmla="val 17374"/>
+            </a:avLst>
+          </a:prstGeom>
+          <a:ln w="12700"/>
+        </p:spPr>
+        <p:style>
+          <a:lnRef idx="2">
+            <a:schemeClr val="dk1"/>
+          </a:lnRef>
+          <a:fillRef idx="1">
+            <a:schemeClr val="lt1"/>
+          </a:fillRef>
+          <a:effectRef idx="0">
+            <a:schemeClr val="dk1"/>
+          </a:effectRef>
+          <a:fontRef idx="minor">
+            <a:schemeClr val="dk1"/>
+          </a:fontRef>
+        </p:style>
+        <p:txBody>
+          <a:bodyPr rtlCol="0" anchor="ctr"/>
+          <a:lstStyle/>
+          <a:p>
+            <a:pPr algn="ctr"/>
+            <a:r>
+              <a:rPr lang="en-US" altLang="ko-KR" sz="1000" b="1"/>
+              <a:t>mock-server</a:t>
+            </a:r>
+          </a:p>
+          <a:p>
+            <a:pPr algn="ctr"/>
+            <a:r>
+              <a:rPr lang="en-US" altLang="ko-KR" sz="1000"/>
+              <a:t>Pod</a:t>
+            </a:r>
+            <a:endParaRPr lang="ko-KR" altLang="en-US" sz="1000"/>
+          </a:p>
+        </p:txBody>
+      </p:sp>
+      <p:cxnSp>
+        <p:nvCxnSpPr>
+          <p:cNvPr id="8" name="Straight Arrow Connector 81">
+            <a:extLst>
+              <a:ext uri="{FF2B5EF4-FFF2-40B4-BE49-F238E27FC236}">
+                <a16:creationId xmlns:a16="http://schemas.microsoft.com/office/drawing/2014/main" id="{D393B28D-8E12-0C07-69F8-453B200F62BC}"/>
+              </a:ext>
+            </a:extLst>
+          </p:cNvPr>
+          <p:cNvCxnSpPr>
+            <a:cxnSpLocks/>
+            <a:stCxn id="5" idx="2"/>
+          </p:cNvCxnSpPr>
+          <p:nvPr/>
+        </p:nvCxnSpPr>
+        <p:spPr>
+          <a:xfrm>
+            <a:off x="6306511" y="1068800"/>
+            <a:ext cx="0" cy="3375158"/>
+          </a:xfrm>
+          <a:prstGeom prst="straightConnector1">
+            <a:avLst/>
+          </a:prstGeom>
+          <a:ln>
+            <a:solidFill>
+              <a:schemeClr val="tx1"/>
+            </a:solidFill>
+            <a:prstDash val="dash"/>
+            <a:tailEnd type="triangle"/>
+          </a:ln>
+        </p:spPr>
+        <p:style>
+          <a:lnRef idx="1">
+            <a:schemeClr val="accent1"/>
+          </a:lnRef>
+          <a:fillRef idx="0">
+            <a:schemeClr val="accent1"/>
+          </a:fillRef>
+          <a:effectRef idx="0">
+            <a:schemeClr val="accent1"/>
+          </a:effectRef>
+          <a:fontRef idx="minor">
+            <a:schemeClr val="tx1"/>
+          </a:fontRef>
+        </p:style>
+      </p:cxnSp>
+      <p:cxnSp>
+        <p:nvCxnSpPr>
+          <p:cNvPr id="2" name="Straight Arrow Connector 81">
+            <a:extLst>
+              <a:ext uri="{FF2B5EF4-FFF2-40B4-BE49-F238E27FC236}">
+                <a16:creationId xmlns:a16="http://schemas.microsoft.com/office/drawing/2014/main" id="{B8238CF7-BBA0-EA2A-CE0E-02F839D757B6}"/>
+              </a:ext>
+            </a:extLst>
+          </p:cNvPr>
+          <p:cNvCxnSpPr>
+            <a:cxnSpLocks/>
+            <a:stCxn id="4" idx="2"/>
+          </p:cNvCxnSpPr>
+          <p:nvPr/>
+        </p:nvCxnSpPr>
+        <p:spPr>
+          <a:xfrm>
+            <a:off x="2346071" y="1068800"/>
+            <a:ext cx="0" cy="3375158"/>
+          </a:xfrm>
+          <a:prstGeom prst="straightConnector1">
+            <a:avLst/>
+          </a:prstGeom>
+          <a:ln>
+            <a:solidFill>
+              <a:schemeClr val="tx1"/>
+            </a:solidFill>
+            <a:prstDash val="dash"/>
+            <a:tailEnd type="triangle"/>
+          </a:ln>
+        </p:spPr>
+        <p:style>
+          <a:lnRef idx="1">
+            <a:schemeClr val="accent1"/>
+          </a:lnRef>
+          <a:fillRef idx="0">
+            <a:schemeClr val="accent1"/>
+          </a:fillRef>
+          <a:effectRef idx="0">
+            <a:schemeClr val="accent1"/>
+          </a:effectRef>
+          <a:fontRef idx="minor">
+            <a:schemeClr val="tx1"/>
+          </a:fontRef>
+        </p:style>
+      </p:cxnSp>
+      <p:sp>
+        <p:nvSpPr>
+          <p:cNvPr id="20" name="TextBox 19">
+            <a:extLst>
+              <a:ext uri="{FF2B5EF4-FFF2-40B4-BE49-F238E27FC236}">
+                <a16:creationId xmlns:a16="http://schemas.microsoft.com/office/drawing/2014/main" id="{D68294EE-2A94-43D7-F833-8B3D07CD1097}"/>
+              </a:ext>
+            </a:extLst>
+          </p:cNvPr>
+          <p:cNvSpPr txBox="1"/>
+          <p:nvPr/>
+        </p:nvSpPr>
+        <p:spPr>
+          <a:xfrm>
+            <a:off x="2928454" y="957375"/>
+            <a:ext cx="2795674" cy="246221"/>
+          </a:xfrm>
+          <a:prstGeom prst="rect">
+            <a:avLst/>
+          </a:prstGeom>
+          <a:noFill/>
+        </p:spPr>
+        <p:txBody>
+          <a:bodyPr wrap="square" rtlCol="0">
+            <a:spAutoFit/>
+          </a:bodyPr>
+          <a:lstStyle/>
+          <a:p>
+            <a:r>
+              <a:rPr kumimoji="1" lang="en-US" altLang="ko-KR" sz="1000" i="1"/>
+              <a:t>GET </a:t>
+            </a:r>
+            <a:r>
+              <a:rPr lang="en" altLang="ko-KR" sz="1000" i="1"/>
+              <a:t>mock-server:8080/disconnect/1000</a:t>
+            </a:r>
+            <a:endParaRPr kumimoji="1" lang="ko-KR" altLang="en-US" sz="1000" i="1"/>
+          </a:p>
+        </p:txBody>
+      </p:sp>
+      <p:cxnSp>
+        <p:nvCxnSpPr>
+          <p:cNvPr id="17" name="Straight Arrow Connector 81">
+            <a:extLst>
+              <a:ext uri="{FF2B5EF4-FFF2-40B4-BE49-F238E27FC236}">
+                <a16:creationId xmlns:a16="http://schemas.microsoft.com/office/drawing/2014/main" id="{34E2AE0A-F712-5075-3011-1E6DF2431D68}"/>
+              </a:ext>
+            </a:extLst>
+          </p:cNvPr>
+          <p:cNvCxnSpPr>
+            <a:cxnSpLocks/>
+          </p:cNvCxnSpPr>
+          <p:nvPr/>
+        </p:nvCxnSpPr>
+        <p:spPr>
+          <a:xfrm>
+            <a:off x="2346071" y="1203596"/>
+            <a:ext cx="3960440" cy="0"/>
+          </a:xfrm>
+          <a:prstGeom prst="straightConnector1">
+            <a:avLst/>
+          </a:prstGeom>
+          <a:ln>
+            <a:solidFill>
+              <a:schemeClr val="tx1"/>
+            </a:solidFill>
+            <a:tailEnd type="triangle"/>
+          </a:ln>
+        </p:spPr>
+        <p:style>
+          <a:lnRef idx="1">
+            <a:schemeClr val="accent1"/>
+          </a:lnRef>
+          <a:fillRef idx="0">
+            <a:schemeClr val="accent1"/>
+          </a:fillRef>
+          <a:effectRef idx="0">
+            <a:schemeClr val="accent1"/>
+          </a:effectRef>
+          <a:fontRef idx="minor">
+            <a:schemeClr val="tx1"/>
+          </a:fontRef>
+        </p:style>
+      </p:cxnSp>
+      <p:cxnSp>
+        <p:nvCxnSpPr>
+          <p:cNvPr id="23" name="Straight Arrow Connector 81">
+            <a:extLst>
+              <a:ext uri="{FF2B5EF4-FFF2-40B4-BE49-F238E27FC236}">
+                <a16:creationId xmlns:a16="http://schemas.microsoft.com/office/drawing/2014/main" id="{80D2FA88-23C6-D981-A05C-4A3F1FABB34C}"/>
+              </a:ext>
+            </a:extLst>
+          </p:cNvPr>
+          <p:cNvCxnSpPr>
+            <a:cxnSpLocks/>
+          </p:cNvCxnSpPr>
+          <p:nvPr/>
+        </p:nvCxnSpPr>
+        <p:spPr>
+          <a:xfrm>
+            <a:off x="2346071" y="1626621"/>
+            <a:ext cx="3960440" cy="0"/>
+          </a:xfrm>
+          <a:prstGeom prst="straightConnector1">
+            <a:avLst/>
+          </a:prstGeom>
+          <a:ln>
+            <a:solidFill>
+              <a:schemeClr val="tx1"/>
+            </a:solidFill>
+            <a:headEnd type="triangle" w="med" len="med"/>
+            <a:tailEnd type="none" w="med" len="med"/>
+          </a:ln>
+        </p:spPr>
+        <p:style>
+          <a:lnRef idx="1">
+            <a:schemeClr val="accent1"/>
+          </a:lnRef>
+          <a:fillRef idx="0">
+            <a:schemeClr val="accent1"/>
+          </a:fillRef>
+          <a:effectRef idx="0">
+            <a:schemeClr val="accent1"/>
+          </a:effectRef>
+          <a:fontRef idx="minor">
+            <a:schemeClr val="tx1"/>
+          </a:fontRef>
+        </p:style>
+      </p:cxnSp>
+      <p:sp>
+        <p:nvSpPr>
+          <p:cNvPr id="24" name="TextBox 23">
+            <a:extLst>
+              <a:ext uri="{FF2B5EF4-FFF2-40B4-BE49-F238E27FC236}">
+                <a16:creationId xmlns:a16="http://schemas.microsoft.com/office/drawing/2014/main" id="{50D8AB0E-3E42-6AA4-94B6-0F540C9AF460}"/>
+              </a:ext>
+            </a:extLst>
+          </p:cNvPr>
+          <p:cNvSpPr txBox="1"/>
+          <p:nvPr/>
+        </p:nvSpPr>
+        <p:spPr>
+          <a:xfrm>
+            <a:off x="2928454" y="1380400"/>
+            <a:ext cx="2795674" cy="246221"/>
+          </a:xfrm>
+          <a:prstGeom prst="rect">
+            <a:avLst/>
+          </a:prstGeom>
+          <a:noFill/>
+        </p:spPr>
+        <p:txBody>
+          <a:bodyPr wrap="square" rtlCol="0">
+            <a:spAutoFit/>
+          </a:bodyPr>
+          <a:lstStyle/>
+          <a:p>
+            <a:pPr algn="r"/>
+            <a:r>
+              <a:rPr kumimoji="1" lang="en-US" altLang="ko-KR" sz="1000" i="1"/>
+              <a:t>TCP RST</a:t>
+            </a:r>
+            <a:endParaRPr kumimoji="1" lang="ko-KR" altLang="en-US" sz="1000" i="1"/>
+          </a:p>
+        </p:txBody>
+      </p:sp>
+      <p:sp>
+        <p:nvSpPr>
+          <p:cNvPr id="9" name="호 8">
+            <a:extLst>
+              <a:ext uri="{FF2B5EF4-FFF2-40B4-BE49-F238E27FC236}">
+                <a16:creationId xmlns:a16="http://schemas.microsoft.com/office/drawing/2014/main" id="{69813E42-F0B7-01E1-A58B-4BF78003269D}"/>
+              </a:ext>
+            </a:extLst>
+          </p:cNvPr>
+          <p:cNvSpPr/>
+          <p:nvPr/>
+        </p:nvSpPr>
+        <p:spPr>
+          <a:xfrm>
+            <a:off x="6168328" y="1199085"/>
+            <a:ext cx="276365" cy="423019"/>
+          </a:xfrm>
+          <a:prstGeom prst="arc">
+            <a:avLst>
+              <a:gd name="adj1" fmla="val 16200000"/>
+              <a:gd name="adj2" fmla="val 5389298"/>
+            </a:avLst>
+          </a:prstGeom>
+          <a:ln>
+            <a:solidFill>
+              <a:schemeClr val="tx1"/>
+            </a:solidFill>
+            <a:headEnd type="none" w="med" len="med"/>
+            <a:tailEnd type="triangle" w="med" len="med"/>
+          </a:ln>
+        </p:spPr>
+        <p:style>
+          <a:lnRef idx="1">
+            <a:schemeClr val="accent1"/>
+          </a:lnRef>
+          <a:fillRef idx="0">
+            <a:schemeClr val="accent1"/>
+          </a:fillRef>
+          <a:effectRef idx="0">
+            <a:schemeClr val="accent1"/>
+          </a:effectRef>
+          <a:fontRef idx="minor">
+            <a:schemeClr val="tx1"/>
+          </a:fontRef>
+        </p:style>
+        <p:txBody>
+          <a:bodyPr rtlCol="0" anchor="ctr"/>
+          <a:lstStyle/>
+          <a:p>
+            <a:pPr algn="ctr"/>
+            <a:endParaRPr kumimoji="1" lang="ko-KR" altLang="en-US"/>
+          </a:p>
+        </p:txBody>
+      </p:sp>
+      <p:sp>
+        <p:nvSpPr>
+          <p:cNvPr id="10" name="TextBox 9">
+            <a:extLst>
+              <a:ext uri="{FF2B5EF4-FFF2-40B4-BE49-F238E27FC236}">
+                <a16:creationId xmlns:a16="http://schemas.microsoft.com/office/drawing/2014/main" id="{859E8342-A7B8-0DD1-A5C5-6BBC3E4597D1}"/>
+              </a:ext>
+            </a:extLst>
+          </p:cNvPr>
+          <p:cNvSpPr txBox="1"/>
+          <p:nvPr/>
+        </p:nvSpPr>
+        <p:spPr>
+          <a:xfrm>
+            <a:off x="6337278" y="1287483"/>
+            <a:ext cx="689798" cy="246221"/>
+          </a:xfrm>
+          <a:prstGeom prst="rect">
+            <a:avLst/>
+          </a:prstGeom>
+          <a:noFill/>
+        </p:spPr>
+        <p:txBody>
+          <a:bodyPr wrap="square" rtlCol="0">
+            <a:spAutoFit/>
+          </a:bodyPr>
+          <a:lstStyle/>
+          <a:p>
+            <a:pPr algn="ctr"/>
+            <a:r>
+              <a:rPr kumimoji="1" lang="en-US" altLang="ko-KR" sz="1000" i="1"/>
+              <a:t>1000ms</a:t>
+            </a:r>
+            <a:endParaRPr kumimoji="1" lang="ko-KR" altLang="en-US" sz="1000" i="1"/>
+          </a:p>
+        </p:txBody>
+      </p:sp>
+    </p:spTree>
+    <p:extLst>
+      <p:ext uri="{BB962C8B-B14F-4D97-AF65-F5344CB8AC3E}">
+        <p14:creationId xmlns:p14="http://schemas.microsoft.com/office/powerpoint/2010/main" val="2284733793"/>
+      </p:ext>
+    </p:extLst>
+  </p:cSld>
+  <p:clrMapOvr>
+    <a:masterClrMapping/>
+  </p:clrMapOvr>
+</p:sld>
+</file>
+
+<file path=ppt/slides/slide15.xml><?xml version="1.0" encoding="utf-8"?>
+<p:sld xmlns:a="http://schemas.openxmlformats.org/drawingml/2006/main" xmlns:r="http://schemas.openxmlformats.org/officeDocument/2006/relationships" xmlns:p="http://schemas.openxmlformats.org/presentationml/2006/main">
+  <p:cSld>
+    <p:spTree>
+      <p:nvGrpSpPr>
+        <p:cNvPr id="1" name="">
+          <a:extLst>
+            <a:ext uri="{FF2B5EF4-FFF2-40B4-BE49-F238E27FC236}">
               <a16:creationId xmlns:a16="http://schemas.microsoft.com/office/drawing/2014/main" id="{311FEFB3-B0E3-A751-2A11-E37C0EF4964A}"/>
             </a:ext>
           </a:extLst>
@@ -5363,7 +7184,7 @@
 </p:sld>
 </file>
 
-<file path=ppt/slides/slide11.xml><?xml version="1.0" encoding="utf-8"?>
+<file path=ppt/slides/slide16.xml><?xml version="1.0" encoding="utf-8"?>
 <p:sld xmlns:a="http://schemas.openxmlformats.org/drawingml/2006/main" xmlns:r="http://schemas.openxmlformats.org/officeDocument/2006/relationships" xmlns:p="http://schemas.openxmlformats.org/presentationml/2006/main">
   <p:cSld>
     <p:spTree>
@@ -6438,7 +8259,7 @@
 </p:sld>
 </file>
 
-<file path=ppt/slides/slide12.xml><?xml version="1.0" encoding="utf-8"?>
+<file path=ppt/slides/slide17.xml><?xml version="1.0" encoding="utf-8"?>
 <p:sld xmlns:a="http://schemas.openxmlformats.org/drawingml/2006/main" xmlns:r="http://schemas.openxmlformats.org/officeDocument/2006/relationships" xmlns:p="http://schemas.openxmlformats.org/presentationml/2006/main">
   <p:cSld>
     <p:spTree>
@@ -7456,7 +9277,7 @@
 </p:sld>
 </file>
 
-<file path=ppt/slides/slide13.xml><?xml version="1.0" encoding="utf-8"?>
+<file path=ppt/slides/slide18.xml><?xml version="1.0" encoding="utf-8"?>
 <p:sld xmlns:a="http://schemas.openxmlformats.org/drawingml/2006/main" xmlns:r="http://schemas.openxmlformats.org/officeDocument/2006/relationships" xmlns:p="http://schemas.openxmlformats.org/presentationml/2006/main">
   <p:cSld>
     <p:spTree>
@@ -8884,7 +10705,7 @@
 </p:sld>
 </file>
 
-<file path=ppt/slides/slide14.xml><?xml version="1.0" encoding="utf-8"?>
+<file path=ppt/slides/slide19.xml><?xml version="1.0" encoding="utf-8"?>
 <p:sld xmlns:a="http://schemas.openxmlformats.org/drawingml/2006/main" xmlns:r="http://schemas.openxmlformats.org/officeDocument/2006/relationships" xmlns:p="http://schemas.openxmlformats.org/presentationml/2006/main">
   <p:cSld>
     <p:spTree>
@@ -10308,7 +12129,907 @@
 </p:sld>
 </file>
 
-<file path=ppt/slides/slide15.xml><?xml version="1.0" encoding="utf-8"?>
+<file path=ppt/slides/slide2.xml><?xml version="1.0" encoding="utf-8"?>
+<p:sld xmlns:a="http://schemas.openxmlformats.org/drawingml/2006/main" xmlns:r="http://schemas.openxmlformats.org/officeDocument/2006/relationships" xmlns:p="http://schemas.openxmlformats.org/presentationml/2006/main">
+  <p:cSld>
+    <p:spTree>
+      <p:nvGrpSpPr>
+        <p:cNvPr id="1" name="">
+          <a:extLst>
+            <a:ext uri="{FF2B5EF4-FFF2-40B4-BE49-F238E27FC236}">
+              <a16:creationId xmlns:a16="http://schemas.microsoft.com/office/drawing/2014/main" id="{BEBD43C4-D3B4-1A8D-C6BB-0B63185A3E71}"/>
+            </a:ext>
+          </a:extLst>
+        </p:cNvPr>
+        <p:cNvGrpSpPr/>
+        <p:nvPr/>
+      </p:nvGrpSpPr>
+      <p:grpSpPr>
+        <a:xfrm>
+          <a:off x="0" y="0"/>
+          <a:ext cx="0" cy="0"/>
+          <a:chOff x="0" y="0"/>
+          <a:chExt cx="0" cy="0"/>
+        </a:xfrm>
+      </p:grpSpPr>
+      <p:sp>
+        <p:nvSpPr>
+          <p:cNvPr id="3" name="사각형: 둥근 모서리 29">
+            <a:extLst>
+              <a:ext uri="{FF2B5EF4-FFF2-40B4-BE49-F238E27FC236}">
+                <a16:creationId xmlns:a16="http://schemas.microsoft.com/office/drawing/2014/main" id="{430285D8-4E28-0459-9376-8E13504E7C9A}"/>
+              </a:ext>
+            </a:extLst>
+          </p:cNvPr>
+          <p:cNvSpPr/>
+          <p:nvPr/>
+        </p:nvSpPr>
+        <p:spPr>
+          <a:xfrm>
+            <a:off x="179512" y="123478"/>
+            <a:ext cx="4032448" cy="600168"/>
+          </a:xfrm>
+          <a:prstGeom prst="roundRect">
+            <a:avLst>
+              <a:gd name="adj" fmla="val 10124"/>
+            </a:avLst>
+          </a:prstGeom>
+          <a:ln w="12700"/>
+        </p:spPr>
+        <p:style>
+          <a:lnRef idx="2">
+            <a:schemeClr val="dk1"/>
+          </a:lnRef>
+          <a:fillRef idx="1">
+            <a:schemeClr val="lt1"/>
+          </a:fillRef>
+          <a:effectRef idx="0">
+            <a:schemeClr val="dk1"/>
+          </a:effectRef>
+          <a:fontRef idx="minor">
+            <a:schemeClr val="dk1"/>
+          </a:fontRef>
+        </p:style>
+        <p:txBody>
+          <a:bodyPr rtlCol="0" anchor="t"/>
+          <a:lstStyle/>
+          <a:p>
+            <a:pPr algn="ctr"/>
+            <a:r>
+              <a:rPr lang="en-US" altLang="ko-KR" sz="1000" b="1"/>
+              <a:t>shell </a:t>
+            </a:r>
+            <a:r>
+              <a:rPr lang="en-US" altLang="ko-KR" sz="1000"/>
+              <a:t>Pod</a:t>
+            </a:r>
+          </a:p>
+        </p:txBody>
+      </p:sp>
+      <p:sp>
+        <p:nvSpPr>
+          <p:cNvPr id="6" name="사각형: 둥근 모서리 29">
+            <a:extLst>
+              <a:ext uri="{FF2B5EF4-FFF2-40B4-BE49-F238E27FC236}">
+                <a16:creationId xmlns:a16="http://schemas.microsoft.com/office/drawing/2014/main" id="{C32FE79A-C064-92AE-DB4B-7844CCB7D021}"/>
+              </a:ext>
+            </a:extLst>
+          </p:cNvPr>
+          <p:cNvSpPr/>
+          <p:nvPr/>
+        </p:nvSpPr>
+        <p:spPr>
+          <a:xfrm>
+            <a:off x="3236328" y="195486"/>
+            <a:ext cx="891282" cy="439396"/>
+          </a:xfrm>
+          <a:prstGeom prst="roundRect">
+            <a:avLst>
+              <a:gd name="adj" fmla="val 14520"/>
+            </a:avLst>
+          </a:prstGeom>
+          <a:ln w="12700"/>
+        </p:spPr>
+        <p:style>
+          <a:lnRef idx="2">
+            <a:schemeClr val="dk1"/>
+          </a:lnRef>
+          <a:fillRef idx="1">
+            <a:schemeClr val="lt1"/>
+          </a:fillRef>
+          <a:effectRef idx="0">
+            <a:schemeClr val="dk1"/>
+          </a:effectRef>
+          <a:fontRef idx="minor">
+            <a:schemeClr val="dk1"/>
+          </a:fontRef>
+        </p:style>
+        <p:txBody>
+          <a:bodyPr rtlCol="0" anchor="ctr"/>
+          <a:lstStyle/>
+          <a:p>
+            <a:pPr algn="ctr"/>
+            <a:r>
+              <a:rPr lang="en-US" altLang="ko-KR" sz="1000" b="1"/>
+              <a:t>istio-proxy</a:t>
+            </a:r>
+          </a:p>
+          <a:p>
+            <a:pPr algn="ctr"/>
+            <a:r>
+              <a:rPr lang="en-US" altLang="ko-KR" sz="1000"/>
+              <a:t>Container</a:t>
+            </a:r>
+          </a:p>
+        </p:txBody>
+      </p:sp>
+      <p:sp>
+        <p:nvSpPr>
+          <p:cNvPr id="7" name="사각형: 둥근 모서리 29">
+            <a:extLst>
+              <a:ext uri="{FF2B5EF4-FFF2-40B4-BE49-F238E27FC236}">
+                <a16:creationId xmlns:a16="http://schemas.microsoft.com/office/drawing/2014/main" id="{8960BA7E-2268-C0D7-356A-F25C9C175C6A}"/>
+              </a:ext>
+            </a:extLst>
+          </p:cNvPr>
+          <p:cNvSpPr/>
+          <p:nvPr/>
+        </p:nvSpPr>
+        <p:spPr>
+          <a:xfrm>
+            <a:off x="269263" y="195486"/>
+            <a:ext cx="989457" cy="439396"/>
+          </a:xfrm>
+          <a:prstGeom prst="roundRect">
+            <a:avLst>
+              <a:gd name="adj" fmla="val 14520"/>
+            </a:avLst>
+          </a:prstGeom>
+          <a:ln w="12700"/>
+        </p:spPr>
+        <p:style>
+          <a:lnRef idx="2">
+            <a:schemeClr val="dk1"/>
+          </a:lnRef>
+          <a:fillRef idx="1">
+            <a:schemeClr val="lt1"/>
+          </a:fillRef>
+          <a:effectRef idx="0">
+            <a:schemeClr val="dk1"/>
+          </a:effectRef>
+          <a:fontRef idx="minor">
+            <a:schemeClr val="dk1"/>
+          </a:fontRef>
+        </p:style>
+        <p:txBody>
+          <a:bodyPr rtlCol="0" anchor="ctr"/>
+          <a:lstStyle/>
+          <a:p>
+            <a:pPr algn="ctr"/>
+            <a:r>
+              <a:rPr lang="en-US" altLang="ko-KR" sz="1000" b="1"/>
+              <a:t>shell</a:t>
+            </a:r>
+          </a:p>
+          <a:p>
+            <a:pPr algn="ctr"/>
+            <a:r>
+              <a:rPr lang="en-US" altLang="ko-KR" sz="1000"/>
+              <a:t>Container</a:t>
+            </a:r>
+          </a:p>
+        </p:txBody>
+      </p:sp>
+      <p:sp>
+        <p:nvSpPr>
+          <p:cNvPr id="10" name="사각형: 둥근 모서리 29">
+            <a:extLst>
+              <a:ext uri="{FF2B5EF4-FFF2-40B4-BE49-F238E27FC236}">
+                <a16:creationId xmlns:a16="http://schemas.microsoft.com/office/drawing/2014/main" id="{B99A4EF6-939E-8ACC-76E9-791EA59E3503}"/>
+              </a:ext>
+            </a:extLst>
+          </p:cNvPr>
+          <p:cNvSpPr/>
+          <p:nvPr/>
+        </p:nvSpPr>
+        <p:spPr>
+          <a:xfrm>
+            <a:off x="4932042" y="123478"/>
+            <a:ext cx="4032446" cy="600168"/>
+          </a:xfrm>
+          <a:prstGeom prst="roundRect">
+            <a:avLst>
+              <a:gd name="adj" fmla="val 10124"/>
+            </a:avLst>
+          </a:prstGeom>
+          <a:ln w="12700"/>
+        </p:spPr>
+        <p:style>
+          <a:lnRef idx="2">
+            <a:schemeClr val="dk1"/>
+          </a:lnRef>
+          <a:fillRef idx="1">
+            <a:schemeClr val="lt1"/>
+          </a:fillRef>
+          <a:effectRef idx="0">
+            <a:schemeClr val="dk1"/>
+          </a:effectRef>
+          <a:fontRef idx="minor">
+            <a:schemeClr val="dk1"/>
+          </a:fontRef>
+        </p:style>
+        <p:txBody>
+          <a:bodyPr rtlCol="0" anchor="t"/>
+          <a:lstStyle/>
+          <a:p>
+            <a:pPr algn="ctr"/>
+            <a:r>
+              <a:rPr lang="en-US" altLang="ko-KR" sz="1000" b="1"/>
+              <a:t>mock-server </a:t>
+            </a:r>
+            <a:r>
+              <a:rPr lang="en-US" altLang="ko-KR" sz="1000"/>
+              <a:t>Pod</a:t>
+            </a:r>
+          </a:p>
+        </p:txBody>
+      </p:sp>
+      <p:sp>
+        <p:nvSpPr>
+          <p:cNvPr id="11" name="사각형: 둥근 모서리 29">
+            <a:extLst>
+              <a:ext uri="{FF2B5EF4-FFF2-40B4-BE49-F238E27FC236}">
+                <a16:creationId xmlns:a16="http://schemas.microsoft.com/office/drawing/2014/main" id="{57390717-B063-CE7A-CF58-F36C4E9CDA11}"/>
+              </a:ext>
+            </a:extLst>
+          </p:cNvPr>
+          <p:cNvSpPr/>
+          <p:nvPr/>
+        </p:nvSpPr>
+        <p:spPr>
+          <a:xfrm>
+            <a:off x="7885282" y="195486"/>
+            <a:ext cx="989457" cy="439396"/>
+          </a:xfrm>
+          <a:prstGeom prst="roundRect">
+            <a:avLst>
+              <a:gd name="adj" fmla="val 14520"/>
+            </a:avLst>
+          </a:prstGeom>
+          <a:ln w="12700"/>
+        </p:spPr>
+        <p:style>
+          <a:lnRef idx="2">
+            <a:schemeClr val="dk1"/>
+          </a:lnRef>
+          <a:fillRef idx="1">
+            <a:schemeClr val="lt1"/>
+          </a:fillRef>
+          <a:effectRef idx="0">
+            <a:schemeClr val="dk1"/>
+          </a:effectRef>
+          <a:fontRef idx="minor">
+            <a:schemeClr val="dk1"/>
+          </a:fontRef>
+        </p:style>
+        <p:txBody>
+          <a:bodyPr rtlCol="0" anchor="ctr"/>
+          <a:lstStyle/>
+          <a:p>
+            <a:pPr algn="ctr"/>
+            <a:r>
+              <a:rPr lang="en-US" altLang="ko-KR" sz="1000" b="1"/>
+              <a:t>mock-server</a:t>
+            </a:r>
+          </a:p>
+          <a:p>
+            <a:pPr algn="ctr"/>
+            <a:r>
+              <a:rPr lang="en-US" altLang="ko-KR" sz="1000"/>
+              <a:t>Container</a:t>
+            </a:r>
+          </a:p>
+        </p:txBody>
+      </p:sp>
+      <p:sp>
+        <p:nvSpPr>
+          <p:cNvPr id="12" name="사각형: 둥근 모서리 29">
+            <a:extLst>
+              <a:ext uri="{FF2B5EF4-FFF2-40B4-BE49-F238E27FC236}">
+                <a16:creationId xmlns:a16="http://schemas.microsoft.com/office/drawing/2014/main" id="{F46872B7-70DF-9AA8-6B06-FEA015C029F3}"/>
+              </a:ext>
+            </a:extLst>
+          </p:cNvPr>
+          <p:cNvSpPr/>
+          <p:nvPr/>
+        </p:nvSpPr>
+        <p:spPr>
+          <a:xfrm>
+            <a:off x="5016392" y="195486"/>
+            <a:ext cx="891282" cy="439396"/>
+          </a:xfrm>
+          <a:prstGeom prst="roundRect">
+            <a:avLst>
+              <a:gd name="adj" fmla="val 14520"/>
+            </a:avLst>
+          </a:prstGeom>
+          <a:ln w="12700"/>
+        </p:spPr>
+        <p:style>
+          <a:lnRef idx="2">
+            <a:schemeClr val="dk1"/>
+          </a:lnRef>
+          <a:fillRef idx="1">
+            <a:schemeClr val="lt1"/>
+          </a:fillRef>
+          <a:effectRef idx="0">
+            <a:schemeClr val="dk1"/>
+          </a:effectRef>
+          <a:fontRef idx="minor">
+            <a:schemeClr val="dk1"/>
+          </a:fontRef>
+        </p:style>
+        <p:txBody>
+          <a:bodyPr rtlCol="0" anchor="ctr"/>
+          <a:lstStyle/>
+          <a:p>
+            <a:pPr algn="ctr"/>
+            <a:r>
+              <a:rPr lang="en-US" altLang="ko-KR" sz="1000" b="1"/>
+              <a:t>istio-proxy</a:t>
+            </a:r>
+          </a:p>
+          <a:p>
+            <a:pPr algn="ctr"/>
+            <a:r>
+              <a:rPr lang="en-US" altLang="ko-KR" sz="1000"/>
+              <a:t>Container</a:t>
+            </a:r>
+          </a:p>
+        </p:txBody>
+      </p:sp>
+      <p:cxnSp>
+        <p:nvCxnSpPr>
+          <p:cNvPr id="36" name="Straight Arrow Connector 81">
+            <a:extLst>
+              <a:ext uri="{FF2B5EF4-FFF2-40B4-BE49-F238E27FC236}">
+                <a16:creationId xmlns:a16="http://schemas.microsoft.com/office/drawing/2014/main" id="{DA919B2D-EE58-F8BD-3AA9-DECCFA083E18}"/>
+              </a:ext>
+            </a:extLst>
+          </p:cNvPr>
+          <p:cNvCxnSpPr>
+            <a:cxnSpLocks/>
+            <a:stCxn id="6" idx="2"/>
+          </p:cNvCxnSpPr>
+          <p:nvPr/>
+        </p:nvCxnSpPr>
+        <p:spPr>
+          <a:xfrm>
+            <a:off x="3681969" y="634882"/>
+            <a:ext cx="0" cy="4313132"/>
+          </a:xfrm>
+          <a:prstGeom prst="straightConnector1">
+            <a:avLst/>
+          </a:prstGeom>
+          <a:ln>
+            <a:solidFill>
+              <a:schemeClr val="tx1"/>
+            </a:solidFill>
+            <a:prstDash val="dash"/>
+            <a:tailEnd type="triangle"/>
+          </a:ln>
+        </p:spPr>
+        <p:style>
+          <a:lnRef idx="1">
+            <a:schemeClr val="accent1"/>
+          </a:lnRef>
+          <a:fillRef idx="0">
+            <a:schemeClr val="accent1"/>
+          </a:fillRef>
+          <a:effectRef idx="0">
+            <a:schemeClr val="accent1"/>
+          </a:effectRef>
+          <a:fontRef idx="minor">
+            <a:schemeClr val="tx1"/>
+          </a:fontRef>
+        </p:style>
+      </p:cxnSp>
+      <p:cxnSp>
+        <p:nvCxnSpPr>
+          <p:cNvPr id="37" name="Straight Arrow Connector 81">
+            <a:extLst>
+              <a:ext uri="{FF2B5EF4-FFF2-40B4-BE49-F238E27FC236}">
+                <a16:creationId xmlns:a16="http://schemas.microsoft.com/office/drawing/2014/main" id="{4B217A3D-FAE6-EC8D-D51B-743725E679D3}"/>
+              </a:ext>
+            </a:extLst>
+          </p:cNvPr>
+          <p:cNvCxnSpPr>
+            <a:cxnSpLocks/>
+            <a:stCxn id="7" idx="2"/>
+          </p:cNvCxnSpPr>
+          <p:nvPr/>
+        </p:nvCxnSpPr>
+        <p:spPr>
+          <a:xfrm>
+            <a:off x="763992" y="634882"/>
+            <a:ext cx="0" cy="4313132"/>
+          </a:xfrm>
+          <a:prstGeom prst="straightConnector1">
+            <a:avLst/>
+          </a:prstGeom>
+          <a:ln>
+            <a:solidFill>
+              <a:schemeClr val="tx1"/>
+            </a:solidFill>
+            <a:prstDash val="dash"/>
+            <a:tailEnd type="triangle"/>
+          </a:ln>
+        </p:spPr>
+        <p:style>
+          <a:lnRef idx="1">
+            <a:schemeClr val="accent1"/>
+          </a:lnRef>
+          <a:fillRef idx="0">
+            <a:schemeClr val="accent1"/>
+          </a:fillRef>
+          <a:effectRef idx="0">
+            <a:schemeClr val="accent1"/>
+          </a:effectRef>
+          <a:fontRef idx="minor">
+            <a:schemeClr val="tx1"/>
+          </a:fontRef>
+        </p:style>
+      </p:cxnSp>
+      <p:cxnSp>
+        <p:nvCxnSpPr>
+          <p:cNvPr id="46" name="Straight Arrow Connector 81">
+            <a:extLst>
+              <a:ext uri="{FF2B5EF4-FFF2-40B4-BE49-F238E27FC236}">
+                <a16:creationId xmlns:a16="http://schemas.microsoft.com/office/drawing/2014/main" id="{E78C857B-D63A-913D-7E77-68BAE5551F06}"/>
+              </a:ext>
+            </a:extLst>
+          </p:cNvPr>
+          <p:cNvCxnSpPr>
+            <a:cxnSpLocks/>
+            <a:stCxn id="11" idx="2"/>
+          </p:cNvCxnSpPr>
+          <p:nvPr/>
+        </p:nvCxnSpPr>
+        <p:spPr>
+          <a:xfrm>
+            <a:off x="8380011" y="634882"/>
+            <a:ext cx="0" cy="4385140"/>
+          </a:xfrm>
+          <a:prstGeom prst="straightConnector1">
+            <a:avLst/>
+          </a:prstGeom>
+          <a:ln>
+            <a:solidFill>
+              <a:schemeClr val="tx1"/>
+            </a:solidFill>
+            <a:prstDash val="dash"/>
+            <a:tailEnd type="triangle"/>
+          </a:ln>
+        </p:spPr>
+        <p:style>
+          <a:lnRef idx="1">
+            <a:schemeClr val="accent1"/>
+          </a:lnRef>
+          <a:fillRef idx="0">
+            <a:schemeClr val="accent1"/>
+          </a:fillRef>
+          <a:effectRef idx="0">
+            <a:schemeClr val="accent1"/>
+          </a:effectRef>
+          <a:fontRef idx="minor">
+            <a:schemeClr val="tx1"/>
+          </a:fontRef>
+        </p:style>
+      </p:cxnSp>
+      <p:cxnSp>
+        <p:nvCxnSpPr>
+          <p:cNvPr id="47" name="Straight Arrow Connector 81">
+            <a:extLst>
+              <a:ext uri="{FF2B5EF4-FFF2-40B4-BE49-F238E27FC236}">
+                <a16:creationId xmlns:a16="http://schemas.microsoft.com/office/drawing/2014/main" id="{6D665980-74C1-A247-5472-81CC74535D39}"/>
+              </a:ext>
+            </a:extLst>
+          </p:cNvPr>
+          <p:cNvCxnSpPr>
+            <a:cxnSpLocks/>
+            <a:stCxn id="12" idx="2"/>
+          </p:cNvCxnSpPr>
+          <p:nvPr/>
+        </p:nvCxnSpPr>
+        <p:spPr>
+          <a:xfrm>
+            <a:off x="5462033" y="634882"/>
+            <a:ext cx="0" cy="4313132"/>
+          </a:xfrm>
+          <a:prstGeom prst="straightConnector1">
+            <a:avLst/>
+          </a:prstGeom>
+          <a:ln>
+            <a:solidFill>
+              <a:schemeClr val="tx1"/>
+            </a:solidFill>
+            <a:prstDash val="dash"/>
+            <a:tailEnd type="triangle"/>
+          </a:ln>
+        </p:spPr>
+        <p:style>
+          <a:lnRef idx="1">
+            <a:schemeClr val="accent1"/>
+          </a:lnRef>
+          <a:fillRef idx="0">
+            <a:schemeClr val="accent1"/>
+          </a:fillRef>
+          <a:effectRef idx="0">
+            <a:schemeClr val="accent1"/>
+          </a:effectRef>
+          <a:fontRef idx="minor">
+            <a:schemeClr val="tx1"/>
+          </a:fontRef>
+        </p:style>
+      </p:cxnSp>
+      <p:cxnSp>
+        <p:nvCxnSpPr>
+          <p:cNvPr id="52" name="Straight Arrow Connector 81">
+            <a:extLst>
+              <a:ext uri="{FF2B5EF4-FFF2-40B4-BE49-F238E27FC236}">
+                <a16:creationId xmlns:a16="http://schemas.microsoft.com/office/drawing/2014/main" id="{E0564BFC-E8B9-2246-39C9-F0468A3F9AC4}"/>
+              </a:ext>
+            </a:extLst>
+          </p:cNvPr>
+          <p:cNvCxnSpPr>
+            <a:cxnSpLocks/>
+          </p:cNvCxnSpPr>
+          <p:nvPr/>
+        </p:nvCxnSpPr>
+        <p:spPr>
+          <a:xfrm>
+            <a:off x="763988" y="1030205"/>
+            <a:ext cx="2917981" cy="0"/>
+          </a:xfrm>
+          <a:prstGeom prst="straightConnector1">
+            <a:avLst/>
+          </a:prstGeom>
+          <a:ln>
+            <a:solidFill>
+              <a:schemeClr val="tx1"/>
+            </a:solidFill>
+            <a:tailEnd type="triangle"/>
+          </a:ln>
+        </p:spPr>
+        <p:style>
+          <a:lnRef idx="1">
+            <a:schemeClr val="accent1"/>
+          </a:lnRef>
+          <a:fillRef idx="0">
+            <a:schemeClr val="accent1"/>
+          </a:fillRef>
+          <a:effectRef idx="0">
+            <a:schemeClr val="accent1"/>
+          </a:effectRef>
+          <a:fontRef idx="minor">
+            <a:schemeClr val="tx1"/>
+          </a:fontRef>
+        </p:style>
+      </p:cxnSp>
+      <p:sp>
+        <p:nvSpPr>
+          <p:cNvPr id="53" name="TextBox 52">
+            <a:extLst>
+              <a:ext uri="{FF2B5EF4-FFF2-40B4-BE49-F238E27FC236}">
+                <a16:creationId xmlns:a16="http://schemas.microsoft.com/office/drawing/2014/main" id="{1E441BFE-C7BD-D1DC-B498-33925F1FF0C0}"/>
+              </a:ext>
+            </a:extLst>
+          </p:cNvPr>
+          <p:cNvSpPr txBox="1"/>
+          <p:nvPr/>
+        </p:nvSpPr>
+        <p:spPr>
+          <a:xfrm>
+            <a:off x="763987" y="783984"/>
+            <a:ext cx="2795674" cy="246221"/>
+          </a:xfrm>
+          <a:prstGeom prst="rect">
+            <a:avLst/>
+          </a:prstGeom>
+          <a:noFill/>
+        </p:spPr>
+        <p:txBody>
+          <a:bodyPr wrap="square" rtlCol="0">
+            <a:spAutoFit/>
+          </a:bodyPr>
+          <a:lstStyle/>
+          <a:p>
+            <a:r>
+              <a:rPr kumimoji="1" lang="en-US" altLang="ko-KR" sz="1000" i="1"/>
+              <a:t>GET </a:t>
+            </a:r>
+            <a:r>
+              <a:rPr lang="en" altLang="ko-KR" sz="1000" i="1"/>
+              <a:t>mock-server:8080/status/200</a:t>
+            </a:r>
+            <a:endParaRPr kumimoji="1" lang="ko-KR" altLang="en-US" sz="1000" i="1"/>
+          </a:p>
+        </p:txBody>
+      </p:sp>
+      <p:cxnSp>
+        <p:nvCxnSpPr>
+          <p:cNvPr id="54" name="Straight Arrow Connector 81">
+            <a:extLst>
+              <a:ext uri="{FF2B5EF4-FFF2-40B4-BE49-F238E27FC236}">
+                <a16:creationId xmlns:a16="http://schemas.microsoft.com/office/drawing/2014/main" id="{43B56B76-74C9-AC20-39BD-6EB684EC29AB}"/>
+              </a:ext>
+            </a:extLst>
+          </p:cNvPr>
+          <p:cNvCxnSpPr>
+            <a:cxnSpLocks/>
+          </p:cNvCxnSpPr>
+          <p:nvPr/>
+        </p:nvCxnSpPr>
+        <p:spPr>
+          <a:xfrm>
+            <a:off x="5462033" y="1275606"/>
+            <a:ext cx="2917977" cy="0"/>
+          </a:xfrm>
+          <a:prstGeom prst="straightConnector1">
+            <a:avLst/>
+          </a:prstGeom>
+          <a:ln>
+            <a:solidFill>
+              <a:schemeClr val="tx1"/>
+            </a:solidFill>
+            <a:headEnd type="triangle" w="med" len="med"/>
+            <a:tailEnd type="none" w="med" len="med"/>
+          </a:ln>
+        </p:spPr>
+        <p:style>
+          <a:lnRef idx="1">
+            <a:schemeClr val="accent1"/>
+          </a:lnRef>
+          <a:fillRef idx="0">
+            <a:schemeClr val="accent1"/>
+          </a:fillRef>
+          <a:effectRef idx="0">
+            <a:schemeClr val="accent1"/>
+          </a:effectRef>
+          <a:fontRef idx="minor">
+            <a:schemeClr val="tx1"/>
+          </a:fontRef>
+        </p:style>
+      </p:cxnSp>
+      <p:sp>
+        <p:nvSpPr>
+          <p:cNvPr id="55" name="TextBox 54">
+            <a:extLst>
+              <a:ext uri="{FF2B5EF4-FFF2-40B4-BE49-F238E27FC236}">
+                <a16:creationId xmlns:a16="http://schemas.microsoft.com/office/drawing/2014/main" id="{818625F6-22BC-B258-6B8D-0E98E1719277}"/>
+              </a:ext>
+            </a:extLst>
+          </p:cNvPr>
+          <p:cNvSpPr txBox="1"/>
+          <p:nvPr/>
+        </p:nvSpPr>
+        <p:spPr>
+          <a:xfrm>
+            <a:off x="5584334" y="1275606"/>
+            <a:ext cx="2795674" cy="246221"/>
+          </a:xfrm>
+          <a:prstGeom prst="rect">
+            <a:avLst/>
+          </a:prstGeom>
+          <a:noFill/>
+        </p:spPr>
+        <p:txBody>
+          <a:bodyPr wrap="square" rtlCol="0">
+            <a:spAutoFit/>
+          </a:bodyPr>
+          <a:lstStyle/>
+          <a:p>
+            <a:pPr algn="r"/>
+            <a:r>
+              <a:rPr kumimoji="1" lang="en-US" altLang="ko-KR" sz="1000" i="1"/>
+              <a:t>200 OK</a:t>
+            </a:r>
+            <a:endParaRPr kumimoji="1" lang="ko-KR" altLang="en-US" sz="1000" i="1"/>
+          </a:p>
+        </p:txBody>
+      </p:sp>
+      <p:cxnSp>
+        <p:nvCxnSpPr>
+          <p:cNvPr id="63" name="Straight Arrow Connector 81">
+            <a:extLst>
+              <a:ext uri="{FF2B5EF4-FFF2-40B4-BE49-F238E27FC236}">
+                <a16:creationId xmlns:a16="http://schemas.microsoft.com/office/drawing/2014/main" id="{A872E0F9-DD99-09A7-39F3-20E4880EFD04}"/>
+              </a:ext>
+            </a:extLst>
+          </p:cNvPr>
+          <p:cNvCxnSpPr>
+            <a:cxnSpLocks/>
+          </p:cNvCxnSpPr>
+          <p:nvPr/>
+        </p:nvCxnSpPr>
+        <p:spPr>
+          <a:xfrm>
+            <a:off x="3681969" y="1104000"/>
+            <a:ext cx="1780064" cy="0"/>
+          </a:xfrm>
+          <a:prstGeom prst="straightConnector1">
+            <a:avLst/>
+          </a:prstGeom>
+          <a:ln>
+            <a:solidFill>
+              <a:schemeClr val="tx1"/>
+            </a:solidFill>
+            <a:tailEnd type="triangle"/>
+          </a:ln>
+        </p:spPr>
+        <p:style>
+          <a:lnRef idx="1">
+            <a:schemeClr val="accent1"/>
+          </a:lnRef>
+          <a:fillRef idx="0">
+            <a:schemeClr val="accent1"/>
+          </a:fillRef>
+          <a:effectRef idx="0">
+            <a:schemeClr val="accent1"/>
+          </a:effectRef>
+          <a:fontRef idx="minor">
+            <a:schemeClr val="tx1"/>
+          </a:fontRef>
+        </p:style>
+      </p:cxnSp>
+      <p:cxnSp>
+        <p:nvCxnSpPr>
+          <p:cNvPr id="64" name="Straight Arrow Connector 81">
+            <a:extLst>
+              <a:ext uri="{FF2B5EF4-FFF2-40B4-BE49-F238E27FC236}">
+                <a16:creationId xmlns:a16="http://schemas.microsoft.com/office/drawing/2014/main" id="{F5E65AC5-5C22-753B-E7EB-E918AE8A099A}"/>
+              </a:ext>
+            </a:extLst>
+          </p:cNvPr>
+          <p:cNvCxnSpPr>
+            <a:cxnSpLocks/>
+          </p:cNvCxnSpPr>
+          <p:nvPr/>
+        </p:nvCxnSpPr>
+        <p:spPr>
+          <a:xfrm>
+            <a:off x="5462033" y="1183891"/>
+            <a:ext cx="2917978" cy="0"/>
+          </a:xfrm>
+          <a:prstGeom prst="straightConnector1">
+            <a:avLst/>
+          </a:prstGeom>
+          <a:ln>
+            <a:solidFill>
+              <a:schemeClr val="tx1"/>
+            </a:solidFill>
+            <a:tailEnd type="triangle"/>
+          </a:ln>
+        </p:spPr>
+        <p:style>
+          <a:lnRef idx="1">
+            <a:schemeClr val="accent1"/>
+          </a:lnRef>
+          <a:fillRef idx="0">
+            <a:schemeClr val="accent1"/>
+          </a:fillRef>
+          <a:effectRef idx="0">
+            <a:schemeClr val="accent1"/>
+          </a:effectRef>
+          <a:fontRef idx="minor">
+            <a:schemeClr val="tx1"/>
+          </a:fontRef>
+        </p:style>
+      </p:cxnSp>
+      <p:cxnSp>
+        <p:nvCxnSpPr>
+          <p:cNvPr id="70" name="Straight Arrow Connector 81">
+            <a:extLst>
+              <a:ext uri="{FF2B5EF4-FFF2-40B4-BE49-F238E27FC236}">
+                <a16:creationId xmlns:a16="http://schemas.microsoft.com/office/drawing/2014/main" id="{26968A82-69AC-EFA6-9650-8E9EA184B435}"/>
+              </a:ext>
+            </a:extLst>
+          </p:cNvPr>
+          <p:cNvCxnSpPr>
+            <a:cxnSpLocks/>
+          </p:cNvCxnSpPr>
+          <p:nvPr/>
+        </p:nvCxnSpPr>
+        <p:spPr>
+          <a:xfrm>
+            <a:off x="3681977" y="1347614"/>
+            <a:ext cx="1780056" cy="0"/>
+          </a:xfrm>
+          <a:prstGeom prst="straightConnector1">
+            <a:avLst/>
+          </a:prstGeom>
+          <a:ln>
+            <a:solidFill>
+              <a:schemeClr val="tx1"/>
+            </a:solidFill>
+            <a:headEnd type="triangle" w="med" len="med"/>
+            <a:tailEnd type="none" w="med" len="med"/>
+          </a:ln>
+        </p:spPr>
+        <p:style>
+          <a:lnRef idx="1">
+            <a:schemeClr val="accent1"/>
+          </a:lnRef>
+          <a:fillRef idx="0">
+            <a:schemeClr val="accent1"/>
+          </a:fillRef>
+          <a:effectRef idx="0">
+            <a:schemeClr val="accent1"/>
+          </a:effectRef>
+          <a:fontRef idx="minor">
+            <a:schemeClr val="tx1"/>
+          </a:fontRef>
+        </p:style>
+      </p:cxnSp>
+      <p:cxnSp>
+        <p:nvCxnSpPr>
+          <p:cNvPr id="73" name="Straight Arrow Connector 81">
+            <a:extLst>
+              <a:ext uri="{FF2B5EF4-FFF2-40B4-BE49-F238E27FC236}">
+                <a16:creationId xmlns:a16="http://schemas.microsoft.com/office/drawing/2014/main" id="{84559813-068A-4FA0-62EB-558E0EC88101}"/>
+              </a:ext>
+            </a:extLst>
+          </p:cNvPr>
+          <p:cNvCxnSpPr>
+            <a:cxnSpLocks/>
+          </p:cNvCxnSpPr>
+          <p:nvPr/>
+        </p:nvCxnSpPr>
+        <p:spPr>
+          <a:xfrm>
+            <a:off x="763987" y="1419622"/>
+            <a:ext cx="2917982" cy="0"/>
+          </a:xfrm>
+          <a:prstGeom prst="straightConnector1">
+            <a:avLst/>
+          </a:prstGeom>
+          <a:ln>
+            <a:solidFill>
+              <a:schemeClr val="tx1"/>
+            </a:solidFill>
+            <a:headEnd type="triangle" w="med" len="med"/>
+            <a:tailEnd type="none" w="med" len="med"/>
+          </a:ln>
+        </p:spPr>
+        <p:style>
+          <a:lnRef idx="1">
+            <a:schemeClr val="accent1"/>
+          </a:lnRef>
+          <a:fillRef idx="0">
+            <a:schemeClr val="accent1"/>
+          </a:fillRef>
+          <a:effectRef idx="0">
+            <a:schemeClr val="accent1"/>
+          </a:effectRef>
+          <a:fontRef idx="minor">
+            <a:schemeClr val="tx1"/>
+          </a:fontRef>
+        </p:style>
+      </p:cxnSp>
+    </p:spTree>
+    <p:extLst>
+      <p:ext uri="{BB962C8B-B14F-4D97-AF65-F5344CB8AC3E}">
+        <p14:creationId xmlns:p14="http://schemas.microsoft.com/office/powerpoint/2010/main" val="3764161668"/>
+      </p:ext>
+    </p:extLst>
+  </p:cSld>
+  <p:clrMapOvr>
+    <a:masterClrMapping/>
+  </p:clrMapOvr>
+</p:sld>
+</file>
+
+<file path=ppt/slides/slide20.xml><?xml version="1.0" encoding="utf-8"?>
 <p:sld xmlns:a="http://schemas.openxmlformats.org/drawingml/2006/main" xmlns:r="http://schemas.openxmlformats.org/officeDocument/2006/relationships" xmlns:p="http://schemas.openxmlformats.org/presentationml/2006/main">
   <p:cSld>
     <p:spTree>
@@ -10638,7 +13359,7 @@
 </p:sld>
 </file>
 
-<file path=ppt/slides/slide16.xml><?xml version="1.0" encoding="utf-8"?>
+<file path=ppt/slides/slide21.xml><?xml version="1.0" encoding="utf-8"?>
 <p:sld xmlns:a="http://schemas.openxmlformats.org/drawingml/2006/main" xmlns:r="http://schemas.openxmlformats.org/officeDocument/2006/relationships" xmlns:p="http://schemas.openxmlformats.org/presentationml/2006/main">
   <p:cSld>
     <p:spTree>
@@ -10718,7 +13439,7 @@
 </p:sld>
 </file>
 
-<file path=ppt/slides/slide17.xml><?xml version="1.0" encoding="utf-8"?>
+<file path=ppt/slides/slide22.xml><?xml version="1.0" encoding="utf-8"?>
 <p:sld xmlns:a="http://schemas.openxmlformats.org/drawingml/2006/main" xmlns:r="http://schemas.openxmlformats.org/officeDocument/2006/relationships" xmlns:p="http://schemas.openxmlformats.org/presentationml/2006/main">
   <p:cSld>
     <p:spTree>
@@ -11209,7 +13930,7 @@
 </p:sld>
 </file>
 
-<file path=ppt/slides/slide18.xml><?xml version="1.0" encoding="utf-8"?>
+<file path=ppt/slides/slide23.xml><?xml version="1.0" encoding="utf-8"?>
 <p:sld xmlns:a="http://schemas.openxmlformats.org/drawingml/2006/main" xmlns:r="http://schemas.openxmlformats.org/officeDocument/2006/relationships" xmlns:p="http://schemas.openxmlformats.org/presentationml/2006/main">
   <p:cSld>
     <p:spTree>
@@ -11791,7 +14512,4031 @@
 </p:sld>
 </file>
 
-<file path=ppt/slides/slide2.xml><?xml version="1.0" encoding="utf-8"?>
+<file path=ppt/slides/slide3.xml><?xml version="1.0" encoding="utf-8"?>
+<p:sld xmlns:a="http://schemas.openxmlformats.org/drawingml/2006/main" xmlns:r="http://schemas.openxmlformats.org/officeDocument/2006/relationships" xmlns:p="http://schemas.openxmlformats.org/presentationml/2006/main">
+  <p:cSld>
+    <p:spTree>
+      <p:nvGrpSpPr>
+        <p:cNvPr id="1" name="">
+          <a:extLst>
+            <a:ext uri="{FF2B5EF4-FFF2-40B4-BE49-F238E27FC236}">
+              <a16:creationId xmlns:a16="http://schemas.microsoft.com/office/drawing/2014/main" id="{01A99817-5EDF-F3E3-143C-098CB242218D}"/>
+            </a:ext>
+          </a:extLst>
+        </p:cNvPr>
+        <p:cNvGrpSpPr/>
+        <p:nvPr/>
+      </p:nvGrpSpPr>
+      <p:grpSpPr>
+        <a:xfrm>
+          <a:off x="0" y="0"/>
+          <a:ext cx="0" cy="0"/>
+          <a:chOff x="0" y="0"/>
+          <a:chExt cx="0" cy="0"/>
+        </a:xfrm>
+      </p:grpSpPr>
+      <p:sp>
+        <p:nvSpPr>
+          <p:cNvPr id="3" name="사각형: 둥근 모서리 29">
+            <a:extLst>
+              <a:ext uri="{FF2B5EF4-FFF2-40B4-BE49-F238E27FC236}">
+                <a16:creationId xmlns:a16="http://schemas.microsoft.com/office/drawing/2014/main" id="{2B4E5CB1-6F23-E7A2-4996-EEDAFE61F45C}"/>
+              </a:ext>
+            </a:extLst>
+          </p:cNvPr>
+          <p:cNvSpPr/>
+          <p:nvPr/>
+        </p:nvSpPr>
+        <p:spPr>
+          <a:xfrm>
+            <a:off x="179512" y="123478"/>
+            <a:ext cx="4032448" cy="600168"/>
+          </a:xfrm>
+          <a:prstGeom prst="roundRect">
+            <a:avLst>
+              <a:gd name="adj" fmla="val 10124"/>
+            </a:avLst>
+          </a:prstGeom>
+          <a:ln w="12700"/>
+        </p:spPr>
+        <p:style>
+          <a:lnRef idx="2">
+            <a:schemeClr val="dk1"/>
+          </a:lnRef>
+          <a:fillRef idx="1">
+            <a:schemeClr val="lt1"/>
+          </a:fillRef>
+          <a:effectRef idx="0">
+            <a:schemeClr val="dk1"/>
+          </a:effectRef>
+          <a:fontRef idx="minor">
+            <a:schemeClr val="dk1"/>
+          </a:fontRef>
+        </p:style>
+        <p:txBody>
+          <a:bodyPr rtlCol="0" anchor="t"/>
+          <a:lstStyle/>
+          <a:p>
+            <a:pPr algn="ctr"/>
+            <a:r>
+              <a:rPr lang="en-US" altLang="ko-KR" sz="1000" b="1"/>
+              <a:t>shell </a:t>
+            </a:r>
+            <a:r>
+              <a:rPr lang="en-US" altLang="ko-KR" sz="1000"/>
+              <a:t>Pod</a:t>
+            </a:r>
+          </a:p>
+        </p:txBody>
+      </p:sp>
+      <p:sp>
+        <p:nvSpPr>
+          <p:cNvPr id="6" name="사각형: 둥근 모서리 29">
+            <a:extLst>
+              <a:ext uri="{FF2B5EF4-FFF2-40B4-BE49-F238E27FC236}">
+                <a16:creationId xmlns:a16="http://schemas.microsoft.com/office/drawing/2014/main" id="{07BC0B1B-EDEE-AD92-77A2-A3DD4EEAFB02}"/>
+              </a:ext>
+            </a:extLst>
+          </p:cNvPr>
+          <p:cNvSpPr/>
+          <p:nvPr/>
+        </p:nvSpPr>
+        <p:spPr>
+          <a:xfrm>
+            <a:off x="3236328" y="195486"/>
+            <a:ext cx="891282" cy="439396"/>
+          </a:xfrm>
+          <a:prstGeom prst="roundRect">
+            <a:avLst>
+              <a:gd name="adj" fmla="val 14520"/>
+            </a:avLst>
+          </a:prstGeom>
+          <a:ln w="12700"/>
+        </p:spPr>
+        <p:style>
+          <a:lnRef idx="2">
+            <a:schemeClr val="dk1"/>
+          </a:lnRef>
+          <a:fillRef idx="1">
+            <a:schemeClr val="lt1"/>
+          </a:fillRef>
+          <a:effectRef idx="0">
+            <a:schemeClr val="dk1"/>
+          </a:effectRef>
+          <a:fontRef idx="minor">
+            <a:schemeClr val="dk1"/>
+          </a:fontRef>
+        </p:style>
+        <p:txBody>
+          <a:bodyPr rtlCol="0" anchor="ctr"/>
+          <a:lstStyle/>
+          <a:p>
+            <a:pPr algn="ctr"/>
+            <a:r>
+              <a:rPr lang="en-US" altLang="ko-KR" sz="1000" b="1"/>
+              <a:t>istio-proxy</a:t>
+            </a:r>
+          </a:p>
+          <a:p>
+            <a:pPr algn="ctr"/>
+            <a:r>
+              <a:rPr lang="en-US" altLang="ko-KR" sz="1000"/>
+              <a:t>Container</a:t>
+            </a:r>
+          </a:p>
+        </p:txBody>
+      </p:sp>
+      <p:sp>
+        <p:nvSpPr>
+          <p:cNvPr id="7" name="사각형: 둥근 모서리 29">
+            <a:extLst>
+              <a:ext uri="{FF2B5EF4-FFF2-40B4-BE49-F238E27FC236}">
+                <a16:creationId xmlns:a16="http://schemas.microsoft.com/office/drawing/2014/main" id="{C38FA1D3-EA2A-39AD-176F-2A8D91E0A25A}"/>
+              </a:ext>
+            </a:extLst>
+          </p:cNvPr>
+          <p:cNvSpPr/>
+          <p:nvPr/>
+        </p:nvSpPr>
+        <p:spPr>
+          <a:xfrm>
+            <a:off x="269263" y="195486"/>
+            <a:ext cx="989457" cy="439396"/>
+          </a:xfrm>
+          <a:prstGeom prst="roundRect">
+            <a:avLst>
+              <a:gd name="adj" fmla="val 14520"/>
+            </a:avLst>
+          </a:prstGeom>
+          <a:ln w="12700"/>
+        </p:spPr>
+        <p:style>
+          <a:lnRef idx="2">
+            <a:schemeClr val="dk1"/>
+          </a:lnRef>
+          <a:fillRef idx="1">
+            <a:schemeClr val="lt1"/>
+          </a:fillRef>
+          <a:effectRef idx="0">
+            <a:schemeClr val="dk1"/>
+          </a:effectRef>
+          <a:fontRef idx="minor">
+            <a:schemeClr val="dk1"/>
+          </a:fontRef>
+        </p:style>
+        <p:txBody>
+          <a:bodyPr rtlCol="0" anchor="ctr"/>
+          <a:lstStyle/>
+          <a:p>
+            <a:pPr algn="ctr"/>
+            <a:r>
+              <a:rPr lang="en-US" altLang="ko-KR" sz="1000" b="1"/>
+              <a:t>shell</a:t>
+            </a:r>
+          </a:p>
+          <a:p>
+            <a:pPr algn="ctr"/>
+            <a:r>
+              <a:rPr lang="en-US" altLang="ko-KR" sz="1000"/>
+              <a:t>Container</a:t>
+            </a:r>
+          </a:p>
+        </p:txBody>
+      </p:sp>
+      <p:sp>
+        <p:nvSpPr>
+          <p:cNvPr id="10" name="사각형: 둥근 모서리 29">
+            <a:extLst>
+              <a:ext uri="{FF2B5EF4-FFF2-40B4-BE49-F238E27FC236}">
+                <a16:creationId xmlns:a16="http://schemas.microsoft.com/office/drawing/2014/main" id="{B0358329-09C1-89FB-4F24-0CCBDC3F0E26}"/>
+              </a:ext>
+            </a:extLst>
+          </p:cNvPr>
+          <p:cNvSpPr/>
+          <p:nvPr/>
+        </p:nvSpPr>
+        <p:spPr>
+          <a:xfrm>
+            <a:off x="4932042" y="123478"/>
+            <a:ext cx="4032446" cy="600168"/>
+          </a:xfrm>
+          <a:prstGeom prst="roundRect">
+            <a:avLst>
+              <a:gd name="adj" fmla="val 10124"/>
+            </a:avLst>
+          </a:prstGeom>
+          <a:ln w="12700"/>
+        </p:spPr>
+        <p:style>
+          <a:lnRef idx="2">
+            <a:schemeClr val="dk1"/>
+          </a:lnRef>
+          <a:fillRef idx="1">
+            <a:schemeClr val="lt1"/>
+          </a:fillRef>
+          <a:effectRef idx="0">
+            <a:schemeClr val="dk1"/>
+          </a:effectRef>
+          <a:fontRef idx="minor">
+            <a:schemeClr val="dk1"/>
+          </a:fontRef>
+        </p:style>
+        <p:txBody>
+          <a:bodyPr rtlCol="0" anchor="t"/>
+          <a:lstStyle/>
+          <a:p>
+            <a:pPr algn="ctr"/>
+            <a:r>
+              <a:rPr lang="en-US" altLang="ko-KR" sz="1000" b="1"/>
+              <a:t>mock-server </a:t>
+            </a:r>
+            <a:r>
+              <a:rPr lang="en-US" altLang="ko-KR" sz="1000"/>
+              <a:t>Pod</a:t>
+            </a:r>
+          </a:p>
+        </p:txBody>
+      </p:sp>
+      <p:sp>
+        <p:nvSpPr>
+          <p:cNvPr id="11" name="사각형: 둥근 모서리 29">
+            <a:extLst>
+              <a:ext uri="{FF2B5EF4-FFF2-40B4-BE49-F238E27FC236}">
+                <a16:creationId xmlns:a16="http://schemas.microsoft.com/office/drawing/2014/main" id="{BE8AC001-D7E9-8D81-1552-335A154D7FF0}"/>
+              </a:ext>
+            </a:extLst>
+          </p:cNvPr>
+          <p:cNvSpPr/>
+          <p:nvPr/>
+        </p:nvSpPr>
+        <p:spPr>
+          <a:xfrm>
+            <a:off x="7885282" y="195486"/>
+            <a:ext cx="989457" cy="439396"/>
+          </a:xfrm>
+          <a:prstGeom prst="roundRect">
+            <a:avLst>
+              <a:gd name="adj" fmla="val 14520"/>
+            </a:avLst>
+          </a:prstGeom>
+          <a:ln w="12700"/>
+        </p:spPr>
+        <p:style>
+          <a:lnRef idx="2">
+            <a:schemeClr val="dk1"/>
+          </a:lnRef>
+          <a:fillRef idx="1">
+            <a:schemeClr val="lt1"/>
+          </a:fillRef>
+          <a:effectRef idx="0">
+            <a:schemeClr val="dk1"/>
+          </a:effectRef>
+          <a:fontRef idx="minor">
+            <a:schemeClr val="dk1"/>
+          </a:fontRef>
+        </p:style>
+        <p:txBody>
+          <a:bodyPr rtlCol="0" anchor="ctr"/>
+          <a:lstStyle/>
+          <a:p>
+            <a:pPr algn="ctr"/>
+            <a:r>
+              <a:rPr lang="en-US" altLang="ko-KR" sz="1000" b="1"/>
+              <a:t>mock-server</a:t>
+            </a:r>
+          </a:p>
+          <a:p>
+            <a:pPr algn="ctr"/>
+            <a:r>
+              <a:rPr lang="en-US" altLang="ko-KR" sz="1000"/>
+              <a:t>Container</a:t>
+            </a:r>
+          </a:p>
+        </p:txBody>
+      </p:sp>
+      <p:sp>
+        <p:nvSpPr>
+          <p:cNvPr id="12" name="사각형: 둥근 모서리 29">
+            <a:extLst>
+              <a:ext uri="{FF2B5EF4-FFF2-40B4-BE49-F238E27FC236}">
+                <a16:creationId xmlns:a16="http://schemas.microsoft.com/office/drawing/2014/main" id="{398C366C-FCA3-1D22-ABA8-3BAD0D4D9191}"/>
+              </a:ext>
+            </a:extLst>
+          </p:cNvPr>
+          <p:cNvSpPr/>
+          <p:nvPr/>
+        </p:nvSpPr>
+        <p:spPr>
+          <a:xfrm>
+            <a:off x="5016392" y="195486"/>
+            <a:ext cx="891282" cy="439396"/>
+          </a:xfrm>
+          <a:prstGeom prst="roundRect">
+            <a:avLst>
+              <a:gd name="adj" fmla="val 14520"/>
+            </a:avLst>
+          </a:prstGeom>
+          <a:ln w="12700"/>
+        </p:spPr>
+        <p:style>
+          <a:lnRef idx="2">
+            <a:schemeClr val="dk1"/>
+          </a:lnRef>
+          <a:fillRef idx="1">
+            <a:schemeClr val="lt1"/>
+          </a:fillRef>
+          <a:effectRef idx="0">
+            <a:schemeClr val="dk1"/>
+          </a:effectRef>
+          <a:fontRef idx="minor">
+            <a:schemeClr val="dk1"/>
+          </a:fontRef>
+        </p:style>
+        <p:txBody>
+          <a:bodyPr rtlCol="0" anchor="ctr"/>
+          <a:lstStyle/>
+          <a:p>
+            <a:pPr algn="ctr"/>
+            <a:r>
+              <a:rPr lang="en-US" altLang="ko-KR" sz="1000" b="1"/>
+              <a:t>istio-proxy</a:t>
+            </a:r>
+          </a:p>
+          <a:p>
+            <a:pPr algn="ctr"/>
+            <a:r>
+              <a:rPr lang="en-US" altLang="ko-KR" sz="1000"/>
+              <a:t>Container</a:t>
+            </a:r>
+          </a:p>
+        </p:txBody>
+      </p:sp>
+      <p:cxnSp>
+        <p:nvCxnSpPr>
+          <p:cNvPr id="36" name="Straight Arrow Connector 81">
+            <a:extLst>
+              <a:ext uri="{FF2B5EF4-FFF2-40B4-BE49-F238E27FC236}">
+                <a16:creationId xmlns:a16="http://schemas.microsoft.com/office/drawing/2014/main" id="{B33CD3E7-7548-02E0-B8BB-B62D6BA5CB3D}"/>
+              </a:ext>
+            </a:extLst>
+          </p:cNvPr>
+          <p:cNvCxnSpPr>
+            <a:cxnSpLocks/>
+            <a:stCxn id="6" idx="2"/>
+          </p:cNvCxnSpPr>
+          <p:nvPr/>
+        </p:nvCxnSpPr>
+        <p:spPr>
+          <a:xfrm>
+            <a:off x="3681969" y="634882"/>
+            <a:ext cx="0" cy="4313132"/>
+          </a:xfrm>
+          <a:prstGeom prst="straightConnector1">
+            <a:avLst/>
+          </a:prstGeom>
+          <a:ln>
+            <a:solidFill>
+              <a:schemeClr val="tx1"/>
+            </a:solidFill>
+            <a:prstDash val="dash"/>
+            <a:tailEnd type="triangle"/>
+          </a:ln>
+        </p:spPr>
+        <p:style>
+          <a:lnRef idx="1">
+            <a:schemeClr val="accent1"/>
+          </a:lnRef>
+          <a:fillRef idx="0">
+            <a:schemeClr val="accent1"/>
+          </a:fillRef>
+          <a:effectRef idx="0">
+            <a:schemeClr val="accent1"/>
+          </a:effectRef>
+          <a:fontRef idx="minor">
+            <a:schemeClr val="tx1"/>
+          </a:fontRef>
+        </p:style>
+      </p:cxnSp>
+      <p:cxnSp>
+        <p:nvCxnSpPr>
+          <p:cNvPr id="37" name="Straight Arrow Connector 81">
+            <a:extLst>
+              <a:ext uri="{FF2B5EF4-FFF2-40B4-BE49-F238E27FC236}">
+                <a16:creationId xmlns:a16="http://schemas.microsoft.com/office/drawing/2014/main" id="{6A85DAF0-A882-2BCD-AA48-C4A763CF0062}"/>
+              </a:ext>
+            </a:extLst>
+          </p:cNvPr>
+          <p:cNvCxnSpPr>
+            <a:cxnSpLocks/>
+            <a:stCxn id="7" idx="2"/>
+          </p:cNvCxnSpPr>
+          <p:nvPr/>
+        </p:nvCxnSpPr>
+        <p:spPr>
+          <a:xfrm>
+            <a:off x="763992" y="634882"/>
+            <a:ext cx="0" cy="4313132"/>
+          </a:xfrm>
+          <a:prstGeom prst="straightConnector1">
+            <a:avLst/>
+          </a:prstGeom>
+          <a:ln>
+            <a:solidFill>
+              <a:schemeClr val="tx1"/>
+            </a:solidFill>
+            <a:prstDash val="dash"/>
+            <a:tailEnd type="triangle"/>
+          </a:ln>
+        </p:spPr>
+        <p:style>
+          <a:lnRef idx="1">
+            <a:schemeClr val="accent1"/>
+          </a:lnRef>
+          <a:fillRef idx="0">
+            <a:schemeClr val="accent1"/>
+          </a:fillRef>
+          <a:effectRef idx="0">
+            <a:schemeClr val="accent1"/>
+          </a:effectRef>
+          <a:fontRef idx="minor">
+            <a:schemeClr val="tx1"/>
+          </a:fontRef>
+        </p:style>
+      </p:cxnSp>
+      <p:cxnSp>
+        <p:nvCxnSpPr>
+          <p:cNvPr id="46" name="Straight Arrow Connector 81">
+            <a:extLst>
+              <a:ext uri="{FF2B5EF4-FFF2-40B4-BE49-F238E27FC236}">
+                <a16:creationId xmlns:a16="http://schemas.microsoft.com/office/drawing/2014/main" id="{E051C9C0-45AC-F244-577F-F19C52E9C42D}"/>
+              </a:ext>
+            </a:extLst>
+          </p:cNvPr>
+          <p:cNvCxnSpPr>
+            <a:cxnSpLocks/>
+            <a:stCxn id="11" idx="2"/>
+          </p:cNvCxnSpPr>
+          <p:nvPr/>
+        </p:nvCxnSpPr>
+        <p:spPr>
+          <a:xfrm>
+            <a:off x="8380011" y="634882"/>
+            <a:ext cx="0" cy="4385140"/>
+          </a:xfrm>
+          <a:prstGeom prst="straightConnector1">
+            <a:avLst/>
+          </a:prstGeom>
+          <a:ln>
+            <a:solidFill>
+              <a:schemeClr val="tx1"/>
+            </a:solidFill>
+            <a:prstDash val="dash"/>
+            <a:tailEnd type="triangle"/>
+          </a:ln>
+        </p:spPr>
+        <p:style>
+          <a:lnRef idx="1">
+            <a:schemeClr val="accent1"/>
+          </a:lnRef>
+          <a:fillRef idx="0">
+            <a:schemeClr val="accent1"/>
+          </a:fillRef>
+          <a:effectRef idx="0">
+            <a:schemeClr val="accent1"/>
+          </a:effectRef>
+          <a:fontRef idx="minor">
+            <a:schemeClr val="tx1"/>
+          </a:fontRef>
+        </p:style>
+      </p:cxnSp>
+      <p:cxnSp>
+        <p:nvCxnSpPr>
+          <p:cNvPr id="47" name="Straight Arrow Connector 81">
+            <a:extLst>
+              <a:ext uri="{FF2B5EF4-FFF2-40B4-BE49-F238E27FC236}">
+                <a16:creationId xmlns:a16="http://schemas.microsoft.com/office/drawing/2014/main" id="{D64D14D8-AB79-493B-C860-47BD09571D87}"/>
+              </a:ext>
+            </a:extLst>
+          </p:cNvPr>
+          <p:cNvCxnSpPr>
+            <a:cxnSpLocks/>
+            <a:stCxn id="12" idx="2"/>
+          </p:cNvCxnSpPr>
+          <p:nvPr/>
+        </p:nvCxnSpPr>
+        <p:spPr>
+          <a:xfrm>
+            <a:off x="5462033" y="634882"/>
+            <a:ext cx="0" cy="4313132"/>
+          </a:xfrm>
+          <a:prstGeom prst="straightConnector1">
+            <a:avLst/>
+          </a:prstGeom>
+          <a:ln>
+            <a:solidFill>
+              <a:schemeClr val="tx1"/>
+            </a:solidFill>
+            <a:prstDash val="dash"/>
+            <a:tailEnd type="triangle"/>
+          </a:ln>
+        </p:spPr>
+        <p:style>
+          <a:lnRef idx="1">
+            <a:schemeClr val="accent1"/>
+          </a:lnRef>
+          <a:fillRef idx="0">
+            <a:schemeClr val="accent1"/>
+          </a:fillRef>
+          <a:effectRef idx="0">
+            <a:schemeClr val="accent1"/>
+          </a:effectRef>
+          <a:fontRef idx="minor">
+            <a:schemeClr val="tx1"/>
+          </a:fontRef>
+        </p:style>
+      </p:cxnSp>
+      <p:cxnSp>
+        <p:nvCxnSpPr>
+          <p:cNvPr id="52" name="Straight Arrow Connector 81">
+            <a:extLst>
+              <a:ext uri="{FF2B5EF4-FFF2-40B4-BE49-F238E27FC236}">
+                <a16:creationId xmlns:a16="http://schemas.microsoft.com/office/drawing/2014/main" id="{DA54E9B7-F2A2-41D6-83EF-ECC22F97F277}"/>
+              </a:ext>
+            </a:extLst>
+          </p:cNvPr>
+          <p:cNvCxnSpPr>
+            <a:cxnSpLocks/>
+          </p:cNvCxnSpPr>
+          <p:nvPr/>
+        </p:nvCxnSpPr>
+        <p:spPr>
+          <a:xfrm>
+            <a:off x="763988" y="1030205"/>
+            <a:ext cx="2917981" cy="0"/>
+          </a:xfrm>
+          <a:prstGeom prst="straightConnector1">
+            <a:avLst/>
+          </a:prstGeom>
+          <a:ln>
+            <a:solidFill>
+              <a:schemeClr val="tx1"/>
+            </a:solidFill>
+            <a:tailEnd type="triangle"/>
+          </a:ln>
+        </p:spPr>
+        <p:style>
+          <a:lnRef idx="1">
+            <a:schemeClr val="accent1"/>
+          </a:lnRef>
+          <a:fillRef idx="0">
+            <a:schemeClr val="accent1"/>
+          </a:fillRef>
+          <a:effectRef idx="0">
+            <a:schemeClr val="accent1"/>
+          </a:effectRef>
+          <a:fontRef idx="minor">
+            <a:schemeClr val="tx1"/>
+          </a:fontRef>
+        </p:style>
+      </p:cxnSp>
+      <p:sp>
+        <p:nvSpPr>
+          <p:cNvPr id="53" name="TextBox 52">
+            <a:extLst>
+              <a:ext uri="{FF2B5EF4-FFF2-40B4-BE49-F238E27FC236}">
+                <a16:creationId xmlns:a16="http://schemas.microsoft.com/office/drawing/2014/main" id="{531CAE83-D4FA-D718-1A5A-7C10E7D9C0E2}"/>
+              </a:ext>
+            </a:extLst>
+          </p:cNvPr>
+          <p:cNvSpPr txBox="1"/>
+          <p:nvPr/>
+        </p:nvSpPr>
+        <p:spPr>
+          <a:xfrm>
+            <a:off x="763987" y="783984"/>
+            <a:ext cx="2795674" cy="246221"/>
+          </a:xfrm>
+          <a:prstGeom prst="rect">
+            <a:avLst/>
+          </a:prstGeom>
+          <a:noFill/>
+        </p:spPr>
+        <p:txBody>
+          <a:bodyPr wrap="square" rtlCol="0">
+            <a:spAutoFit/>
+          </a:bodyPr>
+          <a:lstStyle/>
+          <a:p>
+            <a:r>
+              <a:rPr kumimoji="1" lang="en-US" altLang="ko-KR" sz="1000" i="1"/>
+              <a:t>GET </a:t>
+            </a:r>
+            <a:r>
+              <a:rPr lang="en" altLang="ko-KR" sz="1000" i="1"/>
+              <a:t>mock-server:8080/status/503</a:t>
+            </a:r>
+            <a:endParaRPr kumimoji="1" lang="ko-KR" altLang="en-US" sz="1000" i="1"/>
+          </a:p>
+        </p:txBody>
+      </p:sp>
+      <p:cxnSp>
+        <p:nvCxnSpPr>
+          <p:cNvPr id="54" name="Straight Arrow Connector 81">
+            <a:extLst>
+              <a:ext uri="{FF2B5EF4-FFF2-40B4-BE49-F238E27FC236}">
+                <a16:creationId xmlns:a16="http://schemas.microsoft.com/office/drawing/2014/main" id="{B51D8745-6C91-21CF-1B16-720189794B87}"/>
+              </a:ext>
+            </a:extLst>
+          </p:cNvPr>
+          <p:cNvCxnSpPr>
+            <a:cxnSpLocks/>
+          </p:cNvCxnSpPr>
+          <p:nvPr/>
+        </p:nvCxnSpPr>
+        <p:spPr>
+          <a:xfrm>
+            <a:off x="5462033" y="1275606"/>
+            <a:ext cx="2917977" cy="0"/>
+          </a:xfrm>
+          <a:prstGeom prst="straightConnector1">
+            <a:avLst/>
+          </a:prstGeom>
+          <a:ln>
+            <a:solidFill>
+              <a:schemeClr val="tx1"/>
+            </a:solidFill>
+            <a:headEnd type="triangle" w="med" len="med"/>
+            <a:tailEnd type="none" w="med" len="med"/>
+          </a:ln>
+        </p:spPr>
+        <p:style>
+          <a:lnRef idx="1">
+            <a:schemeClr val="accent1"/>
+          </a:lnRef>
+          <a:fillRef idx="0">
+            <a:schemeClr val="accent1"/>
+          </a:fillRef>
+          <a:effectRef idx="0">
+            <a:schemeClr val="accent1"/>
+          </a:effectRef>
+          <a:fontRef idx="minor">
+            <a:schemeClr val="tx1"/>
+          </a:fontRef>
+        </p:style>
+      </p:cxnSp>
+      <p:sp>
+        <p:nvSpPr>
+          <p:cNvPr id="55" name="TextBox 54">
+            <a:extLst>
+              <a:ext uri="{FF2B5EF4-FFF2-40B4-BE49-F238E27FC236}">
+                <a16:creationId xmlns:a16="http://schemas.microsoft.com/office/drawing/2014/main" id="{873B42E6-CEAF-0D77-B5BB-0EB9353199EA}"/>
+              </a:ext>
+            </a:extLst>
+          </p:cNvPr>
+          <p:cNvSpPr txBox="1"/>
+          <p:nvPr/>
+        </p:nvSpPr>
+        <p:spPr>
+          <a:xfrm>
+            <a:off x="5584334" y="1275606"/>
+            <a:ext cx="2795674" cy="246221"/>
+          </a:xfrm>
+          <a:prstGeom prst="rect">
+            <a:avLst/>
+          </a:prstGeom>
+          <a:noFill/>
+        </p:spPr>
+        <p:txBody>
+          <a:bodyPr wrap="square" rtlCol="0">
+            <a:spAutoFit/>
+          </a:bodyPr>
+          <a:lstStyle/>
+          <a:p>
+            <a:pPr algn="r"/>
+            <a:r>
+              <a:rPr kumimoji="1" lang="en-US" altLang="ko-KR" sz="1000" i="1"/>
+              <a:t>503 Service Unavailable</a:t>
+            </a:r>
+            <a:endParaRPr kumimoji="1" lang="ko-KR" altLang="en-US" sz="1000" i="1"/>
+          </a:p>
+        </p:txBody>
+      </p:sp>
+      <p:cxnSp>
+        <p:nvCxnSpPr>
+          <p:cNvPr id="63" name="Straight Arrow Connector 81">
+            <a:extLst>
+              <a:ext uri="{FF2B5EF4-FFF2-40B4-BE49-F238E27FC236}">
+                <a16:creationId xmlns:a16="http://schemas.microsoft.com/office/drawing/2014/main" id="{9DE66482-81FB-454E-0C8A-2D085E01FFCC}"/>
+              </a:ext>
+            </a:extLst>
+          </p:cNvPr>
+          <p:cNvCxnSpPr>
+            <a:cxnSpLocks/>
+          </p:cNvCxnSpPr>
+          <p:nvPr/>
+        </p:nvCxnSpPr>
+        <p:spPr>
+          <a:xfrm>
+            <a:off x="3681969" y="1104000"/>
+            <a:ext cx="1780064" cy="0"/>
+          </a:xfrm>
+          <a:prstGeom prst="straightConnector1">
+            <a:avLst/>
+          </a:prstGeom>
+          <a:ln>
+            <a:solidFill>
+              <a:schemeClr val="tx1"/>
+            </a:solidFill>
+            <a:tailEnd type="triangle"/>
+          </a:ln>
+        </p:spPr>
+        <p:style>
+          <a:lnRef idx="1">
+            <a:schemeClr val="accent1"/>
+          </a:lnRef>
+          <a:fillRef idx="0">
+            <a:schemeClr val="accent1"/>
+          </a:fillRef>
+          <a:effectRef idx="0">
+            <a:schemeClr val="accent1"/>
+          </a:effectRef>
+          <a:fontRef idx="minor">
+            <a:schemeClr val="tx1"/>
+          </a:fontRef>
+        </p:style>
+      </p:cxnSp>
+      <p:cxnSp>
+        <p:nvCxnSpPr>
+          <p:cNvPr id="64" name="Straight Arrow Connector 81">
+            <a:extLst>
+              <a:ext uri="{FF2B5EF4-FFF2-40B4-BE49-F238E27FC236}">
+                <a16:creationId xmlns:a16="http://schemas.microsoft.com/office/drawing/2014/main" id="{2172FCEC-7E93-4C92-7AF1-22C9677ED749}"/>
+              </a:ext>
+            </a:extLst>
+          </p:cNvPr>
+          <p:cNvCxnSpPr>
+            <a:cxnSpLocks/>
+          </p:cNvCxnSpPr>
+          <p:nvPr/>
+        </p:nvCxnSpPr>
+        <p:spPr>
+          <a:xfrm>
+            <a:off x="5462033" y="1183891"/>
+            <a:ext cx="2917978" cy="0"/>
+          </a:xfrm>
+          <a:prstGeom prst="straightConnector1">
+            <a:avLst/>
+          </a:prstGeom>
+          <a:ln>
+            <a:solidFill>
+              <a:schemeClr val="tx1"/>
+            </a:solidFill>
+            <a:tailEnd type="triangle"/>
+          </a:ln>
+        </p:spPr>
+        <p:style>
+          <a:lnRef idx="1">
+            <a:schemeClr val="accent1"/>
+          </a:lnRef>
+          <a:fillRef idx="0">
+            <a:schemeClr val="accent1"/>
+          </a:fillRef>
+          <a:effectRef idx="0">
+            <a:schemeClr val="accent1"/>
+          </a:effectRef>
+          <a:fontRef idx="minor">
+            <a:schemeClr val="tx1"/>
+          </a:fontRef>
+        </p:style>
+      </p:cxnSp>
+      <p:cxnSp>
+        <p:nvCxnSpPr>
+          <p:cNvPr id="70" name="Straight Arrow Connector 81">
+            <a:extLst>
+              <a:ext uri="{FF2B5EF4-FFF2-40B4-BE49-F238E27FC236}">
+                <a16:creationId xmlns:a16="http://schemas.microsoft.com/office/drawing/2014/main" id="{D1FFFBCF-14DA-67AC-C817-8B7873976F1C}"/>
+              </a:ext>
+            </a:extLst>
+          </p:cNvPr>
+          <p:cNvCxnSpPr>
+            <a:cxnSpLocks/>
+          </p:cNvCxnSpPr>
+          <p:nvPr/>
+        </p:nvCxnSpPr>
+        <p:spPr>
+          <a:xfrm>
+            <a:off x="3681977" y="1347614"/>
+            <a:ext cx="1780056" cy="0"/>
+          </a:xfrm>
+          <a:prstGeom prst="straightConnector1">
+            <a:avLst/>
+          </a:prstGeom>
+          <a:ln>
+            <a:solidFill>
+              <a:schemeClr val="tx1"/>
+            </a:solidFill>
+            <a:headEnd type="triangle" w="med" len="med"/>
+            <a:tailEnd type="none" w="med" len="med"/>
+          </a:ln>
+        </p:spPr>
+        <p:style>
+          <a:lnRef idx="1">
+            <a:schemeClr val="accent1"/>
+          </a:lnRef>
+          <a:fillRef idx="0">
+            <a:schemeClr val="accent1"/>
+          </a:fillRef>
+          <a:effectRef idx="0">
+            <a:schemeClr val="accent1"/>
+          </a:effectRef>
+          <a:fontRef idx="minor">
+            <a:schemeClr val="tx1"/>
+          </a:fontRef>
+        </p:style>
+      </p:cxnSp>
+      <p:cxnSp>
+        <p:nvCxnSpPr>
+          <p:cNvPr id="73" name="Straight Arrow Connector 81">
+            <a:extLst>
+              <a:ext uri="{FF2B5EF4-FFF2-40B4-BE49-F238E27FC236}">
+                <a16:creationId xmlns:a16="http://schemas.microsoft.com/office/drawing/2014/main" id="{E14E0063-CC7C-9A5D-431F-153D11BFA6FF}"/>
+              </a:ext>
+            </a:extLst>
+          </p:cNvPr>
+          <p:cNvCxnSpPr>
+            <a:cxnSpLocks/>
+          </p:cNvCxnSpPr>
+          <p:nvPr/>
+        </p:nvCxnSpPr>
+        <p:spPr>
+          <a:xfrm>
+            <a:off x="763987" y="1419622"/>
+            <a:ext cx="2917982" cy="0"/>
+          </a:xfrm>
+          <a:prstGeom prst="straightConnector1">
+            <a:avLst/>
+          </a:prstGeom>
+          <a:ln>
+            <a:solidFill>
+              <a:schemeClr val="tx1"/>
+            </a:solidFill>
+            <a:headEnd type="triangle" w="med" len="med"/>
+            <a:tailEnd type="none" w="med" len="med"/>
+          </a:ln>
+        </p:spPr>
+        <p:style>
+          <a:lnRef idx="1">
+            <a:schemeClr val="accent1"/>
+          </a:lnRef>
+          <a:fillRef idx="0">
+            <a:schemeClr val="accent1"/>
+          </a:fillRef>
+          <a:effectRef idx="0">
+            <a:schemeClr val="accent1"/>
+          </a:effectRef>
+          <a:fontRef idx="minor">
+            <a:schemeClr val="tx1"/>
+          </a:fontRef>
+        </p:style>
+      </p:cxnSp>
+    </p:spTree>
+    <p:extLst>
+      <p:ext uri="{BB962C8B-B14F-4D97-AF65-F5344CB8AC3E}">
+        <p14:creationId xmlns:p14="http://schemas.microsoft.com/office/powerpoint/2010/main" val="920777236"/>
+      </p:ext>
+    </p:extLst>
+  </p:cSld>
+  <p:clrMapOvr>
+    <a:masterClrMapping/>
+  </p:clrMapOvr>
+</p:sld>
+</file>
+
+<file path=ppt/slides/slide4.xml><?xml version="1.0" encoding="utf-8"?>
+<p:sld xmlns:a="http://schemas.openxmlformats.org/drawingml/2006/main" xmlns:r="http://schemas.openxmlformats.org/officeDocument/2006/relationships" xmlns:p="http://schemas.openxmlformats.org/presentationml/2006/main">
+  <p:cSld>
+    <p:spTree>
+      <p:nvGrpSpPr>
+        <p:cNvPr id="1" name="">
+          <a:extLst>
+            <a:ext uri="{FF2B5EF4-FFF2-40B4-BE49-F238E27FC236}">
+              <a16:creationId xmlns:a16="http://schemas.microsoft.com/office/drawing/2014/main" id="{A8899F6F-60A0-0902-4554-712F893C76D0}"/>
+            </a:ext>
+          </a:extLst>
+        </p:cNvPr>
+        <p:cNvGrpSpPr/>
+        <p:nvPr/>
+      </p:nvGrpSpPr>
+      <p:grpSpPr>
+        <a:xfrm>
+          <a:off x="0" y="0"/>
+          <a:ext cx="0" cy="0"/>
+          <a:chOff x="0" y="0"/>
+          <a:chExt cx="0" cy="0"/>
+        </a:xfrm>
+      </p:grpSpPr>
+      <p:sp>
+        <p:nvSpPr>
+          <p:cNvPr id="3" name="사각형: 둥근 모서리 29">
+            <a:extLst>
+              <a:ext uri="{FF2B5EF4-FFF2-40B4-BE49-F238E27FC236}">
+                <a16:creationId xmlns:a16="http://schemas.microsoft.com/office/drawing/2014/main" id="{C6CFBC72-1AFB-7D56-11F3-6E71CF5E6521}"/>
+              </a:ext>
+            </a:extLst>
+          </p:cNvPr>
+          <p:cNvSpPr/>
+          <p:nvPr/>
+        </p:nvSpPr>
+        <p:spPr>
+          <a:xfrm>
+            <a:off x="179512" y="123478"/>
+            <a:ext cx="4032448" cy="600168"/>
+          </a:xfrm>
+          <a:prstGeom prst="roundRect">
+            <a:avLst>
+              <a:gd name="adj" fmla="val 10124"/>
+            </a:avLst>
+          </a:prstGeom>
+          <a:ln w="12700"/>
+        </p:spPr>
+        <p:style>
+          <a:lnRef idx="2">
+            <a:schemeClr val="dk1"/>
+          </a:lnRef>
+          <a:fillRef idx="1">
+            <a:schemeClr val="lt1"/>
+          </a:fillRef>
+          <a:effectRef idx="0">
+            <a:schemeClr val="dk1"/>
+          </a:effectRef>
+          <a:fontRef idx="minor">
+            <a:schemeClr val="dk1"/>
+          </a:fontRef>
+        </p:style>
+        <p:txBody>
+          <a:bodyPr rtlCol="0" anchor="t"/>
+          <a:lstStyle/>
+          <a:p>
+            <a:pPr algn="ctr"/>
+            <a:r>
+              <a:rPr lang="en-US" altLang="ko-KR" sz="1000" b="1"/>
+              <a:t>shell </a:t>
+            </a:r>
+            <a:r>
+              <a:rPr lang="en-US" altLang="ko-KR" sz="1000"/>
+              <a:t>Pod</a:t>
+            </a:r>
+          </a:p>
+        </p:txBody>
+      </p:sp>
+      <p:sp>
+        <p:nvSpPr>
+          <p:cNvPr id="6" name="사각형: 둥근 모서리 29">
+            <a:extLst>
+              <a:ext uri="{FF2B5EF4-FFF2-40B4-BE49-F238E27FC236}">
+                <a16:creationId xmlns:a16="http://schemas.microsoft.com/office/drawing/2014/main" id="{AC007486-757C-0700-A091-88D2C3EAE9E4}"/>
+              </a:ext>
+            </a:extLst>
+          </p:cNvPr>
+          <p:cNvSpPr/>
+          <p:nvPr/>
+        </p:nvSpPr>
+        <p:spPr>
+          <a:xfrm>
+            <a:off x="3236328" y="195486"/>
+            <a:ext cx="891282" cy="439396"/>
+          </a:xfrm>
+          <a:prstGeom prst="roundRect">
+            <a:avLst>
+              <a:gd name="adj" fmla="val 14520"/>
+            </a:avLst>
+          </a:prstGeom>
+          <a:ln w="12700"/>
+        </p:spPr>
+        <p:style>
+          <a:lnRef idx="2">
+            <a:schemeClr val="dk1"/>
+          </a:lnRef>
+          <a:fillRef idx="1">
+            <a:schemeClr val="lt1"/>
+          </a:fillRef>
+          <a:effectRef idx="0">
+            <a:schemeClr val="dk1"/>
+          </a:effectRef>
+          <a:fontRef idx="minor">
+            <a:schemeClr val="dk1"/>
+          </a:fontRef>
+        </p:style>
+        <p:txBody>
+          <a:bodyPr rtlCol="0" anchor="ctr"/>
+          <a:lstStyle/>
+          <a:p>
+            <a:pPr algn="ctr"/>
+            <a:r>
+              <a:rPr lang="en-US" altLang="ko-KR" sz="1000" b="1"/>
+              <a:t>istio-proxy</a:t>
+            </a:r>
+          </a:p>
+          <a:p>
+            <a:pPr algn="ctr"/>
+            <a:r>
+              <a:rPr lang="en-US" altLang="ko-KR" sz="1000"/>
+              <a:t>Container</a:t>
+            </a:r>
+          </a:p>
+        </p:txBody>
+      </p:sp>
+      <p:sp>
+        <p:nvSpPr>
+          <p:cNvPr id="7" name="사각형: 둥근 모서리 29">
+            <a:extLst>
+              <a:ext uri="{FF2B5EF4-FFF2-40B4-BE49-F238E27FC236}">
+                <a16:creationId xmlns:a16="http://schemas.microsoft.com/office/drawing/2014/main" id="{FCB1F295-BCDB-2FE3-6C58-BD39791AFD86}"/>
+              </a:ext>
+            </a:extLst>
+          </p:cNvPr>
+          <p:cNvSpPr/>
+          <p:nvPr/>
+        </p:nvSpPr>
+        <p:spPr>
+          <a:xfrm>
+            <a:off x="269263" y="195486"/>
+            <a:ext cx="989457" cy="439396"/>
+          </a:xfrm>
+          <a:prstGeom prst="roundRect">
+            <a:avLst>
+              <a:gd name="adj" fmla="val 14520"/>
+            </a:avLst>
+          </a:prstGeom>
+          <a:ln w="12700"/>
+        </p:spPr>
+        <p:style>
+          <a:lnRef idx="2">
+            <a:schemeClr val="dk1"/>
+          </a:lnRef>
+          <a:fillRef idx="1">
+            <a:schemeClr val="lt1"/>
+          </a:fillRef>
+          <a:effectRef idx="0">
+            <a:schemeClr val="dk1"/>
+          </a:effectRef>
+          <a:fontRef idx="minor">
+            <a:schemeClr val="dk1"/>
+          </a:fontRef>
+        </p:style>
+        <p:txBody>
+          <a:bodyPr rtlCol="0" anchor="ctr"/>
+          <a:lstStyle/>
+          <a:p>
+            <a:pPr algn="ctr"/>
+            <a:r>
+              <a:rPr lang="en-US" altLang="ko-KR" sz="1000" b="1"/>
+              <a:t>shell</a:t>
+            </a:r>
+          </a:p>
+          <a:p>
+            <a:pPr algn="ctr"/>
+            <a:r>
+              <a:rPr lang="en-US" altLang="ko-KR" sz="1000"/>
+              <a:t>Container</a:t>
+            </a:r>
+          </a:p>
+        </p:txBody>
+      </p:sp>
+      <p:sp>
+        <p:nvSpPr>
+          <p:cNvPr id="10" name="사각형: 둥근 모서리 29">
+            <a:extLst>
+              <a:ext uri="{FF2B5EF4-FFF2-40B4-BE49-F238E27FC236}">
+                <a16:creationId xmlns:a16="http://schemas.microsoft.com/office/drawing/2014/main" id="{948639FD-64E2-891A-5EFE-7F0FBA140B97}"/>
+              </a:ext>
+            </a:extLst>
+          </p:cNvPr>
+          <p:cNvSpPr/>
+          <p:nvPr/>
+        </p:nvSpPr>
+        <p:spPr>
+          <a:xfrm>
+            <a:off x="4932042" y="123478"/>
+            <a:ext cx="4032446" cy="600168"/>
+          </a:xfrm>
+          <a:prstGeom prst="roundRect">
+            <a:avLst>
+              <a:gd name="adj" fmla="val 10124"/>
+            </a:avLst>
+          </a:prstGeom>
+          <a:ln w="12700"/>
+        </p:spPr>
+        <p:style>
+          <a:lnRef idx="2">
+            <a:schemeClr val="dk1"/>
+          </a:lnRef>
+          <a:fillRef idx="1">
+            <a:schemeClr val="lt1"/>
+          </a:fillRef>
+          <a:effectRef idx="0">
+            <a:schemeClr val="dk1"/>
+          </a:effectRef>
+          <a:fontRef idx="minor">
+            <a:schemeClr val="dk1"/>
+          </a:fontRef>
+        </p:style>
+        <p:txBody>
+          <a:bodyPr rtlCol="0" anchor="t"/>
+          <a:lstStyle/>
+          <a:p>
+            <a:pPr algn="ctr"/>
+            <a:r>
+              <a:rPr lang="en-US" altLang="ko-KR" sz="1000" b="1"/>
+              <a:t>mock-server </a:t>
+            </a:r>
+            <a:r>
+              <a:rPr lang="en-US" altLang="ko-KR" sz="1000"/>
+              <a:t>Pod</a:t>
+            </a:r>
+          </a:p>
+        </p:txBody>
+      </p:sp>
+      <p:sp>
+        <p:nvSpPr>
+          <p:cNvPr id="11" name="사각형: 둥근 모서리 29">
+            <a:extLst>
+              <a:ext uri="{FF2B5EF4-FFF2-40B4-BE49-F238E27FC236}">
+                <a16:creationId xmlns:a16="http://schemas.microsoft.com/office/drawing/2014/main" id="{1C27AC59-C47B-B400-AFEA-F4CD1250E7E1}"/>
+              </a:ext>
+            </a:extLst>
+          </p:cNvPr>
+          <p:cNvSpPr/>
+          <p:nvPr/>
+        </p:nvSpPr>
+        <p:spPr>
+          <a:xfrm>
+            <a:off x="7885282" y="195486"/>
+            <a:ext cx="989457" cy="439396"/>
+          </a:xfrm>
+          <a:prstGeom prst="roundRect">
+            <a:avLst>
+              <a:gd name="adj" fmla="val 14520"/>
+            </a:avLst>
+          </a:prstGeom>
+          <a:ln w="12700"/>
+        </p:spPr>
+        <p:style>
+          <a:lnRef idx="2">
+            <a:schemeClr val="dk1"/>
+          </a:lnRef>
+          <a:fillRef idx="1">
+            <a:schemeClr val="lt1"/>
+          </a:fillRef>
+          <a:effectRef idx="0">
+            <a:schemeClr val="dk1"/>
+          </a:effectRef>
+          <a:fontRef idx="minor">
+            <a:schemeClr val="dk1"/>
+          </a:fontRef>
+        </p:style>
+        <p:txBody>
+          <a:bodyPr rtlCol="0" anchor="ctr"/>
+          <a:lstStyle/>
+          <a:p>
+            <a:pPr algn="ctr"/>
+            <a:r>
+              <a:rPr lang="en-US" altLang="ko-KR" sz="1000" b="1"/>
+              <a:t>mock-server</a:t>
+            </a:r>
+          </a:p>
+          <a:p>
+            <a:pPr algn="ctr"/>
+            <a:r>
+              <a:rPr lang="en-US" altLang="ko-KR" sz="1000"/>
+              <a:t>Container</a:t>
+            </a:r>
+          </a:p>
+        </p:txBody>
+      </p:sp>
+      <p:sp>
+        <p:nvSpPr>
+          <p:cNvPr id="12" name="사각형: 둥근 모서리 29">
+            <a:extLst>
+              <a:ext uri="{FF2B5EF4-FFF2-40B4-BE49-F238E27FC236}">
+                <a16:creationId xmlns:a16="http://schemas.microsoft.com/office/drawing/2014/main" id="{354FA8A4-5757-E004-7ABB-229B277871A0}"/>
+              </a:ext>
+            </a:extLst>
+          </p:cNvPr>
+          <p:cNvSpPr/>
+          <p:nvPr/>
+        </p:nvSpPr>
+        <p:spPr>
+          <a:xfrm>
+            <a:off x="5016392" y="195486"/>
+            <a:ext cx="891282" cy="439396"/>
+          </a:xfrm>
+          <a:prstGeom prst="roundRect">
+            <a:avLst>
+              <a:gd name="adj" fmla="val 14520"/>
+            </a:avLst>
+          </a:prstGeom>
+          <a:ln w="12700"/>
+        </p:spPr>
+        <p:style>
+          <a:lnRef idx="2">
+            <a:schemeClr val="dk1"/>
+          </a:lnRef>
+          <a:fillRef idx="1">
+            <a:schemeClr val="lt1"/>
+          </a:fillRef>
+          <a:effectRef idx="0">
+            <a:schemeClr val="dk1"/>
+          </a:effectRef>
+          <a:fontRef idx="minor">
+            <a:schemeClr val="dk1"/>
+          </a:fontRef>
+        </p:style>
+        <p:txBody>
+          <a:bodyPr rtlCol="0" anchor="ctr"/>
+          <a:lstStyle/>
+          <a:p>
+            <a:pPr algn="ctr"/>
+            <a:r>
+              <a:rPr lang="en-US" altLang="ko-KR" sz="1000" b="1"/>
+              <a:t>istio-proxy</a:t>
+            </a:r>
+          </a:p>
+          <a:p>
+            <a:pPr algn="ctr"/>
+            <a:r>
+              <a:rPr lang="en-US" altLang="ko-KR" sz="1000"/>
+              <a:t>Container</a:t>
+            </a:r>
+          </a:p>
+        </p:txBody>
+      </p:sp>
+      <p:cxnSp>
+        <p:nvCxnSpPr>
+          <p:cNvPr id="36" name="Straight Arrow Connector 81">
+            <a:extLst>
+              <a:ext uri="{FF2B5EF4-FFF2-40B4-BE49-F238E27FC236}">
+                <a16:creationId xmlns:a16="http://schemas.microsoft.com/office/drawing/2014/main" id="{E1619BE9-3307-661D-F174-612026841A6F}"/>
+              </a:ext>
+            </a:extLst>
+          </p:cNvPr>
+          <p:cNvCxnSpPr>
+            <a:cxnSpLocks/>
+            <a:stCxn id="6" idx="2"/>
+          </p:cNvCxnSpPr>
+          <p:nvPr/>
+        </p:nvCxnSpPr>
+        <p:spPr>
+          <a:xfrm>
+            <a:off x="3681969" y="634882"/>
+            <a:ext cx="0" cy="4313132"/>
+          </a:xfrm>
+          <a:prstGeom prst="straightConnector1">
+            <a:avLst/>
+          </a:prstGeom>
+          <a:ln>
+            <a:solidFill>
+              <a:schemeClr val="tx1"/>
+            </a:solidFill>
+            <a:prstDash val="dash"/>
+            <a:tailEnd type="triangle"/>
+          </a:ln>
+        </p:spPr>
+        <p:style>
+          <a:lnRef idx="1">
+            <a:schemeClr val="accent1"/>
+          </a:lnRef>
+          <a:fillRef idx="0">
+            <a:schemeClr val="accent1"/>
+          </a:fillRef>
+          <a:effectRef idx="0">
+            <a:schemeClr val="accent1"/>
+          </a:effectRef>
+          <a:fontRef idx="minor">
+            <a:schemeClr val="tx1"/>
+          </a:fontRef>
+        </p:style>
+      </p:cxnSp>
+      <p:cxnSp>
+        <p:nvCxnSpPr>
+          <p:cNvPr id="37" name="Straight Arrow Connector 81">
+            <a:extLst>
+              <a:ext uri="{FF2B5EF4-FFF2-40B4-BE49-F238E27FC236}">
+                <a16:creationId xmlns:a16="http://schemas.microsoft.com/office/drawing/2014/main" id="{882D1B50-3669-9510-C399-667F24ACEC38}"/>
+              </a:ext>
+            </a:extLst>
+          </p:cNvPr>
+          <p:cNvCxnSpPr>
+            <a:cxnSpLocks/>
+            <a:stCxn id="7" idx="2"/>
+          </p:cNvCxnSpPr>
+          <p:nvPr/>
+        </p:nvCxnSpPr>
+        <p:spPr>
+          <a:xfrm>
+            <a:off x="763992" y="634882"/>
+            <a:ext cx="0" cy="4313132"/>
+          </a:xfrm>
+          <a:prstGeom prst="straightConnector1">
+            <a:avLst/>
+          </a:prstGeom>
+          <a:ln>
+            <a:solidFill>
+              <a:schemeClr val="tx1"/>
+            </a:solidFill>
+            <a:prstDash val="dash"/>
+            <a:tailEnd type="triangle"/>
+          </a:ln>
+        </p:spPr>
+        <p:style>
+          <a:lnRef idx="1">
+            <a:schemeClr val="accent1"/>
+          </a:lnRef>
+          <a:fillRef idx="0">
+            <a:schemeClr val="accent1"/>
+          </a:fillRef>
+          <a:effectRef idx="0">
+            <a:schemeClr val="accent1"/>
+          </a:effectRef>
+          <a:fontRef idx="minor">
+            <a:schemeClr val="tx1"/>
+          </a:fontRef>
+        </p:style>
+      </p:cxnSp>
+      <p:cxnSp>
+        <p:nvCxnSpPr>
+          <p:cNvPr id="46" name="Straight Arrow Connector 81">
+            <a:extLst>
+              <a:ext uri="{FF2B5EF4-FFF2-40B4-BE49-F238E27FC236}">
+                <a16:creationId xmlns:a16="http://schemas.microsoft.com/office/drawing/2014/main" id="{741DC648-5A64-70E6-4014-F89366CD07D6}"/>
+              </a:ext>
+            </a:extLst>
+          </p:cNvPr>
+          <p:cNvCxnSpPr>
+            <a:cxnSpLocks/>
+            <a:stCxn id="11" idx="2"/>
+          </p:cNvCxnSpPr>
+          <p:nvPr/>
+        </p:nvCxnSpPr>
+        <p:spPr>
+          <a:xfrm>
+            <a:off x="8380011" y="634882"/>
+            <a:ext cx="0" cy="4385140"/>
+          </a:xfrm>
+          <a:prstGeom prst="straightConnector1">
+            <a:avLst/>
+          </a:prstGeom>
+          <a:ln>
+            <a:solidFill>
+              <a:schemeClr val="tx1"/>
+            </a:solidFill>
+            <a:prstDash val="dash"/>
+            <a:tailEnd type="triangle"/>
+          </a:ln>
+        </p:spPr>
+        <p:style>
+          <a:lnRef idx="1">
+            <a:schemeClr val="accent1"/>
+          </a:lnRef>
+          <a:fillRef idx="0">
+            <a:schemeClr val="accent1"/>
+          </a:fillRef>
+          <a:effectRef idx="0">
+            <a:schemeClr val="accent1"/>
+          </a:effectRef>
+          <a:fontRef idx="minor">
+            <a:schemeClr val="tx1"/>
+          </a:fontRef>
+        </p:style>
+      </p:cxnSp>
+      <p:cxnSp>
+        <p:nvCxnSpPr>
+          <p:cNvPr id="47" name="Straight Arrow Connector 81">
+            <a:extLst>
+              <a:ext uri="{FF2B5EF4-FFF2-40B4-BE49-F238E27FC236}">
+                <a16:creationId xmlns:a16="http://schemas.microsoft.com/office/drawing/2014/main" id="{8BEB1A25-E259-F739-14DC-D30A08270AF6}"/>
+              </a:ext>
+            </a:extLst>
+          </p:cNvPr>
+          <p:cNvCxnSpPr>
+            <a:cxnSpLocks/>
+            <a:stCxn id="12" idx="2"/>
+          </p:cNvCxnSpPr>
+          <p:nvPr/>
+        </p:nvCxnSpPr>
+        <p:spPr>
+          <a:xfrm>
+            <a:off x="5462033" y="634882"/>
+            <a:ext cx="0" cy="4313132"/>
+          </a:xfrm>
+          <a:prstGeom prst="straightConnector1">
+            <a:avLst/>
+          </a:prstGeom>
+          <a:ln>
+            <a:solidFill>
+              <a:schemeClr val="tx1"/>
+            </a:solidFill>
+            <a:prstDash val="dash"/>
+            <a:tailEnd type="triangle"/>
+          </a:ln>
+        </p:spPr>
+        <p:style>
+          <a:lnRef idx="1">
+            <a:schemeClr val="accent1"/>
+          </a:lnRef>
+          <a:fillRef idx="0">
+            <a:schemeClr val="accent1"/>
+          </a:fillRef>
+          <a:effectRef idx="0">
+            <a:schemeClr val="accent1"/>
+          </a:effectRef>
+          <a:fontRef idx="minor">
+            <a:schemeClr val="tx1"/>
+          </a:fontRef>
+        </p:style>
+      </p:cxnSp>
+      <p:cxnSp>
+        <p:nvCxnSpPr>
+          <p:cNvPr id="52" name="Straight Arrow Connector 81">
+            <a:extLst>
+              <a:ext uri="{FF2B5EF4-FFF2-40B4-BE49-F238E27FC236}">
+                <a16:creationId xmlns:a16="http://schemas.microsoft.com/office/drawing/2014/main" id="{CC422BAA-CB18-44C0-D98A-5B4310F73D83}"/>
+              </a:ext>
+            </a:extLst>
+          </p:cNvPr>
+          <p:cNvCxnSpPr>
+            <a:cxnSpLocks/>
+          </p:cNvCxnSpPr>
+          <p:nvPr/>
+        </p:nvCxnSpPr>
+        <p:spPr>
+          <a:xfrm>
+            <a:off x="763988" y="1030205"/>
+            <a:ext cx="2917981" cy="0"/>
+          </a:xfrm>
+          <a:prstGeom prst="straightConnector1">
+            <a:avLst/>
+          </a:prstGeom>
+          <a:ln>
+            <a:solidFill>
+              <a:schemeClr val="tx1"/>
+            </a:solidFill>
+            <a:tailEnd type="triangle"/>
+          </a:ln>
+        </p:spPr>
+        <p:style>
+          <a:lnRef idx="1">
+            <a:schemeClr val="accent1"/>
+          </a:lnRef>
+          <a:fillRef idx="0">
+            <a:schemeClr val="accent1"/>
+          </a:fillRef>
+          <a:effectRef idx="0">
+            <a:schemeClr val="accent1"/>
+          </a:effectRef>
+          <a:fontRef idx="minor">
+            <a:schemeClr val="tx1"/>
+          </a:fontRef>
+        </p:style>
+      </p:cxnSp>
+      <p:sp>
+        <p:nvSpPr>
+          <p:cNvPr id="53" name="TextBox 52">
+            <a:extLst>
+              <a:ext uri="{FF2B5EF4-FFF2-40B4-BE49-F238E27FC236}">
+                <a16:creationId xmlns:a16="http://schemas.microsoft.com/office/drawing/2014/main" id="{6D5413F7-A6B5-4EBC-C9CD-A27BBF1786F5}"/>
+              </a:ext>
+            </a:extLst>
+          </p:cNvPr>
+          <p:cNvSpPr txBox="1"/>
+          <p:nvPr/>
+        </p:nvSpPr>
+        <p:spPr>
+          <a:xfrm>
+            <a:off x="763987" y="783984"/>
+            <a:ext cx="2795674" cy="246221"/>
+          </a:xfrm>
+          <a:prstGeom prst="rect">
+            <a:avLst/>
+          </a:prstGeom>
+          <a:noFill/>
+        </p:spPr>
+        <p:txBody>
+          <a:bodyPr wrap="square" rtlCol="0">
+            <a:spAutoFit/>
+          </a:bodyPr>
+          <a:lstStyle/>
+          <a:p>
+            <a:r>
+              <a:rPr kumimoji="1" lang="en-US" altLang="ko-KR" sz="1000" i="1"/>
+              <a:t>GET </a:t>
+            </a:r>
+            <a:r>
+              <a:rPr lang="en" altLang="ko-KR" sz="1000" i="1"/>
+              <a:t>mock-server:8080/delay/5000</a:t>
+            </a:r>
+            <a:endParaRPr kumimoji="1" lang="ko-KR" altLang="en-US" sz="1000" i="1"/>
+          </a:p>
+        </p:txBody>
+      </p:sp>
+      <p:cxnSp>
+        <p:nvCxnSpPr>
+          <p:cNvPr id="63" name="Straight Arrow Connector 81">
+            <a:extLst>
+              <a:ext uri="{FF2B5EF4-FFF2-40B4-BE49-F238E27FC236}">
+                <a16:creationId xmlns:a16="http://schemas.microsoft.com/office/drawing/2014/main" id="{986B41AB-7499-21DA-CF43-1625EB813E9F}"/>
+              </a:ext>
+            </a:extLst>
+          </p:cNvPr>
+          <p:cNvCxnSpPr>
+            <a:cxnSpLocks/>
+          </p:cNvCxnSpPr>
+          <p:nvPr/>
+        </p:nvCxnSpPr>
+        <p:spPr>
+          <a:xfrm>
+            <a:off x="3681969" y="1104000"/>
+            <a:ext cx="1780064" cy="0"/>
+          </a:xfrm>
+          <a:prstGeom prst="straightConnector1">
+            <a:avLst/>
+          </a:prstGeom>
+          <a:ln>
+            <a:solidFill>
+              <a:schemeClr val="tx1"/>
+            </a:solidFill>
+            <a:tailEnd type="triangle"/>
+          </a:ln>
+        </p:spPr>
+        <p:style>
+          <a:lnRef idx="1">
+            <a:schemeClr val="accent1"/>
+          </a:lnRef>
+          <a:fillRef idx="0">
+            <a:schemeClr val="accent1"/>
+          </a:fillRef>
+          <a:effectRef idx="0">
+            <a:schemeClr val="accent1"/>
+          </a:effectRef>
+          <a:fontRef idx="minor">
+            <a:schemeClr val="tx1"/>
+          </a:fontRef>
+        </p:style>
+      </p:cxnSp>
+      <p:cxnSp>
+        <p:nvCxnSpPr>
+          <p:cNvPr id="64" name="Straight Arrow Connector 81">
+            <a:extLst>
+              <a:ext uri="{FF2B5EF4-FFF2-40B4-BE49-F238E27FC236}">
+                <a16:creationId xmlns:a16="http://schemas.microsoft.com/office/drawing/2014/main" id="{31925D51-87E5-B111-83C0-9F0DCEAE6D2E}"/>
+              </a:ext>
+            </a:extLst>
+          </p:cNvPr>
+          <p:cNvCxnSpPr>
+            <a:cxnSpLocks/>
+          </p:cNvCxnSpPr>
+          <p:nvPr/>
+        </p:nvCxnSpPr>
+        <p:spPr>
+          <a:xfrm>
+            <a:off x="5462033" y="1183891"/>
+            <a:ext cx="2917978" cy="0"/>
+          </a:xfrm>
+          <a:prstGeom prst="straightConnector1">
+            <a:avLst/>
+          </a:prstGeom>
+          <a:ln>
+            <a:solidFill>
+              <a:schemeClr val="tx1"/>
+            </a:solidFill>
+            <a:tailEnd type="triangle"/>
+          </a:ln>
+        </p:spPr>
+        <p:style>
+          <a:lnRef idx="1">
+            <a:schemeClr val="accent1"/>
+          </a:lnRef>
+          <a:fillRef idx="0">
+            <a:schemeClr val="accent1"/>
+          </a:fillRef>
+          <a:effectRef idx="0">
+            <a:schemeClr val="accent1"/>
+          </a:effectRef>
+          <a:fontRef idx="minor">
+            <a:schemeClr val="tx1"/>
+          </a:fontRef>
+        </p:style>
+      </p:cxnSp>
+      <p:cxnSp>
+        <p:nvCxnSpPr>
+          <p:cNvPr id="2" name="Straight Arrow Connector 81">
+            <a:extLst>
+              <a:ext uri="{FF2B5EF4-FFF2-40B4-BE49-F238E27FC236}">
+                <a16:creationId xmlns:a16="http://schemas.microsoft.com/office/drawing/2014/main" id="{67EAD812-3ACA-9392-B744-6F66A604B011}"/>
+              </a:ext>
+            </a:extLst>
+          </p:cNvPr>
+          <p:cNvCxnSpPr>
+            <a:cxnSpLocks/>
+          </p:cNvCxnSpPr>
+          <p:nvPr/>
+        </p:nvCxnSpPr>
+        <p:spPr>
+          <a:xfrm>
+            <a:off x="763988" y="1403473"/>
+            <a:ext cx="2917981" cy="0"/>
+          </a:xfrm>
+          <a:prstGeom prst="straightConnector1">
+            <a:avLst/>
+          </a:prstGeom>
+          <a:ln>
+            <a:solidFill>
+              <a:schemeClr val="tx1"/>
+            </a:solidFill>
+            <a:tailEnd type="triangle"/>
+          </a:ln>
+        </p:spPr>
+        <p:style>
+          <a:lnRef idx="1">
+            <a:schemeClr val="accent1"/>
+          </a:lnRef>
+          <a:fillRef idx="0">
+            <a:schemeClr val="accent1"/>
+          </a:fillRef>
+          <a:effectRef idx="0">
+            <a:schemeClr val="accent1"/>
+          </a:effectRef>
+          <a:fontRef idx="minor">
+            <a:schemeClr val="tx1"/>
+          </a:fontRef>
+        </p:style>
+      </p:cxnSp>
+      <p:cxnSp>
+        <p:nvCxnSpPr>
+          <p:cNvPr id="4" name="Straight Arrow Connector 81">
+            <a:extLst>
+              <a:ext uri="{FF2B5EF4-FFF2-40B4-BE49-F238E27FC236}">
+                <a16:creationId xmlns:a16="http://schemas.microsoft.com/office/drawing/2014/main" id="{AF473F71-6139-AFA9-E6C1-619128BA477E}"/>
+              </a:ext>
+            </a:extLst>
+          </p:cNvPr>
+          <p:cNvCxnSpPr>
+            <a:cxnSpLocks/>
+          </p:cNvCxnSpPr>
+          <p:nvPr/>
+        </p:nvCxnSpPr>
+        <p:spPr>
+          <a:xfrm>
+            <a:off x="3681969" y="1477268"/>
+            <a:ext cx="1780064" cy="0"/>
+          </a:xfrm>
+          <a:prstGeom prst="straightConnector1">
+            <a:avLst/>
+          </a:prstGeom>
+          <a:ln>
+            <a:solidFill>
+              <a:schemeClr val="tx1"/>
+            </a:solidFill>
+            <a:tailEnd type="triangle"/>
+          </a:ln>
+        </p:spPr>
+        <p:style>
+          <a:lnRef idx="1">
+            <a:schemeClr val="accent1"/>
+          </a:lnRef>
+          <a:fillRef idx="0">
+            <a:schemeClr val="accent1"/>
+          </a:fillRef>
+          <a:effectRef idx="0">
+            <a:schemeClr val="accent1"/>
+          </a:effectRef>
+          <a:fontRef idx="minor">
+            <a:schemeClr val="tx1"/>
+          </a:fontRef>
+        </p:style>
+      </p:cxnSp>
+      <p:cxnSp>
+        <p:nvCxnSpPr>
+          <p:cNvPr id="5" name="Straight Arrow Connector 81">
+            <a:extLst>
+              <a:ext uri="{FF2B5EF4-FFF2-40B4-BE49-F238E27FC236}">
+                <a16:creationId xmlns:a16="http://schemas.microsoft.com/office/drawing/2014/main" id="{1A974B1D-7971-BD5D-098A-70EF1190E2DC}"/>
+              </a:ext>
+            </a:extLst>
+          </p:cNvPr>
+          <p:cNvCxnSpPr>
+            <a:cxnSpLocks/>
+          </p:cNvCxnSpPr>
+          <p:nvPr/>
+        </p:nvCxnSpPr>
+        <p:spPr>
+          <a:xfrm>
+            <a:off x="5462033" y="1557159"/>
+            <a:ext cx="2917978" cy="0"/>
+          </a:xfrm>
+          <a:prstGeom prst="straightConnector1">
+            <a:avLst/>
+          </a:prstGeom>
+          <a:ln>
+            <a:solidFill>
+              <a:schemeClr val="tx1"/>
+            </a:solidFill>
+            <a:tailEnd type="triangle"/>
+          </a:ln>
+        </p:spPr>
+        <p:style>
+          <a:lnRef idx="1">
+            <a:schemeClr val="accent1"/>
+          </a:lnRef>
+          <a:fillRef idx="0">
+            <a:schemeClr val="accent1"/>
+          </a:fillRef>
+          <a:effectRef idx="0">
+            <a:schemeClr val="accent1"/>
+          </a:effectRef>
+          <a:fontRef idx="minor">
+            <a:schemeClr val="tx1"/>
+          </a:fontRef>
+        </p:style>
+      </p:cxnSp>
+      <p:sp>
+        <p:nvSpPr>
+          <p:cNvPr id="8" name="TextBox 7">
+            <a:extLst>
+              <a:ext uri="{FF2B5EF4-FFF2-40B4-BE49-F238E27FC236}">
+                <a16:creationId xmlns:a16="http://schemas.microsoft.com/office/drawing/2014/main" id="{EE47E509-494E-BCC5-F999-C16C9915C78D}"/>
+              </a:ext>
+            </a:extLst>
+          </p:cNvPr>
+          <p:cNvSpPr txBox="1"/>
+          <p:nvPr/>
+        </p:nvSpPr>
+        <p:spPr>
+          <a:xfrm>
+            <a:off x="763987" y="1156072"/>
+            <a:ext cx="2795674" cy="246221"/>
+          </a:xfrm>
+          <a:prstGeom prst="rect">
+            <a:avLst/>
+          </a:prstGeom>
+          <a:noFill/>
+        </p:spPr>
+        <p:txBody>
+          <a:bodyPr wrap="square" rtlCol="0">
+            <a:spAutoFit/>
+          </a:bodyPr>
+          <a:lstStyle/>
+          <a:p>
+            <a:r>
+              <a:rPr kumimoji="1" lang="en-US" altLang="ko-KR" sz="1000" i="1"/>
+              <a:t>TCP RST</a:t>
+            </a:r>
+            <a:endParaRPr kumimoji="1" lang="ko-KR" altLang="en-US" sz="1000" i="1"/>
+          </a:p>
+        </p:txBody>
+      </p:sp>
+    </p:spTree>
+    <p:extLst>
+      <p:ext uri="{BB962C8B-B14F-4D97-AF65-F5344CB8AC3E}">
+        <p14:creationId xmlns:p14="http://schemas.microsoft.com/office/powerpoint/2010/main" val="3195877606"/>
+      </p:ext>
+    </p:extLst>
+  </p:cSld>
+  <p:clrMapOvr>
+    <a:masterClrMapping/>
+  </p:clrMapOvr>
+</p:sld>
+</file>
+
+<file path=ppt/slides/slide5.xml><?xml version="1.0" encoding="utf-8"?>
+<p:sld xmlns:a="http://schemas.openxmlformats.org/drawingml/2006/main" xmlns:r="http://schemas.openxmlformats.org/officeDocument/2006/relationships" xmlns:p="http://schemas.openxmlformats.org/presentationml/2006/main">
+  <p:cSld>
+    <p:spTree>
+      <p:nvGrpSpPr>
+        <p:cNvPr id="1" name="">
+          <a:extLst>
+            <a:ext uri="{FF2B5EF4-FFF2-40B4-BE49-F238E27FC236}">
+              <a16:creationId xmlns:a16="http://schemas.microsoft.com/office/drawing/2014/main" id="{1970BB47-55FC-A44F-B2A5-056CEEB2DC07}"/>
+            </a:ext>
+          </a:extLst>
+        </p:cNvPr>
+        <p:cNvGrpSpPr/>
+        <p:nvPr/>
+      </p:nvGrpSpPr>
+      <p:grpSpPr>
+        <a:xfrm>
+          <a:off x="0" y="0"/>
+          <a:ext cx="0" cy="0"/>
+          <a:chOff x="0" y="0"/>
+          <a:chExt cx="0" cy="0"/>
+        </a:xfrm>
+      </p:grpSpPr>
+      <p:sp>
+        <p:nvSpPr>
+          <p:cNvPr id="3" name="사각형: 둥근 모서리 29">
+            <a:extLst>
+              <a:ext uri="{FF2B5EF4-FFF2-40B4-BE49-F238E27FC236}">
+                <a16:creationId xmlns:a16="http://schemas.microsoft.com/office/drawing/2014/main" id="{D4B0BE91-4E51-84EF-2F49-1FF70DE38149}"/>
+              </a:ext>
+            </a:extLst>
+          </p:cNvPr>
+          <p:cNvSpPr/>
+          <p:nvPr/>
+        </p:nvSpPr>
+        <p:spPr>
+          <a:xfrm>
+            <a:off x="179512" y="123478"/>
+            <a:ext cx="4032448" cy="600168"/>
+          </a:xfrm>
+          <a:prstGeom prst="roundRect">
+            <a:avLst>
+              <a:gd name="adj" fmla="val 10124"/>
+            </a:avLst>
+          </a:prstGeom>
+          <a:ln w="12700"/>
+        </p:spPr>
+        <p:style>
+          <a:lnRef idx="2">
+            <a:schemeClr val="dk1"/>
+          </a:lnRef>
+          <a:fillRef idx="1">
+            <a:schemeClr val="lt1"/>
+          </a:fillRef>
+          <a:effectRef idx="0">
+            <a:schemeClr val="dk1"/>
+          </a:effectRef>
+          <a:fontRef idx="minor">
+            <a:schemeClr val="dk1"/>
+          </a:fontRef>
+        </p:style>
+        <p:txBody>
+          <a:bodyPr rtlCol="0" anchor="t"/>
+          <a:lstStyle/>
+          <a:p>
+            <a:pPr algn="ctr"/>
+            <a:r>
+              <a:rPr lang="en-US" altLang="ko-KR" sz="1000" b="1"/>
+              <a:t>shell </a:t>
+            </a:r>
+            <a:r>
+              <a:rPr lang="en-US" altLang="ko-KR" sz="1000"/>
+              <a:t>Pod</a:t>
+            </a:r>
+          </a:p>
+        </p:txBody>
+      </p:sp>
+      <p:sp>
+        <p:nvSpPr>
+          <p:cNvPr id="6" name="사각형: 둥근 모서리 29">
+            <a:extLst>
+              <a:ext uri="{FF2B5EF4-FFF2-40B4-BE49-F238E27FC236}">
+                <a16:creationId xmlns:a16="http://schemas.microsoft.com/office/drawing/2014/main" id="{92FEBECD-014E-1FCE-1A5E-6C7FCD0B88FA}"/>
+              </a:ext>
+            </a:extLst>
+          </p:cNvPr>
+          <p:cNvSpPr/>
+          <p:nvPr/>
+        </p:nvSpPr>
+        <p:spPr>
+          <a:xfrm>
+            <a:off x="3236328" y="195486"/>
+            <a:ext cx="891282" cy="439396"/>
+          </a:xfrm>
+          <a:prstGeom prst="roundRect">
+            <a:avLst>
+              <a:gd name="adj" fmla="val 14520"/>
+            </a:avLst>
+          </a:prstGeom>
+          <a:ln w="12700"/>
+        </p:spPr>
+        <p:style>
+          <a:lnRef idx="2">
+            <a:schemeClr val="dk1"/>
+          </a:lnRef>
+          <a:fillRef idx="1">
+            <a:schemeClr val="lt1"/>
+          </a:fillRef>
+          <a:effectRef idx="0">
+            <a:schemeClr val="dk1"/>
+          </a:effectRef>
+          <a:fontRef idx="minor">
+            <a:schemeClr val="dk1"/>
+          </a:fontRef>
+        </p:style>
+        <p:txBody>
+          <a:bodyPr rtlCol="0" anchor="ctr"/>
+          <a:lstStyle/>
+          <a:p>
+            <a:pPr algn="ctr"/>
+            <a:r>
+              <a:rPr lang="en-US" altLang="ko-KR" sz="1000" b="1"/>
+              <a:t>istio-proxy</a:t>
+            </a:r>
+          </a:p>
+          <a:p>
+            <a:pPr algn="ctr"/>
+            <a:r>
+              <a:rPr lang="en-US" altLang="ko-KR" sz="1000"/>
+              <a:t>Container</a:t>
+            </a:r>
+          </a:p>
+        </p:txBody>
+      </p:sp>
+      <p:sp>
+        <p:nvSpPr>
+          <p:cNvPr id="7" name="사각형: 둥근 모서리 29">
+            <a:extLst>
+              <a:ext uri="{FF2B5EF4-FFF2-40B4-BE49-F238E27FC236}">
+                <a16:creationId xmlns:a16="http://schemas.microsoft.com/office/drawing/2014/main" id="{BB68702A-6E61-1793-C1A4-520A761EE7D7}"/>
+              </a:ext>
+            </a:extLst>
+          </p:cNvPr>
+          <p:cNvSpPr/>
+          <p:nvPr/>
+        </p:nvSpPr>
+        <p:spPr>
+          <a:xfrm>
+            <a:off x="269263" y="195486"/>
+            <a:ext cx="989457" cy="439396"/>
+          </a:xfrm>
+          <a:prstGeom prst="roundRect">
+            <a:avLst>
+              <a:gd name="adj" fmla="val 14520"/>
+            </a:avLst>
+          </a:prstGeom>
+          <a:ln w="12700"/>
+        </p:spPr>
+        <p:style>
+          <a:lnRef idx="2">
+            <a:schemeClr val="dk1"/>
+          </a:lnRef>
+          <a:fillRef idx="1">
+            <a:schemeClr val="lt1"/>
+          </a:fillRef>
+          <a:effectRef idx="0">
+            <a:schemeClr val="dk1"/>
+          </a:effectRef>
+          <a:fontRef idx="minor">
+            <a:schemeClr val="dk1"/>
+          </a:fontRef>
+        </p:style>
+        <p:txBody>
+          <a:bodyPr rtlCol="0" anchor="ctr"/>
+          <a:lstStyle/>
+          <a:p>
+            <a:pPr algn="ctr"/>
+            <a:r>
+              <a:rPr lang="en-US" altLang="ko-KR" sz="1000" b="1"/>
+              <a:t>shell</a:t>
+            </a:r>
+          </a:p>
+          <a:p>
+            <a:pPr algn="ctr"/>
+            <a:r>
+              <a:rPr lang="en-US" altLang="ko-KR" sz="1000"/>
+              <a:t>Container</a:t>
+            </a:r>
+          </a:p>
+        </p:txBody>
+      </p:sp>
+      <p:sp>
+        <p:nvSpPr>
+          <p:cNvPr id="10" name="사각형: 둥근 모서리 29">
+            <a:extLst>
+              <a:ext uri="{FF2B5EF4-FFF2-40B4-BE49-F238E27FC236}">
+                <a16:creationId xmlns:a16="http://schemas.microsoft.com/office/drawing/2014/main" id="{98BE2486-F289-3189-578C-6B4BC9F1A5C2}"/>
+              </a:ext>
+            </a:extLst>
+          </p:cNvPr>
+          <p:cNvSpPr/>
+          <p:nvPr/>
+        </p:nvSpPr>
+        <p:spPr>
+          <a:xfrm>
+            <a:off x="4932042" y="123478"/>
+            <a:ext cx="4032446" cy="600168"/>
+          </a:xfrm>
+          <a:prstGeom prst="roundRect">
+            <a:avLst>
+              <a:gd name="adj" fmla="val 10124"/>
+            </a:avLst>
+          </a:prstGeom>
+          <a:ln w="12700"/>
+        </p:spPr>
+        <p:style>
+          <a:lnRef idx="2">
+            <a:schemeClr val="dk1"/>
+          </a:lnRef>
+          <a:fillRef idx="1">
+            <a:schemeClr val="lt1"/>
+          </a:fillRef>
+          <a:effectRef idx="0">
+            <a:schemeClr val="dk1"/>
+          </a:effectRef>
+          <a:fontRef idx="minor">
+            <a:schemeClr val="dk1"/>
+          </a:fontRef>
+        </p:style>
+        <p:txBody>
+          <a:bodyPr rtlCol="0" anchor="t"/>
+          <a:lstStyle/>
+          <a:p>
+            <a:pPr algn="ctr"/>
+            <a:r>
+              <a:rPr lang="en-US" altLang="ko-KR" sz="1000" b="1"/>
+              <a:t>mock-server </a:t>
+            </a:r>
+            <a:r>
+              <a:rPr lang="en-US" altLang="ko-KR" sz="1000"/>
+              <a:t>Pod</a:t>
+            </a:r>
+          </a:p>
+        </p:txBody>
+      </p:sp>
+      <p:sp>
+        <p:nvSpPr>
+          <p:cNvPr id="11" name="사각형: 둥근 모서리 29">
+            <a:extLst>
+              <a:ext uri="{FF2B5EF4-FFF2-40B4-BE49-F238E27FC236}">
+                <a16:creationId xmlns:a16="http://schemas.microsoft.com/office/drawing/2014/main" id="{5CB09E3F-7905-5FF0-8844-E1BEC7E99CFB}"/>
+              </a:ext>
+            </a:extLst>
+          </p:cNvPr>
+          <p:cNvSpPr/>
+          <p:nvPr/>
+        </p:nvSpPr>
+        <p:spPr>
+          <a:xfrm>
+            <a:off x="7885282" y="195486"/>
+            <a:ext cx="989457" cy="439396"/>
+          </a:xfrm>
+          <a:prstGeom prst="roundRect">
+            <a:avLst>
+              <a:gd name="adj" fmla="val 14520"/>
+            </a:avLst>
+          </a:prstGeom>
+          <a:ln w="12700"/>
+        </p:spPr>
+        <p:style>
+          <a:lnRef idx="2">
+            <a:schemeClr val="dk1"/>
+          </a:lnRef>
+          <a:fillRef idx="1">
+            <a:schemeClr val="lt1"/>
+          </a:fillRef>
+          <a:effectRef idx="0">
+            <a:schemeClr val="dk1"/>
+          </a:effectRef>
+          <a:fontRef idx="minor">
+            <a:schemeClr val="dk1"/>
+          </a:fontRef>
+        </p:style>
+        <p:txBody>
+          <a:bodyPr rtlCol="0" anchor="ctr"/>
+          <a:lstStyle/>
+          <a:p>
+            <a:pPr algn="ctr"/>
+            <a:r>
+              <a:rPr lang="en-US" altLang="ko-KR" sz="1000" b="1"/>
+              <a:t>mock-server</a:t>
+            </a:r>
+          </a:p>
+          <a:p>
+            <a:pPr algn="ctr"/>
+            <a:r>
+              <a:rPr lang="en-US" altLang="ko-KR" sz="1000"/>
+              <a:t>Container</a:t>
+            </a:r>
+          </a:p>
+        </p:txBody>
+      </p:sp>
+      <p:sp>
+        <p:nvSpPr>
+          <p:cNvPr id="12" name="사각형: 둥근 모서리 29">
+            <a:extLst>
+              <a:ext uri="{FF2B5EF4-FFF2-40B4-BE49-F238E27FC236}">
+                <a16:creationId xmlns:a16="http://schemas.microsoft.com/office/drawing/2014/main" id="{662DB82A-CC98-4FD9-9775-9DF27B4268AC}"/>
+              </a:ext>
+            </a:extLst>
+          </p:cNvPr>
+          <p:cNvSpPr/>
+          <p:nvPr/>
+        </p:nvSpPr>
+        <p:spPr>
+          <a:xfrm>
+            <a:off x="5016392" y="195486"/>
+            <a:ext cx="891282" cy="439396"/>
+          </a:xfrm>
+          <a:prstGeom prst="roundRect">
+            <a:avLst>
+              <a:gd name="adj" fmla="val 14520"/>
+            </a:avLst>
+          </a:prstGeom>
+          <a:ln w="12700"/>
+        </p:spPr>
+        <p:style>
+          <a:lnRef idx="2">
+            <a:schemeClr val="dk1"/>
+          </a:lnRef>
+          <a:fillRef idx="1">
+            <a:schemeClr val="lt1"/>
+          </a:fillRef>
+          <a:effectRef idx="0">
+            <a:schemeClr val="dk1"/>
+          </a:effectRef>
+          <a:fontRef idx="minor">
+            <a:schemeClr val="dk1"/>
+          </a:fontRef>
+        </p:style>
+        <p:txBody>
+          <a:bodyPr rtlCol="0" anchor="ctr"/>
+          <a:lstStyle/>
+          <a:p>
+            <a:pPr algn="ctr"/>
+            <a:r>
+              <a:rPr lang="en-US" altLang="ko-KR" sz="1000" b="1"/>
+              <a:t>istio-proxy</a:t>
+            </a:r>
+          </a:p>
+          <a:p>
+            <a:pPr algn="ctr"/>
+            <a:r>
+              <a:rPr lang="en-US" altLang="ko-KR" sz="1000"/>
+              <a:t>Container</a:t>
+            </a:r>
+          </a:p>
+        </p:txBody>
+      </p:sp>
+      <p:cxnSp>
+        <p:nvCxnSpPr>
+          <p:cNvPr id="36" name="Straight Arrow Connector 81">
+            <a:extLst>
+              <a:ext uri="{FF2B5EF4-FFF2-40B4-BE49-F238E27FC236}">
+                <a16:creationId xmlns:a16="http://schemas.microsoft.com/office/drawing/2014/main" id="{BD29BE1A-09D4-6DAB-39EE-8B1DAA0318B1}"/>
+              </a:ext>
+            </a:extLst>
+          </p:cNvPr>
+          <p:cNvCxnSpPr>
+            <a:cxnSpLocks/>
+            <a:stCxn id="6" idx="2"/>
+          </p:cNvCxnSpPr>
+          <p:nvPr/>
+        </p:nvCxnSpPr>
+        <p:spPr>
+          <a:xfrm>
+            <a:off x="3681969" y="634882"/>
+            <a:ext cx="0" cy="4313132"/>
+          </a:xfrm>
+          <a:prstGeom prst="straightConnector1">
+            <a:avLst/>
+          </a:prstGeom>
+          <a:ln>
+            <a:solidFill>
+              <a:schemeClr val="tx1"/>
+            </a:solidFill>
+            <a:prstDash val="dash"/>
+            <a:tailEnd type="triangle"/>
+          </a:ln>
+        </p:spPr>
+        <p:style>
+          <a:lnRef idx="1">
+            <a:schemeClr val="accent1"/>
+          </a:lnRef>
+          <a:fillRef idx="0">
+            <a:schemeClr val="accent1"/>
+          </a:fillRef>
+          <a:effectRef idx="0">
+            <a:schemeClr val="accent1"/>
+          </a:effectRef>
+          <a:fontRef idx="minor">
+            <a:schemeClr val="tx1"/>
+          </a:fontRef>
+        </p:style>
+      </p:cxnSp>
+      <p:cxnSp>
+        <p:nvCxnSpPr>
+          <p:cNvPr id="37" name="Straight Arrow Connector 81">
+            <a:extLst>
+              <a:ext uri="{FF2B5EF4-FFF2-40B4-BE49-F238E27FC236}">
+                <a16:creationId xmlns:a16="http://schemas.microsoft.com/office/drawing/2014/main" id="{9E625DD2-1891-1EEE-BC6D-7A2D4626FA6D}"/>
+              </a:ext>
+            </a:extLst>
+          </p:cNvPr>
+          <p:cNvCxnSpPr>
+            <a:cxnSpLocks/>
+            <a:stCxn id="7" idx="2"/>
+          </p:cNvCxnSpPr>
+          <p:nvPr/>
+        </p:nvCxnSpPr>
+        <p:spPr>
+          <a:xfrm>
+            <a:off x="763992" y="634882"/>
+            <a:ext cx="0" cy="4313132"/>
+          </a:xfrm>
+          <a:prstGeom prst="straightConnector1">
+            <a:avLst/>
+          </a:prstGeom>
+          <a:ln>
+            <a:solidFill>
+              <a:schemeClr val="tx1"/>
+            </a:solidFill>
+            <a:prstDash val="dash"/>
+            <a:tailEnd type="triangle"/>
+          </a:ln>
+        </p:spPr>
+        <p:style>
+          <a:lnRef idx="1">
+            <a:schemeClr val="accent1"/>
+          </a:lnRef>
+          <a:fillRef idx="0">
+            <a:schemeClr val="accent1"/>
+          </a:fillRef>
+          <a:effectRef idx="0">
+            <a:schemeClr val="accent1"/>
+          </a:effectRef>
+          <a:fontRef idx="minor">
+            <a:schemeClr val="tx1"/>
+          </a:fontRef>
+        </p:style>
+      </p:cxnSp>
+      <p:cxnSp>
+        <p:nvCxnSpPr>
+          <p:cNvPr id="46" name="Straight Arrow Connector 81">
+            <a:extLst>
+              <a:ext uri="{FF2B5EF4-FFF2-40B4-BE49-F238E27FC236}">
+                <a16:creationId xmlns:a16="http://schemas.microsoft.com/office/drawing/2014/main" id="{18FBBB0D-7D45-9E2C-2DA9-C0921490E302}"/>
+              </a:ext>
+            </a:extLst>
+          </p:cNvPr>
+          <p:cNvCxnSpPr>
+            <a:cxnSpLocks/>
+            <a:stCxn id="11" idx="2"/>
+          </p:cNvCxnSpPr>
+          <p:nvPr/>
+        </p:nvCxnSpPr>
+        <p:spPr>
+          <a:xfrm>
+            <a:off x="8380011" y="634882"/>
+            <a:ext cx="0" cy="4385140"/>
+          </a:xfrm>
+          <a:prstGeom prst="straightConnector1">
+            <a:avLst/>
+          </a:prstGeom>
+          <a:ln>
+            <a:solidFill>
+              <a:schemeClr val="tx1"/>
+            </a:solidFill>
+            <a:prstDash val="dash"/>
+            <a:tailEnd type="triangle"/>
+          </a:ln>
+        </p:spPr>
+        <p:style>
+          <a:lnRef idx="1">
+            <a:schemeClr val="accent1"/>
+          </a:lnRef>
+          <a:fillRef idx="0">
+            <a:schemeClr val="accent1"/>
+          </a:fillRef>
+          <a:effectRef idx="0">
+            <a:schemeClr val="accent1"/>
+          </a:effectRef>
+          <a:fontRef idx="minor">
+            <a:schemeClr val="tx1"/>
+          </a:fontRef>
+        </p:style>
+      </p:cxnSp>
+      <p:cxnSp>
+        <p:nvCxnSpPr>
+          <p:cNvPr id="47" name="Straight Arrow Connector 81">
+            <a:extLst>
+              <a:ext uri="{FF2B5EF4-FFF2-40B4-BE49-F238E27FC236}">
+                <a16:creationId xmlns:a16="http://schemas.microsoft.com/office/drawing/2014/main" id="{1D67D35F-C96A-52CB-8E4C-1FB9DA43E438}"/>
+              </a:ext>
+            </a:extLst>
+          </p:cNvPr>
+          <p:cNvCxnSpPr>
+            <a:cxnSpLocks/>
+            <a:stCxn id="12" idx="2"/>
+          </p:cNvCxnSpPr>
+          <p:nvPr/>
+        </p:nvCxnSpPr>
+        <p:spPr>
+          <a:xfrm>
+            <a:off x="5462033" y="634882"/>
+            <a:ext cx="0" cy="4313132"/>
+          </a:xfrm>
+          <a:prstGeom prst="straightConnector1">
+            <a:avLst/>
+          </a:prstGeom>
+          <a:ln>
+            <a:solidFill>
+              <a:schemeClr val="tx1"/>
+            </a:solidFill>
+            <a:prstDash val="dash"/>
+            <a:tailEnd type="triangle"/>
+          </a:ln>
+        </p:spPr>
+        <p:style>
+          <a:lnRef idx="1">
+            <a:schemeClr val="accent1"/>
+          </a:lnRef>
+          <a:fillRef idx="0">
+            <a:schemeClr val="accent1"/>
+          </a:fillRef>
+          <a:effectRef idx="0">
+            <a:schemeClr val="accent1"/>
+          </a:effectRef>
+          <a:fontRef idx="minor">
+            <a:schemeClr val="tx1"/>
+          </a:fontRef>
+        </p:style>
+      </p:cxnSp>
+      <p:cxnSp>
+        <p:nvCxnSpPr>
+          <p:cNvPr id="52" name="Straight Arrow Connector 81">
+            <a:extLst>
+              <a:ext uri="{FF2B5EF4-FFF2-40B4-BE49-F238E27FC236}">
+                <a16:creationId xmlns:a16="http://schemas.microsoft.com/office/drawing/2014/main" id="{407307EB-5C9E-3866-E5CC-521BE0128BE4}"/>
+              </a:ext>
+            </a:extLst>
+          </p:cNvPr>
+          <p:cNvCxnSpPr>
+            <a:cxnSpLocks/>
+          </p:cNvCxnSpPr>
+          <p:nvPr/>
+        </p:nvCxnSpPr>
+        <p:spPr>
+          <a:xfrm>
+            <a:off x="763988" y="1030205"/>
+            <a:ext cx="2917981" cy="0"/>
+          </a:xfrm>
+          <a:prstGeom prst="straightConnector1">
+            <a:avLst/>
+          </a:prstGeom>
+          <a:ln>
+            <a:solidFill>
+              <a:schemeClr val="tx1"/>
+            </a:solidFill>
+            <a:tailEnd type="triangle"/>
+          </a:ln>
+        </p:spPr>
+        <p:style>
+          <a:lnRef idx="1">
+            <a:schemeClr val="accent1"/>
+          </a:lnRef>
+          <a:fillRef idx="0">
+            <a:schemeClr val="accent1"/>
+          </a:fillRef>
+          <a:effectRef idx="0">
+            <a:schemeClr val="accent1"/>
+          </a:effectRef>
+          <a:fontRef idx="minor">
+            <a:schemeClr val="tx1"/>
+          </a:fontRef>
+        </p:style>
+      </p:cxnSp>
+      <p:sp>
+        <p:nvSpPr>
+          <p:cNvPr id="53" name="TextBox 52">
+            <a:extLst>
+              <a:ext uri="{FF2B5EF4-FFF2-40B4-BE49-F238E27FC236}">
+                <a16:creationId xmlns:a16="http://schemas.microsoft.com/office/drawing/2014/main" id="{073F56D7-C550-BC50-349D-9636296D26E5}"/>
+              </a:ext>
+            </a:extLst>
+          </p:cNvPr>
+          <p:cNvSpPr txBox="1"/>
+          <p:nvPr/>
+        </p:nvSpPr>
+        <p:spPr>
+          <a:xfrm>
+            <a:off x="763986" y="783984"/>
+            <a:ext cx="3159933" cy="246221"/>
+          </a:xfrm>
+          <a:prstGeom prst="rect">
+            <a:avLst/>
+          </a:prstGeom>
+          <a:noFill/>
+        </p:spPr>
+        <p:txBody>
+          <a:bodyPr wrap="square" rtlCol="0">
+            <a:spAutoFit/>
+          </a:bodyPr>
+          <a:lstStyle/>
+          <a:p>
+            <a:r>
+              <a:rPr kumimoji="1" lang="en-US" altLang="ko-KR" sz="1000" i="1"/>
+              <a:t>GET </a:t>
+            </a:r>
+            <a:r>
+              <a:rPr lang="en" altLang="ko-KR" sz="1000" i="1"/>
+              <a:t>mock-server:8080/reset-before-response/1000</a:t>
+            </a:r>
+            <a:endParaRPr kumimoji="1" lang="ko-KR" altLang="en-US" sz="1000" i="1"/>
+          </a:p>
+        </p:txBody>
+      </p:sp>
+      <p:cxnSp>
+        <p:nvCxnSpPr>
+          <p:cNvPr id="54" name="Straight Arrow Connector 81">
+            <a:extLst>
+              <a:ext uri="{FF2B5EF4-FFF2-40B4-BE49-F238E27FC236}">
+                <a16:creationId xmlns:a16="http://schemas.microsoft.com/office/drawing/2014/main" id="{B77EBA17-EF7D-8CE4-8A6D-CDA443310B12}"/>
+              </a:ext>
+            </a:extLst>
+          </p:cNvPr>
+          <p:cNvCxnSpPr>
+            <a:cxnSpLocks/>
+          </p:cNvCxnSpPr>
+          <p:nvPr/>
+        </p:nvCxnSpPr>
+        <p:spPr>
+          <a:xfrm>
+            <a:off x="5462033" y="1604597"/>
+            <a:ext cx="2917977" cy="0"/>
+          </a:xfrm>
+          <a:prstGeom prst="straightConnector1">
+            <a:avLst/>
+          </a:prstGeom>
+          <a:ln>
+            <a:solidFill>
+              <a:schemeClr val="tx1"/>
+            </a:solidFill>
+            <a:headEnd type="triangle" w="med" len="med"/>
+            <a:tailEnd type="none" w="med" len="med"/>
+          </a:ln>
+        </p:spPr>
+        <p:style>
+          <a:lnRef idx="1">
+            <a:schemeClr val="accent1"/>
+          </a:lnRef>
+          <a:fillRef idx="0">
+            <a:schemeClr val="accent1"/>
+          </a:fillRef>
+          <a:effectRef idx="0">
+            <a:schemeClr val="accent1"/>
+          </a:effectRef>
+          <a:fontRef idx="minor">
+            <a:schemeClr val="tx1"/>
+          </a:fontRef>
+        </p:style>
+      </p:cxnSp>
+      <p:sp>
+        <p:nvSpPr>
+          <p:cNvPr id="55" name="TextBox 54">
+            <a:extLst>
+              <a:ext uri="{FF2B5EF4-FFF2-40B4-BE49-F238E27FC236}">
+                <a16:creationId xmlns:a16="http://schemas.microsoft.com/office/drawing/2014/main" id="{E2111CA3-34AE-057C-2CDF-F40DAA539354}"/>
+              </a:ext>
+            </a:extLst>
+          </p:cNvPr>
+          <p:cNvSpPr txBox="1"/>
+          <p:nvPr/>
+        </p:nvSpPr>
+        <p:spPr>
+          <a:xfrm>
+            <a:off x="2666358" y="1676605"/>
+            <a:ext cx="2795674" cy="246221"/>
+          </a:xfrm>
+          <a:prstGeom prst="rect">
+            <a:avLst/>
+          </a:prstGeom>
+          <a:noFill/>
+        </p:spPr>
+        <p:txBody>
+          <a:bodyPr wrap="square" rtlCol="0">
+            <a:spAutoFit/>
+          </a:bodyPr>
+          <a:lstStyle/>
+          <a:p>
+            <a:pPr algn="r"/>
+            <a:r>
+              <a:rPr kumimoji="1" lang="en-US" altLang="ko-KR" sz="1000" i="1"/>
+              <a:t>503 Service Unavailable</a:t>
+            </a:r>
+            <a:endParaRPr kumimoji="1" lang="ko-KR" altLang="en-US" sz="1000" i="1"/>
+          </a:p>
+        </p:txBody>
+      </p:sp>
+      <p:cxnSp>
+        <p:nvCxnSpPr>
+          <p:cNvPr id="63" name="Straight Arrow Connector 81">
+            <a:extLst>
+              <a:ext uri="{FF2B5EF4-FFF2-40B4-BE49-F238E27FC236}">
+                <a16:creationId xmlns:a16="http://schemas.microsoft.com/office/drawing/2014/main" id="{D03C5C8D-6BA5-274A-850A-22C6CC6B7BA2}"/>
+              </a:ext>
+            </a:extLst>
+          </p:cNvPr>
+          <p:cNvCxnSpPr>
+            <a:cxnSpLocks/>
+          </p:cNvCxnSpPr>
+          <p:nvPr/>
+        </p:nvCxnSpPr>
+        <p:spPr>
+          <a:xfrm>
+            <a:off x="3681969" y="1104000"/>
+            <a:ext cx="1780064" cy="0"/>
+          </a:xfrm>
+          <a:prstGeom prst="straightConnector1">
+            <a:avLst/>
+          </a:prstGeom>
+          <a:ln>
+            <a:solidFill>
+              <a:schemeClr val="tx1"/>
+            </a:solidFill>
+            <a:tailEnd type="triangle"/>
+          </a:ln>
+        </p:spPr>
+        <p:style>
+          <a:lnRef idx="1">
+            <a:schemeClr val="accent1"/>
+          </a:lnRef>
+          <a:fillRef idx="0">
+            <a:schemeClr val="accent1"/>
+          </a:fillRef>
+          <a:effectRef idx="0">
+            <a:schemeClr val="accent1"/>
+          </a:effectRef>
+          <a:fontRef idx="minor">
+            <a:schemeClr val="tx1"/>
+          </a:fontRef>
+        </p:style>
+      </p:cxnSp>
+      <p:cxnSp>
+        <p:nvCxnSpPr>
+          <p:cNvPr id="64" name="Straight Arrow Connector 81">
+            <a:extLst>
+              <a:ext uri="{FF2B5EF4-FFF2-40B4-BE49-F238E27FC236}">
+                <a16:creationId xmlns:a16="http://schemas.microsoft.com/office/drawing/2014/main" id="{ED8BA536-A74A-AB7D-5673-49353D2A389D}"/>
+              </a:ext>
+            </a:extLst>
+          </p:cNvPr>
+          <p:cNvCxnSpPr>
+            <a:cxnSpLocks/>
+          </p:cNvCxnSpPr>
+          <p:nvPr/>
+        </p:nvCxnSpPr>
+        <p:spPr>
+          <a:xfrm>
+            <a:off x="5462033" y="1183891"/>
+            <a:ext cx="2917978" cy="0"/>
+          </a:xfrm>
+          <a:prstGeom prst="straightConnector1">
+            <a:avLst/>
+          </a:prstGeom>
+          <a:ln>
+            <a:solidFill>
+              <a:schemeClr val="tx1"/>
+            </a:solidFill>
+            <a:tailEnd type="triangle"/>
+          </a:ln>
+        </p:spPr>
+        <p:style>
+          <a:lnRef idx="1">
+            <a:schemeClr val="accent1"/>
+          </a:lnRef>
+          <a:fillRef idx="0">
+            <a:schemeClr val="accent1"/>
+          </a:fillRef>
+          <a:effectRef idx="0">
+            <a:schemeClr val="accent1"/>
+          </a:effectRef>
+          <a:fontRef idx="minor">
+            <a:schemeClr val="tx1"/>
+          </a:fontRef>
+        </p:style>
+      </p:cxnSp>
+      <p:cxnSp>
+        <p:nvCxnSpPr>
+          <p:cNvPr id="70" name="Straight Arrow Connector 81">
+            <a:extLst>
+              <a:ext uri="{FF2B5EF4-FFF2-40B4-BE49-F238E27FC236}">
+                <a16:creationId xmlns:a16="http://schemas.microsoft.com/office/drawing/2014/main" id="{9FA8D0C5-E452-DF3C-CB38-937FB4A28B50}"/>
+              </a:ext>
+            </a:extLst>
+          </p:cNvPr>
+          <p:cNvCxnSpPr>
+            <a:cxnSpLocks/>
+          </p:cNvCxnSpPr>
+          <p:nvPr/>
+        </p:nvCxnSpPr>
+        <p:spPr>
+          <a:xfrm>
+            <a:off x="3681977" y="1676605"/>
+            <a:ext cx="1780056" cy="0"/>
+          </a:xfrm>
+          <a:prstGeom prst="straightConnector1">
+            <a:avLst/>
+          </a:prstGeom>
+          <a:ln>
+            <a:solidFill>
+              <a:schemeClr val="tx1"/>
+            </a:solidFill>
+            <a:headEnd type="triangle" w="med" len="med"/>
+            <a:tailEnd type="none" w="med" len="med"/>
+          </a:ln>
+        </p:spPr>
+        <p:style>
+          <a:lnRef idx="1">
+            <a:schemeClr val="accent1"/>
+          </a:lnRef>
+          <a:fillRef idx="0">
+            <a:schemeClr val="accent1"/>
+          </a:fillRef>
+          <a:effectRef idx="0">
+            <a:schemeClr val="accent1"/>
+          </a:effectRef>
+          <a:fontRef idx="minor">
+            <a:schemeClr val="tx1"/>
+          </a:fontRef>
+        </p:style>
+      </p:cxnSp>
+      <p:cxnSp>
+        <p:nvCxnSpPr>
+          <p:cNvPr id="73" name="Straight Arrow Connector 81">
+            <a:extLst>
+              <a:ext uri="{FF2B5EF4-FFF2-40B4-BE49-F238E27FC236}">
+                <a16:creationId xmlns:a16="http://schemas.microsoft.com/office/drawing/2014/main" id="{0764FA75-A45A-50C2-EFB8-171A2ECE4B01}"/>
+              </a:ext>
+            </a:extLst>
+          </p:cNvPr>
+          <p:cNvCxnSpPr>
+            <a:cxnSpLocks/>
+          </p:cNvCxnSpPr>
+          <p:nvPr/>
+        </p:nvCxnSpPr>
+        <p:spPr>
+          <a:xfrm>
+            <a:off x="763987" y="1748613"/>
+            <a:ext cx="2917982" cy="0"/>
+          </a:xfrm>
+          <a:prstGeom prst="straightConnector1">
+            <a:avLst/>
+          </a:prstGeom>
+          <a:ln>
+            <a:solidFill>
+              <a:schemeClr val="tx1"/>
+            </a:solidFill>
+            <a:headEnd type="triangle" w="med" len="med"/>
+            <a:tailEnd type="none" w="med" len="med"/>
+          </a:ln>
+        </p:spPr>
+        <p:style>
+          <a:lnRef idx="1">
+            <a:schemeClr val="accent1"/>
+          </a:lnRef>
+          <a:fillRef idx="0">
+            <a:schemeClr val="accent1"/>
+          </a:fillRef>
+          <a:effectRef idx="0">
+            <a:schemeClr val="accent1"/>
+          </a:effectRef>
+          <a:fontRef idx="minor">
+            <a:schemeClr val="tx1"/>
+          </a:fontRef>
+        </p:style>
+      </p:cxnSp>
+      <p:sp>
+        <p:nvSpPr>
+          <p:cNvPr id="2" name="호 1">
+            <a:extLst>
+              <a:ext uri="{FF2B5EF4-FFF2-40B4-BE49-F238E27FC236}">
+                <a16:creationId xmlns:a16="http://schemas.microsoft.com/office/drawing/2014/main" id="{8575321F-DA7E-D278-DE23-E5570022C613}"/>
+              </a:ext>
+            </a:extLst>
+          </p:cNvPr>
+          <p:cNvSpPr/>
+          <p:nvPr/>
+        </p:nvSpPr>
+        <p:spPr>
+          <a:xfrm>
+            <a:off x="8241825" y="1183890"/>
+            <a:ext cx="276365" cy="423019"/>
+          </a:xfrm>
+          <a:prstGeom prst="arc">
+            <a:avLst>
+              <a:gd name="adj1" fmla="val 16200000"/>
+              <a:gd name="adj2" fmla="val 5389298"/>
+            </a:avLst>
+          </a:prstGeom>
+          <a:ln>
+            <a:solidFill>
+              <a:schemeClr val="tx1"/>
+            </a:solidFill>
+            <a:headEnd type="none" w="med" len="med"/>
+            <a:tailEnd type="triangle" w="med" len="med"/>
+          </a:ln>
+        </p:spPr>
+        <p:style>
+          <a:lnRef idx="1">
+            <a:schemeClr val="accent1"/>
+          </a:lnRef>
+          <a:fillRef idx="0">
+            <a:schemeClr val="accent1"/>
+          </a:fillRef>
+          <a:effectRef idx="0">
+            <a:schemeClr val="accent1"/>
+          </a:effectRef>
+          <a:fontRef idx="minor">
+            <a:schemeClr val="tx1"/>
+          </a:fontRef>
+        </p:style>
+        <p:txBody>
+          <a:bodyPr rtlCol="0" anchor="ctr"/>
+          <a:lstStyle/>
+          <a:p>
+            <a:pPr algn="ctr"/>
+            <a:endParaRPr kumimoji="1" lang="ko-KR" altLang="en-US"/>
+          </a:p>
+        </p:txBody>
+      </p:sp>
+      <p:sp>
+        <p:nvSpPr>
+          <p:cNvPr id="4" name="TextBox 3">
+            <a:extLst>
+              <a:ext uri="{FF2B5EF4-FFF2-40B4-BE49-F238E27FC236}">
+                <a16:creationId xmlns:a16="http://schemas.microsoft.com/office/drawing/2014/main" id="{065ED7F0-227D-B119-D125-4DCF435EED7A}"/>
+              </a:ext>
+            </a:extLst>
+          </p:cNvPr>
+          <p:cNvSpPr txBox="1"/>
+          <p:nvPr/>
+        </p:nvSpPr>
+        <p:spPr>
+          <a:xfrm>
+            <a:off x="8410775" y="1272288"/>
+            <a:ext cx="689798" cy="246221"/>
+          </a:xfrm>
+          <a:prstGeom prst="rect">
+            <a:avLst/>
+          </a:prstGeom>
+          <a:noFill/>
+        </p:spPr>
+        <p:txBody>
+          <a:bodyPr wrap="square" rtlCol="0">
+            <a:spAutoFit/>
+          </a:bodyPr>
+          <a:lstStyle/>
+          <a:p>
+            <a:pPr algn="ctr"/>
+            <a:r>
+              <a:rPr kumimoji="1" lang="en-US" altLang="ko-KR" sz="1000" i="1"/>
+              <a:t>1000ms</a:t>
+            </a:r>
+            <a:endParaRPr kumimoji="1" lang="ko-KR" altLang="en-US" sz="1000" i="1"/>
+          </a:p>
+        </p:txBody>
+      </p:sp>
+      <p:sp>
+        <p:nvSpPr>
+          <p:cNvPr id="5" name="TextBox 4">
+            <a:extLst>
+              <a:ext uri="{FF2B5EF4-FFF2-40B4-BE49-F238E27FC236}">
+                <a16:creationId xmlns:a16="http://schemas.microsoft.com/office/drawing/2014/main" id="{E3DBC783-7EC4-22AA-6E83-FB3B60F5B6B4}"/>
+              </a:ext>
+            </a:extLst>
+          </p:cNvPr>
+          <p:cNvSpPr txBox="1"/>
+          <p:nvPr/>
+        </p:nvSpPr>
+        <p:spPr>
+          <a:xfrm>
+            <a:off x="5584333" y="1602286"/>
+            <a:ext cx="2795674" cy="246221"/>
+          </a:xfrm>
+          <a:prstGeom prst="rect">
+            <a:avLst/>
+          </a:prstGeom>
+          <a:noFill/>
+        </p:spPr>
+        <p:txBody>
+          <a:bodyPr wrap="square" rtlCol="0">
+            <a:spAutoFit/>
+          </a:bodyPr>
+          <a:lstStyle/>
+          <a:p>
+            <a:pPr algn="r"/>
+            <a:r>
+              <a:rPr kumimoji="1" lang="en-US" altLang="ko-KR" sz="1000" i="1"/>
+              <a:t>TCP RST</a:t>
+            </a:r>
+            <a:endParaRPr kumimoji="1" lang="ko-KR" altLang="en-US" sz="1000" i="1"/>
+          </a:p>
+        </p:txBody>
+      </p:sp>
+    </p:spTree>
+    <p:extLst>
+      <p:ext uri="{BB962C8B-B14F-4D97-AF65-F5344CB8AC3E}">
+        <p14:creationId xmlns:p14="http://schemas.microsoft.com/office/powerpoint/2010/main" val="1472402939"/>
+      </p:ext>
+    </p:extLst>
+  </p:cSld>
+  <p:clrMapOvr>
+    <a:masterClrMapping/>
+  </p:clrMapOvr>
+</p:sld>
+</file>
+
+<file path=ppt/slides/slide6.xml><?xml version="1.0" encoding="utf-8"?>
+<p:sld xmlns:a="http://schemas.openxmlformats.org/drawingml/2006/main" xmlns:r="http://schemas.openxmlformats.org/officeDocument/2006/relationships" xmlns:p="http://schemas.openxmlformats.org/presentationml/2006/main">
+  <p:cSld>
+    <p:spTree>
+      <p:nvGrpSpPr>
+        <p:cNvPr id="1" name="">
+          <a:extLst>
+            <a:ext uri="{FF2B5EF4-FFF2-40B4-BE49-F238E27FC236}">
+              <a16:creationId xmlns:a16="http://schemas.microsoft.com/office/drawing/2014/main" id="{C43AE7AB-87CD-BC59-E9C8-46F7963E97E4}"/>
+            </a:ext>
+          </a:extLst>
+        </p:cNvPr>
+        <p:cNvGrpSpPr/>
+        <p:nvPr/>
+      </p:nvGrpSpPr>
+      <p:grpSpPr>
+        <a:xfrm>
+          <a:off x="0" y="0"/>
+          <a:ext cx="0" cy="0"/>
+          <a:chOff x="0" y="0"/>
+          <a:chExt cx="0" cy="0"/>
+        </a:xfrm>
+      </p:grpSpPr>
+      <p:sp>
+        <p:nvSpPr>
+          <p:cNvPr id="3" name="사각형: 둥근 모서리 29">
+            <a:extLst>
+              <a:ext uri="{FF2B5EF4-FFF2-40B4-BE49-F238E27FC236}">
+                <a16:creationId xmlns:a16="http://schemas.microsoft.com/office/drawing/2014/main" id="{9F886A1B-5171-B477-B1E2-80213B993251}"/>
+              </a:ext>
+            </a:extLst>
+          </p:cNvPr>
+          <p:cNvSpPr/>
+          <p:nvPr/>
+        </p:nvSpPr>
+        <p:spPr>
+          <a:xfrm>
+            <a:off x="179512" y="123478"/>
+            <a:ext cx="4032448" cy="600168"/>
+          </a:xfrm>
+          <a:prstGeom prst="roundRect">
+            <a:avLst>
+              <a:gd name="adj" fmla="val 10124"/>
+            </a:avLst>
+          </a:prstGeom>
+          <a:ln w="12700"/>
+        </p:spPr>
+        <p:style>
+          <a:lnRef idx="2">
+            <a:schemeClr val="dk1"/>
+          </a:lnRef>
+          <a:fillRef idx="1">
+            <a:schemeClr val="lt1"/>
+          </a:fillRef>
+          <a:effectRef idx="0">
+            <a:schemeClr val="dk1"/>
+          </a:effectRef>
+          <a:fontRef idx="minor">
+            <a:schemeClr val="dk1"/>
+          </a:fontRef>
+        </p:style>
+        <p:txBody>
+          <a:bodyPr rtlCol="0" anchor="t"/>
+          <a:lstStyle/>
+          <a:p>
+            <a:pPr algn="ctr"/>
+            <a:r>
+              <a:rPr lang="en-US" altLang="ko-KR" sz="1000" b="1"/>
+              <a:t>shell </a:t>
+            </a:r>
+            <a:r>
+              <a:rPr lang="en-US" altLang="ko-KR" sz="1000"/>
+              <a:t>Pod</a:t>
+            </a:r>
+          </a:p>
+        </p:txBody>
+      </p:sp>
+      <p:sp>
+        <p:nvSpPr>
+          <p:cNvPr id="6" name="사각형: 둥근 모서리 29">
+            <a:extLst>
+              <a:ext uri="{FF2B5EF4-FFF2-40B4-BE49-F238E27FC236}">
+                <a16:creationId xmlns:a16="http://schemas.microsoft.com/office/drawing/2014/main" id="{C44C7BB2-287B-7CA9-3611-CDAC28833FFB}"/>
+              </a:ext>
+            </a:extLst>
+          </p:cNvPr>
+          <p:cNvSpPr/>
+          <p:nvPr/>
+        </p:nvSpPr>
+        <p:spPr>
+          <a:xfrm>
+            <a:off x="3236328" y="195486"/>
+            <a:ext cx="891282" cy="439396"/>
+          </a:xfrm>
+          <a:prstGeom prst="roundRect">
+            <a:avLst>
+              <a:gd name="adj" fmla="val 14520"/>
+            </a:avLst>
+          </a:prstGeom>
+          <a:ln w="12700"/>
+        </p:spPr>
+        <p:style>
+          <a:lnRef idx="2">
+            <a:schemeClr val="dk1"/>
+          </a:lnRef>
+          <a:fillRef idx="1">
+            <a:schemeClr val="lt1"/>
+          </a:fillRef>
+          <a:effectRef idx="0">
+            <a:schemeClr val="dk1"/>
+          </a:effectRef>
+          <a:fontRef idx="minor">
+            <a:schemeClr val="dk1"/>
+          </a:fontRef>
+        </p:style>
+        <p:txBody>
+          <a:bodyPr rtlCol="0" anchor="ctr"/>
+          <a:lstStyle/>
+          <a:p>
+            <a:pPr algn="ctr"/>
+            <a:r>
+              <a:rPr lang="en-US" altLang="ko-KR" sz="1000" b="1"/>
+              <a:t>istio-proxy</a:t>
+            </a:r>
+          </a:p>
+          <a:p>
+            <a:pPr algn="ctr"/>
+            <a:r>
+              <a:rPr lang="en-US" altLang="ko-KR" sz="1000"/>
+              <a:t>Container</a:t>
+            </a:r>
+          </a:p>
+        </p:txBody>
+      </p:sp>
+      <p:sp>
+        <p:nvSpPr>
+          <p:cNvPr id="7" name="사각형: 둥근 모서리 29">
+            <a:extLst>
+              <a:ext uri="{FF2B5EF4-FFF2-40B4-BE49-F238E27FC236}">
+                <a16:creationId xmlns:a16="http://schemas.microsoft.com/office/drawing/2014/main" id="{329C40AC-62A6-EA0E-C9C7-919008228F45}"/>
+              </a:ext>
+            </a:extLst>
+          </p:cNvPr>
+          <p:cNvSpPr/>
+          <p:nvPr/>
+        </p:nvSpPr>
+        <p:spPr>
+          <a:xfrm>
+            <a:off x="269263" y="195486"/>
+            <a:ext cx="989457" cy="439396"/>
+          </a:xfrm>
+          <a:prstGeom prst="roundRect">
+            <a:avLst>
+              <a:gd name="adj" fmla="val 14520"/>
+            </a:avLst>
+          </a:prstGeom>
+          <a:ln w="12700"/>
+        </p:spPr>
+        <p:style>
+          <a:lnRef idx="2">
+            <a:schemeClr val="dk1"/>
+          </a:lnRef>
+          <a:fillRef idx="1">
+            <a:schemeClr val="lt1"/>
+          </a:fillRef>
+          <a:effectRef idx="0">
+            <a:schemeClr val="dk1"/>
+          </a:effectRef>
+          <a:fontRef idx="minor">
+            <a:schemeClr val="dk1"/>
+          </a:fontRef>
+        </p:style>
+        <p:txBody>
+          <a:bodyPr rtlCol="0" anchor="ctr"/>
+          <a:lstStyle/>
+          <a:p>
+            <a:pPr algn="ctr"/>
+            <a:r>
+              <a:rPr lang="en-US" altLang="ko-KR" sz="1000" b="1"/>
+              <a:t>shell</a:t>
+            </a:r>
+          </a:p>
+          <a:p>
+            <a:pPr algn="ctr"/>
+            <a:r>
+              <a:rPr lang="en-US" altLang="ko-KR" sz="1000"/>
+              <a:t>Container</a:t>
+            </a:r>
+          </a:p>
+        </p:txBody>
+      </p:sp>
+      <p:sp>
+        <p:nvSpPr>
+          <p:cNvPr id="10" name="사각형: 둥근 모서리 29">
+            <a:extLst>
+              <a:ext uri="{FF2B5EF4-FFF2-40B4-BE49-F238E27FC236}">
+                <a16:creationId xmlns:a16="http://schemas.microsoft.com/office/drawing/2014/main" id="{3381388C-31CE-3BA1-933F-F6814F5E7061}"/>
+              </a:ext>
+            </a:extLst>
+          </p:cNvPr>
+          <p:cNvSpPr/>
+          <p:nvPr/>
+        </p:nvSpPr>
+        <p:spPr>
+          <a:xfrm>
+            <a:off x="4932042" y="123478"/>
+            <a:ext cx="4032446" cy="600168"/>
+          </a:xfrm>
+          <a:prstGeom prst="roundRect">
+            <a:avLst>
+              <a:gd name="adj" fmla="val 10124"/>
+            </a:avLst>
+          </a:prstGeom>
+          <a:ln w="12700"/>
+        </p:spPr>
+        <p:style>
+          <a:lnRef idx="2">
+            <a:schemeClr val="dk1"/>
+          </a:lnRef>
+          <a:fillRef idx="1">
+            <a:schemeClr val="lt1"/>
+          </a:fillRef>
+          <a:effectRef idx="0">
+            <a:schemeClr val="dk1"/>
+          </a:effectRef>
+          <a:fontRef idx="minor">
+            <a:schemeClr val="dk1"/>
+          </a:fontRef>
+        </p:style>
+        <p:txBody>
+          <a:bodyPr rtlCol="0" anchor="t"/>
+          <a:lstStyle/>
+          <a:p>
+            <a:pPr algn="ctr"/>
+            <a:r>
+              <a:rPr lang="en-US" altLang="ko-KR" sz="1000" b="1"/>
+              <a:t>mock-server </a:t>
+            </a:r>
+            <a:r>
+              <a:rPr lang="en-US" altLang="ko-KR" sz="1000"/>
+              <a:t>Pod</a:t>
+            </a:r>
+          </a:p>
+        </p:txBody>
+      </p:sp>
+      <p:sp>
+        <p:nvSpPr>
+          <p:cNvPr id="11" name="사각형: 둥근 모서리 29">
+            <a:extLst>
+              <a:ext uri="{FF2B5EF4-FFF2-40B4-BE49-F238E27FC236}">
+                <a16:creationId xmlns:a16="http://schemas.microsoft.com/office/drawing/2014/main" id="{DD6CEC63-4A89-B3E2-8924-467501D335AB}"/>
+              </a:ext>
+            </a:extLst>
+          </p:cNvPr>
+          <p:cNvSpPr/>
+          <p:nvPr/>
+        </p:nvSpPr>
+        <p:spPr>
+          <a:xfrm>
+            <a:off x="7885282" y="195486"/>
+            <a:ext cx="989457" cy="439396"/>
+          </a:xfrm>
+          <a:prstGeom prst="roundRect">
+            <a:avLst>
+              <a:gd name="adj" fmla="val 14520"/>
+            </a:avLst>
+          </a:prstGeom>
+          <a:ln w="12700"/>
+        </p:spPr>
+        <p:style>
+          <a:lnRef idx="2">
+            <a:schemeClr val="dk1"/>
+          </a:lnRef>
+          <a:fillRef idx="1">
+            <a:schemeClr val="lt1"/>
+          </a:fillRef>
+          <a:effectRef idx="0">
+            <a:schemeClr val="dk1"/>
+          </a:effectRef>
+          <a:fontRef idx="minor">
+            <a:schemeClr val="dk1"/>
+          </a:fontRef>
+        </p:style>
+        <p:txBody>
+          <a:bodyPr rtlCol="0" anchor="ctr"/>
+          <a:lstStyle/>
+          <a:p>
+            <a:pPr algn="ctr"/>
+            <a:r>
+              <a:rPr lang="en-US" altLang="ko-KR" sz="1000" b="1"/>
+              <a:t>mock-server</a:t>
+            </a:r>
+          </a:p>
+          <a:p>
+            <a:pPr algn="ctr"/>
+            <a:r>
+              <a:rPr lang="en-US" altLang="ko-KR" sz="1000"/>
+              <a:t>Container</a:t>
+            </a:r>
+          </a:p>
+        </p:txBody>
+      </p:sp>
+      <p:sp>
+        <p:nvSpPr>
+          <p:cNvPr id="12" name="사각형: 둥근 모서리 29">
+            <a:extLst>
+              <a:ext uri="{FF2B5EF4-FFF2-40B4-BE49-F238E27FC236}">
+                <a16:creationId xmlns:a16="http://schemas.microsoft.com/office/drawing/2014/main" id="{BB9DBB4E-0D4C-5748-9BA6-A80035343A2B}"/>
+              </a:ext>
+            </a:extLst>
+          </p:cNvPr>
+          <p:cNvSpPr/>
+          <p:nvPr/>
+        </p:nvSpPr>
+        <p:spPr>
+          <a:xfrm>
+            <a:off x="5016392" y="195486"/>
+            <a:ext cx="891282" cy="439396"/>
+          </a:xfrm>
+          <a:prstGeom prst="roundRect">
+            <a:avLst>
+              <a:gd name="adj" fmla="val 14520"/>
+            </a:avLst>
+          </a:prstGeom>
+          <a:ln w="12700"/>
+        </p:spPr>
+        <p:style>
+          <a:lnRef idx="2">
+            <a:schemeClr val="dk1"/>
+          </a:lnRef>
+          <a:fillRef idx="1">
+            <a:schemeClr val="lt1"/>
+          </a:fillRef>
+          <a:effectRef idx="0">
+            <a:schemeClr val="dk1"/>
+          </a:effectRef>
+          <a:fontRef idx="minor">
+            <a:schemeClr val="dk1"/>
+          </a:fontRef>
+        </p:style>
+        <p:txBody>
+          <a:bodyPr rtlCol="0" anchor="ctr"/>
+          <a:lstStyle/>
+          <a:p>
+            <a:pPr algn="ctr"/>
+            <a:r>
+              <a:rPr lang="en-US" altLang="ko-KR" sz="1000" b="1"/>
+              <a:t>istio-proxy</a:t>
+            </a:r>
+          </a:p>
+          <a:p>
+            <a:pPr algn="ctr"/>
+            <a:r>
+              <a:rPr lang="en-US" altLang="ko-KR" sz="1000"/>
+              <a:t>Container</a:t>
+            </a:r>
+          </a:p>
+        </p:txBody>
+      </p:sp>
+      <p:cxnSp>
+        <p:nvCxnSpPr>
+          <p:cNvPr id="36" name="Straight Arrow Connector 81">
+            <a:extLst>
+              <a:ext uri="{FF2B5EF4-FFF2-40B4-BE49-F238E27FC236}">
+                <a16:creationId xmlns:a16="http://schemas.microsoft.com/office/drawing/2014/main" id="{92E1B4A6-6834-2243-F4E3-525026B43898}"/>
+              </a:ext>
+            </a:extLst>
+          </p:cNvPr>
+          <p:cNvCxnSpPr>
+            <a:cxnSpLocks/>
+            <a:stCxn id="6" idx="2"/>
+          </p:cNvCxnSpPr>
+          <p:nvPr/>
+        </p:nvCxnSpPr>
+        <p:spPr>
+          <a:xfrm>
+            <a:off x="3681969" y="634882"/>
+            <a:ext cx="0" cy="4313132"/>
+          </a:xfrm>
+          <a:prstGeom prst="straightConnector1">
+            <a:avLst/>
+          </a:prstGeom>
+          <a:ln>
+            <a:solidFill>
+              <a:schemeClr val="tx1"/>
+            </a:solidFill>
+            <a:prstDash val="dash"/>
+            <a:tailEnd type="triangle"/>
+          </a:ln>
+        </p:spPr>
+        <p:style>
+          <a:lnRef idx="1">
+            <a:schemeClr val="accent1"/>
+          </a:lnRef>
+          <a:fillRef idx="0">
+            <a:schemeClr val="accent1"/>
+          </a:fillRef>
+          <a:effectRef idx="0">
+            <a:schemeClr val="accent1"/>
+          </a:effectRef>
+          <a:fontRef idx="minor">
+            <a:schemeClr val="tx1"/>
+          </a:fontRef>
+        </p:style>
+      </p:cxnSp>
+      <p:cxnSp>
+        <p:nvCxnSpPr>
+          <p:cNvPr id="37" name="Straight Arrow Connector 81">
+            <a:extLst>
+              <a:ext uri="{FF2B5EF4-FFF2-40B4-BE49-F238E27FC236}">
+                <a16:creationId xmlns:a16="http://schemas.microsoft.com/office/drawing/2014/main" id="{2FD70B6F-7830-1F73-E0CF-FE152D91FA7F}"/>
+              </a:ext>
+            </a:extLst>
+          </p:cNvPr>
+          <p:cNvCxnSpPr>
+            <a:cxnSpLocks/>
+            <a:stCxn id="7" idx="2"/>
+          </p:cNvCxnSpPr>
+          <p:nvPr/>
+        </p:nvCxnSpPr>
+        <p:spPr>
+          <a:xfrm>
+            <a:off x="763992" y="634882"/>
+            <a:ext cx="0" cy="4313132"/>
+          </a:xfrm>
+          <a:prstGeom prst="straightConnector1">
+            <a:avLst/>
+          </a:prstGeom>
+          <a:ln>
+            <a:solidFill>
+              <a:schemeClr val="tx1"/>
+            </a:solidFill>
+            <a:prstDash val="dash"/>
+            <a:tailEnd type="triangle"/>
+          </a:ln>
+        </p:spPr>
+        <p:style>
+          <a:lnRef idx="1">
+            <a:schemeClr val="accent1"/>
+          </a:lnRef>
+          <a:fillRef idx="0">
+            <a:schemeClr val="accent1"/>
+          </a:fillRef>
+          <a:effectRef idx="0">
+            <a:schemeClr val="accent1"/>
+          </a:effectRef>
+          <a:fontRef idx="minor">
+            <a:schemeClr val="tx1"/>
+          </a:fontRef>
+        </p:style>
+      </p:cxnSp>
+      <p:cxnSp>
+        <p:nvCxnSpPr>
+          <p:cNvPr id="46" name="Straight Arrow Connector 81">
+            <a:extLst>
+              <a:ext uri="{FF2B5EF4-FFF2-40B4-BE49-F238E27FC236}">
+                <a16:creationId xmlns:a16="http://schemas.microsoft.com/office/drawing/2014/main" id="{985165D9-6BFA-A058-CE2C-DC229BAF1B30}"/>
+              </a:ext>
+            </a:extLst>
+          </p:cNvPr>
+          <p:cNvCxnSpPr>
+            <a:cxnSpLocks/>
+            <a:stCxn id="11" idx="2"/>
+          </p:cNvCxnSpPr>
+          <p:nvPr/>
+        </p:nvCxnSpPr>
+        <p:spPr>
+          <a:xfrm>
+            <a:off x="8380011" y="634882"/>
+            <a:ext cx="0" cy="4385140"/>
+          </a:xfrm>
+          <a:prstGeom prst="straightConnector1">
+            <a:avLst/>
+          </a:prstGeom>
+          <a:ln>
+            <a:solidFill>
+              <a:schemeClr val="tx1"/>
+            </a:solidFill>
+            <a:prstDash val="dash"/>
+            <a:tailEnd type="triangle"/>
+          </a:ln>
+        </p:spPr>
+        <p:style>
+          <a:lnRef idx="1">
+            <a:schemeClr val="accent1"/>
+          </a:lnRef>
+          <a:fillRef idx="0">
+            <a:schemeClr val="accent1"/>
+          </a:fillRef>
+          <a:effectRef idx="0">
+            <a:schemeClr val="accent1"/>
+          </a:effectRef>
+          <a:fontRef idx="minor">
+            <a:schemeClr val="tx1"/>
+          </a:fontRef>
+        </p:style>
+      </p:cxnSp>
+      <p:cxnSp>
+        <p:nvCxnSpPr>
+          <p:cNvPr id="47" name="Straight Arrow Connector 81">
+            <a:extLst>
+              <a:ext uri="{FF2B5EF4-FFF2-40B4-BE49-F238E27FC236}">
+                <a16:creationId xmlns:a16="http://schemas.microsoft.com/office/drawing/2014/main" id="{8AD2040C-E047-FAA5-E8AD-F04999BF5E25}"/>
+              </a:ext>
+            </a:extLst>
+          </p:cNvPr>
+          <p:cNvCxnSpPr>
+            <a:cxnSpLocks/>
+            <a:stCxn id="12" idx="2"/>
+          </p:cNvCxnSpPr>
+          <p:nvPr/>
+        </p:nvCxnSpPr>
+        <p:spPr>
+          <a:xfrm>
+            <a:off x="5462033" y="634882"/>
+            <a:ext cx="0" cy="4313132"/>
+          </a:xfrm>
+          <a:prstGeom prst="straightConnector1">
+            <a:avLst/>
+          </a:prstGeom>
+          <a:ln>
+            <a:solidFill>
+              <a:schemeClr val="tx1"/>
+            </a:solidFill>
+            <a:prstDash val="dash"/>
+            <a:tailEnd type="triangle"/>
+          </a:ln>
+        </p:spPr>
+        <p:style>
+          <a:lnRef idx="1">
+            <a:schemeClr val="accent1"/>
+          </a:lnRef>
+          <a:fillRef idx="0">
+            <a:schemeClr val="accent1"/>
+          </a:fillRef>
+          <a:effectRef idx="0">
+            <a:schemeClr val="accent1"/>
+          </a:effectRef>
+          <a:fontRef idx="minor">
+            <a:schemeClr val="tx1"/>
+          </a:fontRef>
+        </p:style>
+      </p:cxnSp>
+      <p:cxnSp>
+        <p:nvCxnSpPr>
+          <p:cNvPr id="52" name="Straight Arrow Connector 81">
+            <a:extLst>
+              <a:ext uri="{FF2B5EF4-FFF2-40B4-BE49-F238E27FC236}">
+                <a16:creationId xmlns:a16="http://schemas.microsoft.com/office/drawing/2014/main" id="{8AFEF405-988E-FF87-9158-29D249B91536}"/>
+              </a:ext>
+            </a:extLst>
+          </p:cNvPr>
+          <p:cNvCxnSpPr>
+            <a:cxnSpLocks/>
+          </p:cNvCxnSpPr>
+          <p:nvPr/>
+        </p:nvCxnSpPr>
+        <p:spPr>
+          <a:xfrm>
+            <a:off x="763988" y="1030205"/>
+            <a:ext cx="2917981" cy="0"/>
+          </a:xfrm>
+          <a:prstGeom prst="straightConnector1">
+            <a:avLst/>
+          </a:prstGeom>
+          <a:ln>
+            <a:solidFill>
+              <a:schemeClr val="tx1"/>
+            </a:solidFill>
+            <a:tailEnd type="triangle"/>
+          </a:ln>
+        </p:spPr>
+        <p:style>
+          <a:lnRef idx="1">
+            <a:schemeClr val="accent1"/>
+          </a:lnRef>
+          <a:fillRef idx="0">
+            <a:schemeClr val="accent1"/>
+          </a:fillRef>
+          <a:effectRef idx="0">
+            <a:schemeClr val="accent1"/>
+          </a:effectRef>
+          <a:fontRef idx="minor">
+            <a:schemeClr val="tx1"/>
+          </a:fontRef>
+        </p:style>
+      </p:cxnSp>
+      <p:sp>
+        <p:nvSpPr>
+          <p:cNvPr id="53" name="TextBox 52">
+            <a:extLst>
+              <a:ext uri="{FF2B5EF4-FFF2-40B4-BE49-F238E27FC236}">
+                <a16:creationId xmlns:a16="http://schemas.microsoft.com/office/drawing/2014/main" id="{5E451B5E-3D14-003E-6CCE-E7B281038160}"/>
+              </a:ext>
+            </a:extLst>
+          </p:cNvPr>
+          <p:cNvSpPr txBox="1"/>
+          <p:nvPr/>
+        </p:nvSpPr>
+        <p:spPr>
+          <a:xfrm>
+            <a:off x="763986" y="783984"/>
+            <a:ext cx="3159933" cy="246221"/>
+          </a:xfrm>
+          <a:prstGeom prst="rect">
+            <a:avLst/>
+          </a:prstGeom>
+          <a:noFill/>
+        </p:spPr>
+        <p:txBody>
+          <a:bodyPr wrap="square" rtlCol="0">
+            <a:spAutoFit/>
+          </a:bodyPr>
+          <a:lstStyle/>
+          <a:p>
+            <a:r>
+              <a:rPr kumimoji="1" lang="en-US" altLang="ko-KR" sz="1000" i="1"/>
+              <a:t>GET </a:t>
+            </a:r>
+            <a:r>
+              <a:rPr lang="en" altLang="ko-KR" sz="1000" i="1"/>
+              <a:t>mock-server:8080/reset-after-response/1000</a:t>
+            </a:r>
+            <a:endParaRPr kumimoji="1" lang="ko-KR" altLang="en-US" sz="1000" i="1"/>
+          </a:p>
+        </p:txBody>
+      </p:sp>
+      <p:cxnSp>
+        <p:nvCxnSpPr>
+          <p:cNvPr id="54" name="Straight Arrow Connector 81">
+            <a:extLst>
+              <a:ext uri="{FF2B5EF4-FFF2-40B4-BE49-F238E27FC236}">
+                <a16:creationId xmlns:a16="http://schemas.microsoft.com/office/drawing/2014/main" id="{5D36FA40-80BA-11B9-BA57-A65A79F08E05}"/>
+              </a:ext>
+            </a:extLst>
+          </p:cNvPr>
+          <p:cNvCxnSpPr>
+            <a:cxnSpLocks/>
+          </p:cNvCxnSpPr>
+          <p:nvPr/>
+        </p:nvCxnSpPr>
+        <p:spPr>
+          <a:xfrm>
+            <a:off x="5462033" y="1952858"/>
+            <a:ext cx="2917977" cy="0"/>
+          </a:xfrm>
+          <a:prstGeom prst="straightConnector1">
+            <a:avLst/>
+          </a:prstGeom>
+          <a:ln>
+            <a:solidFill>
+              <a:schemeClr val="tx1"/>
+            </a:solidFill>
+            <a:headEnd type="triangle" w="med" len="med"/>
+            <a:tailEnd type="none" w="med" len="med"/>
+          </a:ln>
+        </p:spPr>
+        <p:style>
+          <a:lnRef idx="1">
+            <a:schemeClr val="accent1"/>
+          </a:lnRef>
+          <a:fillRef idx="0">
+            <a:schemeClr val="accent1"/>
+          </a:fillRef>
+          <a:effectRef idx="0">
+            <a:schemeClr val="accent1"/>
+          </a:effectRef>
+          <a:fontRef idx="minor">
+            <a:schemeClr val="tx1"/>
+          </a:fontRef>
+        </p:style>
+      </p:cxnSp>
+      <p:sp>
+        <p:nvSpPr>
+          <p:cNvPr id="55" name="TextBox 54">
+            <a:extLst>
+              <a:ext uri="{FF2B5EF4-FFF2-40B4-BE49-F238E27FC236}">
+                <a16:creationId xmlns:a16="http://schemas.microsoft.com/office/drawing/2014/main" id="{80F055D2-6985-0183-C0D0-C028E0579752}"/>
+              </a:ext>
+            </a:extLst>
+          </p:cNvPr>
+          <p:cNvSpPr txBox="1"/>
+          <p:nvPr/>
+        </p:nvSpPr>
+        <p:spPr>
+          <a:xfrm>
+            <a:off x="2666358" y="2024866"/>
+            <a:ext cx="2795674" cy="246221"/>
+          </a:xfrm>
+          <a:prstGeom prst="rect">
+            <a:avLst/>
+          </a:prstGeom>
+          <a:noFill/>
+        </p:spPr>
+        <p:txBody>
+          <a:bodyPr wrap="square" rtlCol="0">
+            <a:spAutoFit/>
+          </a:bodyPr>
+          <a:lstStyle/>
+          <a:p>
+            <a:pPr algn="r"/>
+            <a:r>
+              <a:rPr kumimoji="1" lang="en-US" altLang="ko-KR" sz="1000" i="1"/>
+              <a:t>503 Service Unavailable</a:t>
+            </a:r>
+            <a:endParaRPr kumimoji="1" lang="ko-KR" altLang="en-US" sz="1000" i="1"/>
+          </a:p>
+        </p:txBody>
+      </p:sp>
+      <p:cxnSp>
+        <p:nvCxnSpPr>
+          <p:cNvPr id="63" name="Straight Arrow Connector 81">
+            <a:extLst>
+              <a:ext uri="{FF2B5EF4-FFF2-40B4-BE49-F238E27FC236}">
+                <a16:creationId xmlns:a16="http://schemas.microsoft.com/office/drawing/2014/main" id="{CDC247C2-C413-D8A7-8631-AC28179AC884}"/>
+              </a:ext>
+            </a:extLst>
+          </p:cNvPr>
+          <p:cNvCxnSpPr>
+            <a:cxnSpLocks/>
+          </p:cNvCxnSpPr>
+          <p:nvPr/>
+        </p:nvCxnSpPr>
+        <p:spPr>
+          <a:xfrm>
+            <a:off x="3681969" y="1104000"/>
+            <a:ext cx="1780064" cy="0"/>
+          </a:xfrm>
+          <a:prstGeom prst="straightConnector1">
+            <a:avLst/>
+          </a:prstGeom>
+          <a:ln>
+            <a:solidFill>
+              <a:schemeClr val="tx1"/>
+            </a:solidFill>
+            <a:tailEnd type="triangle"/>
+          </a:ln>
+        </p:spPr>
+        <p:style>
+          <a:lnRef idx="1">
+            <a:schemeClr val="accent1"/>
+          </a:lnRef>
+          <a:fillRef idx="0">
+            <a:schemeClr val="accent1"/>
+          </a:fillRef>
+          <a:effectRef idx="0">
+            <a:schemeClr val="accent1"/>
+          </a:effectRef>
+          <a:fontRef idx="minor">
+            <a:schemeClr val="tx1"/>
+          </a:fontRef>
+        </p:style>
+      </p:cxnSp>
+      <p:cxnSp>
+        <p:nvCxnSpPr>
+          <p:cNvPr id="64" name="Straight Arrow Connector 81">
+            <a:extLst>
+              <a:ext uri="{FF2B5EF4-FFF2-40B4-BE49-F238E27FC236}">
+                <a16:creationId xmlns:a16="http://schemas.microsoft.com/office/drawing/2014/main" id="{006CC072-6B0F-300F-33A0-D14071DADA2E}"/>
+              </a:ext>
+            </a:extLst>
+          </p:cNvPr>
+          <p:cNvCxnSpPr>
+            <a:cxnSpLocks/>
+          </p:cNvCxnSpPr>
+          <p:nvPr/>
+        </p:nvCxnSpPr>
+        <p:spPr>
+          <a:xfrm>
+            <a:off x="5462033" y="1183891"/>
+            <a:ext cx="2917978" cy="0"/>
+          </a:xfrm>
+          <a:prstGeom prst="straightConnector1">
+            <a:avLst/>
+          </a:prstGeom>
+          <a:ln>
+            <a:solidFill>
+              <a:schemeClr val="tx1"/>
+            </a:solidFill>
+            <a:tailEnd type="triangle"/>
+          </a:ln>
+        </p:spPr>
+        <p:style>
+          <a:lnRef idx="1">
+            <a:schemeClr val="accent1"/>
+          </a:lnRef>
+          <a:fillRef idx="0">
+            <a:schemeClr val="accent1"/>
+          </a:fillRef>
+          <a:effectRef idx="0">
+            <a:schemeClr val="accent1"/>
+          </a:effectRef>
+          <a:fontRef idx="minor">
+            <a:schemeClr val="tx1"/>
+          </a:fontRef>
+        </p:style>
+      </p:cxnSp>
+      <p:cxnSp>
+        <p:nvCxnSpPr>
+          <p:cNvPr id="70" name="Straight Arrow Connector 81">
+            <a:extLst>
+              <a:ext uri="{FF2B5EF4-FFF2-40B4-BE49-F238E27FC236}">
+                <a16:creationId xmlns:a16="http://schemas.microsoft.com/office/drawing/2014/main" id="{8A01F1A2-DBDF-339E-09AA-5E1AA2967FED}"/>
+              </a:ext>
+            </a:extLst>
+          </p:cNvPr>
+          <p:cNvCxnSpPr>
+            <a:cxnSpLocks/>
+          </p:cNvCxnSpPr>
+          <p:nvPr/>
+        </p:nvCxnSpPr>
+        <p:spPr>
+          <a:xfrm>
+            <a:off x="3681977" y="2024866"/>
+            <a:ext cx="1780056" cy="0"/>
+          </a:xfrm>
+          <a:prstGeom prst="straightConnector1">
+            <a:avLst/>
+          </a:prstGeom>
+          <a:ln>
+            <a:solidFill>
+              <a:schemeClr val="tx1"/>
+            </a:solidFill>
+            <a:headEnd type="triangle" w="med" len="med"/>
+            <a:tailEnd type="none" w="med" len="med"/>
+          </a:ln>
+        </p:spPr>
+        <p:style>
+          <a:lnRef idx="1">
+            <a:schemeClr val="accent1"/>
+          </a:lnRef>
+          <a:fillRef idx="0">
+            <a:schemeClr val="accent1"/>
+          </a:fillRef>
+          <a:effectRef idx="0">
+            <a:schemeClr val="accent1"/>
+          </a:effectRef>
+          <a:fontRef idx="minor">
+            <a:schemeClr val="tx1"/>
+          </a:fontRef>
+        </p:style>
+      </p:cxnSp>
+      <p:cxnSp>
+        <p:nvCxnSpPr>
+          <p:cNvPr id="73" name="Straight Arrow Connector 81">
+            <a:extLst>
+              <a:ext uri="{FF2B5EF4-FFF2-40B4-BE49-F238E27FC236}">
+                <a16:creationId xmlns:a16="http://schemas.microsoft.com/office/drawing/2014/main" id="{A1F85A67-17B7-A383-AB73-D5261130B6F6}"/>
+              </a:ext>
+            </a:extLst>
+          </p:cNvPr>
+          <p:cNvCxnSpPr>
+            <a:cxnSpLocks/>
+          </p:cNvCxnSpPr>
+          <p:nvPr/>
+        </p:nvCxnSpPr>
+        <p:spPr>
+          <a:xfrm>
+            <a:off x="763987" y="2096874"/>
+            <a:ext cx="2917982" cy="0"/>
+          </a:xfrm>
+          <a:prstGeom prst="straightConnector1">
+            <a:avLst/>
+          </a:prstGeom>
+          <a:ln>
+            <a:solidFill>
+              <a:schemeClr val="tx1"/>
+            </a:solidFill>
+            <a:headEnd type="triangle" w="med" len="med"/>
+            <a:tailEnd type="none" w="med" len="med"/>
+          </a:ln>
+        </p:spPr>
+        <p:style>
+          <a:lnRef idx="1">
+            <a:schemeClr val="accent1"/>
+          </a:lnRef>
+          <a:fillRef idx="0">
+            <a:schemeClr val="accent1"/>
+          </a:fillRef>
+          <a:effectRef idx="0">
+            <a:schemeClr val="accent1"/>
+          </a:effectRef>
+          <a:fontRef idx="minor">
+            <a:schemeClr val="tx1"/>
+          </a:fontRef>
+        </p:style>
+      </p:cxnSp>
+      <p:sp>
+        <p:nvSpPr>
+          <p:cNvPr id="2" name="호 1">
+            <a:extLst>
+              <a:ext uri="{FF2B5EF4-FFF2-40B4-BE49-F238E27FC236}">
+                <a16:creationId xmlns:a16="http://schemas.microsoft.com/office/drawing/2014/main" id="{02D563A1-4A24-4696-907F-FC3419BC0C2F}"/>
+              </a:ext>
+            </a:extLst>
+          </p:cNvPr>
+          <p:cNvSpPr/>
+          <p:nvPr/>
+        </p:nvSpPr>
+        <p:spPr>
+          <a:xfrm>
+            <a:off x="8241825" y="1183890"/>
+            <a:ext cx="276365" cy="423019"/>
+          </a:xfrm>
+          <a:prstGeom prst="arc">
+            <a:avLst>
+              <a:gd name="adj1" fmla="val 16200000"/>
+              <a:gd name="adj2" fmla="val 5389298"/>
+            </a:avLst>
+          </a:prstGeom>
+          <a:ln>
+            <a:solidFill>
+              <a:schemeClr val="tx1"/>
+            </a:solidFill>
+            <a:headEnd type="none" w="med" len="med"/>
+            <a:tailEnd type="triangle" w="med" len="med"/>
+          </a:ln>
+        </p:spPr>
+        <p:style>
+          <a:lnRef idx="1">
+            <a:schemeClr val="accent1"/>
+          </a:lnRef>
+          <a:fillRef idx="0">
+            <a:schemeClr val="accent1"/>
+          </a:fillRef>
+          <a:effectRef idx="0">
+            <a:schemeClr val="accent1"/>
+          </a:effectRef>
+          <a:fontRef idx="minor">
+            <a:schemeClr val="tx1"/>
+          </a:fontRef>
+        </p:style>
+        <p:txBody>
+          <a:bodyPr rtlCol="0" anchor="ctr"/>
+          <a:lstStyle/>
+          <a:p>
+            <a:pPr algn="ctr"/>
+            <a:endParaRPr kumimoji="1" lang="ko-KR" altLang="en-US"/>
+          </a:p>
+        </p:txBody>
+      </p:sp>
+      <p:sp>
+        <p:nvSpPr>
+          <p:cNvPr id="4" name="TextBox 3">
+            <a:extLst>
+              <a:ext uri="{FF2B5EF4-FFF2-40B4-BE49-F238E27FC236}">
+                <a16:creationId xmlns:a16="http://schemas.microsoft.com/office/drawing/2014/main" id="{8DA0058D-7E61-0610-225C-E6FD3ACB2842}"/>
+              </a:ext>
+            </a:extLst>
+          </p:cNvPr>
+          <p:cNvSpPr txBox="1"/>
+          <p:nvPr/>
+        </p:nvSpPr>
+        <p:spPr>
+          <a:xfrm>
+            <a:off x="8410775" y="1272288"/>
+            <a:ext cx="689798" cy="246221"/>
+          </a:xfrm>
+          <a:prstGeom prst="rect">
+            <a:avLst/>
+          </a:prstGeom>
+          <a:noFill/>
+        </p:spPr>
+        <p:txBody>
+          <a:bodyPr wrap="square" rtlCol="0">
+            <a:spAutoFit/>
+          </a:bodyPr>
+          <a:lstStyle/>
+          <a:p>
+            <a:pPr algn="ctr"/>
+            <a:r>
+              <a:rPr kumimoji="1" lang="en-US" altLang="ko-KR" sz="1000" i="1"/>
+              <a:t>1000ms</a:t>
+            </a:r>
+            <a:endParaRPr kumimoji="1" lang="ko-KR" altLang="en-US" sz="1000" i="1"/>
+          </a:p>
+        </p:txBody>
+      </p:sp>
+      <p:sp>
+        <p:nvSpPr>
+          <p:cNvPr id="5" name="TextBox 4">
+            <a:extLst>
+              <a:ext uri="{FF2B5EF4-FFF2-40B4-BE49-F238E27FC236}">
+                <a16:creationId xmlns:a16="http://schemas.microsoft.com/office/drawing/2014/main" id="{94975DC0-819C-B24F-D060-7140F710F8C3}"/>
+              </a:ext>
+            </a:extLst>
+          </p:cNvPr>
+          <p:cNvSpPr txBox="1"/>
+          <p:nvPr/>
+        </p:nvSpPr>
+        <p:spPr>
+          <a:xfrm>
+            <a:off x="5584333" y="1950547"/>
+            <a:ext cx="2795674" cy="246221"/>
+          </a:xfrm>
+          <a:prstGeom prst="rect">
+            <a:avLst/>
+          </a:prstGeom>
+          <a:noFill/>
+        </p:spPr>
+        <p:txBody>
+          <a:bodyPr wrap="square" rtlCol="0">
+            <a:spAutoFit/>
+          </a:bodyPr>
+          <a:lstStyle/>
+          <a:p>
+            <a:pPr algn="r"/>
+            <a:r>
+              <a:rPr kumimoji="1" lang="en-US" altLang="ko-KR" sz="1000" i="1"/>
+              <a:t>TCP RST</a:t>
+            </a:r>
+            <a:endParaRPr kumimoji="1" lang="ko-KR" altLang="en-US" sz="1000" i="1"/>
+          </a:p>
+        </p:txBody>
+      </p:sp>
+      <p:cxnSp>
+        <p:nvCxnSpPr>
+          <p:cNvPr id="16" name="Straight Arrow Connector 81">
+            <a:extLst>
+              <a:ext uri="{FF2B5EF4-FFF2-40B4-BE49-F238E27FC236}">
+                <a16:creationId xmlns:a16="http://schemas.microsoft.com/office/drawing/2014/main" id="{630E53CB-5D9C-94D8-3BA6-96931311DC29}"/>
+              </a:ext>
+            </a:extLst>
+          </p:cNvPr>
+          <p:cNvCxnSpPr>
+            <a:cxnSpLocks/>
+          </p:cNvCxnSpPr>
+          <p:nvPr/>
+        </p:nvCxnSpPr>
+        <p:spPr>
+          <a:xfrm>
+            <a:off x="5462033" y="1609220"/>
+            <a:ext cx="2917977" cy="0"/>
+          </a:xfrm>
+          <a:prstGeom prst="straightConnector1">
+            <a:avLst/>
+          </a:prstGeom>
+          <a:ln>
+            <a:solidFill>
+              <a:schemeClr val="tx1"/>
+            </a:solidFill>
+            <a:headEnd type="triangle" w="med" len="med"/>
+            <a:tailEnd type="none" w="med" len="med"/>
+          </a:ln>
+        </p:spPr>
+        <p:style>
+          <a:lnRef idx="1">
+            <a:schemeClr val="accent1"/>
+          </a:lnRef>
+          <a:fillRef idx="0">
+            <a:schemeClr val="accent1"/>
+          </a:fillRef>
+          <a:effectRef idx="0">
+            <a:schemeClr val="accent1"/>
+          </a:effectRef>
+          <a:fontRef idx="minor">
+            <a:schemeClr val="tx1"/>
+          </a:fontRef>
+        </p:style>
+      </p:cxnSp>
+      <p:cxnSp>
+        <p:nvCxnSpPr>
+          <p:cNvPr id="18" name="Straight Arrow Connector 81">
+            <a:extLst>
+              <a:ext uri="{FF2B5EF4-FFF2-40B4-BE49-F238E27FC236}">
+                <a16:creationId xmlns:a16="http://schemas.microsoft.com/office/drawing/2014/main" id="{2BAE498D-05D7-0C87-8B10-193D78114968}"/>
+              </a:ext>
+            </a:extLst>
+          </p:cNvPr>
+          <p:cNvCxnSpPr>
+            <a:cxnSpLocks/>
+          </p:cNvCxnSpPr>
+          <p:nvPr/>
+        </p:nvCxnSpPr>
+        <p:spPr>
+          <a:xfrm>
+            <a:off x="3681977" y="1681228"/>
+            <a:ext cx="1780056" cy="0"/>
+          </a:xfrm>
+          <a:prstGeom prst="straightConnector1">
+            <a:avLst/>
+          </a:prstGeom>
+          <a:ln>
+            <a:solidFill>
+              <a:schemeClr val="tx1"/>
+            </a:solidFill>
+            <a:headEnd type="triangle" w="med" len="med"/>
+            <a:tailEnd type="none" w="med" len="med"/>
+          </a:ln>
+        </p:spPr>
+        <p:style>
+          <a:lnRef idx="1">
+            <a:schemeClr val="accent1"/>
+          </a:lnRef>
+          <a:fillRef idx="0">
+            <a:schemeClr val="accent1"/>
+          </a:fillRef>
+          <a:effectRef idx="0">
+            <a:schemeClr val="accent1"/>
+          </a:effectRef>
+          <a:fontRef idx="minor">
+            <a:schemeClr val="tx1"/>
+          </a:fontRef>
+        </p:style>
+      </p:cxnSp>
+      <p:cxnSp>
+        <p:nvCxnSpPr>
+          <p:cNvPr id="19" name="Straight Arrow Connector 81">
+            <a:extLst>
+              <a:ext uri="{FF2B5EF4-FFF2-40B4-BE49-F238E27FC236}">
+                <a16:creationId xmlns:a16="http://schemas.microsoft.com/office/drawing/2014/main" id="{A43474A5-FA46-19BB-40F7-F2A4285E6DD6}"/>
+              </a:ext>
+            </a:extLst>
+          </p:cNvPr>
+          <p:cNvCxnSpPr>
+            <a:cxnSpLocks/>
+          </p:cNvCxnSpPr>
+          <p:nvPr/>
+        </p:nvCxnSpPr>
+        <p:spPr>
+          <a:xfrm>
+            <a:off x="763987" y="1753236"/>
+            <a:ext cx="2917982" cy="0"/>
+          </a:xfrm>
+          <a:prstGeom prst="straightConnector1">
+            <a:avLst/>
+          </a:prstGeom>
+          <a:ln>
+            <a:solidFill>
+              <a:schemeClr val="tx1"/>
+            </a:solidFill>
+            <a:headEnd type="triangle" w="med" len="med"/>
+            <a:tailEnd type="none" w="med" len="med"/>
+          </a:ln>
+        </p:spPr>
+        <p:style>
+          <a:lnRef idx="1">
+            <a:schemeClr val="accent1"/>
+          </a:lnRef>
+          <a:fillRef idx="0">
+            <a:schemeClr val="accent1"/>
+          </a:fillRef>
+          <a:effectRef idx="0">
+            <a:schemeClr val="accent1"/>
+          </a:effectRef>
+          <a:fontRef idx="minor">
+            <a:schemeClr val="tx1"/>
+          </a:fontRef>
+        </p:style>
+      </p:cxnSp>
+      <p:sp>
+        <p:nvSpPr>
+          <p:cNvPr id="20" name="TextBox 19">
+            <a:extLst>
+              <a:ext uri="{FF2B5EF4-FFF2-40B4-BE49-F238E27FC236}">
+                <a16:creationId xmlns:a16="http://schemas.microsoft.com/office/drawing/2014/main" id="{30385E62-9F05-5EBF-DBB8-163F6D2FC644}"/>
+              </a:ext>
+            </a:extLst>
+          </p:cNvPr>
+          <p:cNvSpPr txBox="1"/>
+          <p:nvPr/>
+        </p:nvSpPr>
+        <p:spPr>
+          <a:xfrm>
+            <a:off x="5584333" y="1606909"/>
+            <a:ext cx="2795674" cy="246221"/>
+          </a:xfrm>
+          <a:prstGeom prst="rect">
+            <a:avLst/>
+          </a:prstGeom>
+          <a:noFill/>
+        </p:spPr>
+        <p:txBody>
+          <a:bodyPr wrap="square" rtlCol="0">
+            <a:spAutoFit/>
+          </a:bodyPr>
+          <a:lstStyle/>
+          <a:p>
+            <a:pPr algn="r"/>
+            <a:r>
+              <a:rPr kumimoji="1" lang="en-US" altLang="ko-KR" sz="1000" i="1"/>
+              <a:t>Partial Response</a:t>
+            </a:r>
+            <a:endParaRPr kumimoji="1" lang="ko-KR" altLang="en-US" sz="1000" i="1"/>
+          </a:p>
+        </p:txBody>
+      </p:sp>
+    </p:spTree>
+    <p:extLst>
+      <p:ext uri="{BB962C8B-B14F-4D97-AF65-F5344CB8AC3E}">
+        <p14:creationId xmlns:p14="http://schemas.microsoft.com/office/powerpoint/2010/main" val="1829707033"/>
+      </p:ext>
+    </p:extLst>
+  </p:cSld>
+  <p:clrMapOvr>
+    <a:masterClrMapping/>
+  </p:clrMapOvr>
+</p:sld>
+</file>
+
+<file path=ppt/slides/slide7.xml><?xml version="1.0" encoding="utf-8"?>
 <p:sld xmlns:a="http://schemas.openxmlformats.org/drawingml/2006/main" xmlns:r="http://schemas.openxmlformats.org/officeDocument/2006/relationships" xmlns:p="http://schemas.openxmlformats.org/presentationml/2006/main">
   <p:cSld>
     <p:spTree>
@@ -11877,7 +18622,7 @@
 </p:sld>
 </file>
 
-<file path=ppt/slides/slide3.xml><?xml version="1.0" encoding="utf-8"?>
+<file path=ppt/slides/slide8.xml><?xml version="1.0" encoding="utf-8"?>
 <p:sld xmlns:a="http://schemas.openxmlformats.org/drawingml/2006/main" xmlns:r="http://schemas.openxmlformats.org/officeDocument/2006/relationships" xmlns:p="http://schemas.openxmlformats.org/presentationml/2006/main">
   <p:cSld>
     <p:spTree>
@@ -13201,7 +19946,7 @@
 </p:sld>
 </file>
 
-<file path=ppt/slides/slide4.xml><?xml version="1.0" encoding="utf-8"?>
+<file path=ppt/slides/slide9.xml><?xml version="1.0" encoding="utf-8"?>
 <p:sld xmlns:a="http://schemas.openxmlformats.org/drawingml/2006/main" xmlns:r="http://schemas.openxmlformats.org/officeDocument/2006/relationships" xmlns:p="http://schemas.openxmlformats.org/presentationml/2006/main">
   <p:cSld>
     <p:spTree>
@@ -14516,1822 +21261,6 @@
     <p:extLst>
       <p:ext uri="{BB962C8B-B14F-4D97-AF65-F5344CB8AC3E}">
         <p14:creationId xmlns:p14="http://schemas.microsoft.com/office/powerpoint/2010/main" val="3712881515"/>
-      </p:ext>
-    </p:extLst>
-  </p:cSld>
-  <p:clrMapOvr>
-    <a:masterClrMapping/>
-  </p:clrMapOvr>
-</p:sld>
-</file>
-
-<file path=ppt/slides/slide5.xml><?xml version="1.0" encoding="utf-8"?>
-<p:sld xmlns:a="http://schemas.openxmlformats.org/drawingml/2006/main" xmlns:r="http://schemas.openxmlformats.org/officeDocument/2006/relationships" xmlns:p="http://schemas.openxmlformats.org/presentationml/2006/main">
-  <p:cSld>
-    <p:spTree>
-      <p:nvGrpSpPr>
-        <p:cNvPr id="1" name="">
-          <a:extLst>
-            <a:ext uri="{FF2B5EF4-FFF2-40B4-BE49-F238E27FC236}">
-              <a16:creationId xmlns:a16="http://schemas.microsoft.com/office/drawing/2014/main" id="{B0FBCAE2-C219-280C-B18B-5792963E4478}"/>
-            </a:ext>
-          </a:extLst>
-        </p:cNvPr>
-        <p:cNvGrpSpPr/>
-        <p:nvPr/>
-      </p:nvGrpSpPr>
-      <p:grpSpPr>
-        <a:xfrm>
-          <a:off x="0" y="0"/>
-          <a:ext cx="0" cy="0"/>
-          <a:chOff x="0" y="0"/>
-          <a:chExt cx="0" cy="0"/>
-        </a:xfrm>
-      </p:grpSpPr>
-      <p:sp>
-        <p:nvSpPr>
-          <p:cNvPr id="2" name="제목 1">
-            <a:extLst>
-              <a:ext uri="{FF2B5EF4-FFF2-40B4-BE49-F238E27FC236}">
-                <a16:creationId xmlns:a16="http://schemas.microsoft.com/office/drawing/2014/main" id="{FF9826F6-CAD4-96B9-4D3A-235FC7CEE780}"/>
-              </a:ext>
-            </a:extLst>
-          </p:cNvPr>
-          <p:cNvSpPr>
-            <a:spLocks noGrp="1"/>
-          </p:cNvSpPr>
-          <p:nvPr>
-            <p:ph type="title"/>
-          </p:nvPr>
-        </p:nvSpPr>
-        <p:spPr/>
-        <p:txBody>
-          <a:bodyPr/>
-          <a:lstStyle/>
-          <a:p>
-            <a:endParaRPr lang="ko-KR" altLang="en-US"/>
-          </a:p>
-        </p:txBody>
-      </p:sp>
-      <p:sp>
-        <p:nvSpPr>
-          <p:cNvPr id="3" name="내용 개체 틀 2">
-            <a:extLst>
-              <a:ext uri="{FF2B5EF4-FFF2-40B4-BE49-F238E27FC236}">
-                <a16:creationId xmlns:a16="http://schemas.microsoft.com/office/drawing/2014/main" id="{11B2D437-E790-3E9B-BE82-EDE6EB743551}"/>
-              </a:ext>
-            </a:extLst>
-          </p:cNvPr>
-          <p:cNvSpPr>
-            <a:spLocks noGrp="1"/>
-          </p:cNvSpPr>
-          <p:nvPr>
-            <p:ph idx="1"/>
-          </p:nvPr>
-        </p:nvSpPr>
-        <p:spPr/>
-        <p:txBody>
-          <a:bodyPr/>
-          <a:lstStyle/>
-          <a:p>
-            <a:endParaRPr lang="ko-KR" altLang="en-US"/>
-          </a:p>
-        </p:txBody>
-      </p:sp>
-    </p:spTree>
-    <p:extLst>
-      <p:ext uri="{BB962C8B-B14F-4D97-AF65-F5344CB8AC3E}">
-        <p14:creationId xmlns:p14="http://schemas.microsoft.com/office/powerpoint/2010/main" val="3503086589"/>
-      </p:ext>
-    </p:extLst>
-  </p:cSld>
-  <p:clrMapOvr>
-    <a:masterClrMapping/>
-  </p:clrMapOvr>
-</p:sld>
-</file>
-
-<file path=ppt/slides/slide6.xml><?xml version="1.0" encoding="utf-8"?>
-<p:sld xmlns:a="http://schemas.openxmlformats.org/drawingml/2006/main" xmlns:r="http://schemas.openxmlformats.org/officeDocument/2006/relationships" xmlns:p="http://schemas.openxmlformats.org/presentationml/2006/main">
-  <p:cSld>
-    <p:spTree>
-      <p:nvGrpSpPr>
-        <p:cNvPr id="1" name="">
-          <a:extLst>
-            <a:ext uri="{FF2B5EF4-FFF2-40B4-BE49-F238E27FC236}">
-              <a16:creationId xmlns:a16="http://schemas.microsoft.com/office/drawing/2014/main" id="{66D4170B-3EF0-4005-1219-0D589B3AA00B}"/>
-            </a:ext>
-          </a:extLst>
-        </p:cNvPr>
-        <p:cNvGrpSpPr/>
-        <p:nvPr/>
-      </p:nvGrpSpPr>
-      <p:grpSpPr>
-        <a:xfrm>
-          <a:off x="0" y="0"/>
-          <a:ext cx="0" cy="0"/>
-          <a:chOff x="0" y="0"/>
-          <a:chExt cx="0" cy="0"/>
-        </a:xfrm>
-      </p:grpSpPr>
-      <p:sp>
-        <p:nvSpPr>
-          <p:cNvPr id="4" name="사각형: 둥근 모서리 29">
-            <a:extLst>
-              <a:ext uri="{FF2B5EF4-FFF2-40B4-BE49-F238E27FC236}">
-                <a16:creationId xmlns:a16="http://schemas.microsoft.com/office/drawing/2014/main" id="{978518AD-E17E-2D88-74B6-D5ADC210ED45}"/>
-              </a:ext>
-            </a:extLst>
-          </p:cNvPr>
-          <p:cNvSpPr/>
-          <p:nvPr/>
-        </p:nvSpPr>
-        <p:spPr>
-          <a:xfrm>
-            <a:off x="1763688" y="411510"/>
-            <a:ext cx="1164765" cy="657290"/>
-          </a:xfrm>
-          <a:prstGeom prst="roundRect">
-            <a:avLst>
-              <a:gd name="adj" fmla="val 17374"/>
-            </a:avLst>
-          </a:prstGeom>
-          <a:ln w="12700"/>
-        </p:spPr>
-        <p:style>
-          <a:lnRef idx="2">
-            <a:schemeClr val="dk1"/>
-          </a:lnRef>
-          <a:fillRef idx="1">
-            <a:schemeClr val="lt1"/>
-          </a:fillRef>
-          <a:effectRef idx="0">
-            <a:schemeClr val="dk1"/>
-          </a:effectRef>
-          <a:fontRef idx="minor">
-            <a:schemeClr val="dk1"/>
-          </a:fontRef>
-        </p:style>
-        <p:txBody>
-          <a:bodyPr rtlCol="0" anchor="ctr"/>
-          <a:lstStyle/>
-          <a:p>
-            <a:pPr algn="ctr"/>
-            <a:r>
-              <a:rPr lang="en-US" altLang="ko-KR" sz="1000" b="1"/>
-              <a:t>shell</a:t>
-            </a:r>
-          </a:p>
-          <a:p>
-            <a:pPr algn="ctr"/>
-            <a:r>
-              <a:rPr lang="en-US" altLang="ko-KR" sz="1000"/>
-              <a:t>Pod</a:t>
-            </a:r>
-            <a:endParaRPr lang="ko-KR" altLang="en-US" sz="1000"/>
-          </a:p>
-        </p:txBody>
-      </p:sp>
-      <p:sp>
-        <p:nvSpPr>
-          <p:cNvPr id="5" name="사각형: 둥근 모서리 29">
-            <a:extLst>
-              <a:ext uri="{FF2B5EF4-FFF2-40B4-BE49-F238E27FC236}">
-                <a16:creationId xmlns:a16="http://schemas.microsoft.com/office/drawing/2014/main" id="{1C24A9C2-DA18-68F0-71AF-D8F445B40B6D}"/>
-              </a:ext>
-            </a:extLst>
-          </p:cNvPr>
-          <p:cNvSpPr/>
-          <p:nvPr/>
-        </p:nvSpPr>
-        <p:spPr>
-          <a:xfrm>
-            <a:off x="5724128" y="411510"/>
-            <a:ext cx="1164765" cy="657290"/>
-          </a:xfrm>
-          <a:prstGeom prst="roundRect">
-            <a:avLst>
-              <a:gd name="adj" fmla="val 17374"/>
-            </a:avLst>
-          </a:prstGeom>
-          <a:ln w="12700"/>
-        </p:spPr>
-        <p:style>
-          <a:lnRef idx="2">
-            <a:schemeClr val="dk1"/>
-          </a:lnRef>
-          <a:fillRef idx="1">
-            <a:schemeClr val="lt1"/>
-          </a:fillRef>
-          <a:effectRef idx="0">
-            <a:schemeClr val="dk1"/>
-          </a:effectRef>
-          <a:fontRef idx="minor">
-            <a:schemeClr val="dk1"/>
-          </a:fontRef>
-        </p:style>
-        <p:txBody>
-          <a:bodyPr rtlCol="0" anchor="ctr"/>
-          <a:lstStyle/>
-          <a:p>
-            <a:pPr algn="ctr"/>
-            <a:r>
-              <a:rPr lang="en-US" altLang="ko-KR" sz="1000" b="1"/>
-              <a:t>mock-server</a:t>
-            </a:r>
-          </a:p>
-          <a:p>
-            <a:pPr algn="ctr"/>
-            <a:r>
-              <a:rPr lang="en-US" altLang="ko-KR" sz="1000"/>
-              <a:t>Pod</a:t>
-            </a:r>
-            <a:endParaRPr lang="ko-KR" altLang="en-US" sz="1000"/>
-          </a:p>
-        </p:txBody>
-      </p:sp>
-      <p:cxnSp>
-        <p:nvCxnSpPr>
-          <p:cNvPr id="8" name="Straight Arrow Connector 81">
-            <a:extLst>
-              <a:ext uri="{FF2B5EF4-FFF2-40B4-BE49-F238E27FC236}">
-                <a16:creationId xmlns:a16="http://schemas.microsoft.com/office/drawing/2014/main" id="{D8F7689B-9749-EF22-886E-8645EDE43E08}"/>
-              </a:ext>
-            </a:extLst>
-          </p:cNvPr>
-          <p:cNvCxnSpPr>
-            <a:cxnSpLocks/>
-            <a:stCxn id="5" idx="2"/>
-          </p:cNvCxnSpPr>
-          <p:nvPr/>
-        </p:nvCxnSpPr>
-        <p:spPr>
-          <a:xfrm>
-            <a:off x="6306511" y="1068800"/>
-            <a:ext cx="0" cy="3375158"/>
-          </a:xfrm>
-          <a:prstGeom prst="straightConnector1">
-            <a:avLst/>
-          </a:prstGeom>
-          <a:ln>
-            <a:solidFill>
-              <a:schemeClr val="tx1"/>
-            </a:solidFill>
-            <a:prstDash val="dash"/>
-            <a:tailEnd type="triangle"/>
-          </a:ln>
-        </p:spPr>
-        <p:style>
-          <a:lnRef idx="1">
-            <a:schemeClr val="accent1"/>
-          </a:lnRef>
-          <a:fillRef idx="0">
-            <a:schemeClr val="accent1"/>
-          </a:fillRef>
-          <a:effectRef idx="0">
-            <a:schemeClr val="accent1"/>
-          </a:effectRef>
-          <a:fontRef idx="minor">
-            <a:schemeClr val="tx1"/>
-          </a:fontRef>
-        </p:style>
-      </p:cxnSp>
-      <p:cxnSp>
-        <p:nvCxnSpPr>
-          <p:cNvPr id="2" name="Straight Arrow Connector 81">
-            <a:extLst>
-              <a:ext uri="{FF2B5EF4-FFF2-40B4-BE49-F238E27FC236}">
-                <a16:creationId xmlns:a16="http://schemas.microsoft.com/office/drawing/2014/main" id="{55E87322-5E7C-7993-E794-B06A78EBB691}"/>
-              </a:ext>
-            </a:extLst>
-          </p:cNvPr>
-          <p:cNvCxnSpPr>
-            <a:cxnSpLocks/>
-            <a:stCxn id="4" idx="2"/>
-          </p:cNvCxnSpPr>
-          <p:nvPr/>
-        </p:nvCxnSpPr>
-        <p:spPr>
-          <a:xfrm>
-            <a:off x="2346071" y="1068800"/>
-            <a:ext cx="0" cy="3375158"/>
-          </a:xfrm>
-          <a:prstGeom prst="straightConnector1">
-            <a:avLst/>
-          </a:prstGeom>
-          <a:ln>
-            <a:solidFill>
-              <a:schemeClr val="tx1"/>
-            </a:solidFill>
-            <a:prstDash val="dash"/>
-            <a:tailEnd type="triangle"/>
-          </a:ln>
-        </p:spPr>
-        <p:style>
-          <a:lnRef idx="1">
-            <a:schemeClr val="accent1"/>
-          </a:lnRef>
-          <a:fillRef idx="0">
-            <a:schemeClr val="accent1"/>
-          </a:fillRef>
-          <a:effectRef idx="0">
-            <a:schemeClr val="accent1"/>
-          </a:effectRef>
-          <a:fontRef idx="minor">
-            <a:schemeClr val="tx1"/>
-          </a:fontRef>
-        </p:style>
-      </p:cxnSp>
-      <p:cxnSp>
-        <p:nvCxnSpPr>
-          <p:cNvPr id="17" name="Straight Arrow Connector 81">
-            <a:extLst>
-              <a:ext uri="{FF2B5EF4-FFF2-40B4-BE49-F238E27FC236}">
-                <a16:creationId xmlns:a16="http://schemas.microsoft.com/office/drawing/2014/main" id="{919A54BE-CA91-3232-6BA1-94273CA3B6F3}"/>
-              </a:ext>
-            </a:extLst>
-          </p:cNvPr>
-          <p:cNvCxnSpPr>
-            <a:cxnSpLocks/>
-          </p:cNvCxnSpPr>
-          <p:nvPr/>
-        </p:nvCxnSpPr>
-        <p:spPr>
-          <a:xfrm>
-            <a:off x="2346071" y="1203596"/>
-            <a:ext cx="3960440" cy="0"/>
-          </a:xfrm>
-          <a:prstGeom prst="straightConnector1">
-            <a:avLst/>
-          </a:prstGeom>
-          <a:ln>
-            <a:solidFill>
-              <a:schemeClr val="tx1"/>
-            </a:solidFill>
-            <a:tailEnd type="triangle"/>
-          </a:ln>
-        </p:spPr>
-        <p:style>
-          <a:lnRef idx="1">
-            <a:schemeClr val="accent1"/>
-          </a:lnRef>
-          <a:fillRef idx="0">
-            <a:schemeClr val="accent1"/>
-          </a:fillRef>
-          <a:effectRef idx="0">
-            <a:schemeClr val="accent1"/>
-          </a:effectRef>
-          <a:fontRef idx="minor">
-            <a:schemeClr val="tx1"/>
-          </a:fontRef>
-        </p:style>
-      </p:cxnSp>
-      <p:sp>
-        <p:nvSpPr>
-          <p:cNvPr id="20" name="TextBox 19">
-            <a:extLst>
-              <a:ext uri="{FF2B5EF4-FFF2-40B4-BE49-F238E27FC236}">
-                <a16:creationId xmlns:a16="http://schemas.microsoft.com/office/drawing/2014/main" id="{C4E2AE9B-5D64-B540-1FC5-D69BDEBD940F}"/>
-              </a:ext>
-            </a:extLst>
-          </p:cNvPr>
-          <p:cNvSpPr txBox="1"/>
-          <p:nvPr/>
-        </p:nvSpPr>
-        <p:spPr>
-          <a:xfrm>
-            <a:off x="2928454" y="957375"/>
-            <a:ext cx="2795674" cy="246221"/>
-          </a:xfrm>
-          <a:prstGeom prst="rect">
-            <a:avLst/>
-          </a:prstGeom>
-          <a:noFill/>
-        </p:spPr>
-        <p:txBody>
-          <a:bodyPr wrap="square" rtlCol="0">
-            <a:spAutoFit/>
-          </a:bodyPr>
-          <a:lstStyle/>
-          <a:p>
-            <a:r>
-              <a:rPr kumimoji="1" lang="en-US" altLang="ko-KR" sz="1000" i="1"/>
-              <a:t>GET </a:t>
-            </a:r>
-            <a:r>
-              <a:rPr lang="en" altLang="ko-KR" sz="1000" i="1"/>
-              <a:t>mock-server:8080/status/200</a:t>
-            </a:r>
-            <a:endParaRPr kumimoji="1" lang="ko-KR" altLang="en-US" sz="1000" i="1"/>
-          </a:p>
-        </p:txBody>
-      </p:sp>
-      <p:cxnSp>
-        <p:nvCxnSpPr>
-          <p:cNvPr id="23" name="Straight Arrow Connector 81">
-            <a:extLst>
-              <a:ext uri="{FF2B5EF4-FFF2-40B4-BE49-F238E27FC236}">
-                <a16:creationId xmlns:a16="http://schemas.microsoft.com/office/drawing/2014/main" id="{9228B211-E67B-8273-78A8-F7B761517D31}"/>
-              </a:ext>
-            </a:extLst>
-          </p:cNvPr>
-          <p:cNvCxnSpPr>
-            <a:cxnSpLocks/>
-          </p:cNvCxnSpPr>
-          <p:nvPr/>
-        </p:nvCxnSpPr>
-        <p:spPr>
-          <a:xfrm>
-            <a:off x="2346071" y="1275606"/>
-            <a:ext cx="3960440" cy="0"/>
-          </a:xfrm>
-          <a:prstGeom prst="straightConnector1">
-            <a:avLst/>
-          </a:prstGeom>
-          <a:ln>
-            <a:solidFill>
-              <a:schemeClr val="tx1"/>
-            </a:solidFill>
-            <a:headEnd type="triangle" w="med" len="med"/>
-            <a:tailEnd type="none" w="med" len="med"/>
-          </a:ln>
-        </p:spPr>
-        <p:style>
-          <a:lnRef idx="1">
-            <a:schemeClr val="accent1"/>
-          </a:lnRef>
-          <a:fillRef idx="0">
-            <a:schemeClr val="accent1"/>
-          </a:fillRef>
-          <a:effectRef idx="0">
-            <a:schemeClr val="accent1"/>
-          </a:effectRef>
-          <a:fontRef idx="minor">
-            <a:schemeClr val="tx1"/>
-          </a:fontRef>
-        </p:style>
-      </p:cxnSp>
-      <p:sp>
-        <p:nvSpPr>
-          <p:cNvPr id="24" name="TextBox 23">
-            <a:extLst>
-              <a:ext uri="{FF2B5EF4-FFF2-40B4-BE49-F238E27FC236}">
-                <a16:creationId xmlns:a16="http://schemas.microsoft.com/office/drawing/2014/main" id="{B868CEEB-76D6-54E6-C9AC-4744800246A6}"/>
-              </a:ext>
-            </a:extLst>
-          </p:cNvPr>
-          <p:cNvSpPr txBox="1"/>
-          <p:nvPr/>
-        </p:nvSpPr>
-        <p:spPr>
-          <a:xfrm>
-            <a:off x="2928454" y="1275606"/>
-            <a:ext cx="2795674" cy="246221"/>
-          </a:xfrm>
-          <a:prstGeom prst="rect">
-            <a:avLst/>
-          </a:prstGeom>
-          <a:noFill/>
-        </p:spPr>
-        <p:txBody>
-          <a:bodyPr wrap="square" rtlCol="0">
-            <a:spAutoFit/>
-          </a:bodyPr>
-          <a:lstStyle/>
-          <a:p>
-            <a:pPr algn="r"/>
-            <a:r>
-              <a:rPr kumimoji="1" lang="en-US" altLang="ko-KR" sz="1000" i="1"/>
-              <a:t>200 OK</a:t>
-            </a:r>
-            <a:endParaRPr kumimoji="1" lang="ko-KR" altLang="en-US" sz="1000" i="1"/>
-          </a:p>
-        </p:txBody>
-      </p:sp>
-    </p:spTree>
-    <p:extLst>
-      <p:ext uri="{BB962C8B-B14F-4D97-AF65-F5344CB8AC3E}">
-        <p14:creationId xmlns:p14="http://schemas.microsoft.com/office/powerpoint/2010/main" val="326728203"/>
-      </p:ext>
-    </p:extLst>
-  </p:cSld>
-  <p:clrMapOvr>
-    <a:masterClrMapping/>
-  </p:clrMapOvr>
-</p:sld>
-</file>
-
-<file path=ppt/slides/slide7.xml><?xml version="1.0" encoding="utf-8"?>
-<p:sld xmlns:a="http://schemas.openxmlformats.org/drawingml/2006/main" xmlns:r="http://schemas.openxmlformats.org/officeDocument/2006/relationships" xmlns:p="http://schemas.openxmlformats.org/presentationml/2006/main">
-  <p:cSld>
-    <p:spTree>
-      <p:nvGrpSpPr>
-        <p:cNvPr id="1" name="">
-          <a:extLst>
-            <a:ext uri="{FF2B5EF4-FFF2-40B4-BE49-F238E27FC236}">
-              <a16:creationId xmlns:a16="http://schemas.microsoft.com/office/drawing/2014/main" id="{00B56635-3832-C276-1838-0F309C04DEEE}"/>
-            </a:ext>
-          </a:extLst>
-        </p:cNvPr>
-        <p:cNvGrpSpPr/>
-        <p:nvPr/>
-      </p:nvGrpSpPr>
-      <p:grpSpPr>
-        <a:xfrm>
-          <a:off x="0" y="0"/>
-          <a:ext cx="0" cy="0"/>
-          <a:chOff x="0" y="0"/>
-          <a:chExt cx="0" cy="0"/>
-        </a:xfrm>
-      </p:grpSpPr>
-      <p:sp>
-        <p:nvSpPr>
-          <p:cNvPr id="4" name="사각형: 둥근 모서리 29">
-            <a:extLst>
-              <a:ext uri="{FF2B5EF4-FFF2-40B4-BE49-F238E27FC236}">
-                <a16:creationId xmlns:a16="http://schemas.microsoft.com/office/drawing/2014/main" id="{AD2FE382-FA3A-0C22-EC4F-395267900D9D}"/>
-              </a:ext>
-            </a:extLst>
-          </p:cNvPr>
-          <p:cNvSpPr/>
-          <p:nvPr/>
-        </p:nvSpPr>
-        <p:spPr>
-          <a:xfrm>
-            <a:off x="1763688" y="411510"/>
-            <a:ext cx="1164765" cy="657290"/>
-          </a:xfrm>
-          <a:prstGeom prst="roundRect">
-            <a:avLst>
-              <a:gd name="adj" fmla="val 17374"/>
-            </a:avLst>
-          </a:prstGeom>
-          <a:ln w="12700"/>
-        </p:spPr>
-        <p:style>
-          <a:lnRef idx="2">
-            <a:schemeClr val="dk1"/>
-          </a:lnRef>
-          <a:fillRef idx="1">
-            <a:schemeClr val="lt1"/>
-          </a:fillRef>
-          <a:effectRef idx="0">
-            <a:schemeClr val="dk1"/>
-          </a:effectRef>
-          <a:fontRef idx="minor">
-            <a:schemeClr val="dk1"/>
-          </a:fontRef>
-        </p:style>
-        <p:txBody>
-          <a:bodyPr rtlCol="0" anchor="ctr"/>
-          <a:lstStyle/>
-          <a:p>
-            <a:pPr algn="ctr"/>
-            <a:r>
-              <a:rPr lang="en-US" altLang="ko-KR" sz="1000" b="1"/>
-              <a:t>shell</a:t>
-            </a:r>
-          </a:p>
-          <a:p>
-            <a:pPr algn="ctr"/>
-            <a:r>
-              <a:rPr lang="en-US" altLang="ko-KR" sz="1000"/>
-              <a:t>Pod</a:t>
-            </a:r>
-            <a:endParaRPr lang="ko-KR" altLang="en-US" sz="1000"/>
-          </a:p>
-        </p:txBody>
-      </p:sp>
-      <p:sp>
-        <p:nvSpPr>
-          <p:cNvPr id="5" name="사각형: 둥근 모서리 29">
-            <a:extLst>
-              <a:ext uri="{FF2B5EF4-FFF2-40B4-BE49-F238E27FC236}">
-                <a16:creationId xmlns:a16="http://schemas.microsoft.com/office/drawing/2014/main" id="{C4F1F9D3-6910-F956-C082-3B87EBB2724C}"/>
-              </a:ext>
-            </a:extLst>
-          </p:cNvPr>
-          <p:cNvSpPr/>
-          <p:nvPr/>
-        </p:nvSpPr>
-        <p:spPr>
-          <a:xfrm>
-            <a:off x="5724128" y="411510"/>
-            <a:ext cx="1164765" cy="657290"/>
-          </a:xfrm>
-          <a:prstGeom prst="roundRect">
-            <a:avLst>
-              <a:gd name="adj" fmla="val 17374"/>
-            </a:avLst>
-          </a:prstGeom>
-          <a:ln w="12700"/>
-        </p:spPr>
-        <p:style>
-          <a:lnRef idx="2">
-            <a:schemeClr val="dk1"/>
-          </a:lnRef>
-          <a:fillRef idx="1">
-            <a:schemeClr val="lt1"/>
-          </a:fillRef>
-          <a:effectRef idx="0">
-            <a:schemeClr val="dk1"/>
-          </a:effectRef>
-          <a:fontRef idx="minor">
-            <a:schemeClr val="dk1"/>
-          </a:fontRef>
-        </p:style>
-        <p:txBody>
-          <a:bodyPr rtlCol="0" anchor="ctr"/>
-          <a:lstStyle/>
-          <a:p>
-            <a:pPr algn="ctr"/>
-            <a:r>
-              <a:rPr lang="en-US" altLang="ko-KR" sz="1000" b="1"/>
-              <a:t>mock-server</a:t>
-            </a:r>
-          </a:p>
-          <a:p>
-            <a:pPr algn="ctr"/>
-            <a:r>
-              <a:rPr lang="en-US" altLang="ko-KR" sz="1000"/>
-              <a:t>Pod</a:t>
-            </a:r>
-            <a:endParaRPr lang="ko-KR" altLang="en-US" sz="1000"/>
-          </a:p>
-        </p:txBody>
-      </p:sp>
-      <p:cxnSp>
-        <p:nvCxnSpPr>
-          <p:cNvPr id="8" name="Straight Arrow Connector 81">
-            <a:extLst>
-              <a:ext uri="{FF2B5EF4-FFF2-40B4-BE49-F238E27FC236}">
-                <a16:creationId xmlns:a16="http://schemas.microsoft.com/office/drawing/2014/main" id="{D8E2D78F-46DB-3A48-03ED-036F0069B122}"/>
-              </a:ext>
-            </a:extLst>
-          </p:cNvPr>
-          <p:cNvCxnSpPr>
-            <a:cxnSpLocks/>
-            <a:stCxn id="5" idx="2"/>
-          </p:cNvCxnSpPr>
-          <p:nvPr/>
-        </p:nvCxnSpPr>
-        <p:spPr>
-          <a:xfrm>
-            <a:off x="6306511" y="1068800"/>
-            <a:ext cx="0" cy="3375158"/>
-          </a:xfrm>
-          <a:prstGeom prst="straightConnector1">
-            <a:avLst/>
-          </a:prstGeom>
-          <a:ln>
-            <a:solidFill>
-              <a:schemeClr val="tx1"/>
-            </a:solidFill>
-            <a:prstDash val="dash"/>
-            <a:tailEnd type="triangle"/>
-          </a:ln>
-        </p:spPr>
-        <p:style>
-          <a:lnRef idx="1">
-            <a:schemeClr val="accent1"/>
-          </a:lnRef>
-          <a:fillRef idx="0">
-            <a:schemeClr val="accent1"/>
-          </a:fillRef>
-          <a:effectRef idx="0">
-            <a:schemeClr val="accent1"/>
-          </a:effectRef>
-          <a:fontRef idx="minor">
-            <a:schemeClr val="tx1"/>
-          </a:fontRef>
-        </p:style>
-      </p:cxnSp>
-      <p:cxnSp>
-        <p:nvCxnSpPr>
-          <p:cNvPr id="2" name="Straight Arrow Connector 81">
-            <a:extLst>
-              <a:ext uri="{FF2B5EF4-FFF2-40B4-BE49-F238E27FC236}">
-                <a16:creationId xmlns:a16="http://schemas.microsoft.com/office/drawing/2014/main" id="{6CF797F6-085F-8F60-FFA3-A11476654AC6}"/>
-              </a:ext>
-            </a:extLst>
-          </p:cNvPr>
-          <p:cNvCxnSpPr>
-            <a:cxnSpLocks/>
-            <a:stCxn id="4" idx="2"/>
-          </p:cNvCxnSpPr>
-          <p:nvPr/>
-        </p:nvCxnSpPr>
-        <p:spPr>
-          <a:xfrm>
-            <a:off x="2346071" y="1068800"/>
-            <a:ext cx="0" cy="3375158"/>
-          </a:xfrm>
-          <a:prstGeom prst="straightConnector1">
-            <a:avLst/>
-          </a:prstGeom>
-          <a:ln>
-            <a:solidFill>
-              <a:schemeClr val="tx1"/>
-            </a:solidFill>
-            <a:prstDash val="dash"/>
-            <a:tailEnd type="triangle"/>
-          </a:ln>
-        </p:spPr>
-        <p:style>
-          <a:lnRef idx="1">
-            <a:schemeClr val="accent1"/>
-          </a:lnRef>
-          <a:fillRef idx="0">
-            <a:schemeClr val="accent1"/>
-          </a:fillRef>
-          <a:effectRef idx="0">
-            <a:schemeClr val="accent1"/>
-          </a:effectRef>
-          <a:fontRef idx="minor">
-            <a:schemeClr val="tx1"/>
-          </a:fontRef>
-        </p:style>
-      </p:cxnSp>
-      <p:cxnSp>
-        <p:nvCxnSpPr>
-          <p:cNvPr id="17" name="Straight Arrow Connector 81">
-            <a:extLst>
-              <a:ext uri="{FF2B5EF4-FFF2-40B4-BE49-F238E27FC236}">
-                <a16:creationId xmlns:a16="http://schemas.microsoft.com/office/drawing/2014/main" id="{2FDD720A-1F7A-156B-F090-295D2CF7EF54}"/>
-              </a:ext>
-            </a:extLst>
-          </p:cNvPr>
-          <p:cNvCxnSpPr>
-            <a:cxnSpLocks/>
-          </p:cNvCxnSpPr>
-          <p:nvPr/>
-        </p:nvCxnSpPr>
-        <p:spPr>
-          <a:xfrm>
-            <a:off x="2346071" y="1203596"/>
-            <a:ext cx="3960440" cy="0"/>
-          </a:xfrm>
-          <a:prstGeom prst="straightConnector1">
-            <a:avLst/>
-          </a:prstGeom>
-          <a:ln>
-            <a:solidFill>
-              <a:schemeClr val="tx1"/>
-            </a:solidFill>
-            <a:tailEnd type="triangle"/>
-          </a:ln>
-        </p:spPr>
-        <p:style>
-          <a:lnRef idx="1">
-            <a:schemeClr val="accent1"/>
-          </a:lnRef>
-          <a:fillRef idx="0">
-            <a:schemeClr val="accent1"/>
-          </a:fillRef>
-          <a:effectRef idx="0">
-            <a:schemeClr val="accent1"/>
-          </a:effectRef>
-          <a:fontRef idx="minor">
-            <a:schemeClr val="tx1"/>
-          </a:fontRef>
-        </p:style>
-      </p:cxnSp>
-      <p:sp>
-        <p:nvSpPr>
-          <p:cNvPr id="20" name="TextBox 19">
-            <a:extLst>
-              <a:ext uri="{FF2B5EF4-FFF2-40B4-BE49-F238E27FC236}">
-                <a16:creationId xmlns:a16="http://schemas.microsoft.com/office/drawing/2014/main" id="{425E2887-5B32-A3B0-3661-D8A4104A7356}"/>
-              </a:ext>
-            </a:extLst>
-          </p:cNvPr>
-          <p:cNvSpPr txBox="1"/>
-          <p:nvPr/>
-        </p:nvSpPr>
-        <p:spPr>
-          <a:xfrm>
-            <a:off x="2928454" y="957375"/>
-            <a:ext cx="2795674" cy="246221"/>
-          </a:xfrm>
-          <a:prstGeom prst="rect">
-            <a:avLst/>
-          </a:prstGeom>
-          <a:noFill/>
-        </p:spPr>
-        <p:txBody>
-          <a:bodyPr wrap="square" rtlCol="0">
-            <a:spAutoFit/>
-          </a:bodyPr>
-          <a:lstStyle/>
-          <a:p>
-            <a:r>
-              <a:rPr kumimoji="1" lang="en-US" altLang="ko-KR" sz="1000" i="1"/>
-              <a:t>GET </a:t>
-            </a:r>
-            <a:r>
-              <a:rPr lang="en" altLang="ko-KR" sz="1000" i="1"/>
-              <a:t>mock-server:8080/status/503</a:t>
-            </a:r>
-            <a:endParaRPr kumimoji="1" lang="ko-KR" altLang="en-US" sz="1000" i="1"/>
-          </a:p>
-        </p:txBody>
-      </p:sp>
-      <p:cxnSp>
-        <p:nvCxnSpPr>
-          <p:cNvPr id="23" name="Straight Arrow Connector 81">
-            <a:extLst>
-              <a:ext uri="{FF2B5EF4-FFF2-40B4-BE49-F238E27FC236}">
-                <a16:creationId xmlns:a16="http://schemas.microsoft.com/office/drawing/2014/main" id="{787C5812-7DEA-262E-AA79-587FDB7FD65D}"/>
-              </a:ext>
-            </a:extLst>
-          </p:cNvPr>
-          <p:cNvCxnSpPr>
-            <a:cxnSpLocks/>
-          </p:cNvCxnSpPr>
-          <p:nvPr/>
-        </p:nvCxnSpPr>
-        <p:spPr>
-          <a:xfrm>
-            <a:off x="2346071" y="1275606"/>
-            <a:ext cx="3960440" cy="0"/>
-          </a:xfrm>
-          <a:prstGeom prst="straightConnector1">
-            <a:avLst/>
-          </a:prstGeom>
-          <a:ln>
-            <a:solidFill>
-              <a:schemeClr val="tx1"/>
-            </a:solidFill>
-            <a:headEnd type="triangle" w="med" len="med"/>
-            <a:tailEnd type="none" w="med" len="med"/>
-          </a:ln>
-        </p:spPr>
-        <p:style>
-          <a:lnRef idx="1">
-            <a:schemeClr val="accent1"/>
-          </a:lnRef>
-          <a:fillRef idx="0">
-            <a:schemeClr val="accent1"/>
-          </a:fillRef>
-          <a:effectRef idx="0">
-            <a:schemeClr val="accent1"/>
-          </a:effectRef>
-          <a:fontRef idx="minor">
-            <a:schemeClr val="tx1"/>
-          </a:fontRef>
-        </p:style>
-      </p:cxnSp>
-      <p:sp>
-        <p:nvSpPr>
-          <p:cNvPr id="24" name="TextBox 23">
-            <a:extLst>
-              <a:ext uri="{FF2B5EF4-FFF2-40B4-BE49-F238E27FC236}">
-                <a16:creationId xmlns:a16="http://schemas.microsoft.com/office/drawing/2014/main" id="{AB39243B-9FBA-3DED-F3B8-F36B5E150D12}"/>
-              </a:ext>
-            </a:extLst>
-          </p:cNvPr>
-          <p:cNvSpPr txBox="1"/>
-          <p:nvPr/>
-        </p:nvSpPr>
-        <p:spPr>
-          <a:xfrm>
-            <a:off x="2928454" y="1275606"/>
-            <a:ext cx="2795674" cy="246221"/>
-          </a:xfrm>
-          <a:prstGeom prst="rect">
-            <a:avLst/>
-          </a:prstGeom>
-          <a:noFill/>
-        </p:spPr>
-        <p:txBody>
-          <a:bodyPr wrap="square" rtlCol="0">
-            <a:spAutoFit/>
-          </a:bodyPr>
-          <a:lstStyle/>
-          <a:p>
-            <a:pPr algn="r"/>
-            <a:r>
-              <a:rPr kumimoji="1" lang="en-US" altLang="ko-KR" sz="1000" i="1"/>
-              <a:t>503 Service Unavailable</a:t>
-            </a:r>
-            <a:endParaRPr kumimoji="1" lang="ko-KR" altLang="en-US" sz="1000" i="1"/>
-          </a:p>
-        </p:txBody>
-      </p:sp>
-    </p:spTree>
-    <p:extLst>
-      <p:ext uri="{BB962C8B-B14F-4D97-AF65-F5344CB8AC3E}">
-        <p14:creationId xmlns:p14="http://schemas.microsoft.com/office/powerpoint/2010/main" val="1859403969"/>
-      </p:ext>
-    </p:extLst>
-  </p:cSld>
-  <p:clrMapOvr>
-    <a:masterClrMapping/>
-  </p:clrMapOvr>
-</p:sld>
-</file>
-
-<file path=ppt/slides/slide8.xml><?xml version="1.0" encoding="utf-8"?>
-<p:sld xmlns:a="http://schemas.openxmlformats.org/drawingml/2006/main" xmlns:r="http://schemas.openxmlformats.org/officeDocument/2006/relationships" xmlns:p="http://schemas.openxmlformats.org/presentationml/2006/main">
-  <p:cSld>
-    <p:spTree>
-      <p:nvGrpSpPr>
-        <p:cNvPr id="1" name="">
-          <a:extLst>
-            <a:ext uri="{FF2B5EF4-FFF2-40B4-BE49-F238E27FC236}">
-              <a16:creationId xmlns:a16="http://schemas.microsoft.com/office/drawing/2014/main" id="{7E27744C-4F31-ACC6-9034-FCA148427720}"/>
-            </a:ext>
-          </a:extLst>
-        </p:cNvPr>
-        <p:cNvGrpSpPr/>
-        <p:nvPr/>
-      </p:nvGrpSpPr>
-      <p:grpSpPr>
-        <a:xfrm>
-          <a:off x="0" y="0"/>
-          <a:ext cx="0" cy="0"/>
-          <a:chOff x="0" y="0"/>
-          <a:chExt cx="0" cy="0"/>
-        </a:xfrm>
-      </p:grpSpPr>
-      <p:sp>
-        <p:nvSpPr>
-          <p:cNvPr id="4" name="사각형: 둥근 모서리 29">
-            <a:extLst>
-              <a:ext uri="{FF2B5EF4-FFF2-40B4-BE49-F238E27FC236}">
-                <a16:creationId xmlns:a16="http://schemas.microsoft.com/office/drawing/2014/main" id="{C6E3B579-43FF-1F83-3E25-1994E3C9121E}"/>
-              </a:ext>
-            </a:extLst>
-          </p:cNvPr>
-          <p:cNvSpPr/>
-          <p:nvPr/>
-        </p:nvSpPr>
-        <p:spPr>
-          <a:xfrm>
-            <a:off x="1763688" y="411510"/>
-            <a:ext cx="1164765" cy="657290"/>
-          </a:xfrm>
-          <a:prstGeom prst="roundRect">
-            <a:avLst>
-              <a:gd name="adj" fmla="val 17374"/>
-            </a:avLst>
-          </a:prstGeom>
-          <a:ln w="12700"/>
-        </p:spPr>
-        <p:style>
-          <a:lnRef idx="2">
-            <a:schemeClr val="dk1"/>
-          </a:lnRef>
-          <a:fillRef idx="1">
-            <a:schemeClr val="lt1"/>
-          </a:fillRef>
-          <a:effectRef idx="0">
-            <a:schemeClr val="dk1"/>
-          </a:effectRef>
-          <a:fontRef idx="minor">
-            <a:schemeClr val="dk1"/>
-          </a:fontRef>
-        </p:style>
-        <p:txBody>
-          <a:bodyPr rtlCol="0" anchor="ctr"/>
-          <a:lstStyle/>
-          <a:p>
-            <a:pPr algn="ctr"/>
-            <a:r>
-              <a:rPr lang="en-US" altLang="ko-KR" sz="1000" b="1"/>
-              <a:t>shell</a:t>
-            </a:r>
-          </a:p>
-          <a:p>
-            <a:pPr algn="ctr"/>
-            <a:r>
-              <a:rPr lang="en-US" altLang="ko-KR" sz="1000"/>
-              <a:t>Pod</a:t>
-            </a:r>
-            <a:endParaRPr lang="ko-KR" altLang="en-US" sz="1000"/>
-          </a:p>
-        </p:txBody>
-      </p:sp>
-      <p:sp>
-        <p:nvSpPr>
-          <p:cNvPr id="5" name="사각형: 둥근 모서리 29">
-            <a:extLst>
-              <a:ext uri="{FF2B5EF4-FFF2-40B4-BE49-F238E27FC236}">
-                <a16:creationId xmlns:a16="http://schemas.microsoft.com/office/drawing/2014/main" id="{1E1420F5-D1EE-7A1E-FE42-8300A4EE99EC}"/>
-              </a:ext>
-            </a:extLst>
-          </p:cNvPr>
-          <p:cNvSpPr/>
-          <p:nvPr/>
-        </p:nvSpPr>
-        <p:spPr>
-          <a:xfrm>
-            <a:off x="5724128" y="411510"/>
-            <a:ext cx="1164765" cy="657290"/>
-          </a:xfrm>
-          <a:prstGeom prst="roundRect">
-            <a:avLst>
-              <a:gd name="adj" fmla="val 17374"/>
-            </a:avLst>
-          </a:prstGeom>
-          <a:ln w="12700"/>
-        </p:spPr>
-        <p:style>
-          <a:lnRef idx="2">
-            <a:schemeClr val="dk1"/>
-          </a:lnRef>
-          <a:fillRef idx="1">
-            <a:schemeClr val="lt1"/>
-          </a:fillRef>
-          <a:effectRef idx="0">
-            <a:schemeClr val="dk1"/>
-          </a:effectRef>
-          <a:fontRef idx="minor">
-            <a:schemeClr val="dk1"/>
-          </a:fontRef>
-        </p:style>
-        <p:txBody>
-          <a:bodyPr rtlCol="0" anchor="ctr"/>
-          <a:lstStyle/>
-          <a:p>
-            <a:pPr algn="ctr"/>
-            <a:r>
-              <a:rPr lang="en-US" altLang="ko-KR" sz="1000" b="1"/>
-              <a:t>mock-server</a:t>
-            </a:r>
-          </a:p>
-          <a:p>
-            <a:pPr algn="ctr"/>
-            <a:r>
-              <a:rPr lang="en-US" altLang="ko-KR" sz="1000"/>
-              <a:t>Pod</a:t>
-            </a:r>
-            <a:endParaRPr lang="ko-KR" altLang="en-US" sz="1000"/>
-          </a:p>
-        </p:txBody>
-      </p:sp>
-      <p:cxnSp>
-        <p:nvCxnSpPr>
-          <p:cNvPr id="8" name="Straight Arrow Connector 81">
-            <a:extLst>
-              <a:ext uri="{FF2B5EF4-FFF2-40B4-BE49-F238E27FC236}">
-                <a16:creationId xmlns:a16="http://schemas.microsoft.com/office/drawing/2014/main" id="{6D21DD75-893B-AB12-BA9A-3ABCB0221741}"/>
-              </a:ext>
-            </a:extLst>
-          </p:cNvPr>
-          <p:cNvCxnSpPr>
-            <a:cxnSpLocks/>
-            <a:stCxn id="5" idx="2"/>
-          </p:cNvCxnSpPr>
-          <p:nvPr/>
-        </p:nvCxnSpPr>
-        <p:spPr>
-          <a:xfrm>
-            <a:off x="6306511" y="1068800"/>
-            <a:ext cx="0" cy="3375158"/>
-          </a:xfrm>
-          <a:prstGeom prst="straightConnector1">
-            <a:avLst/>
-          </a:prstGeom>
-          <a:ln>
-            <a:solidFill>
-              <a:schemeClr val="tx1"/>
-            </a:solidFill>
-            <a:prstDash val="dash"/>
-            <a:tailEnd type="triangle"/>
-          </a:ln>
-        </p:spPr>
-        <p:style>
-          <a:lnRef idx="1">
-            <a:schemeClr val="accent1"/>
-          </a:lnRef>
-          <a:fillRef idx="0">
-            <a:schemeClr val="accent1"/>
-          </a:fillRef>
-          <a:effectRef idx="0">
-            <a:schemeClr val="accent1"/>
-          </a:effectRef>
-          <a:fontRef idx="minor">
-            <a:schemeClr val="tx1"/>
-          </a:fontRef>
-        </p:style>
-      </p:cxnSp>
-      <p:cxnSp>
-        <p:nvCxnSpPr>
-          <p:cNvPr id="2" name="Straight Arrow Connector 81">
-            <a:extLst>
-              <a:ext uri="{FF2B5EF4-FFF2-40B4-BE49-F238E27FC236}">
-                <a16:creationId xmlns:a16="http://schemas.microsoft.com/office/drawing/2014/main" id="{1B0D2045-4044-F20A-E3C5-F9CB5F9F64F9}"/>
-              </a:ext>
-            </a:extLst>
-          </p:cNvPr>
-          <p:cNvCxnSpPr>
-            <a:cxnSpLocks/>
-            <a:stCxn id="4" idx="2"/>
-          </p:cNvCxnSpPr>
-          <p:nvPr/>
-        </p:nvCxnSpPr>
-        <p:spPr>
-          <a:xfrm>
-            <a:off x="2346071" y="1068800"/>
-            <a:ext cx="0" cy="3375158"/>
-          </a:xfrm>
-          <a:prstGeom prst="straightConnector1">
-            <a:avLst/>
-          </a:prstGeom>
-          <a:ln>
-            <a:solidFill>
-              <a:schemeClr val="tx1"/>
-            </a:solidFill>
-            <a:prstDash val="dash"/>
-            <a:tailEnd type="triangle"/>
-          </a:ln>
-        </p:spPr>
-        <p:style>
-          <a:lnRef idx="1">
-            <a:schemeClr val="accent1"/>
-          </a:lnRef>
-          <a:fillRef idx="0">
-            <a:schemeClr val="accent1"/>
-          </a:fillRef>
-          <a:effectRef idx="0">
-            <a:schemeClr val="accent1"/>
-          </a:effectRef>
-          <a:fontRef idx="minor">
-            <a:schemeClr val="tx1"/>
-          </a:fontRef>
-        </p:style>
-      </p:cxnSp>
-      <p:cxnSp>
-        <p:nvCxnSpPr>
-          <p:cNvPr id="17" name="Straight Arrow Connector 81">
-            <a:extLst>
-              <a:ext uri="{FF2B5EF4-FFF2-40B4-BE49-F238E27FC236}">
-                <a16:creationId xmlns:a16="http://schemas.microsoft.com/office/drawing/2014/main" id="{46D1088F-D4AA-08F1-FF07-C976E1C79683}"/>
-              </a:ext>
-            </a:extLst>
-          </p:cNvPr>
-          <p:cNvCxnSpPr>
-            <a:cxnSpLocks/>
-          </p:cNvCxnSpPr>
-          <p:nvPr/>
-        </p:nvCxnSpPr>
-        <p:spPr>
-          <a:xfrm>
-            <a:off x="2346071" y="1203596"/>
-            <a:ext cx="3960440" cy="0"/>
-          </a:xfrm>
-          <a:prstGeom prst="straightConnector1">
-            <a:avLst/>
-          </a:prstGeom>
-          <a:ln>
-            <a:solidFill>
-              <a:schemeClr val="tx1"/>
-            </a:solidFill>
-            <a:tailEnd type="triangle"/>
-          </a:ln>
-        </p:spPr>
-        <p:style>
-          <a:lnRef idx="1">
-            <a:schemeClr val="accent1"/>
-          </a:lnRef>
-          <a:fillRef idx="0">
-            <a:schemeClr val="accent1"/>
-          </a:fillRef>
-          <a:effectRef idx="0">
-            <a:schemeClr val="accent1"/>
-          </a:effectRef>
-          <a:fontRef idx="minor">
-            <a:schemeClr val="tx1"/>
-          </a:fontRef>
-        </p:style>
-      </p:cxnSp>
-      <p:sp>
-        <p:nvSpPr>
-          <p:cNvPr id="20" name="TextBox 19">
-            <a:extLst>
-              <a:ext uri="{FF2B5EF4-FFF2-40B4-BE49-F238E27FC236}">
-                <a16:creationId xmlns:a16="http://schemas.microsoft.com/office/drawing/2014/main" id="{1001786A-BD84-00BB-94A4-89CAA6911164}"/>
-              </a:ext>
-            </a:extLst>
-          </p:cNvPr>
-          <p:cNvSpPr txBox="1"/>
-          <p:nvPr/>
-        </p:nvSpPr>
-        <p:spPr>
-          <a:xfrm>
-            <a:off x="2928454" y="957375"/>
-            <a:ext cx="2795674" cy="246221"/>
-          </a:xfrm>
-          <a:prstGeom prst="rect">
-            <a:avLst/>
-          </a:prstGeom>
-          <a:noFill/>
-        </p:spPr>
-        <p:txBody>
-          <a:bodyPr wrap="square" rtlCol="0">
-            <a:spAutoFit/>
-          </a:bodyPr>
-          <a:lstStyle/>
-          <a:p>
-            <a:r>
-              <a:rPr kumimoji="1" lang="en-US" altLang="ko-KR" sz="1000" i="1"/>
-              <a:t>GET </a:t>
-            </a:r>
-            <a:r>
-              <a:rPr lang="en" altLang="ko-KR" sz="1000" i="1"/>
-              <a:t>mock-server:8080/delay/10000</a:t>
-            </a:r>
-            <a:endParaRPr kumimoji="1" lang="ko-KR" altLang="en-US" sz="1000" i="1"/>
-          </a:p>
-        </p:txBody>
-      </p:sp>
-      <p:cxnSp>
-        <p:nvCxnSpPr>
-          <p:cNvPr id="23" name="Straight Arrow Connector 81">
-            <a:extLst>
-              <a:ext uri="{FF2B5EF4-FFF2-40B4-BE49-F238E27FC236}">
-                <a16:creationId xmlns:a16="http://schemas.microsoft.com/office/drawing/2014/main" id="{6A75BD21-359D-F1D7-304B-3840858399BC}"/>
-              </a:ext>
-            </a:extLst>
-          </p:cNvPr>
-          <p:cNvCxnSpPr>
-            <a:cxnSpLocks/>
-          </p:cNvCxnSpPr>
-          <p:nvPr/>
-        </p:nvCxnSpPr>
-        <p:spPr>
-          <a:xfrm>
-            <a:off x="2346071" y="1626621"/>
-            <a:ext cx="3960440" cy="0"/>
-          </a:xfrm>
-          <a:prstGeom prst="straightConnector1">
-            <a:avLst/>
-          </a:prstGeom>
-          <a:ln>
-            <a:solidFill>
-              <a:schemeClr val="tx1"/>
-            </a:solidFill>
-            <a:headEnd type="none" w="med" len="med"/>
-            <a:tailEnd type="triangle" w="med" len="med"/>
-          </a:ln>
-        </p:spPr>
-        <p:style>
-          <a:lnRef idx="1">
-            <a:schemeClr val="accent1"/>
-          </a:lnRef>
-          <a:fillRef idx="0">
-            <a:schemeClr val="accent1"/>
-          </a:fillRef>
-          <a:effectRef idx="0">
-            <a:schemeClr val="accent1"/>
-          </a:effectRef>
-          <a:fontRef idx="minor">
-            <a:schemeClr val="tx1"/>
-          </a:fontRef>
-        </p:style>
-      </p:cxnSp>
-      <p:sp>
-        <p:nvSpPr>
-          <p:cNvPr id="24" name="TextBox 23">
-            <a:extLst>
-              <a:ext uri="{FF2B5EF4-FFF2-40B4-BE49-F238E27FC236}">
-                <a16:creationId xmlns:a16="http://schemas.microsoft.com/office/drawing/2014/main" id="{1E110930-74F5-58E0-61FE-B3AD31E887A0}"/>
-              </a:ext>
-            </a:extLst>
-          </p:cNvPr>
-          <p:cNvSpPr txBox="1"/>
-          <p:nvPr/>
-        </p:nvSpPr>
-        <p:spPr>
-          <a:xfrm>
-            <a:off x="2928454" y="1380400"/>
-            <a:ext cx="2795674" cy="246221"/>
-          </a:xfrm>
-          <a:prstGeom prst="rect">
-            <a:avLst/>
-          </a:prstGeom>
-          <a:noFill/>
-        </p:spPr>
-        <p:txBody>
-          <a:bodyPr wrap="square" rtlCol="0">
-            <a:spAutoFit/>
-          </a:bodyPr>
-          <a:lstStyle/>
-          <a:p>
-            <a:r>
-              <a:rPr kumimoji="1" lang="en-US" altLang="ko-KR" sz="1000" i="1"/>
-              <a:t>TCP RST</a:t>
-            </a:r>
-            <a:endParaRPr kumimoji="1" lang="ko-KR" altLang="en-US" sz="1000" i="1"/>
-          </a:p>
-        </p:txBody>
-      </p:sp>
-    </p:spTree>
-    <p:extLst>
-      <p:ext uri="{BB962C8B-B14F-4D97-AF65-F5344CB8AC3E}">
-        <p14:creationId xmlns:p14="http://schemas.microsoft.com/office/powerpoint/2010/main" val="1699418574"/>
-      </p:ext>
-    </p:extLst>
-  </p:cSld>
-  <p:clrMapOvr>
-    <a:masterClrMapping/>
-  </p:clrMapOvr>
-</p:sld>
-</file>
-
-<file path=ppt/slides/slide9.xml><?xml version="1.0" encoding="utf-8"?>
-<p:sld xmlns:a="http://schemas.openxmlformats.org/drawingml/2006/main" xmlns:r="http://schemas.openxmlformats.org/officeDocument/2006/relationships" xmlns:p="http://schemas.openxmlformats.org/presentationml/2006/main">
-  <p:cSld>
-    <p:spTree>
-      <p:nvGrpSpPr>
-        <p:cNvPr id="1" name="">
-          <a:extLst>
-            <a:ext uri="{FF2B5EF4-FFF2-40B4-BE49-F238E27FC236}">
-              <a16:creationId xmlns:a16="http://schemas.microsoft.com/office/drawing/2014/main" id="{4837F7EE-E639-E25D-03B6-D772379C136F}"/>
-            </a:ext>
-          </a:extLst>
-        </p:cNvPr>
-        <p:cNvGrpSpPr/>
-        <p:nvPr/>
-      </p:nvGrpSpPr>
-      <p:grpSpPr>
-        <a:xfrm>
-          <a:off x="0" y="0"/>
-          <a:ext cx="0" cy="0"/>
-          <a:chOff x="0" y="0"/>
-          <a:chExt cx="0" cy="0"/>
-        </a:xfrm>
-      </p:grpSpPr>
-      <p:sp>
-        <p:nvSpPr>
-          <p:cNvPr id="4" name="사각형: 둥근 모서리 29">
-            <a:extLst>
-              <a:ext uri="{FF2B5EF4-FFF2-40B4-BE49-F238E27FC236}">
-                <a16:creationId xmlns:a16="http://schemas.microsoft.com/office/drawing/2014/main" id="{F0C6EBDC-B32E-42ED-4484-4F64F05D5700}"/>
-              </a:ext>
-            </a:extLst>
-          </p:cNvPr>
-          <p:cNvSpPr/>
-          <p:nvPr/>
-        </p:nvSpPr>
-        <p:spPr>
-          <a:xfrm>
-            <a:off x="1763688" y="411510"/>
-            <a:ext cx="1164765" cy="657290"/>
-          </a:xfrm>
-          <a:prstGeom prst="roundRect">
-            <a:avLst>
-              <a:gd name="adj" fmla="val 17374"/>
-            </a:avLst>
-          </a:prstGeom>
-          <a:ln w="12700"/>
-        </p:spPr>
-        <p:style>
-          <a:lnRef idx="2">
-            <a:schemeClr val="dk1"/>
-          </a:lnRef>
-          <a:fillRef idx="1">
-            <a:schemeClr val="lt1"/>
-          </a:fillRef>
-          <a:effectRef idx="0">
-            <a:schemeClr val="dk1"/>
-          </a:effectRef>
-          <a:fontRef idx="minor">
-            <a:schemeClr val="dk1"/>
-          </a:fontRef>
-        </p:style>
-        <p:txBody>
-          <a:bodyPr rtlCol="0" anchor="ctr"/>
-          <a:lstStyle/>
-          <a:p>
-            <a:pPr algn="ctr"/>
-            <a:r>
-              <a:rPr lang="en-US" altLang="ko-KR" sz="1000" b="1"/>
-              <a:t>shell</a:t>
-            </a:r>
-          </a:p>
-          <a:p>
-            <a:pPr algn="ctr"/>
-            <a:r>
-              <a:rPr lang="en-US" altLang="ko-KR" sz="1000"/>
-              <a:t>Pod</a:t>
-            </a:r>
-            <a:endParaRPr lang="ko-KR" altLang="en-US" sz="1000"/>
-          </a:p>
-        </p:txBody>
-      </p:sp>
-      <p:sp>
-        <p:nvSpPr>
-          <p:cNvPr id="5" name="사각형: 둥근 모서리 29">
-            <a:extLst>
-              <a:ext uri="{FF2B5EF4-FFF2-40B4-BE49-F238E27FC236}">
-                <a16:creationId xmlns:a16="http://schemas.microsoft.com/office/drawing/2014/main" id="{741B2862-1B60-3BCB-B7E3-AC2A483E6FEA}"/>
-              </a:ext>
-            </a:extLst>
-          </p:cNvPr>
-          <p:cNvSpPr/>
-          <p:nvPr/>
-        </p:nvSpPr>
-        <p:spPr>
-          <a:xfrm>
-            <a:off x="5724128" y="411510"/>
-            <a:ext cx="1164765" cy="657290"/>
-          </a:xfrm>
-          <a:prstGeom prst="roundRect">
-            <a:avLst>
-              <a:gd name="adj" fmla="val 17374"/>
-            </a:avLst>
-          </a:prstGeom>
-          <a:ln w="12700"/>
-        </p:spPr>
-        <p:style>
-          <a:lnRef idx="2">
-            <a:schemeClr val="dk1"/>
-          </a:lnRef>
-          <a:fillRef idx="1">
-            <a:schemeClr val="lt1"/>
-          </a:fillRef>
-          <a:effectRef idx="0">
-            <a:schemeClr val="dk1"/>
-          </a:effectRef>
-          <a:fontRef idx="minor">
-            <a:schemeClr val="dk1"/>
-          </a:fontRef>
-        </p:style>
-        <p:txBody>
-          <a:bodyPr rtlCol="0" anchor="ctr"/>
-          <a:lstStyle/>
-          <a:p>
-            <a:pPr algn="ctr"/>
-            <a:r>
-              <a:rPr lang="en-US" altLang="ko-KR" sz="1000" b="1"/>
-              <a:t>mock-server</a:t>
-            </a:r>
-          </a:p>
-          <a:p>
-            <a:pPr algn="ctr"/>
-            <a:r>
-              <a:rPr lang="en-US" altLang="ko-KR" sz="1000"/>
-              <a:t>Pod</a:t>
-            </a:r>
-            <a:endParaRPr lang="ko-KR" altLang="en-US" sz="1000"/>
-          </a:p>
-        </p:txBody>
-      </p:sp>
-      <p:cxnSp>
-        <p:nvCxnSpPr>
-          <p:cNvPr id="8" name="Straight Arrow Connector 81">
-            <a:extLst>
-              <a:ext uri="{FF2B5EF4-FFF2-40B4-BE49-F238E27FC236}">
-                <a16:creationId xmlns:a16="http://schemas.microsoft.com/office/drawing/2014/main" id="{D393B28D-8E12-0C07-69F8-453B200F62BC}"/>
-              </a:ext>
-            </a:extLst>
-          </p:cNvPr>
-          <p:cNvCxnSpPr>
-            <a:cxnSpLocks/>
-            <a:stCxn id="5" idx="2"/>
-          </p:cNvCxnSpPr>
-          <p:nvPr/>
-        </p:nvCxnSpPr>
-        <p:spPr>
-          <a:xfrm>
-            <a:off x="6306511" y="1068800"/>
-            <a:ext cx="0" cy="3375158"/>
-          </a:xfrm>
-          <a:prstGeom prst="straightConnector1">
-            <a:avLst/>
-          </a:prstGeom>
-          <a:ln>
-            <a:solidFill>
-              <a:schemeClr val="tx1"/>
-            </a:solidFill>
-            <a:prstDash val="dash"/>
-            <a:tailEnd type="triangle"/>
-          </a:ln>
-        </p:spPr>
-        <p:style>
-          <a:lnRef idx="1">
-            <a:schemeClr val="accent1"/>
-          </a:lnRef>
-          <a:fillRef idx="0">
-            <a:schemeClr val="accent1"/>
-          </a:fillRef>
-          <a:effectRef idx="0">
-            <a:schemeClr val="accent1"/>
-          </a:effectRef>
-          <a:fontRef idx="minor">
-            <a:schemeClr val="tx1"/>
-          </a:fontRef>
-        </p:style>
-      </p:cxnSp>
-      <p:cxnSp>
-        <p:nvCxnSpPr>
-          <p:cNvPr id="2" name="Straight Arrow Connector 81">
-            <a:extLst>
-              <a:ext uri="{FF2B5EF4-FFF2-40B4-BE49-F238E27FC236}">
-                <a16:creationId xmlns:a16="http://schemas.microsoft.com/office/drawing/2014/main" id="{B8238CF7-BBA0-EA2A-CE0E-02F839D757B6}"/>
-              </a:ext>
-            </a:extLst>
-          </p:cNvPr>
-          <p:cNvCxnSpPr>
-            <a:cxnSpLocks/>
-            <a:stCxn id="4" idx="2"/>
-          </p:cNvCxnSpPr>
-          <p:nvPr/>
-        </p:nvCxnSpPr>
-        <p:spPr>
-          <a:xfrm>
-            <a:off x="2346071" y="1068800"/>
-            <a:ext cx="0" cy="3375158"/>
-          </a:xfrm>
-          <a:prstGeom prst="straightConnector1">
-            <a:avLst/>
-          </a:prstGeom>
-          <a:ln>
-            <a:solidFill>
-              <a:schemeClr val="tx1"/>
-            </a:solidFill>
-            <a:prstDash val="dash"/>
-            <a:tailEnd type="triangle"/>
-          </a:ln>
-        </p:spPr>
-        <p:style>
-          <a:lnRef idx="1">
-            <a:schemeClr val="accent1"/>
-          </a:lnRef>
-          <a:fillRef idx="0">
-            <a:schemeClr val="accent1"/>
-          </a:fillRef>
-          <a:effectRef idx="0">
-            <a:schemeClr val="accent1"/>
-          </a:effectRef>
-          <a:fontRef idx="minor">
-            <a:schemeClr val="tx1"/>
-          </a:fontRef>
-        </p:style>
-      </p:cxnSp>
-      <p:sp>
-        <p:nvSpPr>
-          <p:cNvPr id="20" name="TextBox 19">
-            <a:extLst>
-              <a:ext uri="{FF2B5EF4-FFF2-40B4-BE49-F238E27FC236}">
-                <a16:creationId xmlns:a16="http://schemas.microsoft.com/office/drawing/2014/main" id="{D68294EE-2A94-43D7-F833-8B3D07CD1097}"/>
-              </a:ext>
-            </a:extLst>
-          </p:cNvPr>
-          <p:cNvSpPr txBox="1"/>
-          <p:nvPr/>
-        </p:nvSpPr>
-        <p:spPr>
-          <a:xfrm>
-            <a:off x="2928454" y="957375"/>
-            <a:ext cx="2795674" cy="246221"/>
-          </a:xfrm>
-          <a:prstGeom prst="rect">
-            <a:avLst/>
-          </a:prstGeom>
-          <a:noFill/>
-        </p:spPr>
-        <p:txBody>
-          <a:bodyPr wrap="square" rtlCol="0">
-            <a:spAutoFit/>
-          </a:bodyPr>
-          <a:lstStyle/>
-          <a:p>
-            <a:r>
-              <a:rPr kumimoji="1" lang="en-US" altLang="ko-KR" sz="1000" i="1"/>
-              <a:t>GET </a:t>
-            </a:r>
-            <a:r>
-              <a:rPr lang="en" altLang="ko-KR" sz="1000" i="1"/>
-              <a:t>mock-server:8080/disconnect/1000</a:t>
-            </a:r>
-            <a:endParaRPr kumimoji="1" lang="ko-KR" altLang="en-US" sz="1000" i="1"/>
-          </a:p>
-        </p:txBody>
-      </p:sp>
-      <p:cxnSp>
-        <p:nvCxnSpPr>
-          <p:cNvPr id="17" name="Straight Arrow Connector 81">
-            <a:extLst>
-              <a:ext uri="{FF2B5EF4-FFF2-40B4-BE49-F238E27FC236}">
-                <a16:creationId xmlns:a16="http://schemas.microsoft.com/office/drawing/2014/main" id="{34E2AE0A-F712-5075-3011-1E6DF2431D68}"/>
-              </a:ext>
-            </a:extLst>
-          </p:cNvPr>
-          <p:cNvCxnSpPr>
-            <a:cxnSpLocks/>
-          </p:cNvCxnSpPr>
-          <p:nvPr/>
-        </p:nvCxnSpPr>
-        <p:spPr>
-          <a:xfrm>
-            <a:off x="2346071" y="1203596"/>
-            <a:ext cx="3960440" cy="0"/>
-          </a:xfrm>
-          <a:prstGeom prst="straightConnector1">
-            <a:avLst/>
-          </a:prstGeom>
-          <a:ln>
-            <a:solidFill>
-              <a:schemeClr val="tx1"/>
-            </a:solidFill>
-            <a:tailEnd type="triangle"/>
-          </a:ln>
-        </p:spPr>
-        <p:style>
-          <a:lnRef idx="1">
-            <a:schemeClr val="accent1"/>
-          </a:lnRef>
-          <a:fillRef idx="0">
-            <a:schemeClr val="accent1"/>
-          </a:fillRef>
-          <a:effectRef idx="0">
-            <a:schemeClr val="accent1"/>
-          </a:effectRef>
-          <a:fontRef idx="minor">
-            <a:schemeClr val="tx1"/>
-          </a:fontRef>
-        </p:style>
-      </p:cxnSp>
-      <p:cxnSp>
-        <p:nvCxnSpPr>
-          <p:cNvPr id="23" name="Straight Arrow Connector 81">
-            <a:extLst>
-              <a:ext uri="{FF2B5EF4-FFF2-40B4-BE49-F238E27FC236}">
-                <a16:creationId xmlns:a16="http://schemas.microsoft.com/office/drawing/2014/main" id="{80D2FA88-23C6-D981-A05C-4A3F1FABB34C}"/>
-              </a:ext>
-            </a:extLst>
-          </p:cNvPr>
-          <p:cNvCxnSpPr>
-            <a:cxnSpLocks/>
-          </p:cNvCxnSpPr>
-          <p:nvPr/>
-        </p:nvCxnSpPr>
-        <p:spPr>
-          <a:xfrm>
-            <a:off x="2346071" y="1626621"/>
-            <a:ext cx="3960440" cy="0"/>
-          </a:xfrm>
-          <a:prstGeom prst="straightConnector1">
-            <a:avLst/>
-          </a:prstGeom>
-          <a:ln>
-            <a:solidFill>
-              <a:schemeClr val="tx1"/>
-            </a:solidFill>
-            <a:headEnd type="triangle" w="med" len="med"/>
-            <a:tailEnd type="none" w="med" len="med"/>
-          </a:ln>
-        </p:spPr>
-        <p:style>
-          <a:lnRef idx="1">
-            <a:schemeClr val="accent1"/>
-          </a:lnRef>
-          <a:fillRef idx="0">
-            <a:schemeClr val="accent1"/>
-          </a:fillRef>
-          <a:effectRef idx="0">
-            <a:schemeClr val="accent1"/>
-          </a:effectRef>
-          <a:fontRef idx="minor">
-            <a:schemeClr val="tx1"/>
-          </a:fontRef>
-        </p:style>
-      </p:cxnSp>
-      <p:sp>
-        <p:nvSpPr>
-          <p:cNvPr id="24" name="TextBox 23">
-            <a:extLst>
-              <a:ext uri="{FF2B5EF4-FFF2-40B4-BE49-F238E27FC236}">
-                <a16:creationId xmlns:a16="http://schemas.microsoft.com/office/drawing/2014/main" id="{50D8AB0E-3E42-6AA4-94B6-0F540C9AF460}"/>
-              </a:ext>
-            </a:extLst>
-          </p:cNvPr>
-          <p:cNvSpPr txBox="1"/>
-          <p:nvPr/>
-        </p:nvSpPr>
-        <p:spPr>
-          <a:xfrm>
-            <a:off x="2928454" y="1380400"/>
-            <a:ext cx="2795674" cy="246221"/>
-          </a:xfrm>
-          <a:prstGeom prst="rect">
-            <a:avLst/>
-          </a:prstGeom>
-          <a:noFill/>
-        </p:spPr>
-        <p:txBody>
-          <a:bodyPr wrap="square" rtlCol="0">
-            <a:spAutoFit/>
-          </a:bodyPr>
-          <a:lstStyle/>
-          <a:p>
-            <a:pPr algn="r"/>
-            <a:r>
-              <a:rPr kumimoji="1" lang="en-US" altLang="ko-KR" sz="1000" i="1"/>
-              <a:t>TCP RST</a:t>
-            </a:r>
-            <a:endParaRPr kumimoji="1" lang="ko-KR" altLang="en-US" sz="1000" i="1"/>
-          </a:p>
-        </p:txBody>
-      </p:sp>
-      <p:sp>
-        <p:nvSpPr>
-          <p:cNvPr id="9" name="호 8">
-            <a:extLst>
-              <a:ext uri="{FF2B5EF4-FFF2-40B4-BE49-F238E27FC236}">
-                <a16:creationId xmlns:a16="http://schemas.microsoft.com/office/drawing/2014/main" id="{69813E42-F0B7-01E1-A58B-4BF78003269D}"/>
-              </a:ext>
-            </a:extLst>
-          </p:cNvPr>
-          <p:cNvSpPr/>
-          <p:nvPr/>
-        </p:nvSpPr>
-        <p:spPr>
-          <a:xfrm>
-            <a:off x="6168328" y="1199085"/>
-            <a:ext cx="276365" cy="423019"/>
-          </a:xfrm>
-          <a:prstGeom prst="arc">
-            <a:avLst>
-              <a:gd name="adj1" fmla="val 16200000"/>
-              <a:gd name="adj2" fmla="val 5389298"/>
-            </a:avLst>
-          </a:prstGeom>
-          <a:ln>
-            <a:solidFill>
-              <a:schemeClr val="tx1"/>
-            </a:solidFill>
-            <a:headEnd type="none" w="med" len="med"/>
-            <a:tailEnd type="triangle" w="med" len="med"/>
-          </a:ln>
-        </p:spPr>
-        <p:style>
-          <a:lnRef idx="1">
-            <a:schemeClr val="accent1"/>
-          </a:lnRef>
-          <a:fillRef idx="0">
-            <a:schemeClr val="accent1"/>
-          </a:fillRef>
-          <a:effectRef idx="0">
-            <a:schemeClr val="accent1"/>
-          </a:effectRef>
-          <a:fontRef idx="minor">
-            <a:schemeClr val="tx1"/>
-          </a:fontRef>
-        </p:style>
-        <p:txBody>
-          <a:bodyPr rtlCol="0" anchor="ctr"/>
-          <a:lstStyle/>
-          <a:p>
-            <a:pPr algn="ctr"/>
-            <a:endParaRPr kumimoji="1" lang="ko-KR" altLang="en-US"/>
-          </a:p>
-        </p:txBody>
-      </p:sp>
-      <p:sp>
-        <p:nvSpPr>
-          <p:cNvPr id="10" name="TextBox 9">
-            <a:extLst>
-              <a:ext uri="{FF2B5EF4-FFF2-40B4-BE49-F238E27FC236}">
-                <a16:creationId xmlns:a16="http://schemas.microsoft.com/office/drawing/2014/main" id="{859E8342-A7B8-0DD1-A5C5-6BBC3E4597D1}"/>
-              </a:ext>
-            </a:extLst>
-          </p:cNvPr>
-          <p:cNvSpPr txBox="1"/>
-          <p:nvPr/>
-        </p:nvSpPr>
-        <p:spPr>
-          <a:xfrm>
-            <a:off x="6337278" y="1287483"/>
-            <a:ext cx="689798" cy="246221"/>
-          </a:xfrm>
-          <a:prstGeom prst="rect">
-            <a:avLst/>
-          </a:prstGeom>
-          <a:noFill/>
-        </p:spPr>
-        <p:txBody>
-          <a:bodyPr wrap="square" rtlCol="0">
-            <a:spAutoFit/>
-          </a:bodyPr>
-          <a:lstStyle/>
-          <a:p>
-            <a:pPr algn="ctr"/>
-            <a:r>
-              <a:rPr kumimoji="1" lang="en-US" altLang="ko-KR" sz="1000" i="1"/>
-              <a:t>1000ms</a:t>
-            </a:r>
-            <a:endParaRPr kumimoji="1" lang="ko-KR" altLang="en-US" sz="1000" i="1"/>
-          </a:p>
-        </p:txBody>
-      </p:sp>
-    </p:spTree>
-    <p:extLst>
-      <p:ext uri="{BB962C8B-B14F-4D97-AF65-F5344CB8AC3E}">
-        <p14:creationId xmlns:p14="http://schemas.microsoft.com/office/powerpoint/2010/main" val="2284733793"/>
       </p:ext>
     </p:extLst>
   </p:cSld>

--- a/content/docs/theory-analysis/istio-sidecar-proxy-access-log/images/images.pptx
+++ b/content/docs/theory-analysis/istio-sidecar-proxy-access-log/images/images.pptx
@@ -18008,43 +18008,6 @@
           </a:fontRef>
         </p:style>
       </p:cxnSp>
-      <p:sp>
-        <p:nvSpPr>
-          <p:cNvPr id="55" name="TextBox 54">
-            <a:extLst>
-              <a:ext uri="{FF2B5EF4-FFF2-40B4-BE49-F238E27FC236}">
-                <a16:creationId xmlns:a16="http://schemas.microsoft.com/office/drawing/2014/main" id="{80F055D2-6985-0183-C0D0-C028E0579752}"/>
-              </a:ext>
-            </a:extLst>
-          </p:cNvPr>
-          <p:cNvSpPr txBox="1"/>
-          <p:nvPr/>
-        </p:nvSpPr>
-        <p:spPr>
-          <a:xfrm>
-            <a:off x="2666358" y="2024866"/>
-            <a:ext cx="2795674" cy="246221"/>
-          </a:xfrm>
-          <a:prstGeom prst="rect">
-            <a:avLst/>
-          </a:prstGeom>
-          <a:noFill/>
-        </p:spPr>
-        <p:txBody>
-          <a:bodyPr wrap="square" rtlCol="0">
-            <a:spAutoFit/>
-          </a:bodyPr>
-          <a:lstStyle/>
-          <a:p>
-            <a:pPr algn="r"/>
-            <a:r>
-              <a:rPr kumimoji="1" lang="en-US" altLang="ko-KR" sz="1000" i="1"/>
-              <a:t>503 Service Unavailable</a:t>
-            </a:r>
-            <a:endParaRPr kumimoji="1" lang="ko-KR" altLang="en-US" sz="1000" i="1"/>
-          </a:p>
-        </p:txBody>
-      </p:sp>
       <p:cxnSp>
         <p:nvCxnSpPr>
           <p:cNvPr id="63" name="Straight Arrow Connector 81">
@@ -18345,7 +18308,7 @@
             <a:pPr algn="r"/>
             <a:r>
               <a:rPr kumimoji="1" lang="en-US" altLang="ko-KR" sz="1000" i="1"/>
-              <a:t>TCP RST</a:t>
+              <a:t>TCP FIN</a:t>
             </a:r>
             <a:endParaRPr kumimoji="1" lang="ko-KR" altLang="en-US" sz="1000" i="1"/>
           </a:p>
@@ -18517,7 +18480,179 @@
             <a:pPr algn="r"/>
             <a:r>
               <a:rPr kumimoji="1" lang="en-US" altLang="ko-KR" sz="1000" i="1"/>
-              <a:t>Partial Response</a:t>
+              <a:t>200 OK + Partial Response</a:t>
+            </a:r>
+            <a:endParaRPr kumimoji="1" lang="ko-KR" altLang="en-US" sz="1000" i="1"/>
+          </a:p>
+        </p:txBody>
+      </p:sp>
+      <p:cxnSp>
+        <p:nvCxnSpPr>
+          <p:cNvPr id="21" name="Straight Arrow Connector 81">
+            <a:extLst>
+              <a:ext uri="{FF2B5EF4-FFF2-40B4-BE49-F238E27FC236}">
+                <a16:creationId xmlns:a16="http://schemas.microsoft.com/office/drawing/2014/main" id="{C4B9F288-0902-F04E-62C0-6788D86564A4}"/>
+              </a:ext>
+            </a:extLst>
+          </p:cNvPr>
+          <p:cNvCxnSpPr>
+            <a:cxnSpLocks/>
+          </p:cNvCxnSpPr>
+          <p:nvPr/>
+        </p:nvCxnSpPr>
+        <p:spPr>
+          <a:xfrm>
+            <a:off x="5462028" y="2290229"/>
+            <a:ext cx="2917977" cy="0"/>
+          </a:xfrm>
+          <a:prstGeom prst="straightConnector1">
+            <a:avLst/>
+          </a:prstGeom>
+          <a:ln>
+            <a:solidFill>
+              <a:schemeClr val="tx1"/>
+            </a:solidFill>
+            <a:headEnd type="triangle" w="med" len="med"/>
+            <a:tailEnd type="none" w="med" len="med"/>
+          </a:ln>
+        </p:spPr>
+        <p:style>
+          <a:lnRef idx="1">
+            <a:schemeClr val="accent1"/>
+          </a:lnRef>
+          <a:fillRef idx="0">
+            <a:schemeClr val="accent1"/>
+          </a:fillRef>
+          <a:effectRef idx="0">
+            <a:schemeClr val="accent1"/>
+          </a:effectRef>
+          <a:fontRef idx="minor">
+            <a:schemeClr val="tx1"/>
+          </a:fontRef>
+        </p:style>
+      </p:cxnSp>
+      <p:cxnSp>
+        <p:nvCxnSpPr>
+          <p:cNvPr id="22" name="Straight Arrow Connector 81">
+            <a:extLst>
+              <a:ext uri="{FF2B5EF4-FFF2-40B4-BE49-F238E27FC236}">
+                <a16:creationId xmlns:a16="http://schemas.microsoft.com/office/drawing/2014/main" id="{33925310-591A-85F5-13DB-D13C9373B0AD}"/>
+              </a:ext>
+            </a:extLst>
+          </p:cNvPr>
+          <p:cNvCxnSpPr>
+            <a:cxnSpLocks/>
+          </p:cNvCxnSpPr>
+          <p:nvPr/>
+        </p:nvCxnSpPr>
+        <p:spPr>
+          <a:xfrm>
+            <a:off x="3681972" y="2362237"/>
+            <a:ext cx="1780056" cy="0"/>
+          </a:xfrm>
+          <a:prstGeom prst="straightConnector1">
+            <a:avLst/>
+          </a:prstGeom>
+          <a:ln>
+            <a:solidFill>
+              <a:schemeClr val="tx1"/>
+            </a:solidFill>
+            <a:headEnd type="triangle" w="med" len="med"/>
+            <a:tailEnd type="none" w="med" len="med"/>
+          </a:ln>
+        </p:spPr>
+        <p:style>
+          <a:lnRef idx="1">
+            <a:schemeClr val="accent1"/>
+          </a:lnRef>
+          <a:fillRef idx="0">
+            <a:schemeClr val="accent1"/>
+          </a:fillRef>
+          <a:effectRef idx="0">
+            <a:schemeClr val="accent1"/>
+          </a:effectRef>
+          <a:fontRef idx="minor">
+            <a:schemeClr val="tx1"/>
+          </a:fontRef>
+        </p:style>
+      </p:cxnSp>
+      <p:cxnSp>
+        <p:nvCxnSpPr>
+          <p:cNvPr id="23" name="Straight Arrow Connector 81">
+            <a:extLst>
+              <a:ext uri="{FF2B5EF4-FFF2-40B4-BE49-F238E27FC236}">
+                <a16:creationId xmlns:a16="http://schemas.microsoft.com/office/drawing/2014/main" id="{948CDA8F-3E81-427E-6830-7FABCA459588}"/>
+              </a:ext>
+            </a:extLst>
+          </p:cNvPr>
+          <p:cNvCxnSpPr>
+            <a:cxnSpLocks/>
+          </p:cNvCxnSpPr>
+          <p:nvPr/>
+        </p:nvCxnSpPr>
+        <p:spPr>
+          <a:xfrm>
+            <a:off x="763982" y="2434245"/>
+            <a:ext cx="2917982" cy="0"/>
+          </a:xfrm>
+          <a:prstGeom prst="straightConnector1">
+            <a:avLst/>
+          </a:prstGeom>
+          <a:ln>
+            <a:solidFill>
+              <a:schemeClr val="tx1"/>
+            </a:solidFill>
+            <a:headEnd type="triangle" w="med" len="med"/>
+            <a:tailEnd type="none" w="med" len="med"/>
+          </a:ln>
+        </p:spPr>
+        <p:style>
+          <a:lnRef idx="1">
+            <a:schemeClr val="accent1"/>
+          </a:lnRef>
+          <a:fillRef idx="0">
+            <a:schemeClr val="accent1"/>
+          </a:fillRef>
+          <a:effectRef idx="0">
+            <a:schemeClr val="accent1"/>
+          </a:effectRef>
+          <a:fontRef idx="minor">
+            <a:schemeClr val="tx1"/>
+          </a:fontRef>
+        </p:style>
+      </p:cxnSp>
+      <p:sp>
+        <p:nvSpPr>
+          <p:cNvPr id="24" name="TextBox 23">
+            <a:extLst>
+              <a:ext uri="{FF2B5EF4-FFF2-40B4-BE49-F238E27FC236}">
+                <a16:creationId xmlns:a16="http://schemas.microsoft.com/office/drawing/2014/main" id="{53BC9DED-8EE9-68C8-3AE6-0FABDF2E807E}"/>
+              </a:ext>
+            </a:extLst>
+          </p:cNvPr>
+          <p:cNvSpPr txBox="1"/>
+          <p:nvPr/>
+        </p:nvSpPr>
+        <p:spPr>
+          <a:xfrm>
+            <a:off x="5584328" y="2287918"/>
+            <a:ext cx="2795674" cy="246221"/>
+          </a:xfrm>
+          <a:prstGeom prst="rect">
+            <a:avLst/>
+          </a:prstGeom>
+          <a:noFill/>
+        </p:spPr>
+        <p:txBody>
+          <a:bodyPr wrap="square" rtlCol="0">
+            <a:spAutoFit/>
+          </a:bodyPr>
+          <a:lstStyle/>
+          <a:p>
+            <a:pPr algn="r"/>
+            <a:r>
+              <a:rPr kumimoji="1" lang="en-US" altLang="ko-KR" sz="1000" i="1"/>
+              <a:t>TCP RST</a:t>
             </a:r>
             <a:endParaRPr kumimoji="1" lang="ko-KR" altLang="en-US" sz="1000" i="1"/>
           </a:p>

--- a/content/docs/theory-analysis/istio-sidecar-proxy-access-log/images/images.pptx
+++ b/content/docs/theory-analysis/istio-sidecar-proxy-access-log/images/images.pptx
@@ -5,32 +5,34 @@
     <p:sldMasterId id="2147483648" r:id="rId1"/>
   </p:sldMasterIdLst>
   <p:notesMasterIdLst>
-    <p:notesMasterId r:id="rId25"/>
+    <p:notesMasterId r:id="rId27"/>
   </p:notesMasterIdLst>
   <p:sldIdLst>
     <p:sldId id="398" r:id="rId2"/>
-    <p:sldId id="416" r:id="rId3"/>
-    <p:sldId id="417" r:id="rId4"/>
-    <p:sldId id="418" r:id="rId5"/>
-    <p:sldId id="419" r:id="rId6"/>
-    <p:sldId id="420" r:id="rId7"/>
-    <p:sldId id="413" r:id="rId8"/>
-    <p:sldId id="414" r:id="rId9"/>
-    <p:sldId id="415" r:id="rId10"/>
-    <p:sldId id="403" r:id="rId11"/>
-    <p:sldId id="399" r:id="rId12"/>
-    <p:sldId id="400" r:id="rId13"/>
-    <p:sldId id="401" r:id="rId14"/>
-    <p:sldId id="402" r:id="rId15"/>
-    <p:sldId id="404" r:id="rId16"/>
-    <p:sldId id="405" r:id="rId17"/>
-    <p:sldId id="408" r:id="rId18"/>
-    <p:sldId id="407" r:id="rId19"/>
-    <p:sldId id="409" r:id="rId20"/>
-    <p:sldId id="410" r:id="rId21"/>
-    <p:sldId id="387" r:id="rId22"/>
-    <p:sldId id="411" r:id="rId23"/>
-    <p:sldId id="412" r:id="rId24"/>
+    <p:sldId id="425" r:id="rId3"/>
+    <p:sldId id="421" r:id="rId4"/>
+    <p:sldId id="422" r:id="rId5"/>
+    <p:sldId id="423" r:id="rId6"/>
+    <p:sldId id="419" r:id="rId7"/>
+    <p:sldId id="420" r:id="rId8"/>
+    <p:sldId id="424" r:id="rId9"/>
+    <p:sldId id="413" r:id="rId10"/>
+    <p:sldId id="414" r:id="rId11"/>
+    <p:sldId id="415" r:id="rId12"/>
+    <p:sldId id="403" r:id="rId13"/>
+    <p:sldId id="399" r:id="rId14"/>
+    <p:sldId id="400" r:id="rId15"/>
+    <p:sldId id="401" r:id="rId16"/>
+    <p:sldId id="402" r:id="rId17"/>
+    <p:sldId id="404" r:id="rId18"/>
+    <p:sldId id="405" r:id="rId19"/>
+    <p:sldId id="408" r:id="rId20"/>
+    <p:sldId id="407" r:id="rId21"/>
+    <p:sldId id="409" r:id="rId22"/>
+    <p:sldId id="410" r:id="rId23"/>
+    <p:sldId id="387" r:id="rId24"/>
+    <p:sldId id="411" r:id="rId25"/>
+    <p:sldId id="412" r:id="rId26"/>
   </p:sldIdLst>
   <p:sldSz cx="9144000" cy="5143500" type="screen16x9"/>
   <p:notesSz cx="6858000" cy="9144000"/>
@@ -4364,6 +4366,2654 @@
         <p:cNvPr id="1" name="">
           <a:extLst>
             <a:ext uri="{FF2B5EF4-FFF2-40B4-BE49-F238E27FC236}">
+              <a16:creationId xmlns:a16="http://schemas.microsoft.com/office/drawing/2014/main" id="{B201D244-26D7-6140-60E1-E03A5F2D9C57}"/>
+            </a:ext>
+          </a:extLst>
+        </p:cNvPr>
+        <p:cNvGrpSpPr/>
+        <p:nvPr/>
+      </p:nvGrpSpPr>
+      <p:grpSpPr>
+        <a:xfrm>
+          <a:off x="0" y="0"/>
+          <a:ext cx="0" cy="0"/>
+          <a:chOff x="0" y="0"/>
+          <a:chExt cx="0" cy="0"/>
+        </a:xfrm>
+      </p:grpSpPr>
+      <p:sp>
+        <p:nvSpPr>
+          <p:cNvPr id="6" name="사각형: 둥근 모서리 29">
+            <a:extLst>
+              <a:ext uri="{FF2B5EF4-FFF2-40B4-BE49-F238E27FC236}">
+                <a16:creationId xmlns:a16="http://schemas.microsoft.com/office/drawing/2014/main" id="{E7C860AB-99C2-5548-B211-1C5713672C6C}"/>
+              </a:ext>
+            </a:extLst>
+          </p:cNvPr>
+          <p:cNvSpPr/>
+          <p:nvPr/>
+        </p:nvSpPr>
+        <p:spPr>
+          <a:xfrm>
+            <a:off x="179512" y="1938094"/>
+            <a:ext cx="2551069" cy="1267312"/>
+          </a:xfrm>
+          <a:prstGeom prst="roundRect">
+            <a:avLst>
+              <a:gd name="adj" fmla="val 6027"/>
+            </a:avLst>
+          </a:prstGeom>
+          <a:ln w="12700"/>
+        </p:spPr>
+        <p:style>
+          <a:lnRef idx="2">
+            <a:schemeClr val="dk1"/>
+          </a:lnRef>
+          <a:fillRef idx="1">
+            <a:schemeClr val="lt1"/>
+          </a:fillRef>
+          <a:effectRef idx="0">
+            <a:schemeClr val="dk1"/>
+          </a:effectRef>
+          <a:fontRef idx="minor">
+            <a:schemeClr val="dk1"/>
+          </a:fontRef>
+        </p:style>
+        <p:txBody>
+          <a:bodyPr rtlCol="0" anchor="b"/>
+          <a:lstStyle/>
+          <a:p>
+            <a:pPr algn="ctr"/>
+            <a:r>
+              <a:rPr lang="en-US" altLang="ko-KR" sz="1000" b="1"/>
+              <a:t> </a:t>
+            </a:r>
+          </a:p>
+          <a:p>
+            <a:pPr algn="ctr"/>
+            <a:r>
+              <a:rPr lang="en-US" altLang="ko-KR" sz="1000"/>
+              <a:t>Worker Node</a:t>
+            </a:r>
+            <a:endParaRPr lang="ko-KR" altLang="en-US" sz="1000"/>
+          </a:p>
+        </p:txBody>
+      </p:sp>
+      <p:sp>
+        <p:nvSpPr>
+          <p:cNvPr id="4" name="사각형: 둥근 모서리 29">
+            <a:extLst>
+              <a:ext uri="{FF2B5EF4-FFF2-40B4-BE49-F238E27FC236}">
+                <a16:creationId xmlns:a16="http://schemas.microsoft.com/office/drawing/2014/main" id="{9C3DFF99-F482-A5A6-19D9-6DEAAF1C93D6}"/>
+              </a:ext>
+            </a:extLst>
+          </p:cNvPr>
+          <p:cNvSpPr/>
+          <p:nvPr/>
+        </p:nvSpPr>
+        <p:spPr>
+          <a:xfrm>
+            <a:off x="270021" y="2037546"/>
+            <a:ext cx="2372526" cy="888200"/>
+          </a:xfrm>
+          <a:prstGeom prst="roundRect">
+            <a:avLst>
+              <a:gd name="adj" fmla="val 10124"/>
+            </a:avLst>
+          </a:prstGeom>
+          <a:ln w="12700"/>
+        </p:spPr>
+        <p:style>
+          <a:lnRef idx="2">
+            <a:schemeClr val="dk1"/>
+          </a:lnRef>
+          <a:fillRef idx="1">
+            <a:schemeClr val="lt1"/>
+          </a:fillRef>
+          <a:effectRef idx="0">
+            <a:schemeClr val="dk1"/>
+          </a:effectRef>
+          <a:fontRef idx="minor">
+            <a:schemeClr val="dk1"/>
+          </a:fontRef>
+        </p:style>
+        <p:txBody>
+          <a:bodyPr rtlCol="0" anchor="b"/>
+          <a:lstStyle/>
+          <a:p>
+            <a:pPr algn="ctr"/>
+            <a:r>
+              <a:rPr lang="en-US" altLang="ko-KR" sz="1000" b="1"/>
+              <a:t>shell </a:t>
+            </a:r>
+            <a:r>
+              <a:rPr lang="en-US" altLang="ko-KR" sz="1000"/>
+              <a:t>Pod</a:t>
+            </a:r>
+          </a:p>
+        </p:txBody>
+      </p:sp>
+      <p:cxnSp>
+        <p:nvCxnSpPr>
+          <p:cNvPr id="8" name="Straight Arrow Connector 81">
+            <a:extLst>
+              <a:ext uri="{FF2B5EF4-FFF2-40B4-BE49-F238E27FC236}">
+                <a16:creationId xmlns:a16="http://schemas.microsoft.com/office/drawing/2014/main" id="{394A9B85-E0CB-C3E2-FE6B-313FDB0F8276}"/>
+              </a:ext>
+            </a:extLst>
+          </p:cNvPr>
+          <p:cNvCxnSpPr>
+            <a:cxnSpLocks/>
+            <a:stCxn id="9" idx="2"/>
+            <a:endCxn id="3" idx="0"/>
+          </p:cNvCxnSpPr>
+          <p:nvPr/>
+        </p:nvCxnSpPr>
+        <p:spPr>
+          <a:xfrm>
+            <a:off x="3689931" y="2043387"/>
+            <a:ext cx="0" cy="173250"/>
+          </a:xfrm>
+          <a:prstGeom prst="straightConnector1">
+            <a:avLst/>
+          </a:prstGeom>
+          <a:ln>
+            <a:solidFill>
+              <a:schemeClr val="tx1"/>
+            </a:solidFill>
+            <a:tailEnd type="triangle"/>
+          </a:ln>
+        </p:spPr>
+        <p:style>
+          <a:lnRef idx="1">
+            <a:schemeClr val="accent1"/>
+          </a:lnRef>
+          <a:fillRef idx="0">
+            <a:schemeClr val="accent1"/>
+          </a:fillRef>
+          <a:effectRef idx="0">
+            <a:schemeClr val="accent1"/>
+          </a:effectRef>
+          <a:fontRef idx="minor">
+            <a:schemeClr val="tx1"/>
+          </a:fontRef>
+        </p:style>
+      </p:cxnSp>
+      <p:sp>
+        <p:nvSpPr>
+          <p:cNvPr id="2" name="사각형: 둥근 모서리 29">
+            <a:extLst>
+              <a:ext uri="{FF2B5EF4-FFF2-40B4-BE49-F238E27FC236}">
+                <a16:creationId xmlns:a16="http://schemas.microsoft.com/office/drawing/2014/main" id="{E83EA57A-E1C7-74DD-D938-77886DEE88B0}"/>
+              </a:ext>
+            </a:extLst>
+          </p:cNvPr>
+          <p:cNvSpPr/>
+          <p:nvPr/>
+        </p:nvSpPr>
+        <p:spPr>
+          <a:xfrm>
+            <a:off x="3027276" y="2923215"/>
+            <a:ext cx="1325312" cy="525929"/>
+          </a:xfrm>
+          <a:prstGeom prst="roundRect">
+            <a:avLst>
+              <a:gd name="adj" fmla="val 11707"/>
+            </a:avLst>
+          </a:prstGeom>
+          <a:ln w="12700">
+            <a:prstDash val="solid"/>
+          </a:ln>
+        </p:spPr>
+        <p:style>
+          <a:lnRef idx="2">
+            <a:schemeClr val="dk1"/>
+          </a:lnRef>
+          <a:fillRef idx="1">
+            <a:schemeClr val="lt1"/>
+          </a:fillRef>
+          <a:effectRef idx="0">
+            <a:schemeClr val="dk1"/>
+          </a:effectRef>
+          <a:fontRef idx="minor">
+            <a:schemeClr val="dk1"/>
+          </a:fontRef>
+        </p:style>
+        <p:txBody>
+          <a:bodyPr rtlCol="0" anchor="ctr"/>
+          <a:lstStyle/>
+          <a:p>
+            <a:pPr algn="ctr"/>
+            <a:r>
+              <a:rPr lang="en-US" altLang="ko-KR" sz="1000" b="1"/>
+              <a:t>mock-server-http</a:t>
+            </a:r>
+            <a:r>
+              <a:rPr lang="en-US" altLang="ko-KR" sz="1000"/>
+              <a:t> </a:t>
+            </a:r>
+          </a:p>
+          <a:p>
+            <a:pPr algn="ctr"/>
+            <a:r>
+              <a:rPr lang="en-US" altLang="ko-KR" sz="1000"/>
+              <a:t>Service</a:t>
+            </a:r>
+            <a:endParaRPr lang="ko-KR" altLang="en-US" sz="1000"/>
+          </a:p>
+        </p:txBody>
+      </p:sp>
+      <p:sp>
+        <p:nvSpPr>
+          <p:cNvPr id="3" name="사각형: 둥근 모서리 29">
+            <a:extLst>
+              <a:ext uri="{FF2B5EF4-FFF2-40B4-BE49-F238E27FC236}">
+                <a16:creationId xmlns:a16="http://schemas.microsoft.com/office/drawing/2014/main" id="{B158FBE7-8CF1-D522-A286-8D7DED3F9319}"/>
+              </a:ext>
+            </a:extLst>
+          </p:cNvPr>
+          <p:cNvSpPr/>
+          <p:nvPr/>
+        </p:nvSpPr>
+        <p:spPr>
+          <a:xfrm>
+            <a:off x="3027275" y="2216637"/>
+            <a:ext cx="1325312" cy="525929"/>
+          </a:xfrm>
+          <a:prstGeom prst="roundRect">
+            <a:avLst>
+              <a:gd name="adj" fmla="val 11707"/>
+            </a:avLst>
+          </a:prstGeom>
+          <a:ln w="12700">
+            <a:prstDash val="solid"/>
+          </a:ln>
+        </p:spPr>
+        <p:style>
+          <a:lnRef idx="2">
+            <a:schemeClr val="dk1"/>
+          </a:lnRef>
+          <a:fillRef idx="1">
+            <a:schemeClr val="lt1"/>
+          </a:fillRef>
+          <a:effectRef idx="0">
+            <a:schemeClr val="dk1"/>
+          </a:effectRef>
+          <a:fontRef idx="minor">
+            <a:schemeClr val="dk1"/>
+          </a:fontRef>
+        </p:style>
+        <p:txBody>
+          <a:bodyPr rtlCol="0" anchor="ctr"/>
+          <a:lstStyle/>
+          <a:p>
+            <a:pPr algn="ctr"/>
+            <a:r>
+              <a:rPr lang="en-US" altLang="ko-KR" sz="1000" b="1"/>
+              <a:t>mock-server-http</a:t>
+            </a:r>
+          </a:p>
+          <a:p>
+            <a:pPr algn="ctr"/>
+            <a:r>
+              <a:rPr lang="en-US" altLang="ko-KR" sz="1000"/>
+              <a:t>DestinationRule</a:t>
+            </a:r>
+            <a:endParaRPr lang="ko-KR" altLang="en-US" sz="1000"/>
+          </a:p>
+        </p:txBody>
+      </p:sp>
+      <p:sp>
+        <p:nvSpPr>
+          <p:cNvPr id="9" name="사각형: 둥근 모서리 29">
+            <a:extLst>
+              <a:ext uri="{FF2B5EF4-FFF2-40B4-BE49-F238E27FC236}">
+                <a16:creationId xmlns:a16="http://schemas.microsoft.com/office/drawing/2014/main" id="{2FB41AAC-29ED-C86A-F5FE-80C636EE48C3}"/>
+              </a:ext>
+            </a:extLst>
+          </p:cNvPr>
+          <p:cNvSpPr/>
+          <p:nvPr/>
+        </p:nvSpPr>
+        <p:spPr>
+          <a:xfrm>
+            <a:off x="3027275" y="1517458"/>
+            <a:ext cx="1325312" cy="525929"/>
+          </a:xfrm>
+          <a:prstGeom prst="roundRect">
+            <a:avLst>
+              <a:gd name="adj" fmla="val 11707"/>
+            </a:avLst>
+          </a:prstGeom>
+          <a:ln w="12700">
+            <a:prstDash val="solid"/>
+          </a:ln>
+        </p:spPr>
+        <p:style>
+          <a:lnRef idx="2">
+            <a:schemeClr val="dk1"/>
+          </a:lnRef>
+          <a:fillRef idx="1">
+            <a:schemeClr val="lt1"/>
+          </a:fillRef>
+          <a:effectRef idx="0">
+            <a:schemeClr val="dk1"/>
+          </a:effectRef>
+          <a:fontRef idx="minor">
+            <a:schemeClr val="dk1"/>
+          </a:fontRef>
+        </p:style>
+        <p:txBody>
+          <a:bodyPr rtlCol="0" anchor="ctr"/>
+          <a:lstStyle/>
+          <a:p>
+            <a:pPr algn="ctr"/>
+            <a:r>
+              <a:rPr lang="en-US" altLang="ko-KR" sz="1000" b="1"/>
+              <a:t>mock-server-http</a:t>
+            </a:r>
+          </a:p>
+          <a:p>
+            <a:pPr algn="ctr"/>
+            <a:r>
+              <a:rPr lang="en-US" altLang="ko-KR" sz="1000"/>
+              <a:t>VirtualService</a:t>
+            </a:r>
+            <a:endParaRPr lang="ko-KR" altLang="en-US" sz="1000"/>
+          </a:p>
+        </p:txBody>
+      </p:sp>
+      <p:cxnSp>
+        <p:nvCxnSpPr>
+          <p:cNvPr id="11" name="Elbow Connector 80">
+            <a:extLst>
+              <a:ext uri="{FF2B5EF4-FFF2-40B4-BE49-F238E27FC236}">
+                <a16:creationId xmlns:a16="http://schemas.microsoft.com/office/drawing/2014/main" id="{3AD24A9F-6640-EF23-87A5-D85494C3E613}"/>
+              </a:ext>
+            </a:extLst>
+          </p:cNvPr>
+          <p:cNvCxnSpPr>
+            <a:cxnSpLocks/>
+            <a:stCxn id="75" idx="0"/>
+            <a:endCxn id="9" idx="0"/>
+          </p:cNvCxnSpPr>
+          <p:nvPr/>
+        </p:nvCxnSpPr>
+        <p:spPr>
+          <a:xfrm rot="5400000" flipH="1" flipV="1">
+            <a:off x="2588846" y="1031270"/>
+            <a:ext cx="614896" cy="1587273"/>
+          </a:xfrm>
+          <a:prstGeom prst="bentConnector3">
+            <a:avLst>
+              <a:gd name="adj1" fmla="val 137177"/>
+            </a:avLst>
+          </a:prstGeom>
+          <a:ln w="12700">
+            <a:solidFill>
+              <a:schemeClr val="tx1"/>
+            </a:solidFill>
+            <a:tailEnd type="triangle"/>
+          </a:ln>
+        </p:spPr>
+        <p:style>
+          <a:lnRef idx="1">
+            <a:schemeClr val="accent1"/>
+          </a:lnRef>
+          <a:fillRef idx="0">
+            <a:schemeClr val="accent1"/>
+          </a:fillRef>
+          <a:effectRef idx="0">
+            <a:schemeClr val="accent1"/>
+          </a:effectRef>
+          <a:fontRef idx="minor">
+            <a:schemeClr val="tx1"/>
+          </a:fontRef>
+        </p:style>
+      </p:cxnSp>
+      <p:cxnSp>
+        <p:nvCxnSpPr>
+          <p:cNvPr id="18" name="Straight Arrow Connector 81">
+            <a:extLst>
+              <a:ext uri="{FF2B5EF4-FFF2-40B4-BE49-F238E27FC236}">
+                <a16:creationId xmlns:a16="http://schemas.microsoft.com/office/drawing/2014/main" id="{789A67B3-1412-BD36-5A55-3995D51EB0D6}"/>
+              </a:ext>
+            </a:extLst>
+          </p:cNvPr>
+          <p:cNvCxnSpPr>
+            <a:cxnSpLocks/>
+            <a:stCxn id="3" idx="2"/>
+            <a:endCxn id="2" idx="0"/>
+          </p:cNvCxnSpPr>
+          <p:nvPr/>
+        </p:nvCxnSpPr>
+        <p:spPr>
+          <a:xfrm>
+            <a:off x="3689931" y="2742566"/>
+            <a:ext cx="1" cy="180649"/>
+          </a:xfrm>
+          <a:prstGeom prst="straightConnector1">
+            <a:avLst/>
+          </a:prstGeom>
+          <a:ln>
+            <a:solidFill>
+              <a:schemeClr val="tx1"/>
+            </a:solidFill>
+            <a:tailEnd type="triangle"/>
+          </a:ln>
+        </p:spPr>
+        <p:style>
+          <a:lnRef idx="1">
+            <a:schemeClr val="accent1"/>
+          </a:lnRef>
+          <a:fillRef idx="0">
+            <a:schemeClr val="accent1"/>
+          </a:fillRef>
+          <a:effectRef idx="0">
+            <a:schemeClr val="accent1"/>
+          </a:effectRef>
+          <a:fontRef idx="minor">
+            <a:schemeClr val="tx1"/>
+          </a:fontRef>
+        </p:style>
+      </p:cxnSp>
+      <p:cxnSp>
+        <p:nvCxnSpPr>
+          <p:cNvPr id="15" name="Straight Arrow Connector 81">
+            <a:extLst>
+              <a:ext uri="{FF2B5EF4-FFF2-40B4-BE49-F238E27FC236}">
+                <a16:creationId xmlns:a16="http://schemas.microsoft.com/office/drawing/2014/main" id="{22D72CE6-D484-F2BE-F23D-8F2D5269CFD7}"/>
+              </a:ext>
+            </a:extLst>
+          </p:cNvPr>
+          <p:cNvCxnSpPr>
+            <a:cxnSpLocks/>
+            <a:stCxn id="19" idx="2"/>
+            <a:endCxn id="17" idx="0"/>
+          </p:cNvCxnSpPr>
+          <p:nvPr/>
+        </p:nvCxnSpPr>
+        <p:spPr>
+          <a:xfrm>
+            <a:off x="5390759" y="2037546"/>
+            <a:ext cx="0" cy="173250"/>
+          </a:xfrm>
+          <a:prstGeom prst="straightConnector1">
+            <a:avLst/>
+          </a:prstGeom>
+          <a:ln>
+            <a:solidFill>
+              <a:schemeClr val="tx1"/>
+            </a:solidFill>
+            <a:tailEnd type="triangle"/>
+          </a:ln>
+        </p:spPr>
+        <p:style>
+          <a:lnRef idx="1">
+            <a:schemeClr val="accent1"/>
+          </a:lnRef>
+          <a:fillRef idx="0">
+            <a:schemeClr val="accent1"/>
+          </a:fillRef>
+          <a:effectRef idx="0">
+            <a:schemeClr val="accent1"/>
+          </a:effectRef>
+          <a:fontRef idx="minor">
+            <a:schemeClr val="tx1"/>
+          </a:fontRef>
+        </p:style>
+      </p:cxnSp>
+      <p:sp>
+        <p:nvSpPr>
+          <p:cNvPr id="16" name="사각형: 둥근 모서리 29">
+            <a:extLst>
+              <a:ext uri="{FF2B5EF4-FFF2-40B4-BE49-F238E27FC236}">
+                <a16:creationId xmlns:a16="http://schemas.microsoft.com/office/drawing/2014/main" id="{3C137BD7-6783-3AEA-2E54-E0DEB4115F36}"/>
+              </a:ext>
+            </a:extLst>
+          </p:cNvPr>
+          <p:cNvSpPr/>
+          <p:nvPr/>
+        </p:nvSpPr>
+        <p:spPr>
+          <a:xfrm>
+            <a:off x="4728104" y="2917374"/>
+            <a:ext cx="1325312" cy="525929"/>
+          </a:xfrm>
+          <a:prstGeom prst="roundRect">
+            <a:avLst>
+              <a:gd name="adj" fmla="val 11707"/>
+            </a:avLst>
+          </a:prstGeom>
+          <a:ln w="12700">
+            <a:prstDash val="solid"/>
+          </a:ln>
+        </p:spPr>
+        <p:style>
+          <a:lnRef idx="2">
+            <a:schemeClr val="dk1"/>
+          </a:lnRef>
+          <a:fillRef idx="1">
+            <a:schemeClr val="lt1"/>
+          </a:fillRef>
+          <a:effectRef idx="0">
+            <a:schemeClr val="dk1"/>
+          </a:effectRef>
+          <a:fontRef idx="minor">
+            <a:schemeClr val="dk1"/>
+          </a:fontRef>
+        </p:style>
+        <p:txBody>
+          <a:bodyPr rtlCol="0" anchor="ctr"/>
+          <a:lstStyle/>
+          <a:p>
+            <a:pPr algn="ctr"/>
+            <a:r>
+              <a:rPr lang="en-US" altLang="ko-KR" sz="1000" b="1"/>
+              <a:t>mock-server-grpc</a:t>
+            </a:r>
+            <a:r>
+              <a:rPr lang="en-US" altLang="ko-KR" sz="1000"/>
+              <a:t> </a:t>
+            </a:r>
+          </a:p>
+          <a:p>
+            <a:pPr algn="ctr"/>
+            <a:r>
+              <a:rPr lang="en-US" altLang="ko-KR" sz="1000"/>
+              <a:t>Service</a:t>
+            </a:r>
+            <a:endParaRPr lang="ko-KR" altLang="en-US" sz="1000"/>
+          </a:p>
+        </p:txBody>
+      </p:sp>
+      <p:sp>
+        <p:nvSpPr>
+          <p:cNvPr id="17" name="사각형: 둥근 모서리 29">
+            <a:extLst>
+              <a:ext uri="{FF2B5EF4-FFF2-40B4-BE49-F238E27FC236}">
+                <a16:creationId xmlns:a16="http://schemas.microsoft.com/office/drawing/2014/main" id="{7CE4F32E-8DA1-2B58-FB4C-EF04F5E067EE}"/>
+              </a:ext>
+            </a:extLst>
+          </p:cNvPr>
+          <p:cNvSpPr/>
+          <p:nvPr/>
+        </p:nvSpPr>
+        <p:spPr>
+          <a:xfrm>
+            <a:off x="4728103" y="2210796"/>
+            <a:ext cx="1325312" cy="525929"/>
+          </a:xfrm>
+          <a:prstGeom prst="roundRect">
+            <a:avLst>
+              <a:gd name="adj" fmla="val 11707"/>
+            </a:avLst>
+          </a:prstGeom>
+          <a:ln w="12700">
+            <a:prstDash val="solid"/>
+          </a:ln>
+        </p:spPr>
+        <p:style>
+          <a:lnRef idx="2">
+            <a:schemeClr val="dk1"/>
+          </a:lnRef>
+          <a:fillRef idx="1">
+            <a:schemeClr val="lt1"/>
+          </a:fillRef>
+          <a:effectRef idx="0">
+            <a:schemeClr val="dk1"/>
+          </a:effectRef>
+          <a:fontRef idx="minor">
+            <a:schemeClr val="dk1"/>
+          </a:fontRef>
+        </p:style>
+        <p:txBody>
+          <a:bodyPr rtlCol="0" anchor="ctr"/>
+          <a:lstStyle/>
+          <a:p>
+            <a:pPr algn="ctr"/>
+            <a:r>
+              <a:rPr lang="en-US" altLang="ko-KR" sz="1000" b="1"/>
+              <a:t>mock-server-grpc</a:t>
+            </a:r>
+          </a:p>
+          <a:p>
+            <a:pPr algn="ctr"/>
+            <a:r>
+              <a:rPr lang="en-US" altLang="ko-KR" sz="1000"/>
+              <a:t>DestinationRule</a:t>
+            </a:r>
+            <a:endParaRPr lang="ko-KR" altLang="en-US" sz="1000"/>
+          </a:p>
+        </p:txBody>
+      </p:sp>
+      <p:sp>
+        <p:nvSpPr>
+          <p:cNvPr id="19" name="사각형: 둥근 모서리 29">
+            <a:extLst>
+              <a:ext uri="{FF2B5EF4-FFF2-40B4-BE49-F238E27FC236}">
+                <a16:creationId xmlns:a16="http://schemas.microsoft.com/office/drawing/2014/main" id="{761FE38E-FE45-B2D9-FEB2-5C058A412947}"/>
+              </a:ext>
+            </a:extLst>
+          </p:cNvPr>
+          <p:cNvSpPr/>
+          <p:nvPr/>
+        </p:nvSpPr>
+        <p:spPr>
+          <a:xfrm>
+            <a:off x="4728103" y="1511617"/>
+            <a:ext cx="1325312" cy="525929"/>
+          </a:xfrm>
+          <a:prstGeom prst="roundRect">
+            <a:avLst>
+              <a:gd name="adj" fmla="val 11707"/>
+            </a:avLst>
+          </a:prstGeom>
+          <a:ln w="12700">
+            <a:prstDash val="solid"/>
+          </a:ln>
+        </p:spPr>
+        <p:style>
+          <a:lnRef idx="2">
+            <a:schemeClr val="dk1"/>
+          </a:lnRef>
+          <a:fillRef idx="1">
+            <a:schemeClr val="lt1"/>
+          </a:fillRef>
+          <a:effectRef idx="0">
+            <a:schemeClr val="dk1"/>
+          </a:effectRef>
+          <a:fontRef idx="minor">
+            <a:schemeClr val="dk1"/>
+          </a:fontRef>
+        </p:style>
+        <p:txBody>
+          <a:bodyPr rtlCol="0" anchor="ctr"/>
+          <a:lstStyle/>
+          <a:p>
+            <a:pPr algn="ctr"/>
+            <a:r>
+              <a:rPr lang="en-US" altLang="ko-KR" sz="1000" b="1"/>
+              <a:t>mock-server-grpc</a:t>
+            </a:r>
+          </a:p>
+          <a:p>
+            <a:pPr algn="ctr"/>
+            <a:r>
+              <a:rPr lang="en-US" altLang="ko-KR" sz="1000"/>
+              <a:t>VirtualService</a:t>
+            </a:r>
+            <a:endParaRPr lang="ko-KR" altLang="en-US" sz="1000"/>
+          </a:p>
+        </p:txBody>
+      </p:sp>
+      <p:cxnSp>
+        <p:nvCxnSpPr>
+          <p:cNvPr id="20" name="Straight Arrow Connector 81">
+            <a:extLst>
+              <a:ext uri="{FF2B5EF4-FFF2-40B4-BE49-F238E27FC236}">
+                <a16:creationId xmlns:a16="http://schemas.microsoft.com/office/drawing/2014/main" id="{9030E72C-75D0-5101-BCBB-F20E65CBF7C2}"/>
+              </a:ext>
+            </a:extLst>
+          </p:cNvPr>
+          <p:cNvCxnSpPr>
+            <a:cxnSpLocks/>
+            <a:stCxn id="17" idx="2"/>
+            <a:endCxn id="16" idx="0"/>
+          </p:cNvCxnSpPr>
+          <p:nvPr/>
+        </p:nvCxnSpPr>
+        <p:spPr>
+          <a:xfrm>
+            <a:off x="5390759" y="2736725"/>
+            <a:ext cx="1" cy="180649"/>
+          </a:xfrm>
+          <a:prstGeom prst="straightConnector1">
+            <a:avLst/>
+          </a:prstGeom>
+          <a:ln>
+            <a:solidFill>
+              <a:schemeClr val="tx1"/>
+            </a:solidFill>
+            <a:tailEnd type="triangle"/>
+          </a:ln>
+        </p:spPr>
+        <p:style>
+          <a:lnRef idx="1">
+            <a:schemeClr val="accent1"/>
+          </a:lnRef>
+          <a:fillRef idx="0">
+            <a:schemeClr val="accent1"/>
+          </a:fillRef>
+          <a:effectRef idx="0">
+            <a:schemeClr val="accent1"/>
+          </a:effectRef>
+          <a:fontRef idx="minor">
+            <a:schemeClr val="tx1"/>
+          </a:fontRef>
+        </p:style>
+      </p:cxnSp>
+      <p:cxnSp>
+        <p:nvCxnSpPr>
+          <p:cNvPr id="29" name="Elbow Connector 80">
+            <a:extLst>
+              <a:ext uri="{FF2B5EF4-FFF2-40B4-BE49-F238E27FC236}">
+                <a16:creationId xmlns:a16="http://schemas.microsoft.com/office/drawing/2014/main" id="{1DD5E458-4627-ECDC-EB61-C9360DD9EE62}"/>
+              </a:ext>
+            </a:extLst>
+          </p:cNvPr>
+          <p:cNvCxnSpPr>
+            <a:cxnSpLocks/>
+            <a:stCxn id="75" idx="0"/>
+            <a:endCxn id="19" idx="0"/>
+          </p:cNvCxnSpPr>
+          <p:nvPr/>
+        </p:nvCxnSpPr>
+        <p:spPr>
+          <a:xfrm rot="5400000" flipH="1" flipV="1">
+            <a:off x="3436340" y="177936"/>
+            <a:ext cx="620737" cy="3288101"/>
+          </a:xfrm>
+          <a:prstGeom prst="bentConnector3">
+            <a:avLst>
+              <a:gd name="adj1" fmla="val 136827"/>
+            </a:avLst>
+          </a:prstGeom>
+          <a:ln w="12700">
+            <a:solidFill>
+              <a:schemeClr val="tx1"/>
+            </a:solidFill>
+            <a:tailEnd type="triangle"/>
+          </a:ln>
+        </p:spPr>
+        <p:style>
+          <a:lnRef idx="1">
+            <a:schemeClr val="accent1"/>
+          </a:lnRef>
+          <a:fillRef idx="0">
+            <a:schemeClr val="accent1"/>
+          </a:fillRef>
+          <a:effectRef idx="0">
+            <a:schemeClr val="accent1"/>
+          </a:effectRef>
+          <a:fontRef idx="minor">
+            <a:schemeClr val="tx1"/>
+          </a:fontRef>
+        </p:style>
+      </p:cxnSp>
+      <p:sp>
+        <p:nvSpPr>
+          <p:cNvPr id="75" name="사각형: 둥근 모서리 29">
+            <a:extLst>
+              <a:ext uri="{FF2B5EF4-FFF2-40B4-BE49-F238E27FC236}">
+                <a16:creationId xmlns:a16="http://schemas.microsoft.com/office/drawing/2014/main" id="{27CB51E6-5DD2-9D69-16A8-3C99F2C8B398}"/>
+              </a:ext>
+            </a:extLst>
+          </p:cNvPr>
+          <p:cNvSpPr/>
+          <p:nvPr/>
+        </p:nvSpPr>
+        <p:spPr>
+          <a:xfrm>
+            <a:off x="1657017" y="2132354"/>
+            <a:ext cx="891282" cy="439396"/>
+          </a:xfrm>
+          <a:prstGeom prst="roundRect">
+            <a:avLst>
+              <a:gd name="adj" fmla="val 14520"/>
+            </a:avLst>
+          </a:prstGeom>
+          <a:ln w="12700"/>
+        </p:spPr>
+        <p:style>
+          <a:lnRef idx="2">
+            <a:schemeClr val="dk1"/>
+          </a:lnRef>
+          <a:fillRef idx="1">
+            <a:schemeClr val="lt1"/>
+          </a:fillRef>
+          <a:effectRef idx="0">
+            <a:schemeClr val="dk1"/>
+          </a:effectRef>
+          <a:fontRef idx="minor">
+            <a:schemeClr val="dk1"/>
+          </a:fontRef>
+        </p:style>
+        <p:txBody>
+          <a:bodyPr rtlCol="0" anchor="ctr"/>
+          <a:lstStyle/>
+          <a:p>
+            <a:pPr algn="ctr"/>
+            <a:r>
+              <a:rPr lang="en-US" altLang="ko-KR" sz="1000" b="1"/>
+              <a:t>istio-proxy</a:t>
+            </a:r>
+          </a:p>
+          <a:p>
+            <a:pPr algn="ctr"/>
+            <a:r>
+              <a:rPr lang="en-US" altLang="ko-KR" sz="1000"/>
+              <a:t>Container</a:t>
+            </a:r>
+          </a:p>
+        </p:txBody>
+      </p:sp>
+      <p:sp>
+        <p:nvSpPr>
+          <p:cNvPr id="78" name="사각형: 둥근 모서리 29">
+            <a:extLst>
+              <a:ext uri="{FF2B5EF4-FFF2-40B4-BE49-F238E27FC236}">
+                <a16:creationId xmlns:a16="http://schemas.microsoft.com/office/drawing/2014/main" id="{8503C275-CF2C-2B51-2E41-E6DB18EDD050}"/>
+              </a:ext>
+            </a:extLst>
+          </p:cNvPr>
+          <p:cNvSpPr/>
+          <p:nvPr/>
+        </p:nvSpPr>
+        <p:spPr>
+          <a:xfrm>
+            <a:off x="367780" y="2132354"/>
+            <a:ext cx="989457" cy="439396"/>
+          </a:xfrm>
+          <a:prstGeom prst="roundRect">
+            <a:avLst>
+              <a:gd name="adj" fmla="val 14520"/>
+            </a:avLst>
+          </a:prstGeom>
+          <a:ln w="12700"/>
+        </p:spPr>
+        <p:style>
+          <a:lnRef idx="2">
+            <a:schemeClr val="dk1"/>
+          </a:lnRef>
+          <a:fillRef idx="1">
+            <a:schemeClr val="lt1"/>
+          </a:fillRef>
+          <a:effectRef idx="0">
+            <a:schemeClr val="dk1"/>
+          </a:effectRef>
+          <a:fontRef idx="minor">
+            <a:schemeClr val="dk1"/>
+          </a:fontRef>
+        </p:style>
+        <p:txBody>
+          <a:bodyPr rtlCol="0" anchor="ctr"/>
+          <a:lstStyle/>
+          <a:p>
+            <a:pPr algn="ctr"/>
+            <a:r>
+              <a:rPr lang="en-US" altLang="ko-KR" sz="1000" b="1"/>
+              <a:t>shell</a:t>
+            </a:r>
+          </a:p>
+          <a:p>
+            <a:pPr algn="ctr"/>
+            <a:r>
+              <a:rPr lang="en-US" altLang="ko-KR" sz="1000"/>
+              <a:t>Container</a:t>
+            </a:r>
+          </a:p>
+        </p:txBody>
+      </p:sp>
+      <p:cxnSp>
+        <p:nvCxnSpPr>
+          <p:cNvPr id="95" name="Straight Arrow Connector 81">
+            <a:extLst>
+              <a:ext uri="{FF2B5EF4-FFF2-40B4-BE49-F238E27FC236}">
+                <a16:creationId xmlns:a16="http://schemas.microsoft.com/office/drawing/2014/main" id="{B9EC7C6E-C256-CC67-5D93-504342EDC0A7}"/>
+              </a:ext>
+            </a:extLst>
+          </p:cNvPr>
+          <p:cNvCxnSpPr>
+            <a:cxnSpLocks/>
+            <a:stCxn id="78" idx="3"/>
+            <a:endCxn id="75" idx="1"/>
+          </p:cNvCxnSpPr>
+          <p:nvPr/>
+        </p:nvCxnSpPr>
+        <p:spPr>
+          <a:xfrm>
+            <a:off x="1357237" y="2352052"/>
+            <a:ext cx="299780" cy="0"/>
+          </a:xfrm>
+          <a:prstGeom prst="straightConnector1">
+            <a:avLst/>
+          </a:prstGeom>
+          <a:ln>
+            <a:solidFill>
+              <a:schemeClr val="tx1"/>
+            </a:solidFill>
+            <a:tailEnd type="triangle"/>
+          </a:ln>
+        </p:spPr>
+        <p:style>
+          <a:lnRef idx="1">
+            <a:schemeClr val="accent1"/>
+          </a:lnRef>
+          <a:fillRef idx="0">
+            <a:schemeClr val="accent1"/>
+          </a:fillRef>
+          <a:effectRef idx="0">
+            <a:schemeClr val="accent1"/>
+          </a:effectRef>
+          <a:fontRef idx="minor">
+            <a:schemeClr val="tx1"/>
+          </a:fontRef>
+        </p:style>
+      </p:cxnSp>
+      <p:sp>
+        <p:nvSpPr>
+          <p:cNvPr id="100" name="사각형: 둥근 모서리 29">
+            <a:extLst>
+              <a:ext uri="{FF2B5EF4-FFF2-40B4-BE49-F238E27FC236}">
+                <a16:creationId xmlns:a16="http://schemas.microsoft.com/office/drawing/2014/main" id="{A4B68954-A646-B3E9-B9BC-4478931DAEB5}"/>
+              </a:ext>
+            </a:extLst>
+          </p:cNvPr>
+          <p:cNvSpPr/>
+          <p:nvPr/>
+        </p:nvSpPr>
+        <p:spPr>
+          <a:xfrm>
+            <a:off x="6352093" y="1938094"/>
+            <a:ext cx="2551069" cy="1267312"/>
+          </a:xfrm>
+          <a:prstGeom prst="roundRect">
+            <a:avLst>
+              <a:gd name="adj" fmla="val 6027"/>
+            </a:avLst>
+          </a:prstGeom>
+          <a:ln w="12700"/>
+        </p:spPr>
+        <p:style>
+          <a:lnRef idx="2">
+            <a:schemeClr val="dk1"/>
+          </a:lnRef>
+          <a:fillRef idx="1">
+            <a:schemeClr val="lt1"/>
+          </a:fillRef>
+          <a:effectRef idx="0">
+            <a:schemeClr val="dk1"/>
+          </a:effectRef>
+          <a:fontRef idx="minor">
+            <a:schemeClr val="dk1"/>
+          </a:fontRef>
+        </p:style>
+        <p:txBody>
+          <a:bodyPr rtlCol="0" anchor="b"/>
+          <a:lstStyle/>
+          <a:p>
+            <a:pPr algn="ctr"/>
+            <a:r>
+              <a:rPr lang="en-US" altLang="ko-KR" sz="1000" b="1"/>
+              <a:t> </a:t>
+            </a:r>
+          </a:p>
+          <a:p>
+            <a:pPr algn="ctr"/>
+            <a:r>
+              <a:rPr lang="en-US" altLang="ko-KR" sz="1000"/>
+              <a:t>Worker Node</a:t>
+            </a:r>
+            <a:endParaRPr lang="ko-KR" altLang="en-US" sz="1000"/>
+          </a:p>
+        </p:txBody>
+      </p:sp>
+      <p:sp>
+        <p:nvSpPr>
+          <p:cNvPr id="101" name="사각형: 둥근 모서리 29">
+            <a:extLst>
+              <a:ext uri="{FF2B5EF4-FFF2-40B4-BE49-F238E27FC236}">
+                <a16:creationId xmlns:a16="http://schemas.microsoft.com/office/drawing/2014/main" id="{E9CCED40-2C00-B387-B7BC-AD47EE9854A5}"/>
+              </a:ext>
+            </a:extLst>
+          </p:cNvPr>
+          <p:cNvSpPr/>
+          <p:nvPr/>
+        </p:nvSpPr>
+        <p:spPr>
+          <a:xfrm>
+            <a:off x="6442602" y="2037546"/>
+            <a:ext cx="2372526" cy="888200"/>
+          </a:xfrm>
+          <a:prstGeom prst="roundRect">
+            <a:avLst>
+              <a:gd name="adj" fmla="val 10124"/>
+            </a:avLst>
+          </a:prstGeom>
+          <a:ln w="12700"/>
+        </p:spPr>
+        <p:style>
+          <a:lnRef idx="2">
+            <a:schemeClr val="dk1"/>
+          </a:lnRef>
+          <a:fillRef idx="1">
+            <a:schemeClr val="lt1"/>
+          </a:fillRef>
+          <a:effectRef idx="0">
+            <a:schemeClr val="dk1"/>
+          </a:effectRef>
+          <a:fontRef idx="minor">
+            <a:schemeClr val="dk1"/>
+          </a:fontRef>
+        </p:style>
+        <p:txBody>
+          <a:bodyPr rtlCol="0" anchor="b"/>
+          <a:lstStyle/>
+          <a:p>
+            <a:pPr algn="ctr"/>
+            <a:r>
+              <a:rPr lang="en-US" altLang="ko-KR" sz="1000" b="1"/>
+              <a:t>mock-server </a:t>
+            </a:r>
+            <a:r>
+              <a:rPr lang="en-US" altLang="ko-KR" sz="1000"/>
+              <a:t>Pod</a:t>
+            </a:r>
+          </a:p>
+        </p:txBody>
+      </p:sp>
+      <p:cxnSp>
+        <p:nvCxnSpPr>
+          <p:cNvPr id="105" name="Elbow Connector 80">
+            <a:extLst>
+              <a:ext uri="{FF2B5EF4-FFF2-40B4-BE49-F238E27FC236}">
+                <a16:creationId xmlns:a16="http://schemas.microsoft.com/office/drawing/2014/main" id="{CDD1A6AA-32EA-20E0-8EC1-9357B0CB5D87}"/>
+              </a:ext>
+            </a:extLst>
+          </p:cNvPr>
+          <p:cNvCxnSpPr>
+            <a:cxnSpLocks/>
+            <a:stCxn id="16" idx="2"/>
+            <a:endCxn id="113" idx="2"/>
+          </p:cNvCxnSpPr>
+          <p:nvPr/>
+        </p:nvCxnSpPr>
+        <p:spPr>
+          <a:xfrm rot="5400000" flipH="1" flipV="1">
+            <a:off x="5752604" y="2209906"/>
+            <a:ext cx="871553" cy="1595242"/>
+          </a:xfrm>
+          <a:prstGeom prst="bentConnector3">
+            <a:avLst>
+              <a:gd name="adj1" fmla="val -26229"/>
+            </a:avLst>
+          </a:prstGeom>
+          <a:ln w="12700">
+            <a:solidFill>
+              <a:schemeClr val="tx1"/>
+            </a:solidFill>
+            <a:tailEnd type="triangle"/>
+          </a:ln>
+        </p:spPr>
+        <p:style>
+          <a:lnRef idx="1">
+            <a:schemeClr val="accent1"/>
+          </a:lnRef>
+          <a:fillRef idx="0">
+            <a:schemeClr val="accent1"/>
+          </a:fillRef>
+          <a:effectRef idx="0">
+            <a:schemeClr val="accent1"/>
+          </a:effectRef>
+          <a:fontRef idx="minor">
+            <a:schemeClr val="tx1"/>
+          </a:fontRef>
+        </p:style>
+      </p:cxnSp>
+      <p:sp>
+        <p:nvSpPr>
+          <p:cNvPr id="112" name="사각형: 둥근 모서리 29">
+            <a:extLst>
+              <a:ext uri="{FF2B5EF4-FFF2-40B4-BE49-F238E27FC236}">
+                <a16:creationId xmlns:a16="http://schemas.microsoft.com/office/drawing/2014/main" id="{BE712579-55D1-0371-8312-3A9CDBBFD97D}"/>
+              </a:ext>
+            </a:extLst>
+          </p:cNvPr>
+          <p:cNvSpPr/>
+          <p:nvPr/>
+        </p:nvSpPr>
+        <p:spPr>
+          <a:xfrm>
+            <a:off x="7731423" y="2132354"/>
+            <a:ext cx="989457" cy="439396"/>
+          </a:xfrm>
+          <a:prstGeom prst="roundRect">
+            <a:avLst>
+              <a:gd name="adj" fmla="val 14520"/>
+            </a:avLst>
+          </a:prstGeom>
+          <a:ln w="12700"/>
+        </p:spPr>
+        <p:style>
+          <a:lnRef idx="2">
+            <a:schemeClr val="dk1"/>
+          </a:lnRef>
+          <a:fillRef idx="1">
+            <a:schemeClr val="lt1"/>
+          </a:fillRef>
+          <a:effectRef idx="0">
+            <a:schemeClr val="dk1"/>
+          </a:effectRef>
+          <a:fontRef idx="minor">
+            <a:schemeClr val="dk1"/>
+          </a:fontRef>
+        </p:style>
+        <p:txBody>
+          <a:bodyPr rtlCol="0" anchor="ctr"/>
+          <a:lstStyle/>
+          <a:p>
+            <a:pPr algn="ctr"/>
+            <a:r>
+              <a:rPr lang="en-US" altLang="ko-KR" sz="1000" b="1"/>
+              <a:t>mock-server</a:t>
+            </a:r>
+          </a:p>
+          <a:p>
+            <a:pPr algn="ctr"/>
+            <a:r>
+              <a:rPr lang="en-US" altLang="ko-KR" sz="1000"/>
+              <a:t>Container</a:t>
+            </a:r>
+          </a:p>
+        </p:txBody>
+      </p:sp>
+      <p:sp>
+        <p:nvSpPr>
+          <p:cNvPr id="113" name="사각형: 둥근 모서리 29">
+            <a:extLst>
+              <a:ext uri="{FF2B5EF4-FFF2-40B4-BE49-F238E27FC236}">
+                <a16:creationId xmlns:a16="http://schemas.microsoft.com/office/drawing/2014/main" id="{C982D15B-33E2-2313-C616-9751C4C9E450}"/>
+              </a:ext>
+            </a:extLst>
+          </p:cNvPr>
+          <p:cNvSpPr/>
+          <p:nvPr/>
+        </p:nvSpPr>
+        <p:spPr>
+          <a:xfrm>
+            <a:off x="6540361" y="2132354"/>
+            <a:ext cx="891282" cy="439396"/>
+          </a:xfrm>
+          <a:prstGeom prst="roundRect">
+            <a:avLst>
+              <a:gd name="adj" fmla="val 14520"/>
+            </a:avLst>
+          </a:prstGeom>
+          <a:ln w="12700"/>
+        </p:spPr>
+        <p:style>
+          <a:lnRef idx="2">
+            <a:schemeClr val="dk1"/>
+          </a:lnRef>
+          <a:fillRef idx="1">
+            <a:schemeClr val="lt1"/>
+          </a:fillRef>
+          <a:effectRef idx="0">
+            <a:schemeClr val="dk1"/>
+          </a:effectRef>
+          <a:fontRef idx="minor">
+            <a:schemeClr val="dk1"/>
+          </a:fontRef>
+        </p:style>
+        <p:txBody>
+          <a:bodyPr rtlCol="0" anchor="ctr"/>
+          <a:lstStyle/>
+          <a:p>
+            <a:pPr algn="ctr"/>
+            <a:r>
+              <a:rPr lang="en-US" altLang="ko-KR" sz="1000" b="1"/>
+              <a:t>istio-proxy</a:t>
+            </a:r>
+          </a:p>
+          <a:p>
+            <a:pPr algn="ctr"/>
+            <a:r>
+              <a:rPr lang="en-US" altLang="ko-KR" sz="1000"/>
+              <a:t>Container</a:t>
+            </a:r>
+          </a:p>
+        </p:txBody>
+      </p:sp>
+      <p:cxnSp>
+        <p:nvCxnSpPr>
+          <p:cNvPr id="115" name="Elbow Connector 80">
+            <a:extLst>
+              <a:ext uri="{FF2B5EF4-FFF2-40B4-BE49-F238E27FC236}">
+                <a16:creationId xmlns:a16="http://schemas.microsoft.com/office/drawing/2014/main" id="{99705ABF-F96A-CA9D-A70F-2B396DEB0002}"/>
+              </a:ext>
+            </a:extLst>
+          </p:cNvPr>
+          <p:cNvCxnSpPr>
+            <a:cxnSpLocks/>
+            <a:stCxn id="2" idx="2"/>
+            <a:endCxn id="113" idx="2"/>
+          </p:cNvCxnSpPr>
+          <p:nvPr/>
+        </p:nvCxnSpPr>
+        <p:spPr>
+          <a:xfrm rot="5400000" flipH="1" flipV="1">
+            <a:off x="4899270" y="1362412"/>
+            <a:ext cx="877394" cy="3296070"/>
+          </a:xfrm>
+          <a:prstGeom prst="bentConnector3">
+            <a:avLst>
+              <a:gd name="adj1" fmla="val -26054"/>
+            </a:avLst>
+          </a:prstGeom>
+          <a:ln w="12700">
+            <a:solidFill>
+              <a:schemeClr val="tx1"/>
+            </a:solidFill>
+            <a:tailEnd type="triangle"/>
+          </a:ln>
+        </p:spPr>
+        <p:style>
+          <a:lnRef idx="1">
+            <a:schemeClr val="accent1"/>
+          </a:lnRef>
+          <a:fillRef idx="0">
+            <a:schemeClr val="accent1"/>
+          </a:fillRef>
+          <a:effectRef idx="0">
+            <a:schemeClr val="accent1"/>
+          </a:effectRef>
+          <a:fontRef idx="minor">
+            <a:schemeClr val="tx1"/>
+          </a:fontRef>
+        </p:style>
+      </p:cxnSp>
+      <p:cxnSp>
+        <p:nvCxnSpPr>
+          <p:cNvPr id="118" name="Straight Arrow Connector 81">
+            <a:extLst>
+              <a:ext uri="{FF2B5EF4-FFF2-40B4-BE49-F238E27FC236}">
+                <a16:creationId xmlns:a16="http://schemas.microsoft.com/office/drawing/2014/main" id="{FF6CFCB8-EACD-517B-C20F-FF639AA59450}"/>
+              </a:ext>
+            </a:extLst>
+          </p:cNvPr>
+          <p:cNvCxnSpPr>
+            <a:cxnSpLocks/>
+            <a:stCxn id="113" idx="3"/>
+            <a:endCxn id="112" idx="1"/>
+          </p:cNvCxnSpPr>
+          <p:nvPr/>
+        </p:nvCxnSpPr>
+        <p:spPr>
+          <a:xfrm>
+            <a:off x="7431643" y="2352052"/>
+            <a:ext cx="299780" cy="0"/>
+          </a:xfrm>
+          <a:prstGeom prst="straightConnector1">
+            <a:avLst/>
+          </a:prstGeom>
+          <a:ln>
+            <a:solidFill>
+              <a:schemeClr val="tx1"/>
+            </a:solidFill>
+            <a:tailEnd type="triangle"/>
+          </a:ln>
+        </p:spPr>
+        <p:style>
+          <a:lnRef idx="1">
+            <a:schemeClr val="accent1"/>
+          </a:lnRef>
+          <a:fillRef idx="0">
+            <a:schemeClr val="accent1"/>
+          </a:fillRef>
+          <a:effectRef idx="0">
+            <a:schemeClr val="accent1"/>
+          </a:effectRef>
+          <a:fontRef idx="minor">
+            <a:schemeClr val="tx1"/>
+          </a:fontRef>
+        </p:style>
+      </p:cxnSp>
+    </p:spTree>
+    <p:extLst>
+      <p:ext uri="{BB962C8B-B14F-4D97-AF65-F5344CB8AC3E}">
+        <p14:creationId xmlns:p14="http://schemas.microsoft.com/office/powerpoint/2010/main" val="3694794733"/>
+      </p:ext>
+    </p:extLst>
+  </p:cSld>
+  <p:clrMapOvr>
+    <a:masterClrMapping/>
+  </p:clrMapOvr>
+</p:sld>
+</file>
+
+<file path=ppt/slides/slide11.xml><?xml version="1.0" encoding="utf-8"?>
+<p:sld xmlns:a="http://schemas.openxmlformats.org/drawingml/2006/main" xmlns:r="http://schemas.openxmlformats.org/officeDocument/2006/relationships" xmlns:p="http://schemas.openxmlformats.org/presentationml/2006/main">
+  <p:cSld>
+    <p:spTree>
+      <p:nvGrpSpPr>
+        <p:cNvPr id="1" name="">
+          <a:extLst>
+            <a:ext uri="{FF2B5EF4-FFF2-40B4-BE49-F238E27FC236}">
+              <a16:creationId xmlns:a16="http://schemas.microsoft.com/office/drawing/2014/main" id="{6FFA9799-1BD4-2511-727E-886F29085D11}"/>
+            </a:ext>
+          </a:extLst>
+        </p:cNvPr>
+        <p:cNvGrpSpPr/>
+        <p:nvPr/>
+      </p:nvGrpSpPr>
+      <p:grpSpPr>
+        <a:xfrm>
+          <a:off x="0" y="0"/>
+          <a:ext cx="0" cy="0"/>
+          <a:chOff x="0" y="0"/>
+          <a:chExt cx="0" cy="0"/>
+        </a:xfrm>
+      </p:grpSpPr>
+      <p:sp>
+        <p:nvSpPr>
+          <p:cNvPr id="6" name="사각형: 둥근 모서리 29">
+            <a:extLst>
+              <a:ext uri="{FF2B5EF4-FFF2-40B4-BE49-F238E27FC236}">
+                <a16:creationId xmlns:a16="http://schemas.microsoft.com/office/drawing/2014/main" id="{C83CEC76-212D-1763-6A95-0DE2858A1BB3}"/>
+              </a:ext>
+            </a:extLst>
+          </p:cNvPr>
+          <p:cNvSpPr/>
+          <p:nvPr/>
+        </p:nvSpPr>
+        <p:spPr>
+          <a:xfrm>
+            <a:off x="179512" y="1938094"/>
+            <a:ext cx="2551069" cy="1267312"/>
+          </a:xfrm>
+          <a:prstGeom prst="roundRect">
+            <a:avLst>
+              <a:gd name="adj" fmla="val 6027"/>
+            </a:avLst>
+          </a:prstGeom>
+          <a:ln w="12700"/>
+        </p:spPr>
+        <p:style>
+          <a:lnRef idx="2">
+            <a:schemeClr val="dk1"/>
+          </a:lnRef>
+          <a:fillRef idx="1">
+            <a:schemeClr val="lt1"/>
+          </a:fillRef>
+          <a:effectRef idx="0">
+            <a:schemeClr val="dk1"/>
+          </a:effectRef>
+          <a:fontRef idx="minor">
+            <a:schemeClr val="dk1"/>
+          </a:fontRef>
+        </p:style>
+        <p:txBody>
+          <a:bodyPr rtlCol="0" anchor="b"/>
+          <a:lstStyle/>
+          <a:p>
+            <a:pPr algn="ctr"/>
+            <a:r>
+              <a:rPr lang="en-US" altLang="ko-KR" sz="1000" b="1"/>
+              <a:t> </a:t>
+            </a:r>
+          </a:p>
+          <a:p>
+            <a:pPr algn="ctr"/>
+            <a:r>
+              <a:rPr lang="en-US" altLang="ko-KR" sz="1000"/>
+              <a:t>Worker Node</a:t>
+            </a:r>
+            <a:endParaRPr lang="ko-KR" altLang="en-US" sz="1000"/>
+          </a:p>
+        </p:txBody>
+      </p:sp>
+      <p:sp>
+        <p:nvSpPr>
+          <p:cNvPr id="4" name="사각형: 둥근 모서리 29">
+            <a:extLst>
+              <a:ext uri="{FF2B5EF4-FFF2-40B4-BE49-F238E27FC236}">
+                <a16:creationId xmlns:a16="http://schemas.microsoft.com/office/drawing/2014/main" id="{CE1D13E9-C6CB-C0C9-EE3C-D3E61B7DF42B}"/>
+              </a:ext>
+            </a:extLst>
+          </p:cNvPr>
+          <p:cNvSpPr/>
+          <p:nvPr/>
+        </p:nvSpPr>
+        <p:spPr>
+          <a:xfrm>
+            <a:off x="270021" y="2037546"/>
+            <a:ext cx="2372526" cy="888200"/>
+          </a:xfrm>
+          <a:prstGeom prst="roundRect">
+            <a:avLst>
+              <a:gd name="adj" fmla="val 10124"/>
+            </a:avLst>
+          </a:prstGeom>
+          <a:ln w="12700"/>
+        </p:spPr>
+        <p:style>
+          <a:lnRef idx="2">
+            <a:schemeClr val="dk1"/>
+          </a:lnRef>
+          <a:fillRef idx="1">
+            <a:schemeClr val="lt1"/>
+          </a:fillRef>
+          <a:effectRef idx="0">
+            <a:schemeClr val="dk1"/>
+          </a:effectRef>
+          <a:fontRef idx="minor">
+            <a:schemeClr val="dk1"/>
+          </a:fontRef>
+        </p:style>
+        <p:txBody>
+          <a:bodyPr rtlCol="0" anchor="b"/>
+          <a:lstStyle/>
+          <a:p>
+            <a:pPr algn="ctr"/>
+            <a:r>
+              <a:rPr lang="en-US" altLang="ko-KR" sz="1000" b="1"/>
+              <a:t>shell </a:t>
+            </a:r>
+            <a:r>
+              <a:rPr lang="en-US" altLang="ko-KR" sz="1000"/>
+              <a:t>Pod</a:t>
+            </a:r>
+          </a:p>
+        </p:txBody>
+      </p:sp>
+      <p:cxnSp>
+        <p:nvCxnSpPr>
+          <p:cNvPr id="8" name="Straight Arrow Connector 81">
+            <a:extLst>
+              <a:ext uri="{FF2B5EF4-FFF2-40B4-BE49-F238E27FC236}">
+                <a16:creationId xmlns:a16="http://schemas.microsoft.com/office/drawing/2014/main" id="{CF8E56E2-71B3-FE13-9089-3B8885069C12}"/>
+              </a:ext>
+            </a:extLst>
+          </p:cNvPr>
+          <p:cNvCxnSpPr>
+            <a:cxnSpLocks/>
+            <a:stCxn id="9" idx="2"/>
+            <a:endCxn id="3" idx="0"/>
+          </p:cNvCxnSpPr>
+          <p:nvPr/>
+        </p:nvCxnSpPr>
+        <p:spPr>
+          <a:xfrm>
+            <a:off x="3689931" y="2043387"/>
+            <a:ext cx="0" cy="173250"/>
+          </a:xfrm>
+          <a:prstGeom prst="straightConnector1">
+            <a:avLst/>
+          </a:prstGeom>
+          <a:ln>
+            <a:solidFill>
+              <a:schemeClr val="tx1"/>
+            </a:solidFill>
+            <a:tailEnd type="triangle"/>
+          </a:ln>
+        </p:spPr>
+        <p:style>
+          <a:lnRef idx="1">
+            <a:schemeClr val="accent1"/>
+          </a:lnRef>
+          <a:fillRef idx="0">
+            <a:schemeClr val="accent1"/>
+          </a:fillRef>
+          <a:effectRef idx="0">
+            <a:schemeClr val="accent1"/>
+          </a:effectRef>
+          <a:fontRef idx="minor">
+            <a:schemeClr val="tx1"/>
+          </a:fontRef>
+        </p:style>
+      </p:cxnSp>
+      <p:sp>
+        <p:nvSpPr>
+          <p:cNvPr id="2" name="사각형: 둥근 모서리 29">
+            <a:extLst>
+              <a:ext uri="{FF2B5EF4-FFF2-40B4-BE49-F238E27FC236}">
+                <a16:creationId xmlns:a16="http://schemas.microsoft.com/office/drawing/2014/main" id="{7C90F752-57B8-4B66-0366-E4A19F054399}"/>
+              </a:ext>
+            </a:extLst>
+          </p:cNvPr>
+          <p:cNvSpPr/>
+          <p:nvPr/>
+        </p:nvSpPr>
+        <p:spPr>
+          <a:xfrm>
+            <a:off x="3027276" y="2923215"/>
+            <a:ext cx="1325312" cy="525929"/>
+          </a:xfrm>
+          <a:prstGeom prst="roundRect">
+            <a:avLst>
+              <a:gd name="adj" fmla="val 11707"/>
+            </a:avLst>
+          </a:prstGeom>
+          <a:ln w="12700">
+            <a:prstDash val="solid"/>
+          </a:ln>
+        </p:spPr>
+        <p:style>
+          <a:lnRef idx="2">
+            <a:schemeClr val="dk1"/>
+          </a:lnRef>
+          <a:fillRef idx="1">
+            <a:schemeClr val="lt1"/>
+          </a:fillRef>
+          <a:effectRef idx="0">
+            <a:schemeClr val="dk1"/>
+          </a:effectRef>
+          <a:fontRef idx="minor">
+            <a:schemeClr val="dk1"/>
+          </a:fontRef>
+        </p:style>
+        <p:txBody>
+          <a:bodyPr rtlCol="0" anchor="ctr"/>
+          <a:lstStyle/>
+          <a:p>
+            <a:pPr algn="ctr"/>
+            <a:r>
+              <a:rPr lang="en-US" altLang="ko-KR" sz="1000" b="1"/>
+              <a:t>mock-server-http</a:t>
+            </a:r>
+            <a:r>
+              <a:rPr lang="en-US" altLang="ko-KR" sz="1000"/>
+              <a:t> </a:t>
+            </a:r>
+          </a:p>
+          <a:p>
+            <a:pPr algn="ctr"/>
+            <a:r>
+              <a:rPr lang="en-US" altLang="ko-KR" sz="1000"/>
+              <a:t>Service</a:t>
+            </a:r>
+            <a:endParaRPr lang="ko-KR" altLang="en-US" sz="1000"/>
+          </a:p>
+        </p:txBody>
+      </p:sp>
+      <p:sp>
+        <p:nvSpPr>
+          <p:cNvPr id="3" name="사각형: 둥근 모서리 29">
+            <a:extLst>
+              <a:ext uri="{FF2B5EF4-FFF2-40B4-BE49-F238E27FC236}">
+                <a16:creationId xmlns:a16="http://schemas.microsoft.com/office/drawing/2014/main" id="{7D1C98E8-6733-F5EB-371F-CE8E7751BDC9}"/>
+              </a:ext>
+            </a:extLst>
+          </p:cNvPr>
+          <p:cNvSpPr/>
+          <p:nvPr/>
+        </p:nvSpPr>
+        <p:spPr>
+          <a:xfrm>
+            <a:off x="3027275" y="2216637"/>
+            <a:ext cx="1325312" cy="525929"/>
+          </a:xfrm>
+          <a:prstGeom prst="roundRect">
+            <a:avLst>
+              <a:gd name="adj" fmla="val 11707"/>
+            </a:avLst>
+          </a:prstGeom>
+          <a:ln w="12700">
+            <a:prstDash val="solid"/>
+          </a:ln>
+        </p:spPr>
+        <p:style>
+          <a:lnRef idx="2">
+            <a:schemeClr val="dk1"/>
+          </a:lnRef>
+          <a:fillRef idx="1">
+            <a:schemeClr val="lt1"/>
+          </a:fillRef>
+          <a:effectRef idx="0">
+            <a:schemeClr val="dk1"/>
+          </a:effectRef>
+          <a:fontRef idx="minor">
+            <a:schemeClr val="dk1"/>
+          </a:fontRef>
+        </p:style>
+        <p:txBody>
+          <a:bodyPr rtlCol="0" anchor="ctr"/>
+          <a:lstStyle/>
+          <a:p>
+            <a:pPr algn="ctr"/>
+            <a:r>
+              <a:rPr lang="en-US" altLang="ko-KR" sz="1000" b="1"/>
+              <a:t>mock-server-http</a:t>
+            </a:r>
+          </a:p>
+          <a:p>
+            <a:pPr algn="ctr"/>
+            <a:r>
+              <a:rPr lang="en-US" altLang="ko-KR" sz="1000"/>
+              <a:t>DestinationRule</a:t>
+            </a:r>
+            <a:endParaRPr lang="ko-KR" altLang="en-US" sz="1000"/>
+          </a:p>
+        </p:txBody>
+      </p:sp>
+      <p:sp>
+        <p:nvSpPr>
+          <p:cNvPr id="9" name="사각형: 둥근 모서리 29">
+            <a:extLst>
+              <a:ext uri="{FF2B5EF4-FFF2-40B4-BE49-F238E27FC236}">
+                <a16:creationId xmlns:a16="http://schemas.microsoft.com/office/drawing/2014/main" id="{7E07A315-AEF4-6B27-5C04-08FD8946E078}"/>
+              </a:ext>
+            </a:extLst>
+          </p:cNvPr>
+          <p:cNvSpPr/>
+          <p:nvPr/>
+        </p:nvSpPr>
+        <p:spPr>
+          <a:xfrm>
+            <a:off x="3027275" y="1517458"/>
+            <a:ext cx="1325312" cy="525929"/>
+          </a:xfrm>
+          <a:prstGeom prst="roundRect">
+            <a:avLst>
+              <a:gd name="adj" fmla="val 11707"/>
+            </a:avLst>
+          </a:prstGeom>
+          <a:ln w="12700">
+            <a:prstDash val="solid"/>
+          </a:ln>
+        </p:spPr>
+        <p:style>
+          <a:lnRef idx="2">
+            <a:schemeClr val="dk1"/>
+          </a:lnRef>
+          <a:fillRef idx="1">
+            <a:schemeClr val="lt1"/>
+          </a:fillRef>
+          <a:effectRef idx="0">
+            <a:schemeClr val="dk1"/>
+          </a:effectRef>
+          <a:fontRef idx="minor">
+            <a:schemeClr val="dk1"/>
+          </a:fontRef>
+        </p:style>
+        <p:txBody>
+          <a:bodyPr rtlCol="0" anchor="ctr"/>
+          <a:lstStyle/>
+          <a:p>
+            <a:pPr algn="ctr"/>
+            <a:r>
+              <a:rPr lang="en-US" altLang="ko-KR" sz="1000" b="1"/>
+              <a:t>mock-server-http</a:t>
+            </a:r>
+          </a:p>
+          <a:p>
+            <a:pPr algn="ctr"/>
+            <a:r>
+              <a:rPr lang="en-US" altLang="ko-KR" sz="1000"/>
+              <a:t>VirtualService</a:t>
+            </a:r>
+            <a:endParaRPr lang="ko-KR" altLang="en-US" sz="1000"/>
+          </a:p>
+        </p:txBody>
+      </p:sp>
+      <p:cxnSp>
+        <p:nvCxnSpPr>
+          <p:cNvPr id="11" name="Elbow Connector 80">
+            <a:extLst>
+              <a:ext uri="{FF2B5EF4-FFF2-40B4-BE49-F238E27FC236}">
+                <a16:creationId xmlns:a16="http://schemas.microsoft.com/office/drawing/2014/main" id="{ED7AA9CF-F5CC-D569-8DCF-FFF979F628D1}"/>
+              </a:ext>
+            </a:extLst>
+          </p:cNvPr>
+          <p:cNvCxnSpPr>
+            <a:cxnSpLocks/>
+            <a:stCxn id="75" idx="0"/>
+            <a:endCxn id="9" idx="0"/>
+          </p:cNvCxnSpPr>
+          <p:nvPr/>
+        </p:nvCxnSpPr>
+        <p:spPr>
+          <a:xfrm rot="5400000" flipH="1" flipV="1">
+            <a:off x="2588846" y="1031270"/>
+            <a:ext cx="614896" cy="1587273"/>
+          </a:xfrm>
+          <a:prstGeom prst="bentConnector3">
+            <a:avLst>
+              <a:gd name="adj1" fmla="val 137177"/>
+            </a:avLst>
+          </a:prstGeom>
+          <a:ln w="12700">
+            <a:solidFill>
+              <a:schemeClr val="tx1"/>
+            </a:solidFill>
+            <a:tailEnd type="triangle"/>
+          </a:ln>
+        </p:spPr>
+        <p:style>
+          <a:lnRef idx="1">
+            <a:schemeClr val="accent1"/>
+          </a:lnRef>
+          <a:fillRef idx="0">
+            <a:schemeClr val="accent1"/>
+          </a:fillRef>
+          <a:effectRef idx="0">
+            <a:schemeClr val="accent1"/>
+          </a:effectRef>
+          <a:fontRef idx="minor">
+            <a:schemeClr val="tx1"/>
+          </a:fontRef>
+        </p:style>
+      </p:cxnSp>
+      <p:cxnSp>
+        <p:nvCxnSpPr>
+          <p:cNvPr id="18" name="Straight Arrow Connector 81">
+            <a:extLst>
+              <a:ext uri="{FF2B5EF4-FFF2-40B4-BE49-F238E27FC236}">
+                <a16:creationId xmlns:a16="http://schemas.microsoft.com/office/drawing/2014/main" id="{65255914-9ADC-59FF-BBC2-742A57E33CAC}"/>
+              </a:ext>
+            </a:extLst>
+          </p:cNvPr>
+          <p:cNvCxnSpPr>
+            <a:cxnSpLocks/>
+            <a:stCxn id="3" idx="2"/>
+            <a:endCxn id="2" idx="0"/>
+          </p:cNvCxnSpPr>
+          <p:nvPr/>
+        </p:nvCxnSpPr>
+        <p:spPr>
+          <a:xfrm>
+            <a:off x="3689931" y="2742566"/>
+            <a:ext cx="1" cy="180649"/>
+          </a:xfrm>
+          <a:prstGeom prst="straightConnector1">
+            <a:avLst/>
+          </a:prstGeom>
+          <a:ln>
+            <a:solidFill>
+              <a:schemeClr val="tx1"/>
+            </a:solidFill>
+            <a:tailEnd type="triangle"/>
+          </a:ln>
+        </p:spPr>
+        <p:style>
+          <a:lnRef idx="1">
+            <a:schemeClr val="accent1"/>
+          </a:lnRef>
+          <a:fillRef idx="0">
+            <a:schemeClr val="accent1"/>
+          </a:fillRef>
+          <a:effectRef idx="0">
+            <a:schemeClr val="accent1"/>
+          </a:effectRef>
+          <a:fontRef idx="minor">
+            <a:schemeClr val="tx1"/>
+          </a:fontRef>
+        </p:style>
+      </p:cxnSp>
+      <p:cxnSp>
+        <p:nvCxnSpPr>
+          <p:cNvPr id="15" name="Straight Arrow Connector 81">
+            <a:extLst>
+              <a:ext uri="{FF2B5EF4-FFF2-40B4-BE49-F238E27FC236}">
+                <a16:creationId xmlns:a16="http://schemas.microsoft.com/office/drawing/2014/main" id="{F555840B-8DB0-18F2-7767-45E7F6C2DB47}"/>
+              </a:ext>
+            </a:extLst>
+          </p:cNvPr>
+          <p:cNvCxnSpPr>
+            <a:cxnSpLocks/>
+            <a:stCxn id="19" idx="2"/>
+            <a:endCxn id="17" idx="0"/>
+          </p:cNvCxnSpPr>
+          <p:nvPr/>
+        </p:nvCxnSpPr>
+        <p:spPr>
+          <a:xfrm>
+            <a:off x="5390759" y="2037546"/>
+            <a:ext cx="0" cy="173250"/>
+          </a:xfrm>
+          <a:prstGeom prst="straightConnector1">
+            <a:avLst/>
+          </a:prstGeom>
+          <a:ln>
+            <a:solidFill>
+              <a:schemeClr val="tx1"/>
+            </a:solidFill>
+            <a:tailEnd type="triangle"/>
+          </a:ln>
+        </p:spPr>
+        <p:style>
+          <a:lnRef idx="1">
+            <a:schemeClr val="accent1"/>
+          </a:lnRef>
+          <a:fillRef idx="0">
+            <a:schemeClr val="accent1"/>
+          </a:fillRef>
+          <a:effectRef idx="0">
+            <a:schemeClr val="accent1"/>
+          </a:effectRef>
+          <a:fontRef idx="minor">
+            <a:schemeClr val="tx1"/>
+          </a:fontRef>
+        </p:style>
+      </p:cxnSp>
+      <p:sp>
+        <p:nvSpPr>
+          <p:cNvPr id="16" name="사각형: 둥근 모서리 29">
+            <a:extLst>
+              <a:ext uri="{FF2B5EF4-FFF2-40B4-BE49-F238E27FC236}">
+                <a16:creationId xmlns:a16="http://schemas.microsoft.com/office/drawing/2014/main" id="{53B1D163-A163-3956-6C4F-4573E6817193}"/>
+              </a:ext>
+            </a:extLst>
+          </p:cNvPr>
+          <p:cNvSpPr/>
+          <p:nvPr/>
+        </p:nvSpPr>
+        <p:spPr>
+          <a:xfrm>
+            <a:off x="4728104" y="2917374"/>
+            <a:ext cx="1325312" cy="525929"/>
+          </a:xfrm>
+          <a:prstGeom prst="roundRect">
+            <a:avLst>
+              <a:gd name="adj" fmla="val 11707"/>
+            </a:avLst>
+          </a:prstGeom>
+          <a:ln w="12700">
+            <a:prstDash val="solid"/>
+          </a:ln>
+        </p:spPr>
+        <p:style>
+          <a:lnRef idx="2">
+            <a:schemeClr val="dk1"/>
+          </a:lnRef>
+          <a:fillRef idx="1">
+            <a:schemeClr val="lt1"/>
+          </a:fillRef>
+          <a:effectRef idx="0">
+            <a:schemeClr val="dk1"/>
+          </a:effectRef>
+          <a:fontRef idx="minor">
+            <a:schemeClr val="dk1"/>
+          </a:fontRef>
+        </p:style>
+        <p:txBody>
+          <a:bodyPr rtlCol="0" anchor="ctr"/>
+          <a:lstStyle/>
+          <a:p>
+            <a:pPr algn="ctr"/>
+            <a:r>
+              <a:rPr lang="en-US" altLang="ko-KR" sz="1000" b="1"/>
+              <a:t>mock-server-grpc</a:t>
+            </a:r>
+            <a:r>
+              <a:rPr lang="en-US" altLang="ko-KR" sz="1000"/>
+              <a:t> </a:t>
+            </a:r>
+          </a:p>
+          <a:p>
+            <a:pPr algn="ctr"/>
+            <a:r>
+              <a:rPr lang="en-US" altLang="ko-KR" sz="1000"/>
+              <a:t>Service</a:t>
+            </a:r>
+            <a:endParaRPr lang="ko-KR" altLang="en-US" sz="1000"/>
+          </a:p>
+        </p:txBody>
+      </p:sp>
+      <p:sp>
+        <p:nvSpPr>
+          <p:cNvPr id="17" name="사각형: 둥근 모서리 29">
+            <a:extLst>
+              <a:ext uri="{FF2B5EF4-FFF2-40B4-BE49-F238E27FC236}">
+                <a16:creationId xmlns:a16="http://schemas.microsoft.com/office/drawing/2014/main" id="{CBB26C07-679A-BBD4-AEE6-2408DD0FEF38}"/>
+              </a:ext>
+            </a:extLst>
+          </p:cNvPr>
+          <p:cNvSpPr/>
+          <p:nvPr/>
+        </p:nvSpPr>
+        <p:spPr>
+          <a:xfrm>
+            <a:off x="4728103" y="2210796"/>
+            <a:ext cx="1325312" cy="525929"/>
+          </a:xfrm>
+          <a:prstGeom prst="roundRect">
+            <a:avLst>
+              <a:gd name="adj" fmla="val 11707"/>
+            </a:avLst>
+          </a:prstGeom>
+          <a:ln w="12700">
+            <a:prstDash val="solid"/>
+          </a:ln>
+        </p:spPr>
+        <p:style>
+          <a:lnRef idx="2">
+            <a:schemeClr val="dk1"/>
+          </a:lnRef>
+          <a:fillRef idx="1">
+            <a:schemeClr val="lt1"/>
+          </a:fillRef>
+          <a:effectRef idx="0">
+            <a:schemeClr val="dk1"/>
+          </a:effectRef>
+          <a:fontRef idx="minor">
+            <a:schemeClr val="dk1"/>
+          </a:fontRef>
+        </p:style>
+        <p:txBody>
+          <a:bodyPr rtlCol="0" anchor="ctr"/>
+          <a:lstStyle/>
+          <a:p>
+            <a:pPr algn="ctr"/>
+            <a:r>
+              <a:rPr lang="en-US" altLang="ko-KR" sz="1000" b="1"/>
+              <a:t>mock-server-grpc</a:t>
+            </a:r>
+          </a:p>
+          <a:p>
+            <a:pPr algn="ctr"/>
+            <a:r>
+              <a:rPr lang="en-US" altLang="ko-KR" sz="1000"/>
+              <a:t>DestinationRule</a:t>
+            </a:r>
+            <a:endParaRPr lang="ko-KR" altLang="en-US" sz="1000"/>
+          </a:p>
+        </p:txBody>
+      </p:sp>
+      <p:sp>
+        <p:nvSpPr>
+          <p:cNvPr id="19" name="사각형: 둥근 모서리 29">
+            <a:extLst>
+              <a:ext uri="{FF2B5EF4-FFF2-40B4-BE49-F238E27FC236}">
+                <a16:creationId xmlns:a16="http://schemas.microsoft.com/office/drawing/2014/main" id="{9658EA15-C115-D046-BC01-CE361FF2FF39}"/>
+              </a:ext>
+            </a:extLst>
+          </p:cNvPr>
+          <p:cNvSpPr/>
+          <p:nvPr/>
+        </p:nvSpPr>
+        <p:spPr>
+          <a:xfrm>
+            <a:off x="4728103" y="1511617"/>
+            <a:ext cx="1325312" cy="525929"/>
+          </a:xfrm>
+          <a:prstGeom prst="roundRect">
+            <a:avLst>
+              <a:gd name="adj" fmla="val 11707"/>
+            </a:avLst>
+          </a:prstGeom>
+          <a:ln w="12700">
+            <a:prstDash val="solid"/>
+          </a:ln>
+        </p:spPr>
+        <p:style>
+          <a:lnRef idx="2">
+            <a:schemeClr val="dk1"/>
+          </a:lnRef>
+          <a:fillRef idx="1">
+            <a:schemeClr val="lt1"/>
+          </a:fillRef>
+          <a:effectRef idx="0">
+            <a:schemeClr val="dk1"/>
+          </a:effectRef>
+          <a:fontRef idx="minor">
+            <a:schemeClr val="dk1"/>
+          </a:fontRef>
+        </p:style>
+        <p:txBody>
+          <a:bodyPr rtlCol="0" anchor="ctr"/>
+          <a:lstStyle/>
+          <a:p>
+            <a:pPr algn="ctr"/>
+            <a:r>
+              <a:rPr lang="en-US" altLang="ko-KR" sz="1000" b="1"/>
+              <a:t>mock-server-grpc</a:t>
+            </a:r>
+          </a:p>
+          <a:p>
+            <a:pPr algn="ctr"/>
+            <a:r>
+              <a:rPr lang="en-US" altLang="ko-KR" sz="1000"/>
+              <a:t>VirtualService</a:t>
+            </a:r>
+            <a:endParaRPr lang="ko-KR" altLang="en-US" sz="1000"/>
+          </a:p>
+        </p:txBody>
+      </p:sp>
+      <p:cxnSp>
+        <p:nvCxnSpPr>
+          <p:cNvPr id="20" name="Straight Arrow Connector 81">
+            <a:extLst>
+              <a:ext uri="{FF2B5EF4-FFF2-40B4-BE49-F238E27FC236}">
+                <a16:creationId xmlns:a16="http://schemas.microsoft.com/office/drawing/2014/main" id="{856D5F42-B52F-BC51-10EE-B7553B484597}"/>
+              </a:ext>
+            </a:extLst>
+          </p:cNvPr>
+          <p:cNvCxnSpPr>
+            <a:cxnSpLocks/>
+            <a:stCxn id="17" idx="2"/>
+            <a:endCxn id="16" idx="0"/>
+          </p:cNvCxnSpPr>
+          <p:nvPr/>
+        </p:nvCxnSpPr>
+        <p:spPr>
+          <a:xfrm>
+            <a:off x="5390759" y="2736725"/>
+            <a:ext cx="1" cy="180649"/>
+          </a:xfrm>
+          <a:prstGeom prst="straightConnector1">
+            <a:avLst/>
+          </a:prstGeom>
+          <a:ln>
+            <a:solidFill>
+              <a:schemeClr val="tx1"/>
+            </a:solidFill>
+            <a:tailEnd type="triangle"/>
+          </a:ln>
+        </p:spPr>
+        <p:style>
+          <a:lnRef idx="1">
+            <a:schemeClr val="accent1"/>
+          </a:lnRef>
+          <a:fillRef idx="0">
+            <a:schemeClr val="accent1"/>
+          </a:fillRef>
+          <a:effectRef idx="0">
+            <a:schemeClr val="accent1"/>
+          </a:effectRef>
+          <a:fontRef idx="minor">
+            <a:schemeClr val="tx1"/>
+          </a:fontRef>
+        </p:style>
+      </p:cxnSp>
+      <p:cxnSp>
+        <p:nvCxnSpPr>
+          <p:cNvPr id="29" name="Elbow Connector 80">
+            <a:extLst>
+              <a:ext uri="{FF2B5EF4-FFF2-40B4-BE49-F238E27FC236}">
+                <a16:creationId xmlns:a16="http://schemas.microsoft.com/office/drawing/2014/main" id="{F6ED1B92-CF70-F61F-D1A0-24AD995DB76F}"/>
+              </a:ext>
+            </a:extLst>
+          </p:cNvPr>
+          <p:cNvCxnSpPr>
+            <a:cxnSpLocks/>
+            <a:stCxn id="75" idx="0"/>
+            <a:endCxn id="19" idx="0"/>
+          </p:cNvCxnSpPr>
+          <p:nvPr/>
+        </p:nvCxnSpPr>
+        <p:spPr>
+          <a:xfrm rot="5400000" flipH="1" flipV="1">
+            <a:off x="3436340" y="177936"/>
+            <a:ext cx="620737" cy="3288101"/>
+          </a:xfrm>
+          <a:prstGeom prst="bentConnector3">
+            <a:avLst>
+              <a:gd name="adj1" fmla="val 136827"/>
+            </a:avLst>
+          </a:prstGeom>
+          <a:ln w="12700">
+            <a:solidFill>
+              <a:schemeClr val="tx1"/>
+            </a:solidFill>
+            <a:tailEnd type="triangle"/>
+          </a:ln>
+        </p:spPr>
+        <p:style>
+          <a:lnRef idx="1">
+            <a:schemeClr val="accent1"/>
+          </a:lnRef>
+          <a:fillRef idx="0">
+            <a:schemeClr val="accent1"/>
+          </a:fillRef>
+          <a:effectRef idx="0">
+            <a:schemeClr val="accent1"/>
+          </a:effectRef>
+          <a:fontRef idx="minor">
+            <a:schemeClr val="tx1"/>
+          </a:fontRef>
+        </p:style>
+      </p:cxnSp>
+      <p:sp>
+        <p:nvSpPr>
+          <p:cNvPr id="75" name="사각형: 둥근 모서리 29">
+            <a:extLst>
+              <a:ext uri="{FF2B5EF4-FFF2-40B4-BE49-F238E27FC236}">
+                <a16:creationId xmlns:a16="http://schemas.microsoft.com/office/drawing/2014/main" id="{5AF144A9-D6DF-7770-D4F5-17B2DF531D48}"/>
+              </a:ext>
+            </a:extLst>
+          </p:cNvPr>
+          <p:cNvSpPr/>
+          <p:nvPr/>
+        </p:nvSpPr>
+        <p:spPr>
+          <a:xfrm>
+            <a:off x="1657017" y="2132354"/>
+            <a:ext cx="891282" cy="439396"/>
+          </a:xfrm>
+          <a:prstGeom prst="roundRect">
+            <a:avLst>
+              <a:gd name="adj" fmla="val 14520"/>
+            </a:avLst>
+          </a:prstGeom>
+          <a:ln w="12700"/>
+        </p:spPr>
+        <p:style>
+          <a:lnRef idx="2">
+            <a:schemeClr val="dk1"/>
+          </a:lnRef>
+          <a:fillRef idx="1">
+            <a:schemeClr val="lt1"/>
+          </a:fillRef>
+          <a:effectRef idx="0">
+            <a:schemeClr val="dk1"/>
+          </a:effectRef>
+          <a:fontRef idx="minor">
+            <a:schemeClr val="dk1"/>
+          </a:fontRef>
+        </p:style>
+        <p:txBody>
+          <a:bodyPr rtlCol="0" anchor="ctr"/>
+          <a:lstStyle/>
+          <a:p>
+            <a:pPr algn="ctr"/>
+            <a:r>
+              <a:rPr lang="en-US" altLang="ko-KR" sz="1000" b="1"/>
+              <a:t>istio-proxy</a:t>
+            </a:r>
+          </a:p>
+          <a:p>
+            <a:pPr algn="ctr"/>
+            <a:r>
+              <a:rPr lang="en-US" altLang="ko-KR" sz="1000"/>
+              <a:t>Container</a:t>
+            </a:r>
+          </a:p>
+        </p:txBody>
+      </p:sp>
+      <p:sp>
+        <p:nvSpPr>
+          <p:cNvPr id="78" name="사각형: 둥근 모서리 29">
+            <a:extLst>
+              <a:ext uri="{FF2B5EF4-FFF2-40B4-BE49-F238E27FC236}">
+                <a16:creationId xmlns:a16="http://schemas.microsoft.com/office/drawing/2014/main" id="{22638D79-CACB-922D-56CA-AA594E5EB7A5}"/>
+              </a:ext>
+            </a:extLst>
+          </p:cNvPr>
+          <p:cNvSpPr/>
+          <p:nvPr/>
+        </p:nvSpPr>
+        <p:spPr>
+          <a:xfrm>
+            <a:off x="367780" y="2132354"/>
+            <a:ext cx="989457" cy="439396"/>
+          </a:xfrm>
+          <a:prstGeom prst="roundRect">
+            <a:avLst>
+              <a:gd name="adj" fmla="val 14520"/>
+            </a:avLst>
+          </a:prstGeom>
+          <a:ln w="12700"/>
+        </p:spPr>
+        <p:style>
+          <a:lnRef idx="2">
+            <a:schemeClr val="dk1"/>
+          </a:lnRef>
+          <a:fillRef idx="1">
+            <a:schemeClr val="lt1"/>
+          </a:fillRef>
+          <a:effectRef idx="0">
+            <a:schemeClr val="dk1"/>
+          </a:effectRef>
+          <a:fontRef idx="minor">
+            <a:schemeClr val="dk1"/>
+          </a:fontRef>
+        </p:style>
+        <p:txBody>
+          <a:bodyPr rtlCol="0" anchor="ctr"/>
+          <a:lstStyle/>
+          <a:p>
+            <a:pPr algn="ctr"/>
+            <a:r>
+              <a:rPr lang="en-US" altLang="ko-KR" sz="1000" b="1"/>
+              <a:t>shell</a:t>
+            </a:r>
+          </a:p>
+          <a:p>
+            <a:pPr algn="ctr"/>
+            <a:r>
+              <a:rPr lang="en-US" altLang="ko-KR" sz="1000"/>
+              <a:t>Container</a:t>
+            </a:r>
+          </a:p>
+        </p:txBody>
+      </p:sp>
+      <p:cxnSp>
+        <p:nvCxnSpPr>
+          <p:cNvPr id="95" name="Straight Arrow Connector 81">
+            <a:extLst>
+              <a:ext uri="{FF2B5EF4-FFF2-40B4-BE49-F238E27FC236}">
+                <a16:creationId xmlns:a16="http://schemas.microsoft.com/office/drawing/2014/main" id="{0A24C366-F812-7FE1-6A10-9569FD8DA77D}"/>
+              </a:ext>
+            </a:extLst>
+          </p:cNvPr>
+          <p:cNvCxnSpPr>
+            <a:cxnSpLocks/>
+            <a:stCxn id="78" idx="3"/>
+            <a:endCxn id="75" idx="1"/>
+          </p:cNvCxnSpPr>
+          <p:nvPr/>
+        </p:nvCxnSpPr>
+        <p:spPr>
+          <a:xfrm>
+            <a:off x="1357237" y="2352052"/>
+            <a:ext cx="299780" cy="0"/>
+          </a:xfrm>
+          <a:prstGeom prst="straightConnector1">
+            <a:avLst/>
+          </a:prstGeom>
+          <a:ln>
+            <a:solidFill>
+              <a:schemeClr val="tx1"/>
+            </a:solidFill>
+            <a:tailEnd type="triangle"/>
+          </a:ln>
+        </p:spPr>
+        <p:style>
+          <a:lnRef idx="1">
+            <a:schemeClr val="accent1"/>
+          </a:lnRef>
+          <a:fillRef idx="0">
+            <a:schemeClr val="accent1"/>
+          </a:fillRef>
+          <a:effectRef idx="0">
+            <a:schemeClr val="accent1"/>
+          </a:effectRef>
+          <a:fontRef idx="minor">
+            <a:schemeClr val="tx1"/>
+          </a:fontRef>
+        </p:style>
+      </p:cxnSp>
+      <p:sp>
+        <p:nvSpPr>
+          <p:cNvPr id="100" name="사각형: 둥근 모서리 29">
+            <a:extLst>
+              <a:ext uri="{FF2B5EF4-FFF2-40B4-BE49-F238E27FC236}">
+                <a16:creationId xmlns:a16="http://schemas.microsoft.com/office/drawing/2014/main" id="{426153DF-4581-7616-0CF0-1E6ED427FAA8}"/>
+              </a:ext>
+            </a:extLst>
+          </p:cNvPr>
+          <p:cNvSpPr/>
+          <p:nvPr/>
+        </p:nvSpPr>
+        <p:spPr>
+          <a:xfrm>
+            <a:off x="6352093" y="1938094"/>
+            <a:ext cx="2551069" cy="1267312"/>
+          </a:xfrm>
+          <a:prstGeom prst="roundRect">
+            <a:avLst>
+              <a:gd name="adj" fmla="val 6027"/>
+            </a:avLst>
+          </a:prstGeom>
+          <a:ln w="12700"/>
+        </p:spPr>
+        <p:style>
+          <a:lnRef idx="2">
+            <a:schemeClr val="dk1"/>
+          </a:lnRef>
+          <a:fillRef idx="1">
+            <a:schemeClr val="lt1"/>
+          </a:fillRef>
+          <a:effectRef idx="0">
+            <a:schemeClr val="dk1"/>
+          </a:effectRef>
+          <a:fontRef idx="minor">
+            <a:schemeClr val="dk1"/>
+          </a:fontRef>
+        </p:style>
+        <p:txBody>
+          <a:bodyPr rtlCol="0" anchor="b"/>
+          <a:lstStyle/>
+          <a:p>
+            <a:pPr algn="ctr"/>
+            <a:r>
+              <a:rPr lang="en-US" altLang="ko-KR" sz="1000" b="1"/>
+              <a:t> </a:t>
+            </a:r>
+          </a:p>
+          <a:p>
+            <a:pPr algn="ctr"/>
+            <a:r>
+              <a:rPr lang="en-US" altLang="ko-KR" sz="1000"/>
+              <a:t>Worker Node</a:t>
+            </a:r>
+            <a:endParaRPr lang="ko-KR" altLang="en-US" sz="1000"/>
+          </a:p>
+        </p:txBody>
+      </p:sp>
+      <p:sp>
+        <p:nvSpPr>
+          <p:cNvPr id="101" name="사각형: 둥근 모서리 29">
+            <a:extLst>
+              <a:ext uri="{FF2B5EF4-FFF2-40B4-BE49-F238E27FC236}">
+                <a16:creationId xmlns:a16="http://schemas.microsoft.com/office/drawing/2014/main" id="{287FDFA1-A474-A85C-35DD-77CAB13453C3}"/>
+              </a:ext>
+            </a:extLst>
+          </p:cNvPr>
+          <p:cNvSpPr/>
+          <p:nvPr/>
+        </p:nvSpPr>
+        <p:spPr>
+          <a:xfrm>
+            <a:off x="6442602" y="2037546"/>
+            <a:ext cx="2372526" cy="888200"/>
+          </a:xfrm>
+          <a:prstGeom prst="roundRect">
+            <a:avLst>
+              <a:gd name="adj" fmla="val 10124"/>
+            </a:avLst>
+          </a:prstGeom>
+          <a:ln w="12700"/>
+        </p:spPr>
+        <p:style>
+          <a:lnRef idx="2">
+            <a:schemeClr val="dk1"/>
+          </a:lnRef>
+          <a:fillRef idx="1">
+            <a:schemeClr val="lt1"/>
+          </a:fillRef>
+          <a:effectRef idx="0">
+            <a:schemeClr val="dk1"/>
+          </a:effectRef>
+          <a:fontRef idx="minor">
+            <a:schemeClr val="dk1"/>
+          </a:fontRef>
+        </p:style>
+        <p:txBody>
+          <a:bodyPr rtlCol="0" anchor="b"/>
+          <a:lstStyle/>
+          <a:p>
+            <a:pPr algn="ctr"/>
+            <a:r>
+              <a:rPr lang="en-US" altLang="ko-KR" sz="1000" b="1"/>
+              <a:t>mock-server </a:t>
+            </a:r>
+            <a:r>
+              <a:rPr lang="en-US" altLang="ko-KR" sz="1000"/>
+              <a:t>Pod</a:t>
+            </a:r>
+          </a:p>
+        </p:txBody>
+      </p:sp>
+      <p:cxnSp>
+        <p:nvCxnSpPr>
+          <p:cNvPr id="105" name="Elbow Connector 80">
+            <a:extLst>
+              <a:ext uri="{FF2B5EF4-FFF2-40B4-BE49-F238E27FC236}">
+                <a16:creationId xmlns:a16="http://schemas.microsoft.com/office/drawing/2014/main" id="{71E748AA-F0EE-5F37-E5F2-5BE0F8261349}"/>
+              </a:ext>
+            </a:extLst>
+          </p:cNvPr>
+          <p:cNvCxnSpPr>
+            <a:cxnSpLocks/>
+            <a:stCxn id="16" idx="2"/>
+            <a:endCxn id="113" idx="2"/>
+          </p:cNvCxnSpPr>
+          <p:nvPr/>
+        </p:nvCxnSpPr>
+        <p:spPr>
+          <a:xfrm rot="5400000" flipH="1" flipV="1">
+            <a:off x="5752604" y="2209906"/>
+            <a:ext cx="871553" cy="1595242"/>
+          </a:xfrm>
+          <a:prstGeom prst="bentConnector3">
+            <a:avLst>
+              <a:gd name="adj1" fmla="val -26229"/>
+            </a:avLst>
+          </a:prstGeom>
+          <a:ln w="12700">
+            <a:solidFill>
+              <a:schemeClr val="tx1"/>
+            </a:solidFill>
+            <a:tailEnd type="triangle"/>
+          </a:ln>
+        </p:spPr>
+        <p:style>
+          <a:lnRef idx="1">
+            <a:schemeClr val="accent1"/>
+          </a:lnRef>
+          <a:fillRef idx="0">
+            <a:schemeClr val="accent1"/>
+          </a:fillRef>
+          <a:effectRef idx="0">
+            <a:schemeClr val="accent1"/>
+          </a:effectRef>
+          <a:fontRef idx="minor">
+            <a:schemeClr val="tx1"/>
+          </a:fontRef>
+        </p:style>
+      </p:cxnSp>
+      <p:sp>
+        <p:nvSpPr>
+          <p:cNvPr id="112" name="사각형: 둥근 모서리 29">
+            <a:extLst>
+              <a:ext uri="{FF2B5EF4-FFF2-40B4-BE49-F238E27FC236}">
+                <a16:creationId xmlns:a16="http://schemas.microsoft.com/office/drawing/2014/main" id="{A5315546-D51A-A61E-2276-827A9CF41C09}"/>
+              </a:ext>
+            </a:extLst>
+          </p:cNvPr>
+          <p:cNvSpPr/>
+          <p:nvPr/>
+        </p:nvSpPr>
+        <p:spPr>
+          <a:xfrm>
+            <a:off x="7731423" y="2132354"/>
+            <a:ext cx="989457" cy="439396"/>
+          </a:xfrm>
+          <a:prstGeom prst="roundRect">
+            <a:avLst>
+              <a:gd name="adj" fmla="val 14520"/>
+            </a:avLst>
+          </a:prstGeom>
+          <a:ln w="12700"/>
+        </p:spPr>
+        <p:style>
+          <a:lnRef idx="2">
+            <a:schemeClr val="dk1"/>
+          </a:lnRef>
+          <a:fillRef idx="1">
+            <a:schemeClr val="lt1"/>
+          </a:fillRef>
+          <a:effectRef idx="0">
+            <a:schemeClr val="dk1"/>
+          </a:effectRef>
+          <a:fontRef idx="minor">
+            <a:schemeClr val="dk1"/>
+          </a:fontRef>
+        </p:style>
+        <p:txBody>
+          <a:bodyPr rtlCol="0" anchor="ctr"/>
+          <a:lstStyle/>
+          <a:p>
+            <a:pPr algn="ctr"/>
+            <a:r>
+              <a:rPr lang="en-US" altLang="ko-KR" sz="1000" b="1"/>
+              <a:t>mock-server</a:t>
+            </a:r>
+          </a:p>
+          <a:p>
+            <a:pPr algn="ctr"/>
+            <a:r>
+              <a:rPr lang="en-US" altLang="ko-KR" sz="1000"/>
+              <a:t>Container</a:t>
+            </a:r>
+          </a:p>
+        </p:txBody>
+      </p:sp>
+      <p:sp>
+        <p:nvSpPr>
+          <p:cNvPr id="113" name="사각형: 둥근 모서리 29">
+            <a:extLst>
+              <a:ext uri="{FF2B5EF4-FFF2-40B4-BE49-F238E27FC236}">
+                <a16:creationId xmlns:a16="http://schemas.microsoft.com/office/drawing/2014/main" id="{8986F231-6AB7-4458-6849-38C3D221D0BC}"/>
+              </a:ext>
+            </a:extLst>
+          </p:cNvPr>
+          <p:cNvSpPr/>
+          <p:nvPr/>
+        </p:nvSpPr>
+        <p:spPr>
+          <a:xfrm>
+            <a:off x="6540361" y="2132354"/>
+            <a:ext cx="891282" cy="439396"/>
+          </a:xfrm>
+          <a:prstGeom prst="roundRect">
+            <a:avLst>
+              <a:gd name="adj" fmla="val 14520"/>
+            </a:avLst>
+          </a:prstGeom>
+          <a:ln w="12700"/>
+        </p:spPr>
+        <p:style>
+          <a:lnRef idx="2">
+            <a:schemeClr val="dk1"/>
+          </a:lnRef>
+          <a:fillRef idx="1">
+            <a:schemeClr val="lt1"/>
+          </a:fillRef>
+          <a:effectRef idx="0">
+            <a:schemeClr val="dk1"/>
+          </a:effectRef>
+          <a:fontRef idx="minor">
+            <a:schemeClr val="dk1"/>
+          </a:fontRef>
+        </p:style>
+        <p:txBody>
+          <a:bodyPr rtlCol="0" anchor="ctr"/>
+          <a:lstStyle/>
+          <a:p>
+            <a:pPr algn="ctr"/>
+            <a:r>
+              <a:rPr lang="en-US" altLang="ko-KR" sz="1000" b="1"/>
+              <a:t>istio-proxy</a:t>
+            </a:r>
+          </a:p>
+          <a:p>
+            <a:pPr algn="ctr"/>
+            <a:r>
+              <a:rPr lang="en-US" altLang="ko-KR" sz="1000"/>
+              <a:t>Container</a:t>
+            </a:r>
+          </a:p>
+        </p:txBody>
+      </p:sp>
+      <p:cxnSp>
+        <p:nvCxnSpPr>
+          <p:cNvPr id="115" name="Elbow Connector 80">
+            <a:extLst>
+              <a:ext uri="{FF2B5EF4-FFF2-40B4-BE49-F238E27FC236}">
+                <a16:creationId xmlns:a16="http://schemas.microsoft.com/office/drawing/2014/main" id="{905FCA48-E7F9-1498-4E07-8B26DBFFA486}"/>
+              </a:ext>
+            </a:extLst>
+          </p:cNvPr>
+          <p:cNvCxnSpPr>
+            <a:cxnSpLocks/>
+            <a:stCxn id="2" idx="2"/>
+            <a:endCxn id="113" idx="2"/>
+          </p:cNvCxnSpPr>
+          <p:nvPr/>
+        </p:nvCxnSpPr>
+        <p:spPr>
+          <a:xfrm rot="5400000" flipH="1" flipV="1">
+            <a:off x="4899270" y="1362412"/>
+            <a:ext cx="877394" cy="3296070"/>
+          </a:xfrm>
+          <a:prstGeom prst="bentConnector3">
+            <a:avLst>
+              <a:gd name="adj1" fmla="val -26054"/>
+            </a:avLst>
+          </a:prstGeom>
+          <a:ln w="12700">
+            <a:solidFill>
+              <a:schemeClr val="tx1"/>
+            </a:solidFill>
+            <a:tailEnd type="triangle"/>
+          </a:ln>
+        </p:spPr>
+        <p:style>
+          <a:lnRef idx="1">
+            <a:schemeClr val="accent1"/>
+          </a:lnRef>
+          <a:fillRef idx="0">
+            <a:schemeClr val="accent1"/>
+          </a:fillRef>
+          <a:effectRef idx="0">
+            <a:schemeClr val="accent1"/>
+          </a:effectRef>
+          <a:fontRef idx="minor">
+            <a:schemeClr val="tx1"/>
+          </a:fontRef>
+        </p:style>
+      </p:cxnSp>
+      <p:cxnSp>
+        <p:nvCxnSpPr>
+          <p:cNvPr id="118" name="Straight Arrow Connector 81">
+            <a:extLst>
+              <a:ext uri="{FF2B5EF4-FFF2-40B4-BE49-F238E27FC236}">
+                <a16:creationId xmlns:a16="http://schemas.microsoft.com/office/drawing/2014/main" id="{85934D11-0BEB-44EC-5F95-50D994482308}"/>
+              </a:ext>
+            </a:extLst>
+          </p:cNvPr>
+          <p:cNvCxnSpPr>
+            <a:cxnSpLocks/>
+            <a:stCxn id="113" idx="3"/>
+            <a:endCxn id="112" idx="1"/>
+          </p:cNvCxnSpPr>
+          <p:nvPr/>
+        </p:nvCxnSpPr>
+        <p:spPr>
+          <a:xfrm>
+            <a:off x="7431643" y="2352052"/>
+            <a:ext cx="299780" cy="0"/>
+          </a:xfrm>
+          <a:prstGeom prst="straightConnector1">
+            <a:avLst/>
+          </a:prstGeom>
+          <a:ln>
+            <a:solidFill>
+              <a:schemeClr val="tx1"/>
+            </a:solidFill>
+            <a:tailEnd type="triangle"/>
+          </a:ln>
+        </p:spPr>
+        <p:style>
+          <a:lnRef idx="1">
+            <a:schemeClr val="accent1"/>
+          </a:lnRef>
+          <a:fillRef idx="0">
+            <a:schemeClr val="accent1"/>
+          </a:fillRef>
+          <a:effectRef idx="0">
+            <a:schemeClr val="accent1"/>
+          </a:effectRef>
+          <a:fontRef idx="minor">
+            <a:schemeClr val="tx1"/>
+          </a:fontRef>
+        </p:style>
+      </p:cxnSp>
+    </p:spTree>
+    <p:extLst>
+      <p:ext uri="{BB962C8B-B14F-4D97-AF65-F5344CB8AC3E}">
+        <p14:creationId xmlns:p14="http://schemas.microsoft.com/office/powerpoint/2010/main" val="3712881515"/>
+      </p:ext>
+    </p:extLst>
+  </p:cSld>
+  <p:clrMapOvr>
+    <a:masterClrMapping/>
+  </p:clrMapOvr>
+</p:sld>
+</file>
+
+<file path=ppt/slides/slide12.xml><?xml version="1.0" encoding="utf-8"?>
+<p:sld xmlns:a="http://schemas.openxmlformats.org/drawingml/2006/main" xmlns:r="http://schemas.openxmlformats.org/officeDocument/2006/relationships" xmlns:p="http://schemas.openxmlformats.org/presentationml/2006/main">
+  <p:cSld>
+    <p:spTree>
+      <p:nvGrpSpPr>
+        <p:cNvPr id="1" name="">
+          <a:extLst>
+            <a:ext uri="{FF2B5EF4-FFF2-40B4-BE49-F238E27FC236}">
               <a16:creationId xmlns:a16="http://schemas.microsoft.com/office/drawing/2014/main" id="{B0FBCAE2-C219-280C-B18B-5792963E4478}"/>
             </a:ext>
           </a:extLst>
@@ -4442,7 +7092,7 @@
 </p:sld>
 </file>
 
-<file path=ppt/slides/slide11.xml><?xml version="1.0" encoding="utf-8"?>
+<file path=ppt/slides/slide13.xml><?xml version="1.0" encoding="utf-8"?>
 <p:sld xmlns:a="http://schemas.openxmlformats.org/drawingml/2006/main" xmlns:r="http://schemas.openxmlformats.org/officeDocument/2006/relationships" xmlns:p="http://schemas.openxmlformats.org/presentationml/2006/main">
   <p:cSld>
     <p:spTree>
@@ -4852,7 +7502,7 @@
 </p:sld>
 </file>
 
-<file path=ppt/slides/slide12.xml><?xml version="1.0" encoding="utf-8"?>
+<file path=ppt/slides/slide14.xml><?xml version="1.0" encoding="utf-8"?>
 <p:sld xmlns:a="http://schemas.openxmlformats.org/drawingml/2006/main" xmlns:r="http://schemas.openxmlformats.org/officeDocument/2006/relationships" xmlns:p="http://schemas.openxmlformats.org/presentationml/2006/main">
   <p:cSld>
     <p:spTree>
@@ -5262,7 +7912,7 @@
 </p:sld>
 </file>
 
-<file path=ppt/slides/slide13.xml><?xml version="1.0" encoding="utf-8"?>
+<file path=ppt/slides/slide15.xml><?xml version="1.0" encoding="utf-8"?>
 <p:sld xmlns:a="http://schemas.openxmlformats.org/drawingml/2006/main" xmlns:r="http://schemas.openxmlformats.org/officeDocument/2006/relationships" xmlns:p="http://schemas.openxmlformats.org/presentationml/2006/main">
   <p:cSld>
     <p:spTree>
@@ -5671,7 +8321,7 @@
 </p:sld>
 </file>
 
-<file path=ppt/slides/slide14.xml><?xml version="1.0" encoding="utf-8"?>
+<file path=ppt/slides/slide16.xml><?xml version="1.0" encoding="utf-8"?>
 <p:sld xmlns:a="http://schemas.openxmlformats.org/drawingml/2006/main" xmlns:r="http://schemas.openxmlformats.org/officeDocument/2006/relationships" xmlns:p="http://schemas.openxmlformats.org/presentationml/2006/main">
   <p:cSld>
     <p:spTree>
@@ -6172,7 +8822,7 @@
 </p:sld>
 </file>
 
-<file path=ppt/slides/slide15.xml><?xml version="1.0" encoding="utf-8"?>
+<file path=ppt/slides/slide17.xml><?xml version="1.0" encoding="utf-8"?>
 <p:sld xmlns:a="http://schemas.openxmlformats.org/drawingml/2006/main" xmlns:r="http://schemas.openxmlformats.org/officeDocument/2006/relationships" xmlns:p="http://schemas.openxmlformats.org/presentationml/2006/main">
   <p:cSld>
     <p:spTree>
@@ -7184,7 +9834,7 @@
 </p:sld>
 </file>
 
-<file path=ppt/slides/slide16.xml><?xml version="1.0" encoding="utf-8"?>
+<file path=ppt/slides/slide18.xml><?xml version="1.0" encoding="utf-8"?>
 <p:sld xmlns:a="http://schemas.openxmlformats.org/drawingml/2006/main" xmlns:r="http://schemas.openxmlformats.org/officeDocument/2006/relationships" xmlns:p="http://schemas.openxmlformats.org/presentationml/2006/main">
   <p:cSld>
     <p:spTree>
@@ -8259,7 +10909,7 @@
 </p:sld>
 </file>
 
-<file path=ppt/slides/slide17.xml><?xml version="1.0" encoding="utf-8"?>
+<file path=ppt/slides/slide19.xml><?xml version="1.0" encoding="utf-8"?>
 <p:sld xmlns:a="http://schemas.openxmlformats.org/drawingml/2006/main" xmlns:r="http://schemas.openxmlformats.org/officeDocument/2006/relationships" xmlns:p="http://schemas.openxmlformats.org/presentationml/2006/main">
   <p:cSld>
     <p:spTree>
@@ -9277,7 +11927,93 @@
 </p:sld>
 </file>
 
-<file path=ppt/slides/slide18.xml><?xml version="1.0" encoding="utf-8"?>
+<file path=ppt/slides/slide2.xml><?xml version="1.0" encoding="utf-8"?>
+<p:sld xmlns:a="http://schemas.openxmlformats.org/drawingml/2006/main" xmlns:r="http://schemas.openxmlformats.org/officeDocument/2006/relationships" xmlns:p="http://schemas.openxmlformats.org/presentationml/2006/main">
+  <p:cSld>
+    <p:spTree>
+      <p:nvGrpSpPr>
+        <p:cNvPr id="1" name="">
+          <a:extLst>
+            <a:ext uri="{FF2B5EF4-FFF2-40B4-BE49-F238E27FC236}">
+              <a16:creationId xmlns:a16="http://schemas.microsoft.com/office/drawing/2014/main" id="{E2AB1732-004B-1080-5A4B-6E97898EB6A7}"/>
+            </a:ext>
+          </a:extLst>
+        </p:cNvPr>
+        <p:cNvGrpSpPr/>
+        <p:nvPr/>
+      </p:nvGrpSpPr>
+      <p:grpSpPr>
+        <a:xfrm>
+          <a:off x="0" y="0"/>
+          <a:ext cx="0" cy="0"/>
+          <a:chOff x="0" y="0"/>
+          <a:chExt cx="0" cy="0"/>
+        </a:xfrm>
+      </p:grpSpPr>
+      <p:sp>
+        <p:nvSpPr>
+          <p:cNvPr id="2" name="제목 1">
+            <a:extLst>
+              <a:ext uri="{FF2B5EF4-FFF2-40B4-BE49-F238E27FC236}">
+                <a16:creationId xmlns:a16="http://schemas.microsoft.com/office/drawing/2014/main" id="{1CED1C6B-1951-402E-604B-8DFAE4A37302}"/>
+              </a:ext>
+            </a:extLst>
+          </p:cNvPr>
+          <p:cNvSpPr>
+            <a:spLocks noGrp="1"/>
+          </p:cNvSpPr>
+          <p:nvPr>
+            <p:ph type="title"/>
+          </p:nvPr>
+        </p:nvSpPr>
+        <p:spPr/>
+        <p:txBody>
+          <a:bodyPr/>
+          <a:lstStyle/>
+          <a:p>
+            <a:endParaRPr lang="ko-KR" altLang="en-US"/>
+          </a:p>
+        </p:txBody>
+      </p:sp>
+      <p:sp>
+        <p:nvSpPr>
+          <p:cNvPr id="3" name="내용 개체 틀 2">
+            <a:extLst>
+              <a:ext uri="{FF2B5EF4-FFF2-40B4-BE49-F238E27FC236}">
+                <a16:creationId xmlns:a16="http://schemas.microsoft.com/office/drawing/2014/main" id="{2A7636D9-0DCF-66B0-651C-09D5F0A1DEFA}"/>
+              </a:ext>
+            </a:extLst>
+          </p:cNvPr>
+          <p:cNvSpPr>
+            <a:spLocks noGrp="1"/>
+          </p:cNvSpPr>
+          <p:nvPr>
+            <p:ph idx="1"/>
+          </p:nvPr>
+        </p:nvSpPr>
+        <p:spPr/>
+        <p:txBody>
+          <a:bodyPr/>
+          <a:lstStyle/>
+          <a:p>
+            <a:endParaRPr lang="ko-KR" altLang="en-US"/>
+          </a:p>
+        </p:txBody>
+      </p:sp>
+    </p:spTree>
+    <p:extLst>
+      <p:ext uri="{BB962C8B-B14F-4D97-AF65-F5344CB8AC3E}">
+        <p14:creationId xmlns:p14="http://schemas.microsoft.com/office/powerpoint/2010/main" val="2169974041"/>
+      </p:ext>
+    </p:extLst>
+  </p:cSld>
+  <p:clrMapOvr>
+    <a:masterClrMapping/>
+  </p:clrMapOvr>
+</p:sld>
+</file>
+
+<file path=ppt/slides/slide20.xml><?xml version="1.0" encoding="utf-8"?>
 <p:sld xmlns:a="http://schemas.openxmlformats.org/drawingml/2006/main" xmlns:r="http://schemas.openxmlformats.org/officeDocument/2006/relationships" xmlns:p="http://schemas.openxmlformats.org/presentationml/2006/main">
   <p:cSld>
     <p:spTree>
@@ -10705,7 +13441,7 @@
 </p:sld>
 </file>
 
-<file path=ppt/slides/slide19.xml><?xml version="1.0" encoding="utf-8"?>
+<file path=ppt/slides/slide21.xml><?xml version="1.0" encoding="utf-8"?>
 <p:sld xmlns:a="http://schemas.openxmlformats.org/drawingml/2006/main" xmlns:r="http://schemas.openxmlformats.org/officeDocument/2006/relationships" xmlns:p="http://schemas.openxmlformats.org/presentationml/2006/main">
   <p:cSld>
     <p:spTree>
@@ -12129,907 +14865,7 @@
 </p:sld>
 </file>
 
-<file path=ppt/slides/slide2.xml><?xml version="1.0" encoding="utf-8"?>
-<p:sld xmlns:a="http://schemas.openxmlformats.org/drawingml/2006/main" xmlns:r="http://schemas.openxmlformats.org/officeDocument/2006/relationships" xmlns:p="http://schemas.openxmlformats.org/presentationml/2006/main">
-  <p:cSld>
-    <p:spTree>
-      <p:nvGrpSpPr>
-        <p:cNvPr id="1" name="">
-          <a:extLst>
-            <a:ext uri="{FF2B5EF4-FFF2-40B4-BE49-F238E27FC236}">
-              <a16:creationId xmlns:a16="http://schemas.microsoft.com/office/drawing/2014/main" id="{BEBD43C4-D3B4-1A8D-C6BB-0B63185A3E71}"/>
-            </a:ext>
-          </a:extLst>
-        </p:cNvPr>
-        <p:cNvGrpSpPr/>
-        <p:nvPr/>
-      </p:nvGrpSpPr>
-      <p:grpSpPr>
-        <a:xfrm>
-          <a:off x="0" y="0"/>
-          <a:ext cx="0" cy="0"/>
-          <a:chOff x="0" y="0"/>
-          <a:chExt cx="0" cy="0"/>
-        </a:xfrm>
-      </p:grpSpPr>
-      <p:sp>
-        <p:nvSpPr>
-          <p:cNvPr id="3" name="사각형: 둥근 모서리 29">
-            <a:extLst>
-              <a:ext uri="{FF2B5EF4-FFF2-40B4-BE49-F238E27FC236}">
-                <a16:creationId xmlns:a16="http://schemas.microsoft.com/office/drawing/2014/main" id="{430285D8-4E28-0459-9376-8E13504E7C9A}"/>
-              </a:ext>
-            </a:extLst>
-          </p:cNvPr>
-          <p:cNvSpPr/>
-          <p:nvPr/>
-        </p:nvSpPr>
-        <p:spPr>
-          <a:xfrm>
-            <a:off x="179512" y="123478"/>
-            <a:ext cx="4032448" cy="600168"/>
-          </a:xfrm>
-          <a:prstGeom prst="roundRect">
-            <a:avLst>
-              <a:gd name="adj" fmla="val 10124"/>
-            </a:avLst>
-          </a:prstGeom>
-          <a:ln w="12700"/>
-        </p:spPr>
-        <p:style>
-          <a:lnRef idx="2">
-            <a:schemeClr val="dk1"/>
-          </a:lnRef>
-          <a:fillRef idx="1">
-            <a:schemeClr val="lt1"/>
-          </a:fillRef>
-          <a:effectRef idx="0">
-            <a:schemeClr val="dk1"/>
-          </a:effectRef>
-          <a:fontRef idx="minor">
-            <a:schemeClr val="dk1"/>
-          </a:fontRef>
-        </p:style>
-        <p:txBody>
-          <a:bodyPr rtlCol="0" anchor="t"/>
-          <a:lstStyle/>
-          <a:p>
-            <a:pPr algn="ctr"/>
-            <a:r>
-              <a:rPr lang="en-US" altLang="ko-KR" sz="1000" b="1"/>
-              <a:t>shell </a:t>
-            </a:r>
-            <a:r>
-              <a:rPr lang="en-US" altLang="ko-KR" sz="1000"/>
-              <a:t>Pod</a:t>
-            </a:r>
-          </a:p>
-        </p:txBody>
-      </p:sp>
-      <p:sp>
-        <p:nvSpPr>
-          <p:cNvPr id="6" name="사각형: 둥근 모서리 29">
-            <a:extLst>
-              <a:ext uri="{FF2B5EF4-FFF2-40B4-BE49-F238E27FC236}">
-                <a16:creationId xmlns:a16="http://schemas.microsoft.com/office/drawing/2014/main" id="{C32FE79A-C064-92AE-DB4B-7844CCB7D021}"/>
-              </a:ext>
-            </a:extLst>
-          </p:cNvPr>
-          <p:cNvSpPr/>
-          <p:nvPr/>
-        </p:nvSpPr>
-        <p:spPr>
-          <a:xfrm>
-            <a:off x="3236328" y="195486"/>
-            <a:ext cx="891282" cy="439396"/>
-          </a:xfrm>
-          <a:prstGeom prst="roundRect">
-            <a:avLst>
-              <a:gd name="adj" fmla="val 14520"/>
-            </a:avLst>
-          </a:prstGeom>
-          <a:ln w="12700"/>
-        </p:spPr>
-        <p:style>
-          <a:lnRef idx="2">
-            <a:schemeClr val="dk1"/>
-          </a:lnRef>
-          <a:fillRef idx="1">
-            <a:schemeClr val="lt1"/>
-          </a:fillRef>
-          <a:effectRef idx="0">
-            <a:schemeClr val="dk1"/>
-          </a:effectRef>
-          <a:fontRef idx="minor">
-            <a:schemeClr val="dk1"/>
-          </a:fontRef>
-        </p:style>
-        <p:txBody>
-          <a:bodyPr rtlCol="0" anchor="ctr"/>
-          <a:lstStyle/>
-          <a:p>
-            <a:pPr algn="ctr"/>
-            <a:r>
-              <a:rPr lang="en-US" altLang="ko-KR" sz="1000" b="1"/>
-              <a:t>istio-proxy</a:t>
-            </a:r>
-          </a:p>
-          <a:p>
-            <a:pPr algn="ctr"/>
-            <a:r>
-              <a:rPr lang="en-US" altLang="ko-KR" sz="1000"/>
-              <a:t>Container</a:t>
-            </a:r>
-          </a:p>
-        </p:txBody>
-      </p:sp>
-      <p:sp>
-        <p:nvSpPr>
-          <p:cNvPr id="7" name="사각형: 둥근 모서리 29">
-            <a:extLst>
-              <a:ext uri="{FF2B5EF4-FFF2-40B4-BE49-F238E27FC236}">
-                <a16:creationId xmlns:a16="http://schemas.microsoft.com/office/drawing/2014/main" id="{8960BA7E-2268-C0D7-356A-F25C9C175C6A}"/>
-              </a:ext>
-            </a:extLst>
-          </p:cNvPr>
-          <p:cNvSpPr/>
-          <p:nvPr/>
-        </p:nvSpPr>
-        <p:spPr>
-          <a:xfrm>
-            <a:off x="269263" y="195486"/>
-            <a:ext cx="989457" cy="439396"/>
-          </a:xfrm>
-          <a:prstGeom prst="roundRect">
-            <a:avLst>
-              <a:gd name="adj" fmla="val 14520"/>
-            </a:avLst>
-          </a:prstGeom>
-          <a:ln w="12700"/>
-        </p:spPr>
-        <p:style>
-          <a:lnRef idx="2">
-            <a:schemeClr val="dk1"/>
-          </a:lnRef>
-          <a:fillRef idx="1">
-            <a:schemeClr val="lt1"/>
-          </a:fillRef>
-          <a:effectRef idx="0">
-            <a:schemeClr val="dk1"/>
-          </a:effectRef>
-          <a:fontRef idx="minor">
-            <a:schemeClr val="dk1"/>
-          </a:fontRef>
-        </p:style>
-        <p:txBody>
-          <a:bodyPr rtlCol="0" anchor="ctr"/>
-          <a:lstStyle/>
-          <a:p>
-            <a:pPr algn="ctr"/>
-            <a:r>
-              <a:rPr lang="en-US" altLang="ko-KR" sz="1000" b="1"/>
-              <a:t>shell</a:t>
-            </a:r>
-          </a:p>
-          <a:p>
-            <a:pPr algn="ctr"/>
-            <a:r>
-              <a:rPr lang="en-US" altLang="ko-KR" sz="1000"/>
-              <a:t>Container</a:t>
-            </a:r>
-          </a:p>
-        </p:txBody>
-      </p:sp>
-      <p:sp>
-        <p:nvSpPr>
-          <p:cNvPr id="10" name="사각형: 둥근 모서리 29">
-            <a:extLst>
-              <a:ext uri="{FF2B5EF4-FFF2-40B4-BE49-F238E27FC236}">
-                <a16:creationId xmlns:a16="http://schemas.microsoft.com/office/drawing/2014/main" id="{B99A4EF6-939E-8ACC-76E9-791EA59E3503}"/>
-              </a:ext>
-            </a:extLst>
-          </p:cNvPr>
-          <p:cNvSpPr/>
-          <p:nvPr/>
-        </p:nvSpPr>
-        <p:spPr>
-          <a:xfrm>
-            <a:off x="4932042" y="123478"/>
-            <a:ext cx="4032446" cy="600168"/>
-          </a:xfrm>
-          <a:prstGeom prst="roundRect">
-            <a:avLst>
-              <a:gd name="adj" fmla="val 10124"/>
-            </a:avLst>
-          </a:prstGeom>
-          <a:ln w="12700"/>
-        </p:spPr>
-        <p:style>
-          <a:lnRef idx="2">
-            <a:schemeClr val="dk1"/>
-          </a:lnRef>
-          <a:fillRef idx="1">
-            <a:schemeClr val="lt1"/>
-          </a:fillRef>
-          <a:effectRef idx="0">
-            <a:schemeClr val="dk1"/>
-          </a:effectRef>
-          <a:fontRef idx="minor">
-            <a:schemeClr val="dk1"/>
-          </a:fontRef>
-        </p:style>
-        <p:txBody>
-          <a:bodyPr rtlCol="0" anchor="t"/>
-          <a:lstStyle/>
-          <a:p>
-            <a:pPr algn="ctr"/>
-            <a:r>
-              <a:rPr lang="en-US" altLang="ko-KR" sz="1000" b="1"/>
-              <a:t>mock-server </a:t>
-            </a:r>
-            <a:r>
-              <a:rPr lang="en-US" altLang="ko-KR" sz="1000"/>
-              <a:t>Pod</a:t>
-            </a:r>
-          </a:p>
-        </p:txBody>
-      </p:sp>
-      <p:sp>
-        <p:nvSpPr>
-          <p:cNvPr id="11" name="사각형: 둥근 모서리 29">
-            <a:extLst>
-              <a:ext uri="{FF2B5EF4-FFF2-40B4-BE49-F238E27FC236}">
-                <a16:creationId xmlns:a16="http://schemas.microsoft.com/office/drawing/2014/main" id="{57390717-B063-CE7A-CF58-F36C4E9CDA11}"/>
-              </a:ext>
-            </a:extLst>
-          </p:cNvPr>
-          <p:cNvSpPr/>
-          <p:nvPr/>
-        </p:nvSpPr>
-        <p:spPr>
-          <a:xfrm>
-            <a:off x="7885282" y="195486"/>
-            <a:ext cx="989457" cy="439396"/>
-          </a:xfrm>
-          <a:prstGeom prst="roundRect">
-            <a:avLst>
-              <a:gd name="adj" fmla="val 14520"/>
-            </a:avLst>
-          </a:prstGeom>
-          <a:ln w="12700"/>
-        </p:spPr>
-        <p:style>
-          <a:lnRef idx="2">
-            <a:schemeClr val="dk1"/>
-          </a:lnRef>
-          <a:fillRef idx="1">
-            <a:schemeClr val="lt1"/>
-          </a:fillRef>
-          <a:effectRef idx="0">
-            <a:schemeClr val="dk1"/>
-          </a:effectRef>
-          <a:fontRef idx="minor">
-            <a:schemeClr val="dk1"/>
-          </a:fontRef>
-        </p:style>
-        <p:txBody>
-          <a:bodyPr rtlCol="0" anchor="ctr"/>
-          <a:lstStyle/>
-          <a:p>
-            <a:pPr algn="ctr"/>
-            <a:r>
-              <a:rPr lang="en-US" altLang="ko-KR" sz="1000" b="1"/>
-              <a:t>mock-server</a:t>
-            </a:r>
-          </a:p>
-          <a:p>
-            <a:pPr algn="ctr"/>
-            <a:r>
-              <a:rPr lang="en-US" altLang="ko-KR" sz="1000"/>
-              <a:t>Container</a:t>
-            </a:r>
-          </a:p>
-        </p:txBody>
-      </p:sp>
-      <p:sp>
-        <p:nvSpPr>
-          <p:cNvPr id="12" name="사각형: 둥근 모서리 29">
-            <a:extLst>
-              <a:ext uri="{FF2B5EF4-FFF2-40B4-BE49-F238E27FC236}">
-                <a16:creationId xmlns:a16="http://schemas.microsoft.com/office/drawing/2014/main" id="{F46872B7-70DF-9AA8-6B06-FEA015C029F3}"/>
-              </a:ext>
-            </a:extLst>
-          </p:cNvPr>
-          <p:cNvSpPr/>
-          <p:nvPr/>
-        </p:nvSpPr>
-        <p:spPr>
-          <a:xfrm>
-            <a:off x="5016392" y="195486"/>
-            <a:ext cx="891282" cy="439396"/>
-          </a:xfrm>
-          <a:prstGeom prst="roundRect">
-            <a:avLst>
-              <a:gd name="adj" fmla="val 14520"/>
-            </a:avLst>
-          </a:prstGeom>
-          <a:ln w="12700"/>
-        </p:spPr>
-        <p:style>
-          <a:lnRef idx="2">
-            <a:schemeClr val="dk1"/>
-          </a:lnRef>
-          <a:fillRef idx="1">
-            <a:schemeClr val="lt1"/>
-          </a:fillRef>
-          <a:effectRef idx="0">
-            <a:schemeClr val="dk1"/>
-          </a:effectRef>
-          <a:fontRef idx="minor">
-            <a:schemeClr val="dk1"/>
-          </a:fontRef>
-        </p:style>
-        <p:txBody>
-          <a:bodyPr rtlCol="0" anchor="ctr"/>
-          <a:lstStyle/>
-          <a:p>
-            <a:pPr algn="ctr"/>
-            <a:r>
-              <a:rPr lang="en-US" altLang="ko-KR" sz="1000" b="1"/>
-              <a:t>istio-proxy</a:t>
-            </a:r>
-          </a:p>
-          <a:p>
-            <a:pPr algn="ctr"/>
-            <a:r>
-              <a:rPr lang="en-US" altLang="ko-KR" sz="1000"/>
-              <a:t>Container</a:t>
-            </a:r>
-          </a:p>
-        </p:txBody>
-      </p:sp>
-      <p:cxnSp>
-        <p:nvCxnSpPr>
-          <p:cNvPr id="36" name="Straight Arrow Connector 81">
-            <a:extLst>
-              <a:ext uri="{FF2B5EF4-FFF2-40B4-BE49-F238E27FC236}">
-                <a16:creationId xmlns:a16="http://schemas.microsoft.com/office/drawing/2014/main" id="{DA919B2D-EE58-F8BD-3AA9-DECCFA083E18}"/>
-              </a:ext>
-            </a:extLst>
-          </p:cNvPr>
-          <p:cNvCxnSpPr>
-            <a:cxnSpLocks/>
-            <a:stCxn id="6" idx="2"/>
-          </p:cNvCxnSpPr>
-          <p:nvPr/>
-        </p:nvCxnSpPr>
-        <p:spPr>
-          <a:xfrm>
-            <a:off x="3681969" y="634882"/>
-            <a:ext cx="0" cy="4313132"/>
-          </a:xfrm>
-          <a:prstGeom prst="straightConnector1">
-            <a:avLst/>
-          </a:prstGeom>
-          <a:ln>
-            <a:solidFill>
-              <a:schemeClr val="tx1"/>
-            </a:solidFill>
-            <a:prstDash val="dash"/>
-            <a:tailEnd type="triangle"/>
-          </a:ln>
-        </p:spPr>
-        <p:style>
-          <a:lnRef idx="1">
-            <a:schemeClr val="accent1"/>
-          </a:lnRef>
-          <a:fillRef idx="0">
-            <a:schemeClr val="accent1"/>
-          </a:fillRef>
-          <a:effectRef idx="0">
-            <a:schemeClr val="accent1"/>
-          </a:effectRef>
-          <a:fontRef idx="minor">
-            <a:schemeClr val="tx1"/>
-          </a:fontRef>
-        </p:style>
-      </p:cxnSp>
-      <p:cxnSp>
-        <p:nvCxnSpPr>
-          <p:cNvPr id="37" name="Straight Arrow Connector 81">
-            <a:extLst>
-              <a:ext uri="{FF2B5EF4-FFF2-40B4-BE49-F238E27FC236}">
-                <a16:creationId xmlns:a16="http://schemas.microsoft.com/office/drawing/2014/main" id="{4B217A3D-FAE6-EC8D-D51B-743725E679D3}"/>
-              </a:ext>
-            </a:extLst>
-          </p:cNvPr>
-          <p:cNvCxnSpPr>
-            <a:cxnSpLocks/>
-            <a:stCxn id="7" idx="2"/>
-          </p:cNvCxnSpPr>
-          <p:nvPr/>
-        </p:nvCxnSpPr>
-        <p:spPr>
-          <a:xfrm>
-            <a:off x="763992" y="634882"/>
-            <a:ext cx="0" cy="4313132"/>
-          </a:xfrm>
-          <a:prstGeom prst="straightConnector1">
-            <a:avLst/>
-          </a:prstGeom>
-          <a:ln>
-            <a:solidFill>
-              <a:schemeClr val="tx1"/>
-            </a:solidFill>
-            <a:prstDash val="dash"/>
-            <a:tailEnd type="triangle"/>
-          </a:ln>
-        </p:spPr>
-        <p:style>
-          <a:lnRef idx="1">
-            <a:schemeClr val="accent1"/>
-          </a:lnRef>
-          <a:fillRef idx="0">
-            <a:schemeClr val="accent1"/>
-          </a:fillRef>
-          <a:effectRef idx="0">
-            <a:schemeClr val="accent1"/>
-          </a:effectRef>
-          <a:fontRef idx="minor">
-            <a:schemeClr val="tx1"/>
-          </a:fontRef>
-        </p:style>
-      </p:cxnSp>
-      <p:cxnSp>
-        <p:nvCxnSpPr>
-          <p:cNvPr id="46" name="Straight Arrow Connector 81">
-            <a:extLst>
-              <a:ext uri="{FF2B5EF4-FFF2-40B4-BE49-F238E27FC236}">
-                <a16:creationId xmlns:a16="http://schemas.microsoft.com/office/drawing/2014/main" id="{E78C857B-D63A-913D-7E77-68BAE5551F06}"/>
-              </a:ext>
-            </a:extLst>
-          </p:cNvPr>
-          <p:cNvCxnSpPr>
-            <a:cxnSpLocks/>
-            <a:stCxn id="11" idx="2"/>
-          </p:cNvCxnSpPr>
-          <p:nvPr/>
-        </p:nvCxnSpPr>
-        <p:spPr>
-          <a:xfrm>
-            <a:off x="8380011" y="634882"/>
-            <a:ext cx="0" cy="4385140"/>
-          </a:xfrm>
-          <a:prstGeom prst="straightConnector1">
-            <a:avLst/>
-          </a:prstGeom>
-          <a:ln>
-            <a:solidFill>
-              <a:schemeClr val="tx1"/>
-            </a:solidFill>
-            <a:prstDash val="dash"/>
-            <a:tailEnd type="triangle"/>
-          </a:ln>
-        </p:spPr>
-        <p:style>
-          <a:lnRef idx="1">
-            <a:schemeClr val="accent1"/>
-          </a:lnRef>
-          <a:fillRef idx="0">
-            <a:schemeClr val="accent1"/>
-          </a:fillRef>
-          <a:effectRef idx="0">
-            <a:schemeClr val="accent1"/>
-          </a:effectRef>
-          <a:fontRef idx="minor">
-            <a:schemeClr val="tx1"/>
-          </a:fontRef>
-        </p:style>
-      </p:cxnSp>
-      <p:cxnSp>
-        <p:nvCxnSpPr>
-          <p:cNvPr id="47" name="Straight Arrow Connector 81">
-            <a:extLst>
-              <a:ext uri="{FF2B5EF4-FFF2-40B4-BE49-F238E27FC236}">
-                <a16:creationId xmlns:a16="http://schemas.microsoft.com/office/drawing/2014/main" id="{6D665980-74C1-A247-5472-81CC74535D39}"/>
-              </a:ext>
-            </a:extLst>
-          </p:cNvPr>
-          <p:cNvCxnSpPr>
-            <a:cxnSpLocks/>
-            <a:stCxn id="12" idx="2"/>
-          </p:cNvCxnSpPr>
-          <p:nvPr/>
-        </p:nvCxnSpPr>
-        <p:spPr>
-          <a:xfrm>
-            <a:off x="5462033" y="634882"/>
-            <a:ext cx="0" cy="4313132"/>
-          </a:xfrm>
-          <a:prstGeom prst="straightConnector1">
-            <a:avLst/>
-          </a:prstGeom>
-          <a:ln>
-            <a:solidFill>
-              <a:schemeClr val="tx1"/>
-            </a:solidFill>
-            <a:prstDash val="dash"/>
-            <a:tailEnd type="triangle"/>
-          </a:ln>
-        </p:spPr>
-        <p:style>
-          <a:lnRef idx="1">
-            <a:schemeClr val="accent1"/>
-          </a:lnRef>
-          <a:fillRef idx="0">
-            <a:schemeClr val="accent1"/>
-          </a:fillRef>
-          <a:effectRef idx="0">
-            <a:schemeClr val="accent1"/>
-          </a:effectRef>
-          <a:fontRef idx="minor">
-            <a:schemeClr val="tx1"/>
-          </a:fontRef>
-        </p:style>
-      </p:cxnSp>
-      <p:cxnSp>
-        <p:nvCxnSpPr>
-          <p:cNvPr id="52" name="Straight Arrow Connector 81">
-            <a:extLst>
-              <a:ext uri="{FF2B5EF4-FFF2-40B4-BE49-F238E27FC236}">
-                <a16:creationId xmlns:a16="http://schemas.microsoft.com/office/drawing/2014/main" id="{E0564BFC-E8B9-2246-39C9-F0468A3F9AC4}"/>
-              </a:ext>
-            </a:extLst>
-          </p:cNvPr>
-          <p:cNvCxnSpPr>
-            <a:cxnSpLocks/>
-          </p:cNvCxnSpPr>
-          <p:nvPr/>
-        </p:nvCxnSpPr>
-        <p:spPr>
-          <a:xfrm>
-            <a:off x="763988" y="1030205"/>
-            <a:ext cx="2917981" cy="0"/>
-          </a:xfrm>
-          <a:prstGeom prst="straightConnector1">
-            <a:avLst/>
-          </a:prstGeom>
-          <a:ln>
-            <a:solidFill>
-              <a:schemeClr val="tx1"/>
-            </a:solidFill>
-            <a:tailEnd type="triangle"/>
-          </a:ln>
-        </p:spPr>
-        <p:style>
-          <a:lnRef idx="1">
-            <a:schemeClr val="accent1"/>
-          </a:lnRef>
-          <a:fillRef idx="0">
-            <a:schemeClr val="accent1"/>
-          </a:fillRef>
-          <a:effectRef idx="0">
-            <a:schemeClr val="accent1"/>
-          </a:effectRef>
-          <a:fontRef idx="minor">
-            <a:schemeClr val="tx1"/>
-          </a:fontRef>
-        </p:style>
-      </p:cxnSp>
-      <p:sp>
-        <p:nvSpPr>
-          <p:cNvPr id="53" name="TextBox 52">
-            <a:extLst>
-              <a:ext uri="{FF2B5EF4-FFF2-40B4-BE49-F238E27FC236}">
-                <a16:creationId xmlns:a16="http://schemas.microsoft.com/office/drawing/2014/main" id="{1E441BFE-C7BD-D1DC-B498-33925F1FF0C0}"/>
-              </a:ext>
-            </a:extLst>
-          </p:cNvPr>
-          <p:cNvSpPr txBox="1"/>
-          <p:nvPr/>
-        </p:nvSpPr>
-        <p:spPr>
-          <a:xfrm>
-            <a:off x="763987" y="783984"/>
-            <a:ext cx="2795674" cy="246221"/>
-          </a:xfrm>
-          <a:prstGeom prst="rect">
-            <a:avLst/>
-          </a:prstGeom>
-          <a:noFill/>
-        </p:spPr>
-        <p:txBody>
-          <a:bodyPr wrap="square" rtlCol="0">
-            <a:spAutoFit/>
-          </a:bodyPr>
-          <a:lstStyle/>
-          <a:p>
-            <a:r>
-              <a:rPr kumimoji="1" lang="en-US" altLang="ko-KR" sz="1000" i="1"/>
-              <a:t>GET </a:t>
-            </a:r>
-            <a:r>
-              <a:rPr lang="en" altLang="ko-KR" sz="1000" i="1"/>
-              <a:t>mock-server:8080/status/200</a:t>
-            </a:r>
-            <a:endParaRPr kumimoji="1" lang="ko-KR" altLang="en-US" sz="1000" i="1"/>
-          </a:p>
-        </p:txBody>
-      </p:sp>
-      <p:cxnSp>
-        <p:nvCxnSpPr>
-          <p:cNvPr id="54" name="Straight Arrow Connector 81">
-            <a:extLst>
-              <a:ext uri="{FF2B5EF4-FFF2-40B4-BE49-F238E27FC236}">
-                <a16:creationId xmlns:a16="http://schemas.microsoft.com/office/drawing/2014/main" id="{43B56B76-74C9-AC20-39BD-6EB684EC29AB}"/>
-              </a:ext>
-            </a:extLst>
-          </p:cNvPr>
-          <p:cNvCxnSpPr>
-            <a:cxnSpLocks/>
-          </p:cNvCxnSpPr>
-          <p:nvPr/>
-        </p:nvCxnSpPr>
-        <p:spPr>
-          <a:xfrm>
-            <a:off x="5462033" y="1275606"/>
-            <a:ext cx="2917977" cy="0"/>
-          </a:xfrm>
-          <a:prstGeom prst="straightConnector1">
-            <a:avLst/>
-          </a:prstGeom>
-          <a:ln>
-            <a:solidFill>
-              <a:schemeClr val="tx1"/>
-            </a:solidFill>
-            <a:headEnd type="triangle" w="med" len="med"/>
-            <a:tailEnd type="none" w="med" len="med"/>
-          </a:ln>
-        </p:spPr>
-        <p:style>
-          <a:lnRef idx="1">
-            <a:schemeClr val="accent1"/>
-          </a:lnRef>
-          <a:fillRef idx="0">
-            <a:schemeClr val="accent1"/>
-          </a:fillRef>
-          <a:effectRef idx="0">
-            <a:schemeClr val="accent1"/>
-          </a:effectRef>
-          <a:fontRef idx="minor">
-            <a:schemeClr val="tx1"/>
-          </a:fontRef>
-        </p:style>
-      </p:cxnSp>
-      <p:sp>
-        <p:nvSpPr>
-          <p:cNvPr id="55" name="TextBox 54">
-            <a:extLst>
-              <a:ext uri="{FF2B5EF4-FFF2-40B4-BE49-F238E27FC236}">
-                <a16:creationId xmlns:a16="http://schemas.microsoft.com/office/drawing/2014/main" id="{818625F6-22BC-B258-6B8D-0E98E1719277}"/>
-              </a:ext>
-            </a:extLst>
-          </p:cNvPr>
-          <p:cNvSpPr txBox="1"/>
-          <p:nvPr/>
-        </p:nvSpPr>
-        <p:spPr>
-          <a:xfrm>
-            <a:off x="5584334" y="1275606"/>
-            <a:ext cx="2795674" cy="246221"/>
-          </a:xfrm>
-          <a:prstGeom prst="rect">
-            <a:avLst/>
-          </a:prstGeom>
-          <a:noFill/>
-        </p:spPr>
-        <p:txBody>
-          <a:bodyPr wrap="square" rtlCol="0">
-            <a:spAutoFit/>
-          </a:bodyPr>
-          <a:lstStyle/>
-          <a:p>
-            <a:pPr algn="r"/>
-            <a:r>
-              <a:rPr kumimoji="1" lang="en-US" altLang="ko-KR" sz="1000" i="1"/>
-              <a:t>200 OK</a:t>
-            </a:r>
-            <a:endParaRPr kumimoji="1" lang="ko-KR" altLang="en-US" sz="1000" i="1"/>
-          </a:p>
-        </p:txBody>
-      </p:sp>
-      <p:cxnSp>
-        <p:nvCxnSpPr>
-          <p:cNvPr id="63" name="Straight Arrow Connector 81">
-            <a:extLst>
-              <a:ext uri="{FF2B5EF4-FFF2-40B4-BE49-F238E27FC236}">
-                <a16:creationId xmlns:a16="http://schemas.microsoft.com/office/drawing/2014/main" id="{A872E0F9-DD99-09A7-39F3-20E4880EFD04}"/>
-              </a:ext>
-            </a:extLst>
-          </p:cNvPr>
-          <p:cNvCxnSpPr>
-            <a:cxnSpLocks/>
-          </p:cNvCxnSpPr>
-          <p:nvPr/>
-        </p:nvCxnSpPr>
-        <p:spPr>
-          <a:xfrm>
-            <a:off x="3681969" y="1104000"/>
-            <a:ext cx="1780064" cy="0"/>
-          </a:xfrm>
-          <a:prstGeom prst="straightConnector1">
-            <a:avLst/>
-          </a:prstGeom>
-          <a:ln>
-            <a:solidFill>
-              <a:schemeClr val="tx1"/>
-            </a:solidFill>
-            <a:tailEnd type="triangle"/>
-          </a:ln>
-        </p:spPr>
-        <p:style>
-          <a:lnRef idx="1">
-            <a:schemeClr val="accent1"/>
-          </a:lnRef>
-          <a:fillRef idx="0">
-            <a:schemeClr val="accent1"/>
-          </a:fillRef>
-          <a:effectRef idx="0">
-            <a:schemeClr val="accent1"/>
-          </a:effectRef>
-          <a:fontRef idx="minor">
-            <a:schemeClr val="tx1"/>
-          </a:fontRef>
-        </p:style>
-      </p:cxnSp>
-      <p:cxnSp>
-        <p:nvCxnSpPr>
-          <p:cNvPr id="64" name="Straight Arrow Connector 81">
-            <a:extLst>
-              <a:ext uri="{FF2B5EF4-FFF2-40B4-BE49-F238E27FC236}">
-                <a16:creationId xmlns:a16="http://schemas.microsoft.com/office/drawing/2014/main" id="{F5E65AC5-5C22-753B-E7EB-E918AE8A099A}"/>
-              </a:ext>
-            </a:extLst>
-          </p:cNvPr>
-          <p:cNvCxnSpPr>
-            <a:cxnSpLocks/>
-          </p:cNvCxnSpPr>
-          <p:nvPr/>
-        </p:nvCxnSpPr>
-        <p:spPr>
-          <a:xfrm>
-            <a:off x="5462033" y="1183891"/>
-            <a:ext cx="2917978" cy="0"/>
-          </a:xfrm>
-          <a:prstGeom prst="straightConnector1">
-            <a:avLst/>
-          </a:prstGeom>
-          <a:ln>
-            <a:solidFill>
-              <a:schemeClr val="tx1"/>
-            </a:solidFill>
-            <a:tailEnd type="triangle"/>
-          </a:ln>
-        </p:spPr>
-        <p:style>
-          <a:lnRef idx="1">
-            <a:schemeClr val="accent1"/>
-          </a:lnRef>
-          <a:fillRef idx="0">
-            <a:schemeClr val="accent1"/>
-          </a:fillRef>
-          <a:effectRef idx="0">
-            <a:schemeClr val="accent1"/>
-          </a:effectRef>
-          <a:fontRef idx="minor">
-            <a:schemeClr val="tx1"/>
-          </a:fontRef>
-        </p:style>
-      </p:cxnSp>
-      <p:cxnSp>
-        <p:nvCxnSpPr>
-          <p:cNvPr id="70" name="Straight Arrow Connector 81">
-            <a:extLst>
-              <a:ext uri="{FF2B5EF4-FFF2-40B4-BE49-F238E27FC236}">
-                <a16:creationId xmlns:a16="http://schemas.microsoft.com/office/drawing/2014/main" id="{26968A82-69AC-EFA6-9650-8E9EA184B435}"/>
-              </a:ext>
-            </a:extLst>
-          </p:cNvPr>
-          <p:cNvCxnSpPr>
-            <a:cxnSpLocks/>
-          </p:cNvCxnSpPr>
-          <p:nvPr/>
-        </p:nvCxnSpPr>
-        <p:spPr>
-          <a:xfrm>
-            <a:off x="3681977" y="1347614"/>
-            <a:ext cx="1780056" cy="0"/>
-          </a:xfrm>
-          <a:prstGeom prst="straightConnector1">
-            <a:avLst/>
-          </a:prstGeom>
-          <a:ln>
-            <a:solidFill>
-              <a:schemeClr val="tx1"/>
-            </a:solidFill>
-            <a:headEnd type="triangle" w="med" len="med"/>
-            <a:tailEnd type="none" w="med" len="med"/>
-          </a:ln>
-        </p:spPr>
-        <p:style>
-          <a:lnRef idx="1">
-            <a:schemeClr val="accent1"/>
-          </a:lnRef>
-          <a:fillRef idx="0">
-            <a:schemeClr val="accent1"/>
-          </a:fillRef>
-          <a:effectRef idx="0">
-            <a:schemeClr val="accent1"/>
-          </a:effectRef>
-          <a:fontRef idx="minor">
-            <a:schemeClr val="tx1"/>
-          </a:fontRef>
-        </p:style>
-      </p:cxnSp>
-      <p:cxnSp>
-        <p:nvCxnSpPr>
-          <p:cNvPr id="73" name="Straight Arrow Connector 81">
-            <a:extLst>
-              <a:ext uri="{FF2B5EF4-FFF2-40B4-BE49-F238E27FC236}">
-                <a16:creationId xmlns:a16="http://schemas.microsoft.com/office/drawing/2014/main" id="{84559813-068A-4FA0-62EB-558E0EC88101}"/>
-              </a:ext>
-            </a:extLst>
-          </p:cNvPr>
-          <p:cNvCxnSpPr>
-            <a:cxnSpLocks/>
-          </p:cNvCxnSpPr>
-          <p:nvPr/>
-        </p:nvCxnSpPr>
-        <p:spPr>
-          <a:xfrm>
-            <a:off x="763987" y="1419622"/>
-            <a:ext cx="2917982" cy="0"/>
-          </a:xfrm>
-          <a:prstGeom prst="straightConnector1">
-            <a:avLst/>
-          </a:prstGeom>
-          <a:ln>
-            <a:solidFill>
-              <a:schemeClr val="tx1"/>
-            </a:solidFill>
-            <a:headEnd type="triangle" w="med" len="med"/>
-            <a:tailEnd type="none" w="med" len="med"/>
-          </a:ln>
-        </p:spPr>
-        <p:style>
-          <a:lnRef idx="1">
-            <a:schemeClr val="accent1"/>
-          </a:lnRef>
-          <a:fillRef idx="0">
-            <a:schemeClr val="accent1"/>
-          </a:fillRef>
-          <a:effectRef idx="0">
-            <a:schemeClr val="accent1"/>
-          </a:effectRef>
-          <a:fontRef idx="minor">
-            <a:schemeClr val="tx1"/>
-          </a:fontRef>
-        </p:style>
-      </p:cxnSp>
-    </p:spTree>
-    <p:extLst>
-      <p:ext uri="{BB962C8B-B14F-4D97-AF65-F5344CB8AC3E}">
-        <p14:creationId xmlns:p14="http://schemas.microsoft.com/office/powerpoint/2010/main" val="3764161668"/>
-      </p:ext>
-    </p:extLst>
-  </p:cSld>
-  <p:clrMapOvr>
-    <a:masterClrMapping/>
-  </p:clrMapOvr>
-</p:sld>
-</file>
-
-<file path=ppt/slides/slide20.xml><?xml version="1.0" encoding="utf-8"?>
+<file path=ppt/slides/slide22.xml><?xml version="1.0" encoding="utf-8"?>
 <p:sld xmlns:a="http://schemas.openxmlformats.org/drawingml/2006/main" xmlns:r="http://schemas.openxmlformats.org/officeDocument/2006/relationships" xmlns:p="http://schemas.openxmlformats.org/presentationml/2006/main">
   <p:cSld>
     <p:spTree>
@@ -13359,7 +15195,7 @@
 </p:sld>
 </file>
 
-<file path=ppt/slides/slide21.xml><?xml version="1.0" encoding="utf-8"?>
+<file path=ppt/slides/slide23.xml><?xml version="1.0" encoding="utf-8"?>
 <p:sld xmlns:a="http://schemas.openxmlformats.org/drawingml/2006/main" xmlns:r="http://schemas.openxmlformats.org/officeDocument/2006/relationships" xmlns:p="http://schemas.openxmlformats.org/presentationml/2006/main">
   <p:cSld>
     <p:spTree>
@@ -13439,7 +15275,7 @@
 </p:sld>
 </file>
 
-<file path=ppt/slides/slide22.xml><?xml version="1.0" encoding="utf-8"?>
+<file path=ppt/slides/slide24.xml><?xml version="1.0" encoding="utf-8"?>
 <p:sld xmlns:a="http://schemas.openxmlformats.org/drawingml/2006/main" xmlns:r="http://schemas.openxmlformats.org/officeDocument/2006/relationships" xmlns:p="http://schemas.openxmlformats.org/presentationml/2006/main">
   <p:cSld>
     <p:spTree>
@@ -13930,7 +15766,7 @@
 </p:sld>
 </file>
 
-<file path=ppt/slides/slide23.xml><?xml version="1.0" encoding="utf-8"?>
+<file path=ppt/slides/slide25.xml><?xml version="1.0" encoding="utf-8"?>
 <p:sld xmlns:a="http://schemas.openxmlformats.org/drawingml/2006/main" xmlns:r="http://schemas.openxmlformats.org/officeDocument/2006/relationships" xmlns:p="http://schemas.openxmlformats.org/presentationml/2006/main">
   <p:cSld>
     <p:spTree>
@@ -14520,7 +16356,7 @@
         <p:cNvPr id="1" name="">
           <a:extLst>
             <a:ext uri="{FF2B5EF4-FFF2-40B4-BE49-F238E27FC236}">
-              <a16:creationId xmlns:a16="http://schemas.microsoft.com/office/drawing/2014/main" id="{01A99817-5EDF-F3E3-143C-098CB242218D}"/>
+              <a16:creationId xmlns:a16="http://schemas.microsoft.com/office/drawing/2014/main" id="{1F368313-8269-6F2B-8540-BF86D0121127}"/>
             </a:ext>
           </a:extLst>
         </p:cNvPr>
@@ -14540,7 +16376,7 @@
           <p:cNvPr id="3" name="사각형: 둥근 모서리 29">
             <a:extLst>
               <a:ext uri="{FF2B5EF4-FFF2-40B4-BE49-F238E27FC236}">
-                <a16:creationId xmlns:a16="http://schemas.microsoft.com/office/drawing/2014/main" id="{2B4E5CB1-6F23-E7A2-4996-EEDAFE61F45C}"/>
+                <a16:creationId xmlns:a16="http://schemas.microsoft.com/office/drawing/2014/main" id="{1FDABE30-4690-5763-EB2D-8A0FEFF512F9}"/>
               </a:ext>
             </a:extLst>
           </p:cNvPr>
@@ -14594,7 +16430,7 @@
           <p:cNvPr id="6" name="사각형: 둥근 모서리 29">
             <a:extLst>
               <a:ext uri="{FF2B5EF4-FFF2-40B4-BE49-F238E27FC236}">
-                <a16:creationId xmlns:a16="http://schemas.microsoft.com/office/drawing/2014/main" id="{07BC0B1B-EDEE-AD92-77A2-A3DD4EEAFB02}"/>
+                <a16:creationId xmlns:a16="http://schemas.microsoft.com/office/drawing/2014/main" id="{5EA79A3D-2C6A-F306-067D-CE060C2723B2}"/>
               </a:ext>
             </a:extLst>
           </p:cNvPr>
@@ -14651,7 +16487,7 @@
           <p:cNvPr id="7" name="사각형: 둥근 모서리 29">
             <a:extLst>
               <a:ext uri="{FF2B5EF4-FFF2-40B4-BE49-F238E27FC236}">
-                <a16:creationId xmlns:a16="http://schemas.microsoft.com/office/drawing/2014/main" id="{C38FA1D3-EA2A-39AD-176F-2A8D91E0A25A}"/>
+                <a16:creationId xmlns:a16="http://schemas.microsoft.com/office/drawing/2014/main" id="{673BDB24-6F73-C2D5-856F-080E73969208}"/>
               </a:ext>
             </a:extLst>
           </p:cNvPr>
@@ -14708,7 +16544,7 @@
           <p:cNvPr id="10" name="사각형: 둥근 모서리 29">
             <a:extLst>
               <a:ext uri="{FF2B5EF4-FFF2-40B4-BE49-F238E27FC236}">
-                <a16:creationId xmlns:a16="http://schemas.microsoft.com/office/drawing/2014/main" id="{B0358329-09C1-89FB-4F24-0CCBDC3F0E26}"/>
+                <a16:creationId xmlns:a16="http://schemas.microsoft.com/office/drawing/2014/main" id="{F17D29EC-AAF5-3EA1-8E9F-716121138F5C}"/>
               </a:ext>
             </a:extLst>
           </p:cNvPr>
@@ -14762,7 +16598,7 @@
           <p:cNvPr id="11" name="사각형: 둥근 모서리 29">
             <a:extLst>
               <a:ext uri="{FF2B5EF4-FFF2-40B4-BE49-F238E27FC236}">
-                <a16:creationId xmlns:a16="http://schemas.microsoft.com/office/drawing/2014/main" id="{BE8AC001-D7E9-8D81-1552-335A154D7FF0}"/>
+                <a16:creationId xmlns:a16="http://schemas.microsoft.com/office/drawing/2014/main" id="{05A0D838-F92F-1A5D-CD55-A905DBA2404C}"/>
               </a:ext>
             </a:extLst>
           </p:cNvPr>
@@ -14819,7 +16655,7 @@
           <p:cNvPr id="12" name="사각형: 둥근 모서리 29">
             <a:extLst>
               <a:ext uri="{FF2B5EF4-FFF2-40B4-BE49-F238E27FC236}">
-                <a16:creationId xmlns:a16="http://schemas.microsoft.com/office/drawing/2014/main" id="{398C366C-FCA3-1D22-ABA8-3BAD0D4D9191}"/>
+                <a16:creationId xmlns:a16="http://schemas.microsoft.com/office/drawing/2014/main" id="{6F8A0270-AF4B-03C8-4225-D2236B476495}"/>
               </a:ext>
             </a:extLst>
           </p:cNvPr>
@@ -14876,7 +16712,7 @@
           <p:cNvPr id="36" name="Straight Arrow Connector 81">
             <a:extLst>
               <a:ext uri="{FF2B5EF4-FFF2-40B4-BE49-F238E27FC236}">
-                <a16:creationId xmlns:a16="http://schemas.microsoft.com/office/drawing/2014/main" id="{B33CD3E7-7548-02E0-B8BB-B62D6BA5CB3D}"/>
+                <a16:creationId xmlns:a16="http://schemas.microsoft.com/office/drawing/2014/main" id="{B7F11F06-8FDA-55C1-E7F7-11DFBBC8B679}"/>
               </a:ext>
             </a:extLst>
           </p:cNvPr>
@@ -14922,7 +16758,7 @@
           <p:cNvPr id="37" name="Straight Arrow Connector 81">
             <a:extLst>
               <a:ext uri="{FF2B5EF4-FFF2-40B4-BE49-F238E27FC236}">
-                <a16:creationId xmlns:a16="http://schemas.microsoft.com/office/drawing/2014/main" id="{6A85DAF0-A882-2BCD-AA48-C4A763CF0062}"/>
+                <a16:creationId xmlns:a16="http://schemas.microsoft.com/office/drawing/2014/main" id="{A77CF21F-59FD-C092-644A-F3539F407A05}"/>
               </a:ext>
             </a:extLst>
           </p:cNvPr>
@@ -14968,7 +16804,7 @@
           <p:cNvPr id="46" name="Straight Arrow Connector 81">
             <a:extLst>
               <a:ext uri="{FF2B5EF4-FFF2-40B4-BE49-F238E27FC236}">
-                <a16:creationId xmlns:a16="http://schemas.microsoft.com/office/drawing/2014/main" id="{E051C9C0-45AC-F244-577F-F19C52E9C42D}"/>
+                <a16:creationId xmlns:a16="http://schemas.microsoft.com/office/drawing/2014/main" id="{2C3FBF66-6155-DD58-06DD-3A1763448E98}"/>
               </a:ext>
             </a:extLst>
           </p:cNvPr>
@@ -15014,7 +16850,7 @@
           <p:cNvPr id="47" name="Straight Arrow Connector 81">
             <a:extLst>
               <a:ext uri="{FF2B5EF4-FFF2-40B4-BE49-F238E27FC236}">
-                <a16:creationId xmlns:a16="http://schemas.microsoft.com/office/drawing/2014/main" id="{D64D14D8-AB79-493B-C860-47BD09571D87}"/>
+                <a16:creationId xmlns:a16="http://schemas.microsoft.com/office/drawing/2014/main" id="{D3278817-B173-AAFA-13F4-CC95E5CBAD17}"/>
               </a:ext>
             </a:extLst>
           </p:cNvPr>
@@ -15060,7 +16896,7 @@
           <p:cNvPr id="52" name="Straight Arrow Connector 81">
             <a:extLst>
               <a:ext uri="{FF2B5EF4-FFF2-40B4-BE49-F238E27FC236}">
-                <a16:creationId xmlns:a16="http://schemas.microsoft.com/office/drawing/2014/main" id="{DA54E9B7-F2A2-41D6-83EF-ECC22F97F277}"/>
+                <a16:creationId xmlns:a16="http://schemas.microsoft.com/office/drawing/2014/main" id="{465E83B8-7E8E-7BC6-4D84-9021251E07AB}"/>
               </a:ext>
             </a:extLst>
           </p:cNvPr>
@@ -15071,7 +16907,7 @@
         </p:nvCxnSpPr>
         <p:spPr>
           <a:xfrm>
-            <a:off x="763988" y="1030205"/>
+            <a:off x="763988" y="1431885"/>
             <a:ext cx="2917981" cy="0"/>
           </a:xfrm>
           <a:prstGeom prst="straightConnector1">
@@ -15104,7 +16940,7 @@
           <p:cNvPr id="53" name="TextBox 52">
             <a:extLst>
               <a:ext uri="{FF2B5EF4-FFF2-40B4-BE49-F238E27FC236}">
-                <a16:creationId xmlns:a16="http://schemas.microsoft.com/office/drawing/2014/main" id="{531CAE83-D4FA-D718-1A5A-7C10E7D9C0E2}"/>
+                <a16:creationId xmlns:a16="http://schemas.microsoft.com/office/drawing/2014/main" id="{73B78DC4-0156-BC0F-8EA5-4651A5621310}"/>
               </a:ext>
             </a:extLst>
           </p:cNvPr>
@@ -15113,7 +16949,7 @@
         </p:nvSpPr>
         <p:spPr>
           <a:xfrm>
-            <a:off x="763987" y="783984"/>
+            <a:off x="763987" y="1185664"/>
             <a:ext cx="2795674" cy="246221"/>
           </a:xfrm>
           <a:prstGeom prst="rect">
@@ -15133,7 +16969,7 @@
             </a:r>
             <a:r>
               <a:rPr lang="en" altLang="ko-KR" sz="1000" i="1"/>
-              <a:t>mock-server:8080/status/503</a:t>
+              <a:t>mock-server:8080/status/200</a:t>
             </a:r>
             <a:endParaRPr kumimoji="1" lang="ko-KR" altLang="en-US" sz="1000" i="1"/>
           </a:p>
@@ -15144,7 +16980,7 @@
           <p:cNvPr id="54" name="Straight Arrow Connector 81">
             <a:extLst>
               <a:ext uri="{FF2B5EF4-FFF2-40B4-BE49-F238E27FC236}">
-                <a16:creationId xmlns:a16="http://schemas.microsoft.com/office/drawing/2014/main" id="{B51D8745-6C91-21CF-1B16-720189794B87}"/>
+                <a16:creationId xmlns:a16="http://schemas.microsoft.com/office/drawing/2014/main" id="{69B2F2EF-5AFF-7F7C-B16A-9F12F7E92AE4}"/>
               </a:ext>
             </a:extLst>
           </p:cNvPr>
@@ -15155,7 +16991,7 @@
         </p:nvCxnSpPr>
         <p:spPr>
           <a:xfrm>
-            <a:off x="5462033" y="1275606"/>
+            <a:off x="5462033" y="1677286"/>
             <a:ext cx="2917977" cy="0"/>
           </a:xfrm>
           <a:prstGeom prst="straightConnector1">
@@ -15189,7 +17025,7 @@
           <p:cNvPr id="55" name="TextBox 54">
             <a:extLst>
               <a:ext uri="{FF2B5EF4-FFF2-40B4-BE49-F238E27FC236}">
-                <a16:creationId xmlns:a16="http://schemas.microsoft.com/office/drawing/2014/main" id="{873B42E6-CEAF-0D77-B5BB-0EB9353199EA}"/>
+                <a16:creationId xmlns:a16="http://schemas.microsoft.com/office/drawing/2014/main" id="{BE3BC87B-C28E-FFEE-42E3-F17B06372E37}"/>
               </a:ext>
             </a:extLst>
           </p:cNvPr>
@@ -15198,7 +17034,7 @@
         </p:nvSpPr>
         <p:spPr>
           <a:xfrm>
-            <a:off x="5584334" y="1275606"/>
+            <a:off x="5584334" y="1677286"/>
             <a:ext cx="2795674" cy="246221"/>
           </a:xfrm>
           <a:prstGeom prst="rect">
@@ -15215,7 +17051,7 @@
             <a:pPr algn="r"/>
             <a:r>
               <a:rPr kumimoji="1" lang="en-US" altLang="ko-KR" sz="1000" i="1"/>
-              <a:t>503 Service Unavailable</a:t>
+              <a:t>200 OK</a:t>
             </a:r>
             <a:endParaRPr kumimoji="1" lang="ko-KR" altLang="en-US" sz="1000" i="1"/>
           </a:p>
@@ -15226,7 +17062,7 @@
           <p:cNvPr id="63" name="Straight Arrow Connector 81">
             <a:extLst>
               <a:ext uri="{FF2B5EF4-FFF2-40B4-BE49-F238E27FC236}">
-                <a16:creationId xmlns:a16="http://schemas.microsoft.com/office/drawing/2014/main" id="{9DE66482-81FB-454E-0C8A-2D085E01FFCC}"/>
+                <a16:creationId xmlns:a16="http://schemas.microsoft.com/office/drawing/2014/main" id="{DDDC6FD5-83BD-9185-E9B6-E52D128EB96C}"/>
               </a:ext>
             </a:extLst>
           </p:cNvPr>
@@ -15237,7 +17073,7 @@
         </p:nvCxnSpPr>
         <p:spPr>
           <a:xfrm>
-            <a:off x="3681969" y="1104000"/>
+            <a:off x="3681969" y="1505680"/>
             <a:ext cx="1780064" cy="0"/>
           </a:xfrm>
           <a:prstGeom prst="straightConnector1">
@@ -15270,7 +17106,7 @@
           <p:cNvPr id="64" name="Straight Arrow Connector 81">
             <a:extLst>
               <a:ext uri="{FF2B5EF4-FFF2-40B4-BE49-F238E27FC236}">
-                <a16:creationId xmlns:a16="http://schemas.microsoft.com/office/drawing/2014/main" id="{2172FCEC-7E93-4C92-7AF1-22C9677ED749}"/>
+                <a16:creationId xmlns:a16="http://schemas.microsoft.com/office/drawing/2014/main" id="{BFBC4CA1-46E1-5C35-FD8A-1A12F1145438}"/>
               </a:ext>
             </a:extLst>
           </p:cNvPr>
@@ -15281,7 +17117,7 @@
         </p:nvCxnSpPr>
         <p:spPr>
           <a:xfrm>
-            <a:off x="5462033" y="1183891"/>
+            <a:off x="5462033" y="1585571"/>
             <a:ext cx="2917978" cy="0"/>
           </a:xfrm>
           <a:prstGeom prst="straightConnector1">
@@ -15314,7 +17150,7 @@
           <p:cNvPr id="70" name="Straight Arrow Connector 81">
             <a:extLst>
               <a:ext uri="{FF2B5EF4-FFF2-40B4-BE49-F238E27FC236}">
-                <a16:creationId xmlns:a16="http://schemas.microsoft.com/office/drawing/2014/main" id="{D1FFFBCF-14DA-67AC-C817-8B7873976F1C}"/>
+                <a16:creationId xmlns:a16="http://schemas.microsoft.com/office/drawing/2014/main" id="{FAD9948B-32A6-7D7F-3687-C491BAB3D65C}"/>
               </a:ext>
             </a:extLst>
           </p:cNvPr>
@@ -15325,7 +17161,7 @@
         </p:nvCxnSpPr>
         <p:spPr>
           <a:xfrm>
-            <a:off x="3681977" y="1347614"/>
+            <a:off x="3681977" y="1749294"/>
             <a:ext cx="1780056" cy="0"/>
           </a:xfrm>
           <a:prstGeom prst="straightConnector1">
@@ -15359,7 +17195,7 @@
           <p:cNvPr id="73" name="Straight Arrow Connector 81">
             <a:extLst>
               <a:ext uri="{FF2B5EF4-FFF2-40B4-BE49-F238E27FC236}">
-                <a16:creationId xmlns:a16="http://schemas.microsoft.com/office/drawing/2014/main" id="{E14E0063-CC7C-9A5D-431F-153D11BFA6FF}"/>
+                <a16:creationId xmlns:a16="http://schemas.microsoft.com/office/drawing/2014/main" id="{2D541513-5865-B95B-E42D-6921F4405E57}"/>
               </a:ext>
             </a:extLst>
           </p:cNvPr>
@@ -15370,7 +17206,7 @@
         </p:nvCxnSpPr>
         <p:spPr>
           <a:xfrm>
-            <a:off x="763987" y="1419622"/>
+            <a:off x="763987" y="1821302"/>
             <a:ext cx="2917982" cy="0"/>
           </a:xfrm>
           <a:prstGeom prst="straightConnector1">
@@ -15399,10 +17235,170 @@
           </a:fontRef>
         </p:style>
       </p:cxnSp>
+      <p:cxnSp>
+        <p:nvCxnSpPr>
+          <p:cNvPr id="2" name="Straight Arrow Connector 81">
+            <a:extLst>
+              <a:ext uri="{FF2B5EF4-FFF2-40B4-BE49-F238E27FC236}">
+                <a16:creationId xmlns:a16="http://schemas.microsoft.com/office/drawing/2014/main" id="{CF62AE78-EBC6-4549-3F8D-FC35E1DB6D51}"/>
+              </a:ext>
+            </a:extLst>
+          </p:cNvPr>
+          <p:cNvCxnSpPr>
+            <a:cxnSpLocks/>
+          </p:cNvCxnSpPr>
+          <p:nvPr/>
+        </p:nvCxnSpPr>
+        <p:spPr>
+          <a:xfrm>
+            <a:off x="763988" y="1077765"/>
+            <a:ext cx="2917981" cy="0"/>
+          </a:xfrm>
+          <a:prstGeom prst="straightConnector1">
+            <a:avLst/>
+          </a:prstGeom>
+          <a:ln>
+            <a:solidFill>
+              <a:schemeClr val="tx1"/>
+            </a:solidFill>
+            <a:tailEnd type="triangle"/>
+          </a:ln>
+        </p:spPr>
+        <p:style>
+          <a:lnRef idx="1">
+            <a:schemeClr val="accent1"/>
+          </a:lnRef>
+          <a:fillRef idx="0">
+            <a:schemeClr val="accent1"/>
+          </a:fillRef>
+          <a:effectRef idx="0">
+            <a:schemeClr val="accent1"/>
+          </a:effectRef>
+          <a:fontRef idx="minor">
+            <a:schemeClr val="tx1"/>
+          </a:fontRef>
+        </p:style>
+      </p:cxnSp>
+      <p:sp>
+        <p:nvSpPr>
+          <p:cNvPr id="4" name="TextBox 3">
+            <a:extLst>
+              <a:ext uri="{FF2B5EF4-FFF2-40B4-BE49-F238E27FC236}">
+                <a16:creationId xmlns:a16="http://schemas.microsoft.com/office/drawing/2014/main" id="{4389FA8F-968A-1748-07D1-066D67AE25F7}"/>
+              </a:ext>
+            </a:extLst>
+          </p:cNvPr>
+          <p:cNvSpPr txBox="1"/>
+          <p:nvPr/>
+        </p:nvSpPr>
+        <p:spPr>
+          <a:xfrm>
+            <a:off x="763987" y="831544"/>
+            <a:ext cx="2795674" cy="246221"/>
+          </a:xfrm>
+          <a:prstGeom prst="rect">
+            <a:avLst/>
+          </a:prstGeom>
+          <a:noFill/>
+        </p:spPr>
+        <p:txBody>
+          <a:bodyPr wrap="square" rtlCol="0">
+            <a:spAutoFit/>
+          </a:bodyPr>
+          <a:lstStyle/>
+          <a:p>
+            <a:r>
+              <a:rPr kumimoji="1" lang="en-US" altLang="ko-KR" sz="1000" i="1"/>
+              <a:t>TCP SYN</a:t>
+            </a:r>
+            <a:endParaRPr kumimoji="1" lang="ko-KR" altLang="en-US" sz="1000" i="1"/>
+          </a:p>
+        </p:txBody>
+      </p:sp>
+      <p:cxnSp>
+        <p:nvCxnSpPr>
+          <p:cNvPr id="5" name="Straight Arrow Connector 81">
+            <a:extLst>
+              <a:ext uri="{FF2B5EF4-FFF2-40B4-BE49-F238E27FC236}">
+                <a16:creationId xmlns:a16="http://schemas.microsoft.com/office/drawing/2014/main" id="{A19CC473-0B2A-68C4-BE8A-A11D3249EDBF}"/>
+              </a:ext>
+            </a:extLst>
+          </p:cNvPr>
+          <p:cNvCxnSpPr>
+            <a:cxnSpLocks/>
+          </p:cNvCxnSpPr>
+          <p:nvPr/>
+        </p:nvCxnSpPr>
+        <p:spPr>
+          <a:xfrm>
+            <a:off x="763988" y="2169728"/>
+            <a:ext cx="2917981" cy="0"/>
+          </a:xfrm>
+          <a:prstGeom prst="straightConnector1">
+            <a:avLst/>
+          </a:prstGeom>
+          <a:ln>
+            <a:solidFill>
+              <a:schemeClr val="tx1"/>
+            </a:solidFill>
+            <a:tailEnd type="triangle"/>
+          </a:ln>
+        </p:spPr>
+        <p:style>
+          <a:lnRef idx="1">
+            <a:schemeClr val="accent1"/>
+          </a:lnRef>
+          <a:fillRef idx="0">
+            <a:schemeClr val="accent1"/>
+          </a:fillRef>
+          <a:effectRef idx="0">
+            <a:schemeClr val="accent1"/>
+          </a:effectRef>
+          <a:fontRef idx="minor">
+            <a:schemeClr val="tx1"/>
+          </a:fontRef>
+        </p:style>
+      </p:cxnSp>
+      <p:sp>
+        <p:nvSpPr>
+          <p:cNvPr id="8" name="TextBox 7">
+            <a:extLst>
+              <a:ext uri="{FF2B5EF4-FFF2-40B4-BE49-F238E27FC236}">
+                <a16:creationId xmlns:a16="http://schemas.microsoft.com/office/drawing/2014/main" id="{25445D30-8261-22D2-2F17-9A2919D1EB13}"/>
+              </a:ext>
+            </a:extLst>
+          </p:cNvPr>
+          <p:cNvSpPr txBox="1"/>
+          <p:nvPr/>
+        </p:nvSpPr>
+        <p:spPr>
+          <a:xfrm>
+            <a:off x="763987" y="1923507"/>
+            <a:ext cx="2795674" cy="246221"/>
+          </a:xfrm>
+          <a:prstGeom prst="rect">
+            <a:avLst/>
+          </a:prstGeom>
+          <a:noFill/>
+        </p:spPr>
+        <p:txBody>
+          <a:bodyPr wrap="square" rtlCol="0">
+            <a:spAutoFit/>
+          </a:bodyPr>
+          <a:lstStyle/>
+          <a:p>
+            <a:r>
+              <a:rPr kumimoji="1" lang="en-US" altLang="ko-KR" sz="1000" i="1"/>
+              <a:t>TCP FIN</a:t>
+            </a:r>
+            <a:endParaRPr kumimoji="1" lang="ko-KR" altLang="en-US" sz="1000" i="1"/>
+          </a:p>
+        </p:txBody>
+      </p:sp>
     </p:spTree>
     <p:extLst>
       <p:ext uri="{BB962C8B-B14F-4D97-AF65-F5344CB8AC3E}">
-        <p14:creationId xmlns:p14="http://schemas.microsoft.com/office/powerpoint/2010/main" val="920777236"/>
+        <p14:creationId xmlns:p14="http://schemas.microsoft.com/office/powerpoint/2010/main" val="1250851434"/>
       </p:ext>
     </p:extLst>
   </p:cSld>
@@ -15420,7 +17416,7 @@
         <p:cNvPr id="1" name="">
           <a:extLst>
             <a:ext uri="{FF2B5EF4-FFF2-40B4-BE49-F238E27FC236}">
-              <a16:creationId xmlns:a16="http://schemas.microsoft.com/office/drawing/2014/main" id="{A8899F6F-60A0-0902-4554-712F893C76D0}"/>
+              <a16:creationId xmlns:a16="http://schemas.microsoft.com/office/drawing/2014/main" id="{28E36641-3808-7FA2-63FF-FE1B711116C1}"/>
             </a:ext>
           </a:extLst>
         </p:cNvPr>
@@ -15440,7 +17436,7 @@
           <p:cNvPr id="3" name="사각형: 둥근 모서리 29">
             <a:extLst>
               <a:ext uri="{FF2B5EF4-FFF2-40B4-BE49-F238E27FC236}">
-                <a16:creationId xmlns:a16="http://schemas.microsoft.com/office/drawing/2014/main" id="{C6CFBC72-1AFB-7D56-11F3-6E71CF5E6521}"/>
+                <a16:creationId xmlns:a16="http://schemas.microsoft.com/office/drawing/2014/main" id="{4B28D3EE-AC41-F287-C602-F91E3286E435}"/>
               </a:ext>
             </a:extLst>
           </p:cNvPr>
@@ -15494,7 +17490,7 @@
           <p:cNvPr id="6" name="사각형: 둥근 모서리 29">
             <a:extLst>
               <a:ext uri="{FF2B5EF4-FFF2-40B4-BE49-F238E27FC236}">
-                <a16:creationId xmlns:a16="http://schemas.microsoft.com/office/drawing/2014/main" id="{AC007486-757C-0700-A091-88D2C3EAE9E4}"/>
+                <a16:creationId xmlns:a16="http://schemas.microsoft.com/office/drawing/2014/main" id="{BDEBE5B0-2B61-FA7C-17C6-04A2A54DE464}"/>
               </a:ext>
             </a:extLst>
           </p:cNvPr>
@@ -15551,7 +17547,7 @@
           <p:cNvPr id="7" name="사각형: 둥근 모서리 29">
             <a:extLst>
               <a:ext uri="{FF2B5EF4-FFF2-40B4-BE49-F238E27FC236}">
-                <a16:creationId xmlns:a16="http://schemas.microsoft.com/office/drawing/2014/main" id="{FCB1F295-BCDB-2FE3-6C58-BD39791AFD86}"/>
+                <a16:creationId xmlns:a16="http://schemas.microsoft.com/office/drawing/2014/main" id="{4CC0516A-DE84-4456-96BB-093352C279B0}"/>
               </a:ext>
             </a:extLst>
           </p:cNvPr>
@@ -15608,7 +17604,7 @@
           <p:cNvPr id="10" name="사각형: 둥근 모서리 29">
             <a:extLst>
               <a:ext uri="{FF2B5EF4-FFF2-40B4-BE49-F238E27FC236}">
-                <a16:creationId xmlns:a16="http://schemas.microsoft.com/office/drawing/2014/main" id="{948639FD-64E2-891A-5EFE-7F0FBA140B97}"/>
+                <a16:creationId xmlns:a16="http://schemas.microsoft.com/office/drawing/2014/main" id="{7A2DD65A-8DBD-686A-668C-256AE252E1D8}"/>
               </a:ext>
             </a:extLst>
           </p:cNvPr>
@@ -15662,7 +17658,7 @@
           <p:cNvPr id="11" name="사각형: 둥근 모서리 29">
             <a:extLst>
               <a:ext uri="{FF2B5EF4-FFF2-40B4-BE49-F238E27FC236}">
-                <a16:creationId xmlns:a16="http://schemas.microsoft.com/office/drawing/2014/main" id="{1C27AC59-C47B-B400-AFEA-F4CD1250E7E1}"/>
+                <a16:creationId xmlns:a16="http://schemas.microsoft.com/office/drawing/2014/main" id="{AB17CBEF-EB45-E298-947D-CF78760686BB}"/>
               </a:ext>
             </a:extLst>
           </p:cNvPr>
@@ -15719,7 +17715,7 @@
           <p:cNvPr id="12" name="사각형: 둥근 모서리 29">
             <a:extLst>
               <a:ext uri="{FF2B5EF4-FFF2-40B4-BE49-F238E27FC236}">
-                <a16:creationId xmlns:a16="http://schemas.microsoft.com/office/drawing/2014/main" id="{354FA8A4-5757-E004-7ABB-229B277871A0}"/>
+                <a16:creationId xmlns:a16="http://schemas.microsoft.com/office/drawing/2014/main" id="{972B2E46-19F1-0B2D-8BE4-EB13A8E6EA2D}"/>
               </a:ext>
             </a:extLst>
           </p:cNvPr>
@@ -15776,7 +17772,7 @@
           <p:cNvPr id="36" name="Straight Arrow Connector 81">
             <a:extLst>
               <a:ext uri="{FF2B5EF4-FFF2-40B4-BE49-F238E27FC236}">
-                <a16:creationId xmlns:a16="http://schemas.microsoft.com/office/drawing/2014/main" id="{E1619BE9-3307-661D-F174-612026841A6F}"/>
+                <a16:creationId xmlns:a16="http://schemas.microsoft.com/office/drawing/2014/main" id="{EC3ABCEC-ACC6-4DE9-0BC4-5C96CD08BF85}"/>
               </a:ext>
             </a:extLst>
           </p:cNvPr>
@@ -15822,7 +17818,7 @@
           <p:cNvPr id="37" name="Straight Arrow Connector 81">
             <a:extLst>
               <a:ext uri="{FF2B5EF4-FFF2-40B4-BE49-F238E27FC236}">
-                <a16:creationId xmlns:a16="http://schemas.microsoft.com/office/drawing/2014/main" id="{882D1B50-3669-9510-C399-667F24ACEC38}"/>
+                <a16:creationId xmlns:a16="http://schemas.microsoft.com/office/drawing/2014/main" id="{E0321CF3-29F4-8EDF-5E24-28F963B82082}"/>
               </a:ext>
             </a:extLst>
           </p:cNvPr>
@@ -15868,7 +17864,7 @@
           <p:cNvPr id="46" name="Straight Arrow Connector 81">
             <a:extLst>
               <a:ext uri="{FF2B5EF4-FFF2-40B4-BE49-F238E27FC236}">
-                <a16:creationId xmlns:a16="http://schemas.microsoft.com/office/drawing/2014/main" id="{741DC648-5A64-70E6-4014-F89366CD07D6}"/>
+                <a16:creationId xmlns:a16="http://schemas.microsoft.com/office/drawing/2014/main" id="{BB4BACD5-6239-1472-D81F-30537F4443E7}"/>
               </a:ext>
             </a:extLst>
           </p:cNvPr>
@@ -15914,7 +17910,7 @@
           <p:cNvPr id="47" name="Straight Arrow Connector 81">
             <a:extLst>
               <a:ext uri="{FF2B5EF4-FFF2-40B4-BE49-F238E27FC236}">
-                <a16:creationId xmlns:a16="http://schemas.microsoft.com/office/drawing/2014/main" id="{8BEB1A25-E259-F739-14DC-D30A08270AF6}"/>
+                <a16:creationId xmlns:a16="http://schemas.microsoft.com/office/drawing/2014/main" id="{4CDA1DCD-9552-1B2F-D3E8-357218DCA097}"/>
               </a:ext>
             </a:extLst>
           </p:cNvPr>
@@ -15960,7 +17956,7 @@
           <p:cNvPr id="52" name="Straight Arrow Connector 81">
             <a:extLst>
               <a:ext uri="{FF2B5EF4-FFF2-40B4-BE49-F238E27FC236}">
-                <a16:creationId xmlns:a16="http://schemas.microsoft.com/office/drawing/2014/main" id="{CC422BAA-CB18-44C0-D98A-5B4310F73D83}"/>
+                <a16:creationId xmlns:a16="http://schemas.microsoft.com/office/drawing/2014/main" id="{5AD25256-2BDB-9B70-9B8A-CAA6D8241BD7}"/>
               </a:ext>
             </a:extLst>
           </p:cNvPr>
@@ -15971,7 +17967,7 @@
         </p:nvCxnSpPr>
         <p:spPr>
           <a:xfrm>
-            <a:off x="763988" y="1030205"/>
+            <a:off x="763988" y="1431885"/>
             <a:ext cx="2917981" cy="0"/>
           </a:xfrm>
           <a:prstGeom prst="straightConnector1">
@@ -16004,7 +18000,7 @@
           <p:cNvPr id="53" name="TextBox 52">
             <a:extLst>
               <a:ext uri="{FF2B5EF4-FFF2-40B4-BE49-F238E27FC236}">
-                <a16:creationId xmlns:a16="http://schemas.microsoft.com/office/drawing/2014/main" id="{6D5413F7-A6B5-4EBC-C9CD-A27BBF1786F5}"/>
+                <a16:creationId xmlns:a16="http://schemas.microsoft.com/office/drawing/2014/main" id="{6BEE4913-03B1-EFB0-6CF7-B969234DB894}"/>
               </a:ext>
             </a:extLst>
           </p:cNvPr>
@@ -16013,7 +18009,7 @@
         </p:nvSpPr>
         <p:spPr>
           <a:xfrm>
-            <a:off x="763987" y="783984"/>
+            <a:off x="763987" y="1185664"/>
             <a:ext cx="2795674" cy="246221"/>
           </a:xfrm>
           <a:prstGeom prst="rect">
@@ -16033,7 +18029,89 @@
             </a:r>
             <a:r>
               <a:rPr lang="en" altLang="ko-KR" sz="1000" i="1"/>
-              <a:t>mock-server:8080/delay/5000</a:t>
+              <a:t>mock-server:8080/status/503</a:t>
+            </a:r>
+            <a:endParaRPr kumimoji="1" lang="ko-KR" altLang="en-US" sz="1000" i="1"/>
+          </a:p>
+        </p:txBody>
+      </p:sp>
+      <p:cxnSp>
+        <p:nvCxnSpPr>
+          <p:cNvPr id="54" name="Straight Arrow Connector 81">
+            <a:extLst>
+              <a:ext uri="{FF2B5EF4-FFF2-40B4-BE49-F238E27FC236}">
+                <a16:creationId xmlns:a16="http://schemas.microsoft.com/office/drawing/2014/main" id="{4A5FBD09-F440-8117-FC3E-D61C3016DF78}"/>
+              </a:ext>
+            </a:extLst>
+          </p:cNvPr>
+          <p:cNvCxnSpPr>
+            <a:cxnSpLocks/>
+          </p:cNvCxnSpPr>
+          <p:nvPr/>
+        </p:nvCxnSpPr>
+        <p:spPr>
+          <a:xfrm>
+            <a:off x="5462033" y="1677286"/>
+            <a:ext cx="2917977" cy="0"/>
+          </a:xfrm>
+          <a:prstGeom prst="straightConnector1">
+            <a:avLst/>
+          </a:prstGeom>
+          <a:ln>
+            <a:solidFill>
+              <a:schemeClr val="tx1"/>
+            </a:solidFill>
+            <a:headEnd type="triangle" w="med" len="med"/>
+            <a:tailEnd type="none" w="med" len="med"/>
+          </a:ln>
+        </p:spPr>
+        <p:style>
+          <a:lnRef idx="1">
+            <a:schemeClr val="accent1"/>
+          </a:lnRef>
+          <a:fillRef idx="0">
+            <a:schemeClr val="accent1"/>
+          </a:fillRef>
+          <a:effectRef idx="0">
+            <a:schemeClr val="accent1"/>
+          </a:effectRef>
+          <a:fontRef idx="minor">
+            <a:schemeClr val="tx1"/>
+          </a:fontRef>
+        </p:style>
+      </p:cxnSp>
+      <p:sp>
+        <p:nvSpPr>
+          <p:cNvPr id="55" name="TextBox 54">
+            <a:extLst>
+              <a:ext uri="{FF2B5EF4-FFF2-40B4-BE49-F238E27FC236}">
+                <a16:creationId xmlns:a16="http://schemas.microsoft.com/office/drawing/2014/main" id="{70623BB3-9B70-9219-490D-557B22AF28F0}"/>
+              </a:ext>
+            </a:extLst>
+          </p:cNvPr>
+          <p:cNvSpPr txBox="1"/>
+          <p:nvPr/>
+        </p:nvSpPr>
+        <p:spPr>
+          <a:xfrm>
+            <a:off x="5584334" y="1677286"/>
+            <a:ext cx="2795674" cy="246221"/>
+          </a:xfrm>
+          <a:prstGeom prst="rect">
+            <a:avLst/>
+          </a:prstGeom>
+          <a:noFill/>
+        </p:spPr>
+        <p:txBody>
+          <a:bodyPr wrap="square" rtlCol="0">
+            <a:spAutoFit/>
+          </a:bodyPr>
+          <a:lstStyle/>
+          <a:p>
+            <a:pPr algn="r"/>
+            <a:r>
+              <a:rPr kumimoji="1" lang="en-US" altLang="ko-KR" sz="1000" i="1"/>
+              <a:t>503 Service Unavailable</a:t>
             </a:r>
             <a:endParaRPr kumimoji="1" lang="ko-KR" altLang="en-US" sz="1000" i="1"/>
           </a:p>
@@ -16044,7 +18122,7 @@
           <p:cNvPr id="63" name="Straight Arrow Connector 81">
             <a:extLst>
               <a:ext uri="{FF2B5EF4-FFF2-40B4-BE49-F238E27FC236}">
-                <a16:creationId xmlns:a16="http://schemas.microsoft.com/office/drawing/2014/main" id="{986B41AB-7499-21DA-CF43-1625EB813E9F}"/>
+                <a16:creationId xmlns:a16="http://schemas.microsoft.com/office/drawing/2014/main" id="{BA06F6EA-B408-CFB6-25C7-BC33698635B7}"/>
               </a:ext>
             </a:extLst>
           </p:cNvPr>
@@ -16055,7 +18133,7 @@
         </p:nvCxnSpPr>
         <p:spPr>
           <a:xfrm>
-            <a:off x="3681969" y="1104000"/>
+            <a:off x="3681969" y="1505680"/>
             <a:ext cx="1780064" cy="0"/>
           </a:xfrm>
           <a:prstGeom prst="straightConnector1">
@@ -16088,7 +18166,7 @@
           <p:cNvPr id="64" name="Straight Arrow Connector 81">
             <a:extLst>
               <a:ext uri="{FF2B5EF4-FFF2-40B4-BE49-F238E27FC236}">
-                <a16:creationId xmlns:a16="http://schemas.microsoft.com/office/drawing/2014/main" id="{31925D51-87E5-B111-83C0-9F0DCEAE6D2E}"/>
+                <a16:creationId xmlns:a16="http://schemas.microsoft.com/office/drawing/2014/main" id="{C4A9AB0D-28A8-33D5-08BB-33DB3A318A19}"/>
               </a:ext>
             </a:extLst>
           </p:cNvPr>
@@ -16099,7 +18177,7 @@
         </p:nvCxnSpPr>
         <p:spPr>
           <a:xfrm>
-            <a:off x="5462033" y="1183891"/>
+            <a:off x="5462033" y="1585571"/>
             <a:ext cx="2917978" cy="0"/>
           </a:xfrm>
           <a:prstGeom prst="straightConnector1">
@@ -16129,10 +18207,10 @@
       </p:cxnSp>
       <p:cxnSp>
         <p:nvCxnSpPr>
-          <p:cNvPr id="2" name="Straight Arrow Connector 81">
-            <a:extLst>
-              <a:ext uri="{FF2B5EF4-FFF2-40B4-BE49-F238E27FC236}">
-                <a16:creationId xmlns:a16="http://schemas.microsoft.com/office/drawing/2014/main" id="{67EAD812-3ACA-9392-B744-6F66A604B011}"/>
+          <p:cNvPr id="70" name="Straight Arrow Connector 81">
+            <a:extLst>
+              <a:ext uri="{FF2B5EF4-FFF2-40B4-BE49-F238E27FC236}">
+                <a16:creationId xmlns:a16="http://schemas.microsoft.com/office/drawing/2014/main" id="{53F8E726-C186-6686-F195-10B3EF729555}"/>
               </a:ext>
             </a:extLst>
           </p:cNvPr>
@@ -16143,7 +18221,97 @@
         </p:nvCxnSpPr>
         <p:spPr>
           <a:xfrm>
-            <a:off x="763988" y="1403473"/>
+            <a:off x="3681977" y="1749294"/>
+            <a:ext cx="1780056" cy="0"/>
+          </a:xfrm>
+          <a:prstGeom prst="straightConnector1">
+            <a:avLst/>
+          </a:prstGeom>
+          <a:ln>
+            <a:solidFill>
+              <a:schemeClr val="tx1"/>
+            </a:solidFill>
+            <a:headEnd type="triangle" w="med" len="med"/>
+            <a:tailEnd type="none" w="med" len="med"/>
+          </a:ln>
+        </p:spPr>
+        <p:style>
+          <a:lnRef idx="1">
+            <a:schemeClr val="accent1"/>
+          </a:lnRef>
+          <a:fillRef idx="0">
+            <a:schemeClr val="accent1"/>
+          </a:fillRef>
+          <a:effectRef idx="0">
+            <a:schemeClr val="accent1"/>
+          </a:effectRef>
+          <a:fontRef idx="minor">
+            <a:schemeClr val="tx1"/>
+          </a:fontRef>
+        </p:style>
+      </p:cxnSp>
+      <p:cxnSp>
+        <p:nvCxnSpPr>
+          <p:cNvPr id="73" name="Straight Arrow Connector 81">
+            <a:extLst>
+              <a:ext uri="{FF2B5EF4-FFF2-40B4-BE49-F238E27FC236}">
+                <a16:creationId xmlns:a16="http://schemas.microsoft.com/office/drawing/2014/main" id="{FA43705E-F944-C487-57D5-67E44B532C04}"/>
+              </a:ext>
+            </a:extLst>
+          </p:cNvPr>
+          <p:cNvCxnSpPr>
+            <a:cxnSpLocks/>
+          </p:cNvCxnSpPr>
+          <p:nvPr/>
+        </p:nvCxnSpPr>
+        <p:spPr>
+          <a:xfrm>
+            <a:off x="763987" y="1821302"/>
+            <a:ext cx="2917982" cy="0"/>
+          </a:xfrm>
+          <a:prstGeom prst="straightConnector1">
+            <a:avLst/>
+          </a:prstGeom>
+          <a:ln>
+            <a:solidFill>
+              <a:schemeClr val="tx1"/>
+            </a:solidFill>
+            <a:headEnd type="triangle" w="med" len="med"/>
+            <a:tailEnd type="none" w="med" len="med"/>
+          </a:ln>
+        </p:spPr>
+        <p:style>
+          <a:lnRef idx="1">
+            <a:schemeClr val="accent1"/>
+          </a:lnRef>
+          <a:fillRef idx="0">
+            <a:schemeClr val="accent1"/>
+          </a:fillRef>
+          <a:effectRef idx="0">
+            <a:schemeClr val="accent1"/>
+          </a:effectRef>
+          <a:fontRef idx="minor">
+            <a:schemeClr val="tx1"/>
+          </a:fontRef>
+        </p:style>
+      </p:cxnSp>
+      <p:cxnSp>
+        <p:nvCxnSpPr>
+          <p:cNvPr id="2" name="Straight Arrow Connector 81">
+            <a:extLst>
+              <a:ext uri="{FF2B5EF4-FFF2-40B4-BE49-F238E27FC236}">
+                <a16:creationId xmlns:a16="http://schemas.microsoft.com/office/drawing/2014/main" id="{0BC113F7-B6AD-F382-E6AB-0CB1193B3B2D}"/>
+              </a:ext>
+            </a:extLst>
+          </p:cNvPr>
+          <p:cNvCxnSpPr>
+            <a:cxnSpLocks/>
+          </p:cNvCxnSpPr>
+          <p:nvPr/>
+        </p:nvCxnSpPr>
+        <p:spPr>
+          <a:xfrm>
+            <a:off x="763988" y="1077765"/>
             <a:ext cx="2917981" cy="0"/>
           </a:xfrm>
           <a:prstGeom prst="straightConnector1">
@@ -16171,12 +18339,48 @@
           </a:fontRef>
         </p:style>
       </p:cxnSp>
+      <p:sp>
+        <p:nvSpPr>
+          <p:cNvPr id="4" name="TextBox 3">
+            <a:extLst>
+              <a:ext uri="{FF2B5EF4-FFF2-40B4-BE49-F238E27FC236}">
+                <a16:creationId xmlns:a16="http://schemas.microsoft.com/office/drawing/2014/main" id="{CBB184DC-1E6E-80EB-C72C-CC21BF79F89F}"/>
+              </a:ext>
+            </a:extLst>
+          </p:cNvPr>
+          <p:cNvSpPr txBox="1"/>
+          <p:nvPr/>
+        </p:nvSpPr>
+        <p:spPr>
+          <a:xfrm>
+            <a:off x="763987" y="831544"/>
+            <a:ext cx="2795674" cy="246221"/>
+          </a:xfrm>
+          <a:prstGeom prst="rect">
+            <a:avLst/>
+          </a:prstGeom>
+          <a:noFill/>
+        </p:spPr>
+        <p:txBody>
+          <a:bodyPr wrap="square" rtlCol="0">
+            <a:spAutoFit/>
+          </a:bodyPr>
+          <a:lstStyle/>
+          <a:p>
+            <a:r>
+              <a:rPr kumimoji="1" lang="en-US" altLang="ko-KR" sz="1000" i="1"/>
+              <a:t>TCP SYN</a:t>
+            </a:r>
+            <a:endParaRPr kumimoji="1" lang="ko-KR" altLang="en-US" sz="1000" i="1"/>
+          </a:p>
+        </p:txBody>
+      </p:sp>
       <p:cxnSp>
         <p:nvCxnSpPr>
-          <p:cNvPr id="4" name="Straight Arrow Connector 81">
-            <a:extLst>
-              <a:ext uri="{FF2B5EF4-FFF2-40B4-BE49-F238E27FC236}">
-                <a16:creationId xmlns:a16="http://schemas.microsoft.com/office/drawing/2014/main" id="{AF473F71-6139-AFA9-E6C1-619128BA477E}"/>
+          <p:cNvPr id="5" name="Straight Arrow Connector 81">
+            <a:extLst>
+              <a:ext uri="{FF2B5EF4-FFF2-40B4-BE49-F238E27FC236}">
+                <a16:creationId xmlns:a16="http://schemas.microsoft.com/office/drawing/2014/main" id="{5B6418BE-7828-8329-29EF-9DFF29318C6A}"/>
               </a:ext>
             </a:extLst>
           </p:cNvPr>
@@ -16187,8 +18391,8 @@
         </p:nvCxnSpPr>
         <p:spPr>
           <a:xfrm>
-            <a:off x="3681969" y="1477268"/>
-            <a:ext cx="1780064" cy="0"/>
+            <a:off x="763988" y="2169728"/>
+            <a:ext cx="2917981" cy="0"/>
           </a:xfrm>
           <a:prstGeom prst="straightConnector1">
             <a:avLst/>
@@ -16215,56 +18419,12 @@
           </a:fontRef>
         </p:style>
       </p:cxnSp>
-      <p:cxnSp>
-        <p:nvCxnSpPr>
-          <p:cNvPr id="5" name="Straight Arrow Connector 81">
-            <a:extLst>
-              <a:ext uri="{FF2B5EF4-FFF2-40B4-BE49-F238E27FC236}">
-                <a16:creationId xmlns:a16="http://schemas.microsoft.com/office/drawing/2014/main" id="{1A974B1D-7971-BD5D-098A-70EF1190E2DC}"/>
-              </a:ext>
-            </a:extLst>
-          </p:cNvPr>
-          <p:cNvCxnSpPr>
-            <a:cxnSpLocks/>
-          </p:cNvCxnSpPr>
-          <p:nvPr/>
-        </p:nvCxnSpPr>
-        <p:spPr>
-          <a:xfrm>
-            <a:off x="5462033" y="1557159"/>
-            <a:ext cx="2917978" cy="0"/>
-          </a:xfrm>
-          <a:prstGeom prst="straightConnector1">
-            <a:avLst/>
-          </a:prstGeom>
-          <a:ln>
-            <a:solidFill>
-              <a:schemeClr val="tx1"/>
-            </a:solidFill>
-            <a:tailEnd type="triangle"/>
-          </a:ln>
-        </p:spPr>
-        <p:style>
-          <a:lnRef idx="1">
-            <a:schemeClr val="accent1"/>
-          </a:lnRef>
-          <a:fillRef idx="0">
-            <a:schemeClr val="accent1"/>
-          </a:fillRef>
-          <a:effectRef idx="0">
-            <a:schemeClr val="accent1"/>
-          </a:effectRef>
-          <a:fontRef idx="minor">
-            <a:schemeClr val="tx1"/>
-          </a:fontRef>
-        </p:style>
-      </p:cxnSp>
       <p:sp>
         <p:nvSpPr>
           <p:cNvPr id="8" name="TextBox 7">
             <a:extLst>
               <a:ext uri="{FF2B5EF4-FFF2-40B4-BE49-F238E27FC236}">
-                <a16:creationId xmlns:a16="http://schemas.microsoft.com/office/drawing/2014/main" id="{EE47E509-494E-BCC5-F999-C16C9915C78D}"/>
+                <a16:creationId xmlns:a16="http://schemas.microsoft.com/office/drawing/2014/main" id="{2E74979D-3591-1207-DEDB-A02CDBE2B6DD}"/>
               </a:ext>
             </a:extLst>
           </p:cNvPr>
@@ -16273,7 +18433,7 @@
         </p:nvSpPr>
         <p:spPr>
           <a:xfrm>
-            <a:off x="763987" y="1156072"/>
+            <a:off x="763987" y="1923507"/>
             <a:ext cx="2795674" cy="246221"/>
           </a:xfrm>
           <a:prstGeom prst="rect">
@@ -16289,7 +18449,7 @@
           <a:p>
             <a:r>
               <a:rPr kumimoji="1" lang="en-US" altLang="ko-KR" sz="1000" i="1"/>
-              <a:t>TCP RST</a:t>
+              <a:t>TCP FIN</a:t>
             </a:r>
             <a:endParaRPr kumimoji="1" lang="ko-KR" altLang="en-US" sz="1000" i="1"/>
           </a:p>
@@ -16298,7 +18458,7 @@
     </p:spTree>
     <p:extLst>
       <p:ext uri="{BB962C8B-B14F-4D97-AF65-F5344CB8AC3E}">
-        <p14:creationId xmlns:p14="http://schemas.microsoft.com/office/powerpoint/2010/main" val="3195877606"/>
+        <p14:creationId xmlns:p14="http://schemas.microsoft.com/office/powerpoint/2010/main" val="4037743290"/>
       </p:ext>
     </p:extLst>
   </p:cSld>
@@ -16309,6 +18469,1106 @@
 </file>
 
 <file path=ppt/slides/slide5.xml><?xml version="1.0" encoding="utf-8"?>
+<p:sld xmlns:a="http://schemas.openxmlformats.org/drawingml/2006/main" xmlns:r="http://schemas.openxmlformats.org/officeDocument/2006/relationships" xmlns:p="http://schemas.openxmlformats.org/presentationml/2006/main">
+  <p:cSld>
+    <p:spTree>
+      <p:nvGrpSpPr>
+        <p:cNvPr id="1" name="">
+          <a:extLst>
+            <a:ext uri="{FF2B5EF4-FFF2-40B4-BE49-F238E27FC236}">
+              <a16:creationId xmlns:a16="http://schemas.microsoft.com/office/drawing/2014/main" id="{C41B469A-990A-21D2-ADEE-7EFB4D4F4FB6}"/>
+            </a:ext>
+          </a:extLst>
+        </p:cNvPr>
+        <p:cNvGrpSpPr/>
+        <p:nvPr/>
+      </p:nvGrpSpPr>
+      <p:grpSpPr>
+        <a:xfrm>
+          <a:off x="0" y="0"/>
+          <a:ext cx="0" cy="0"/>
+          <a:chOff x="0" y="0"/>
+          <a:chExt cx="0" cy="0"/>
+        </a:xfrm>
+      </p:grpSpPr>
+      <p:sp>
+        <p:nvSpPr>
+          <p:cNvPr id="3" name="사각형: 둥근 모서리 29">
+            <a:extLst>
+              <a:ext uri="{FF2B5EF4-FFF2-40B4-BE49-F238E27FC236}">
+                <a16:creationId xmlns:a16="http://schemas.microsoft.com/office/drawing/2014/main" id="{E1421944-E955-0755-1748-5FB76F198AAD}"/>
+              </a:ext>
+            </a:extLst>
+          </p:cNvPr>
+          <p:cNvSpPr/>
+          <p:nvPr/>
+        </p:nvSpPr>
+        <p:spPr>
+          <a:xfrm>
+            <a:off x="179512" y="123478"/>
+            <a:ext cx="4032448" cy="600168"/>
+          </a:xfrm>
+          <a:prstGeom prst="roundRect">
+            <a:avLst>
+              <a:gd name="adj" fmla="val 10124"/>
+            </a:avLst>
+          </a:prstGeom>
+          <a:ln w="12700"/>
+        </p:spPr>
+        <p:style>
+          <a:lnRef idx="2">
+            <a:schemeClr val="dk1"/>
+          </a:lnRef>
+          <a:fillRef idx="1">
+            <a:schemeClr val="lt1"/>
+          </a:fillRef>
+          <a:effectRef idx="0">
+            <a:schemeClr val="dk1"/>
+          </a:effectRef>
+          <a:fontRef idx="minor">
+            <a:schemeClr val="dk1"/>
+          </a:fontRef>
+        </p:style>
+        <p:txBody>
+          <a:bodyPr rtlCol="0" anchor="t"/>
+          <a:lstStyle/>
+          <a:p>
+            <a:pPr algn="ctr"/>
+            <a:r>
+              <a:rPr lang="en-US" altLang="ko-KR" sz="1000" b="1"/>
+              <a:t>shell </a:t>
+            </a:r>
+            <a:r>
+              <a:rPr lang="en-US" altLang="ko-KR" sz="1000"/>
+              <a:t>Pod</a:t>
+            </a:r>
+          </a:p>
+        </p:txBody>
+      </p:sp>
+      <p:sp>
+        <p:nvSpPr>
+          <p:cNvPr id="6" name="사각형: 둥근 모서리 29">
+            <a:extLst>
+              <a:ext uri="{FF2B5EF4-FFF2-40B4-BE49-F238E27FC236}">
+                <a16:creationId xmlns:a16="http://schemas.microsoft.com/office/drawing/2014/main" id="{DB4CD3DB-7FCB-A4AE-8FEE-F4A0F6881712}"/>
+              </a:ext>
+            </a:extLst>
+          </p:cNvPr>
+          <p:cNvSpPr/>
+          <p:nvPr/>
+        </p:nvSpPr>
+        <p:spPr>
+          <a:xfrm>
+            <a:off x="3236328" y="195486"/>
+            <a:ext cx="891282" cy="439396"/>
+          </a:xfrm>
+          <a:prstGeom prst="roundRect">
+            <a:avLst>
+              <a:gd name="adj" fmla="val 14520"/>
+            </a:avLst>
+          </a:prstGeom>
+          <a:ln w="12700"/>
+        </p:spPr>
+        <p:style>
+          <a:lnRef idx="2">
+            <a:schemeClr val="dk1"/>
+          </a:lnRef>
+          <a:fillRef idx="1">
+            <a:schemeClr val="lt1"/>
+          </a:fillRef>
+          <a:effectRef idx="0">
+            <a:schemeClr val="dk1"/>
+          </a:effectRef>
+          <a:fontRef idx="minor">
+            <a:schemeClr val="dk1"/>
+          </a:fontRef>
+        </p:style>
+        <p:txBody>
+          <a:bodyPr rtlCol="0" anchor="ctr"/>
+          <a:lstStyle/>
+          <a:p>
+            <a:pPr algn="ctr"/>
+            <a:r>
+              <a:rPr lang="en-US" altLang="ko-KR" sz="1000" b="1"/>
+              <a:t>istio-proxy</a:t>
+            </a:r>
+          </a:p>
+          <a:p>
+            <a:pPr algn="ctr"/>
+            <a:r>
+              <a:rPr lang="en-US" altLang="ko-KR" sz="1000"/>
+              <a:t>Container</a:t>
+            </a:r>
+          </a:p>
+        </p:txBody>
+      </p:sp>
+      <p:sp>
+        <p:nvSpPr>
+          <p:cNvPr id="7" name="사각형: 둥근 모서리 29">
+            <a:extLst>
+              <a:ext uri="{FF2B5EF4-FFF2-40B4-BE49-F238E27FC236}">
+                <a16:creationId xmlns:a16="http://schemas.microsoft.com/office/drawing/2014/main" id="{7561BF94-A1F5-E83C-13D6-74738CE837FB}"/>
+              </a:ext>
+            </a:extLst>
+          </p:cNvPr>
+          <p:cNvSpPr/>
+          <p:nvPr/>
+        </p:nvSpPr>
+        <p:spPr>
+          <a:xfrm>
+            <a:off x="269263" y="195486"/>
+            <a:ext cx="989457" cy="439396"/>
+          </a:xfrm>
+          <a:prstGeom prst="roundRect">
+            <a:avLst>
+              <a:gd name="adj" fmla="val 14520"/>
+            </a:avLst>
+          </a:prstGeom>
+          <a:ln w="12700"/>
+        </p:spPr>
+        <p:style>
+          <a:lnRef idx="2">
+            <a:schemeClr val="dk1"/>
+          </a:lnRef>
+          <a:fillRef idx="1">
+            <a:schemeClr val="lt1"/>
+          </a:fillRef>
+          <a:effectRef idx="0">
+            <a:schemeClr val="dk1"/>
+          </a:effectRef>
+          <a:fontRef idx="minor">
+            <a:schemeClr val="dk1"/>
+          </a:fontRef>
+        </p:style>
+        <p:txBody>
+          <a:bodyPr rtlCol="0" anchor="ctr"/>
+          <a:lstStyle/>
+          <a:p>
+            <a:pPr algn="ctr"/>
+            <a:r>
+              <a:rPr lang="en-US" altLang="ko-KR" sz="1000" b="1"/>
+              <a:t>shell</a:t>
+            </a:r>
+          </a:p>
+          <a:p>
+            <a:pPr algn="ctr"/>
+            <a:r>
+              <a:rPr lang="en-US" altLang="ko-KR" sz="1000"/>
+              <a:t>Container</a:t>
+            </a:r>
+          </a:p>
+        </p:txBody>
+      </p:sp>
+      <p:sp>
+        <p:nvSpPr>
+          <p:cNvPr id="10" name="사각형: 둥근 모서리 29">
+            <a:extLst>
+              <a:ext uri="{FF2B5EF4-FFF2-40B4-BE49-F238E27FC236}">
+                <a16:creationId xmlns:a16="http://schemas.microsoft.com/office/drawing/2014/main" id="{F9927F52-7A87-8DCA-5153-6BA9F74C7E4C}"/>
+              </a:ext>
+            </a:extLst>
+          </p:cNvPr>
+          <p:cNvSpPr/>
+          <p:nvPr/>
+        </p:nvSpPr>
+        <p:spPr>
+          <a:xfrm>
+            <a:off x="4932042" y="123478"/>
+            <a:ext cx="4032446" cy="600168"/>
+          </a:xfrm>
+          <a:prstGeom prst="roundRect">
+            <a:avLst>
+              <a:gd name="adj" fmla="val 10124"/>
+            </a:avLst>
+          </a:prstGeom>
+          <a:ln w="12700"/>
+        </p:spPr>
+        <p:style>
+          <a:lnRef idx="2">
+            <a:schemeClr val="dk1"/>
+          </a:lnRef>
+          <a:fillRef idx="1">
+            <a:schemeClr val="lt1"/>
+          </a:fillRef>
+          <a:effectRef idx="0">
+            <a:schemeClr val="dk1"/>
+          </a:effectRef>
+          <a:fontRef idx="minor">
+            <a:schemeClr val="dk1"/>
+          </a:fontRef>
+        </p:style>
+        <p:txBody>
+          <a:bodyPr rtlCol="0" anchor="t"/>
+          <a:lstStyle/>
+          <a:p>
+            <a:pPr algn="ctr"/>
+            <a:r>
+              <a:rPr lang="en-US" altLang="ko-KR" sz="1000" b="1"/>
+              <a:t>mock-server </a:t>
+            </a:r>
+            <a:r>
+              <a:rPr lang="en-US" altLang="ko-KR" sz="1000"/>
+              <a:t>Pod</a:t>
+            </a:r>
+          </a:p>
+        </p:txBody>
+      </p:sp>
+      <p:sp>
+        <p:nvSpPr>
+          <p:cNvPr id="11" name="사각형: 둥근 모서리 29">
+            <a:extLst>
+              <a:ext uri="{FF2B5EF4-FFF2-40B4-BE49-F238E27FC236}">
+                <a16:creationId xmlns:a16="http://schemas.microsoft.com/office/drawing/2014/main" id="{30E9B784-70E9-A1B1-C519-5196AE0AC856}"/>
+              </a:ext>
+            </a:extLst>
+          </p:cNvPr>
+          <p:cNvSpPr/>
+          <p:nvPr/>
+        </p:nvSpPr>
+        <p:spPr>
+          <a:xfrm>
+            <a:off x="7885282" y="195486"/>
+            <a:ext cx="989457" cy="439396"/>
+          </a:xfrm>
+          <a:prstGeom prst="roundRect">
+            <a:avLst>
+              <a:gd name="adj" fmla="val 14520"/>
+            </a:avLst>
+          </a:prstGeom>
+          <a:ln w="12700"/>
+        </p:spPr>
+        <p:style>
+          <a:lnRef idx="2">
+            <a:schemeClr val="dk1"/>
+          </a:lnRef>
+          <a:fillRef idx="1">
+            <a:schemeClr val="lt1"/>
+          </a:fillRef>
+          <a:effectRef idx="0">
+            <a:schemeClr val="dk1"/>
+          </a:effectRef>
+          <a:fontRef idx="minor">
+            <a:schemeClr val="dk1"/>
+          </a:fontRef>
+        </p:style>
+        <p:txBody>
+          <a:bodyPr rtlCol="0" anchor="ctr"/>
+          <a:lstStyle/>
+          <a:p>
+            <a:pPr algn="ctr"/>
+            <a:r>
+              <a:rPr lang="en-US" altLang="ko-KR" sz="1000" b="1"/>
+              <a:t>mock-server</a:t>
+            </a:r>
+          </a:p>
+          <a:p>
+            <a:pPr algn="ctr"/>
+            <a:r>
+              <a:rPr lang="en-US" altLang="ko-KR" sz="1000"/>
+              <a:t>Container</a:t>
+            </a:r>
+          </a:p>
+        </p:txBody>
+      </p:sp>
+      <p:sp>
+        <p:nvSpPr>
+          <p:cNvPr id="12" name="사각형: 둥근 모서리 29">
+            <a:extLst>
+              <a:ext uri="{FF2B5EF4-FFF2-40B4-BE49-F238E27FC236}">
+                <a16:creationId xmlns:a16="http://schemas.microsoft.com/office/drawing/2014/main" id="{FBD11923-9BD8-B896-05E3-3F596B4F4492}"/>
+              </a:ext>
+            </a:extLst>
+          </p:cNvPr>
+          <p:cNvSpPr/>
+          <p:nvPr/>
+        </p:nvSpPr>
+        <p:spPr>
+          <a:xfrm>
+            <a:off x="5016392" y="195486"/>
+            <a:ext cx="891282" cy="439396"/>
+          </a:xfrm>
+          <a:prstGeom prst="roundRect">
+            <a:avLst>
+              <a:gd name="adj" fmla="val 14520"/>
+            </a:avLst>
+          </a:prstGeom>
+          <a:ln w="12700"/>
+        </p:spPr>
+        <p:style>
+          <a:lnRef idx="2">
+            <a:schemeClr val="dk1"/>
+          </a:lnRef>
+          <a:fillRef idx="1">
+            <a:schemeClr val="lt1"/>
+          </a:fillRef>
+          <a:effectRef idx="0">
+            <a:schemeClr val="dk1"/>
+          </a:effectRef>
+          <a:fontRef idx="minor">
+            <a:schemeClr val="dk1"/>
+          </a:fontRef>
+        </p:style>
+        <p:txBody>
+          <a:bodyPr rtlCol="0" anchor="ctr"/>
+          <a:lstStyle/>
+          <a:p>
+            <a:pPr algn="ctr"/>
+            <a:r>
+              <a:rPr lang="en-US" altLang="ko-KR" sz="1000" b="1"/>
+              <a:t>istio-proxy</a:t>
+            </a:r>
+          </a:p>
+          <a:p>
+            <a:pPr algn="ctr"/>
+            <a:r>
+              <a:rPr lang="en-US" altLang="ko-KR" sz="1000"/>
+              <a:t>Container</a:t>
+            </a:r>
+          </a:p>
+        </p:txBody>
+      </p:sp>
+      <p:cxnSp>
+        <p:nvCxnSpPr>
+          <p:cNvPr id="36" name="Straight Arrow Connector 81">
+            <a:extLst>
+              <a:ext uri="{FF2B5EF4-FFF2-40B4-BE49-F238E27FC236}">
+                <a16:creationId xmlns:a16="http://schemas.microsoft.com/office/drawing/2014/main" id="{C86ED5DC-4053-B611-0E7B-9BC1D84D8EE0}"/>
+              </a:ext>
+            </a:extLst>
+          </p:cNvPr>
+          <p:cNvCxnSpPr>
+            <a:cxnSpLocks/>
+            <a:stCxn id="6" idx="2"/>
+          </p:cNvCxnSpPr>
+          <p:nvPr/>
+        </p:nvCxnSpPr>
+        <p:spPr>
+          <a:xfrm>
+            <a:off x="3681969" y="634882"/>
+            <a:ext cx="0" cy="4313132"/>
+          </a:xfrm>
+          <a:prstGeom prst="straightConnector1">
+            <a:avLst/>
+          </a:prstGeom>
+          <a:ln>
+            <a:solidFill>
+              <a:schemeClr val="tx1"/>
+            </a:solidFill>
+            <a:prstDash val="dash"/>
+            <a:tailEnd type="triangle"/>
+          </a:ln>
+        </p:spPr>
+        <p:style>
+          <a:lnRef idx="1">
+            <a:schemeClr val="accent1"/>
+          </a:lnRef>
+          <a:fillRef idx="0">
+            <a:schemeClr val="accent1"/>
+          </a:fillRef>
+          <a:effectRef idx="0">
+            <a:schemeClr val="accent1"/>
+          </a:effectRef>
+          <a:fontRef idx="minor">
+            <a:schemeClr val="tx1"/>
+          </a:fontRef>
+        </p:style>
+      </p:cxnSp>
+      <p:cxnSp>
+        <p:nvCxnSpPr>
+          <p:cNvPr id="37" name="Straight Arrow Connector 81">
+            <a:extLst>
+              <a:ext uri="{FF2B5EF4-FFF2-40B4-BE49-F238E27FC236}">
+                <a16:creationId xmlns:a16="http://schemas.microsoft.com/office/drawing/2014/main" id="{92D1552C-6218-EE8E-31E8-6EEFB5D7B3AB}"/>
+              </a:ext>
+            </a:extLst>
+          </p:cNvPr>
+          <p:cNvCxnSpPr>
+            <a:cxnSpLocks/>
+            <a:stCxn id="7" idx="2"/>
+          </p:cNvCxnSpPr>
+          <p:nvPr/>
+        </p:nvCxnSpPr>
+        <p:spPr>
+          <a:xfrm>
+            <a:off x="763992" y="634882"/>
+            <a:ext cx="0" cy="4313132"/>
+          </a:xfrm>
+          <a:prstGeom prst="straightConnector1">
+            <a:avLst/>
+          </a:prstGeom>
+          <a:ln>
+            <a:solidFill>
+              <a:schemeClr val="tx1"/>
+            </a:solidFill>
+            <a:prstDash val="dash"/>
+            <a:tailEnd type="triangle"/>
+          </a:ln>
+        </p:spPr>
+        <p:style>
+          <a:lnRef idx="1">
+            <a:schemeClr val="accent1"/>
+          </a:lnRef>
+          <a:fillRef idx="0">
+            <a:schemeClr val="accent1"/>
+          </a:fillRef>
+          <a:effectRef idx="0">
+            <a:schemeClr val="accent1"/>
+          </a:effectRef>
+          <a:fontRef idx="minor">
+            <a:schemeClr val="tx1"/>
+          </a:fontRef>
+        </p:style>
+      </p:cxnSp>
+      <p:cxnSp>
+        <p:nvCxnSpPr>
+          <p:cNvPr id="46" name="Straight Arrow Connector 81">
+            <a:extLst>
+              <a:ext uri="{FF2B5EF4-FFF2-40B4-BE49-F238E27FC236}">
+                <a16:creationId xmlns:a16="http://schemas.microsoft.com/office/drawing/2014/main" id="{5F038430-9C38-47B3-4E67-3D5453DA97D4}"/>
+              </a:ext>
+            </a:extLst>
+          </p:cNvPr>
+          <p:cNvCxnSpPr>
+            <a:cxnSpLocks/>
+            <a:stCxn id="11" idx="2"/>
+          </p:cNvCxnSpPr>
+          <p:nvPr/>
+        </p:nvCxnSpPr>
+        <p:spPr>
+          <a:xfrm>
+            <a:off x="8380011" y="634882"/>
+            <a:ext cx="0" cy="4385140"/>
+          </a:xfrm>
+          <a:prstGeom prst="straightConnector1">
+            <a:avLst/>
+          </a:prstGeom>
+          <a:ln>
+            <a:solidFill>
+              <a:schemeClr val="tx1"/>
+            </a:solidFill>
+            <a:prstDash val="dash"/>
+            <a:tailEnd type="triangle"/>
+          </a:ln>
+        </p:spPr>
+        <p:style>
+          <a:lnRef idx="1">
+            <a:schemeClr val="accent1"/>
+          </a:lnRef>
+          <a:fillRef idx="0">
+            <a:schemeClr val="accent1"/>
+          </a:fillRef>
+          <a:effectRef idx="0">
+            <a:schemeClr val="accent1"/>
+          </a:effectRef>
+          <a:fontRef idx="minor">
+            <a:schemeClr val="tx1"/>
+          </a:fontRef>
+        </p:style>
+      </p:cxnSp>
+      <p:cxnSp>
+        <p:nvCxnSpPr>
+          <p:cNvPr id="47" name="Straight Arrow Connector 81">
+            <a:extLst>
+              <a:ext uri="{FF2B5EF4-FFF2-40B4-BE49-F238E27FC236}">
+                <a16:creationId xmlns:a16="http://schemas.microsoft.com/office/drawing/2014/main" id="{6E90069F-FBFF-B08A-7649-60A2B1ECB504}"/>
+              </a:ext>
+            </a:extLst>
+          </p:cNvPr>
+          <p:cNvCxnSpPr>
+            <a:cxnSpLocks/>
+            <a:stCxn id="12" idx="2"/>
+          </p:cNvCxnSpPr>
+          <p:nvPr/>
+        </p:nvCxnSpPr>
+        <p:spPr>
+          <a:xfrm>
+            <a:off x="5462033" y="634882"/>
+            <a:ext cx="0" cy="4313132"/>
+          </a:xfrm>
+          <a:prstGeom prst="straightConnector1">
+            <a:avLst/>
+          </a:prstGeom>
+          <a:ln>
+            <a:solidFill>
+              <a:schemeClr val="tx1"/>
+            </a:solidFill>
+            <a:prstDash val="dash"/>
+            <a:tailEnd type="triangle"/>
+          </a:ln>
+        </p:spPr>
+        <p:style>
+          <a:lnRef idx="1">
+            <a:schemeClr val="accent1"/>
+          </a:lnRef>
+          <a:fillRef idx="0">
+            <a:schemeClr val="accent1"/>
+          </a:fillRef>
+          <a:effectRef idx="0">
+            <a:schemeClr val="accent1"/>
+          </a:effectRef>
+          <a:fontRef idx="minor">
+            <a:schemeClr val="tx1"/>
+          </a:fontRef>
+        </p:style>
+      </p:cxnSp>
+      <p:cxnSp>
+        <p:nvCxnSpPr>
+          <p:cNvPr id="52" name="Straight Arrow Connector 81">
+            <a:extLst>
+              <a:ext uri="{FF2B5EF4-FFF2-40B4-BE49-F238E27FC236}">
+                <a16:creationId xmlns:a16="http://schemas.microsoft.com/office/drawing/2014/main" id="{36C99D28-3159-2273-9AA3-FE9E1FB919B7}"/>
+              </a:ext>
+            </a:extLst>
+          </p:cNvPr>
+          <p:cNvCxnSpPr>
+            <a:cxnSpLocks/>
+          </p:cNvCxnSpPr>
+          <p:nvPr/>
+        </p:nvCxnSpPr>
+        <p:spPr>
+          <a:xfrm>
+            <a:off x="763988" y="1431885"/>
+            <a:ext cx="2917981" cy="0"/>
+          </a:xfrm>
+          <a:prstGeom prst="straightConnector1">
+            <a:avLst/>
+          </a:prstGeom>
+          <a:ln>
+            <a:solidFill>
+              <a:schemeClr val="tx1"/>
+            </a:solidFill>
+            <a:tailEnd type="triangle"/>
+          </a:ln>
+        </p:spPr>
+        <p:style>
+          <a:lnRef idx="1">
+            <a:schemeClr val="accent1"/>
+          </a:lnRef>
+          <a:fillRef idx="0">
+            <a:schemeClr val="accent1"/>
+          </a:fillRef>
+          <a:effectRef idx="0">
+            <a:schemeClr val="accent1"/>
+          </a:effectRef>
+          <a:fontRef idx="minor">
+            <a:schemeClr val="tx1"/>
+          </a:fontRef>
+        </p:style>
+      </p:cxnSp>
+      <p:sp>
+        <p:nvSpPr>
+          <p:cNvPr id="53" name="TextBox 52">
+            <a:extLst>
+              <a:ext uri="{FF2B5EF4-FFF2-40B4-BE49-F238E27FC236}">
+                <a16:creationId xmlns:a16="http://schemas.microsoft.com/office/drawing/2014/main" id="{600E884D-5157-2B3A-3AB5-7B69F1D380F6}"/>
+              </a:ext>
+            </a:extLst>
+          </p:cNvPr>
+          <p:cNvSpPr txBox="1"/>
+          <p:nvPr/>
+        </p:nvSpPr>
+        <p:spPr>
+          <a:xfrm>
+            <a:off x="763987" y="1185664"/>
+            <a:ext cx="2795674" cy="246221"/>
+          </a:xfrm>
+          <a:prstGeom prst="rect">
+            <a:avLst/>
+          </a:prstGeom>
+          <a:noFill/>
+        </p:spPr>
+        <p:txBody>
+          <a:bodyPr wrap="square" rtlCol="0">
+            <a:spAutoFit/>
+          </a:bodyPr>
+          <a:lstStyle/>
+          <a:p>
+            <a:r>
+              <a:rPr kumimoji="1" lang="en-US" altLang="ko-KR" sz="1000" i="1"/>
+              <a:t>GET </a:t>
+            </a:r>
+            <a:r>
+              <a:rPr lang="en" altLang="ko-KR" sz="1000" i="1"/>
+              <a:t>mock-server:8080/delay/5000</a:t>
+            </a:r>
+            <a:endParaRPr kumimoji="1" lang="ko-KR" altLang="en-US" sz="1000" i="1"/>
+          </a:p>
+        </p:txBody>
+      </p:sp>
+      <p:cxnSp>
+        <p:nvCxnSpPr>
+          <p:cNvPr id="63" name="Straight Arrow Connector 81">
+            <a:extLst>
+              <a:ext uri="{FF2B5EF4-FFF2-40B4-BE49-F238E27FC236}">
+                <a16:creationId xmlns:a16="http://schemas.microsoft.com/office/drawing/2014/main" id="{AAEE8836-3AD8-8CF3-89CB-C84AE356063F}"/>
+              </a:ext>
+            </a:extLst>
+          </p:cNvPr>
+          <p:cNvCxnSpPr>
+            <a:cxnSpLocks/>
+          </p:cNvCxnSpPr>
+          <p:nvPr/>
+        </p:nvCxnSpPr>
+        <p:spPr>
+          <a:xfrm>
+            <a:off x="3681969" y="1505680"/>
+            <a:ext cx="1780064" cy="0"/>
+          </a:xfrm>
+          <a:prstGeom prst="straightConnector1">
+            <a:avLst/>
+          </a:prstGeom>
+          <a:ln>
+            <a:solidFill>
+              <a:schemeClr val="tx1"/>
+            </a:solidFill>
+            <a:tailEnd type="triangle"/>
+          </a:ln>
+        </p:spPr>
+        <p:style>
+          <a:lnRef idx="1">
+            <a:schemeClr val="accent1"/>
+          </a:lnRef>
+          <a:fillRef idx="0">
+            <a:schemeClr val="accent1"/>
+          </a:fillRef>
+          <a:effectRef idx="0">
+            <a:schemeClr val="accent1"/>
+          </a:effectRef>
+          <a:fontRef idx="minor">
+            <a:schemeClr val="tx1"/>
+          </a:fontRef>
+        </p:style>
+      </p:cxnSp>
+      <p:cxnSp>
+        <p:nvCxnSpPr>
+          <p:cNvPr id="64" name="Straight Arrow Connector 81">
+            <a:extLst>
+              <a:ext uri="{FF2B5EF4-FFF2-40B4-BE49-F238E27FC236}">
+                <a16:creationId xmlns:a16="http://schemas.microsoft.com/office/drawing/2014/main" id="{CC560726-5BB4-D246-67B6-C242B5063337}"/>
+              </a:ext>
+            </a:extLst>
+          </p:cNvPr>
+          <p:cNvCxnSpPr>
+            <a:cxnSpLocks/>
+          </p:cNvCxnSpPr>
+          <p:nvPr/>
+        </p:nvCxnSpPr>
+        <p:spPr>
+          <a:xfrm>
+            <a:off x="5462033" y="1585571"/>
+            <a:ext cx="2917978" cy="0"/>
+          </a:xfrm>
+          <a:prstGeom prst="straightConnector1">
+            <a:avLst/>
+          </a:prstGeom>
+          <a:ln>
+            <a:solidFill>
+              <a:schemeClr val="tx1"/>
+            </a:solidFill>
+            <a:tailEnd type="triangle"/>
+          </a:ln>
+        </p:spPr>
+        <p:style>
+          <a:lnRef idx="1">
+            <a:schemeClr val="accent1"/>
+          </a:lnRef>
+          <a:fillRef idx="0">
+            <a:schemeClr val="accent1"/>
+          </a:fillRef>
+          <a:effectRef idx="0">
+            <a:schemeClr val="accent1"/>
+          </a:effectRef>
+          <a:fontRef idx="minor">
+            <a:schemeClr val="tx1"/>
+          </a:fontRef>
+        </p:style>
+      </p:cxnSp>
+      <p:cxnSp>
+        <p:nvCxnSpPr>
+          <p:cNvPr id="2" name="Straight Arrow Connector 81">
+            <a:extLst>
+              <a:ext uri="{FF2B5EF4-FFF2-40B4-BE49-F238E27FC236}">
+                <a16:creationId xmlns:a16="http://schemas.microsoft.com/office/drawing/2014/main" id="{6F0536F2-1CCC-99F0-8EAB-1DAB48C2E9A6}"/>
+              </a:ext>
+            </a:extLst>
+          </p:cNvPr>
+          <p:cNvCxnSpPr>
+            <a:cxnSpLocks/>
+          </p:cNvCxnSpPr>
+          <p:nvPr/>
+        </p:nvCxnSpPr>
+        <p:spPr>
+          <a:xfrm>
+            <a:off x="763988" y="1077765"/>
+            <a:ext cx="2917981" cy="0"/>
+          </a:xfrm>
+          <a:prstGeom prst="straightConnector1">
+            <a:avLst/>
+          </a:prstGeom>
+          <a:ln>
+            <a:solidFill>
+              <a:schemeClr val="tx1"/>
+            </a:solidFill>
+            <a:tailEnd type="triangle"/>
+          </a:ln>
+        </p:spPr>
+        <p:style>
+          <a:lnRef idx="1">
+            <a:schemeClr val="accent1"/>
+          </a:lnRef>
+          <a:fillRef idx="0">
+            <a:schemeClr val="accent1"/>
+          </a:fillRef>
+          <a:effectRef idx="0">
+            <a:schemeClr val="accent1"/>
+          </a:effectRef>
+          <a:fontRef idx="minor">
+            <a:schemeClr val="tx1"/>
+          </a:fontRef>
+        </p:style>
+      </p:cxnSp>
+      <p:sp>
+        <p:nvSpPr>
+          <p:cNvPr id="4" name="TextBox 3">
+            <a:extLst>
+              <a:ext uri="{FF2B5EF4-FFF2-40B4-BE49-F238E27FC236}">
+                <a16:creationId xmlns:a16="http://schemas.microsoft.com/office/drawing/2014/main" id="{562B0559-6095-1175-84AF-0108EA34C51F}"/>
+              </a:ext>
+            </a:extLst>
+          </p:cNvPr>
+          <p:cNvSpPr txBox="1"/>
+          <p:nvPr/>
+        </p:nvSpPr>
+        <p:spPr>
+          <a:xfrm>
+            <a:off x="763987" y="831544"/>
+            <a:ext cx="2795674" cy="246221"/>
+          </a:xfrm>
+          <a:prstGeom prst="rect">
+            <a:avLst/>
+          </a:prstGeom>
+          <a:noFill/>
+        </p:spPr>
+        <p:txBody>
+          <a:bodyPr wrap="square" rtlCol="0">
+            <a:spAutoFit/>
+          </a:bodyPr>
+          <a:lstStyle/>
+          <a:p>
+            <a:r>
+              <a:rPr kumimoji="1" lang="en-US" altLang="ko-KR" sz="1000" i="1"/>
+              <a:t>TCP SYN</a:t>
+            </a:r>
+            <a:endParaRPr kumimoji="1" lang="ko-KR" altLang="en-US" sz="1000" i="1"/>
+          </a:p>
+        </p:txBody>
+      </p:sp>
+      <p:sp>
+        <p:nvSpPr>
+          <p:cNvPr id="8" name="TextBox 7">
+            <a:extLst>
+              <a:ext uri="{FF2B5EF4-FFF2-40B4-BE49-F238E27FC236}">
+                <a16:creationId xmlns:a16="http://schemas.microsoft.com/office/drawing/2014/main" id="{043B993C-DFEB-CF48-7C99-B103252E6117}"/>
+              </a:ext>
+            </a:extLst>
+          </p:cNvPr>
+          <p:cNvSpPr txBox="1"/>
+          <p:nvPr/>
+        </p:nvSpPr>
+        <p:spPr>
+          <a:xfrm>
+            <a:off x="763987" y="1539783"/>
+            <a:ext cx="2795674" cy="246221"/>
+          </a:xfrm>
+          <a:prstGeom prst="rect">
+            <a:avLst/>
+          </a:prstGeom>
+          <a:noFill/>
+        </p:spPr>
+        <p:txBody>
+          <a:bodyPr wrap="square" rtlCol="0">
+            <a:spAutoFit/>
+          </a:bodyPr>
+          <a:lstStyle/>
+          <a:p>
+            <a:r>
+              <a:rPr kumimoji="1" lang="en-US" altLang="ko-KR" sz="1000" i="1"/>
+              <a:t>TCP FIN</a:t>
+            </a:r>
+            <a:endParaRPr kumimoji="1" lang="ko-KR" altLang="en-US" sz="1000" i="1"/>
+          </a:p>
+        </p:txBody>
+      </p:sp>
+      <p:cxnSp>
+        <p:nvCxnSpPr>
+          <p:cNvPr id="15" name="Straight Arrow Connector 81">
+            <a:extLst>
+              <a:ext uri="{FF2B5EF4-FFF2-40B4-BE49-F238E27FC236}">
+                <a16:creationId xmlns:a16="http://schemas.microsoft.com/office/drawing/2014/main" id="{E290B414-2077-03F0-12CA-8E701FA5ECDC}"/>
+              </a:ext>
+            </a:extLst>
+          </p:cNvPr>
+          <p:cNvCxnSpPr>
+            <a:cxnSpLocks/>
+          </p:cNvCxnSpPr>
+          <p:nvPr/>
+        </p:nvCxnSpPr>
+        <p:spPr>
+          <a:xfrm>
+            <a:off x="763988" y="1786012"/>
+            <a:ext cx="2917981" cy="0"/>
+          </a:xfrm>
+          <a:prstGeom prst="straightConnector1">
+            <a:avLst/>
+          </a:prstGeom>
+          <a:ln>
+            <a:solidFill>
+              <a:schemeClr val="tx1"/>
+            </a:solidFill>
+            <a:tailEnd type="triangle"/>
+          </a:ln>
+        </p:spPr>
+        <p:style>
+          <a:lnRef idx="1">
+            <a:schemeClr val="accent1"/>
+          </a:lnRef>
+          <a:fillRef idx="0">
+            <a:schemeClr val="accent1"/>
+          </a:fillRef>
+          <a:effectRef idx="0">
+            <a:schemeClr val="accent1"/>
+          </a:effectRef>
+          <a:fontRef idx="minor">
+            <a:schemeClr val="tx1"/>
+          </a:fontRef>
+        </p:style>
+      </p:cxnSp>
+      <p:cxnSp>
+        <p:nvCxnSpPr>
+          <p:cNvPr id="16" name="Straight Arrow Connector 81">
+            <a:extLst>
+              <a:ext uri="{FF2B5EF4-FFF2-40B4-BE49-F238E27FC236}">
+                <a16:creationId xmlns:a16="http://schemas.microsoft.com/office/drawing/2014/main" id="{AB65D176-B0AE-7ED7-0CA3-3CBF43CCC7C1}"/>
+              </a:ext>
+            </a:extLst>
+          </p:cNvPr>
+          <p:cNvCxnSpPr>
+            <a:cxnSpLocks/>
+          </p:cNvCxnSpPr>
+          <p:nvPr/>
+        </p:nvCxnSpPr>
+        <p:spPr>
+          <a:xfrm>
+            <a:off x="3681969" y="1859807"/>
+            <a:ext cx="1780064" cy="0"/>
+          </a:xfrm>
+          <a:prstGeom prst="straightConnector1">
+            <a:avLst/>
+          </a:prstGeom>
+          <a:ln>
+            <a:solidFill>
+              <a:schemeClr val="tx1"/>
+            </a:solidFill>
+            <a:tailEnd type="triangle"/>
+          </a:ln>
+        </p:spPr>
+        <p:style>
+          <a:lnRef idx="1">
+            <a:schemeClr val="accent1"/>
+          </a:lnRef>
+          <a:fillRef idx="0">
+            <a:schemeClr val="accent1"/>
+          </a:fillRef>
+          <a:effectRef idx="0">
+            <a:schemeClr val="accent1"/>
+          </a:effectRef>
+          <a:fontRef idx="minor">
+            <a:schemeClr val="tx1"/>
+          </a:fontRef>
+        </p:style>
+      </p:cxnSp>
+      <p:cxnSp>
+        <p:nvCxnSpPr>
+          <p:cNvPr id="17" name="Straight Arrow Connector 81">
+            <a:extLst>
+              <a:ext uri="{FF2B5EF4-FFF2-40B4-BE49-F238E27FC236}">
+                <a16:creationId xmlns:a16="http://schemas.microsoft.com/office/drawing/2014/main" id="{871F3401-4DB6-E1A3-4058-EAA7205BDF31}"/>
+              </a:ext>
+            </a:extLst>
+          </p:cNvPr>
+          <p:cNvCxnSpPr>
+            <a:cxnSpLocks/>
+          </p:cNvCxnSpPr>
+          <p:nvPr/>
+        </p:nvCxnSpPr>
+        <p:spPr>
+          <a:xfrm>
+            <a:off x="5462033" y="1939698"/>
+            <a:ext cx="2917978" cy="0"/>
+          </a:xfrm>
+          <a:prstGeom prst="straightConnector1">
+            <a:avLst/>
+          </a:prstGeom>
+          <a:ln>
+            <a:solidFill>
+              <a:schemeClr val="tx1"/>
+            </a:solidFill>
+            <a:tailEnd type="triangle"/>
+          </a:ln>
+        </p:spPr>
+        <p:style>
+          <a:lnRef idx="1">
+            <a:schemeClr val="accent1"/>
+          </a:lnRef>
+          <a:fillRef idx="0">
+            <a:schemeClr val="accent1"/>
+          </a:fillRef>
+          <a:effectRef idx="0">
+            <a:schemeClr val="accent1"/>
+          </a:effectRef>
+          <a:fontRef idx="minor">
+            <a:schemeClr val="tx1"/>
+          </a:fontRef>
+        </p:style>
+      </p:cxnSp>
+      <p:cxnSp>
+        <p:nvCxnSpPr>
+          <p:cNvPr id="21" name="Straight Arrow Connector 81">
+            <a:extLst>
+              <a:ext uri="{FF2B5EF4-FFF2-40B4-BE49-F238E27FC236}">
+                <a16:creationId xmlns:a16="http://schemas.microsoft.com/office/drawing/2014/main" id="{FA29EF37-AAC7-89FE-B8F8-AD8AF9E014B1}"/>
+              </a:ext>
+            </a:extLst>
+          </p:cNvPr>
+          <p:cNvCxnSpPr>
+            <a:cxnSpLocks/>
+          </p:cNvCxnSpPr>
+          <p:nvPr/>
+        </p:nvCxnSpPr>
+        <p:spPr>
+          <a:xfrm>
+            <a:off x="3681969" y="2203827"/>
+            <a:ext cx="1780064" cy="0"/>
+          </a:xfrm>
+          <a:prstGeom prst="straightConnector1">
+            <a:avLst/>
+          </a:prstGeom>
+          <a:ln>
+            <a:solidFill>
+              <a:schemeClr val="tx1"/>
+            </a:solidFill>
+            <a:tailEnd type="triangle"/>
+          </a:ln>
+        </p:spPr>
+        <p:style>
+          <a:lnRef idx="1">
+            <a:schemeClr val="accent1"/>
+          </a:lnRef>
+          <a:fillRef idx="0">
+            <a:schemeClr val="accent1"/>
+          </a:fillRef>
+          <a:effectRef idx="0">
+            <a:schemeClr val="accent1"/>
+          </a:effectRef>
+          <a:fontRef idx="minor">
+            <a:schemeClr val="tx1"/>
+          </a:fontRef>
+        </p:style>
+      </p:cxnSp>
+      <p:cxnSp>
+        <p:nvCxnSpPr>
+          <p:cNvPr id="22" name="Straight Arrow Connector 81">
+            <a:extLst>
+              <a:ext uri="{FF2B5EF4-FFF2-40B4-BE49-F238E27FC236}">
+                <a16:creationId xmlns:a16="http://schemas.microsoft.com/office/drawing/2014/main" id="{ED037383-3E51-EC01-0D7A-629AB96B321C}"/>
+              </a:ext>
+            </a:extLst>
+          </p:cNvPr>
+          <p:cNvCxnSpPr>
+            <a:cxnSpLocks/>
+          </p:cNvCxnSpPr>
+          <p:nvPr/>
+        </p:nvCxnSpPr>
+        <p:spPr>
+          <a:xfrm>
+            <a:off x="5462033" y="2283718"/>
+            <a:ext cx="2917978" cy="0"/>
+          </a:xfrm>
+          <a:prstGeom prst="straightConnector1">
+            <a:avLst/>
+          </a:prstGeom>
+          <a:ln>
+            <a:solidFill>
+              <a:schemeClr val="tx1"/>
+            </a:solidFill>
+            <a:tailEnd type="triangle"/>
+          </a:ln>
+        </p:spPr>
+        <p:style>
+          <a:lnRef idx="1">
+            <a:schemeClr val="accent1"/>
+          </a:lnRef>
+          <a:fillRef idx="0">
+            <a:schemeClr val="accent1"/>
+          </a:fillRef>
+          <a:effectRef idx="0">
+            <a:schemeClr val="accent1"/>
+          </a:effectRef>
+          <a:fontRef idx="minor">
+            <a:schemeClr val="tx1"/>
+          </a:fontRef>
+        </p:style>
+      </p:cxnSp>
+      <p:sp>
+        <p:nvSpPr>
+          <p:cNvPr id="23" name="TextBox 22">
+            <a:extLst>
+              <a:ext uri="{FF2B5EF4-FFF2-40B4-BE49-F238E27FC236}">
+                <a16:creationId xmlns:a16="http://schemas.microsoft.com/office/drawing/2014/main" id="{75E4A917-B6DF-88E1-E549-591A47BED4B4}"/>
+              </a:ext>
+            </a:extLst>
+          </p:cNvPr>
+          <p:cNvSpPr txBox="1"/>
+          <p:nvPr/>
+        </p:nvSpPr>
+        <p:spPr>
+          <a:xfrm>
+            <a:off x="3681968" y="1953540"/>
+            <a:ext cx="2795674" cy="246221"/>
+          </a:xfrm>
+          <a:prstGeom prst="rect">
+            <a:avLst/>
+          </a:prstGeom>
+          <a:noFill/>
+        </p:spPr>
+        <p:txBody>
+          <a:bodyPr wrap="square" rtlCol="0">
+            <a:spAutoFit/>
+          </a:bodyPr>
+          <a:lstStyle/>
+          <a:p>
+            <a:r>
+              <a:rPr kumimoji="1" lang="en-US" altLang="ko-KR" sz="1000" i="1"/>
+              <a:t>TCP RST</a:t>
+            </a:r>
+            <a:endParaRPr kumimoji="1" lang="ko-KR" altLang="en-US" sz="1000" i="1"/>
+          </a:p>
+        </p:txBody>
+      </p:sp>
+    </p:spTree>
+    <p:extLst>
+      <p:ext uri="{BB962C8B-B14F-4D97-AF65-F5344CB8AC3E}">
+        <p14:creationId xmlns:p14="http://schemas.microsoft.com/office/powerpoint/2010/main" val="3085625181"/>
+      </p:ext>
+    </p:extLst>
+  </p:cSld>
+  <p:clrMapOvr>
+    <a:masterClrMapping/>
+  </p:clrMapOvr>
+</p:sld>
+</file>
+
+<file path=ppt/slides/slide6.xml><?xml version="1.0" encoding="utf-8"?>
 <p:sld xmlns:a="http://schemas.openxmlformats.org/drawingml/2006/main" xmlns:r="http://schemas.openxmlformats.org/officeDocument/2006/relationships" xmlns:p="http://schemas.openxmlformats.org/presentationml/2006/main">
   <p:cSld>
     <p:spTree>
@@ -16867,7 +20127,7 @@
         </p:nvCxnSpPr>
         <p:spPr>
           <a:xfrm>
-            <a:off x="763988" y="1030205"/>
+            <a:off x="763988" y="1431884"/>
             <a:ext cx="2917981" cy="0"/>
           </a:xfrm>
           <a:prstGeom prst="straightConnector1">
@@ -16909,7 +20169,7 @@
         </p:nvSpPr>
         <p:spPr>
           <a:xfrm>
-            <a:off x="763986" y="783984"/>
+            <a:off x="763986" y="1185663"/>
             <a:ext cx="3159933" cy="246221"/>
           </a:xfrm>
           <a:prstGeom prst="rect">
@@ -16951,7 +20211,7 @@
         </p:nvCxnSpPr>
         <p:spPr>
           <a:xfrm>
-            <a:off x="5462033" y="1604597"/>
+            <a:off x="5462033" y="2006276"/>
             <a:ext cx="2917977" cy="0"/>
           </a:xfrm>
           <a:prstGeom prst="straightConnector1">
@@ -16994,7 +20254,7 @@
         </p:nvSpPr>
         <p:spPr>
           <a:xfrm>
-            <a:off x="2666358" y="1676605"/>
+            <a:off x="2666358" y="2037944"/>
             <a:ext cx="2795674" cy="246221"/>
           </a:xfrm>
           <a:prstGeom prst="rect">
@@ -17033,7 +20293,7 @@
         </p:nvCxnSpPr>
         <p:spPr>
           <a:xfrm>
-            <a:off x="3681969" y="1104000"/>
+            <a:off x="3681969" y="1505679"/>
             <a:ext cx="1780064" cy="0"/>
           </a:xfrm>
           <a:prstGeom prst="straightConnector1">
@@ -17077,7 +20337,7 @@
         </p:nvCxnSpPr>
         <p:spPr>
           <a:xfrm>
-            <a:off x="5462033" y="1183891"/>
+            <a:off x="5462033" y="1585570"/>
             <a:ext cx="2917978" cy="0"/>
           </a:xfrm>
           <a:prstGeom prst="straightConnector1">
@@ -17121,7 +20381,7 @@
         </p:nvCxnSpPr>
         <p:spPr>
           <a:xfrm>
-            <a:off x="3681977" y="1676605"/>
+            <a:off x="3681977" y="2078284"/>
             <a:ext cx="1780056" cy="0"/>
           </a:xfrm>
           <a:prstGeom prst="straightConnector1">
@@ -17166,7 +20426,7 @@
         </p:nvCxnSpPr>
         <p:spPr>
           <a:xfrm>
-            <a:off x="763987" y="1748613"/>
+            <a:off x="763987" y="2150292"/>
             <a:ext cx="2917982" cy="0"/>
           </a:xfrm>
           <a:prstGeom prst="straightConnector1">
@@ -17209,7 +20469,7 @@
         </p:nvSpPr>
         <p:spPr>
           <a:xfrm>
-            <a:off x="8241825" y="1183890"/>
+            <a:off x="8241825" y="1585569"/>
             <a:ext cx="276365" cy="423019"/>
           </a:xfrm>
           <a:prstGeom prst="arc">
@@ -17263,7 +20523,7 @@
         </p:nvSpPr>
         <p:spPr>
           <a:xfrm>
-            <a:off x="8410775" y="1272288"/>
+            <a:off x="8410775" y="1680027"/>
             <a:ext cx="689798" cy="246221"/>
           </a:xfrm>
           <a:prstGeom prst="rect">
@@ -17300,7 +20560,7 @@
         </p:nvSpPr>
         <p:spPr>
           <a:xfrm>
-            <a:off x="5584333" y="1602286"/>
+            <a:off x="5584333" y="2003965"/>
             <a:ext cx="2795674" cy="246221"/>
           </a:xfrm>
           <a:prstGeom prst="rect">
@@ -17323,6 +20583,166 @@
           </a:p>
         </p:txBody>
       </p:sp>
+      <p:cxnSp>
+        <p:nvCxnSpPr>
+          <p:cNvPr id="8" name="Straight Arrow Connector 81">
+            <a:extLst>
+              <a:ext uri="{FF2B5EF4-FFF2-40B4-BE49-F238E27FC236}">
+                <a16:creationId xmlns:a16="http://schemas.microsoft.com/office/drawing/2014/main" id="{2AFD9B98-D008-F61C-AA42-57C9239BD751}"/>
+              </a:ext>
+            </a:extLst>
+          </p:cNvPr>
+          <p:cNvCxnSpPr>
+            <a:cxnSpLocks/>
+          </p:cNvCxnSpPr>
+          <p:nvPr/>
+        </p:nvCxnSpPr>
+        <p:spPr>
+          <a:xfrm>
+            <a:off x="763988" y="1077765"/>
+            <a:ext cx="2917981" cy="0"/>
+          </a:xfrm>
+          <a:prstGeom prst="straightConnector1">
+            <a:avLst/>
+          </a:prstGeom>
+          <a:ln>
+            <a:solidFill>
+              <a:schemeClr val="tx1"/>
+            </a:solidFill>
+            <a:tailEnd type="triangle"/>
+          </a:ln>
+        </p:spPr>
+        <p:style>
+          <a:lnRef idx="1">
+            <a:schemeClr val="accent1"/>
+          </a:lnRef>
+          <a:fillRef idx="0">
+            <a:schemeClr val="accent1"/>
+          </a:fillRef>
+          <a:effectRef idx="0">
+            <a:schemeClr val="accent1"/>
+          </a:effectRef>
+          <a:fontRef idx="minor">
+            <a:schemeClr val="tx1"/>
+          </a:fontRef>
+        </p:style>
+      </p:cxnSp>
+      <p:sp>
+        <p:nvSpPr>
+          <p:cNvPr id="9" name="TextBox 8">
+            <a:extLst>
+              <a:ext uri="{FF2B5EF4-FFF2-40B4-BE49-F238E27FC236}">
+                <a16:creationId xmlns:a16="http://schemas.microsoft.com/office/drawing/2014/main" id="{90DA25AE-2056-0077-7D91-EF1B4E4066C1}"/>
+              </a:ext>
+            </a:extLst>
+          </p:cNvPr>
+          <p:cNvSpPr txBox="1"/>
+          <p:nvPr/>
+        </p:nvSpPr>
+        <p:spPr>
+          <a:xfrm>
+            <a:off x="763987" y="831544"/>
+            <a:ext cx="2795674" cy="246221"/>
+          </a:xfrm>
+          <a:prstGeom prst="rect">
+            <a:avLst/>
+          </a:prstGeom>
+          <a:noFill/>
+        </p:spPr>
+        <p:txBody>
+          <a:bodyPr wrap="square" rtlCol="0">
+            <a:spAutoFit/>
+          </a:bodyPr>
+          <a:lstStyle/>
+          <a:p>
+            <a:r>
+              <a:rPr kumimoji="1" lang="en-US" altLang="ko-KR" sz="1000" i="1"/>
+              <a:t>TCP SYN</a:t>
+            </a:r>
+            <a:endParaRPr kumimoji="1" lang="ko-KR" altLang="en-US" sz="1000" i="1"/>
+          </a:p>
+        </p:txBody>
+      </p:sp>
+      <p:sp>
+        <p:nvSpPr>
+          <p:cNvPr id="13" name="TextBox 12">
+            <a:extLst>
+              <a:ext uri="{FF2B5EF4-FFF2-40B4-BE49-F238E27FC236}">
+                <a16:creationId xmlns:a16="http://schemas.microsoft.com/office/drawing/2014/main" id="{2F6D593B-D3F0-75EC-67FA-145BE00972A7}"/>
+              </a:ext>
+            </a:extLst>
+          </p:cNvPr>
+          <p:cNvSpPr txBox="1"/>
+          <p:nvPr/>
+        </p:nvSpPr>
+        <p:spPr>
+          <a:xfrm>
+            <a:off x="763987" y="2252415"/>
+            <a:ext cx="2795674" cy="246221"/>
+          </a:xfrm>
+          <a:prstGeom prst="rect">
+            <a:avLst/>
+          </a:prstGeom>
+          <a:noFill/>
+        </p:spPr>
+        <p:txBody>
+          <a:bodyPr wrap="square" rtlCol="0">
+            <a:spAutoFit/>
+          </a:bodyPr>
+          <a:lstStyle/>
+          <a:p>
+            <a:r>
+              <a:rPr kumimoji="1" lang="en-US" altLang="ko-KR" sz="1000" i="1"/>
+              <a:t>TCP FIN</a:t>
+            </a:r>
+            <a:endParaRPr kumimoji="1" lang="ko-KR" altLang="en-US" sz="1000" i="1"/>
+          </a:p>
+        </p:txBody>
+      </p:sp>
+      <p:cxnSp>
+        <p:nvCxnSpPr>
+          <p:cNvPr id="14" name="Straight Arrow Connector 81">
+            <a:extLst>
+              <a:ext uri="{FF2B5EF4-FFF2-40B4-BE49-F238E27FC236}">
+                <a16:creationId xmlns:a16="http://schemas.microsoft.com/office/drawing/2014/main" id="{F930E445-E6F7-8D17-121B-603C085D548F}"/>
+              </a:ext>
+            </a:extLst>
+          </p:cNvPr>
+          <p:cNvCxnSpPr>
+            <a:cxnSpLocks/>
+          </p:cNvCxnSpPr>
+          <p:nvPr/>
+        </p:nvCxnSpPr>
+        <p:spPr>
+          <a:xfrm>
+            <a:off x="763988" y="2498644"/>
+            <a:ext cx="2917981" cy="0"/>
+          </a:xfrm>
+          <a:prstGeom prst="straightConnector1">
+            <a:avLst/>
+          </a:prstGeom>
+          <a:ln>
+            <a:solidFill>
+              <a:schemeClr val="tx1"/>
+            </a:solidFill>
+            <a:tailEnd type="triangle"/>
+          </a:ln>
+        </p:spPr>
+        <p:style>
+          <a:lnRef idx="1">
+            <a:schemeClr val="accent1"/>
+          </a:lnRef>
+          <a:fillRef idx="0">
+            <a:schemeClr val="accent1"/>
+          </a:fillRef>
+          <a:effectRef idx="0">
+            <a:schemeClr val="accent1"/>
+          </a:effectRef>
+          <a:fontRef idx="minor">
+            <a:schemeClr val="tx1"/>
+          </a:fontRef>
+        </p:style>
+      </p:cxnSp>
     </p:spTree>
     <p:extLst>
       <p:ext uri="{BB962C8B-B14F-4D97-AF65-F5344CB8AC3E}">
@@ -17336,7 +20756,7 @@
 </p:sld>
 </file>
 
-<file path=ppt/slides/slide6.xml><?xml version="1.0" encoding="utf-8"?>
+<file path=ppt/slides/slide7.xml><?xml version="1.0" encoding="utf-8"?>
 <p:sld xmlns:a="http://schemas.openxmlformats.org/drawingml/2006/main" xmlns:r="http://schemas.openxmlformats.org/officeDocument/2006/relationships" xmlns:p="http://schemas.openxmlformats.org/presentationml/2006/main">
   <p:cSld>
     <p:spTree>
@@ -17895,7 +21315,7 @@
         </p:nvCxnSpPr>
         <p:spPr>
           <a:xfrm>
-            <a:off x="763988" y="1030205"/>
+            <a:off x="763988" y="1431263"/>
             <a:ext cx="2917981" cy="0"/>
           </a:xfrm>
           <a:prstGeom prst="straightConnector1">
@@ -17937,7 +21357,7 @@
         </p:nvSpPr>
         <p:spPr>
           <a:xfrm>
-            <a:off x="763986" y="783984"/>
+            <a:off x="763986" y="1185042"/>
             <a:ext cx="3159933" cy="246221"/>
           </a:xfrm>
           <a:prstGeom prst="rect">
@@ -17965,10 +21385,10 @@
       </p:sp>
       <p:cxnSp>
         <p:nvCxnSpPr>
-          <p:cNvPr id="54" name="Straight Arrow Connector 81">
-            <a:extLst>
-              <a:ext uri="{FF2B5EF4-FFF2-40B4-BE49-F238E27FC236}">
-                <a16:creationId xmlns:a16="http://schemas.microsoft.com/office/drawing/2014/main" id="{5D36FA40-80BA-11B9-BA57-A65A79F08E05}"/>
+          <p:cNvPr id="63" name="Straight Arrow Connector 81">
+            <a:extLst>
+              <a:ext uri="{FF2B5EF4-FFF2-40B4-BE49-F238E27FC236}">
+                <a16:creationId xmlns:a16="http://schemas.microsoft.com/office/drawing/2014/main" id="{CDC247C2-C413-D8A7-8631-AC28179AC884}"/>
               </a:ext>
             </a:extLst>
           </p:cNvPr>
@@ -17979,8 +21399,96 @@
         </p:nvCxnSpPr>
         <p:spPr>
           <a:xfrm>
-            <a:off x="5462033" y="1952858"/>
-            <a:ext cx="2917977" cy="0"/>
+            <a:off x="3681969" y="1505058"/>
+            <a:ext cx="1780064" cy="0"/>
+          </a:xfrm>
+          <a:prstGeom prst="straightConnector1">
+            <a:avLst/>
+          </a:prstGeom>
+          <a:ln>
+            <a:solidFill>
+              <a:schemeClr val="tx1"/>
+            </a:solidFill>
+            <a:tailEnd type="triangle"/>
+          </a:ln>
+        </p:spPr>
+        <p:style>
+          <a:lnRef idx="1">
+            <a:schemeClr val="accent1"/>
+          </a:lnRef>
+          <a:fillRef idx="0">
+            <a:schemeClr val="accent1"/>
+          </a:fillRef>
+          <a:effectRef idx="0">
+            <a:schemeClr val="accent1"/>
+          </a:effectRef>
+          <a:fontRef idx="minor">
+            <a:schemeClr val="tx1"/>
+          </a:fontRef>
+        </p:style>
+      </p:cxnSp>
+      <p:cxnSp>
+        <p:nvCxnSpPr>
+          <p:cNvPr id="64" name="Straight Arrow Connector 81">
+            <a:extLst>
+              <a:ext uri="{FF2B5EF4-FFF2-40B4-BE49-F238E27FC236}">
+                <a16:creationId xmlns:a16="http://schemas.microsoft.com/office/drawing/2014/main" id="{006CC072-6B0F-300F-33A0-D14071DADA2E}"/>
+              </a:ext>
+            </a:extLst>
+          </p:cNvPr>
+          <p:cNvCxnSpPr>
+            <a:cxnSpLocks/>
+          </p:cNvCxnSpPr>
+          <p:nvPr/>
+        </p:nvCxnSpPr>
+        <p:spPr>
+          <a:xfrm>
+            <a:off x="5462033" y="1584949"/>
+            <a:ext cx="2917978" cy="0"/>
+          </a:xfrm>
+          <a:prstGeom prst="straightConnector1">
+            <a:avLst/>
+          </a:prstGeom>
+          <a:ln>
+            <a:solidFill>
+              <a:schemeClr val="tx1"/>
+            </a:solidFill>
+            <a:tailEnd type="triangle"/>
+          </a:ln>
+        </p:spPr>
+        <p:style>
+          <a:lnRef idx="1">
+            <a:schemeClr val="accent1"/>
+          </a:lnRef>
+          <a:fillRef idx="0">
+            <a:schemeClr val="accent1"/>
+          </a:fillRef>
+          <a:effectRef idx="0">
+            <a:schemeClr val="accent1"/>
+          </a:effectRef>
+          <a:fontRef idx="minor">
+            <a:schemeClr val="tx1"/>
+          </a:fontRef>
+        </p:style>
+      </p:cxnSp>
+      <p:cxnSp>
+        <p:nvCxnSpPr>
+          <p:cNvPr id="70" name="Straight Arrow Connector 81">
+            <a:extLst>
+              <a:ext uri="{FF2B5EF4-FFF2-40B4-BE49-F238E27FC236}">
+                <a16:creationId xmlns:a16="http://schemas.microsoft.com/office/drawing/2014/main" id="{8A01F1A2-DBDF-339E-09AA-5E1AA2967FED}"/>
+              </a:ext>
+            </a:extLst>
+          </p:cNvPr>
+          <p:cNvCxnSpPr>
+            <a:cxnSpLocks/>
+          </p:cNvCxnSpPr>
+          <p:nvPr/>
+        </p:nvCxnSpPr>
+        <p:spPr>
+          <a:xfrm>
+            <a:off x="3681977" y="2425924"/>
+            <a:ext cx="1780056" cy="0"/>
           </a:xfrm>
           <a:prstGeom prst="straightConnector1">
             <a:avLst/>
@@ -18010,10 +21518,10 @@
       </p:cxnSp>
       <p:cxnSp>
         <p:nvCxnSpPr>
-          <p:cNvPr id="63" name="Straight Arrow Connector 81">
-            <a:extLst>
-              <a:ext uri="{FF2B5EF4-FFF2-40B4-BE49-F238E27FC236}">
-                <a16:creationId xmlns:a16="http://schemas.microsoft.com/office/drawing/2014/main" id="{CDC247C2-C413-D8A7-8631-AC28179AC884}"/>
+          <p:cNvPr id="73" name="Straight Arrow Connector 81">
+            <a:extLst>
+              <a:ext uri="{FF2B5EF4-FFF2-40B4-BE49-F238E27FC236}">
+                <a16:creationId xmlns:a16="http://schemas.microsoft.com/office/drawing/2014/main" id="{A1F85A67-17B7-A383-AB73-D5261130B6F6}"/>
               </a:ext>
             </a:extLst>
           </p:cNvPr>
@@ -18024,96 +21532,8 @@
         </p:nvCxnSpPr>
         <p:spPr>
           <a:xfrm>
-            <a:off x="3681969" y="1104000"/>
-            <a:ext cx="1780064" cy="0"/>
-          </a:xfrm>
-          <a:prstGeom prst="straightConnector1">
-            <a:avLst/>
-          </a:prstGeom>
-          <a:ln>
-            <a:solidFill>
-              <a:schemeClr val="tx1"/>
-            </a:solidFill>
-            <a:tailEnd type="triangle"/>
-          </a:ln>
-        </p:spPr>
-        <p:style>
-          <a:lnRef idx="1">
-            <a:schemeClr val="accent1"/>
-          </a:lnRef>
-          <a:fillRef idx="0">
-            <a:schemeClr val="accent1"/>
-          </a:fillRef>
-          <a:effectRef idx="0">
-            <a:schemeClr val="accent1"/>
-          </a:effectRef>
-          <a:fontRef idx="minor">
-            <a:schemeClr val="tx1"/>
-          </a:fontRef>
-        </p:style>
-      </p:cxnSp>
-      <p:cxnSp>
-        <p:nvCxnSpPr>
-          <p:cNvPr id="64" name="Straight Arrow Connector 81">
-            <a:extLst>
-              <a:ext uri="{FF2B5EF4-FFF2-40B4-BE49-F238E27FC236}">
-                <a16:creationId xmlns:a16="http://schemas.microsoft.com/office/drawing/2014/main" id="{006CC072-6B0F-300F-33A0-D14071DADA2E}"/>
-              </a:ext>
-            </a:extLst>
-          </p:cNvPr>
-          <p:cNvCxnSpPr>
-            <a:cxnSpLocks/>
-          </p:cNvCxnSpPr>
-          <p:nvPr/>
-        </p:nvCxnSpPr>
-        <p:spPr>
-          <a:xfrm>
-            <a:off x="5462033" y="1183891"/>
-            <a:ext cx="2917978" cy="0"/>
-          </a:xfrm>
-          <a:prstGeom prst="straightConnector1">
-            <a:avLst/>
-          </a:prstGeom>
-          <a:ln>
-            <a:solidFill>
-              <a:schemeClr val="tx1"/>
-            </a:solidFill>
-            <a:tailEnd type="triangle"/>
-          </a:ln>
-        </p:spPr>
-        <p:style>
-          <a:lnRef idx="1">
-            <a:schemeClr val="accent1"/>
-          </a:lnRef>
-          <a:fillRef idx="0">
-            <a:schemeClr val="accent1"/>
-          </a:fillRef>
-          <a:effectRef idx="0">
-            <a:schemeClr val="accent1"/>
-          </a:effectRef>
-          <a:fontRef idx="minor">
-            <a:schemeClr val="tx1"/>
-          </a:fontRef>
-        </p:style>
-      </p:cxnSp>
-      <p:cxnSp>
-        <p:nvCxnSpPr>
-          <p:cNvPr id="70" name="Straight Arrow Connector 81">
-            <a:extLst>
-              <a:ext uri="{FF2B5EF4-FFF2-40B4-BE49-F238E27FC236}">
-                <a16:creationId xmlns:a16="http://schemas.microsoft.com/office/drawing/2014/main" id="{8A01F1A2-DBDF-339E-09AA-5E1AA2967FED}"/>
-              </a:ext>
-            </a:extLst>
-          </p:cNvPr>
-          <p:cNvCxnSpPr>
-            <a:cxnSpLocks/>
-          </p:cNvCxnSpPr>
-          <p:nvPr/>
-        </p:nvCxnSpPr>
-        <p:spPr>
-          <a:xfrm>
-            <a:off x="3681977" y="2024866"/>
-            <a:ext cx="1780056" cy="0"/>
+            <a:off x="763987" y="2497932"/>
+            <a:ext cx="2917982" cy="0"/>
           </a:xfrm>
           <a:prstGeom prst="straightConnector1">
             <a:avLst/>
@@ -18141,12 +21561,140 @@
           </a:fontRef>
         </p:style>
       </p:cxnSp>
+      <p:sp>
+        <p:nvSpPr>
+          <p:cNvPr id="2" name="호 1">
+            <a:extLst>
+              <a:ext uri="{FF2B5EF4-FFF2-40B4-BE49-F238E27FC236}">
+                <a16:creationId xmlns:a16="http://schemas.microsoft.com/office/drawing/2014/main" id="{02D563A1-4A24-4696-907F-FC3419BC0C2F}"/>
+              </a:ext>
+            </a:extLst>
+          </p:cNvPr>
+          <p:cNvSpPr/>
+          <p:nvPr/>
+        </p:nvSpPr>
+        <p:spPr>
+          <a:xfrm>
+            <a:off x="8241825" y="1584948"/>
+            <a:ext cx="276365" cy="423019"/>
+          </a:xfrm>
+          <a:prstGeom prst="arc">
+            <a:avLst>
+              <a:gd name="adj1" fmla="val 16200000"/>
+              <a:gd name="adj2" fmla="val 5389298"/>
+            </a:avLst>
+          </a:prstGeom>
+          <a:ln>
+            <a:solidFill>
+              <a:schemeClr val="tx1"/>
+            </a:solidFill>
+            <a:headEnd type="none" w="med" len="med"/>
+            <a:tailEnd type="triangle" w="med" len="med"/>
+          </a:ln>
+        </p:spPr>
+        <p:style>
+          <a:lnRef idx="1">
+            <a:schemeClr val="accent1"/>
+          </a:lnRef>
+          <a:fillRef idx="0">
+            <a:schemeClr val="accent1"/>
+          </a:fillRef>
+          <a:effectRef idx="0">
+            <a:schemeClr val="accent1"/>
+          </a:effectRef>
+          <a:fontRef idx="minor">
+            <a:schemeClr val="tx1"/>
+          </a:fontRef>
+        </p:style>
+        <p:txBody>
+          <a:bodyPr rtlCol="0" anchor="ctr"/>
+          <a:lstStyle/>
+          <a:p>
+            <a:pPr algn="ctr"/>
+            <a:endParaRPr kumimoji="1" lang="ko-KR" altLang="en-US"/>
+          </a:p>
+        </p:txBody>
+      </p:sp>
+      <p:sp>
+        <p:nvSpPr>
+          <p:cNvPr id="4" name="TextBox 3">
+            <a:extLst>
+              <a:ext uri="{FF2B5EF4-FFF2-40B4-BE49-F238E27FC236}">
+                <a16:creationId xmlns:a16="http://schemas.microsoft.com/office/drawing/2014/main" id="{8DA0058D-7E61-0610-225C-E6FD3ACB2842}"/>
+              </a:ext>
+            </a:extLst>
+          </p:cNvPr>
+          <p:cNvSpPr txBox="1"/>
+          <p:nvPr/>
+        </p:nvSpPr>
+        <p:spPr>
+          <a:xfrm>
+            <a:off x="8410775" y="1653008"/>
+            <a:ext cx="689798" cy="246221"/>
+          </a:xfrm>
+          <a:prstGeom prst="rect">
+            <a:avLst/>
+          </a:prstGeom>
+          <a:noFill/>
+        </p:spPr>
+        <p:txBody>
+          <a:bodyPr wrap="square" rtlCol="0">
+            <a:spAutoFit/>
+          </a:bodyPr>
+          <a:lstStyle/>
+          <a:p>
+            <a:pPr algn="ctr"/>
+            <a:r>
+              <a:rPr kumimoji="1" lang="en-US" altLang="ko-KR" sz="1000" i="1"/>
+              <a:t>1000ms</a:t>
+            </a:r>
+            <a:endParaRPr kumimoji="1" lang="ko-KR" altLang="en-US" sz="1000" i="1"/>
+          </a:p>
+        </p:txBody>
+      </p:sp>
+      <p:sp>
+        <p:nvSpPr>
+          <p:cNvPr id="5" name="TextBox 4">
+            <a:extLst>
+              <a:ext uri="{FF2B5EF4-FFF2-40B4-BE49-F238E27FC236}">
+                <a16:creationId xmlns:a16="http://schemas.microsoft.com/office/drawing/2014/main" id="{94975DC0-819C-B24F-D060-7140F710F8C3}"/>
+              </a:ext>
+            </a:extLst>
+          </p:cNvPr>
+          <p:cNvSpPr txBox="1"/>
+          <p:nvPr/>
+        </p:nvSpPr>
+        <p:spPr>
+          <a:xfrm>
+            <a:off x="2666355" y="2420397"/>
+            <a:ext cx="2795674" cy="246221"/>
+          </a:xfrm>
+          <a:prstGeom prst="rect">
+            <a:avLst/>
+          </a:prstGeom>
+          <a:noFill/>
+        </p:spPr>
+        <p:txBody>
+          <a:bodyPr wrap="square" rtlCol="0">
+            <a:spAutoFit/>
+          </a:bodyPr>
+          <a:lstStyle/>
+          <a:p>
+            <a:pPr algn="r"/>
+            <a:r>
+              <a:rPr kumimoji="1" lang="en-US" altLang="ko-KR" sz="1000" i="1"/>
+              <a:t>TCP FIN</a:t>
+            </a:r>
+            <a:endParaRPr kumimoji="1" lang="ko-KR" altLang="en-US" sz="1000" i="1"/>
+          </a:p>
+        </p:txBody>
+      </p:sp>
       <p:cxnSp>
         <p:nvCxnSpPr>
-          <p:cNvPr id="73" name="Straight Arrow Connector 81">
-            <a:extLst>
-              <a:ext uri="{FF2B5EF4-FFF2-40B4-BE49-F238E27FC236}">
-                <a16:creationId xmlns:a16="http://schemas.microsoft.com/office/drawing/2014/main" id="{A1F85A67-17B7-A383-AB73-D5261130B6F6}"/>
+          <p:cNvPr id="16" name="Straight Arrow Connector 81">
+            <a:extLst>
+              <a:ext uri="{FF2B5EF4-FFF2-40B4-BE49-F238E27FC236}">
+                <a16:creationId xmlns:a16="http://schemas.microsoft.com/office/drawing/2014/main" id="{630E53CB-5D9C-94D8-3BA6-96931311DC29}"/>
               </a:ext>
             </a:extLst>
           </p:cNvPr>
@@ -18157,8 +21705,8 @@
         </p:nvCxnSpPr>
         <p:spPr>
           <a:xfrm>
-            <a:off x="763987" y="2096874"/>
-            <a:ext cx="2917982" cy="0"/>
+            <a:off x="5462033" y="2010278"/>
+            <a:ext cx="2917977" cy="0"/>
           </a:xfrm>
           <a:prstGeom prst="straightConnector1">
             <a:avLst/>
@@ -18186,140 +21734,12 @@
           </a:fontRef>
         </p:style>
       </p:cxnSp>
-      <p:sp>
-        <p:nvSpPr>
-          <p:cNvPr id="2" name="호 1">
-            <a:extLst>
-              <a:ext uri="{FF2B5EF4-FFF2-40B4-BE49-F238E27FC236}">
-                <a16:creationId xmlns:a16="http://schemas.microsoft.com/office/drawing/2014/main" id="{02D563A1-4A24-4696-907F-FC3419BC0C2F}"/>
-              </a:ext>
-            </a:extLst>
-          </p:cNvPr>
-          <p:cNvSpPr/>
-          <p:nvPr/>
-        </p:nvSpPr>
-        <p:spPr>
-          <a:xfrm>
-            <a:off x="8241825" y="1183890"/>
-            <a:ext cx="276365" cy="423019"/>
-          </a:xfrm>
-          <a:prstGeom prst="arc">
-            <a:avLst>
-              <a:gd name="adj1" fmla="val 16200000"/>
-              <a:gd name="adj2" fmla="val 5389298"/>
-            </a:avLst>
-          </a:prstGeom>
-          <a:ln>
-            <a:solidFill>
-              <a:schemeClr val="tx1"/>
-            </a:solidFill>
-            <a:headEnd type="none" w="med" len="med"/>
-            <a:tailEnd type="triangle" w="med" len="med"/>
-          </a:ln>
-        </p:spPr>
-        <p:style>
-          <a:lnRef idx="1">
-            <a:schemeClr val="accent1"/>
-          </a:lnRef>
-          <a:fillRef idx="0">
-            <a:schemeClr val="accent1"/>
-          </a:fillRef>
-          <a:effectRef idx="0">
-            <a:schemeClr val="accent1"/>
-          </a:effectRef>
-          <a:fontRef idx="minor">
-            <a:schemeClr val="tx1"/>
-          </a:fontRef>
-        </p:style>
-        <p:txBody>
-          <a:bodyPr rtlCol="0" anchor="ctr"/>
-          <a:lstStyle/>
-          <a:p>
-            <a:pPr algn="ctr"/>
-            <a:endParaRPr kumimoji="1" lang="ko-KR" altLang="en-US"/>
-          </a:p>
-        </p:txBody>
-      </p:sp>
-      <p:sp>
-        <p:nvSpPr>
-          <p:cNvPr id="4" name="TextBox 3">
-            <a:extLst>
-              <a:ext uri="{FF2B5EF4-FFF2-40B4-BE49-F238E27FC236}">
-                <a16:creationId xmlns:a16="http://schemas.microsoft.com/office/drawing/2014/main" id="{8DA0058D-7E61-0610-225C-E6FD3ACB2842}"/>
-              </a:ext>
-            </a:extLst>
-          </p:cNvPr>
-          <p:cNvSpPr txBox="1"/>
-          <p:nvPr/>
-        </p:nvSpPr>
-        <p:spPr>
-          <a:xfrm>
-            <a:off x="8410775" y="1272288"/>
-            <a:ext cx="689798" cy="246221"/>
-          </a:xfrm>
-          <a:prstGeom prst="rect">
-            <a:avLst/>
-          </a:prstGeom>
-          <a:noFill/>
-        </p:spPr>
-        <p:txBody>
-          <a:bodyPr wrap="square" rtlCol="0">
-            <a:spAutoFit/>
-          </a:bodyPr>
-          <a:lstStyle/>
-          <a:p>
-            <a:pPr algn="ctr"/>
-            <a:r>
-              <a:rPr kumimoji="1" lang="en-US" altLang="ko-KR" sz="1000" i="1"/>
-              <a:t>1000ms</a:t>
-            </a:r>
-            <a:endParaRPr kumimoji="1" lang="ko-KR" altLang="en-US" sz="1000" i="1"/>
-          </a:p>
-        </p:txBody>
-      </p:sp>
-      <p:sp>
-        <p:nvSpPr>
-          <p:cNvPr id="5" name="TextBox 4">
-            <a:extLst>
-              <a:ext uri="{FF2B5EF4-FFF2-40B4-BE49-F238E27FC236}">
-                <a16:creationId xmlns:a16="http://schemas.microsoft.com/office/drawing/2014/main" id="{94975DC0-819C-B24F-D060-7140F710F8C3}"/>
-              </a:ext>
-            </a:extLst>
-          </p:cNvPr>
-          <p:cNvSpPr txBox="1"/>
-          <p:nvPr/>
-        </p:nvSpPr>
-        <p:spPr>
-          <a:xfrm>
-            <a:off x="5584333" y="1950547"/>
-            <a:ext cx="2795674" cy="246221"/>
-          </a:xfrm>
-          <a:prstGeom prst="rect">
-            <a:avLst/>
-          </a:prstGeom>
-          <a:noFill/>
-        </p:spPr>
-        <p:txBody>
-          <a:bodyPr wrap="square" rtlCol="0">
-            <a:spAutoFit/>
-          </a:bodyPr>
-          <a:lstStyle/>
-          <a:p>
-            <a:pPr algn="r"/>
-            <a:r>
-              <a:rPr kumimoji="1" lang="en-US" altLang="ko-KR" sz="1000" i="1"/>
-              <a:t>TCP FIN</a:t>
-            </a:r>
-            <a:endParaRPr kumimoji="1" lang="ko-KR" altLang="en-US" sz="1000" i="1"/>
-          </a:p>
-        </p:txBody>
-      </p:sp>
       <p:cxnSp>
         <p:nvCxnSpPr>
-          <p:cNvPr id="16" name="Straight Arrow Connector 81">
-            <a:extLst>
-              <a:ext uri="{FF2B5EF4-FFF2-40B4-BE49-F238E27FC236}">
-                <a16:creationId xmlns:a16="http://schemas.microsoft.com/office/drawing/2014/main" id="{630E53CB-5D9C-94D8-3BA6-96931311DC29}"/>
+          <p:cNvPr id="18" name="Straight Arrow Connector 81">
+            <a:extLst>
+              <a:ext uri="{FF2B5EF4-FFF2-40B4-BE49-F238E27FC236}">
+                <a16:creationId xmlns:a16="http://schemas.microsoft.com/office/drawing/2014/main" id="{2BAE498D-05D7-0C87-8B10-193D78114968}"/>
               </a:ext>
             </a:extLst>
           </p:cNvPr>
@@ -18330,8 +21750,8 @@
         </p:nvCxnSpPr>
         <p:spPr>
           <a:xfrm>
-            <a:off x="5462033" y="1609220"/>
-            <a:ext cx="2917977" cy="0"/>
+            <a:off x="3681977" y="2082286"/>
+            <a:ext cx="1780056" cy="0"/>
           </a:xfrm>
           <a:prstGeom prst="straightConnector1">
             <a:avLst/>
@@ -18361,10 +21781,10 @@
       </p:cxnSp>
       <p:cxnSp>
         <p:nvCxnSpPr>
-          <p:cNvPr id="18" name="Straight Arrow Connector 81">
-            <a:extLst>
-              <a:ext uri="{FF2B5EF4-FFF2-40B4-BE49-F238E27FC236}">
-                <a16:creationId xmlns:a16="http://schemas.microsoft.com/office/drawing/2014/main" id="{2BAE498D-05D7-0C87-8B10-193D78114968}"/>
+          <p:cNvPr id="19" name="Straight Arrow Connector 81">
+            <a:extLst>
+              <a:ext uri="{FF2B5EF4-FFF2-40B4-BE49-F238E27FC236}">
+                <a16:creationId xmlns:a16="http://schemas.microsoft.com/office/drawing/2014/main" id="{A43474A5-FA46-19BB-40F7-F2A4285E6DD6}"/>
               </a:ext>
             </a:extLst>
           </p:cNvPr>
@@ -18375,8 +21795,8 @@
         </p:nvCxnSpPr>
         <p:spPr>
           <a:xfrm>
-            <a:off x="3681977" y="1681228"/>
-            <a:ext cx="1780056" cy="0"/>
+            <a:off x="763987" y="2154294"/>
+            <a:ext cx="2917982" cy="0"/>
           </a:xfrm>
           <a:prstGeom prst="straightConnector1">
             <a:avLst/>
@@ -18404,12 +21824,49 @@
           </a:fontRef>
         </p:style>
       </p:cxnSp>
+      <p:sp>
+        <p:nvSpPr>
+          <p:cNvPr id="20" name="TextBox 19">
+            <a:extLst>
+              <a:ext uri="{FF2B5EF4-FFF2-40B4-BE49-F238E27FC236}">
+                <a16:creationId xmlns:a16="http://schemas.microsoft.com/office/drawing/2014/main" id="{30385E62-9F05-5EBF-DBB8-163F6D2FC644}"/>
+              </a:ext>
+            </a:extLst>
+          </p:cNvPr>
+          <p:cNvSpPr txBox="1"/>
+          <p:nvPr/>
+        </p:nvSpPr>
+        <p:spPr>
+          <a:xfrm>
+            <a:off x="5584333" y="2007967"/>
+            <a:ext cx="2795674" cy="246221"/>
+          </a:xfrm>
+          <a:prstGeom prst="rect">
+            <a:avLst/>
+          </a:prstGeom>
+          <a:noFill/>
+        </p:spPr>
+        <p:txBody>
+          <a:bodyPr wrap="square" rtlCol="0">
+            <a:spAutoFit/>
+          </a:bodyPr>
+          <a:lstStyle/>
+          <a:p>
+            <a:pPr algn="r"/>
+            <a:r>
+              <a:rPr kumimoji="1" lang="en-US" altLang="ko-KR" sz="1000" i="1"/>
+              <a:t>200 OK + Partial Response</a:t>
+            </a:r>
+            <a:endParaRPr kumimoji="1" lang="ko-KR" altLang="en-US" sz="1000" i="1"/>
+          </a:p>
+        </p:txBody>
+      </p:sp>
       <p:cxnSp>
         <p:nvCxnSpPr>
-          <p:cNvPr id="19" name="Straight Arrow Connector 81">
-            <a:extLst>
-              <a:ext uri="{FF2B5EF4-FFF2-40B4-BE49-F238E27FC236}">
-                <a16:creationId xmlns:a16="http://schemas.microsoft.com/office/drawing/2014/main" id="{A43474A5-FA46-19BB-40F7-F2A4285E6DD6}"/>
+          <p:cNvPr id="21" name="Straight Arrow Connector 81">
+            <a:extLst>
+              <a:ext uri="{FF2B5EF4-FFF2-40B4-BE49-F238E27FC236}">
+                <a16:creationId xmlns:a16="http://schemas.microsoft.com/office/drawing/2014/main" id="{C4B9F288-0902-F04E-62C0-6788D86564A4}"/>
               </a:ext>
             </a:extLst>
           </p:cNvPr>
@@ -18420,8 +21877,8 @@
         </p:nvCxnSpPr>
         <p:spPr>
           <a:xfrm>
-            <a:off x="763987" y="1753236"/>
-            <a:ext cx="2917982" cy="0"/>
+            <a:off x="5462028" y="2326563"/>
+            <a:ext cx="2917977" cy="0"/>
           </a:xfrm>
           <a:prstGeom prst="straightConnector1">
             <a:avLst/>
@@ -18449,49 +21906,12 @@
           </a:fontRef>
         </p:style>
       </p:cxnSp>
-      <p:sp>
-        <p:nvSpPr>
-          <p:cNvPr id="20" name="TextBox 19">
-            <a:extLst>
-              <a:ext uri="{FF2B5EF4-FFF2-40B4-BE49-F238E27FC236}">
-                <a16:creationId xmlns:a16="http://schemas.microsoft.com/office/drawing/2014/main" id="{30385E62-9F05-5EBF-DBB8-163F6D2FC644}"/>
-              </a:ext>
-            </a:extLst>
-          </p:cNvPr>
-          <p:cNvSpPr txBox="1"/>
-          <p:nvPr/>
-        </p:nvSpPr>
-        <p:spPr>
-          <a:xfrm>
-            <a:off x="5584333" y="1606909"/>
-            <a:ext cx="2795674" cy="246221"/>
-          </a:xfrm>
-          <a:prstGeom prst="rect">
-            <a:avLst/>
-          </a:prstGeom>
-          <a:noFill/>
-        </p:spPr>
-        <p:txBody>
-          <a:bodyPr wrap="square" rtlCol="0">
-            <a:spAutoFit/>
-          </a:bodyPr>
-          <a:lstStyle/>
-          <a:p>
-            <a:pPr algn="r"/>
-            <a:r>
-              <a:rPr kumimoji="1" lang="en-US" altLang="ko-KR" sz="1000" i="1"/>
-              <a:t>200 OK + Partial Response</a:t>
-            </a:r>
-            <a:endParaRPr kumimoji="1" lang="ko-KR" altLang="en-US" sz="1000" i="1"/>
-          </a:p>
-        </p:txBody>
-      </p:sp>
       <p:cxnSp>
         <p:nvCxnSpPr>
-          <p:cNvPr id="21" name="Straight Arrow Connector 81">
-            <a:extLst>
-              <a:ext uri="{FF2B5EF4-FFF2-40B4-BE49-F238E27FC236}">
-                <a16:creationId xmlns:a16="http://schemas.microsoft.com/office/drawing/2014/main" id="{C4B9F288-0902-F04E-62C0-6788D86564A4}"/>
+          <p:cNvPr id="22" name="Straight Arrow Connector 81">
+            <a:extLst>
+              <a:ext uri="{FF2B5EF4-FFF2-40B4-BE49-F238E27FC236}">
+                <a16:creationId xmlns:a16="http://schemas.microsoft.com/office/drawing/2014/main" id="{33925310-591A-85F5-13DB-D13C9373B0AD}"/>
               </a:ext>
             </a:extLst>
           </p:cNvPr>
@@ -18502,8 +21922,8 @@
         </p:nvCxnSpPr>
         <p:spPr>
           <a:xfrm>
-            <a:off x="5462028" y="2290229"/>
-            <a:ext cx="2917977" cy="0"/>
+            <a:off x="3681972" y="2763295"/>
+            <a:ext cx="1780056" cy="0"/>
           </a:xfrm>
           <a:prstGeom prst="straightConnector1">
             <a:avLst/>
@@ -18531,12 +21951,86 @@
           </a:fontRef>
         </p:style>
       </p:cxnSp>
+      <p:sp>
+        <p:nvSpPr>
+          <p:cNvPr id="24" name="TextBox 23">
+            <a:extLst>
+              <a:ext uri="{FF2B5EF4-FFF2-40B4-BE49-F238E27FC236}">
+                <a16:creationId xmlns:a16="http://schemas.microsoft.com/office/drawing/2014/main" id="{53BC9DED-8EE9-68C8-3AE6-0FABDF2E807E}"/>
+              </a:ext>
+            </a:extLst>
+          </p:cNvPr>
+          <p:cNvSpPr txBox="1"/>
+          <p:nvPr/>
+        </p:nvSpPr>
+        <p:spPr>
+          <a:xfrm>
+            <a:off x="5584328" y="2324252"/>
+            <a:ext cx="2795674" cy="246221"/>
+          </a:xfrm>
+          <a:prstGeom prst="rect">
+            <a:avLst/>
+          </a:prstGeom>
+          <a:noFill/>
+        </p:spPr>
+        <p:txBody>
+          <a:bodyPr wrap="square" rtlCol="0">
+            <a:spAutoFit/>
+          </a:bodyPr>
+          <a:lstStyle/>
+          <a:p>
+            <a:pPr algn="r"/>
+            <a:r>
+              <a:rPr kumimoji="1" lang="en-US" altLang="ko-KR" sz="1000" i="1"/>
+              <a:t>TCP RST</a:t>
+            </a:r>
+            <a:endParaRPr kumimoji="1" lang="ko-KR" altLang="en-US" sz="1000" i="1"/>
+          </a:p>
+        </p:txBody>
+      </p:sp>
+      <p:sp>
+        <p:nvSpPr>
+          <p:cNvPr id="25" name="TextBox 24">
+            <a:extLst>
+              <a:ext uri="{FF2B5EF4-FFF2-40B4-BE49-F238E27FC236}">
+                <a16:creationId xmlns:a16="http://schemas.microsoft.com/office/drawing/2014/main" id="{893265C1-93A7-32EA-CE5C-77945D0046BB}"/>
+              </a:ext>
+            </a:extLst>
+          </p:cNvPr>
+          <p:cNvSpPr txBox="1"/>
+          <p:nvPr/>
+        </p:nvSpPr>
+        <p:spPr>
+          <a:xfrm>
+            <a:off x="2666355" y="2763295"/>
+            <a:ext cx="2795674" cy="246221"/>
+          </a:xfrm>
+          <a:prstGeom prst="rect">
+            <a:avLst/>
+          </a:prstGeom>
+          <a:noFill/>
+        </p:spPr>
+        <p:txBody>
+          <a:bodyPr wrap="square" rtlCol="0">
+            <a:spAutoFit/>
+          </a:bodyPr>
+          <a:lstStyle/>
+          <a:p>
+            <a:pPr algn="r"/>
+            <a:r>
+              <a:rPr kumimoji="1" lang="en-US" altLang="ko-KR" sz="1000" i="1"/>
+              <a:t>TCP RST</a:t>
+            </a:r>
+            <a:endParaRPr kumimoji="1" lang="ko-KR" altLang="en-US" sz="1000" i="1"/>
+          </a:p>
+        </p:txBody>
+      </p:sp>
       <p:cxnSp>
         <p:nvCxnSpPr>
-          <p:cNvPr id="22" name="Straight Arrow Connector 81">
-            <a:extLst>
-              <a:ext uri="{FF2B5EF4-FFF2-40B4-BE49-F238E27FC236}">
-                <a16:creationId xmlns:a16="http://schemas.microsoft.com/office/drawing/2014/main" id="{33925310-591A-85F5-13DB-D13C9373B0AD}"/>
+          <p:cNvPr id="27" name="Straight Arrow Connector 81">
+            <a:extLst>
+              <a:ext uri="{FF2B5EF4-FFF2-40B4-BE49-F238E27FC236}">
+                <a16:creationId xmlns:a16="http://schemas.microsoft.com/office/drawing/2014/main" id="{3AE37C0C-060D-4235-4D6C-821BE262B007}"/>
               </a:ext>
             </a:extLst>
           </p:cNvPr>
@@ -18547,8 +22041,8 @@
         </p:nvCxnSpPr>
         <p:spPr>
           <a:xfrm>
-            <a:off x="3681972" y="2362237"/>
-            <a:ext cx="1780056" cy="0"/>
+            <a:off x="763988" y="1077765"/>
+            <a:ext cx="2917981" cy="0"/>
           </a:xfrm>
           <a:prstGeom prst="straightConnector1">
             <a:avLst/>
@@ -18557,8 +22051,7 @@
             <a:solidFill>
               <a:schemeClr val="tx1"/>
             </a:solidFill>
-            <a:headEnd type="triangle" w="med" len="med"/>
-            <a:tailEnd type="none" w="med" len="med"/>
+            <a:tailEnd type="triangle"/>
           </a:ln>
         </p:spPr>
         <p:style>
@@ -18576,57 +22069,12 @@
           </a:fontRef>
         </p:style>
       </p:cxnSp>
-      <p:cxnSp>
-        <p:nvCxnSpPr>
-          <p:cNvPr id="23" name="Straight Arrow Connector 81">
-            <a:extLst>
-              <a:ext uri="{FF2B5EF4-FFF2-40B4-BE49-F238E27FC236}">
-                <a16:creationId xmlns:a16="http://schemas.microsoft.com/office/drawing/2014/main" id="{948CDA8F-3E81-427E-6830-7FABCA459588}"/>
-              </a:ext>
-            </a:extLst>
-          </p:cNvPr>
-          <p:cNvCxnSpPr>
-            <a:cxnSpLocks/>
-          </p:cNvCxnSpPr>
-          <p:nvPr/>
-        </p:nvCxnSpPr>
-        <p:spPr>
-          <a:xfrm>
-            <a:off x="763982" y="2434245"/>
-            <a:ext cx="2917982" cy="0"/>
-          </a:xfrm>
-          <a:prstGeom prst="straightConnector1">
-            <a:avLst/>
-          </a:prstGeom>
-          <a:ln>
-            <a:solidFill>
-              <a:schemeClr val="tx1"/>
-            </a:solidFill>
-            <a:headEnd type="triangle" w="med" len="med"/>
-            <a:tailEnd type="none" w="med" len="med"/>
-          </a:ln>
-        </p:spPr>
-        <p:style>
-          <a:lnRef idx="1">
-            <a:schemeClr val="accent1"/>
-          </a:lnRef>
-          <a:fillRef idx="0">
-            <a:schemeClr val="accent1"/>
-          </a:fillRef>
-          <a:effectRef idx="0">
-            <a:schemeClr val="accent1"/>
-          </a:effectRef>
-          <a:fontRef idx="minor">
-            <a:schemeClr val="tx1"/>
-          </a:fontRef>
-        </p:style>
-      </p:cxnSp>
-      <p:sp>
-        <p:nvSpPr>
-          <p:cNvPr id="24" name="TextBox 23">
-            <a:extLst>
-              <a:ext uri="{FF2B5EF4-FFF2-40B4-BE49-F238E27FC236}">
-                <a16:creationId xmlns:a16="http://schemas.microsoft.com/office/drawing/2014/main" id="{53BC9DED-8EE9-68C8-3AE6-0FABDF2E807E}"/>
+      <p:sp>
+        <p:nvSpPr>
+          <p:cNvPr id="28" name="TextBox 27">
+            <a:extLst>
+              <a:ext uri="{FF2B5EF4-FFF2-40B4-BE49-F238E27FC236}">
+                <a16:creationId xmlns:a16="http://schemas.microsoft.com/office/drawing/2014/main" id="{E57B0BC4-5506-429A-7D61-0604C87A31F4}"/>
               </a:ext>
             </a:extLst>
           </p:cNvPr>
@@ -18635,7 +22083,7 @@
         </p:nvSpPr>
         <p:spPr>
           <a:xfrm>
-            <a:off x="5584328" y="2287918"/>
+            <a:off x="763987" y="831544"/>
             <a:ext cx="2795674" cy="246221"/>
           </a:xfrm>
           <a:prstGeom prst="rect">
@@ -18649,10 +22097,9 @@
           </a:bodyPr>
           <a:lstStyle/>
           <a:p>
-            <a:pPr algn="r"/>
             <a:r>
               <a:rPr kumimoji="1" lang="en-US" altLang="ko-KR" sz="1000" i="1"/>
-              <a:t>TCP RST</a:t>
+              <a:t>TCP SYN</a:t>
             </a:r>
             <a:endParaRPr kumimoji="1" lang="ko-KR" altLang="en-US" sz="1000" i="1"/>
           </a:p>
@@ -18671,7 +22118,93 @@
 </p:sld>
 </file>
 
-<file path=ppt/slides/slide7.xml><?xml version="1.0" encoding="utf-8"?>
+<file path=ppt/slides/slide8.xml><?xml version="1.0" encoding="utf-8"?>
+<p:sld xmlns:a="http://schemas.openxmlformats.org/drawingml/2006/main" xmlns:r="http://schemas.openxmlformats.org/officeDocument/2006/relationships" xmlns:p="http://schemas.openxmlformats.org/presentationml/2006/main">
+  <p:cSld>
+    <p:spTree>
+      <p:nvGrpSpPr>
+        <p:cNvPr id="1" name="">
+          <a:extLst>
+            <a:ext uri="{FF2B5EF4-FFF2-40B4-BE49-F238E27FC236}">
+              <a16:creationId xmlns:a16="http://schemas.microsoft.com/office/drawing/2014/main" id="{6E6DB2AF-FAF3-E1D1-9075-433C777E2804}"/>
+            </a:ext>
+          </a:extLst>
+        </p:cNvPr>
+        <p:cNvGrpSpPr/>
+        <p:nvPr/>
+      </p:nvGrpSpPr>
+      <p:grpSpPr>
+        <a:xfrm>
+          <a:off x="0" y="0"/>
+          <a:ext cx="0" cy="0"/>
+          <a:chOff x="0" y="0"/>
+          <a:chExt cx="0" cy="0"/>
+        </a:xfrm>
+      </p:grpSpPr>
+      <p:sp>
+        <p:nvSpPr>
+          <p:cNvPr id="2" name="제목 1">
+            <a:extLst>
+              <a:ext uri="{FF2B5EF4-FFF2-40B4-BE49-F238E27FC236}">
+                <a16:creationId xmlns:a16="http://schemas.microsoft.com/office/drawing/2014/main" id="{07F70D05-8619-5924-D135-698121D5F3DA}"/>
+              </a:ext>
+            </a:extLst>
+          </p:cNvPr>
+          <p:cNvSpPr>
+            <a:spLocks noGrp="1"/>
+          </p:cNvSpPr>
+          <p:nvPr>
+            <p:ph type="title"/>
+          </p:nvPr>
+        </p:nvSpPr>
+        <p:spPr/>
+        <p:txBody>
+          <a:bodyPr/>
+          <a:lstStyle/>
+          <a:p>
+            <a:endParaRPr lang="ko-KR" altLang="en-US"/>
+          </a:p>
+        </p:txBody>
+      </p:sp>
+      <p:sp>
+        <p:nvSpPr>
+          <p:cNvPr id="3" name="내용 개체 틀 2">
+            <a:extLst>
+              <a:ext uri="{FF2B5EF4-FFF2-40B4-BE49-F238E27FC236}">
+                <a16:creationId xmlns:a16="http://schemas.microsoft.com/office/drawing/2014/main" id="{A17710F4-4CD4-64F0-EB4D-F4B2214DD840}"/>
+              </a:ext>
+            </a:extLst>
+          </p:cNvPr>
+          <p:cNvSpPr>
+            <a:spLocks noGrp="1"/>
+          </p:cNvSpPr>
+          <p:nvPr>
+            <p:ph idx="1"/>
+          </p:nvPr>
+        </p:nvSpPr>
+        <p:spPr/>
+        <p:txBody>
+          <a:bodyPr/>
+          <a:lstStyle/>
+          <a:p>
+            <a:endParaRPr lang="ko-KR" altLang="en-US"/>
+          </a:p>
+        </p:txBody>
+      </p:sp>
+    </p:spTree>
+    <p:extLst>
+      <p:ext uri="{BB962C8B-B14F-4D97-AF65-F5344CB8AC3E}">
+        <p14:creationId xmlns:p14="http://schemas.microsoft.com/office/powerpoint/2010/main" val="3122253027"/>
+      </p:ext>
+    </p:extLst>
+  </p:cSld>
+  <p:clrMapOvr>
+    <a:masterClrMapping/>
+  </p:clrMapOvr>
+</p:sld>
+</file>
+
+<file path=ppt/slides/slide9.xml><?xml version="1.0" encoding="utf-8"?>
 <p:sld xmlns:a="http://schemas.openxmlformats.org/drawingml/2006/main" xmlns:r="http://schemas.openxmlformats.org/officeDocument/2006/relationships" xmlns:p="http://schemas.openxmlformats.org/presentationml/2006/main">
   <p:cSld>
     <p:spTree>
@@ -18748,2654 +22281,6 @@
     <p:extLst>
       <p:ext uri="{BB962C8B-B14F-4D97-AF65-F5344CB8AC3E}">
         <p14:creationId xmlns:p14="http://schemas.microsoft.com/office/powerpoint/2010/main" val="419798853"/>
-      </p:ext>
-    </p:extLst>
-  </p:cSld>
-  <p:clrMapOvr>
-    <a:masterClrMapping/>
-  </p:clrMapOvr>
-</p:sld>
-</file>
-
-<file path=ppt/slides/slide8.xml><?xml version="1.0" encoding="utf-8"?>
-<p:sld xmlns:a="http://schemas.openxmlformats.org/drawingml/2006/main" xmlns:r="http://schemas.openxmlformats.org/officeDocument/2006/relationships" xmlns:p="http://schemas.openxmlformats.org/presentationml/2006/main">
-  <p:cSld>
-    <p:spTree>
-      <p:nvGrpSpPr>
-        <p:cNvPr id="1" name="">
-          <a:extLst>
-            <a:ext uri="{FF2B5EF4-FFF2-40B4-BE49-F238E27FC236}">
-              <a16:creationId xmlns:a16="http://schemas.microsoft.com/office/drawing/2014/main" id="{B201D244-26D7-6140-60E1-E03A5F2D9C57}"/>
-            </a:ext>
-          </a:extLst>
-        </p:cNvPr>
-        <p:cNvGrpSpPr/>
-        <p:nvPr/>
-      </p:nvGrpSpPr>
-      <p:grpSpPr>
-        <a:xfrm>
-          <a:off x="0" y="0"/>
-          <a:ext cx="0" cy="0"/>
-          <a:chOff x="0" y="0"/>
-          <a:chExt cx="0" cy="0"/>
-        </a:xfrm>
-      </p:grpSpPr>
-      <p:sp>
-        <p:nvSpPr>
-          <p:cNvPr id="6" name="사각형: 둥근 모서리 29">
-            <a:extLst>
-              <a:ext uri="{FF2B5EF4-FFF2-40B4-BE49-F238E27FC236}">
-                <a16:creationId xmlns:a16="http://schemas.microsoft.com/office/drawing/2014/main" id="{E7C860AB-99C2-5548-B211-1C5713672C6C}"/>
-              </a:ext>
-            </a:extLst>
-          </p:cNvPr>
-          <p:cNvSpPr/>
-          <p:nvPr/>
-        </p:nvSpPr>
-        <p:spPr>
-          <a:xfrm>
-            <a:off x="179512" y="1938094"/>
-            <a:ext cx="2551069" cy="1267312"/>
-          </a:xfrm>
-          <a:prstGeom prst="roundRect">
-            <a:avLst>
-              <a:gd name="adj" fmla="val 6027"/>
-            </a:avLst>
-          </a:prstGeom>
-          <a:ln w="12700"/>
-        </p:spPr>
-        <p:style>
-          <a:lnRef idx="2">
-            <a:schemeClr val="dk1"/>
-          </a:lnRef>
-          <a:fillRef idx="1">
-            <a:schemeClr val="lt1"/>
-          </a:fillRef>
-          <a:effectRef idx="0">
-            <a:schemeClr val="dk1"/>
-          </a:effectRef>
-          <a:fontRef idx="minor">
-            <a:schemeClr val="dk1"/>
-          </a:fontRef>
-        </p:style>
-        <p:txBody>
-          <a:bodyPr rtlCol="0" anchor="b"/>
-          <a:lstStyle/>
-          <a:p>
-            <a:pPr algn="ctr"/>
-            <a:r>
-              <a:rPr lang="en-US" altLang="ko-KR" sz="1000" b="1"/>
-              <a:t> </a:t>
-            </a:r>
-          </a:p>
-          <a:p>
-            <a:pPr algn="ctr"/>
-            <a:r>
-              <a:rPr lang="en-US" altLang="ko-KR" sz="1000"/>
-              <a:t>Worker Node</a:t>
-            </a:r>
-            <a:endParaRPr lang="ko-KR" altLang="en-US" sz="1000"/>
-          </a:p>
-        </p:txBody>
-      </p:sp>
-      <p:sp>
-        <p:nvSpPr>
-          <p:cNvPr id="4" name="사각형: 둥근 모서리 29">
-            <a:extLst>
-              <a:ext uri="{FF2B5EF4-FFF2-40B4-BE49-F238E27FC236}">
-                <a16:creationId xmlns:a16="http://schemas.microsoft.com/office/drawing/2014/main" id="{9C3DFF99-F482-A5A6-19D9-6DEAAF1C93D6}"/>
-              </a:ext>
-            </a:extLst>
-          </p:cNvPr>
-          <p:cNvSpPr/>
-          <p:nvPr/>
-        </p:nvSpPr>
-        <p:spPr>
-          <a:xfrm>
-            <a:off x="270021" y="2037546"/>
-            <a:ext cx="2372526" cy="888200"/>
-          </a:xfrm>
-          <a:prstGeom prst="roundRect">
-            <a:avLst>
-              <a:gd name="adj" fmla="val 10124"/>
-            </a:avLst>
-          </a:prstGeom>
-          <a:ln w="12700"/>
-        </p:spPr>
-        <p:style>
-          <a:lnRef idx="2">
-            <a:schemeClr val="dk1"/>
-          </a:lnRef>
-          <a:fillRef idx="1">
-            <a:schemeClr val="lt1"/>
-          </a:fillRef>
-          <a:effectRef idx="0">
-            <a:schemeClr val="dk1"/>
-          </a:effectRef>
-          <a:fontRef idx="minor">
-            <a:schemeClr val="dk1"/>
-          </a:fontRef>
-        </p:style>
-        <p:txBody>
-          <a:bodyPr rtlCol="0" anchor="b"/>
-          <a:lstStyle/>
-          <a:p>
-            <a:pPr algn="ctr"/>
-            <a:r>
-              <a:rPr lang="en-US" altLang="ko-KR" sz="1000" b="1"/>
-              <a:t>shell </a:t>
-            </a:r>
-            <a:r>
-              <a:rPr lang="en-US" altLang="ko-KR" sz="1000"/>
-              <a:t>Pod</a:t>
-            </a:r>
-          </a:p>
-        </p:txBody>
-      </p:sp>
-      <p:cxnSp>
-        <p:nvCxnSpPr>
-          <p:cNvPr id="8" name="Straight Arrow Connector 81">
-            <a:extLst>
-              <a:ext uri="{FF2B5EF4-FFF2-40B4-BE49-F238E27FC236}">
-                <a16:creationId xmlns:a16="http://schemas.microsoft.com/office/drawing/2014/main" id="{394A9B85-E0CB-C3E2-FE6B-313FDB0F8276}"/>
-              </a:ext>
-            </a:extLst>
-          </p:cNvPr>
-          <p:cNvCxnSpPr>
-            <a:cxnSpLocks/>
-            <a:stCxn id="9" idx="2"/>
-            <a:endCxn id="3" idx="0"/>
-          </p:cNvCxnSpPr>
-          <p:nvPr/>
-        </p:nvCxnSpPr>
-        <p:spPr>
-          <a:xfrm>
-            <a:off x="3689931" y="2043387"/>
-            <a:ext cx="0" cy="173250"/>
-          </a:xfrm>
-          <a:prstGeom prst="straightConnector1">
-            <a:avLst/>
-          </a:prstGeom>
-          <a:ln>
-            <a:solidFill>
-              <a:schemeClr val="tx1"/>
-            </a:solidFill>
-            <a:tailEnd type="triangle"/>
-          </a:ln>
-        </p:spPr>
-        <p:style>
-          <a:lnRef idx="1">
-            <a:schemeClr val="accent1"/>
-          </a:lnRef>
-          <a:fillRef idx="0">
-            <a:schemeClr val="accent1"/>
-          </a:fillRef>
-          <a:effectRef idx="0">
-            <a:schemeClr val="accent1"/>
-          </a:effectRef>
-          <a:fontRef idx="minor">
-            <a:schemeClr val="tx1"/>
-          </a:fontRef>
-        </p:style>
-      </p:cxnSp>
-      <p:sp>
-        <p:nvSpPr>
-          <p:cNvPr id="2" name="사각형: 둥근 모서리 29">
-            <a:extLst>
-              <a:ext uri="{FF2B5EF4-FFF2-40B4-BE49-F238E27FC236}">
-                <a16:creationId xmlns:a16="http://schemas.microsoft.com/office/drawing/2014/main" id="{E83EA57A-E1C7-74DD-D938-77886DEE88B0}"/>
-              </a:ext>
-            </a:extLst>
-          </p:cNvPr>
-          <p:cNvSpPr/>
-          <p:nvPr/>
-        </p:nvSpPr>
-        <p:spPr>
-          <a:xfrm>
-            <a:off x="3027276" y="2923215"/>
-            <a:ext cx="1325312" cy="525929"/>
-          </a:xfrm>
-          <a:prstGeom prst="roundRect">
-            <a:avLst>
-              <a:gd name="adj" fmla="val 11707"/>
-            </a:avLst>
-          </a:prstGeom>
-          <a:ln w="12700">
-            <a:prstDash val="solid"/>
-          </a:ln>
-        </p:spPr>
-        <p:style>
-          <a:lnRef idx="2">
-            <a:schemeClr val="dk1"/>
-          </a:lnRef>
-          <a:fillRef idx="1">
-            <a:schemeClr val="lt1"/>
-          </a:fillRef>
-          <a:effectRef idx="0">
-            <a:schemeClr val="dk1"/>
-          </a:effectRef>
-          <a:fontRef idx="minor">
-            <a:schemeClr val="dk1"/>
-          </a:fontRef>
-        </p:style>
-        <p:txBody>
-          <a:bodyPr rtlCol="0" anchor="ctr"/>
-          <a:lstStyle/>
-          <a:p>
-            <a:pPr algn="ctr"/>
-            <a:r>
-              <a:rPr lang="en-US" altLang="ko-KR" sz="1000" b="1"/>
-              <a:t>mock-server-http</a:t>
-            </a:r>
-            <a:r>
-              <a:rPr lang="en-US" altLang="ko-KR" sz="1000"/>
-              <a:t> </a:t>
-            </a:r>
-          </a:p>
-          <a:p>
-            <a:pPr algn="ctr"/>
-            <a:r>
-              <a:rPr lang="en-US" altLang="ko-KR" sz="1000"/>
-              <a:t>Service</a:t>
-            </a:r>
-            <a:endParaRPr lang="ko-KR" altLang="en-US" sz="1000"/>
-          </a:p>
-        </p:txBody>
-      </p:sp>
-      <p:sp>
-        <p:nvSpPr>
-          <p:cNvPr id="3" name="사각형: 둥근 모서리 29">
-            <a:extLst>
-              <a:ext uri="{FF2B5EF4-FFF2-40B4-BE49-F238E27FC236}">
-                <a16:creationId xmlns:a16="http://schemas.microsoft.com/office/drawing/2014/main" id="{B158FBE7-8CF1-D522-A286-8D7DED3F9319}"/>
-              </a:ext>
-            </a:extLst>
-          </p:cNvPr>
-          <p:cNvSpPr/>
-          <p:nvPr/>
-        </p:nvSpPr>
-        <p:spPr>
-          <a:xfrm>
-            <a:off x="3027275" y="2216637"/>
-            <a:ext cx="1325312" cy="525929"/>
-          </a:xfrm>
-          <a:prstGeom prst="roundRect">
-            <a:avLst>
-              <a:gd name="adj" fmla="val 11707"/>
-            </a:avLst>
-          </a:prstGeom>
-          <a:ln w="12700">
-            <a:prstDash val="solid"/>
-          </a:ln>
-        </p:spPr>
-        <p:style>
-          <a:lnRef idx="2">
-            <a:schemeClr val="dk1"/>
-          </a:lnRef>
-          <a:fillRef idx="1">
-            <a:schemeClr val="lt1"/>
-          </a:fillRef>
-          <a:effectRef idx="0">
-            <a:schemeClr val="dk1"/>
-          </a:effectRef>
-          <a:fontRef idx="minor">
-            <a:schemeClr val="dk1"/>
-          </a:fontRef>
-        </p:style>
-        <p:txBody>
-          <a:bodyPr rtlCol="0" anchor="ctr"/>
-          <a:lstStyle/>
-          <a:p>
-            <a:pPr algn="ctr"/>
-            <a:r>
-              <a:rPr lang="en-US" altLang="ko-KR" sz="1000" b="1"/>
-              <a:t>mock-server-http</a:t>
-            </a:r>
-          </a:p>
-          <a:p>
-            <a:pPr algn="ctr"/>
-            <a:r>
-              <a:rPr lang="en-US" altLang="ko-KR" sz="1000"/>
-              <a:t>DestinationRule</a:t>
-            </a:r>
-            <a:endParaRPr lang="ko-KR" altLang="en-US" sz="1000"/>
-          </a:p>
-        </p:txBody>
-      </p:sp>
-      <p:sp>
-        <p:nvSpPr>
-          <p:cNvPr id="9" name="사각형: 둥근 모서리 29">
-            <a:extLst>
-              <a:ext uri="{FF2B5EF4-FFF2-40B4-BE49-F238E27FC236}">
-                <a16:creationId xmlns:a16="http://schemas.microsoft.com/office/drawing/2014/main" id="{2FB41AAC-29ED-C86A-F5FE-80C636EE48C3}"/>
-              </a:ext>
-            </a:extLst>
-          </p:cNvPr>
-          <p:cNvSpPr/>
-          <p:nvPr/>
-        </p:nvSpPr>
-        <p:spPr>
-          <a:xfrm>
-            <a:off x="3027275" y="1517458"/>
-            <a:ext cx="1325312" cy="525929"/>
-          </a:xfrm>
-          <a:prstGeom prst="roundRect">
-            <a:avLst>
-              <a:gd name="adj" fmla="val 11707"/>
-            </a:avLst>
-          </a:prstGeom>
-          <a:ln w="12700">
-            <a:prstDash val="solid"/>
-          </a:ln>
-        </p:spPr>
-        <p:style>
-          <a:lnRef idx="2">
-            <a:schemeClr val="dk1"/>
-          </a:lnRef>
-          <a:fillRef idx="1">
-            <a:schemeClr val="lt1"/>
-          </a:fillRef>
-          <a:effectRef idx="0">
-            <a:schemeClr val="dk1"/>
-          </a:effectRef>
-          <a:fontRef idx="minor">
-            <a:schemeClr val="dk1"/>
-          </a:fontRef>
-        </p:style>
-        <p:txBody>
-          <a:bodyPr rtlCol="0" anchor="ctr"/>
-          <a:lstStyle/>
-          <a:p>
-            <a:pPr algn="ctr"/>
-            <a:r>
-              <a:rPr lang="en-US" altLang="ko-KR" sz="1000" b="1"/>
-              <a:t>mock-server-http</a:t>
-            </a:r>
-          </a:p>
-          <a:p>
-            <a:pPr algn="ctr"/>
-            <a:r>
-              <a:rPr lang="en-US" altLang="ko-KR" sz="1000"/>
-              <a:t>VirtualService</a:t>
-            </a:r>
-            <a:endParaRPr lang="ko-KR" altLang="en-US" sz="1000"/>
-          </a:p>
-        </p:txBody>
-      </p:sp>
-      <p:cxnSp>
-        <p:nvCxnSpPr>
-          <p:cNvPr id="11" name="Elbow Connector 80">
-            <a:extLst>
-              <a:ext uri="{FF2B5EF4-FFF2-40B4-BE49-F238E27FC236}">
-                <a16:creationId xmlns:a16="http://schemas.microsoft.com/office/drawing/2014/main" id="{3AD24A9F-6640-EF23-87A5-D85494C3E613}"/>
-              </a:ext>
-            </a:extLst>
-          </p:cNvPr>
-          <p:cNvCxnSpPr>
-            <a:cxnSpLocks/>
-            <a:stCxn id="75" idx="0"/>
-            <a:endCxn id="9" idx="0"/>
-          </p:cNvCxnSpPr>
-          <p:nvPr/>
-        </p:nvCxnSpPr>
-        <p:spPr>
-          <a:xfrm rot="5400000" flipH="1" flipV="1">
-            <a:off x="2588846" y="1031270"/>
-            <a:ext cx="614896" cy="1587273"/>
-          </a:xfrm>
-          <a:prstGeom prst="bentConnector3">
-            <a:avLst>
-              <a:gd name="adj1" fmla="val 137177"/>
-            </a:avLst>
-          </a:prstGeom>
-          <a:ln w="12700">
-            <a:solidFill>
-              <a:schemeClr val="tx1"/>
-            </a:solidFill>
-            <a:tailEnd type="triangle"/>
-          </a:ln>
-        </p:spPr>
-        <p:style>
-          <a:lnRef idx="1">
-            <a:schemeClr val="accent1"/>
-          </a:lnRef>
-          <a:fillRef idx="0">
-            <a:schemeClr val="accent1"/>
-          </a:fillRef>
-          <a:effectRef idx="0">
-            <a:schemeClr val="accent1"/>
-          </a:effectRef>
-          <a:fontRef idx="minor">
-            <a:schemeClr val="tx1"/>
-          </a:fontRef>
-        </p:style>
-      </p:cxnSp>
-      <p:cxnSp>
-        <p:nvCxnSpPr>
-          <p:cNvPr id="18" name="Straight Arrow Connector 81">
-            <a:extLst>
-              <a:ext uri="{FF2B5EF4-FFF2-40B4-BE49-F238E27FC236}">
-                <a16:creationId xmlns:a16="http://schemas.microsoft.com/office/drawing/2014/main" id="{789A67B3-1412-BD36-5A55-3995D51EB0D6}"/>
-              </a:ext>
-            </a:extLst>
-          </p:cNvPr>
-          <p:cNvCxnSpPr>
-            <a:cxnSpLocks/>
-            <a:stCxn id="3" idx="2"/>
-            <a:endCxn id="2" idx="0"/>
-          </p:cNvCxnSpPr>
-          <p:nvPr/>
-        </p:nvCxnSpPr>
-        <p:spPr>
-          <a:xfrm>
-            <a:off x="3689931" y="2742566"/>
-            <a:ext cx="1" cy="180649"/>
-          </a:xfrm>
-          <a:prstGeom prst="straightConnector1">
-            <a:avLst/>
-          </a:prstGeom>
-          <a:ln>
-            <a:solidFill>
-              <a:schemeClr val="tx1"/>
-            </a:solidFill>
-            <a:tailEnd type="triangle"/>
-          </a:ln>
-        </p:spPr>
-        <p:style>
-          <a:lnRef idx="1">
-            <a:schemeClr val="accent1"/>
-          </a:lnRef>
-          <a:fillRef idx="0">
-            <a:schemeClr val="accent1"/>
-          </a:fillRef>
-          <a:effectRef idx="0">
-            <a:schemeClr val="accent1"/>
-          </a:effectRef>
-          <a:fontRef idx="minor">
-            <a:schemeClr val="tx1"/>
-          </a:fontRef>
-        </p:style>
-      </p:cxnSp>
-      <p:cxnSp>
-        <p:nvCxnSpPr>
-          <p:cNvPr id="15" name="Straight Arrow Connector 81">
-            <a:extLst>
-              <a:ext uri="{FF2B5EF4-FFF2-40B4-BE49-F238E27FC236}">
-                <a16:creationId xmlns:a16="http://schemas.microsoft.com/office/drawing/2014/main" id="{22D72CE6-D484-F2BE-F23D-8F2D5269CFD7}"/>
-              </a:ext>
-            </a:extLst>
-          </p:cNvPr>
-          <p:cNvCxnSpPr>
-            <a:cxnSpLocks/>
-            <a:stCxn id="19" idx="2"/>
-            <a:endCxn id="17" idx="0"/>
-          </p:cNvCxnSpPr>
-          <p:nvPr/>
-        </p:nvCxnSpPr>
-        <p:spPr>
-          <a:xfrm>
-            <a:off x="5390759" y="2037546"/>
-            <a:ext cx="0" cy="173250"/>
-          </a:xfrm>
-          <a:prstGeom prst="straightConnector1">
-            <a:avLst/>
-          </a:prstGeom>
-          <a:ln>
-            <a:solidFill>
-              <a:schemeClr val="tx1"/>
-            </a:solidFill>
-            <a:tailEnd type="triangle"/>
-          </a:ln>
-        </p:spPr>
-        <p:style>
-          <a:lnRef idx="1">
-            <a:schemeClr val="accent1"/>
-          </a:lnRef>
-          <a:fillRef idx="0">
-            <a:schemeClr val="accent1"/>
-          </a:fillRef>
-          <a:effectRef idx="0">
-            <a:schemeClr val="accent1"/>
-          </a:effectRef>
-          <a:fontRef idx="minor">
-            <a:schemeClr val="tx1"/>
-          </a:fontRef>
-        </p:style>
-      </p:cxnSp>
-      <p:sp>
-        <p:nvSpPr>
-          <p:cNvPr id="16" name="사각형: 둥근 모서리 29">
-            <a:extLst>
-              <a:ext uri="{FF2B5EF4-FFF2-40B4-BE49-F238E27FC236}">
-                <a16:creationId xmlns:a16="http://schemas.microsoft.com/office/drawing/2014/main" id="{3C137BD7-6783-3AEA-2E54-E0DEB4115F36}"/>
-              </a:ext>
-            </a:extLst>
-          </p:cNvPr>
-          <p:cNvSpPr/>
-          <p:nvPr/>
-        </p:nvSpPr>
-        <p:spPr>
-          <a:xfrm>
-            <a:off x="4728104" y="2917374"/>
-            <a:ext cx="1325312" cy="525929"/>
-          </a:xfrm>
-          <a:prstGeom prst="roundRect">
-            <a:avLst>
-              <a:gd name="adj" fmla="val 11707"/>
-            </a:avLst>
-          </a:prstGeom>
-          <a:ln w="12700">
-            <a:prstDash val="solid"/>
-          </a:ln>
-        </p:spPr>
-        <p:style>
-          <a:lnRef idx="2">
-            <a:schemeClr val="dk1"/>
-          </a:lnRef>
-          <a:fillRef idx="1">
-            <a:schemeClr val="lt1"/>
-          </a:fillRef>
-          <a:effectRef idx="0">
-            <a:schemeClr val="dk1"/>
-          </a:effectRef>
-          <a:fontRef idx="minor">
-            <a:schemeClr val="dk1"/>
-          </a:fontRef>
-        </p:style>
-        <p:txBody>
-          <a:bodyPr rtlCol="0" anchor="ctr"/>
-          <a:lstStyle/>
-          <a:p>
-            <a:pPr algn="ctr"/>
-            <a:r>
-              <a:rPr lang="en-US" altLang="ko-KR" sz="1000" b="1"/>
-              <a:t>mock-server-grpc</a:t>
-            </a:r>
-            <a:r>
-              <a:rPr lang="en-US" altLang="ko-KR" sz="1000"/>
-              <a:t> </a:t>
-            </a:r>
-          </a:p>
-          <a:p>
-            <a:pPr algn="ctr"/>
-            <a:r>
-              <a:rPr lang="en-US" altLang="ko-KR" sz="1000"/>
-              <a:t>Service</a:t>
-            </a:r>
-            <a:endParaRPr lang="ko-KR" altLang="en-US" sz="1000"/>
-          </a:p>
-        </p:txBody>
-      </p:sp>
-      <p:sp>
-        <p:nvSpPr>
-          <p:cNvPr id="17" name="사각형: 둥근 모서리 29">
-            <a:extLst>
-              <a:ext uri="{FF2B5EF4-FFF2-40B4-BE49-F238E27FC236}">
-                <a16:creationId xmlns:a16="http://schemas.microsoft.com/office/drawing/2014/main" id="{7CE4F32E-8DA1-2B58-FB4C-EF04F5E067EE}"/>
-              </a:ext>
-            </a:extLst>
-          </p:cNvPr>
-          <p:cNvSpPr/>
-          <p:nvPr/>
-        </p:nvSpPr>
-        <p:spPr>
-          <a:xfrm>
-            <a:off x="4728103" y="2210796"/>
-            <a:ext cx="1325312" cy="525929"/>
-          </a:xfrm>
-          <a:prstGeom prst="roundRect">
-            <a:avLst>
-              <a:gd name="adj" fmla="val 11707"/>
-            </a:avLst>
-          </a:prstGeom>
-          <a:ln w="12700">
-            <a:prstDash val="solid"/>
-          </a:ln>
-        </p:spPr>
-        <p:style>
-          <a:lnRef idx="2">
-            <a:schemeClr val="dk1"/>
-          </a:lnRef>
-          <a:fillRef idx="1">
-            <a:schemeClr val="lt1"/>
-          </a:fillRef>
-          <a:effectRef idx="0">
-            <a:schemeClr val="dk1"/>
-          </a:effectRef>
-          <a:fontRef idx="minor">
-            <a:schemeClr val="dk1"/>
-          </a:fontRef>
-        </p:style>
-        <p:txBody>
-          <a:bodyPr rtlCol="0" anchor="ctr"/>
-          <a:lstStyle/>
-          <a:p>
-            <a:pPr algn="ctr"/>
-            <a:r>
-              <a:rPr lang="en-US" altLang="ko-KR" sz="1000" b="1"/>
-              <a:t>mock-server-grpc</a:t>
-            </a:r>
-          </a:p>
-          <a:p>
-            <a:pPr algn="ctr"/>
-            <a:r>
-              <a:rPr lang="en-US" altLang="ko-KR" sz="1000"/>
-              <a:t>DestinationRule</a:t>
-            </a:r>
-            <a:endParaRPr lang="ko-KR" altLang="en-US" sz="1000"/>
-          </a:p>
-        </p:txBody>
-      </p:sp>
-      <p:sp>
-        <p:nvSpPr>
-          <p:cNvPr id="19" name="사각형: 둥근 모서리 29">
-            <a:extLst>
-              <a:ext uri="{FF2B5EF4-FFF2-40B4-BE49-F238E27FC236}">
-                <a16:creationId xmlns:a16="http://schemas.microsoft.com/office/drawing/2014/main" id="{761FE38E-FE45-B2D9-FEB2-5C058A412947}"/>
-              </a:ext>
-            </a:extLst>
-          </p:cNvPr>
-          <p:cNvSpPr/>
-          <p:nvPr/>
-        </p:nvSpPr>
-        <p:spPr>
-          <a:xfrm>
-            <a:off x="4728103" y="1511617"/>
-            <a:ext cx="1325312" cy="525929"/>
-          </a:xfrm>
-          <a:prstGeom prst="roundRect">
-            <a:avLst>
-              <a:gd name="adj" fmla="val 11707"/>
-            </a:avLst>
-          </a:prstGeom>
-          <a:ln w="12700">
-            <a:prstDash val="solid"/>
-          </a:ln>
-        </p:spPr>
-        <p:style>
-          <a:lnRef idx="2">
-            <a:schemeClr val="dk1"/>
-          </a:lnRef>
-          <a:fillRef idx="1">
-            <a:schemeClr val="lt1"/>
-          </a:fillRef>
-          <a:effectRef idx="0">
-            <a:schemeClr val="dk1"/>
-          </a:effectRef>
-          <a:fontRef idx="minor">
-            <a:schemeClr val="dk1"/>
-          </a:fontRef>
-        </p:style>
-        <p:txBody>
-          <a:bodyPr rtlCol="0" anchor="ctr"/>
-          <a:lstStyle/>
-          <a:p>
-            <a:pPr algn="ctr"/>
-            <a:r>
-              <a:rPr lang="en-US" altLang="ko-KR" sz="1000" b="1"/>
-              <a:t>mock-server-grpc</a:t>
-            </a:r>
-          </a:p>
-          <a:p>
-            <a:pPr algn="ctr"/>
-            <a:r>
-              <a:rPr lang="en-US" altLang="ko-KR" sz="1000"/>
-              <a:t>VirtualService</a:t>
-            </a:r>
-            <a:endParaRPr lang="ko-KR" altLang="en-US" sz="1000"/>
-          </a:p>
-        </p:txBody>
-      </p:sp>
-      <p:cxnSp>
-        <p:nvCxnSpPr>
-          <p:cNvPr id="20" name="Straight Arrow Connector 81">
-            <a:extLst>
-              <a:ext uri="{FF2B5EF4-FFF2-40B4-BE49-F238E27FC236}">
-                <a16:creationId xmlns:a16="http://schemas.microsoft.com/office/drawing/2014/main" id="{9030E72C-75D0-5101-BCBB-F20E65CBF7C2}"/>
-              </a:ext>
-            </a:extLst>
-          </p:cNvPr>
-          <p:cNvCxnSpPr>
-            <a:cxnSpLocks/>
-            <a:stCxn id="17" idx="2"/>
-            <a:endCxn id="16" idx="0"/>
-          </p:cNvCxnSpPr>
-          <p:nvPr/>
-        </p:nvCxnSpPr>
-        <p:spPr>
-          <a:xfrm>
-            <a:off x="5390759" y="2736725"/>
-            <a:ext cx="1" cy="180649"/>
-          </a:xfrm>
-          <a:prstGeom prst="straightConnector1">
-            <a:avLst/>
-          </a:prstGeom>
-          <a:ln>
-            <a:solidFill>
-              <a:schemeClr val="tx1"/>
-            </a:solidFill>
-            <a:tailEnd type="triangle"/>
-          </a:ln>
-        </p:spPr>
-        <p:style>
-          <a:lnRef idx="1">
-            <a:schemeClr val="accent1"/>
-          </a:lnRef>
-          <a:fillRef idx="0">
-            <a:schemeClr val="accent1"/>
-          </a:fillRef>
-          <a:effectRef idx="0">
-            <a:schemeClr val="accent1"/>
-          </a:effectRef>
-          <a:fontRef idx="minor">
-            <a:schemeClr val="tx1"/>
-          </a:fontRef>
-        </p:style>
-      </p:cxnSp>
-      <p:cxnSp>
-        <p:nvCxnSpPr>
-          <p:cNvPr id="29" name="Elbow Connector 80">
-            <a:extLst>
-              <a:ext uri="{FF2B5EF4-FFF2-40B4-BE49-F238E27FC236}">
-                <a16:creationId xmlns:a16="http://schemas.microsoft.com/office/drawing/2014/main" id="{1DD5E458-4627-ECDC-EB61-C9360DD9EE62}"/>
-              </a:ext>
-            </a:extLst>
-          </p:cNvPr>
-          <p:cNvCxnSpPr>
-            <a:cxnSpLocks/>
-            <a:stCxn id="75" idx="0"/>
-            <a:endCxn id="19" idx="0"/>
-          </p:cNvCxnSpPr>
-          <p:nvPr/>
-        </p:nvCxnSpPr>
-        <p:spPr>
-          <a:xfrm rot="5400000" flipH="1" flipV="1">
-            <a:off x="3436340" y="177936"/>
-            <a:ext cx="620737" cy="3288101"/>
-          </a:xfrm>
-          <a:prstGeom prst="bentConnector3">
-            <a:avLst>
-              <a:gd name="adj1" fmla="val 136827"/>
-            </a:avLst>
-          </a:prstGeom>
-          <a:ln w="12700">
-            <a:solidFill>
-              <a:schemeClr val="tx1"/>
-            </a:solidFill>
-            <a:tailEnd type="triangle"/>
-          </a:ln>
-        </p:spPr>
-        <p:style>
-          <a:lnRef idx="1">
-            <a:schemeClr val="accent1"/>
-          </a:lnRef>
-          <a:fillRef idx="0">
-            <a:schemeClr val="accent1"/>
-          </a:fillRef>
-          <a:effectRef idx="0">
-            <a:schemeClr val="accent1"/>
-          </a:effectRef>
-          <a:fontRef idx="minor">
-            <a:schemeClr val="tx1"/>
-          </a:fontRef>
-        </p:style>
-      </p:cxnSp>
-      <p:sp>
-        <p:nvSpPr>
-          <p:cNvPr id="75" name="사각형: 둥근 모서리 29">
-            <a:extLst>
-              <a:ext uri="{FF2B5EF4-FFF2-40B4-BE49-F238E27FC236}">
-                <a16:creationId xmlns:a16="http://schemas.microsoft.com/office/drawing/2014/main" id="{27CB51E6-5DD2-9D69-16A8-3C99F2C8B398}"/>
-              </a:ext>
-            </a:extLst>
-          </p:cNvPr>
-          <p:cNvSpPr/>
-          <p:nvPr/>
-        </p:nvSpPr>
-        <p:spPr>
-          <a:xfrm>
-            <a:off x="1657017" y="2132354"/>
-            <a:ext cx="891282" cy="439396"/>
-          </a:xfrm>
-          <a:prstGeom prst="roundRect">
-            <a:avLst>
-              <a:gd name="adj" fmla="val 14520"/>
-            </a:avLst>
-          </a:prstGeom>
-          <a:ln w="12700"/>
-        </p:spPr>
-        <p:style>
-          <a:lnRef idx="2">
-            <a:schemeClr val="dk1"/>
-          </a:lnRef>
-          <a:fillRef idx="1">
-            <a:schemeClr val="lt1"/>
-          </a:fillRef>
-          <a:effectRef idx="0">
-            <a:schemeClr val="dk1"/>
-          </a:effectRef>
-          <a:fontRef idx="minor">
-            <a:schemeClr val="dk1"/>
-          </a:fontRef>
-        </p:style>
-        <p:txBody>
-          <a:bodyPr rtlCol="0" anchor="ctr"/>
-          <a:lstStyle/>
-          <a:p>
-            <a:pPr algn="ctr"/>
-            <a:r>
-              <a:rPr lang="en-US" altLang="ko-KR" sz="1000" b="1"/>
-              <a:t>istio-proxy</a:t>
-            </a:r>
-          </a:p>
-          <a:p>
-            <a:pPr algn="ctr"/>
-            <a:r>
-              <a:rPr lang="en-US" altLang="ko-KR" sz="1000"/>
-              <a:t>Container</a:t>
-            </a:r>
-          </a:p>
-        </p:txBody>
-      </p:sp>
-      <p:sp>
-        <p:nvSpPr>
-          <p:cNvPr id="78" name="사각형: 둥근 모서리 29">
-            <a:extLst>
-              <a:ext uri="{FF2B5EF4-FFF2-40B4-BE49-F238E27FC236}">
-                <a16:creationId xmlns:a16="http://schemas.microsoft.com/office/drawing/2014/main" id="{8503C275-CF2C-2B51-2E41-E6DB18EDD050}"/>
-              </a:ext>
-            </a:extLst>
-          </p:cNvPr>
-          <p:cNvSpPr/>
-          <p:nvPr/>
-        </p:nvSpPr>
-        <p:spPr>
-          <a:xfrm>
-            <a:off x="367780" y="2132354"/>
-            <a:ext cx="989457" cy="439396"/>
-          </a:xfrm>
-          <a:prstGeom prst="roundRect">
-            <a:avLst>
-              <a:gd name="adj" fmla="val 14520"/>
-            </a:avLst>
-          </a:prstGeom>
-          <a:ln w="12700"/>
-        </p:spPr>
-        <p:style>
-          <a:lnRef idx="2">
-            <a:schemeClr val="dk1"/>
-          </a:lnRef>
-          <a:fillRef idx="1">
-            <a:schemeClr val="lt1"/>
-          </a:fillRef>
-          <a:effectRef idx="0">
-            <a:schemeClr val="dk1"/>
-          </a:effectRef>
-          <a:fontRef idx="minor">
-            <a:schemeClr val="dk1"/>
-          </a:fontRef>
-        </p:style>
-        <p:txBody>
-          <a:bodyPr rtlCol="0" anchor="ctr"/>
-          <a:lstStyle/>
-          <a:p>
-            <a:pPr algn="ctr"/>
-            <a:r>
-              <a:rPr lang="en-US" altLang="ko-KR" sz="1000" b="1"/>
-              <a:t>shell</a:t>
-            </a:r>
-          </a:p>
-          <a:p>
-            <a:pPr algn="ctr"/>
-            <a:r>
-              <a:rPr lang="en-US" altLang="ko-KR" sz="1000"/>
-              <a:t>Container</a:t>
-            </a:r>
-          </a:p>
-        </p:txBody>
-      </p:sp>
-      <p:cxnSp>
-        <p:nvCxnSpPr>
-          <p:cNvPr id="95" name="Straight Arrow Connector 81">
-            <a:extLst>
-              <a:ext uri="{FF2B5EF4-FFF2-40B4-BE49-F238E27FC236}">
-                <a16:creationId xmlns:a16="http://schemas.microsoft.com/office/drawing/2014/main" id="{B9EC7C6E-C256-CC67-5D93-504342EDC0A7}"/>
-              </a:ext>
-            </a:extLst>
-          </p:cNvPr>
-          <p:cNvCxnSpPr>
-            <a:cxnSpLocks/>
-            <a:stCxn id="78" idx="3"/>
-            <a:endCxn id="75" idx="1"/>
-          </p:cNvCxnSpPr>
-          <p:nvPr/>
-        </p:nvCxnSpPr>
-        <p:spPr>
-          <a:xfrm>
-            <a:off x="1357237" y="2352052"/>
-            <a:ext cx="299780" cy="0"/>
-          </a:xfrm>
-          <a:prstGeom prst="straightConnector1">
-            <a:avLst/>
-          </a:prstGeom>
-          <a:ln>
-            <a:solidFill>
-              <a:schemeClr val="tx1"/>
-            </a:solidFill>
-            <a:tailEnd type="triangle"/>
-          </a:ln>
-        </p:spPr>
-        <p:style>
-          <a:lnRef idx="1">
-            <a:schemeClr val="accent1"/>
-          </a:lnRef>
-          <a:fillRef idx="0">
-            <a:schemeClr val="accent1"/>
-          </a:fillRef>
-          <a:effectRef idx="0">
-            <a:schemeClr val="accent1"/>
-          </a:effectRef>
-          <a:fontRef idx="minor">
-            <a:schemeClr val="tx1"/>
-          </a:fontRef>
-        </p:style>
-      </p:cxnSp>
-      <p:sp>
-        <p:nvSpPr>
-          <p:cNvPr id="100" name="사각형: 둥근 모서리 29">
-            <a:extLst>
-              <a:ext uri="{FF2B5EF4-FFF2-40B4-BE49-F238E27FC236}">
-                <a16:creationId xmlns:a16="http://schemas.microsoft.com/office/drawing/2014/main" id="{A4B68954-A646-B3E9-B9BC-4478931DAEB5}"/>
-              </a:ext>
-            </a:extLst>
-          </p:cNvPr>
-          <p:cNvSpPr/>
-          <p:nvPr/>
-        </p:nvSpPr>
-        <p:spPr>
-          <a:xfrm>
-            <a:off x="6352093" y="1938094"/>
-            <a:ext cx="2551069" cy="1267312"/>
-          </a:xfrm>
-          <a:prstGeom prst="roundRect">
-            <a:avLst>
-              <a:gd name="adj" fmla="val 6027"/>
-            </a:avLst>
-          </a:prstGeom>
-          <a:ln w="12700"/>
-        </p:spPr>
-        <p:style>
-          <a:lnRef idx="2">
-            <a:schemeClr val="dk1"/>
-          </a:lnRef>
-          <a:fillRef idx="1">
-            <a:schemeClr val="lt1"/>
-          </a:fillRef>
-          <a:effectRef idx="0">
-            <a:schemeClr val="dk1"/>
-          </a:effectRef>
-          <a:fontRef idx="minor">
-            <a:schemeClr val="dk1"/>
-          </a:fontRef>
-        </p:style>
-        <p:txBody>
-          <a:bodyPr rtlCol="0" anchor="b"/>
-          <a:lstStyle/>
-          <a:p>
-            <a:pPr algn="ctr"/>
-            <a:r>
-              <a:rPr lang="en-US" altLang="ko-KR" sz="1000" b="1"/>
-              <a:t> </a:t>
-            </a:r>
-          </a:p>
-          <a:p>
-            <a:pPr algn="ctr"/>
-            <a:r>
-              <a:rPr lang="en-US" altLang="ko-KR" sz="1000"/>
-              <a:t>Worker Node</a:t>
-            </a:r>
-            <a:endParaRPr lang="ko-KR" altLang="en-US" sz="1000"/>
-          </a:p>
-        </p:txBody>
-      </p:sp>
-      <p:sp>
-        <p:nvSpPr>
-          <p:cNvPr id="101" name="사각형: 둥근 모서리 29">
-            <a:extLst>
-              <a:ext uri="{FF2B5EF4-FFF2-40B4-BE49-F238E27FC236}">
-                <a16:creationId xmlns:a16="http://schemas.microsoft.com/office/drawing/2014/main" id="{E9CCED40-2C00-B387-B7BC-AD47EE9854A5}"/>
-              </a:ext>
-            </a:extLst>
-          </p:cNvPr>
-          <p:cNvSpPr/>
-          <p:nvPr/>
-        </p:nvSpPr>
-        <p:spPr>
-          <a:xfrm>
-            <a:off x="6442602" y="2037546"/>
-            <a:ext cx="2372526" cy="888200"/>
-          </a:xfrm>
-          <a:prstGeom prst="roundRect">
-            <a:avLst>
-              <a:gd name="adj" fmla="val 10124"/>
-            </a:avLst>
-          </a:prstGeom>
-          <a:ln w="12700"/>
-        </p:spPr>
-        <p:style>
-          <a:lnRef idx="2">
-            <a:schemeClr val="dk1"/>
-          </a:lnRef>
-          <a:fillRef idx="1">
-            <a:schemeClr val="lt1"/>
-          </a:fillRef>
-          <a:effectRef idx="0">
-            <a:schemeClr val="dk1"/>
-          </a:effectRef>
-          <a:fontRef idx="minor">
-            <a:schemeClr val="dk1"/>
-          </a:fontRef>
-        </p:style>
-        <p:txBody>
-          <a:bodyPr rtlCol="0" anchor="b"/>
-          <a:lstStyle/>
-          <a:p>
-            <a:pPr algn="ctr"/>
-            <a:r>
-              <a:rPr lang="en-US" altLang="ko-KR" sz="1000" b="1"/>
-              <a:t>mock-server </a:t>
-            </a:r>
-            <a:r>
-              <a:rPr lang="en-US" altLang="ko-KR" sz="1000"/>
-              <a:t>Pod</a:t>
-            </a:r>
-          </a:p>
-        </p:txBody>
-      </p:sp>
-      <p:cxnSp>
-        <p:nvCxnSpPr>
-          <p:cNvPr id="105" name="Elbow Connector 80">
-            <a:extLst>
-              <a:ext uri="{FF2B5EF4-FFF2-40B4-BE49-F238E27FC236}">
-                <a16:creationId xmlns:a16="http://schemas.microsoft.com/office/drawing/2014/main" id="{CDD1A6AA-32EA-20E0-8EC1-9357B0CB5D87}"/>
-              </a:ext>
-            </a:extLst>
-          </p:cNvPr>
-          <p:cNvCxnSpPr>
-            <a:cxnSpLocks/>
-            <a:stCxn id="16" idx="2"/>
-            <a:endCxn id="113" idx="2"/>
-          </p:cNvCxnSpPr>
-          <p:nvPr/>
-        </p:nvCxnSpPr>
-        <p:spPr>
-          <a:xfrm rot="5400000" flipH="1" flipV="1">
-            <a:off x="5752604" y="2209906"/>
-            <a:ext cx="871553" cy="1595242"/>
-          </a:xfrm>
-          <a:prstGeom prst="bentConnector3">
-            <a:avLst>
-              <a:gd name="adj1" fmla="val -26229"/>
-            </a:avLst>
-          </a:prstGeom>
-          <a:ln w="12700">
-            <a:solidFill>
-              <a:schemeClr val="tx1"/>
-            </a:solidFill>
-            <a:tailEnd type="triangle"/>
-          </a:ln>
-        </p:spPr>
-        <p:style>
-          <a:lnRef idx="1">
-            <a:schemeClr val="accent1"/>
-          </a:lnRef>
-          <a:fillRef idx="0">
-            <a:schemeClr val="accent1"/>
-          </a:fillRef>
-          <a:effectRef idx="0">
-            <a:schemeClr val="accent1"/>
-          </a:effectRef>
-          <a:fontRef idx="minor">
-            <a:schemeClr val="tx1"/>
-          </a:fontRef>
-        </p:style>
-      </p:cxnSp>
-      <p:sp>
-        <p:nvSpPr>
-          <p:cNvPr id="112" name="사각형: 둥근 모서리 29">
-            <a:extLst>
-              <a:ext uri="{FF2B5EF4-FFF2-40B4-BE49-F238E27FC236}">
-                <a16:creationId xmlns:a16="http://schemas.microsoft.com/office/drawing/2014/main" id="{BE712579-55D1-0371-8312-3A9CDBBFD97D}"/>
-              </a:ext>
-            </a:extLst>
-          </p:cNvPr>
-          <p:cNvSpPr/>
-          <p:nvPr/>
-        </p:nvSpPr>
-        <p:spPr>
-          <a:xfrm>
-            <a:off x="7731423" y="2132354"/>
-            <a:ext cx="989457" cy="439396"/>
-          </a:xfrm>
-          <a:prstGeom prst="roundRect">
-            <a:avLst>
-              <a:gd name="adj" fmla="val 14520"/>
-            </a:avLst>
-          </a:prstGeom>
-          <a:ln w="12700"/>
-        </p:spPr>
-        <p:style>
-          <a:lnRef idx="2">
-            <a:schemeClr val="dk1"/>
-          </a:lnRef>
-          <a:fillRef idx="1">
-            <a:schemeClr val="lt1"/>
-          </a:fillRef>
-          <a:effectRef idx="0">
-            <a:schemeClr val="dk1"/>
-          </a:effectRef>
-          <a:fontRef idx="minor">
-            <a:schemeClr val="dk1"/>
-          </a:fontRef>
-        </p:style>
-        <p:txBody>
-          <a:bodyPr rtlCol="0" anchor="ctr"/>
-          <a:lstStyle/>
-          <a:p>
-            <a:pPr algn="ctr"/>
-            <a:r>
-              <a:rPr lang="en-US" altLang="ko-KR" sz="1000" b="1"/>
-              <a:t>mock-server</a:t>
-            </a:r>
-          </a:p>
-          <a:p>
-            <a:pPr algn="ctr"/>
-            <a:r>
-              <a:rPr lang="en-US" altLang="ko-KR" sz="1000"/>
-              <a:t>Container</a:t>
-            </a:r>
-          </a:p>
-        </p:txBody>
-      </p:sp>
-      <p:sp>
-        <p:nvSpPr>
-          <p:cNvPr id="113" name="사각형: 둥근 모서리 29">
-            <a:extLst>
-              <a:ext uri="{FF2B5EF4-FFF2-40B4-BE49-F238E27FC236}">
-                <a16:creationId xmlns:a16="http://schemas.microsoft.com/office/drawing/2014/main" id="{C982D15B-33E2-2313-C616-9751C4C9E450}"/>
-              </a:ext>
-            </a:extLst>
-          </p:cNvPr>
-          <p:cNvSpPr/>
-          <p:nvPr/>
-        </p:nvSpPr>
-        <p:spPr>
-          <a:xfrm>
-            <a:off x="6540361" y="2132354"/>
-            <a:ext cx="891282" cy="439396"/>
-          </a:xfrm>
-          <a:prstGeom prst="roundRect">
-            <a:avLst>
-              <a:gd name="adj" fmla="val 14520"/>
-            </a:avLst>
-          </a:prstGeom>
-          <a:ln w="12700"/>
-        </p:spPr>
-        <p:style>
-          <a:lnRef idx="2">
-            <a:schemeClr val="dk1"/>
-          </a:lnRef>
-          <a:fillRef idx="1">
-            <a:schemeClr val="lt1"/>
-          </a:fillRef>
-          <a:effectRef idx="0">
-            <a:schemeClr val="dk1"/>
-          </a:effectRef>
-          <a:fontRef idx="minor">
-            <a:schemeClr val="dk1"/>
-          </a:fontRef>
-        </p:style>
-        <p:txBody>
-          <a:bodyPr rtlCol="0" anchor="ctr"/>
-          <a:lstStyle/>
-          <a:p>
-            <a:pPr algn="ctr"/>
-            <a:r>
-              <a:rPr lang="en-US" altLang="ko-KR" sz="1000" b="1"/>
-              <a:t>istio-proxy</a:t>
-            </a:r>
-          </a:p>
-          <a:p>
-            <a:pPr algn="ctr"/>
-            <a:r>
-              <a:rPr lang="en-US" altLang="ko-KR" sz="1000"/>
-              <a:t>Container</a:t>
-            </a:r>
-          </a:p>
-        </p:txBody>
-      </p:sp>
-      <p:cxnSp>
-        <p:nvCxnSpPr>
-          <p:cNvPr id="115" name="Elbow Connector 80">
-            <a:extLst>
-              <a:ext uri="{FF2B5EF4-FFF2-40B4-BE49-F238E27FC236}">
-                <a16:creationId xmlns:a16="http://schemas.microsoft.com/office/drawing/2014/main" id="{99705ABF-F96A-CA9D-A70F-2B396DEB0002}"/>
-              </a:ext>
-            </a:extLst>
-          </p:cNvPr>
-          <p:cNvCxnSpPr>
-            <a:cxnSpLocks/>
-            <a:stCxn id="2" idx="2"/>
-            <a:endCxn id="113" idx="2"/>
-          </p:cNvCxnSpPr>
-          <p:nvPr/>
-        </p:nvCxnSpPr>
-        <p:spPr>
-          <a:xfrm rot="5400000" flipH="1" flipV="1">
-            <a:off x="4899270" y="1362412"/>
-            <a:ext cx="877394" cy="3296070"/>
-          </a:xfrm>
-          <a:prstGeom prst="bentConnector3">
-            <a:avLst>
-              <a:gd name="adj1" fmla="val -26054"/>
-            </a:avLst>
-          </a:prstGeom>
-          <a:ln w="12700">
-            <a:solidFill>
-              <a:schemeClr val="tx1"/>
-            </a:solidFill>
-            <a:tailEnd type="triangle"/>
-          </a:ln>
-        </p:spPr>
-        <p:style>
-          <a:lnRef idx="1">
-            <a:schemeClr val="accent1"/>
-          </a:lnRef>
-          <a:fillRef idx="0">
-            <a:schemeClr val="accent1"/>
-          </a:fillRef>
-          <a:effectRef idx="0">
-            <a:schemeClr val="accent1"/>
-          </a:effectRef>
-          <a:fontRef idx="minor">
-            <a:schemeClr val="tx1"/>
-          </a:fontRef>
-        </p:style>
-      </p:cxnSp>
-      <p:cxnSp>
-        <p:nvCxnSpPr>
-          <p:cNvPr id="118" name="Straight Arrow Connector 81">
-            <a:extLst>
-              <a:ext uri="{FF2B5EF4-FFF2-40B4-BE49-F238E27FC236}">
-                <a16:creationId xmlns:a16="http://schemas.microsoft.com/office/drawing/2014/main" id="{FF6CFCB8-EACD-517B-C20F-FF639AA59450}"/>
-              </a:ext>
-            </a:extLst>
-          </p:cNvPr>
-          <p:cNvCxnSpPr>
-            <a:cxnSpLocks/>
-            <a:stCxn id="113" idx="3"/>
-            <a:endCxn id="112" idx="1"/>
-          </p:cNvCxnSpPr>
-          <p:nvPr/>
-        </p:nvCxnSpPr>
-        <p:spPr>
-          <a:xfrm>
-            <a:off x="7431643" y="2352052"/>
-            <a:ext cx="299780" cy="0"/>
-          </a:xfrm>
-          <a:prstGeom prst="straightConnector1">
-            <a:avLst/>
-          </a:prstGeom>
-          <a:ln>
-            <a:solidFill>
-              <a:schemeClr val="tx1"/>
-            </a:solidFill>
-            <a:tailEnd type="triangle"/>
-          </a:ln>
-        </p:spPr>
-        <p:style>
-          <a:lnRef idx="1">
-            <a:schemeClr val="accent1"/>
-          </a:lnRef>
-          <a:fillRef idx="0">
-            <a:schemeClr val="accent1"/>
-          </a:fillRef>
-          <a:effectRef idx="0">
-            <a:schemeClr val="accent1"/>
-          </a:effectRef>
-          <a:fontRef idx="minor">
-            <a:schemeClr val="tx1"/>
-          </a:fontRef>
-        </p:style>
-      </p:cxnSp>
-    </p:spTree>
-    <p:extLst>
-      <p:ext uri="{BB962C8B-B14F-4D97-AF65-F5344CB8AC3E}">
-        <p14:creationId xmlns:p14="http://schemas.microsoft.com/office/powerpoint/2010/main" val="3694794733"/>
-      </p:ext>
-    </p:extLst>
-  </p:cSld>
-  <p:clrMapOvr>
-    <a:masterClrMapping/>
-  </p:clrMapOvr>
-</p:sld>
-</file>
-
-<file path=ppt/slides/slide9.xml><?xml version="1.0" encoding="utf-8"?>
-<p:sld xmlns:a="http://schemas.openxmlformats.org/drawingml/2006/main" xmlns:r="http://schemas.openxmlformats.org/officeDocument/2006/relationships" xmlns:p="http://schemas.openxmlformats.org/presentationml/2006/main">
-  <p:cSld>
-    <p:spTree>
-      <p:nvGrpSpPr>
-        <p:cNvPr id="1" name="">
-          <a:extLst>
-            <a:ext uri="{FF2B5EF4-FFF2-40B4-BE49-F238E27FC236}">
-              <a16:creationId xmlns:a16="http://schemas.microsoft.com/office/drawing/2014/main" id="{6FFA9799-1BD4-2511-727E-886F29085D11}"/>
-            </a:ext>
-          </a:extLst>
-        </p:cNvPr>
-        <p:cNvGrpSpPr/>
-        <p:nvPr/>
-      </p:nvGrpSpPr>
-      <p:grpSpPr>
-        <a:xfrm>
-          <a:off x="0" y="0"/>
-          <a:ext cx="0" cy="0"/>
-          <a:chOff x="0" y="0"/>
-          <a:chExt cx="0" cy="0"/>
-        </a:xfrm>
-      </p:grpSpPr>
-      <p:sp>
-        <p:nvSpPr>
-          <p:cNvPr id="6" name="사각형: 둥근 모서리 29">
-            <a:extLst>
-              <a:ext uri="{FF2B5EF4-FFF2-40B4-BE49-F238E27FC236}">
-                <a16:creationId xmlns:a16="http://schemas.microsoft.com/office/drawing/2014/main" id="{C83CEC76-212D-1763-6A95-0DE2858A1BB3}"/>
-              </a:ext>
-            </a:extLst>
-          </p:cNvPr>
-          <p:cNvSpPr/>
-          <p:nvPr/>
-        </p:nvSpPr>
-        <p:spPr>
-          <a:xfrm>
-            <a:off x="179512" y="1938094"/>
-            <a:ext cx="2551069" cy="1267312"/>
-          </a:xfrm>
-          <a:prstGeom prst="roundRect">
-            <a:avLst>
-              <a:gd name="adj" fmla="val 6027"/>
-            </a:avLst>
-          </a:prstGeom>
-          <a:ln w="12700"/>
-        </p:spPr>
-        <p:style>
-          <a:lnRef idx="2">
-            <a:schemeClr val="dk1"/>
-          </a:lnRef>
-          <a:fillRef idx="1">
-            <a:schemeClr val="lt1"/>
-          </a:fillRef>
-          <a:effectRef idx="0">
-            <a:schemeClr val="dk1"/>
-          </a:effectRef>
-          <a:fontRef idx="minor">
-            <a:schemeClr val="dk1"/>
-          </a:fontRef>
-        </p:style>
-        <p:txBody>
-          <a:bodyPr rtlCol="0" anchor="b"/>
-          <a:lstStyle/>
-          <a:p>
-            <a:pPr algn="ctr"/>
-            <a:r>
-              <a:rPr lang="en-US" altLang="ko-KR" sz="1000" b="1"/>
-              <a:t> </a:t>
-            </a:r>
-          </a:p>
-          <a:p>
-            <a:pPr algn="ctr"/>
-            <a:r>
-              <a:rPr lang="en-US" altLang="ko-KR" sz="1000"/>
-              <a:t>Worker Node</a:t>
-            </a:r>
-            <a:endParaRPr lang="ko-KR" altLang="en-US" sz="1000"/>
-          </a:p>
-        </p:txBody>
-      </p:sp>
-      <p:sp>
-        <p:nvSpPr>
-          <p:cNvPr id="4" name="사각형: 둥근 모서리 29">
-            <a:extLst>
-              <a:ext uri="{FF2B5EF4-FFF2-40B4-BE49-F238E27FC236}">
-                <a16:creationId xmlns:a16="http://schemas.microsoft.com/office/drawing/2014/main" id="{CE1D13E9-C6CB-C0C9-EE3C-D3E61B7DF42B}"/>
-              </a:ext>
-            </a:extLst>
-          </p:cNvPr>
-          <p:cNvSpPr/>
-          <p:nvPr/>
-        </p:nvSpPr>
-        <p:spPr>
-          <a:xfrm>
-            <a:off x="270021" y="2037546"/>
-            <a:ext cx="2372526" cy="888200"/>
-          </a:xfrm>
-          <a:prstGeom prst="roundRect">
-            <a:avLst>
-              <a:gd name="adj" fmla="val 10124"/>
-            </a:avLst>
-          </a:prstGeom>
-          <a:ln w="12700"/>
-        </p:spPr>
-        <p:style>
-          <a:lnRef idx="2">
-            <a:schemeClr val="dk1"/>
-          </a:lnRef>
-          <a:fillRef idx="1">
-            <a:schemeClr val="lt1"/>
-          </a:fillRef>
-          <a:effectRef idx="0">
-            <a:schemeClr val="dk1"/>
-          </a:effectRef>
-          <a:fontRef idx="minor">
-            <a:schemeClr val="dk1"/>
-          </a:fontRef>
-        </p:style>
-        <p:txBody>
-          <a:bodyPr rtlCol="0" anchor="b"/>
-          <a:lstStyle/>
-          <a:p>
-            <a:pPr algn="ctr"/>
-            <a:r>
-              <a:rPr lang="en-US" altLang="ko-KR" sz="1000" b="1"/>
-              <a:t>shell </a:t>
-            </a:r>
-            <a:r>
-              <a:rPr lang="en-US" altLang="ko-KR" sz="1000"/>
-              <a:t>Pod</a:t>
-            </a:r>
-          </a:p>
-        </p:txBody>
-      </p:sp>
-      <p:cxnSp>
-        <p:nvCxnSpPr>
-          <p:cNvPr id="8" name="Straight Arrow Connector 81">
-            <a:extLst>
-              <a:ext uri="{FF2B5EF4-FFF2-40B4-BE49-F238E27FC236}">
-                <a16:creationId xmlns:a16="http://schemas.microsoft.com/office/drawing/2014/main" id="{CF8E56E2-71B3-FE13-9089-3B8885069C12}"/>
-              </a:ext>
-            </a:extLst>
-          </p:cNvPr>
-          <p:cNvCxnSpPr>
-            <a:cxnSpLocks/>
-            <a:stCxn id="9" idx="2"/>
-            <a:endCxn id="3" idx="0"/>
-          </p:cNvCxnSpPr>
-          <p:nvPr/>
-        </p:nvCxnSpPr>
-        <p:spPr>
-          <a:xfrm>
-            <a:off x="3689931" y="2043387"/>
-            <a:ext cx="0" cy="173250"/>
-          </a:xfrm>
-          <a:prstGeom prst="straightConnector1">
-            <a:avLst/>
-          </a:prstGeom>
-          <a:ln>
-            <a:solidFill>
-              <a:schemeClr val="tx1"/>
-            </a:solidFill>
-            <a:tailEnd type="triangle"/>
-          </a:ln>
-        </p:spPr>
-        <p:style>
-          <a:lnRef idx="1">
-            <a:schemeClr val="accent1"/>
-          </a:lnRef>
-          <a:fillRef idx="0">
-            <a:schemeClr val="accent1"/>
-          </a:fillRef>
-          <a:effectRef idx="0">
-            <a:schemeClr val="accent1"/>
-          </a:effectRef>
-          <a:fontRef idx="minor">
-            <a:schemeClr val="tx1"/>
-          </a:fontRef>
-        </p:style>
-      </p:cxnSp>
-      <p:sp>
-        <p:nvSpPr>
-          <p:cNvPr id="2" name="사각형: 둥근 모서리 29">
-            <a:extLst>
-              <a:ext uri="{FF2B5EF4-FFF2-40B4-BE49-F238E27FC236}">
-                <a16:creationId xmlns:a16="http://schemas.microsoft.com/office/drawing/2014/main" id="{7C90F752-57B8-4B66-0366-E4A19F054399}"/>
-              </a:ext>
-            </a:extLst>
-          </p:cNvPr>
-          <p:cNvSpPr/>
-          <p:nvPr/>
-        </p:nvSpPr>
-        <p:spPr>
-          <a:xfrm>
-            <a:off x="3027276" y="2923215"/>
-            <a:ext cx="1325312" cy="525929"/>
-          </a:xfrm>
-          <a:prstGeom prst="roundRect">
-            <a:avLst>
-              <a:gd name="adj" fmla="val 11707"/>
-            </a:avLst>
-          </a:prstGeom>
-          <a:ln w="12700">
-            <a:prstDash val="solid"/>
-          </a:ln>
-        </p:spPr>
-        <p:style>
-          <a:lnRef idx="2">
-            <a:schemeClr val="dk1"/>
-          </a:lnRef>
-          <a:fillRef idx="1">
-            <a:schemeClr val="lt1"/>
-          </a:fillRef>
-          <a:effectRef idx="0">
-            <a:schemeClr val="dk1"/>
-          </a:effectRef>
-          <a:fontRef idx="minor">
-            <a:schemeClr val="dk1"/>
-          </a:fontRef>
-        </p:style>
-        <p:txBody>
-          <a:bodyPr rtlCol="0" anchor="ctr"/>
-          <a:lstStyle/>
-          <a:p>
-            <a:pPr algn="ctr"/>
-            <a:r>
-              <a:rPr lang="en-US" altLang="ko-KR" sz="1000" b="1"/>
-              <a:t>mock-server-http</a:t>
-            </a:r>
-            <a:r>
-              <a:rPr lang="en-US" altLang="ko-KR" sz="1000"/>
-              <a:t> </a:t>
-            </a:r>
-          </a:p>
-          <a:p>
-            <a:pPr algn="ctr"/>
-            <a:r>
-              <a:rPr lang="en-US" altLang="ko-KR" sz="1000"/>
-              <a:t>Service</a:t>
-            </a:r>
-            <a:endParaRPr lang="ko-KR" altLang="en-US" sz="1000"/>
-          </a:p>
-        </p:txBody>
-      </p:sp>
-      <p:sp>
-        <p:nvSpPr>
-          <p:cNvPr id="3" name="사각형: 둥근 모서리 29">
-            <a:extLst>
-              <a:ext uri="{FF2B5EF4-FFF2-40B4-BE49-F238E27FC236}">
-                <a16:creationId xmlns:a16="http://schemas.microsoft.com/office/drawing/2014/main" id="{7D1C98E8-6733-F5EB-371F-CE8E7751BDC9}"/>
-              </a:ext>
-            </a:extLst>
-          </p:cNvPr>
-          <p:cNvSpPr/>
-          <p:nvPr/>
-        </p:nvSpPr>
-        <p:spPr>
-          <a:xfrm>
-            <a:off x="3027275" y="2216637"/>
-            <a:ext cx="1325312" cy="525929"/>
-          </a:xfrm>
-          <a:prstGeom prst="roundRect">
-            <a:avLst>
-              <a:gd name="adj" fmla="val 11707"/>
-            </a:avLst>
-          </a:prstGeom>
-          <a:ln w="12700">
-            <a:prstDash val="solid"/>
-          </a:ln>
-        </p:spPr>
-        <p:style>
-          <a:lnRef idx="2">
-            <a:schemeClr val="dk1"/>
-          </a:lnRef>
-          <a:fillRef idx="1">
-            <a:schemeClr val="lt1"/>
-          </a:fillRef>
-          <a:effectRef idx="0">
-            <a:schemeClr val="dk1"/>
-          </a:effectRef>
-          <a:fontRef idx="minor">
-            <a:schemeClr val="dk1"/>
-          </a:fontRef>
-        </p:style>
-        <p:txBody>
-          <a:bodyPr rtlCol="0" anchor="ctr"/>
-          <a:lstStyle/>
-          <a:p>
-            <a:pPr algn="ctr"/>
-            <a:r>
-              <a:rPr lang="en-US" altLang="ko-KR" sz="1000" b="1"/>
-              <a:t>mock-server-http</a:t>
-            </a:r>
-          </a:p>
-          <a:p>
-            <a:pPr algn="ctr"/>
-            <a:r>
-              <a:rPr lang="en-US" altLang="ko-KR" sz="1000"/>
-              <a:t>DestinationRule</a:t>
-            </a:r>
-            <a:endParaRPr lang="ko-KR" altLang="en-US" sz="1000"/>
-          </a:p>
-        </p:txBody>
-      </p:sp>
-      <p:sp>
-        <p:nvSpPr>
-          <p:cNvPr id="9" name="사각형: 둥근 모서리 29">
-            <a:extLst>
-              <a:ext uri="{FF2B5EF4-FFF2-40B4-BE49-F238E27FC236}">
-                <a16:creationId xmlns:a16="http://schemas.microsoft.com/office/drawing/2014/main" id="{7E07A315-AEF4-6B27-5C04-08FD8946E078}"/>
-              </a:ext>
-            </a:extLst>
-          </p:cNvPr>
-          <p:cNvSpPr/>
-          <p:nvPr/>
-        </p:nvSpPr>
-        <p:spPr>
-          <a:xfrm>
-            <a:off x="3027275" y="1517458"/>
-            <a:ext cx="1325312" cy="525929"/>
-          </a:xfrm>
-          <a:prstGeom prst="roundRect">
-            <a:avLst>
-              <a:gd name="adj" fmla="val 11707"/>
-            </a:avLst>
-          </a:prstGeom>
-          <a:ln w="12700">
-            <a:prstDash val="solid"/>
-          </a:ln>
-        </p:spPr>
-        <p:style>
-          <a:lnRef idx="2">
-            <a:schemeClr val="dk1"/>
-          </a:lnRef>
-          <a:fillRef idx="1">
-            <a:schemeClr val="lt1"/>
-          </a:fillRef>
-          <a:effectRef idx="0">
-            <a:schemeClr val="dk1"/>
-          </a:effectRef>
-          <a:fontRef idx="minor">
-            <a:schemeClr val="dk1"/>
-          </a:fontRef>
-        </p:style>
-        <p:txBody>
-          <a:bodyPr rtlCol="0" anchor="ctr"/>
-          <a:lstStyle/>
-          <a:p>
-            <a:pPr algn="ctr"/>
-            <a:r>
-              <a:rPr lang="en-US" altLang="ko-KR" sz="1000" b="1"/>
-              <a:t>mock-server-http</a:t>
-            </a:r>
-          </a:p>
-          <a:p>
-            <a:pPr algn="ctr"/>
-            <a:r>
-              <a:rPr lang="en-US" altLang="ko-KR" sz="1000"/>
-              <a:t>VirtualService</a:t>
-            </a:r>
-            <a:endParaRPr lang="ko-KR" altLang="en-US" sz="1000"/>
-          </a:p>
-        </p:txBody>
-      </p:sp>
-      <p:cxnSp>
-        <p:nvCxnSpPr>
-          <p:cNvPr id="11" name="Elbow Connector 80">
-            <a:extLst>
-              <a:ext uri="{FF2B5EF4-FFF2-40B4-BE49-F238E27FC236}">
-                <a16:creationId xmlns:a16="http://schemas.microsoft.com/office/drawing/2014/main" id="{ED7AA9CF-F5CC-D569-8DCF-FFF979F628D1}"/>
-              </a:ext>
-            </a:extLst>
-          </p:cNvPr>
-          <p:cNvCxnSpPr>
-            <a:cxnSpLocks/>
-            <a:stCxn id="75" idx="0"/>
-            <a:endCxn id="9" idx="0"/>
-          </p:cNvCxnSpPr>
-          <p:nvPr/>
-        </p:nvCxnSpPr>
-        <p:spPr>
-          <a:xfrm rot="5400000" flipH="1" flipV="1">
-            <a:off x="2588846" y="1031270"/>
-            <a:ext cx="614896" cy="1587273"/>
-          </a:xfrm>
-          <a:prstGeom prst="bentConnector3">
-            <a:avLst>
-              <a:gd name="adj1" fmla="val 137177"/>
-            </a:avLst>
-          </a:prstGeom>
-          <a:ln w="12700">
-            <a:solidFill>
-              <a:schemeClr val="tx1"/>
-            </a:solidFill>
-            <a:tailEnd type="triangle"/>
-          </a:ln>
-        </p:spPr>
-        <p:style>
-          <a:lnRef idx="1">
-            <a:schemeClr val="accent1"/>
-          </a:lnRef>
-          <a:fillRef idx="0">
-            <a:schemeClr val="accent1"/>
-          </a:fillRef>
-          <a:effectRef idx="0">
-            <a:schemeClr val="accent1"/>
-          </a:effectRef>
-          <a:fontRef idx="minor">
-            <a:schemeClr val="tx1"/>
-          </a:fontRef>
-        </p:style>
-      </p:cxnSp>
-      <p:cxnSp>
-        <p:nvCxnSpPr>
-          <p:cNvPr id="18" name="Straight Arrow Connector 81">
-            <a:extLst>
-              <a:ext uri="{FF2B5EF4-FFF2-40B4-BE49-F238E27FC236}">
-                <a16:creationId xmlns:a16="http://schemas.microsoft.com/office/drawing/2014/main" id="{65255914-9ADC-59FF-BBC2-742A57E33CAC}"/>
-              </a:ext>
-            </a:extLst>
-          </p:cNvPr>
-          <p:cNvCxnSpPr>
-            <a:cxnSpLocks/>
-            <a:stCxn id="3" idx="2"/>
-            <a:endCxn id="2" idx="0"/>
-          </p:cNvCxnSpPr>
-          <p:nvPr/>
-        </p:nvCxnSpPr>
-        <p:spPr>
-          <a:xfrm>
-            <a:off x="3689931" y="2742566"/>
-            <a:ext cx="1" cy="180649"/>
-          </a:xfrm>
-          <a:prstGeom prst="straightConnector1">
-            <a:avLst/>
-          </a:prstGeom>
-          <a:ln>
-            <a:solidFill>
-              <a:schemeClr val="tx1"/>
-            </a:solidFill>
-            <a:tailEnd type="triangle"/>
-          </a:ln>
-        </p:spPr>
-        <p:style>
-          <a:lnRef idx="1">
-            <a:schemeClr val="accent1"/>
-          </a:lnRef>
-          <a:fillRef idx="0">
-            <a:schemeClr val="accent1"/>
-          </a:fillRef>
-          <a:effectRef idx="0">
-            <a:schemeClr val="accent1"/>
-          </a:effectRef>
-          <a:fontRef idx="minor">
-            <a:schemeClr val="tx1"/>
-          </a:fontRef>
-        </p:style>
-      </p:cxnSp>
-      <p:cxnSp>
-        <p:nvCxnSpPr>
-          <p:cNvPr id="15" name="Straight Arrow Connector 81">
-            <a:extLst>
-              <a:ext uri="{FF2B5EF4-FFF2-40B4-BE49-F238E27FC236}">
-                <a16:creationId xmlns:a16="http://schemas.microsoft.com/office/drawing/2014/main" id="{F555840B-8DB0-18F2-7767-45E7F6C2DB47}"/>
-              </a:ext>
-            </a:extLst>
-          </p:cNvPr>
-          <p:cNvCxnSpPr>
-            <a:cxnSpLocks/>
-            <a:stCxn id="19" idx="2"/>
-            <a:endCxn id="17" idx="0"/>
-          </p:cNvCxnSpPr>
-          <p:nvPr/>
-        </p:nvCxnSpPr>
-        <p:spPr>
-          <a:xfrm>
-            <a:off x="5390759" y="2037546"/>
-            <a:ext cx="0" cy="173250"/>
-          </a:xfrm>
-          <a:prstGeom prst="straightConnector1">
-            <a:avLst/>
-          </a:prstGeom>
-          <a:ln>
-            <a:solidFill>
-              <a:schemeClr val="tx1"/>
-            </a:solidFill>
-            <a:tailEnd type="triangle"/>
-          </a:ln>
-        </p:spPr>
-        <p:style>
-          <a:lnRef idx="1">
-            <a:schemeClr val="accent1"/>
-          </a:lnRef>
-          <a:fillRef idx="0">
-            <a:schemeClr val="accent1"/>
-          </a:fillRef>
-          <a:effectRef idx="0">
-            <a:schemeClr val="accent1"/>
-          </a:effectRef>
-          <a:fontRef idx="minor">
-            <a:schemeClr val="tx1"/>
-          </a:fontRef>
-        </p:style>
-      </p:cxnSp>
-      <p:sp>
-        <p:nvSpPr>
-          <p:cNvPr id="16" name="사각형: 둥근 모서리 29">
-            <a:extLst>
-              <a:ext uri="{FF2B5EF4-FFF2-40B4-BE49-F238E27FC236}">
-                <a16:creationId xmlns:a16="http://schemas.microsoft.com/office/drawing/2014/main" id="{53B1D163-A163-3956-6C4F-4573E6817193}"/>
-              </a:ext>
-            </a:extLst>
-          </p:cNvPr>
-          <p:cNvSpPr/>
-          <p:nvPr/>
-        </p:nvSpPr>
-        <p:spPr>
-          <a:xfrm>
-            <a:off x="4728104" y="2917374"/>
-            <a:ext cx="1325312" cy="525929"/>
-          </a:xfrm>
-          <a:prstGeom prst="roundRect">
-            <a:avLst>
-              <a:gd name="adj" fmla="val 11707"/>
-            </a:avLst>
-          </a:prstGeom>
-          <a:ln w="12700">
-            <a:prstDash val="solid"/>
-          </a:ln>
-        </p:spPr>
-        <p:style>
-          <a:lnRef idx="2">
-            <a:schemeClr val="dk1"/>
-          </a:lnRef>
-          <a:fillRef idx="1">
-            <a:schemeClr val="lt1"/>
-          </a:fillRef>
-          <a:effectRef idx="0">
-            <a:schemeClr val="dk1"/>
-          </a:effectRef>
-          <a:fontRef idx="minor">
-            <a:schemeClr val="dk1"/>
-          </a:fontRef>
-        </p:style>
-        <p:txBody>
-          <a:bodyPr rtlCol="0" anchor="ctr"/>
-          <a:lstStyle/>
-          <a:p>
-            <a:pPr algn="ctr"/>
-            <a:r>
-              <a:rPr lang="en-US" altLang="ko-KR" sz="1000" b="1"/>
-              <a:t>mock-server-grpc</a:t>
-            </a:r>
-            <a:r>
-              <a:rPr lang="en-US" altLang="ko-KR" sz="1000"/>
-              <a:t> </a:t>
-            </a:r>
-          </a:p>
-          <a:p>
-            <a:pPr algn="ctr"/>
-            <a:r>
-              <a:rPr lang="en-US" altLang="ko-KR" sz="1000"/>
-              <a:t>Service</a:t>
-            </a:r>
-            <a:endParaRPr lang="ko-KR" altLang="en-US" sz="1000"/>
-          </a:p>
-        </p:txBody>
-      </p:sp>
-      <p:sp>
-        <p:nvSpPr>
-          <p:cNvPr id="17" name="사각형: 둥근 모서리 29">
-            <a:extLst>
-              <a:ext uri="{FF2B5EF4-FFF2-40B4-BE49-F238E27FC236}">
-                <a16:creationId xmlns:a16="http://schemas.microsoft.com/office/drawing/2014/main" id="{CBB26C07-679A-BBD4-AEE6-2408DD0FEF38}"/>
-              </a:ext>
-            </a:extLst>
-          </p:cNvPr>
-          <p:cNvSpPr/>
-          <p:nvPr/>
-        </p:nvSpPr>
-        <p:spPr>
-          <a:xfrm>
-            <a:off x="4728103" y="2210796"/>
-            <a:ext cx="1325312" cy="525929"/>
-          </a:xfrm>
-          <a:prstGeom prst="roundRect">
-            <a:avLst>
-              <a:gd name="adj" fmla="val 11707"/>
-            </a:avLst>
-          </a:prstGeom>
-          <a:ln w="12700">
-            <a:prstDash val="solid"/>
-          </a:ln>
-        </p:spPr>
-        <p:style>
-          <a:lnRef idx="2">
-            <a:schemeClr val="dk1"/>
-          </a:lnRef>
-          <a:fillRef idx="1">
-            <a:schemeClr val="lt1"/>
-          </a:fillRef>
-          <a:effectRef idx="0">
-            <a:schemeClr val="dk1"/>
-          </a:effectRef>
-          <a:fontRef idx="minor">
-            <a:schemeClr val="dk1"/>
-          </a:fontRef>
-        </p:style>
-        <p:txBody>
-          <a:bodyPr rtlCol="0" anchor="ctr"/>
-          <a:lstStyle/>
-          <a:p>
-            <a:pPr algn="ctr"/>
-            <a:r>
-              <a:rPr lang="en-US" altLang="ko-KR" sz="1000" b="1"/>
-              <a:t>mock-server-grpc</a:t>
-            </a:r>
-          </a:p>
-          <a:p>
-            <a:pPr algn="ctr"/>
-            <a:r>
-              <a:rPr lang="en-US" altLang="ko-KR" sz="1000"/>
-              <a:t>DestinationRule</a:t>
-            </a:r>
-            <a:endParaRPr lang="ko-KR" altLang="en-US" sz="1000"/>
-          </a:p>
-        </p:txBody>
-      </p:sp>
-      <p:sp>
-        <p:nvSpPr>
-          <p:cNvPr id="19" name="사각형: 둥근 모서리 29">
-            <a:extLst>
-              <a:ext uri="{FF2B5EF4-FFF2-40B4-BE49-F238E27FC236}">
-                <a16:creationId xmlns:a16="http://schemas.microsoft.com/office/drawing/2014/main" id="{9658EA15-C115-D046-BC01-CE361FF2FF39}"/>
-              </a:ext>
-            </a:extLst>
-          </p:cNvPr>
-          <p:cNvSpPr/>
-          <p:nvPr/>
-        </p:nvSpPr>
-        <p:spPr>
-          <a:xfrm>
-            <a:off x="4728103" y="1511617"/>
-            <a:ext cx="1325312" cy="525929"/>
-          </a:xfrm>
-          <a:prstGeom prst="roundRect">
-            <a:avLst>
-              <a:gd name="adj" fmla="val 11707"/>
-            </a:avLst>
-          </a:prstGeom>
-          <a:ln w="12700">
-            <a:prstDash val="solid"/>
-          </a:ln>
-        </p:spPr>
-        <p:style>
-          <a:lnRef idx="2">
-            <a:schemeClr val="dk1"/>
-          </a:lnRef>
-          <a:fillRef idx="1">
-            <a:schemeClr val="lt1"/>
-          </a:fillRef>
-          <a:effectRef idx="0">
-            <a:schemeClr val="dk1"/>
-          </a:effectRef>
-          <a:fontRef idx="minor">
-            <a:schemeClr val="dk1"/>
-          </a:fontRef>
-        </p:style>
-        <p:txBody>
-          <a:bodyPr rtlCol="0" anchor="ctr"/>
-          <a:lstStyle/>
-          <a:p>
-            <a:pPr algn="ctr"/>
-            <a:r>
-              <a:rPr lang="en-US" altLang="ko-KR" sz="1000" b="1"/>
-              <a:t>mock-server-grpc</a:t>
-            </a:r>
-          </a:p>
-          <a:p>
-            <a:pPr algn="ctr"/>
-            <a:r>
-              <a:rPr lang="en-US" altLang="ko-KR" sz="1000"/>
-              <a:t>VirtualService</a:t>
-            </a:r>
-            <a:endParaRPr lang="ko-KR" altLang="en-US" sz="1000"/>
-          </a:p>
-        </p:txBody>
-      </p:sp>
-      <p:cxnSp>
-        <p:nvCxnSpPr>
-          <p:cNvPr id="20" name="Straight Arrow Connector 81">
-            <a:extLst>
-              <a:ext uri="{FF2B5EF4-FFF2-40B4-BE49-F238E27FC236}">
-                <a16:creationId xmlns:a16="http://schemas.microsoft.com/office/drawing/2014/main" id="{856D5F42-B52F-BC51-10EE-B7553B484597}"/>
-              </a:ext>
-            </a:extLst>
-          </p:cNvPr>
-          <p:cNvCxnSpPr>
-            <a:cxnSpLocks/>
-            <a:stCxn id="17" idx="2"/>
-            <a:endCxn id="16" idx="0"/>
-          </p:cNvCxnSpPr>
-          <p:nvPr/>
-        </p:nvCxnSpPr>
-        <p:spPr>
-          <a:xfrm>
-            <a:off x="5390759" y="2736725"/>
-            <a:ext cx="1" cy="180649"/>
-          </a:xfrm>
-          <a:prstGeom prst="straightConnector1">
-            <a:avLst/>
-          </a:prstGeom>
-          <a:ln>
-            <a:solidFill>
-              <a:schemeClr val="tx1"/>
-            </a:solidFill>
-            <a:tailEnd type="triangle"/>
-          </a:ln>
-        </p:spPr>
-        <p:style>
-          <a:lnRef idx="1">
-            <a:schemeClr val="accent1"/>
-          </a:lnRef>
-          <a:fillRef idx="0">
-            <a:schemeClr val="accent1"/>
-          </a:fillRef>
-          <a:effectRef idx="0">
-            <a:schemeClr val="accent1"/>
-          </a:effectRef>
-          <a:fontRef idx="minor">
-            <a:schemeClr val="tx1"/>
-          </a:fontRef>
-        </p:style>
-      </p:cxnSp>
-      <p:cxnSp>
-        <p:nvCxnSpPr>
-          <p:cNvPr id="29" name="Elbow Connector 80">
-            <a:extLst>
-              <a:ext uri="{FF2B5EF4-FFF2-40B4-BE49-F238E27FC236}">
-                <a16:creationId xmlns:a16="http://schemas.microsoft.com/office/drawing/2014/main" id="{F6ED1B92-CF70-F61F-D1A0-24AD995DB76F}"/>
-              </a:ext>
-            </a:extLst>
-          </p:cNvPr>
-          <p:cNvCxnSpPr>
-            <a:cxnSpLocks/>
-            <a:stCxn id="75" idx="0"/>
-            <a:endCxn id="19" idx="0"/>
-          </p:cNvCxnSpPr>
-          <p:nvPr/>
-        </p:nvCxnSpPr>
-        <p:spPr>
-          <a:xfrm rot="5400000" flipH="1" flipV="1">
-            <a:off x="3436340" y="177936"/>
-            <a:ext cx="620737" cy="3288101"/>
-          </a:xfrm>
-          <a:prstGeom prst="bentConnector3">
-            <a:avLst>
-              <a:gd name="adj1" fmla="val 136827"/>
-            </a:avLst>
-          </a:prstGeom>
-          <a:ln w="12700">
-            <a:solidFill>
-              <a:schemeClr val="tx1"/>
-            </a:solidFill>
-            <a:tailEnd type="triangle"/>
-          </a:ln>
-        </p:spPr>
-        <p:style>
-          <a:lnRef idx="1">
-            <a:schemeClr val="accent1"/>
-          </a:lnRef>
-          <a:fillRef idx="0">
-            <a:schemeClr val="accent1"/>
-          </a:fillRef>
-          <a:effectRef idx="0">
-            <a:schemeClr val="accent1"/>
-          </a:effectRef>
-          <a:fontRef idx="minor">
-            <a:schemeClr val="tx1"/>
-          </a:fontRef>
-        </p:style>
-      </p:cxnSp>
-      <p:sp>
-        <p:nvSpPr>
-          <p:cNvPr id="75" name="사각형: 둥근 모서리 29">
-            <a:extLst>
-              <a:ext uri="{FF2B5EF4-FFF2-40B4-BE49-F238E27FC236}">
-                <a16:creationId xmlns:a16="http://schemas.microsoft.com/office/drawing/2014/main" id="{5AF144A9-D6DF-7770-D4F5-17B2DF531D48}"/>
-              </a:ext>
-            </a:extLst>
-          </p:cNvPr>
-          <p:cNvSpPr/>
-          <p:nvPr/>
-        </p:nvSpPr>
-        <p:spPr>
-          <a:xfrm>
-            <a:off x="1657017" y="2132354"/>
-            <a:ext cx="891282" cy="439396"/>
-          </a:xfrm>
-          <a:prstGeom prst="roundRect">
-            <a:avLst>
-              <a:gd name="adj" fmla="val 14520"/>
-            </a:avLst>
-          </a:prstGeom>
-          <a:ln w="12700"/>
-        </p:spPr>
-        <p:style>
-          <a:lnRef idx="2">
-            <a:schemeClr val="dk1"/>
-          </a:lnRef>
-          <a:fillRef idx="1">
-            <a:schemeClr val="lt1"/>
-          </a:fillRef>
-          <a:effectRef idx="0">
-            <a:schemeClr val="dk1"/>
-          </a:effectRef>
-          <a:fontRef idx="minor">
-            <a:schemeClr val="dk1"/>
-          </a:fontRef>
-        </p:style>
-        <p:txBody>
-          <a:bodyPr rtlCol="0" anchor="ctr"/>
-          <a:lstStyle/>
-          <a:p>
-            <a:pPr algn="ctr"/>
-            <a:r>
-              <a:rPr lang="en-US" altLang="ko-KR" sz="1000" b="1"/>
-              <a:t>istio-proxy</a:t>
-            </a:r>
-          </a:p>
-          <a:p>
-            <a:pPr algn="ctr"/>
-            <a:r>
-              <a:rPr lang="en-US" altLang="ko-KR" sz="1000"/>
-              <a:t>Container</a:t>
-            </a:r>
-          </a:p>
-        </p:txBody>
-      </p:sp>
-      <p:sp>
-        <p:nvSpPr>
-          <p:cNvPr id="78" name="사각형: 둥근 모서리 29">
-            <a:extLst>
-              <a:ext uri="{FF2B5EF4-FFF2-40B4-BE49-F238E27FC236}">
-                <a16:creationId xmlns:a16="http://schemas.microsoft.com/office/drawing/2014/main" id="{22638D79-CACB-922D-56CA-AA594E5EB7A5}"/>
-              </a:ext>
-            </a:extLst>
-          </p:cNvPr>
-          <p:cNvSpPr/>
-          <p:nvPr/>
-        </p:nvSpPr>
-        <p:spPr>
-          <a:xfrm>
-            <a:off x="367780" y="2132354"/>
-            <a:ext cx="989457" cy="439396"/>
-          </a:xfrm>
-          <a:prstGeom prst="roundRect">
-            <a:avLst>
-              <a:gd name="adj" fmla="val 14520"/>
-            </a:avLst>
-          </a:prstGeom>
-          <a:ln w="12700"/>
-        </p:spPr>
-        <p:style>
-          <a:lnRef idx="2">
-            <a:schemeClr val="dk1"/>
-          </a:lnRef>
-          <a:fillRef idx="1">
-            <a:schemeClr val="lt1"/>
-          </a:fillRef>
-          <a:effectRef idx="0">
-            <a:schemeClr val="dk1"/>
-          </a:effectRef>
-          <a:fontRef idx="minor">
-            <a:schemeClr val="dk1"/>
-          </a:fontRef>
-        </p:style>
-        <p:txBody>
-          <a:bodyPr rtlCol="0" anchor="ctr"/>
-          <a:lstStyle/>
-          <a:p>
-            <a:pPr algn="ctr"/>
-            <a:r>
-              <a:rPr lang="en-US" altLang="ko-KR" sz="1000" b="1"/>
-              <a:t>shell</a:t>
-            </a:r>
-          </a:p>
-          <a:p>
-            <a:pPr algn="ctr"/>
-            <a:r>
-              <a:rPr lang="en-US" altLang="ko-KR" sz="1000"/>
-              <a:t>Container</a:t>
-            </a:r>
-          </a:p>
-        </p:txBody>
-      </p:sp>
-      <p:cxnSp>
-        <p:nvCxnSpPr>
-          <p:cNvPr id="95" name="Straight Arrow Connector 81">
-            <a:extLst>
-              <a:ext uri="{FF2B5EF4-FFF2-40B4-BE49-F238E27FC236}">
-                <a16:creationId xmlns:a16="http://schemas.microsoft.com/office/drawing/2014/main" id="{0A24C366-F812-7FE1-6A10-9569FD8DA77D}"/>
-              </a:ext>
-            </a:extLst>
-          </p:cNvPr>
-          <p:cNvCxnSpPr>
-            <a:cxnSpLocks/>
-            <a:stCxn id="78" idx="3"/>
-            <a:endCxn id="75" idx="1"/>
-          </p:cNvCxnSpPr>
-          <p:nvPr/>
-        </p:nvCxnSpPr>
-        <p:spPr>
-          <a:xfrm>
-            <a:off x="1357237" y="2352052"/>
-            <a:ext cx="299780" cy="0"/>
-          </a:xfrm>
-          <a:prstGeom prst="straightConnector1">
-            <a:avLst/>
-          </a:prstGeom>
-          <a:ln>
-            <a:solidFill>
-              <a:schemeClr val="tx1"/>
-            </a:solidFill>
-            <a:tailEnd type="triangle"/>
-          </a:ln>
-        </p:spPr>
-        <p:style>
-          <a:lnRef idx="1">
-            <a:schemeClr val="accent1"/>
-          </a:lnRef>
-          <a:fillRef idx="0">
-            <a:schemeClr val="accent1"/>
-          </a:fillRef>
-          <a:effectRef idx="0">
-            <a:schemeClr val="accent1"/>
-          </a:effectRef>
-          <a:fontRef idx="minor">
-            <a:schemeClr val="tx1"/>
-          </a:fontRef>
-        </p:style>
-      </p:cxnSp>
-      <p:sp>
-        <p:nvSpPr>
-          <p:cNvPr id="100" name="사각형: 둥근 모서리 29">
-            <a:extLst>
-              <a:ext uri="{FF2B5EF4-FFF2-40B4-BE49-F238E27FC236}">
-                <a16:creationId xmlns:a16="http://schemas.microsoft.com/office/drawing/2014/main" id="{426153DF-4581-7616-0CF0-1E6ED427FAA8}"/>
-              </a:ext>
-            </a:extLst>
-          </p:cNvPr>
-          <p:cNvSpPr/>
-          <p:nvPr/>
-        </p:nvSpPr>
-        <p:spPr>
-          <a:xfrm>
-            <a:off x="6352093" y="1938094"/>
-            <a:ext cx="2551069" cy="1267312"/>
-          </a:xfrm>
-          <a:prstGeom prst="roundRect">
-            <a:avLst>
-              <a:gd name="adj" fmla="val 6027"/>
-            </a:avLst>
-          </a:prstGeom>
-          <a:ln w="12700"/>
-        </p:spPr>
-        <p:style>
-          <a:lnRef idx="2">
-            <a:schemeClr val="dk1"/>
-          </a:lnRef>
-          <a:fillRef idx="1">
-            <a:schemeClr val="lt1"/>
-          </a:fillRef>
-          <a:effectRef idx="0">
-            <a:schemeClr val="dk1"/>
-          </a:effectRef>
-          <a:fontRef idx="minor">
-            <a:schemeClr val="dk1"/>
-          </a:fontRef>
-        </p:style>
-        <p:txBody>
-          <a:bodyPr rtlCol="0" anchor="b"/>
-          <a:lstStyle/>
-          <a:p>
-            <a:pPr algn="ctr"/>
-            <a:r>
-              <a:rPr lang="en-US" altLang="ko-KR" sz="1000" b="1"/>
-              <a:t> </a:t>
-            </a:r>
-          </a:p>
-          <a:p>
-            <a:pPr algn="ctr"/>
-            <a:r>
-              <a:rPr lang="en-US" altLang="ko-KR" sz="1000"/>
-              <a:t>Worker Node</a:t>
-            </a:r>
-            <a:endParaRPr lang="ko-KR" altLang="en-US" sz="1000"/>
-          </a:p>
-        </p:txBody>
-      </p:sp>
-      <p:sp>
-        <p:nvSpPr>
-          <p:cNvPr id="101" name="사각형: 둥근 모서리 29">
-            <a:extLst>
-              <a:ext uri="{FF2B5EF4-FFF2-40B4-BE49-F238E27FC236}">
-                <a16:creationId xmlns:a16="http://schemas.microsoft.com/office/drawing/2014/main" id="{287FDFA1-A474-A85C-35DD-77CAB13453C3}"/>
-              </a:ext>
-            </a:extLst>
-          </p:cNvPr>
-          <p:cNvSpPr/>
-          <p:nvPr/>
-        </p:nvSpPr>
-        <p:spPr>
-          <a:xfrm>
-            <a:off x="6442602" y="2037546"/>
-            <a:ext cx="2372526" cy="888200"/>
-          </a:xfrm>
-          <a:prstGeom prst="roundRect">
-            <a:avLst>
-              <a:gd name="adj" fmla="val 10124"/>
-            </a:avLst>
-          </a:prstGeom>
-          <a:ln w="12700"/>
-        </p:spPr>
-        <p:style>
-          <a:lnRef idx="2">
-            <a:schemeClr val="dk1"/>
-          </a:lnRef>
-          <a:fillRef idx="1">
-            <a:schemeClr val="lt1"/>
-          </a:fillRef>
-          <a:effectRef idx="0">
-            <a:schemeClr val="dk1"/>
-          </a:effectRef>
-          <a:fontRef idx="minor">
-            <a:schemeClr val="dk1"/>
-          </a:fontRef>
-        </p:style>
-        <p:txBody>
-          <a:bodyPr rtlCol="0" anchor="b"/>
-          <a:lstStyle/>
-          <a:p>
-            <a:pPr algn="ctr"/>
-            <a:r>
-              <a:rPr lang="en-US" altLang="ko-KR" sz="1000" b="1"/>
-              <a:t>mock-server </a:t>
-            </a:r>
-            <a:r>
-              <a:rPr lang="en-US" altLang="ko-KR" sz="1000"/>
-              <a:t>Pod</a:t>
-            </a:r>
-          </a:p>
-        </p:txBody>
-      </p:sp>
-      <p:cxnSp>
-        <p:nvCxnSpPr>
-          <p:cNvPr id="105" name="Elbow Connector 80">
-            <a:extLst>
-              <a:ext uri="{FF2B5EF4-FFF2-40B4-BE49-F238E27FC236}">
-                <a16:creationId xmlns:a16="http://schemas.microsoft.com/office/drawing/2014/main" id="{71E748AA-F0EE-5F37-E5F2-5BE0F8261349}"/>
-              </a:ext>
-            </a:extLst>
-          </p:cNvPr>
-          <p:cNvCxnSpPr>
-            <a:cxnSpLocks/>
-            <a:stCxn id="16" idx="2"/>
-            <a:endCxn id="113" idx="2"/>
-          </p:cNvCxnSpPr>
-          <p:nvPr/>
-        </p:nvCxnSpPr>
-        <p:spPr>
-          <a:xfrm rot="5400000" flipH="1" flipV="1">
-            <a:off x="5752604" y="2209906"/>
-            <a:ext cx="871553" cy="1595242"/>
-          </a:xfrm>
-          <a:prstGeom prst="bentConnector3">
-            <a:avLst>
-              <a:gd name="adj1" fmla="val -26229"/>
-            </a:avLst>
-          </a:prstGeom>
-          <a:ln w="12700">
-            <a:solidFill>
-              <a:schemeClr val="tx1"/>
-            </a:solidFill>
-            <a:tailEnd type="triangle"/>
-          </a:ln>
-        </p:spPr>
-        <p:style>
-          <a:lnRef idx="1">
-            <a:schemeClr val="accent1"/>
-          </a:lnRef>
-          <a:fillRef idx="0">
-            <a:schemeClr val="accent1"/>
-          </a:fillRef>
-          <a:effectRef idx="0">
-            <a:schemeClr val="accent1"/>
-          </a:effectRef>
-          <a:fontRef idx="minor">
-            <a:schemeClr val="tx1"/>
-          </a:fontRef>
-        </p:style>
-      </p:cxnSp>
-      <p:sp>
-        <p:nvSpPr>
-          <p:cNvPr id="112" name="사각형: 둥근 모서리 29">
-            <a:extLst>
-              <a:ext uri="{FF2B5EF4-FFF2-40B4-BE49-F238E27FC236}">
-                <a16:creationId xmlns:a16="http://schemas.microsoft.com/office/drawing/2014/main" id="{A5315546-D51A-A61E-2276-827A9CF41C09}"/>
-              </a:ext>
-            </a:extLst>
-          </p:cNvPr>
-          <p:cNvSpPr/>
-          <p:nvPr/>
-        </p:nvSpPr>
-        <p:spPr>
-          <a:xfrm>
-            <a:off x="7731423" y="2132354"/>
-            <a:ext cx="989457" cy="439396"/>
-          </a:xfrm>
-          <a:prstGeom prst="roundRect">
-            <a:avLst>
-              <a:gd name="adj" fmla="val 14520"/>
-            </a:avLst>
-          </a:prstGeom>
-          <a:ln w="12700"/>
-        </p:spPr>
-        <p:style>
-          <a:lnRef idx="2">
-            <a:schemeClr val="dk1"/>
-          </a:lnRef>
-          <a:fillRef idx="1">
-            <a:schemeClr val="lt1"/>
-          </a:fillRef>
-          <a:effectRef idx="0">
-            <a:schemeClr val="dk1"/>
-          </a:effectRef>
-          <a:fontRef idx="minor">
-            <a:schemeClr val="dk1"/>
-          </a:fontRef>
-        </p:style>
-        <p:txBody>
-          <a:bodyPr rtlCol="0" anchor="ctr"/>
-          <a:lstStyle/>
-          <a:p>
-            <a:pPr algn="ctr"/>
-            <a:r>
-              <a:rPr lang="en-US" altLang="ko-KR" sz="1000" b="1"/>
-              <a:t>mock-server</a:t>
-            </a:r>
-          </a:p>
-          <a:p>
-            <a:pPr algn="ctr"/>
-            <a:r>
-              <a:rPr lang="en-US" altLang="ko-KR" sz="1000"/>
-              <a:t>Container</a:t>
-            </a:r>
-          </a:p>
-        </p:txBody>
-      </p:sp>
-      <p:sp>
-        <p:nvSpPr>
-          <p:cNvPr id="113" name="사각형: 둥근 모서리 29">
-            <a:extLst>
-              <a:ext uri="{FF2B5EF4-FFF2-40B4-BE49-F238E27FC236}">
-                <a16:creationId xmlns:a16="http://schemas.microsoft.com/office/drawing/2014/main" id="{8986F231-6AB7-4458-6849-38C3D221D0BC}"/>
-              </a:ext>
-            </a:extLst>
-          </p:cNvPr>
-          <p:cNvSpPr/>
-          <p:nvPr/>
-        </p:nvSpPr>
-        <p:spPr>
-          <a:xfrm>
-            <a:off x="6540361" y="2132354"/>
-            <a:ext cx="891282" cy="439396"/>
-          </a:xfrm>
-          <a:prstGeom prst="roundRect">
-            <a:avLst>
-              <a:gd name="adj" fmla="val 14520"/>
-            </a:avLst>
-          </a:prstGeom>
-          <a:ln w="12700"/>
-        </p:spPr>
-        <p:style>
-          <a:lnRef idx="2">
-            <a:schemeClr val="dk1"/>
-          </a:lnRef>
-          <a:fillRef idx="1">
-            <a:schemeClr val="lt1"/>
-          </a:fillRef>
-          <a:effectRef idx="0">
-            <a:schemeClr val="dk1"/>
-          </a:effectRef>
-          <a:fontRef idx="minor">
-            <a:schemeClr val="dk1"/>
-          </a:fontRef>
-        </p:style>
-        <p:txBody>
-          <a:bodyPr rtlCol="0" anchor="ctr"/>
-          <a:lstStyle/>
-          <a:p>
-            <a:pPr algn="ctr"/>
-            <a:r>
-              <a:rPr lang="en-US" altLang="ko-KR" sz="1000" b="1"/>
-              <a:t>istio-proxy</a:t>
-            </a:r>
-          </a:p>
-          <a:p>
-            <a:pPr algn="ctr"/>
-            <a:r>
-              <a:rPr lang="en-US" altLang="ko-KR" sz="1000"/>
-              <a:t>Container</a:t>
-            </a:r>
-          </a:p>
-        </p:txBody>
-      </p:sp>
-      <p:cxnSp>
-        <p:nvCxnSpPr>
-          <p:cNvPr id="115" name="Elbow Connector 80">
-            <a:extLst>
-              <a:ext uri="{FF2B5EF4-FFF2-40B4-BE49-F238E27FC236}">
-                <a16:creationId xmlns:a16="http://schemas.microsoft.com/office/drawing/2014/main" id="{905FCA48-E7F9-1498-4E07-8B26DBFFA486}"/>
-              </a:ext>
-            </a:extLst>
-          </p:cNvPr>
-          <p:cNvCxnSpPr>
-            <a:cxnSpLocks/>
-            <a:stCxn id="2" idx="2"/>
-            <a:endCxn id="113" idx="2"/>
-          </p:cNvCxnSpPr>
-          <p:nvPr/>
-        </p:nvCxnSpPr>
-        <p:spPr>
-          <a:xfrm rot="5400000" flipH="1" flipV="1">
-            <a:off x="4899270" y="1362412"/>
-            <a:ext cx="877394" cy="3296070"/>
-          </a:xfrm>
-          <a:prstGeom prst="bentConnector3">
-            <a:avLst>
-              <a:gd name="adj1" fmla="val -26054"/>
-            </a:avLst>
-          </a:prstGeom>
-          <a:ln w="12700">
-            <a:solidFill>
-              <a:schemeClr val="tx1"/>
-            </a:solidFill>
-            <a:tailEnd type="triangle"/>
-          </a:ln>
-        </p:spPr>
-        <p:style>
-          <a:lnRef idx="1">
-            <a:schemeClr val="accent1"/>
-          </a:lnRef>
-          <a:fillRef idx="0">
-            <a:schemeClr val="accent1"/>
-          </a:fillRef>
-          <a:effectRef idx="0">
-            <a:schemeClr val="accent1"/>
-          </a:effectRef>
-          <a:fontRef idx="minor">
-            <a:schemeClr val="tx1"/>
-          </a:fontRef>
-        </p:style>
-      </p:cxnSp>
-      <p:cxnSp>
-        <p:nvCxnSpPr>
-          <p:cNvPr id="118" name="Straight Arrow Connector 81">
-            <a:extLst>
-              <a:ext uri="{FF2B5EF4-FFF2-40B4-BE49-F238E27FC236}">
-                <a16:creationId xmlns:a16="http://schemas.microsoft.com/office/drawing/2014/main" id="{85934D11-0BEB-44EC-5F95-50D994482308}"/>
-              </a:ext>
-            </a:extLst>
-          </p:cNvPr>
-          <p:cNvCxnSpPr>
-            <a:cxnSpLocks/>
-            <a:stCxn id="113" idx="3"/>
-            <a:endCxn id="112" idx="1"/>
-          </p:cNvCxnSpPr>
-          <p:nvPr/>
-        </p:nvCxnSpPr>
-        <p:spPr>
-          <a:xfrm>
-            <a:off x="7431643" y="2352052"/>
-            <a:ext cx="299780" cy="0"/>
-          </a:xfrm>
-          <a:prstGeom prst="straightConnector1">
-            <a:avLst/>
-          </a:prstGeom>
-          <a:ln>
-            <a:solidFill>
-              <a:schemeClr val="tx1"/>
-            </a:solidFill>
-            <a:tailEnd type="triangle"/>
-          </a:ln>
-        </p:spPr>
-        <p:style>
-          <a:lnRef idx="1">
-            <a:schemeClr val="accent1"/>
-          </a:lnRef>
-          <a:fillRef idx="0">
-            <a:schemeClr val="accent1"/>
-          </a:fillRef>
-          <a:effectRef idx="0">
-            <a:schemeClr val="accent1"/>
-          </a:effectRef>
-          <a:fontRef idx="minor">
-            <a:schemeClr val="tx1"/>
-          </a:fontRef>
-        </p:style>
-      </p:cxnSp>
-    </p:spTree>
-    <p:extLst>
-      <p:ext uri="{BB962C8B-B14F-4D97-AF65-F5344CB8AC3E}">
-        <p14:creationId xmlns:p14="http://schemas.microsoft.com/office/powerpoint/2010/main" val="3712881515"/>
       </p:ext>
     </p:extLst>
   </p:cSld>

--- a/content/docs/theory-analysis/istio-sidecar-proxy-access-log/images/images.pptx
+++ b/content/docs/theory-analysis/istio-sidecar-proxy-access-log/images/images.pptx
@@ -5,7 +5,7 @@
     <p:sldMasterId id="2147483648" r:id="rId1"/>
   </p:sldMasterIdLst>
   <p:notesMasterIdLst>
-    <p:notesMasterId r:id="rId27"/>
+    <p:notesMasterId r:id="rId28"/>
   </p:notesMasterIdLst>
   <p:sldIdLst>
     <p:sldId id="398" r:id="rId2"/>
@@ -15,24 +15,25 @@
     <p:sldId id="423" r:id="rId6"/>
     <p:sldId id="419" r:id="rId7"/>
     <p:sldId id="420" r:id="rId8"/>
-    <p:sldId id="424" r:id="rId9"/>
-    <p:sldId id="413" r:id="rId10"/>
-    <p:sldId id="414" r:id="rId11"/>
-    <p:sldId id="415" r:id="rId12"/>
-    <p:sldId id="403" r:id="rId13"/>
-    <p:sldId id="399" r:id="rId14"/>
-    <p:sldId id="400" r:id="rId15"/>
-    <p:sldId id="401" r:id="rId16"/>
-    <p:sldId id="402" r:id="rId17"/>
-    <p:sldId id="404" r:id="rId18"/>
-    <p:sldId id="405" r:id="rId19"/>
-    <p:sldId id="408" r:id="rId20"/>
-    <p:sldId id="407" r:id="rId21"/>
-    <p:sldId id="409" r:id="rId22"/>
-    <p:sldId id="410" r:id="rId23"/>
-    <p:sldId id="387" r:id="rId24"/>
-    <p:sldId id="411" r:id="rId25"/>
-    <p:sldId id="412" r:id="rId26"/>
+    <p:sldId id="426" r:id="rId9"/>
+    <p:sldId id="424" r:id="rId10"/>
+    <p:sldId id="413" r:id="rId11"/>
+    <p:sldId id="414" r:id="rId12"/>
+    <p:sldId id="415" r:id="rId13"/>
+    <p:sldId id="403" r:id="rId14"/>
+    <p:sldId id="399" r:id="rId15"/>
+    <p:sldId id="400" r:id="rId16"/>
+    <p:sldId id="401" r:id="rId17"/>
+    <p:sldId id="402" r:id="rId18"/>
+    <p:sldId id="404" r:id="rId19"/>
+    <p:sldId id="405" r:id="rId20"/>
+    <p:sldId id="408" r:id="rId21"/>
+    <p:sldId id="407" r:id="rId22"/>
+    <p:sldId id="409" r:id="rId23"/>
+    <p:sldId id="410" r:id="rId24"/>
+    <p:sldId id="387" r:id="rId25"/>
+    <p:sldId id="411" r:id="rId26"/>
+    <p:sldId id="412" r:id="rId27"/>
   </p:sldIdLst>
   <p:sldSz cx="9144000" cy="5143500" type="screen16x9"/>
   <p:notesSz cx="6858000" cy="9144000"/>
@@ -4366,6 +4367,92 @@
         <p:cNvPr id="1" name="">
           <a:extLst>
             <a:ext uri="{FF2B5EF4-FFF2-40B4-BE49-F238E27FC236}">
+              <a16:creationId xmlns:a16="http://schemas.microsoft.com/office/drawing/2014/main" id="{BCA98441-60C3-2B04-68DD-3F292947DB4D}"/>
+            </a:ext>
+          </a:extLst>
+        </p:cNvPr>
+        <p:cNvGrpSpPr/>
+        <p:nvPr/>
+      </p:nvGrpSpPr>
+      <p:grpSpPr>
+        <a:xfrm>
+          <a:off x="0" y="0"/>
+          <a:ext cx="0" cy="0"/>
+          <a:chOff x="0" y="0"/>
+          <a:chExt cx="0" cy="0"/>
+        </a:xfrm>
+      </p:grpSpPr>
+      <p:sp>
+        <p:nvSpPr>
+          <p:cNvPr id="2" name="제목 1">
+            <a:extLst>
+              <a:ext uri="{FF2B5EF4-FFF2-40B4-BE49-F238E27FC236}">
+                <a16:creationId xmlns:a16="http://schemas.microsoft.com/office/drawing/2014/main" id="{D0A3DC9F-C06B-D143-E65A-00913DD1F9AF}"/>
+              </a:ext>
+            </a:extLst>
+          </p:cNvPr>
+          <p:cNvSpPr>
+            <a:spLocks noGrp="1"/>
+          </p:cNvSpPr>
+          <p:nvPr>
+            <p:ph type="title"/>
+          </p:nvPr>
+        </p:nvSpPr>
+        <p:spPr/>
+        <p:txBody>
+          <a:bodyPr/>
+          <a:lstStyle/>
+          <a:p>
+            <a:endParaRPr lang="ko-KR" altLang="en-US"/>
+          </a:p>
+        </p:txBody>
+      </p:sp>
+      <p:sp>
+        <p:nvSpPr>
+          <p:cNvPr id="3" name="내용 개체 틀 2">
+            <a:extLst>
+              <a:ext uri="{FF2B5EF4-FFF2-40B4-BE49-F238E27FC236}">
+                <a16:creationId xmlns:a16="http://schemas.microsoft.com/office/drawing/2014/main" id="{B4A18F04-0D2F-9A0C-EC30-4AD0FBAACC21}"/>
+              </a:ext>
+            </a:extLst>
+          </p:cNvPr>
+          <p:cNvSpPr>
+            <a:spLocks noGrp="1"/>
+          </p:cNvSpPr>
+          <p:nvPr>
+            <p:ph idx="1"/>
+          </p:nvPr>
+        </p:nvSpPr>
+        <p:spPr/>
+        <p:txBody>
+          <a:bodyPr/>
+          <a:lstStyle/>
+          <a:p>
+            <a:endParaRPr lang="ko-KR" altLang="en-US"/>
+          </a:p>
+        </p:txBody>
+      </p:sp>
+    </p:spTree>
+    <p:extLst>
+      <p:ext uri="{BB962C8B-B14F-4D97-AF65-F5344CB8AC3E}">
+        <p14:creationId xmlns:p14="http://schemas.microsoft.com/office/powerpoint/2010/main" val="419798853"/>
+      </p:ext>
+    </p:extLst>
+  </p:cSld>
+  <p:clrMapOvr>
+    <a:masterClrMapping/>
+  </p:clrMapOvr>
+</p:sld>
+</file>
+
+<file path=ppt/slides/slide11.xml><?xml version="1.0" encoding="utf-8"?>
+<p:sld xmlns:a="http://schemas.openxmlformats.org/drawingml/2006/main" xmlns:r="http://schemas.openxmlformats.org/officeDocument/2006/relationships" xmlns:p="http://schemas.openxmlformats.org/presentationml/2006/main">
+  <p:cSld>
+    <p:spTree>
+      <p:nvGrpSpPr>
+        <p:cNvPr id="1" name="">
+          <a:extLst>
+            <a:ext uri="{FF2B5EF4-FFF2-40B4-BE49-F238E27FC236}">
               <a16:creationId xmlns:a16="http://schemas.microsoft.com/office/drawing/2014/main" id="{B201D244-26D7-6140-60E1-E03A5F2D9C57}"/>
             </a:ext>
           </a:extLst>
@@ -5682,7 +5769,7 @@
 </p:sld>
 </file>
 
-<file path=ppt/slides/slide11.xml><?xml version="1.0" encoding="utf-8"?>
+<file path=ppt/slides/slide12.xml><?xml version="1.0" encoding="utf-8"?>
 <p:sld xmlns:a="http://schemas.openxmlformats.org/drawingml/2006/main" xmlns:r="http://schemas.openxmlformats.org/officeDocument/2006/relationships" xmlns:p="http://schemas.openxmlformats.org/presentationml/2006/main">
   <p:cSld>
     <p:spTree>
@@ -7006,7 +7093,7 @@
 </p:sld>
 </file>
 
-<file path=ppt/slides/slide12.xml><?xml version="1.0" encoding="utf-8"?>
+<file path=ppt/slides/slide13.xml><?xml version="1.0" encoding="utf-8"?>
 <p:sld xmlns:a="http://schemas.openxmlformats.org/drawingml/2006/main" xmlns:r="http://schemas.openxmlformats.org/officeDocument/2006/relationships" xmlns:p="http://schemas.openxmlformats.org/presentationml/2006/main">
   <p:cSld>
     <p:spTree>
@@ -7092,7 +7179,7 @@
 </p:sld>
 </file>
 
-<file path=ppt/slides/slide13.xml><?xml version="1.0" encoding="utf-8"?>
+<file path=ppt/slides/slide14.xml><?xml version="1.0" encoding="utf-8"?>
 <p:sld xmlns:a="http://schemas.openxmlformats.org/drawingml/2006/main" xmlns:r="http://schemas.openxmlformats.org/officeDocument/2006/relationships" xmlns:p="http://schemas.openxmlformats.org/presentationml/2006/main">
   <p:cSld>
     <p:spTree>
@@ -7502,7 +7589,7 @@
 </p:sld>
 </file>
 
-<file path=ppt/slides/slide14.xml><?xml version="1.0" encoding="utf-8"?>
+<file path=ppt/slides/slide15.xml><?xml version="1.0" encoding="utf-8"?>
 <p:sld xmlns:a="http://schemas.openxmlformats.org/drawingml/2006/main" xmlns:r="http://schemas.openxmlformats.org/officeDocument/2006/relationships" xmlns:p="http://schemas.openxmlformats.org/presentationml/2006/main">
   <p:cSld>
     <p:spTree>
@@ -7912,7 +7999,7 @@
 </p:sld>
 </file>
 
-<file path=ppt/slides/slide15.xml><?xml version="1.0" encoding="utf-8"?>
+<file path=ppt/slides/slide16.xml><?xml version="1.0" encoding="utf-8"?>
 <p:sld xmlns:a="http://schemas.openxmlformats.org/drawingml/2006/main" xmlns:r="http://schemas.openxmlformats.org/officeDocument/2006/relationships" xmlns:p="http://schemas.openxmlformats.org/presentationml/2006/main">
   <p:cSld>
     <p:spTree>
@@ -8321,7 +8408,7 @@
 </p:sld>
 </file>
 
-<file path=ppt/slides/slide16.xml><?xml version="1.0" encoding="utf-8"?>
+<file path=ppt/slides/slide17.xml><?xml version="1.0" encoding="utf-8"?>
 <p:sld xmlns:a="http://schemas.openxmlformats.org/drawingml/2006/main" xmlns:r="http://schemas.openxmlformats.org/officeDocument/2006/relationships" xmlns:p="http://schemas.openxmlformats.org/presentationml/2006/main">
   <p:cSld>
     <p:spTree>
@@ -8822,7 +8909,7 @@
 </p:sld>
 </file>
 
-<file path=ppt/slides/slide17.xml><?xml version="1.0" encoding="utf-8"?>
+<file path=ppt/slides/slide18.xml><?xml version="1.0" encoding="utf-8"?>
 <p:sld xmlns:a="http://schemas.openxmlformats.org/drawingml/2006/main" xmlns:r="http://schemas.openxmlformats.org/officeDocument/2006/relationships" xmlns:p="http://schemas.openxmlformats.org/presentationml/2006/main">
   <p:cSld>
     <p:spTree>
@@ -9834,7 +9921,7 @@
 </p:sld>
 </file>
 
-<file path=ppt/slides/slide18.xml><?xml version="1.0" encoding="utf-8"?>
+<file path=ppt/slides/slide19.xml><?xml version="1.0" encoding="utf-8"?>
 <p:sld xmlns:a="http://schemas.openxmlformats.org/drawingml/2006/main" xmlns:r="http://schemas.openxmlformats.org/officeDocument/2006/relationships" xmlns:p="http://schemas.openxmlformats.org/presentationml/2006/main">
   <p:cSld>
     <p:spTree>
@@ -10900,1024 +10987,6 @@
     <p:extLst>
       <p:ext uri="{BB962C8B-B14F-4D97-AF65-F5344CB8AC3E}">
         <p14:creationId xmlns:p14="http://schemas.microsoft.com/office/powerpoint/2010/main" val="1848124166"/>
-      </p:ext>
-    </p:extLst>
-  </p:cSld>
-  <p:clrMapOvr>
-    <a:masterClrMapping/>
-  </p:clrMapOvr>
-</p:sld>
-</file>
-
-<file path=ppt/slides/slide19.xml><?xml version="1.0" encoding="utf-8"?>
-<p:sld xmlns:a="http://schemas.openxmlformats.org/drawingml/2006/main" xmlns:r="http://schemas.openxmlformats.org/officeDocument/2006/relationships" xmlns:p="http://schemas.openxmlformats.org/presentationml/2006/main">
-  <p:cSld>
-    <p:spTree>
-      <p:nvGrpSpPr>
-        <p:cNvPr id="1" name="">
-          <a:extLst>
-            <a:ext uri="{FF2B5EF4-FFF2-40B4-BE49-F238E27FC236}">
-              <a16:creationId xmlns:a16="http://schemas.microsoft.com/office/drawing/2014/main" id="{94E9846E-93DE-7B46-CFF0-5CA363A99B38}"/>
-            </a:ext>
-          </a:extLst>
-        </p:cNvPr>
-        <p:cNvGrpSpPr/>
-        <p:nvPr/>
-      </p:nvGrpSpPr>
-      <p:grpSpPr>
-        <a:xfrm>
-          <a:off x="0" y="0"/>
-          <a:ext cx="0" cy="0"/>
-          <a:chOff x="0" y="0"/>
-          <a:chExt cx="0" cy="0"/>
-        </a:xfrm>
-      </p:grpSpPr>
-      <p:sp>
-        <p:nvSpPr>
-          <p:cNvPr id="4" name="사각형: 둥근 모서리 29">
-            <a:extLst>
-              <a:ext uri="{FF2B5EF4-FFF2-40B4-BE49-F238E27FC236}">
-                <a16:creationId xmlns:a16="http://schemas.microsoft.com/office/drawing/2014/main" id="{6A739A79-7398-1DF1-5A09-936867C3134A}"/>
-              </a:ext>
-            </a:extLst>
-          </p:cNvPr>
-          <p:cNvSpPr/>
-          <p:nvPr/>
-        </p:nvSpPr>
-        <p:spPr>
-          <a:xfrm>
-            <a:off x="1763688" y="411510"/>
-            <a:ext cx="1164765" cy="657290"/>
-          </a:xfrm>
-          <a:prstGeom prst="roundRect">
-            <a:avLst>
-              <a:gd name="adj" fmla="val 17374"/>
-            </a:avLst>
-          </a:prstGeom>
-          <a:ln w="12700"/>
-        </p:spPr>
-        <p:style>
-          <a:lnRef idx="2">
-            <a:schemeClr val="dk1"/>
-          </a:lnRef>
-          <a:fillRef idx="1">
-            <a:schemeClr val="lt1"/>
-          </a:fillRef>
-          <a:effectRef idx="0">
-            <a:schemeClr val="dk1"/>
-          </a:effectRef>
-          <a:fontRef idx="minor">
-            <a:schemeClr val="dk1"/>
-          </a:fontRef>
-        </p:style>
-        <p:txBody>
-          <a:bodyPr rtlCol="0" anchor="ctr"/>
-          <a:lstStyle/>
-          <a:p>
-            <a:pPr algn="ctr"/>
-            <a:r>
-              <a:rPr lang="en-US" altLang="ko-KR" sz="1000" b="1"/>
-              <a:t>shell</a:t>
-            </a:r>
-          </a:p>
-          <a:p>
-            <a:pPr algn="ctr"/>
-            <a:r>
-              <a:rPr lang="en-US" altLang="ko-KR" sz="1000"/>
-              <a:t>Pod</a:t>
-            </a:r>
-            <a:endParaRPr lang="ko-KR" altLang="en-US" sz="1000"/>
-          </a:p>
-        </p:txBody>
-      </p:sp>
-      <p:sp>
-        <p:nvSpPr>
-          <p:cNvPr id="5" name="사각형: 둥근 모서리 29">
-            <a:extLst>
-              <a:ext uri="{FF2B5EF4-FFF2-40B4-BE49-F238E27FC236}">
-                <a16:creationId xmlns:a16="http://schemas.microsoft.com/office/drawing/2014/main" id="{2247D83D-A8B9-EC9B-EC5F-AE41A8B5306F}"/>
-              </a:ext>
-            </a:extLst>
-          </p:cNvPr>
-          <p:cNvSpPr/>
-          <p:nvPr/>
-        </p:nvSpPr>
-        <p:spPr>
-          <a:xfrm>
-            <a:off x="5724128" y="411510"/>
-            <a:ext cx="1164765" cy="657290"/>
-          </a:xfrm>
-          <a:prstGeom prst="roundRect">
-            <a:avLst>
-              <a:gd name="adj" fmla="val 17374"/>
-            </a:avLst>
-          </a:prstGeom>
-          <a:ln w="12700"/>
-        </p:spPr>
-        <p:style>
-          <a:lnRef idx="2">
-            <a:schemeClr val="dk1"/>
-          </a:lnRef>
-          <a:fillRef idx="1">
-            <a:schemeClr val="lt1"/>
-          </a:fillRef>
-          <a:effectRef idx="0">
-            <a:schemeClr val="dk1"/>
-          </a:effectRef>
-          <a:fontRef idx="minor">
-            <a:schemeClr val="dk1"/>
-          </a:fontRef>
-        </p:style>
-        <p:txBody>
-          <a:bodyPr rtlCol="0" anchor="ctr"/>
-          <a:lstStyle/>
-          <a:p>
-            <a:pPr algn="ctr"/>
-            <a:r>
-              <a:rPr lang="en-US" altLang="ko-KR" sz="1000" b="1"/>
-              <a:t>mock-server</a:t>
-            </a:r>
-          </a:p>
-          <a:p>
-            <a:pPr algn="ctr"/>
-            <a:r>
-              <a:rPr lang="en-US" altLang="ko-KR" sz="1000"/>
-              <a:t>Pod with </a:t>
-            </a:r>
-            <a:r>
-              <a:rPr lang="en-US" altLang="ko-KR" sz="1000" b="1"/>
-              <a:t>iptables DROP</a:t>
-            </a:r>
-            <a:endParaRPr lang="ko-KR" altLang="en-US" sz="1000" b="1"/>
-          </a:p>
-        </p:txBody>
-      </p:sp>
-      <p:cxnSp>
-        <p:nvCxnSpPr>
-          <p:cNvPr id="8" name="Straight Arrow Connector 81">
-            <a:extLst>
-              <a:ext uri="{FF2B5EF4-FFF2-40B4-BE49-F238E27FC236}">
-                <a16:creationId xmlns:a16="http://schemas.microsoft.com/office/drawing/2014/main" id="{2B313E4A-8FFF-8023-C696-4D1EEC0D4262}"/>
-              </a:ext>
-            </a:extLst>
-          </p:cNvPr>
-          <p:cNvCxnSpPr>
-            <a:cxnSpLocks/>
-            <a:stCxn id="5" idx="2"/>
-          </p:cNvCxnSpPr>
-          <p:nvPr/>
-        </p:nvCxnSpPr>
-        <p:spPr>
-          <a:xfrm>
-            <a:off x="6306511" y="1068800"/>
-            <a:ext cx="0" cy="3375158"/>
-          </a:xfrm>
-          <a:prstGeom prst="straightConnector1">
-            <a:avLst/>
-          </a:prstGeom>
-          <a:ln>
-            <a:solidFill>
-              <a:schemeClr val="tx1"/>
-            </a:solidFill>
-            <a:prstDash val="dash"/>
-            <a:tailEnd type="triangle"/>
-          </a:ln>
-        </p:spPr>
-        <p:style>
-          <a:lnRef idx="1">
-            <a:schemeClr val="accent1"/>
-          </a:lnRef>
-          <a:fillRef idx="0">
-            <a:schemeClr val="accent1"/>
-          </a:fillRef>
-          <a:effectRef idx="0">
-            <a:schemeClr val="accent1"/>
-          </a:effectRef>
-          <a:fontRef idx="minor">
-            <a:schemeClr val="tx1"/>
-          </a:fontRef>
-        </p:style>
-      </p:cxnSp>
-      <p:cxnSp>
-        <p:nvCxnSpPr>
-          <p:cNvPr id="2" name="Straight Arrow Connector 81">
-            <a:extLst>
-              <a:ext uri="{FF2B5EF4-FFF2-40B4-BE49-F238E27FC236}">
-                <a16:creationId xmlns:a16="http://schemas.microsoft.com/office/drawing/2014/main" id="{45AE5EEB-DFBC-F311-ACBB-763CD696E412}"/>
-              </a:ext>
-            </a:extLst>
-          </p:cNvPr>
-          <p:cNvCxnSpPr>
-            <a:cxnSpLocks/>
-            <a:stCxn id="4" idx="2"/>
-          </p:cNvCxnSpPr>
-          <p:nvPr/>
-        </p:nvCxnSpPr>
-        <p:spPr>
-          <a:xfrm>
-            <a:off x="2346071" y="1068800"/>
-            <a:ext cx="0" cy="3375158"/>
-          </a:xfrm>
-          <a:prstGeom prst="straightConnector1">
-            <a:avLst/>
-          </a:prstGeom>
-          <a:ln>
-            <a:solidFill>
-              <a:schemeClr val="tx1"/>
-            </a:solidFill>
-            <a:prstDash val="dash"/>
-            <a:tailEnd type="triangle"/>
-          </a:ln>
-        </p:spPr>
-        <p:style>
-          <a:lnRef idx="1">
-            <a:schemeClr val="accent1"/>
-          </a:lnRef>
-          <a:fillRef idx="0">
-            <a:schemeClr val="accent1"/>
-          </a:fillRef>
-          <a:effectRef idx="0">
-            <a:schemeClr val="accent1"/>
-          </a:effectRef>
-          <a:fontRef idx="minor">
-            <a:schemeClr val="tx1"/>
-          </a:fontRef>
-        </p:style>
-      </p:cxnSp>
-      <p:cxnSp>
-        <p:nvCxnSpPr>
-          <p:cNvPr id="17" name="Straight Arrow Connector 81">
-            <a:extLst>
-              <a:ext uri="{FF2B5EF4-FFF2-40B4-BE49-F238E27FC236}">
-                <a16:creationId xmlns:a16="http://schemas.microsoft.com/office/drawing/2014/main" id="{A413435C-F32A-D0B2-F471-0F12D45BDCC6}"/>
-              </a:ext>
-            </a:extLst>
-          </p:cNvPr>
-          <p:cNvCxnSpPr>
-            <a:cxnSpLocks/>
-          </p:cNvCxnSpPr>
-          <p:nvPr/>
-        </p:nvCxnSpPr>
-        <p:spPr>
-          <a:xfrm>
-            <a:off x="2346071" y="1203596"/>
-            <a:ext cx="3378057" cy="0"/>
-          </a:xfrm>
-          <a:prstGeom prst="straightConnector1">
-            <a:avLst/>
-          </a:prstGeom>
-          <a:ln>
-            <a:solidFill>
-              <a:schemeClr val="tx1"/>
-            </a:solidFill>
-            <a:tailEnd type="triangle"/>
-          </a:ln>
-        </p:spPr>
-        <p:style>
-          <a:lnRef idx="1">
-            <a:schemeClr val="accent1"/>
-          </a:lnRef>
-          <a:fillRef idx="0">
-            <a:schemeClr val="accent1"/>
-          </a:fillRef>
-          <a:effectRef idx="0">
-            <a:schemeClr val="accent1"/>
-          </a:effectRef>
-          <a:fontRef idx="minor">
-            <a:schemeClr val="tx1"/>
-          </a:fontRef>
-        </p:style>
-      </p:cxnSp>
-      <p:sp>
-        <p:nvSpPr>
-          <p:cNvPr id="20" name="TextBox 19">
-            <a:extLst>
-              <a:ext uri="{FF2B5EF4-FFF2-40B4-BE49-F238E27FC236}">
-                <a16:creationId xmlns:a16="http://schemas.microsoft.com/office/drawing/2014/main" id="{1E44A8B4-D0EA-62BD-8390-7EF49FB7F122}"/>
-              </a:ext>
-            </a:extLst>
-          </p:cNvPr>
-          <p:cNvSpPr txBox="1"/>
-          <p:nvPr/>
-        </p:nvSpPr>
-        <p:spPr>
-          <a:xfrm>
-            <a:off x="2928454" y="957375"/>
-            <a:ext cx="2795674" cy="246221"/>
-          </a:xfrm>
-          <a:prstGeom prst="rect">
-            <a:avLst/>
-          </a:prstGeom>
-          <a:noFill/>
-        </p:spPr>
-        <p:txBody>
-          <a:bodyPr wrap="square" rtlCol="0">
-            <a:spAutoFit/>
-          </a:bodyPr>
-          <a:lstStyle/>
-          <a:p>
-            <a:r>
-              <a:rPr kumimoji="1" lang="en-US" altLang="ko-KR" sz="1000" i="1"/>
-              <a:t>GET </a:t>
-            </a:r>
-            <a:r>
-              <a:rPr lang="en" altLang="ko-KR" sz="1000" i="1"/>
-              <a:t>mock-server:8080/status/200</a:t>
-            </a:r>
-            <a:endParaRPr kumimoji="1" lang="ko-KR" altLang="en-US" sz="1000" i="1"/>
-          </a:p>
-        </p:txBody>
-      </p:sp>
-      <p:cxnSp>
-        <p:nvCxnSpPr>
-          <p:cNvPr id="12" name="Straight Arrow Connector 81">
-            <a:extLst>
-              <a:ext uri="{FF2B5EF4-FFF2-40B4-BE49-F238E27FC236}">
-                <a16:creationId xmlns:a16="http://schemas.microsoft.com/office/drawing/2014/main" id="{67ED4FCC-B0F9-767F-5EA3-0B7DD1177904}"/>
-              </a:ext>
-            </a:extLst>
-          </p:cNvPr>
-          <p:cNvCxnSpPr>
-            <a:cxnSpLocks/>
-          </p:cNvCxnSpPr>
-          <p:nvPr/>
-        </p:nvCxnSpPr>
-        <p:spPr>
-          <a:xfrm>
-            <a:off x="2346071" y="1573186"/>
-            <a:ext cx="3378057" cy="0"/>
-          </a:xfrm>
-          <a:prstGeom prst="straightConnector1">
-            <a:avLst/>
-          </a:prstGeom>
-          <a:ln>
-            <a:solidFill>
-              <a:schemeClr val="tx1"/>
-            </a:solidFill>
-            <a:tailEnd type="triangle"/>
-          </a:ln>
-        </p:spPr>
-        <p:style>
-          <a:lnRef idx="1">
-            <a:schemeClr val="accent1"/>
-          </a:lnRef>
-          <a:fillRef idx="0">
-            <a:schemeClr val="accent1"/>
-          </a:fillRef>
-          <a:effectRef idx="0">
-            <a:schemeClr val="accent1"/>
-          </a:effectRef>
-          <a:fontRef idx="minor">
-            <a:schemeClr val="tx1"/>
-          </a:fontRef>
-        </p:style>
-      </p:cxnSp>
-      <p:sp>
-        <p:nvSpPr>
-          <p:cNvPr id="21" name="TextBox 20">
-            <a:extLst>
-              <a:ext uri="{FF2B5EF4-FFF2-40B4-BE49-F238E27FC236}">
-                <a16:creationId xmlns:a16="http://schemas.microsoft.com/office/drawing/2014/main" id="{3B2F6635-58D3-77E5-4B70-3E715B105A46}"/>
-              </a:ext>
-            </a:extLst>
-          </p:cNvPr>
-          <p:cNvSpPr txBox="1"/>
-          <p:nvPr/>
-        </p:nvSpPr>
-        <p:spPr>
-          <a:xfrm>
-            <a:off x="2928454" y="1326965"/>
-            <a:ext cx="2795674" cy="246221"/>
-          </a:xfrm>
-          <a:prstGeom prst="rect">
-            <a:avLst/>
-          </a:prstGeom>
-          <a:noFill/>
-        </p:spPr>
-        <p:txBody>
-          <a:bodyPr wrap="square" rtlCol="0">
-            <a:spAutoFit/>
-          </a:bodyPr>
-          <a:lstStyle/>
-          <a:p>
-            <a:r>
-              <a:rPr kumimoji="1" lang="en-US" altLang="ko-KR" sz="1000" i="1"/>
-              <a:t>GET </a:t>
-            </a:r>
-            <a:r>
-              <a:rPr lang="en" altLang="ko-KR" sz="1000" i="1"/>
-              <a:t>mock-server:8080/status/200</a:t>
-            </a:r>
-            <a:endParaRPr kumimoji="1" lang="ko-KR" altLang="en-US" sz="1000" i="1"/>
-          </a:p>
-        </p:txBody>
-      </p:sp>
-      <p:cxnSp>
-        <p:nvCxnSpPr>
-          <p:cNvPr id="32" name="Straight Arrow Connector 81">
-            <a:extLst>
-              <a:ext uri="{FF2B5EF4-FFF2-40B4-BE49-F238E27FC236}">
-                <a16:creationId xmlns:a16="http://schemas.microsoft.com/office/drawing/2014/main" id="{023970D5-C78D-D6C2-09E2-178350CAF966}"/>
-              </a:ext>
-            </a:extLst>
-          </p:cNvPr>
-          <p:cNvCxnSpPr>
-            <a:cxnSpLocks/>
-          </p:cNvCxnSpPr>
-          <p:nvPr/>
-        </p:nvCxnSpPr>
-        <p:spPr>
-          <a:xfrm>
-            <a:off x="2346071" y="1941931"/>
-            <a:ext cx="3378057" cy="0"/>
-          </a:xfrm>
-          <a:prstGeom prst="straightConnector1">
-            <a:avLst/>
-          </a:prstGeom>
-          <a:ln>
-            <a:solidFill>
-              <a:schemeClr val="tx1"/>
-            </a:solidFill>
-            <a:tailEnd type="triangle"/>
-          </a:ln>
-        </p:spPr>
-        <p:style>
-          <a:lnRef idx="1">
-            <a:schemeClr val="accent1"/>
-          </a:lnRef>
-          <a:fillRef idx="0">
-            <a:schemeClr val="accent1"/>
-          </a:fillRef>
-          <a:effectRef idx="0">
-            <a:schemeClr val="accent1"/>
-          </a:effectRef>
-          <a:fontRef idx="minor">
-            <a:schemeClr val="tx1"/>
-          </a:fontRef>
-        </p:style>
-      </p:cxnSp>
-      <p:sp>
-        <p:nvSpPr>
-          <p:cNvPr id="33" name="TextBox 32">
-            <a:extLst>
-              <a:ext uri="{FF2B5EF4-FFF2-40B4-BE49-F238E27FC236}">
-                <a16:creationId xmlns:a16="http://schemas.microsoft.com/office/drawing/2014/main" id="{910B15DD-2052-BEF9-9252-A656EDFC1037}"/>
-              </a:ext>
-            </a:extLst>
-          </p:cNvPr>
-          <p:cNvSpPr txBox="1"/>
-          <p:nvPr/>
-        </p:nvSpPr>
-        <p:spPr>
-          <a:xfrm>
-            <a:off x="2928454" y="1695710"/>
-            <a:ext cx="2795674" cy="246221"/>
-          </a:xfrm>
-          <a:prstGeom prst="rect">
-            <a:avLst/>
-          </a:prstGeom>
-          <a:noFill/>
-        </p:spPr>
-        <p:txBody>
-          <a:bodyPr wrap="square" rtlCol="0">
-            <a:spAutoFit/>
-          </a:bodyPr>
-          <a:lstStyle/>
-          <a:p>
-            <a:r>
-              <a:rPr kumimoji="1" lang="en-US" altLang="ko-KR" sz="1000" i="1"/>
-              <a:t>GET </a:t>
-            </a:r>
-            <a:r>
-              <a:rPr lang="en" altLang="ko-KR" sz="1000" i="1"/>
-              <a:t>mock-server:8080/status/200</a:t>
-            </a:r>
-            <a:endParaRPr kumimoji="1" lang="ko-KR" altLang="en-US" sz="1000" i="1"/>
-          </a:p>
-        </p:txBody>
-      </p:sp>
-      <p:cxnSp>
-        <p:nvCxnSpPr>
-          <p:cNvPr id="36" name="Straight Arrow Connector 81">
-            <a:extLst>
-              <a:ext uri="{FF2B5EF4-FFF2-40B4-BE49-F238E27FC236}">
-                <a16:creationId xmlns:a16="http://schemas.microsoft.com/office/drawing/2014/main" id="{E2BD90C4-6FA3-85AA-6601-6D881F4D8899}"/>
-              </a:ext>
-            </a:extLst>
-          </p:cNvPr>
-          <p:cNvCxnSpPr>
-            <a:cxnSpLocks/>
-          </p:cNvCxnSpPr>
-          <p:nvPr/>
-        </p:nvCxnSpPr>
-        <p:spPr>
-          <a:xfrm>
-            <a:off x="2346071" y="2556223"/>
-            <a:ext cx="3378057" cy="0"/>
-          </a:xfrm>
-          <a:prstGeom prst="straightConnector1">
-            <a:avLst/>
-          </a:prstGeom>
-          <a:ln>
-            <a:solidFill>
-              <a:schemeClr val="tx1"/>
-            </a:solidFill>
-            <a:tailEnd type="triangle"/>
-          </a:ln>
-        </p:spPr>
-        <p:style>
-          <a:lnRef idx="1">
-            <a:schemeClr val="accent1"/>
-          </a:lnRef>
-          <a:fillRef idx="0">
-            <a:schemeClr val="accent1"/>
-          </a:fillRef>
-          <a:effectRef idx="0">
-            <a:schemeClr val="accent1"/>
-          </a:effectRef>
-          <a:fontRef idx="minor">
-            <a:schemeClr val="tx1"/>
-          </a:fontRef>
-        </p:style>
-      </p:cxnSp>
-      <p:sp>
-        <p:nvSpPr>
-          <p:cNvPr id="37" name="TextBox 36">
-            <a:extLst>
-              <a:ext uri="{FF2B5EF4-FFF2-40B4-BE49-F238E27FC236}">
-                <a16:creationId xmlns:a16="http://schemas.microsoft.com/office/drawing/2014/main" id="{CC0F0CAC-4E10-0730-9D35-86FE499431A2}"/>
-              </a:ext>
-            </a:extLst>
-          </p:cNvPr>
-          <p:cNvSpPr txBox="1"/>
-          <p:nvPr/>
-        </p:nvSpPr>
-        <p:spPr>
-          <a:xfrm>
-            <a:off x="2928454" y="2310002"/>
-            <a:ext cx="2795674" cy="246221"/>
-          </a:xfrm>
-          <a:prstGeom prst="rect">
-            <a:avLst/>
-          </a:prstGeom>
-          <a:noFill/>
-        </p:spPr>
-        <p:txBody>
-          <a:bodyPr wrap="square" rtlCol="0">
-            <a:spAutoFit/>
-          </a:bodyPr>
-          <a:lstStyle/>
-          <a:p>
-            <a:r>
-              <a:rPr kumimoji="1" lang="en-US" altLang="ko-KR" sz="1000" i="1"/>
-              <a:t>GET </a:t>
-            </a:r>
-            <a:r>
-              <a:rPr lang="en" altLang="ko-KR" sz="1000" i="1"/>
-              <a:t>mock-server:8080/status/200</a:t>
-            </a:r>
-            <a:endParaRPr kumimoji="1" lang="ko-KR" altLang="en-US" sz="1000" i="1"/>
-          </a:p>
-        </p:txBody>
-      </p:sp>
-      <p:cxnSp>
-        <p:nvCxnSpPr>
-          <p:cNvPr id="42" name="Straight Arrow Connector 81">
-            <a:extLst>
-              <a:ext uri="{FF2B5EF4-FFF2-40B4-BE49-F238E27FC236}">
-                <a16:creationId xmlns:a16="http://schemas.microsoft.com/office/drawing/2014/main" id="{56767916-D7C5-C652-446F-40D2F32F2173}"/>
-              </a:ext>
-            </a:extLst>
-          </p:cNvPr>
-          <p:cNvCxnSpPr>
-            <a:cxnSpLocks/>
-          </p:cNvCxnSpPr>
-          <p:nvPr/>
-        </p:nvCxnSpPr>
-        <p:spPr>
-          <a:xfrm>
-            <a:off x="2346071" y="2925813"/>
-            <a:ext cx="3378057" cy="0"/>
-          </a:xfrm>
-          <a:prstGeom prst="straightConnector1">
-            <a:avLst/>
-          </a:prstGeom>
-          <a:ln>
-            <a:solidFill>
-              <a:schemeClr val="tx1"/>
-            </a:solidFill>
-            <a:tailEnd type="triangle"/>
-          </a:ln>
-        </p:spPr>
-        <p:style>
-          <a:lnRef idx="1">
-            <a:schemeClr val="accent1"/>
-          </a:lnRef>
-          <a:fillRef idx="0">
-            <a:schemeClr val="accent1"/>
-          </a:fillRef>
-          <a:effectRef idx="0">
-            <a:schemeClr val="accent1"/>
-          </a:effectRef>
-          <a:fontRef idx="minor">
-            <a:schemeClr val="tx1"/>
-          </a:fontRef>
-        </p:style>
-      </p:cxnSp>
-      <p:sp>
-        <p:nvSpPr>
-          <p:cNvPr id="43" name="TextBox 42">
-            <a:extLst>
-              <a:ext uri="{FF2B5EF4-FFF2-40B4-BE49-F238E27FC236}">
-                <a16:creationId xmlns:a16="http://schemas.microsoft.com/office/drawing/2014/main" id="{AFD49711-4B8B-754F-959E-8D170846BBE5}"/>
-              </a:ext>
-            </a:extLst>
-          </p:cNvPr>
-          <p:cNvSpPr txBox="1"/>
-          <p:nvPr/>
-        </p:nvSpPr>
-        <p:spPr>
-          <a:xfrm>
-            <a:off x="2928454" y="2679592"/>
-            <a:ext cx="2795674" cy="246221"/>
-          </a:xfrm>
-          <a:prstGeom prst="rect">
-            <a:avLst/>
-          </a:prstGeom>
-          <a:noFill/>
-        </p:spPr>
-        <p:txBody>
-          <a:bodyPr wrap="square" rtlCol="0">
-            <a:spAutoFit/>
-          </a:bodyPr>
-          <a:lstStyle/>
-          <a:p>
-            <a:r>
-              <a:rPr kumimoji="1" lang="en-US" altLang="ko-KR" sz="1000" i="1"/>
-              <a:t>GET </a:t>
-            </a:r>
-            <a:r>
-              <a:rPr lang="en" altLang="ko-KR" sz="1000" i="1"/>
-              <a:t>mock-server:8080/status/200</a:t>
-            </a:r>
-            <a:endParaRPr kumimoji="1" lang="ko-KR" altLang="en-US" sz="1000" i="1"/>
-          </a:p>
-        </p:txBody>
-      </p:sp>
-      <p:cxnSp>
-        <p:nvCxnSpPr>
-          <p:cNvPr id="46" name="Straight Arrow Connector 81">
-            <a:extLst>
-              <a:ext uri="{FF2B5EF4-FFF2-40B4-BE49-F238E27FC236}">
-                <a16:creationId xmlns:a16="http://schemas.microsoft.com/office/drawing/2014/main" id="{D6AF04DA-4B5F-69E3-8EDC-EA3396635B0A}"/>
-              </a:ext>
-            </a:extLst>
-          </p:cNvPr>
-          <p:cNvCxnSpPr>
-            <a:cxnSpLocks/>
-          </p:cNvCxnSpPr>
-          <p:nvPr/>
-        </p:nvCxnSpPr>
-        <p:spPr>
-          <a:xfrm>
-            <a:off x="2346071" y="3294558"/>
-            <a:ext cx="569745" cy="0"/>
-          </a:xfrm>
-          <a:prstGeom prst="straightConnector1">
-            <a:avLst/>
-          </a:prstGeom>
-          <a:ln>
-            <a:solidFill>
-              <a:schemeClr val="tx1"/>
-            </a:solidFill>
-            <a:tailEnd type="triangle"/>
-          </a:ln>
-        </p:spPr>
-        <p:style>
-          <a:lnRef idx="1">
-            <a:schemeClr val="accent1"/>
-          </a:lnRef>
-          <a:fillRef idx="0">
-            <a:schemeClr val="accent1"/>
-          </a:fillRef>
-          <a:effectRef idx="0">
-            <a:schemeClr val="accent1"/>
-          </a:effectRef>
-          <a:fontRef idx="minor">
-            <a:schemeClr val="tx1"/>
-          </a:fontRef>
-        </p:style>
-      </p:cxnSp>
-      <p:sp>
-        <p:nvSpPr>
-          <p:cNvPr id="47" name="TextBox 46">
-            <a:extLst>
-              <a:ext uri="{FF2B5EF4-FFF2-40B4-BE49-F238E27FC236}">
-                <a16:creationId xmlns:a16="http://schemas.microsoft.com/office/drawing/2014/main" id="{B3D2600B-C90C-C4F9-6229-1D80606E0558}"/>
-              </a:ext>
-            </a:extLst>
-          </p:cNvPr>
-          <p:cNvSpPr txBox="1"/>
-          <p:nvPr/>
-        </p:nvSpPr>
-        <p:spPr>
-          <a:xfrm>
-            <a:off x="2928454" y="3048337"/>
-            <a:ext cx="2795674" cy="246221"/>
-          </a:xfrm>
-          <a:prstGeom prst="rect">
-            <a:avLst/>
-          </a:prstGeom>
-          <a:noFill/>
-        </p:spPr>
-        <p:txBody>
-          <a:bodyPr wrap="square" rtlCol="0">
-            <a:spAutoFit/>
-          </a:bodyPr>
-          <a:lstStyle/>
-          <a:p>
-            <a:r>
-              <a:rPr kumimoji="1" lang="en-US" altLang="ko-KR" sz="1000" i="1"/>
-              <a:t>GET </a:t>
-            </a:r>
-            <a:r>
-              <a:rPr lang="en" altLang="ko-KR" sz="1000" i="1"/>
-              <a:t>mock-server:8080/status/200</a:t>
-            </a:r>
-            <a:endParaRPr kumimoji="1" lang="ko-KR" altLang="en-US" sz="1000" i="1"/>
-          </a:p>
-        </p:txBody>
-      </p:sp>
-      <p:cxnSp>
-        <p:nvCxnSpPr>
-          <p:cNvPr id="51" name="Straight Arrow Connector 81">
-            <a:extLst>
-              <a:ext uri="{FF2B5EF4-FFF2-40B4-BE49-F238E27FC236}">
-                <a16:creationId xmlns:a16="http://schemas.microsoft.com/office/drawing/2014/main" id="{2DAB456F-528B-79E3-59DD-87BA591D035C}"/>
-              </a:ext>
-            </a:extLst>
-          </p:cNvPr>
-          <p:cNvCxnSpPr>
-            <a:cxnSpLocks/>
-          </p:cNvCxnSpPr>
-          <p:nvPr/>
-        </p:nvCxnSpPr>
-        <p:spPr>
-          <a:xfrm>
-            <a:off x="2346071" y="3909523"/>
-            <a:ext cx="569745" cy="0"/>
-          </a:xfrm>
-          <a:prstGeom prst="straightConnector1">
-            <a:avLst/>
-          </a:prstGeom>
-          <a:ln>
-            <a:solidFill>
-              <a:schemeClr val="tx1"/>
-            </a:solidFill>
-            <a:tailEnd type="triangle"/>
-          </a:ln>
-        </p:spPr>
-        <p:style>
-          <a:lnRef idx="1">
-            <a:schemeClr val="accent1"/>
-          </a:lnRef>
-          <a:fillRef idx="0">
-            <a:schemeClr val="accent1"/>
-          </a:fillRef>
-          <a:effectRef idx="0">
-            <a:schemeClr val="accent1"/>
-          </a:effectRef>
-          <a:fontRef idx="minor">
-            <a:schemeClr val="tx1"/>
-          </a:fontRef>
-        </p:style>
-      </p:cxnSp>
-      <p:sp>
-        <p:nvSpPr>
-          <p:cNvPr id="52" name="TextBox 51">
-            <a:extLst>
-              <a:ext uri="{FF2B5EF4-FFF2-40B4-BE49-F238E27FC236}">
-                <a16:creationId xmlns:a16="http://schemas.microsoft.com/office/drawing/2014/main" id="{FF6EBBD6-CC4F-5F7E-AC3A-431DAC1C10A0}"/>
-              </a:ext>
-            </a:extLst>
-          </p:cNvPr>
-          <p:cNvSpPr txBox="1"/>
-          <p:nvPr/>
-        </p:nvSpPr>
-        <p:spPr>
-          <a:xfrm>
-            <a:off x="2928454" y="3663302"/>
-            <a:ext cx="2795674" cy="246221"/>
-          </a:xfrm>
-          <a:prstGeom prst="rect">
-            <a:avLst/>
-          </a:prstGeom>
-          <a:noFill/>
-        </p:spPr>
-        <p:txBody>
-          <a:bodyPr wrap="square" rtlCol="0">
-            <a:spAutoFit/>
-          </a:bodyPr>
-          <a:lstStyle/>
-          <a:p>
-            <a:r>
-              <a:rPr kumimoji="1" lang="en-US" altLang="ko-KR" sz="1000" i="1"/>
-              <a:t>GET </a:t>
-            </a:r>
-            <a:r>
-              <a:rPr lang="en" altLang="ko-KR" sz="1000" i="1"/>
-              <a:t>mock-server:8080/status/200</a:t>
-            </a:r>
-            <a:endParaRPr kumimoji="1" lang="ko-KR" altLang="en-US" sz="1000" i="1"/>
-          </a:p>
-        </p:txBody>
-      </p:sp>
-      <p:sp>
-        <p:nvSpPr>
-          <p:cNvPr id="3" name="호 2">
-            <a:extLst>
-              <a:ext uri="{FF2B5EF4-FFF2-40B4-BE49-F238E27FC236}">
-                <a16:creationId xmlns:a16="http://schemas.microsoft.com/office/drawing/2014/main" id="{5CE7404B-5D57-89A6-B43C-D38A5C9F73CC}"/>
-              </a:ext>
-            </a:extLst>
-          </p:cNvPr>
-          <p:cNvSpPr/>
-          <p:nvPr/>
-        </p:nvSpPr>
-        <p:spPr>
-          <a:xfrm>
-            <a:off x="6168329" y="1199086"/>
-            <a:ext cx="276349" cy="741998"/>
-          </a:xfrm>
-          <a:prstGeom prst="arc">
-            <a:avLst>
-              <a:gd name="adj1" fmla="val 16200000"/>
-              <a:gd name="adj2" fmla="val 5412057"/>
-            </a:avLst>
-          </a:prstGeom>
-          <a:ln>
-            <a:solidFill>
-              <a:schemeClr val="tx1"/>
-            </a:solidFill>
-            <a:headEnd type="none" w="med" len="med"/>
-            <a:tailEnd type="triangle" w="med" len="med"/>
-          </a:ln>
-        </p:spPr>
-        <p:style>
-          <a:lnRef idx="1">
-            <a:schemeClr val="accent1"/>
-          </a:lnRef>
-          <a:fillRef idx="0">
-            <a:schemeClr val="accent1"/>
-          </a:fillRef>
-          <a:effectRef idx="0">
-            <a:schemeClr val="accent1"/>
-          </a:effectRef>
-          <a:fontRef idx="minor">
-            <a:schemeClr val="tx1"/>
-          </a:fontRef>
-        </p:style>
-        <p:txBody>
-          <a:bodyPr rtlCol="0" anchor="ctr"/>
-          <a:lstStyle/>
-          <a:p>
-            <a:pPr algn="ctr"/>
-            <a:endParaRPr kumimoji="1" lang="ko-KR" altLang="en-US"/>
-          </a:p>
-        </p:txBody>
-      </p:sp>
-      <p:sp>
-        <p:nvSpPr>
-          <p:cNvPr id="6" name="TextBox 5">
-            <a:extLst>
-              <a:ext uri="{FF2B5EF4-FFF2-40B4-BE49-F238E27FC236}">
-                <a16:creationId xmlns:a16="http://schemas.microsoft.com/office/drawing/2014/main" id="{F5DB4F46-CD50-EC84-04A5-649A77E56CB5}"/>
-              </a:ext>
-            </a:extLst>
-          </p:cNvPr>
-          <p:cNvSpPr txBox="1"/>
-          <p:nvPr/>
-        </p:nvSpPr>
-        <p:spPr>
-          <a:xfrm>
-            <a:off x="6337278" y="1449489"/>
-            <a:ext cx="689798" cy="246221"/>
-          </a:xfrm>
-          <a:prstGeom prst="rect">
-            <a:avLst/>
-          </a:prstGeom>
-          <a:noFill/>
-        </p:spPr>
-        <p:txBody>
-          <a:bodyPr wrap="square" rtlCol="0">
-            <a:spAutoFit/>
-          </a:bodyPr>
-          <a:lstStyle/>
-          <a:p>
-            <a:pPr algn="ctr"/>
-            <a:r>
-              <a:rPr kumimoji="1" lang="en-US" altLang="ko-KR" sz="1000" i="1"/>
-              <a:t>3times</a:t>
-            </a:r>
-            <a:endParaRPr kumimoji="1" lang="ko-KR" altLang="en-US" sz="1000" i="1"/>
-          </a:p>
-        </p:txBody>
-      </p:sp>
-      <p:sp>
-        <p:nvSpPr>
-          <p:cNvPr id="10" name="호 9">
-            <a:extLst>
-              <a:ext uri="{FF2B5EF4-FFF2-40B4-BE49-F238E27FC236}">
-                <a16:creationId xmlns:a16="http://schemas.microsoft.com/office/drawing/2014/main" id="{952A7466-22B2-43F9-51EB-8FBCC88C7604}"/>
-              </a:ext>
-            </a:extLst>
-          </p:cNvPr>
-          <p:cNvSpPr/>
-          <p:nvPr/>
-        </p:nvSpPr>
-        <p:spPr>
-          <a:xfrm>
-            <a:off x="6168329" y="2551713"/>
-            <a:ext cx="291216" cy="740118"/>
-          </a:xfrm>
-          <a:prstGeom prst="arc">
-            <a:avLst>
-              <a:gd name="adj1" fmla="val 16200000"/>
-              <a:gd name="adj2" fmla="val 5412057"/>
-            </a:avLst>
-          </a:prstGeom>
-          <a:ln>
-            <a:solidFill>
-              <a:schemeClr val="tx1"/>
-            </a:solidFill>
-            <a:headEnd type="none" w="med" len="med"/>
-            <a:tailEnd type="triangle" w="med" len="med"/>
-          </a:ln>
-        </p:spPr>
-        <p:style>
-          <a:lnRef idx="1">
-            <a:schemeClr val="accent1"/>
-          </a:lnRef>
-          <a:fillRef idx="0">
-            <a:schemeClr val="accent1"/>
-          </a:fillRef>
-          <a:effectRef idx="0">
-            <a:schemeClr val="accent1"/>
-          </a:effectRef>
-          <a:fontRef idx="minor">
-            <a:schemeClr val="tx1"/>
-          </a:fontRef>
-        </p:style>
-        <p:txBody>
-          <a:bodyPr rtlCol="0" anchor="ctr"/>
-          <a:lstStyle/>
-          <a:p>
-            <a:pPr algn="ctr"/>
-            <a:endParaRPr kumimoji="1" lang="ko-KR" altLang="en-US"/>
-          </a:p>
-        </p:txBody>
-      </p:sp>
-      <p:sp>
-        <p:nvSpPr>
-          <p:cNvPr id="11" name="TextBox 10">
-            <a:extLst>
-              <a:ext uri="{FF2B5EF4-FFF2-40B4-BE49-F238E27FC236}">
-                <a16:creationId xmlns:a16="http://schemas.microsoft.com/office/drawing/2014/main" id="{26733D18-4D2E-E70E-BE16-188B0B70AE91}"/>
-              </a:ext>
-            </a:extLst>
-          </p:cNvPr>
-          <p:cNvSpPr txBox="1"/>
-          <p:nvPr/>
-        </p:nvSpPr>
-        <p:spPr>
-          <a:xfrm>
-            <a:off x="6337278" y="2802116"/>
-            <a:ext cx="689798" cy="246221"/>
-          </a:xfrm>
-          <a:prstGeom prst="rect">
-            <a:avLst/>
-          </a:prstGeom>
-          <a:noFill/>
-        </p:spPr>
-        <p:txBody>
-          <a:bodyPr wrap="square" rtlCol="0">
-            <a:spAutoFit/>
-          </a:bodyPr>
-          <a:lstStyle/>
-          <a:p>
-            <a:pPr algn="ctr"/>
-            <a:r>
-              <a:rPr kumimoji="1" lang="en-US" altLang="ko-KR" sz="1000" i="1"/>
-              <a:t>3times</a:t>
-            </a:r>
-            <a:endParaRPr kumimoji="1" lang="ko-KR" altLang="en-US" sz="1000" i="1"/>
-          </a:p>
-        </p:txBody>
-      </p:sp>
-    </p:spTree>
-    <p:extLst>
-      <p:ext uri="{BB962C8B-B14F-4D97-AF65-F5344CB8AC3E}">
-        <p14:creationId xmlns:p14="http://schemas.microsoft.com/office/powerpoint/2010/main" val="3473888967"/>
       </p:ext>
     </p:extLst>
   </p:cSld>
@@ -12021,6 +11090,1024 @@
         <p:cNvPr id="1" name="">
           <a:extLst>
             <a:ext uri="{FF2B5EF4-FFF2-40B4-BE49-F238E27FC236}">
+              <a16:creationId xmlns:a16="http://schemas.microsoft.com/office/drawing/2014/main" id="{94E9846E-93DE-7B46-CFF0-5CA363A99B38}"/>
+            </a:ext>
+          </a:extLst>
+        </p:cNvPr>
+        <p:cNvGrpSpPr/>
+        <p:nvPr/>
+      </p:nvGrpSpPr>
+      <p:grpSpPr>
+        <a:xfrm>
+          <a:off x="0" y="0"/>
+          <a:ext cx="0" cy="0"/>
+          <a:chOff x="0" y="0"/>
+          <a:chExt cx="0" cy="0"/>
+        </a:xfrm>
+      </p:grpSpPr>
+      <p:sp>
+        <p:nvSpPr>
+          <p:cNvPr id="4" name="사각형: 둥근 모서리 29">
+            <a:extLst>
+              <a:ext uri="{FF2B5EF4-FFF2-40B4-BE49-F238E27FC236}">
+                <a16:creationId xmlns:a16="http://schemas.microsoft.com/office/drawing/2014/main" id="{6A739A79-7398-1DF1-5A09-936867C3134A}"/>
+              </a:ext>
+            </a:extLst>
+          </p:cNvPr>
+          <p:cNvSpPr/>
+          <p:nvPr/>
+        </p:nvSpPr>
+        <p:spPr>
+          <a:xfrm>
+            <a:off x="1763688" y="411510"/>
+            <a:ext cx="1164765" cy="657290"/>
+          </a:xfrm>
+          <a:prstGeom prst="roundRect">
+            <a:avLst>
+              <a:gd name="adj" fmla="val 17374"/>
+            </a:avLst>
+          </a:prstGeom>
+          <a:ln w="12700"/>
+        </p:spPr>
+        <p:style>
+          <a:lnRef idx="2">
+            <a:schemeClr val="dk1"/>
+          </a:lnRef>
+          <a:fillRef idx="1">
+            <a:schemeClr val="lt1"/>
+          </a:fillRef>
+          <a:effectRef idx="0">
+            <a:schemeClr val="dk1"/>
+          </a:effectRef>
+          <a:fontRef idx="minor">
+            <a:schemeClr val="dk1"/>
+          </a:fontRef>
+        </p:style>
+        <p:txBody>
+          <a:bodyPr rtlCol="0" anchor="ctr"/>
+          <a:lstStyle/>
+          <a:p>
+            <a:pPr algn="ctr"/>
+            <a:r>
+              <a:rPr lang="en-US" altLang="ko-KR" sz="1000" b="1"/>
+              <a:t>shell</a:t>
+            </a:r>
+          </a:p>
+          <a:p>
+            <a:pPr algn="ctr"/>
+            <a:r>
+              <a:rPr lang="en-US" altLang="ko-KR" sz="1000"/>
+              <a:t>Pod</a:t>
+            </a:r>
+            <a:endParaRPr lang="ko-KR" altLang="en-US" sz="1000"/>
+          </a:p>
+        </p:txBody>
+      </p:sp>
+      <p:sp>
+        <p:nvSpPr>
+          <p:cNvPr id="5" name="사각형: 둥근 모서리 29">
+            <a:extLst>
+              <a:ext uri="{FF2B5EF4-FFF2-40B4-BE49-F238E27FC236}">
+                <a16:creationId xmlns:a16="http://schemas.microsoft.com/office/drawing/2014/main" id="{2247D83D-A8B9-EC9B-EC5F-AE41A8B5306F}"/>
+              </a:ext>
+            </a:extLst>
+          </p:cNvPr>
+          <p:cNvSpPr/>
+          <p:nvPr/>
+        </p:nvSpPr>
+        <p:spPr>
+          <a:xfrm>
+            <a:off x="5724128" y="411510"/>
+            <a:ext cx="1164765" cy="657290"/>
+          </a:xfrm>
+          <a:prstGeom prst="roundRect">
+            <a:avLst>
+              <a:gd name="adj" fmla="val 17374"/>
+            </a:avLst>
+          </a:prstGeom>
+          <a:ln w="12700"/>
+        </p:spPr>
+        <p:style>
+          <a:lnRef idx="2">
+            <a:schemeClr val="dk1"/>
+          </a:lnRef>
+          <a:fillRef idx="1">
+            <a:schemeClr val="lt1"/>
+          </a:fillRef>
+          <a:effectRef idx="0">
+            <a:schemeClr val="dk1"/>
+          </a:effectRef>
+          <a:fontRef idx="minor">
+            <a:schemeClr val="dk1"/>
+          </a:fontRef>
+        </p:style>
+        <p:txBody>
+          <a:bodyPr rtlCol="0" anchor="ctr"/>
+          <a:lstStyle/>
+          <a:p>
+            <a:pPr algn="ctr"/>
+            <a:r>
+              <a:rPr lang="en-US" altLang="ko-KR" sz="1000" b="1"/>
+              <a:t>mock-server</a:t>
+            </a:r>
+          </a:p>
+          <a:p>
+            <a:pPr algn="ctr"/>
+            <a:r>
+              <a:rPr lang="en-US" altLang="ko-KR" sz="1000"/>
+              <a:t>Pod with </a:t>
+            </a:r>
+            <a:r>
+              <a:rPr lang="en-US" altLang="ko-KR" sz="1000" b="1"/>
+              <a:t>iptables DROP</a:t>
+            </a:r>
+            <a:endParaRPr lang="ko-KR" altLang="en-US" sz="1000" b="1"/>
+          </a:p>
+        </p:txBody>
+      </p:sp>
+      <p:cxnSp>
+        <p:nvCxnSpPr>
+          <p:cNvPr id="8" name="Straight Arrow Connector 81">
+            <a:extLst>
+              <a:ext uri="{FF2B5EF4-FFF2-40B4-BE49-F238E27FC236}">
+                <a16:creationId xmlns:a16="http://schemas.microsoft.com/office/drawing/2014/main" id="{2B313E4A-8FFF-8023-C696-4D1EEC0D4262}"/>
+              </a:ext>
+            </a:extLst>
+          </p:cNvPr>
+          <p:cNvCxnSpPr>
+            <a:cxnSpLocks/>
+            <a:stCxn id="5" idx="2"/>
+          </p:cNvCxnSpPr>
+          <p:nvPr/>
+        </p:nvCxnSpPr>
+        <p:spPr>
+          <a:xfrm>
+            <a:off x="6306511" y="1068800"/>
+            <a:ext cx="0" cy="3375158"/>
+          </a:xfrm>
+          <a:prstGeom prst="straightConnector1">
+            <a:avLst/>
+          </a:prstGeom>
+          <a:ln>
+            <a:solidFill>
+              <a:schemeClr val="tx1"/>
+            </a:solidFill>
+            <a:prstDash val="dash"/>
+            <a:tailEnd type="triangle"/>
+          </a:ln>
+        </p:spPr>
+        <p:style>
+          <a:lnRef idx="1">
+            <a:schemeClr val="accent1"/>
+          </a:lnRef>
+          <a:fillRef idx="0">
+            <a:schemeClr val="accent1"/>
+          </a:fillRef>
+          <a:effectRef idx="0">
+            <a:schemeClr val="accent1"/>
+          </a:effectRef>
+          <a:fontRef idx="minor">
+            <a:schemeClr val="tx1"/>
+          </a:fontRef>
+        </p:style>
+      </p:cxnSp>
+      <p:cxnSp>
+        <p:nvCxnSpPr>
+          <p:cNvPr id="2" name="Straight Arrow Connector 81">
+            <a:extLst>
+              <a:ext uri="{FF2B5EF4-FFF2-40B4-BE49-F238E27FC236}">
+                <a16:creationId xmlns:a16="http://schemas.microsoft.com/office/drawing/2014/main" id="{45AE5EEB-DFBC-F311-ACBB-763CD696E412}"/>
+              </a:ext>
+            </a:extLst>
+          </p:cNvPr>
+          <p:cNvCxnSpPr>
+            <a:cxnSpLocks/>
+            <a:stCxn id="4" idx="2"/>
+          </p:cNvCxnSpPr>
+          <p:nvPr/>
+        </p:nvCxnSpPr>
+        <p:spPr>
+          <a:xfrm>
+            <a:off x="2346071" y="1068800"/>
+            <a:ext cx="0" cy="3375158"/>
+          </a:xfrm>
+          <a:prstGeom prst="straightConnector1">
+            <a:avLst/>
+          </a:prstGeom>
+          <a:ln>
+            <a:solidFill>
+              <a:schemeClr val="tx1"/>
+            </a:solidFill>
+            <a:prstDash val="dash"/>
+            <a:tailEnd type="triangle"/>
+          </a:ln>
+        </p:spPr>
+        <p:style>
+          <a:lnRef idx="1">
+            <a:schemeClr val="accent1"/>
+          </a:lnRef>
+          <a:fillRef idx="0">
+            <a:schemeClr val="accent1"/>
+          </a:fillRef>
+          <a:effectRef idx="0">
+            <a:schemeClr val="accent1"/>
+          </a:effectRef>
+          <a:fontRef idx="minor">
+            <a:schemeClr val="tx1"/>
+          </a:fontRef>
+        </p:style>
+      </p:cxnSp>
+      <p:cxnSp>
+        <p:nvCxnSpPr>
+          <p:cNvPr id="17" name="Straight Arrow Connector 81">
+            <a:extLst>
+              <a:ext uri="{FF2B5EF4-FFF2-40B4-BE49-F238E27FC236}">
+                <a16:creationId xmlns:a16="http://schemas.microsoft.com/office/drawing/2014/main" id="{A413435C-F32A-D0B2-F471-0F12D45BDCC6}"/>
+              </a:ext>
+            </a:extLst>
+          </p:cNvPr>
+          <p:cNvCxnSpPr>
+            <a:cxnSpLocks/>
+          </p:cNvCxnSpPr>
+          <p:nvPr/>
+        </p:nvCxnSpPr>
+        <p:spPr>
+          <a:xfrm>
+            <a:off x="2346071" y="1203596"/>
+            <a:ext cx="3378057" cy="0"/>
+          </a:xfrm>
+          <a:prstGeom prst="straightConnector1">
+            <a:avLst/>
+          </a:prstGeom>
+          <a:ln>
+            <a:solidFill>
+              <a:schemeClr val="tx1"/>
+            </a:solidFill>
+            <a:tailEnd type="triangle"/>
+          </a:ln>
+        </p:spPr>
+        <p:style>
+          <a:lnRef idx="1">
+            <a:schemeClr val="accent1"/>
+          </a:lnRef>
+          <a:fillRef idx="0">
+            <a:schemeClr val="accent1"/>
+          </a:fillRef>
+          <a:effectRef idx="0">
+            <a:schemeClr val="accent1"/>
+          </a:effectRef>
+          <a:fontRef idx="minor">
+            <a:schemeClr val="tx1"/>
+          </a:fontRef>
+        </p:style>
+      </p:cxnSp>
+      <p:sp>
+        <p:nvSpPr>
+          <p:cNvPr id="20" name="TextBox 19">
+            <a:extLst>
+              <a:ext uri="{FF2B5EF4-FFF2-40B4-BE49-F238E27FC236}">
+                <a16:creationId xmlns:a16="http://schemas.microsoft.com/office/drawing/2014/main" id="{1E44A8B4-D0EA-62BD-8390-7EF49FB7F122}"/>
+              </a:ext>
+            </a:extLst>
+          </p:cNvPr>
+          <p:cNvSpPr txBox="1"/>
+          <p:nvPr/>
+        </p:nvSpPr>
+        <p:spPr>
+          <a:xfrm>
+            <a:off x="2928454" y="957375"/>
+            <a:ext cx="2795674" cy="246221"/>
+          </a:xfrm>
+          <a:prstGeom prst="rect">
+            <a:avLst/>
+          </a:prstGeom>
+          <a:noFill/>
+        </p:spPr>
+        <p:txBody>
+          <a:bodyPr wrap="square" rtlCol="0">
+            <a:spAutoFit/>
+          </a:bodyPr>
+          <a:lstStyle/>
+          <a:p>
+            <a:r>
+              <a:rPr kumimoji="1" lang="en-US" altLang="ko-KR" sz="1000" i="1"/>
+              <a:t>GET </a:t>
+            </a:r>
+            <a:r>
+              <a:rPr lang="en" altLang="ko-KR" sz="1000" i="1"/>
+              <a:t>mock-server:8080/status/200</a:t>
+            </a:r>
+            <a:endParaRPr kumimoji="1" lang="ko-KR" altLang="en-US" sz="1000" i="1"/>
+          </a:p>
+        </p:txBody>
+      </p:sp>
+      <p:cxnSp>
+        <p:nvCxnSpPr>
+          <p:cNvPr id="12" name="Straight Arrow Connector 81">
+            <a:extLst>
+              <a:ext uri="{FF2B5EF4-FFF2-40B4-BE49-F238E27FC236}">
+                <a16:creationId xmlns:a16="http://schemas.microsoft.com/office/drawing/2014/main" id="{67ED4FCC-B0F9-767F-5EA3-0B7DD1177904}"/>
+              </a:ext>
+            </a:extLst>
+          </p:cNvPr>
+          <p:cNvCxnSpPr>
+            <a:cxnSpLocks/>
+          </p:cNvCxnSpPr>
+          <p:nvPr/>
+        </p:nvCxnSpPr>
+        <p:spPr>
+          <a:xfrm>
+            <a:off x="2346071" y="1573186"/>
+            <a:ext cx="3378057" cy="0"/>
+          </a:xfrm>
+          <a:prstGeom prst="straightConnector1">
+            <a:avLst/>
+          </a:prstGeom>
+          <a:ln>
+            <a:solidFill>
+              <a:schemeClr val="tx1"/>
+            </a:solidFill>
+            <a:tailEnd type="triangle"/>
+          </a:ln>
+        </p:spPr>
+        <p:style>
+          <a:lnRef idx="1">
+            <a:schemeClr val="accent1"/>
+          </a:lnRef>
+          <a:fillRef idx="0">
+            <a:schemeClr val="accent1"/>
+          </a:fillRef>
+          <a:effectRef idx="0">
+            <a:schemeClr val="accent1"/>
+          </a:effectRef>
+          <a:fontRef idx="minor">
+            <a:schemeClr val="tx1"/>
+          </a:fontRef>
+        </p:style>
+      </p:cxnSp>
+      <p:sp>
+        <p:nvSpPr>
+          <p:cNvPr id="21" name="TextBox 20">
+            <a:extLst>
+              <a:ext uri="{FF2B5EF4-FFF2-40B4-BE49-F238E27FC236}">
+                <a16:creationId xmlns:a16="http://schemas.microsoft.com/office/drawing/2014/main" id="{3B2F6635-58D3-77E5-4B70-3E715B105A46}"/>
+              </a:ext>
+            </a:extLst>
+          </p:cNvPr>
+          <p:cNvSpPr txBox="1"/>
+          <p:nvPr/>
+        </p:nvSpPr>
+        <p:spPr>
+          <a:xfrm>
+            <a:off x="2928454" y="1326965"/>
+            <a:ext cx="2795674" cy="246221"/>
+          </a:xfrm>
+          <a:prstGeom prst="rect">
+            <a:avLst/>
+          </a:prstGeom>
+          <a:noFill/>
+        </p:spPr>
+        <p:txBody>
+          <a:bodyPr wrap="square" rtlCol="0">
+            <a:spAutoFit/>
+          </a:bodyPr>
+          <a:lstStyle/>
+          <a:p>
+            <a:r>
+              <a:rPr kumimoji="1" lang="en-US" altLang="ko-KR" sz="1000" i="1"/>
+              <a:t>GET </a:t>
+            </a:r>
+            <a:r>
+              <a:rPr lang="en" altLang="ko-KR" sz="1000" i="1"/>
+              <a:t>mock-server:8080/status/200</a:t>
+            </a:r>
+            <a:endParaRPr kumimoji="1" lang="ko-KR" altLang="en-US" sz="1000" i="1"/>
+          </a:p>
+        </p:txBody>
+      </p:sp>
+      <p:cxnSp>
+        <p:nvCxnSpPr>
+          <p:cNvPr id="32" name="Straight Arrow Connector 81">
+            <a:extLst>
+              <a:ext uri="{FF2B5EF4-FFF2-40B4-BE49-F238E27FC236}">
+                <a16:creationId xmlns:a16="http://schemas.microsoft.com/office/drawing/2014/main" id="{023970D5-C78D-D6C2-09E2-178350CAF966}"/>
+              </a:ext>
+            </a:extLst>
+          </p:cNvPr>
+          <p:cNvCxnSpPr>
+            <a:cxnSpLocks/>
+          </p:cNvCxnSpPr>
+          <p:nvPr/>
+        </p:nvCxnSpPr>
+        <p:spPr>
+          <a:xfrm>
+            <a:off x="2346071" y="1941931"/>
+            <a:ext cx="3378057" cy="0"/>
+          </a:xfrm>
+          <a:prstGeom prst="straightConnector1">
+            <a:avLst/>
+          </a:prstGeom>
+          <a:ln>
+            <a:solidFill>
+              <a:schemeClr val="tx1"/>
+            </a:solidFill>
+            <a:tailEnd type="triangle"/>
+          </a:ln>
+        </p:spPr>
+        <p:style>
+          <a:lnRef idx="1">
+            <a:schemeClr val="accent1"/>
+          </a:lnRef>
+          <a:fillRef idx="0">
+            <a:schemeClr val="accent1"/>
+          </a:fillRef>
+          <a:effectRef idx="0">
+            <a:schemeClr val="accent1"/>
+          </a:effectRef>
+          <a:fontRef idx="minor">
+            <a:schemeClr val="tx1"/>
+          </a:fontRef>
+        </p:style>
+      </p:cxnSp>
+      <p:sp>
+        <p:nvSpPr>
+          <p:cNvPr id="33" name="TextBox 32">
+            <a:extLst>
+              <a:ext uri="{FF2B5EF4-FFF2-40B4-BE49-F238E27FC236}">
+                <a16:creationId xmlns:a16="http://schemas.microsoft.com/office/drawing/2014/main" id="{910B15DD-2052-BEF9-9252-A656EDFC1037}"/>
+              </a:ext>
+            </a:extLst>
+          </p:cNvPr>
+          <p:cNvSpPr txBox="1"/>
+          <p:nvPr/>
+        </p:nvSpPr>
+        <p:spPr>
+          <a:xfrm>
+            <a:off x="2928454" y="1695710"/>
+            <a:ext cx="2795674" cy="246221"/>
+          </a:xfrm>
+          <a:prstGeom prst="rect">
+            <a:avLst/>
+          </a:prstGeom>
+          <a:noFill/>
+        </p:spPr>
+        <p:txBody>
+          <a:bodyPr wrap="square" rtlCol="0">
+            <a:spAutoFit/>
+          </a:bodyPr>
+          <a:lstStyle/>
+          <a:p>
+            <a:r>
+              <a:rPr kumimoji="1" lang="en-US" altLang="ko-KR" sz="1000" i="1"/>
+              <a:t>GET </a:t>
+            </a:r>
+            <a:r>
+              <a:rPr lang="en" altLang="ko-KR" sz="1000" i="1"/>
+              <a:t>mock-server:8080/status/200</a:t>
+            </a:r>
+            <a:endParaRPr kumimoji="1" lang="ko-KR" altLang="en-US" sz="1000" i="1"/>
+          </a:p>
+        </p:txBody>
+      </p:sp>
+      <p:cxnSp>
+        <p:nvCxnSpPr>
+          <p:cNvPr id="36" name="Straight Arrow Connector 81">
+            <a:extLst>
+              <a:ext uri="{FF2B5EF4-FFF2-40B4-BE49-F238E27FC236}">
+                <a16:creationId xmlns:a16="http://schemas.microsoft.com/office/drawing/2014/main" id="{E2BD90C4-6FA3-85AA-6601-6D881F4D8899}"/>
+              </a:ext>
+            </a:extLst>
+          </p:cNvPr>
+          <p:cNvCxnSpPr>
+            <a:cxnSpLocks/>
+          </p:cNvCxnSpPr>
+          <p:nvPr/>
+        </p:nvCxnSpPr>
+        <p:spPr>
+          <a:xfrm>
+            <a:off x="2346071" y="2556223"/>
+            <a:ext cx="3378057" cy="0"/>
+          </a:xfrm>
+          <a:prstGeom prst="straightConnector1">
+            <a:avLst/>
+          </a:prstGeom>
+          <a:ln>
+            <a:solidFill>
+              <a:schemeClr val="tx1"/>
+            </a:solidFill>
+            <a:tailEnd type="triangle"/>
+          </a:ln>
+        </p:spPr>
+        <p:style>
+          <a:lnRef idx="1">
+            <a:schemeClr val="accent1"/>
+          </a:lnRef>
+          <a:fillRef idx="0">
+            <a:schemeClr val="accent1"/>
+          </a:fillRef>
+          <a:effectRef idx="0">
+            <a:schemeClr val="accent1"/>
+          </a:effectRef>
+          <a:fontRef idx="minor">
+            <a:schemeClr val="tx1"/>
+          </a:fontRef>
+        </p:style>
+      </p:cxnSp>
+      <p:sp>
+        <p:nvSpPr>
+          <p:cNvPr id="37" name="TextBox 36">
+            <a:extLst>
+              <a:ext uri="{FF2B5EF4-FFF2-40B4-BE49-F238E27FC236}">
+                <a16:creationId xmlns:a16="http://schemas.microsoft.com/office/drawing/2014/main" id="{CC0F0CAC-4E10-0730-9D35-86FE499431A2}"/>
+              </a:ext>
+            </a:extLst>
+          </p:cNvPr>
+          <p:cNvSpPr txBox="1"/>
+          <p:nvPr/>
+        </p:nvSpPr>
+        <p:spPr>
+          <a:xfrm>
+            <a:off x="2928454" y="2310002"/>
+            <a:ext cx="2795674" cy="246221"/>
+          </a:xfrm>
+          <a:prstGeom prst="rect">
+            <a:avLst/>
+          </a:prstGeom>
+          <a:noFill/>
+        </p:spPr>
+        <p:txBody>
+          <a:bodyPr wrap="square" rtlCol="0">
+            <a:spAutoFit/>
+          </a:bodyPr>
+          <a:lstStyle/>
+          <a:p>
+            <a:r>
+              <a:rPr kumimoji="1" lang="en-US" altLang="ko-KR" sz="1000" i="1"/>
+              <a:t>GET </a:t>
+            </a:r>
+            <a:r>
+              <a:rPr lang="en" altLang="ko-KR" sz="1000" i="1"/>
+              <a:t>mock-server:8080/status/200</a:t>
+            </a:r>
+            <a:endParaRPr kumimoji="1" lang="ko-KR" altLang="en-US" sz="1000" i="1"/>
+          </a:p>
+        </p:txBody>
+      </p:sp>
+      <p:cxnSp>
+        <p:nvCxnSpPr>
+          <p:cNvPr id="42" name="Straight Arrow Connector 81">
+            <a:extLst>
+              <a:ext uri="{FF2B5EF4-FFF2-40B4-BE49-F238E27FC236}">
+                <a16:creationId xmlns:a16="http://schemas.microsoft.com/office/drawing/2014/main" id="{56767916-D7C5-C652-446F-40D2F32F2173}"/>
+              </a:ext>
+            </a:extLst>
+          </p:cNvPr>
+          <p:cNvCxnSpPr>
+            <a:cxnSpLocks/>
+          </p:cNvCxnSpPr>
+          <p:nvPr/>
+        </p:nvCxnSpPr>
+        <p:spPr>
+          <a:xfrm>
+            <a:off x="2346071" y="2925813"/>
+            <a:ext cx="3378057" cy="0"/>
+          </a:xfrm>
+          <a:prstGeom prst="straightConnector1">
+            <a:avLst/>
+          </a:prstGeom>
+          <a:ln>
+            <a:solidFill>
+              <a:schemeClr val="tx1"/>
+            </a:solidFill>
+            <a:tailEnd type="triangle"/>
+          </a:ln>
+        </p:spPr>
+        <p:style>
+          <a:lnRef idx="1">
+            <a:schemeClr val="accent1"/>
+          </a:lnRef>
+          <a:fillRef idx="0">
+            <a:schemeClr val="accent1"/>
+          </a:fillRef>
+          <a:effectRef idx="0">
+            <a:schemeClr val="accent1"/>
+          </a:effectRef>
+          <a:fontRef idx="minor">
+            <a:schemeClr val="tx1"/>
+          </a:fontRef>
+        </p:style>
+      </p:cxnSp>
+      <p:sp>
+        <p:nvSpPr>
+          <p:cNvPr id="43" name="TextBox 42">
+            <a:extLst>
+              <a:ext uri="{FF2B5EF4-FFF2-40B4-BE49-F238E27FC236}">
+                <a16:creationId xmlns:a16="http://schemas.microsoft.com/office/drawing/2014/main" id="{AFD49711-4B8B-754F-959E-8D170846BBE5}"/>
+              </a:ext>
+            </a:extLst>
+          </p:cNvPr>
+          <p:cNvSpPr txBox="1"/>
+          <p:nvPr/>
+        </p:nvSpPr>
+        <p:spPr>
+          <a:xfrm>
+            <a:off x="2928454" y="2679592"/>
+            <a:ext cx="2795674" cy="246221"/>
+          </a:xfrm>
+          <a:prstGeom prst="rect">
+            <a:avLst/>
+          </a:prstGeom>
+          <a:noFill/>
+        </p:spPr>
+        <p:txBody>
+          <a:bodyPr wrap="square" rtlCol="0">
+            <a:spAutoFit/>
+          </a:bodyPr>
+          <a:lstStyle/>
+          <a:p>
+            <a:r>
+              <a:rPr kumimoji="1" lang="en-US" altLang="ko-KR" sz="1000" i="1"/>
+              <a:t>GET </a:t>
+            </a:r>
+            <a:r>
+              <a:rPr lang="en" altLang="ko-KR" sz="1000" i="1"/>
+              <a:t>mock-server:8080/status/200</a:t>
+            </a:r>
+            <a:endParaRPr kumimoji="1" lang="ko-KR" altLang="en-US" sz="1000" i="1"/>
+          </a:p>
+        </p:txBody>
+      </p:sp>
+      <p:cxnSp>
+        <p:nvCxnSpPr>
+          <p:cNvPr id="46" name="Straight Arrow Connector 81">
+            <a:extLst>
+              <a:ext uri="{FF2B5EF4-FFF2-40B4-BE49-F238E27FC236}">
+                <a16:creationId xmlns:a16="http://schemas.microsoft.com/office/drawing/2014/main" id="{D6AF04DA-4B5F-69E3-8EDC-EA3396635B0A}"/>
+              </a:ext>
+            </a:extLst>
+          </p:cNvPr>
+          <p:cNvCxnSpPr>
+            <a:cxnSpLocks/>
+          </p:cNvCxnSpPr>
+          <p:nvPr/>
+        </p:nvCxnSpPr>
+        <p:spPr>
+          <a:xfrm>
+            <a:off x="2346071" y="3294558"/>
+            <a:ext cx="569745" cy="0"/>
+          </a:xfrm>
+          <a:prstGeom prst="straightConnector1">
+            <a:avLst/>
+          </a:prstGeom>
+          <a:ln>
+            <a:solidFill>
+              <a:schemeClr val="tx1"/>
+            </a:solidFill>
+            <a:tailEnd type="triangle"/>
+          </a:ln>
+        </p:spPr>
+        <p:style>
+          <a:lnRef idx="1">
+            <a:schemeClr val="accent1"/>
+          </a:lnRef>
+          <a:fillRef idx="0">
+            <a:schemeClr val="accent1"/>
+          </a:fillRef>
+          <a:effectRef idx="0">
+            <a:schemeClr val="accent1"/>
+          </a:effectRef>
+          <a:fontRef idx="minor">
+            <a:schemeClr val="tx1"/>
+          </a:fontRef>
+        </p:style>
+      </p:cxnSp>
+      <p:sp>
+        <p:nvSpPr>
+          <p:cNvPr id="47" name="TextBox 46">
+            <a:extLst>
+              <a:ext uri="{FF2B5EF4-FFF2-40B4-BE49-F238E27FC236}">
+                <a16:creationId xmlns:a16="http://schemas.microsoft.com/office/drawing/2014/main" id="{B3D2600B-C90C-C4F9-6229-1D80606E0558}"/>
+              </a:ext>
+            </a:extLst>
+          </p:cNvPr>
+          <p:cNvSpPr txBox="1"/>
+          <p:nvPr/>
+        </p:nvSpPr>
+        <p:spPr>
+          <a:xfrm>
+            <a:off x="2928454" y="3048337"/>
+            <a:ext cx="2795674" cy="246221"/>
+          </a:xfrm>
+          <a:prstGeom prst="rect">
+            <a:avLst/>
+          </a:prstGeom>
+          <a:noFill/>
+        </p:spPr>
+        <p:txBody>
+          <a:bodyPr wrap="square" rtlCol="0">
+            <a:spAutoFit/>
+          </a:bodyPr>
+          <a:lstStyle/>
+          <a:p>
+            <a:r>
+              <a:rPr kumimoji="1" lang="en-US" altLang="ko-KR" sz="1000" i="1"/>
+              <a:t>GET </a:t>
+            </a:r>
+            <a:r>
+              <a:rPr lang="en" altLang="ko-KR" sz="1000" i="1"/>
+              <a:t>mock-server:8080/status/200</a:t>
+            </a:r>
+            <a:endParaRPr kumimoji="1" lang="ko-KR" altLang="en-US" sz="1000" i="1"/>
+          </a:p>
+        </p:txBody>
+      </p:sp>
+      <p:cxnSp>
+        <p:nvCxnSpPr>
+          <p:cNvPr id="51" name="Straight Arrow Connector 81">
+            <a:extLst>
+              <a:ext uri="{FF2B5EF4-FFF2-40B4-BE49-F238E27FC236}">
+                <a16:creationId xmlns:a16="http://schemas.microsoft.com/office/drawing/2014/main" id="{2DAB456F-528B-79E3-59DD-87BA591D035C}"/>
+              </a:ext>
+            </a:extLst>
+          </p:cNvPr>
+          <p:cNvCxnSpPr>
+            <a:cxnSpLocks/>
+          </p:cNvCxnSpPr>
+          <p:nvPr/>
+        </p:nvCxnSpPr>
+        <p:spPr>
+          <a:xfrm>
+            <a:off x="2346071" y="3909523"/>
+            <a:ext cx="569745" cy="0"/>
+          </a:xfrm>
+          <a:prstGeom prst="straightConnector1">
+            <a:avLst/>
+          </a:prstGeom>
+          <a:ln>
+            <a:solidFill>
+              <a:schemeClr val="tx1"/>
+            </a:solidFill>
+            <a:tailEnd type="triangle"/>
+          </a:ln>
+        </p:spPr>
+        <p:style>
+          <a:lnRef idx="1">
+            <a:schemeClr val="accent1"/>
+          </a:lnRef>
+          <a:fillRef idx="0">
+            <a:schemeClr val="accent1"/>
+          </a:fillRef>
+          <a:effectRef idx="0">
+            <a:schemeClr val="accent1"/>
+          </a:effectRef>
+          <a:fontRef idx="minor">
+            <a:schemeClr val="tx1"/>
+          </a:fontRef>
+        </p:style>
+      </p:cxnSp>
+      <p:sp>
+        <p:nvSpPr>
+          <p:cNvPr id="52" name="TextBox 51">
+            <a:extLst>
+              <a:ext uri="{FF2B5EF4-FFF2-40B4-BE49-F238E27FC236}">
+                <a16:creationId xmlns:a16="http://schemas.microsoft.com/office/drawing/2014/main" id="{FF6EBBD6-CC4F-5F7E-AC3A-431DAC1C10A0}"/>
+              </a:ext>
+            </a:extLst>
+          </p:cNvPr>
+          <p:cNvSpPr txBox="1"/>
+          <p:nvPr/>
+        </p:nvSpPr>
+        <p:spPr>
+          <a:xfrm>
+            <a:off x="2928454" y="3663302"/>
+            <a:ext cx="2795674" cy="246221"/>
+          </a:xfrm>
+          <a:prstGeom prst="rect">
+            <a:avLst/>
+          </a:prstGeom>
+          <a:noFill/>
+        </p:spPr>
+        <p:txBody>
+          <a:bodyPr wrap="square" rtlCol="0">
+            <a:spAutoFit/>
+          </a:bodyPr>
+          <a:lstStyle/>
+          <a:p>
+            <a:r>
+              <a:rPr kumimoji="1" lang="en-US" altLang="ko-KR" sz="1000" i="1"/>
+              <a:t>GET </a:t>
+            </a:r>
+            <a:r>
+              <a:rPr lang="en" altLang="ko-KR" sz="1000" i="1"/>
+              <a:t>mock-server:8080/status/200</a:t>
+            </a:r>
+            <a:endParaRPr kumimoji="1" lang="ko-KR" altLang="en-US" sz="1000" i="1"/>
+          </a:p>
+        </p:txBody>
+      </p:sp>
+      <p:sp>
+        <p:nvSpPr>
+          <p:cNvPr id="3" name="호 2">
+            <a:extLst>
+              <a:ext uri="{FF2B5EF4-FFF2-40B4-BE49-F238E27FC236}">
+                <a16:creationId xmlns:a16="http://schemas.microsoft.com/office/drawing/2014/main" id="{5CE7404B-5D57-89A6-B43C-D38A5C9F73CC}"/>
+              </a:ext>
+            </a:extLst>
+          </p:cNvPr>
+          <p:cNvSpPr/>
+          <p:nvPr/>
+        </p:nvSpPr>
+        <p:spPr>
+          <a:xfrm>
+            <a:off x="6168329" y="1199086"/>
+            <a:ext cx="276349" cy="741998"/>
+          </a:xfrm>
+          <a:prstGeom prst="arc">
+            <a:avLst>
+              <a:gd name="adj1" fmla="val 16200000"/>
+              <a:gd name="adj2" fmla="val 5412057"/>
+            </a:avLst>
+          </a:prstGeom>
+          <a:ln>
+            <a:solidFill>
+              <a:schemeClr val="tx1"/>
+            </a:solidFill>
+            <a:headEnd type="none" w="med" len="med"/>
+            <a:tailEnd type="triangle" w="med" len="med"/>
+          </a:ln>
+        </p:spPr>
+        <p:style>
+          <a:lnRef idx="1">
+            <a:schemeClr val="accent1"/>
+          </a:lnRef>
+          <a:fillRef idx="0">
+            <a:schemeClr val="accent1"/>
+          </a:fillRef>
+          <a:effectRef idx="0">
+            <a:schemeClr val="accent1"/>
+          </a:effectRef>
+          <a:fontRef idx="minor">
+            <a:schemeClr val="tx1"/>
+          </a:fontRef>
+        </p:style>
+        <p:txBody>
+          <a:bodyPr rtlCol="0" anchor="ctr"/>
+          <a:lstStyle/>
+          <a:p>
+            <a:pPr algn="ctr"/>
+            <a:endParaRPr kumimoji="1" lang="ko-KR" altLang="en-US"/>
+          </a:p>
+        </p:txBody>
+      </p:sp>
+      <p:sp>
+        <p:nvSpPr>
+          <p:cNvPr id="6" name="TextBox 5">
+            <a:extLst>
+              <a:ext uri="{FF2B5EF4-FFF2-40B4-BE49-F238E27FC236}">
+                <a16:creationId xmlns:a16="http://schemas.microsoft.com/office/drawing/2014/main" id="{F5DB4F46-CD50-EC84-04A5-649A77E56CB5}"/>
+              </a:ext>
+            </a:extLst>
+          </p:cNvPr>
+          <p:cNvSpPr txBox="1"/>
+          <p:nvPr/>
+        </p:nvSpPr>
+        <p:spPr>
+          <a:xfrm>
+            <a:off x="6337278" y="1449489"/>
+            <a:ext cx="689798" cy="246221"/>
+          </a:xfrm>
+          <a:prstGeom prst="rect">
+            <a:avLst/>
+          </a:prstGeom>
+          <a:noFill/>
+        </p:spPr>
+        <p:txBody>
+          <a:bodyPr wrap="square" rtlCol="0">
+            <a:spAutoFit/>
+          </a:bodyPr>
+          <a:lstStyle/>
+          <a:p>
+            <a:pPr algn="ctr"/>
+            <a:r>
+              <a:rPr kumimoji="1" lang="en-US" altLang="ko-KR" sz="1000" i="1"/>
+              <a:t>3times</a:t>
+            </a:r>
+            <a:endParaRPr kumimoji="1" lang="ko-KR" altLang="en-US" sz="1000" i="1"/>
+          </a:p>
+        </p:txBody>
+      </p:sp>
+      <p:sp>
+        <p:nvSpPr>
+          <p:cNvPr id="10" name="호 9">
+            <a:extLst>
+              <a:ext uri="{FF2B5EF4-FFF2-40B4-BE49-F238E27FC236}">
+                <a16:creationId xmlns:a16="http://schemas.microsoft.com/office/drawing/2014/main" id="{952A7466-22B2-43F9-51EB-8FBCC88C7604}"/>
+              </a:ext>
+            </a:extLst>
+          </p:cNvPr>
+          <p:cNvSpPr/>
+          <p:nvPr/>
+        </p:nvSpPr>
+        <p:spPr>
+          <a:xfrm>
+            <a:off x="6168329" y="2551713"/>
+            <a:ext cx="291216" cy="740118"/>
+          </a:xfrm>
+          <a:prstGeom prst="arc">
+            <a:avLst>
+              <a:gd name="adj1" fmla="val 16200000"/>
+              <a:gd name="adj2" fmla="val 5412057"/>
+            </a:avLst>
+          </a:prstGeom>
+          <a:ln>
+            <a:solidFill>
+              <a:schemeClr val="tx1"/>
+            </a:solidFill>
+            <a:headEnd type="none" w="med" len="med"/>
+            <a:tailEnd type="triangle" w="med" len="med"/>
+          </a:ln>
+        </p:spPr>
+        <p:style>
+          <a:lnRef idx="1">
+            <a:schemeClr val="accent1"/>
+          </a:lnRef>
+          <a:fillRef idx="0">
+            <a:schemeClr val="accent1"/>
+          </a:fillRef>
+          <a:effectRef idx="0">
+            <a:schemeClr val="accent1"/>
+          </a:effectRef>
+          <a:fontRef idx="minor">
+            <a:schemeClr val="tx1"/>
+          </a:fontRef>
+        </p:style>
+        <p:txBody>
+          <a:bodyPr rtlCol="0" anchor="ctr"/>
+          <a:lstStyle/>
+          <a:p>
+            <a:pPr algn="ctr"/>
+            <a:endParaRPr kumimoji="1" lang="ko-KR" altLang="en-US"/>
+          </a:p>
+        </p:txBody>
+      </p:sp>
+      <p:sp>
+        <p:nvSpPr>
+          <p:cNvPr id="11" name="TextBox 10">
+            <a:extLst>
+              <a:ext uri="{FF2B5EF4-FFF2-40B4-BE49-F238E27FC236}">
+                <a16:creationId xmlns:a16="http://schemas.microsoft.com/office/drawing/2014/main" id="{26733D18-4D2E-E70E-BE16-188B0B70AE91}"/>
+              </a:ext>
+            </a:extLst>
+          </p:cNvPr>
+          <p:cNvSpPr txBox="1"/>
+          <p:nvPr/>
+        </p:nvSpPr>
+        <p:spPr>
+          <a:xfrm>
+            <a:off x="6337278" y="2802116"/>
+            <a:ext cx="689798" cy="246221"/>
+          </a:xfrm>
+          <a:prstGeom prst="rect">
+            <a:avLst/>
+          </a:prstGeom>
+          <a:noFill/>
+        </p:spPr>
+        <p:txBody>
+          <a:bodyPr wrap="square" rtlCol="0">
+            <a:spAutoFit/>
+          </a:bodyPr>
+          <a:lstStyle/>
+          <a:p>
+            <a:pPr algn="ctr"/>
+            <a:r>
+              <a:rPr kumimoji="1" lang="en-US" altLang="ko-KR" sz="1000" i="1"/>
+              <a:t>3times</a:t>
+            </a:r>
+            <a:endParaRPr kumimoji="1" lang="ko-KR" altLang="en-US" sz="1000" i="1"/>
+          </a:p>
+        </p:txBody>
+      </p:sp>
+    </p:spTree>
+    <p:extLst>
+      <p:ext uri="{BB962C8B-B14F-4D97-AF65-F5344CB8AC3E}">
+        <p14:creationId xmlns:p14="http://schemas.microsoft.com/office/powerpoint/2010/main" val="3473888967"/>
+      </p:ext>
+    </p:extLst>
+  </p:cSld>
+  <p:clrMapOvr>
+    <a:masterClrMapping/>
+  </p:clrMapOvr>
+</p:sld>
+</file>
+
+<file path=ppt/slides/slide21.xml><?xml version="1.0" encoding="utf-8"?>
+<p:sld xmlns:a="http://schemas.openxmlformats.org/drawingml/2006/main" xmlns:r="http://schemas.openxmlformats.org/officeDocument/2006/relationships" xmlns:p="http://schemas.openxmlformats.org/presentationml/2006/main">
+  <p:cSld>
+    <p:spTree>
+      <p:nvGrpSpPr>
+        <p:cNvPr id="1" name="">
+          <a:extLst>
+            <a:ext uri="{FF2B5EF4-FFF2-40B4-BE49-F238E27FC236}">
               <a16:creationId xmlns:a16="http://schemas.microsoft.com/office/drawing/2014/main" id="{09F9A73E-73FE-5BA7-3FF7-FB348C838646}"/>
             </a:ext>
           </a:extLst>
@@ -13441,7 +13528,7 @@
 </p:sld>
 </file>
 
-<file path=ppt/slides/slide21.xml><?xml version="1.0" encoding="utf-8"?>
+<file path=ppt/slides/slide22.xml><?xml version="1.0" encoding="utf-8"?>
 <p:sld xmlns:a="http://schemas.openxmlformats.org/drawingml/2006/main" xmlns:r="http://schemas.openxmlformats.org/officeDocument/2006/relationships" xmlns:p="http://schemas.openxmlformats.org/presentationml/2006/main">
   <p:cSld>
     <p:spTree>
@@ -14865,7 +14952,7 @@
 </p:sld>
 </file>
 
-<file path=ppt/slides/slide22.xml><?xml version="1.0" encoding="utf-8"?>
+<file path=ppt/slides/slide23.xml><?xml version="1.0" encoding="utf-8"?>
 <p:sld xmlns:a="http://schemas.openxmlformats.org/drawingml/2006/main" xmlns:r="http://schemas.openxmlformats.org/officeDocument/2006/relationships" xmlns:p="http://schemas.openxmlformats.org/presentationml/2006/main">
   <p:cSld>
     <p:spTree>
@@ -15195,7 +15282,7 @@
 </p:sld>
 </file>
 
-<file path=ppt/slides/slide23.xml><?xml version="1.0" encoding="utf-8"?>
+<file path=ppt/slides/slide24.xml><?xml version="1.0" encoding="utf-8"?>
 <p:sld xmlns:a="http://schemas.openxmlformats.org/drawingml/2006/main" xmlns:r="http://schemas.openxmlformats.org/officeDocument/2006/relationships" xmlns:p="http://schemas.openxmlformats.org/presentationml/2006/main">
   <p:cSld>
     <p:spTree>
@@ -15275,7 +15362,7 @@
 </p:sld>
 </file>
 
-<file path=ppt/slides/slide24.xml><?xml version="1.0" encoding="utf-8"?>
+<file path=ppt/slides/slide25.xml><?xml version="1.0" encoding="utf-8"?>
 <p:sld xmlns:a="http://schemas.openxmlformats.org/drawingml/2006/main" xmlns:r="http://schemas.openxmlformats.org/officeDocument/2006/relationships" xmlns:p="http://schemas.openxmlformats.org/presentationml/2006/main">
   <p:cSld>
     <p:spTree>
@@ -15766,7 +15853,7 @@
 </p:sld>
 </file>
 
-<file path=ppt/slides/slide25.xml><?xml version="1.0" encoding="utf-8"?>
+<file path=ppt/slides/slide26.xml><?xml version="1.0" encoding="utf-8"?>
 <p:sld xmlns:a="http://schemas.openxmlformats.org/drawingml/2006/main" xmlns:r="http://schemas.openxmlformats.org/officeDocument/2006/relationships" xmlns:p="http://schemas.openxmlformats.org/presentationml/2006/main">
   <p:cSld>
     <p:spTree>
@@ -20254,7 +20341,7 @@
         </p:nvSpPr>
         <p:spPr>
           <a:xfrm>
-            <a:off x="2666358" y="2037944"/>
+            <a:off x="2666358" y="2075481"/>
             <a:ext cx="2795674" cy="246221"/>
           </a:xfrm>
           <a:prstGeom prst="rect">
@@ -21487,7 +21574,7 @@
         </p:nvCxnSpPr>
         <p:spPr>
           <a:xfrm>
-            <a:off x="3681977" y="2425924"/>
+            <a:off x="3681977" y="2424814"/>
             <a:ext cx="1780056" cy="0"/>
           </a:xfrm>
           <a:prstGeom prst="straightConnector1">
@@ -21532,7 +21619,7 @@
         </p:nvCxnSpPr>
         <p:spPr>
           <a:xfrm>
-            <a:off x="763987" y="2497932"/>
+            <a:off x="763987" y="2496822"/>
             <a:ext cx="2917982" cy="0"/>
           </a:xfrm>
           <a:prstGeom prst="straightConnector1">
@@ -21563,10 +21650,418 @@
       </p:cxnSp>
       <p:sp>
         <p:nvSpPr>
-          <p:cNvPr id="2" name="호 1">
-            <a:extLst>
-              <a:ext uri="{FF2B5EF4-FFF2-40B4-BE49-F238E27FC236}">
-                <a16:creationId xmlns:a16="http://schemas.microsoft.com/office/drawing/2014/main" id="{02D563A1-4A24-4696-907F-FC3419BC0C2F}"/>
+          <p:cNvPr id="5" name="TextBox 4">
+            <a:extLst>
+              <a:ext uri="{FF2B5EF4-FFF2-40B4-BE49-F238E27FC236}">
+                <a16:creationId xmlns:a16="http://schemas.microsoft.com/office/drawing/2014/main" id="{94975DC0-819C-B24F-D060-7140F710F8C3}"/>
+              </a:ext>
+            </a:extLst>
+          </p:cNvPr>
+          <p:cNvSpPr txBox="1"/>
+          <p:nvPr/>
+        </p:nvSpPr>
+        <p:spPr>
+          <a:xfrm>
+            <a:off x="2666355" y="2419287"/>
+            <a:ext cx="2795674" cy="246221"/>
+          </a:xfrm>
+          <a:prstGeom prst="rect">
+            <a:avLst/>
+          </a:prstGeom>
+          <a:noFill/>
+        </p:spPr>
+        <p:txBody>
+          <a:bodyPr wrap="square" rtlCol="0">
+            <a:spAutoFit/>
+          </a:bodyPr>
+          <a:lstStyle/>
+          <a:p>
+            <a:pPr algn="r"/>
+            <a:r>
+              <a:rPr kumimoji="1" lang="en-US" altLang="ko-KR" sz="1000" i="1"/>
+              <a:t>TCP FIN</a:t>
+            </a:r>
+            <a:endParaRPr kumimoji="1" lang="ko-KR" altLang="en-US" sz="1000" i="1"/>
+          </a:p>
+        </p:txBody>
+      </p:sp>
+      <p:cxnSp>
+        <p:nvCxnSpPr>
+          <p:cNvPr id="16" name="Straight Arrow Connector 81">
+            <a:extLst>
+              <a:ext uri="{FF2B5EF4-FFF2-40B4-BE49-F238E27FC236}">
+                <a16:creationId xmlns:a16="http://schemas.microsoft.com/office/drawing/2014/main" id="{630E53CB-5D9C-94D8-3BA6-96931311DC29}"/>
+              </a:ext>
+            </a:extLst>
+          </p:cNvPr>
+          <p:cNvCxnSpPr>
+            <a:cxnSpLocks/>
+          </p:cNvCxnSpPr>
+          <p:nvPr/>
+        </p:nvCxnSpPr>
+        <p:spPr>
+          <a:xfrm>
+            <a:off x="5462033" y="2009168"/>
+            <a:ext cx="2917977" cy="0"/>
+          </a:xfrm>
+          <a:prstGeom prst="straightConnector1">
+            <a:avLst/>
+          </a:prstGeom>
+          <a:ln>
+            <a:solidFill>
+              <a:schemeClr val="tx1"/>
+            </a:solidFill>
+            <a:headEnd type="triangle" w="med" len="med"/>
+            <a:tailEnd type="none" w="med" len="med"/>
+          </a:ln>
+        </p:spPr>
+        <p:style>
+          <a:lnRef idx="1">
+            <a:schemeClr val="accent1"/>
+          </a:lnRef>
+          <a:fillRef idx="0">
+            <a:schemeClr val="accent1"/>
+          </a:fillRef>
+          <a:effectRef idx="0">
+            <a:schemeClr val="accent1"/>
+          </a:effectRef>
+          <a:fontRef idx="minor">
+            <a:schemeClr val="tx1"/>
+          </a:fontRef>
+        </p:style>
+      </p:cxnSp>
+      <p:cxnSp>
+        <p:nvCxnSpPr>
+          <p:cNvPr id="19" name="Straight Arrow Connector 81">
+            <a:extLst>
+              <a:ext uri="{FF2B5EF4-FFF2-40B4-BE49-F238E27FC236}">
+                <a16:creationId xmlns:a16="http://schemas.microsoft.com/office/drawing/2014/main" id="{A43474A5-FA46-19BB-40F7-F2A4285E6DD6}"/>
+              </a:ext>
+            </a:extLst>
+          </p:cNvPr>
+          <p:cNvCxnSpPr>
+            <a:cxnSpLocks/>
+          </p:cNvCxnSpPr>
+          <p:nvPr/>
+        </p:nvCxnSpPr>
+        <p:spPr>
+          <a:xfrm>
+            <a:off x="763987" y="2153184"/>
+            <a:ext cx="2917982" cy="0"/>
+          </a:xfrm>
+          <a:prstGeom prst="straightConnector1">
+            <a:avLst/>
+          </a:prstGeom>
+          <a:ln>
+            <a:solidFill>
+              <a:schemeClr val="tx1"/>
+            </a:solidFill>
+            <a:headEnd type="triangle" w="med" len="med"/>
+            <a:tailEnd type="none" w="med" len="med"/>
+          </a:ln>
+        </p:spPr>
+        <p:style>
+          <a:lnRef idx="1">
+            <a:schemeClr val="accent1"/>
+          </a:lnRef>
+          <a:fillRef idx="0">
+            <a:schemeClr val="accent1"/>
+          </a:fillRef>
+          <a:effectRef idx="0">
+            <a:schemeClr val="accent1"/>
+          </a:effectRef>
+          <a:fontRef idx="minor">
+            <a:schemeClr val="tx1"/>
+          </a:fontRef>
+        </p:style>
+      </p:cxnSp>
+      <p:sp>
+        <p:nvSpPr>
+          <p:cNvPr id="20" name="TextBox 19">
+            <a:extLst>
+              <a:ext uri="{FF2B5EF4-FFF2-40B4-BE49-F238E27FC236}">
+                <a16:creationId xmlns:a16="http://schemas.microsoft.com/office/drawing/2014/main" id="{30385E62-9F05-5EBF-DBB8-163F6D2FC644}"/>
+              </a:ext>
+            </a:extLst>
+          </p:cNvPr>
+          <p:cNvSpPr txBox="1"/>
+          <p:nvPr/>
+        </p:nvSpPr>
+        <p:spPr>
+          <a:xfrm>
+            <a:off x="5584333" y="2006857"/>
+            <a:ext cx="2795674" cy="246221"/>
+          </a:xfrm>
+          <a:prstGeom prst="rect">
+            <a:avLst/>
+          </a:prstGeom>
+          <a:noFill/>
+        </p:spPr>
+        <p:txBody>
+          <a:bodyPr wrap="square" rtlCol="0">
+            <a:spAutoFit/>
+          </a:bodyPr>
+          <a:lstStyle/>
+          <a:p>
+            <a:pPr algn="r"/>
+            <a:r>
+              <a:rPr kumimoji="1" lang="en-US" altLang="ko-KR" sz="1000" i="1"/>
+              <a:t>200 OK + Partial Response</a:t>
+            </a:r>
+            <a:endParaRPr kumimoji="1" lang="ko-KR" altLang="en-US" sz="1000" i="1"/>
+          </a:p>
+        </p:txBody>
+      </p:sp>
+      <p:cxnSp>
+        <p:nvCxnSpPr>
+          <p:cNvPr id="21" name="Straight Arrow Connector 81">
+            <a:extLst>
+              <a:ext uri="{FF2B5EF4-FFF2-40B4-BE49-F238E27FC236}">
+                <a16:creationId xmlns:a16="http://schemas.microsoft.com/office/drawing/2014/main" id="{C4B9F288-0902-F04E-62C0-6788D86564A4}"/>
+              </a:ext>
+            </a:extLst>
+          </p:cNvPr>
+          <p:cNvCxnSpPr>
+            <a:cxnSpLocks/>
+          </p:cNvCxnSpPr>
+          <p:nvPr/>
+        </p:nvCxnSpPr>
+        <p:spPr>
+          <a:xfrm>
+            <a:off x="5462028" y="2325453"/>
+            <a:ext cx="2917977" cy="0"/>
+          </a:xfrm>
+          <a:prstGeom prst="straightConnector1">
+            <a:avLst/>
+          </a:prstGeom>
+          <a:ln>
+            <a:solidFill>
+              <a:schemeClr val="tx1"/>
+            </a:solidFill>
+            <a:headEnd type="triangle" w="med" len="med"/>
+            <a:tailEnd type="none" w="med" len="med"/>
+          </a:ln>
+        </p:spPr>
+        <p:style>
+          <a:lnRef idx="1">
+            <a:schemeClr val="accent1"/>
+          </a:lnRef>
+          <a:fillRef idx="0">
+            <a:schemeClr val="accent1"/>
+          </a:fillRef>
+          <a:effectRef idx="0">
+            <a:schemeClr val="accent1"/>
+          </a:effectRef>
+          <a:fontRef idx="minor">
+            <a:schemeClr val="tx1"/>
+          </a:fontRef>
+        </p:style>
+      </p:cxnSp>
+      <p:cxnSp>
+        <p:nvCxnSpPr>
+          <p:cNvPr id="22" name="Straight Arrow Connector 81">
+            <a:extLst>
+              <a:ext uri="{FF2B5EF4-FFF2-40B4-BE49-F238E27FC236}">
+                <a16:creationId xmlns:a16="http://schemas.microsoft.com/office/drawing/2014/main" id="{33925310-591A-85F5-13DB-D13C9373B0AD}"/>
+              </a:ext>
+            </a:extLst>
+          </p:cNvPr>
+          <p:cNvCxnSpPr>
+            <a:cxnSpLocks/>
+          </p:cNvCxnSpPr>
+          <p:nvPr/>
+        </p:nvCxnSpPr>
+        <p:spPr>
+          <a:xfrm>
+            <a:off x="3681972" y="2762185"/>
+            <a:ext cx="1780056" cy="0"/>
+          </a:xfrm>
+          <a:prstGeom prst="straightConnector1">
+            <a:avLst/>
+          </a:prstGeom>
+          <a:ln>
+            <a:solidFill>
+              <a:schemeClr val="tx1"/>
+            </a:solidFill>
+            <a:headEnd type="triangle" w="med" len="med"/>
+            <a:tailEnd type="none" w="med" len="med"/>
+          </a:ln>
+        </p:spPr>
+        <p:style>
+          <a:lnRef idx="1">
+            <a:schemeClr val="accent1"/>
+          </a:lnRef>
+          <a:fillRef idx="0">
+            <a:schemeClr val="accent1"/>
+          </a:fillRef>
+          <a:effectRef idx="0">
+            <a:schemeClr val="accent1"/>
+          </a:effectRef>
+          <a:fontRef idx="minor">
+            <a:schemeClr val="tx1"/>
+          </a:fontRef>
+        </p:style>
+      </p:cxnSp>
+      <p:sp>
+        <p:nvSpPr>
+          <p:cNvPr id="24" name="TextBox 23">
+            <a:extLst>
+              <a:ext uri="{FF2B5EF4-FFF2-40B4-BE49-F238E27FC236}">
+                <a16:creationId xmlns:a16="http://schemas.microsoft.com/office/drawing/2014/main" id="{53BC9DED-8EE9-68C8-3AE6-0FABDF2E807E}"/>
+              </a:ext>
+            </a:extLst>
+          </p:cNvPr>
+          <p:cNvSpPr txBox="1"/>
+          <p:nvPr/>
+        </p:nvSpPr>
+        <p:spPr>
+          <a:xfrm>
+            <a:off x="5584328" y="2323142"/>
+            <a:ext cx="2795674" cy="246221"/>
+          </a:xfrm>
+          <a:prstGeom prst="rect">
+            <a:avLst/>
+          </a:prstGeom>
+          <a:noFill/>
+        </p:spPr>
+        <p:txBody>
+          <a:bodyPr wrap="square" rtlCol="0">
+            <a:spAutoFit/>
+          </a:bodyPr>
+          <a:lstStyle/>
+          <a:p>
+            <a:pPr algn="r"/>
+            <a:r>
+              <a:rPr kumimoji="1" lang="en-US" altLang="ko-KR" sz="1000" i="1"/>
+              <a:t>TCP RST</a:t>
+            </a:r>
+            <a:endParaRPr kumimoji="1" lang="ko-KR" altLang="en-US" sz="1000" i="1"/>
+          </a:p>
+        </p:txBody>
+      </p:sp>
+      <p:sp>
+        <p:nvSpPr>
+          <p:cNvPr id="25" name="TextBox 24">
+            <a:extLst>
+              <a:ext uri="{FF2B5EF4-FFF2-40B4-BE49-F238E27FC236}">
+                <a16:creationId xmlns:a16="http://schemas.microsoft.com/office/drawing/2014/main" id="{893265C1-93A7-32EA-CE5C-77945D0046BB}"/>
+              </a:ext>
+            </a:extLst>
+          </p:cNvPr>
+          <p:cNvSpPr txBox="1"/>
+          <p:nvPr/>
+        </p:nvSpPr>
+        <p:spPr>
+          <a:xfrm>
+            <a:off x="2666355" y="2762185"/>
+            <a:ext cx="2795674" cy="246221"/>
+          </a:xfrm>
+          <a:prstGeom prst="rect">
+            <a:avLst/>
+          </a:prstGeom>
+          <a:noFill/>
+        </p:spPr>
+        <p:txBody>
+          <a:bodyPr wrap="square" rtlCol="0">
+            <a:spAutoFit/>
+          </a:bodyPr>
+          <a:lstStyle/>
+          <a:p>
+            <a:pPr algn="r"/>
+            <a:r>
+              <a:rPr kumimoji="1" lang="en-US" altLang="ko-KR" sz="1000" i="1"/>
+              <a:t>TCP RST</a:t>
+            </a:r>
+            <a:endParaRPr kumimoji="1" lang="ko-KR" altLang="en-US" sz="1000" i="1"/>
+          </a:p>
+        </p:txBody>
+      </p:sp>
+      <p:cxnSp>
+        <p:nvCxnSpPr>
+          <p:cNvPr id="27" name="Straight Arrow Connector 81">
+            <a:extLst>
+              <a:ext uri="{FF2B5EF4-FFF2-40B4-BE49-F238E27FC236}">
+                <a16:creationId xmlns:a16="http://schemas.microsoft.com/office/drawing/2014/main" id="{3AE37C0C-060D-4235-4D6C-821BE262B007}"/>
+              </a:ext>
+            </a:extLst>
+          </p:cNvPr>
+          <p:cNvCxnSpPr>
+            <a:cxnSpLocks/>
+          </p:cNvCxnSpPr>
+          <p:nvPr/>
+        </p:nvCxnSpPr>
+        <p:spPr>
+          <a:xfrm>
+            <a:off x="763988" y="1077765"/>
+            <a:ext cx="2917981" cy="0"/>
+          </a:xfrm>
+          <a:prstGeom prst="straightConnector1">
+            <a:avLst/>
+          </a:prstGeom>
+          <a:ln>
+            <a:solidFill>
+              <a:schemeClr val="tx1"/>
+            </a:solidFill>
+            <a:tailEnd type="triangle"/>
+          </a:ln>
+        </p:spPr>
+        <p:style>
+          <a:lnRef idx="1">
+            <a:schemeClr val="accent1"/>
+          </a:lnRef>
+          <a:fillRef idx="0">
+            <a:schemeClr val="accent1"/>
+          </a:fillRef>
+          <a:effectRef idx="0">
+            <a:schemeClr val="accent1"/>
+          </a:effectRef>
+          <a:fontRef idx="minor">
+            <a:schemeClr val="tx1"/>
+          </a:fontRef>
+        </p:style>
+      </p:cxnSp>
+      <p:sp>
+        <p:nvSpPr>
+          <p:cNvPr id="28" name="TextBox 27">
+            <a:extLst>
+              <a:ext uri="{FF2B5EF4-FFF2-40B4-BE49-F238E27FC236}">
+                <a16:creationId xmlns:a16="http://schemas.microsoft.com/office/drawing/2014/main" id="{E57B0BC4-5506-429A-7D61-0604C87A31F4}"/>
+              </a:ext>
+            </a:extLst>
+          </p:cNvPr>
+          <p:cNvSpPr txBox="1"/>
+          <p:nvPr/>
+        </p:nvSpPr>
+        <p:spPr>
+          <a:xfrm>
+            <a:off x="763987" y="831544"/>
+            <a:ext cx="2795674" cy="246221"/>
+          </a:xfrm>
+          <a:prstGeom prst="rect">
+            <a:avLst/>
+          </a:prstGeom>
+          <a:noFill/>
+        </p:spPr>
+        <p:txBody>
+          <a:bodyPr wrap="square" rtlCol="0">
+            <a:spAutoFit/>
+          </a:bodyPr>
+          <a:lstStyle/>
+          <a:p>
+            <a:r>
+              <a:rPr kumimoji="1" lang="en-US" altLang="ko-KR" sz="1000" i="1"/>
+              <a:t>TCP SYN</a:t>
+            </a:r>
+            <a:endParaRPr kumimoji="1" lang="ko-KR" altLang="en-US" sz="1000" i="1"/>
+          </a:p>
+        </p:txBody>
+      </p:sp>
+      <p:sp>
+        <p:nvSpPr>
+          <p:cNvPr id="30" name="호 29">
+            <a:extLst>
+              <a:ext uri="{FF2B5EF4-FFF2-40B4-BE49-F238E27FC236}">
+                <a16:creationId xmlns:a16="http://schemas.microsoft.com/office/drawing/2014/main" id="{530F991D-0535-28F6-CEFD-F38F2D838BC3}"/>
               </a:ext>
             </a:extLst>
           </p:cNvPr>
@@ -21575,7 +22070,7 @@
         </p:nvSpPr>
         <p:spPr>
           <a:xfrm>
-            <a:off x="8241825" y="1584948"/>
+            <a:off x="8241825" y="1585569"/>
             <a:ext cx="276365" cy="423019"/>
           </a:xfrm>
           <a:prstGeom prst="arc">
@@ -21617,10 +22112,10 @@
       </p:sp>
       <p:sp>
         <p:nvSpPr>
-          <p:cNvPr id="4" name="TextBox 3">
-            <a:extLst>
-              <a:ext uri="{FF2B5EF4-FFF2-40B4-BE49-F238E27FC236}">
-                <a16:creationId xmlns:a16="http://schemas.microsoft.com/office/drawing/2014/main" id="{8DA0058D-7E61-0610-225C-E6FD3ACB2842}"/>
+          <p:cNvPr id="31" name="TextBox 30">
+            <a:extLst>
+              <a:ext uri="{FF2B5EF4-FFF2-40B4-BE49-F238E27FC236}">
+                <a16:creationId xmlns:a16="http://schemas.microsoft.com/office/drawing/2014/main" id="{A8E49FB2-9594-B138-A6A9-388215BBFD74}"/>
               </a:ext>
             </a:extLst>
           </p:cNvPr>
@@ -21629,7 +22124,7 @@
         </p:nvSpPr>
         <p:spPr>
           <a:xfrm>
-            <a:off x="8410775" y="1653008"/>
+            <a:off x="8410775" y="1680027"/>
             <a:ext cx="689798" cy="246221"/>
           </a:xfrm>
           <a:prstGeom prst="rect">
@@ -21652,49 +22147,12 @@
           </a:p>
         </p:txBody>
       </p:sp>
-      <p:sp>
-        <p:nvSpPr>
-          <p:cNvPr id="5" name="TextBox 4">
-            <a:extLst>
-              <a:ext uri="{FF2B5EF4-FFF2-40B4-BE49-F238E27FC236}">
-                <a16:creationId xmlns:a16="http://schemas.microsoft.com/office/drawing/2014/main" id="{94975DC0-819C-B24F-D060-7140F710F8C3}"/>
-              </a:ext>
-            </a:extLst>
-          </p:cNvPr>
-          <p:cNvSpPr txBox="1"/>
-          <p:nvPr/>
-        </p:nvSpPr>
-        <p:spPr>
-          <a:xfrm>
-            <a:off x="2666355" y="2420397"/>
-            <a:ext cx="2795674" cy="246221"/>
-          </a:xfrm>
-          <a:prstGeom prst="rect">
-            <a:avLst/>
-          </a:prstGeom>
-          <a:noFill/>
-        </p:spPr>
-        <p:txBody>
-          <a:bodyPr wrap="square" rtlCol="0">
-            <a:spAutoFit/>
-          </a:bodyPr>
-          <a:lstStyle/>
-          <a:p>
-            <a:pPr algn="r"/>
-            <a:r>
-              <a:rPr kumimoji="1" lang="en-US" altLang="ko-KR" sz="1000" i="1"/>
-              <a:t>TCP FIN</a:t>
-            </a:r>
-            <a:endParaRPr kumimoji="1" lang="ko-KR" altLang="en-US" sz="1000" i="1"/>
-          </a:p>
-        </p:txBody>
-      </p:sp>
       <p:cxnSp>
         <p:nvCxnSpPr>
-          <p:cNvPr id="16" name="Straight Arrow Connector 81">
-            <a:extLst>
-              <a:ext uri="{FF2B5EF4-FFF2-40B4-BE49-F238E27FC236}">
-                <a16:creationId xmlns:a16="http://schemas.microsoft.com/office/drawing/2014/main" id="{630E53CB-5D9C-94D8-3BA6-96931311DC29}"/>
+          <p:cNvPr id="33" name="Straight Arrow Connector 81">
+            <a:extLst>
+              <a:ext uri="{FF2B5EF4-FFF2-40B4-BE49-F238E27FC236}">
+                <a16:creationId xmlns:a16="http://schemas.microsoft.com/office/drawing/2014/main" id="{B8CE26C4-C415-E104-E376-442637C3A67B}"/>
               </a:ext>
             </a:extLst>
           </p:cNvPr>
@@ -21705,8 +22163,8 @@
         </p:nvCxnSpPr>
         <p:spPr>
           <a:xfrm>
-            <a:off x="5462033" y="2010278"/>
-            <a:ext cx="2917977" cy="0"/>
+            <a:off x="3681977" y="2078284"/>
+            <a:ext cx="1780056" cy="0"/>
           </a:xfrm>
           <a:prstGeom prst="straightConnector1">
             <a:avLst/>
@@ -21734,377 +22192,6 @@
           </a:fontRef>
         </p:style>
       </p:cxnSp>
-      <p:cxnSp>
-        <p:nvCxnSpPr>
-          <p:cNvPr id="18" name="Straight Arrow Connector 81">
-            <a:extLst>
-              <a:ext uri="{FF2B5EF4-FFF2-40B4-BE49-F238E27FC236}">
-                <a16:creationId xmlns:a16="http://schemas.microsoft.com/office/drawing/2014/main" id="{2BAE498D-05D7-0C87-8B10-193D78114968}"/>
-              </a:ext>
-            </a:extLst>
-          </p:cNvPr>
-          <p:cNvCxnSpPr>
-            <a:cxnSpLocks/>
-          </p:cNvCxnSpPr>
-          <p:nvPr/>
-        </p:nvCxnSpPr>
-        <p:spPr>
-          <a:xfrm>
-            <a:off x="3681977" y="2082286"/>
-            <a:ext cx="1780056" cy="0"/>
-          </a:xfrm>
-          <a:prstGeom prst="straightConnector1">
-            <a:avLst/>
-          </a:prstGeom>
-          <a:ln>
-            <a:solidFill>
-              <a:schemeClr val="tx1"/>
-            </a:solidFill>
-            <a:headEnd type="triangle" w="med" len="med"/>
-            <a:tailEnd type="none" w="med" len="med"/>
-          </a:ln>
-        </p:spPr>
-        <p:style>
-          <a:lnRef idx="1">
-            <a:schemeClr val="accent1"/>
-          </a:lnRef>
-          <a:fillRef idx="0">
-            <a:schemeClr val="accent1"/>
-          </a:fillRef>
-          <a:effectRef idx="0">
-            <a:schemeClr val="accent1"/>
-          </a:effectRef>
-          <a:fontRef idx="minor">
-            <a:schemeClr val="tx1"/>
-          </a:fontRef>
-        </p:style>
-      </p:cxnSp>
-      <p:cxnSp>
-        <p:nvCxnSpPr>
-          <p:cNvPr id="19" name="Straight Arrow Connector 81">
-            <a:extLst>
-              <a:ext uri="{FF2B5EF4-FFF2-40B4-BE49-F238E27FC236}">
-                <a16:creationId xmlns:a16="http://schemas.microsoft.com/office/drawing/2014/main" id="{A43474A5-FA46-19BB-40F7-F2A4285E6DD6}"/>
-              </a:ext>
-            </a:extLst>
-          </p:cNvPr>
-          <p:cNvCxnSpPr>
-            <a:cxnSpLocks/>
-          </p:cNvCxnSpPr>
-          <p:nvPr/>
-        </p:nvCxnSpPr>
-        <p:spPr>
-          <a:xfrm>
-            <a:off x="763987" y="2154294"/>
-            <a:ext cx="2917982" cy="0"/>
-          </a:xfrm>
-          <a:prstGeom prst="straightConnector1">
-            <a:avLst/>
-          </a:prstGeom>
-          <a:ln>
-            <a:solidFill>
-              <a:schemeClr val="tx1"/>
-            </a:solidFill>
-            <a:headEnd type="triangle" w="med" len="med"/>
-            <a:tailEnd type="none" w="med" len="med"/>
-          </a:ln>
-        </p:spPr>
-        <p:style>
-          <a:lnRef idx="1">
-            <a:schemeClr val="accent1"/>
-          </a:lnRef>
-          <a:fillRef idx="0">
-            <a:schemeClr val="accent1"/>
-          </a:fillRef>
-          <a:effectRef idx="0">
-            <a:schemeClr val="accent1"/>
-          </a:effectRef>
-          <a:fontRef idx="minor">
-            <a:schemeClr val="tx1"/>
-          </a:fontRef>
-        </p:style>
-      </p:cxnSp>
-      <p:sp>
-        <p:nvSpPr>
-          <p:cNvPr id="20" name="TextBox 19">
-            <a:extLst>
-              <a:ext uri="{FF2B5EF4-FFF2-40B4-BE49-F238E27FC236}">
-                <a16:creationId xmlns:a16="http://schemas.microsoft.com/office/drawing/2014/main" id="{30385E62-9F05-5EBF-DBB8-163F6D2FC644}"/>
-              </a:ext>
-            </a:extLst>
-          </p:cNvPr>
-          <p:cNvSpPr txBox="1"/>
-          <p:nvPr/>
-        </p:nvSpPr>
-        <p:spPr>
-          <a:xfrm>
-            <a:off x="5584333" y="2007967"/>
-            <a:ext cx="2795674" cy="246221"/>
-          </a:xfrm>
-          <a:prstGeom prst="rect">
-            <a:avLst/>
-          </a:prstGeom>
-          <a:noFill/>
-        </p:spPr>
-        <p:txBody>
-          <a:bodyPr wrap="square" rtlCol="0">
-            <a:spAutoFit/>
-          </a:bodyPr>
-          <a:lstStyle/>
-          <a:p>
-            <a:pPr algn="r"/>
-            <a:r>
-              <a:rPr kumimoji="1" lang="en-US" altLang="ko-KR" sz="1000" i="1"/>
-              <a:t>200 OK + Partial Response</a:t>
-            </a:r>
-            <a:endParaRPr kumimoji="1" lang="ko-KR" altLang="en-US" sz="1000" i="1"/>
-          </a:p>
-        </p:txBody>
-      </p:sp>
-      <p:cxnSp>
-        <p:nvCxnSpPr>
-          <p:cNvPr id="21" name="Straight Arrow Connector 81">
-            <a:extLst>
-              <a:ext uri="{FF2B5EF4-FFF2-40B4-BE49-F238E27FC236}">
-                <a16:creationId xmlns:a16="http://schemas.microsoft.com/office/drawing/2014/main" id="{C4B9F288-0902-F04E-62C0-6788D86564A4}"/>
-              </a:ext>
-            </a:extLst>
-          </p:cNvPr>
-          <p:cNvCxnSpPr>
-            <a:cxnSpLocks/>
-          </p:cNvCxnSpPr>
-          <p:nvPr/>
-        </p:nvCxnSpPr>
-        <p:spPr>
-          <a:xfrm>
-            <a:off x="5462028" y="2326563"/>
-            <a:ext cx="2917977" cy="0"/>
-          </a:xfrm>
-          <a:prstGeom prst="straightConnector1">
-            <a:avLst/>
-          </a:prstGeom>
-          <a:ln>
-            <a:solidFill>
-              <a:schemeClr val="tx1"/>
-            </a:solidFill>
-            <a:headEnd type="triangle" w="med" len="med"/>
-            <a:tailEnd type="none" w="med" len="med"/>
-          </a:ln>
-        </p:spPr>
-        <p:style>
-          <a:lnRef idx="1">
-            <a:schemeClr val="accent1"/>
-          </a:lnRef>
-          <a:fillRef idx="0">
-            <a:schemeClr val="accent1"/>
-          </a:fillRef>
-          <a:effectRef idx="0">
-            <a:schemeClr val="accent1"/>
-          </a:effectRef>
-          <a:fontRef idx="minor">
-            <a:schemeClr val="tx1"/>
-          </a:fontRef>
-        </p:style>
-      </p:cxnSp>
-      <p:cxnSp>
-        <p:nvCxnSpPr>
-          <p:cNvPr id="22" name="Straight Arrow Connector 81">
-            <a:extLst>
-              <a:ext uri="{FF2B5EF4-FFF2-40B4-BE49-F238E27FC236}">
-                <a16:creationId xmlns:a16="http://schemas.microsoft.com/office/drawing/2014/main" id="{33925310-591A-85F5-13DB-D13C9373B0AD}"/>
-              </a:ext>
-            </a:extLst>
-          </p:cNvPr>
-          <p:cNvCxnSpPr>
-            <a:cxnSpLocks/>
-          </p:cNvCxnSpPr>
-          <p:nvPr/>
-        </p:nvCxnSpPr>
-        <p:spPr>
-          <a:xfrm>
-            <a:off x="3681972" y="2763295"/>
-            <a:ext cx="1780056" cy="0"/>
-          </a:xfrm>
-          <a:prstGeom prst="straightConnector1">
-            <a:avLst/>
-          </a:prstGeom>
-          <a:ln>
-            <a:solidFill>
-              <a:schemeClr val="tx1"/>
-            </a:solidFill>
-            <a:headEnd type="triangle" w="med" len="med"/>
-            <a:tailEnd type="none" w="med" len="med"/>
-          </a:ln>
-        </p:spPr>
-        <p:style>
-          <a:lnRef idx="1">
-            <a:schemeClr val="accent1"/>
-          </a:lnRef>
-          <a:fillRef idx="0">
-            <a:schemeClr val="accent1"/>
-          </a:fillRef>
-          <a:effectRef idx="0">
-            <a:schemeClr val="accent1"/>
-          </a:effectRef>
-          <a:fontRef idx="minor">
-            <a:schemeClr val="tx1"/>
-          </a:fontRef>
-        </p:style>
-      </p:cxnSp>
-      <p:sp>
-        <p:nvSpPr>
-          <p:cNvPr id="24" name="TextBox 23">
-            <a:extLst>
-              <a:ext uri="{FF2B5EF4-FFF2-40B4-BE49-F238E27FC236}">
-                <a16:creationId xmlns:a16="http://schemas.microsoft.com/office/drawing/2014/main" id="{53BC9DED-8EE9-68C8-3AE6-0FABDF2E807E}"/>
-              </a:ext>
-            </a:extLst>
-          </p:cNvPr>
-          <p:cNvSpPr txBox="1"/>
-          <p:nvPr/>
-        </p:nvSpPr>
-        <p:spPr>
-          <a:xfrm>
-            <a:off x="5584328" y="2324252"/>
-            <a:ext cx="2795674" cy="246221"/>
-          </a:xfrm>
-          <a:prstGeom prst="rect">
-            <a:avLst/>
-          </a:prstGeom>
-          <a:noFill/>
-        </p:spPr>
-        <p:txBody>
-          <a:bodyPr wrap="square" rtlCol="0">
-            <a:spAutoFit/>
-          </a:bodyPr>
-          <a:lstStyle/>
-          <a:p>
-            <a:pPr algn="r"/>
-            <a:r>
-              <a:rPr kumimoji="1" lang="en-US" altLang="ko-KR" sz="1000" i="1"/>
-              <a:t>TCP RST</a:t>
-            </a:r>
-            <a:endParaRPr kumimoji="1" lang="ko-KR" altLang="en-US" sz="1000" i="1"/>
-          </a:p>
-        </p:txBody>
-      </p:sp>
-      <p:sp>
-        <p:nvSpPr>
-          <p:cNvPr id="25" name="TextBox 24">
-            <a:extLst>
-              <a:ext uri="{FF2B5EF4-FFF2-40B4-BE49-F238E27FC236}">
-                <a16:creationId xmlns:a16="http://schemas.microsoft.com/office/drawing/2014/main" id="{893265C1-93A7-32EA-CE5C-77945D0046BB}"/>
-              </a:ext>
-            </a:extLst>
-          </p:cNvPr>
-          <p:cNvSpPr txBox="1"/>
-          <p:nvPr/>
-        </p:nvSpPr>
-        <p:spPr>
-          <a:xfrm>
-            <a:off x="2666355" y="2763295"/>
-            <a:ext cx="2795674" cy="246221"/>
-          </a:xfrm>
-          <a:prstGeom prst="rect">
-            <a:avLst/>
-          </a:prstGeom>
-          <a:noFill/>
-        </p:spPr>
-        <p:txBody>
-          <a:bodyPr wrap="square" rtlCol="0">
-            <a:spAutoFit/>
-          </a:bodyPr>
-          <a:lstStyle/>
-          <a:p>
-            <a:pPr algn="r"/>
-            <a:r>
-              <a:rPr kumimoji="1" lang="en-US" altLang="ko-KR" sz="1000" i="1"/>
-              <a:t>TCP RST</a:t>
-            </a:r>
-            <a:endParaRPr kumimoji="1" lang="ko-KR" altLang="en-US" sz="1000" i="1"/>
-          </a:p>
-        </p:txBody>
-      </p:sp>
-      <p:cxnSp>
-        <p:nvCxnSpPr>
-          <p:cNvPr id="27" name="Straight Arrow Connector 81">
-            <a:extLst>
-              <a:ext uri="{FF2B5EF4-FFF2-40B4-BE49-F238E27FC236}">
-                <a16:creationId xmlns:a16="http://schemas.microsoft.com/office/drawing/2014/main" id="{3AE37C0C-060D-4235-4D6C-821BE262B007}"/>
-              </a:ext>
-            </a:extLst>
-          </p:cNvPr>
-          <p:cNvCxnSpPr>
-            <a:cxnSpLocks/>
-          </p:cNvCxnSpPr>
-          <p:nvPr/>
-        </p:nvCxnSpPr>
-        <p:spPr>
-          <a:xfrm>
-            <a:off x="763988" y="1077765"/>
-            <a:ext cx="2917981" cy="0"/>
-          </a:xfrm>
-          <a:prstGeom prst="straightConnector1">
-            <a:avLst/>
-          </a:prstGeom>
-          <a:ln>
-            <a:solidFill>
-              <a:schemeClr val="tx1"/>
-            </a:solidFill>
-            <a:tailEnd type="triangle"/>
-          </a:ln>
-        </p:spPr>
-        <p:style>
-          <a:lnRef idx="1">
-            <a:schemeClr val="accent1"/>
-          </a:lnRef>
-          <a:fillRef idx="0">
-            <a:schemeClr val="accent1"/>
-          </a:fillRef>
-          <a:effectRef idx="0">
-            <a:schemeClr val="accent1"/>
-          </a:effectRef>
-          <a:fontRef idx="minor">
-            <a:schemeClr val="tx1"/>
-          </a:fontRef>
-        </p:style>
-      </p:cxnSp>
-      <p:sp>
-        <p:nvSpPr>
-          <p:cNvPr id="28" name="TextBox 27">
-            <a:extLst>
-              <a:ext uri="{FF2B5EF4-FFF2-40B4-BE49-F238E27FC236}">
-                <a16:creationId xmlns:a16="http://schemas.microsoft.com/office/drawing/2014/main" id="{E57B0BC4-5506-429A-7D61-0604C87A31F4}"/>
-              </a:ext>
-            </a:extLst>
-          </p:cNvPr>
-          <p:cNvSpPr txBox="1"/>
-          <p:nvPr/>
-        </p:nvSpPr>
-        <p:spPr>
-          <a:xfrm>
-            <a:off x="763987" y="831544"/>
-            <a:ext cx="2795674" cy="246221"/>
-          </a:xfrm>
-          <a:prstGeom prst="rect">
-            <a:avLst/>
-          </a:prstGeom>
-          <a:noFill/>
-        </p:spPr>
-        <p:txBody>
-          <a:bodyPr wrap="square" rtlCol="0">
-            <a:spAutoFit/>
-          </a:bodyPr>
-          <a:lstStyle/>
-          <a:p>
-            <a:r>
-              <a:rPr kumimoji="1" lang="en-US" altLang="ko-KR" sz="1000" i="1"/>
-              <a:t>TCP SYN</a:t>
-            </a:r>
-            <a:endParaRPr kumimoji="1" lang="ko-KR" altLang="en-US" sz="1000" i="1"/>
-          </a:p>
-        </p:txBody>
-      </p:sp>
     </p:spTree>
     <p:extLst>
       <p:ext uri="{BB962C8B-B14F-4D97-AF65-F5344CB8AC3E}">
@@ -22119,6 +22206,1194 @@
 </file>
 
 <file path=ppt/slides/slide8.xml><?xml version="1.0" encoding="utf-8"?>
+<p:sld xmlns:a="http://schemas.openxmlformats.org/drawingml/2006/main" xmlns:r="http://schemas.openxmlformats.org/officeDocument/2006/relationships" xmlns:p="http://schemas.openxmlformats.org/presentationml/2006/main">
+  <p:cSld>
+    <p:spTree>
+      <p:nvGrpSpPr>
+        <p:cNvPr id="1" name="">
+          <a:extLst>
+            <a:ext uri="{FF2B5EF4-FFF2-40B4-BE49-F238E27FC236}">
+              <a16:creationId xmlns:a16="http://schemas.microsoft.com/office/drawing/2014/main" id="{8C9E107C-8AD4-AB22-C6C4-2D86B3870B31}"/>
+            </a:ext>
+          </a:extLst>
+        </p:cNvPr>
+        <p:cNvGrpSpPr/>
+        <p:nvPr/>
+      </p:nvGrpSpPr>
+      <p:grpSpPr>
+        <a:xfrm>
+          <a:off x="0" y="0"/>
+          <a:ext cx="0" cy="0"/>
+          <a:chOff x="0" y="0"/>
+          <a:chExt cx="0" cy="0"/>
+        </a:xfrm>
+      </p:grpSpPr>
+      <p:sp>
+        <p:nvSpPr>
+          <p:cNvPr id="3" name="사각형: 둥근 모서리 29">
+            <a:extLst>
+              <a:ext uri="{FF2B5EF4-FFF2-40B4-BE49-F238E27FC236}">
+                <a16:creationId xmlns:a16="http://schemas.microsoft.com/office/drawing/2014/main" id="{84BDBC81-C6A3-4676-DFEF-E940FFE4AE35}"/>
+              </a:ext>
+            </a:extLst>
+          </p:cNvPr>
+          <p:cNvSpPr/>
+          <p:nvPr/>
+        </p:nvSpPr>
+        <p:spPr>
+          <a:xfrm>
+            <a:off x="179512" y="123478"/>
+            <a:ext cx="4032448" cy="600168"/>
+          </a:xfrm>
+          <a:prstGeom prst="roundRect">
+            <a:avLst>
+              <a:gd name="adj" fmla="val 10124"/>
+            </a:avLst>
+          </a:prstGeom>
+          <a:ln w="12700"/>
+        </p:spPr>
+        <p:style>
+          <a:lnRef idx="2">
+            <a:schemeClr val="dk1"/>
+          </a:lnRef>
+          <a:fillRef idx="1">
+            <a:schemeClr val="lt1"/>
+          </a:fillRef>
+          <a:effectRef idx="0">
+            <a:schemeClr val="dk1"/>
+          </a:effectRef>
+          <a:fontRef idx="minor">
+            <a:schemeClr val="dk1"/>
+          </a:fontRef>
+        </p:style>
+        <p:txBody>
+          <a:bodyPr rtlCol="0" anchor="t"/>
+          <a:lstStyle/>
+          <a:p>
+            <a:pPr algn="ctr"/>
+            <a:r>
+              <a:rPr lang="en-US" altLang="ko-KR" sz="1000" b="1"/>
+              <a:t>shell </a:t>
+            </a:r>
+            <a:r>
+              <a:rPr lang="en-US" altLang="ko-KR" sz="1000"/>
+              <a:t>Pod</a:t>
+            </a:r>
+          </a:p>
+        </p:txBody>
+      </p:sp>
+      <p:sp>
+        <p:nvSpPr>
+          <p:cNvPr id="6" name="사각형: 둥근 모서리 29">
+            <a:extLst>
+              <a:ext uri="{FF2B5EF4-FFF2-40B4-BE49-F238E27FC236}">
+                <a16:creationId xmlns:a16="http://schemas.microsoft.com/office/drawing/2014/main" id="{51332B54-59A2-19AD-AA55-10B6280A4FC8}"/>
+              </a:ext>
+            </a:extLst>
+          </p:cNvPr>
+          <p:cNvSpPr/>
+          <p:nvPr/>
+        </p:nvSpPr>
+        <p:spPr>
+          <a:xfrm>
+            <a:off x="3236328" y="195486"/>
+            <a:ext cx="891282" cy="439396"/>
+          </a:xfrm>
+          <a:prstGeom prst="roundRect">
+            <a:avLst>
+              <a:gd name="adj" fmla="val 14520"/>
+            </a:avLst>
+          </a:prstGeom>
+          <a:ln w="12700"/>
+        </p:spPr>
+        <p:style>
+          <a:lnRef idx="2">
+            <a:schemeClr val="dk1"/>
+          </a:lnRef>
+          <a:fillRef idx="1">
+            <a:schemeClr val="lt1"/>
+          </a:fillRef>
+          <a:effectRef idx="0">
+            <a:schemeClr val="dk1"/>
+          </a:effectRef>
+          <a:fontRef idx="minor">
+            <a:schemeClr val="dk1"/>
+          </a:fontRef>
+        </p:style>
+        <p:txBody>
+          <a:bodyPr rtlCol="0" anchor="ctr"/>
+          <a:lstStyle/>
+          <a:p>
+            <a:pPr algn="ctr"/>
+            <a:r>
+              <a:rPr lang="en-US" altLang="ko-KR" sz="1000" b="1"/>
+              <a:t>istio-proxy</a:t>
+            </a:r>
+          </a:p>
+          <a:p>
+            <a:pPr algn="ctr"/>
+            <a:r>
+              <a:rPr lang="en-US" altLang="ko-KR" sz="1000"/>
+              <a:t>Container</a:t>
+            </a:r>
+          </a:p>
+        </p:txBody>
+      </p:sp>
+      <p:sp>
+        <p:nvSpPr>
+          <p:cNvPr id="7" name="사각형: 둥근 모서리 29">
+            <a:extLst>
+              <a:ext uri="{FF2B5EF4-FFF2-40B4-BE49-F238E27FC236}">
+                <a16:creationId xmlns:a16="http://schemas.microsoft.com/office/drawing/2014/main" id="{C1414866-1E85-E51B-2182-6A979716CDBA}"/>
+              </a:ext>
+            </a:extLst>
+          </p:cNvPr>
+          <p:cNvSpPr/>
+          <p:nvPr/>
+        </p:nvSpPr>
+        <p:spPr>
+          <a:xfrm>
+            <a:off x="269263" y="195486"/>
+            <a:ext cx="989457" cy="439396"/>
+          </a:xfrm>
+          <a:prstGeom prst="roundRect">
+            <a:avLst>
+              <a:gd name="adj" fmla="val 14520"/>
+            </a:avLst>
+          </a:prstGeom>
+          <a:ln w="12700"/>
+        </p:spPr>
+        <p:style>
+          <a:lnRef idx="2">
+            <a:schemeClr val="dk1"/>
+          </a:lnRef>
+          <a:fillRef idx="1">
+            <a:schemeClr val="lt1"/>
+          </a:fillRef>
+          <a:effectRef idx="0">
+            <a:schemeClr val="dk1"/>
+          </a:effectRef>
+          <a:fontRef idx="minor">
+            <a:schemeClr val="dk1"/>
+          </a:fontRef>
+        </p:style>
+        <p:txBody>
+          <a:bodyPr rtlCol="0" anchor="ctr"/>
+          <a:lstStyle/>
+          <a:p>
+            <a:pPr algn="ctr"/>
+            <a:r>
+              <a:rPr lang="en-US" altLang="ko-KR" sz="1000" b="1"/>
+              <a:t>shell</a:t>
+            </a:r>
+          </a:p>
+          <a:p>
+            <a:pPr algn="ctr"/>
+            <a:r>
+              <a:rPr lang="en-US" altLang="ko-KR" sz="1000"/>
+              <a:t>Container</a:t>
+            </a:r>
+          </a:p>
+        </p:txBody>
+      </p:sp>
+      <p:sp>
+        <p:nvSpPr>
+          <p:cNvPr id="10" name="사각형: 둥근 모서리 29">
+            <a:extLst>
+              <a:ext uri="{FF2B5EF4-FFF2-40B4-BE49-F238E27FC236}">
+                <a16:creationId xmlns:a16="http://schemas.microsoft.com/office/drawing/2014/main" id="{416C6F59-DAF9-7B9B-535F-264F2FEBBD2C}"/>
+              </a:ext>
+            </a:extLst>
+          </p:cNvPr>
+          <p:cNvSpPr/>
+          <p:nvPr/>
+        </p:nvSpPr>
+        <p:spPr>
+          <a:xfrm>
+            <a:off x="4932042" y="123478"/>
+            <a:ext cx="4032446" cy="600168"/>
+          </a:xfrm>
+          <a:prstGeom prst="roundRect">
+            <a:avLst>
+              <a:gd name="adj" fmla="val 10124"/>
+            </a:avLst>
+          </a:prstGeom>
+          <a:ln w="12700"/>
+        </p:spPr>
+        <p:style>
+          <a:lnRef idx="2">
+            <a:schemeClr val="dk1"/>
+          </a:lnRef>
+          <a:fillRef idx="1">
+            <a:schemeClr val="lt1"/>
+          </a:fillRef>
+          <a:effectRef idx="0">
+            <a:schemeClr val="dk1"/>
+          </a:effectRef>
+          <a:fontRef idx="minor">
+            <a:schemeClr val="dk1"/>
+          </a:fontRef>
+        </p:style>
+        <p:txBody>
+          <a:bodyPr rtlCol="0" anchor="t"/>
+          <a:lstStyle/>
+          <a:p>
+            <a:pPr algn="ctr"/>
+            <a:r>
+              <a:rPr lang="en-US" altLang="ko-KR" sz="1000" b="1"/>
+              <a:t>mock-server </a:t>
+            </a:r>
+            <a:r>
+              <a:rPr lang="en-US" altLang="ko-KR" sz="1000"/>
+              <a:t>Pod</a:t>
+            </a:r>
+          </a:p>
+        </p:txBody>
+      </p:sp>
+      <p:sp>
+        <p:nvSpPr>
+          <p:cNvPr id="11" name="사각형: 둥근 모서리 29">
+            <a:extLst>
+              <a:ext uri="{FF2B5EF4-FFF2-40B4-BE49-F238E27FC236}">
+                <a16:creationId xmlns:a16="http://schemas.microsoft.com/office/drawing/2014/main" id="{FD148650-E683-2E94-F98A-850E19317B3D}"/>
+              </a:ext>
+            </a:extLst>
+          </p:cNvPr>
+          <p:cNvSpPr/>
+          <p:nvPr/>
+        </p:nvSpPr>
+        <p:spPr>
+          <a:xfrm>
+            <a:off x="7885282" y="195486"/>
+            <a:ext cx="989457" cy="439396"/>
+          </a:xfrm>
+          <a:prstGeom prst="roundRect">
+            <a:avLst>
+              <a:gd name="adj" fmla="val 14520"/>
+            </a:avLst>
+          </a:prstGeom>
+          <a:ln w="12700"/>
+        </p:spPr>
+        <p:style>
+          <a:lnRef idx="2">
+            <a:schemeClr val="dk1"/>
+          </a:lnRef>
+          <a:fillRef idx="1">
+            <a:schemeClr val="lt1"/>
+          </a:fillRef>
+          <a:effectRef idx="0">
+            <a:schemeClr val="dk1"/>
+          </a:effectRef>
+          <a:fontRef idx="minor">
+            <a:schemeClr val="dk1"/>
+          </a:fontRef>
+        </p:style>
+        <p:txBody>
+          <a:bodyPr rtlCol="0" anchor="ctr"/>
+          <a:lstStyle/>
+          <a:p>
+            <a:pPr algn="ctr"/>
+            <a:r>
+              <a:rPr lang="en-US" altLang="ko-KR" sz="1000" b="1"/>
+              <a:t>mock-server</a:t>
+            </a:r>
+          </a:p>
+          <a:p>
+            <a:pPr algn="ctr"/>
+            <a:r>
+              <a:rPr lang="en-US" altLang="ko-KR" sz="1000"/>
+              <a:t>Container</a:t>
+            </a:r>
+          </a:p>
+        </p:txBody>
+      </p:sp>
+      <p:sp>
+        <p:nvSpPr>
+          <p:cNvPr id="12" name="사각형: 둥근 모서리 29">
+            <a:extLst>
+              <a:ext uri="{FF2B5EF4-FFF2-40B4-BE49-F238E27FC236}">
+                <a16:creationId xmlns:a16="http://schemas.microsoft.com/office/drawing/2014/main" id="{075EB613-4F35-DF70-63F2-7215C1EF5606}"/>
+              </a:ext>
+            </a:extLst>
+          </p:cNvPr>
+          <p:cNvSpPr/>
+          <p:nvPr/>
+        </p:nvSpPr>
+        <p:spPr>
+          <a:xfrm>
+            <a:off x="5016392" y="195486"/>
+            <a:ext cx="891282" cy="439396"/>
+          </a:xfrm>
+          <a:prstGeom prst="roundRect">
+            <a:avLst>
+              <a:gd name="adj" fmla="val 14520"/>
+            </a:avLst>
+          </a:prstGeom>
+          <a:ln w="12700"/>
+        </p:spPr>
+        <p:style>
+          <a:lnRef idx="2">
+            <a:schemeClr val="dk1"/>
+          </a:lnRef>
+          <a:fillRef idx="1">
+            <a:schemeClr val="lt1"/>
+          </a:fillRef>
+          <a:effectRef idx="0">
+            <a:schemeClr val="dk1"/>
+          </a:effectRef>
+          <a:fontRef idx="minor">
+            <a:schemeClr val="dk1"/>
+          </a:fontRef>
+        </p:style>
+        <p:txBody>
+          <a:bodyPr rtlCol="0" anchor="ctr"/>
+          <a:lstStyle/>
+          <a:p>
+            <a:pPr algn="ctr"/>
+            <a:r>
+              <a:rPr lang="en-US" altLang="ko-KR" sz="1000" b="1"/>
+              <a:t>istio-proxy</a:t>
+            </a:r>
+          </a:p>
+          <a:p>
+            <a:pPr algn="ctr"/>
+            <a:r>
+              <a:rPr lang="en-US" altLang="ko-KR" sz="1000"/>
+              <a:t>Container</a:t>
+            </a:r>
+          </a:p>
+        </p:txBody>
+      </p:sp>
+      <p:cxnSp>
+        <p:nvCxnSpPr>
+          <p:cNvPr id="36" name="Straight Arrow Connector 81">
+            <a:extLst>
+              <a:ext uri="{FF2B5EF4-FFF2-40B4-BE49-F238E27FC236}">
+                <a16:creationId xmlns:a16="http://schemas.microsoft.com/office/drawing/2014/main" id="{76AC4197-3F19-3334-9C6E-37DCFA1B4D5D}"/>
+              </a:ext>
+            </a:extLst>
+          </p:cNvPr>
+          <p:cNvCxnSpPr>
+            <a:cxnSpLocks/>
+            <a:stCxn id="6" idx="2"/>
+          </p:cNvCxnSpPr>
+          <p:nvPr/>
+        </p:nvCxnSpPr>
+        <p:spPr>
+          <a:xfrm>
+            <a:off x="3681969" y="634882"/>
+            <a:ext cx="0" cy="4313132"/>
+          </a:xfrm>
+          <a:prstGeom prst="straightConnector1">
+            <a:avLst/>
+          </a:prstGeom>
+          <a:ln>
+            <a:solidFill>
+              <a:schemeClr val="tx1"/>
+            </a:solidFill>
+            <a:prstDash val="dash"/>
+            <a:tailEnd type="triangle"/>
+          </a:ln>
+        </p:spPr>
+        <p:style>
+          <a:lnRef idx="1">
+            <a:schemeClr val="accent1"/>
+          </a:lnRef>
+          <a:fillRef idx="0">
+            <a:schemeClr val="accent1"/>
+          </a:fillRef>
+          <a:effectRef idx="0">
+            <a:schemeClr val="accent1"/>
+          </a:effectRef>
+          <a:fontRef idx="minor">
+            <a:schemeClr val="tx1"/>
+          </a:fontRef>
+        </p:style>
+      </p:cxnSp>
+      <p:cxnSp>
+        <p:nvCxnSpPr>
+          <p:cNvPr id="37" name="Straight Arrow Connector 81">
+            <a:extLst>
+              <a:ext uri="{FF2B5EF4-FFF2-40B4-BE49-F238E27FC236}">
+                <a16:creationId xmlns:a16="http://schemas.microsoft.com/office/drawing/2014/main" id="{2AACC0CB-ADDF-C84A-9E51-F265AA715383}"/>
+              </a:ext>
+            </a:extLst>
+          </p:cNvPr>
+          <p:cNvCxnSpPr>
+            <a:cxnSpLocks/>
+            <a:stCxn id="7" idx="2"/>
+          </p:cNvCxnSpPr>
+          <p:nvPr/>
+        </p:nvCxnSpPr>
+        <p:spPr>
+          <a:xfrm>
+            <a:off x="763992" y="634882"/>
+            <a:ext cx="0" cy="4313132"/>
+          </a:xfrm>
+          <a:prstGeom prst="straightConnector1">
+            <a:avLst/>
+          </a:prstGeom>
+          <a:ln>
+            <a:solidFill>
+              <a:schemeClr val="tx1"/>
+            </a:solidFill>
+            <a:prstDash val="dash"/>
+            <a:tailEnd type="triangle"/>
+          </a:ln>
+        </p:spPr>
+        <p:style>
+          <a:lnRef idx="1">
+            <a:schemeClr val="accent1"/>
+          </a:lnRef>
+          <a:fillRef idx="0">
+            <a:schemeClr val="accent1"/>
+          </a:fillRef>
+          <a:effectRef idx="0">
+            <a:schemeClr val="accent1"/>
+          </a:effectRef>
+          <a:fontRef idx="minor">
+            <a:schemeClr val="tx1"/>
+          </a:fontRef>
+        </p:style>
+      </p:cxnSp>
+      <p:cxnSp>
+        <p:nvCxnSpPr>
+          <p:cNvPr id="46" name="Straight Arrow Connector 81">
+            <a:extLst>
+              <a:ext uri="{FF2B5EF4-FFF2-40B4-BE49-F238E27FC236}">
+                <a16:creationId xmlns:a16="http://schemas.microsoft.com/office/drawing/2014/main" id="{D16F8125-092B-0270-9968-FAF3D83477D7}"/>
+              </a:ext>
+            </a:extLst>
+          </p:cNvPr>
+          <p:cNvCxnSpPr>
+            <a:cxnSpLocks/>
+            <a:stCxn id="11" idx="2"/>
+          </p:cNvCxnSpPr>
+          <p:nvPr/>
+        </p:nvCxnSpPr>
+        <p:spPr>
+          <a:xfrm>
+            <a:off x="8380011" y="634882"/>
+            <a:ext cx="0" cy="4385140"/>
+          </a:xfrm>
+          <a:prstGeom prst="straightConnector1">
+            <a:avLst/>
+          </a:prstGeom>
+          <a:ln>
+            <a:solidFill>
+              <a:schemeClr val="tx1"/>
+            </a:solidFill>
+            <a:prstDash val="dash"/>
+            <a:tailEnd type="triangle"/>
+          </a:ln>
+        </p:spPr>
+        <p:style>
+          <a:lnRef idx="1">
+            <a:schemeClr val="accent1"/>
+          </a:lnRef>
+          <a:fillRef idx="0">
+            <a:schemeClr val="accent1"/>
+          </a:fillRef>
+          <a:effectRef idx="0">
+            <a:schemeClr val="accent1"/>
+          </a:effectRef>
+          <a:fontRef idx="minor">
+            <a:schemeClr val="tx1"/>
+          </a:fontRef>
+        </p:style>
+      </p:cxnSp>
+      <p:cxnSp>
+        <p:nvCxnSpPr>
+          <p:cNvPr id="47" name="Straight Arrow Connector 81">
+            <a:extLst>
+              <a:ext uri="{FF2B5EF4-FFF2-40B4-BE49-F238E27FC236}">
+                <a16:creationId xmlns:a16="http://schemas.microsoft.com/office/drawing/2014/main" id="{E9280C47-811E-40F4-922A-2265D7C4E6EF}"/>
+              </a:ext>
+            </a:extLst>
+          </p:cNvPr>
+          <p:cNvCxnSpPr>
+            <a:cxnSpLocks/>
+            <a:stCxn id="12" idx="2"/>
+          </p:cNvCxnSpPr>
+          <p:nvPr/>
+        </p:nvCxnSpPr>
+        <p:spPr>
+          <a:xfrm>
+            <a:off x="5462033" y="634882"/>
+            <a:ext cx="0" cy="4313132"/>
+          </a:xfrm>
+          <a:prstGeom prst="straightConnector1">
+            <a:avLst/>
+          </a:prstGeom>
+          <a:ln>
+            <a:solidFill>
+              <a:schemeClr val="tx1"/>
+            </a:solidFill>
+            <a:prstDash val="dash"/>
+            <a:tailEnd type="triangle"/>
+          </a:ln>
+        </p:spPr>
+        <p:style>
+          <a:lnRef idx="1">
+            <a:schemeClr val="accent1"/>
+          </a:lnRef>
+          <a:fillRef idx="0">
+            <a:schemeClr val="accent1"/>
+          </a:fillRef>
+          <a:effectRef idx="0">
+            <a:schemeClr val="accent1"/>
+          </a:effectRef>
+          <a:fontRef idx="minor">
+            <a:schemeClr val="tx1"/>
+          </a:fontRef>
+        </p:style>
+      </p:cxnSp>
+      <p:cxnSp>
+        <p:nvCxnSpPr>
+          <p:cNvPr id="52" name="Straight Arrow Connector 81">
+            <a:extLst>
+              <a:ext uri="{FF2B5EF4-FFF2-40B4-BE49-F238E27FC236}">
+                <a16:creationId xmlns:a16="http://schemas.microsoft.com/office/drawing/2014/main" id="{81B3CAFE-D6ED-CFA5-3B3A-A269977DFD13}"/>
+              </a:ext>
+            </a:extLst>
+          </p:cNvPr>
+          <p:cNvCxnSpPr>
+            <a:cxnSpLocks/>
+          </p:cNvCxnSpPr>
+          <p:nvPr/>
+        </p:nvCxnSpPr>
+        <p:spPr>
+          <a:xfrm>
+            <a:off x="763988" y="1431885"/>
+            <a:ext cx="2917981" cy="0"/>
+          </a:xfrm>
+          <a:prstGeom prst="straightConnector1">
+            <a:avLst/>
+          </a:prstGeom>
+          <a:ln>
+            <a:solidFill>
+              <a:schemeClr val="tx1"/>
+            </a:solidFill>
+            <a:tailEnd type="triangle"/>
+          </a:ln>
+        </p:spPr>
+        <p:style>
+          <a:lnRef idx="1">
+            <a:schemeClr val="accent1"/>
+          </a:lnRef>
+          <a:fillRef idx="0">
+            <a:schemeClr val="accent1"/>
+          </a:fillRef>
+          <a:effectRef idx="0">
+            <a:schemeClr val="accent1"/>
+          </a:effectRef>
+          <a:fontRef idx="minor">
+            <a:schemeClr val="tx1"/>
+          </a:fontRef>
+        </p:style>
+      </p:cxnSp>
+      <p:sp>
+        <p:nvSpPr>
+          <p:cNvPr id="53" name="TextBox 52">
+            <a:extLst>
+              <a:ext uri="{FF2B5EF4-FFF2-40B4-BE49-F238E27FC236}">
+                <a16:creationId xmlns:a16="http://schemas.microsoft.com/office/drawing/2014/main" id="{D19001FE-F9F3-9223-D4B3-0EE263E05535}"/>
+              </a:ext>
+            </a:extLst>
+          </p:cNvPr>
+          <p:cNvSpPr txBox="1"/>
+          <p:nvPr/>
+        </p:nvSpPr>
+        <p:spPr>
+          <a:xfrm>
+            <a:off x="763987" y="1185664"/>
+            <a:ext cx="2795674" cy="246221"/>
+          </a:xfrm>
+          <a:prstGeom prst="rect">
+            <a:avLst/>
+          </a:prstGeom>
+          <a:noFill/>
+        </p:spPr>
+        <p:txBody>
+          <a:bodyPr wrap="square" rtlCol="0">
+            <a:spAutoFit/>
+          </a:bodyPr>
+          <a:lstStyle/>
+          <a:p>
+            <a:r>
+              <a:rPr kumimoji="1" lang="en-US" altLang="ko-KR" sz="1000" i="1"/>
+              <a:t>GET </a:t>
+            </a:r>
+            <a:r>
+              <a:rPr lang="en" altLang="ko-KR" sz="1000" i="1"/>
+              <a:t>mock-server:8080/disconnect/1000</a:t>
+            </a:r>
+            <a:endParaRPr kumimoji="1" lang="ko-KR" altLang="en-US" sz="1000" i="1"/>
+          </a:p>
+        </p:txBody>
+      </p:sp>
+      <p:cxnSp>
+        <p:nvCxnSpPr>
+          <p:cNvPr id="54" name="Straight Arrow Connector 81">
+            <a:extLst>
+              <a:ext uri="{FF2B5EF4-FFF2-40B4-BE49-F238E27FC236}">
+                <a16:creationId xmlns:a16="http://schemas.microsoft.com/office/drawing/2014/main" id="{DB0685A9-0DCF-4AC5-F67B-A31A6896D5EA}"/>
+              </a:ext>
+            </a:extLst>
+          </p:cNvPr>
+          <p:cNvCxnSpPr>
+            <a:cxnSpLocks/>
+          </p:cNvCxnSpPr>
+          <p:nvPr/>
+        </p:nvCxnSpPr>
+        <p:spPr>
+          <a:xfrm>
+            <a:off x="5462033" y="2003965"/>
+            <a:ext cx="2917977" cy="0"/>
+          </a:xfrm>
+          <a:prstGeom prst="straightConnector1">
+            <a:avLst/>
+          </a:prstGeom>
+          <a:ln>
+            <a:solidFill>
+              <a:schemeClr val="tx1"/>
+            </a:solidFill>
+            <a:headEnd type="triangle" w="med" len="med"/>
+            <a:tailEnd type="none" w="med" len="med"/>
+          </a:ln>
+        </p:spPr>
+        <p:style>
+          <a:lnRef idx="1">
+            <a:schemeClr val="accent1"/>
+          </a:lnRef>
+          <a:fillRef idx="0">
+            <a:schemeClr val="accent1"/>
+          </a:fillRef>
+          <a:effectRef idx="0">
+            <a:schemeClr val="accent1"/>
+          </a:effectRef>
+          <a:fontRef idx="minor">
+            <a:schemeClr val="tx1"/>
+          </a:fontRef>
+        </p:style>
+      </p:cxnSp>
+      <p:sp>
+        <p:nvSpPr>
+          <p:cNvPr id="55" name="TextBox 54">
+            <a:extLst>
+              <a:ext uri="{FF2B5EF4-FFF2-40B4-BE49-F238E27FC236}">
+                <a16:creationId xmlns:a16="http://schemas.microsoft.com/office/drawing/2014/main" id="{9E86E0F5-C09C-4255-B49A-C22B45C1C18D}"/>
+              </a:ext>
+            </a:extLst>
+          </p:cNvPr>
+          <p:cNvSpPr txBox="1"/>
+          <p:nvPr/>
+        </p:nvSpPr>
+        <p:spPr>
+          <a:xfrm>
+            <a:off x="5584334" y="2003965"/>
+            <a:ext cx="2795674" cy="246221"/>
+          </a:xfrm>
+          <a:prstGeom prst="rect">
+            <a:avLst/>
+          </a:prstGeom>
+          <a:noFill/>
+        </p:spPr>
+        <p:txBody>
+          <a:bodyPr wrap="square" rtlCol="0">
+            <a:spAutoFit/>
+          </a:bodyPr>
+          <a:lstStyle/>
+          <a:p>
+            <a:pPr algn="r"/>
+            <a:r>
+              <a:rPr kumimoji="1" lang="en-US" altLang="ko-KR" sz="1000" i="1"/>
+              <a:t>TCP FIN</a:t>
+            </a:r>
+            <a:endParaRPr kumimoji="1" lang="ko-KR" altLang="en-US" sz="1000" i="1"/>
+          </a:p>
+        </p:txBody>
+      </p:sp>
+      <p:cxnSp>
+        <p:nvCxnSpPr>
+          <p:cNvPr id="63" name="Straight Arrow Connector 81">
+            <a:extLst>
+              <a:ext uri="{FF2B5EF4-FFF2-40B4-BE49-F238E27FC236}">
+                <a16:creationId xmlns:a16="http://schemas.microsoft.com/office/drawing/2014/main" id="{C55DD878-D367-BFC2-CD71-3EDF8D64C43A}"/>
+              </a:ext>
+            </a:extLst>
+          </p:cNvPr>
+          <p:cNvCxnSpPr>
+            <a:cxnSpLocks/>
+          </p:cNvCxnSpPr>
+          <p:nvPr/>
+        </p:nvCxnSpPr>
+        <p:spPr>
+          <a:xfrm>
+            <a:off x="3681969" y="1505680"/>
+            <a:ext cx="1780064" cy="0"/>
+          </a:xfrm>
+          <a:prstGeom prst="straightConnector1">
+            <a:avLst/>
+          </a:prstGeom>
+          <a:ln>
+            <a:solidFill>
+              <a:schemeClr val="tx1"/>
+            </a:solidFill>
+            <a:tailEnd type="triangle"/>
+          </a:ln>
+        </p:spPr>
+        <p:style>
+          <a:lnRef idx="1">
+            <a:schemeClr val="accent1"/>
+          </a:lnRef>
+          <a:fillRef idx="0">
+            <a:schemeClr val="accent1"/>
+          </a:fillRef>
+          <a:effectRef idx="0">
+            <a:schemeClr val="accent1"/>
+          </a:effectRef>
+          <a:fontRef idx="minor">
+            <a:schemeClr val="tx1"/>
+          </a:fontRef>
+        </p:style>
+      </p:cxnSp>
+      <p:cxnSp>
+        <p:nvCxnSpPr>
+          <p:cNvPr id="64" name="Straight Arrow Connector 81">
+            <a:extLst>
+              <a:ext uri="{FF2B5EF4-FFF2-40B4-BE49-F238E27FC236}">
+                <a16:creationId xmlns:a16="http://schemas.microsoft.com/office/drawing/2014/main" id="{876FC0DB-1405-2661-E632-A1E00BAA4F0B}"/>
+              </a:ext>
+            </a:extLst>
+          </p:cNvPr>
+          <p:cNvCxnSpPr>
+            <a:cxnSpLocks/>
+          </p:cNvCxnSpPr>
+          <p:nvPr/>
+        </p:nvCxnSpPr>
+        <p:spPr>
+          <a:xfrm>
+            <a:off x="5462033" y="1585571"/>
+            <a:ext cx="2917978" cy="0"/>
+          </a:xfrm>
+          <a:prstGeom prst="straightConnector1">
+            <a:avLst/>
+          </a:prstGeom>
+          <a:ln>
+            <a:solidFill>
+              <a:schemeClr val="tx1"/>
+            </a:solidFill>
+            <a:tailEnd type="triangle"/>
+          </a:ln>
+        </p:spPr>
+        <p:style>
+          <a:lnRef idx="1">
+            <a:schemeClr val="accent1"/>
+          </a:lnRef>
+          <a:fillRef idx="0">
+            <a:schemeClr val="accent1"/>
+          </a:fillRef>
+          <a:effectRef idx="0">
+            <a:schemeClr val="accent1"/>
+          </a:effectRef>
+          <a:fontRef idx="minor">
+            <a:schemeClr val="tx1"/>
+          </a:fontRef>
+        </p:style>
+      </p:cxnSp>
+      <p:cxnSp>
+        <p:nvCxnSpPr>
+          <p:cNvPr id="70" name="Straight Arrow Connector 81">
+            <a:extLst>
+              <a:ext uri="{FF2B5EF4-FFF2-40B4-BE49-F238E27FC236}">
+                <a16:creationId xmlns:a16="http://schemas.microsoft.com/office/drawing/2014/main" id="{1FBD4573-2D43-190F-89EB-301A74A81514}"/>
+              </a:ext>
+            </a:extLst>
+          </p:cNvPr>
+          <p:cNvCxnSpPr>
+            <a:cxnSpLocks/>
+          </p:cNvCxnSpPr>
+          <p:nvPr/>
+        </p:nvCxnSpPr>
+        <p:spPr>
+          <a:xfrm>
+            <a:off x="3681977" y="2075973"/>
+            <a:ext cx="1780056" cy="0"/>
+          </a:xfrm>
+          <a:prstGeom prst="straightConnector1">
+            <a:avLst/>
+          </a:prstGeom>
+          <a:ln>
+            <a:solidFill>
+              <a:schemeClr val="tx1"/>
+            </a:solidFill>
+            <a:headEnd type="triangle" w="med" len="med"/>
+            <a:tailEnd type="none" w="med" len="med"/>
+          </a:ln>
+        </p:spPr>
+        <p:style>
+          <a:lnRef idx="1">
+            <a:schemeClr val="accent1"/>
+          </a:lnRef>
+          <a:fillRef idx="0">
+            <a:schemeClr val="accent1"/>
+          </a:fillRef>
+          <a:effectRef idx="0">
+            <a:schemeClr val="accent1"/>
+          </a:effectRef>
+          <a:fontRef idx="minor">
+            <a:schemeClr val="tx1"/>
+          </a:fontRef>
+        </p:style>
+      </p:cxnSp>
+      <p:cxnSp>
+        <p:nvCxnSpPr>
+          <p:cNvPr id="2" name="Straight Arrow Connector 81">
+            <a:extLst>
+              <a:ext uri="{FF2B5EF4-FFF2-40B4-BE49-F238E27FC236}">
+                <a16:creationId xmlns:a16="http://schemas.microsoft.com/office/drawing/2014/main" id="{6F72283F-0769-58E3-775B-B698A3DDA1C8}"/>
+              </a:ext>
+            </a:extLst>
+          </p:cNvPr>
+          <p:cNvCxnSpPr>
+            <a:cxnSpLocks/>
+          </p:cNvCxnSpPr>
+          <p:nvPr/>
+        </p:nvCxnSpPr>
+        <p:spPr>
+          <a:xfrm>
+            <a:off x="763988" y="1077765"/>
+            <a:ext cx="2917981" cy="0"/>
+          </a:xfrm>
+          <a:prstGeom prst="straightConnector1">
+            <a:avLst/>
+          </a:prstGeom>
+          <a:ln>
+            <a:solidFill>
+              <a:schemeClr val="tx1"/>
+            </a:solidFill>
+            <a:tailEnd type="triangle"/>
+          </a:ln>
+        </p:spPr>
+        <p:style>
+          <a:lnRef idx="1">
+            <a:schemeClr val="accent1"/>
+          </a:lnRef>
+          <a:fillRef idx="0">
+            <a:schemeClr val="accent1"/>
+          </a:fillRef>
+          <a:effectRef idx="0">
+            <a:schemeClr val="accent1"/>
+          </a:effectRef>
+          <a:fontRef idx="minor">
+            <a:schemeClr val="tx1"/>
+          </a:fontRef>
+        </p:style>
+      </p:cxnSp>
+      <p:sp>
+        <p:nvSpPr>
+          <p:cNvPr id="4" name="TextBox 3">
+            <a:extLst>
+              <a:ext uri="{FF2B5EF4-FFF2-40B4-BE49-F238E27FC236}">
+                <a16:creationId xmlns:a16="http://schemas.microsoft.com/office/drawing/2014/main" id="{D39E1102-1057-B38E-37BA-1A899BB645BE}"/>
+              </a:ext>
+            </a:extLst>
+          </p:cNvPr>
+          <p:cNvSpPr txBox="1"/>
+          <p:nvPr/>
+        </p:nvSpPr>
+        <p:spPr>
+          <a:xfrm>
+            <a:off x="763987" y="831544"/>
+            <a:ext cx="2795674" cy="246221"/>
+          </a:xfrm>
+          <a:prstGeom prst="rect">
+            <a:avLst/>
+          </a:prstGeom>
+          <a:noFill/>
+        </p:spPr>
+        <p:txBody>
+          <a:bodyPr wrap="square" rtlCol="0">
+            <a:spAutoFit/>
+          </a:bodyPr>
+          <a:lstStyle/>
+          <a:p>
+            <a:r>
+              <a:rPr kumimoji="1" lang="en-US" altLang="ko-KR" sz="1000" i="1"/>
+              <a:t>TCP SYN</a:t>
+            </a:r>
+            <a:endParaRPr kumimoji="1" lang="ko-KR" altLang="en-US" sz="1000" i="1"/>
+          </a:p>
+        </p:txBody>
+      </p:sp>
+      <p:cxnSp>
+        <p:nvCxnSpPr>
+          <p:cNvPr id="5" name="Straight Arrow Connector 81">
+            <a:extLst>
+              <a:ext uri="{FF2B5EF4-FFF2-40B4-BE49-F238E27FC236}">
+                <a16:creationId xmlns:a16="http://schemas.microsoft.com/office/drawing/2014/main" id="{6EDF20EA-C18F-B971-E8A6-1A56ABBD4328}"/>
+              </a:ext>
+            </a:extLst>
+          </p:cNvPr>
+          <p:cNvCxnSpPr>
+            <a:cxnSpLocks/>
+          </p:cNvCxnSpPr>
+          <p:nvPr/>
+        </p:nvCxnSpPr>
+        <p:spPr>
+          <a:xfrm>
+            <a:off x="763988" y="2496407"/>
+            <a:ext cx="2917981" cy="0"/>
+          </a:xfrm>
+          <a:prstGeom prst="straightConnector1">
+            <a:avLst/>
+          </a:prstGeom>
+          <a:ln>
+            <a:solidFill>
+              <a:schemeClr val="tx1"/>
+            </a:solidFill>
+            <a:tailEnd type="triangle"/>
+          </a:ln>
+        </p:spPr>
+        <p:style>
+          <a:lnRef idx="1">
+            <a:schemeClr val="accent1"/>
+          </a:lnRef>
+          <a:fillRef idx="0">
+            <a:schemeClr val="accent1"/>
+          </a:fillRef>
+          <a:effectRef idx="0">
+            <a:schemeClr val="accent1"/>
+          </a:effectRef>
+          <a:fontRef idx="minor">
+            <a:schemeClr val="tx1"/>
+          </a:fontRef>
+        </p:style>
+      </p:cxnSp>
+      <p:sp>
+        <p:nvSpPr>
+          <p:cNvPr id="8" name="TextBox 7">
+            <a:extLst>
+              <a:ext uri="{FF2B5EF4-FFF2-40B4-BE49-F238E27FC236}">
+                <a16:creationId xmlns:a16="http://schemas.microsoft.com/office/drawing/2014/main" id="{7A27B3FE-53DC-31D7-E957-593F2B7EDF18}"/>
+              </a:ext>
+            </a:extLst>
+          </p:cNvPr>
+          <p:cNvSpPr txBox="1"/>
+          <p:nvPr/>
+        </p:nvSpPr>
+        <p:spPr>
+          <a:xfrm>
+            <a:off x="763987" y="2250186"/>
+            <a:ext cx="2795674" cy="246221"/>
+          </a:xfrm>
+          <a:prstGeom prst="rect">
+            <a:avLst/>
+          </a:prstGeom>
+          <a:noFill/>
+        </p:spPr>
+        <p:txBody>
+          <a:bodyPr wrap="square" rtlCol="0">
+            <a:spAutoFit/>
+          </a:bodyPr>
+          <a:lstStyle/>
+          <a:p>
+            <a:r>
+              <a:rPr kumimoji="1" lang="en-US" altLang="ko-KR" sz="1000" i="1"/>
+              <a:t>TCP FIN</a:t>
+            </a:r>
+            <a:endParaRPr kumimoji="1" lang="ko-KR" altLang="en-US" sz="1000" i="1"/>
+          </a:p>
+        </p:txBody>
+      </p:sp>
+      <p:sp>
+        <p:nvSpPr>
+          <p:cNvPr id="14" name="호 13">
+            <a:extLst>
+              <a:ext uri="{FF2B5EF4-FFF2-40B4-BE49-F238E27FC236}">
+                <a16:creationId xmlns:a16="http://schemas.microsoft.com/office/drawing/2014/main" id="{E23B797A-5C6C-F475-426E-BADF86721200}"/>
+              </a:ext>
+            </a:extLst>
+          </p:cNvPr>
+          <p:cNvSpPr/>
+          <p:nvPr/>
+        </p:nvSpPr>
+        <p:spPr>
+          <a:xfrm>
+            <a:off x="8241825" y="1585569"/>
+            <a:ext cx="276365" cy="423019"/>
+          </a:xfrm>
+          <a:prstGeom prst="arc">
+            <a:avLst>
+              <a:gd name="adj1" fmla="val 16200000"/>
+              <a:gd name="adj2" fmla="val 5389298"/>
+            </a:avLst>
+          </a:prstGeom>
+          <a:ln>
+            <a:solidFill>
+              <a:schemeClr val="tx1"/>
+            </a:solidFill>
+            <a:headEnd type="none" w="med" len="med"/>
+            <a:tailEnd type="triangle" w="med" len="med"/>
+          </a:ln>
+        </p:spPr>
+        <p:style>
+          <a:lnRef idx="1">
+            <a:schemeClr val="accent1"/>
+          </a:lnRef>
+          <a:fillRef idx="0">
+            <a:schemeClr val="accent1"/>
+          </a:fillRef>
+          <a:effectRef idx="0">
+            <a:schemeClr val="accent1"/>
+          </a:effectRef>
+          <a:fontRef idx="minor">
+            <a:schemeClr val="tx1"/>
+          </a:fontRef>
+        </p:style>
+        <p:txBody>
+          <a:bodyPr rtlCol="0" anchor="ctr"/>
+          <a:lstStyle/>
+          <a:p>
+            <a:pPr algn="ctr"/>
+            <a:endParaRPr kumimoji="1" lang="ko-KR" altLang="en-US"/>
+          </a:p>
+        </p:txBody>
+      </p:sp>
+      <p:sp>
+        <p:nvSpPr>
+          <p:cNvPr id="15" name="TextBox 14">
+            <a:extLst>
+              <a:ext uri="{FF2B5EF4-FFF2-40B4-BE49-F238E27FC236}">
+                <a16:creationId xmlns:a16="http://schemas.microsoft.com/office/drawing/2014/main" id="{9F70C404-5D9A-811C-8C40-B4C1031BB223}"/>
+              </a:ext>
+            </a:extLst>
+          </p:cNvPr>
+          <p:cNvSpPr txBox="1"/>
+          <p:nvPr/>
+        </p:nvSpPr>
+        <p:spPr>
+          <a:xfrm>
+            <a:off x="8410775" y="1680027"/>
+            <a:ext cx="689798" cy="246221"/>
+          </a:xfrm>
+          <a:prstGeom prst="rect">
+            <a:avLst/>
+          </a:prstGeom>
+          <a:noFill/>
+        </p:spPr>
+        <p:txBody>
+          <a:bodyPr wrap="square" rtlCol="0">
+            <a:spAutoFit/>
+          </a:bodyPr>
+          <a:lstStyle/>
+          <a:p>
+            <a:pPr algn="ctr"/>
+            <a:r>
+              <a:rPr kumimoji="1" lang="en-US" altLang="ko-KR" sz="1000" i="1"/>
+              <a:t>1000ms</a:t>
+            </a:r>
+            <a:endParaRPr kumimoji="1" lang="ko-KR" altLang="en-US" sz="1000" i="1"/>
+          </a:p>
+        </p:txBody>
+      </p:sp>
+      <p:cxnSp>
+        <p:nvCxnSpPr>
+          <p:cNvPr id="17" name="Straight Arrow Connector 81">
+            <a:extLst>
+              <a:ext uri="{FF2B5EF4-FFF2-40B4-BE49-F238E27FC236}">
+                <a16:creationId xmlns:a16="http://schemas.microsoft.com/office/drawing/2014/main" id="{C06286B3-6BA5-9574-AE17-BB3612A7B65E}"/>
+              </a:ext>
+            </a:extLst>
+          </p:cNvPr>
+          <p:cNvCxnSpPr>
+            <a:cxnSpLocks/>
+          </p:cNvCxnSpPr>
+          <p:nvPr/>
+        </p:nvCxnSpPr>
+        <p:spPr>
+          <a:xfrm>
+            <a:off x="763987" y="2153184"/>
+            <a:ext cx="2917982" cy="0"/>
+          </a:xfrm>
+          <a:prstGeom prst="straightConnector1">
+            <a:avLst/>
+          </a:prstGeom>
+          <a:ln>
+            <a:solidFill>
+              <a:schemeClr val="tx1"/>
+            </a:solidFill>
+            <a:headEnd type="triangle" w="med" len="med"/>
+            <a:tailEnd type="none" w="med" len="med"/>
+          </a:ln>
+        </p:spPr>
+        <p:style>
+          <a:lnRef idx="1">
+            <a:schemeClr val="accent1"/>
+          </a:lnRef>
+          <a:fillRef idx="0">
+            <a:schemeClr val="accent1"/>
+          </a:fillRef>
+          <a:effectRef idx="0">
+            <a:schemeClr val="accent1"/>
+          </a:effectRef>
+          <a:fontRef idx="minor">
+            <a:schemeClr val="tx1"/>
+          </a:fontRef>
+        </p:style>
+      </p:cxnSp>
+      <p:sp>
+        <p:nvSpPr>
+          <p:cNvPr id="18" name="TextBox 17">
+            <a:extLst>
+              <a:ext uri="{FF2B5EF4-FFF2-40B4-BE49-F238E27FC236}">
+                <a16:creationId xmlns:a16="http://schemas.microsoft.com/office/drawing/2014/main" id="{030CFE4C-F99D-95E3-6DAD-CA92D70DC233}"/>
+              </a:ext>
+            </a:extLst>
+          </p:cNvPr>
+          <p:cNvSpPr txBox="1"/>
+          <p:nvPr/>
+        </p:nvSpPr>
+        <p:spPr>
+          <a:xfrm>
+            <a:off x="2666358" y="2075481"/>
+            <a:ext cx="2795674" cy="246221"/>
+          </a:xfrm>
+          <a:prstGeom prst="rect">
+            <a:avLst/>
+          </a:prstGeom>
+          <a:noFill/>
+        </p:spPr>
+        <p:txBody>
+          <a:bodyPr wrap="square" rtlCol="0">
+            <a:spAutoFit/>
+          </a:bodyPr>
+          <a:lstStyle/>
+          <a:p>
+            <a:pPr algn="r"/>
+            <a:r>
+              <a:rPr kumimoji="1" lang="en-US" altLang="ko-KR" sz="1000" i="1"/>
+              <a:t>503 Service Unavailable</a:t>
+            </a:r>
+            <a:endParaRPr kumimoji="1" lang="ko-KR" altLang="en-US" sz="1000" i="1"/>
+          </a:p>
+        </p:txBody>
+      </p:sp>
+    </p:spTree>
+    <p:extLst>
+      <p:ext uri="{BB962C8B-B14F-4D97-AF65-F5344CB8AC3E}">
+        <p14:creationId xmlns:p14="http://schemas.microsoft.com/office/powerpoint/2010/main" val="30081176"/>
+      </p:ext>
+    </p:extLst>
+  </p:cSld>
+  <p:clrMapOvr>
+    <a:masterClrMapping/>
+  </p:clrMapOvr>
+</p:sld>
+</file>
+
+<file path=ppt/slides/slide9.xml><?xml version="1.0" encoding="utf-8"?>
 <p:sld xmlns:a="http://schemas.openxmlformats.org/drawingml/2006/main" xmlns:r="http://schemas.openxmlformats.org/officeDocument/2006/relationships" xmlns:p="http://schemas.openxmlformats.org/presentationml/2006/main">
   <p:cSld>
     <p:spTree>
@@ -22195,92 +23470,6 @@
     <p:extLst>
       <p:ext uri="{BB962C8B-B14F-4D97-AF65-F5344CB8AC3E}">
         <p14:creationId xmlns:p14="http://schemas.microsoft.com/office/powerpoint/2010/main" val="3122253027"/>
-      </p:ext>
-    </p:extLst>
-  </p:cSld>
-  <p:clrMapOvr>
-    <a:masterClrMapping/>
-  </p:clrMapOvr>
-</p:sld>
-</file>
-
-<file path=ppt/slides/slide9.xml><?xml version="1.0" encoding="utf-8"?>
-<p:sld xmlns:a="http://schemas.openxmlformats.org/drawingml/2006/main" xmlns:r="http://schemas.openxmlformats.org/officeDocument/2006/relationships" xmlns:p="http://schemas.openxmlformats.org/presentationml/2006/main">
-  <p:cSld>
-    <p:spTree>
-      <p:nvGrpSpPr>
-        <p:cNvPr id="1" name="">
-          <a:extLst>
-            <a:ext uri="{FF2B5EF4-FFF2-40B4-BE49-F238E27FC236}">
-              <a16:creationId xmlns:a16="http://schemas.microsoft.com/office/drawing/2014/main" id="{BCA98441-60C3-2B04-68DD-3F292947DB4D}"/>
-            </a:ext>
-          </a:extLst>
-        </p:cNvPr>
-        <p:cNvGrpSpPr/>
-        <p:nvPr/>
-      </p:nvGrpSpPr>
-      <p:grpSpPr>
-        <a:xfrm>
-          <a:off x="0" y="0"/>
-          <a:ext cx="0" cy="0"/>
-          <a:chOff x="0" y="0"/>
-          <a:chExt cx="0" cy="0"/>
-        </a:xfrm>
-      </p:grpSpPr>
-      <p:sp>
-        <p:nvSpPr>
-          <p:cNvPr id="2" name="제목 1">
-            <a:extLst>
-              <a:ext uri="{FF2B5EF4-FFF2-40B4-BE49-F238E27FC236}">
-                <a16:creationId xmlns:a16="http://schemas.microsoft.com/office/drawing/2014/main" id="{D0A3DC9F-C06B-D143-E65A-00913DD1F9AF}"/>
-              </a:ext>
-            </a:extLst>
-          </p:cNvPr>
-          <p:cNvSpPr>
-            <a:spLocks noGrp="1"/>
-          </p:cNvSpPr>
-          <p:nvPr>
-            <p:ph type="title"/>
-          </p:nvPr>
-        </p:nvSpPr>
-        <p:spPr/>
-        <p:txBody>
-          <a:bodyPr/>
-          <a:lstStyle/>
-          <a:p>
-            <a:endParaRPr lang="ko-KR" altLang="en-US"/>
-          </a:p>
-        </p:txBody>
-      </p:sp>
-      <p:sp>
-        <p:nvSpPr>
-          <p:cNvPr id="3" name="내용 개체 틀 2">
-            <a:extLst>
-              <a:ext uri="{FF2B5EF4-FFF2-40B4-BE49-F238E27FC236}">
-                <a16:creationId xmlns:a16="http://schemas.microsoft.com/office/drawing/2014/main" id="{B4A18F04-0D2F-9A0C-EC30-4AD0FBAACC21}"/>
-              </a:ext>
-            </a:extLst>
-          </p:cNvPr>
-          <p:cNvSpPr>
-            <a:spLocks noGrp="1"/>
-          </p:cNvSpPr>
-          <p:nvPr>
-            <p:ph idx="1"/>
-          </p:nvPr>
-        </p:nvSpPr>
-        <p:spPr/>
-        <p:txBody>
-          <a:bodyPr/>
-          <a:lstStyle/>
-          <a:p>
-            <a:endParaRPr lang="ko-KR" altLang="en-US"/>
-          </a:p>
-        </p:txBody>
-      </p:sp>
-    </p:spTree>
-    <p:extLst>
-      <p:ext uri="{BB962C8B-B14F-4D97-AF65-F5344CB8AC3E}">
-        <p14:creationId xmlns:p14="http://schemas.microsoft.com/office/powerpoint/2010/main" val="419798853"/>
       </p:ext>
     </p:extLst>
   </p:cSld>

--- a/content/docs/theory-analysis/istio-sidecar-proxy-access-log/images/images.pptx
+++ b/content/docs/theory-analysis/istio-sidecar-proxy-access-log/images/images.pptx
@@ -5,7 +5,7 @@
     <p:sldMasterId id="2147483648" r:id="rId1"/>
   </p:sldMasterIdLst>
   <p:notesMasterIdLst>
-    <p:notesMasterId r:id="rId28"/>
+    <p:notesMasterId r:id="rId29"/>
   </p:notesMasterIdLst>
   <p:sldIdLst>
     <p:sldId id="398" r:id="rId2"/>
@@ -16,24 +16,25 @@
     <p:sldId id="419" r:id="rId7"/>
     <p:sldId id="420" r:id="rId8"/>
     <p:sldId id="426" r:id="rId9"/>
-    <p:sldId id="424" r:id="rId10"/>
-    <p:sldId id="413" r:id="rId11"/>
-    <p:sldId id="414" r:id="rId12"/>
-    <p:sldId id="415" r:id="rId13"/>
-    <p:sldId id="403" r:id="rId14"/>
-    <p:sldId id="399" r:id="rId15"/>
-    <p:sldId id="400" r:id="rId16"/>
-    <p:sldId id="401" r:id="rId17"/>
-    <p:sldId id="402" r:id="rId18"/>
-    <p:sldId id="404" r:id="rId19"/>
-    <p:sldId id="405" r:id="rId20"/>
-    <p:sldId id="408" r:id="rId21"/>
-    <p:sldId id="407" r:id="rId22"/>
-    <p:sldId id="409" r:id="rId23"/>
-    <p:sldId id="410" r:id="rId24"/>
-    <p:sldId id="387" r:id="rId25"/>
-    <p:sldId id="411" r:id="rId26"/>
-    <p:sldId id="412" r:id="rId27"/>
+    <p:sldId id="427" r:id="rId10"/>
+    <p:sldId id="424" r:id="rId11"/>
+    <p:sldId id="413" r:id="rId12"/>
+    <p:sldId id="414" r:id="rId13"/>
+    <p:sldId id="415" r:id="rId14"/>
+    <p:sldId id="403" r:id="rId15"/>
+    <p:sldId id="399" r:id="rId16"/>
+    <p:sldId id="400" r:id="rId17"/>
+    <p:sldId id="401" r:id="rId18"/>
+    <p:sldId id="402" r:id="rId19"/>
+    <p:sldId id="404" r:id="rId20"/>
+    <p:sldId id="405" r:id="rId21"/>
+    <p:sldId id="408" r:id="rId22"/>
+    <p:sldId id="407" r:id="rId23"/>
+    <p:sldId id="409" r:id="rId24"/>
+    <p:sldId id="410" r:id="rId25"/>
+    <p:sldId id="387" r:id="rId26"/>
+    <p:sldId id="411" r:id="rId27"/>
+    <p:sldId id="412" r:id="rId28"/>
   </p:sldIdLst>
   <p:sldSz cx="9144000" cy="5143500" type="screen16x9"/>
   <p:notesSz cx="6858000" cy="9144000"/>
@@ -4367,6 +4368,92 @@
         <p:cNvPr id="1" name="">
           <a:extLst>
             <a:ext uri="{FF2B5EF4-FFF2-40B4-BE49-F238E27FC236}">
+              <a16:creationId xmlns:a16="http://schemas.microsoft.com/office/drawing/2014/main" id="{6E6DB2AF-FAF3-E1D1-9075-433C777E2804}"/>
+            </a:ext>
+          </a:extLst>
+        </p:cNvPr>
+        <p:cNvGrpSpPr/>
+        <p:nvPr/>
+      </p:nvGrpSpPr>
+      <p:grpSpPr>
+        <a:xfrm>
+          <a:off x="0" y="0"/>
+          <a:ext cx="0" cy="0"/>
+          <a:chOff x="0" y="0"/>
+          <a:chExt cx="0" cy="0"/>
+        </a:xfrm>
+      </p:grpSpPr>
+      <p:sp>
+        <p:nvSpPr>
+          <p:cNvPr id="2" name="제목 1">
+            <a:extLst>
+              <a:ext uri="{FF2B5EF4-FFF2-40B4-BE49-F238E27FC236}">
+                <a16:creationId xmlns:a16="http://schemas.microsoft.com/office/drawing/2014/main" id="{07F70D05-8619-5924-D135-698121D5F3DA}"/>
+              </a:ext>
+            </a:extLst>
+          </p:cNvPr>
+          <p:cNvSpPr>
+            <a:spLocks noGrp="1"/>
+          </p:cNvSpPr>
+          <p:nvPr>
+            <p:ph type="title"/>
+          </p:nvPr>
+        </p:nvSpPr>
+        <p:spPr/>
+        <p:txBody>
+          <a:bodyPr/>
+          <a:lstStyle/>
+          <a:p>
+            <a:endParaRPr lang="ko-KR" altLang="en-US"/>
+          </a:p>
+        </p:txBody>
+      </p:sp>
+      <p:sp>
+        <p:nvSpPr>
+          <p:cNvPr id="3" name="내용 개체 틀 2">
+            <a:extLst>
+              <a:ext uri="{FF2B5EF4-FFF2-40B4-BE49-F238E27FC236}">
+                <a16:creationId xmlns:a16="http://schemas.microsoft.com/office/drawing/2014/main" id="{A17710F4-4CD4-64F0-EB4D-F4B2214DD840}"/>
+              </a:ext>
+            </a:extLst>
+          </p:cNvPr>
+          <p:cNvSpPr>
+            <a:spLocks noGrp="1"/>
+          </p:cNvSpPr>
+          <p:nvPr>
+            <p:ph idx="1"/>
+          </p:nvPr>
+        </p:nvSpPr>
+        <p:spPr/>
+        <p:txBody>
+          <a:bodyPr/>
+          <a:lstStyle/>
+          <a:p>
+            <a:endParaRPr lang="ko-KR" altLang="en-US"/>
+          </a:p>
+        </p:txBody>
+      </p:sp>
+    </p:spTree>
+    <p:extLst>
+      <p:ext uri="{BB962C8B-B14F-4D97-AF65-F5344CB8AC3E}">
+        <p14:creationId xmlns:p14="http://schemas.microsoft.com/office/powerpoint/2010/main" val="3122253027"/>
+      </p:ext>
+    </p:extLst>
+  </p:cSld>
+  <p:clrMapOvr>
+    <a:masterClrMapping/>
+  </p:clrMapOvr>
+</p:sld>
+</file>
+
+<file path=ppt/slides/slide11.xml><?xml version="1.0" encoding="utf-8"?>
+<p:sld xmlns:a="http://schemas.openxmlformats.org/drawingml/2006/main" xmlns:r="http://schemas.openxmlformats.org/officeDocument/2006/relationships" xmlns:p="http://schemas.openxmlformats.org/presentationml/2006/main">
+  <p:cSld>
+    <p:spTree>
+      <p:nvGrpSpPr>
+        <p:cNvPr id="1" name="">
+          <a:extLst>
+            <a:ext uri="{FF2B5EF4-FFF2-40B4-BE49-F238E27FC236}">
               <a16:creationId xmlns:a16="http://schemas.microsoft.com/office/drawing/2014/main" id="{BCA98441-60C3-2B04-68DD-3F292947DB4D}"/>
             </a:ext>
           </a:extLst>
@@ -4445,7 +4532,7 @@
 </p:sld>
 </file>
 
-<file path=ppt/slides/slide11.xml><?xml version="1.0" encoding="utf-8"?>
+<file path=ppt/slides/slide12.xml><?xml version="1.0" encoding="utf-8"?>
 <p:sld xmlns:a="http://schemas.openxmlformats.org/drawingml/2006/main" xmlns:r="http://schemas.openxmlformats.org/officeDocument/2006/relationships" xmlns:p="http://schemas.openxmlformats.org/presentationml/2006/main">
   <p:cSld>
     <p:spTree>
@@ -5769,7 +5856,7 @@
 </p:sld>
 </file>
 
-<file path=ppt/slides/slide12.xml><?xml version="1.0" encoding="utf-8"?>
+<file path=ppt/slides/slide13.xml><?xml version="1.0" encoding="utf-8"?>
 <p:sld xmlns:a="http://schemas.openxmlformats.org/drawingml/2006/main" xmlns:r="http://schemas.openxmlformats.org/officeDocument/2006/relationships" xmlns:p="http://schemas.openxmlformats.org/presentationml/2006/main">
   <p:cSld>
     <p:spTree>
@@ -7093,7 +7180,7 @@
 </p:sld>
 </file>
 
-<file path=ppt/slides/slide13.xml><?xml version="1.0" encoding="utf-8"?>
+<file path=ppt/slides/slide14.xml><?xml version="1.0" encoding="utf-8"?>
 <p:sld xmlns:a="http://schemas.openxmlformats.org/drawingml/2006/main" xmlns:r="http://schemas.openxmlformats.org/officeDocument/2006/relationships" xmlns:p="http://schemas.openxmlformats.org/presentationml/2006/main">
   <p:cSld>
     <p:spTree>
@@ -7179,7 +7266,7 @@
 </p:sld>
 </file>
 
-<file path=ppt/slides/slide14.xml><?xml version="1.0" encoding="utf-8"?>
+<file path=ppt/slides/slide15.xml><?xml version="1.0" encoding="utf-8"?>
 <p:sld xmlns:a="http://schemas.openxmlformats.org/drawingml/2006/main" xmlns:r="http://schemas.openxmlformats.org/officeDocument/2006/relationships" xmlns:p="http://schemas.openxmlformats.org/presentationml/2006/main">
   <p:cSld>
     <p:spTree>
@@ -7589,7 +7676,7 @@
 </p:sld>
 </file>
 
-<file path=ppt/slides/slide15.xml><?xml version="1.0" encoding="utf-8"?>
+<file path=ppt/slides/slide16.xml><?xml version="1.0" encoding="utf-8"?>
 <p:sld xmlns:a="http://schemas.openxmlformats.org/drawingml/2006/main" xmlns:r="http://schemas.openxmlformats.org/officeDocument/2006/relationships" xmlns:p="http://schemas.openxmlformats.org/presentationml/2006/main">
   <p:cSld>
     <p:spTree>
@@ -7999,7 +8086,7 @@
 </p:sld>
 </file>
 
-<file path=ppt/slides/slide16.xml><?xml version="1.0" encoding="utf-8"?>
+<file path=ppt/slides/slide17.xml><?xml version="1.0" encoding="utf-8"?>
 <p:sld xmlns:a="http://schemas.openxmlformats.org/drawingml/2006/main" xmlns:r="http://schemas.openxmlformats.org/officeDocument/2006/relationships" xmlns:p="http://schemas.openxmlformats.org/presentationml/2006/main">
   <p:cSld>
     <p:spTree>
@@ -8408,7 +8495,7 @@
 </p:sld>
 </file>
 
-<file path=ppt/slides/slide17.xml><?xml version="1.0" encoding="utf-8"?>
+<file path=ppt/slides/slide18.xml><?xml version="1.0" encoding="utf-8"?>
 <p:sld xmlns:a="http://schemas.openxmlformats.org/drawingml/2006/main" xmlns:r="http://schemas.openxmlformats.org/officeDocument/2006/relationships" xmlns:p="http://schemas.openxmlformats.org/presentationml/2006/main">
   <p:cSld>
     <p:spTree>
@@ -8909,7 +8996,7 @@
 </p:sld>
 </file>
 
-<file path=ppt/slides/slide18.xml><?xml version="1.0" encoding="utf-8"?>
+<file path=ppt/slides/slide19.xml><?xml version="1.0" encoding="utf-8"?>
 <p:sld xmlns:a="http://schemas.openxmlformats.org/drawingml/2006/main" xmlns:r="http://schemas.openxmlformats.org/officeDocument/2006/relationships" xmlns:p="http://schemas.openxmlformats.org/presentationml/2006/main">
   <p:cSld>
     <p:spTree>
@@ -9912,1081 +9999,6 @@
     <p:extLst>
       <p:ext uri="{BB962C8B-B14F-4D97-AF65-F5344CB8AC3E}">
         <p14:creationId xmlns:p14="http://schemas.microsoft.com/office/powerpoint/2010/main" val="591218850"/>
-      </p:ext>
-    </p:extLst>
-  </p:cSld>
-  <p:clrMapOvr>
-    <a:masterClrMapping/>
-  </p:clrMapOvr>
-</p:sld>
-</file>
-
-<file path=ppt/slides/slide19.xml><?xml version="1.0" encoding="utf-8"?>
-<p:sld xmlns:a="http://schemas.openxmlformats.org/drawingml/2006/main" xmlns:r="http://schemas.openxmlformats.org/officeDocument/2006/relationships" xmlns:p="http://schemas.openxmlformats.org/presentationml/2006/main">
-  <p:cSld>
-    <p:spTree>
-      <p:nvGrpSpPr>
-        <p:cNvPr id="1" name="">
-          <a:extLst>
-            <a:ext uri="{FF2B5EF4-FFF2-40B4-BE49-F238E27FC236}">
-              <a16:creationId xmlns:a16="http://schemas.microsoft.com/office/drawing/2014/main" id="{37F64EE1-C6A4-D1CD-01C5-D8F1579D7BF0}"/>
-            </a:ext>
-          </a:extLst>
-        </p:cNvPr>
-        <p:cNvGrpSpPr/>
-        <p:nvPr/>
-      </p:nvGrpSpPr>
-      <p:grpSpPr>
-        <a:xfrm>
-          <a:off x="0" y="0"/>
-          <a:ext cx="0" cy="0"/>
-          <a:chOff x="0" y="0"/>
-          <a:chExt cx="0" cy="0"/>
-        </a:xfrm>
-      </p:grpSpPr>
-      <p:sp>
-        <p:nvSpPr>
-          <p:cNvPr id="4" name="사각형: 둥근 모서리 29">
-            <a:extLst>
-              <a:ext uri="{FF2B5EF4-FFF2-40B4-BE49-F238E27FC236}">
-                <a16:creationId xmlns:a16="http://schemas.microsoft.com/office/drawing/2014/main" id="{6EDB1EE3-920E-070E-9E90-720792CD8100}"/>
-              </a:ext>
-            </a:extLst>
-          </p:cNvPr>
-          <p:cNvSpPr/>
-          <p:nvPr/>
-        </p:nvSpPr>
-        <p:spPr>
-          <a:xfrm>
-            <a:off x="1763688" y="411510"/>
-            <a:ext cx="1164765" cy="657290"/>
-          </a:xfrm>
-          <a:prstGeom prst="roundRect">
-            <a:avLst>
-              <a:gd name="adj" fmla="val 17374"/>
-            </a:avLst>
-          </a:prstGeom>
-          <a:ln w="12700"/>
-        </p:spPr>
-        <p:style>
-          <a:lnRef idx="2">
-            <a:schemeClr val="dk1"/>
-          </a:lnRef>
-          <a:fillRef idx="1">
-            <a:schemeClr val="lt1"/>
-          </a:fillRef>
-          <a:effectRef idx="0">
-            <a:schemeClr val="dk1"/>
-          </a:effectRef>
-          <a:fontRef idx="minor">
-            <a:schemeClr val="dk1"/>
-          </a:fontRef>
-        </p:style>
-        <p:txBody>
-          <a:bodyPr rtlCol="0" anchor="ctr"/>
-          <a:lstStyle/>
-          <a:p>
-            <a:pPr algn="ctr"/>
-            <a:r>
-              <a:rPr lang="en-US" altLang="ko-KR" sz="1000" b="1"/>
-              <a:t>shell</a:t>
-            </a:r>
-          </a:p>
-          <a:p>
-            <a:pPr algn="ctr"/>
-            <a:r>
-              <a:rPr lang="en-US" altLang="ko-KR" sz="1000"/>
-              <a:t>Pod</a:t>
-            </a:r>
-            <a:endParaRPr lang="ko-KR" altLang="en-US" sz="1000"/>
-          </a:p>
-        </p:txBody>
-      </p:sp>
-      <p:sp>
-        <p:nvSpPr>
-          <p:cNvPr id="5" name="사각형: 둥근 모서리 29">
-            <a:extLst>
-              <a:ext uri="{FF2B5EF4-FFF2-40B4-BE49-F238E27FC236}">
-                <a16:creationId xmlns:a16="http://schemas.microsoft.com/office/drawing/2014/main" id="{AF2D8061-47E3-ED11-3E59-8620CE422284}"/>
-              </a:ext>
-            </a:extLst>
-          </p:cNvPr>
-          <p:cNvSpPr/>
-          <p:nvPr/>
-        </p:nvSpPr>
-        <p:spPr>
-          <a:xfrm>
-            <a:off x="5724128" y="411510"/>
-            <a:ext cx="1164765" cy="657290"/>
-          </a:xfrm>
-          <a:prstGeom prst="roundRect">
-            <a:avLst>
-              <a:gd name="adj" fmla="val 17374"/>
-            </a:avLst>
-          </a:prstGeom>
-          <a:ln w="12700"/>
-        </p:spPr>
-        <p:style>
-          <a:lnRef idx="2">
-            <a:schemeClr val="dk1"/>
-          </a:lnRef>
-          <a:fillRef idx="1">
-            <a:schemeClr val="lt1"/>
-          </a:fillRef>
-          <a:effectRef idx="0">
-            <a:schemeClr val="dk1"/>
-          </a:effectRef>
-          <a:fontRef idx="minor">
-            <a:schemeClr val="dk1"/>
-          </a:fontRef>
-        </p:style>
-        <p:txBody>
-          <a:bodyPr rtlCol="0" anchor="ctr"/>
-          <a:lstStyle/>
-          <a:p>
-            <a:pPr algn="ctr"/>
-            <a:r>
-              <a:rPr lang="en-US" altLang="ko-KR" sz="1000" b="1"/>
-              <a:t>mock-server</a:t>
-            </a:r>
-          </a:p>
-          <a:p>
-            <a:pPr algn="ctr"/>
-            <a:r>
-              <a:rPr lang="en-US" altLang="ko-KR" sz="1000"/>
-              <a:t>Pod</a:t>
-            </a:r>
-            <a:endParaRPr lang="ko-KR" altLang="en-US" sz="1000"/>
-          </a:p>
-        </p:txBody>
-      </p:sp>
-      <p:cxnSp>
-        <p:nvCxnSpPr>
-          <p:cNvPr id="8" name="Straight Arrow Connector 81">
-            <a:extLst>
-              <a:ext uri="{FF2B5EF4-FFF2-40B4-BE49-F238E27FC236}">
-                <a16:creationId xmlns:a16="http://schemas.microsoft.com/office/drawing/2014/main" id="{A3A3F3EA-04D5-106D-4E61-98B4C15CCDCB}"/>
-              </a:ext>
-            </a:extLst>
-          </p:cNvPr>
-          <p:cNvCxnSpPr>
-            <a:cxnSpLocks/>
-            <a:stCxn id="5" idx="2"/>
-          </p:cNvCxnSpPr>
-          <p:nvPr/>
-        </p:nvCxnSpPr>
-        <p:spPr>
-          <a:xfrm>
-            <a:off x="6306511" y="1068800"/>
-            <a:ext cx="0" cy="3375158"/>
-          </a:xfrm>
-          <a:prstGeom prst="straightConnector1">
-            <a:avLst/>
-          </a:prstGeom>
-          <a:ln>
-            <a:solidFill>
-              <a:schemeClr val="tx1"/>
-            </a:solidFill>
-            <a:prstDash val="dash"/>
-            <a:tailEnd type="triangle"/>
-          </a:ln>
-        </p:spPr>
-        <p:style>
-          <a:lnRef idx="1">
-            <a:schemeClr val="accent1"/>
-          </a:lnRef>
-          <a:fillRef idx="0">
-            <a:schemeClr val="accent1"/>
-          </a:fillRef>
-          <a:effectRef idx="0">
-            <a:schemeClr val="accent1"/>
-          </a:effectRef>
-          <a:fontRef idx="minor">
-            <a:schemeClr val="tx1"/>
-          </a:fontRef>
-        </p:style>
-      </p:cxnSp>
-      <p:cxnSp>
-        <p:nvCxnSpPr>
-          <p:cNvPr id="2" name="Straight Arrow Connector 81">
-            <a:extLst>
-              <a:ext uri="{FF2B5EF4-FFF2-40B4-BE49-F238E27FC236}">
-                <a16:creationId xmlns:a16="http://schemas.microsoft.com/office/drawing/2014/main" id="{235C000A-EE27-D876-2249-2378AE5E7147}"/>
-              </a:ext>
-            </a:extLst>
-          </p:cNvPr>
-          <p:cNvCxnSpPr>
-            <a:cxnSpLocks/>
-            <a:stCxn id="4" idx="2"/>
-          </p:cNvCxnSpPr>
-          <p:nvPr/>
-        </p:nvCxnSpPr>
-        <p:spPr>
-          <a:xfrm>
-            <a:off x="2346071" y="1068800"/>
-            <a:ext cx="0" cy="3375158"/>
-          </a:xfrm>
-          <a:prstGeom prst="straightConnector1">
-            <a:avLst/>
-          </a:prstGeom>
-          <a:ln>
-            <a:solidFill>
-              <a:schemeClr val="tx1"/>
-            </a:solidFill>
-            <a:prstDash val="dash"/>
-            <a:tailEnd type="triangle"/>
-          </a:ln>
-        </p:spPr>
-        <p:style>
-          <a:lnRef idx="1">
-            <a:schemeClr val="accent1"/>
-          </a:lnRef>
-          <a:fillRef idx="0">
-            <a:schemeClr val="accent1"/>
-          </a:fillRef>
-          <a:effectRef idx="0">
-            <a:schemeClr val="accent1"/>
-          </a:effectRef>
-          <a:fontRef idx="minor">
-            <a:schemeClr val="tx1"/>
-          </a:fontRef>
-        </p:style>
-      </p:cxnSp>
-      <p:cxnSp>
-        <p:nvCxnSpPr>
-          <p:cNvPr id="17" name="Straight Arrow Connector 81">
-            <a:extLst>
-              <a:ext uri="{FF2B5EF4-FFF2-40B4-BE49-F238E27FC236}">
-                <a16:creationId xmlns:a16="http://schemas.microsoft.com/office/drawing/2014/main" id="{E9698C5E-00E5-6CAA-BC6C-BD8B8DDF73D0}"/>
-              </a:ext>
-            </a:extLst>
-          </p:cNvPr>
-          <p:cNvCxnSpPr>
-            <a:cxnSpLocks/>
-          </p:cNvCxnSpPr>
-          <p:nvPr/>
-        </p:nvCxnSpPr>
-        <p:spPr>
-          <a:xfrm>
-            <a:off x="2346071" y="1203596"/>
-            <a:ext cx="3960440" cy="0"/>
-          </a:xfrm>
-          <a:prstGeom prst="straightConnector1">
-            <a:avLst/>
-          </a:prstGeom>
-          <a:ln>
-            <a:solidFill>
-              <a:schemeClr val="tx1"/>
-            </a:solidFill>
-            <a:tailEnd type="triangle"/>
-          </a:ln>
-        </p:spPr>
-        <p:style>
-          <a:lnRef idx="1">
-            <a:schemeClr val="accent1"/>
-          </a:lnRef>
-          <a:fillRef idx="0">
-            <a:schemeClr val="accent1"/>
-          </a:fillRef>
-          <a:effectRef idx="0">
-            <a:schemeClr val="accent1"/>
-          </a:effectRef>
-          <a:fontRef idx="minor">
-            <a:schemeClr val="tx1"/>
-          </a:fontRef>
-        </p:style>
-      </p:cxnSp>
-      <p:sp>
-        <p:nvSpPr>
-          <p:cNvPr id="20" name="TextBox 19">
-            <a:extLst>
-              <a:ext uri="{FF2B5EF4-FFF2-40B4-BE49-F238E27FC236}">
-                <a16:creationId xmlns:a16="http://schemas.microsoft.com/office/drawing/2014/main" id="{D75EF94A-47CB-AFD6-A77B-C7D7EC066A59}"/>
-              </a:ext>
-            </a:extLst>
-          </p:cNvPr>
-          <p:cNvSpPr txBox="1"/>
-          <p:nvPr/>
-        </p:nvSpPr>
-        <p:spPr>
-          <a:xfrm>
-            <a:off x="2928454" y="957375"/>
-            <a:ext cx="2795674" cy="246221"/>
-          </a:xfrm>
-          <a:prstGeom prst="rect">
-            <a:avLst/>
-          </a:prstGeom>
-          <a:noFill/>
-        </p:spPr>
-        <p:txBody>
-          <a:bodyPr wrap="square" rtlCol="0">
-            <a:spAutoFit/>
-          </a:bodyPr>
-          <a:lstStyle/>
-          <a:p>
-            <a:r>
-              <a:rPr kumimoji="1" lang="en-US" altLang="ko-KR" sz="1000" i="1"/>
-              <a:t>GET </a:t>
-            </a:r>
-            <a:r>
-              <a:rPr lang="en" altLang="ko-KR" sz="1000" i="1"/>
-              <a:t>mock-server:8080/status/503</a:t>
-            </a:r>
-            <a:endParaRPr kumimoji="1" lang="ko-KR" altLang="en-US" sz="1000" i="1"/>
-          </a:p>
-        </p:txBody>
-      </p:sp>
-      <p:cxnSp>
-        <p:nvCxnSpPr>
-          <p:cNvPr id="23" name="Straight Arrow Connector 81">
-            <a:extLst>
-              <a:ext uri="{FF2B5EF4-FFF2-40B4-BE49-F238E27FC236}">
-                <a16:creationId xmlns:a16="http://schemas.microsoft.com/office/drawing/2014/main" id="{236AA8F0-5F6A-22EF-0602-EBCF98A0D220}"/>
-              </a:ext>
-            </a:extLst>
-          </p:cNvPr>
-          <p:cNvCxnSpPr>
-            <a:cxnSpLocks/>
-          </p:cNvCxnSpPr>
-          <p:nvPr/>
-        </p:nvCxnSpPr>
-        <p:spPr>
-          <a:xfrm>
-            <a:off x="2346071" y="1275606"/>
-            <a:ext cx="3960440" cy="0"/>
-          </a:xfrm>
-          <a:prstGeom prst="straightConnector1">
-            <a:avLst/>
-          </a:prstGeom>
-          <a:ln>
-            <a:solidFill>
-              <a:schemeClr val="tx1"/>
-            </a:solidFill>
-            <a:headEnd type="triangle" w="med" len="med"/>
-            <a:tailEnd type="none" w="med" len="med"/>
-          </a:ln>
-        </p:spPr>
-        <p:style>
-          <a:lnRef idx="1">
-            <a:schemeClr val="accent1"/>
-          </a:lnRef>
-          <a:fillRef idx="0">
-            <a:schemeClr val="accent1"/>
-          </a:fillRef>
-          <a:effectRef idx="0">
-            <a:schemeClr val="accent1"/>
-          </a:effectRef>
-          <a:fontRef idx="minor">
-            <a:schemeClr val="tx1"/>
-          </a:fontRef>
-        </p:style>
-      </p:cxnSp>
-      <p:sp>
-        <p:nvSpPr>
-          <p:cNvPr id="24" name="TextBox 23">
-            <a:extLst>
-              <a:ext uri="{FF2B5EF4-FFF2-40B4-BE49-F238E27FC236}">
-                <a16:creationId xmlns:a16="http://schemas.microsoft.com/office/drawing/2014/main" id="{FFEB8B80-941E-DBC9-968E-589F748809D3}"/>
-              </a:ext>
-            </a:extLst>
-          </p:cNvPr>
-          <p:cNvSpPr txBox="1"/>
-          <p:nvPr/>
-        </p:nvSpPr>
-        <p:spPr>
-          <a:xfrm>
-            <a:off x="2928454" y="1275606"/>
-            <a:ext cx="2795674" cy="246221"/>
-          </a:xfrm>
-          <a:prstGeom prst="rect">
-            <a:avLst/>
-          </a:prstGeom>
-          <a:noFill/>
-        </p:spPr>
-        <p:txBody>
-          <a:bodyPr wrap="square" rtlCol="0">
-            <a:spAutoFit/>
-          </a:bodyPr>
-          <a:lstStyle/>
-          <a:p>
-            <a:pPr algn="r"/>
-            <a:r>
-              <a:rPr kumimoji="1" lang="en-US" altLang="ko-KR" sz="1000" i="1"/>
-              <a:t>503 Service Unavailable</a:t>
-            </a:r>
-            <a:endParaRPr kumimoji="1" lang="ko-KR" altLang="en-US" sz="1000" i="1"/>
-          </a:p>
-        </p:txBody>
-      </p:sp>
-      <p:cxnSp>
-        <p:nvCxnSpPr>
-          <p:cNvPr id="3" name="Straight Arrow Connector 81">
-            <a:extLst>
-              <a:ext uri="{FF2B5EF4-FFF2-40B4-BE49-F238E27FC236}">
-                <a16:creationId xmlns:a16="http://schemas.microsoft.com/office/drawing/2014/main" id="{A505907C-7434-B45A-4681-C1D870FBA351}"/>
-              </a:ext>
-            </a:extLst>
-          </p:cNvPr>
-          <p:cNvCxnSpPr>
-            <a:cxnSpLocks/>
-          </p:cNvCxnSpPr>
-          <p:nvPr/>
-        </p:nvCxnSpPr>
-        <p:spPr>
-          <a:xfrm>
-            <a:off x="2346071" y="2433535"/>
-            <a:ext cx="3960440" cy="0"/>
-          </a:xfrm>
-          <a:prstGeom prst="straightConnector1">
-            <a:avLst/>
-          </a:prstGeom>
-          <a:ln>
-            <a:solidFill>
-              <a:schemeClr val="tx1"/>
-            </a:solidFill>
-            <a:tailEnd type="triangle"/>
-          </a:ln>
-        </p:spPr>
-        <p:style>
-          <a:lnRef idx="1">
-            <a:schemeClr val="accent1"/>
-          </a:lnRef>
-          <a:fillRef idx="0">
-            <a:schemeClr val="accent1"/>
-          </a:fillRef>
-          <a:effectRef idx="0">
-            <a:schemeClr val="accent1"/>
-          </a:effectRef>
-          <a:fontRef idx="minor">
-            <a:schemeClr val="tx1"/>
-          </a:fontRef>
-        </p:style>
-      </p:cxnSp>
-      <p:sp>
-        <p:nvSpPr>
-          <p:cNvPr id="6" name="TextBox 5">
-            <a:extLst>
-              <a:ext uri="{FF2B5EF4-FFF2-40B4-BE49-F238E27FC236}">
-                <a16:creationId xmlns:a16="http://schemas.microsoft.com/office/drawing/2014/main" id="{526734C0-14D7-73C4-530D-F13A8E3E35CF}"/>
-              </a:ext>
-            </a:extLst>
-          </p:cNvPr>
-          <p:cNvSpPr txBox="1"/>
-          <p:nvPr/>
-        </p:nvSpPr>
-        <p:spPr>
-          <a:xfrm>
-            <a:off x="2928454" y="2187314"/>
-            <a:ext cx="2795674" cy="246221"/>
-          </a:xfrm>
-          <a:prstGeom prst="rect">
-            <a:avLst/>
-          </a:prstGeom>
-          <a:noFill/>
-        </p:spPr>
-        <p:txBody>
-          <a:bodyPr wrap="square" rtlCol="0">
-            <a:spAutoFit/>
-          </a:bodyPr>
-          <a:lstStyle/>
-          <a:p>
-            <a:r>
-              <a:rPr kumimoji="1" lang="en-US" altLang="ko-KR" sz="1000" i="1"/>
-              <a:t>GET </a:t>
-            </a:r>
-            <a:r>
-              <a:rPr lang="en" altLang="ko-KR" sz="1000" i="1"/>
-              <a:t>mock-server:8080/status/503</a:t>
-            </a:r>
-            <a:endParaRPr kumimoji="1" lang="ko-KR" altLang="en-US" sz="1000" i="1"/>
-          </a:p>
-        </p:txBody>
-      </p:sp>
-      <p:cxnSp>
-        <p:nvCxnSpPr>
-          <p:cNvPr id="7" name="Straight Arrow Connector 81">
-            <a:extLst>
-              <a:ext uri="{FF2B5EF4-FFF2-40B4-BE49-F238E27FC236}">
-                <a16:creationId xmlns:a16="http://schemas.microsoft.com/office/drawing/2014/main" id="{1F961F7F-60B1-4C9B-C4DC-FAA5547BD92C}"/>
-              </a:ext>
-            </a:extLst>
-          </p:cNvPr>
-          <p:cNvCxnSpPr>
-            <a:cxnSpLocks/>
-          </p:cNvCxnSpPr>
-          <p:nvPr/>
-        </p:nvCxnSpPr>
-        <p:spPr>
-          <a:xfrm>
-            <a:off x="2346071" y="2505545"/>
-            <a:ext cx="3960440" cy="0"/>
-          </a:xfrm>
-          <a:prstGeom prst="straightConnector1">
-            <a:avLst/>
-          </a:prstGeom>
-          <a:ln>
-            <a:solidFill>
-              <a:schemeClr val="tx1"/>
-            </a:solidFill>
-            <a:headEnd type="triangle" w="med" len="med"/>
-            <a:tailEnd type="none" w="med" len="med"/>
-          </a:ln>
-        </p:spPr>
-        <p:style>
-          <a:lnRef idx="1">
-            <a:schemeClr val="accent1"/>
-          </a:lnRef>
-          <a:fillRef idx="0">
-            <a:schemeClr val="accent1"/>
-          </a:fillRef>
-          <a:effectRef idx="0">
-            <a:schemeClr val="accent1"/>
-          </a:effectRef>
-          <a:fontRef idx="minor">
-            <a:schemeClr val="tx1"/>
-          </a:fontRef>
-        </p:style>
-      </p:cxnSp>
-      <p:sp>
-        <p:nvSpPr>
-          <p:cNvPr id="9" name="TextBox 8">
-            <a:extLst>
-              <a:ext uri="{FF2B5EF4-FFF2-40B4-BE49-F238E27FC236}">
-                <a16:creationId xmlns:a16="http://schemas.microsoft.com/office/drawing/2014/main" id="{40976B70-5713-6C58-8812-F1952B228034}"/>
-              </a:ext>
-            </a:extLst>
-          </p:cNvPr>
-          <p:cNvSpPr txBox="1"/>
-          <p:nvPr/>
-        </p:nvSpPr>
-        <p:spPr>
-          <a:xfrm>
-            <a:off x="2928454" y="2505545"/>
-            <a:ext cx="2795674" cy="246221"/>
-          </a:xfrm>
-          <a:prstGeom prst="rect">
-            <a:avLst/>
-          </a:prstGeom>
-          <a:noFill/>
-        </p:spPr>
-        <p:txBody>
-          <a:bodyPr wrap="square" rtlCol="0">
-            <a:spAutoFit/>
-          </a:bodyPr>
-          <a:lstStyle/>
-          <a:p>
-            <a:pPr algn="r"/>
-            <a:r>
-              <a:rPr kumimoji="1" lang="en-US" altLang="ko-KR" sz="1000" i="1"/>
-              <a:t>503 Service Unavailable</a:t>
-            </a:r>
-            <a:endParaRPr kumimoji="1" lang="ko-KR" altLang="en-US" sz="1000" i="1"/>
-          </a:p>
-        </p:txBody>
-      </p:sp>
-      <p:sp>
-        <p:nvSpPr>
-          <p:cNvPr id="10" name="타원 9">
-            <a:extLst>
-              <a:ext uri="{FF2B5EF4-FFF2-40B4-BE49-F238E27FC236}">
-                <a16:creationId xmlns:a16="http://schemas.microsoft.com/office/drawing/2014/main" id="{C9618050-C7AF-062B-E7C4-89173C887446}"/>
-              </a:ext>
-            </a:extLst>
-          </p:cNvPr>
-          <p:cNvSpPr/>
-          <p:nvPr/>
-        </p:nvSpPr>
-        <p:spPr>
-          <a:xfrm>
-            <a:off x="4285124" y="1646102"/>
-            <a:ext cx="72008" cy="72008"/>
-          </a:xfrm>
-          <a:prstGeom prst="ellipse">
-            <a:avLst/>
-          </a:prstGeom>
-          <a:solidFill>
-            <a:schemeClr val="tx1"/>
-          </a:solidFill>
-          <a:ln>
-            <a:noFill/>
-          </a:ln>
-        </p:spPr>
-        <p:style>
-          <a:lnRef idx="2">
-            <a:schemeClr val="accent1">
-              <a:shade val="15000"/>
-            </a:schemeClr>
-          </a:lnRef>
-          <a:fillRef idx="1">
-            <a:schemeClr val="accent1"/>
-          </a:fillRef>
-          <a:effectRef idx="0">
-            <a:schemeClr val="accent1"/>
-          </a:effectRef>
-          <a:fontRef idx="minor">
-            <a:schemeClr val="lt1"/>
-          </a:fontRef>
-        </p:style>
-        <p:txBody>
-          <a:bodyPr rtlCol="0" anchor="ctr"/>
-          <a:lstStyle/>
-          <a:p>
-            <a:pPr algn="ctr"/>
-            <a:endParaRPr kumimoji="1" lang="ko-KR" altLang="en-US"/>
-          </a:p>
-        </p:txBody>
-      </p:sp>
-      <p:sp>
-        <p:nvSpPr>
-          <p:cNvPr id="11" name="타원 10">
-            <a:extLst>
-              <a:ext uri="{FF2B5EF4-FFF2-40B4-BE49-F238E27FC236}">
-                <a16:creationId xmlns:a16="http://schemas.microsoft.com/office/drawing/2014/main" id="{E939AB10-34A7-D605-0FEC-CC5273246E1F}"/>
-              </a:ext>
-            </a:extLst>
-          </p:cNvPr>
-          <p:cNvSpPr/>
-          <p:nvPr/>
-        </p:nvSpPr>
-        <p:spPr>
-          <a:xfrm>
-            <a:off x="4285124" y="1798822"/>
-            <a:ext cx="72008" cy="72008"/>
-          </a:xfrm>
-          <a:prstGeom prst="ellipse">
-            <a:avLst/>
-          </a:prstGeom>
-          <a:solidFill>
-            <a:schemeClr val="tx1"/>
-          </a:solidFill>
-          <a:ln>
-            <a:noFill/>
-          </a:ln>
-        </p:spPr>
-        <p:style>
-          <a:lnRef idx="2">
-            <a:schemeClr val="accent1">
-              <a:shade val="15000"/>
-            </a:schemeClr>
-          </a:lnRef>
-          <a:fillRef idx="1">
-            <a:schemeClr val="accent1"/>
-          </a:fillRef>
-          <a:effectRef idx="0">
-            <a:schemeClr val="accent1"/>
-          </a:effectRef>
-          <a:fontRef idx="minor">
-            <a:schemeClr val="lt1"/>
-          </a:fontRef>
-        </p:style>
-        <p:txBody>
-          <a:bodyPr rtlCol="0" anchor="ctr"/>
-          <a:lstStyle/>
-          <a:p>
-            <a:pPr algn="ctr"/>
-            <a:endParaRPr kumimoji="1" lang="ko-KR" altLang="en-US"/>
-          </a:p>
-        </p:txBody>
-      </p:sp>
-      <p:sp>
-        <p:nvSpPr>
-          <p:cNvPr id="12" name="타원 11">
-            <a:extLst>
-              <a:ext uri="{FF2B5EF4-FFF2-40B4-BE49-F238E27FC236}">
-                <a16:creationId xmlns:a16="http://schemas.microsoft.com/office/drawing/2014/main" id="{C98A2DE9-970F-CB1C-36AA-4032FBBA18BF}"/>
-              </a:ext>
-            </a:extLst>
-          </p:cNvPr>
-          <p:cNvSpPr/>
-          <p:nvPr/>
-        </p:nvSpPr>
-        <p:spPr>
-          <a:xfrm>
-            <a:off x="4285124" y="1951517"/>
-            <a:ext cx="72008" cy="72008"/>
-          </a:xfrm>
-          <a:prstGeom prst="ellipse">
-            <a:avLst/>
-          </a:prstGeom>
-          <a:solidFill>
-            <a:schemeClr val="tx1"/>
-          </a:solidFill>
-          <a:ln>
-            <a:noFill/>
-          </a:ln>
-        </p:spPr>
-        <p:style>
-          <a:lnRef idx="2">
-            <a:schemeClr val="accent1">
-              <a:shade val="15000"/>
-            </a:schemeClr>
-          </a:lnRef>
-          <a:fillRef idx="1">
-            <a:schemeClr val="accent1"/>
-          </a:fillRef>
-          <a:effectRef idx="0">
-            <a:schemeClr val="accent1"/>
-          </a:effectRef>
-          <a:fontRef idx="minor">
-            <a:schemeClr val="lt1"/>
-          </a:fontRef>
-        </p:style>
-        <p:txBody>
-          <a:bodyPr rtlCol="0" anchor="ctr"/>
-          <a:lstStyle/>
-          <a:p>
-            <a:pPr algn="ctr"/>
-            <a:endParaRPr kumimoji="1" lang="ko-KR" altLang="en-US"/>
-          </a:p>
-        </p:txBody>
-      </p:sp>
-      <p:sp>
-        <p:nvSpPr>
-          <p:cNvPr id="13" name="호 12">
-            <a:extLst>
-              <a:ext uri="{FF2B5EF4-FFF2-40B4-BE49-F238E27FC236}">
-                <a16:creationId xmlns:a16="http://schemas.microsoft.com/office/drawing/2014/main" id="{6BC0E9FE-6901-32BE-471E-55F76663F12A}"/>
-              </a:ext>
-            </a:extLst>
-          </p:cNvPr>
-          <p:cNvSpPr/>
-          <p:nvPr/>
-        </p:nvSpPr>
-        <p:spPr>
-          <a:xfrm>
-            <a:off x="6168328" y="1199085"/>
-            <a:ext cx="276365" cy="1300653"/>
-          </a:xfrm>
-          <a:prstGeom prst="arc">
-            <a:avLst>
-              <a:gd name="adj1" fmla="val 16200000"/>
-              <a:gd name="adj2" fmla="val 5412057"/>
-            </a:avLst>
-          </a:prstGeom>
-          <a:ln>
-            <a:solidFill>
-              <a:schemeClr val="tx1"/>
-            </a:solidFill>
-            <a:headEnd type="none" w="med" len="med"/>
-            <a:tailEnd type="triangle" w="med" len="med"/>
-          </a:ln>
-        </p:spPr>
-        <p:style>
-          <a:lnRef idx="1">
-            <a:schemeClr val="accent1"/>
-          </a:lnRef>
-          <a:fillRef idx="0">
-            <a:schemeClr val="accent1"/>
-          </a:fillRef>
-          <a:effectRef idx="0">
-            <a:schemeClr val="accent1"/>
-          </a:effectRef>
-          <a:fontRef idx="minor">
-            <a:schemeClr val="tx1"/>
-          </a:fontRef>
-        </p:style>
-        <p:txBody>
-          <a:bodyPr rtlCol="0" anchor="ctr"/>
-          <a:lstStyle/>
-          <a:p>
-            <a:pPr algn="ctr"/>
-            <a:endParaRPr kumimoji="1" lang="ko-KR" altLang="en-US"/>
-          </a:p>
-        </p:txBody>
-      </p:sp>
-      <p:sp>
-        <p:nvSpPr>
-          <p:cNvPr id="14" name="TextBox 13">
-            <a:extLst>
-              <a:ext uri="{FF2B5EF4-FFF2-40B4-BE49-F238E27FC236}">
-                <a16:creationId xmlns:a16="http://schemas.microsoft.com/office/drawing/2014/main" id="{A526E9C5-8F09-6DFD-C895-9B8871050F8C}"/>
-              </a:ext>
-            </a:extLst>
-          </p:cNvPr>
-          <p:cNvSpPr txBox="1"/>
-          <p:nvPr/>
-        </p:nvSpPr>
-        <p:spPr>
-          <a:xfrm>
-            <a:off x="6337278" y="1726300"/>
-            <a:ext cx="689798" cy="246221"/>
-          </a:xfrm>
-          <a:prstGeom prst="rect">
-            <a:avLst/>
-          </a:prstGeom>
-          <a:noFill/>
-        </p:spPr>
-        <p:txBody>
-          <a:bodyPr wrap="square" rtlCol="0">
-            <a:spAutoFit/>
-          </a:bodyPr>
-          <a:lstStyle/>
-          <a:p>
-            <a:pPr algn="ctr"/>
-            <a:r>
-              <a:rPr kumimoji="1" lang="en-US" altLang="ko-KR" sz="1000" i="1"/>
-              <a:t>5times</a:t>
-            </a:r>
-            <a:endParaRPr kumimoji="1" lang="ko-KR" altLang="en-US" sz="1000" i="1"/>
-          </a:p>
-        </p:txBody>
-      </p:sp>
-      <p:cxnSp>
-        <p:nvCxnSpPr>
-          <p:cNvPr id="15" name="Straight Arrow Connector 81">
-            <a:extLst>
-              <a:ext uri="{FF2B5EF4-FFF2-40B4-BE49-F238E27FC236}">
-                <a16:creationId xmlns:a16="http://schemas.microsoft.com/office/drawing/2014/main" id="{1C678776-51B3-3A89-1CC4-82F261FE8D75}"/>
-              </a:ext>
-            </a:extLst>
-          </p:cNvPr>
-          <p:cNvCxnSpPr>
-            <a:cxnSpLocks/>
-          </p:cNvCxnSpPr>
-          <p:nvPr/>
-        </p:nvCxnSpPr>
-        <p:spPr>
-          <a:xfrm>
-            <a:off x="2346071" y="3092360"/>
-            <a:ext cx="569745" cy="0"/>
-          </a:xfrm>
-          <a:prstGeom prst="straightConnector1">
-            <a:avLst/>
-          </a:prstGeom>
-          <a:ln>
-            <a:solidFill>
-              <a:schemeClr val="tx1"/>
-            </a:solidFill>
-            <a:tailEnd type="triangle"/>
-          </a:ln>
-        </p:spPr>
-        <p:style>
-          <a:lnRef idx="1">
-            <a:schemeClr val="accent1"/>
-          </a:lnRef>
-          <a:fillRef idx="0">
-            <a:schemeClr val="accent1"/>
-          </a:fillRef>
-          <a:effectRef idx="0">
-            <a:schemeClr val="accent1"/>
-          </a:effectRef>
-          <a:fontRef idx="minor">
-            <a:schemeClr val="tx1"/>
-          </a:fontRef>
-        </p:style>
-      </p:cxnSp>
-      <p:sp>
-        <p:nvSpPr>
-          <p:cNvPr id="16" name="TextBox 15">
-            <a:extLst>
-              <a:ext uri="{FF2B5EF4-FFF2-40B4-BE49-F238E27FC236}">
-                <a16:creationId xmlns:a16="http://schemas.microsoft.com/office/drawing/2014/main" id="{9633C0E1-B114-BC40-EF52-15FDBA42437B}"/>
-              </a:ext>
-            </a:extLst>
-          </p:cNvPr>
-          <p:cNvSpPr txBox="1"/>
-          <p:nvPr/>
-        </p:nvSpPr>
-        <p:spPr>
-          <a:xfrm>
-            <a:off x="2928454" y="2852801"/>
-            <a:ext cx="2795674" cy="246221"/>
-          </a:xfrm>
-          <a:prstGeom prst="rect">
-            <a:avLst/>
-          </a:prstGeom>
-          <a:noFill/>
-        </p:spPr>
-        <p:txBody>
-          <a:bodyPr wrap="square" rtlCol="0">
-            <a:spAutoFit/>
-          </a:bodyPr>
-          <a:lstStyle/>
-          <a:p>
-            <a:r>
-              <a:rPr kumimoji="1" lang="en-US" altLang="ko-KR" sz="1000" i="1"/>
-              <a:t>GET </a:t>
-            </a:r>
-            <a:r>
-              <a:rPr lang="en" altLang="ko-KR" sz="1000" i="1"/>
-              <a:t>mock-server:8080/status/503</a:t>
-            </a:r>
-            <a:endParaRPr kumimoji="1" lang="ko-KR" altLang="en-US" sz="1000" i="1"/>
-          </a:p>
-        </p:txBody>
-      </p:sp>
-      <p:cxnSp>
-        <p:nvCxnSpPr>
-          <p:cNvPr id="22" name="Straight Arrow Connector 81">
-            <a:extLst>
-              <a:ext uri="{FF2B5EF4-FFF2-40B4-BE49-F238E27FC236}">
-                <a16:creationId xmlns:a16="http://schemas.microsoft.com/office/drawing/2014/main" id="{9B69D0BE-25C4-BD20-46A4-FB96B34F6C89}"/>
-              </a:ext>
-            </a:extLst>
-          </p:cNvPr>
-          <p:cNvCxnSpPr>
-            <a:cxnSpLocks/>
-          </p:cNvCxnSpPr>
-          <p:nvPr/>
-        </p:nvCxnSpPr>
-        <p:spPr>
-          <a:xfrm>
-            <a:off x="2346071" y="3337930"/>
-            <a:ext cx="569745" cy="0"/>
-          </a:xfrm>
-          <a:prstGeom prst="straightConnector1">
-            <a:avLst/>
-          </a:prstGeom>
-          <a:ln>
-            <a:solidFill>
-              <a:schemeClr val="tx1"/>
-            </a:solidFill>
-            <a:tailEnd type="triangle"/>
-          </a:ln>
-        </p:spPr>
-        <p:style>
-          <a:lnRef idx="1">
-            <a:schemeClr val="accent1"/>
-          </a:lnRef>
-          <a:fillRef idx="0">
-            <a:schemeClr val="accent1"/>
-          </a:fillRef>
-          <a:effectRef idx="0">
-            <a:schemeClr val="accent1"/>
-          </a:effectRef>
-          <a:fontRef idx="minor">
-            <a:schemeClr val="tx1"/>
-          </a:fontRef>
-        </p:style>
-      </p:cxnSp>
-      <p:sp>
-        <p:nvSpPr>
-          <p:cNvPr id="25" name="TextBox 24">
-            <a:extLst>
-              <a:ext uri="{FF2B5EF4-FFF2-40B4-BE49-F238E27FC236}">
-                <a16:creationId xmlns:a16="http://schemas.microsoft.com/office/drawing/2014/main" id="{8F5097BB-94E4-248F-8A5D-AFFAA1FA8912}"/>
-              </a:ext>
-            </a:extLst>
-          </p:cNvPr>
-          <p:cNvSpPr txBox="1"/>
-          <p:nvPr/>
-        </p:nvSpPr>
-        <p:spPr>
-          <a:xfrm>
-            <a:off x="2928454" y="3098371"/>
-            <a:ext cx="2795674" cy="246221"/>
-          </a:xfrm>
-          <a:prstGeom prst="rect">
-            <a:avLst/>
-          </a:prstGeom>
-          <a:noFill/>
-        </p:spPr>
-        <p:txBody>
-          <a:bodyPr wrap="square" rtlCol="0">
-            <a:spAutoFit/>
-          </a:bodyPr>
-          <a:lstStyle/>
-          <a:p>
-            <a:r>
-              <a:rPr kumimoji="1" lang="en-US" altLang="ko-KR" sz="1000" i="1"/>
-              <a:t>GET </a:t>
-            </a:r>
-            <a:r>
-              <a:rPr lang="en" altLang="ko-KR" sz="1000" i="1"/>
-              <a:t>mock-server:8080/status/503</a:t>
-            </a:r>
-            <a:endParaRPr kumimoji="1" lang="ko-KR" altLang="en-US" sz="1000" i="1"/>
-          </a:p>
-        </p:txBody>
-      </p:sp>
-      <p:cxnSp>
-        <p:nvCxnSpPr>
-          <p:cNvPr id="26" name="Straight Arrow Connector 81">
-            <a:extLst>
-              <a:ext uri="{FF2B5EF4-FFF2-40B4-BE49-F238E27FC236}">
-                <a16:creationId xmlns:a16="http://schemas.microsoft.com/office/drawing/2014/main" id="{5F2933BF-399D-4108-F0FE-14E3BED400C6}"/>
-              </a:ext>
-            </a:extLst>
-          </p:cNvPr>
-          <p:cNvCxnSpPr>
-            <a:cxnSpLocks/>
-          </p:cNvCxnSpPr>
-          <p:nvPr/>
-        </p:nvCxnSpPr>
-        <p:spPr>
-          <a:xfrm>
-            <a:off x="2346071" y="3584151"/>
-            <a:ext cx="569745" cy="0"/>
-          </a:xfrm>
-          <a:prstGeom prst="straightConnector1">
-            <a:avLst/>
-          </a:prstGeom>
-          <a:ln>
-            <a:solidFill>
-              <a:schemeClr val="tx1"/>
-            </a:solidFill>
-            <a:tailEnd type="triangle"/>
-          </a:ln>
-        </p:spPr>
-        <p:style>
-          <a:lnRef idx="1">
-            <a:schemeClr val="accent1"/>
-          </a:lnRef>
-          <a:fillRef idx="0">
-            <a:schemeClr val="accent1"/>
-          </a:fillRef>
-          <a:effectRef idx="0">
-            <a:schemeClr val="accent1"/>
-          </a:effectRef>
-          <a:fontRef idx="minor">
-            <a:schemeClr val="tx1"/>
-          </a:fontRef>
-        </p:style>
-      </p:cxnSp>
-      <p:sp>
-        <p:nvSpPr>
-          <p:cNvPr id="27" name="TextBox 26">
-            <a:extLst>
-              <a:ext uri="{FF2B5EF4-FFF2-40B4-BE49-F238E27FC236}">
-                <a16:creationId xmlns:a16="http://schemas.microsoft.com/office/drawing/2014/main" id="{A83006CE-677B-10C0-907B-4F6E952BE26F}"/>
-              </a:ext>
-            </a:extLst>
-          </p:cNvPr>
-          <p:cNvSpPr txBox="1"/>
-          <p:nvPr/>
-        </p:nvSpPr>
-        <p:spPr>
-          <a:xfrm>
-            <a:off x="2928454" y="3344592"/>
-            <a:ext cx="2795674" cy="246221"/>
-          </a:xfrm>
-          <a:prstGeom prst="rect">
-            <a:avLst/>
-          </a:prstGeom>
-          <a:noFill/>
-        </p:spPr>
-        <p:txBody>
-          <a:bodyPr wrap="square" rtlCol="0">
-            <a:spAutoFit/>
-          </a:bodyPr>
-          <a:lstStyle/>
-          <a:p>
-            <a:r>
-              <a:rPr kumimoji="1" lang="en-US" altLang="ko-KR" sz="1000" i="1"/>
-              <a:t>GET </a:t>
-            </a:r>
-            <a:r>
-              <a:rPr lang="en" altLang="ko-KR" sz="1000" i="1"/>
-              <a:t>mock-server:8080/status/503</a:t>
-            </a:r>
-            <a:endParaRPr kumimoji="1" lang="ko-KR" altLang="en-US" sz="1000" i="1"/>
-          </a:p>
-        </p:txBody>
-      </p:sp>
-    </p:spTree>
-    <p:extLst>
-      <p:ext uri="{BB962C8B-B14F-4D97-AF65-F5344CB8AC3E}">
-        <p14:creationId xmlns:p14="http://schemas.microsoft.com/office/powerpoint/2010/main" val="1848124166"/>
       </p:ext>
     </p:extLst>
   </p:cSld>
@@ -11090,6 +10102,1081 @@
         <p:cNvPr id="1" name="">
           <a:extLst>
             <a:ext uri="{FF2B5EF4-FFF2-40B4-BE49-F238E27FC236}">
+              <a16:creationId xmlns:a16="http://schemas.microsoft.com/office/drawing/2014/main" id="{37F64EE1-C6A4-D1CD-01C5-D8F1579D7BF0}"/>
+            </a:ext>
+          </a:extLst>
+        </p:cNvPr>
+        <p:cNvGrpSpPr/>
+        <p:nvPr/>
+      </p:nvGrpSpPr>
+      <p:grpSpPr>
+        <a:xfrm>
+          <a:off x="0" y="0"/>
+          <a:ext cx="0" cy="0"/>
+          <a:chOff x="0" y="0"/>
+          <a:chExt cx="0" cy="0"/>
+        </a:xfrm>
+      </p:grpSpPr>
+      <p:sp>
+        <p:nvSpPr>
+          <p:cNvPr id="4" name="사각형: 둥근 모서리 29">
+            <a:extLst>
+              <a:ext uri="{FF2B5EF4-FFF2-40B4-BE49-F238E27FC236}">
+                <a16:creationId xmlns:a16="http://schemas.microsoft.com/office/drawing/2014/main" id="{6EDB1EE3-920E-070E-9E90-720792CD8100}"/>
+              </a:ext>
+            </a:extLst>
+          </p:cNvPr>
+          <p:cNvSpPr/>
+          <p:nvPr/>
+        </p:nvSpPr>
+        <p:spPr>
+          <a:xfrm>
+            <a:off x="1763688" y="411510"/>
+            <a:ext cx="1164765" cy="657290"/>
+          </a:xfrm>
+          <a:prstGeom prst="roundRect">
+            <a:avLst>
+              <a:gd name="adj" fmla="val 17374"/>
+            </a:avLst>
+          </a:prstGeom>
+          <a:ln w="12700"/>
+        </p:spPr>
+        <p:style>
+          <a:lnRef idx="2">
+            <a:schemeClr val="dk1"/>
+          </a:lnRef>
+          <a:fillRef idx="1">
+            <a:schemeClr val="lt1"/>
+          </a:fillRef>
+          <a:effectRef idx="0">
+            <a:schemeClr val="dk1"/>
+          </a:effectRef>
+          <a:fontRef idx="minor">
+            <a:schemeClr val="dk1"/>
+          </a:fontRef>
+        </p:style>
+        <p:txBody>
+          <a:bodyPr rtlCol="0" anchor="ctr"/>
+          <a:lstStyle/>
+          <a:p>
+            <a:pPr algn="ctr"/>
+            <a:r>
+              <a:rPr lang="en-US" altLang="ko-KR" sz="1000" b="1"/>
+              <a:t>shell</a:t>
+            </a:r>
+          </a:p>
+          <a:p>
+            <a:pPr algn="ctr"/>
+            <a:r>
+              <a:rPr lang="en-US" altLang="ko-KR" sz="1000"/>
+              <a:t>Pod</a:t>
+            </a:r>
+            <a:endParaRPr lang="ko-KR" altLang="en-US" sz="1000"/>
+          </a:p>
+        </p:txBody>
+      </p:sp>
+      <p:sp>
+        <p:nvSpPr>
+          <p:cNvPr id="5" name="사각형: 둥근 모서리 29">
+            <a:extLst>
+              <a:ext uri="{FF2B5EF4-FFF2-40B4-BE49-F238E27FC236}">
+                <a16:creationId xmlns:a16="http://schemas.microsoft.com/office/drawing/2014/main" id="{AF2D8061-47E3-ED11-3E59-8620CE422284}"/>
+              </a:ext>
+            </a:extLst>
+          </p:cNvPr>
+          <p:cNvSpPr/>
+          <p:nvPr/>
+        </p:nvSpPr>
+        <p:spPr>
+          <a:xfrm>
+            <a:off x="5724128" y="411510"/>
+            <a:ext cx="1164765" cy="657290"/>
+          </a:xfrm>
+          <a:prstGeom prst="roundRect">
+            <a:avLst>
+              <a:gd name="adj" fmla="val 17374"/>
+            </a:avLst>
+          </a:prstGeom>
+          <a:ln w="12700"/>
+        </p:spPr>
+        <p:style>
+          <a:lnRef idx="2">
+            <a:schemeClr val="dk1"/>
+          </a:lnRef>
+          <a:fillRef idx="1">
+            <a:schemeClr val="lt1"/>
+          </a:fillRef>
+          <a:effectRef idx="0">
+            <a:schemeClr val="dk1"/>
+          </a:effectRef>
+          <a:fontRef idx="minor">
+            <a:schemeClr val="dk1"/>
+          </a:fontRef>
+        </p:style>
+        <p:txBody>
+          <a:bodyPr rtlCol="0" anchor="ctr"/>
+          <a:lstStyle/>
+          <a:p>
+            <a:pPr algn="ctr"/>
+            <a:r>
+              <a:rPr lang="en-US" altLang="ko-KR" sz="1000" b="1"/>
+              <a:t>mock-server</a:t>
+            </a:r>
+          </a:p>
+          <a:p>
+            <a:pPr algn="ctr"/>
+            <a:r>
+              <a:rPr lang="en-US" altLang="ko-KR" sz="1000"/>
+              <a:t>Pod</a:t>
+            </a:r>
+            <a:endParaRPr lang="ko-KR" altLang="en-US" sz="1000"/>
+          </a:p>
+        </p:txBody>
+      </p:sp>
+      <p:cxnSp>
+        <p:nvCxnSpPr>
+          <p:cNvPr id="8" name="Straight Arrow Connector 81">
+            <a:extLst>
+              <a:ext uri="{FF2B5EF4-FFF2-40B4-BE49-F238E27FC236}">
+                <a16:creationId xmlns:a16="http://schemas.microsoft.com/office/drawing/2014/main" id="{A3A3F3EA-04D5-106D-4E61-98B4C15CCDCB}"/>
+              </a:ext>
+            </a:extLst>
+          </p:cNvPr>
+          <p:cNvCxnSpPr>
+            <a:cxnSpLocks/>
+            <a:stCxn id="5" idx="2"/>
+          </p:cNvCxnSpPr>
+          <p:nvPr/>
+        </p:nvCxnSpPr>
+        <p:spPr>
+          <a:xfrm>
+            <a:off x="6306511" y="1068800"/>
+            <a:ext cx="0" cy="3375158"/>
+          </a:xfrm>
+          <a:prstGeom prst="straightConnector1">
+            <a:avLst/>
+          </a:prstGeom>
+          <a:ln>
+            <a:solidFill>
+              <a:schemeClr val="tx1"/>
+            </a:solidFill>
+            <a:prstDash val="dash"/>
+            <a:tailEnd type="triangle"/>
+          </a:ln>
+        </p:spPr>
+        <p:style>
+          <a:lnRef idx="1">
+            <a:schemeClr val="accent1"/>
+          </a:lnRef>
+          <a:fillRef idx="0">
+            <a:schemeClr val="accent1"/>
+          </a:fillRef>
+          <a:effectRef idx="0">
+            <a:schemeClr val="accent1"/>
+          </a:effectRef>
+          <a:fontRef idx="minor">
+            <a:schemeClr val="tx1"/>
+          </a:fontRef>
+        </p:style>
+      </p:cxnSp>
+      <p:cxnSp>
+        <p:nvCxnSpPr>
+          <p:cNvPr id="2" name="Straight Arrow Connector 81">
+            <a:extLst>
+              <a:ext uri="{FF2B5EF4-FFF2-40B4-BE49-F238E27FC236}">
+                <a16:creationId xmlns:a16="http://schemas.microsoft.com/office/drawing/2014/main" id="{235C000A-EE27-D876-2249-2378AE5E7147}"/>
+              </a:ext>
+            </a:extLst>
+          </p:cNvPr>
+          <p:cNvCxnSpPr>
+            <a:cxnSpLocks/>
+            <a:stCxn id="4" idx="2"/>
+          </p:cNvCxnSpPr>
+          <p:nvPr/>
+        </p:nvCxnSpPr>
+        <p:spPr>
+          <a:xfrm>
+            <a:off x="2346071" y="1068800"/>
+            <a:ext cx="0" cy="3375158"/>
+          </a:xfrm>
+          <a:prstGeom prst="straightConnector1">
+            <a:avLst/>
+          </a:prstGeom>
+          <a:ln>
+            <a:solidFill>
+              <a:schemeClr val="tx1"/>
+            </a:solidFill>
+            <a:prstDash val="dash"/>
+            <a:tailEnd type="triangle"/>
+          </a:ln>
+        </p:spPr>
+        <p:style>
+          <a:lnRef idx="1">
+            <a:schemeClr val="accent1"/>
+          </a:lnRef>
+          <a:fillRef idx="0">
+            <a:schemeClr val="accent1"/>
+          </a:fillRef>
+          <a:effectRef idx="0">
+            <a:schemeClr val="accent1"/>
+          </a:effectRef>
+          <a:fontRef idx="minor">
+            <a:schemeClr val="tx1"/>
+          </a:fontRef>
+        </p:style>
+      </p:cxnSp>
+      <p:cxnSp>
+        <p:nvCxnSpPr>
+          <p:cNvPr id="17" name="Straight Arrow Connector 81">
+            <a:extLst>
+              <a:ext uri="{FF2B5EF4-FFF2-40B4-BE49-F238E27FC236}">
+                <a16:creationId xmlns:a16="http://schemas.microsoft.com/office/drawing/2014/main" id="{E9698C5E-00E5-6CAA-BC6C-BD8B8DDF73D0}"/>
+              </a:ext>
+            </a:extLst>
+          </p:cNvPr>
+          <p:cNvCxnSpPr>
+            <a:cxnSpLocks/>
+          </p:cNvCxnSpPr>
+          <p:nvPr/>
+        </p:nvCxnSpPr>
+        <p:spPr>
+          <a:xfrm>
+            <a:off x="2346071" y="1203596"/>
+            <a:ext cx="3960440" cy="0"/>
+          </a:xfrm>
+          <a:prstGeom prst="straightConnector1">
+            <a:avLst/>
+          </a:prstGeom>
+          <a:ln>
+            <a:solidFill>
+              <a:schemeClr val="tx1"/>
+            </a:solidFill>
+            <a:tailEnd type="triangle"/>
+          </a:ln>
+        </p:spPr>
+        <p:style>
+          <a:lnRef idx="1">
+            <a:schemeClr val="accent1"/>
+          </a:lnRef>
+          <a:fillRef idx="0">
+            <a:schemeClr val="accent1"/>
+          </a:fillRef>
+          <a:effectRef idx="0">
+            <a:schemeClr val="accent1"/>
+          </a:effectRef>
+          <a:fontRef idx="minor">
+            <a:schemeClr val="tx1"/>
+          </a:fontRef>
+        </p:style>
+      </p:cxnSp>
+      <p:sp>
+        <p:nvSpPr>
+          <p:cNvPr id="20" name="TextBox 19">
+            <a:extLst>
+              <a:ext uri="{FF2B5EF4-FFF2-40B4-BE49-F238E27FC236}">
+                <a16:creationId xmlns:a16="http://schemas.microsoft.com/office/drawing/2014/main" id="{D75EF94A-47CB-AFD6-A77B-C7D7EC066A59}"/>
+              </a:ext>
+            </a:extLst>
+          </p:cNvPr>
+          <p:cNvSpPr txBox="1"/>
+          <p:nvPr/>
+        </p:nvSpPr>
+        <p:spPr>
+          <a:xfrm>
+            <a:off x="2928454" y="957375"/>
+            <a:ext cx="2795674" cy="246221"/>
+          </a:xfrm>
+          <a:prstGeom prst="rect">
+            <a:avLst/>
+          </a:prstGeom>
+          <a:noFill/>
+        </p:spPr>
+        <p:txBody>
+          <a:bodyPr wrap="square" rtlCol="0">
+            <a:spAutoFit/>
+          </a:bodyPr>
+          <a:lstStyle/>
+          <a:p>
+            <a:r>
+              <a:rPr kumimoji="1" lang="en-US" altLang="ko-KR" sz="1000" i="1"/>
+              <a:t>GET </a:t>
+            </a:r>
+            <a:r>
+              <a:rPr lang="en" altLang="ko-KR" sz="1000" i="1"/>
+              <a:t>mock-server:8080/status/503</a:t>
+            </a:r>
+            <a:endParaRPr kumimoji="1" lang="ko-KR" altLang="en-US" sz="1000" i="1"/>
+          </a:p>
+        </p:txBody>
+      </p:sp>
+      <p:cxnSp>
+        <p:nvCxnSpPr>
+          <p:cNvPr id="23" name="Straight Arrow Connector 81">
+            <a:extLst>
+              <a:ext uri="{FF2B5EF4-FFF2-40B4-BE49-F238E27FC236}">
+                <a16:creationId xmlns:a16="http://schemas.microsoft.com/office/drawing/2014/main" id="{236AA8F0-5F6A-22EF-0602-EBCF98A0D220}"/>
+              </a:ext>
+            </a:extLst>
+          </p:cNvPr>
+          <p:cNvCxnSpPr>
+            <a:cxnSpLocks/>
+          </p:cNvCxnSpPr>
+          <p:nvPr/>
+        </p:nvCxnSpPr>
+        <p:spPr>
+          <a:xfrm>
+            <a:off x="2346071" y="1275606"/>
+            <a:ext cx="3960440" cy="0"/>
+          </a:xfrm>
+          <a:prstGeom prst="straightConnector1">
+            <a:avLst/>
+          </a:prstGeom>
+          <a:ln>
+            <a:solidFill>
+              <a:schemeClr val="tx1"/>
+            </a:solidFill>
+            <a:headEnd type="triangle" w="med" len="med"/>
+            <a:tailEnd type="none" w="med" len="med"/>
+          </a:ln>
+        </p:spPr>
+        <p:style>
+          <a:lnRef idx="1">
+            <a:schemeClr val="accent1"/>
+          </a:lnRef>
+          <a:fillRef idx="0">
+            <a:schemeClr val="accent1"/>
+          </a:fillRef>
+          <a:effectRef idx="0">
+            <a:schemeClr val="accent1"/>
+          </a:effectRef>
+          <a:fontRef idx="minor">
+            <a:schemeClr val="tx1"/>
+          </a:fontRef>
+        </p:style>
+      </p:cxnSp>
+      <p:sp>
+        <p:nvSpPr>
+          <p:cNvPr id="24" name="TextBox 23">
+            <a:extLst>
+              <a:ext uri="{FF2B5EF4-FFF2-40B4-BE49-F238E27FC236}">
+                <a16:creationId xmlns:a16="http://schemas.microsoft.com/office/drawing/2014/main" id="{FFEB8B80-941E-DBC9-968E-589F748809D3}"/>
+              </a:ext>
+            </a:extLst>
+          </p:cNvPr>
+          <p:cNvSpPr txBox="1"/>
+          <p:nvPr/>
+        </p:nvSpPr>
+        <p:spPr>
+          <a:xfrm>
+            <a:off x="2928454" y="1275606"/>
+            <a:ext cx="2795674" cy="246221"/>
+          </a:xfrm>
+          <a:prstGeom prst="rect">
+            <a:avLst/>
+          </a:prstGeom>
+          <a:noFill/>
+        </p:spPr>
+        <p:txBody>
+          <a:bodyPr wrap="square" rtlCol="0">
+            <a:spAutoFit/>
+          </a:bodyPr>
+          <a:lstStyle/>
+          <a:p>
+            <a:pPr algn="r"/>
+            <a:r>
+              <a:rPr kumimoji="1" lang="en-US" altLang="ko-KR" sz="1000" i="1"/>
+              <a:t>503 Service Unavailable</a:t>
+            </a:r>
+            <a:endParaRPr kumimoji="1" lang="ko-KR" altLang="en-US" sz="1000" i="1"/>
+          </a:p>
+        </p:txBody>
+      </p:sp>
+      <p:cxnSp>
+        <p:nvCxnSpPr>
+          <p:cNvPr id="3" name="Straight Arrow Connector 81">
+            <a:extLst>
+              <a:ext uri="{FF2B5EF4-FFF2-40B4-BE49-F238E27FC236}">
+                <a16:creationId xmlns:a16="http://schemas.microsoft.com/office/drawing/2014/main" id="{A505907C-7434-B45A-4681-C1D870FBA351}"/>
+              </a:ext>
+            </a:extLst>
+          </p:cNvPr>
+          <p:cNvCxnSpPr>
+            <a:cxnSpLocks/>
+          </p:cNvCxnSpPr>
+          <p:nvPr/>
+        </p:nvCxnSpPr>
+        <p:spPr>
+          <a:xfrm>
+            <a:off x="2346071" y="2433535"/>
+            <a:ext cx="3960440" cy="0"/>
+          </a:xfrm>
+          <a:prstGeom prst="straightConnector1">
+            <a:avLst/>
+          </a:prstGeom>
+          <a:ln>
+            <a:solidFill>
+              <a:schemeClr val="tx1"/>
+            </a:solidFill>
+            <a:tailEnd type="triangle"/>
+          </a:ln>
+        </p:spPr>
+        <p:style>
+          <a:lnRef idx="1">
+            <a:schemeClr val="accent1"/>
+          </a:lnRef>
+          <a:fillRef idx="0">
+            <a:schemeClr val="accent1"/>
+          </a:fillRef>
+          <a:effectRef idx="0">
+            <a:schemeClr val="accent1"/>
+          </a:effectRef>
+          <a:fontRef idx="minor">
+            <a:schemeClr val="tx1"/>
+          </a:fontRef>
+        </p:style>
+      </p:cxnSp>
+      <p:sp>
+        <p:nvSpPr>
+          <p:cNvPr id="6" name="TextBox 5">
+            <a:extLst>
+              <a:ext uri="{FF2B5EF4-FFF2-40B4-BE49-F238E27FC236}">
+                <a16:creationId xmlns:a16="http://schemas.microsoft.com/office/drawing/2014/main" id="{526734C0-14D7-73C4-530D-F13A8E3E35CF}"/>
+              </a:ext>
+            </a:extLst>
+          </p:cNvPr>
+          <p:cNvSpPr txBox="1"/>
+          <p:nvPr/>
+        </p:nvSpPr>
+        <p:spPr>
+          <a:xfrm>
+            <a:off x="2928454" y="2187314"/>
+            <a:ext cx="2795674" cy="246221"/>
+          </a:xfrm>
+          <a:prstGeom prst="rect">
+            <a:avLst/>
+          </a:prstGeom>
+          <a:noFill/>
+        </p:spPr>
+        <p:txBody>
+          <a:bodyPr wrap="square" rtlCol="0">
+            <a:spAutoFit/>
+          </a:bodyPr>
+          <a:lstStyle/>
+          <a:p>
+            <a:r>
+              <a:rPr kumimoji="1" lang="en-US" altLang="ko-KR" sz="1000" i="1"/>
+              <a:t>GET </a:t>
+            </a:r>
+            <a:r>
+              <a:rPr lang="en" altLang="ko-KR" sz="1000" i="1"/>
+              <a:t>mock-server:8080/status/503</a:t>
+            </a:r>
+            <a:endParaRPr kumimoji="1" lang="ko-KR" altLang="en-US" sz="1000" i="1"/>
+          </a:p>
+        </p:txBody>
+      </p:sp>
+      <p:cxnSp>
+        <p:nvCxnSpPr>
+          <p:cNvPr id="7" name="Straight Arrow Connector 81">
+            <a:extLst>
+              <a:ext uri="{FF2B5EF4-FFF2-40B4-BE49-F238E27FC236}">
+                <a16:creationId xmlns:a16="http://schemas.microsoft.com/office/drawing/2014/main" id="{1F961F7F-60B1-4C9B-C4DC-FAA5547BD92C}"/>
+              </a:ext>
+            </a:extLst>
+          </p:cNvPr>
+          <p:cNvCxnSpPr>
+            <a:cxnSpLocks/>
+          </p:cNvCxnSpPr>
+          <p:nvPr/>
+        </p:nvCxnSpPr>
+        <p:spPr>
+          <a:xfrm>
+            <a:off x="2346071" y="2505545"/>
+            <a:ext cx="3960440" cy="0"/>
+          </a:xfrm>
+          <a:prstGeom prst="straightConnector1">
+            <a:avLst/>
+          </a:prstGeom>
+          <a:ln>
+            <a:solidFill>
+              <a:schemeClr val="tx1"/>
+            </a:solidFill>
+            <a:headEnd type="triangle" w="med" len="med"/>
+            <a:tailEnd type="none" w="med" len="med"/>
+          </a:ln>
+        </p:spPr>
+        <p:style>
+          <a:lnRef idx="1">
+            <a:schemeClr val="accent1"/>
+          </a:lnRef>
+          <a:fillRef idx="0">
+            <a:schemeClr val="accent1"/>
+          </a:fillRef>
+          <a:effectRef idx="0">
+            <a:schemeClr val="accent1"/>
+          </a:effectRef>
+          <a:fontRef idx="minor">
+            <a:schemeClr val="tx1"/>
+          </a:fontRef>
+        </p:style>
+      </p:cxnSp>
+      <p:sp>
+        <p:nvSpPr>
+          <p:cNvPr id="9" name="TextBox 8">
+            <a:extLst>
+              <a:ext uri="{FF2B5EF4-FFF2-40B4-BE49-F238E27FC236}">
+                <a16:creationId xmlns:a16="http://schemas.microsoft.com/office/drawing/2014/main" id="{40976B70-5713-6C58-8812-F1952B228034}"/>
+              </a:ext>
+            </a:extLst>
+          </p:cNvPr>
+          <p:cNvSpPr txBox="1"/>
+          <p:nvPr/>
+        </p:nvSpPr>
+        <p:spPr>
+          <a:xfrm>
+            <a:off x="2928454" y="2505545"/>
+            <a:ext cx="2795674" cy="246221"/>
+          </a:xfrm>
+          <a:prstGeom prst="rect">
+            <a:avLst/>
+          </a:prstGeom>
+          <a:noFill/>
+        </p:spPr>
+        <p:txBody>
+          <a:bodyPr wrap="square" rtlCol="0">
+            <a:spAutoFit/>
+          </a:bodyPr>
+          <a:lstStyle/>
+          <a:p>
+            <a:pPr algn="r"/>
+            <a:r>
+              <a:rPr kumimoji="1" lang="en-US" altLang="ko-KR" sz="1000" i="1"/>
+              <a:t>503 Service Unavailable</a:t>
+            </a:r>
+            <a:endParaRPr kumimoji="1" lang="ko-KR" altLang="en-US" sz="1000" i="1"/>
+          </a:p>
+        </p:txBody>
+      </p:sp>
+      <p:sp>
+        <p:nvSpPr>
+          <p:cNvPr id="10" name="타원 9">
+            <a:extLst>
+              <a:ext uri="{FF2B5EF4-FFF2-40B4-BE49-F238E27FC236}">
+                <a16:creationId xmlns:a16="http://schemas.microsoft.com/office/drawing/2014/main" id="{C9618050-C7AF-062B-E7C4-89173C887446}"/>
+              </a:ext>
+            </a:extLst>
+          </p:cNvPr>
+          <p:cNvSpPr/>
+          <p:nvPr/>
+        </p:nvSpPr>
+        <p:spPr>
+          <a:xfrm>
+            <a:off x="4285124" y="1646102"/>
+            <a:ext cx="72008" cy="72008"/>
+          </a:xfrm>
+          <a:prstGeom prst="ellipse">
+            <a:avLst/>
+          </a:prstGeom>
+          <a:solidFill>
+            <a:schemeClr val="tx1"/>
+          </a:solidFill>
+          <a:ln>
+            <a:noFill/>
+          </a:ln>
+        </p:spPr>
+        <p:style>
+          <a:lnRef idx="2">
+            <a:schemeClr val="accent1">
+              <a:shade val="15000"/>
+            </a:schemeClr>
+          </a:lnRef>
+          <a:fillRef idx="1">
+            <a:schemeClr val="accent1"/>
+          </a:fillRef>
+          <a:effectRef idx="0">
+            <a:schemeClr val="accent1"/>
+          </a:effectRef>
+          <a:fontRef idx="minor">
+            <a:schemeClr val="lt1"/>
+          </a:fontRef>
+        </p:style>
+        <p:txBody>
+          <a:bodyPr rtlCol="0" anchor="ctr"/>
+          <a:lstStyle/>
+          <a:p>
+            <a:pPr algn="ctr"/>
+            <a:endParaRPr kumimoji="1" lang="ko-KR" altLang="en-US"/>
+          </a:p>
+        </p:txBody>
+      </p:sp>
+      <p:sp>
+        <p:nvSpPr>
+          <p:cNvPr id="11" name="타원 10">
+            <a:extLst>
+              <a:ext uri="{FF2B5EF4-FFF2-40B4-BE49-F238E27FC236}">
+                <a16:creationId xmlns:a16="http://schemas.microsoft.com/office/drawing/2014/main" id="{E939AB10-34A7-D605-0FEC-CC5273246E1F}"/>
+              </a:ext>
+            </a:extLst>
+          </p:cNvPr>
+          <p:cNvSpPr/>
+          <p:nvPr/>
+        </p:nvSpPr>
+        <p:spPr>
+          <a:xfrm>
+            <a:off x="4285124" y="1798822"/>
+            <a:ext cx="72008" cy="72008"/>
+          </a:xfrm>
+          <a:prstGeom prst="ellipse">
+            <a:avLst/>
+          </a:prstGeom>
+          <a:solidFill>
+            <a:schemeClr val="tx1"/>
+          </a:solidFill>
+          <a:ln>
+            <a:noFill/>
+          </a:ln>
+        </p:spPr>
+        <p:style>
+          <a:lnRef idx="2">
+            <a:schemeClr val="accent1">
+              <a:shade val="15000"/>
+            </a:schemeClr>
+          </a:lnRef>
+          <a:fillRef idx="1">
+            <a:schemeClr val="accent1"/>
+          </a:fillRef>
+          <a:effectRef idx="0">
+            <a:schemeClr val="accent1"/>
+          </a:effectRef>
+          <a:fontRef idx="minor">
+            <a:schemeClr val="lt1"/>
+          </a:fontRef>
+        </p:style>
+        <p:txBody>
+          <a:bodyPr rtlCol="0" anchor="ctr"/>
+          <a:lstStyle/>
+          <a:p>
+            <a:pPr algn="ctr"/>
+            <a:endParaRPr kumimoji="1" lang="ko-KR" altLang="en-US"/>
+          </a:p>
+        </p:txBody>
+      </p:sp>
+      <p:sp>
+        <p:nvSpPr>
+          <p:cNvPr id="12" name="타원 11">
+            <a:extLst>
+              <a:ext uri="{FF2B5EF4-FFF2-40B4-BE49-F238E27FC236}">
+                <a16:creationId xmlns:a16="http://schemas.microsoft.com/office/drawing/2014/main" id="{C98A2DE9-970F-CB1C-36AA-4032FBBA18BF}"/>
+              </a:ext>
+            </a:extLst>
+          </p:cNvPr>
+          <p:cNvSpPr/>
+          <p:nvPr/>
+        </p:nvSpPr>
+        <p:spPr>
+          <a:xfrm>
+            <a:off x="4285124" y="1951517"/>
+            <a:ext cx="72008" cy="72008"/>
+          </a:xfrm>
+          <a:prstGeom prst="ellipse">
+            <a:avLst/>
+          </a:prstGeom>
+          <a:solidFill>
+            <a:schemeClr val="tx1"/>
+          </a:solidFill>
+          <a:ln>
+            <a:noFill/>
+          </a:ln>
+        </p:spPr>
+        <p:style>
+          <a:lnRef idx="2">
+            <a:schemeClr val="accent1">
+              <a:shade val="15000"/>
+            </a:schemeClr>
+          </a:lnRef>
+          <a:fillRef idx="1">
+            <a:schemeClr val="accent1"/>
+          </a:fillRef>
+          <a:effectRef idx="0">
+            <a:schemeClr val="accent1"/>
+          </a:effectRef>
+          <a:fontRef idx="minor">
+            <a:schemeClr val="lt1"/>
+          </a:fontRef>
+        </p:style>
+        <p:txBody>
+          <a:bodyPr rtlCol="0" anchor="ctr"/>
+          <a:lstStyle/>
+          <a:p>
+            <a:pPr algn="ctr"/>
+            <a:endParaRPr kumimoji="1" lang="ko-KR" altLang="en-US"/>
+          </a:p>
+        </p:txBody>
+      </p:sp>
+      <p:sp>
+        <p:nvSpPr>
+          <p:cNvPr id="13" name="호 12">
+            <a:extLst>
+              <a:ext uri="{FF2B5EF4-FFF2-40B4-BE49-F238E27FC236}">
+                <a16:creationId xmlns:a16="http://schemas.microsoft.com/office/drawing/2014/main" id="{6BC0E9FE-6901-32BE-471E-55F76663F12A}"/>
+              </a:ext>
+            </a:extLst>
+          </p:cNvPr>
+          <p:cNvSpPr/>
+          <p:nvPr/>
+        </p:nvSpPr>
+        <p:spPr>
+          <a:xfrm>
+            <a:off x="6168328" y="1199085"/>
+            <a:ext cx="276365" cy="1300653"/>
+          </a:xfrm>
+          <a:prstGeom prst="arc">
+            <a:avLst>
+              <a:gd name="adj1" fmla="val 16200000"/>
+              <a:gd name="adj2" fmla="val 5412057"/>
+            </a:avLst>
+          </a:prstGeom>
+          <a:ln>
+            <a:solidFill>
+              <a:schemeClr val="tx1"/>
+            </a:solidFill>
+            <a:headEnd type="none" w="med" len="med"/>
+            <a:tailEnd type="triangle" w="med" len="med"/>
+          </a:ln>
+        </p:spPr>
+        <p:style>
+          <a:lnRef idx="1">
+            <a:schemeClr val="accent1"/>
+          </a:lnRef>
+          <a:fillRef idx="0">
+            <a:schemeClr val="accent1"/>
+          </a:fillRef>
+          <a:effectRef idx="0">
+            <a:schemeClr val="accent1"/>
+          </a:effectRef>
+          <a:fontRef idx="minor">
+            <a:schemeClr val="tx1"/>
+          </a:fontRef>
+        </p:style>
+        <p:txBody>
+          <a:bodyPr rtlCol="0" anchor="ctr"/>
+          <a:lstStyle/>
+          <a:p>
+            <a:pPr algn="ctr"/>
+            <a:endParaRPr kumimoji="1" lang="ko-KR" altLang="en-US"/>
+          </a:p>
+        </p:txBody>
+      </p:sp>
+      <p:sp>
+        <p:nvSpPr>
+          <p:cNvPr id="14" name="TextBox 13">
+            <a:extLst>
+              <a:ext uri="{FF2B5EF4-FFF2-40B4-BE49-F238E27FC236}">
+                <a16:creationId xmlns:a16="http://schemas.microsoft.com/office/drawing/2014/main" id="{A526E9C5-8F09-6DFD-C895-9B8871050F8C}"/>
+              </a:ext>
+            </a:extLst>
+          </p:cNvPr>
+          <p:cNvSpPr txBox="1"/>
+          <p:nvPr/>
+        </p:nvSpPr>
+        <p:spPr>
+          <a:xfrm>
+            <a:off x="6337278" y="1726300"/>
+            <a:ext cx="689798" cy="246221"/>
+          </a:xfrm>
+          <a:prstGeom prst="rect">
+            <a:avLst/>
+          </a:prstGeom>
+          <a:noFill/>
+        </p:spPr>
+        <p:txBody>
+          <a:bodyPr wrap="square" rtlCol="0">
+            <a:spAutoFit/>
+          </a:bodyPr>
+          <a:lstStyle/>
+          <a:p>
+            <a:pPr algn="ctr"/>
+            <a:r>
+              <a:rPr kumimoji="1" lang="en-US" altLang="ko-KR" sz="1000" i="1"/>
+              <a:t>5times</a:t>
+            </a:r>
+            <a:endParaRPr kumimoji="1" lang="ko-KR" altLang="en-US" sz="1000" i="1"/>
+          </a:p>
+        </p:txBody>
+      </p:sp>
+      <p:cxnSp>
+        <p:nvCxnSpPr>
+          <p:cNvPr id="15" name="Straight Arrow Connector 81">
+            <a:extLst>
+              <a:ext uri="{FF2B5EF4-FFF2-40B4-BE49-F238E27FC236}">
+                <a16:creationId xmlns:a16="http://schemas.microsoft.com/office/drawing/2014/main" id="{1C678776-51B3-3A89-1CC4-82F261FE8D75}"/>
+              </a:ext>
+            </a:extLst>
+          </p:cNvPr>
+          <p:cNvCxnSpPr>
+            <a:cxnSpLocks/>
+          </p:cNvCxnSpPr>
+          <p:nvPr/>
+        </p:nvCxnSpPr>
+        <p:spPr>
+          <a:xfrm>
+            <a:off x="2346071" y="3092360"/>
+            <a:ext cx="569745" cy="0"/>
+          </a:xfrm>
+          <a:prstGeom prst="straightConnector1">
+            <a:avLst/>
+          </a:prstGeom>
+          <a:ln>
+            <a:solidFill>
+              <a:schemeClr val="tx1"/>
+            </a:solidFill>
+            <a:tailEnd type="triangle"/>
+          </a:ln>
+        </p:spPr>
+        <p:style>
+          <a:lnRef idx="1">
+            <a:schemeClr val="accent1"/>
+          </a:lnRef>
+          <a:fillRef idx="0">
+            <a:schemeClr val="accent1"/>
+          </a:fillRef>
+          <a:effectRef idx="0">
+            <a:schemeClr val="accent1"/>
+          </a:effectRef>
+          <a:fontRef idx="minor">
+            <a:schemeClr val="tx1"/>
+          </a:fontRef>
+        </p:style>
+      </p:cxnSp>
+      <p:sp>
+        <p:nvSpPr>
+          <p:cNvPr id="16" name="TextBox 15">
+            <a:extLst>
+              <a:ext uri="{FF2B5EF4-FFF2-40B4-BE49-F238E27FC236}">
+                <a16:creationId xmlns:a16="http://schemas.microsoft.com/office/drawing/2014/main" id="{9633C0E1-B114-BC40-EF52-15FDBA42437B}"/>
+              </a:ext>
+            </a:extLst>
+          </p:cNvPr>
+          <p:cNvSpPr txBox="1"/>
+          <p:nvPr/>
+        </p:nvSpPr>
+        <p:spPr>
+          <a:xfrm>
+            <a:off x="2928454" y="2852801"/>
+            <a:ext cx="2795674" cy="246221"/>
+          </a:xfrm>
+          <a:prstGeom prst="rect">
+            <a:avLst/>
+          </a:prstGeom>
+          <a:noFill/>
+        </p:spPr>
+        <p:txBody>
+          <a:bodyPr wrap="square" rtlCol="0">
+            <a:spAutoFit/>
+          </a:bodyPr>
+          <a:lstStyle/>
+          <a:p>
+            <a:r>
+              <a:rPr kumimoji="1" lang="en-US" altLang="ko-KR" sz="1000" i="1"/>
+              <a:t>GET </a:t>
+            </a:r>
+            <a:r>
+              <a:rPr lang="en" altLang="ko-KR" sz="1000" i="1"/>
+              <a:t>mock-server:8080/status/503</a:t>
+            </a:r>
+            <a:endParaRPr kumimoji="1" lang="ko-KR" altLang="en-US" sz="1000" i="1"/>
+          </a:p>
+        </p:txBody>
+      </p:sp>
+      <p:cxnSp>
+        <p:nvCxnSpPr>
+          <p:cNvPr id="22" name="Straight Arrow Connector 81">
+            <a:extLst>
+              <a:ext uri="{FF2B5EF4-FFF2-40B4-BE49-F238E27FC236}">
+                <a16:creationId xmlns:a16="http://schemas.microsoft.com/office/drawing/2014/main" id="{9B69D0BE-25C4-BD20-46A4-FB96B34F6C89}"/>
+              </a:ext>
+            </a:extLst>
+          </p:cNvPr>
+          <p:cNvCxnSpPr>
+            <a:cxnSpLocks/>
+          </p:cNvCxnSpPr>
+          <p:nvPr/>
+        </p:nvCxnSpPr>
+        <p:spPr>
+          <a:xfrm>
+            <a:off x="2346071" y="3337930"/>
+            <a:ext cx="569745" cy="0"/>
+          </a:xfrm>
+          <a:prstGeom prst="straightConnector1">
+            <a:avLst/>
+          </a:prstGeom>
+          <a:ln>
+            <a:solidFill>
+              <a:schemeClr val="tx1"/>
+            </a:solidFill>
+            <a:tailEnd type="triangle"/>
+          </a:ln>
+        </p:spPr>
+        <p:style>
+          <a:lnRef idx="1">
+            <a:schemeClr val="accent1"/>
+          </a:lnRef>
+          <a:fillRef idx="0">
+            <a:schemeClr val="accent1"/>
+          </a:fillRef>
+          <a:effectRef idx="0">
+            <a:schemeClr val="accent1"/>
+          </a:effectRef>
+          <a:fontRef idx="minor">
+            <a:schemeClr val="tx1"/>
+          </a:fontRef>
+        </p:style>
+      </p:cxnSp>
+      <p:sp>
+        <p:nvSpPr>
+          <p:cNvPr id="25" name="TextBox 24">
+            <a:extLst>
+              <a:ext uri="{FF2B5EF4-FFF2-40B4-BE49-F238E27FC236}">
+                <a16:creationId xmlns:a16="http://schemas.microsoft.com/office/drawing/2014/main" id="{8F5097BB-94E4-248F-8A5D-AFFAA1FA8912}"/>
+              </a:ext>
+            </a:extLst>
+          </p:cNvPr>
+          <p:cNvSpPr txBox="1"/>
+          <p:nvPr/>
+        </p:nvSpPr>
+        <p:spPr>
+          <a:xfrm>
+            <a:off x="2928454" y="3098371"/>
+            <a:ext cx="2795674" cy="246221"/>
+          </a:xfrm>
+          <a:prstGeom prst="rect">
+            <a:avLst/>
+          </a:prstGeom>
+          <a:noFill/>
+        </p:spPr>
+        <p:txBody>
+          <a:bodyPr wrap="square" rtlCol="0">
+            <a:spAutoFit/>
+          </a:bodyPr>
+          <a:lstStyle/>
+          <a:p>
+            <a:r>
+              <a:rPr kumimoji="1" lang="en-US" altLang="ko-KR" sz="1000" i="1"/>
+              <a:t>GET </a:t>
+            </a:r>
+            <a:r>
+              <a:rPr lang="en" altLang="ko-KR" sz="1000" i="1"/>
+              <a:t>mock-server:8080/status/503</a:t>
+            </a:r>
+            <a:endParaRPr kumimoji="1" lang="ko-KR" altLang="en-US" sz="1000" i="1"/>
+          </a:p>
+        </p:txBody>
+      </p:sp>
+      <p:cxnSp>
+        <p:nvCxnSpPr>
+          <p:cNvPr id="26" name="Straight Arrow Connector 81">
+            <a:extLst>
+              <a:ext uri="{FF2B5EF4-FFF2-40B4-BE49-F238E27FC236}">
+                <a16:creationId xmlns:a16="http://schemas.microsoft.com/office/drawing/2014/main" id="{5F2933BF-399D-4108-F0FE-14E3BED400C6}"/>
+              </a:ext>
+            </a:extLst>
+          </p:cNvPr>
+          <p:cNvCxnSpPr>
+            <a:cxnSpLocks/>
+          </p:cNvCxnSpPr>
+          <p:nvPr/>
+        </p:nvCxnSpPr>
+        <p:spPr>
+          <a:xfrm>
+            <a:off x="2346071" y="3584151"/>
+            <a:ext cx="569745" cy="0"/>
+          </a:xfrm>
+          <a:prstGeom prst="straightConnector1">
+            <a:avLst/>
+          </a:prstGeom>
+          <a:ln>
+            <a:solidFill>
+              <a:schemeClr val="tx1"/>
+            </a:solidFill>
+            <a:tailEnd type="triangle"/>
+          </a:ln>
+        </p:spPr>
+        <p:style>
+          <a:lnRef idx="1">
+            <a:schemeClr val="accent1"/>
+          </a:lnRef>
+          <a:fillRef idx="0">
+            <a:schemeClr val="accent1"/>
+          </a:fillRef>
+          <a:effectRef idx="0">
+            <a:schemeClr val="accent1"/>
+          </a:effectRef>
+          <a:fontRef idx="minor">
+            <a:schemeClr val="tx1"/>
+          </a:fontRef>
+        </p:style>
+      </p:cxnSp>
+      <p:sp>
+        <p:nvSpPr>
+          <p:cNvPr id="27" name="TextBox 26">
+            <a:extLst>
+              <a:ext uri="{FF2B5EF4-FFF2-40B4-BE49-F238E27FC236}">
+                <a16:creationId xmlns:a16="http://schemas.microsoft.com/office/drawing/2014/main" id="{A83006CE-677B-10C0-907B-4F6E952BE26F}"/>
+              </a:ext>
+            </a:extLst>
+          </p:cNvPr>
+          <p:cNvSpPr txBox="1"/>
+          <p:nvPr/>
+        </p:nvSpPr>
+        <p:spPr>
+          <a:xfrm>
+            <a:off x="2928454" y="3344592"/>
+            <a:ext cx="2795674" cy="246221"/>
+          </a:xfrm>
+          <a:prstGeom prst="rect">
+            <a:avLst/>
+          </a:prstGeom>
+          <a:noFill/>
+        </p:spPr>
+        <p:txBody>
+          <a:bodyPr wrap="square" rtlCol="0">
+            <a:spAutoFit/>
+          </a:bodyPr>
+          <a:lstStyle/>
+          <a:p>
+            <a:r>
+              <a:rPr kumimoji="1" lang="en-US" altLang="ko-KR" sz="1000" i="1"/>
+              <a:t>GET </a:t>
+            </a:r>
+            <a:r>
+              <a:rPr lang="en" altLang="ko-KR" sz="1000" i="1"/>
+              <a:t>mock-server:8080/status/503</a:t>
+            </a:r>
+            <a:endParaRPr kumimoji="1" lang="ko-KR" altLang="en-US" sz="1000" i="1"/>
+          </a:p>
+        </p:txBody>
+      </p:sp>
+    </p:spTree>
+    <p:extLst>
+      <p:ext uri="{BB962C8B-B14F-4D97-AF65-F5344CB8AC3E}">
+        <p14:creationId xmlns:p14="http://schemas.microsoft.com/office/powerpoint/2010/main" val="1848124166"/>
+      </p:ext>
+    </p:extLst>
+  </p:cSld>
+  <p:clrMapOvr>
+    <a:masterClrMapping/>
+  </p:clrMapOvr>
+</p:sld>
+</file>
+
+<file path=ppt/slides/slide21.xml><?xml version="1.0" encoding="utf-8"?>
+<p:sld xmlns:a="http://schemas.openxmlformats.org/drawingml/2006/main" xmlns:r="http://schemas.openxmlformats.org/officeDocument/2006/relationships" xmlns:p="http://schemas.openxmlformats.org/presentationml/2006/main">
+  <p:cSld>
+    <p:spTree>
+      <p:nvGrpSpPr>
+        <p:cNvPr id="1" name="">
+          <a:extLst>
+            <a:ext uri="{FF2B5EF4-FFF2-40B4-BE49-F238E27FC236}">
               <a16:creationId xmlns:a16="http://schemas.microsoft.com/office/drawing/2014/main" id="{94E9846E-93DE-7B46-CFF0-5CA363A99B38}"/>
             </a:ext>
           </a:extLst>
@@ -12100,7 +12187,7 @@
 </p:sld>
 </file>
 
-<file path=ppt/slides/slide21.xml><?xml version="1.0" encoding="utf-8"?>
+<file path=ppt/slides/slide22.xml><?xml version="1.0" encoding="utf-8"?>
 <p:sld xmlns:a="http://schemas.openxmlformats.org/drawingml/2006/main" xmlns:r="http://schemas.openxmlformats.org/officeDocument/2006/relationships" xmlns:p="http://schemas.openxmlformats.org/presentationml/2006/main">
   <p:cSld>
     <p:spTree>
@@ -13528,7 +13615,7 @@
 </p:sld>
 </file>
 
-<file path=ppt/slides/slide22.xml><?xml version="1.0" encoding="utf-8"?>
+<file path=ppt/slides/slide23.xml><?xml version="1.0" encoding="utf-8"?>
 <p:sld xmlns:a="http://schemas.openxmlformats.org/drawingml/2006/main" xmlns:r="http://schemas.openxmlformats.org/officeDocument/2006/relationships" xmlns:p="http://schemas.openxmlformats.org/presentationml/2006/main">
   <p:cSld>
     <p:spTree>
@@ -14952,7 +15039,7 @@
 </p:sld>
 </file>
 
-<file path=ppt/slides/slide23.xml><?xml version="1.0" encoding="utf-8"?>
+<file path=ppt/slides/slide24.xml><?xml version="1.0" encoding="utf-8"?>
 <p:sld xmlns:a="http://schemas.openxmlformats.org/drawingml/2006/main" xmlns:r="http://schemas.openxmlformats.org/officeDocument/2006/relationships" xmlns:p="http://schemas.openxmlformats.org/presentationml/2006/main">
   <p:cSld>
     <p:spTree>
@@ -15282,7 +15369,7 @@
 </p:sld>
 </file>
 
-<file path=ppt/slides/slide24.xml><?xml version="1.0" encoding="utf-8"?>
+<file path=ppt/slides/slide25.xml><?xml version="1.0" encoding="utf-8"?>
 <p:sld xmlns:a="http://schemas.openxmlformats.org/drawingml/2006/main" xmlns:r="http://schemas.openxmlformats.org/officeDocument/2006/relationships" xmlns:p="http://schemas.openxmlformats.org/presentationml/2006/main">
   <p:cSld>
     <p:spTree>
@@ -15362,7 +15449,7 @@
 </p:sld>
 </file>
 
-<file path=ppt/slides/slide25.xml><?xml version="1.0" encoding="utf-8"?>
+<file path=ppt/slides/slide26.xml><?xml version="1.0" encoding="utf-8"?>
 <p:sld xmlns:a="http://schemas.openxmlformats.org/drawingml/2006/main" xmlns:r="http://schemas.openxmlformats.org/officeDocument/2006/relationships" xmlns:p="http://schemas.openxmlformats.org/presentationml/2006/main">
   <p:cSld>
     <p:spTree>
@@ -15853,7 +15940,7 @@
 </p:sld>
 </file>
 
-<file path=ppt/slides/slide26.xml><?xml version="1.0" encoding="utf-8"?>
+<file path=ppt/slides/slide27.xml><?xml version="1.0" encoding="utf-8"?>
 <p:sld xmlns:a="http://schemas.openxmlformats.org/drawingml/2006/main" xmlns:r="http://schemas.openxmlformats.org/officeDocument/2006/relationships" xmlns:p="http://schemas.openxmlformats.org/presentationml/2006/main">
   <p:cSld>
     <p:spTree>
@@ -19380,7 +19467,7 @@
           <a:p>
             <a:r>
               <a:rPr kumimoji="1" lang="en-US" altLang="ko-KR" sz="1000" i="1"/>
-              <a:t>TCP FIN</a:t>
+              <a:t>TCP FIN (Ctrl + C)</a:t>
             </a:r>
             <a:endParaRPr kumimoji="1" lang="ko-KR" altLang="en-US" sz="1000" i="1"/>
           </a:p>
@@ -23401,7 +23488,7 @@
         <p:cNvPr id="1" name="">
           <a:extLst>
             <a:ext uri="{FF2B5EF4-FFF2-40B4-BE49-F238E27FC236}">
-              <a16:creationId xmlns:a16="http://schemas.microsoft.com/office/drawing/2014/main" id="{6E6DB2AF-FAF3-E1D1-9075-433C777E2804}"/>
+              <a16:creationId xmlns:a16="http://schemas.microsoft.com/office/drawing/2014/main" id="{FBF64DB9-DB25-7B55-A780-C05EC3013CF0}"/>
             </a:ext>
           </a:extLst>
         </p:cNvPr>
@@ -23418,58 +23505,2223 @@
       </p:grpSpPr>
       <p:sp>
         <p:nvSpPr>
-          <p:cNvPr id="2" name="제목 1">
-            <a:extLst>
-              <a:ext uri="{FF2B5EF4-FFF2-40B4-BE49-F238E27FC236}">
-                <a16:creationId xmlns:a16="http://schemas.microsoft.com/office/drawing/2014/main" id="{07F70D05-8619-5924-D135-698121D5F3DA}"/>
-              </a:ext>
-            </a:extLst>
-          </p:cNvPr>
-          <p:cNvSpPr>
-            <a:spLocks noGrp="1"/>
-          </p:cNvSpPr>
-          <p:nvPr>
-            <p:ph type="title"/>
-          </p:nvPr>
-        </p:nvSpPr>
-        <p:spPr/>
-        <p:txBody>
-          <a:bodyPr/>
-          <a:lstStyle/>
-          <a:p>
-            <a:endParaRPr lang="ko-KR" altLang="en-US"/>
-          </a:p>
-        </p:txBody>
-      </p:sp>
-      <p:sp>
-        <p:nvSpPr>
-          <p:cNvPr id="3" name="내용 개체 틀 2">
-            <a:extLst>
-              <a:ext uri="{FF2B5EF4-FFF2-40B4-BE49-F238E27FC236}">
-                <a16:creationId xmlns:a16="http://schemas.microsoft.com/office/drawing/2014/main" id="{A17710F4-4CD4-64F0-EB4D-F4B2214DD840}"/>
-              </a:ext>
-            </a:extLst>
-          </p:cNvPr>
-          <p:cNvSpPr>
-            <a:spLocks noGrp="1"/>
-          </p:cNvSpPr>
-          <p:nvPr>
-            <p:ph idx="1"/>
-          </p:nvPr>
-        </p:nvSpPr>
-        <p:spPr/>
-        <p:txBody>
-          <a:bodyPr/>
-          <a:lstStyle/>
-          <a:p>
-            <a:endParaRPr lang="ko-KR" altLang="en-US"/>
+          <p:cNvPr id="3" name="사각형: 둥근 모서리 29">
+            <a:extLst>
+              <a:ext uri="{FF2B5EF4-FFF2-40B4-BE49-F238E27FC236}">
+                <a16:creationId xmlns:a16="http://schemas.microsoft.com/office/drawing/2014/main" id="{AD5F6151-EA1B-6FCB-F683-785904D3F838}"/>
+              </a:ext>
+            </a:extLst>
+          </p:cNvPr>
+          <p:cNvSpPr/>
+          <p:nvPr/>
+        </p:nvSpPr>
+        <p:spPr>
+          <a:xfrm>
+            <a:off x="179512" y="123478"/>
+            <a:ext cx="4032448" cy="600168"/>
+          </a:xfrm>
+          <a:prstGeom prst="roundRect">
+            <a:avLst>
+              <a:gd name="adj" fmla="val 10124"/>
+            </a:avLst>
+          </a:prstGeom>
+          <a:ln w="12700"/>
+        </p:spPr>
+        <p:style>
+          <a:lnRef idx="2">
+            <a:schemeClr val="dk1"/>
+          </a:lnRef>
+          <a:fillRef idx="1">
+            <a:schemeClr val="lt1"/>
+          </a:fillRef>
+          <a:effectRef idx="0">
+            <a:schemeClr val="dk1"/>
+          </a:effectRef>
+          <a:fontRef idx="minor">
+            <a:schemeClr val="dk1"/>
+          </a:fontRef>
+        </p:style>
+        <p:txBody>
+          <a:bodyPr rtlCol="0" anchor="t"/>
+          <a:lstStyle/>
+          <a:p>
+            <a:pPr algn="ctr"/>
+            <a:r>
+              <a:rPr lang="en-US" altLang="ko-KR" sz="1000" b="1"/>
+              <a:t>shell </a:t>
+            </a:r>
+            <a:r>
+              <a:rPr lang="en-US" altLang="ko-KR" sz="1000"/>
+              <a:t>Pod</a:t>
+            </a:r>
+          </a:p>
+        </p:txBody>
+      </p:sp>
+      <p:sp>
+        <p:nvSpPr>
+          <p:cNvPr id="6" name="사각형: 둥근 모서리 29">
+            <a:extLst>
+              <a:ext uri="{FF2B5EF4-FFF2-40B4-BE49-F238E27FC236}">
+                <a16:creationId xmlns:a16="http://schemas.microsoft.com/office/drawing/2014/main" id="{6657442A-2628-7974-3DD0-119FC1B591E6}"/>
+              </a:ext>
+            </a:extLst>
+          </p:cNvPr>
+          <p:cNvSpPr/>
+          <p:nvPr/>
+        </p:nvSpPr>
+        <p:spPr>
+          <a:xfrm>
+            <a:off x="3236328" y="195486"/>
+            <a:ext cx="891282" cy="439396"/>
+          </a:xfrm>
+          <a:prstGeom prst="roundRect">
+            <a:avLst>
+              <a:gd name="adj" fmla="val 14520"/>
+            </a:avLst>
+          </a:prstGeom>
+          <a:ln w="12700"/>
+        </p:spPr>
+        <p:style>
+          <a:lnRef idx="2">
+            <a:schemeClr val="dk1"/>
+          </a:lnRef>
+          <a:fillRef idx="1">
+            <a:schemeClr val="lt1"/>
+          </a:fillRef>
+          <a:effectRef idx="0">
+            <a:schemeClr val="dk1"/>
+          </a:effectRef>
+          <a:fontRef idx="minor">
+            <a:schemeClr val="dk1"/>
+          </a:fontRef>
+        </p:style>
+        <p:txBody>
+          <a:bodyPr rtlCol="0" anchor="ctr"/>
+          <a:lstStyle/>
+          <a:p>
+            <a:pPr algn="ctr"/>
+            <a:r>
+              <a:rPr lang="en-US" altLang="ko-KR" sz="1000" b="1"/>
+              <a:t>istio-proxy</a:t>
+            </a:r>
+          </a:p>
+          <a:p>
+            <a:pPr algn="ctr"/>
+            <a:r>
+              <a:rPr lang="en-US" altLang="ko-KR" sz="1000"/>
+              <a:t>Container</a:t>
+            </a:r>
+          </a:p>
+        </p:txBody>
+      </p:sp>
+      <p:sp>
+        <p:nvSpPr>
+          <p:cNvPr id="7" name="사각형: 둥근 모서리 29">
+            <a:extLst>
+              <a:ext uri="{FF2B5EF4-FFF2-40B4-BE49-F238E27FC236}">
+                <a16:creationId xmlns:a16="http://schemas.microsoft.com/office/drawing/2014/main" id="{39386F7E-D6FB-C3EC-E256-50C8721362A0}"/>
+              </a:ext>
+            </a:extLst>
+          </p:cNvPr>
+          <p:cNvSpPr/>
+          <p:nvPr/>
+        </p:nvSpPr>
+        <p:spPr>
+          <a:xfrm>
+            <a:off x="269263" y="195486"/>
+            <a:ext cx="989457" cy="439396"/>
+          </a:xfrm>
+          <a:prstGeom prst="roundRect">
+            <a:avLst>
+              <a:gd name="adj" fmla="val 14520"/>
+            </a:avLst>
+          </a:prstGeom>
+          <a:ln w="12700"/>
+        </p:spPr>
+        <p:style>
+          <a:lnRef idx="2">
+            <a:schemeClr val="dk1"/>
+          </a:lnRef>
+          <a:fillRef idx="1">
+            <a:schemeClr val="lt1"/>
+          </a:fillRef>
+          <a:effectRef idx="0">
+            <a:schemeClr val="dk1"/>
+          </a:effectRef>
+          <a:fontRef idx="minor">
+            <a:schemeClr val="dk1"/>
+          </a:fontRef>
+        </p:style>
+        <p:txBody>
+          <a:bodyPr rtlCol="0" anchor="ctr"/>
+          <a:lstStyle/>
+          <a:p>
+            <a:pPr algn="ctr"/>
+            <a:r>
+              <a:rPr lang="en-US" altLang="ko-KR" sz="1000" b="1"/>
+              <a:t>shell</a:t>
+            </a:r>
+          </a:p>
+          <a:p>
+            <a:pPr algn="ctr"/>
+            <a:r>
+              <a:rPr lang="en-US" altLang="ko-KR" sz="1000"/>
+              <a:t>Container</a:t>
+            </a:r>
+          </a:p>
+        </p:txBody>
+      </p:sp>
+      <p:sp>
+        <p:nvSpPr>
+          <p:cNvPr id="10" name="사각형: 둥근 모서리 29">
+            <a:extLst>
+              <a:ext uri="{FF2B5EF4-FFF2-40B4-BE49-F238E27FC236}">
+                <a16:creationId xmlns:a16="http://schemas.microsoft.com/office/drawing/2014/main" id="{64F2FB99-B11F-549F-9C42-DC8341BC626A}"/>
+              </a:ext>
+            </a:extLst>
+          </p:cNvPr>
+          <p:cNvSpPr/>
+          <p:nvPr/>
+        </p:nvSpPr>
+        <p:spPr>
+          <a:xfrm>
+            <a:off x="4932042" y="123478"/>
+            <a:ext cx="4032446" cy="600168"/>
+          </a:xfrm>
+          <a:prstGeom prst="roundRect">
+            <a:avLst>
+              <a:gd name="adj" fmla="val 10124"/>
+            </a:avLst>
+          </a:prstGeom>
+          <a:ln w="12700"/>
+        </p:spPr>
+        <p:style>
+          <a:lnRef idx="2">
+            <a:schemeClr val="dk1"/>
+          </a:lnRef>
+          <a:fillRef idx="1">
+            <a:schemeClr val="lt1"/>
+          </a:fillRef>
+          <a:effectRef idx="0">
+            <a:schemeClr val="dk1"/>
+          </a:effectRef>
+          <a:fontRef idx="minor">
+            <a:schemeClr val="dk1"/>
+          </a:fontRef>
+        </p:style>
+        <p:txBody>
+          <a:bodyPr rtlCol="0" anchor="t"/>
+          <a:lstStyle/>
+          <a:p>
+            <a:pPr algn="ctr"/>
+            <a:r>
+              <a:rPr lang="en-US" altLang="ko-KR" sz="1000" b="1"/>
+              <a:t>mock-server </a:t>
+            </a:r>
+            <a:r>
+              <a:rPr lang="en-US" altLang="ko-KR" sz="1000"/>
+              <a:t>Pod</a:t>
+            </a:r>
+          </a:p>
+        </p:txBody>
+      </p:sp>
+      <p:sp>
+        <p:nvSpPr>
+          <p:cNvPr id="11" name="사각형: 둥근 모서리 29">
+            <a:extLst>
+              <a:ext uri="{FF2B5EF4-FFF2-40B4-BE49-F238E27FC236}">
+                <a16:creationId xmlns:a16="http://schemas.microsoft.com/office/drawing/2014/main" id="{D4F2F2D2-4DF1-78F0-E348-4D5EB4A07E4F}"/>
+              </a:ext>
+            </a:extLst>
+          </p:cNvPr>
+          <p:cNvSpPr/>
+          <p:nvPr/>
+        </p:nvSpPr>
+        <p:spPr>
+          <a:xfrm>
+            <a:off x="7885282" y="195486"/>
+            <a:ext cx="989457" cy="439396"/>
+          </a:xfrm>
+          <a:prstGeom prst="roundRect">
+            <a:avLst>
+              <a:gd name="adj" fmla="val 14520"/>
+            </a:avLst>
+          </a:prstGeom>
+          <a:ln w="12700"/>
+        </p:spPr>
+        <p:style>
+          <a:lnRef idx="2">
+            <a:schemeClr val="dk1"/>
+          </a:lnRef>
+          <a:fillRef idx="1">
+            <a:schemeClr val="lt1"/>
+          </a:fillRef>
+          <a:effectRef idx="0">
+            <a:schemeClr val="dk1"/>
+          </a:effectRef>
+          <a:fontRef idx="minor">
+            <a:schemeClr val="dk1"/>
+          </a:fontRef>
+        </p:style>
+        <p:txBody>
+          <a:bodyPr rtlCol="0" anchor="ctr"/>
+          <a:lstStyle/>
+          <a:p>
+            <a:pPr algn="ctr"/>
+            <a:r>
+              <a:rPr lang="en-US" altLang="ko-KR" sz="1000" b="1"/>
+              <a:t>mock-server</a:t>
+            </a:r>
+          </a:p>
+          <a:p>
+            <a:pPr algn="ctr"/>
+            <a:r>
+              <a:rPr lang="en-US" altLang="ko-KR" sz="1000"/>
+              <a:t>Container</a:t>
+            </a:r>
+          </a:p>
+        </p:txBody>
+      </p:sp>
+      <p:sp>
+        <p:nvSpPr>
+          <p:cNvPr id="12" name="사각형: 둥근 모서리 29">
+            <a:extLst>
+              <a:ext uri="{FF2B5EF4-FFF2-40B4-BE49-F238E27FC236}">
+                <a16:creationId xmlns:a16="http://schemas.microsoft.com/office/drawing/2014/main" id="{9BE34F73-F514-67DD-CD10-085CD59108BC}"/>
+              </a:ext>
+            </a:extLst>
+          </p:cNvPr>
+          <p:cNvSpPr/>
+          <p:nvPr/>
+        </p:nvSpPr>
+        <p:spPr>
+          <a:xfrm>
+            <a:off x="5016392" y="195486"/>
+            <a:ext cx="891282" cy="439396"/>
+          </a:xfrm>
+          <a:prstGeom prst="roundRect">
+            <a:avLst>
+              <a:gd name="adj" fmla="val 14520"/>
+            </a:avLst>
+          </a:prstGeom>
+          <a:ln w="12700"/>
+        </p:spPr>
+        <p:style>
+          <a:lnRef idx="2">
+            <a:schemeClr val="dk1"/>
+          </a:lnRef>
+          <a:fillRef idx="1">
+            <a:schemeClr val="lt1"/>
+          </a:fillRef>
+          <a:effectRef idx="0">
+            <a:schemeClr val="dk1"/>
+          </a:effectRef>
+          <a:fontRef idx="minor">
+            <a:schemeClr val="dk1"/>
+          </a:fontRef>
+        </p:style>
+        <p:txBody>
+          <a:bodyPr rtlCol="0" anchor="ctr"/>
+          <a:lstStyle/>
+          <a:p>
+            <a:pPr algn="ctr"/>
+            <a:r>
+              <a:rPr lang="en-US" altLang="ko-KR" sz="1000" b="1"/>
+              <a:t>istio-proxy</a:t>
+            </a:r>
+          </a:p>
+          <a:p>
+            <a:pPr algn="ctr"/>
+            <a:r>
+              <a:rPr lang="en-US" altLang="ko-KR" sz="1000"/>
+              <a:t>Container</a:t>
+            </a:r>
+          </a:p>
+        </p:txBody>
+      </p:sp>
+      <p:cxnSp>
+        <p:nvCxnSpPr>
+          <p:cNvPr id="36" name="Straight Arrow Connector 81">
+            <a:extLst>
+              <a:ext uri="{FF2B5EF4-FFF2-40B4-BE49-F238E27FC236}">
+                <a16:creationId xmlns:a16="http://schemas.microsoft.com/office/drawing/2014/main" id="{558CB1AB-EB19-C759-D1C5-CA2D2FDACC56}"/>
+              </a:ext>
+            </a:extLst>
+          </p:cNvPr>
+          <p:cNvCxnSpPr>
+            <a:cxnSpLocks/>
+            <a:stCxn id="6" idx="2"/>
+          </p:cNvCxnSpPr>
+          <p:nvPr/>
+        </p:nvCxnSpPr>
+        <p:spPr>
+          <a:xfrm>
+            <a:off x="3681969" y="634882"/>
+            <a:ext cx="0" cy="4313132"/>
+          </a:xfrm>
+          <a:prstGeom prst="straightConnector1">
+            <a:avLst/>
+          </a:prstGeom>
+          <a:ln>
+            <a:solidFill>
+              <a:schemeClr val="tx1"/>
+            </a:solidFill>
+            <a:prstDash val="dash"/>
+            <a:tailEnd type="triangle"/>
+          </a:ln>
+        </p:spPr>
+        <p:style>
+          <a:lnRef idx="1">
+            <a:schemeClr val="accent1"/>
+          </a:lnRef>
+          <a:fillRef idx="0">
+            <a:schemeClr val="accent1"/>
+          </a:fillRef>
+          <a:effectRef idx="0">
+            <a:schemeClr val="accent1"/>
+          </a:effectRef>
+          <a:fontRef idx="minor">
+            <a:schemeClr val="tx1"/>
+          </a:fontRef>
+        </p:style>
+      </p:cxnSp>
+      <p:cxnSp>
+        <p:nvCxnSpPr>
+          <p:cNvPr id="37" name="Straight Arrow Connector 81">
+            <a:extLst>
+              <a:ext uri="{FF2B5EF4-FFF2-40B4-BE49-F238E27FC236}">
+                <a16:creationId xmlns:a16="http://schemas.microsoft.com/office/drawing/2014/main" id="{7B965DE7-DA9D-3866-01E5-4DCBAE8284D4}"/>
+              </a:ext>
+            </a:extLst>
+          </p:cNvPr>
+          <p:cNvCxnSpPr>
+            <a:cxnSpLocks/>
+          </p:cNvCxnSpPr>
+          <p:nvPr/>
+        </p:nvCxnSpPr>
+        <p:spPr>
+          <a:xfrm>
+            <a:off x="763987" y="634882"/>
+            <a:ext cx="0" cy="4313132"/>
+          </a:xfrm>
+          <a:prstGeom prst="straightConnector1">
+            <a:avLst/>
+          </a:prstGeom>
+          <a:ln>
+            <a:solidFill>
+              <a:schemeClr val="tx1"/>
+            </a:solidFill>
+            <a:prstDash val="dash"/>
+            <a:tailEnd type="triangle"/>
+          </a:ln>
+        </p:spPr>
+        <p:style>
+          <a:lnRef idx="1">
+            <a:schemeClr val="accent1"/>
+          </a:lnRef>
+          <a:fillRef idx="0">
+            <a:schemeClr val="accent1"/>
+          </a:fillRef>
+          <a:effectRef idx="0">
+            <a:schemeClr val="accent1"/>
+          </a:effectRef>
+          <a:fontRef idx="minor">
+            <a:schemeClr val="tx1"/>
+          </a:fontRef>
+        </p:style>
+      </p:cxnSp>
+      <p:cxnSp>
+        <p:nvCxnSpPr>
+          <p:cNvPr id="46" name="Straight Arrow Connector 81">
+            <a:extLst>
+              <a:ext uri="{FF2B5EF4-FFF2-40B4-BE49-F238E27FC236}">
+                <a16:creationId xmlns:a16="http://schemas.microsoft.com/office/drawing/2014/main" id="{4AC660F9-BDD5-09E5-84C9-542A10E23B90}"/>
+              </a:ext>
+            </a:extLst>
+          </p:cNvPr>
+          <p:cNvCxnSpPr>
+            <a:cxnSpLocks/>
+            <a:stCxn id="11" idx="2"/>
+          </p:cNvCxnSpPr>
+          <p:nvPr/>
+        </p:nvCxnSpPr>
+        <p:spPr>
+          <a:xfrm>
+            <a:off x="8380011" y="634882"/>
+            <a:ext cx="0" cy="4385140"/>
+          </a:xfrm>
+          <a:prstGeom prst="straightConnector1">
+            <a:avLst/>
+          </a:prstGeom>
+          <a:ln>
+            <a:solidFill>
+              <a:schemeClr val="tx1"/>
+            </a:solidFill>
+            <a:prstDash val="dash"/>
+            <a:tailEnd type="triangle"/>
+          </a:ln>
+        </p:spPr>
+        <p:style>
+          <a:lnRef idx="1">
+            <a:schemeClr val="accent1"/>
+          </a:lnRef>
+          <a:fillRef idx="0">
+            <a:schemeClr val="accent1"/>
+          </a:fillRef>
+          <a:effectRef idx="0">
+            <a:schemeClr val="accent1"/>
+          </a:effectRef>
+          <a:fontRef idx="minor">
+            <a:schemeClr val="tx1"/>
+          </a:fontRef>
+        </p:style>
+      </p:cxnSp>
+      <p:cxnSp>
+        <p:nvCxnSpPr>
+          <p:cNvPr id="47" name="Straight Arrow Connector 81">
+            <a:extLst>
+              <a:ext uri="{FF2B5EF4-FFF2-40B4-BE49-F238E27FC236}">
+                <a16:creationId xmlns:a16="http://schemas.microsoft.com/office/drawing/2014/main" id="{E2B90644-B44A-AC82-0FED-B7EE02398ADE}"/>
+              </a:ext>
+            </a:extLst>
+          </p:cNvPr>
+          <p:cNvCxnSpPr>
+            <a:cxnSpLocks/>
+            <a:stCxn id="12" idx="2"/>
+          </p:cNvCxnSpPr>
+          <p:nvPr/>
+        </p:nvCxnSpPr>
+        <p:spPr>
+          <a:xfrm>
+            <a:off x="5462033" y="634882"/>
+            <a:ext cx="0" cy="4313132"/>
+          </a:xfrm>
+          <a:prstGeom prst="straightConnector1">
+            <a:avLst/>
+          </a:prstGeom>
+          <a:ln>
+            <a:solidFill>
+              <a:schemeClr val="tx1"/>
+            </a:solidFill>
+            <a:prstDash val="dash"/>
+            <a:tailEnd type="triangle"/>
+          </a:ln>
+        </p:spPr>
+        <p:style>
+          <a:lnRef idx="1">
+            <a:schemeClr val="accent1"/>
+          </a:lnRef>
+          <a:fillRef idx="0">
+            <a:schemeClr val="accent1"/>
+          </a:fillRef>
+          <a:effectRef idx="0">
+            <a:schemeClr val="accent1"/>
+          </a:effectRef>
+          <a:fontRef idx="minor">
+            <a:schemeClr val="tx1"/>
+          </a:fontRef>
+        </p:style>
+      </p:cxnSp>
+      <p:cxnSp>
+        <p:nvCxnSpPr>
+          <p:cNvPr id="52" name="Straight Arrow Connector 81">
+            <a:extLst>
+              <a:ext uri="{FF2B5EF4-FFF2-40B4-BE49-F238E27FC236}">
+                <a16:creationId xmlns:a16="http://schemas.microsoft.com/office/drawing/2014/main" id="{67560C04-C541-CE27-AC5E-614229E6BA88}"/>
+              </a:ext>
+            </a:extLst>
+          </p:cNvPr>
+          <p:cNvCxnSpPr>
+            <a:cxnSpLocks/>
+          </p:cNvCxnSpPr>
+          <p:nvPr/>
+        </p:nvCxnSpPr>
+        <p:spPr>
+          <a:xfrm>
+            <a:off x="763988" y="1431885"/>
+            <a:ext cx="2917981" cy="0"/>
+          </a:xfrm>
+          <a:prstGeom prst="straightConnector1">
+            <a:avLst/>
+          </a:prstGeom>
+          <a:ln>
+            <a:solidFill>
+              <a:srgbClr val="C00000"/>
+            </a:solidFill>
+            <a:tailEnd type="triangle"/>
+          </a:ln>
+        </p:spPr>
+        <p:style>
+          <a:lnRef idx="1">
+            <a:schemeClr val="accent1"/>
+          </a:lnRef>
+          <a:fillRef idx="0">
+            <a:schemeClr val="accent1"/>
+          </a:fillRef>
+          <a:effectRef idx="0">
+            <a:schemeClr val="accent1"/>
+          </a:effectRef>
+          <a:fontRef idx="minor">
+            <a:schemeClr val="tx1"/>
+          </a:fontRef>
+        </p:style>
+      </p:cxnSp>
+      <p:sp>
+        <p:nvSpPr>
+          <p:cNvPr id="53" name="TextBox 52">
+            <a:extLst>
+              <a:ext uri="{FF2B5EF4-FFF2-40B4-BE49-F238E27FC236}">
+                <a16:creationId xmlns:a16="http://schemas.microsoft.com/office/drawing/2014/main" id="{AE53E02B-7AB9-8AA1-1296-59622DF8B764}"/>
+              </a:ext>
+            </a:extLst>
+          </p:cNvPr>
+          <p:cNvSpPr txBox="1"/>
+          <p:nvPr/>
+        </p:nvSpPr>
+        <p:spPr>
+          <a:xfrm>
+            <a:off x="763987" y="1185664"/>
+            <a:ext cx="2795674" cy="246221"/>
+          </a:xfrm>
+          <a:prstGeom prst="rect">
+            <a:avLst/>
+          </a:prstGeom>
+          <a:noFill/>
+        </p:spPr>
+        <p:txBody>
+          <a:bodyPr wrap="square" rtlCol="0">
+            <a:spAutoFit/>
+          </a:bodyPr>
+          <a:lstStyle/>
+          <a:p>
+            <a:r>
+              <a:rPr kumimoji="1" lang="en-US" altLang="ko-KR" sz="1000" i="1">
+                <a:solidFill>
+                  <a:srgbClr val="C00000"/>
+                </a:solidFill>
+              </a:rPr>
+              <a:t>GET </a:t>
+            </a:r>
+            <a:r>
+              <a:rPr lang="en" altLang="ko-KR" sz="1000" i="1">
+                <a:solidFill>
+                  <a:srgbClr val="C00000"/>
+                </a:solidFill>
+              </a:rPr>
+              <a:t>mock-server:8080/delay/5000</a:t>
+            </a:r>
+            <a:endParaRPr kumimoji="1" lang="ko-KR" altLang="en-US" sz="1000" i="1">
+              <a:solidFill>
+                <a:srgbClr val="C00000"/>
+              </a:solidFill>
+            </a:endParaRPr>
+          </a:p>
+        </p:txBody>
+      </p:sp>
+      <p:cxnSp>
+        <p:nvCxnSpPr>
+          <p:cNvPr id="63" name="Straight Arrow Connector 81">
+            <a:extLst>
+              <a:ext uri="{FF2B5EF4-FFF2-40B4-BE49-F238E27FC236}">
+                <a16:creationId xmlns:a16="http://schemas.microsoft.com/office/drawing/2014/main" id="{CF348400-BB70-9272-C579-35D9416D8631}"/>
+              </a:ext>
+            </a:extLst>
+          </p:cNvPr>
+          <p:cNvCxnSpPr>
+            <a:cxnSpLocks/>
+          </p:cNvCxnSpPr>
+          <p:nvPr/>
+        </p:nvCxnSpPr>
+        <p:spPr>
+          <a:xfrm>
+            <a:off x="3681969" y="1505680"/>
+            <a:ext cx="1780064" cy="0"/>
+          </a:xfrm>
+          <a:prstGeom prst="straightConnector1">
+            <a:avLst/>
+          </a:prstGeom>
+          <a:ln>
+            <a:solidFill>
+              <a:srgbClr val="C00000"/>
+            </a:solidFill>
+            <a:tailEnd type="triangle"/>
+          </a:ln>
+        </p:spPr>
+        <p:style>
+          <a:lnRef idx="1">
+            <a:schemeClr val="accent1"/>
+          </a:lnRef>
+          <a:fillRef idx="0">
+            <a:schemeClr val="accent1"/>
+          </a:fillRef>
+          <a:effectRef idx="0">
+            <a:schemeClr val="accent1"/>
+          </a:effectRef>
+          <a:fontRef idx="minor">
+            <a:schemeClr val="tx1"/>
+          </a:fontRef>
+        </p:style>
+      </p:cxnSp>
+      <p:cxnSp>
+        <p:nvCxnSpPr>
+          <p:cNvPr id="64" name="Straight Arrow Connector 81">
+            <a:extLst>
+              <a:ext uri="{FF2B5EF4-FFF2-40B4-BE49-F238E27FC236}">
+                <a16:creationId xmlns:a16="http://schemas.microsoft.com/office/drawing/2014/main" id="{2B8564E6-0000-0478-D674-BDA24640AE9E}"/>
+              </a:ext>
+            </a:extLst>
+          </p:cNvPr>
+          <p:cNvCxnSpPr>
+            <a:cxnSpLocks/>
+          </p:cNvCxnSpPr>
+          <p:nvPr/>
+        </p:nvCxnSpPr>
+        <p:spPr>
+          <a:xfrm>
+            <a:off x="5462033" y="1585571"/>
+            <a:ext cx="2917978" cy="0"/>
+          </a:xfrm>
+          <a:prstGeom prst="straightConnector1">
+            <a:avLst/>
+          </a:prstGeom>
+          <a:ln>
+            <a:solidFill>
+              <a:srgbClr val="C00000"/>
+            </a:solidFill>
+            <a:tailEnd type="triangle"/>
+          </a:ln>
+        </p:spPr>
+        <p:style>
+          <a:lnRef idx="1">
+            <a:schemeClr val="accent1"/>
+          </a:lnRef>
+          <a:fillRef idx="0">
+            <a:schemeClr val="accent1"/>
+          </a:fillRef>
+          <a:effectRef idx="0">
+            <a:schemeClr val="accent1"/>
+          </a:effectRef>
+          <a:fontRef idx="minor">
+            <a:schemeClr val="tx1"/>
+          </a:fontRef>
+        </p:style>
+      </p:cxnSp>
+      <p:cxnSp>
+        <p:nvCxnSpPr>
+          <p:cNvPr id="2" name="Straight Arrow Connector 81">
+            <a:extLst>
+              <a:ext uri="{FF2B5EF4-FFF2-40B4-BE49-F238E27FC236}">
+                <a16:creationId xmlns:a16="http://schemas.microsoft.com/office/drawing/2014/main" id="{5533EB41-AAF1-9C4B-CE16-D5C71F5AFDEC}"/>
+              </a:ext>
+            </a:extLst>
+          </p:cNvPr>
+          <p:cNvCxnSpPr>
+            <a:cxnSpLocks/>
+          </p:cNvCxnSpPr>
+          <p:nvPr/>
+        </p:nvCxnSpPr>
+        <p:spPr>
+          <a:xfrm>
+            <a:off x="763988" y="1077765"/>
+            <a:ext cx="2917981" cy="0"/>
+          </a:xfrm>
+          <a:prstGeom prst="straightConnector1">
+            <a:avLst/>
+          </a:prstGeom>
+          <a:ln>
+            <a:solidFill>
+              <a:srgbClr val="C00000"/>
+            </a:solidFill>
+            <a:tailEnd type="triangle"/>
+          </a:ln>
+        </p:spPr>
+        <p:style>
+          <a:lnRef idx="1">
+            <a:schemeClr val="accent1"/>
+          </a:lnRef>
+          <a:fillRef idx="0">
+            <a:schemeClr val="accent1"/>
+          </a:fillRef>
+          <a:effectRef idx="0">
+            <a:schemeClr val="accent1"/>
+          </a:effectRef>
+          <a:fontRef idx="minor">
+            <a:schemeClr val="tx1"/>
+          </a:fontRef>
+        </p:style>
+      </p:cxnSp>
+      <p:sp>
+        <p:nvSpPr>
+          <p:cNvPr id="4" name="TextBox 3">
+            <a:extLst>
+              <a:ext uri="{FF2B5EF4-FFF2-40B4-BE49-F238E27FC236}">
+                <a16:creationId xmlns:a16="http://schemas.microsoft.com/office/drawing/2014/main" id="{D659F506-1716-069A-3C68-8ED117B416E6}"/>
+              </a:ext>
+            </a:extLst>
+          </p:cNvPr>
+          <p:cNvSpPr txBox="1"/>
+          <p:nvPr/>
+        </p:nvSpPr>
+        <p:spPr>
+          <a:xfrm>
+            <a:off x="763987" y="831544"/>
+            <a:ext cx="2795674" cy="246221"/>
+          </a:xfrm>
+          <a:prstGeom prst="rect">
+            <a:avLst/>
+          </a:prstGeom>
+          <a:noFill/>
+        </p:spPr>
+        <p:txBody>
+          <a:bodyPr wrap="square" rtlCol="0">
+            <a:spAutoFit/>
+          </a:bodyPr>
+          <a:lstStyle/>
+          <a:p>
+            <a:r>
+              <a:rPr kumimoji="1" lang="en-US" altLang="ko-KR" sz="1000" i="1">
+                <a:solidFill>
+                  <a:srgbClr val="C00000"/>
+                </a:solidFill>
+              </a:rPr>
+              <a:t>TCP SYN</a:t>
+            </a:r>
+            <a:endParaRPr kumimoji="1" lang="ko-KR" altLang="en-US" sz="1000" i="1">
+              <a:solidFill>
+                <a:srgbClr val="C00000"/>
+              </a:solidFill>
+            </a:endParaRPr>
+          </a:p>
+        </p:txBody>
+      </p:sp>
+      <p:cxnSp>
+        <p:nvCxnSpPr>
+          <p:cNvPr id="5" name="Straight Arrow Connector 81">
+            <a:extLst>
+              <a:ext uri="{FF2B5EF4-FFF2-40B4-BE49-F238E27FC236}">
+                <a16:creationId xmlns:a16="http://schemas.microsoft.com/office/drawing/2014/main" id="{DBEDA96A-D4CC-D409-32EB-C9F6346D1012}"/>
+              </a:ext>
+            </a:extLst>
+          </p:cNvPr>
+          <p:cNvCxnSpPr>
+            <a:cxnSpLocks/>
+          </p:cNvCxnSpPr>
+          <p:nvPr/>
+        </p:nvCxnSpPr>
+        <p:spPr>
+          <a:xfrm>
+            <a:off x="5462033" y="3364885"/>
+            <a:ext cx="2917977" cy="0"/>
+          </a:xfrm>
+          <a:prstGeom prst="straightConnector1">
+            <a:avLst/>
+          </a:prstGeom>
+          <a:ln>
+            <a:solidFill>
+              <a:srgbClr val="C00000"/>
+            </a:solidFill>
+            <a:headEnd type="triangle" w="med" len="med"/>
+            <a:tailEnd type="none" w="med" len="med"/>
+          </a:ln>
+        </p:spPr>
+        <p:style>
+          <a:lnRef idx="1">
+            <a:schemeClr val="accent1"/>
+          </a:lnRef>
+          <a:fillRef idx="0">
+            <a:schemeClr val="accent1"/>
+          </a:fillRef>
+          <a:effectRef idx="0">
+            <a:schemeClr val="accent1"/>
+          </a:effectRef>
+          <a:fontRef idx="minor">
+            <a:schemeClr val="tx1"/>
+          </a:fontRef>
+        </p:style>
+      </p:cxnSp>
+      <p:sp>
+        <p:nvSpPr>
+          <p:cNvPr id="9" name="TextBox 8">
+            <a:extLst>
+              <a:ext uri="{FF2B5EF4-FFF2-40B4-BE49-F238E27FC236}">
+                <a16:creationId xmlns:a16="http://schemas.microsoft.com/office/drawing/2014/main" id="{9D00BB99-7C36-3F82-5F70-AC042E48E9FC}"/>
+              </a:ext>
+            </a:extLst>
+          </p:cNvPr>
+          <p:cNvSpPr txBox="1"/>
+          <p:nvPr/>
+        </p:nvSpPr>
+        <p:spPr>
+          <a:xfrm>
+            <a:off x="5584334" y="3364885"/>
+            <a:ext cx="2795674" cy="246221"/>
+          </a:xfrm>
+          <a:prstGeom prst="rect">
+            <a:avLst/>
+          </a:prstGeom>
+          <a:noFill/>
+        </p:spPr>
+        <p:txBody>
+          <a:bodyPr wrap="square" rtlCol="0">
+            <a:spAutoFit/>
+          </a:bodyPr>
+          <a:lstStyle/>
+          <a:p>
+            <a:pPr algn="r"/>
+            <a:r>
+              <a:rPr kumimoji="1" lang="en-US" altLang="ko-KR" sz="1000" i="1">
+                <a:solidFill>
+                  <a:srgbClr val="C00000"/>
+                </a:solidFill>
+              </a:rPr>
+              <a:t>200 OK</a:t>
+            </a:r>
+            <a:endParaRPr kumimoji="1" lang="ko-KR" altLang="en-US" sz="1000" i="1">
+              <a:solidFill>
+                <a:srgbClr val="C00000"/>
+              </a:solidFill>
+            </a:endParaRPr>
+          </a:p>
+        </p:txBody>
+      </p:sp>
+      <p:cxnSp>
+        <p:nvCxnSpPr>
+          <p:cNvPr id="13" name="Straight Arrow Connector 81">
+            <a:extLst>
+              <a:ext uri="{FF2B5EF4-FFF2-40B4-BE49-F238E27FC236}">
+                <a16:creationId xmlns:a16="http://schemas.microsoft.com/office/drawing/2014/main" id="{B7414477-9799-664D-08D0-5A0EE2B80E7E}"/>
+              </a:ext>
+            </a:extLst>
+          </p:cNvPr>
+          <p:cNvCxnSpPr>
+            <a:cxnSpLocks/>
+          </p:cNvCxnSpPr>
+          <p:nvPr/>
+        </p:nvCxnSpPr>
+        <p:spPr>
+          <a:xfrm>
+            <a:off x="3681977" y="3436893"/>
+            <a:ext cx="1780056" cy="0"/>
+          </a:xfrm>
+          <a:prstGeom prst="straightConnector1">
+            <a:avLst/>
+          </a:prstGeom>
+          <a:ln>
+            <a:solidFill>
+              <a:srgbClr val="C00000"/>
+            </a:solidFill>
+            <a:headEnd type="triangle" w="med" len="med"/>
+            <a:tailEnd type="none" w="med" len="med"/>
+          </a:ln>
+        </p:spPr>
+        <p:style>
+          <a:lnRef idx="1">
+            <a:schemeClr val="accent1"/>
+          </a:lnRef>
+          <a:fillRef idx="0">
+            <a:schemeClr val="accent1"/>
+          </a:fillRef>
+          <a:effectRef idx="0">
+            <a:schemeClr val="accent1"/>
+          </a:effectRef>
+          <a:fontRef idx="minor">
+            <a:schemeClr val="tx1"/>
+          </a:fontRef>
+        </p:style>
+      </p:cxnSp>
+      <p:cxnSp>
+        <p:nvCxnSpPr>
+          <p:cNvPr id="14" name="Straight Arrow Connector 81">
+            <a:extLst>
+              <a:ext uri="{FF2B5EF4-FFF2-40B4-BE49-F238E27FC236}">
+                <a16:creationId xmlns:a16="http://schemas.microsoft.com/office/drawing/2014/main" id="{27D3EB54-D29E-F7B2-9858-DE50745E0761}"/>
+              </a:ext>
+            </a:extLst>
+          </p:cNvPr>
+          <p:cNvCxnSpPr>
+            <a:cxnSpLocks/>
+          </p:cNvCxnSpPr>
+          <p:nvPr/>
+        </p:nvCxnSpPr>
+        <p:spPr>
+          <a:xfrm>
+            <a:off x="763987" y="3508901"/>
+            <a:ext cx="2917982" cy="0"/>
+          </a:xfrm>
+          <a:prstGeom prst="straightConnector1">
+            <a:avLst/>
+          </a:prstGeom>
+          <a:ln>
+            <a:solidFill>
+              <a:srgbClr val="C00000"/>
+            </a:solidFill>
+            <a:headEnd type="triangle" w="med" len="med"/>
+            <a:tailEnd type="none" w="med" len="med"/>
+          </a:ln>
+        </p:spPr>
+        <p:style>
+          <a:lnRef idx="1">
+            <a:schemeClr val="accent1"/>
+          </a:lnRef>
+          <a:fillRef idx="0">
+            <a:schemeClr val="accent1"/>
+          </a:fillRef>
+          <a:effectRef idx="0">
+            <a:schemeClr val="accent1"/>
+          </a:effectRef>
+          <a:fontRef idx="minor">
+            <a:schemeClr val="tx1"/>
+          </a:fontRef>
+        </p:style>
+      </p:cxnSp>
+      <p:cxnSp>
+        <p:nvCxnSpPr>
+          <p:cNvPr id="18" name="Straight Arrow Connector 81">
+            <a:extLst>
+              <a:ext uri="{FF2B5EF4-FFF2-40B4-BE49-F238E27FC236}">
+                <a16:creationId xmlns:a16="http://schemas.microsoft.com/office/drawing/2014/main" id="{597A302C-45C5-35D4-ABE3-ED13E846A8AA}"/>
+              </a:ext>
+            </a:extLst>
+          </p:cNvPr>
+          <p:cNvCxnSpPr>
+            <a:cxnSpLocks/>
+          </p:cNvCxnSpPr>
+          <p:nvPr/>
+        </p:nvCxnSpPr>
+        <p:spPr>
+          <a:xfrm>
+            <a:off x="763988" y="3857327"/>
+            <a:ext cx="2917981" cy="0"/>
+          </a:xfrm>
+          <a:prstGeom prst="straightConnector1">
+            <a:avLst/>
+          </a:prstGeom>
+          <a:ln>
+            <a:solidFill>
+              <a:srgbClr val="C00000"/>
+            </a:solidFill>
+            <a:tailEnd type="triangle"/>
+          </a:ln>
+        </p:spPr>
+        <p:style>
+          <a:lnRef idx="1">
+            <a:schemeClr val="accent1"/>
+          </a:lnRef>
+          <a:fillRef idx="0">
+            <a:schemeClr val="accent1"/>
+          </a:fillRef>
+          <a:effectRef idx="0">
+            <a:schemeClr val="accent1"/>
+          </a:effectRef>
+          <a:fontRef idx="minor">
+            <a:schemeClr val="tx1"/>
+          </a:fontRef>
+        </p:style>
+      </p:cxnSp>
+      <p:sp>
+        <p:nvSpPr>
+          <p:cNvPr id="19" name="TextBox 18">
+            <a:extLst>
+              <a:ext uri="{FF2B5EF4-FFF2-40B4-BE49-F238E27FC236}">
+                <a16:creationId xmlns:a16="http://schemas.microsoft.com/office/drawing/2014/main" id="{4BFF01A9-6BBE-4C4B-37CA-B5EE7F4E4C15}"/>
+              </a:ext>
+            </a:extLst>
+          </p:cNvPr>
+          <p:cNvSpPr txBox="1"/>
+          <p:nvPr/>
+        </p:nvSpPr>
+        <p:spPr>
+          <a:xfrm>
+            <a:off x="763987" y="3611106"/>
+            <a:ext cx="2795674" cy="246221"/>
+          </a:xfrm>
+          <a:prstGeom prst="rect">
+            <a:avLst/>
+          </a:prstGeom>
+          <a:noFill/>
+        </p:spPr>
+        <p:txBody>
+          <a:bodyPr wrap="square" rtlCol="0">
+            <a:spAutoFit/>
+          </a:bodyPr>
+          <a:lstStyle/>
+          <a:p>
+            <a:r>
+              <a:rPr kumimoji="1" lang="en-US" altLang="ko-KR" sz="1000" i="1">
+                <a:solidFill>
+                  <a:srgbClr val="C00000"/>
+                </a:solidFill>
+              </a:rPr>
+              <a:t>TCP FIN</a:t>
+            </a:r>
+            <a:endParaRPr kumimoji="1" lang="ko-KR" altLang="en-US" sz="1000" i="1">
+              <a:solidFill>
+                <a:srgbClr val="C00000"/>
+              </a:solidFill>
+            </a:endParaRPr>
+          </a:p>
+        </p:txBody>
+      </p:sp>
+      <p:sp>
+        <p:nvSpPr>
+          <p:cNvPr id="20" name="호 19">
+            <a:extLst>
+              <a:ext uri="{FF2B5EF4-FFF2-40B4-BE49-F238E27FC236}">
+                <a16:creationId xmlns:a16="http://schemas.microsoft.com/office/drawing/2014/main" id="{932DC0C8-06D6-DDA8-0522-F6DDEE3B6776}"/>
+              </a:ext>
+            </a:extLst>
+          </p:cNvPr>
+          <p:cNvSpPr/>
+          <p:nvPr/>
+        </p:nvSpPr>
+        <p:spPr>
+          <a:xfrm>
+            <a:off x="8244505" y="1585570"/>
+            <a:ext cx="257804" cy="1779305"/>
+          </a:xfrm>
+          <a:prstGeom prst="arc">
+            <a:avLst>
+              <a:gd name="adj1" fmla="val 16200000"/>
+              <a:gd name="adj2" fmla="val 5389298"/>
+            </a:avLst>
+          </a:prstGeom>
+          <a:ln>
+            <a:solidFill>
+              <a:srgbClr val="C00000"/>
+            </a:solidFill>
+            <a:headEnd type="none" w="med" len="med"/>
+            <a:tailEnd type="triangle" w="med" len="med"/>
+          </a:ln>
+        </p:spPr>
+        <p:style>
+          <a:lnRef idx="1">
+            <a:schemeClr val="accent1"/>
+          </a:lnRef>
+          <a:fillRef idx="0">
+            <a:schemeClr val="accent1"/>
+          </a:fillRef>
+          <a:effectRef idx="0">
+            <a:schemeClr val="accent1"/>
+          </a:effectRef>
+          <a:fontRef idx="minor">
+            <a:schemeClr val="tx1"/>
+          </a:fontRef>
+        </p:style>
+        <p:txBody>
+          <a:bodyPr rtlCol="0" anchor="ctr"/>
+          <a:lstStyle/>
+          <a:p>
+            <a:pPr algn="ctr"/>
+            <a:endParaRPr kumimoji="1" lang="ko-KR" altLang="en-US"/>
+          </a:p>
+        </p:txBody>
+      </p:sp>
+      <p:sp>
+        <p:nvSpPr>
+          <p:cNvPr id="24" name="TextBox 23">
+            <a:extLst>
+              <a:ext uri="{FF2B5EF4-FFF2-40B4-BE49-F238E27FC236}">
+                <a16:creationId xmlns:a16="http://schemas.microsoft.com/office/drawing/2014/main" id="{6BFEC4D1-4233-E55F-23FB-ADAB11445E64}"/>
+              </a:ext>
+            </a:extLst>
+          </p:cNvPr>
+          <p:cNvSpPr txBox="1"/>
+          <p:nvPr/>
+        </p:nvSpPr>
+        <p:spPr>
+          <a:xfrm>
+            <a:off x="8425602" y="2351247"/>
+            <a:ext cx="689798" cy="246221"/>
+          </a:xfrm>
+          <a:prstGeom prst="rect">
+            <a:avLst/>
+          </a:prstGeom>
+          <a:noFill/>
+        </p:spPr>
+        <p:txBody>
+          <a:bodyPr wrap="square" rtlCol="0">
+            <a:spAutoFit/>
+          </a:bodyPr>
+          <a:lstStyle/>
+          <a:p>
+            <a:pPr algn="ctr"/>
+            <a:r>
+              <a:rPr kumimoji="1" lang="en-US" altLang="ko-KR" sz="1000" i="1">
+                <a:solidFill>
+                  <a:srgbClr val="C00000"/>
+                </a:solidFill>
+              </a:rPr>
+              <a:t>5000ms</a:t>
+            </a:r>
+            <a:endParaRPr kumimoji="1" lang="ko-KR" altLang="en-US" sz="1000" i="1">
+              <a:solidFill>
+                <a:srgbClr val="C00000"/>
+              </a:solidFill>
+            </a:endParaRPr>
+          </a:p>
+        </p:txBody>
+      </p:sp>
+      <p:cxnSp>
+        <p:nvCxnSpPr>
+          <p:cNvPr id="25" name="Straight Arrow Connector 81">
+            <a:extLst>
+              <a:ext uri="{FF2B5EF4-FFF2-40B4-BE49-F238E27FC236}">
+                <a16:creationId xmlns:a16="http://schemas.microsoft.com/office/drawing/2014/main" id="{C735AABD-95C0-85D2-2456-FCF9F3E98B69}"/>
+              </a:ext>
+            </a:extLst>
+          </p:cNvPr>
+          <p:cNvCxnSpPr>
+            <a:cxnSpLocks/>
+          </p:cNvCxnSpPr>
+          <p:nvPr/>
+        </p:nvCxnSpPr>
+        <p:spPr>
+          <a:xfrm>
+            <a:off x="763988" y="2105477"/>
+            <a:ext cx="2917981" cy="0"/>
+          </a:xfrm>
+          <a:prstGeom prst="straightConnector1">
+            <a:avLst/>
+          </a:prstGeom>
+          <a:ln>
+            <a:solidFill>
+              <a:schemeClr val="tx2"/>
+            </a:solidFill>
+            <a:tailEnd type="triangle"/>
+          </a:ln>
+        </p:spPr>
+        <p:style>
+          <a:lnRef idx="1">
+            <a:schemeClr val="accent1"/>
+          </a:lnRef>
+          <a:fillRef idx="0">
+            <a:schemeClr val="accent1"/>
+          </a:fillRef>
+          <a:effectRef idx="0">
+            <a:schemeClr val="accent1"/>
+          </a:effectRef>
+          <a:fontRef idx="minor">
+            <a:schemeClr val="tx1"/>
+          </a:fontRef>
+        </p:style>
+      </p:cxnSp>
+      <p:sp>
+        <p:nvSpPr>
+          <p:cNvPr id="26" name="TextBox 25">
+            <a:extLst>
+              <a:ext uri="{FF2B5EF4-FFF2-40B4-BE49-F238E27FC236}">
+                <a16:creationId xmlns:a16="http://schemas.microsoft.com/office/drawing/2014/main" id="{C4D7A09D-FB0E-9CA9-A8BE-E81460ECAAAF}"/>
+              </a:ext>
+            </a:extLst>
+          </p:cNvPr>
+          <p:cNvSpPr txBox="1"/>
+          <p:nvPr/>
+        </p:nvSpPr>
+        <p:spPr>
+          <a:xfrm>
+            <a:off x="763987" y="1859256"/>
+            <a:ext cx="2795674" cy="246221"/>
+          </a:xfrm>
+          <a:prstGeom prst="rect">
+            <a:avLst/>
+          </a:prstGeom>
+          <a:noFill/>
+        </p:spPr>
+        <p:txBody>
+          <a:bodyPr wrap="square" rtlCol="0">
+            <a:spAutoFit/>
+          </a:bodyPr>
+          <a:lstStyle/>
+          <a:p>
+            <a:r>
+              <a:rPr kumimoji="1" lang="en-US" altLang="ko-KR" sz="1000" i="1">
+                <a:solidFill>
+                  <a:schemeClr val="tx2"/>
+                </a:solidFill>
+              </a:rPr>
+              <a:t>GET </a:t>
+            </a:r>
+            <a:r>
+              <a:rPr lang="en" altLang="ko-KR" sz="1000" i="1">
+                <a:solidFill>
+                  <a:schemeClr val="tx2"/>
+                </a:solidFill>
+              </a:rPr>
+              <a:t>mock-server:8080/delay/5000</a:t>
+            </a:r>
+            <a:endParaRPr kumimoji="1" lang="ko-KR" altLang="en-US" sz="1000" i="1">
+              <a:solidFill>
+                <a:schemeClr val="tx2"/>
+              </a:solidFill>
+            </a:endParaRPr>
+          </a:p>
+        </p:txBody>
+      </p:sp>
+      <p:cxnSp>
+        <p:nvCxnSpPr>
+          <p:cNvPr id="27" name="Straight Arrow Connector 81">
+            <a:extLst>
+              <a:ext uri="{FF2B5EF4-FFF2-40B4-BE49-F238E27FC236}">
+                <a16:creationId xmlns:a16="http://schemas.microsoft.com/office/drawing/2014/main" id="{F757D50F-8790-045F-7724-F6AB14D35F34}"/>
+              </a:ext>
+            </a:extLst>
+          </p:cNvPr>
+          <p:cNvCxnSpPr>
+            <a:cxnSpLocks/>
+          </p:cNvCxnSpPr>
+          <p:nvPr/>
+        </p:nvCxnSpPr>
+        <p:spPr>
+          <a:xfrm>
+            <a:off x="763988" y="1751357"/>
+            <a:ext cx="2917981" cy="0"/>
+          </a:xfrm>
+          <a:prstGeom prst="straightConnector1">
+            <a:avLst/>
+          </a:prstGeom>
+          <a:ln>
+            <a:solidFill>
+              <a:schemeClr val="tx2"/>
+            </a:solidFill>
+            <a:tailEnd type="triangle"/>
+          </a:ln>
+        </p:spPr>
+        <p:style>
+          <a:lnRef idx="1">
+            <a:schemeClr val="accent1"/>
+          </a:lnRef>
+          <a:fillRef idx="0">
+            <a:schemeClr val="accent1"/>
+          </a:fillRef>
+          <a:effectRef idx="0">
+            <a:schemeClr val="accent1"/>
+          </a:effectRef>
+          <a:fontRef idx="minor">
+            <a:schemeClr val="tx1"/>
+          </a:fontRef>
+        </p:style>
+      </p:cxnSp>
+      <p:sp>
+        <p:nvSpPr>
+          <p:cNvPr id="28" name="TextBox 27">
+            <a:extLst>
+              <a:ext uri="{FF2B5EF4-FFF2-40B4-BE49-F238E27FC236}">
+                <a16:creationId xmlns:a16="http://schemas.microsoft.com/office/drawing/2014/main" id="{AA64F032-9460-F416-FEA7-A7AB3188FAF5}"/>
+              </a:ext>
+            </a:extLst>
+          </p:cNvPr>
+          <p:cNvSpPr txBox="1"/>
+          <p:nvPr/>
+        </p:nvSpPr>
+        <p:spPr>
+          <a:xfrm>
+            <a:off x="763987" y="1505136"/>
+            <a:ext cx="2795674" cy="246221"/>
+          </a:xfrm>
+          <a:prstGeom prst="rect">
+            <a:avLst/>
+          </a:prstGeom>
+          <a:noFill/>
+        </p:spPr>
+        <p:txBody>
+          <a:bodyPr wrap="square" rtlCol="0">
+            <a:spAutoFit/>
+          </a:bodyPr>
+          <a:lstStyle/>
+          <a:p>
+            <a:r>
+              <a:rPr kumimoji="1" lang="en-US" altLang="ko-KR" sz="1000" i="1">
+                <a:solidFill>
+                  <a:schemeClr val="tx2"/>
+                </a:solidFill>
+              </a:rPr>
+              <a:t>TCP SYN</a:t>
+            </a:r>
+            <a:endParaRPr kumimoji="1" lang="ko-KR" altLang="en-US" sz="1000" i="1">
+              <a:solidFill>
+                <a:schemeClr val="tx2"/>
+              </a:solidFill>
+            </a:endParaRPr>
+          </a:p>
+        </p:txBody>
+      </p:sp>
+      <p:cxnSp>
+        <p:nvCxnSpPr>
+          <p:cNvPr id="29" name="Straight Arrow Connector 81">
+            <a:extLst>
+              <a:ext uri="{FF2B5EF4-FFF2-40B4-BE49-F238E27FC236}">
+                <a16:creationId xmlns:a16="http://schemas.microsoft.com/office/drawing/2014/main" id="{C913A212-6A73-6792-5342-45C9BCC69197}"/>
+              </a:ext>
+            </a:extLst>
+          </p:cNvPr>
+          <p:cNvCxnSpPr>
+            <a:cxnSpLocks/>
+          </p:cNvCxnSpPr>
+          <p:nvPr/>
+        </p:nvCxnSpPr>
+        <p:spPr>
+          <a:xfrm>
+            <a:off x="763988" y="2812063"/>
+            <a:ext cx="2917981" cy="0"/>
+          </a:xfrm>
+          <a:prstGeom prst="straightConnector1">
+            <a:avLst/>
+          </a:prstGeom>
+          <a:ln>
+            <a:solidFill>
+              <a:schemeClr val="accent3"/>
+            </a:solidFill>
+            <a:tailEnd type="triangle"/>
+          </a:ln>
+        </p:spPr>
+        <p:style>
+          <a:lnRef idx="1">
+            <a:schemeClr val="accent1"/>
+          </a:lnRef>
+          <a:fillRef idx="0">
+            <a:schemeClr val="accent1"/>
+          </a:fillRef>
+          <a:effectRef idx="0">
+            <a:schemeClr val="accent1"/>
+          </a:effectRef>
+          <a:fontRef idx="minor">
+            <a:schemeClr val="tx1"/>
+          </a:fontRef>
+        </p:style>
+      </p:cxnSp>
+      <p:sp>
+        <p:nvSpPr>
+          <p:cNvPr id="30" name="TextBox 29">
+            <a:extLst>
+              <a:ext uri="{FF2B5EF4-FFF2-40B4-BE49-F238E27FC236}">
+                <a16:creationId xmlns:a16="http://schemas.microsoft.com/office/drawing/2014/main" id="{B843F6B6-47BD-7B8B-A425-85FDE3806958}"/>
+              </a:ext>
+            </a:extLst>
+          </p:cNvPr>
+          <p:cNvSpPr txBox="1"/>
+          <p:nvPr/>
+        </p:nvSpPr>
+        <p:spPr>
+          <a:xfrm>
+            <a:off x="763987" y="2565842"/>
+            <a:ext cx="2795674" cy="246221"/>
+          </a:xfrm>
+          <a:prstGeom prst="rect">
+            <a:avLst/>
+          </a:prstGeom>
+          <a:noFill/>
+        </p:spPr>
+        <p:txBody>
+          <a:bodyPr wrap="square" rtlCol="0">
+            <a:spAutoFit/>
+          </a:bodyPr>
+          <a:lstStyle/>
+          <a:p>
+            <a:r>
+              <a:rPr kumimoji="1" lang="en-US" altLang="ko-KR" sz="1000" i="1">
+                <a:solidFill>
+                  <a:schemeClr val="accent3"/>
+                </a:solidFill>
+              </a:rPr>
+              <a:t>GET </a:t>
+            </a:r>
+            <a:r>
+              <a:rPr lang="en" altLang="ko-KR" sz="1000" i="1">
+                <a:solidFill>
+                  <a:schemeClr val="accent3"/>
+                </a:solidFill>
+              </a:rPr>
+              <a:t>mock-server:8080/delay/5000</a:t>
+            </a:r>
+            <a:endParaRPr kumimoji="1" lang="ko-KR" altLang="en-US" sz="1000" i="1">
+              <a:solidFill>
+                <a:schemeClr val="accent3"/>
+              </a:solidFill>
+            </a:endParaRPr>
+          </a:p>
+        </p:txBody>
+      </p:sp>
+      <p:cxnSp>
+        <p:nvCxnSpPr>
+          <p:cNvPr id="31" name="Straight Arrow Connector 81">
+            <a:extLst>
+              <a:ext uri="{FF2B5EF4-FFF2-40B4-BE49-F238E27FC236}">
+                <a16:creationId xmlns:a16="http://schemas.microsoft.com/office/drawing/2014/main" id="{28F8472D-DDA1-FD52-5F17-7AB6984FD3ED}"/>
+              </a:ext>
+            </a:extLst>
+          </p:cNvPr>
+          <p:cNvCxnSpPr>
+            <a:cxnSpLocks/>
+          </p:cNvCxnSpPr>
+          <p:nvPr/>
+        </p:nvCxnSpPr>
+        <p:spPr>
+          <a:xfrm>
+            <a:off x="763988" y="2457943"/>
+            <a:ext cx="2917981" cy="0"/>
+          </a:xfrm>
+          <a:prstGeom prst="straightConnector1">
+            <a:avLst/>
+          </a:prstGeom>
+          <a:ln>
+            <a:solidFill>
+              <a:schemeClr val="accent3"/>
+            </a:solidFill>
+            <a:tailEnd type="triangle"/>
+          </a:ln>
+        </p:spPr>
+        <p:style>
+          <a:lnRef idx="1">
+            <a:schemeClr val="accent1"/>
+          </a:lnRef>
+          <a:fillRef idx="0">
+            <a:schemeClr val="accent1"/>
+          </a:fillRef>
+          <a:effectRef idx="0">
+            <a:schemeClr val="accent1"/>
+          </a:effectRef>
+          <a:fontRef idx="minor">
+            <a:schemeClr val="tx1"/>
+          </a:fontRef>
+        </p:style>
+      </p:cxnSp>
+      <p:sp>
+        <p:nvSpPr>
+          <p:cNvPr id="32" name="TextBox 31">
+            <a:extLst>
+              <a:ext uri="{FF2B5EF4-FFF2-40B4-BE49-F238E27FC236}">
+                <a16:creationId xmlns:a16="http://schemas.microsoft.com/office/drawing/2014/main" id="{BACB6495-F10E-1B54-A790-91DF7745F18B}"/>
+              </a:ext>
+            </a:extLst>
+          </p:cNvPr>
+          <p:cNvSpPr txBox="1"/>
+          <p:nvPr/>
+        </p:nvSpPr>
+        <p:spPr>
+          <a:xfrm>
+            <a:off x="763987" y="2211722"/>
+            <a:ext cx="2795674" cy="246221"/>
+          </a:xfrm>
+          <a:prstGeom prst="rect">
+            <a:avLst/>
+          </a:prstGeom>
+          <a:noFill/>
+        </p:spPr>
+        <p:txBody>
+          <a:bodyPr wrap="square" rtlCol="0">
+            <a:spAutoFit/>
+          </a:bodyPr>
+          <a:lstStyle/>
+          <a:p>
+            <a:r>
+              <a:rPr kumimoji="1" lang="en-US" altLang="ko-KR" sz="1000" i="1">
+                <a:solidFill>
+                  <a:schemeClr val="accent3"/>
+                </a:solidFill>
+              </a:rPr>
+              <a:t>TCP SYN</a:t>
+            </a:r>
+            <a:endParaRPr kumimoji="1" lang="ko-KR" altLang="en-US" sz="1000" i="1">
+              <a:solidFill>
+                <a:schemeClr val="accent3"/>
+              </a:solidFill>
+            </a:endParaRPr>
+          </a:p>
+        </p:txBody>
+      </p:sp>
+      <p:cxnSp>
+        <p:nvCxnSpPr>
+          <p:cNvPr id="34" name="Straight Arrow Connector 81">
+            <a:extLst>
+              <a:ext uri="{FF2B5EF4-FFF2-40B4-BE49-F238E27FC236}">
+                <a16:creationId xmlns:a16="http://schemas.microsoft.com/office/drawing/2014/main" id="{A5CB2EBC-41C8-9DB5-5B9D-80EC86B584D1}"/>
+              </a:ext>
+            </a:extLst>
+          </p:cNvPr>
+          <p:cNvCxnSpPr>
+            <a:cxnSpLocks/>
+          </p:cNvCxnSpPr>
+          <p:nvPr/>
+        </p:nvCxnSpPr>
+        <p:spPr>
+          <a:xfrm>
+            <a:off x="763988" y="2931790"/>
+            <a:ext cx="2917981" cy="0"/>
+          </a:xfrm>
+          <a:prstGeom prst="straightConnector1">
+            <a:avLst/>
+          </a:prstGeom>
+          <a:ln>
+            <a:solidFill>
+              <a:schemeClr val="accent3"/>
+            </a:solidFill>
+            <a:headEnd type="triangle" w="med" len="med"/>
+            <a:tailEnd type="none" w="med" len="med"/>
+          </a:ln>
+        </p:spPr>
+        <p:style>
+          <a:lnRef idx="1">
+            <a:schemeClr val="accent1"/>
+          </a:lnRef>
+          <a:fillRef idx="0">
+            <a:schemeClr val="accent1"/>
+          </a:fillRef>
+          <a:effectRef idx="0">
+            <a:schemeClr val="accent1"/>
+          </a:effectRef>
+          <a:fontRef idx="minor">
+            <a:schemeClr val="tx1"/>
+          </a:fontRef>
+        </p:style>
+      </p:cxnSp>
+      <p:sp>
+        <p:nvSpPr>
+          <p:cNvPr id="35" name="TextBox 34">
+            <a:extLst>
+              <a:ext uri="{FF2B5EF4-FFF2-40B4-BE49-F238E27FC236}">
+                <a16:creationId xmlns:a16="http://schemas.microsoft.com/office/drawing/2014/main" id="{891B0BDC-891A-50DF-0B5B-D7DE42419023}"/>
+              </a:ext>
+            </a:extLst>
+          </p:cNvPr>
+          <p:cNvSpPr txBox="1"/>
+          <p:nvPr/>
+        </p:nvSpPr>
+        <p:spPr>
+          <a:xfrm>
+            <a:off x="879694" y="2935173"/>
+            <a:ext cx="2795674" cy="246221"/>
+          </a:xfrm>
+          <a:prstGeom prst="rect">
+            <a:avLst/>
+          </a:prstGeom>
+          <a:noFill/>
+        </p:spPr>
+        <p:txBody>
+          <a:bodyPr wrap="square" rtlCol="0">
+            <a:spAutoFit/>
+          </a:bodyPr>
+          <a:lstStyle/>
+          <a:p>
+            <a:pPr algn="r"/>
+            <a:r>
+              <a:rPr kumimoji="1" lang="en-US" altLang="ko-KR" sz="1000" i="1">
+                <a:solidFill>
+                  <a:schemeClr val="accent3"/>
+                </a:solidFill>
+              </a:rPr>
+              <a:t>503 Service Unavailable</a:t>
+            </a:r>
+            <a:endParaRPr kumimoji="1" lang="ko-KR" altLang="en-US" sz="1000" i="1">
+              <a:solidFill>
+                <a:schemeClr val="accent3"/>
+              </a:solidFill>
+            </a:endParaRPr>
+          </a:p>
+        </p:txBody>
+      </p:sp>
+      <p:cxnSp>
+        <p:nvCxnSpPr>
+          <p:cNvPr id="38" name="Straight Arrow Connector 81">
+            <a:extLst>
+              <a:ext uri="{FF2B5EF4-FFF2-40B4-BE49-F238E27FC236}">
+                <a16:creationId xmlns:a16="http://schemas.microsoft.com/office/drawing/2014/main" id="{424210CE-4049-1FCA-E3FD-CED4B2414AB4}"/>
+              </a:ext>
+            </a:extLst>
+          </p:cNvPr>
+          <p:cNvCxnSpPr>
+            <a:cxnSpLocks/>
+          </p:cNvCxnSpPr>
+          <p:nvPr/>
+        </p:nvCxnSpPr>
+        <p:spPr>
+          <a:xfrm>
+            <a:off x="763988" y="3250019"/>
+            <a:ext cx="2917981" cy="0"/>
+          </a:xfrm>
+          <a:prstGeom prst="straightConnector1">
+            <a:avLst/>
+          </a:prstGeom>
+          <a:ln>
+            <a:solidFill>
+              <a:schemeClr val="accent3"/>
+            </a:solidFill>
+            <a:tailEnd type="triangle"/>
+          </a:ln>
+        </p:spPr>
+        <p:style>
+          <a:lnRef idx="1">
+            <a:schemeClr val="accent1"/>
+          </a:lnRef>
+          <a:fillRef idx="0">
+            <a:schemeClr val="accent1"/>
+          </a:fillRef>
+          <a:effectRef idx="0">
+            <a:schemeClr val="accent1"/>
+          </a:effectRef>
+          <a:fontRef idx="minor">
+            <a:schemeClr val="tx1"/>
+          </a:fontRef>
+        </p:style>
+      </p:cxnSp>
+      <p:sp>
+        <p:nvSpPr>
+          <p:cNvPr id="39" name="TextBox 38">
+            <a:extLst>
+              <a:ext uri="{FF2B5EF4-FFF2-40B4-BE49-F238E27FC236}">
+                <a16:creationId xmlns:a16="http://schemas.microsoft.com/office/drawing/2014/main" id="{42A33FFE-46A0-9E5D-0EE9-1FCA8EF8B402}"/>
+              </a:ext>
+            </a:extLst>
+          </p:cNvPr>
+          <p:cNvSpPr txBox="1"/>
+          <p:nvPr/>
+        </p:nvSpPr>
+        <p:spPr>
+          <a:xfrm>
+            <a:off x="763987" y="3003798"/>
+            <a:ext cx="2795674" cy="246221"/>
+          </a:xfrm>
+          <a:prstGeom prst="rect">
+            <a:avLst/>
+          </a:prstGeom>
+          <a:noFill/>
+        </p:spPr>
+        <p:txBody>
+          <a:bodyPr wrap="square" rtlCol="0">
+            <a:spAutoFit/>
+          </a:bodyPr>
+          <a:lstStyle/>
+          <a:p>
+            <a:r>
+              <a:rPr kumimoji="1" lang="en-US" altLang="ko-KR" sz="1000" i="1">
+                <a:solidFill>
+                  <a:schemeClr val="accent3"/>
+                </a:solidFill>
+              </a:rPr>
+              <a:t>TCP FIN</a:t>
+            </a:r>
+            <a:endParaRPr kumimoji="1" lang="ko-KR" altLang="en-US" sz="1000" i="1">
+              <a:solidFill>
+                <a:schemeClr val="accent3"/>
+              </a:solidFill>
+            </a:endParaRPr>
+          </a:p>
+        </p:txBody>
+      </p:sp>
+      <p:cxnSp>
+        <p:nvCxnSpPr>
+          <p:cNvPr id="42" name="Straight Arrow Connector 81">
+            <a:extLst>
+              <a:ext uri="{FF2B5EF4-FFF2-40B4-BE49-F238E27FC236}">
+                <a16:creationId xmlns:a16="http://schemas.microsoft.com/office/drawing/2014/main" id="{7B43A791-5B57-427E-E95C-DCE0BA1F2848}"/>
+              </a:ext>
+            </a:extLst>
+          </p:cNvPr>
+          <p:cNvCxnSpPr>
+            <a:cxnSpLocks/>
+          </p:cNvCxnSpPr>
+          <p:nvPr/>
+        </p:nvCxnSpPr>
+        <p:spPr>
+          <a:xfrm>
+            <a:off x="3681969" y="3932019"/>
+            <a:ext cx="1780064" cy="0"/>
+          </a:xfrm>
+          <a:prstGeom prst="straightConnector1">
+            <a:avLst/>
+          </a:prstGeom>
+          <a:ln>
+            <a:solidFill>
+              <a:schemeClr val="tx2"/>
+            </a:solidFill>
+            <a:tailEnd type="triangle"/>
+          </a:ln>
+        </p:spPr>
+        <p:style>
+          <a:lnRef idx="1">
+            <a:schemeClr val="accent1"/>
+          </a:lnRef>
+          <a:fillRef idx="0">
+            <a:schemeClr val="accent1"/>
+          </a:fillRef>
+          <a:effectRef idx="0">
+            <a:schemeClr val="accent1"/>
+          </a:effectRef>
+          <a:fontRef idx="minor">
+            <a:schemeClr val="tx1"/>
+          </a:fontRef>
+        </p:style>
+      </p:cxnSp>
+      <p:cxnSp>
+        <p:nvCxnSpPr>
+          <p:cNvPr id="43" name="Straight Arrow Connector 81">
+            <a:extLst>
+              <a:ext uri="{FF2B5EF4-FFF2-40B4-BE49-F238E27FC236}">
+                <a16:creationId xmlns:a16="http://schemas.microsoft.com/office/drawing/2014/main" id="{2D83375D-001C-B017-F735-8A6978DC0884}"/>
+              </a:ext>
+            </a:extLst>
+          </p:cNvPr>
+          <p:cNvCxnSpPr>
+            <a:cxnSpLocks/>
+          </p:cNvCxnSpPr>
+          <p:nvPr/>
+        </p:nvCxnSpPr>
+        <p:spPr>
+          <a:xfrm>
+            <a:off x="5462033" y="4011910"/>
+            <a:ext cx="2917978" cy="0"/>
+          </a:xfrm>
+          <a:prstGeom prst="straightConnector1">
+            <a:avLst/>
+          </a:prstGeom>
+          <a:ln>
+            <a:solidFill>
+              <a:schemeClr val="tx2"/>
+            </a:solidFill>
+            <a:tailEnd type="triangle"/>
+          </a:ln>
+        </p:spPr>
+        <p:style>
+          <a:lnRef idx="1">
+            <a:schemeClr val="accent1"/>
+          </a:lnRef>
+          <a:fillRef idx="0">
+            <a:schemeClr val="accent1"/>
+          </a:fillRef>
+          <a:effectRef idx="0">
+            <a:schemeClr val="accent1"/>
+          </a:effectRef>
+          <a:fontRef idx="minor">
+            <a:schemeClr val="tx1"/>
+          </a:fontRef>
+        </p:style>
+      </p:cxnSp>
+      <p:cxnSp>
+        <p:nvCxnSpPr>
+          <p:cNvPr id="44" name="Straight Arrow Connector 81">
+            <a:extLst>
+              <a:ext uri="{FF2B5EF4-FFF2-40B4-BE49-F238E27FC236}">
+                <a16:creationId xmlns:a16="http://schemas.microsoft.com/office/drawing/2014/main" id="{F7A52364-9792-D282-746D-CF69C514B1D0}"/>
+              </a:ext>
+            </a:extLst>
+          </p:cNvPr>
+          <p:cNvCxnSpPr>
+            <a:cxnSpLocks/>
+          </p:cNvCxnSpPr>
+          <p:nvPr/>
+        </p:nvCxnSpPr>
+        <p:spPr>
+          <a:xfrm>
+            <a:off x="5462033" y="4257188"/>
+            <a:ext cx="2917977" cy="0"/>
+          </a:xfrm>
+          <a:prstGeom prst="straightConnector1">
+            <a:avLst/>
+          </a:prstGeom>
+          <a:ln>
+            <a:solidFill>
+              <a:schemeClr val="tx2"/>
+            </a:solidFill>
+            <a:headEnd type="triangle" w="med" len="med"/>
+            <a:tailEnd type="none" w="med" len="med"/>
+          </a:ln>
+        </p:spPr>
+        <p:style>
+          <a:lnRef idx="1">
+            <a:schemeClr val="accent1"/>
+          </a:lnRef>
+          <a:fillRef idx="0">
+            <a:schemeClr val="accent1"/>
+          </a:fillRef>
+          <a:effectRef idx="0">
+            <a:schemeClr val="accent1"/>
+          </a:effectRef>
+          <a:fontRef idx="minor">
+            <a:schemeClr val="tx1"/>
+          </a:fontRef>
+        </p:style>
+      </p:cxnSp>
+      <p:sp>
+        <p:nvSpPr>
+          <p:cNvPr id="45" name="TextBox 44">
+            <a:extLst>
+              <a:ext uri="{FF2B5EF4-FFF2-40B4-BE49-F238E27FC236}">
+                <a16:creationId xmlns:a16="http://schemas.microsoft.com/office/drawing/2014/main" id="{B3472CB4-05C2-8744-207C-3A5A56921BE8}"/>
+              </a:ext>
+            </a:extLst>
+          </p:cNvPr>
+          <p:cNvSpPr txBox="1"/>
+          <p:nvPr/>
+        </p:nvSpPr>
+        <p:spPr>
+          <a:xfrm>
+            <a:off x="5584334" y="4257188"/>
+            <a:ext cx="2795674" cy="246221"/>
+          </a:xfrm>
+          <a:prstGeom prst="rect">
+            <a:avLst/>
+          </a:prstGeom>
+          <a:noFill/>
+        </p:spPr>
+        <p:txBody>
+          <a:bodyPr wrap="square" rtlCol="0">
+            <a:spAutoFit/>
+          </a:bodyPr>
+          <a:lstStyle/>
+          <a:p>
+            <a:pPr algn="r"/>
+            <a:r>
+              <a:rPr kumimoji="1" lang="en-US" altLang="ko-KR" sz="1000" i="1">
+                <a:solidFill>
+                  <a:schemeClr val="tx2"/>
+                </a:solidFill>
+              </a:rPr>
+              <a:t>200 OK</a:t>
+            </a:r>
+            <a:endParaRPr kumimoji="1" lang="ko-KR" altLang="en-US" sz="1000" i="1">
+              <a:solidFill>
+                <a:schemeClr val="tx2"/>
+              </a:solidFill>
+            </a:endParaRPr>
+          </a:p>
+        </p:txBody>
+      </p:sp>
+      <p:cxnSp>
+        <p:nvCxnSpPr>
+          <p:cNvPr id="48" name="Straight Arrow Connector 81">
+            <a:extLst>
+              <a:ext uri="{FF2B5EF4-FFF2-40B4-BE49-F238E27FC236}">
+                <a16:creationId xmlns:a16="http://schemas.microsoft.com/office/drawing/2014/main" id="{3D279A1F-5660-BD42-C4F4-97AE8BB28305}"/>
+              </a:ext>
+            </a:extLst>
+          </p:cNvPr>
+          <p:cNvCxnSpPr>
+            <a:cxnSpLocks/>
+          </p:cNvCxnSpPr>
+          <p:nvPr/>
+        </p:nvCxnSpPr>
+        <p:spPr>
+          <a:xfrm>
+            <a:off x="3681977" y="4329196"/>
+            <a:ext cx="1780056" cy="0"/>
+          </a:xfrm>
+          <a:prstGeom prst="straightConnector1">
+            <a:avLst/>
+          </a:prstGeom>
+          <a:ln>
+            <a:solidFill>
+              <a:schemeClr val="tx2"/>
+            </a:solidFill>
+            <a:headEnd type="triangle" w="med" len="med"/>
+            <a:tailEnd type="none" w="med" len="med"/>
+          </a:ln>
+        </p:spPr>
+        <p:style>
+          <a:lnRef idx="1">
+            <a:schemeClr val="accent1"/>
+          </a:lnRef>
+          <a:fillRef idx="0">
+            <a:schemeClr val="accent1"/>
+          </a:fillRef>
+          <a:effectRef idx="0">
+            <a:schemeClr val="accent1"/>
+          </a:effectRef>
+          <a:fontRef idx="minor">
+            <a:schemeClr val="tx1"/>
+          </a:fontRef>
+        </p:style>
+      </p:cxnSp>
+      <p:cxnSp>
+        <p:nvCxnSpPr>
+          <p:cNvPr id="49" name="Straight Arrow Connector 81">
+            <a:extLst>
+              <a:ext uri="{FF2B5EF4-FFF2-40B4-BE49-F238E27FC236}">
+                <a16:creationId xmlns:a16="http://schemas.microsoft.com/office/drawing/2014/main" id="{B3035838-443B-67C9-3F2D-0276CEF3D52E}"/>
+              </a:ext>
+            </a:extLst>
+          </p:cNvPr>
+          <p:cNvCxnSpPr>
+            <a:cxnSpLocks/>
+          </p:cNvCxnSpPr>
+          <p:nvPr/>
+        </p:nvCxnSpPr>
+        <p:spPr>
+          <a:xfrm>
+            <a:off x="763987" y="4401204"/>
+            <a:ext cx="2917982" cy="0"/>
+          </a:xfrm>
+          <a:prstGeom prst="straightConnector1">
+            <a:avLst/>
+          </a:prstGeom>
+          <a:ln>
+            <a:solidFill>
+              <a:schemeClr val="tx2"/>
+            </a:solidFill>
+            <a:headEnd type="triangle" w="med" len="med"/>
+            <a:tailEnd type="none" w="med" len="med"/>
+          </a:ln>
+        </p:spPr>
+        <p:style>
+          <a:lnRef idx="1">
+            <a:schemeClr val="accent1"/>
+          </a:lnRef>
+          <a:fillRef idx="0">
+            <a:schemeClr val="accent1"/>
+          </a:fillRef>
+          <a:effectRef idx="0">
+            <a:schemeClr val="accent1"/>
+          </a:effectRef>
+          <a:fontRef idx="minor">
+            <a:schemeClr val="tx1"/>
+          </a:fontRef>
+        </p:style>
+      </p:cxnSp>
+      <p:sp>
+        <p:nvSpPr>
+          <p:cNvPr id="50" name="TextBox 49">
+            <a:extLst>
+              <a:ext uri="{FF2B5EF4-FFF2-40B4-BE49-F238E27FC236}">
+                <a16:creationId xmlns:a16="http://schemas.microsoft.com/office/drawing/2014/main" id="{A008961D-C30E-6602-1C6F-81F5A46CD01E}"/>
+              </a:ext>
+            </a:extLst>
+          </p:cNvPr>
+          <p:cNvSpPr txBox="1"/>
+          <p:nvPr/>
+        </p:nvSpPr>
+        <p:spPr>
+          <a:xfrm>
+            <a:off x="3681962" y="3684335"/>
+            <a:ext cx="2795674" cy="246221"/>
+          </a:xfrm>
+          <a:prstGeom prst="rect">
+            <a:avLst/>
+          </a:prstGeom>
+          <a:noFill/>
+        </p:spPr>
+        <p:txBody>
+          <a:bodyPr wrap="square" rtlCol="0">
+            <a:spAutoFit/>
+          </a:bodyPr>
+          <a:lstStyle/>
+          <a:p>
+            <a:r>
+              <a:rPr kumimoji="1" lang="en-US" altLang="ko-KR" sz="1000" i="1">
+                <a:solidFill>
+                  <a:schemeClr val="tx2"/>
+                </a:solidFill>
+              </a:rPr>
+              <a:t>GET </a:t>
+            </a:r>
+            <a:r>
+              <a:rPr lang="en" altLang="ko-KR" sz="1000" i="1">
+                <a:solidFill>
+                  <a:schemeClr val="tx2"/>
+                </a:solidFill>
+              </a:rPr>
+              <a:t>mock-server:8080/delay/5000</a:t>
+            </a:r>
+            <a:endParaRPr kumimoji="1" lang="ko-KR" altLang="en-US" sz="1000" i="1">
+              <a:solidFill>
+                <a:schemeClr val="tx2"/>
+              </a:solidFill>
+            </a:endParaRPr>
+          </a:p>
+        </p:txBody>
+      </p:sp>
+      <p:sp>
+        <p:nvSpPr>
+          <p:cNvPr id="51" name="호 50">
+            <a:extLst>
+              <a:ext uri="{FF2B5EF4-FFF2-40B4-BE49-F238E27FC236}">
+                <a16:creationId xmlns:a16="http://schemas.microsoft.com/office/drawing/2014/main" id="{B9201AB4-5ACB-B458-86A1-20DF79D9A498}"/>
+              </a:ext>
+            </a:extLst>
+          </p:cNvPr>
+          <p:cNvSpPr/>
+          <p:nvPr/>
+        </p:nvSpPr>
+        <p:spPr>
+          <a:xfrm>
+            <a:off x="8244505" y="4008125"/>
+            <a:ext cx="257804" cy="246222"/>
+          </a:xfrm>
+          <a:prstGeom prst="arc">
+            <a:avLst>
+              <a:gd name="adj1" fmla="val 16200000"/>
+              <a:gd name="adj2" fmla="val 5389298"/>
+            </a:avLst>
+          </a:prstGeom>
+          <a:ln>
+            <a:solidFill>
+              <a:schemeClr val="tx2"/>
+            </a:solidFill>
+            <a:headEnd type="none" w="med" len="med"/>
+            <a:tailEnd type="triangle" w="med" len="med"/>
+          </a:ln>
+        </p:spPr>
+        <p:style>
+          <a:lnRef idx="1">
+            <a:schemeClr val="accent1"/>
+          </a:lnRef>
+          <a:fillRef idx="0">
+            <a:schemeClr val="accent1"/>
+          </a:fillRef>
+          <a:effectRef idx="0">
+            <a:schemeClr val="accent1"/>
+          </a:effectRef>
+          <a:fontRef idx="minor">
+            <a:schemeClr val="tx1"/>
+          </a:fontRef>
+        </p:style>
+        <p:txBody>
+          <a:bodyPr rtlCol="0" anchor="ctr"/>
+          <a:lstStyle/>
+          <a:p>
+            <a:pPr algn="ctr"/>
+            <a:endParaRPr kumimoji="1" lang="ko-KR" altLang="en-US">
+              <a:solidFill>
+                <a:schemeClr val="tx2"/>
+              </a:solidFill>
+            </a:endParaRPr>
+          </a:p>
+        </p:txBody>
+      </p:sp>
+      <p:sp>
+        <p:nvSpPr>
+          <p:cNvPr id="54" name="TextBox 53">
+            <a:extLst>
+              <a:ext uri="{FF2B5EF4-FFF2-40B4-BE49-F238E27FC236}">
+                <a16:creationId xmlns:a16="http://schemas.microsoft.com/office/drawing/2014/main" id="{12343672-C369-9BDC-C876-458C2C8CF809}"/>
+              </a:ext>
+            </a:extLst>
+          </p:cNvPr>
+          <p:cNvSpPr txBox="1"/>
+          <p:nvPr/>
+        </p:nvSpPr>
+        <p:spPr>
+          <a:xfrm>
+            <a:off x="8425602" y="4005284"/>
+            <a:ext cx="689798" cy="246221"/>
+          </a:xfrm>
+          <a:prstGeom prst="rect">
+            <a:avLst/>
+          </a:prstGeom>
+          <a:noFill/>
+        </p:spPr>
+        <p:txBody>
+          <a:bodyPr wrap="square" rtlCol="0">
+            <a:spAutoFit/>
+          </a:bodyPr>
+          <a:lstStyle/>
+          <a:p>
+            <a:pPr algn="ctr"/>
+            <a:r>
+              <a:rPr kumimoji="1" lang="en-US" altLang="ko-KR" sz="1000" i="1">
+                <a:solidFill>
+                  <a:schemeClr val="tx2"/>
+                </a:solidFill>
+              </a:rPr>
+              <a:t>5000ms</a:t>
+            </a:r>
+            <a:endParaRPr kumimoji="1" lang="ko-KR" altLang="en-US" sz="1000" i="1">
+              <a:solidFill>
+                <a:schemeClr val="tx2"/>
+              </a:solidFill>
+            </a:endParaRPr>
+          </a:p>
+        </p:txBody>
+      </p:sp>
+      <p:cxnSp>
+        <p:nvCxnSpPr>
+          <p:cNvPr id="55" name="Straight Arrow Connector 81">
+            <a:extLst>
+              <a:ext uri="{FF2B5EF4-FFF2-40B4-BE49-F238E27FC236}">
+                <a16:creationId xmlns:a16="http://schemas.microsoft.com/office/drawing/2014/main" id="{ECE238E5-7FA0-A480-79A7-0ED1B541F1DE}"/>
+              </a:ext>
+            </a:extLst>
+          </p:cNvPr>
+          <p:cNvCxnSpPr>
+            <a:cxnSpLocks/>
+          </p:cNvCxnSpPr>
+          <p:nvPr/>
+        </p:nvCxnSpPr>
+        <p:spPr>
+          <a:xfrm>
+            <a:off x="763988" y="4725470"/>
+            <a:ext cx="2917981" cy="0"/>
+          </a:xfrm>
+          <a:prstGeom prst="straightConnector1">
+            <a:avLst/>
+          </a:prstGeom>
+          <a:ln>
+            <a:solidFill>
+              <a:schemeClr val="tx2"/>
+            </a:solidFill>
+            <a:tailEnd type="triangle"/>
+          </a:ln>
+        </p:spPr>
+        <p:style>
+          <a:lnRef idx="1">
+            <a:schemeClr val="accent1"/>
+          </a:lnRef>
+          <a:fillRef idx="0">
+            <a:schemeClr val="accent1"/>
+          </a:fillRef>
+          <a:effectRef idx="0">
+            <a:schemeClr val="accent1"/>
+          </a:effectRef>
+          <a:fontRef idx="minor">
+            <a:schemeClr val="tx1"/>
+          </a:fontRef>
+        </p:style>
+      </p:cxnSp>
+      <p:sp>
+        <p:nvSpPr>
+          <p:cNvPr id="56" name="TextBox 55">
+            <a:extLst>
+              <a:ext uri="{FF2B5EF4-FFF2-40B4-BE49-F238E27FC236}">
+                <a16:creationId xmlns:a16="http://schemas.microsoft.com/office/drawing/2014/main" id="{BE6E78AA-9CBB-D745-4206-9E70B25ABBCF}"/>
+              </a:ext>
+            </a:extLst>
+          </p:cNvPr>
+          <p:cNvSpPr txBox="1"/>
+          <p:nvPr/>
+        </p:nvSpPr>
+        <p:spPr>
+          <a:xfrm>
+            <a:off x="763987" y="4479249"/>
+            <a:ext cx="2795674" cy="246221"/>
+          </a:xfrm>
+          <a:prstGeom prst="rect">
+            <a:avLst/>
+          </a:prstGeom>
+          <a:noFill/>
+        </p:spPr>
+        <p:txBody>
+          <a:bodyPr wrap="square" rtlCol="0">
+            <a:spAutoFit/>
+          </a:bodyPr>
+          <a:lstStyle/>
+          <a:p>
+            <a:r>
+              <a:rPr kumimoji="1" lang="en-US" altLang="ko-KR" sz="1000" i="1">
+                <a:solidFill>
+                  <a:schemeClr val="tx2"/>
+                </a:solidFill>
+              </a:rPr>
+              <a:t>TCP FIN</a:t>
+            </a:r>
+            <a:endParaRPr kumimoji="1" lang="ko-KR" altLang="en-US" sz="1000" i="1">
+              <a:solidFill>
+                <a:schemeClr val="tx2"/>
+              </a:solidFill>
+            </a:endParaRPr>
           </a:p>
         </p:txBody>
       </p:sp>
     </p:spTree>
     <p:extLst>
       <p:ext uri="{BB962C8B-B14F-4D97-AF65-F5344CB8AC3E}">
-        <p14:creationId xmlns:p14="http://schemas.microsoft.com/office/powerpoint/2010/main" val="3122253027"/>
+        <p14:creationId xmlns:p14="http://schemas.microsoft.com/office/powerpoint/2010/main" val="4125252097"/>
       </p:ext>
     </p:extLst>
   </p:cSld>

--- a/content/docs/theory-analysis/istio-sidecar-proxy-access-log/images/images.pptx
+++ b/content/docs/theory-analysis/istio-sidecar-proxy-access-log/images/images.pptx
@@ -5,7 +5,7 @@
     <p:sldMasterId id="2147483648" r:id="rId1"/>
   </p:sldMasterIdLst>
   <p:notesMasterIdLst>
-    <p:notesMasterId r:id="rId29"/>
+    <p:notesMasterId r:id="rId30"/>
   </p:notesMasterIdLst>
   <p:sldIdLst>
     <p:sldId id="398" r:id="rId2"/>
@@ -17,24 +17,25 @@
     <p:sldId id="420" r:id="rId8"/>
     <p:sldId id="426" r:id="rId9"/>
     <p:sldId id="427" r:id="rId10"/>
-    <p:sldId id="424" r:id="rId11"/>
-    <p:sldId id="413" r:id="rId12"/>
-    <p:sldId id="414" r:id="rId13"/>
-    <p:sldId id="415" r:id="rId14"/>
-    <p:sldId id="403" r:id="rId15"/>
-    <p:sldId id="399" r:id="rId16"/>
-    <p:sldId id="400" r:id="rId17"/>
-    <p:sldId id="401" r:id="rId18"/>
-    <p:sldId id="402" r:id="rId19"/>
-    <p:sldId id="404" r:id="rId20"/>
-    <p:sldId id="405" r:id="rId21"/>
-    <p:sldId id="408" r:id="rId22"/>
-    <p:sldId id="407" r:id="rId23"/>
-    <p:sldId id="409" r:id="rId24"/>
-    <p:sldId id="410" r:id="rId25"/>
-    <p:sldId id="387" r:id="rId26"/>
-    <p:sldId id="411" r:id="rId27"/>
-    <p:sldId id="412" r:id="rId28"/>
+    <p:sldId id="428" r:id="rId11"/>
+    <p:sldId id="424" r:id="rId12"/>
+    <p:sldId id="413" r:id="rId13"/>
+    <p:sldId id="414" r:id="rId14"/>
+    <p:sldId id="415" r:id="rId15"/>
+    <p:sldId id="403" r:id="rId16"/>
+    <p:sldId id="399" r:id="rId17"/>
+    <p:sldId id="400" r:id="rId18"/>
+    <p:sldId id="401" r:id="rId19"/>
+    <p:sldId id="402" r:id="rId20"/>
+    <p:sldId id="404" r:id="rId21"/>
+    <p:sldId id="405" r:id="rId22"/>
+    <p:sldId id="408" r:id="rId23"/>
+    <p:sldId id="407" r:id="rId24"/>
+    <p:sldId id="409" r:id="rId25"/>
+    <p:sldId id="410" r:id="rId26"/>
+    <p:sldId id="387" r:id="rId27"/>
+    <p:sldId id="411" r:id="rId28"/>
+    <p:sldId id="412" r:id="rId29"/>
   </p:sldIdLst>
   <p:sldSz cx="9144000" cy="5143500" type="screen16x9"/>
   <p:notesSz cx="6858000" cy="9144000"/>
@@ -4368,6 +4369,1924 @@
         <p:cNvPr id="1" name="">
           <a:extLst>
             <a:ext uri="{FF2B5EF4-FFF2-40B4-BE49-F238E27FC236}">
+              <a16:creationId xmlns:a16="http://schemas.microsoft.com/office/drawing/2014/main" id="{A12A5725-F849-7260-649B-7E0B59EDE00B}"/>
+            </a:ext>
+          </a:extLst>
+        </p:cNvPr>
+        <p:cNvGrpSpPr/>
+        <p:nvPr/>
+      </p:nvGrpSpPr>
+      <p:grpSpPr>
+        <a:xfrm>
+          <a:off x="0" y="0"/>
+          <a:ext cx="0" cy="0"/>
+          <a:chOff x="0" y="0"/>
+          <a:chExt cx="0" cy="0"/>
+        </a:xfrm>
+      </p:grpSpPr>
+      <p:sp>
+        <p:nvSpPr>
+          <p:cNvPr id="3" name="사각형: 둥근 모서리 29">
+            <a:extLst>
+              <a:ext uri="{FF2B5EF4-FFF2-40B4-BE49-F238E27FC236}">
+                <a16:creationId xmlns:a16="http://schemas.microsoft.com/office/drawing/2014/main" id="{977271E5-83F1-D500-4747-53D53722CF16}"/>
+              </a:ext>
+            </a:extLst>
+          </p:cNvPr>
+          <p:cNvSpPr/>
+          <p:nvPr/>
+        </p:nvSpPr>
+        <p:spPr>
+          <a:xfrm>
+            <a:off x="179512" y="123478"/>
+            <a:ext cx="4032448" cy="600168"/>
+          </a:xfrm>
+          <a:prstGeom prst="roundRect">
+            <a:avLst>
+              <a:gd name="adj" fmla="val 10124"/>
+            </a:avLst>
+          </a:prstGeom>
+          <a:ln w="12700"/>
+        </p:spPr>
+        <p:style>
+          <a:lnRef idx="2">
+            <a:schemeClr val="dk1"/>
+          </a:lnRef>
+          <a:fillRef idx="1">
+            <a:schemeClr val="lt1"/>
+          </a:fillRef>
+          <a:effectRef idx="0">
+            <a:schemeClr val="dk1"/>
+          </a:effectRef>
+          <a:fontRef idx="minor">
+            <a:schemeClr val="dk1"/>
+          </a:fontRef>
+        </p:style>
+        <p:txBody>
+          <a:bodyPr rtlCol="0" anchor="t"/>
+          <a:lstStyle/>
+          <a:p>
+            <a:pPr algn="ctr"/>
+            <a:r>
+              <a:rPr lang="en-US" altLang="ko-KR" sz="1000" b="1"/>
+              <a:t>shell </a:t>
+            </a:r>
+            <a:r>
+              <a:rPr lang="en-US" altLang="ko-KR" sz="1000"/>
+              <a:t>Pod</a:t>
+            </a:r>
+          </a:p>
+        </p:txBody>
+      </p:sp>
+      <p:sp>
+        <p:nvSpPr>
+          <p:cNvPr id="6" name="사각형: 둥근 모서리 29">
+            <a:extLst>
+              <a:ext uri="{FF2B5EF4-FFF2-40B4-BE49-F238E27FC236}">
+                <a16:creationId xmlns:a16="http://schemas.microsoft.com/office/drawing/2014/main" id="{D1656D38-48A0-DF92-5C85-6247E341D7E9}"/>
+              </a:ext>
+            </a:extLst>
+          </p:cNvPr>
+          <p:cNvSpPr/>
+          <p:nvPr/>
+        </p:nvSpPr>
+        <p:spPr>
+          <a:xfrm>
+            <a:off x="3236328" y="195486"/>
+            <a:ext cx="891282" cy="439396"/>
+          </a:xfrm>
+          <a:prstGeom prst="roundRect">
+            <a:avLst>
+              <a:gd name="adj" fmla="val 14520"/>
+            </a:avLst>
+          </a:prstGeom>
+          <a:ln w="12700"/>
+        </p:spPr>
+        <p:style>
+          <a:lnRef idx="2">
+            <a:schemeClr val="dk1"/>
+          </a:lnRef>
+          <a:fillRef idx="1">
+            <a:schemeClr val="lt1"/>
+          </a:fillRef>
+          <a:effectRef idx="0">
+            <a:schemeClr val="dk1"/>
+          </a:effectRef>
+          <a:fontRef idx="minor">
+            <a:schemeClr val="dk1"/>
+          </a:fontRef>
+        </p:style>
+        <p:txBody>
+          <a:bodyPr rtlCol="0" anchor="ctr"/>
+          <a:lstStyle/>
+          <a:p>
+            <a:pPr algn="ctr"/>
+            <a:r>
+              <a:rPr lang="en-US" altLang="ko-KR" sz="1000" b="1"/>
+              <a:t>istio-proxy</a:t>
+            </a:r>
+          </a:p>
+          <a:p>
+            <a:pPr algn="ctr"/>
+            <a:r>
+              <a:rPr lang="en-US" altLang="ko-KR" sz="1000"/>
+              <a:t>Container</a:t>
+            </a:r>
+          </a:p>
+        </p:txBody>
+      </p:sp>
+      <p:sp>
+        <p:nvSpPr>
+          <p:cNvPr id="7" name="사각형: 둥근 모서리 29">
+            <a:extLst>
+              <a:ext uri="{FF2B5EF4-FFF2-40B4-BE49-F238E27FC236}">
+                <a16:creationId xmlns:a16="http://schemas.microsoft.com/office/drawing/2014/main" id="{A4F6759B-D49E-375C-8419-94083B9E186B}"/>
+              </a:ext>
+            </a:extLst>
+          </p:cNvPr>
+          <p:cNvSpPr/>
+          <p:nvPr/>
+        </p:nvSpPr>
+        <p:spPr>
+          <a:xfrm>
+            <a:off x="269263" y="195486"/>
+            <a:ext cx="989457" cy="439396"/>
+          </a:xfrm>
+          <a:prstGeom prst="roundRect">
+            <a:avLst>
+              <a:gd name="adj" fmla="val 14520"/>
+            </a:avLst>
+          </a:prstGeom>
+          <a:ln w="12700"/>
+        </p:spPr>
+        <p:style>
+          <a:lnRef idx="2">
+            <a:schemeClr val="dk1"/>
+          </a:lnRef>
+          <a:fillRef idx="1">
+            <a:schemeClr val="lt1"/>
+          </a:fillRef>
+          <a:effectRef idx="0">
+            <a:schemeClr val="dk1"/>
+          </a:effectRef>
+          <a:fontRef idx="minor">
+            <a:schemeClr val="dk1"/>
+          </a:fontRef>
+        </p:style>
+        <p:txBody>
+          <a:bodyPr rtlCol="0" anchor="ctr"/>
+          <a:lstStyle/>
+          <a:p>
+            <a:pPr algn="ctr"/>
+            <a:r>
+              <a:rPr lang="en-US" altLang="ko-KR" sz="1000" b="1"/>
+              <a:t>shell</a:t>
+            </a:r>
+          </a:p>
+          <a:p>
+            <a:pPr algn="ctr"/>
+            <a:r>
+              <a:rPr lang="en-US" altLang="ko-KR" sz="1000"/>
+              <a:t>Container</a:t>
+            </a:r>
+          </a:p>
+        </p:txBody>
+      </p:sp>
+      <p:sp>
+        <p:nvSpPr>
+          <p:cNvPr id="10" name="사각형: 둥근 모서리 29">
+            <a:extLst>
+              <a:ext uri="{FF2B5EF4-FFF2-40B4-BE49-F238E27FC236}">
+                <a16:creationId xmlns:a16="http://schemas.microsoft.com/office/drawing/2014/main" id="{BD8F43DF-D5C2-8FAE-422D-657794C8AF60}"/>
+              </a:ext>
+            </a:extLst>
+          </p:cNvPr>
+          <p:cNvSpPr/>
+          <p:nvPr/>
+        </p:nvSpPr>
+        <p:spPr>
+          <a:xfrm>
+            <a:off x="4932042" y="123478"/>
+            <a:ext cx="4032446" cy="600168"/>
+          </a:xfrm>
+          <a:prstGeom prst="roundRect">
+            <a:avLst>
+              <a:gd name="adj" fmla="val 10124"/>
+            </a:avLst>
+          </a:prstGeom>
+          <a:ln w="12700"/>
+        </p:spPr>
+        <p:style>
+          <a:lnRef idx="2">
+            <a:schemeClr val="dk1"/>
+          </a:lnRef>
+          <a:fillRef idx="1">
+            <a:schemeClr val="lt1"/>
+          </a:fillRef>
+          <a:effectRef idx="0">
+            <a:schemeClr val="dk1"/>
+          </a:effectRef>
+          <a:fontRef idx="minor">
+            <a:schemeClr val="dk1"/>
+          </a:fontRef>
+        </p:style>
+        <p:txBody>
+          <a:bodyPr rtlCol="0" anchor="t"/>
+          <a:lstStyle/>
+          <a:p>
+            <a:pPr algn="ctr"/>
+            <a:r>
+              <a:rPr lang="en-US" altLang="ko-KR" sz="1000" b="1"/>
+              <a:t>mock-server </a:t>
+            </a:r>
+            <a:r>
+              <a:rPr lang="en-US" altLang="ko-KR" sz="1000"/>
+              <a:t>Pod</a:t>
+            </a:r>
+          </a:p>
+        </p:txBody>
+      </p:sp>
+      <p:sp>
+        <p:nvSpPr>
+          <p:cNvPr id="11" name="사각형: 둥근 모서리 29">
+            <a:extLst>
+              <a:ext uri="{FF2B5EF4-FFF2-40B4-BE49-F238E27FC236}">
+                <a16:creationId xmlns:a16="http://schemas.microsoft.com/office/drawing/2014/main" id="{D7845B92-1318-8F4D-4726-27AEAA81319B}"/>
+              </a:ext>
+            </a:extLst>
+          </p:cNvPr>
+          <p:cNvSpPr/>
+          <p:nvPr/>
+        </p:nvSpPr>
+        <p:spPr>
+          <a:xfrm>
+            <a:off x="7885282" y="195486"/>
+            <a:ext cx="989457" cy="439396"/>
+          </a:xfrm>
+          <a:prstGeom prst="roundRect">
+            <a:avLst>
+              <a:gd name="adj" fmla="val 14520"/>
+            </a:avLst>
+          </a:prstGeom>
+          <a:ln w="12700"/>
+        </p:spPr>
+        <p:style>
+          <a:lnRef idx="2">
+            <a:schemeClr val="dk1"/>
+          </a:lnRef>
+          <a:fillRef idx="1">
+            <a:schemeClr val="lt1"/>
+          </a:fillRef>
+          <a:effectRef idx="0">
+            <a:schemeClr val="dk1"/>
+          </a:effectRef>
+          <a:fontRef idx="minor">
+            <a:schemeClr val="dk1"/>
+          </a:fontRef>
+        </p:style>
+        <p:txBody>
+          <a:bodyPr rtlCol="0" anchor="ctr"/>
+          <a:lstStyle/>
+          <a:p>
+            <a:pPr algn="ctr"/>
+            <a:r>
+              <a:rPr lang="en-US" altLang="ko-KR" sz="1000" b="1"/>
+              <a:t>mock-server</a:t>
+            </a:r>
+          </a:p>
+          <a:p>
+            <a:pPr algn="ctr"/>
+            <a:r>
+              <a:rPr lang="en-US" altLang="ko-KR" sz="1000"/>
+              <a:t>Container</a:t>
+            </a:r>
+          </a:p>
+        </p:txBody>
+      </p:sp>
+      <p:sp>
+        <p:nvSpPr>
+          <p:cNvPr id="12" name="사각형: 둥근 모서리 29">
+            <a:extLst>
+              <a:ext uri="{FF2B5EF4-FFF2-40B4-BE49-F238E27FC236}">
+                <a16:creationId xmlns:a16="http://schemas.microsoft.com/office/drawing/2014/main" id="{6E2DCAF3-0C0E-25E3-E3F1-54474E2237D0}"/>
+              </a:ext>
+            </a:extLst>
+          </p:cNvPr>
+          <p:cNvSpPr/>
+          <p:nvPr/>
+        </p:nvSpPr>
+        <p:spPr>
+          <a:xfrm>
+            <a:off x="5016392" y="195486"/>
+            <a:ext cx="891282" cy="439396"/>
+          </a:xfrm>
+          <a:prstGeom prst="roundRect">
+            <a:avLst>
+              <a:gd name="adj" fmla="val 14520"/>
+            </a:avLst>
+          </a:prstGeom>
+          <a:ln w="12700"/>
+        </p:spPr>
+        <p:style>
+          <a:lnRef idx="2">
+            <a:schemeClr val="dk1"/>
+          </a:lnRef>
+          <a:fillRef idx="1">
+            <a:schemeClr val="lt1"/>
+          </a:fillRef>
+          <a:effectRef idx="0">
+            <a:schemeClr val="dk1"/>
+          </a:effectRef>
+          <a:fontRef idx="minor">
+            <a:schemeClr val="dk1"/>
+          </a:fontRef>
+        </p:style>
+        <p:txBody>
+          <a:bodyPr rtlCol="0" anchor="ctr"/>
+          <a:lstStyle/>
+          <a:p>
+            <a:pPr algn="ctr"/>
+            <a:r>
+              <a:rPr lang="en-US" altLang="ko-KR" sz="1000" b="1"/>
+              <a:t>istio-proxy</a:t>
+            </a:r>
+          </a:p>
+          <a:p>
+            <a:pPr algn="ctr"/>
+            <a:r>
+              <a:rPr lang="en-US" altLang="ko-KR" sz="1000"/>
+              <a:t>Container</a:t>
+            </a:r>
+          </a:p>
+        </p:txBody>
+      </p:sp>
+      <p:cxnSp>
+        <p:nvCxnSpPr>
+          <p:cNvPr id="36" name="Straight Arrow Connector 81">
+            <a:extLst>
+              <a:ext uri="{FF2B5EF4-FFF2-40B4-BE49-F238E27FC236}">
+                <a16:creationId xmlns:a16="http://schemas.microsoft.com/office/drawing/2014/main" id="{9C853B93-80C6-7AF3-EF06-231304EABFAA}"/>
+              </a:ext>
+            </a:extLst>
+          </p:cNvPr>
+          <p:cNvCxnSpPr>
+            <a:cxnSpLocks/>
+            <a:stCxn id="6" idx="2"/>
+          </p:cNvCxnSpPr>
+          <p:nvPr/>
+        </p:nvCxnSpPr>
+        <p:spPr>
+          <a:xfrm>
+            <a:off x="3681969" y="634882"/>
+            <a:ext cx="0" cy="4313132"/>
+          </a:xfrm>
+          <a:prstGeom prst="straightConnector1">
+            <a:avLst/>
+          </a:prstGeom>
+          <a:ln>
+            <a:solidFill>
+              <a:schemeClr val="tx1"/>
+            </a:solidFill>
+            <a:prstDash val="dash"/>
+            <a:tailEnd type="triangle"/>
+          </a:ln>
+        </p:spPr>
+        <p:style>
+          <a:lnRef idx="1">
+            <a:schemeClr val="accent1"/>
+          </a:lnRef>
+          <a:fillRef idx="0">
+            <a:schemeClr val="accent1"/>
+          </a:fillRef>
+          <a:effectRef idx="0">
+            <a:schemeClr val="accent1"/>
+          </a:effectRef>
+          <a:fontRef idx="minor">
+            <a:schemeClr val="tx1"/>
+          </a:fontRef>
+        </p:style>
+      </p:cxnSp>
+      <p:cxnSp>
+        <p:nvCxnSpPr>
+          <p:cNvPr id="37" name="Straight Arrow Connector 81">
+            <a:extLst>
+              <a:ext uri="{FF2B5EF4-FFF2-40B4-BE49-F238E27FC236}">
+                <a16:creationId xmlns:a16="http://schemas.microsoft.com/office/drawing/2014/main" id="{87AA4057-B4AB-F113-A09E-2034B9DA20FE}"/>
+              </a:ext>
+            </a:extLst>
+          </p:cNvPr>
+          <p:cNvCxnSpPr>
+            <a:cxnSpLocks/>
+          </p:cNvCxnSpPr>
+          <p:nvPr/>
+        </p:nvCxnSpPr>
+        <p:spPr>
+          <a:xfrm>
+            <a:off x="763987" y="634882"/>
+            <a:ext cx="0" cy="4313132"/>
+          </a:xfrm>
+          <a:prstGeom prst="straightConnector1">
+            <a:avLst/>
+          </a:prstGeom>
+          <a:ln>
+            <a:solidFill>
+              <a:schemeClr val="tx1"/>
+            </a:solidFill>
+            <a:prstDash val="dash"/>
+            <a:tailEnd type="triangle"/>
+          </a:ln>
+        </p:spPr>
+        <p:style>
+          <a:lnRef idx="1">
+            <a:schemeClr val="accent1"/>
+          </a:lnRef>
+          <a:fillRef idx="0">
+            <a:schemeClr val="accent1"/>
+          </a:fillRef>
+          <a:effectRef idx="0">
+            <a:schemeClr val="accent1"/>
+          </a:effectRef>
+          <a:fontRef idx="minor">
+            <a:schemeClr val="tx1"/>
+          </a:fontRef>
+        </p:style>
+      </p:cxnSp>
+      <p:cxnSp>
+        <p:nvCxnSpPr>
+          <p:cNvPr id="46" name="Straight Arrow Connector 81">
+            <a:extLst>
+              <a:ext uri="{FF2B5EF4-FFF2-40B4-BE49-F238E27FC236}">
+                <a16:creationId xmlns:a16="http://schemas.microsoft.com/office/drawing/2014/main" id="{F4D6867D-D2E1-1EC4-7776-BDCE2A6A442B}"/>
+              </a:ext>
+            </a:extLst>
+          </p:cNvPr>
+          <p:cNvCxnSpPr>
+            <a:cxnSpLocks/>
+            <a:stCxn id="11" idx="2"/>
+          </p:cNvCxnSpPr>
+          <p:nvPr/>
+        </p:nvCxnSpPr>
+        <p:spPr>
+          <a:xfrm>
+            <a:off x="8380011" y="634882"/>
+            <a:ext cx="0" cy="4385140"/>
+          </a:xfrm>
+          <a:prstGeom prst="straightConnector1">
+            <a:avLst/>
+          </a:prstGeom>
+          <a:ln>
+            <a:solidFill>
+              <a:schemeClr val="tx1"/>
+            </a:solidFill>
+            <a:prstDash val="dash"/>
+            <a:tailEnd type="triangle"/>
+          </a:ln>
+        </p:spPr>
+        <p:style>
+          <a:lnRef idx="1">
+            <a:schemeClr val="accent1"/>
+          </a:lnRef>
+          <a:fillRef idx="0">
+            <a:schemeClr val="accent1"/>
+          </a:fillRef>
+          <a:effectRef idx="0">
+            <a:schemeClr val="accent1"/>
+          </a:effectRef>
+          <a:fontRef idx="minor">
+            <a:schemeClr val="tx1"/>
+          </a:fontRef>
+        </p:style>
+      </p:cxnSp>
+      <p:cxnSp>
+        <p:nvCxnSpPr>
+          <p:cNvPr id="47" name="Straight Arrow Connector 81">
+            <a:extLst>
+              <a:ext uri="{FF2B5EF4-FFF2-40B4-BE49-F238E27FC236}">
+                <a16:creationId xmlns:a16="http://schemas.microsoft.com/office/drawing/2014/main" id="{FD632935-5006-5E31-2AAA-2DF44A6BC9A8}"/>
+              </a:ext>
+            </a:extLst>
+          </p:cNvPr>
+          <p:cNvCxnSpPr>
+            <a:cxnSpLocks/>
+            <a:stCxn id="12" idx="2"/>
+          </p:cNvCxnSpPr>
+          <p:nvPr/>
+        </p:nvCxnSpPr>
+        <p:spPr>
+          <a:xfrm>
+            <a:off x="5462033" y="634882"/>
+            <a:ext cx="0" cy="4313132"/>
+          </a:xfrm>
+          <a:prstGeom prst="straightConnector1">
+            <a:avLst/>
+          </a:prstGeom>
+          <a:ln>
+            <a:solidFill>
+              <a:schemeClr val="tx1"/>
+            </a:solidFill>
+            <a:prstDash val="dash"/>
+            <a:tailEnd type="triangle"/>
+          </a:ln>
+        </p:spPr>
+        <p:style>
+          <a:lnRef idx="1">
+            <a:schemeClr val="accent1"/>
+          </a:lnRef>
+          <a:fillRef idx="0">
+            <a:schemeClr val="accent1"/>
+          </a:fillRef>
+          <a:effectRef idx="0">
+            <a:schemeClr val="accent1"/>
+          </a:effectRef>
+          <a:fontRef idx="minor">
+            <a:schemeClr val="tx1"/>
+          </a:fontRef>
+        </p:style>
+      </p:cxnSp>
+      <p:cxnSp>
+        <p:nvCxnSpPr>
+          <p:cNvPr id="52" name="Straight Arrow Connector 81">
+            <a:extLst>
+              <a:ext uri="{FF2B5EF4-FFF2-40B4-BE49-F238E27FC236}">
+                <a16:creationId xmlns:a16="http://schemas.microsoft.com/office/drawing/2014/main" id="{7EC61483-E9B0-1F6D-337D-DDE474EB5019}"/>
+              </a:ext>
+            </a:extLst>
+          </p:cNvPr>
+          <p:cNvCxnSpPr>
+            <a:cxnSpLocks/>
+          </p:cNvCxnSpPr>
+          <p:nvPr/>
+        </p:nvCxnSpPr>
+        <p:spPr>
+          <a:xfrm>
+            <a:off x="763988" y="1431885"/>
+            <a:ext cx="2917981" cy="0"/>
+          </a:xfrm>
+          <a:prstGeom prst="straightConnector1">
+            <a:avLst/>
+          </a:prstGeom>
+          <a:ln>
+            <a:solidFill>
+              <a:srgbClr val="C00000"/>
+            </a:solidFill>
+            <a:tailEnd type="triangle"/>
+          </a:ln>
+        </p:spPr>
+        <p:style>
+          <a:lnRef idx="1">
+            <a:schemeClr val="accent1"/>
+          </a:lnRef>
+          <a:fillRef idx="0">
+            <a:schemeClr val="accent1"/>
+          </a:fillRef>
+          <a:effectRef idx="0">
+            <a:schemeClr val="accent1"/>
+          </a:effectRef>
+          <a:fontRef idx="minor">
+            <a:schemeClr val="tx1"/>
+          </a:fontRef>
+        </p:style>
+      </p:cxnSp>
+      <p:sp>
+        <p:nvSpPr>
+          <p:cNvPr id="53" name="TextBox 52">
+            <a:extLst>
+              <a:ext uri="{FF2B5EF4-FFF2-40B4-BE49-F238E27FC236}">
+                <a16:creationId xmlns:a16="http://schemas.microsoft.com/office/drawing/2014/main" id="{A357630F-3D75-720A-21D7-A8AC982AF028}"/>
+              </a:ext>
+            </a:extLst>
+          </p:cNvPr>
+          <p:cNvSpPr txBox="1"/>
+          <p:nvPr/>
+        </p:nvSpPr>
+        <p:spPr>
+          <a:xfrm>
+            <a:off x="763987" y="1185664"/>
+            <a:ext cx="2795674" cy="246221"/>
+          </a:xfrm>
+          <a:prstGeom prst="rect">
+            <a:avLst/>
+          </a:prstGeom>
+          <a:noFill/>
+        </p:spPr>
+        <p:txBody>
+          <a:bodyPr wrap="square" rtlCol="0">
+            <a:spAutoFit/>
+          </a:bodyPr>
+          <a:lstStyle/>
+          <a:p>
+            <a:r>
+              <a:rPr kumimoji="1" lang="en-US" altLang="ko-KR" sz="1000" i="1">
+                <a:solidFill>
+                  <a:srgbClr val="C00000"/>
+                </a:solidFill>
+              </a:rPr>
+              <a:t>GET </a:t>
+            </a:r>
+            <a:r>
+              <a:rPr lang="en" altLang="ko-KR" sz="1000" i="1">
+                <a:solidFill>
+                  <a:srgbClr val="C00000"/>
+                </a:solidFill>
+              </a:rPr>
+              <a:t>mock-server:8080/delay/5000</a:t>
+            </a:r>
+            <a:endParaRPr kumimoji="1" lang="ko-KR" altLang="en-US" sz="1000" i="1">
+              <a:solidFill>
+                <a:srgbClr val="C00000"/>
+              </a:solidFill>
+            </a:endParaRPr>
+          </a:p>
+        </p:txBody>
+      </p:sp>
+      <p:cxnSp>
+        <p:nvCxnSpPr>
+          <p:cNvPr id="63" name="Straight Arrow Connector 81">
+            <a:extLst>
+              <a:ext uri="{FF2B5EF4-FFF2-40B4-BE49-F238E27FC236}">
+                <a16:creationId xmlns:a16="http://schemas.microsoft.com/office/drawing/2014/main" id="{2660DBEF-5316-A38E-CA5D-27279DADC870}"/>
+              </a:ext>
+            </a:extLst>
+          </p:cNvPr>
+          <p:cNvCxnSpPr>
+            <a:cxnSpLocks/>
+          </p:cNvCxnSpPr>
+          <p:nvPr/>
+        </p:nvCxnSpPr>
+        <p:spPr>
+          <a:xfrm>
+            <a:off x="3681969" y="1505680"/>
+            <a:ext cx="1780064" cy="0"/>
+          </a:xfrm>
+          <a:prstGeom prst="straightConnector1">
+            <a:avLst/>
+          </a:prstGeom>
+          <a:ln>
+            <a:solidFill>
+              <a:srgbClr val="C00000"/>
+            </a:solidFill>
+            <a:tailEnd type="triangle"/>
+          </a:ln>
+        </p:spPr>
+        <p:style>
+          <a:lnRef idx="1">
+            <a:schemeClr val="accent1"/>
+          </a:lnRef>
+          <a:fillRef idx="0">
+            <a:schemeClr val="accent1"/>
+          </a:fillRef>
+          <a:effectRef idx="0">
+            <a:schemeClr val="accent1"/>
+          </a:effectRef>
+          <a:fontRef idx="minor">
+            <a:schemeClr val="tx1"/>
+          </a:fontRef>
+        </p:style>
+      </p:cxnSp>
+      <p:cxnSp>
+        <p:nvCxnSpPr>
+          <p:cNvPr id="64" name="Straight Arrow Connector 81">
+            <a:extLst>
+              <a:ext uri="{FF2B5EF4-FFF2-40B4-BE49-F238E27FC236}">
+                <a16:creationId xmlns:a16="http://schemas.microsoft.com/office/drawing/2014/main" id="{408DA1FB-CD0B-3408-9B8B-53AD698615D2}"/>
+              </a:ext>
+            </a:extLst>
+          </p:cNvPr>
+          <p:cNvCxnSpPr>
+            <a:cxnSpLocks/>
+          </p:cNvCxnSpPr>
+          <p:nvPr/>
+        </p:nvCxnSpPr>
+        <p:spPr>
+          <a:xfrm>
+            <a:off x="5462033" y="1585571"/>
+            <a:ext cx="2917978" cy="0"/>
+          </a:xfrm>
+          <a:prstGeom prst="straightConnector1">
+            <a:avLst/>
+          </a:prstGeom>
+          <a:ln>
+            <a:solidFill>
+              <a:srgbClr val="C00000"/>
+            </a:solidFill>
+            <a:tailEnd type="triangle"/>
+          </a:ln>
+        </p:spPr>
+        <p:style>
+          <a:lnRef idx="1">
+            <a:schemeClr val="accent1"/>
+          </a:lnRef>
+          <a:fillRef idx="0">
+            <a:schemeClr val="accent1"/>
+          </a:fillRef>
+          <a:effectRef idx="0">
+            <a:schemeClr val="accent1"/>
+          </a:effectRef>
+          <a:fontRef idx="minor">
+            <a:schemeClr val="tx1"/>
+          </a:fontRef>
+        </p:style>
+      </p:cxnSp>
+      <p:cxnSp>
+        <p:nvCxnSpPr>
+          <p:cNvPr id="2" name="Straight Arrow Connector 81">
+            <a:extLst>
+              <a:ext uri="{FF2B5EF4-FFF2-40B4-BE49-F238E27FC236}">
+                <a16:creationId xmlns:a16="http://schemas.microsoft.com/office/drawing/2014/main" id="{A52D172E-3E06-EAA7-5B61-F104CCA9A8B5}"/>
+              </a:ext>
+            </a:extLst>
+          </p:cNvPr>
+          <p:cNvCxnSpPr>
+            <a:cxnSpLocks/>
+          </p:cNvCxnSpPr>
+          <p:nvPr/>
+        </p:nvCxnSpPr>
+        <p:spPr>
+          <a:xfrm>
+            <a:off x="763988" y="1077765"/>
+            <a:ext cx="2917981" cy="0"/>
+          </a:xfrm>
+          <a:prstGeom prst="straightConnector1">
+            <a:avLst/>
+          </a:prstGeom>
+          <a:ln>
+            <a:solidFill>
+              <a:srgbClr val="C00000"/>
+            </a:solidFill>
+            <a:tailEnd type="triangle"/>
+          </a:ln>
+        </p:spPr>
+        <p:style>
+          <a:lnRef idx="1">
+            <a:schemeClr val="accent1"/>
+          </a:lnRef>
+          <a:fillRef idx="0">
+            <a:schemeClr val="accent1"/>
+          </a:fillRef>
+          <a:effectRef idx="0">
+            <a:schemeClr val="accent1"/>
+          </a:effectRef>
+          <a:fontRef idx="minor">
+            <a:schemeClr val="tx1"/>
+          </a:fontRef>
+        </p:style>
+      </p:cxnSp>
+      <p:sp>
+        <p:nvSpPr>
+          <p:cNvPr id="4" name="TextBox 3">
+            <a:extLst>
+              <a:ext uri="{FF2B5EF4-FFF2-40B4-BE49-F238E27FC236}">
+                <a16:creationId xmlns:a16="http://schemas.microsoft.com/office/drawing/2014/main" id="{1604F6A5-B7E9-8C88-E37A-0A0B627A214A}"/>
+              </a:ext>
+            </a:extLst>
+          </p:cNvPr>
+          <p:cNvSpPr txBox="1"/>
+          <p:nvPr/>
+        </p:nvSpPr>
+        <p:spPr>
+          <a:xfrm>
+            <a:off x="763987" y="831544"/>
+            <a:ext cx="2795674" cy="246221"/>
+          </a:xfrm>
+          <a:prstGeom prst="rect">
+            <a:avLst/>
+          </a:prstGeom>
+          <a:noFill/>
+        </p:spPr>
+        <p:txBody>
+          <a:bodyPr wrap="square" rtlCol="0">
+            <a:spAutoFit/>
+          </a:bodyPr>
+          <a:lstStyle/>
+          <a:p>
+            <a:r>
+              <a:rPr kumimoji="1" lang="en-US" altLang="ko-KR" sz="1000" i="1">
+                <a:solidFill>
+                  <a:srgbClr val="C00000"/>
+                </a:solidFill>
+              </a:rPr>
+              <a:t>TCP SYN</a:t>
+            </a:r>
+            <a:endParaRPr kumimoji="1" lang="ko-KR" altLang="en-US" sz="1000" i="1">
+              <a:solidFill>
+                <a:srgbClr val="C00000"/>
+              </a:solidFill>
+            </a:endParaRPr>
+          </a:p>
+        </p:txBody>
+      </p:sp>
+      <p:cxnSp>
+        <p:nvCxnSpPr>
+          <p:cNvPr id="5" name="Straight Arrow Connector 81">
+            <a:extLst>
+              <a:ext uri="{FF2B5EF4-FFF2-40B4-BE49-F238E27FC236}">
+                <a16:creationId xmlns:a16="http://schemas.microsoft.com/office/drawing/2014/main" id="{3FF93C08-87C3-432A-44F1-EF06C6C2B4FC}"/>
+              </a:ext>
+            </a:extLst>
+          </p:cNvPr>
+          <p:cNvCxnSpPr>
+            <a:cxnSpLocks/>
+          </p:cNvCxnSpPr>
+          <p:nvPr/>
+        </p:nvCxnSpPr>
+        <p:spPr>
+          <a:xfrm>
+            <a:off x="5462033" y="3823116"/>
+            <a:ext cx="2917977" cy="0"/>
+          </a:xfrm>
+          <a:prstGeom prst="straightConnector1">
+            <a:avLst/>
+          </a:prstGeom>
+          <a:ln>
+            <a:solidFill>
+              <a:srgbClr val="C00000"/>
+            </a:solidFill>
+            <a:headEnd type="triangle" w="med" len="med"/>
+            <a:tailEnd type="none" w="med" len="med"/>
+          </a:ln>
+        </p:spPr>
+        <p:style>
+          <a:lnRef idx="1">
+            <a:schemeClr val="accent1"/>
+          </a:lnRef>
+          <a:fillRef idx="0">
+            <a:schemeClr val="accent1"/>
+          </a:fillRef>
+          <a:effectRef idx="0">
+            <a:schemeClr val="accent1"/>
+          </a:effectRef>
+          <a:fontRef idx="minor">
+            <a:schemeClr val="tx1"/>
+          </a:fontRef>
+        </p:style>
+      </p:cxnSp>
+      <p:sp>
+        <p:nvSpPr>
+          <p:cNvPr id="9" name="TextBox 8">
+            <a:extLst>
+              <a:ext uri="{FF2B5EF4-FFF2-40B4-BE49-F238E27FC236}">
+                <a16:creationId xmlns:a16="http://schemas.microsoft.com/office/drawing/2014/main" id="{86B153BA-A3DB-0A1E-866A-17BD9D5295A2}"/>
+              </a:ext>
+            </a:extLst>
+          </p:cNvPr>
+          <p:cNvSpPr txBox="1"/>
+          <p:nvPr/>
+        </p:nvSpPr>
+        <p:spPr>
+          <a:xfrm>
+            <a:off x="5584334" y="3823116"/>
+            <a:ext cx="2795674" cy="246221"/>
+          </a:xfrm>
+          <a:prstGeom prst="rect">
+            <a:avLst/>
+          </a:prstGeom>
+          <a:noFill/>
+        </p:spPr>
+        <p:txBody>
+          <a:bodyPr wrap="square" rtlCol="0">
+            <a:spAutoFit/>
+          </a:bodyPr>
+          <a:lstStyle/>
+          <a:p>
+            <a:pPr algn="r"/>
+            <a:r>
+              <a:rPr kumimoji="1" lang="en-US" altLang="ko-KR" sz="1000" i="1">
+                <a:solidFill>
+                  <a:srgbClr val="C00000"/>
+                </a:solidFill>
+              </a:rPr>
+              <a:t>200 OK</a:t>
+            </a:r>
+            <a:endParaRPr kumimoji="1" lang="ko-KR" altLang="en-US" sz="1000" i="1">
+              <a:solidFill>
+                <a:srgbClr val="C00000"/>
+              </a:solidFill>
+            </a:endParaRPr>
+          </a:p>
+        </p:txBody>
+      </p:sp>
+      <p:cxnSp>
+        <p:nvCxnSpPr>
+          <p:cNvPr id="13" name="Straight Arrow Connector 81">
+            <a:extLst>
+              <a:ext uri="{FF2B5EF4-FFF2-40B4-BE49-F238E27FC236}">
+                <a16:creationId xmlns:a16="http://schemas.microsoft.com/office/drawing/2014/main" id="{05104D43-4491-B7C2-B901-0F4E3BE3D63F}"/>
+              </a:ext>
+            </a:extLst>
+          </p:cNvPr>
+          <p:cNvCxnSpPr>
+            <a:cxnSpLocks/>
+          </p:cNvCxnSpPr>
+          <p:nvPr/>
+        </p:nvCxnSpPr>
+        <p:spPr>
+          <a:xfrm>
+            <a:off x="3681977" y="3895124"/>
+            <a:ext cx="1780056" cy="0"/>
+          </a:xfrm>
+          <a:prstGeom prst="straightConnector1">
+            <a:avLst/>
+          </a:prstGeom>
+          <a:ln>
+            <a:solidFill>
+              <a:srgbClr val="C00000"/>
+            </a:solidFill>
+            <a:headEnd type="triangle" w="med" len="med"/>
+            <a:tailEnd type="none" w="med" len="med"/>
+          </a:ln>
+        </p:spPr>
+        <p:style>
+          <a:lnRef idx="1">
+            <a:schemeClr val="accent1"/>
+          </a:lnRef>
+          <a:fillRef idx="0">
+            <a:schemeClr val="accent1"/>
+          </a:fillRef>
+          <a:effectRef idx="0">
+            <a:schemeClr val="accent1"/>
+          </a:effectRef>
+          <a:fontRef idx="minor">
+            <a:schemeClr val="tx1"/>
+          </a:fontRef>
+        </p:style>
+      </p:cxnSp>
+      <p:cxnSp>
+        <p:nvCxnSpPr>
+          <p:cNvPr id="14" name="Straight Arrow Connector 81">
+            <a:extLst>
+              <a:ext uri="{FF2B5EF4-FFF2-40B4-BE49-F238E27FC236}">
+                <a16:creationId xmlns:a16="http://schemas.microsoft.com/office/drawing/2014/main" id="{401FA022-A14F-F9D3-F075-D583ABA498E6}"/>
+              </a:ext>
+            </a:extLst>
+          </p:cNvPr>
+          <p:cNvCxnSpPr>
+            <a:cxnSpLocks/>
+          </p:cNvCxnSpPr>
+          <p:nvPr/>
+        </p:nvCxnSpPr>
+        <p:spPr>
+          <a:xfrm>
+            <a:off x="763987" y="3967132"/>
+            <a:ext cx="2917982" cy="0"/>
+          </a:xfrm>
+          <a:prstGeom prst="straightConnector1">
+            <a:avLst/>
+          </a:prstGeom>
+          <a:ln>
+            <a:solidFill>
+              <a:srgbClr val="C00000"/>
+            </a:solidFill>
+            <a:headEnd type="triangle" w="med" len="med"/>
+            <a:tailEnd type="none" w="med" len="med"/>
+          </a:ln>
+        </p:spPr>
+        <p:style>
+          <a:lnRef idx="1">
+            <a:schemeClr val="accent1"/>
+          </a:lnRef>
+          <a:fillRef idx="0">
+            <a:schemeClr val="accent1"/>
+          </a:fillRef>
+          <a:effectRef idx="0">
+            <a:schemeClr val="accent1"/>
+          </a:effectRef>
+          <a:fontRef idx="minor">
+            <a:schemeClr val="tx1"/>
+          </a:fontRef>
+        </p:style>
+      </p:cxnSp>
+      <p:cxnSp>
+        <p:nvCxnSpPr>
+          <p:cNvPr id="18" name="Straight Arrow Connector 81">
+            <a:extLst>
+              <a:ext uri="{FF2B5EF4-FFF2-40B4-BE49-F238E27FC236}">
+                <a16:creationId xmlns:a16="http://schemas.microsoft.com/office/drawing/2014/main" id="{23247E3F-91CB-070E-FC79-7CBED2E794C1}"/>
+              </a:ext>
+            </a:extLst>
+          </p:cNvPr>
+          <p:cNvCxnSpPr>
+            <a:cxnSpLocks/>
+          </p:cNvCxnSpPr>
+          <p:nvPr/>
+        </p:nvCxnSpPr>
+        <p:spPr>
+          <a:xfrm>
+            <a:off x="763988" y="4315558"/>
+            <a:ext cx="2917981" cy="0"/>
+          </a:xfrm>
+          <a:prstGeom prst="straightConnector1">
+            <a:avLst/>
+          </a:prstGeom>
+          <a:ln>
+            <a:solidFill>
+              <a:srgbClr val="C00000"/>
+            </a:solidFill>
+            <a:tailEnd type="triangle"/>
+          </a:ln>
+        </p:spPr>
+        <p:style>
+          <a:lnRef idx="1">
+            <a:schemeClr val="accent1"/>
+          </a:lnRef>
+          <a:fillRef idx="0">
+            <a:schemeClr val="accent1"/>
+          </a:fillRef>
+          <a:effectRef idx="0">
+            <a:schemeClr val="accent1"/>
+          </a:effectRef>
+          <a:fontRef idx="minor">
+            <a:schemeClr val="tx1"/>
+          </a:fontRef>
+        </p:style>
+      </p:cxnSp>
+      <p:sp>
+        <p:nvSpPr>
+          <p:cNvPr id="19" name="TextBox 18">
+            <a:extLst>
+              <a:ext uri="{FF2B5EF4-FFF2-40B4-BE49-F238E27FC236}">
+                <a16:creationId xmlns:a16="http://schemas.microsoft.com/office/drawing/2014/main" id="{0E57BC4D-A224-55E0-3CFC-6D36FD066F70}"/>
+              </a:ext>
+            </a:extLst>
+          </p:cNvPr>
+          <p:cNvSpPr txBox="1"/>
+          <p:nvPr/>
+        </p:nvSpPr>
+        <p:spPr>
+          <a:xfrm>
+            <a:off x="763987" y="4069337"/>
+            <a:ext cx="2795674" cy="246221"/>
+          </a:xfrm>
+          <a:prstGeom prst="rect">
+            <a:avLst/>
+          </a:prstGeom>
+          <a:noFill/>
+        </p:spPr>
+        <p:txBody>
+          <a:bodyPr wrap="square" rtlCol="0">
+            <a:spAutoFit/>
+          </a:bodyPr>
+          <a:lstStyle/>
+          <a:p>
+            <a:r>
+              <a:rPr kumimoji="1" lang="en-US" altLang="ko-KR" sz="1000" i="1">
+                <a:solidFill>
+                  <a:srgbClr val="C00000"/>
+                </a:solidFill>
+              </a:rPr>
+              <a:t>TCP FIN</a:t>
+            </a:r>
+            <a:endParaRPr kumimoji="1" lang="ko-KR" altLang="en-US" sz="1000" i="1">
+              <a:solidFill>
+                <a:srgbClr val="C00000"/>
+              </a:solidFill>
+            </a:endParaRPr>
+          </a:p>
+        </p:txBody>
+      </p:sp>
+      <p:sp>
+        <p:nvSpPr>
+          <p:cNvPr id="20" name="호 19">
+            <a:extLst>
+              <a:ext uri="{FF2B5EF4-FFF2-40B4-BE49-F238E27FC236}">
+                <a16:creationId xmlns:a16="http://schemas.microsoft.com/office/drawing/2014/main" id="{7560F0E4-7D01-D5E1-66E9-44F4B75C1ED0}"/>
+              </a:ext>
+            </a:extLst>
+          </p:cNvPr>
+          <p:cNvSpPr/>
+          <p:nvPr/>
+        </p:nvSpPr>
+        <p:spPr>
+          <a:xfrm>
+            <a:off x="8244505" y="1585570"/>
+            <a:ext cx="257804" cy="2237534"/>
+          </a:xfrm>
+          <a:prstGeom prst="arc">
+            <a:avLst>
+              <a:gd name="adj1" fmla="val 16200000"/>
+              <a:gd name="adj2" fmla="val 5389298"/>
+            </a:avLst>
+          </a:prstGeom>
+          <a:ln>
+            <a:solidFill>
+              <a:srgbClr val="C00000"/>
+            </a:solidFill>
+            <a:headEnd type="none" w="med" len="med"/>
+            <a:tailEnd type="triangle" w="med" len="med"/>
+          </a:ln>
+        </p:spPr>
+        <p:style>
+          <a:lnRef idx="1">
+            <a:schemeClr val="accent1"/>
+          </a:lnRef>
+          <a:fillRef idx="0">
+            <a:schemeClr val="accent1"/>
+          </a:fillRef>
+          <a:effectRef idx="0">
+            <a:schemeClr val="accent1"/>
+          </a:effectRef>
+          <a:fontRef idx="minor">
+            <a:schemeClr val="tx1"/>
+          </a:fontRef>
+        </p:style>
+        <p:txBody>
+          <a:bodyPr rtlCol="0" anchor="ctr"/>
+          <a:lstStyle/>
+          <a:p>
+            <a:pPr algn="ctr"/>
+            <a:endParaRPr kumimoji="1" lang="ko-KR" altLang="en-US"/>
+          </a:p>
+        </p:txBody>
+      </p:sp>
+      <p:sp>
+        <p:nvSpPr>
+          <p:cNvPr id="24" name="TextBox 23">
+            <a:extLst>
+              <a:ext uri="{FF2B5EF4-FFF2-40B4-BE49-F238E27FC236}">
+                <a16:creationId xmlns:a16="http://schemas.microsoft.com/office/drawing/2014/main" id="{2EAFA508-7157-7616-E78F-9594740A5F1F}"/>
+              </a:ext>
+            </a:extLst>
+          </p:cNvPr>
+          <p:cNvSpPr txBox="1"/>
+          <p:nvPr/>
+        </p:nvSpPr>
+        <p:spPr>
+          <a:xfrm>
+            <a:off x="8425602" y="2545227"/>
+            <a:ext cx="689798" cy="246221"/>
+          </a:xfrm>
+          <a:prstGeom prst="rect">
+            <a:avLst/>
+          </a:prstGeom>
+          <a:noFill/>
+        </p:spPr>
+        <p:txBody>
+          <a:bodyPr wrap="square" rtlCol="0">
+            <a:spAutoFit/>
+          </a:bodyPr>
+          <a:lstStyle/>
+          <a:p>
+            <a:pPr algn="ctr"/>
+            <a:r>
+              <a:rPr kumimoji="1" lang="en-US" altLang="ko-KR" sz="1000" i="1">
+                <a:solidFill>
+                  <a:srgbClr val="C00000"/>
+                </a:solidFill>
+              </a:rPr>
+              <a:t>5000ms</a:t>
+            </a:r>
+            <a:endParaRPr kumimoji="1" lang="ko-KR" altLang="en-US" sz="1000" i="1">
+              <a:solidFill>
+                <a:srgbClr val="C00000"/>
+              </a:solidFill>
+            </a:endParaRPr>
+          </a:p>
+        </p:txBody>
+      </p:sp>
+      <p:cxnSp>
+        <p:nvCxnSpPr>
+          <p:cNvPr id="29" name="Straight Arrow Connector 81">
+            <a:extLst>
+              <a:ext uri="{FF2B5EF4-FFF2-40B4-BE49-F238E27FC236}">
+                <a16:creationId xmlns:a16="http://schemas.microsoft.com/office/drawing/2014/main" id="{C532EBAD-0B2D-41C5-11F8-01CF97B49B5B}"/>
+              </a:ext>
+            </a:extLst>
+          </p:cNvPr>
+          <p:cNvCxnSpPr>
+            <a:cxnSpLocks/>
+          </p:cNvCxnSpPr>
+          <p:nvPr/>
+        </p:nvCxnSpPr>
+        <p:spPr>
+          <a:xfrm>
+            <a:off x="763988" y="3253621"/>
+            <a:ext cx="2917981" cy="0"/>
+          </a:xfrm>
+          <a:prstGeom prst="straightConnector1">
+            <a:avLst/>
+          </a:prstGeom>
+          <a:ln>
+            <a:solidFill>
+              <a:schemeClr val="accent3"/>
+            </a:solidFill>
+            <a:tailEnd type="triangle"/>
+          </a:ln>
+        </p:spPr>
+        <p:style>
+          <a:lnRef idx="1">
+            <a:schemeClr val="accent1"/>
+          </a:lnRef>
+          <a:fillRef idx="0">
+            <a:schemeClr val="accent1"/>
+          </a:fillRef>
+          <a:effectRef idx="0">
+            <a:schemeClr val="accent1"/>
+          </a:effectRef>
+          <a:fontRef idx="minor">
+            <a:schemeClr val="tx1"/>
+          </a:fontRef>
+        </p:style>
+      </p:cxnSp>
+      <p:sp>
+        <p:nvSpPr>
+          <p:cNvPr id="30" name="TextBox 29">
+            <a:extLst>
+              <a:ext uri="{FF2B5EF4-FFF2-40B4-BE49-F238E27FC236}">
+                <a16:creationId xmlns:a16="http://schemas.microsoft.com/office/drawing/2014/main" id="{F9A2DCA1-364E-3177-C751-32BC7C251407}"/>
+              </a:ext>
+            </a:extLst>
+          </p:cNvPr>
+          <p:cNvSpPr txBox="1"/>
+          <p:nvPr/>
+        </p:nvSpPr>
+        <p:spPr>
+          <a:xfrm>
+            <a:off x="763987" y="3007400"/>
+            <a:ext cx="2795674" cy="246221"/>
+          </a:xfrm>
+          <a:prstGeom prst="rect">
+            <a:avLst/>
+          </a:prstGeom>
+          <a:noFill/>
+        </p:spPr>
+        <p:txBody>
+          <a:bodyPr wrap="square" rtlCol="0">
+            <a:spAutoFit/>
+          </a:bodyPr>
+          <a:lstStyle/>
+          <a:p>
+            <a:r>
+              <a:rPr kumimoji="1" lang="en-US" altLang="ko-KR" sz="1000" i="1">
+                <a:solidFill>
+                  <a:schemeClr val="accent3"/>
+                </a:solidFill>
+              </a:rPr>
+              <a:t>GET </a:t>
+            </a:r>
+            <a:r>
+              <a:rPr lang="en" altLang="ko-KR" sz="1000" i="1">
+                <a:solidFill>
+                  <a:schemeClr val="accent3"/>
+                </a:solidFill>
+              </a:rPr>
+              <a:t>mock-server:8080/delay/5000</a:t>
+            </a:r>
+            <a:endParaRPr kumimoji="1" lang="ko-KR" altLang="en-US" sz="1000" i="1">
+              <a:solidFill>
+                <a:schemeClr val="accent3"/>
+              </a:solidFill>
+            </a:endParaRPr>
+          </a:p>
+        </p:txBody>
+      </p:sp>
+      <p:cxnSp>
+        <p:nvCxnSpPr>
+          <p:cNvPr id="31" name="Straight Arrow Connector 81">
+            <a:extLst>
+              <a:ext uri="{FF2B5EF4-FFF2-40B4-BE49-F238E27FC236}">
+                <a16:creationId xmlns:a16="http://schemas.microsoft.com/office/drawing/2014/main" id="{041D54D6-D83B-F850-9C1B-2DFDEE0B4DAD}"/>
+              </a:ext>
+            </a:extLst>
+          </p:cNvPr>
+          <p:cNvCxnSpPr>
+            <a:cxnSpLocks/>
+          </p:cNvCxnSpPr>
+          <p:nvPr/>
+        </p:nvCxnSpPr>
+        <p:spPr>
+          <a:xfrm>
+            <a:off x="763988" y="2899501"/>
+            <a:ext cx="2917981" cy="0"/>
+          </a:xfrm>
+          <a:prstGeom prst="straightConnector1">
+            <a:avLst/>
+          </a:prstGeom>
+          <a:ln>
+            <a:solidFill>
+              <a:schemeClr val="accent3"/>
+            </a:solidFill>
+            <a:tailEnd type="triangle"/>
+          </a:ln>
+        </p:spPr>
+        <p:style>
+          <a:lnRef idx="1">
+            <a:schemeClr val="accent1"/>
+          </a:lnRef>
+          <a:fillRef idx="0">
+            <a:schemeClr val="accent1"/>
+          </a:fillRef>
+          <a:effectRef idx="0">
+            <a:schemeClr val="accent1"/>
+          </a:effectRef>
+          <a:fontRef idx="minor">
+            <a:schemeClr val="tx1"/>
+          </a:fontRef>
+        </p:style>
+      </p:cxnSp>
+      <p:sp>
+        <p:nvSpPr>
+          <p:cNvPr id="32" name="TextBox 31">
+            <a:extLst>
+              <a:ext uri="{FF2B5EF4-FFF2-40B4-BE49-F238E27FC236}">
+                <a16:creationId xmlns:a16="http://schemas.microsoft.com/office/drawing/2014/main" id="{6C066F80-F19C-AC2D-4C1D-ACF14EF547BD}"/>
+              </a:ext>
+            </a:extLst>
+          </p:cNvPr>
+          <p:cNvSpPr txBox="1"/>
+          <p:nvPr/>
+        </p:nvSpPr>
+        <p:spPr>
+          <a:xfrm>
+            <a:off x="763987" y="2653280"/>
+            <a:ext cx="2795674" cy="246221"/>
+          </a:xfrm>
+          <a:prstGeom prst="rect">
+            <a:avLst/>
+          </a:prstGeom>
+          <a:noFill/>
+        </p:spPr>
+        <p:txBody>
+          <a:bodyPr wrap="square" rtlCol="0">
+            <a:spAutoFit/>
+          </a:bodyPr>
+          <a:lstStyle/>
+          <a:p>
+            <a:r>
+              <a:rPr kumimoji="1" lang="en-US" altLang="ko-KR" sz="1000" i="1">
+                <a:solidFill>
+                  <a:schemeClr val="accent3"/>
+                </a:solidFill>
+              </a:rPr>
+              <a:t>TCP SYN</a:t>
+            </a:r>
+            <a:endParaRPr kumimoji="1" lang="ko-KR" altLang="en-US" sz="1000" i="1">
+              <a:solidFill>
+                <a:schemeClr val="accent3"/>
+              </a:solidFill>
+            </a:endParaRPr>
+          </a:p>
+        </p:txBody>
+      </p:sp>
+      <p:cxnSp>
+        <p:nvCxnSpPr>
+          <p:cNvPr id="34" name="Straight Arrow Connector 81">
+            <a:extLst>
+              <a:ext uri="{FF2B5EF4-FFF2-40B4-BE49-F238E27FC236}">
+                <a16:creationId xmlns:a16="http://schemas.microsoft.com/office/drawing/2014/main" id="{740CB670-BD31-C29D-E1DA-32DE12506451}"/>
+              </a:ext>
+            </a:extLst>
+          </p:cNvPr>
+          <p:cNvCxnSpPr>
+            <a:cxnSpLocks/>
+          </p:cNvCxnSpPr>
+          <p:nvPr/>
+        </p:nvCxnSpPr>
+        <p:spPr>
+          <a:xfrm>
+            <a:off x="763988" y="3373348"/>
+            <a:ext cx="2917981" cy="0"/>
+          </a:xfrm>
+          <a:prstGeom prst="straightConnector1">
+            <a:avLst/>
+          </a:prstGeom>
+          <a:ln>
+            <a:solidFill>
+              <a:schemeClr val="accent3"/>
+            </a:solidFill>
+            <a:headEnd type="triangle" w="med" len="med"/>
+            <a:tailEnd type="none" w="med" len="med"/>
+          </a:ln>
+        </p:spPr>
+        <p:style>
+          <a:lnRef idx="1">
+            <a:schemeClr val="accent1"/>
+          </a:lnRef>
+          <a:fillRef idx="0">
+            <a:schemeClr val="accent1"/>
+          </a:fillRef>
+          <a:effectRef idx="0">
+            <a:schemeClr val="accent1"/>
+          </a:effectRef>
+          <a:fontRef idx="minor">
+            <a:schemeClr val="tx1"/>
+          </a:fontRef>
+        </p:style>
+      </p:cxnSp>
+      <p:sp>
+        <p:nvSpPr>
+          <p:cNvPr id="35" name="TextBox 34">
+            <a:extLst>
+              <a:ext uri="{FF2B5EF4-FFF2-40B4-BE49-F238E27FC236}">
+                <a16:creationId xmlns:a16="http://schemas.microsoft.com/office/drawing/2014/main" id="{AF1D8E8B-87BF-0314-CC5E-16EF52C226BF}"/>
+              </a:ext>
+            </a:extLst>
+          </p:cNvPr>
+          <p:cNvSpPr txBox="1"/>
+          <p:nvPr/>
+        </p:nvSpPr>
+        <p:spPr>
+          <a:xfrm>
+            <a:off x="879694" y="3376731"/>
+            <a:ext cx="2795674" cy="246221"/>
+          </a:xfrm>
+          <a:prstGeom prst="rect">
+            <a:avLst/>
+          </a:prstGeom>
+          <a:noFill/>
+        </p:spPr>
+        <p:txBody>
+          <a:bodyPr wrap="square" rtlCol="0">
+            <a:spAutoFit/>
+          </a:bodyPr>
+          <a:lstStyle/>
+          <a:p>
+            <a:pPr algn="r"/>
+            <a:r>
+              <a:rPr kumimoji="1" lang="en-US" altLang="ko-KR" sz="1000" i="1">
+                <a:solidFill>
+                  <a:schemeClr val="accent3"/>
+                </a:solidFill>
+              </a:rPr>
+              <a:t>503 Service Unavailable</a:t>
+            </a:r>
+            <a:endParaRPr kumimoji="1" lang="ko-KR" altLang="en-US" sz="1000" i="1">
+              <a:solidFill>
+                <a:schemeClr val="accent3"/>
+              </a:solidFill>
+            </a:endParaRPr>
+          </a:p>
+        </p:txBody>
+      </p:sp>
+      <p:cxnSp>
+        <p:nvCxnSpPr>
+          <p:cNvPr id="38" name="Straight Arrow Connector 81">
+            <a:extLst>
+              <a:ext uri="{FF2B5EF4-FFF2-40B4-BE49-F238E27FC236}">
+                <a16:creationId xmlns:a16="http://schemas.microsoft.com/office/drawing/2014/main" id="{BB2B3D91-66F4-9996-2D04-511C4882633C}"/>
+              </a:ext>
+            </a:extLst>
+          </p:cNvPr>
+          <p:cNvCxnSpPr>
+            <a:cxnSpLocks/>
+          </p:cNvCxnSpPr>
+          <p:nvPr/>
+        </p:nvCxnSpPr>
+        <p:spPr>
+          <a:xfrm>
+            <a:off x="763988" y="3691577"/>
+            <a:ext cx="2917981" cy="0"/>
+          </a:xfrm>
+          <a:prstGeom prst="straightConnector1">
+            <a:avLst/>
+          </a:prstGeom>
+          <a:ln>
+            <a:solidFill>
+              <a:schemeClr val="accent3"/>
+            </a:solidFill>
+            <a:tailEnd type="triangle"/>
+          </a:ln>
+        </p:spPr>
+        <p:style>
+          <a:lnRef idx="1">
+            <a:schemeClr val="accent1"/>
+          </a:lnRef>
+          <a:fillRef idx="0">
+            <a:schemeClr val="accent1"/>
+          </a:fillRef>
+          <a:effectRef idx="0">
+            <a:schemeClr val="accent1"/>
+          </a:effectRef>
+          <a:fontRef idx="minor">
+            <a:schemeClr val="tx1"/>
+          </a:fontRef>
+        </p:style>
+      </p:cxnSp>
+      <p:sp>
+        <p:nvSpPr>
+          <p:cNvPr id="39" name="TextBox 38">
+            <a:extLst>
+              <a:ext uri="{FF2B5EF4-FFF2-40B4-BE49-F238E27FC236}">
+                <a16:creationId xmlns:a16="http://schemas.microsoft.com/office/drawing/2014/main" id="{5BF6D811-8604-2344-102A-33A71B93A576}"/>
+              </a:ext>
+            </a:extLst>
+          </p:cNvPr>
+          <p:cNvSpPr txBox="1"/>
+          <p:nvPr/>
+        </p:nvSpPr>
+        <p:spPr>
+          <a:xfrm>
+            <a:off x="763987" y="3445356"/>
+            <a:ext cx="2795674" cy="246221"/>
+          </a:xfrm>
+          <a:prstGeom prst="rect">
+            <a:avLst/>
+          </a:prstGeom>
+          <a:noFill/>
+        </p:spPr>
+        <p:txBody>
+          <a:bodyPr wrap="square" rtlCol="0">
+            <a:spAutoFit/>
+          </a:bodyPr>
+          <a:lstStyle/>
+          <a:p>
+            <a:r>
+              <a:rPr kumimoji="1" lang="en-US" altLang="ko-KR" sz="1000" i="1">
+                <a:solidFill>
+                  <a:schemeClr val="accent3"/>
+                </a:solidFill>
+              </a:rPr>
+              <a:t>TCP FIN</a:t>
+            </a:r>
+            <a:endParaRPr kumimoji="1" lang="ko-KR" altLang="en-US" sz="1000" i="1">
+              <a:solidFill>
+                <a:schemeClr val="accent3"/>
+              </a:solidFill>
+            </a:endParaRPr>
+          </a:p>
+        </p:txBody>
+      </p:sp>
+      <p:cxnSp>
+        <p:nvCxnSpPr>
+          <p:cNvPr id="8" name="Straight Arrow Connector 81">
+            <a:extLst>
+              <a:ext uri="{FF2B5EF4-FFF2-40B4-BE49-F238E27FC236}">
+                <a16:creationId xmlns:a16="http://schemas.microsoft.com/office/drawing/2014/main" id="{01CFFAF9-03B3-0AA6-69EA-5B377EE80AE1}"/>
+              </a:ext>
+            </a:extLst>
+          </p:cNvPr>
+          <p:cNvCxnSpPr>
+            <a:cxnSpLocks/>
+          </p:cNvCxnSpPr>
+          <p:nvPr/>
+        </p:nvCxnSpPr>
+        <p:spPr>
+          <a:xfrm>
+            <a:off x="763988" y="2106041"/>
+            <a:ext cx="2917981" cy="0"/>
+          </a:xfrm>
+          <a:prstGeom prst="straightConnector1">
+            <a:avLst/>
+          </a:prstGeom>
+          <a:ln>
+            <a:solidFill>
+              <a:schemeClr val="tx2"/>
+            </a:solidFill>
+            <a:tailEnd type="triangle"/>
+          </a:ln>
+        </p:spPr>
+        <p:style>
+          <a:lnRef idx="1">
+            <a:schemeClr val="accent1"/>
+          </a:lnRef>
+          <a:fillRef idx="0">
+            <a:schemeClr val="accent1"/>
+          </a:fillRef>
+          <a:effectRef idx="0">
+            <a:schemeClr val="accent1"/>
+          </a:effectRef>
+          <a:fontRef idx="minor">
+            <a:schemeClr val="tx1"/>
+          </a:fontRef>
+        </p:style>
+      </p:cxnSp>
+      <p:sp>
+        <p:nvSpPr>
+          <p:cNvPr id="15" name="TextBox 14">
+            <a:extLst>
+              <a:ext uri="{FF2B5EF4-FFF2-40B4-BE49-F238E27FC236}">
+                <a16:creationId xmlns:a16="http://schemas.microsoft.com/office/drawing/2014/main" id="{7FEB6355-CF4B-A41D-03D9-C7D75AFEADD6}"/>
+              </a:ext>
+            </a:extLst>
+          </p:cNvPr>
+          <p:cNvSpPr txBox="1"/>
+          <p:nvPr/>
+        </p:nvSpPr>
+        <p:spPr>
+          <a:xfrm>
+            <a:off x="763987" y="1859820"/>
+            <a:ext cx="2795674" cy="246221"/>
+          </a:xfrm>
+          <a:prstGeom prst="rect">
+            <a:avLst/>
+          </a:prstGeom>
+          <a:noFill/>
+        </p:spPr>
+        <p:txBody>
+          <a:bodyPr wrap="square" rtlCol="0">
+            <a:spAutoFit/>
+          </a:bodyPr>
+          <a:lstStyle/>
+          <a:p>
+            <a:r>
+              <a:rPr kumimoji="1" lang="en-US" altLang="ko-KR" sz="1000" i="1">
+                <a:solidFill>
+                  <a:schemeClr val="tx2"/>
+                </a:solidFill>
+              </a:rPr>
+              <a:t>GET </a:t>
+            </a:r>
+            <a:r>
+              <a:rPr lang="en" altLang="ko-KR" sz="1000" i="1">
+                <a:solidFill>
+                  <a:schemeClr val="tx2"/>
+                </a:solidFill>
+              </a:rPr>
+              <a:t>mock-server:8080/delay/5000</a:t>
+            </a:r>
+            <a:endParaRPr kumimoji="1" lang="ko-KR" altLang="en-US" sz="1000" i="1">
+              <a:solidFill>
+                <a:schemeClr val="tx2"/>
+              </a:solidFill>
+            </a:endParaRPr>
+          </a:p>
+        </p:txBody>
+      </p:sp>
+      <p:cxnSp>
+        <p:nvCxnSpPr>
+          <p:cNvPr id="16" name="Straight Arrow Connector 81">
+            <a:extLst>
+              <a:ext uri="{FF2B5EF4-FFF2-40B4-BE49-F238E27FC236}">
+                <a16:creationId xmlns:a16="http://schemas.microsoft.com/office/drawing/2014/main" id="{C39AAD4D-C641-7535-7C36-D8CA76459ECF}"/>
+              </a:ext>
+            </a:extLst>
+          </p:cNvPr>
+          <p:cNvCxnSpPr>
+            <a:cxnSpLocks/>
+          </p:cNvCxnSpPr>
+          <p:nvPr/>
+        </p:nvCxnSpPr>
+        <p:spPr>
+          <a:xfrm>
+            <a:off x="763988" y="1751921"/>
+            <a:ext cx="2917981" cy="0"/>
+          </a:xfrm>
+          <a:prstGeom prst="straightConnector1">
+            <a:avLst/>
+          </a:prstGeom>
+          <a:ln>
+            <a:solidFill>
+              <a:schemeClr val="tx2"/>
+            </a:solidFill>
+            <a:tailEnd type="triangle"/>
+          </a:ln>
+        </p:spPr>
+        <p:style>
+          <a:lnRef idx="1">
+            <a:schemeClr val="accent1"/>
+          </a:lnRef>
+          <a:fillRef idx="0">
+            <a:schemeClr val="accent1"/>
+          </a:fillRef>
+          <a:effectRef idx="0">
+            <a:schemeClr val="accent1"/>
+          </a:effectRef>
+          <a:fontRef idx="minor">
+            <a:schemeClr val="tx1"/>
+          </a:fontRef>
+        </p:style>
+      </p:cxnSp>
+      <p:sp>
+        <p:nvSpPr>
+          <p:cNvPr id="17" name="TextBox 16">
+            <a:extLst>
+              <a:ext uri="{FF2B5EF4-FFF2-40B4-BE49-F238E27FC236}">
+                <a16:creationId xmlns:a16="http://schemas.microsoft.com/office/drawing/2014/main" id="{99E5514B-CC66-01AC-333F-A5C6C1C4AAE7}"/>
+              </a:ext>
+            </a:extLst>
+          </p:cNvPr>
+          <p:cNvSpPr txBox="1"/>
+          <p:nvPr/>
+        </p:nvSpPr>
+        <p:spPr>
+          <a:xfrm>
+            <a:off x="763987" y="1505700"/>
+            <a:ext cx="2795674" cy="246221"/>
+          </a:xfrm>
+          <a:prstGeom prst="rect">
+            <a:avLst/>
+          </a:prstGeom>
+          <a:noFill/>
+        </p:spPr>
+        <p:txBody>
+          <a:bodyPr wrap="square" rtlCol="0">
+            <a:spAutoFit/>
+          </a:bodyPr>
+          <a:lstStyle/>
+          <a:p>
+            <a:r>
+              <a:rPr kumimoji="1" lang="en-US" altLang="ko-KR" sz="1000" i="1">
+                <a:solidFill>
+                  <a:schemeClr val="tx2"/>
+                </a:solidFill>
+              </a:rPr>
+              <a:t>TCP SYN</a:t>
+            </a:r>
+            <a:endParaRPr kumimoji="1" lang="ko-KR" altLang="en-US" sz="1000" i="1">
+              <a:solidFill>
+                <a:schemeClr val="tx2"/>
+              </a:solidFill>
+            </a:endParaRPr>
+          </a:p>
+        </p:txBody>
+      </p:sp>
+      <p:cxnSp>
+        <p:nvCxnSpPr>
+          <p:cNvPr id="21" name="Straight Arrow Connector 81">
+            <a:extLst>
+              <a:ext uri="{FF2B5EF4-FFF2-40B4-BE49-F238E27FC236}">
+                <a16:creationId xmlns:a16="http://schemas.microsoft.com/office/drawing/2014/main" id="{7ACDAC44-05CD-CE82-D532-5E2324F45A1A}"/>
+              </a:ext>
+            </a:extLst>
+          </p:cNvPr>
+          <p:cNvCxnSpPr>
+            <a:cxnSpLocks/>
+          </p:cNvCxnSpPr>
+          <p:nvPr/>
+        </p:nvCxnSpPr>
+        <p:spPr>
+          <a:xfrm>
+            <a:off x="763988" y="2225768"/>
+            <a:ext cx="2917981" cy="0"/>
+          </a:xfrm>
+          <a:prstGeom prst="straightConnector1">
+            <a:avLst/>
+          </a:prstGeom>
+          <a:ln>
+            <a:solidFill>
+              <a:schemeClr val="tx2"/>
+            </a:solidFill>
+            <a:headEnd type="triangle" w="med" len="med"/>
+            <a:tailEnd type="none" w="med" len="med"/>
+          </a:ln>
+        </p:spPr>
+        <p:style>
+          <a:lnRef idx="1">
+            <a:schemeClr val="accent1"/>
+          </a:lnRef>
+          <a:fillRef idx="0">
+            <a:schemeClr val="accent1"/>
+          </a:fillRef>
+          <a:effectRef idx="0">
+            <a:schemeClr val="accent1"/>
+          </a:effectRef>
+          <a:fontRef idx="minor">
+            <a:schemeClr val="tx1"/>
+          </a:fontRef>
+        </p:style>
+      </p:cxnSp>
+      <p:sp>
+        <p:nvSpPr>
+          <p:cNvPr id="22" name="TextBox 21">
+            <a:extLst>
+              <a:ext uri="{FF2B5EF4-FFF2-40B4-BE49-F238E27FC236}">
+                <a16:creationId xmlns:a16="http://schemas.microsoft.com/office/drawing/2014/main" id="{1F25201E-ED72-C850-1409-B302CE7BB6A6}"/>
+              </a:ext>
+            </a:extLst>
+          </p:cNvPr>
+          <p:cNvSpPr txBox="1"/>
+          <p:nvPr/>
+        </p:nvSpPr>
+        <p:spPr>
+          <a:xfrm>
+            <a:off x="879694" y="2229151"/>
+            <a:ext cx="2795674" cy="246221"/>
+          </a:xfrm>
+          <a:prstGeom prst="rect">
+            <a:avLst/>
+          </a:prstGeom>
+          <a:noFill/>
+        </p:spPr>
+        <p:txBody>
+          <a:bodyPr wrap="square" rtlCol="0">
+            <a:spAutoFit/>
+          </a:bodyPr>
+          <a:lstStyle/>
+          <a:p>
+            <a:pPr algn="r"/>
+            <a:r>
+              <a:rPr kumimoji="1" lang="en-US" altLang="ko-KR" sz="1000" i="1">
+                <a:solidFill>
+                  <a:schemeClr val="tx2"/>
+                </a:solidFill>
+              </a:rPr>
+              <a:t>503 Service Unavailable</a:t>
+            </a:r>
+            <a:endParaRPr kumimoji="1" lang="ko-KR" altLang="en-US" sz="1000" i="1">
+              <a:solidFill>
+                <a:schemeClr val="tx2"/>
+              </a:solidFill>
+            </a:endParaRPr>
+          </a:p>
+        </p:txBody>
+      </p:sp>
+      <p:cxnSp>
+        <p:nvCxnSpPr>
+          <p:cNvPr id="23" name="Straight Arrow Connector 81">
+            <a:extLst>
+              <a:ext uri="{FF2B5EF4-FFF2-40B4-BE49-F238E27FC236}">
+                <a16:creationId xmlns:a16="http://schemas.microsoft.com/office/drawing/2014/main" id="{B5E7F1A7-BB67-6801-5C40-60354E27B52E}"/>
+              </a:ext>
+            </a:extLst>
+          </p:cNvPr>
+          <p:cNvCxnSpPr>
+            <a:cxnSpLocks/>
+          </p:cNvCxnSpPr>
+          <p:nvPr/>
+        </p:nvCxnSpPr>
+        <p:spPr>
+          <a:xfrm>
+            <a:off x="763988" y="2543997"/>
+            <a:ext cx="2917981" cy="0"/>
+          </a:xfrm>
+          <a:prstGeom prst="straightConnector1">
+            <a:avLst/>
+          </a:prstGeom>
+          <a:ln>
+            <a:solidFill>
+              <a:schemeClr val="tx2"/>
+            </a:solidFill>
+            <a:tailEnd type="triangle"/>
+          </a:ln>
+        </p:spPr>
+        <p:style>
+          <a:lnRef idx="1">
+            <a:schemeClr val="accent1"/>
+          </a:lnRef>
+          <a:fillRef idx="0">
+            <a:schemeClr val="accent1"/>
+          </a:fillRef>
+          <a:effectRef idx="0">
+            <a:schemeClr val="accent1"/>
+          </a:effectRef>
+          <a:fontRef idx="minor">
+            <a:schemeClr val="tx1"/>
+          </a:fontRef>
+        </p:style>
+      </p:cxnSp>
+      <p:sp>
+        <p:nvSpPr>
+          <p:cNvPr id="33" name="TextBox 32">
+            <a:extLst>
+              <a:ext uri="{FF2B5EF4-FFF2-40B4-BE49-F238E27FC236}">
+                <a16:creationId xmlns:a16="http://schemas.microsoft.com/office/drawing/2014/main" id="{3F78C879-02A1-D3F8-AAFF-2CB9191174AA}"/>
+              </a:ext>
+            </a:extLst>
+          </p:cNvPr>
+          <p:cNvSpPr txBox="1"/>
+          <p:nvPr/>
+        </p:nvSpPr>
+        <p:spPr>
+          <a:xfrm>
+            <a:off x="763987" y="2297776"/>
+            <a:ext cx="2795674" cy="246221"/>
+          </a:xfrm>
+          <a:prstGeom prst="rect">
+            <a:avLst/>
+          </a:prstGeom>
+          <a:noFill/>
+        </p:spPr>
+        <p:txBody>
+          <a:bodyPr wrap="square" rtlCol="0">
+            <a:spAutoFit/>
+          </a:bodyPr>
+          <a:lstStyle/>
+          <a:p>
+            <a:r>
+              <a:rPr kumimoji="1" lang="en-US" altLang="ko-KR" sz="1000" i="1">
+                <a:solidFill>
+                  <a:schemeClr val="tx2"/>
+                </a:solidFill>
+              </a:rPr>
+              <a:t>TCP FIN</a:t>
+            </a:r>
+            <a:endParaRPr kumimoji="1" lang="ko-KR" altLang="en-US" sz="1000" i="1">
+              <a:solidFill>
+                <a:schemeClr val="tx2"/>
+              </a:solidFill>
+            </a:endParaRPr>
+          </a:p>
+        </p:txBody>
+      </p:sp>
+    </p:spTree>
+    <p:extLst>
+      <p:ext uri="{BB962C8B-B14F-4D97-AF65-F5344CB8AC3E}">
+        <p14:creationId xmlns:p14="http://schemas.microsoft.com/office/powerpoint/2010/main" val="1382294729"/>
+      </p:ext>
+    </p:extLst>
+  </p:cSld>
+  <p:clrMapOvr>
+    <a:masterClrMapping/>
+  </p:clrMapOvr>
+</p:sld>
+</file>
+
+<file path=ppt/slides/slide11.xml><?xml version="1.0" encoding="utf-8"?>
+<p:sld xmlns:a="http://schemas.openxmlformats.org/drawingml/2006/main" xmlns:r="http://schemas.openxmlformats.org/officeDocument/2006/relationships" xmlns:p="http://schemas.openxmlformats.org/presentationml/2006/main">
+  <p:cSld>
+    <p:spTree>
+      <p:nvGrpSpPr>
+        <p:cNvPr id="1" name="">
+          <a:extLst>
+            <a:ext uri="{FF2B5EF4-FFF2-40B4-BE49-F238E27FC236}">
               <a16:creationId xmlns:a16="http://schemas.microsoft.com/office/drawing/2014/main" id="{6E6DB2AF-FAF3-E1D1-9075-433C777E2804}"/>
             </a:ext>
           </a:extLst>
@@ -4446,7 +6365,7 @@
 </p:sld>
 </file>
 
-<file path=ppt/slides/slide11.xml><?xml version="1.0" encoding="utf-8"?>
+<file path=ppt/slides/slide12.xml><?xml version="1.0" encoding="utf-8"?>
 <p:sld xmlns:a="http://schemas.openxmlformats.org/drawingml/2006/main" xmlns:r="http://schemas.openxmlformats.org/officeDocument/2006/relationships" xmlns:p="http://schemas.openxmlformats.org/presentationml/2006/main">
   <p:cSld>
     <p:spTree>
@@ -4532,7 +6451,7 @@
 </p:sld>
 </file>
 
-<file path=ppt/slides/slide12.xml><?xml version="1.0" encoding="utf-8"?>
+<file path=ppt/slides/slide13.xml><?xml version="1.0" encoding="utf-8"?>
 <p:sld xmlns:a="http://schemas.openxmlformats.org/drawingml/2006/main" xmlns:r="http://schemas.openxmlformats.org/officeDocument/2006/relationships" xmlns:p="http://schemas.openxmlformats.org/presentationml/2006/main">
   <p:cSld>
     <p:spTree>
@@ -5856,7 +7775,7 @@
 </p:sld>
 </file>
 
-<file path=ppt/slides/slide13.xml><?xml version="1.0" encoding="utf-8"?>
+<file path=ppt/slides/slide14.xml><?xml version="1.0" encoding="utf-8"?>
 <p:sld xmlns:a="http://schemas.openxmlformats.org/drawingml/2006/main" xmlns:r="http://schemas.openxmlformats.org/officeDocument/2006/relationships" xmlns:p="http://schemas.openxmlformats.org/presentationml/2006/main">
   <p:cSld>
     <p:spTree>
@@ -7180,7 +9099,7 @@
 </p:sld>
 </file>
 
-<file path=ppt/slides/slide14.xml><?xml version="1.0" encoding="utf-8"?>
+<file path=ppt/slides/slide15.xml><?xml version="1.0" encoding="utf-8"?>
 <p:sld xmlns:a="http://schemas.openxmlformats.org/drawingml/2006/main" xmlns:r="http://schemas.openxmlformats.org/officeDocument/2006/relationships" xmlns:p="http://schemas.openxmlformats.org/presentationml/2006/main">
   <p:cSld>
     <p:spTree>
@@ -7266,7 +9185,7 @@
 </p:sld>
 </file>
 
-<file path=ppt/slides/slide15.xml><?xml version="1.0" encoding="utf-8"?>
+<file path=ppt/slides/slide16.xml><?xml version="1.0" encoding="utf-8"?>
 <p:sld xmlns:a="http://schemas.openxmlformats.org/drawingml/2006/main" xmlns:r="http://schemas.openxmlformats.org/officeDocument/2006/relationships" xmlns:p="http://schemas.openxmlformats.org/presentationml/2006/main">
   <p:cSld>
     <p:spTree>
@@ -7676,7 +9595,7 @@
 </p:sld>
 </file>
 
-<file path=ppt/slides/slide16.xml><?xml version="1.0" encoding="utf-8"?>
+<file path=ppt/slides/slide17.xml><?xml version="1.0" encoding="utf-8"?>
 <p:sld xmlns:a="http://schemas.openxmlformats.org/drawingml/2006/main" xmlns:r="http://schemas.openxmlformats.org/officeDocument/2006/relationships" xmlns:p="http://schemas.openxmlformats.org/presentationml/2006/main">
   <p:cSld>
     <p:spTree>
@@ -8086,7 +10005,7 @@
 </p:sld>
 </file>
 
-<file path=ppt/slides/slide17.xml><?xml version="1.0" encoding="utf-8"?>
+<file path=ppt/slides/slide18.xml><?xml version="1.0" encoding="utf-8"?>
 <p:sld xmlns:a="http://schemas.openxmlformats.org/drawingml/2006/main" xmlns:r="http://schemas.openxmlformats.org/officeDocument/2006/relationships" xmlns:p="http://schemas.openxmlformats.org/presentationml/2006/main">
   <p:cSld>
     <p:spTree>
@@ -8495,7 +10414,7 @@
 </p:sld>
 </file>
 
-<file path=ppt/slides/slide18.xml><?xml version="1.0" encoding="utf-8"?>
+<file path=ppt/slides/slide19.xml><?xml version="1.0" encoding="utf-8"?>
 <p:sld xmlns:a="http://schemas.openxmlformats.org/drawingml/2006/main" xmlns:r="http://schemas.openxmlformats.org/officeDocument/2006/relationships" xmlns:p="http://schemas.openxmlformats.org/presentationml/2006/main">
   <p:cSld>
     <p:spTree>
@@ -8987,1018 +10906,6 @@
     <p:extLst>
       <p:ext uri="{BB962C8B-B14F-4D97-AF65-F5344CB8AC3E}">
         <p14:creationId xmlns:p14="http://schemas.microsoft.com/office/powerpoint/2010/main" val="2284733793"/>
-      </p:ext>
-    </p:extLst>
-  </p:cSld>
-  <p:clrMapOvr>
-    <a:masterClrMapping/>
-  </p:clrMapOvr>
-</p:sld>
-</file>
-
-<file path=ppt/slides/slide19.xml><?xml version="1.0" encoding="utf-8"?>
-<p:sld xmlns:a="http://schemas.openxmlformats.org/drawingml/2006/main" xmlns:r="http://schemas.openxmlformats.org/officeDocument/2006/relationships" xmlns:p="http://schemas.openxmlformats.org/presentationml/2006/main">
-  <p:cSld>
-    <p:spTree>
-      <p:nvGrpSpPr>
-        <p:cNvPr id="1" name="">
-          <a:extLst>
-            <a:ext uri="{FF2B5EF4-FFF2-40B4-BE49-F238E27FC236}">
-              <a16:creationId xmlns:a16="http://schemas.microsoft.com/office/drawing/2014/main" id="{311FEFB3-B0E3-A751-2A11-E37C0EF4964A}"/>
-            </a:ext>
-          </a:extLst>
-        </p:cNvPr>
-        <p:cNvGrpSpPr/>
-        <p:nvPr/>
-      </p:nvGrpSpPr>
-      <p:grpSpPr>
-        <a:xfrm>
-          <a:off x="0" y="0"/>
-          <a:ext cx="0" cy="0"/>
-          <a:chOff x="0" y="0"/>
-          <a:chExt cx="0" cy="0"/>
-        </a:xfrm>
-      </p:grpSpPr>
-      <p:sp>
-        <p:nvSpPr>
-          <p:cNvPr id="4" name="사각형: 둥근 모서리 29">
-            <a:extLst>
-              <a:ext uri="{FF2B5EF4-FFF2-40B4-BE49-F238E27FC236}">
-                <a16:creationId xmlns:a16="http://schemas.microsoft.com/office/drawing/2014/main" id="{318A68AB-3960-B94A-A510-D9D287498672}"/>
-              </a:ext>
-            </a:extLst>
-          </p:cNvPr>
-          <p:cNvSpPr/>
-          <p:nvPr/>
-        </p:nvSpPr>
-        <p:spPr>
-          <a:xfrm>
-            <a:off x="1763688" y="411510"/>
-            <a:ext cx="1164765" cy="657290"/>
-          </a:xfrm>
-          <a:prstGeom prst="roundRect">
-            <a:avLst>
-              <a:gd name="adj" fmla="val 17374"/>
-            </a:avLst>
-          </a:prstGeom>
-          <a:ln w="12700"/>
-        </p:spPr>
-        <p:style>
-          <a:lnRef idx="2">
-            <a:schemeClr val="dk1"/>
-          </a:lnRef>
-          <a:fillRef idx="1">
-            <a:schemeClr val="lt1"/>
-          </a:fillRef>
-          <a:effectRef idx="0">
-            <a:schemeClr val="dk1"/>
-          </a:effectRef>
-          <a:fontRef idx="minor">
-            <a:schemeClr val="dk1"/>
-          </a:fontRef>
-        </p:style>
-        <p:txBody>
-          <a:bodyPr rtlCol="0" anchor="ctr"/>
-          <a:lstStyle/>
-          <a:p>
-            <a:pPr algn="ctr"/>
-            <a:r>
-              <a:rPr lang="en-US" altLang="ko-KR" sz="1000" b="1"/>
-              <a:t>shell</a:t>
-            </a:r>
-          </a:p>
-          <a:p>
-            <a:pPr algn="ctr"/>
-            <a:r>
-              <a:rPr lang="en-US" altLang="ko-KR" sz="1000"/>
-              <a:t>Pod</a:t>
-            </a:r>
-            <a:endParaRPr lang="ko-KR" altLang="en-US" sz="1000"/>
-          </a:p>
-        </p:txBody>
-      </p:sp>
-      <p:sp>
-        <p:nvSpPr>
-          <p:cNvPr id="5" name="사각형: 둥근 모서리 29">
-            <a:extLst>
-              <a:ext uri="{FF2B5EF4-FFF2-40B4-BE49-F238E27FC236}">
-                <a16:creationId xmlns:a16="http://schemas.microsoft.com/office/drawing/2014/main" id="{C8F00B08-DDBF-F48A-EAD9-EBF25501504A}"/>
-              </a:ext>
-            </a:extLst>
-          </p:cNvPr>
-          <p:cNvSpPr/>
-          <p:nvPr/>
-        </p:nvSpPr>
-        <p:spPr>
-          <a:xfrm>
-            <a:off x="5724128" y="411510"/>
-            <a:ext cx="1164765" cy="657290"/>
-          </a:xfrm>
-          <a:prstGeom prst="roundRect">
-            <a:avLst>
-              <a:gd name="adj" fmla="val 17374"/>
-            </a:avLst>
-          </a:prstGeom>
-          <a:ln w="12700"/>
-        </p:spPr>
-        <p:style>
-          <a:lnRef idx="2">
-            <a:schemeClr val="dk1"/>
-          </a:lnRef>
-          <a:fillRef idx="1">
-            <a:schemeClr val="lt1"/>
-          </a:fillRef>
-          <a:effectRef idx="0">
-            <a:schemeClr val="dk1"/>
-          </a:effectRef>
-          <a:fontRef idx="minor">
-            <a:schemeClr val="dk1"/>
-          </a:fontRef>
-        </p:style>
-        <p:txBody>
-          <a:bodyPr rtlCol="0" anchor="ctr"/>
-          <a:lstStyle/>
-          <a:p>
-            <a:pPr algn="ctr"/>
-            <a:r>
-              <a:rPr lang="en-US" altLang="ko-KR" sz="1000" b="1"/>
-              <a:t>mock-server</a:t>
-            </a:r>
-          </a:p>
-          <a:p>
-            <a:pPr algn="ctr"/>
-            <a:r>
-              <a:rPr lang="en-US" altLang="ko-KR" sz="1000"/>
-              <a:t>Pod</a:t>
-            </a:r>
-            <a:endParaRPr lang="ko-KR" altLang="en-US" sz="1000"/>
-          </a:p>
-        </p:txBody>
-      </p:sp>
-      <p:cxnSp>
-        <p:nvCxnSpPr>
-          <p:cNvPr id="8" name="Straight Arrow Connector 81">
-            <a:extLst>
-              <a:ext uri="{FF2B5EF4-FFF2-40B4-BE49-F238E27FC236}">
-                <a16:creationId xmlns:a16="http://schemas.microsoft.com/office/drawing/2014/main" id="{0EE93234-570E-A794-E7D1-81851B21F5F9}"/>
-              </a:ext>
-            </a:extLst>
-          </p:cNvPr>
-          <p:cNvCxnSpPr>
-            <a:cxnSpLocks/>
-            <a:stCxn id="5" idx="2"/>
-          </p:cNvCxnSpPr>
-          <p:nvPr/>
-        </p:nvCxnSpPr>
-        <p:spPr>
-          <a:xfrm>
-            <a:off x="6306511" y="1068800"/>
-            <a:ext cx="0" cy="3375158"/>
-          </a:xfrm>
-          <a:prstGeom prst="straightConnector1">
-            <a:avLst/>
-          </a:prstGeom>
-          <a:ln>
-            <a:solidFill>
-              <a:schemeClr val="tx1"/>
-            </a:solidFill>
-            <a:prstDash val="dash"/>
-            <a:tailEnd type="triangle"/>
-          </a:ln>
-        </p:spPr>
-        <p:style>
-          <a:lnRef idx="1">
-            <a:schemeClr val="accent1"/>
-          </a:lnRef>
-          <a:fillRef idx="0">
-            <a:schemeClr val="accent1"/>
-          </a:fillRef>
-          <a:effectRef idx="0">
-            <a:schemeClr val="accent1"/>
-          </a:effectRef>
-          <a:fontRef idx="minor">
-            <a:schemeClr val="tx1"/>
-          </a:fontRef>
-        </p:style>
-      </p:cxnSp>
-      <p:cxnSp>
-        <p:nvCxnSpPr>
-          <p:cNvPr id="2" name="Straight Arrow Connector 81">
-            <a:extLst>
-              <a:ext uri="{FF2B5EF4-FFF2-40B4-BE49-F238E27FC236}">
-                <a16:creationId xmlns:a16="http://schemas.microsoft.com/office/drawing/2014/main" id="{F612EB67-A39A-3E80-65B5-18978307EE42}"/>
-              </a:ext>
-            </a:extLst>
-          </p:cNvPr>
-          <p:cNvCxnSpPr>
-            <a:cxnSpLocks/>
-            <a:stCxn id="4" idx="2"/>
-          </p:cNvCxnSpPr>
-          <p:nvPr/>
-        </p:nvCxnSpPr>
-        <p:spPr>
-          <a:xfrm>
-            <a:off x="2346071" y="1068800"/>
-            <a:ext cx="0" cy="3375158"/>
-          </a:xfrm>
-          <a:prstGeom prst="straightConnector1">
-            <a:avLst/>
-          </a:prstGeom>
-          <a:ln>
-            <a:solidFill>
-              <a:schemeClr val="tx1"/>
-            </a:solidFill>
-            <a:prstDash val="dash"/>
-            <a:tailEnd type="triangle"/>
-          </a:ln>
-        </p:spPr>
-        <p:style>
-          <a:lnRef idx="1">
-            <a:schemeClr val="accent1"/>
-          </a:lnRef>
-          <a:fillRef idx="0">
-            <a:schemeClr val="accent1"/>
-          </a:fillRef>
-          <a:effectRef idx="0">
-            <a:schemeClr val="accent1"/>
-          </a:effectRef>
-          <a:fontRef idx="minor">
-            <a:schemeClr val="tx1"/>
-          </a:fontRef>
-        </p:style>
-      </p:cxnSp>
-      <p:sp>
-        <p:nvSpPr>
-          <p:cNvPr id="20" name="TextBox 19">
-            <a:extLst>
-              <a:ext uri="{FF2B5EF4-FFF2-40B4-BE49-F238E27FC236}">
-                <a16:creationId xmlns:a16="http://schemas.microsoft.com/office/drawing/2014/main" id="{E1ED0E87-BDC3-2034-6188-C2DAF60E108A}"/>
-              </a:ext>
-            </a:extLst>
-          </p:cNvPr>
-          <p:cNvSpPr txBox="1"/>
-          <p:nvPr/>
-        </p:nvSpPr>
-        <p:spPr>
-          <a:xfrm>
-            <a:off x="2928454" y="957375"/>
-            <a:ext cx="2795674" cy="246221"/>
-          </a:xfrm>
-          <a:prstGeom prst="rect">
-            <a:avLst/>
-          </a:prstGeom>
-          <a:noFill/>
-        </p:spPr>
-        <p:txBody>
-          <a:bodyPr wrap="square" rtlCol="0">
-            <a:spAutoFit/>
-          </a:bodyPr>
-          <a:lstStyle/>
-          <a:p>
-            <a:r>
-              <a:rPr kumimoji="1" lang="en-US" altLang="ko-KR" sz="1000" i="1">
-                <a:solidFill>
-                  <a:srgbClr val="C00000"/>
-                </a:solidFill>
-              </a:rPr>
-              <a:t>GET </a:t>
-            </a:r>
-            <a:r>
-              <a:rPr lang="en" altLang="ko-KR" sz="1000" i="1">
-                <a:solidFill>
-                  <a:srgbClr val="C00000"/>
-                </a:solidFill>
-              </a:rPr>
-              <a:t>mock-server:8080/delay/5000</a:t>
-            </a:r>
-            <a:endParaRPr kumimoji="1" lang="ko-KR" altLang="en-US" sz="1000" i="1">
-              <a:solidFill>
-                <a:srgbClr val="C00000"/>
-              </a:solidFill>
-            </a:endParaRPr>
-          </a:p>
-        </p:txBody>
-      </p:sp>
-      <p:cxnSp>
-        <p:nvCxnSpPr>
-          <p:cNvPr id="17" name="Straight Arrow Connector 81">
-            <a:extLst>
-              <a:ext uri="{FF2B5EF4-FFF2-40B4-BE49-F238E27FC236}">
-                <a16:creationId xmlns:a16="http://schemas.microsoft.com/office/drawing/2014/main" id="{E2878DA3-D173-547D-5BB4-F8A2FDC1081A}"/>
-              </a:ext>
-            </a:extLst>
-          </p:cNvPr>
-          <p:cNvCxnSpPr>
-            <a:cxnSpLocks/>
-          </p:cNvCxnSpPr>
-          <p:nvPr/>
-        </p:nvCxnSpPr>
-        <p:spPr>
-          <a:xfrm>
-            <a:off x="2346071" y="1203596"/>
-            <a:ext cx="3960440" cy="0"/>
-          </a:xfrm>
-          <a:prstGeom prst="straightConnector1">
-            <a:avLst/>
-          </a:prstGeom>
-          <a:ln>
-            <a:solidFill>
-              <a:srgbClr val="C00000"/>
-            </a:solidFill>
-            <a:tailEnd type="triangle"/>
-          </a:ln>
-        </p:spPr>
-        <p:style>
-          <a:lnRef idx="1">
-            <a:schemeClr val="accent1"/>
-          </a:lnRef>
-          <a:fillRef idx="0">
-            <a:schemeClr val="accent1"/>
-          </a:fillRef>
-          <a:effectRef idx="0">
-            <a:schemeClr val="accent1"/>
-          </a:effectRef>
-          <a:fontRef idx="minor">
-            <a:schemeClr val="tx1"/>
-          </a:fontRef>
-        </p:style>
-      </p:cxnSp>
-      <p:sp>
-        <p:nvSpPr>
-          <p:cNvPr id="24" name="TextBox 23">
-            <a:extLst>
-              <a:ext uri="{FF2B5EF4-FFF2-40B4-BE49-F238E27FC236}">
-                <a16:creationId xmlns:a16="http://schemas.microsoft.com/office/drawing/2014/main" id="{19F71F6D-0BF6-B26C-D762-2F9BC6037A8C}"/>
-              </a:ext>
-            </a:extLst>
-          </p:cNvPr>
-          <p:cNvSpPr txBox="1"/>
-          <p:nvPr/>
-        </p:nvSpPr>
-        <p:spPr>
-          <a:xfrm>
-            <a:off x="2928454" y="1204326"/>
-            <a:ext cx="2795674" cy="246221"/>
-          </a:xfrm>
-          <a:prstGeom prst="rect">
-            <a:avLst/>
-          </a:prstGeom>
-          <a:noFill/>
-        </p:spPr>
-        <p:txBody>
-          <a:bodyPr wrap="square" rtlCol="0">
-            <a:spAutoFit/>
-          </a:bodyPr>
-          <a:lstStyle/>
-          <a:p>
-            <a:r>
-              <a:rPr kumimoji="1" lang="en-US" altLang="ko-KR" sz="1000" i="1">
-                <a:solidFill>
-                  <a:schemeClr val="tx2"/>
-                </a:solidFill>
-              </a:rPr>
-              <a:t>GET </a:t>
-            </a:r>
-            <a:r>
-              <a:rPr lang="en" altLang="ko-KR" sz="1000" i="1">
-                <a:solidFill>
-                  <a:schemeClr val="tx2"/>
-                </a:solidFill>
-              </a:rPr>
-              <a:t>mock-server:8080/delay/5000</a:t>
-            </a:r>
-            <a:endParaRPr kumimoji="1" lang="ko-KR" altLang="en-US" sz="1000" i="1">
-              <a:solidFill>
-                <a:schemeClr val="tx2"/>
-              </a:solidFill>
-            </a:endParaRPr>
-          </a:p>
-        </p:txBody>
-      </p:sp>
-      <p:cxnSp>
-        <p:nvCxnSpPr>
-          <p:cNvPr id="3" name="Straight Arrow Connector 81">
-            <a:extLst>
-              <a:ext uri="{FF2B5EF4-FFF2-40B4-BE49-F238E27FC236}">
-                <a16:creationId xmlns:a16="http://schemas.microsoft.com/office/drawing/2014/main" id="{0E3F641F-D1FD-E10B-6D2B-D9D37736286C}"/>
-              </a:ext>
-            </a:extLst>
-          </p:cNvPr>
-          <p:cNvCxnSpPr>
-            <a:cxnSpLocks/>
-          </p:cNvCxnSpPr>
-          <p:nvPr/>
-        </p:nvCxnSpPr>
-        <p:spPr>
-          <a:xfrm>
-            <a:off x="2346071" y="1347614"/>
-            <a:ext cx="497737" cy="0"/>
-          </a:xfrm>
-          <a:prstGeom prst="straightConnector1">
-            <a:avLst/>
-          </a:prstGeom>
-          <a:ln>
-            <a:solidFill>
-              <a:schemeClr val="accent3"/>
-            </a:solidFill>
-            <a:headEnd type="none" w="med" len="med"/>
-            <a:tailEnd type="triangle" w="med" len="med"/>
-          </a:ln>
-        </p:spPr>
-        <p:style>
-          <a:lnRef idx="1">
-            <a:schemeClr val="accent1"/>
-          </a:lnRef>
-          <a:fillRef idx="0">
-            <a:schemeClr val="accent1"/>
-          </a:fillRef>
-          <a:effectRef idx="0">
-            <a:schemeClr val="accent1"/>
-          </a:effectRef>
-          <a:fontRef idx="minor">
-            <a:schemeClr val="tx1"/>
-          </a:fontRef>
-        </p:style>
-      </p:cxnSp>
-      <p:sp>
-        <p:nvSpPr>
-          <p:cNvPr id="6" name="TextBox 5">
-            <a:extLst>
-              <a:ext uri="{FF2B5EF4-FFF2-40B4-BE49-F238E27FC236}">
-                <a16:creationId xmlns:a16="http://schemas.microsoft.com/office/drawing/2014/main" id="{18397760-A08C-147D-82A3-3C7F44F74E65}"/>
-              </a:ext>
-            </a:extLst>
-          </p:cNvPr>
-          <p:cNvSpPr txBox="1"/>
-          <p:nvPr/>
-        </p:nvSpPr>
-        <p:spPr>
-          <a:xfrm>
-            <a:off x="2928454" y="1443528"/>
-            <a:ext cx="2795674" cy="246221"/>
-          </a:xfrm>
-          <a:prstGeom prst="rect">
-            <a:avLst/>
-          </a:prstGeom>
-          <a:noFill/>
-        </p:spPr>
-        <p:txBody>
-          <a:bodyPr wrap="square" rtlCol="0">
-            <a:spAutoFit/>
-          </a:bodyPr>
-          <a:lstStyle/>
-          <a:p>
-            <a:r>
-              <a:rPr kumimoji="1" lang="en-US" altLang="ko-KR" sz="1000" i="1">
-                <a:solidFill>
-                  <a:schemeClr val="accent3"/>
-                </a:solidFill>
-              </a:rPr>
-              <a:t>GET </a:t>
-            </a:r>
-            <a:r>
-              <a:rPr lang="en" altLang="ko-KR" sz="1000" i="1">
-                <a:solidFill>
-                  <a:schemeClr val="accent3"/>
-                </a:solidFill>
-              </a:rPr>
-              <a:t>mock-server:8080/delay/5000 </a:t>
-            </a:r>
-            <a:endParaRPr kumimoji="1" lang="ko-KR" altLang="en-US" sz="1000" i="1">
-              <a:solidFill>
-                <a:schemeClr val="accent3"/>
-              </a:solidFill>
-            </a:endParaRPr>
-          </a:p>
-        </p:txBody>
-      </p:sp>
-      <p:sp>
-        <p:nvSpPr>
-          <p:cNvPr id="9" name="TextBox 8">
-            <a:extLst>
-              <a:ext uri="{FF2B5EF4-FFF2-40B4-BE49-F238E27FC236}">
-                <a16:creationId xmlns:a16="http://schemas.microsoft.com/office/drawing/2014/main" id="{EC1A8036-57D2-4019-F8B5-53842AFD7D1B}"/>
-              </a:ext>
-            </a:extLst>
-          </p:cNvPr>
-          <p:cNvSpPr txBox="1"/>
-          <p:nvPr/>
-        </p:nvSpPr>
-        <p:spPr>
-          <a:xfrm>
-            <a:off x="2928453" y="2226447"/>
-            <a:ext cx="2795674" cy="246221"/>
-          </a:xfrm>
-          <a:prstGeom prst="rect">
-            <a:avLst/>
-          </a:prstGeom>
-          <a:noFill/>
-        </p:spPr>
-        <p:txBody>
-          <a:bodyPr wrap="square" rtlCol="0">
-            <a:spAutoFit/>
-          </a:bodyPr>
-          <a:lstStyle/>
-          <a:p>
-            <a:pPr algn="r"/>
-            <a:r>
-              <a:rPr kumimoji="1" lang="en-US" altLang="ko-KR" sz="1000" i="1">
-                <a:solidFill>
-                  <a:srgbClr val="C00000"/>
-                </a:solidFill>
-              </a:rPr>
-              <a:t>200 OK</a:t>
-            </a:r>
-            <a:endParaRPr kumimoji="1" lang="ko-KR" altLang="en-US" sz="1000" i="1">
-              <a:solidFill>
-                <a:srgbClr val="C00000"/>
-              </a:solidFill>
-            </a:endParaRPr>
-          </a:p>
-        </p:txBody>
-      </p:sp>
-      <p:cxnSp>
-        <p:nvCxnSpPr>
-          <p:cNvPr id="10" name="Straight Arrow Connector 81">
-            <a:extLst>
-              <a:ext uri="{FF2B5EF4-FFF2-40B4-BE49-F238E27FC236}">
-                <a16:creationId xmlns:a16="http://schemas.microsoft.com/office/drawing/2014/main" id="{296273D4-FD23-898F-5C3B-C33579433863}"/>
-              </a:ext>
-            </a:extLst>
-          </p:cNvPr>
-          <p:cNvCxnSpPr>
-            <a:cxnSpLocks/>
-          </p:cNvCxnSpPr>
-          <p:nvPr/>
-        </p:nvCxnSpPr>
-        <p:spPr>
-          <a:xfrm>
-            <a:off x="2346070" y="2472668"/>
-            <a:ext cx="3960440" cy="0"/>
-          </a:xfrm>
-          <a:prstGeom prst="straightConnector1">
-            <a:avLst/>
-          </a:prstGeom>
-          <a:ln>
-            <a:solidFill>
-              <a:srgbClr val="C00000"/>
-            </a:solidFill>
-            <a:headEnd type="triangle" w="med" len="med"/>
-            <a:tailEnd type="none" w="med" len="med"/>
-          </a:ln>
-        </p:spPr>
-        <p:style>
-          <a:lnRef idx="1">
-            <a:schemeClr val="accent1"/>
-          </a:lnRef>
-          <a:fillRef idx="0">
-            <a:schemeClr val="accent1"/>
-          </a:fillRef>
-          <a:effectRef idx="0">
-            <a:schemeClr val="accent1"/>
-          </a:effectRef>
-          <a:fontRef idx="minor">
-            <a:schemeClr val="tx1"/>
-          </a:fontRef>
-        </p:style>
-      </p:cxnSp>
-      <p:sp>
-        <p:nvSpPr>
-          <p:cNvPr id="12" name="호 11">
-            <a:extLst>
-              <a:ext uri="{FF2B5EF4-FFF2-40B4-BE49-F238E27FC236}">
-                <a16:creationId xmlns:a16="http://schemas.microsoft.com/office/drawing/2014/main" id="{66880876-CC88-B7D1-6105-0ABAA81BC87E}"/>
-              </a:ext>
-            </a:extLst>
-          </p:cNvPr>
-          <p:cNvSpPr/>
-          <p:nvPr/>
-        </p:nvSpPr>
-        <p:spPr>
-          <a:xfrm>
-            <a:off x="6156180" y="1199085"/>
-            <a:ext cx="288514" cy="1273554"/>
-          </a:xfrm>
-          <a:prstGeom prst="arc">
-            <a:avLst>
-              <a:gd name="adj1" fmla="val 16200000"/>
-              <a:gd name="adj2" fmla="val 5389298"/>
-            </a:avLst>
-          </a:prstGeom>
-          <a:ln>
-            <a:solidFill>
-              <a:srgbClr val="C00000"/>
-            </a:solidFill>
-            <a:headEnd type="none" w="med" len="med"/>
-            <a:tailEnd type="triangle" w="med" len="med"/>
-          </a:ln>
-        </p:spPr>
-        <p:style>
-          <a:lnRef idx="1">
-            <a:schemeClr val="accent1"/>
-          </a:lnRef>
-          <a:fillRef idx="0">
-            <a:schemeClr val="accent1"/>
-          </a:fillRef>
-          <a:effectRef idx="0">
-            <a:schemeClr val="accent1"/>
-          </a:effectRef>
-          <a:fontRef idx="minor">
-            <a:schemeClr val="tx1"/>
-          </a:fontRef>
-        </p:style>
-        <p:txBody>
-          <a:bodyPr rtlCol="0" anchor="ctr"/>
-          <a:lstStyle/>
-          <a:p>
-            <a:pPr algn="ctr"/>
-            <a:endParaRPr kumimoji="1" lang="ko-KR" altLang="en-US"/>
-          </a:p>
-        </p:txBody>
-      </p:sp>
-      <p:sp>
-        <p:nvSpPr>
-          <p:cNvPr id="13" name="TextBox 12">
-            <a:extLst>
-              <a:ext uri="{FF2B5EF4-FFF2-40B4-BE49-F238E27FC236}">
-                <a16:creationId xmlns:a16="http://schemas.microsoft.com/office/drawing/2014/main" id="{47B7A617-EFC0-4307-EB52-B7605F7F765C}"/>
-              </a:ext>
-            </a:extLst>
-          </p:cNvPr>
-          <p:cNvSpPr txBox="1"/>
-          <p:nvPr/>
-        </p:nvSpPr>
-        <p:spPr>
-          <a:xfrm>
-            <a:off x="6337278" y="1712751"/>
-            <a:ext cx="689798" cy="246221"/>
-          </a:xfrm>
-          <a:prstGeom prst="rect">
-            <a:avLst/>
-          </a:prstGeom>
-          <a:noFill/>
-        </p:spPr>
-        <p:txBody>
-          <a:bodyPr wrap="square" rtlCol="0">
-            <a:spAutoFit/>
-          </a:bodyPr>
-          <a:lstStyle/>
-          <a:p>
-            <a:pPr algn="ctr"/>
-            <a:r>
-              <a:rPr kumimoji="1" lang="en-US" altLang="ko-KR" sz="1000" i="1">
-                <a:solidFill>
-                  <a:srgbClr val="C00000"/>
-                </a:solidFill>
-              </a:rPr>
-              <a:t>5000ms</a:t>
-            </a:r>
-            <a:endParaRPr kumimoji="1" lang="ko-KR" altLang="en-US" sz="1000" i="1">
-              <a:solidFill>
-                <a:srgbClr val="C00000"/>
-              </a:solidFill>
-            </a:endParaRPr>
-          </a:p>
-        </p:txBody>
-      </p:sp>
-      <p:sp>
-        <p:nvSpPr>
-          <p:cNvPr id="14" name="TextBox 13">
-            <a:extLst>
-              <a:ext uri="{FF2B5EF4-FFF2-40B4-BE49-F238E27FC236}">
-                <a16:creationId xmlns:a16="http://schemas.microsoft.com/office/drawing/2014/main" id="{2A097D09-59D9-0C95-9814-60CDD0A4C79B}"/>
-              </a:ext>
-            </a:extLst>
-          </p:cNvPr>
-          <p:cNvSpPr txBox="1"/>
-          <p:nvPr/>
-        </p:nvSpPr>
-        <p:spPr>
-          <a:xfrm>
-            <a:off x="2928453" y="3569531"/>
-            <a:ext cx="2795674" cy="246221"/>
-          </a:xfrm>
-          <a:prstGeom prst="rect">
-            <a:avLst/>
-          </a:prstGeom>
-          <a:noFill/>
-        </p:spPr>
-        <p:txBody>
-          <a:bodyPr wrap="square" rtlCol="0">
-            <a:spAutoFit/>
-          </a:bodyPr>
-          <a:lstStyle/>
-          <a:p>
-            <a:pPr algn="r"/>
-            <a:r>
-              <a:rPr kumimoji="1" lang="en-US" altLang="ko-KR" sz="1000" i="1">
-                <a:solidFill>
-                  <a:schemeClr val="tx2"/>
-                </a:solidFill>
-              </a:rPr>
-              <a:t>200 OK</a:t>
-            </a:r>
-            <a:endParaRPr kumimoji="1" lang="ko-KR" altLang="en-US" sz="1000" i="1">
-              <a:solidFill>
-                <a:schemeClr val="tx2"/>
-              </a:solidFill>
-            </a:endParaRPr>
-          </a:p>
-        </p:txBody>
-      </p:sp>
-      <p:cxnSp>
-        <p:nvCxnSpPr>
-          <p:cNvPr id="15" name="Straight Arrow Connector 81">
-            <a:extLst>
-              <a:ext uri="{FF2B5EF4-FFF2-40B4-BE49-F238E27FC236}">
-                <a16:creationId xmlns:a16="http://schemas.microsoft.com/office/drawing/2014/main" id="{27F88202-0C33-F5A4-0F18-29F5E8338517}"/>
-              </a:ext>
-            </a:extLst>
-          </p:cNvPr>
-          <p:cNvCxnSpPr>
-            <a:cxnSpLocks/>
-          </p:cNvCxnSpPr>
-          <p:nvPr/>
-        </p:nvCxnSpPr>
-        <p:spPr>
-          <a:xfrm>
-            <a:off x="2346070" y="3815752"/>
-            <a:ext cx="3960440" cy="0"/>
-          </a:xfrm>
-          <a:prstGeom prst="straightConnector1">
-            <a:avLst/>
-          </a:prstGeom>
-          <a:ln>
-            <a:solidFill>
-              <a:schemeClr val="tx2"/>
-            </a:solidFill>
-            <a:headEnd type="triangle" w="med" len="med"/>
-            <a:tailEnd type="none" w="med" len="med"/>
-          </a:ln>
-        </p:spPr>
-        <p:style>
-          <a:lnRef idx="1">
-            <a:schemeClr val="accent1"/>
-          </a:lnRef>
-          <a:fillRef idx="0">
-            <a:schemeClr val="accent1"/>
-          </a:fillRef>
-          <a:effectRef idx="0">
-            <a:schemeClr val="accent1"/>
-          </a:effectRef>
-          <a:fontRef idx="minor">
-            <a:schemeClr val="tx1"/>
-          </a:fontRef>
-        </p:style>
-      </p:cxnSp>
-      <p:cxnSp>
-        <p:nvCxnSpPr>
-          <p:cNvPr id="21" name="Elbow Connector 80">
-            <a:extLst>
-              <a:ext uri="{FF2B5EF4-FFF2-40B4-BE49-F238E27FC236}">
-                <a16:creationId xmlns:a16="http://schemas.microsoft.com/office/drawing/2014/main" id="{ED116C40-095F-9CE3-6D37-24A282BC7869}"/>
-              </a:ext>
-            </a:extLst>
-          </p:cNvPr>
-          <p:cNvCxnSpPr>
-            <a:cxnSpLocks/>
-          </p:cNvCxnSpPr>
-          <p:nvPr/>
-        </p:nvCxnSpPr>
-        <p:spPr>
-          <a:xfrm>
-            <a:off x="2346070" y="1273066"/>
-            <a:ext cx="3960440" cy="1269074"/>
-          </a:xfrm>
-          <a:prstGeom prst="bentConnector3">
-            <a:avLst>
-              <a:gd name="adj1" fmla="val 14405"/>
-            </a:avLst>
-          </a:prstGeom>
-          <a:ln w="12700">
-            <a:solidFill>
-              <a:schemeClr val="tx2"/>
-            </a:solidFill>
-            <a:tailEnd type="triangle"/>
-          </a:ln>
-        </p:spPr>
-        <p:style>
-          <a:lnRef idx="1">
-            <a:schemeClr val="accent1"/>
-          </a:lnRef>
-          <a:fillRef idx="0">
-            <a:schemeClr val="accent1"/>
-          </a:fillRef>
-          <a:effectRef idx="0">
-            <a:schemeClr val="accent1"/>
-          </a:effectRef>
-          <a:fontRef idx="minor">
-            <a:schemeClr val="tx1"/>
-          </a:fontRef>
-        </p:style>
-      </p:cxnSp>
-      <p:sp>
-        <p:nvSpPr>
-          <p:cNvPr id="38" name="호 37">
-            <a:extLst>
-              <a:ext uri="{FF2B5EF4-FFF2-40B4-BE49-F238E27FC236}">
-                <a16:creationId xmlns:a16="http://schemas.microsoft.com/office/drawing/2014/main" id="{5495A184-241B-9957-9618-1CCED2EE74BD}"/>
-              </a:ext>
-            </a:extLst>
-          </p:cNvPr>
-          <p:cNvSpPr/>
-          <p:nvPr/>
-        </p:nvSpPr>
-        <p:spPr>
-          <a:xfrm>
-            <a:off x="6172154" y="2542139"/>
-            <a:ext cx="288514" cy="1273554"/>
-          </a:xfrm>
-          <a:prstGeom prst="arc">
-            <a:avLst>
-              <a:gd name="adj1" fmla="val 16200000"/>
-              <a:gd name="adj2" fmla="val 5389298"/>
-            </a:avLst>
-          </a:prstGeom>
-          <a:ln>
-            <a:solidFill>
-              <a:schemeClr val="tx2"/>
-            </a:solidFill>
-            <a:headEnd type="none" w="med" len="med"/>
-            <a:tailEnd type="triangle" w="med" len="med"/>
-          </a:ln>
-        </p:spPr>
-        <p:style>
-          <a:lnRef idx="1">
-            <a:schemeClr val="accent1"/>
-          </a:lnRef>
-          <a:fillRef idx="0">
-            <a:schemeClr val="accent1"/>
-          </a:fillRef>
-          <a:effectRef idx="0">
-            <a:schemeClr val="accent1"/>
-          </a:effectRef>
-          <a:fontRef idx="minor">
-            <a:schemeClr val="tx1"/>
-          </a:fontRef>
-        </p:style>
-        <p:txBody>
-          <a:bodyPr rtlCol="0" anchor="ctr"/>
-          <a:lstStyle/>
-          <a:p>
-            <a:pPr algn="ctr"/>
-            <a:endParaRPr kumimoji="1" lang="ko-KR" altLang="en-US"/>
-          </a:p>
-        </p:txBody>
-      </p:sp>
-      <p:sp>
-        <p:nvSpPr>
-          <p:cNvPr id="39" name="TextBox 38">
-            <a:extLst>
-              <a:ext uri="{FF2B5EF4-FFF2-40B4-BE49-F238E27FC236}">
-                <a16:creationId xmlns:a16="http://schemas.microsoft.com/office/drawing/2014/main" id="{B54D81F9-D305-F95D-D852-A73D67B692EE}"/>
-              </a:ext>
-            </a:extLst>
-          </p:cNvPr>
-          <p:cNvSpPr txBox="1"/>
-          <p:nvPr/>
-        </p:nvSpPr>
-        <p:spPr>
-          <a:xfrm>
-            <a:off x="6353252" y="3055805"/>
-            <a:ext cx="689798" cy="246221"/>
-          </a:xfrm>
-          <a:prstGeom prst="rect">
-            <a:avLst/>
-          </a:prstGeom>
-          <a:noFill/>
-        </p:spPr>
-        <p:txBody>
-          <a:bodyPr wrap="square" rtlCol="0">
-            <a:spAutoFit/>
-          </a:bodyPr>
-          <a:lstStyle/>
-          <a:p>
-            <a:pPr algn="ctr"/>
-            <a:r>
-              <a:rPr kumimoji="1" lang="en-US" altLang="ko-KR" sz="1000" i="1">
-                <a:solidFill>
-                  <a:schemeClr val="tx2"/>
-                </a:solidFill>
-              </a:rPr>
-              <a:t>5000ms</a:t>
-            </a:r>
-            <a:endParaRPr kumimoji="1" lang="ko-KR" altLang="en-US" sz="1000" i="1">
-              <a:solidFill>
-                <a:schemeClr val="tx2"/>
-              </a:solidFill>
-            </a:endParaRPr>
-          </a:p>
-        </p:txBody>
-      </p:sp>
-      <p:sp>
-        <p:nvSpPr>
-          <p:cNvPr id="46" name="TextBox 45">
-            <a:extLst>
-              <a:ext uri="{FF2B5EF4-FFF2-40B4-BE49-F238E27FC236}">
-                <a16:creationId xmlns:a16="http://schemas.microsoft.com/office/drawing/2014/main" id="{827C212E-DF96-D652-773A-ADF3E8FD3A7D}"/>
-              </a:ext>
-            </a:extLst>
-          </p:cNvPr>
-          <p:cNvSpPr txBox="1"/>
-          <p:nvPr/>
-        </p:nvSpPr>
-        <p:spPr>
-          <a:xfrm>
-            <a:off x="1589094" y="1789013"/>
-            <a:ext cx="689798" cy="246221"/>
-          </a:xfrm>
-          <a:prstGeom prst="rect">
-            <a:avLst/>
-          </a:prstGeom>
-          <a:noFill/>
-        </p:spPr>
-        <p:txBody>
-          <a:bodyPr wrap="square" rtlCol="0">
-            <a:spAutoFit/>
-          </a:bodyPr>
-          <a:lstStyle/>
-          <a:p>
-            <a:pPr algn="ctr"/>
-            <a:r>
-              <a:rPr kumimoji="1" lang="en-US" altLang="ko-KR" sz="1000" i="1">
-                <a:solidFill>
-                  <a:schemeClr val="tx2"/>
-                </a:solidFill>
-              </a:rPr>
-              <a:t>5000ms</a:t>
-            </a:r>
-            <a:endParaRPr kumimoji="1" lang="ko-KR" altLang="en-US" sz="1000" i="1">
-              <a:solidFill>
-                <a:schemeClr val="tx2"/>
-              </a:solidFill>
-            </a:endParaRPr>
-          </a:p>
-        </p:txBody>
-      </p:sp>
-      <p:sp>
-        <p:nvSpPr>
-          <p:cNvPr id="47" name="호 46">
-            <a:extLst>
-              <a:ext uri="{FF2B5EF4-FFF2-40B4-BE49-F238E27FC236}">
-                <a16:creationId xmlns:a16="http://schemas.microsoft.com/office/drawing/2014/main" id="{AD793D3E-8B76-8D92-A59B-F4F937AFE47F}"/>
-              </a:ext>
-            </a:extLst>
-          </p:cNvPr>
-          <p:cNvSpPr/>
-          <p:nvPr/>
-        </p:nvSpPr>
-        <p:spPr>
-          <a:xfrm flipH="1">
-            <a:off x="2199134" y="1273066"/>
-            <a:ext cx="288514" cy="1273554"/>
-          </a:xfrm>
-          <a:prstGeom prst="arc">
-            <a:avLst>
-              <a:gd name="adj1" fmla="val 16200000"/>
-              <a:gd name="adj2" fmla="val 5389298"/>
-            </a:avLst>
-          </a:prstGeom>
-          <a:ln>
-            <a:solidFill>
-              <a:schemeClr val="tx2"/>
-            </a:solidFill>
-            <a:headEnd type="none" w="med" len="med"/>
-            <a:tailEnd type="triangle" w="med" len="med"/>
-          </a:ln>
-        </p:spPr>
-        <p:style>
-          <a:lnRef idx="1">
-            <a:schemeClr val="accent1"/>
-          </a:lnRef>
-          <a:fillRef idx="0">
-            <a:schemeClr val="accent1"/>
-          </a:fillRef>
-          <a:effectRef idx="0">
-            <a:schemeClr val="accent1"/>
-          </a:effectRef>
-          <a:fontRef idx="minor">
-            <a:schemeClr val="tx1"/>
-          </a:fontRef>
-        </p:style>
-        <p:txBody>
-          <a:bodyPr rtlCol="0" anchor="ctr"/>
-          <a:lstStyle/>
-          <a:p>
-            <a:pPr algn="ctr"/>
-            <a:endParaRPr kumimoji="1" lang="ko-KR" altLang="en-US"/>
-          </a:p>
-        </p:txBody>
-      </p:sp>
-    </p:spTree>
-    <p:extLst>
-      <p:ext uri="{BB962C8B-B14F-4D97-AF65-F5344CB8AC3E}">
-        <p14:creationId xmlns:p14="http://schemas.microsoft.com/office/powerpoint/2010/main" val="591218850"/>
       </p:ext>
     </p:extLst>
   </p:cSld>
@@ -10102,6 +11009,1018 @@
         <p:cNvPr id="1" name="">
           <a:extLst>
             <a:ext uri="{FF2B5EF4-FFF2-40B4-BE49-F238E27FC236}">
+              <a16:creationId xmlns:a16="http://schemas.microsoft.com/office/drawing/2014/main" id="{311FEFB3-B0E3-A751-2A11-E37C0EF4964A}"/>
+            </a:ext>
+          </a:extLst>
+        </p:cNvPr>
+        <p:cNvGrpSpPr/>
+        <p:nvPr/>
+      </p:nvGrpSpPr>
+      <p:grpSpPr>
+        <a:xfrm>
+          <a:off x="0" y="0"/>
+          <a:ext cx="0" cy="0"/>
+          <a:chOff x="0" y="0"/>
+          <a:chExt cx="0" cy="0"/>
+        </a:xfrm>
+      </p:grpSpPr>
+      <p:sp>
+        <p:nvSpPr>
+          <p:cNvPr id="4" name="사각형: 둥근 모서리 29">
+            <a:extLst>
+              <a:ext uri="{FF2B5EF4-FFF2-40B4-BE49-F238E27FC236}">
+                <a16:creationId xmlns:a16="http://schemas.microsoft.com/office/drawing/2014/main" id="{318A68AB-3960-B94A-A510-D9D287498672}"/>
+              </a:ext>
+            </a:extLst>
+          </p:cNvPr>
+          <p:cNvSpPr/>
+          <p:nvPr/>
+        </p:nvSpPr>
+        <p:spPr>
+          <a:xfrm>
+            <a:off x="1763688" y="411510"/>
+            <a:ext cx="1164765" cy="657290"/>
+          </a:xfrm>
+          <a:prstGeom prst="roundRect">
+            <a:avLst>
+              <a:gd name="adj" fmla="val 17374"/>
+            </a:avLst>
+          </a:prstGeom>
+          <a:ln w="12700"/>
+        </p:spPr>
+        <p:style>
+          <a:lnRef idx="2">
+            <a:schemeClr val="dk1"/>
+          </a:lnRef>
+          <a:fillRef idx="1">
+            <a:schemeClr val="lt1"/>
+          </a:fillRef>
+          <a:effectRef idx="0">
+            <a:schemeClr val="dk1"/>
+          </a:effectRef>
+          <a:fontRef idx="minor">
+            <a:schemeClr val="dk1"/>
+          </a:fontRef>
+        </p:style>
+        <p:txBody>
+          <a:bodyPr rtlCol="0" anchor="ctr"/>
+          <a:lstStyle/>
+          <a:p>
+            <a:pPr algn="ctr"/>
+            <a:r>
+              <a:rPr lang="en-US" altLang="ko-KR" sz="1000" b="1"/>
+              <a:t>shell</a:t>
+            </a:r>
+          </a:p>
+          <a:p>
+            <a:pPr algn="ctr"/>
+            <a:r>
+              <a:rPr lang="en-US" altLang="ko-KR" sz="1000"/>
+              <a:t>Pod</a:t>
+            </a:r>
+            <a:endParaRPr lang="ko-KR" altLang="en-US" sz="1000"/>
+          </a:p>
+        </p:txBody>
+      </p:sp>
+      <p:sp>
+        <p:nvSpPr>
+          <p:cNvPr id="5" name="사각형: 둥근 모서리 29">
+            <a:extLst>
+              <a:ext uri="{FF2B5EF4-FFF2-40B4-BE49-F238E27FC236}">
+                <a16:creationId xmlns:a16="http://schemas.microsoft.com/office/drawing/2014/main" id="{C8F00B08-DDBF-F48A-EAD9-EBF25501504A}"/>
+              </a:ext>
+            </a:extLst>
+          </p:cNvPr>
+          <p:cNvSpPr/>
+          <p:nvPr/>
+        </p:nvSpPr>
+        <p:spPr>
+          <a:xfrm>
+            <a:off x="5724128" y="411510"/>
+            <a:ext cx="1164765" cy="657290"/>
+          </a:xfrm>
+          <a:prstGeom prst="roundRect">
+            <a:avLst>
+              <a:gd name="adj" fmla="val 17374"/>
+            </a:avLst>
+          </a:prstGeom>
+          <a:ln w="12700"/>
+        </p:spPr>
+        <p:style>
+          <a:lnRef idx="2">
+            <a:schemeClr val="dk1"/>
+          </a:lnRef>
+          <a:fillRef idx="1">
+            <a:schemeClr val="lt1"/>
+          </a:fillRef>
+          <a:effectRef idx="0">
+            <a:schemeClr val="dk1"/>
+          </a:effectRef>
+          <a:fontRef idx="minor">
+            <a:schemeClr val="dk1"/>
+          </a:fontRef>
+        </p:style>
+        <p:txBody>
+          <a:bodyPr rtlCol="0" anchor="ctr"/>
+          <a:lstStyle/>
+          <a:p>
+            <a:pPr algn="ctr"/>
+            <a:r>
+              <a:rPr lang="en-US" altLang="ko-KR" sz="1000" b="1"/>
+              <a:t>mock-server</a:t>
+            </a:r>
+          </a:p>
+          <a:p>
+            <a:pPr algn="ctr"/>
+            <a:r>
+              <a:rPr lang="en-US" altLang="ko-KR" sz="1000"/>
+              <a:t>Pod</a:t>
+            </a:r>
+            <a:endParaRPr lang="ko-KR" altLang="en-US" sz="1000"/>
+          </a:p>
+        </p:txBody>
+      </p:sp>
+      <p:cxnSp>
+        <p:nvCxnSpPr>
+          <p:cNvPr id="8" name="Straight Arrow Connector 81">
+            <a:extLst>
+              <a:ext uri="{FF2B5EF4-FFF2-40B4-BE49-F238E27FC236}">
+                <a16:creationId xmlns:a16="http://schemas.microsoft.com/office/drawing/2014/main" id="{0EE93234-570E-A794-E7D1-81851B21F5F9}"/>
+              </a:ext>
+            </a:extLst>
+          </p:cNvPr>
+          <p:cNvCxnSpPr>
+            <a:cxnSpLocks/>
+            <a:stCxn id="5" idx="2"/>
+          </p:cNvCxnSpPr>
+          <p:nvPr/>
+        </p:nvCxnSpPr>
+        <p:spPr>
+          <a:xfrm>
+            <a:off x="6306511" y="1068800"/>
+            <a:ext cx="0" cy="3375158"/>
+          </a:xfrm>
+          <a:prstGeom prst="straightConnector1">
+            <a:avLst/>
+          </a:prstGeom>
+          <a:ln>
+            <a:solidFill>
+              <a:schemeClr val="tx1"/>
+            </a:solidFill>
+            <a:prstDash val="dash"/>
+            <a:tailEnd type="triangle"/>
+          </a:ln>
+        </p:spPr>
+        <p:style>
+          <a:lnRef idx="1">
+            <a:schemeClr val="accent1"/>
+          </a:lnRef>
+          <a:fillRef idx="0">
+            <a:schemeClr val="accent1"/>
+          </a:fillRef>
+          <a:effectRef idx="0">
+            <a:schemeClr val="accent1"/>
+          </a:effectRef>
+          <a:fontRef idx="minor">
+            <a:schemeClr val="tx1"/>
+          </a:fontRef>
+        </p:style>
+      </p:cxnSp>
+      <p:cxnSp>
+        <p:nvCxnSpPr>
+          <p:cNvPr id="2" name="Straight Arrow Connector 81">
+            <a:extLst>
+              <a:ext uri="{FF2B5EF4-FFF2-40B4-BE49-F238E27FC236}">
+                <a16:creationId xmlns:a16="http://schemas.microsoft.com/office/drawing/2014/main" id="{F612EB67-A39A-3E80-65B5-18978307EE42}"/>
+              </a:ext>
+            </a:extLst>
+          </p:cNvPr>
+          <p:cNvCxnSpPr>
+            <a:cxnSpLocks/>
+            <a:stCxn id="4" idx="2"/>
+          </p:cNvCxnSpPr>
+          <p:nvPr/>
+        </p:nvCxnSpPr>
+        <p:spPr>
+          <a:xfrm>
+            <a:off x="2346071" y="1068800"/>
+            <a:ext cx="0" cy="3375158"/>
+          </a:xfrm>
+          <a:prstGeom prst="straightConnector1">
+            <a:avLst/>
+          </a:prstGeom>
+          <a:ln>
+            <a:solidFill>
+              <a:schemeClr val="tx1"/>
+            </a:solidFill>
+            <a:prstDash val="dash"/>
+            <a:tailEnd type="triangle"/>
+          </a:ln>
+        </p:spPr>
+        <p:style>
+          <a:lnRef idx="1">
+            <a:schemeClr val="accent1"/>
+          </a:lnRef>
+          <a:fillRef idx="0">
+            <a:schemeClr val="accent1"/>
+          </a:fillRef>
+          <a:effectRef idx="0">
+            <a:schemeClr val="accent1"/>
+          </a:effectRef>
+          <a:fontRef idx="minor">
+            <a:schemeClr val="tx1"/>
+          </a:fontRef>
+        </p:style>
+      </p:cxnSp>
+      <p:sp>
+        <p:nvSpPr>
+          <p:cNvPr id="20" name="TextBox 19">
+            <a:extLst>
+              <a:ext uri="{FF2B5EF4-FFF2-40B4-BE49-F238E27FC236}">
+                <a16:creationId xmlns:a16="http://schemas.microsoft.com/office/drawing/2014/main" id="{E1ED0E87-BDC3-2034-6188-C2DAF60E108A}"/>
+              </a:ext>
+            </a:extLst>
+          </p:cNvPr>
+          <p:cNvSpPr txBox="1"/>
+          <p:nvPr/>
+        </p:nvSpPr>
+        <p:spPr>
+          <a:xfrm>
+            <a:off x="2928454" y="957375"/>
+            <a:ext cx="2795674" cy="246221"/>
+          </a:xfrm>
+          <a:prstGeom prst="rect">
+            <a:avLst/>
+          </a:prstGeom>
+          <a:noFill/>
+        </p:spPr>
+        <p:txBody>
+          <a:bodyPr wrap="square" rtlCol="0">
+            <a:spAutoFit/>
+          </a:bodyPr>
+          <a:lstStyle/>
+          <a:p>
+            <a:r>
+              <a:rPr kumimoji="1" lang="en-US" altLang="ko-KR" sz="1000" i="1">
+                <a:solidFill>
+                  <a:srgbClr val="C00000"/>
+                </a:solidFill>
+              </a:rPr>
+              <a:t>GET </a:t>
+            </a:r>
+            <a:r>
+              <a:rPr lang="en" altLang="ko-KR" sz="1000" i="1">
+                <a:solidFill>
+                  <a:srgbClr val="C00000"/>
+                </a:solidFill>
+              </a:rPr>
+              <a:t>mock-server:8080/delay/5000</a:t>
+            </a:r>
+            <a:endParaRPr kumimoji="1" lang="ko-KR" altLang="en-US" sz="1000" i="1">
+              <a:solidFill>
+                <a:srgbClr val="C00000"/>
+              </a:solidFill>
+            </a:endParaRPr>
+          </a:p>
+        </p:txBody>
+      </p:sp>
+      <p:cxnSp>
+        <p:nvCxnSpPr>
+          <p:cNvPr id="17" name="Straight Arrow Connector 81">
+            <a:extLst>
+              <a:ext uri="{FF2B5EF4-FFF2-40B4-BE49-F238E27FC236}">
+                <a16:creationId xmlns:a16="http://schemas.microsoft.com/office/drawing/2014/main" id="{E2878DA3-D173-547D-5BB4-F8A2FDC1081A}"/>
+              </a:ext>
+            </a:extLst>
+          </p:cNvPr>
+          <p:cNvCxnSpPr>
+            <a:cxnSpLocks/>
+          </p:cNvCxnSpPr>
+          <p:nvPr/>
+        </p:nvCxnSpPr>
+        <p:spPr>
+          <a:xfrm>
+            <a:off x="2346071" y="1203596"/>
+            <a:ext cx="3960440" cy="0"/>
+          </a:xfrm>
+          <a:prstGeom prst="straightConnector1">
+            <a:avLst/>
+          </a:prstGeom>
+          <a:ln>
+            <a:solidFill>
+              <a:srgbClr val="C00000"/>
+            </a:solidFill>
+            <a:tailEnd type="triangle"/>
+          </a:ln>
+        </p:spPr>
+        <p:style>
+          <a:lnRef idx="1">
+            <a:schemeClr val="accent1"/>
+          </a:lnRef>
+          <a:fillRef idx="0">
+            <a:schemeClr val="accent1"/>
+          </a:fillRef>
+          <a:effectRef idx="0">
+            <a:schemeClr val="accent1"/>
+          </a:effectRef>
+          <a:fontRef idx="minor">
+            <a:schemeClr val="tx1"/>
+          </a:fontRef>
+        </p:style>
+      </p:cxnSp>
+      <p:sp>
+        <p:nvSpPr>
+          <p:cNvPr id="24" name="TextBox 23">
+            <a:extLst>
+              <a:ext uri="{FF2B5EF4-FFF2-40B4-BE49-F238E27FC236}">
+                <a16:creationId xmlns:a16="http://schemas.microsoft.com/office/drawing/2014/main" id="{19F71F6D-0BF6-B26C-D762-2F9BC6037A8C}"/>
+              </a:ext>
+            </a:extLst>
+          </p:cNvPr>
+          <p:cNvSpPr txBox="1"/>
+          <p:nvPr/>
+        </p:nvSpPr>
+        <p:spPr>
+          <a:xfrm>
+            <a:off x="2928454" y="1204326"/>
+            <a:ext cx="2795674" cy="246221"/>
+          </a:xfrm>
+          <a:prstGeom prst="rect">
+            <a:avLst/>
+          </a:prstGeom>
+          <a:noFill/>
+        </p:spPr>
+        <p:txBody>
+          <a:bodyPr wrap="square" rtlCol="0">
+            <a:spAutoFit/>
+          </a:bodyPr>
+          <a:lstStyle/>
+          <a:p>
+            <a:r>
+              <a:rPr kumimoji="1" lang="en-US" altLang="ko-KR" sz="1000" i="1">
+                <a:solidFill>
+                  <a:schemeClr val="tx2"/>
+                </a:solidFill>
+              </a:rPr>
+              <a:t>GET </a:t>
+            </a:r>
+            <a:r>
+              <a:rPr lang="en" altLang="ko-KR" sz="1000" i="1">
+                <a:solidFill>
+                  <a:schemeClr val="tx2"/>
+                </a:solidFill>
+              </a:rPr>
+              <a:t>mock-server:8080/delay/5000</a:t>
+            </a:r>
+            <a:endParaRPr kumimoji="1" lang="ko-KR" altLang="en-US" sz="1000" i="1">
+              <a:solidFill>
+                <a:schemeClr val="tx2"/>
+              </a:solidFill>
+            </a:endParaRPr>
+          </a:p>
+        </p:txBody>
+      </p:sp>
+      <p:cxnSp>
+        <p:nvCxnSpPr>
+          <p:cNvPr id="3" name="Straight Arrow Connector 81">
+            <a:extLst>
+              <a:ext uri="{FF2B5EF4-FFF2-40B4-BE49-F238E27FC236}">
+                <a16:creationId xmlns:a16="http://schemas.microsoft.com/office/drawing/2014/main" id="{0E3F641F-D1FD-E10B-6D2B-D9D37736286C}"/>
+              </a:ext>
+            </a:extLst>
+          </p:cNvPr>
+          <p:cNvCxnSpPr>
+            <a:cxnSpLocks/>
+          </p:cNvCxnSpPr>
+          <p:nvPr/>
+        </p:nvCxnSpPr>
+        <p:spPr>
+          <a:xfrm>
+            <a:off x="2346071" y="1347614"/>
+            <a:ext cx="497737" cy="0"/>
+          </a:xfrm>
+          <a:prstGeom prst="straightConnector1">
+            <a:avLst/>
+          </a:prstGeom>
+          <a:ln>
+            <a:solidFill>
+              <a:schemeClr val="accent3"/>
+            </a:solidFill>
+            <a:headEnd type="none" w="med" len="med"/>
+            <a:tailEnd type="triangle" w="med" len="med"/>
+          </a:ln>
+        </p:spPr>
+        <p:style>
+          <a:lnRef idx="1">
+            <a:schemeClr val="accent1"/>
+          </a:lnRef>
+          <a:fillRef idx="0">
+            <a:schemeClr val="accent1"/>
+          </a:fillRef>
+          <a:effectRef idx="0">
+            <a:schemeClr val="accent1"/>
+          </a:effectRef>
+          <a:fontRef idx="minor">
+            <a:schemeClr val="tx1"/>
+          </a:fontRef>
+        </p:style>
+      </p:cxnSp>
+      <p:sp>
+        <p:nvSpPr>
+          <p:cNvPr id="6" name="TextBox 5">
+            <a:extLst>
+              <a:ext uri="{FF2B5EF4-FFF2-40B4-BE49-F238E27FC236}">
+                <a16:creationId xmlns:a16="http://schemas.microsoft.com/office/drawing/2014/main" id="{18397760-A08C-147D-82A3-3C7F44F74E65}"/>
+              </a:ext>
+            </a:extLst>
+          </p:cNvPr>
+          <p:cNvSpPr txBox="1"/>
+          <p:nvPr/>
+        </p:nvSpPr>
+        <p:spPr>
+          <a:xfrm>
+            <a:off x="2928454" y="1443528"/>
+            <a:ext cx="2795674" cy="246221"/>
+          </a:xfrm>
+          <a:prstGeom prst="rect">
+            <a:avLst/>
+          </a:prstGeom>
+          <a:noFill/>
+        </p:spPr>
+        <p:txBody>
+          <a:bodyPr wrap="square" rtlCol="0">
+            <a:spAutoFit/>
+          </a:bodyPr>
+          <a:lstStyle/>
+          <a:p>
+            <a:r>
+              <a:rPr kumimoji="1" lang="en-US" altLang="ko-KR" sz="1000" i="1">
+                <a:solidFill>
+                  <a:schemeClr val="accent3"/>
+                </a:solidFill>
+              </a:rPr>
+              <a:t>GET </a:t>
+            </a:r>
+            <a:r>
+              <a:rPr lang="en" altLang="ko-KR" sz="1000" i="1">
+                <a:solidFill>
+                  <a:schemeClr val="accent3"/>
+                </a:solidFill>
+              </a:rPr>
+              <a:t>mock-server:8080/delay/5000 </a:t>
+            </a:r>
+            <a:endParaRPr kumimoji="1" lang="ko-KR" altLang="en-US" sz="1000" i="1">
+              <a:solidFill>
+                <a:schemeClr val="accent3"/>
+              </a:solidFill>
+            </a:endParaRPr>
+          </a:p>
+        </p:txBody>
+      </p:sp>
+      <p:sp>
+        <p:nvSpPr>
+          <p:cNvPr id="9" name="TextBox 8">
+            <a:extLst>
+              <a:ext uri="{FF2B5EF4-FFF2-40B4-BE49-F238E27FC236}">
+                <a16:creationId xmlns:a16="http://schemas.microsoft.com/office/drawing/2014/main" id="{EC1A8036-57D2-4019-F8B5-53842AFD7D1B}"/>
+              </a:ext>
+            </a:extLst>
+          </p:cNvPr>
+          <p:cNvSpPr txBox="1"/>
+          <p:nvPr/>
+        </p:nvSpPr>
+        <p:spPr>
+          <a:xfrm>
+            <a:off x="2928453" y="2226447"/>
+            <a:ext cx="2795674" cy="246221"/>
+          </a:xfrm>
+          <a:prstGeom prst="rect">
+            <a:avLst/>
+          </a:prstGeom>
+          <a:noFill/>
+        </p:spPr>
+        <p:txBody>
+          <a:bodyPr wrap="square" rtlCol="0">
+            <a:spAutoFit/>
+          </a:bodyPr>
+          <a:lstStyle/>
+          <a:p>
+            <a:pPr algn="r"/>
+            <a:r>
+              <a:rPr kumimoji="1" lang="en-US" altLang="ko-KR" sz="1000" i="1">
+                <a:solidFill>
+                  <a:srgbClr val="C00000"/>
+                </a:solidFill>
+              </a:rPr>
+              <a:t>200 OK</a:t>
+            </a:r>
+            <a:endParaRPr kumimoji="1" lang="ko-KR" altLang="en-US" sz="1000" i="1">
+              <a:solidFill>
+                <a:srgbClr val="C00000"/>
+              </a:solidFill>
+            </a:endParaRPr>
+          </a:p>
+        </p:txBody>
+      </p:sp>
+      <p:cxnSp>
+        <p:nvCxnSpPr>
+          <p:cNvPr id="10" name="Straight Arrow Connector 81">
+            <a:extLst>
+              <a:ext uri="{FF2B5EF4-FFF2-40B4-BE49-F238E27FC236}">
+                <a16:creationId xmlns:a16="http://schemas.microsoft.com/office/drawing/2014/main" id="{296273D4-FD23-898F-5C3B-C33579433863}"/>
+              </a:ext>
+            </a:extLst>
+          </p:cNvPr>
+          <p:cNvCxnSpPr>
+            <a:cxnSpLocks/>
+          </p:cNvCxnSpPr>
+          <p:nvPr/>
+        </p:nvCxnSpPr>
+        <p:spPr>
+          <a:xfrm>
+            <a:off x="2346070" y="2472668"/>
+            <a:ext cx="3960440" cy="0"/>
+          </a:xfrm>
+          <a:prstGeom prst="straightConnector1">
+            <a:avLst/>
+          </a:prstGeom>
+          <a:ln>
+            <a:solidFill>
+              <a:srgbClr val="C00000"/>
+            </a:solidFill>
+            <a:headEnd type="triangle" w="med" len="med"/>
+            <a:tailEnd type="none" w="med" len="med"/>
+          </a:ln>
+        </p:spPr>
+        <p:style>
+          <a:lnRef idx="1">
+            <a:schemeClr val="accent1"/>
+          </a:lnRef>
+          <a:fillRef idx="0">
+            <a:schemeClr val="accent1"/>
+          </a:fillRef>
+          <a:effectRef idx="0">
+            <a:schemeClr val="accent1"/>
+          </a:effectRef>
+          <a:fontRef idx="minor">
+            <a:schemeClr val="tx1"/>
+          </a:fontRef>
+        </p:style>
+      </p:cxnSp>
+      <p:sp>
+        <p:nvSpPr>
+          <p:cNvPr id="12" name="호 11">
+            <a:extLst>
+              <a:ext uri="{FF2B5EF4-FFF2-40B4-BE49-F238E27FC236}">
+                <a16:creationId xmlns:a16="http://schemas.microsoft.com/office/drawing/2014/main" id="{66880876-CC88-B7D1-6105-0ABAA81BC87E}"/>
+              </a:ext>
+            </a:extLst>
+          </p:cNvPr>
+          <p:cNvSpPr/>
+          <p:nvPr/>
+        </p:nvSpPr>
+        <p:spPr>
+          <a:xfrm>
+            <a:off x="6156180" y="1199085"/>
+            <a:ext cx="288514" cy="1273554"/>
+          </a:xfrm>
+          <a:prstGeom prst="arc">
+            <a:avLst>
+              <a:gd name="adj1" fmla="val 16200000"/>
+              <a:gd name="adj2" fmla="val 5389298"/>
+            </a:avLst>
+          </a:prstGeom>
+          <a:ln>
+            <a:solidFill>
+              <a:srgbClr val="C00000"/>
+            </a:solidFill>
+            <a:headEnd type="none" w="med" len="med"/>
+            <a:tailEnd type="triangle" w="med" len="med"/>
+          </a:ln>
+        </p:spPr>
+        <p:style>
+          <a:lnRef idx="1">
+            <a:schemeClr val="accent1"/>
+          </a:lnRef>
+          <a:fillRef idx="0">
+            <a:schemeClr val="accent1"/>
+          </a:fillRef>
+          <a:effectRef idx="0">
+            <a:schemeClr val="accent1"/>
+          </a:effectRef>
+          <a:fontRef idx="minor">
+            <a:schemeClr val="tx1"/>
+          </a:fontRef>
+        </p:style>
+        <p:txBody>
+          <a:bodyPr rtlCol="0" anchor="ctr"/>
+          <a:lstStyle/>
+          <a:p>
+            <a:pPr algn="ctr"/>
+            <a:endParaRPr kumimoji="1" lang="ko-KR" altLang="en-US"/>
+          </a:p>
+        </p:txBody>
+      </p:sp>
+      <p:sp>
+        <p:nvSpPr>
+          <p:cNvPr id="13" name="TextBox 12">
+            <a:extLst>
+              <a:ext uri="{FF2B5EF4-FFF2-40B4-BE49-F238E27FC236}">
+                <a16:creationId xmlns:a16="http://schemas.microsoft.com/office/drawing/2014/main" id="{47B7A617-EFC0-4307-EB52-B7605F7F765C}"/>
+              </a:ext>
+            </a:extLst>
+          </p:cNvPr>
+          <p:cNvSpPr txBox="1"/>
+          <p:nvPr/>
+        </p:nvSpPr>
+        <p:spPr>
+          <a:xfrm>
+            <a:off x="6337278" y="1712751"/>
+            <a:ext cx="689798" cy="246221"/>
+          </a:xfrm>
+          <a:prstGeom prst="rect">
+            <a:avLst/>
+          </a:prstGeom>
+          <a:noFill/>
+        </p:spPr>
+        <p:txBody>
+          <a:bodyPr wrap="square" rtlCol="0">
+            <a:spAutoFit/>
+          </a:bodyPr>
+          <a:lstStyle/>
+          <a:p>
+            <a:pPr algn="ctr"/>
+            <a:r>
+              <a:rPr kumimoji="1" lang="en-US" altLang="ko-KR" sz="1000" i="1">
+                <a:solidFill>
+                  <a:srgbClr val="C00000"/>
+                </a:solidFill>
+              </a:rPr>
+              <a:t>5000ms</a:t>
+            </a:r>
+            <a:endParaRPr kumimoji="1" lang="ko-KR" altLang="en-US" sz="1000" i="1">
+              <a:solidFill>
+                <a:srgbClr val="C00000"/>
+              </a:solidFill>
+            </a:endParaRPr>
+          </a:p>
+        </p:txBody>
+      </p:sp>
+      <p:sp>
+        <p:nvSpPr>
+          <p:cNvPr id="14" name="TextBox 13">
+            <a:extLst>
+              <a:ext uri="{FF2B5EF4-FFF2-40B4-BE49-F238E27FC236}">
+                <a16:creationId xmlns:a16="http://schemas.microsoft.com/office/drawing/2014/main" id="{2A097D09-59D9-0C95-9814-60CDD0A4C79B}"/>
+              </a:ext>
+            </a:extLst>
+          </p:cNvPr>
+          <p:cNvSpPr txBox="1"/>
+          <p:nvPr/>
+        </p:nvSpPr>
+        <p:spPr>
+          <a:xfrm>
+            <a:off x="2928453" y="3569531"/>
+            <a:ext cx="2795674" cy="246221"/>
+          </a:xfrm>
+          <a:prstGeom prst="rect">
+            <a:avLst/>
+          </a:prstGeom>
+          <a:noFill/>
+        </p:spPr>
+        <p:txBody>
+          <a:bodyPr wrap="square" rtlCol="0">
+            <a:spAutoFit/>
+          </a:bodyPr>
+          <a:lstStyle/>
+          <a:p>
+            <a:pPr algn="r"/>
+            <a:r>
+              <a:rPr kumimoji="1" lang="en-US" altLang="ko-KR" sz="1000" i="1">
+                <a:solidFill>
+                  <a:schemeClr val="tx2"/>
+                </a:solidFill>
+              </a:rPr>
+              <a:t>200 OK</a:t>
+            </a:r>
+            <a:endParaRPr kumimoji="1" lang="ko-KR" altLang="en-US" sz="1000" i="1">
+              <a:solidFill>
+                <a:schemeClr val="tx2"/>
+              </a:solidFill>
+            </a:endParaRPr>
+          </a:p>
+        </p:txBody>
+      </p:sp>
+      <p:cxnSp>
+        <p:nvCxnSpPr>
+          <p:cNvPr id="15" name="Straight Arrow Connector 81">
+            <a:extLst>
+              <a:ext uri="{FF2B5EF4-FFF2-40B4-BE49-F238E27FC236}">
+                <a16:creationId xmlns:a16="http://schemas.microsoft.com/office/drawing/2014/main" id="{27F88202-0C33-F5A4-0F18-29F5E8338517}"/>
+              </a:ext>
+            </a:extLst>
+          </p:cNvPr>
+          <p:cNvCxnSpPr>
+            <a:cxnSpLocks/>
+          </p:cNvCxnSpPr>
+          <p:nvPr/>
+        </p:nvCxnSpPr>
+        <p:spPr>
+          <a:xfrm>
+            <a:off x="2346070" y="3815752"/>
+            <a:ext cx="3960440" cy="0"/>
+          </a:xfrm>
+          <a:prstGeom prst="straightConnector1">
+            <a:avLst/>
+          </a:prstGeom>
+          <a:ln>
+            <a:solidFill>
+              <a:schemeClr val="tx2"/>
+            </a:solidFill>
+            <a:headEnd type="triangle" w="med" len="med"/>
+            <a:tailEnd type="none" w="med" len="med"/>
+          </a:ln>
+        </p:spPr>
+        <p:style>
+          <a:lnRef idx="1">
+            <a:schemeClr val="accent1"/>
+          </a:lnRef>
+          <a:fillRef idx="0">
+            <a:schemeClr val="accent1"/>
+          </a:fillRef>
+          <a:effectRef idx="0">
+            <a:schemeClr val="accent1"/>
+          </a:effectRef>
+          <a:fontRef idx="minor">
+            <a:schemeClr val="tx1"/>
+          </a:fontRef>
+        </p:style>
+      </p:cxnSp>
+      <p:cxnSp>
+        <p:nvCxnSpPr>
+          <p:cNvPr id="21" name="Elbow Connector 80">
+            <a:extLst>
+              <a:ext uri="{FF2B5EF4-FFF2-40B4-BE49-F238E27FC236}">
+                <a16:creationId xmlns:a16="http://schemas.microsoft.com/office/drawing/2014/main" id="{ED116C40-095F-9CE3-6D37-24A282BC7869}"/>
+              </a:ext>
+            </a:extLst>
+          </p:cNvPr>
+          <p:cNvCxnSpPr>
+            <a:cxnSpLocks/>
+          </p:cNvCxnSpPr>
+          <p:nvPr/>
+        </p:nvCxnSpPr>
+        <p:spPr>
+          <a:xfrm>
+            <a:off x="2346070" y="1273066"/>
+            <a:ext cx="3960440" cy="1269074"/>
+          </a:xfrm>
+          <a:prstGeom prst="bentConnector3">
+            <a:avLst>
+              <a:gd name="adj1" fmla="val 14405"/>
+            </a:avLst>
+          </a:prstGeom>
+          <a:ln w="12700">
+            <a:solidFill>
+              <a:schemeClr val="tx2"/>
+            </a:solidFill>
+            <a:tailEnd type="triangle"/>
+          </a:ln>
+        </p:spPr>
+        <p:style>
+          <a:lnRef idx="1">
+            <a:schemeClr val="accent1"/>
+          </a:lnRef>
+          <a:fillRef idx="0">
+            <a:schemeClr val="accent1"/>
+          </a:fillRef>
+          <a:effectRef idx="0">
+            <a:schemeClr val="accent1"/>
+          </a:effectRef>
+          <a:fontRef idx="minor">
+            <a:schemeClr val="tx1"/>
+          </a:fontRef>
+        </p:style>
+      </p:cxnSp>
+      <p:sp>
+        <p:nvSpPr>
+          <p:cNvPr id="38" name="호 37">
+            <a:extLst>
+              <a:ext uri="{FF2B5EF4-FFF2-40B4-BE49-F238E27FC236}">
+                <a16:creationId xmlns:a16="http://schemas.microsoft.com/office/drawing/2014/main" id="{5495A184-241B-9957-9618-1CCED2EE74BD}"/>
+              </a:ext>
+            </a:extLst>
+          </p:cNvPr>
+          <p:cNvSpPr/>
+          <p:nvPr/>
+        </p:nvSpPr>
+        <p:spPr>
+          <a:xfrm>
+            <a:off x="6172154" y="2542139"/>
+            <a:ext cx="288514" cy="1273554"/>
+          </a:xfrm>
+          <a:prstGeom prst="arc">
+            <a:avLst>
+              <a:gd name="adj1" fmla="val 16200000"/>
+              <a:gd name="adj2" fmla="val 5389298"/>
+            </a:avLst>
+          </a:prstGeom>
+          <a:ln>
+            <a:solidFill>
+              <a:schemeClr val="tx2"/>
+            </a:solidFill>
+            <a:headEnd type="none" w="med" len="med"/>
+            <a:tailEnd type="triangle" w="med" len="med"/>
+          </a:ln>
+        </p:spPr>
+        <p:style>
+          <a:lnRef idx="1">
+            <a:schemeClr val="accent1"/>
+          </a:lnRef>
+          <a:fillRef idx="0">
+            <a:schemeClr val="accent1"/>
+          </a:fillRef>
+          <a:effectRef idx="0">
+            <a:schemeClr val="accent1"/>
+          </a:effectRef>
+          <a:fontRef idx="minor">
+            <a:schemeClr val="tx1"/>
+          </a:fontRef>
+        </p:style>
+        <p:txBody>
+          <a:bodyPr rtlCol="0" anchor="ctr"/>
+          <a:lstStyle/>
+          <a:p>
+            <a:pPr algn="ctr"/>
+            <a:endParaRPr kumimoji="1" lang="ko-KR" altLang="en-US"/>
+          </a:p>
+        </p:txBody>
+      </p:sp>
+      <p:sp>
+        <p:nvSpPr>
+          <p:cNvPr id="39" name="TextBox 38">
+            <a:extLst>
+              <a:ext uri="{FF2B5EF4-FFF2-40B4-BE49-F238E27FC236}">
+                <a16:creationId xmlns:a16="http://schemas.microsoft.com/office/drawing/2014/main" id="{B54D81F9-D305-F95D-D852-A73D67B692EE}"/>
+              </a:ext>
+            </a:extLst>
+          </p:cNvPr>
+          <p:cNvSpPr txBox="1"/>
+          <p:nvPr/>
+        </p:nvSpPr>
+        <p:spPr>
+          <a:xfrm>
+            <a:off x="6353252" y="3055805"/>
+            <a:ext cx="689798" cy="246221"/>
+          </a:xfrm>
+          <a:prstGeom prst="rect">
+            <a:avLst/>
+          </a:prstGeom>
+          <a:noFill/>
+        </p:spPr>
+        <p:txBody>
+          <a:bodyPr wrap="square" rtlCol="0">
+            <a:spAutoFit/>
+          </a:bodyPr>
+          <a:lstStyle/>
+          <a:p>
+            <a:pPr algn="ctr"/>
+            <a:r>
+              <a:rPr kumimoji="1" lang="en-US" altLang="ko-KR" sz="1000" i="1">
+                <a:solidFill>
+                  <a:schemeClr val="tx2"/>
+                </a:solidFill>
+              </a:rPr>
+              <a:t>5000ms</a:t>
+            </a:r>
+            <a:endParaRPr kumimoji="1" lang="ko-KR" altLang="en-US" sz="1000" i="1">
+              <a:solidFill>
+                <a:schemeClr val="tx2"/>
+              </a:solidFill>
+            </a:endParaRPr>
+          </a:p>
+        </p:txBody>
+      </p:sp>
+      <p:sp>
+        <p:nvSpPr>
+          <p:cNvPr id="46" name="TextBox 45">
+            <a:extLst>
+              <a:ext uri="{FF2B5EF4-FFF2-40B4-BE49-F238E27FC236}">
+                <a16:creationId xmlns:a16="http://schemas.microsoft.com/office/drawing/2014/main" id="{827C212E-DF96-D652-773A-ADF3E8FD3A7D}"/>
+              </a:ext>
+            </a:extLst>
+          </p:cNvPr>
+          <p:cNvSpPr txBox="1"/>
+          <p:nvPr/>
+        </p:nvSpPr>
+        <p:spPr>
+          <a:xfrm>
+            <a:off x="1589094" y="1789013"/>
+            <a:ext cx="689798" cy="246221"/>
+          </a:xfrm>
+          <a:prstGeom prst="rect">
+            <a:avLst/>
+          </a:prstGeom>
+          <a:noFill/>
+        </p:spPr>
+        <p:txBody>
+          <a:bodyPr wrap="square" rtlCol="0">
+            <a:spAutoFit/>
+          </a:bodyPr>
+          <a:lstStyle/>
+          <a:p>
+            <a:pPr algn="ctr"/>
+            <a:r>
+              <a:rPr kumimoji="1" lang="en-US" altLang="ko-KR" sz="1000" i="1">
+                <a:solidFill>
+                  <a:schemeClr val="tx2"/>
+                </a:solidFill>
+              </a:rPr>
+              <a:t>5000ms</a:t>
+            </a:r>
+            <a:endParaRPr kumimoji="1" lang="ko-KR" altLang="en-US" sz="1000" i="1">
+              <a:solidFill>
+                <a:schemeClr val="tx2"/>
+              </a:solidFill>
+            </a:endParaRPr>
+          </a:p>
+        </p:txBody>
+      </p:sp>
+      <p:sp>
+        <p:nvSpPr>
+          <p:cNvPr id="47" name="호 46">
+            <a:extLst>
+              <a:ext uri="{FF2B5EF4-FFF2-40B4-BE49-F238E27FC236}">
+                <a16:creationId xmlns:a16="http://schemas.microsoft.com/office/drawing/2014/main" id="{AD793D3E-8B76-8D92-A59B-F4F937AFE47F}"/>
+              </a:ext>
+            </a:extLst>
+          </p:cNvPr>
+          <p:cNvSpPr/>
+          <p:nvPr/>
+        </p:nvSpPr>
+        <p:spPr>
+          <a:xfrm flipH="1">
+            <a:off x="2199134" y="1273066"/>
+            <a:ext cx="288514" cy="1273554"/>
+          </a:xfrm>
+          <a:prstGeom prst="arc">
+            <a:avLst>
+              <a:gd name="adj1" fmla="val 16200000"/>
+              <a:gd name="adj2" fmla="val 5389298"/>
+            </a:avLst>
+          </a:prstGeom>
+          <a:ln>
+            <a:solidFill>
+              <a:schemeClr val="tx2"/>
+            </a:solidFill>
+            <a:headEnd type="none" w="med" len="med"/>
+            <a:tailEnd type="triangle" w="med" len="med"/>
+          </a:ln>
+        </p:spPr>
+        <p:style>
+          <a:lnRef idx="1">
+            <a:schemeClr val="accent1"/>
+          </a:lnRef>
+          <a:fillRef idx="0">
+            <a:schemeClr val="accent1"/>
+          </a:fillRef>
+          <a:effectRef idx="0">
+            <a:schemeClr val="accent1"/>
+          </a:effectRef>
+          <a:fontRef idx="minor">
+            <a:schemeClr val="tx1"/>
+          </a:fontRef>
+        </p:style>
+        <p:txBody>
+          <a:bodyPr rtlCol="0" anchor="ctr"/>
+          <a:lstStyle/>
+          <a:p>
+            <a:pPr algn="ctr"/>
+            <a:endParaRPr kumimoji="1" lang="ko-KR" altLang="en-US"/>
+          </a:p>
+        </p:txBody>
+      </p:sp>
+    </p:spTree>
+    <p:extLst>
+      <p:ext uri="{BB962C8B-B14F-4D97-AF65-F5344CB8AC3E}">
+        <p14:creationId xmlns:p14="http://schemas.microsoft.com/office/powerpoint/2010/main" val="591218850"/>
+      </p:ext>
+    </p:extLst>
+  </p:cSld>
+  <p:clrMapOvr>
+    <a:masterClrMapping/>
+  </p:clrMapOvr>
+</p:sld>
+</file>
+
+<file path=ppt/slides/slide21.xml><?xml version="1.0" encoding="utf-8"?>
+<p:sld xmlns:a="http://schemas.openxmlformats.org/drawingml/2006/main" xmlns:r="http://schemas.openxmlformats.org/officeDocument/2006/relationships" xmlns:p="http://schemas.openxmlformats.org/presentationml/2006/main">
+  <p:cSld>
+    <p:spTree>
+      <p:nvGrpSpPr>
+        <p:cNvPr id="1" name="">
+          <a:extLst>
+            <a:ext uri="{FF2B5EF4-FFF2-40B4-BE49-F238E27FC236}">
               <a16:creationId xmlns:a16="http://schemas.microsoft.com/office/drawing/2014/main" id="{37F64EE1-C6A4-D1CD-01C5-D8F1579D7BF0}"/>
             </a:ext>
           </a:extLst>
@@ -11169,7 +13088,7 @@
 </p:sld>
 </file>
 
-<file path=ppt/slides/slide21.xml><?xml version="1.0" encoding="utf-8"?>
+<file path=ppt/slides/slide22.xml><?xml version="1.0" encoding="utf-8"?>
 <p:sld xmlns:a="http://schemas.openxmlformats.org/drawingml/2006/main" xmlns:r="http://schemas.openxmlformats.org/officeDocument/2006/relationships" xmlns:p="http://schemas.openxmlformats.org/presentationml/2006/main">
   <p:cSld>
     <p:spTree>
@@ -12187,7 +14106,7 @@
 </p:sld>
 </file>
 
-<file path=ppt/slides/slide22.xml><?xml version="1.0" encoding="utf-8"?>
+<file path=ppt/slides/slide23.xml><?xml version="1.0" encoding="utf-8"?>
 <p:sld xmlns:a="http://schemas.openxmlformats.org/drawingml/2006/main" xmlns:r="http://schemas.openxmlformats.org/officeDocument/2006/relationships" xmlns:p="http://schemas.openxmlformats.org/presentationml/2006/main">
   <p:cSld>
     <p:spTree>
@@ -13615,7 +15534,7 @@
 </p:sld>
 </file>
 
-<file path=ppt/slides/slide23.xml><?xml version="1.0" encoding="utf-8"?>
+<file path=ppt/slides/slide24.xml><?xml version="1.0" encoding="utf-8"?>
 <p:sld xmlns:a="http://schemas.openxmlformats.org/drawingml/2006/main" xmlns:r="http://schemas.openxmlformats.org/officeDocument/2006/relationships" xmlns:p="http://schemas.openxmlformats.org/presentationml/2006/main">
   <p:cSld>
     <p:spTree>
@@ -15039,7 +16958,7 @@
 </p:sld>
 </file>
 
-<file path=ppt/slides/slide24.xml><?xml version="1.0" encoding="utf-8"?>
+<file path=ppt/slides/slide25.xml><?xml version="1.0" encoding="utf-8"?>
 <p:sld xmlns:a="http://schemas.openxmlformats.org/drawingml/2006/main" xmlns:r="http://schemas.openxmlformats.org/officeDocument/2006/relationships" xmlns:p="http://schemas.openxmlformats.org/presentationml/2006/main">
   <p:cSld>
     <p:spTree>
@@ -15369,7 +17288,7 @@
 </p:sld>
 </file>
 
-<file path=ppt/slides/slide25.xml><?xml version="1.0" encoding="utf-8"?>
+<file path=ppt/slides/slide26.xml><?xml version="1.0" encoding="utf-8"?>
 <p:sld xmlns:a="http://schemas.openxmlformats.org/drawingml/2006/main" xmlns:r="http://schemas.openxmlformats.org/officeDocument/2006/relationships" xmlns:p="http://schemas.openxmlformats.org/presentationml/2006/main">
   <p:cSld>
     <p:spTree>
@@ -15449,7 +17368,7 @@
 </p:sld>
 </file>
 
-<file path=ppt/slides/slide26.xml><?xml version="1.0" encoding="utf-8"?>
+<file path=ppt/slides/slide27.xml><?xml version="1.0" encoding="utf-8"?>
 <p:sld xmlns:a="http://schemas.openxmlformats.org/drawingml/2006/main" xmlns:r="http://schemas.openxmlformats.org/officeDocument/2006/relationships" xmlns:p="http://schemas.openxmlformats.org/presentationml/2006/main">
   <p:cSld>
     <p:spTree>
@@ -15940,7 +17859,7 @@
 </p:sld>
 </file>
 
-<file path=ppt/slides/slide27.xml><?xml version="1.0" encoding="utf-8"?>
+<file path=ppt/slides/slide28.xml><?xml version="1.0" encoding="utf-8"?>
 <p:sld xmlns:a="http://schemas.openxmlformats.org/drawingml/2006/main" xmlns:r="http://schemas.openxmlformats.org/officeDocument/2006/relationships" xmlns:p="http://schemas.openxmlformats.org/presentationml/2006/main">
   <p:cSld>
     <p:spTree>

--- a/content/docs/theory-analysis/istio-sidecar-proxy-access-log/images/images.pptx
+++ b/content/docs/theory-analysis/istio-sidecar-proxy-access-log/images/images.pptx
@@ -6304,51 +6304,1625 @@
       </p:grpSpPr>
       <p:sp>
         <p:nvSpPr>
-          <p:cNvPr id="2" name="제목 1">
-            <a:extLst>
-              <a:ext uri="{FF2B5EF4-FFF2-40B4-BE49-F238E27FC236}">
-                <a16:creationId xmlns:a16="http://schemas.microsoft.com/office/drawing/2014/main" id="{07F70D05-8619-5924-D135-698121D5F3DA}"/>
-              </a:ext>
-            </a:extLst>
-          </p:cNvPr>
-          <p:cNvSpPr>
-            <a:spLocks noGrp="1"/>
-          </p:cNvSpPr>
-          <p:nvPr>
-            <p:ph type="title"/>
-          </p:nvPr>
-        </p:nvSpPr>
-        <p:spPr/>
-        <p:txBody>
-          <a:bodyPr/>
-          <a:lstStyle/>
-          <a:p>
-            <a:endParaRPr lang="ko-KR" altLang="en-US"/>
-          </a:p>
-        </p:txBody>
-      </p:sp>
-      <p:sp>
-        <p:nvSpPr>
-          <p:cNvPr id="3" name="내용 개체 틀 2">
-            <a:extLst>
-              <a:ext uri="{FF2B5EF4-FFF2-40B4-BE49-F238E27FC236}">
-                <a16:creationId xmlns:a16="http://schemas.microsoft.com/office/drawing/2014/main" id="{A17710F4-4CD4-64F0-EB4D-F4B2214DD840}"/>
-              </a:ext>
-            </a:extLst>
-          </p:cNvPr>
-          <p:cNvSpPr>
-            <a:spLocks noGrp="1"/>
-          </p:cNvSpPr>
-          <p:nvPr>
-            <p:ph idx="1"/>
-          </p:nvPr>
-        </p:nvSpPr>
-        <p:spPr/>
-        <p:txBody>
-          <a:bodyPr/>
-          <a:lstStyle/>
-          <a:p>
-            <a:endParaRPr lang="ko-KR" altLang="en-US"/>
+          <p:cNvPr id="26" name="사각형: 둥근 모서리 29">
+            <a:extLst>
+              <a:ext uri="{FF2B5EF4-FFF2-40B4-BE49-F238E27FC236}">
+                <a16:creationId xmlns:a16="http://schemas.microsoft.com/office/drawing/2014/main" id="{B47654E9-DB7B-872B-3204-50917686A539}"/>
+              </a:ext>
+            </a:extLst>
+          </p:cNvPr>
+          <p:cNvSpPr/>
+          <p:nvPr/>
+        </p:nvSpPr>
+        <p:spPr>
+          <a:xfrm>
+            <a:off x="179512" y="123478"/>
+            <a:ext cx="4032448" cy="600168"/>
+          </a:xfrm>
+          <a:prstGeom prst="roundRect">
+            <a:avLst>
+              <a:gd name="adj" fmla="val 10124"/>
+            </a:avLst>
+          </a:prstGeom>
+          <a:ln w="12700"/>
+        </p:spPr>
+        <p:style>
+          <a:lnRef idx="2">
+            <a:schemeClr val="dk1"/>
+          </a:lnRef>
+          <a:fillRef idx="1">
+            <a:schemeClr val="lt1"/>
+          </a:fillRef>
+          <a:effectRef idx="0">
+            <a:schemeClr val="dk1"/>
+          </a:effectRef>
+          <a:fontRef idx="minor">
+            <a:schemeClr val="dk1"/>
+          </a:fontRef>
+        </p:style>
+        <p:txBody>
+          <a:bodyPr rtlCol="0" anchor="t"/>
+          <a:lstStyle/>
+          <a:p>
+            <a:pPr algn="ctr"/>
+            <a:r>
+              <a:rPr lang="en-US" altLang="ko-KR" sz="1000" b="1"/>
+              <a:t>shell </a:t>
+            </a:r>
+            <a:r>
+              <a:rPr lang="en-US" altLang="ko-KR" sz="1000"/>
+              <a:t>Pod</a:t>
+            </a:r>
+          </a:p>
+        </p:txBody>
+      </p:sp>
+      <p:sp>
+        <p:nvSpPr>
+          <p:cNvPr id="27" name="사각형: 둥근 모서리 29">
+            <a:extLst>
+              <a:ext uri="{FF2B5EF4-FFF2-40B4-BE49-F238E27FC236}">
+                <a16:creationId xmlns:a16="http://schemas.microsoft.com/office/drawing/2014/main" id="{8DCF9142-640E-4A97-A842-E0AEB2AC2C70}"/>
+              </a:ext>
+            </a:extLst>
+          </p:cNvPr>
+          <p:cNvSpPr/>
+          <p:nvPr/>
+        </p:nvSpPr>
+        <p:spPr>
+          <a:xfrm>
+            <a:off x="3236328" y="195486"/>
+            <a:ext cx="891282" cy="439396"/>
+          </a:xfrm>
+          <a:prstGeom prst="roundRect">
+            <a:avLst>
+              <a:gd name="adj" fmla="val 14520"/>
+            </a:avLst>
+          </a:prstGeom>
+          <a:ln w="12700"/>
+        </p:spPr>
+        <p:style>
+          <a:lnRef idx="2">
+            <a:schemeClr val="dk1"/>
+          </a:lnRef>
+          <a:fillRef idx="1">
+            <a:schemeClr val="lt1"/>
+          </a:fillRef>
+          <a:effectRef idx="0">
+            <a:schemeClr val="dk1"/>
+          </a:effectRef>
+          <a:fontRef idx="minor">
+            <a:schemeClr val="dk1"/>
+          </a:fontRef>
+        </p:style>
+        <p:txBody>
+          <a:bodyPr rtlCol="0" anchor="ctr"/>
+          <a:lstStyle/>
+          <a:p>
+            <a:pPr algn="ctr"/>
+            <a:r>
+              <a:rPr lang="en-US" altLang="ko-KR" sz="1000" b="1"/>
+              <a:t>istio-proxy</a:t>
+            </a:r>
+          </a:p>
+          <a:p>
+            <a:pPr algn="ctr"/>
+            <a:r>
+              <a:rPr lang="en-US" altLang="ko-KR" sz="1000"/>
+              <a:t>Container</a:t>
+            </a:r>
+          </a:p>
+        </p:txBody>
+      </p:sp>
+      <p:sp>
+        <p:nvSpPr>
+          <p:cNvPr id="28" name="사각형: 둥근 모서리 29">
+            <a:extLst>
+              <a:ext uri="{FF2B5EF4-FFF2-40B4-BE49-F238E27FC236}">
+                <a16:creationId xmlns:a16="http://schemas.microsoft.com/office/drawing/2014/main" id="{592EC5C0-72F9-DCB2-513E-E45291FBC4F5}"/>
+              </a:ext>
+            </a:extLst>
+          </p:cNvPr>
+          <p:cNvSpPr/>
+          <p:nvPr/>
+        </p:nvSpPr>
+        <p:spPr>
+          <a:xfrm>
+            <a:off x="269263" y="195486"/>
+            <a:ext cx="989457" cy="439396"/>
+          </a:xfrm>
+          <a:prstGeom prst="roundRect">
+            <a:avLst>
+              <a:gd name="adj" fmla="val 14520"/>
+            </a:avLst>
+          </a:prstGeom>
+          <a:ln w="12700"/>
+        </p:spPr>
+        <p:style>
+          <a:lnRef idx="2">
+            <a:schemeClr val="dk1"/>
+          </a:lnRef>
+          <a:fillRef idx="1">
+            <a:schemeClr val="lt1"/>
+          </a:fillRef>
+          <a:effectRef idx="0">
+            <a:schemeClr val="dk1"/>
+          </a:effectRef>
+          <a:fontRef idx="minor">
+            <a:schemeClr val="dk1"/>
+          </a:fontRef>
+        </p:style>
+        <p:txBody>
+          <a:bodyPr rtlCol="0" anchor="ctr"/>
+          <a:lstStyle/>
+          <a:p>
+            <a:pPr algn="ctr"/>
+            <a:r>
+              <a:rPr lang="en-US" altLang="ko-KR" sz="1000" b="1"/>
+              <a:t>shell</a:t>
+            </a:r>
+          </a:p>
+          <a:p>
+            <a:pPr algn="ctr"/>
+            <a:r>
+              <a:rPr lang="en-US" altLang="ko-KR" sz="1000"/>
+              <a:t>Container</a:t>
+            </a:r>
+          </a:p>
+        </p:txBody>
+      </p:sp>
+      <p:sp>
+        <p:nvSpPr>
+          <p:cNvPr id="29" name="사각형: 둥근 모서리 29">
+            <a:extLst>
+              <a:ext uri="{FF2B5EF4-FFF2-40B4-BE49-F238E27FC236}">
+                <a16:creationId xmlns:a16="http://schemas.microsoft.com/office/drawing/2014/main" id="{E9B1459F-132A-8399-B0AA-F4B133FD5A8A}"/>
+              </a:ext>
+            </a:extLst>
+          </p:cNvPr>
+          <p:cNvSpPr/>
+          <p:nvPr/>
+        </p:nvSpPr>
+        <p:spPr>
+          <a:xfrm>
+            <a:off x="4932042" y="123478"/>
+            <a:ext cx="4032446" cy="600168"/>
+          </a:xfrm>
+          <a:prstGeom prst="roundRect">
+            <a:avLst>
+              <a:gd name="adj" fmla="val 10124"/>
+            </a:avLst>
+          </a:prstGeom>
+          <a:ln w="12700"/>
+        </p:spPr>
+        <p:style>
+          <a:lnRef idx="2">
+            <a:schemeClr val="dk1"/>
+          </a:lnRef>
+          <a:fillRef idx="1">
+            <a:schemeClr val="lt1"/>
+          </a:fillRef>
+          <a:effectRef idx="0">
+            <a:schemeClr val="dk1"/>
+          </a:effectRef>
+          <a:fontRef idx="minor">
+            <a:schemeClr val="dk1"/>
+          </a:fontRef>
+        </p:style>
+        <p:txBody>
+          <a:bodyPr rtlCol="0" anchor="t"/>
+          <a:lstStyle/>
+          <a:p>
+            <a:pPr algn="ctr"/>
+            <a:r>
+              <a:rPr lang="en-US" altLang="ko-KR" sz="1000" b="1"/>
+              <a:t>mock-server </a:t>
+            </a:r>
+            <a:r>
+              <a:rPr lang="en-US" altLang="ko-KR" sz="1000"/>
+              <a:t>Pod</a:t>
+            </a:r>
+          </a:p>
+        </p:txBody>
+      </p:sp>
+      <p:sp>
+        <p:nvSpPr>
+          <p:cNvPr id="30" name="사각형: 둥근 모서리 29">
+            <a:extLst>
+              <a:ext uri="{FF2B5EF4-FFF2-40B4-BE49-F238E27FC236}">
+                <a16:creationId xmlns:a16="http://schemas.microsoft.com/office/drawing/2014/main" id="{3E184534-CE12-B3EF-83FE-0AA38F9A7FA8}"/>
+              </a:ext>
+            </a:extLst>
+          </p:cNvPr>
+          <p:cNvSpPr/>
+          <p:nvPr/>
+        </p:nvSpPr>
+        <p:spPr>
+          <a:xfrm>
+            <a:off x="7885282" y="195486"/>
+            <a:ext cx="989457" cy="439396"/>
+          </a:xfrm>
+          <a:prstGeom prst="roundRect">
+            <a:avLst>
+              <a:gd name="adj" fmla="val 14520"/>
+            </a:avLst>
+          </a:prstGeom>
+          <a:ln w="12700"/>
+        </p:spPr>
+        <p:style>
+          <a:lnRef idx="2">
+            <a:schemeClr val="dk1"/>
+          </a:lnRef>
+          <a:fillRef idx="1">
+            <a:schemeClr val="lt1"/>
+          </a:fillRef>
+          <a:effectRef idx="0">
+            <a:schemeClr val="dk1"/>
+          </a:effectRef>
+          <a:fontRef idx="minor">
+            <a:schemeClr val="dk1"/>
+          </a:fontRef>
+        </p:style>
+        <p:txBody>
+          <a:bodyPr rtlCol="0" anchor="ctr"/>
+          <a:lstStyle/>
+          <a:p>
+            <a:pPr algn="ctr"/>
+            <a:r>
+              <a:rPr lang="en-US" altLang="ko-KR" sz="1000" b="1"/>
+              <a:t>mock-server</a:t>
+            </a:r>
+          </a:p>
+          <a:p>
+            <a:pPr algn="ctr"/>
+            <a:r>
+              <a:rPr lang="en-US" altLang="ko-KR" sz="1000"/>
+              <a:t>Container</a:t>
+            </a:r>
+          </a:p>
+        </p:txBody>
+      </p:sp>
+      <p:sp>
+        <p:nvSpPr>
+          <p:cNvPr id="31" name="사각형: 둥근 모서리 29">
+            <a:extLst>
+              <a:ext uri="{FF2B5EF4-FFF2-40B4-BE49-F238E27FC236}">
+                <a16:creationId xmlns:a16="http://schemas.microsoft.com/office/drawing/2014/main" id="{04CEDA67-4D6C-F29F-3A0F-C402A426B2F7}"/>
+              </a:ext>
+            </a:extLst>
+          </p:cNvPr>
+          <p:cNvSpPr/>
+          <p:nvPr/>
+        </p:nvSpPr>
+        <p:spPr>
+          <a:xfrm>
+            <a:off x="5016392" y="195486"/>
+            <a:ext cx="891282" cy="439396"/>
+          </a:xfrm>
+          <a:prstGeom prst="roundRect">
+            <a:avLst>
+              <a:gd name="adj" fmla="val 14520"/>
+            </a:avLst>
+          </a:prstGeom>
+          <a:ln w="12700"/>
+        </p:spPr>
+        <p:style>
+          <a:lnRef idx="2">
+            <a:schemeClr val="dk1"/>
+          </a:lnRef>
+          <a:fillRef idx="1">
+            <a:schemeClr val="lt1"/>
+          </a:fillRef>
+          <a:effectRef idx="0">
+            <a:schemeClr val="dk1"/>
+          </a:effectRef>
+          <a:fontRef idx="minor">
+            <a:schemeClr val="dk1"/>
+          </a:fontRef>
+        </p:style>
+        <p:txBody>
+          <a:bodyPr rtlCol="0" anchor="ctr"/>
+          <a:lstStyle/>
+          <a:p>
+            <a:pPr algn="ctr"/>
+            <a:r>
+              <a:rPr lang="en-US" altLang="ko-KR" sz="1000" b="1"/>
+              <a:t>istio-proxy</a:t>
+            </a:r>
+          </a:p>
+          <a:p>
+            <a:pPr algn="ctr"/>
+            <a:r>
+              <a:rPr lang="en-US" altLang="ko-KR" sz="1000"/>
+              <a:t>Container</a:t>
+            </a:r>
+          </a:p>
+        </p:txBody>
+      </p:sp>
+      <p:cxnSp>
+        <p:nvCxnSpPr>
+          <p:cNvPr id="32" name="Straight Arrow Connector 81">
+            <a:extLst>
+              <a:ext uri="{FF2B5EF4-FFF2-40B4-BE49-F238E27FC236}">
+                <a16:creationId xmlns:a16="http://schemas.microsoft.com/office/drawing/2014/main" id="{B025C823-3352-EE5E-142A-BA859E7F2781}"/>
+              </a:ext>
+            </a:extLst>
+          </p:cNvPr>
+          <p:cNvCxnSpPr>
+            <a:cxnSpLocks/>
+            <a:stCxn id="27" idx="2"/>
+          </p:cNvCxnSpPr>
+          <p:nvPr/>
+        </p:nvCxnSpPr>
+        <p:spPr>
+          <a:xfrm>
+            <a:off x="3681969" y="634882"/>
+            <a:ext cx="0" cy="4313132"/>
+          </a:xfrm>
+          <a:prstGeom prst="straightConnector1">
+            <a:avLst/>
+          </a:prstGeom>
+          <a:ln>
+            <a:solidFill>
+              <a:schemeClr val="tx1"/>
+            </a:solidFill>
+            <a:prstDash val="dash"/>
+            <a:tailEnd type="triangle"/>
+          </a:ln>
+        </p:spPr>
+        <p:style>
+          <a:lnRef idx="1">
+            <a:schemeClr val="accent1"/>
+          </a:lnRef>
+          <a:fillRef idx="0">
+            <a:schemeClr val="accent1"/>
+          </a:fillRef>
+          <a:effectRef idx="0">
+            <a:schemeClr val="accent1"/>
+          </a:effectRef>
+          <a:fontRef idx="minor">
+            <a:schemeClr val="tx1"/>
+          </a:fontRef>
+        </p:style>
+      </p:cxnSp>
+      <p:cxnSp>
+        <p:nvCxnSpPr>
+          <p:cNvPr id="33" name="Straight Arrow Connector 81">
+            <a:extLst>
+              <a:ext uri="{FF2B5EF4-FFF2-40B4-BE49-F238E27FC236}">
+                <a16:creationId xmlns:a16="http://schemas.microsoft.com/office/drawing/2014/main" id="{E02B9F08-F54E-6301-73C6-44D31E397CD2}"/>
+              </a:ext>
+            </a:extLst>
+          </p:cNvPr>
+          <p:cNvCxnSpPr>
+            <a:cxnSpLocks/>
+            <a:stCxn id="28" idx="2"/>
+          </p:cNvCxnSpPr>
+          <p:nvPr/>
+        </p:nvCxnSpPr>
+        <p:spPr>
+          <a:xfrm>
+            <a:off x="763992" y="634882"/>
+            <a:ext cx="0" cy="4313132"/>
+          </a:xfrm>
+          <a:prstGeom prst="straightConnector1">
+            <a:avLst/>
+          </a:prstGeom>
+          <a:ln>
+            <a:solidFill>
+              <a:schemeClr val="tx1"/>
+            </a:solidFill>
+            <a:prstDash val="dash"/>
+            <a:tailEnd type="triangle"/>
+          </a:ln>
+        </p:spPr>
+        <p:style>
+          <a:lnRef idx="1">
+            <a:schemeClr val="accent1"/>
+          </a:lnRef>
+          <a:fillRef idx="0">
+            <a:schemeClr val="accent1"/>
+          </a:fillRef>
+          <a:effectRef idx="0">
+            <a:schemeClr val="accent1"/>
+          </a:effectRef>
+          <a:fontRef idx="minor">
+            <a:schemeClr val="tx1"/>
+          </a:fontRef>
+        </p:style>
+      </p:cxnSp>
+      <p:cxnSp>
+        <p:nvCxnSpPr>
+          <p:cNvPr id="34" name="Straight Arrow Connector 81">
+            <a:extLst>
+              <a:ext uri="{FF2B5EF4-FFF2-40B4-BE49-F238E27FC236}">
+                <a16:creationId xmlns:a16="http://schemas.microsoft.com/office/drawing/2014/main" id="{05EBA011-7849-15F0-A395-E5F1A7D71D4F}"/>
+              </a:ext>
+            </a:extLst>
+          </p:cNvPr>
+          <p:cNvCxnSpPr>
+            <a:cxnSpLocks/>
+            <a:stCxn id="30" idx="2"/>
+          </p:cNvCxnSpPr>
+          <p:nvPr/>
+        </p:nvCxnSpPr>
+        <p:spPr>
+          <a:xfrm>
+            <a:off x="8380011" y="634882"/>
+            <a:ext cx="0" cy="4385140"/>
+          </a:xfrm>
+          <a:prstGeom prst="straightConnector1">
+            <a:avLst/>
+          </a:prstGeom>
+          <a:ln>
+            <a:solidFill>
+              <a:schemeClr val="tx1"/>
+            </a:solidFill>
+            <a:prstDash val="dash"/>
+            <a:tailEnd type="triangle"/>
+          </a:ln>
+        </p:spPr>
+        <p:style>
+          <a:lnRef idx="1">
+            <a:schemeClr val="accent1"/>
+          </a:lnRef>
+          <a:fillRef idx="0">
+            <a:schemeClr val="accent1"/>
+          </a:fillRef>
+          <a:effectRef idx="0">
+            <a:schemeClr val="accent1"/>
+          </a:effectRef>
+          <a:fontRef idx="minor">
+            <a:schemeClr val="tx1"/>
+          </a:fontRef>
+        </p:style>
+      </p:cxnSp>
+      <p:cxnSp>
+        <p:nvCxnSpPr>
+          <p:cNvPr id="35" name="Straight Arrow Connector 81">
+            <a:extLst>
+              <a:ext uri="{FF2B5EF4-FFF2-40B4-BE49-F238E27FC236}">
+                <a16:creationId xmlns:a16="http://schemas.microsoft.com/office/drawing/2014/main" id="{F9C03A3B-5188-7C0E-9D03-54C1DB07270F}"/>
+              </a:ext>
+            </a:extLst>
+          </p:cNvPr>
+          <p:cNvCxnSpPr>
+            <a:cxnSpLocks/>
+            <a:stCxn id="31" idx="2"/>
+          </p:cNvCxnSpPr>
+          <p:nvPr/>
+        </p:nvCxnSpPr>
+        <p:spPr>
+          <a:xfrm>
+            <a:off x="5462033" y="634882"/>
+            <a:ext cx="0" cy="4313132"/>
+          </a:xfrm>
+          <a:prstGeom prst="straightConnector1">
+            <a:avLst/>
+          </a:prstGeom>
+          <a:ln>
+            <a:solidFill>
+              <a:schemeClr val="tx1"/>
+            </a:solidFill>
+            <a:prstDash val="dash"/>
+            <a:tailEnd type="triangle"/>
+          </a:ln>
+        </p:spPr>
+        <p:style>
+          <a:lnRef idx="1">
+            <a:schemeClr val="accent1"/>
+          </a:lnRef>
+          <a:fillRef idx="0">
+            <a:schemeClr val="accent1"/>
+          </a:fillRef>
+          <a:effectRef idx="0">
+            <a:schemeClr val="accent1"/>
+          </a:effectRef>
+          <a:fontRef idx="minor">
+            <a:schemeClr val="tx1"/>
+          </a:fontRef>
+        </p:style>
+      </p:cxnSp>
+      <p:cxnSp>
+        <p:nvCxnSpPr>
+          <p:cNvPr id="36" name="Straight Arrow Connector 81">
+            <a:extLst>
+              <a:ext uri="{FF2B5EF4-FFF2-40B4-BE49-F238E27FC236}">
+                <a16:creationId xmlns:a16="http://schemas.microsoft.com/office/drawing/2014/main" id="{81EFAC47-0D65-0AF6-FD6F-9D15E7D90853}"/>
+              </a:ext>
+            </a:extLst>
+          </p:cNvPr>
+          <p:cNvCxnSpPr>
+            <a:cxnSpLocks/>
+          </p:cNvCxnSpPr>
+          <p:nvPr/>
+        </p:nvCxnSpPr>
+        <p:spPr>
+          <a:xfrm>
+            <a:off x="763988" y="1431885"/>
+            <a:ext cx="2917981" cy="0"/>
+          </a:xfrm>
+          <a:prstGeom prst="straightConnector1">
+            <a:avLst/>
+          </a:prstGeom>
+          <a:ln>
+            <a:solidFill>
+              <a:srgbClr val="C00000"/>
+            </a:solidFill>
+            <a:tailEnd type="triangle"/>
+          </a:ln>
+        </p:spPr>
+        <p:style>
+          <a:lnRef idx="1">
+            <a:schemeClr val="accent1"/>
+          </a:lnRef>
+          <a:fillRef idx="0">
+            <a:schemeClr val="accent1"/>
+          </a:fillRef>
+          <a:effectRef idx="0">
+            <a:schemeClr val="accent1"/>
+          </a:effectRef>
+          <a:fontRef idx="minor">
+            <a:schemeClr val="tx1"/>
+          </a:fontRef>
+        </p:style>
+      </p:cxnSp>
+      <p:sp>
+        <p:nvSpPr>
+          <p:cNvPr id="37" name="TextBox 36">
+            <a:extLst>
+              <a:ext uri="{FF2B5EF4-FFF2-40B4-BE49-F238E27FC236}">
+                <a16:creationId xmlns:a16="http://schemas.microsoft.com/office/drawing/2014/main" id="{6BC3006C-634D-978B-21E6-9ED1A0C06234}"/>
+              </a:ext>
+            </a:extLst>
+          </p:cNvPr>
+          <p:cNvSpPr txBox="1"/>
+          <p:nvPr/>
+        </p:nvSpPr>
+        <p:spPr>
+          <a:xfrm>
+            <a:off x="763987" y="1185664"/>
+            <a:ext cx="2795674" cy="246221"/>
+          </a:xfrm>
+          <a:prstGeom prst="rect">
+            <a:avLst/>
+          </a:prstGeom>
+          <a:noFill/>
+        </p:spPr>
+        <p:txBody>
+          <a:bodyPr wrap="square" rtlCol="0">
+            <a:spAutoFit/>
+          </a:bodyPr>
+          <a:lstStyle/>
+          <a:p>
+            <a:r>
+              <a:rPr kumimoji="1" lang="en-US" altLang="ko-KR" sz="1000" i="1">
+                <a:solidFill>
+                  <a:srgbClr val="C00000"/>
+                </a:solidFill>
+              </a:rPr>
+              <a:t>GET </a:t>
+            </a:r>
+            <a:r>
+              <a:rPr lang="en" altLang="ko-KR" sz="1000" i="1">
+                <a:solidFill>
+                  <a:srgbClr val="C00000"/>
+                </a:solidFill>
+              </a:rPr>
+              <a:t>mock-server:8080/status/503</a:t>
+            </a:r>
+            <a:endParaRPr kumimoji="1" lang="ko-KR" altLang="en-US" sz="1000" i="1">
+              <a:solidFill>
+                <a:srgbClr val="C00000"/>
+              </a:solidFill>
+            </a:endParaRPr>
+          </a:p>
+        </p:txBody>
+      </p:sp>
+      <p:cxnSp>
+        <p:nvCxnSpPr>
+          <p:cNvPr id="38" name="Straight Arrow Connector 81">
+            <a:extLst>
+              <a:ext uri="{FF2B5EF4-FFF2-40B4-BE49-F238E27FC236}">
+                <a16:creationId xmlns:a16="http://schemas.microsoft.com/office/drawing/2014/main" id="{2082980C-F05D-F5E2-2982-862CEE6E9BE6}"/>
+              </a:ext>
+            </a:extLst>
+          </p:cNvPr>
+          <p:cNvCxnSpPr>
+            <a:cxnSpLocks/>
+          </p:cNvCxnSpPr>
+          <p:nvPr/>
+        </p:nvCxnSpPr>
+        <p:spPr>
+          <a:xfrm>
+            <a:off x="5462033" y="1677286"/>
+            <a:ext cx="2917977" cy="0"/>
+          </a:xfrm>
+          <a:prstGeom prst="straightConnector1">
+            <a:avLst/>
+          </a:prstGeom>
+          <a:ln>
+            <a:solidFill>
+              <a:srgbClr val="C00000"/>
+            </a:solidFill>
+            <a:headEnd type="triangle" w="med" len="med"/>
+            <a:tailEnd type="none" w="med" len="med"/>
+          </a:ln>
+        </p:spPr>
+        <p:style>
+          <a:lnRef idx="1">
+            <a:schemeClr val="accent1"/>
+          </a:lnRef>
+          <a:fillRef idx="0">
+            <a:schemeClr val="accent1"/>
+          </a:fillRef>
+          <a:effectRef idx="0">
+            <a:schemeClr val="accent1"/>
+          </a:effectRef>
+          <a:fontRef idx="minor">
+            <a:schemeClr val="tx1"/>
+          </a:fontRef>
+        </p:style>
+      </p:cxnSp>
+      <p:sp>
+        <p:nvSpPr>
+          <p:cNvPr id="39" name="TextBox 38">
+            <a:extLst>
+              <a:ext uri="{FF2B5EF4-FFF2-40B4-BE49-F238E27FC236}">
+                <a16:creationId xmlns:a16="http://schemas.microsoft.com/office/drawing/2014/main" id="{86651FAF-315D-0668-4669-6C2573776BA9}"/>
+              </a:ext>
+            </a:extLst>
+          </p:cNvPr>
+          <p:cNvSpPr txBox="1"/>
+          <p:nvPr/>
+        </p:nvSpPr>
+        <p:spPr>
+          <a:xfrm>
+            <a:off x="5584334" y="1677286"/>
+            <a:ext cx="2795674" cy="246221"/>
+          </a:xfrm>
+          <a:prstGeom prst="rect">
+            <a:avLst/>
+          </a:prstGeom>
+          <a:noFill/>
+        </p:spPr>
+        <p:txBody>
+          <a:bodyPr wrap="square" rtlCol="0">
+            <a:spAutoFit/>
+          </a:bodyPr>
+          <a:lstStyle/>
+          <a:p>
+            <a:pPr algn="r"/>
+            <a:r>
+              <a:rPr kumimoji="1" lang="en-US" altLang="ko-KR" sz="1000" i="1">
+                <a:solidFill>
+                  <a:srgbClr val="C00000"/>
+                </a:solidFill>
+              </a:rPr>
+              <a:t>503 Service Unavailable</a:t>
+            </a:r>
+            <a:endParaRPr kumimoji="1" lang="ko-KR" altLang="en-US" sz="1000" i="1">
+              <a:solidFill>
+                <a:srgbClr val="C00000"/>
+              </a:solidFill>
+            </a:endParaRPr>
+          </a:p>
+        </p:txBody>
+      </p:sp>
+      <p:cxnSp>
+        <p:nvCxnSpPr>
+          <p:cNvPr id="40" name="Straight Arrow Connector 81">
+            <a:extLst>
+              <a:ext uri="{FF2B5EF4-FFF2-40B4-BE49-F238E27FC236}">
+                <a16:creationId xmlns:a16="http://schemas.microsoft.com/office/drawing/2014/main" id="{AA619DBE-6851-19E5-8C01-81DC272613A4}"/>
+              </a:ext>
+            </a:extLst>
+          </p:cNvPr>
+          <p:cNvCxnSpPr>
+            <a:cxnSpLocks/>
+          </p:cNvCxnSpPr>
+          <p:nvPr/>
+        </p:nvCxnSpPr>
+        <p:spPr>
+          <a:xfrm>
+            <a:off x="3681969" y="1505680"/>
+            <a:ext cx="1780064" cy="0"/>
+          </a:xfrm>
+          <a:prstGeom prst="straightConnector1">
+            <a:avLst/>
+          </a:prstGeom>
+          <a:ln>
+            <a:solidFill>
+              <a:srgbClr val="C00000"/>
+            </a:solidFill>
+            <a:tailEnd type="triangle"/>
+          </a:ln>
+        </p:spPr>
+        <p:style>
+          <a:lnRef idx="1">
+            <a:schemeClr val="accent1"/>
+          </a:lnRef>
+          <a:fillRef idx="0">
+            <a:schemeClr val="accent1"/>
+          </a:fillRef>
+          <a:effectRef idx="0">
+            <a:schemeClr val="accent1"/>
+          </a:effectRef>
+          <a:fontRef idx="minor">
+            <a:schemeClr val="tx1"/>
+          </a:fontRef>
+        </p:style>
+      </p:cxnSp>
+      <p:cxnSp>
+        <p:nvCxnSpPr>
+          <p:cNvPr id="41" name="Straight Arrow Connector 81">
+            <a:extLst>
+              <a:ext uri="{FF2B5EF4-FFF2-40B4-BE49-F238E27FC236}">
+                <a16:creationId xmlns:a16="http://schemas.microsoft.com/office/drawing/2014/main" id="{AD06C6FB-C732-FFD1-727C-4BF42F92AA94}"/>
+              </a:ext>
+            </a:extLst>
+          </p:cNvPr>
+          <p:cNvCxnSpPr>
+            <a:cxnSpLocks/>
+          </p:cNvCxnSpPr>
+          <p:nvPr/>
+        </p:nvCxnSpPr>
+        <p:spPr>
+          <a:xfrm>
+            <a:off x="5462033" y="1585571"/>
+            <a:ext cx="2917978" cy="0"/>
+          </a:xfrm>
+          <a:prstGeom prst="straightConnector1">
+            <a:avLst/>
+          </a:prstGeom>
+          <a:ln>
+            <a:solidFill>
+              <a:srgbClr val="C00000"/>
+            </a:solidFill>
+            <a:tailEnd type="triangle"/>
+          </a:ln>
+        </p:spPr>
+        <p:style>
+          <a:lnRef idx="1">
+            <a:schemeClr val="accent1"/>
+          </a:lnRef>
+          <a:fillRef idx="0">
+            <a:schemeClr val="accent1"/>
+          </a:fillRef>
+          <a:effectRef idx="0">
+            <a:schemeClr val="accent1"/>
+          </a:effectRef>
+          <a:fontRef idx="minor">
+            <a:schemeClr val="tx1"/>
+          </a:fontRef>
+        </p:style>
+      </p:cxnSp>
+      <p:cxnSp>
+        <p:nvCxnSpPr>
+          <p:cNvPr id="42" name="Straight Arrow Connector 81">
+            <a:extLst>
+              <a:ext uri="{FF2B5EF4-FFF2-40B4-BE49-F238E27FC236}">
+                <a16:creationId xmlns:a16="http://schemas.microsoft.com/office/drawing/2014/main" id="{396663D1-478F-4131-132C-9CEC6CFCF625}"/>
+              </a:ext>
+            </a:extLst>
+          </p:cNvPr>
+          <p:cNvCxnSpPr>
+            <a:cxnSpLocks/>
+          </p:cNvCxnSpPr>
+          <p:nvPr/>
+        </p:nvCxnSpPr>
+        <p:spPr>
+          <a:xfrm>
+            <a:off x="3681977" y="1749294"/>
+            <a:ext cx="1780056" cy="0"/>
+          </a:xfrm>
+          <a:prstGeom prst="straightConnector1">
+            <a:avLst/>
+          </a:prstGeom>
+          <a:ln>
+            <a:solidFill>
+              <a:srgbClr val="C00000"/>
+            </a:solidFill>
+            <a:headEnd type="triangle" w="med" len="med"/>
+            <a:tailEnd type="none" w="med" len="med"/>
+          </a:ln>
+        </p:spPr>
+        <p:style>
+          <a:lnRef idx="1">
+            <a:schemeClr val="accent1"/>
+          </a:lnRef>
+          <a:fillRef idx="0">
+            <a:schemeClr val="accent1"/>
+          </a:fillRef>
+          <a:effectRef idx="0">
+            <a:schemeClr val="accent1"/>
+          </a:effectRef>
+          <a:fontRef idx="minor">
+            <a:schemeClr val="tx1"/>
+          </a:fontRef>
+        </p:style>
+      </p:cxnSp>
+      <p:cxnSp>
+        <p:nvCxnSpPr>
+          <p:cNvPr id="43" name="Straight Arrow Connector 81">
+            <a:extLst>
+              <a:ext uri="{FF2B5EF4-FFF2-40B4-BE49-F238E27FC236}">
+                <a16:creationId xmlns:a16="http://schemas.microsoft.com/office/drawing/2014/main" id="{F69FAC6D-FB7B-831C-609C-7FD134D76D50}"/>
+              </a:ext>
+            </a:extLst>
+          </p:cNvPr>
+          <p:cNvCxnSpPr>
+            <a:cxnSpLocks/>
+          </p:cNvCxnSpPr>
+          <p:nvPr/>
+        </p:nvCxnSpPr>
+        <p:spPr>
+          <a:xfrm>
+            <a:off x="763987" y="1821302"/>
+            <a:ext cx="2917982" cy="0"/>
+          </a:xfrm>
+          <a:prstGeom prst="straightConnector1">
+            <a:avLst/>
+          </a:prstGeom>
+          <a:ln>
+            <a:solidFill>
+              <a:srgbClr val="C00000"/>
+            </a:solidFill>
+            <a:headEnd type="triangle" w="med" len="med"/>
+            <a:tailEnd type="none" w="med" len="med"/>
+          </a:ln>
+        </p:spPr>
+        <p:style>
+          <a:lnRef idx="1">
+            <a:schemeClr val="accent1"/>
+          </a:lnRef>
+          <a:fillRef idx="0">
+            <a:schemeClr val="accent1"/>
+          </a:fillRef>
+          <a:effectRef idx="0">
+            <a:schemeClr val="accent1"/>
+          </a:effectRef>
+          <a:fontRef idx="minor">
+            <a:schemeClr val="tx1"/>
+          </a:fontRef>
+        </p:style>
+      </p:cxnSp>
+      <p:cxnSp>
+        <p:nvCxnSpPr>
+          <p:cNvPr id="44" name="Straight Arrow Connector 81">
+            <a:extLst>
+              <a:ext uri="{FF2B5EF4-FFF2-40B4-BE49-F238E27FC236}">
+                <a16:creationId xmlns:a16="http://schemas.microsoft.com/office/drawing/2014/main" id="{A54CA514-4B8E-96D9-71F3-24276764ACF4}"/>
+              </a:ext>
+            </a:extLst>
+          </p:cNvPr>
+          <p:cNvCxnSpPr>
+            <a:cxnSpLocks/>
+          </p:cNvCxnSpPr>
+          <p:nvPr/>
+        </p:nvCxnSpPr>
+        <p:spPr>
+          <a:xfrm>
+            <a:off x="763988" y="1077765"/>
+            <a:ext cx="2917981" cy="0"/>
+          </a:xfrm>
+          <a:prstGeom prst="straightConnector1">
+            <a:avLst/>
+          </a:prstGeom>
+          <a:ln>
+            <a:solidFill>
+              <a:srgbClr val="C00000"/>
+            </a:solidFill>
+            <a:tailEnd type="triangle"/>
+          </a:ln>
+        </p:spPr>
+        <p:style>
+          <a:lnRef idx="1">
+            <a:schemeClr val="accent1"/>
+          </a:lnRef>
+          <a:fillRef idx="0">
+            <a:schemeClr val="accent1"/>
+          </a:fillRef>
+          <a:effectRef idx="0">
+            <a:schemeClr val="accent1"/>
+          </a:effectRef>
+          <a:fontRef idx="minor">
+            <a:schemeClr val="tx1"/>
+          </a:fontRef>
+        </p:style>
+      </p:cxnSp>
+      <p:sp>
+        <p:nvSpPr>
+          <p:cNvPr id="45" name="TextBox 44">
+            <a:extLst>
+              <a:ext uri="{FF2B5EF4-FFF2-40B4-BE49-F238E27FC236}">
+                <a16:creationId xmlns:a16="http://schemas.microsoft.com/office/drawing/2014/main" id="{01914082-FD34-2853-086E-74E53B7431B4}"/>
+              </a:ext>
+            </a:extLst>
+          </p:cNvPr>
+          <p:cNvSpPr txBox="1"/>
+          <p:nvPr/>
+        </p:nvSpPr>
+        <p:spPr>
+          <a:xfrm>
+            <a:off x="763987" y="831544"/>
+            <a:ext cx="2795674" cy="246221"/>
+          </a:xfrm>
+          <a:prstGeom prst="rect">
+            <a:avLst/>
+          </a:prstGeom>
+          <a:noFill/>
+        </p:spPr>
+        <p:txBody>
+          <a:bodyPr wrap="square" rtlCol="0">
+            <a:spAutoFit/>
+          </a:bodyPr>
+          <a:lstStyle/>
+          <a:p>
+            <a:r>
+              <a:rPr kumimoji="1" lang="en-US" altLang="ko-KR" sz="1000" i="1">
+                <a:solidFill>
+                  <a:srgbClr val="C00000"/>
+                </a:solidFill>
+              </a:rPr>
+              <a:t>TCP SYN</a:t>
+            </a:r>
+            <a:endParaRPr kumimoji="1" lang="ko-KR" altLang="en-US" sz="1000" i="1">
+              <a:solidFill>
+                <a:srgbClr val="C00000"/>
+              </a:solidFill>
+            </a:endParaRPr>
+          </a:p>
+        </p:txBody>
+      </p:sp>
+      <p:cxnSp>
+        <p:nvCxnSpPr>
+          <p:cNvPr id="46" name="Straight Arrow Connector 81">
+            <a:extLst>
+              <a:ext uri="{FF2B5EF4-FFF2-40B4-BE49-F238E27FC236}">
+                <a16:creationId xmlns:a16="http://schemas.microsoft.com/office/drawing/2014/main" id="{84AF6FB8-1AA8-3762-B3E2-D84C56AEA49C}"/>
+              </a:ext>
+            </a:extLst>
+          </p:cNvPr>
+          <p:cNvCxnSpPr>
+            <a:cxnSpLocks/>
+          </p:cNvCxnSpPr>
+          <p:nvPr/>
+        </p:nvCxnSpPr>
+        <p:spPr>
+          <a:xfrm>
+            <a:off x="763988" y="2169728"/>
+            <a:ext cx="2917981" cy="0"/>
+          </a:xfrm>
+          <a:prstGeom prst="straightConnector1">
+            <a:avLst/>
+          </a:prstGeom>
+          <a:ln>
+            <a:solidFill>
+              <a:srgbClr val="C00000"/>
+            </a:solidFill>
+            <a:tailEnd type="triangle"/>
+          </a:ln>
+        </p:spPr>
+        <p:style>
+          <a:lnRef idx="1">
+            <a:schemeClr val="accent1"/>
+          </a:lnRef>
+          <a:fillRef idx="0">
+            <a:schemeClr val="accent1"/>
+          </a:fillRef>
+          <a:effectRef idx="0">
+            <a:schemeClr val="accent1"/>
+          </a:effectRef>
+          <a:fontRef idx="minor">
+            <a:schemeClr val="tx1"/>
+          </a:fontRef>
+        </p:style>
+      </p:cxnSp>
+      <p:sp>
+        <p:nvSpPr>
+          <p:cNvPr id="47" name="TextBox 46">
+            <a:extLst>
+              <a:ext uri="{FF2B5EF4-FFF2-40B4-BE49-F238E27FC236}">
+                <a16:creationId xmlns:a16="http://schemas.microsoft.com/office/drawing/2014/main" id="{B5A22971-3C30-8014-8F12-23E4EFEA3E26}"/>
+              </a:ext>
+            </a:extLst>
+          </p:cNvPr>
+          <p:cNvSpPr txBox="1"/>
+          <p:nvPr/>
+        </p:nvSpPr>
+        <p:spPr>
+          <a:xfrm>
+            <a:off x="763987" y="1923507"/>
+            <a:ext cx="2795674" cy="246221"/>
+          </a:xfrm>
+          <a:prstGeom prst="rect">
+            <a:avLst/>
+          </a:prstGeom>
+          <a:noFill/>
+        </p:spPr>
+        <p:txBody>
+          <a:bodyPr wrap="square" rtlCol="0">
+            <a:spAutoFit/>
+          </a:bodyPr>
+          <a:lstStyle/>
+          <a:p>
+            <a:r>
+              <a:rPr kumimoji="1" lang="en-US" altLang="ko-KR" sz="1000" i="1">
+                <a:solidFill>
+                  <a:srgbClr val="C00000"/>
+                </a:solidFill>
+              </a:rPr>
+              <a:t>TCP FIN</a:t>
+            </a:r>
+            <a:endParaRPr kumimoji="1" lang="ko-KR" altLang="en-US" sz="1000" i="1">
+              <a:solidFill>
+                <a:srgbClr val="C00000"/>
+              </a:solidFill>
+            </a:endParaRPr>
+          </a:p>
+        </p:txBody>
+      </p:sp>
+      <p:cxnSp>
+        <p:nvCxnSpPr>
+          <p:cNvPr id="63" name="Straight Arrow Connector 81">
+            <a:extLst>
+              <a:ext uri="{FF2B5EF4-FFF2-40B4-BE49-F238E27FC236}">
+                <a16:creationId xmlns:a16="http://schemas.microsoft.com/office/drawing/2014/main" id="{AC72E86C-85B4-AB4C-8BAC-A54051F16750}"/>
+              </a:ext>
+            </a:extLst>
+          </p:cNvPr>
+          <p:cNvCxnSpPr>
+            <a:cxnSpLocks/>
+          </p:cNvCxnSpPr>
+          <p:nvPr/>
+        </p:nvCxnSpPr>
+        <p:spPr>
+          <a:xfrm>
+            <a:off x="763988" y="2984809"/>
+            <a:ext cx="2917981" cy="0"/>
+          </a:xfrm>
+          <a:prstGeom prst="straightConnector1">
+            <a:avLst/>
+          </a:prstGeom>
+          <a:ln>
+            <a:solidFill>
+              <a:schemeClr val="tx2"/>
+            </a:solidFill>
+            <a:tailEnd type="triangle"/>
+          </a:ln>
+        </p:spPr>
+        <p:style>
+          <a:lnRef idx="1">
+            <a:schemeClr val="accent1"/>
+          </a:lnRef>
+          <a:fillRef idx="0">
+            <a:schemeClr val="accent1"/>
+          </a:fillRef>
+          <a:effectRef idx="0">
+            <a:schemeClr val="accent1"/>
+          </a:effectRef>
+          <a:fontRef idx="minor">
+            <a:schemeClr val="tx1"/>
+          </a:fontRef>
+        </p:style>
+      </p:cxnSp>
+      <p:sp>
+        <p:nvSpPr>
+          <p:cNvPr id="64" name="TextBox 63">
+            <a:extLst>
+              <a:ext uri="{FF2B5EF4-FFF2-40B4-BE49-F238E27FC236}">
+                <a16:creationId xmlns:a16="http://schemas.microsoft.com/office/drawing/2014/main" id="{1BDEF521-58D6-E12D-F387-18314EDB40BE}"/>
+              </a:ext>
+            </a:extLst>
+          </p:cNvPr>
+          <p:cNvSpPr txBox="1"/>
+          <p:nvPr/>
+        </p:nvSpPr>
+        <p:spPr>
+          <a:xfrm>
+            <a:off x="763987" y="2738588"/>
+            <a:ext cx="2795674" cy="246221"/>
+          </a:xfrm>
+          <a:prstGeom prst="rect">
+            <a:avLst/>
+          </a:prstGeom>
+          <a:noFill/>
+        </p:spPr>
+        <p:txBody>
+          <a:bodyPr wrap="square" rtlCol="0">
+            <a:spAutoFit/>
+          </a:bodyPr>
+          <a:lstStyle/>
+          <a:p>
+            <a:r>
+              <a:rPr kumimoji="1" lang="en-US" altLang="ko-KR" sz="1000" i="1">
+                <a:solidFill>
+                  <a:schemeClr val="tx2"/>
+                </a:solidFill>
+              </a:rPr>
+              <a:t>GET </a:t>
+            </a:r>
+            <a:r>
+              <a:rPr lang="en" altLang="ko-KR" sz="1000" i="1">
+                <a:solidFill>
+                  <a:schemeClr val="tx2"/>
+                </a:solidFill>
+              </a:rPr>
+              <a:t>mock-server:8080/status/503</a:t>
+            </a:r>
+            <a:endParaRPr kumimoji="1" lang="ko-KR" altLang="en-US" sz="1000" i="1">
+              <a:solidFill>
+                <a:schemeClr val="tx2"/>
+              </a:solidFill>
+            </a:endParaRPr>
+          </a:p>
+        </p:txBody>
+      </p:sp>
+      <p:cxnSp>
+        <p:nvCxnSpPr>
+          <p:cNvPr id="65" name="Straight Arrow Connector 81">
+            <a:extLst>
+              <a:ext uri="{FF2B5EF4-FFF2-40B4-BE49-F238E27FC236}">
+                <a16:creationId xmlns:a16="http://schemas.microsoft.com/office/drawing/2014/main" id="{004503B9-E8C3-B9E6-9676-B6CC8BB748E2}"/>
+              </a:ext>
+            </a:extLst>
+          </p:cNvPr>
+          <p:cNvCxnSpPr>
+            <a:cxnSpLocks/>
+          </p:cNvCxnSpPr>
+          <p:nvPr/>
+        </p:nvCxnSpPr>
+        <p:spPr>
+          <a:xfrm>
+            <a:off x="763988" y="2630689"/>
+            <a:ext cx="2917981" cy="0"/>
+          </a:xfrm>
+          <a:prstGeom prst="straightConnector1">
+            <a:avLst/>
+          </a:prstGeom>
+          <a:ln>
+            <a:solidFill>
+              <a:schemeClr val="tx2"/>
+            </a:solidFill>
+            <a:tailEnd type="triangle"/>
+          </a:ln>
+        </p:spPr>
+        <p:style>
+          <a:lnRef idx="1">
+            <a:schemeClr val="accent1"/>
+          </a:lnRef>
+          <a:fillRef idx="0">
+            <a:schemeClr val="accent1"/>
+          </a:fillRef>
+          <a:effectRef idx="0">
+            <a:schemeClr val="accent1"/>
+          </a:effectRef>
+          <a:fontRef idx="minor">
+            <a:schemeClr val="tx1"/>
+          </a:fontRef>
+        </p:style>
+      </p:cxnSp>
+      <p:sp>
+        <p:nvSpPr>
+          <p:cNvPr id="66" name="TextBox 65">
+            <a:extLst>
+              <a:ext uri="{FF2B5EF4-FFF2-40B4-BE49-F238E27FC236}">
+                <a16:creationId xmlns:a16="http://schemas.microsoft.com/office/drawing/2014/main" id="{5E15932F-DB98-363A-2864-1CC33AEA9E02}"/>
+              </a:ext>
+            </a:extLst>
+          </p:cNvPr>
+          <p:cNvSpPr txBox="1"/>
+          <p:nvPr/>
+        </p:nvSpPr>
+        <p:spPr>
+          <a:xfrm>
+            <a:off x="763987" y="2384468"/>
+            <a:ext cx="2795674" cy="246221"/>
+          </a:xfrm>
+          <a:prstGeom prst="rect">
+            <a:avLst/>
+          </a:prstGeom>
+          <a:noFill/>
+        </p:spPr>
+        <p:txBody>
+          <a:bodyPr wrap="square" rtlCol="0">
+            <a:spAutoFit/>
+          </a:bodyPr>
+          <a:lstStyle/>
+          <a:p>
+            <a:r>
+              <a:rPr kumimoji="1" lang="en-US" altLang="ko-KR" sz="1000" i="1">
+                <a:solidFill>
+                  <a:schemeClr val="tx2"/>
+                </a:solidFill>
+              </a:rPr>
+              <a:t>TCP SYN</a:t>
+            </a:r>
+            <a:endParaRPr kumimoji="1" lang="ko-KR" altLang="en-US" sz="1000" i="1">
+              <a:solidFill>
+                <a:schemeClr val="tx2"/>
+              </a:solidFill>
+            </a:endParaRPr>
+          </a:p>
+        </p:txBody>
+      </p:sp>
+      <p:cxnSp>
+        <p:nvCxnSpPr>
+          <p:cNvPr id="67" name="Straight Arrow Connector 81">
+            <a:extLst>
+              <a:ext uri="{FF2B5EF4-FFF2-40B4-BE49-F238E27FC236}">
+                <a16:creationId xmlns:a16="http://schemas.microsoft.com/office/drawing/2014/main" id="{C15D8FF5-DE0C-07BF-408D-983F23F1591A}"/>
+              </a:ext>
+            </a:extLst>
+          </p:cNvPr>
+          <p:cNvCxnSpPr>
+            <a:cxnSpLocks/>
+          </p:cNvCxnSpPr>
+          <p:nvPr/>
+        </p:nvCxnSpPr>
+        <p:spPr>
+          <a:xfrm>
+            <a:off x="763988" y="3104536"/>
+            <a:ext cx="2917981" cy="0"/>
+          </a:xfrm>
+          <a:prstGeom prst="straightConnector1">
+            <a:avLst/>
+          </a:prstGeom>
+          <a:ln>
+            <a:solidFill>
+              <a:schemeClr val="tx2"/>
+            </a:solidFill>
+            <a:headEnd type="triangle" w="med" len="med"/>
+            <a:tailEnd type="none" w="med" len="med"/>
+          </a:ln>
+        </p:spPr>
+        <p:style>
+          <a:lnRef idx="1">
+            <a:schemeClr val="accent1"/>
+          </a:lnRef>
+          <a:fillRef idx="0">
+            <a:schemeClr val="accent1"/>
+          </a:fillRef>
+          <a:effectRef idx="0">
+            <a:schemeClr val="accent1"/>
+          </a:effectRef>
+          <a:fontRef idx="minor">
+            <a:schemeClr val="tx1"/>
+          </a:fontRef>
+        </p:style>
+      </p:cxnSp>
+      <p:sp>
+        <p:nvSpPr>
+          <p:cNvPr id="68" name="TextBox 67">
+            <a:extLst>
+              <a:ext uri="{FF2B5EF4-FFF2-40B4-BE49-F238E27FC236}">
+                <a16:creationId xmlns:a16="http://schemas.microsoft.com/office/drawing/2014/main" id="{2EA4D5C2-BA5C-01AE-C17E-40C9999E8E32}"/>
+              </a:ext>
+            </a:extLst>
+          </p:cNvPr>
+          <p:cNvSpPr txBox="1"/>
+          <p:nvPr/>
+        </p:nvSpPr>
+        <p:spPr>
+          <a:xfrm>
+            <a:off x="879694" y="3107919"/>
+            <a:ext cx="2795674" cy="246221"/>
+          </a:xfrm>
+          <a:prstGeom prst="rect">
+            <a:avLst/>
+          </a:prstGeom>
+          <a:noFill/>
+        </p:spPr>
+        <p:txBody>
+          <a:bodyPr wrap="square" rtlCol="0">
+            <a:spAutoFit/>
+          </a:bodyPr>
+          <a:lstStyle/>
+          <a:p>
+            <a:pPr algn="r"/>
+            <a:r>
+              <a:rPr kumimoji="1" lang="en-US" altLang="ko-KR" sz="1000" i="1">
+                <a:solidFill>
+                  <a:schemeClr val="tx2"/>
+                </a:solidFill>
+              </a:rPr>
+              <a:t>503 Service Unavailable</a:t>
+            </a:r>
+            <a:endParaRPr kumimoji="1" lang="ko-KR" altLang="en-US" sz="1000" i="1">
+              <a:solidFill>
+                <a:schemeClr val="tx2"/>
+              </a:solidFill>
+            </a:endParaRPr>
+          </a:p>
+        </p:txBody>
+      </p:sp>
+      <p:cxnSp>
+        <p:nvCxnSpPr>
+          <p:cNvPr id="69" name="Straight Arrow Connector 81">
+            <a:extLst>
+              <a:ext uri="{FF2B5EF4-FFF2-40B4-BE49-F238E27FC236}">
+                <a16:creationId xmlns:a16="http://schemas.microsoft.com/office/drawing/2014/main" id="{E0C72572-4B48-A298-DF9A-CEC2A755377B}"/>
+              </a:ext>
+            </a:extLst>
+          </p:cNvPr>
+          <p:cNvCxnSpPr>
+            <a:cxnSpLocks/>
+          </p:cNvCxnSpPr>
+          <p:nvPr/>
+        </p:nvCxnSpPr>
+        <p:spPr>
+          <a:xfrm>
+            <a:off x="763988" y="3422765"/>
+            <a:ext cx="2917981" cy="0"/>
+          </a:xfrm>
+          <a:prstGeom prst="straightConnector1">
+            <a:avLst/>
+          </a:prstGeom>
+          <a:ln>
+            <a:solidFill>
+              <a:schemeClr val="tx2"/>
+            </a:solidFill>
+            <a:tailEnd type="triangle"/>
+          </a:ln>
+        </p:spPr>
+        <p:style>
+          <a:lnRef idx="1">
+            <a:schemeClr val="accent1"/>
+          </a:lnRef>
+          <a:fillRef idx="0">
+            <a:schemeClr val="accent1"/>
+          </a:fillRef>
+          <a:effectRef idx="0">
+            <a:schemeClr val="accent1"/>
+          </a:effectRef>
+          <a:fontRef idx="minor">
+            <a:schemeClr val="tx1"/>
+          </a:fontRef>
+        </p:style>
+      </p:cxnSp>
+      <p:sp>
+        <p:nvSpPr>
+          <p:cNvPr id="70" name="TextBox 69">
+            <a:extLst>
+              <a:ext uri="{FF2B5EF4-FFF2-40B4-BE49-F238E27FC236}">
+                <a16:creationId xmlns:a16="http://schemas.microsoft.com/office/drawing/2014/main" id="{15809BC1-6085-3754-8AA3-55005D774519}"/>
+              </a:ext>
+            </a:extLst>
+          </p:cNvPr>
+          <p:cNvSpPr txBox="1"/>
+          <p:nvPr/>
+        </p:nvSpPr>
+        <p:spPr>
+          <a:xfrm>
+            <a:off x="763987" y="3176544"/>
+            <a:ext cx="2795674" cy="246221"/>
+          </a:xfrm>
+          <a:prstGeom prst="rect">
+            <a:avLst/>
+          </a:prstGeom>
+          <a:noFill/>
+        </p:spPr>
+        <p:txBody>
+          <a:bodyPr wrap="square" rtlCol="0">
+            <a:spAutoFit/>
+          </a:bodyPr>
+          <a:lstStyle/>
+          <a:p>
+            <a:r>
+              <a:rPr kumimoji="1" lang="en-US" altLang="ko-KR" sz="1000" i="1">
+                <a:solidFill>
+                  <a:schemeClr val="tx2"/>
+                </a:solidFill>
+              </a:rPr>
+              <a:t>TCP FIN</a:t>
+            </a:r>
+            <a:endParaRPr kumimoji="1" lang="ko-KR" altLang="en-US" sz="1000" i="1">
+              <a:solidFill>
+                <a:schemeClr val="tx2"/>
+              </a:solidFill>
+            </a:endParaRPr>
+          </a:p>
+        </p:txBody>
+      </p:sp>
+      <p:sp>
+        <p:nvSpPr>
+          <p:cNvPr id="71" name="호 70">
+            <a:extLst>
+              <a:ext uri="{FF2B5EF4-FFF2-40B4-BE49-F238E27FC236}">
+                <a16:creationId xmlns:a16="http://schemas.microsoft.com/office/drawing/2014/main" id="{83DB0916-6A96-138B-B750-47268360125D}"/>
+              </a:ext>
+            </a:extLst>
+          </p:cNvPr>
+          <p:cNvSpPr/>
+          <p:nvPr/>
+        </p:nvSpPr>
+        <p:spPr>
+          <a:xfrm flipH="1">
+            <a:off x="626799" y="1081147"/>
+            <a:ext cx="252895" cy="1085191"/>
+          </a:xfrm>
+          <a:prstGeom prst="arc">
+            <a:avLst>
+              <a:gd name="adj1" fmla="val 16200000"/>
+              <a:gd name="adj2" fmla="val 5389298"/>
+            </a:avLst>
+          </a:prstGeom>
+          <a:ln>
+            <a:solidFill>
+              <a:srgbClr val="C00000"/>
+            </a:solidFill>
+            <a:headEnd type="none" w="med" len="med"/>
+            <a:tailEnd type="triangle" w="med" len="med"/>
+          </a:ln>
+        </p:spPr>
+        <p:style>
+          <a:lnRef idx="1">
+            <a:schemeClr val="accent1"/>
+          </a:lnRef>
+          <a:fillRef idx="0">
+            <a:schemeClr val="accent1"/>
+          </a:fillRef>
+          <a:effectRef idx="0">
+            <a:schemeClr val="accent1"/>
+          </a:effectRef>
+          <a:fontRef idx="minor">
+            <a:schemeClr val="tx1"/>
+          </a:fontRef>
+        </p:style>
+        <p:txBody>
+          <a:bodyPr rtlCol="0" anchor="ctr"/>
+          <a:lstStyle/>
+          <a:p>
+            <a:pPr algn="ctr"/>
+            <a:endParaRPr kumimoji="1" lang="ko-KR" altLang="en-US"/>
+          </a:p>
+        </p:txBody>
+      </p:sp>
+      <p:sp>
+        <p:nvSpPr>
+          <p:cNvPr id="72" name="TextBox 71">
+            <a:extLst>
+              <a:ext uri="{FF2B5EF4-FFF2-40B4-BE49-F238E27FC236}">
+                <a16:creationId xmlns:a16="http://schemas.microsoft.com/office/drawing/2014/main" id="{5BE0F61B-5218-B172-C7FE-E14BFA66FB43}"/>
+              </a:ext>
+            </a:extLst>
+          </p:cNvPr>
+          <p:cNvSpPr txBox="1"/>
+          <p:nvPr/>
+        </p:nvSpPr>
+        <p:spPr>
+          <a:xfrm>
+            <a:off x="5598" y="1500631"/>
+            <a:ext cx="689798" cy="246221"/>
+          </a:xfrm>
+          <a:prstGeom prst="rect">
+            <a:avLst/>
+          </a:prstGeom>
+          <a:noFill/>
+        </p:spPr>
+        <p:txBody>
+          <a:bodyPr wrap="square" rtlCol="0">
+            <a:spAutoFit/>
+          </a:bodyPr>
+          <a:lstStyle/>
+          <a:p>
+            <a:pPr algn="ctr"/>
+            <a:r>
+              <a:rPr kumimoji="1" lang="en-US" altLang="ko-KR" sz="1000" i="1">
+                <a:solidFill>
+                  <a:srgbClr val="C00000"/>
+                </a:solidFill>
+              </a:rPr>
+              <a:t>5Times</a:t>
+            </a:r>
+            <a:endParaRPr kumimoji="1" lang="ko-KR" altLang="en-US" sz="1000" i="1">
+              <a:solidFill>
+                <a:srgbClr val="C00000"/>
+              </a:solidFill>
+            </a:endParaRPr>
+          </a:p>
+        </p:txBody>
+      </p:sp>
+      <p:sp>
+        <p:nvSpPr>
+          <p:cNvPr id="73" name="호 72">
+            <a:extLst>
+              <a:ext uri="{FF2B5EF4-FFF2-40B4-BE49-F238E27FC236}">
+                <a16:creationId xmlns:a16="http://schemas.microsoft.com/office/drawing/2014/main" id="{B79E16E1-0814-5C14-BCF9-BAA4A7FA27D3}"/>
+              </a:ext>
+            </a:extLst>
+          </p:cNvPr>
+          <p:cNvSpPr/>
+          <p:nvPr/>
+        </p:nvSpPr>
+        <p:spPr>
+          <a:xfrm flipH="1">
+            <a:off x="623497" y="2631593"/>
+            <a:ext cx="249511" cy="791172"/>
+          </a:xfrm>
+          <a:prstGeom prst="arc">
+            <a:avLst>
+              <a:gd name="adj1" fmla="val 16200000"/>
+              <a:gd name="adj2" fmla="val 5389298"/>
+            </a:avLst>
+          </a:prstGeom>
+          <a:ln>
+            <a:solidFill>
+              <a:schemeClr val="tx2"/>
+            </a:solidFill>
+            <a:headEnd type="none" w="med" len="med"/>
+            <a:tailEnd type="triangle" w="med" len="med"/>
+          </a:ln>
+        </p:spPr>
+        <p:style>
+          <a:lnRef idx="1">
+            <a:schemeClr val="accent1"/>
+          </a:lnRef>
+          <a:fillRef idx="0">
+            <a:schemeClr val="accent1"/>
+          </a:fillRef>
+          <a:effectRef idx="0">
+            <a:schemeClr val="accent1"/>
+          </a:effectRef>
+          <a:fontRef idx="minor">
+            <a:schemeClr val="tx1"/>
+          </a:fontRef>
+        </p:style>
+        <p:txBody>
+          <a:bodyPr rtlCol="0" anchor="ctr"/>
+          <a:lstStyle/>
+          <a:p>
+            <a:pPr algn="ctr"/>
+            <a:endParaRPr kumimoji="1" lang="ko-KR" altLang="en-US">
+              <a:solidFill>
+                <a:schemeClr val="tx2"/>
+              </a:solidFill>
+            </a:endParaRPr>
+          </a:p>
+        </p:txBody>
+      </p:sp>
+      <p:sp>
+        <p:nvSpPr>
+          <p:cNvPr id="74" name="TextBox 73">
+            <a:extLst>
+              <a:ext uri="{FF2B5EF4-FFF2-40B4-BE49-F238E27FC236}">
+                <a16:creationId xmlns:a16="http://schemas.microsoft.com/office/drawing/2014/main" id="{5CF1A84E-2B0E-03EC-0E21-0F83A30B490B}"/>
+              </a:ext>
+            </a:extLst>
+          </p:cNvPr>
+          <p:cNvSpPr txBox="1"/>
+          <p:nvPr/>
+        </p:nvSpPr>
+        <p:spPr>
+          <a:xfrm>
+            <a:off x="5598" y="2904068"/>
+            <a:ext cx="689798" cy="246221"/>
+          </a:xfrm>
+          <a:prstGeom prst="rect">
+            <a:avLst/>
+          </a:prstGeom>
+          <a:noFill/>
+        </p:spPr>
+        <p:txBody>
+          <a:bodyPr wrap="square" rtlCol="0">
+            <a:spAutoFit/>
+          </a:bodyPr>
+          <a:lstStyle/>
+          <a:p>
+            <a:pPr algn="ctr"/>
+            <a:r>
+              <a:rPr kumimoji="1" lang="en-US" altLang="ko-KR" sz="1000" i="1">
+                <a:solidFill>
+                  <a:schemeClr val="tx2"/>
+                </a:solidFill>
+              </a:rPr>
+              <a:t>3Times</a:t>
+            </a:r>
+            <a:endParaRPr kumimoji="1" lang="ko-KR" altLang="en-US" sz="1000" i="1">
+              <a:solidFill>
+                <a:schemeClr val="tx2"/>
+              </a:solidFill>
+            </a:endParaRPr>
           </a:p>
         </p:txBody>
       </p:sp>

--- a/content/docs/theory-analysis/istio-sidecar-proxy-access-log/images/images.pptx
+++ b/content/docs/theory-analysis/istio-sidecar-proxy-access-log/images/images.pptx
@@ -5,7 +5,7 @@
     <p:sldMasterId id="2147483648" r:id="rId1"/>
   </p:sldMasterIdLst>
   <p:notesMasterIdLst>
-    <p:notesMasterId r:id="rId37"/>
+    <p:notesMasterId r:id="rId38"/>
   </p:notesMasterIdLst>
   <p:sldIdLst>
     <p:sldId id="398" r:id="rId2"/>
@@ -26,23 +26,24 @@
     <p:sldId id="433" r:id="rId17"/>
     <p:sldId id="434" r:id="rId18"/>
     <p:sldId id="435" r:id="rId19"/>
-    <p:sldId id="413" r:id="rId20"/>
-    <p:sldId id="414" r:id="rId21"/>
-    <p:sldId id="415" r:id="rId22"/>
-    <p:sldId id="403" r:id="rId23"/>
-    <p:sldId id="399" r:id="rId24"/>
-    <p:sldId id="400" r:id="rId25"/>
-    <p:sldId id="401" r:id="rId26"/>
-    <p:sldId id="402" r:id="rId27"/>
-    <p:sldId id="404" r:id="rId28"/>
-    <p:sldId id="405" r:id="rId29"/>
-    <p:sldId id="408" r:id="rId30"/>
-    <p:sldId id="407" r:id="rId31"/>
-    <p:sldId id="409" r:id="rId32"/>
-    <p:sldId id="410" r:id="rId33"/>
-    <p:sldId id="387" r:id="rId34"/>
-    <p:sldId id="411" r:id="rId35"/>
-    <p:sldId id="412" r:id="rId36"/>
+    <p:sldId id="436" r:id="rId20"/>
+    <p:sldId id="413" r:id="rId21"/>
+    <p:sldId id="414" r:id="rId22"/>
+    <p:sldId id="415" r:id="rId23"/>
+    <p:sldId id="403" r:id="rId24"/>
+    <p:sldId id="399" r:id="rId25"/>
+    <p:sldId id="400" r:id="rId26"/>
+    <p:sldId id="401" r:id="rId27"/>
+    <p:sldId id="402" r:id="rId28"/>
+    <p:sldId id="404" r:id="rId29"/>
+    <p:sldId id="405" r:id="rId30"/>
+    <p:sldId id="408" r:id="rId31"/>
+    <p:sldId id="407" r:id="rId32"/>
+    <p:sldId id="409" r:id="rId33"/>
+    <p:sldId id="410" r:id="rId34"/>
+    <p:sldId id="387" r:id="rId35"/>
+    <p:sldId id="411" r:id="rId36"/>
+    <p:sldId id="412" r:id="rId37"/>
   </p:sldIdLst>
   <p:sldSz cx="9144000" cy="5143500" type="screen16x9"/>
   <p:notesSz cx="6858000" cy="9144000"/>
@@ -16381,7 +16382,7 @@
         </p:nvSpPr>
         <p:spPr>
           <a:xfrm>
-            <a:off x="763987" y="1539783"/>
+            <a:off x="3681957" y="1613586"/>
             <a:ext cx="2795674" cy="246221"/>
           </a:xfrm>
           <a:prstGeom prst="rect">
@@ -16397,7 +16398,7 @@
           <a:p>
             <a:r>
               <a:rPr kumimoji="1" lang="en-US" altLang="ko-KR" sz="1000" i="1"/>
-              <a:t>TCP FIN (Ctrl + C)</a:t>
+              <a:t>HTTP/2 RST_STREAM</a:t>
             </a:r>
             <a:endParaRPr kumimoji="1" lang="ko-KR" altLang="en-US" sz="1000" i="1"/>
           </a:p>
@@ -16535,100 +16536,12 @@
           </a:fontRef>
         </p:style>
       </p:cxnSp>
-      <p:cxnSp>
-        <p:nvCxnSpPr>
-          <p:cNvPr id="21" name="Straight Arrow Connector 81">
-            <a:extLst>
-              <a:ext uri="{FF2B5EF4-FFF2-40B4-BE49-F238E27FC236}">
-                <a16:creationId xmlns:a16="http://schemas.microsoft.com/office/drawing/2014/main" id="{DB2654C0-EB7B-74F3-F49F-8E34910051B0}"/>
-              </a:ext>
-            </a:extLst>
-          </p:cNvPr>
-          <p:cNvCxnSpPr>
-            <a:cxnSpLocks/>
-          </p:cNvCxnSpPr>
-          <p:nvPr/>
-        </p:nvCxnSpPr>
-        <p:spPr>
-          <a:xfrm>
-            <a:off x="3681969" y="2203827"/>
-            <a:ext cx="1780064" cy="0"/>
-          </a:xfrm>
-          <a:prstGeom prst="straightConnector1">
-            <a:avLst/>
-          </a:prstGeom>
-          <a:ln>
-            <a:solidFill>
-              <a:schemeClr val="tx1"/>
-            </a:solidFill>
-            <a:tailEnd type="triangle"/>
-          </a:ln>
-        </p:spPr>
-        <p:style>
-          <a:lnRef idx="1">
-            <a:schemeClr val="accent1"/>
-          </a:lnRef>
-          <a:fillRef idx="0">
-            <a:schemeClr val="accent1"/>
-          </a:fillRef>
-          <a:effectRef idx="0">
-            <a:schemeClr val="accent1"/>
-          </a:effectRef>
-          <a:fontRef idx="minor">
-            <a:schemeClr val="tx1"/>
-          </a:fontRef>
-        </p:style>
-      </p:cxnSp>
-      <p:cxnSp>
-        <p:nvCxnSpPr>
-          <p:cNvPr id="22" name="Straight Arrow Connector 81">
-            <a:extLst>
-              <a:ext uri="{FF2B5EF4-FFF2-40B4-BE49-F238E27FC236}">
-                <a16:creationId xmlns:a16="http://schemas.microsoft.com/office/drawing/2014/main" id="{BB018F08-E3F8-304A-FBFC-A666645F6D04}"/>
-              </a:ext>
-            </a:extLst>
-          </p:cNvPr>
-          <p:cNvCxnSpPr>
-            <a:cxnSpLocks/>
-          </p:cNvCxnSpPr>
-          <p:nvPr/>
-        </p:nvCxnSpPr>
-        <p:spPr>
-          <a:xfrm>
-            <a:off x="5462033" y="2283718"/>
-            <a:ext cx="2917978" cy="0"/>
-          </a:xfrm>
-          <a:prstGeom prst="straightConnector1">
-            <a:avLst/>
-          </a:prstGeom>
-          <a:ln>
-            <a:solidFill>
-              <a:schemeClr val="tx1"/>
-            </a:solidFill>
-            <a:tailEnd type="triangle"/>
-          </a:ln>
-        </p:spPr>
-        <p:style>
-          <a:lnRef idx="1">
-            <a:schemeClr val="accent1"/>
-          </a:lnRef>
-          <a:fillRef idx="0">
-            <a:schemeClr val="accent1"/>
-          </a:fillRef>
-          <a:effectRef idx="0">
-            <a:schemeClr val="accent1"/>
-          </a:effectRef>
-          <a:fontRef idx="minor">
-            <a:schemeClr val="tx1"/>
-          </a:fontRef>
-        </p:style>
-      </p:cxnSp>
-      <p:sp>
-        <p:nvSpPr>
-          <p:cNvPr id="23" name="TextBox 22">
-            <a:extLst>
-              <a:ext uri="{FF2B5EF4-FFF2-40B4-BE49-F238E27FC236}">
-                <a16:creationId xmlns:a16="http://schemas.microsoft.com/office/drawing/2014/main" id="{B3A31C43-C401-B936-8D0D-8E1D59461373}"/>
+      <p:sp>
+        <p:nvSpPr>
+          <p:cNvPr id="5" name="TextBox 4">
+            <a:extLst>
+              <a:ext uri="{FF2B5EF4-FFF2-40B4-BE49-F238E27FC236}">
+                <a16:creationId xmlns:a16="http://schemas.microsoft.com/office/drawing/2014/main" id="{C4CC5AD3-E099-F42C-427E-61CE50A51D56}"/>
               </a:ext>
             </a:extLst>
           </p:cNvPr>
@@ -16637,7 +16550,7 @@
         </p:nvSpPr>
         <p:spPr>
           <a:xfrm>
-            <a:off x="3681968" y="1953540"/>
+            <a:off x="763987" y="1539159"/>
             <a:ext cx="2795674" cy="246221"/>
           </a:xfrm>
           <a:prstGeom prst="rect">
@@ -16653,7 +16566,7 @@
           <a:p>
             <a:r>
               <a:rPr kumimoji="1" lang="en-US" altLang="ko-KR" sz="1000" i="1"/>
-              <a:t>TCP RST</a:t>
+              <a:t>TCP FIN (Ctrl + C)</a:t>
             </a:r>
             <a:endParaRPr kumimoji="1" lang="ko-KR" altLang="en-US" sz="1000" i="1"/>
           </a:p>
@@ -16680,7 +16593,7 @@
         <p:cNvPr id="1" name="">
           <a:extLst>
             <a:ext uri="{FF2B5EF4-FFF2-40B4-BE49-F238E27FC236}">
-              <a16:creationId xmlns:a16="http://schemas.microsoft.com/office/drawing/2014/main" id="{BCA98441-60C3-2B04-68DD-3F292947DB4D}"/>
+              <a16:creationId xmlns:a16="http://schemas.microsoft.com/office/drawing/2014/main" id="{5B0A93F4-AA07-2A4B-1695-DD3D2C4EEAE5}"/>
             </a:ext>
           </a:extLst>
         </p:cNvPr>
@@ -16697,58 +16610,1160 @@
       </p:grpSpPr>
       <p:sp>
         <p:nvSpPr>
-          <p:cNvPr id="2" name="제목 1">
-            <a:extLst>
-              <a:ext uri="{FF2B5EF4-FFF2-40B4-BE49-F238E27FC236}">
-                <a16:creationId xmlns:a16="http://schemas.microsoft.com/office/drawing/2014/main" id="{D0A3DC9F-C06B-D143-E65A-00913DD1F9AF}"/>
-              </a:ext>
-            </a:extLst>
-          </p:cNvPr>
-          <p:cNvSpPr>
-            <a:spLocks noGrp="1"/>
-          </p:cNvSpPr>
-          <p:nvPr>
-            <p:ph type="title"/>
-          </p:nvPr>
-        </p:nvSpPr>
-        <p:spPr/>
-        <p:txBody>
-          <a:bodyPr/>
-          <a:lstStyle/>
-          <a:p>
-            <a:endParaRPr lang="ko-KR" altLang="en-US"/>
-          </a:p>
-        </p:txBody>
-      </p:sp>
-      <p:sp>
-        <p:nvSpPr>
-          <p:cNvPr id="3" name="내용 개체 틀 2">
-            <a:extLst>
-              <a:ext uri="{FF2B5EF4-FFF2-40B4-BE49-F238E27FC236}">
-                <a16:creationId xmlns:a16="http://schemas.microsoft.com/office/drawing/2014/main" id="{B4A18F04-0D2F-9A0C-EC30-4AD0FBAACC21}"/>
-              </a:ext>
-            </a:extLst>
-          </p:cNvPr>
-          <p:cNvSpPr>
-            <a:spLocks noGrp="1"/>
-          </p:cNvSpPr>
-          <p:nvPr>
-            <p:ph idx="1"/>
-          </p:nvPr>
-        </p:nvSpPr>
-        <p:spPr/>
-        <p:txBody>
-          <a:bodyPr/>
-          <a:lstStyle/>
-          <a:p>
-            <a:endParaRPr lang="ko-KR" altLang="en-US"/>
-          </a:p>
-        </p:txBody>
-      </p:sp>
+          <p:cNvPr id="3" name="사각형: 둥근 모서리 29">
+            <a:extLst>
+              <a:ext uri="{FF2B5EF4-FFF2-40B4-BE49-F238E27FC236}">
+                <a16:creationId xmlns:a16="http://schemas.microsoft.com/office/drawing/2014/main" id="{C55B60AD-0F98-A197-82D6-CA7FAFA46ACC}"/>
+              </a:ext>
+            </a:extLst>
+          </p:cNvPr>
+          <p:cNvSpPr/>
+          <p:nvPr/>
+        </p:nvSpPr>
+        <p:spPr>
+          <a:xfrm>
+            <a:off x="179512" y="123478"/>
+            <a:ext cx="4032448" cy="600168"/>
+          </a:xfrm>
+          <a:prstGeom prst="roundRect">
+            <a:avLst>
+              <a:gd name="adj" fmla="val 10124"/>
+            </a:avLst>
+          </a:prstGeom>
+          <a:ln w="12700"/>
+        </p:spPr>
+        <p:style>
+          <a:lnRef idx="2">
+            <a:schemeClr val="dk1"/>
+          </a:lnRef>
+          <a:fillRef idx="1">
+            <a:schemeClr val="lt1"/>
+          </a:fillRef>
+          <a:effectRef idx="0">
+            <a:schemeClr val="dk1"/>
+          </a:effectRef>
+          <a:fontRef idx="minor">
+            <a:schemeClr val="dk1"/>
+          </a:fontRef>
+        </p:style>
+        <p:txBody>
+          <a:bodyPr rtlCol="0" anchor="t"/>
+          <a:lstStyle/>
+          <a:p>
+            <a:pPr algn="ctr"/>
+            <a:r>
+              <a:rPr lang="en-US" altLang="ko-KR" sz="1000" b="1"/>
+              <a:t>shell </a:t>
+            </a:r>
+            <a:r>
+              <a:rPr lang="en-US" altLang="ko-KR" sz="1000"/>
+              <a:t>Pod</a:t>
+            </a:r>
+          </a:p>
+        </p:txBody>
+      </p:sp>
+      <p:sp>
+        <p:nvSpPr>
+          <p:cNvPr id="6" name="사각형: 둥근 모서리 29">
+            <a:extLst>
+              <a:ext uri="{FF2B5EF4-FFF2-40B4-BE49-F238E27FC236}">
+                <a16:creationId xmlns:a16="http://schemas.microsoft.com/office/drawing/2014/main" id="{9563A3B9-C19A-BBA4-D699-AFF3E16BD7B0}"/>
+              </a:ext>
+            </a:extLst>
+          </p:cNvPr>
+          <p:cNvSpPr/>
+          <p:nvPr/>
+        </p:nvSpPr>
+        <p:spPr>
+          <a:xfrm>
+            <a:off x="3236328" y="195486"/>
+            <a:ext cx="891282" cy="439396"/>
+          </a:xfrm>
+          <a:prstGeom prst="roundRect">
+            <a:avLst>
+              <a:gd name="adj" fmla="val 14520"/>
+            </a:avLst>
+          </a:prstGeom>
+          <a:ln w="12700"/>
+        </p:spPr>
+        <p:style>
+          <a:lnRef idx="2">
+            <a:schemeClr val="dk1"/>
+          </a:lnRef>
+          <a:fillRef idx="1">
+            <a:schemeClr val="lt1"/>
+          </a:fillRef>
+          <a:effectRef idx="0">
+            <a:schemeClr val="dk1"/>
+          </a:effectRef>
+          <a:fontRef idx="minor">
+            <a:schemeClr val="dk1"/>
+          </a:fontRef>
+        </p:style>
+        <p:txBody>
+          <a:bodyPr rtlCol="0" anchor="ctr"/>
+          <a:lstStyle/>
+          <a:p>
+            <a:pPr algn="ctr"/>
+            <a:r>
+              <a:rPr lang="en-US" altLang="ko-KR" sz="1000" b="1"/>
+              <a:t>istio-proxy</a:t>
+            </a:r>
+          </a:p>
+          <a:p>
+            <a:pPr algn="ctr"/>
+            <a:r>
+              <a:rPr lang="en-US" altLang="ko-KR" sz="1000"/>
+              <a:t>Container</a:t>
+            </a:r>
+          </a:p>
+        </p:txBody>
+      </p:sp>
+      <p:sp>
+        <p:nvSpPr>
+          <p:cNvPr id="7" name="사각형: 둥근 모서리 29">
+            <a:extLst>
+              <a:ext uri="{FF2B5EF4-FFF2-40B4-BE49-F238E27FC236}">
+                <a16:creationId xmlns:a16="http://schemas.microsoft.com/office/drawing/2014/main" id="{36CD0541-929A-1ECD-9CA8-808F1EBFEFB6}"/>
+              </a:ext>
+            </a:extLst>
+          </p:cNvPr>
+          <p:cNvSpPr/>
+          <p:nvPr/>
+        </p:nvSpPr>
+        <p:spPr>
+          <a:xfrm>
+            <a:off x="269263" y="195486"/>
+            <a:ext cx="989457" cy="439396"/>
+          </a:xfrm>
+          <a:prstGeom prst="roundRect">
+            <a:avLst>
+              <a:gd name="adj" fmla="val 14520"/>
+            </a:avLst>
+          </a:prstGeom>
+          <a:ln w="12700"/>
+        </p:spPr>
+        <p:style>
+          <a:lnRef idx="2">
+            <a:schemeClr val="dk1"/>
+          </a:lnRef>
+          <a:fillRef idx="1">
+            <a:schemeClr val="lt1"/>
+          </a:fillRef>
+          <a:effectRef idx="0">
+            <a:schemeClr val="dk1"/>
+          </a:effectRef>
+          <a:fontRef idx="minor">
+            <a:schemeClr val="dk1"/>
+          </a:fontRef>
+        </p:style>
+        <p:txBody>
+          <a:bodyPr rtlCol="0" anchor="ctr"/>
+          <a:lstStyle/>
+          <a:p>
+            <a:pPr algn="ctr"/>
+            <a:r>
+              <a:rPr lang="en-US" altLang="ko-KR" sz="1000" b="1"/>
+              <a:t>shell</a:t>
+            </a:r>
+          </a:p>
+          <a:p>
+            <a:pPr algn="ctr"/>
+            <a:r>
+              <a:rPr lang="en-US" altLang="ko-KR" sz="1000"/>
+              <a:t>Container</a:t>
+            </a:r>
+          </a:p>
+        </p:txBody>
+      </p:sp>
+      <p:sp>
+        <p:nvSpPr>
+          <p:cNvPr id="10" name="사각형: 둥근 모서리 29">
+            <a:extLst>
+              <a:ext uri="{FF2B5EF4-FFF2-40B4-BE49-F238E27FC236}">
+                <a16:creationId xmlns:a16="http://schemas.microsoft.com/office/drawing/2014/main" id="{CBAA5F49-AFE8-0A44-06B4-6FCA78CB493A}"/>
+              </a:ext>
+            </a:extLst>
+          </p:cNvPr>
+          <p:cNvSpPr/>
+          <p:nvPr/>
+        </p:nvSpPr>
+        <p:spPr>
+          <a:xfrm>
+            <a:off x="4932042" y="123478"/>
+            <a:ext cx="4032446" cy="600168"/>
+          </a:xfrm>
+          <a:prstGeom prst="roundRect">
+            <a:avLst>
+              <a:gd name="adj" fmla="val 10124"/>
+            </a:avLst>
+          </a:prstGeom>
+          <a:ln w="12700"/>
+        </p:spPr>
+        <p:style>
+          <a:lnRef idx="2">
+            <a:schemeClr val="dk1"/>
+          </a:lnRef>
+          <a:fillRef idx="1">
+            <a:schemeClr val="lt1"/>
+          </a:fillRef>
+          <a:effectRef idx="0">
+            <a:schemeClr val="dk1"/>
+          </a:effectRef>
+          <a:fontRef idx="minor">
+            <a:schemeClr val="dk1"/>
+          </a:fontRef>
+        </p:style>
+        <p:txBody>
+          <a:bodyPr rtlCol="0" anchor="t"/>
+          <a:lstStyle/>
+          <a:p>
+            <a:pPr algn="ctr"/>
+            <a:r>
+              <a:rPr lang="en-US" altLang="ko-KR" sz="1000" b="1"/>
+              <a:t>mock-server </a:t>
+            </a:r>
+            <a:r>
+              <a:rPr lang="en-US" altLang="ko-KR" sz="1000"/>
+              <a:t>Pod</a:t>
+            </a:r>
+          </a:p>
+        </p:txBody>
+      </p:sp>
+      <p:sp>
+        <p:nvSpPr>
+          <p:cNvPr id="11" name="사각형: 둥근 모서리 29">
+            <a:extLst>
+              <a:ext uri="{FF2B5EF4-FFF2-40B4-BE49-F238E27FC236}">
+                <a16:creationId xmlns:a16="http://schemas.microsoft.com/office/drawing/2014/main" id="{CFAC19A5-3A19-E597-6DFC-1A747395DA7B}"/>
+              </a:ext>
+            </a:extLst>
+          </p:cNvPr>
+          <p:cNvSpPr/>
+          <p:nvPr/>
+        </p:nvSpPr>
+        <p:spPr>
+          <a:xfrm>
+            <a:off x="7885282" y="195486"/>
+            <a:ext cx="989457" cy="439396"/>
+          </a:xfrm>
+          <a:prstGeom prst="roundRect">
+            <a:avLst>
+              <a:gd name="adj" fmla="val 14520"/>
+            </a:avLst>
+          </a:prstGeom>
+          <a:ln w="12700"/>
+        </p:spPr>
+        <p:style>
+          <a:lnRef idx="2">
+            <a:schemeClr val="dk1"/>
+          </a:lnRef>
+          <a:fillRef idx="1">
+            <a:schemeClr val="lt1"/>
+          </a:fillRef>
+          <a:effectRef idx="0">
+            <a:schemeClr val="dk1"/>
+          </a:effectRef>
+          <a:fontRef idx="minor">
+            <a:schemeClr val="dk1"/>
+          </a:fontRef>
+        </p:style>
+        <p:txBody>
+          <a:bodyPr rtlCol="0" anchor="ctr"/>
+          <a:lstStyle/>
+          <a:p>
+            <a:pPr algn="ctr"/>
+            <a:r>
+              <a:rPr lang="en-US" altLang="ko-KR" sz="1000" b="1"/>
+              <a:t>mock-server</a:t>
+            </a:r>
+          </a:p>
+          <a:p>
+            <a:pPr algn="ctr"/>
+            <a:r>
+              <a:rPr lang="en-US" altLang="ko-KR" sz="1000"/>
+              <a:t>Container</a:t>
+            </a:r>
+          </a:p>
+        </p:txBody>
+      </p:sp>
+      <p:sp>
+        <p:nvSpPr>
+          <p:cNvPr id="12" name="사각형: 둥근 모서리 29">
+            <a:extLst>
+              <a:ext uri="{FF2B5EF4-FFF2-40B4-BE49-F238E27FC236}">
+                <a16:creationId xmlns:a16="http://schemas.microsoft.com/office/drawing/2014/main" id="{3F7E095B-4FDB-DDBF-F5DF-C576914B6796}"/>
+              </a:ext>
+            </a:extLst>
+          </p:cNvPr>
+          <p:cNvSpPr/>
+          <p:nvPr/>
+        </p:nvSpPr>
+        <p:spPr>
+          <a:xfrm>
+            <a:off x="5016392" y="195486"/>
+            <a:ext cx="891282" cy="439396"/>
+          </a:xfrm>
+          <a:prstGeom prst="roundRect">
+            <a:avLst>
+              <a:gd name="adj" fmla="val 14520"/>
+            </a:avLst>
+          </a:prstGeom>
+          <a:ln w="12700"/>
+        </p:spPr>
+        <p:style>
+          <a:lnRef idx="2">
+            <a:schemeClr val="dk1"/>
+          </a:lnRef>
+          <a:fillRef idx="1">
+            <a:schemeClr val="lt1"/>
+          </a:fillRef>
+          <a:effectRef idx="0">
+            <a:schemeClr val="dk1"/>
+          </a:effectRef>
+          <a:fontRef idx="minor">
+            <a:schemeClr val="dk1"/>
+          </a:fontRef>
+        </p:style>
+        <p:txBody>
+          <a:bodyPr rtlCol="0" anchor="ctr"/>
+          <a:lstStyle/>
+          <a:p>
+            <a:pPr algn="ctr"/>
+            <a:r>
+              <a:rPr lang="en-US" altLang="ko-KR" sz="1000" b="1"/>
+              <a:t>istio-proxy</a:t>
+            </a:r>
+          </a:p>
+          <a:p>
+            <a:pPr algn="ctr"/>
+            <a:r>
+              <a:rPr lang="en-US" altLang="ko-KR" sz="1000"/>
+              <a:t>Container</a:t>
+            </a:r>
+          </a:p>
+        </p:txBody>
+      </p:sp>
+      <p:cxnSp>
+        <p:nvCxnSpPr>
+          <p:cNvPr id="36" name="Straight Arrow Connector 81">
+            <a:extLst>
+              <a:ext uri="{FF2B5EF4-FFF2-40B4-BE49-F238E27FC236}">
+                <a16:creationId xmlns:a16="http://schemas.microsoft.com/office/drawing/2014/main" id="{2F973D85-4715-1D81-D506-1B3E44475002}"/>
+              </a:ext>
+            </a:extLst>
+          </p:cNvPr>
+          <p:cNvCxnSpPr>
+            <a:cxnSpLocks/>
+            <a:stCxn id="6" idx="2"/>
+          </p:cNvCxnSpPr>
+          <p:nvPr/>
+        </p:nvCxnSpPr>
+        <p:spPr>
+          <a:xfrm>
+            <a:off x="3681969" y="634882"/>
+            <a:ext cx="0" cy="4313132"/>
+          </a:xfrm>
+          <a:prstGeom prst="straightConnector1">
+            <a:avLst/>
+          </a:prstGeom>
+          <a:ln>
+            <a:solidFill>
+              <a:schemeClr val="tx1"/>
+            </a:solidFill>
+            <a:prstDash val="dash"/>
+            <a:tailEnd type="triangle"/>
+          </a:ln>
+        </p:spPr>
+        <p:style>
+          <a:lnRef idx="1">
+            <a:schemeClr val="accent1"/>
+          </a:lnRef>
+          <a:fillRef idx="0">
+            <a:schemeClr val="accent1"/>
+          </a:fillRef>
+          <a:effectRef idx="0">
+            <a:schemeClr val="accent1"/>
+          </a:effectRef>
+          <a:fontRef idx="minor">
+            <a:schemeClr val="tx1"/>
+          </a:fontRef>
+        </p:style>
+      </p:cxnSp>
+      <p:cxnSp>
+        <p:nvCxnSpPr>
+          <p:cNvPr id="37" name="Straight Arrow Connector 81">
+            <a:extLst>
+              <a:ext uri="{FF2B5EF4-FFF2-40B4-BE49-F238E27FC236}">
+                <a16:creationId xmlns:a16="http://schemas.microsoft.com/office/drawing/2014/main" id="{EB82586A-50B1-6ECA-4588-4BA44B73AE7E}"/>
+              </a:ext>
+            </a:extLst>
+          </p:cNvPr>
+          <p:cNvCxnSpPr>
+            <a:cxnSpLocks/>
+            <a:stCxn id="7" idx="2"/>
+          </p:cNvCxnSpPr>
+          <p:nvPr/>
+        </p:nvCxnSpPr>
+        <p:spPr>
+          <a:xfrm>
+            <a:off x="763992" y="634882"/>
+            <a:ext cx="0" cy="4313132"/>
+          </a:xfrm>
+          <a:prstGeom prst="straightConnector1">
+            <a:avLst/>
+          </a:prstGeom>
+          <a:ln>
+            <a:solidFill>
+              <a:schemeClr val="tx1"/>
+            </a:solidFill>
+            <a:prstDash val="dash"/>
+            <a:tailEnd type="triangle"/>
+          </a:ln>
+        </p:spPr>
+        <p:style>
+          <a:lnRef idx="1">
+            <a:schemeClr val="accent1"/>
+          </a:lnRef>
+          <a:fillRef idx="0">
+            <a:schemeClr val="accent1"/>
+          </a:fillRef>
+          <a:effectRef idx="0">
+            <a:schemeClr val="accent1"/>
+          </a:effectRef>
+          <a:fontRef idx="minor">
+            <a:schemeClr val="tx1"/>
+          </a:fontRef>
+        </p:style>
+      </p:cxnSp>
+      <p:cxnSp>
+        <p:nvCxnSpPr>
+          <p:cNvPr id="46" name="Straight Arrow Connector 81">
+            <a:extLst>
+              <a:ext uri="{FF2B5EF4-FFF2-40B4-BE49-F238E27FC236}">
+                <a16:creationId xmlns:a16="http://schemas.microsoft.com/office/drawing/2014/main" id="{B3DFF786-BEC1-66AF-0A08-4394DAE8C61E}"/>
+              </a:ext>
+            </a:extLst>
+          </p:cNvPr>
+          <p:cNvCxnSpPr>
+            <a:cxnSpLocks/>
+            <a:stCxn id="11" idx="2"/>
+          </p:cNvCxnSpPr>
+          <p:nvPr/>
+        </p:nvCxnSpPr>
+        <p:spPr>
+          <a:xfrm>
+            <a:off x="8380011" y="634882"/>
+            <a:ext cx="0" cy="4385140"/>
+          </a:xfrm>
+          <a:prstGeom prst="straightConnector1">
+            <a:avLst/>
+          </a:prstGeom>
+          <a:ln>
+            <a:solidFill>
+              <a:schemeClr val="tx1"/>
+            </a:solidFill>
+            <a:prstDash val="dash"/>
+            <a:tailEnd type="triangle"/>
+          </a:ln>
+        </p:spPr>
+        <p:style>
+          <a:lnRef idx="1">
+            <a:schemeClr val="accent1"/>
+          </a:lnRef>
+          <a:fillRef idx="0">
+            <a:schemeClr val="accent1"/>
+          </a:fillRef>
+          <a:effectRef idx="0">
+            <a:schemeClr val="accent1"/>
+          </a:effectRef>
+          <a:fontRef idx="minor">
+            <a:schemeClr val="tx1"/>
+          </a:fontRef>
+        </p:style>
+      </p:cxnSp>
+      <p:cxnSp>
+        <p:nvCxnSpPr>
+          <p:cNvPr id="47" name="Straight Arrow Connector 81">
+            <a:extLst>
+              <a:ext uri="{FF2B5EF4-FFF2-40B4-BE49-F238E27FC236}">
+                <a16:creationId xmlns:a16="http://schemas.microsoft.com/office/drawing/2014/main" id="{3A6257F7-E165-0563-BB33-88B3AD9915D9}"/>
+              </a:ext>
+            </a:extLst>
+          </p:cNvPr>
+          <p:cNvCxnSpPr>
+            <a:cxnSpLocks/>
+            <a:stCxn id="12" idx="2"/>
+          </p:cNvCxnSpPr>
+          <p:nvPr/>
+        </p:nvCxnSpPr>
+        <p:spPr>
+          <a:xfrm>
+            <a:off x="5462033" y="634882"/>
+            <a:ext cx="0" cy="4313132"/>
+          </a:xfrm>
+          <a:prstGeom prst="straightConnector1">
+            <a:avLst/>
+          </a:prstGeom>
+          <a:ln>
+            <a:solidFill>
+              <a:schemeClr val="tx1"/>
+            </a:solidFill>
+            <a:prstDash val="dash"/>
+            <a:tailEnd type="triangle"/>
+          </a:ln>
+        </p:spPr>
+        <p:style>
+          <a:lnRef idx="1">
+            <a:schemeClr val="accent1"/>
+          </a:lnRef>
+          <a:fillRef idx="0">
+            <a:schemeClr val="accent1"/>
+          </a:fillRef>
+          <a:effectRef idx="0">
+            <a:schemeClr val="accent1"/>
+          </a:effectRef>
+          <a:fontRef idx="minor">
+            <a:schemeClr val="tx1"/>
+          </a:fontRef>
+        </p:style>
+      </p:cxnSp>
+      <p:cxnSp>
+        <p:nvCxnSpPr>
+          <p:cNvPr id="52" name="Straight Arrow Connector 81">
+            <a:extLst>
+              <a:ext uri="{FF2B5EF4-FFF2-40B4-BE49-F238E27FC236}">
+                <a16:creationId xmlns:a16="http://schemas.microsoft.com/office/drawing/2014/main" id="{231C5F15-6053-2BB5-4242-546E0DAD70D3}"/>
+              </a:ext>
+            </a:extLst>
+          </p:cNvPr>
+          <p:cNvCxnSpPr>
+            <a:cxnSpLocks/>
+          </p:cNvCxnSpPr>
+          <p:nvPr/>
+        </p:nvCxnSpPr>
+        <p:spPr>
+          <a:xfrm>
+            <a:off x="763988" y="1431884"/>
+            <a:ext cx="2917981" cy="0"/>
+          </a:xfrm>
+          <a:prstGeom prst="straightConnector1">
+            <a:avLst/>
+          </a:prstGeom>
+          <a:ln>
+            <a:solidFill>
+              <a:schemeClr val="tx1"/>
+            </a:solidFill>
+            <a:tailEnd type="triangle"/>
+          </a:ln>
+        </p:spPr>
+        <p:style>
+          <a:lnRef idx="1">
+            <a:schemeClr val="accent1"/>
+          </a:lnRef>
+          <a:fillRef idx="0">
+            <a:schemeClr val="accent1"/>
+          </a:fillRef>
+          <a:effectRef idx="0">
+            <a:schemeClr val="accent1"/>
+          </a:effectRef>
+          <a:fontRef idx="minor">
+            <a:schemeClr val="tx1"/>
+          </a:fontRef>
+        </p:style>
+      </p:cxnSp>
+      <p:sp>
+        <p:nvSpPr>
+          <p:cNvPr id="53" name="TextBox 52">
+            <a:extLst>
+              <a:ext uri="{FF2B5EF4-FFF2-40B4-BE49-F238E27FC236}">
+                <a16:creationId xmlns:a16="http://schemas.microsoft.com/office/drawing/2014/main" id="{C08DB70C-A42F-0B03-35AE-051A5DF1AC0A}"/>
+              </a:ext>
+            </a:extLst>
+          </p:cNvPr>
+          <p:cNvSpPr txBox="1"/>
+          <p:nvPr/>
+        </p:nvSpPr>
+        <p:spPr>
+          <a:xfrm>
+            <a:off x="763986" y="1185663"/>
+            <a:ext cx="3159933" cy="246221"/>
+          </a:xfrm>
+          <a:prstGeom prst="rect">
+            <a:avLst/>
+          </a:prstGeom>
+          <a:noFill/>
+        </p:spPr>
+        <p:txBody>
+          <a:bodyPr wrap="square" rtlCol="0">
+            <a:spAutoFit/>
+          </a:bodyPr>
+          <a:lstStyle/>
+          <a:p>
+            <a:r>
+              <a:rPr kumimoji="1" lang="en-US" altLang="ko-KR" sz="1000" i="1"/>
+              <a:t>GET </a:t>
+            </a:r>
+            <a:r>
+              <a:rPr lang="en" altLang="ko-KR" sz="1000" i="1"/>
+              <a:t>mock-server:8080/reset-before-response/1000</a:t>
+            </a:r>
+            <a:endParaRPr kumimoji="1" lang="ko-KR" altLang="en-US" sz="1000" i="1"/>
+          </a:p>
+        </p:txBody>
+      </p:sp>
+      <p:cxnSp>
+        <p:nvCxnSpPr>
+          <p:cNvPr id="54" name="Straight Arrow Connector 81">
+            <a:extLst>
+              <a:ext uri="{FF2B5EF4-FFF2-40B4-BE49-F238E27FC236}">
+                <a16:creationId xmlns:a16="http://schemas.microsoft.com/office/drawing/2014/main" id="{CC70A610-D419-2419-0C27-FF678D543FD8}"/>
+              </a:ext>
+            </a:extLst>
+          </p:cNvPr>
+          <p:cNvCxnSpPr>
+            <a:cxnSpLocks/>
+          </p:cNvCxnSpPr>
+          <p:nvPr/>
+        </p:nvCxnSpPr>
+        <p:spPr>
+          <a:xfrm>
+            <a:off x="5462033" y="2006276"/>
+            <a:ext cx="2917977" cy="0"/>
+          </a:xfrm>
+          <a:prstGeom prst="straightConnector1">
+            <a:avLst/>
+          </a:prstGeom>
+          <a:ln>
+            <a:solidFill>
+              <a:schemeClr val="tx1"/>
+            </a:solidFill>
+            <a:headEnd type="triangle" w="med" len="med"/>
+            <a:tailEnd type="none" w="med" len="med"/>
+          </a:ln>
+        </p:spPr>
+        <p:style>
+          <a:lnRef idx="1">
+            <a:schemeClr val="accent1"/>
+          </a:lnRef>
+          <a:fillRef idx="0">
+            <a:schemeClr val="accent1"/>
+          </a:fillRef>
+          <a:effectRef idx="0">
+            <a:schemeClr val="accent1"/>
+          </a:effectRef>
+          <a:fontRef idx="minor">
+            <a:schemeClr val="tx1"/>
+          </a:fontRef>
+        </p:style>
+      </p:cxnSp>
+      <p:sp>
+        <p:nvSpPr>
+          <p:cNvPr id="55" name="TextBox 54">
+            <a:extLst>
+              <a:ext uri="{FF2B5EF4-FFF2-40B4-BE49-F238E27FC236}">
+                <a16:creationId xmlns:a16="http://schemas.microsoft.com/office/drawing/2014/main" id="{3B14CB50-44CB-E3F2-DBB3-77A05A6F0A38}"/>
+              </a:ext>
+            </a:extLst>
+          </p:cNvPr>
+          <p:cNvSpPr txBox="1"/>
+          <p:nvPr/>
+        </p:nvSpPr>
+        <p:spPr>
+          <a:xfrm>
+            <a:off x="2666358" y="2075481"/>
+            <a:ext cx="2795674" cy="246221"/>
+          </a:xfrm>
+          <a:prstGeom prst="rect">
+            <a:avLst/>
+          </a:prstGeom>
+          <a:noFill/>
+        </p:spPr>
+        <p:txBody>
+          <a:bodyPr wrap="square" rtlCol="0">
+            <a:spAutoFit/>
+          </a:bodyPr>
+          <a:lstStyle/>
+          <a:p>
+            <a:pPr algn="r"/>
+            <a:r>
+              <a:rPr kumimoji="1" lang="en-US" altLang="ko-KR" sz="1000" i="1"/>
+              <a:t>503 Service Unavailable</a:t>
+            </a:r>
+            <a:endParaRPr kumimoji="1" lang="ko-KR" altLang="en-US" sz="1000" i="1"/>
+          </a:p>
+        </p:txBody>
+      </p:sp>
+      <p:cxnSp>
+        <p:nvCxnSpPr>
+          <p:cNvPr id="63" name="Straight Arrow Connector 81">
+            <a:extLst>
+              <a:ext uri="{FF2B5EF4-FFF2-40B4-BE49-F238E27FC236}">
+                <a16:creationId xmlns:a16="http://schemas.microsoft.com/office/drawing/2014/main" id="{AC32CB63-6492-6B14-4F59-05643397470A}"/>
+              </a:ext>
+            </a:extLst>
+          </p:cNvPr>
+          <p:cNvCxnSpPr>
+            <a:cxnSpLocks/>
+          </p:cNvCxnSpPr>
+          <p:nvPr/>
+        </p:nvCxnSpPr>
+        <p:spPr>
+          <a:xfrm>
+            <a:off x="3681969" y="1505679"/>
+            <a:ext cx="1780064" cy="0"/>
+          </a:xfrm>
+          <a:prstGeom prst="straightConnector1">
+            <a:avLst/>
+          </a:prstGeom>
+          <a:ln>
+            <a:solidFill>
+              <a:schemeClr val="tx1"/>
+            </a:solidFill>
+            <a:tailEnd type="triangle"/>
+          </a:ln>
+        </p:spPr>
+        <p:style>
+          <a:lnRef idx="1">
+            <a:schemeClr val="accent1"/>
+          </a:lnRef>
+          <a:fillRef idx="0">
+            <a:schemeClr val="accent1"/>
+          </a:fillRef>
+          <a:effectRef idx="0">
+            <a:schemeClr val="accent1"/>
+          </a:effectRef>
+          <a:fontRef idx="minor">
+            <a:schemeClr val="tx1"/>
+          </a:fontRef>
+        </p:style>
+      </p:cxnSp>
+      <p:cxnSp>
+        <p:nvCxnSpPr>
+          <p:cNvPr id="64" name="Straight Arrow Connector 81">
+            <a:extLst>
+              <a:ext uri="{FF2B5EF4-FFF2-40B4-BE49-F238E27FC236}">
+                <a16:creationId xmlns:a16="http://schemas.microsoft.com/office/drawing/2014/main" id="{4A28E01E-759E-1F59-4231-7E42E3668CEA}"/>
+              </a:ext>
+            </a:extLst>
+          </p:cNvPr>
+          <p:cNvCxnSpPr>
+            <a:cxnSpLocks/>
+          </p:cNvCxnSpPr>
+          <p:nvPr/>
+        </p:nvCxnSpPr>
+        <p:spPr>
+          <a:xfrm>
+            <a:off x="5462033" y="1585570"/>
+            <a:ext cx="2917978" cy="0"/>
+          </a:xfrm>
+          <a:prstGeom prst="straightConnector1">
+            <a:avLst/>
+          </a:prstGeom>
+          <a:ln>
+            <a:solidFill>
+              <a:schemeClr val="tx1"/>
+            </a:solidFill>
+            <a:tailEnd type="triangle"/>
+          </a:ln>
+        </p:spPr>
+        <p:style>
+          <a:lnRef idx="1">
+            <a:schemeClr val="accent1"/>
+          </a:lnRef>
+          <a:fillRef idx="0">
+            <a:schemeClr val="accent1"/>
+          </a:fillRef>
+          <a:effectRef idx="0">
+            <a:schemeClr val="accent1"/>
+          </a:effectRef>
+          <a:fontRef idx="minor">
+            <a:schemeClr val="tx1"/>
+          </a:fontRef>
+        </p:style>
+      </p:cxnSp>
+      <p:cxnSp>
+        <p:nvCxnSpPr>
+          <p:cNvPr id="70" name="Straight Arrow Connector 81">
+            <a:extLst>
+              <a:ext uri="{FF2B5EF4-FFF2-40B4-BE49-F238E27FC236}">
+                <a16:creationId xmlns:a16="http://schemas.microsoft.com/office/drawing/2014/main" id="{8215BD83-6348-AB44-BFD6-F3240BF4AD6D}"/>
+              </a:ext>
+            </a:extLst>
+          </p:cNvPr>
+          <p:cNvCxnSpPr>
+            <a:cxnSpLocks/>
+          </p:cNvCxnSpPr>
+          <p:nvPr/>
+        </p:nvCxnSpPr>
+        <p:spPr>
+          <a:xfrm>
+            <a:off x="3681977" y="2078284"/>
+            <a:ext cx="1780056" cy="0"/>
+          </a:xfrm>
+          <a:prstGeom prst="straightConnector1">
+            <a:avLst/>
+          </a:prstGeom>
+          <a:ln>
+            <a:solidFill>
+              <a:schemeClr val="tx1"/>
+            </a:solidFill>
+            <a:headEnd type="triangle" w="med" len="med"/>
+            <a:tailEnd type="none" w="med" len="med"/>
+          </a:ln>
+        </p:spPr>
+        <p:style>
+          <a:lnRef idx="1">
+            <a:schemeClr val="accent1"/>
+          </a:lnRef>
+          <a:fillRef idx="0">
+            <a:schemeClr val="accent1"/>
+          </a:fillRef>
+          <a:effectRef idx="0">
+            <a:schemeClr val="accent1"/>
+          </a:effectRef>
+          <a:fontRef idx="minor">
+            <a:schemeClr val="tx1"/>
+          </a:fontRef>
+        </p:style>
+      </p:cxnSp>
+      <p:cxnSp>
+        <p:nvCxnSpPr>
+          <p:cNvPr id="73" name="Straight Arrow Connector 81">
+            <a:extLst>
+              <a:ext uri="{FF2B5EF4-FFF2-40B4-BE49-F238E27FC236}">
+                <a16:creationId xmlns:a16="http://schemas.microsoft.com/office/drawing/2014/main" id="{7C277CB1-BDEB-7979-2AD0-61EECB924769}"/>
+              </a:ext>
+            </a:extLst>
+          </p:cNvPr>
+          <p:cNvCxnSpPr>
+            <a:cxnSpLocks/>
+          </p:cNvCxnSpPr>
+          <p:nvPr/>
+        </p:nvCxnSpPr>
+        <p:spPr>
+          <a:xfrm>
+            <a:off x="763987" y="2150292"/>
+            <a:ext cx="2917982" cy="0"/>
+          </a:xfrm>
+          <a:prstGeom prst="straightConnector1">
+            <a:avLst/>
+          </a:prstGeom>
+          <a:ln>
+            <a:solidFill>
+              <a:schemeClr val="tx1"/>
+            </a:solidFill>
+            <a:headEnd type="triangle" w="med" len="med"/>
+            <a:tailEnd type="none" w="med" len="med"/>
+          </a:ln>
+        </p:spPr>
+        <p:style>
+          <a:lnRef idx="1">
+            <a:schemeClr val="accent1"/>
+          </a:lnRef>
+          <a:fillRef idx="0">
+            <a:schemeClr val="accent1"/>
+          </a:fillRef>
+          <a:effectRef idx="0">
+            <a:schemeClr val="accent1"/>
+          </a:effectRef>
+          <a:fontRef idx="minor">
+            <a:schemeClr val="tx1"/>
+          </a:fontRef>
+        </p:style>
+      </p:cxnSp>
+      <p:sp>
+        <p:nvSpPr>
+          <p:cNvPr id="2" name="호 1">
+            <a:extLst>
+              <a:ext uri="{FF2B5EF4-FFF2-40B4-BE49-F238E27FC236}">
+                <a16:creationId xmlns:a16="http://schemas.microsoft.com/office/drawing/2014/main" id="{002DEED1-1983-D301-EBBA-C57B6051C827}"/>
+              </a:ext>
+            </a:extLst>
+          </p:cNvPr>
+          <p:cNvSpPr/>
+          <p:nvPr/>
+        </p:nvSpPr>
+        <p:spPr>
+          <a:xfrm>
+            <a:off x="8241825" y="1585569"/>
+            <a:ext cx="276365" cy="423019"/>
+          </a:xfrm>
+          <a:prstGeom prst="arc">
+            <a:avLst>
+              <a:gd name="adj1" fmla="val 16200000"/>
+              <a:gd name="adj2" fmla="val 5389298"/>
+            </a:avLst>
+          </a:prstGeom>
+          <a:ln>
+            <a:solidFill>
+              <a:schemeClr val="tx1"/>
+            </a:solidFill>
+            <a:headEnd type="none" w="med" len="med"/>
+            <a:tailEnd type="triangle" w="med" len="med"/>
+          </a:ln>
+        </p:spPr>
+        <p:style>
+          <a:lnRef idx="1">
+            <a:schemeClr val="accent1"/>
+          </a:lnRef>
+          <a:fillRef idx="0">
+            <a:schemeClr val="accent1"/>
+          </a:fillRef>
+          <a:effectRef idx="0">
+            <a:schemeClr val="accent1"/>
+          </a:effectRef>
+          <a:fontRef idx="minor">
+            <a:schemeClr val="tx1"/>
+          </a:fontRef>
+        </p:style>
+        <p:txBody>
+          <a:bodyPr rtlCol="0" anchor="ctr"/>
+          <a:lstStyle/>
+          <a:p>
+            <a:pPr algn="ctr"/>
+            <a:endParaRPr kumimoji="1" lang="ko-KR" altLang="en-US"/>
+          </a:p>
+        </p:txBody>
+      </p:sp>
+      <p:sp>
+        <p:nvSpPr>
+          <p:cNvPr id="4" name="TextBox 3">
+            <a:extLst>
+              <a:ext uri="{FF2B5EF4-FFF2-40B4-BE49-F238E27FC236}">
+                <a16:creationId xmlns:a16="http://schemas.microsoft.com/office/drawing/2014/main" id="{228BD7DA-EB47-C2F2-B4F2-3C4D5781BFB5}"/>
+              </a:ext>
+            </a:extLst>
+          </p:cNvPr>
+          <p:cNvSpPr txBox="1"/>
+          <p:nvPr/>
+        </p:nvSpPr>
+        <p:spPr>
+          <a:xfrm>
+            <a:off x="8410775" y="1680027"/>
+            <a:ext cx="689798" cy="246221"/>
+          </a:xfrm>
+          <a:prstGeom prst="rect">
+            <a:avLst/>
+          </a:prstGeom>
+          <a:noFill/>
+        </p:spPr>
+        <p:txBody>
+          <a:bodyPr wrap="square" rtlCol="0">
+            <a:spAutoFit/>
+          </a:bodyPr>
+          <a:lstStyle/>
+          <a:p>
+            <a:pPr algn="ctr"/>
+            <a:r>
+              <a:rPr kumimoji="1" lang="en-US" altLang="ko-KR" sz="1000" i="1"/>
+              <a:t>1000ms</a:t>
+            </a:r>
+            <a:endParaRPr kumimoji="1" lang="ko-KR" altLang="en-US" sz="1000" i="1"/>
+          </a:p>
+        </p:txBody>
+      </p:sp>
+      <p:sp>
+        <p:nvSpPr>
+          <p:cNvPr id="5" name="TextBox 4">
+            <a:extLst>
+              <a:ext uri="{FF2B5EF4-FFF2-40B4-BE49-F238E27FC236}">
+                <a16:creationId xmlns:a16="http://schemas.microsoft.com/office/drawing/2014/main" id="{4A946016-C3EA-B392-AF29-6BE3CBBCCC20}"/>
+              </a:ext>
+            </a:extLst>
+          </p:cNvPr>
+          <p:cNvSpPr txBox="1"/>
+          <p:nvPr/>
+        </p:nvSpPr>
+        <p:spPr>
+          <a:xfrm>
+            <a:off x="5584333" y="2003965"/>
+            <a:ext cx="2795674" cy="246221"/>
+          </a:xfrm>
+          <a:prstGeom prst="rect">
+            <a:avLst/>
+          </a:prstGeom>
+          <a:noFill/>
+        </p:spPr>
+        <p:txBody>
+          <a:bodyPr wrap="square" rtlCol="0">
+            <a:spAutoFit/>
+          </a:bodyPr>
+          <a:lstStyle/>
+          <a:p>
+            <a:pPr algn="r"/>
+            <a:r>
+              <a:rPr kumimoji="1" lang="en-US" altLang="ko-KR" sz="1000" i="1"/>
+              <a:t>TCP RST</a:t>
+            </a:r>
+            <a:endParaRPr kumimoji="1" lang="ko-KR" altLang="en-US" sz="1000" i="1"/>
+          </a:p>
+        </p:txBody>
+      </p:sp>
+      <p:cxnSp>
+        <p:nvCxnSpPr>
+          <p:cNvPr id="8" name="Straight Arrow Connector 81">
+            <a:extLst>
+              <a:ext uri="{FF2B5EF4-FFF2-40B4-BE49-F238E27FC236}">
+                <a16:creationId xmlns:a16="http://schemas.microsoft.com/office/drawing/2014/main" id="{FD048859-F8BF-AE90-47EC-7E9DD282A0AF}"/>
+              </a:ext>
+            </a:extLst>
+          </p:cNvPr>
+          <p:cNvCxnSpPr>
+            <a:cxnSpLocks/>
+          </p:cNvCxnSpPr>
+          <p:nvPr/>
+        </p:nvCxnSpPr>
+        <p:spPr>
+          <a:xfrm>
+            <a:off x="763988" y="1077765"/>
+            <a:ext cx="2917981" cy="0"/>
+          </a:xfrm>
+          <a:prstGeom prst="straightConnector1">
+            <a:avLst/>
+          </a:prstGeom>
+          <a:ln>
+            <a:solidFill>
+              <a:schemeClr val="tx1"/>
+            </a:solidFill>
+            <a:tailEnd type="triangle"/>
+          </a:ln>
+        </p:spPr>
+        <p:style>
+          <a:lnRef idx="1">
+            <a:schemeClr val="accent1"/>
+          </a:lnRef>
+          <a:fillRef idx="0">
+            <a:schemeClr val="accent1"/>
+          </a:fillRef>
+          <a:effectRef idx="0">
+            <a:schemeClr val="accent1"/>
+          </a:effectRef>
+          <a:fontRef idx="minor">
+            <a:schemeClr val="tx1"/>
+          </a:fontRef>
+        </p:style>
+      </p:cxnSp>
+      <p:sp>
+        <p:nvSpPr>
+          <p:cNvPr id="9" name="TextBox 8">
+            <a:extLst>
+              <a:ext uri="{FF2B5EF4-FFF2-40B4-BE49-F238E27FC236}">
+                <a16:creationId xmlns:a16="http://schemas.microsoft.com/office/drawing/2014/main" id="{4A76FC0E-980B-2193-C7E0-A8481D80E714}"/>
+              </a:ext>
+            </a:extLst>
+          </p:cNvPr>
+          <p:cNvSpPr txBox="1"/>
+          <p:nvPr/>
+        </p:nvSpPr>
+        <p:spPr>
+          <a:xfrm>
+            <a:off x="763987" y="831544"/>
+            <a:ext cx="2795674" cy="246221"/>
+          </a:xfrm>
+          <a:prstGeom prst="rect">
+            <a:avLst/>
+          </a:prstGeom>
+          <a:noFill/>
+        </p:spPr>
+        <p:txBody>
+          <a:bodyPr wrap="square" rtlCol="0">
+            <a:spAutoFit/>
+          </a:bodyPr>
+          <a:lstStyle/>
+          <a:p>
+            <a:r>
+              <a:rPr kumimoji="1" lang="en-US" altLang="ko-KR" sz="1000" i="1"/>
+              <a:t>TCP SYN</a:t>
+            </a:r>
+            <a:endParaRPr kumimoji="1" lang="ko-KR" altLang="en-US" sz="1000" i="1"/>
+          </a:p>
+        </p:txBody>
+      </p:sp>
+      <p:sp>
+        <p:nvSpPr>
+          <p:cNvPr id="13" name="TextBox 12">
+            <a:extLst>
+              <a:ext uri="{FF2B5EF4-FFF2-40B4-BE49-F238E27FC236}">
+                <a16:creationId xmlns:a16="http://schemas.microsoft.com/office/drawing/2014/main" id="{DB55E3C7-7986-F0B9-66E8-3BEE3ECDFD04}"/>
+              </a:ext>
+            </a:extLst>
+          </p:cNvPr>
+          <p:cNvSpPr txBox="1"/>
+          <p:nvPr/>
+        </p:nvSpPr>
+        <p:spPr>
+          <a:xfrm>
+            <a:off x="763987" y="2252415"/>
+            <a:ext cx="2795674" cy="246221"/>
+          </a:xfrm>
+          <a:prstGeom prst="rect">
+            <a:avLst/>
+          </a:prstGeom>
+          <a:noFill/>
+        </p:spPr>
+        <p:txBody>
+          <a:bodyPr wrap="square" rtlCol="0">
+            <a:spAutoFit/>
+          </a:bodyPr>
+          <a:lstStyle/>
+          <a:p>
+            <a:r>
+              <a:rPr kumimoji="1" lang="en-US" altLang="ko-KR" sz="1000" i="1"/>
+              <a:t>TCP FIN</a:t>
+            </a:r>
+            <a:endParaRPr kumimoji="1" lang="ko-KR" altLang="en-US" sz="1000" i="1"/>
+          </a:p>
+        </p:txBody>
+      </p:sp>
+      <p:cxnSp>
+        <p:nvCxnSpPr>
+          <p:cNvPr id="14" name="Straight Arrow Connector 81">
+            <a:extLst>
+              <a:ext uri="{FF2B5EF4-FFF2-40B4-BE49-F238E27FC236}">
+                <a16:creationId xmlns:a16="http://schemas.microsoft.com/office/drawing/2014/main" id="{46AEFF8E-183D-705F-13E1-E0798D6C03A3}"/>
+              </a:ext>
+            </a:extLst>
+          </p:cNvPr>
+          <p:cNvCxnSpPr>
+            <a:cxnSpLocks/>
+          </p:cNvCxnSpPr>
+          <p:nvPr/>
+        </p:nvCxnSpPr>
+        <p:spPr>
+          <a:xfrm>
+            <a:off x="763988" y="2498644"/>
+            <a:ext cx="2917981" cy="0"/>
+          </a:xfrm>
+          <a:prstGeom prst="straightConnector1">
+            <a:avLst/>
+          </a:prstGeom>
+          <a:ln>
+            <a:solidFill>
+              <a:schemeClr val="tx1"/>
+            </a:solidFill>
+            <a:tailEnd type="triangle"/>
+          </a:ln>
+        </p:spPr>
+        <p:style>
+          <a:lnRef idx="1">
+            <a:schemeClr val="accent1"/>
+          </a:lnRef>
+          <a:fillRef idx="0">
+            <a:schemeClr val="accent1"/>
+          </a:fillRef>
+          <a:effectRef idx="0">
+            <a:schemeClr val="accent1"/>
+          </a:effectRef>
+          <a:fontRef idx="minor">
+            <a:schemeClr val="tx1"/>
+          </a:fontRef>
+        </p:style>
+      </p:cxnSp>
     </p:spTree>
     <p:extLst>
       <p:ext uri="{BB962C8B-B14F-4D97-AF65-F5344CB8AC3E}">
-        <p14:creationId xmlns:p14="http://schemas.microsoft.com/office/powerpoint/2010/main" val="419798853"/>
+        <p14:creationId xmlns:p14="http://schemas.microsoft.com/office/powerpoint/2010/main" val="400477816"/>
       </p:ext>
     </p:extLst>
   </p:cSld>
@@ -16852,6 +17867,92 @@
         <p:cNvPr id="1" name="">
           <a:extLst>
             <a:ext uri="{FF2B5EF4-FFF2-40B4-BE49-F238E27FC236}">
+              <a16:creationId xmlns:a16="http://schemas.microsoft.com/office/drawing/2014/main" id="{BCA98441-60C3-2B04-68DD-3F292947DB4D}"/>
+            </a:ext>
+          </a:extLst>
+        </p:cNvPr>
+        <p:cNvGrpSpPr/>
+        <p:nvPr/>
+      </p:nvGrpSpPr>
+      <p:grpSpPr>
+        <a:xfrm>
+          <a:off x="0" y="0"/>
+          <a:ext cx="0" cy="0"/>
+          <a:chOff x="0" y="0"/>
+          <a:chExt cx="0" cy="0"/>
+        </a:xfrm>
+      </p:grpSpPr>
+      <p:sp>
+        <p:nvSpPr>
+          <p:cNvPr id="2" name="제목 1">
+            <a:extLst>
+              <a:ext uri="{FF2B5EF4-FFF2-40B4-BE49-F238E27FC236}">
+                <a16:creationId xmlns:a16="http://schemas.microsoft.com/office/drawing/2014/main" id="{D0A3DC9F-C06B-D143-E65A-00913DD1F9AF}"/>
+              </a:ext>
+            </a:extLst>
+          </p:cNvPr>
+          <p:cNvSpPr>
+            <a:spLocks noGrp="1"/>
+          </p:cNvSpPr>
+          <p:nvPr>
+            <p:ph type="title"/>
+          </p:nvPr>
+        </p:nvSpPr>
+        <p:spPr/>
+        <p:txBody>
+          <a:bodyPr/>
+          <a:lstStyle/>
+          <a:p>
+            <a:endParaRPr lang="ko-KR" altLang="en-US"/>
+          </a:p>
+        </p:txBody>
+      </p:sp>
+      <p:sp>
+        <p:nvSpPr>
+          <p:cNvPr id="3" name="내용 개체 틀 2">
+            <a:extLst>
+              <a:ext uri="{FF2B5EF4-FFF2-40B4-BE49-F238E27FC236}">
+                <a16:creationId xmlns:a16="http://schemas.microsoft.com/office/drawing/2014/main" id="{B4A18F04-0D2F-9A0C-EC30-4AD0FBAACC21}"/>
+              </a:ext>
+            </a:extLst>
+          </p:cNvPr>
+          <p:cNvSpPr>
+            <a:spLocks noGrp="1"/>
+          </p:cNvSpPr>
+          <p:nvPr>
+            <p:ph idx="1"/>
+          </p:nvPr>
+        </p:nvSpPr>
+        <p:spPr/>
+        <p:txBody>
+          <a:bodyPr/>
+          <a:lstStyle/>
+          <a:p>
+            <a:endParaRPr lang="ko-KR" altLang="en-US"/>
+          </a:p>
+        </p:txBody>
+      </p:sp>
+    </p:spTree>
+    <p:extLst>
+      <p:ext uri="{BB962C8B-B14F-4D97-AF65-F5344CB8AC3E}">
+        <p14:creationId xmlns:p14="http://schemas.microsoft.com/office/powerpoint/2010/main" val="419798853"/>
+      </p:ext>
+    </p:extLst>
+  </p:cSld>
+  <p:clrMapOvr>
+    <a:masterClrMapping/>
+  </p:clrMapOvr>
+</p:sld>
+</file>
+
+<file path=ppt/slides/slide21.xml><?xml version="1.0" encoding="utf-8"?>
+<p:sld xmlns:a="http://schemas.openxmlformats.org/drawingml/2006/main" xmlns:r="http://schemas.openxmlformats.org/officeDocument/2006/relationships" xmlns:p="http://schemas.openxmlformats.org/presentationml/2006/main">
+  <p:cSld>
+    <p:spTree>
+      <p:nvGrpSpPr>
+        <p:cNvPr id="1" name="">
+          <a:extLst>
+            <a:ext uri="{FF2B5EF4-FFF2-40B4-BE49-F238E27FC236}">
               <a16:creationId xmlns:a16="http://schemas.microsoft.com/office/drawing/2014/main" id="{B201D244-26D7-6140-60E1-E03A5F2D9C57}"/>
             </a:ext>
           </a:extLst>
@@ -18168,7 +19269,7 @@
 </p:sld>
 </file>
 
-<file path=ppt/slides/slide21.xml><?xml version="1.0" encoding="utf-8"?>
+<file path=ppt/slides/slide22.xml><?xml version="1.0" encoding="utf-8"?>
 <p:sld xmlns:a="http://schemas.openxmlformats.org/drawingml/2006/main" xmlns:r="http://schemas.openxmlformats.org/officeDocument/2006/relationships" xmlns:p="http://schemas.openxmlformats.org/presentationml/2006/main">
   <p:cSld>
     <p:spTree>
@@ -19492,7 +20593,7 @@
 </p:sld>
 </file>
 
-<file path=ppt/slides/slide22.xml><?xml version="1.0" encoding="utf-8"?>
+<file path=ppt/slides/slide23.xml><?xml version="1.0" encoding="utf-8"?>
 <p:sld xmlns:a="http://schemas.openxmlformats.org/drawingml/2006/main" xmlns:r="http://schemas.openxmlformats.org/officeDocument/2006/relationships" xmlns:p="http://schemas.openxmlformats.org/presentationml/2006/main">
   <p:cSld>
     <p:spTree>
@@ -19578,7 +20679,7 @@
 </p:sld>
 </file>
 
-<file path=ppt/slides/slide23.xml><?xml version="1.0" encoding="utf-8"?>
+<file path=ppt/slides/slide24.xml><?xml version="1.0" encoding="utf-8"?>
 <p:sld xmlns:a="http://schemas.openxmlformats.org/drawingml/2006/main" xmlns:r="http://schemas.openxmlformats.org/officeDocument/2006/relationships" xmlns:p="http://schemas.openxmlformats.org/presentationml/2006/main">
   <p:cSld>
     <p:spTree>
@@ -19988,7 +21089,7 @@
 </p:sld>
 </file>
 
-<file path=ppt/slides/slide24.xml><?xml version="1.0" encoding="utf-8"?>
+<file path=ppt/slides/slide25.xml><?xml version="1.0" encoding="utf-8"?>
 <p:sld xmlns:a="http://schemas.openxmlformats.org/drawingml/2006/main" xmlns:r="http://schemas.openxmlformats.org/officeDocument/2006/relationships" xmlns:p="http://schemas.openxmlformats.org/presentationml/2006/main">
   <p:cSld>
     <p:spTree>
@@ -20398,7 +21499,7 @@
 </p:sld>
 </file>
 
-<file path=ppt/slides/slide25.xml><?xml version="1.0" encoding="utf-8"?>
+<file path=ppt/slides/slide26.xml><?xml version="1.0" encoding="utf-8"?>
 <p:sld xmlns:a="http://schemas.openxmlformats.org/drawingml/2006/main" xmlns:r="http://schemas.openxmlformats.org/officeDocument/2006/relationships" xmlns:p="http://schemas.openxmlformats.org/presentationml/2006/main">
   <p:cSld>
     <p:spTree>
@@ -20807,7 +21908,7 @@
 </p:sld>
 </file>
 
-<file path=ppt/slides/slide26.xml><?xml version="1.0" encoding="utf-8"?>
+<file path=ppt/slides/slide27.xml><?xml version="1.0" encoding="utf-8"?>
 <p:sld xmlns:a="http://schemas.openxmlformats.org/drawingml/2006/main" xmlns:r="http://schemas.openxmlformats.org/officeDocument/2006/relationships" xmlns:p="http://schemas.openxmlformats.org/presentationml/2006/main">
   <p:cSld>
     <p:spTree>
@@ -21308,7 +22409,7 @@
 </p:sld>
 </file>
 
-<file path=ppt/slides/slide27.xml><?xml version="1.0" encoding="utf-8"?>
+<file path=ppt/slides/slide28.xml><?xml version="1.0" encoding="utf-8"?>
 <p:sld xmlns:a="http://schemas.openxmlformats.org/drawingml/2006/main" xmlns:r="http://schemas.openxmlformats.org/officeDocument/2006/relationships" xmlns:p="http://schemas.openxmlformats.org/presentationml/2006/main">
   <p:cSld>
     <p:spTree>
@@ -22320,7 +23421,7 @@
 </p:sld>
 </file>
 
-<file path=ppt/slides/slide28.xml><?xml version="1.0" encoding="utf-8"?>
+<file path=ppt/slides/slide29.xml><?xml version="1.0" encoding="utf-8"?>
 <p:sld xmlns:a="http://schemas.openxmlformats.org/drawingml/2006/main" xmlns:r="http://schemas.openxmlformats.org/officeDocument/2006/relationships" xmlns:p="http://schemas.openxmlformats.org/presentationml/2006/main">
   <p:cSld>
     <p:spTree>
@@ -23386,1024 +24487,6 @@
     <p:extLst>
       <p:ext uri="{BB962C8B-B14F-4D97-AF65-F5344CB8AC3E}">
         <p14:creationId xmlns:p14="http://schemas.microsoft.com/office/powerpoint/2010/main" val="1848124166"/>
-      </p:ext>
-    </p:extLst>
-  </p:cSld>
-  <p:clrMapOvr>
-    <a:masterClrMapping/>
-  </p:clrMapOvr>
-</p:sld>
-</file>
-
-<file path=ppt/slides/slide29.xml><?xml version="1.0" encoding="utf-8"?>
-<p:sld xmlns:a="http://schemas.openxmlformats.org/drawingml/2006/main" xmlns:r="http://schemas.openxmlformats.org/officeDocument/2006/relationships" xmlns:p="http://schemas.openxmlformats.org/presentationml/2006/main">
-  <p:cSld>
-    <p:spTree>
-      <p:nvGrpSpPr>
-        <p:cNvPr id="1" name="">
-          <a:extLst>
-            <a:ext uri="{FF2B5EF4-FFF2-40B4-BE49-F238E27FC236}">
-              <a16:creationId xmlns:a16="http://schemas.microsoft.com/office/drawing/2014/main" id="{94E9846E-93DE-7B46-CFF0-5CA363A99B38}"/>
-            </a:ext>
-          </a:extLst>
-        </p:cNvPr>
-        <p:cNvGrpSpPr/>
-        <p:nvPr/>
-      </p:nvGrpSpPr>
-      <p:grpSpPr>
-        <a:xfrm>
-          <a:off x="0" y="0"/>
-          <a:ext cx="0" cy="0"/>
-          <a:chOff x="0" y="0"/>
-          <a:chExt cx="0" cy="0"/>
-        </a:xfrm>
-      </p:grpSpPr>
-      <p:sp>
-        <p:nvSpPr>
-          <p:cNvPr id="4" name="사각형: 둥근 모서리 29">
-            <a:extLst>
-              <a:ext uri="{FF2B5EF4-FFF2-40B4-BE49-F238E27FC236}">
-                <a16:creationId xmlns:a16="http://schemas.microsoft.com/office/drawing/2014/main" id="{6A739A79-7398-1DF1-5A09-936867C3134A}"/>
-              </a:ext>
-            </a:extLst>
-          </p:cNvPr>
-          <p:cNvSpPr/>
-          <p:nvPr/>
-        </p:nvSpPr>
-        <p:spPr>
-          <a:xfrm>
-            <a:off x="1763688" y="411510"/>
-            <a:ext cx="1164765" cy="657290"/>
-          </a:xfrm>
-          <a:prstGeom prst="roundRect">
-            <a:avLst>
-              <a:gd name="adj" fmla="val 17374"/>
-            </a:avLst>
-          </a:prstGeom>
-          <a:ln w="12700"/>
-        </p:spPr>
-        <p:style>
-          <a:lnRef idx="2">
-            <a:schemeClr val="dk1"/>
-          </a:lnRef>
-          <a:fillRef idx="1">
-            <a:schemeClr val="lt1"/>
-          </a:fillRef>
-          <a:effectRef idx="0">
-            <a:schemeClr val="dk1"/>
-          </a:effectRef>
-          <a:fontRef idx="minor">
-            <a:schemeClr val="dk1"/>
-          </a:fontRef>
-        </p:style>
-        <p:txBody>
-          <a:bodyPr rtlCol="0" anchor="ctr"/>
-          <a:lstStyle/>
-          <a:p>
-            <a:pPr algn="ctr"/>
-            <a:r>
-              <a:rPr lang="en-US" altLang="ko-KR" sz="1000" b="1"/>
-              <a:t>shell</a:t>
-            </a:r>
-          </a:p>
-          <a:p>
-            <a:pPr algn="ctr"/>
-            <a:r>
-              <a:rPr lang="en-US" altLang="ko-KR" sz="1000"/>
-              <a:t>Pod</a:t>
-            </a:r>
-            <a:endParaRPr lang="ko-KR" altLang="en-US" sz="1000"/>
-          </a:p>
-        </p:txBody>
-      </p:sp>
-      <p:sp>
-        <p:nvSpPr>
-          <p:cNvPr id="5" name="사각형: 둥근 모서리 29">
-            <a:extLst>
-              <a:ext uri="{FF2B5EF4-FFF2-40B4-BE49-F238E27FC236}">
-                <a16:creationId xmlns:a16="http://schemas.microsoft.com/office/drawing/2014/main" id="{2247D83D-A8B9-EC9B-EC5F-AE41A8B5306F}"/>
-              </a:ext>
-            </a:extLst>
-          </p:cNvPr>
-          <p:cNvSpPr/>
-          <p:nvPr/>
-        </p:nvSpPr>
-        <p:spPr>
-          <a:xfrm>
-            <a:off x="5724128" y="411510"/>
-            <a:ext cx="1164765" cy="657290"/>
-          </a:xfrm>
-          <a:prstGeom prst="roundRect">
-            <a:avLst>
-              <a:gd name="adj" fmla="val 17374"/>
-            </a:avLst>
-          </a:prstGeom>
-          <a:ln w="12700"/>
-        </p:spPr>
-        <p:style>
-          <a:lnRef idx="2">
-            <a:schemeClr val="dk1"/>
-          </a:lnRef>
-          <a:fillRef idx="1">
-            <a:schemeClr val="lt1"/>
-          </a:fillRef>
-          <a:effectRef idx="0">
-            <a:schemeClr val="dk1"/>
-          </a:effectRef>
-          <a:fontRef idx="minor">
-            <a:schemeClr val="dk1"/>
-          </a:fontRef>
-        </p:style>
-        <p:txBody>
-          <a:bodyPr rtlCol="0" anchor="ctr"/>
-          <a:lstStyle/>
-          <a:p>
-            <a:pPr algn="ctr"/>
-            <a:r>
-              <a:rPr lang="en-US" altLang="ko-KR" sz="1000" b="1"/>
-              <a:t>mock-server</a:t>
-            </a:r>
-          </a:p>
-          <a:p>
-            <a:pPr algn="ctr"/>
-            <a:r>
-              <a:rPr lang="en-US" altLang="ko-KR" sz="1000"/>
-              <a:t>Pod with </a:t>
-            </a:r>
-            <a:r>
-              <a:rPr lang="en-US" altLang="ko-KR" sz="1000" b="1"/>
-              <a:t>iptables DROP</a:t>
-            </a:r>
-            <a:endParaRPr lang="ko-KR" altLang="en-US" sz="1000" b="1"/>
-          </a:p>
-        </p:txBody>
-      </p:sp>
-      <p:cxnSp>
-        <p:nvCxnSpPr>
-          <p:cNvPr id="8" name="Straight Arrow Connector 81">
-            <a:extLst>
-              <a:ext uri="{FF2B5EF4-FFF2-40B4-BE49-F238E27FC236}">
-                <a16:creationId xmlns:a16="http://schemas.microsoft.com/office/drawing/2014/main" id="{2B313E4A-8FFF-8023-C696-4D1EEC0D4262}"/>
-              </a:ext>
-            </a:extLst>
-          </p:cNvPr>
-          <p:cNvCxnSpPr>
-            <a:cxnSpLocks/>
-            <a:stCxn id="5" idx="2"/>
-          </p:cNvCxnSpPr>
-          <p:nvPr/>
-        </p:nvCxnSpPr>
-        <p:spPr>
-          <a:xfrm>
-            <a:off x="6306511" y="1068800"/>
-            <a:ext cx="0" cy="3375158"/>
-          </a:xfrm>
-          <a:prstGeom prst="straightConnector1">
-            <a:avLst/>
-          </a:prstGeom>
-          <a:ln>
-            <a:solidFill>
-              <a:schemeClr val="tx1"/>
-            </a:solidFill>
-            <a:prstDash val="dash"/>
-            <a:tailEnd type="triangle"/>
-          </a:ln>
-        </p:spPr>
-        <p:style>
-          <a:lnRef idx="1">
-            <a:schemeClr val="accent1"/>
-          </a:lnRef>
-          <a:fillRef idx="0">
-            <a:schemeClr val="accent1"/>
-          </a:fillRef>
-          <a:effectRef idx="0">
-            <a:schemeClr val="accent1"/>
-          </a:effectRef>
-          <a:fontRef idx="minor">
-            <a:schemeClr val="tx1"/>
-          </a:fontRef>
-        </p:style>
-      </p:cxnSp>
-      <p:cxnSp>
-        <p:nvCxnSpPr>
-          <p:cNvPr id="2" name="Straight Arrow Connector 81">
-            <a:extLst>
-              <a:ext uri="{FF2B5EF4-FFF2-40B4-BE49-F238E27FC236}">
-                <a16:creationId xmlns:a16="http://schemas.microsoft.com/office/drawing/2014/main" id="{45AE5EEB-DFBC-F311-ACBB-763CD696E412}"/>
-              </a:ext>
-            </a:extLst>
-          </p:cNvPr>
-          <p:cNvCxnSpPr>
-            <a:cxnSpLocks/>
-            <a:stCxn id="4" idx="2"/>
-          </p:cNvCxnSpPr>
-          <p:nvPr/>
-        </p:nvCxnSpPr>
-        <p:spPr>
-          <a:xfrm>
-            <a:off x="2346071" y="1068800"/>
-            <a:ext cx="0" cy="3375158"/>
-          </a:xfrm>
-          <a:prstGeom prst="straightConnector1">
-            <a:avLst/>
-          </a:prstGeom>
-          <a:ln>
-            <a:solidFill>
-              <a:schemeClr val="tx1"/>
-            </a:solidFill>
-            <a:prstDash val="dash"/>
-            <a:tailEnd type="triangle"/>
-          </a:ln>
-        </p:spPr>
-        <p:style>
-          <a:lnRef idx="1">
-            <a:schemeClr val="accent1"/>
-          </a:lnRef>
-          <a:fillRef idx="0">
-            <a:schemeClr val="accent1"/>
-          </a:fillRef>
-          <a:effectRef idx="0">
-            <a:schemeClr val="accent1"/>
-          </a:effectRef>
-          <a:fontRef idx="minor">
-            <a:schemeClr val="tx1"/>
-          </a:fontRef>
-        </p:style>
-      </p:cxnSp>
-      <p:cxnSp>
-        <p:nvCxnSpPr>
-          <p:cNvPr id="17" name="Straight Arrow Connector 81">
-            <a:extLst>
-              <a:ext uri="{FF2B5EF4-FFF2-40B4-BE49-F238E27FC236}">
-                <a16:creationId xmlns:a16="http://schemas.microsoft.com/office/drawing/2014/main" id="{A413435C-F32A-D0B2-F471-0F12D45BDCC6}"/>
-              </a:ext>
-            </a:extLst>
-          </p:cNvPr>
-          <p:cNvCxnSpPr>
-            <a:cxnSpLocks/>
-          </p:cNvCxnSpPr>
-          <p:nvPr/>
-        </p:nvCxnSpPr>
-        <p:spPr>
-          <a:xfrm>
-            <a:off x="2346071" y="1203596"/>
-            <a:ext cx="3378057" cy="0"/>
-          </a:xfrm>
-          <a:prstGeom prst="straightConnector1">
-            <a:avLst/>
-          </a:prstGeom>
-          <a:ln>
-            <a:solidFill>
-              <a:schemeClr val="tx1"/>
-            </a:solidFill>
-            <a:tailEnd type="triangle"/>
-          </a:ln>
-        </p:spPr>
-        <p:style>
-          <a:lnRef idx="1">
-            <a:schemeClr val="accent1"/>
-          </a:lnRef>
-          <a:fillRef idx="0">
-            <a:schemeClr val="accent1"/>
-          </a:fillRef>
-          <a:effectRef idx="0">
-            <a:schemeClr val="accent1"/>
-          </a:effectRef>
-          <a:fontRef idx="minor">
-            <a:schemeClr val="tx1"/>
-          </a:fontRef>
-        </p:style>
-      </p:cxnSp>
-      <p:sp>
-        <p:nvSpPr>
-          <p:cNvPr id="20" name="TextBox 19">
-            <a:extLst>
-              <a:ext uri="{FF2B5EF4-FFF2-40B4-BE49-F238E27FC236}">
-                <a16:creationId xmlns:a16="http://schemas.microsoft.com/office/drawing/2014/main" id="{1E44A8B4-D0EA-62BD-8390-7EF49FB7F122}"/>
-              </a:ext>
-            </a:extLst>
-          </p:cNvPr>
-          <p:cNvSpPr txBox="1"/>
-          <p:nvPr/>
-        </p:nvSpPr>
-        <p:spPr>
-          <a:xfrm>
-            <a:off x="2928454" y="957375"/>
-            <a:ext cx="2795674" cy="246221"/>
-          </a:xfrm>
-          <a:prstGeom prst="rect">
-            <a:avLst/>
-          </a:prstGeom>
-          <a:noFill/>
-        </p:spPr>
-        <p:txBody>
-          <a:bodyPr wrap="square" rtlCol="0">
-            <a:spAutoFit/>
-          </a:bodyPr>
-          <a:lstStyle/>
-          <a:p>
-            <a:r>
-              <a:rPr kumimoji="1" lang="en-US" altLang="ko-KR" sz="1000" i="1"/>
-              <a:t>GET </a:t>
-            </a:r>
-            <a:r>
-              <a:rPr lang="en" altLang="ko-KR" sz="1000" i="1"/>
-              <a:t>mock-server:8080/status/200</a:t>
-            </a:r>
-            <a:endParaRPr kumimoji="1" lang="ko-KR" altLang="en-US" sz="1000" i="1"/>
-          </a:p>
-        </p:txBody>
-      </p:sp>
-      <p:cxnSp>
-        <p:nvCxnSpPr>
-          <p:cNvPr id="12" name="Straight Arrow Connector 81">
-            <a:extLst>
-              <a:ext uri="{FF2B5EF4-FFF2-40B4-BE49-F238E27FC236}">
-                <a16:creationId xmlns:a16="http://schemas.microsoft.com/office/drawing/2014/main" id="{67ED4FCC-B0F9-767F-5EA3-0B7DD1177904}"/>
-              </a:ext>
-            </a:extLst>
-          </p:cNvPr>
-          <p:cNvCxnSpPr>
-            <a:cxnSpLocks/>
-          </p:cNvCxnSpPr>
-          <p:nvPr/>
-        </p:nvCxnSpPr>
-        <p:spPr>
-          <a:xfrm>
-            <a:off x="2346071" y="1573186"/>
-            <a:ext cx="3378057" cy="0"/>
-          </a:xfrm>
-          <a:prstGeom prst="straightConnector1">
-            <a:avLst/>
-          </a:prstGeom>
-          <a:ln>
-            <a:solidFill>
-              <a:schemeClr val="tx1"/>
-            </a:solidFill>
-            <a:tailEnd type="triangle"/>
-          </a:ln>
-        </p:spPr>
-        <p:style>
-          <a:lnRef idx="1">
-            <a:schemeClr val="accent1"/>
-          </a:lnRef>
-          <a:fillRef idx="0">
-            <a:schemeClr val="accent1"/>
-          </a:fillRef>
-          <a:effectRef idx="0">
-            <a:schemeClr val="accent1"/>
-          </a:effectRef>
-          <a:fontRef idx="minor">
-            <a:schemeClr val="tx1"/>
-          </a:fontRef>
-        </p:style>
-      </p:cxnSp>
-      <p:sp>
-        <p:nvSpPr>
-          <p:cNvPr id="21" name="TextBox 20">
-            <a:extLst>
-              <a:ext uri="{FF2B5EF4-FFF2-40B4-BE49-F238E27FC236}">
-                <a16:creationId xmlns:a16="http://schemas.microsoft.com/office/drawing/2014/main" id="{3B2F6635-58D3-77E5-4B70-3E715B105A46}"/>
-              </a:ext>
-            </a:extLst>
-          </p:cNvPr>
-          <p:cNvSpPr txBox="1"/>
-          <p:nvPr/>
-        </p:nvSpPr>
-        <p:spPr>
-          <a:xfrm>
-            <a:off x="2928454" y="1326965"/>
-            <a:ext cx="2795674" cy="246221"/>
-          </a:xfrm>
-          <a:prstGeom prst="rect">
-            <a:avLst/>
-          </a:prstGeom>
-          <a:noFill/>
-        </p:spPr>
-        <p:txBody>
-          <a:bodyPr wrap="square" rtlCol="0">
-            <a:spAutoFit/>
-          </a:bodyPr>
-          <a:lstStyle/>
-          <a:p>
-            <a:r>
-              <a:rPr kumimoji="1" lang="en-US" altLang="ko-KR" sz="1000" i="1"/>
-              <a:t>GET </a:t>
-            </a:r>
-            <a:r>
-              <a:rPr lang="en" altLang="ko-KR" sz="1000" i="1"/>
-              <a:t>mock-server:8080/status/200</a:t>
-            </a:r>
-            <a:endParaRPr kumimoji="1" lang="ko-KR" altLang="en-US" sz="1000" i="1"/>
-          </a:p>
-        </p:txBody>
-      </p:sp>
-      <p:cxnSp>
-        <p:nvCxnSpPr>
-          <p:cNvPr id="32" name="Straight Arrow Connector 81">
-            <a:extLst>
-              <a:ext uri="{FF2B5EF4-FFF2-40B4-BE49-F238E27FC236}">
-                <a16:creationId xmlns:a16="http://schemas.microsoft.com/office/drawing/2014/main" id="{023970D5-C78D-D6C2-09E2-178350CAF966}"/>
-              </a:ext>
-            </a:extLst>
-          </p:cNvPr>
-          <p:cNvCxnSpPr>
-            <a:cxnSpLocks/>
-          </p:cNvCxnSpPr>
-          <p:nvPr/>
-        </p:nvCxnSpPr>
-        <p:spPr>
-          <a:xfrm>
-            <a:off x="2346071" y="1941931"/>
-            <a:ext cx="3378057" cy="0"/>
-          </a:xfrm>
-          <a:prstGeom prst="straightConnector1">
-            <a:avLst/>
-          </a:prstGeom>
-          <a:ln>
-            <a:solidFill>
-              <a:schemeClr val="tx1"/>
-            </a:solidFill>
-            <a:tailEnd type="triangle"/>
-          </a:ln>
-        </p:spPr>
-        <p:style>
-          <a:lnRef idx="1">
-            <a:schemeClr val="accent1"/>
-          </a:lnRef>
-          <a:fillRef idx="0">
-            <a:schemeClr val="accent1"/>
-          </a:fillRef>
-          <a:effectRef idx="0">
-            <a:schemeClr val="accent1"/>
-          </a:effectRef>
-          <a:fontRef idx="minor">
-            <a:schemeClr val="tx1"/>
-          </a:fontRef>
-        </p:style>
-      </p:cxnSp>
-      <p:sp>
-        <p:nvSpPr>
-          <p:cNvPr id="33" name="TextBox 32">
-            <a:extLst>
-              <a:ext uri="{FF2B5EF4-FFF2-40B4-BE49-F238E27FC236}">
-                <a16:creationId xmlns:a16="http://schemas.microsoft.com/office/drawing/2014/main" id="{910B15DD-2052-BEF9-9252-A656EDFC1037}"/>
-              </a:ext>
-            </a:extLst>
-          </p:cNvPr>
-          <p:cNvSpPr txBox="1"/>
-          <p:nvPr/>
-        </p:nvSpPr>
-        <p:spPr>
-          <a:xfrm>
-            <a:off x="2928454" y="1695710"/>
-            <a:ext cx="2795674" cy="246221"/>
-          </a:xfrm>
-          <a:prstGeom prst="rect">
-            <a:avLst/>
-          </a:prstGeom>
-          <a:noFill/>
-        </p:spPr>
-        <p:txBody>
-          <a:bodyPr wrap="square" rtlCol="0">
-            <a:spAutoFit/>
-          </a:bodyPr>
-          <a:lstStyle/>
-          <a:p>
-            <a:r>
-              <a:rPr kumimoji="1" lang="en-US" altLang="ko-KR" sz="1000" i="1"/>
-              <a:t>GET </a:t>
-            </a:r>
-            <a:r>
-              <a:rPr lang="en" altLang="ko-KR" sz="1000" i="1"/>
-              <a:t>mock-server:8080/status/200</a:t>
-            </a:r>
-            <a:endParaRPr kumimoji="1" lang="ko-KR" altLang="en-US" sz="1000" i="1"/>
-          </a:p>
-        </p:txBody>
-      </p:sp>
-      <p:cxnSp>
-        <p:nvCxnSpPr>
-          <p:cNvPr id="36" name="Straight Arrow Connector 81">
-            <a:extLst>
-              <a:ext uri="{FF2B5EF4-FFF2-40B4-BE49-F238E27FC236}">
-                <a16:creationId xmlns:a16="http://schemas.microsoft.com/office/drawing/2014/main" id="{E2BD90C4-6FA3-85AA-6601-6D881F4D8899}"/>
-              </a:ext>
-            </a:extLst>
-          </p:cNvPr>
-          <p:cNvCxnSpPr>
-            <a:cxnSpLocks/>
-          </p:cNvCxnSpPr>
-          <p:nvPr/>
-        </p:nvCxnSpPr>
-        <p:spPr>
-          <a:xfrm>
-            <a:off x="2346071" y="2556223"/>
-            <a:ext cx="3378057" cy="0"/>
-          </a:xfrm>
-          <a:prstGeom prst="straightConnector1">
-            <a:avLst/>
-          </a:prstGeom>
-          <a:ln>
-            <a:solidFill>
-              <a:schemeClr val="tx1"/>
-            </a:solidFill>
-            <a:tailEnd type="triangle"/>
-          </a:ln>
-        </p:spPr>
-        <p:style>
-          <a:lnRef idx="1">
-            <a:schemeClr val="accent1"/>
-          </a:lnRef>
-          <a:fillRef idx="0">
-            <a:schemeClr val="accent1"/>
-          </a:fillRef>
-          <a:effectRef idx="0">
-            <a:schemeClr val="accent1"/>
-          </a:effectRef>
-          <a:fontRef idx="minor">
-            <a:schemeClr val="tx1"/>
-          </a:fontRef>
-        </p:style>
-      </p:cxnSp>
-      <p:sp>
-        <p:nvSpPr>
-          <p:cNvPr id="37" name="TextBox 36">
-            <a:extLst>
-              <a:ext uri="{FF2B5EF4-FFF2-40B4-BE49-F238E27FC236}">
-                <a16:creationId xmlns:a16="http://schemas.microsoft.com/office/drawing/2014/main" id="{CC0F0CAC-4E10-0730-9D35-86FE499431A2}"/>
-              </a:ext>
-            </a:extLst>
-          </p:cNvPr>
-          <p:cNvSpPr txBox="1"/>
-          <p:nvPr/>
-        </p:nvSpPr>
-        <p:spPr>
-          <a:xfrm>
-            <a:off x="2928454" y="2310002"/>
-            <a:ext cx="2795674" cy="246221"/>
-          </a:xfrm>
-          <a:prstGeom prst="rect">
-            <a:avLst/>
-          </a:prstGeom>
-          <a:noFill/>
-        </p:spPr>
-        <p:txBody>
-          <a:bodyPr wrap="square" rtlCol="0">
-            <a:spAutoFit/>
-          </a:bodyPr>
-          <a:lstStyle/>
-          <a:p>
-            <a:r>
-              <a:rPr kumimoji="1" lang="en-US" altLang="ko-KR" sz="1000" i="1"/>
-              <a:t>GET </a:t>
-            </a:r>
-            <a:r>
-              <a:rPr lang="en" altLang="ko-KR" sz="1000" i="1"/>
-              <a:t>mock-server:8080/status/200</a:t>
-            </a:r>
-            <a:endParaRPr kumimoji="1" lang="ko-KR" altLang="en-US" sz="1000" i="1"/>
-          </a:p>
-        </p:txBody>
-      </p:sp>
-      <p:cxnSp>
-        <p:nvCxnSpPr>
-          <p:cNvPr id="42" name="Straight Arrow Connector 81">
-            <a:extLst>
-              <a:ext uri="{FF2B5EF4-FFF2-40B4-BE49-F238E27FC236}">
-                <a16:creationId xmlns:a16="http://schemas.microsoft.com/office/drawing/2014/main" id="{56767916-D7C5-C652-446F-40D2F32F2173}"/>
-              </a:ext>
-            </a:extLst>
-          </p:cNvPr>
-          <p:cNvCxnSpPr>
-            <a:cxnSpLocks/>
-          </p:cNvCxnSpPr>
-          <p:nvPr/>
-        </p:nvCxnSpPr>
-        <p:spPr>
-          <a:xfrm>
-            <a:off x="2346071" y="2925813"/>
-            <a:ext cx="3378057" cy="0"/>
-          </a:xfrm>
-          <a:prstGeom prst="straightConnector1">
-            <a:avLst/>
-          </a:prstGeom>
-          <a:ln>
-            <a:solidFill>
-              <a:schemeClr val="tx1"/>
-            </a:solidFill>
-            <a:tailEnd type="triangle"/>
-          </a:ln>
-        </p:spPr>
-        <p:style>
-          <a:lnRef idx="1">
-            <a:schemeClr val="accent1"/>
-          </a:lnRef>
-          <a:fillRef idx="0">
-            <a:schemeClr val="accent1"/>
-          </a:fillRef>
-          <a:effectRef idx="0">
-            <a:schemeClr val="accent1"/>
-          </a:effectRef>
-          <a:fontRef idx="minor">
-            <a:schemeClr val="tx1"/>
-          </a:fontRef>
-        </p:style>
-      </p:cxnSp>
-      <p:sp>
-        <p:nvSpPr>
-          <p:cNvPr id="43" name="TextBox 42">
-            <a:extLst>
-              <a:ext uri="{FF2B5EF4-FFF2-40B4-BE49-F238E27FC236}">
-                <a16:creationId xmlns:a16="http://schemas.microsoft.com/office/drawing/2014/main" id="{AFD49711-4B8B-754F-959E-8D170846BBE5}"/>
-              </a:ext>
-            </a:extLst>
-          </p:cNvPr>
-          <p:cNvSpPr txBox="1"/>
-          <p:nvPr/>
-        </p:nvSpPr>
-        <p:spPr>
-          <a:xfrm>
-            <a:off x="2928454" y="2679592"/>
-            <a:ext cx="2795674" cy="246221"/>
-          </a:xfrm>
-          <a:prstGeom prst="rect">
-            <a:avLst/>
-          </a:prstGeom>
-          <a:noFill/>
-        </p:spPr>
-        <p:txBody>
-          <a:bodyPr wrap="square" rtlCol="0">
-            <a:spAutoFit/>
-          </a:bodyPr>
-          <a:lstStyle/>
-          <a:p>
-            <a:r>
-              <a:rPr kumimoji="1" lang="en-US" altLang="ko-KR" sz="1000" i="1"/>
-              <a:t>GET </a:t>
-            </a:r>
-            <a:r>
-              <a:rPr lang="en" altLang="ko-KR" sz="1000" i="1"/>
-              <a:t>mock-server:8080/status/200</a:t>
-            </a:r>
-            <a:endParaRPr kumimoji="1" lang="ko-KR" altLang="en-US" sz="1000" i="1"/>
-          </a:p>
-        </p:txBody>
-      </p:sp>
-      <p:cxnSp>
-        <p:nvCxnSpPr>
-          <p:cNvPr id="46" name="Straight Arrow Connector 81">
-            <a:extLst>
-              <a:ext uri="{FF2B5EF4-FFF2-40B4-BE49-F238E27FC236}">
-                <a16:creationId xmlns:a16="http://schemas.microsoft.com/office/drawing/2014/main" id="{D6AF04DA-4B5F-69E3-8EDC-EA3396635B0A}"/>
-              </a:ext>
-            </a:extLst>
-          </p:cNvPr>
-          <p:cNvCxnSpPr>
-            <a:cxnSpLocks/>
-          </p:cNvCxnSpPr>
-          <p:nvPr/>
-        </p:nvCxnSpPr>
-        <p:spPr>
-          <a:xfrm>
-            <a:off x="2346071" y="3294558"/>
-            <a:ext cx="569745" cy="0"/>
-          </a:xfrm>
-          <a:prstGeom prst="straightConnector1">
-            <a:avLst/>
-          </a:prstGeom>
-          <a:ln>
-            <a:solidFill>
-              <a:schemeClr val="tx1"/>
-            </a:solidFill>
-            <a:tailEnd type="triangle"/>
-          </a:ln>
-        </p:spPr>
-        <p:style>
-          <a:lnRef idx="1">
-            <a:schemeClr val="accent1"/>
-          </a:lnRef>
-          <a:fillRef idx="0">
-            <a:schemeClr val="accent1"/>
-          </a:fillRef>
-          <a:effectRef idx="0">
-            <a:schemeClr val="accent1"/>
-          </a:effectRef>
-          <a:fontRef idx="minor">
-            <a:schemeClr val="tx1"/>
-          </a:fontRef>
-        </p:style>
-      </p:cxnSp>
-      <p:sp>
-        <p:nvSpPr>
-          <p:cNvPr id="47" name="TextBox 46">
-            <a:extLst>
-              <a:ext uri="{FF2B5EF4-FFF2-40B4-BE49-F238E27FC236}">
-                <a16:creationId xmlns:a16="http://schemas.microsoft.com/office/drawing/2014/main" id="{B3D2600B-C90C-C4F9-6229-1D80606E0558}"/>
-              </a:ext>
-            </a:extLst>
-          </p:cNvPr>
-          <p:cNvSpPr txBox="1"/>
-          <p:nvPr/>
-        </p:nvSpPr>
-        <p:spPr>
-          <a:xfrm>
-            <a:off x="2928454" y="3048337"/>
-            <a:ext cx="2795674" cy="246221"/>
-          </a:xfrm>
-          <a:prstGeom prst="rect">
-            <a:avLst/>
-          </a:prstGeom>
-          <a:noFill/>
-        </p:spPr>
-        <p:txBody>
-          <a:bodyPr wrap="square" rtlCol="0">
-            <a:spAutoFit/>
-          </a:bodyPr>
-          <a:lstStyle/>
-          <a:p>
-            <a:r>
-              <a:rPr kumimoji="1" lang="en-US" altLang="ko-KR" sz="1000" i="1"/>
-              <a:t>GET </a:t>
-            </a:r>
-            <a:r>
-              <a:rPr lang="en" altLang="ko-KR" sz="1000" i="1"/>
-              <a:t>mock-server:8080/status/200</a:t>
-            </a:r>
-            <a:endParaRPr kumimoji="1" lang="ko-KR" altLang="en-US" sz="1000" i="1"/>
-          </a:p>
-        </p:txBody>
-      </p:sp>
-      <p:cxnSp>
-        <p:nvCxnSpPr>
-          <p:cNvPr id="51" name="Straight Arrow Connector 81">
-            <a:extLst>
-              <a:ext uri="{FF2B5EF4-FFF2-40B4-BE49-F238E27FC236}">
-                <a16:creationId xmlns:a16="http://schemas.microsoft.com/office/drawing/2014/main" id="{2DAB456F-528B-79E3-59DD-87BA591D035C}"/>
-              </a:ext>
-            </a:extLst>
-          </p:cNvPr>
-          <p:cNvCxnSpPr>
-            <a:cxnSpLocks/>
-          </p:cNvCxnSpPr>
-          <p:nvPr/>
-        </p:nvCxnSpPr>
-        <p:spPr>
-          <a:xfrm>
-            <a:off x="2346071" y="3909523"/>
-            <a:ext cx="569745" cy="0"/>
-          </a:xfrm>
-          <a:prstGeom prst="straightConnector1">
-            <a:avLst/>
-          </a:prstGeom>
-          <a:ln>
-            <a:solidFill>
-              <a:schemeClr val="tx1"/>
-            </a:solidFill>
-            <a:tailEnd type="triangle"/>
-          </a:ln>
-        </p:spPr>
-        <p:style>
-          <a:lnRef idx="1">
-            <a:schemeClr val="accent1"/>
-          </a:lnRef>
-          <a:fillRef idx="0">
-            <a:schemeClr val="accent1"/>
-          </a:fillRef>
-          <a:effectRef idx="0">
-            <a:schemeClr val="accent1"/>
-          </a:effectRef>
-          <a:fontRef idx="minor">
-            <a:schemeClr val="tx1"/>
-          </a:fontRef>
-        </p:style>
-      </p:cxnSp>
-      <p:sp>
-        <p:nvSpPr>
-          <p:cNvPr id="52" name="TextBox 51">
-            <a:extLst>
-              <a:ext uri="{FF2B5EF4-FFF2-40B4-BE49-F238E27FC236}">
-                <a16:creationId xmlns:a16="http://schemas.microsoft.com/office/drawing/2014/main" id="{FF6EBBD6-CC4F-5F7E-AC3A-431DAC1C10A0}"/>
-              </a:ext>
-            </a:extLst>
-          </p:cNvPr>
-          <p:cNvSpPr txBox="1"/>
-          <p:nvPr/>
-        </p:nvSpPr>
-        <p:spPr>
-          <a:xfrm>
-            <a:off x="2928454" y="3663302"/>
-            <a:ext cx="2795674" cy="246221"/>
-          </a:xfrm>
-          <a:prstGeom prst="rect">
-            <a:avLst/>
-          </a:prstGeom>
-          <a:noFill/>
-        </p:spPr>
-        <p:txBody>
-          <a:bodyPr wrap="square" rtlCol="0">
-            <a:spAutoFit/>
-          </a:bodyPr>
-          <a:lstStyle/>
-          <a:p>
-            <a:r>
-              <a:rPr kumimoji="1" lang="en-US" altLang="ko-KR" sz="1000" i="1"/>
-              <a:t>GET </a:t>
-            </a:r>
-            <a:r>
-              <a:rPr lang="en" altLang="ko-KR" sz="1000" i="1"/>
-              <a:t>mock-server:8080/status/200</a:t>
-            </a:r>
-            <a:endParaRPr kumimoji="1" lang="ko-KR" altLang="en-US" sz="1000" i="1"/>
-          </a:p>
-        </p:txBody>
-      </p:sp>
-      <p:sp>
-        <p:nvSpPr>
-          <p:cNvPr id="3" name="호 2">
-            <a:extLst>
-              <a:ext uri="{FF2B5EF4-FFF2-40B4-BE49-F238E27FC236}">
-                <a16:creationId xmlns:a16="http://schemas.microsoft.com/office/drawing/2014/main" id="{5CE7404B-5D57-89A6-B43C-D38A5C9F73CC}"/>
-              </a:ext>
-            </a:extLst>
-          </p:cNvPr>
-          <p:cNvSpPr/>
-          <p:nvPr/>
-        </p:nvSpPr>
-        <p:spPr>
-          <a:xfrm>
-            <a:off x="6168329" y="1199086"/>
-            <a:ext cx="276349" cy="741998"/>
-          </a:xfrm>
-          <a:prstGeom prst="arc">
-            <a:avLst>
-              <a:gd name="adj1" fmla="val 16200000"/>
-              <a:gd name="adj2" fmla="val 5412057"/>
-            </a:avLst>
-          </a:prstGeom>
-          <a:ln>
-            <a:solidFill>
-              <a:schemeClr val="tx1"/>
-            </a:solidFill>
-            <a:headEnd type="none" w="med" len="med"/>
-            <a:tailEnd type="triangle" w="med" len="med"/>
-          </a:ln>
-        </p:spPr>
-        <p:style>
-          <a:lnRef idx="1">
-            <a:schemeClr val="accent1"/>
-          </a:lnRef>
-          <a:fillRef idx="0">
-            <a:schemeClr val="accent1"/>
-          </a:fillRef>
-          <a:effectRef idx="0">
-            <a:schemeClr val="accent1"/>
-          </a:effectRef>
-          <a:fontRef idx="minor">
-            <a:schemeClr val="tx1"/>
-          </a:fontRef>
-        </p:style>
-        <p:txBody>
-          <a:bodyPr rtlCol="0" anchor="ctr"/>
-          <a:lstStyle/>
-          <a:p>
-            <a:pPr algn="ctr"/>
-            <a:endParaRPr kumimoji="1" lang="ko-KR" altLang="en-US"/>
-          </a:p>
-        </p:txBody>
-      </p:sp>
-      <p:sp>
-        <p:nvSpPr>
-          <p:cNvPr id="6" name="TextBox 5">
-            <a:extLst>
-              <a:ext uri="{FF2B5EF4-FFF2-40B4-BE49-F238E27FC236}">
-                <a16:creationId xmlns:a16="http://schemas.microsoft.com/office/drawing/2014/main" id="{F5DB4F46-CD50-EC84-04A5-649A77E56CB5}"/>
-              </a:ext>
-            </a:extLst>
-          </p:cNvPr>
-          <p:cNvSpPr txBox="1"/>
-          <p:nvPr/>
-        </p:nvSpPr>
-        <p:spPr>
-          <a:xfrm>
-            <a:off x="6337278" y="1449489"/>
-            <a:ext cx="689798" cy="246221"/>
-          </a:xfrm>
-          <a:prstGeom prst="rect">
-            <a:avLst/>
-          </a:prstGeom>
-          <a:noFill/>
-        </p:spPr>
-        <p:txBody>
-          <a:bodyPr wrap="square" rtlCol="0">
-            <a:spAutoFit/>
-          </a:bodyPr>
-          <a:lstStyle/>
-          <a:p>
-            <a:pPr algn="ctr"/>
-            <a:r>
-              <a:rPr kumimoji="1" lang="en-US" altLang="ko-KR" sz="1000" i="1"/>
-              <a:t>3times</a:t>
-            </a:r>
-            <a:endParaRPr kumimoji="1" lang="ko-KR" altLang="en-US" sz="1000" i="1"/>
-          </a:p>
-        </p:txBody>
-      </p:sp>
-      <p:sp>
-        <p:nvSpPr>
-          <p:cNvPr id="10" name="호 9">
-            <a:extLst>
-              <a:ext uri="{FF2B5EF4-FFF2-40B4-BE49-F238E27FC236}">
-                <a16:creationId xmlns:a16="http://schemas.microsoft.com/office/drawing/2014/main" id="{952A7466-22B2-43F9-51EB-8FBCC88C7604}"/>
-              </a:ext>
-            </a:extLst>
-          </p:cNvPr>
-          <p:cNvSpPr/>
-          <p:nvPr/>
-        </p:nvSpPr>
-        <p:spPr>
-          <a:xfrm>
-            <a:off x="6168329" y="2551713"/>
-            <a:ext cx="291216" cy="740118"/>
-          </a:xfrm>
-          <a:prstGeom prst="arc">
-            <a:avLst>
-              <a:gd name="adj1" fmla="val 16200000"/>
-              <a:gd name="adj2" fmla="val 5412057"/>
-            </a:avLst>
-          </a:prstGeom>
-          <a:ln>
-            <a:solidFill>
-              <a:schemeClr val="tx1"/>
-            </a:solidFill>
-            <a:headEnd type="none" w="med" len="med"/>
-            <a:tailEnd type="triangle" w="med" len="med"/>
-          </a:ln>
-        </p:spPr>
-        <p:style>
-          <a:lnRef idx="1">
-            <a:schemeClr val="accent1"/>
-          </a:lnRef>
-          <a:fillRef idx="0">
-            <a:schemeClr val="accent1"/>
-          </a:fillRef>
-          <a:effectRef idx="0">
-            <a:schemeClr val="accent1"/>
-          </a:effectRef>
-          <a:fontRef idx="minor">
-            <a:schemeClr val="tx1"/>
-          </a:fontRef>
-        </p:style>
-        <p:txBody>
-          <a:bodyPr rtlCol="0" anchor="ctr"/>
-          <a:lstStyle/>
-          <a:p>
-            <a:pPr algn="ctr"/>
-            <a:endParaRPr kumimoji="1" lang="ko-KR" altLang="en-US"/>
-          </a:p>
-        </p:txBody>
-      </p:sp>
-      <p:sp>
-        <p:nvSpPr>
-          <p:cNvPr id="11" name="TextBox 10">
-            <a:extLst>
-              <a:ext uri="{FF2B5EF4-FFF2-40B4-BE49-F238E27FC236}">
-                <a16:creationId xmlns:a16="http://schemas.microsoft.com/office/drawing/2014/main" id="{26733D18-4D2E-E70E-BE16-188B0B70AE91}"/>
-              </a:ext>
-            </a:extLst>
-          </p:cNvPr>
-          <p:cNvSpPr txBox="1"/>
-          <p:nvPr/>
-        </p:nvSpPr>
-        <p:spPr>
-          <a:xfrm>
-            <a:off x="6337278" y="2802116"/>
-            <a:ext cx="689798" cy="246221"/>
-          </a:xfrm>
-          <a:prstGeom prst="rect">
-            <a:avLst/>
-          </a:prstGeom>
-          <a:noFill/>
-        </p:spPr>
-        <p:txBody>
-          <a:bodyPr wrap="square" rtlCol="0">
-            <a:spAutoFit/>
-          </a:bodyPr>
-          <a:lstStyle/>
-          <a:p>
-            <a:pPr algn="ctr"/>
-            <a:r>
-              <a:rPr kumimoji="1" lang="en-US" altLang="ko-KR" sz="1000" i="1"/>
-              <a:t>3times</a:t>
-            </a:r>
-            <a:endParaRPr kumimoji="1" lang="ko-KR" altLang="en-US" sz="1000" i="1"/>
-          </a:p>
-        </p:txBody>
-      </p:sp>
-    </p:spTree>
-    <p:extLst>
-      <p:ext uri="{BB962C8B-B14F-4D97-AF65-F5344CB8AC3E}">
-        <p14:creationId xmlns:p14="http://schemas.microsoft.com/office/powerpoint/2010/main" val="3473888967"/>
       </p:ext>
     </p:extLst>
   </p:cSld>
@@ -25481,6 +25564,1024 @@
         <p:cNvPr id="1" name="">
           <a:extLst>
             <a:ext uri="{FF2B5EF4-FFF2-40B4-BE49-F238E27FC236}">
+              <a16:creationId xmlns:a16="http://schemas.microsoft.com/office/drawing/2014/main" id="{94E9846E-93DE-7B46-CFF0-5CA363A99B38}"/>
+            </a:ext>
+          </a:extLst>
+        </p:cNvPr>
+        <p:cNvGrpSpPr/>
+        <p:nvPr/>
+      </p:nvGrpSpPr>
+      <p:grpSpPr>
+        <a:xfrm>
+          <a:off x="0" y="0"/>
+          <a:ext cx="0" cy="0"/>
+          <a:chOff x="0" y="0"/>
+          <a:chExt cx="0" cy="0"/>
+        </a:xfrm>
+      </p:grpSpPr>
+      <p:sp>
+        <p:nvSpPr>
+          <p:cNvPr id="4" name="사각형: 둥근 모서리 29">
+            <a:extLst>
+              <a:ext uri="{FF2B5EF4-FFF2-40B4-BE49-F238E27FC236}">
+                <a16:creationId xmlns:a16="http://schemas.microsoft.com/office/drawing/2014/main" id="{6A739A79-7398-1DF1-5A09-936867C3134A}"/>
+              </a:ext>
+            </a:extLst>
+          </p:cNvPr>
+          <p:cNvSpPr/>
+          <p:nvPr/>
+        </p:nvSpPr>
+        <p:spPr>
+          <a:xfrm>
+            <a:off x="1763688" y="411510"/>
+            <a:ext cx="1164765" cy="657290"/>
+          </a:xfrm>
+          <a:prstGeom prst="roundRect">
+            <a:avLst>
+              <a:gd name="adj" fmla="val 17374"/>
+            </a:avLst>
+          </a:prstGeom>
+          <a:ln w="12700"/>
+        </p:spPr>
+        <p:style>
+          <a:lnRef idx="2">
+            <a:schemeClr val="dk1"/>
+          </a:lnRef>
+          <a:fillRef idx="1">
+            <a:schemeClr val="lt1"/>
+          </a:fillRef>
+          <a:effectRef idx="0">
+            <a:schemeClr val="dk1"/>
+          </a:effectRef>
+          <a:fontRef idx="minor">
+            <a:schemeClr val="dk1"/>
+          </a:fontRef>
+        </p:style>
+        <p:txBody>
+          <a:bodyPr rtlCol="0" anchor="ctr"/>
+          <a:lstStyle/>
+          <a:p>
+            <a:pPr algn="ctr"/>
+            <a:r>
+              <a:rPr lang="en-US" altLang="ko-KR" sz="1000" b="1"/>
+              <a:t>shell</a:t>
+            </a:r>
+          </a:p>
+          <a:p>
+            <a:pPr algn="ctr"/>
+            <a:r>
+              <a:rPr lang="en-US" altLang="ko-KR" sz="1000"/>
+              <a:t>Pod</a:t>
+            </a:r>
+            <a:endParaRPr lang="ko-KR" altLang="en-US" sz="1000"/>
+          </a:p>
+        </p:txBody>
+      </p:sp>
+      <p:sp>
+        <p:nvSpPr>
+          <p:cNvPr id="5" name="사각형: 둥근 모서리 29">
+            <a:extLst>
+              <a:ext uri="{FF2B5EF4-FFF2-40B4-BE49-F238E27FC236}">
+                <a16:creationId xmlns:a16="http://schemas.microsoft.com/office/drawing/2014/main" id="{2247D83D-A8B9-EC9B-EC5F-AE41A8B5306F}"/>
+              </a:ext>
+            </a:extLst>
+          </p:cNvPr>
+          <p:cNvSpPr/>
+          <p:nvPr/>
+        </p:nvSpPr>
+        <p:spPr>
+          <a:xfrm>
+            <a:off x="5724128" y="411510"/>
+            <a:ext cx="1164765" cy="657290"/>
+          </a:xfrm>
+          <a:prstGeom prst="roundRect">
+            <a:avLst>
+              <a:gd name="adj" fmla="val 17374"/>
+            </a:avLst>
+          </a:prstGeom>
+          <a:ln w="12700"/>
+        </p:spPr>
+        <p:style>
+          <a:lnRef idx="2">
+            <a:schemeClr val="dk1"/>
+          </a:lnRef>
+          <a:fillRef idx="1">
+            <a:schemeClr val="lt1"/>
+          </a:fillRef>
+          <a:effectRef idx="0">
+            <a:schemeClr val="dk1"/>
+          </a:effectRef>
+          <a:fontRef idx="minor">
+            <a:schemeClr val="dk1"/>
+          </a:fontRef>
+        </p:style>
+        <p:txBody>
+          <a:bodyPr rtlCol="0" anchor="ctr"/>
+          <a:lstStyle/>
+          <a:p>
+            <a:pPr algn="ctr"/>
+            <a:r>
+              <a:rPr lang="en-US" altLang="ko-KR" sz="1000" b="1"/>
+              <a:t>mock-server</a:t>
+            </a:r>
+          </a:p>
+          <a:p>
+            <a:pPr algn="ctr"/>
+            <a:r>
+              <a:rPr lang="en-US" altLang="ko-KR" sz="1000"/>
+              <a:t>Pod with </a:t>
+            </a:r>
+            <a:r>
+              <a:rPr lang="en-US" altLang="ko-KR" sz="1000" b="1"/>
+              <a:t>iptables DROP</a:t>
+            </a:r>
+            <a:endParaRPr lang="ko-KR" altLang="en-US" sz="1000" b="1"/>
+          </a:p>
+        </p:txBody>
+      </p:sp>
+      <p:cxnSp>
+        <p:nvCxnSpPr>
+          <p:cNvPr id="8" name="Straight Arrow Connector 81">
+            <a:extLst>
+              <a:ext uri="{FF2B5EF4-FFF2-40B4-BE49-F238E27FC236}">
+                <a16:creationId xmlns:a16="http://schemas.microsoft.com/office/drawing/2014/main" id="{2B313E4A-8FFF-8023-C696-4D1EEC0D4262}"/>
+              </a:ext>
+            </a:extLst>
+          </p:cNvPr>
+          <p:cNvCxnSpPr>
+            <a:cxnSpLocks/>
+            <a:stCxn id="5" idx="2"/>
+          </p:cNvCxnSpPr>
+          <p:nvPr/>
+        </p:nvCxnSpPr>
+        <p:spPr>
+          <a:xfrm>
+            <a:off x="6306511" y="1068800"/>
+            <a:ext cx="0" cy="3375158"/>
+          </a:xfrm>
+          <a:prstGeom prst="straightConnector1">
+            <a:avLst/>
+          </a:prstGeom>
+          <a:ln>
+            <a:solidFill>
+              <a:schemeClr val="tx1"/>
+            </a:solidFill>
+            <a:prstDash val="dash"/>
+            <a:tailEnd type="triangle"/>
+          </a:ln>
+        </p:spPr>
+        <p:style>
+          <a:lnRef idx="1">
+            <a:schemeClr val="accent1"/>
+          </a:lnRef>
+          <a:fillRef idx="0">
+            <a:schemeClr val="accent1"/>
+          </a:fillRef>
+          <a:effectRef idx="0">
+            <a:schemeClr val="accent1"/>
+          </a:effectRef>
+          <a:fontRef idx="minor">
+            <a:schemeClr val="tx1"/>
+          </a:fontRef>
+        </p:style>
+      </p:cxnSp>
+      <p:cxnSp>
+        <p:nvCxnSpPr>
+          <p:cNvPr id="2" name="Straight Arrow Connector 81">
+            <a:extLst>
+              <a:ext uri="{FF2B5EF4-FFF2-40B4-BE49-F238E27FC236}">
+                <a16:creationId xmlns:a16="http://schemas.microsoft.com/office/drawing/2014/main" id="{45AE5EEB-DFBC-F311-ACBB-763CD696E412}"/>
+              </a:ext>
+            </a:extLst>
+          </p:cNvPr>
+          <p:cNvCxnSpPr>
+            <a:cxnSpLocks/>
+            <a:stCxn id="4" idx="2"/>
+          </p:cNvCxnSpPr>
+          <p:nvPr/>
+        </p:nvCxnSpPr>
+        <p:spPr>
+          <a:xfrm>
+            <a:off x="2346071" y="1068800"/>
+            <a:ext cx="0" cy="3375158"/>
+          </a:xfrm>
+          <a:prstGeom prst="straightConnector1">
+            <a:avLst/>
+          </a:prstGeom>
+          <a:ln>
+            <a:solidFill>
+              <a:schemeClr val="tx1"/>
+            </a:solidFill>
+            <a:prstDash val="dash"/>
+            <a:tailEnd type="triangle"/>
+          </a:ln>
+        </p:spPr>
+        <p:style>
+          <a:lnRef idx="1">
+            <a:schemeClr val="accent1"/>
+          </a:lnRef>
+          <a:fillRef idx="0">
+            <a:schemeClr val="accent1"/>
+          </a:fillRef>
+          <a:effectRef idx="0">
+            <a:schemeClr val="accent1"/>
+          </a:effectRef>
+          <a:fontRef idx="minor">
+            <a:schemeClr val="tx1"/>
+          </a:fontRef>
+        </p:style>
+      </p:cxnSp>
+      <p:cxnSp>
+        <p:nvCxnSpPr>
+          <p:cNvPr id="17" name="Straight Arrow Connector 81">
+            <a:extLst>
+              <a:ext uri="{FF2B5EF4-FFF2-40B4-BE49-F238E27FC236}">
+                <a16:creationId xmlns:a16="http://schemas.microsoft.com/office/drawing/2014/main" id="{A413435C-F32A-D0B2-F471-0F12D45BDCC6}"/>
+              </a:ext>
+            </a:extLst>
+          </p:cNvPr>
+          <p:cNvCxnSpPr>
+            <a:cxnSpLocks/>
+          </p:cNvCxnSpPr>
+          <p:nvPr/>
+        </p:nvCxnSpPr>
+        <p:spPr>
+          <a:xfrm>
+            <a:off x="2346071" y="1203596"/>
+            <a:ext cx="3378057" cy="0"/>
+          </a:xfrm>
+          <a:prstGeom prst="straightConnector1">
+            <a:avLst/>
+          </a:prstGeom>
+          <a:ln>
+            <a:solidFill>
+              <a:schemeClr val="tx1"/>
+            </a:solidFill>
+            <a:tailEnd type="triangle"/>
+          </a:ln>
+        </p:spPr>
+        <p:style>
+          <a:lnRef idx="1">
+            <a:schemeClr val="accent1"/>
+          </a:lnRef>
+          <a:fillRef idx="0">
+            <a:schemeClr val="accent1"/>
+          </a:fillRef>
+          <a:effectRef idx="0">
+            <a:schemeClr val="accent1"/>
+          </a:effectRef>
+          <a:fontRef idx="minor">
+            <a:schemeClr val="tx1"/>
+          </a:fontRef>
+        </p:style>
+      </p:cxnSp>
+      <p:sp>
+        <p:nvSpPr>
+          <p:cNvPr id="20" name="TextBox 19">
+            <a:extLst>
+              <a:ext uri="{FF2B5EF4-FFF2-40B4-BE49-F238E27FC236}">
+                <a16:creationId xmlns:a16="http://schemas.microsoft.com/office/drawing/2014/main" id="{1E44A8B4-D0EA-62BD-8390-7EF49FB7F122}"/>
+              </a:ext>
+            </a:extLst>
+          </p:cNvPr>
+          <p:cNvSpPr txBox="1"/>
+          <p:nvPr/>
+        </p:nvSpPr>
+        <p:spPr>
+          <a:xfrm>
+            <a:off x="2928454" y="957375"/>
+            <a:ext cx="2795674" cy="246221"/>
+          </a:xfrm>
+          <a:prstGeom prst="rect">
+            <a:avLst/>
+          </a:prstGeom>
+          <a:noFill/>
+        </p:spPr>
+        <p:txBody>
+          <a:bodyPr wrap="square" rtlCol="0">
+            <a:spAutoFit/>
+          </a:bodyPr>
+          <a:lstStyle/>
+          <a:p>
+            <a:r>
+              <a:rPr kumimoji="1" lang="en-US" altLang="ko-KR" sz="1000" i="1"/>
+              <a:t>GET </a:t>
+            </a:r>
+            <a:r>
+              <a:rPr lang="en" altLang="ko-KR" sz="1000" i="1"/>
+              <a:t>mock-server:8080/status/200</a:t>
+            </a:r>
+            <a:endParaRPr kumimoji="1" lang="ko-KR" altLang="en-US" sz="1000" i="1"/>
+          </a:p>
+        </p:txBody>
+      </p:sp>
+      <p:cxnSp>
+        <p:nvCxnSpPr>
+          <p:cNvPr id="12" name="Straight Arrow Connector 81">
+            <a:extLst>
+              <a:ext uri="{FF2B5EF4-FFF2-40B4-BE49-F238E27FC236}">
+                <a16:creationId xmlns:a16="http://schemas.microsoft.com/office/drawing/2014/main" id="{67ED4FCC-B0F9-767F-5EA3-0B7DD1177904}"/>
+              </a:ext>
+            </a:extLst>
+          </p:cNvPr>
+          <p:cNvCxnSpPr>
+            <a:cxnSpLocks/>
+          </p:cNvCxnSpPr>
+          <p:nvPr/>
+        </p:nvCxnSpPr>
+        <p:spPr>
+          <a:xfrm>
+            <a:off x="2346071" y="1573186"/>
+            <a:ext cx="3378057" cy="0"/>
+          </a:xfrm>
+          <a:prstGeom prst="straightConnector1">
+            <a:avLst/>
+          </a:prstGeom>
+          <a:ln>
+            <a:solidFill>
+              <a:schemeClr val="tx1"/>
+            </a:solidFill>
+            <a:tailEnd type="triangle"/>
+          </a:ln>
+        </p:spPr>
+        <p:style>
+          <a:lnRef idx="1">
+            <a:schemeClr val="accent1"/>
+          </a:lnRef>
+          <a:fillRef idx="0">
+            <a:schemeClr val="accent1"/>
+          </a:fillRef>
+          <a:effectRef idx="0">
+            <a:schemeClr val="accent1"/>
+          </a:effectRef>
+          <a:fontRef idx="minor">
+            <a:schemeClr val="tx1"/>
+          </a:fontRef>
+        </p:style>
+      </p:cxnSp>
+      <p:sp>
+        <p:nvSpPr>
+          <p:cNvPr id="21" name="TextBox 20">
+            <a:extLst>
+              <a:ext uri="{FF2B5EF4-FFF2-40B4-BE49-F238E27FC236}">
+                <a16:creationId xmlns:a16="http://schemas.microsoft.com/office/drawing/2014/main" id="{3B2F6635-58D3-77E5-4B70-3E715B105A46}"/>
+              </a:ext>
+            </a:extLst>
+          </p:cNvPr>
+          <p:cNvSpPr txBox="1"/>
+          <p:nvPr/>
+        </p:nvSpPr>
+        <p:spPr>
+          <a:xfrm>
+            <a:off x="2928454" y="1326965"/>
+            <a:ext cx="2795674" cy="246221"/>
+          </a:xfrm>
+          <a:prstGeom prst="rect">
+            <a:avLst/>
+          </a:prstGeom>
+          <a:noFill/>
+        </p:spPr>
+        <p:txBody>
+          <a:bodyPr wrap="square" rtlCol="0">
+            <a:spAutoFit/>
+          </a:bodyPr>
+          <a:lstStyle/>
+          <a:p>
+            <a:r>
+              <a:rPr kumimoji="1" lang="en-US" altLang="ko-KR" sz="1000" i="1"/>
+              <a:t>GET </a:t>
+            </a:r>
+            <a:r>
+              <a:rPr lang="en" altLang="ko-KR" sz="1000" i="1"/>
+              <a:t>mock-server:8080/status/200</a:t>
+            </a:r>
+            <a:endParaRPr kumimoji="1" lang="ko-KR" altLang="en-US" sz="1000" i="1"/>
+          </a:p>
+        </p:txBody>
+      </p:sp>
+      <p:cxnSp>
+        <p:nvCxnSpPr>
+          <p:cNvPr id="32" name="Straight Arrow Connector 81">
+            <a:extLst>
+              <a:ext uri="{FF2B5EF4-FFF2-40B4-BE49-F238E27FC236}">
+                <a16:creationId xmlns:a16="http://schemas.microsoft.com/office/drawing/2014/main" id="{023970D5-C78D-D6C2-09E2-178350CAF966}"/>
+              </a:ext>
+            </a:extLst>
+          </p:cNvPr>
+          <p:cNvCxnSpPr>
+            <a:cxnSpLocks/>
+          </p:cNvCxnSpPr>
+          <p:nvPr/>
+        </p:nvCxnSpPr>
+        <p:spPr>
+          <a:xfrm>
+            <a:off x="2346071" y="1941931"/>
+            <a:ext cx="3378057" cy="0"/>
+          </a:xfrm>
+          <a:prstGeom prst="straightConnector1">
+            <a:avLst/>
+          </a:prstGeom>
+          <a:ln>
+            <a:solidFill>
+              <a:schemeClr val="tx1"/>
+            </a:solidFill>
+            <a:tailEnd type="triangle"/>
+          </a:ln>
+        </p:spPr>
+        <p:style>
+          <a:lnRef idx="1">
+            <a:schemeClr val="accent1"/>
+          </a:lnRef>
+          <a:fillRef idx="0">
+            <a:schemeClr val="accent1"/>
+          </a:fillRef>
+          <a:effectRef idx="0">
+            <a:schemeClr val="accent1"/>
+          </a:effectRef>
+          <a:fontRef idx="minor">
+            <a:schemeClr val="tx1"/>
+          </a:fontRef>
+        </p:style>
+      </p:cxnSp>
+      <p:sp>
+        <p:nvSpPr>
+          <p:cNvPr id="33" name="TextBox 32">
+            <a:extLst>
+              <a:ext uri="{FF2B5EF4-FFF2-40B4-BE49-F238E27FC236}">
+                <a16:creationId xmlns:a16="http://schemas.microsoft.com/office/drawing/2014/main" id="{910B15DD-2052-BEF9-9252-A656EDFC1037}"/>
+              </a:ext>
+            </a:extLst>
+          </p:cNvPr>
+          <p:cNvSpPr txBox="1"/>
+          <p:nvPr/>
+        </p:nvSpPr>
+        <p:spPr>
+          <a:xfrm>
+            <a:off x="2928454" y="1695710"/>
+            <a:ext cx="2795674" cy="246221"/>
+          </a:xfrm>
+          <a:prstGeom prst="rect">
+            <a:avLst/>
+          </a:prstGeom>
+          <a:noFill/>
+        </p:spPr>
+        <p:txBody>
+          <a:bodyPr wrap="square" rtlCol="0">
+            <a:spAutoFit/>
+          </a:bodyPr>
+          <a:lstStyle/>
+          <a:p>
+            <a:r>
+              <a:rPr kumimoji="1" lang="en-US" altLang="ko-KR" sz="1000" i="1"/>
+              <a:t>GET </a:t>
+            </a:r>
+            <a:r>
+              <a:rPr lang="en" altLang="ko-KR" sz="1000" i="1"/>
+              <a:t>mock-server:8080/status/200</a:t>
+            </a:r>
+            <a:endParaRPr kumimoji="1" lang="ko-KR" altLang="en-US" sz="1000" i="1"/>
+          </a:p>
+        </p:txBody>
+      </p:sp>
+      <p:cxnSp>
+        <p:nvCxnSpPr>
+          <p:cNvPr id="36" name="Straight Arrow Connector 81">
+            <a:extLst>
+              <a:ext uri="{FF2B5EF4-FFF2-40B4-BE49-F238E27FC236}">
+                <a16:creationId xmlns:a16="http://schemas.microsoft.com/office/drawing/2014/main" id="{E2BD90C4-6FA3-85AA-6601-6D881F4D8899}"/>
+              </a:ext>
+            </a:extLst>
+          </p:cNvPr>
+          <p:cNvCxnSpPr>
+            <a:cxnSpLocks/>
+          </p:cNvCxnSpPr>
+          <p:nvPr/>
+        </p:nvCxnSpPr>
+        <p:spPr>
+          <a:xfrm>
+            <a:off x="2346071" y="2556223"/>
+            <a:ext cx="3378057" cy="0"/>
+          </a:xfrm>
+          <a:prstGeom prst="straightConnector1">
+            <a:avLst/>
+          </a:prstGeom>
+          <a:ln>
+            <a:solidFill>
+              <a:schemeClr val="tx1"/>
+            </a:solidFill>
+            <a:tailEnd type="triangle"/>
+          </a:ln>
+        </p:spPr>
+        <p:style>
+          <a:lnRef idx="1">
+            <a:schemeClr val="accent1"/>
+          </a:lnRef>
+          <a:fillRef idx="0">
+            <a:schemeClr val="accent1"/>
+          </a:fillRef>
+          <a:effectRef idx="0">
+            <a:schemeClr val="accent1"/>
+          </a:effectRef>
+          <a:fontRef idx="minor">
+            <a:schemeClr val="tx1"/>
+          </a:fontRef>
+        </p:style>
+      </p:cxnSp>
+      <p:sp>
+        <p:nvSpPr>
+          <p:cNvPr id="37" name="TextBox 36">
+            <a:extLst>
+              <a:ext uri="{FF2B5EF4-FFF2-40B4-BE49-F238E27FC236}">
+                <a16:creationId xmlns:a16="http://schemas.microsoft.com/office/drawing/2014/main" id="{CC0F0CAC-4E10-0730-9D35-86FE499431A2}"/>
+              </a:ext>
+            </a:extLst>
+          </p:cNvPr>
+          <p:cNvSpPr txBox="1"/>
+          <p:nvPr/>
+        </p:nvSpPr>
+        <p:spPr>
+          <a:xfrm>
+            <a:off x="2928454" y="2310002"/>
+            <a:ext cx="2795674" cy="246221"/>
+          </a:xfrm>
+          <a:prstGeom prst="rect">
+            <a:avLst/>
+          </a:prstGeom>
+          <a:noFill/>
+        </p:spPr>
+        <p:txBody>
+          <a:bodyPr wrap="square" rtlCol="0">
+            <a:spAutoFit/>
+          </a:bodyPr>
+          <a:lstStyle/>
+          <a:p>
+            <a:r>
+              <a:rPr kumimoji="1" lang="en-US" altLang="ko-KR" sz="1000" i="1"/>
+              <a:t>GET </a:t>
+            </a:r>
+            <a:r>
+              <a:rPr lang="en" altLang="ko-KR" sz="1000" i="1"/>
+              <a:t>mock-server:8080/status/200</a:t>
+            </a:r>
+            <a:endParaRPr kumimoji="1" lang="ko-KR" altLang="en-US" sz="1000" i="1"/>
+          </a:p>
+        </p:txBody>
+      </p:sp>
+      <p:cxnSp>
+        <p:nvCxnSpPr>
+          <p:cNvPr id="42" name="Straight Arrow Connector 81">
+            <a:extLst>
+              <a:ext uri="{FF2B5EF4-FFF2-40B4-BE49-F238E27FC236}">
+                <a16:creationId xmlns:a16="http://schemas.microsoft.com/office/drawing/2014/main" id="{56767916-D7C5-C652-446F-40D2F32F2173}"/>
+              </a:ext>
+            </a:extLst>
+          </p:cNvPr>
+          <p:cNvCxnSpPr>
+            <a:cxnSpLocks/>
+          </p:cNvCxnSpPr>
+          <p:nvPr/>
+        </p:nvCxnSpPr>
+        <p:spPr>
+          <a:xfrm>
+            <a:off x="2346071" y="2925813"/>
+            <a:ext cx="3378057" cy="0"/>
+          </a:xfrm>
+          <a:prstGeom prst="straightConnector1">
+            <a:avLst/>
+          </a:prstGeom>
+          <a:ln>
+            <a:solidFill>
+              <a:schemeClr val="tx1"/>
+            </a:solidFill>
+            <a:tailEnd type="triangle"/>
+          </a:ln>
+        </p:spPr>
+        <p:style>
+          <a:lnRef idx="1">
+            <a:schemeClr val="accent1"/>
+          </a:lnRef>
+          <a:fillRef idx="0">
+            <a:schemeClr val="accent1"/>
+          </a:fillRef>
+          <a:effectRef idx="0">
+            <a:schemeClr val="accent1"/>
+          </a:effectRef>
+          <a:fontRef idx="minor">
+            <a:schemeClr val="tx1"/>
+          </a:fontRef>
+        </p:style>
+      </p:cxnSp>
+      <p:sp>
+        <p:nvSpPr>
+          <p:cNvPr id="43" name="TextBox 42">
+            <a:extLst>
+              <a:ext uri="{FF2B5EF4-FFF2-40B4-BE49-F238E27FC236}">
+                <a16:creationId xmlns:a16="http://schemas.microsoft.com/office/drawing/2014/main" id="{AFD49711-4B8B-754F-959E-8D170846BBE5}"/>
+              </a:ext>
+            </a:extLst>
+          </p:cNvPr>
+          <p:cNvSpPr txBox="1"/>
+          <p:nvPr/>
+        </p:nvSpPr>
+        <p:spPr>
+          <a:xfrm>
+            <a:off x="2928454" y="2679592"/>
+            <a:ext cx="2795674" cy="246221"/>
+          </a:xfrm>
+          <a:prstGeom prst="rect">
+            <a:avLst/>
+          </a:prstGeom>
+          <a:noFill/>
+        </p:spPr>
+        <p:txBody>
+          <a:bodyPr wrap="square" rtlCol="0">
+            <a:spAutoFit/>
+          </a:bodyPr>
+          <a:lstStyle/>
+          <a:p>
+            <a:r>
+              <a:rPr kumimoji="1" lang="en-US" altLang="ko-KR" sz="1000" i="1"/>
+              <a:t>GET </a:t>
+            </a:r>
+            <a:r>
+              <a:rPr lang="en" altLang="ko-KR" sz="1000" i="1"/>
+              <a:t>mock-server:8080/status/200</a:t>
+            </a:r>
+            <a:endParaRPr kumimoji="1" lang="ko-KR" altLang="en-US" sz="1000" i="1"/>
+          </a:p>
+        </p:txBody>
+      </p:sp>
+      <p:cxnSp>
+        <p:nvCxnSpPr>
+          <p:cNvPr id="46" name="Straight Arrow Connector 81">
+            <a:extLst>
+              <a:ext uri="{FF2B5EF4-FFF2-40B4-BE49-F238E27FC236}">
+                <a16:creationId xmlns:a16="http://schemas.microsoft.com/office/drawing/2014/main" id="{D6AF04DA-4B5F-69E3-8EDC-EA3396635B0A}"/>
+              </a:ext>
+            </a:extLst>
+          </p:cNvPr>
+          <p:cNvCxnSpPr>
+            <a:cxnSpLocks/>
+          </p:cNvCxnSpPr>
+          <p:nvPr/>
+        </p:nvCxnSpPr>
+        <p:spPr>
+          <a:xfrm>
+            <a:off x="2346071" y="3294558"/>
+            <a:ext cx="569745" cy="0"/>
+          </a:xfrm>
+          <a:prstGeom prst="straightConnector1">
+            <a:avLst/>
+          </a:prstGeom>
+          <a:ln>
+            <a:solidFill>
+              <a:schemeClr val="tx1"/>
+            </a:solidFill>
+            <a:tailEnd type="triangle"/>
+          </a:ln>
+        </p:spPr>
+        <p:style>
+          <a:lnRef idx="1">
+            <a:schemeClr val="accent1"/>
+          </a:lnRef>
+          <a:fillRef idx="0">
+            <a:schemeClr val="accent1"/>
+          </a:fillRef>
+          <a:effectRef idx="0">
+            <a:schemeClr val="accent1"/>
+          </a:effectRef>
+          <a:fontRef idx="minor">
+            <a:schemeClr val="tx1"/>
+          </a:fontRef>
+        </p:style>
+      </p:cxnSp>
+      <p:sp>
+        <p:nvSpPr>
+          <p:cNvPr id="47" name="TextBox 46">
+            <a:extLst>
+              <a:ext uri="{FF2B5EF4-FFF2-40B4-BE49-F238E27FC236}">
+                <a16:creationId xmlns:a16="http://schemas.microsoft.com/office/drawing/2014/main" id="{B3D2600B-C90C-C4F9-6229-1D80606E0558}"/>
+              </a:ext>
+            </a:extLst>
+          </p:cNvPr>
+          <p:cNvSpPr txBox="1"/>
+          <p:nvPr/>
+        </p:nvSpPr>
+        <p:spPr>
+          <a:xfrm>
+            <a:off x="2928454" y="3048337"/>
+            <a:ext cx="2795674" cy="246221"/>
+          </a:xfrm>
+          <a:prstGeom prst="rect">
+            <a:avLst/>
+          </a:prstGeom>
+          <a:noFill/>
+        </p:spPr>
+        <p:txBody>
+          <a:bodyPr wrap="square" rtlCol="0">
+            <a:spAutoFit/>
+          </a:bodyPr>
+          <a:lstStyle/>
+          <a:p>
+            <a:r>
+              <a:rPr kumimoji="1" lang="en-US" altLang="ko-KR" sz="1000" i="1"/>
+              <a:t>GET </a:t>
+            </a:r>
+            <a:r>
+              <a:rPr lang="en" altLang="ko-KR" sz="1000" i="1"/>
+              <a:t>mock-server:8080/status/200</a:t>
+            </a:r>
+            <a:endParaRPr kumimoji="1" lang="ko-KR" altLang="en-US" sz="1000" i="1"/>
+          </a:p>
+        </p:txBody>
+      </p:sp>
+      <p:cxnSp>
+        <p:nvCxnSpPr>
+          <p:cNvPr id="51" name="Straight Arrow Connector 81">
+            <a:extLst>
+              <a:ext uri="{FF2B5EF4-FFF2-40B4-BE49-F238E27FC236}">
+                <a16:creationId xmlns:a16="http://schemas.microsoft.com/office/drawing/2014/main" id="{2DAB456F-528B-79E3-59DD-87BA591D035C}"/>
+              </a:ext>
+            </a:extLst>
+          </p:cNvPr>
+          <p:cNvCxnSpPr>
+            <a:cxnSpLocks/>
+          </p:cNvCxnSpPr>
+          <p:nvPr/>
+        </p:nvCxnSpPr>
+        <p:spPr>
+          <a:xfrm>
+            <a:off x="2346071" y="3909523"/>
+            <a:ext cx="569745" cy="0"/>
+          </a:xfrm>
+          <a:prstGeom prst="straightConnector1">
+            <a:avLst/>
+          </a:prstGeom>
+          <a:ln>
+            <a:solidFill>
+              <a:schemeClr val="tx1"/>
+            </a:solidFill>
+            <a:tailEnd type="triangle"/>
+          </a:ln>
+        </p:spPr>
+        <p:style>
+          <a:lnRef idx="1">
+            <a:schemeClr val="accent1"/>
+          </a:lnRef>
+          <a:fillRef idx="0">
+            <a:schemeClr val="accent1"/>
+          </a:fillRef>
+          <a:effectRef idx="0">
+            <a:schemeClr val="accent1"/>
+          </a:effectRef>
+          <a:fontRef idx="minor">
+            <a:schemeClr val="tx1"/>
+          </a:fontRef>
+        </p:style>
+      </p:cxnSp>
+      <p:sp>
+        <p:nvSpPr>
+          <p:cNvPr id="52" name="TextBox 51">
+            <a:extLst>
+              <a:ext uri="{FF2B5EF4-FFF2-40B4-BE49-F238E27FC236}">
+                <a16:creationId xmlns:a16="http://schemas.microsoft.com/office/drawing/2014/main" id="{FF6EBBD6-CC4F-5F7E-AC3A-431DAC1C10A0}"/>
+              </a:ext>
+            </a:extLst>
+          </p:cNvPr>
+          <p:cNvSpPr txBox="1"/>
+          <p:nvPr/>
+        </p:nvSpPr>
+        <p:spPr>
+          <a:xfrm>
+            <a:off x="2928454" y="3663302"/>
+            <a:ext cx="2795674" cy="246221"/>
+          </a:xfrm>
+          <a:prstGeom prst="rect">
+            <a:avLst/>
+          </a:prstGeom>
+          <a:noFill/>
+        </p:spPr>
+        <p:txBody>
+          <a:bodyPr wrap="square" rtlCol="0">
+            <a:spAutoFit/>
+          </a:bodyPr>
+          <a:lstStyle/>
+          <a:p>
+            <a:r>
+              <a:rPr kumimoji="1" lang="en-US" altLang="ko-KR" sz="1000" i="1"/>
+              <a:t>GET </a:t>
+            </a:r>
+            <a:r>
+              <a:rPr lang="en" altLang="ko-KR" sz="1000" i="1"/>
+              <a:t>mock-server:8080/status/200</a:t>
+            </a:r>
+            <a:endParaRPr kumimoji="1" lang="ko-KR" altLang="en-US" sz="1000" i="1"/>
+          </a:p>
+        </p:txBody>
+      </p:sp>
+      <p:sp>
+        <p:nvSpPr>
+          <p:cNvPr id="3" name="호 2">
+            <a:extLst>
+              <a:ext uri="{FF2B5EF4-FFF2-40B4-BE49-F238E27FC236}">
+                <a16:creationId xmlns:a16="http://schemas.microsoft.com/office/drawing/2014/main" id="{5CE7404B-5D57-89A6-B43C-D38A5C9F73CC}"/>
+              </a:ext>
+            </a:extLst>
+          </p:cNvPr>
+          <p:cNvSpPr/>
+          <p:nvPr/>
+        </p:nvSpPr>
+        <p:spPr>
+          <a:xfrm>
+            <a:off x="6168329" y="1199086"/>
+            <a:ext cx="276349" cy="741998"/>
+          </a:xfrm>
+          <a:prstGeom prst="arc">
+            <a:avLst>
+              <a:gd name="adj1" fmla="val 16200000"/>
+              <a:gd name="adj2" fmla="val 5412057"/>
+            </a:avLst>
+          </a:prstGeom>
+          <a:ln>
+            <a:solidFill>
+              <a:schemeClr val="tx1"/>
+            </a:solidFill>
+            <a:headEnd type="none" w="med" len="med"/>
+            <a:tailEnd type="triangle" w="med" len="med"/>
+          </a:ln>
+        </p:spPr>
+        <p:style>
+          <a:lnRef idx="1">
+            <a:schemeClr val="accent1"/>
+          </a:lnRef>
+          <a:fillRef idx="0">
+            <a:schemeClr val="accent1"/>
+          </a:fillRef>
+          <a:effectRef idx="0">
+            <a:schemeClr val="accent1"/>
+          </a:effectRef>
+          <a:fontRef idx="minor">
+            <a:schemeClr val="tx1"/>
+          </a:fontRef>
+        </p:style>
+        <p:txBody>
+          <a:bodyPr rtlCol="0" anchor="ctr"/>
+          <a:lstStyle/>
+          <a:p>
+            <a:pPr algn="ctr"/>
+            <a:endParaRPr kumimoji="1" lang="ko-KR" altLang="en-US"/>
+          </a:p>
+        </p:txBody>
+      </p:sp>
+      <p:sp>
+        <p:nvSpPr>
+          <p:cNvPr id="6" name="TextBox 5">
+            <a:extLst>
+              <a:ext uri="{FF2B5EF4-FFF2-40B4-BE49-F238E27FC236}">
+                <a16:creationId xmlns:a16="http://schemas.microsoft.com/office/drawing/2014/main" id="{F5DB4F46-CD50-EC84-04A5-649A77E56CB5}"/>
+              </a:ext>
+            </a:extLst>
+          </p:cNvPr>
+          <p:cNvSpPr txBox="1"/>
+          <p:nvPr/>
+        </p:nvSpPr>
+        <p:spPr>
+          <a:xfrm>
+            <a:off x="6337278" y="1449489"/>
+            <a:ext cx="689798" cy="246221"/>
+          </a:xfrm>
+          <a:prstGeom prst="rect">
+            <a:avLst/>
+          </a:prstGeom>
+          <a:noFill/>
+        </p:spPr>
+        <p:txBody>
+          <a:bodyPr wrap="square" rtlCol="0">
+            <a:spAutoFit/>
+          </a:bodyPr>
+          <a:lstStyle/>
+          <a:p>
+            <a:pPr algn="ctr"/>
+            <a:r>
+              <a:rPr kumimoji="1" lang="en-US" altLang="ko-KR" sz="1000" i="1"/>
+              <a:t>3times</a:t>
+            </a:r>
+            <a:endParaRPr kumimoji="1" lang="ko-KR" altLang="en-US" sz="1000" i="1"/>
+          </a:p>
+        </p:txBody>
+      </p:sp>
+      <p:sp>
+        <p:nvSpPr>
+          <p:cNvPr id="10" name="호 9">
+            <a:extLst>
+              <a:ext uri="{FF2B5EF4-FFF2-40B4-BE49-F238E27FC236}">
+                <a16:creationId xmlns:a16="http://schemas.microsoft.com/office/drawing/2014/main" id="{952A7466-22B2-43F9-51EB-8FBCC88C7604}"/>
+              </a:ext>
+            </a:extLst>
+          </p:cNvPr>
+          <p:cNvSpPr/>
+          <p:nvPr/>
+        </p:nvSpPr>
+        <p:spPr>
+          <a:xfrm>
+            <a:off x="6168329" y="2551713"/>
+            <a:ext cx="291216" cy="740118"/>
+          </a:xfrm>
+          <a:prstGeom prst="arc">
+            <a:avLst>
+              <a:gd name="adj1" fmla="val 16200000"/>
+              <a:gd name="adj2" fmla="val 5412057"/>
+            </a:avLst>
+          </a:prstGeom>
+          <a:ln>
+            <a:solidFill>
+              <a:schemeClr val="tx1"/>
+            </a:solidFill>
+            <a:headEnd type="none" w="med" len="med"/>
+            <a:tailEnd type="triangle" w="med" len="med"/>
+          </a:ln>
+        </p:spPr>
+        <p:style>
+          <a:lnRef idx="1">
+            <a:schemeClr val="accent1"/>
+          </a:lnRef>
+          <a:fillRef idx="0">
+            <a:schemeClr val="accent1"/>
+          </a:fillRef>
+          <a:effectRef idx="0">
+            <a:schemeClr val="accent1"/>
+          </a:effectRef>
+          <a:fontRef idx="minor">
+            <a:schemeClr val="tx1"/>
+          </a:fontRef>
+        </p:style>
+        <p:txBody>
+          <a:bodyPr rtlCol="0" anchor="ctr"/>
+          <a:lstStyle/>
+          <a:p>
+            <a:pPr algn="ctr"/>
+            <a:endParaRPr kumimoji="1" lang="ko-KR" altLang="en-US"/>
+          </a:p>
+        </p:txBody>
+      </p:sp>
+      <p:sp>
+        <p:nvSpPr>
+          <p:cNvPr id="11" name="TextBox 10">
+            <a:extLst>
+              <a:ext uri="{FF2B5EF4-FFF2-40B4-BE49-F238E27FC236}">
+                <a16:creationId xmlns:a16="http://schemas.microsoft.com/office/drawing/2014/main" id="{26733D18-4D2E-E70E-BE16-188B0B70AE91}"/>
+              </a:ext>
+            </a:extLst>
+          </p:cNvPr>
+          <p:cNvSpPr txBox="1"/>
+          <p:nvPr/>
+        </p:nvSpPr>
+        <p:spPr>
+          <a:xfrm>
+            <a:off x="6337278" y="2802116"/>
+            <a:ext cx="689798" cy="246221"/>
+          </a:xfrm>
+          <a:prstGeom prst="rect">
+            <a:avLst/>
+          </a:prstGeom>
+          <a:noFill/>
+        </p:spPr>
+        <p:txBody>
+          <a:bodyPr wrap="square" rtlCol="0">
+            <a:spAutoFit/>
+          </a:bodyPr>
+          <a:lstStyle/>
+          <a:p>
+            <a:pPr algn="ctr"/>
+            <a:r>
+              <a:rPr kumimoji="1" lang="en-US" altLang="ko-KR" sz="1000" i="1"/>
+              <a:t>3times</a:t>
+            </a:r>
+            <a:endParaRPr kumimoji="1" lang="ko-KR" altLang="en-US" sz="1000" i="1"/>
+          </a:p>
+        </p:txBody>
+      </p:sp>
+    </p:spTree>
+    <p:extLst>
+      <p:ext uri="{BB962C8B-B14F-4D97-AF65-F5344CB8AC3E}">
+        <p14:creationId xmlns:p14="http://schemas.microsoft.com/office/powerpoint/2010/main" val="3473888967"/>
+      </p:ext>
+    </p:extLst>
+  </p:cSld>
+  <p:clrMapOvr>
+    <a:masterClrMapping/>
+  </p:clrMapOvr>
+</p:sld>
+</file>
+
+<file path=ppt/slides/slide31.xml><?xml version="1.0" encoding="utf-8"?>
+<p:sld xmlns:a="http://schemas.openxmlformats.org/drawingml/2006/main" xmlns:r="http://schemas.openxmlformats.org/officeDocument/2006/relationships" xmlns:p="http://schemas.openxmlformats.org/presentationml/2006/main">
+  <p:cSld>
+    <p:spTree>
+      <p:nvGrpSpPr>
+        <p:cNvPr id="1" name="">
+          <a:extLst>
+            <a:ext uri="{FF2B5EF4-FFF2-40B4-BE49-F238E27FC236}">
               <a16:creationId xmlns:a16="http://schemas.microsoft.com/office/drawing/2014/main" id="{09F9A73E-73FE-5BA7-3FF7-FB348C838646}"/>
             </a:ext>
           </a:extLst>
@@ -26901,7 +28002,7 @@
 </p:sld>
 </file>
 
-<file path=ppt/slides/slide31.xml><?xml version="1.0" encoding="utf-8"?>
+<file path=ppt/slides/slide32.xml><?xml version="1.0" encoding="utf-8"?>
 <p:sld xmlns:a="http://schemas.openxmlformats.org/drawingml/2006/main" xmlns:r="http://schemas.openxmlformats.org/officeDocument/2006/relationships" xmlns:p="http://schemas.openxmlformats.org/presentationml/2006/main">
   <p:cSld>
     <p:spTree>
@@ -28325,7 +29426,7 @@
 </p:sld>
 </file>
 
-<file path=ppt/slides/slide32.xml><?xml version="1.0" encoding="utf-8"?>
+<file path=ppt/slides/slide33.xml><?xml version="1.0" encoding="utf-8"?>
 <p:sld xmlns:a="http://schemas.openxmlformats.org/drawingml/2006/main" xmlns:r="http://schemas.openxmlformats.org/officeDocument/2006/relationships" xmlns:p="http://schemas.openxmlformats.org/presentationml/2006/main">
   <p:cSld>
     <p:spTree>
@@ -28655,7 +29756,7 @@
 </p:sld>
 </file>
 
-<file path=ppt/slides/slide33.xml><?xml version="1.0" encoding="utf-8"?>
+<file path=ppt/slides/slide34.xml><?xml version="1.0" encoding="utf-8"?>
 <p:sld xmlns:a="http://schemas.openxmlformats.org/drawingml/2006/main" xmlns:r="http://schemas.openxmlformats.org/officeDocument/2006/relationships" xmlns:p="http://schemas.openxmlformats.org/presentationml/2006/main">
   <p:cSld>
     <p:spTree>
@@ -28735,7 +29836,7 @@
 </p:sld>
 </file>
 
-<file path=ppt/slides/slide34.xml><?xml version="1.0" encoding="utf-8"?>
+<file path=ppt/slides/slide35.xml><?xml version="1.0" encoding="utf-8"?>
 <p:sld xmlns:a="http://schemas.openxmlformats.org/drawingml/2006/main" xmlns:r="http://schemas.openxmlformats.org/officeDocument/2006/relationships" xmlns:p="http://schemas.openxmlformats.org/presentationml/2006/main">
   <p:cSld>
     <p:spTree>
@@ -29226,7 +30327,7 @@
 </p:sld>
 </file>
 
-<file path=ppt/slides/slide35.xml><?xml version="1.0" encoding="utf-8"?>
+<file path=ppt/slides/slide36.xml><?xml version="1.0" encoding="utf-8"?>
 <p:sld xmlns:a="http://schemas.openxmlformats.org/drawingml/2006/main" xmlns:r="http://schemas.openxmlformats.org/officeDocument/2006/relationships" xmlns:p="http://schemas.openxmlformats.org/presentationml/2006/main">
   <p:cSld>
     <p:spTree>
@@ -31833,10 +32934,10 @@
       </p:cxnSp>
       <p:cxnSp>
         <p:nvCxnSpPr>
-          <p:cNvPr id="21" name="Straight Arrow Connector 81">
-            <a:extLst>
-              <a:ext uri="{FF2B5EF4-FFF2-40B4-BE49-F238E27FC236}">
-                <a16:creationId xmlns:a16="http://schemas.microsoft.com/office/drawing/2014/main" id="{FA29EF37-AAC7-89FE-B8F8-AD8AF9E014B1}"/>
+          <p:cNvPr id="22" name="Straight Arrow Connector 81">
+            <a:extLst>
+              <a:ext uri="{FF2B5EF4-FFF2-40B4-BE49-F238E27FC236}">
+                <a16:creationId xmlns:a16="http://schemas.microsoft.com/office/drawing/2014/main" id="{ED037383-3E51-EC01-0D7A-629AB96B321C}"/>
               </a:ext>
             </a:extLst>
           </p:cNvPr>
@@ -31847,8 +32948,8 @@
         </p:nvCxnSpPr>
         <p:spPr>
           <a:xfrm>
-            <a:off x="3681969" y="2203827"/>
-            <a:ext cx="1780064" cy="0"/>
+            <a:off x="5462033" y="2283718"/>
+            <a:ext cx="2917978" cy="0"/>
           </a:xfrm>
           <a:prstGeom prst="straightConnector1">
             <a:avLst/>
@@ -31875,50 +32976,6 @@
           </a:fontRef>
         </p:style>
       </p:cxnSp>
-      <p:cxnSp>
-        <p:nvCxnSpPr>
-          <p:cNvPr id="22" name="Straight Arrow Connector 81">
-            <a:extLst>
-              <a:ext uri="{FF2B5EF4-FFF2-40B4-BE49-F238E27FC236}">
-                <a16:creationId xmlns:a16="http://schemas.microsoft.com/office/drawing/2014/main" id="{ED037383-3E51-EC01-0D7A-629AB96B321C}"/>
-              </a:ext>
-            </a:extLst>
-          </p:cNvPr>
-          <p:cNvCxnSpPr>
-            <a:cxnSpLocks/>
-          </p:cNvCxnSpPr>
-          <p:nvPr/>
-        </p:nvCxnSpPr>
-        <p:spPr>
-          <a:xfrm>
-            <a:off x="5462033" y="2283718"/>
-            <a:ext cx="2917978" cy="0"/>
-          </a:xfrm>
-          <a:prstGeom prst="straightConnector1">
-            <a:avLst/>
-          </a:prstGeom>
-          <a:ln>
-            <a:solidFill>
-              <a:schemeClr val="tx1"/>
-            </a:solidFill>
-            <a:tailEnd type="triangle"/>
-          </a:ln>
-        </p:spPr>
-        <p:style>
-          <a:lnRef idx="1">
-            <a:schemeClr val="accent1"/>
-          </a:lnRef>
-          <a:fillRef idx="0">
-            <a:schemeClr val="accent1"/>
-          </a:fillRef>
-          <a:effectRef idx="0">
-            <a:schemeClr val="accent1"/>
-          </a:effectRef>
-          <a:fontRef idx="minor">
-            <a:schemeClr val="tx1"/>
-          </a:fontRef>
-        </p:style>
-      </p:cxnSp>
       <p:sp>
         <p:nvSpPr>
           <p:cNvPr id="23" name="TextBox 22">
@@ -31933,7 +32990,7 @@
         </p:nvSpPr>
         <p:spPr>
           <a:xfrm>
-            <a:off x="3681968" y="1953540"/>
+            <a:off x="5462032" y="2037497"/>
             <a:ext cx="2795674" cy="246221"/>
           </a:xfrm>
           <a:prstGeom prst="rect">

--- a/content/docs/theory-analysis/istio-sidecar-proxy-access-log/images/images.pptx
+++ b/content/docs/theory-analysis/istio-sidecar-proxy-access-log/images/images.pptx
@@ -15220,7 +15220,7 @@
             <a:pPr algn="r"/>
             <a:r>
               <a:rPr kumimoji="1" lang="en-US" altLang="ko-KR" sz="1000" i="1"/>
-              <a:t>0 INTERNAL</a:t>
+              <a:t>13 INTERNAL</a:t>
             </a:r>
             <a:endParaRPr kumimoji="1" lang="ko-KR" altLang="en-US" sz="1000" i="1"/>
           </a:p>
@@ -17288,7 +17288,7 @@
             <a:pPr algn="r"/>
             <a:r>
               <a:rPr kumimoji="1" lang="en-US" altLang="ko-KR" sz="1000" i="1"/>
-              <a:t>503 Service Unavailable</a:t>
+              <a:t>14 Unavailable</a:t>
             </a:r>
             <a:endParaRPr kumimoji="1" lang="ko-KR" altLang="en-US" sz="1000" i="1"/>
           </a:p>
@@ -17427,12 +17427,140 @@
           </a:fontRef>
         </p:style>
       </p:cxnSp>
+      <p:sp>
+        <p:nvSpPr>
+          <p:cNvPr id="2" name="호 1">
+            <a:extLst>
+              <a:ext uri="{FF2B5EF4-FFF2-40B4-BE49-F238E27FC236}">
+                <a16:creationId xmlns:a16="http://schemas.microsoft.com/office/drawing/2014/main" id="{002DEED1-1983-D301-EBBA-C57B6051C827}"/>
+              </a:ext>
+            </a:extLst>
+          </p:cNvPr>
+          <p:cNvSpPr/>
+          <p:nvPr/>
+        </p:nvSpPr>
+        <p:spPr>
+          <a:xfrm>
+            <a:off x="8241825" y="1585569"/>
+            <a:ext cx="276365" cy="423019"/>
+          </a:xfrm>
+          <a:prstGeom prst="arc">
+            <a:avLst>
+              <a:gd name="adj1" fmla="val 16200000"/>
+              <a:gd name="adj2" fmla="val 5389298"/>
+            </a:avLst>
+          </a:prstGeom>
+          <a:ln>
+            <a:solidFill>
+              <a:schemeClr val="tx1"/>
+            </a:solidFill>
+            <a:headEnd type="none" w="med" len="med"/>
+            <a:tailEnd type="triangle" w="med" len="med"/>
+          </a:ln>
+        </p:spPr>
+        <p:style>
+          <a:lnRef idx="1">
+            <a:schemeClr val="accent1"/>
+          </a:lnRef>
+          <a:fillRef idx="0">
+            <a:schemeClr val="accent1"/>
+          </a:fillRef>
+          <a:effectRef idx="0">
+            <a:schemeClr val="accent1"/>
+          </a:effectRef>
+          <a:fontRef idx="minor">
+            <a:schemeClr val="tx1"/>
+          </a:fontRef>
+        </p:style>
+        <p:txBody>
+          <a:bodyPr rtlCol="0" anchor="ctr"/>
+          <a:lstStyle/>
+          <a:p>
+            <a:pPr algn="ctr"/>
+            <a:endParaRPr kumimoji="1" lang="ko-KR" altLang="en-US"/>
+          </a:p>
+        </p:txBody>
+      </p:sp>
+      <p:sp>
+        <p:nvSpPr>
+          <p:cNvPr id="4" name="TextBox 3">
+            <a:extLst>
+              <a:ext uri="{FF2B5EF4-FFF2-40B4-BE49-F238E27FC236}">
+                <a16:creationId xmlns:a16="http://schemas.microsoft.com/office/drawing/2014/main" id="{228BD7DA-EB47-C2F2-B4F2-3C4D5781BFB5}"/>
+              </a:ext>
+            </a:extLst>
+          </p:cNvPr>
+          <p:cNvSpPr txBox="1"/>
+          <p:nvPr/>
+        </p:nvSpPr>
+        <p:spPr>
+          <a:xfrm>
+            <a:off x="8410775" y="1680027"/>
+            <a:ext cx="689798" cy="246221"/>
+          </a:xfrm>
+          <a:prstGeom prst="rect">
+            <a:avLst/>
+          </a:prstGeom>
+          <a:noFill/>
+        </p:spPr>
+        <p:txBody>
+          <a:bodyPr wrap="square" rtlCol="0">
+            <a:spAutoFit/>
+          </a:bodyPr>
+          <a:lstStyle/>
+          <a:p>
+            <a:pPr algn="ctr"/>
+            <a:r>
+              <a:rPr kumimoji="1" lang="en-US" altLang="ko-KR" sz="1000" i="1"/>
+              <a:t>1000ms</a:t>
+            </a:r>
+            <a:endParaRPr kumimoji="1" lang="ko-KR" altLang="en-US" sz="1000" i="1"/>
+          </a:p>
+        </p:txBody>
+      </p:sp>
+      <p:sp>
+        <p:nvSpPr>
+          <p:cNvPr id="5" name="TextBox 4">
+            <a:extLst>
+              <a:ext uri="{FF2B5EF4-FFF2-40B4-BE49-F238E27FC236}">
+                <a16:creationId xmlns:a16="http://schemas.microsoft.com/office/drawing/2014/main" id="{4A946016-C3EA-B392-AF29-6BE3CBBCCC20}"/>
+              </a:ext>
+            </a:extLst>
+          </p:cNvPr>
+          <p:cNvSpPr txBox="1"/>
+          <p:nvPr/>
+        </p:nvSpPr>
+        <p:spPr>
+          <a:xfrm>
+            <a:off x="5584333" y="2003965"/>
+            <a:ext cx="2795674" cy="246221"/>
+          </a:xfrm>
+          <a:prstGeom prst="rect">
+            <a:avLst/>
+          </a:prstGeom>
+          <a:noFill/>
+        </p:spPr>
+        <p:txBody>
+          <a:bodyPr wrap="square" rtlCol="0">
+            <a:spAutoFit/>
+          </a:bodyPr>
+          <a:lstStyle/>
+          <a:p>
+            <a:pPr algn="r"/>
+            <a:r>
+              <a:rPr kumimoji="1" lang="en-US" altLang="ko-KR" sz="1000" i="1"/>
+              <a:t>TCP RST</a:t>
+            </a:r>
+            <a:endParaRPr kumimoji="1" lang="ko-KR" altLang="en-US" sz="1000" i="1"/>
+          </a:p>
+        </p:txBody>
+      </p:sp>
       <p:cxnSp>
         <p:nvCxnSpPr>
-          <p:cNvPr id="73" name="Straight Arrow Connector 81">
-            <a:extLst>
-              <a:ext uri="{FF2B5EF4-FFF2-40B4-BE49-F238E27FC236}">
-                <a16:creationId xmlns:a16="http://schemas.microsoft.com/office/drawing/2014/main" id="{7C277CB1-BDEB-7979-2AD0-61EECB924769}"/>
+          <p:cNvPr id="8" name="Straight Arrow Connector 81">
+            <a:extLst>
+              <a:ext uri="{FF2B5EF4-FFF2-40B4-BE49-F238E27FC236}">
+                <a16:creationId xmlns:a16="http://schemas.microsoft.com/office/drawing/2014/main" id="{FD048859-F8BF-AE90-47EC-7E9DD282A0AF}"/>
               </a:ext>
             </a:extLst>
           </p:cNvPr>
@@ -17443,8 +17571,88 @@
         </p:nvCxnSpPr>
         <p:spPr>
           <a:xfrm>
-            <a:off x="763987" y="2150292"/>
-            <a:ext cx="2917982" cy="0"/>
+            <a:off x="763988" y="1077765"/>
+            <a:ext cx="2917981" cy="0"/>
+          </a:xfrm>
+          <a:prstGeom prst="straightConnector1">
+            <a:avLst/>
+          </a:prstGeom>
+          <a:ln>
+            <a:solidFill>
+              <a:schemeClr val="tx1"/>
+            </a:solidFill>
+            <a:tailEnd type="triangle"/>
+          </a:ln>
+        </p:spPr>
+        <p:style>
+          <a:lnRef idx="1">
+            <a:schemeClr val="accent1"/>
+          </a:lnRef>
+          <a:fillRef idx="0">
+            <a:schemeClr val="accent1"/>
+          </a:fillRef>
+          <a:effectRef idx="0">
+            <a:schemeClr val="accent1"/>
+          </a:effectRef>
+          <a:fontRef idx="minor">
+            <a:schemeClr val="tx1"/>
+          </a:fontRef>
+        </p:style>
+      </p:cxnSp>
+      <p:sp>
+        <p:nvSpPr>
+          <p:cNvPr id="9" name="TextBox 8">
+            <a:extLst>
+              <a:ext uri="{FF2B5EF4-FFF2-40B4-BE49-F238E27FC236}">
+                <a16:creationId xmlns:a16="http://schemas.microsoft.com/office/drawing/2014/main" id="{4A76FC0E-980B-2193-C7E0-A8481D80E714}"/>
+              </a:ext>
+            </a:extLst>
+          </p:cNvPr>
+          <p:cNvSpPr txBox="1"/>
+          <p:nvPr/>
+        </p:nvSpPr>
+        <p:spPr>
+          <a:xfrm>
+            <a:off x="763987" y="831544"/>
+            <a:ext cx="2795674" cy="246221"/>
+          </a:xfrm>
+          <a:prstGeom prst="rect">
+            <a:avLst/>
+          </a:prstGeom>
+          <a:noFill/>
+        </p:spPr>
+        <p:txBody>
+          <a:bodyPr wrap="square" rtlCol="0">
+            <a:spAutoFit/>
+          </a:bodyPr>
+          <a:lstStyle/>
+          <a:p>
+            <a:r>
+              <a:rPr kumimoji="1" lang="en-US" altLang="ko-KR" sz="1000" i="1"/>
+              <a:t>TCP SYN</a:t>
+            </a:r>
+            <a:endParaRPr kumimoji="1" lang="ko-KR" altLang="en-US" sz="1000" i="1"/>
+          </a:p>
+        </p:txBody>
+      </p:sp>
+      <p:cxnSp>
+        <p:nvCxnSpPr>
+          <p:cNvPr id="15" name="Straight Arrow Connector 81">
+            <a:extLst>
+              <a:ext uri="{FF2B5EF4-FFF2-40B4-BE49-F238E27FC236}">
+                <a16:creationId xmlns:a16="http://schemas.microsoft.com/office/drawing/2014/main" id="{422BFD7D-5EF5-421C-0ABA-DD57F6AF22B7}"/>
+              </a:ext>
+            </a:extLst>
+          </p:cNvPr>
+          <p:cNvCxnSpPr>
+            <a:cxnSpLocks/>
+          </p:cNvCxnSpPr>
+          <p:nvPr/>
+        </p:nvCxnSpPr>
+        <p:spPr>
+          <a:xfrm>
+            <a:off x="5462033" y="3134903"/>
+            <a:ext cx="2917977" cy="0"/>
           </a:xfrm>
           <a:prstGeom prst="straightConnector1">
             <a:avLst/>
@@ -17472,12 +17680,145 @@
           </a:fontRef>
         </p:style>
       </p:cxnSp>
-      <p:sp>
-        <p:nvSpPr>
-          <p:cNvPr id="2" name="호 1">
-            <a:extLst>
-              <a:ext uri="{FF2B5EF4-FFF2-40B4-BE49-F238E27FC236}">
-                <a16:creationId xmlns:a16="http://schemas.microsoft.com/office/drawing/2014/main" id="{002DEED1-1983-D301-EBBA-C57B6051C827}"/>
+      <p:cxnSp>
+        <p:nvCxnSpPr>
+          <p:cNvPr id="16" name="Straight Arrow Connector 81">
+            <a:extLst>
+              <a:ext uri="{FF2B5EF4-FFF2-40B4-BE49-F238E27FC236}">
+                <a16:creationId xmlns:a16="http://schemas.microsoft.com/office/drawing/2014/main" id="{D01475B5-EA77-C72D-1B88-2570D71ADBC2}"/>
+              </a:ext>
+            </a:extLst>
+          </p:cNvPr>
+          <p:cNvCxnSpPr>
+            <a:cxnSpLocks/>
+          </p:cNvCxnSpPr>
+          <p:nvPr/>
+        </p:nvCxnSpPr>
+        <p:spPr>
+          <a:xfrm>
+            <a:off x="3681969" y="2634306"/>
+            <a:ext cx="1780064" cy="0"/>
+          </a:xfrm>
+          <a:prstGeom prst="straightConnector1">
+            <a:avLst/>
+          </a:prstGeom>
+          <a:ln>
+            <a:solidFill>
+              <a:schemeClr val="tx1"/>
+            </a:solidFill>
+            <a:tailEnd type="triangle"/>
+          </a:ln>
+        </p:spPr>
+        <p:style>
+          <a:lnRef idx="1">
+            <a:schemeClr val="accent1"/>
+          </a:lnRef>
+          <a:fillRef idx="0">
+            <a:schemeClr val="accent1"/>
+          </a:fillRef>
+          <a:effectRef idx="0">
+            <a:schemeClr val="accent1"/>
+          </a:effectRef>
+          <a:fontRef idx="minor">
+            <a:schemeClr val="tx1"/>
+          </a:fontRef>
+        </p:style>
+      </p:cxnSp>
+      <p:cxnSp>
+        <p:nvCxnSpPr>
+          <p:cNvPr id="17" name="Straight Arrow Connector 81">
+            <a:extLst>
+              <a:ext uri="{FF2B5EF4-FFF2-40B4-BE49-F238E27FC236}">
+                <a16:creationId xmlns:a16="http://schemas.microsoft.com/office/drawing/2014/main" id="{D39EE9F0-D9B3-264F-EAC6-98364C615D39}"/>
+              </a:ext>
+            </a:extLst>
+          </p:cNvPr>
+          <p:cNvCxnSpPr>
+            <a:cxnSpLocks/>
+          </p:cNvCxnSpPr>
+          <p:nvPr/>
+        </p:nvCxnSpPr>
+        <p:spPr>
+          <a:xfrm>
+            <a:off x="5462033" y="2714197"/>
+            <a:ext cx="2917978" cy="0"/>
+          </a:xfrm>
+          <a:prstGeom prst="straightConnector1">
+            <a:avLst/>
+          </a:prstGeom>
+          <a:ln>
+            <a:solidFill>
+              <a:schemeClr val="tx1"/>
+            </a:solidFill>
+            <a:tailEnd type="triangle"/>
+          </a:ln>
+        </p:spPr>
+        <p:style>
+          <a:lnRef idx="1">
+            <a:schemeClr val="accent1"/>
+          </a:lnRef>
+          <a:fillRef idx="0">
+            <a:schemeClr val="accent1"/>
+          </a:fillRef>
+          <a:effectRef idx="0">
+            <a:schemeClr val="accent1"/>
+          </a:effectRef>
+          <a:fontRef idx="minor">
+            <a:schemeClr val="tx1"/>
+          </a:fontRef>
+        </p:style>
+      </p:cxnSp>
+      <p:cxnSp>
+        <p:nvCxnSpPr>
+          <p:cNvPr id="18" name="Straight Arrow Connector 81">
+            <a:extLst>
+              <a:ext uri="{FF2B5EF4-FFF2-40B4-BE49-F238E27FC236}">
+                <a16:creationId xmlns:a16="http://schemas.microsoft.com/office/drawing/2014/main" id="{4A24E11C-8E7E-24E0-435A-153B6F3C6E53}"/>
+              </a:ext>
+            </a:extLst>
+          </p:cNvPr>
+          <p:cNvCxnSpPr>
+            <a:cxnSpLocks/>
+          </p:cNvCxnSpPr>
+          <p:nvPr/>
+        </p:nvCxnSpPr>
+        <p:spPr>
+          <a:xfrm>
+            <a:off x="3681977" y="3206911"/>
+            <a:ext cx="1780056" cy="0"/>
+          </a:xfrm>
+          <a:prstGeom prst="straightConnector1">
+            <a:avLst/>
+          </a:prstGeom>
+          <a:ln>
+            <a:solidFill>
+              <a:schemeClr val="tx1"/>
+            </a:solidFill>
+            <a:headEnd type="triangle" w="med" len="med"/>
+            <a:tailEnd type="none" w="med" len="med"/>
+          </a:ln>
+        </p:spPr>
+        <p:style>
+          <a:lnRef idx="1">
+            <a:schemeClr val="accent1"/>
+          </a:lnRef>
+          <a:fillRef idx="0">
+            <a:schemeClr val="accent1"/>
+          </a:fillRef>
+          <a:effectRef idx="0">
+            <a:schemeClr val="accent1"/>
+          </a:effectRef>
+          <a:fontRef idx="minor">
+            <a:schemeClr val="tx1"/>
+          </a:fontRef>
+        </p:style>
+      </p:cxnSp>
+      <p:sp>
+        <p:nvSpPr>
+          <p:cNvPr id="19" name="호 18">
+            <a:extLst>
+              <a:ext uri="{FF2B5EF4-FFF2-40B4-BE49-F238E27FC236}">
+                <a16:creationId xmlns:a16="http://schemas.microsoft.com/office/drawing/2014/main" id="{F0B02C28-875E-A84C-3B35-283A0D326D1A}"/>
               </a:ext>
             </a:extLst>
           </p:cNvPr>
@@ -17486,7 +17827,7 @@
         </p:nvSpPr>
         <p:spPr>
           <a:xfrm>
-            <a:off x="8241825" y="1585569"/>
+            <a:off x="8241825" y="2714196"/>
             <a:ext cx="276365" cy="423019"/>
           </a:xfrm>
           <a:prstGeom prst="arc">
@@ -17528,10 +17869,10 @@
       </p:sp>
       <p:sp>
         <p:nvSpPr>
-          <p:cNvPr id="4" name="TextBox 3">
-            <a:extLst>
-              <a:ext uri="{FF2B5EF4-FFF2-40B4-BE49-F238E27FC236}">
-                <a16:creationId xmlns:a16="http://schemas.microsoft.com/office/drawing/2014/main" id="{228BD7DA-EB47-C2F2-B4F2-3C4D5781BFB5}"/>
+          <p:cNvPr id="20" name="TextBox 19">
+            <a:extLst>
+              <a:ext uri="{FF2B5EF4-FFF2-40B4-BE49-F238E27FC236}">
+                <a16:creationId xmlns:a16="http://schemas.microsoft.com/office/drawing/2014/main" id="{6F38854A-646F-10FF-475E-44365D2D19F5}"/>
               </a:ext>
             </a:extLst>
           </p:cNvPr>
@@ -17540,8 +17881,8 @@
         </p:nvSpPr>
         <p:spPr>
           <a:xfrm>
-            <a:off x="8410775" y="1680027"/>
-            <a:ext cx="689798" cy="246221"/>
+            <a:off x="5584333" y="3132592"/>
+            <a:ext cx="2795674" cy="246221"/>
           </a:xfrm>
           <a:prstGeom prst="rect">
             <a:avLst/>
@@ -17554,10 +17895,10 @@
           </a:bodyPr>
           <a:lstStyle/>
           <a:p>
-            <a:pPr algn="ctr"/>
+            <a:pPr algn="r"/>
             <a:r>
               <a:rPr kumimoji="1" lang="en-US" altLang="ko-KR" sz="1000" i="1"/>
-              <a:t>1000ms</a:t>
+              <a:t>TCP RST</a:t>
             </a:r>
             <a:endParaRPr kumimoji="1" lang="ko-KR" altLang="en-US" sz="1000" i="1"/>
           </a:p>
@@ -17565,10 +17906,10 @@
       </p:sp>
       <p:sp>
         <p:nvSpPr>
-          <p:cNvPr id="5" name="TextBox 4">
-            <a:extLst>
-              <a:ext uri="{FF2B5EF4-FFF2-40B4-BE49-F238E27FC236}">
-                <a16:creationId xmlns:a16="http://schemas.microsoft.com/office/drawing/2014/main" id="{4A946016-C3EA-B392-AF29-6BE3CBBCCC20}"/>
+          <p:cNvPr id="21" name="TextBox 20">
+            <a:extLst>
+              <a:ext uri="{FF2B5EF4-FFF2-40B4-BE49-F238E27FC236}">
+                <a16:creationId xmlns:a16="http://schemas.microsoft.com/office/drawing/2014/main" id="{EF6F5ECE-D2AE-9C31-4169-5CE2E7162988}"/>
               </a:ext>
             </a:extLst>
           </p:cNvPr>
@@ -17577,8 +17918,8 @@
         </p:nvSpPr>
         <p:spPr>
           <a:xfrm>
-            <a:off x="5584333" y="2003965"/>
-            <a:ext cx="2795674" cy="246221"/>
+            <a:off x="3684670" y="2386852"/>
+            <a:ext cx="3159933" cy="246221"/>
           </a:xfrm>
           <a:prstGeom prst="rect">
             <a:avLst/>
@@ -17591,10 +17932,50 @@
           </a:bodyPr>
           <a:lstStyle/>
           <a:p>
+            <a:r>
+              <a:rPr kumimoji="1" lang="en-US" altLang="ko-KR" sz="1000" i="1"/>
+              <a:t>GET </a:t>
+            </a:r>
+            <a:r>
+              <a:rPr lang="en" altLang="ko-KR" sz="1000" i="1"/>
+              <a:t>mock-server:8080/reset-before-response/1000</a:t>
+            </a:r>
+            <a:endParaRPr kumimoji="1" lang="ko-KR" altLang="en-US" sz="1000" i="1"/>
+          </a:p>
+        </p:txBody>
+      </p:sp>
+      <p:sp>
+        <p:nvSpPr>
+          <p:cNvPr id="29" name="TextBox 28">
+            <a:extLst>
+              <a:ext uri="{FF2B5EF4-FFF2-40B4-BE49-F238E27FC236}">
+                <a16:creationId xmlns:a16="http://schemas.microsoft.com/office/drawing/2014/main" id="{894AF688-933B-E386-39AF-2237820E8CE7}"/>
+              </a:ext>
+            </a:extLst>
+          </p:cNvPr>
+          <p:cNvSpPr txBox="1"/>
+          <p:nvPr/>
+        </p:nvSpPr>
+        <p:spPr>
+          <a:xfrm>
+            <a:off x="2666358" y="3204363"/>
+            <a:ext cx="2795674" cy="246221"/>
+          </a:xfrm>
+          <a:prstGeom prst="rect">
+            <a:avLst/>
+          </a:prstGeom>
+          <a:noFill/>
+        </p:spPr>
+        <p:txBody>
+          <a:bodyPr wrap="square" rtlCol="0">
+            <a:spAutoFit/>
+          </a:bodyPr>
+          <a:lstStyle/>
+          <a:p>
             <a:pPr algn="r"/>
             <a:r>
               <a:rPr kumimoji="1" lang="en-US" altLang="ko-KR" sz="1000" i="1"/>
-              <a:t>TCP RST</a:t>
+              <a:t>14 Unavailable</a:t>
             </a:r>
             <a:endParaRPr kumimoji="1" lang="ko-KR" altLang="en-US" sz="1000" i="1"/>
           </a:p>
@@ -17602,10 +17983,10 @@
       </p:sp>
       <p:cxnSp>
         <p:nvCxnSpPr>
-          <p:cNvPr id="8" name="Straight Arrow Connector 81">
-            <a:extLst>
-              <a:ext uri="{FF2B5EF4-FFF2-40B4-BE49-F238E27FC236}">
-                <a16:creationId xmlns:a16="http://schemas.microsoft.com/office/drawing/2014/main" id="{FD048859-F8BF-AE90-47EC-7E9DD282A0AF}"/>
+          <p:cNvPr id="40" name="Straight Arrow Connector 81">
+            <a:extLst>
+              <a:ext uri="{FF2B5EF4-FFF2-40B4-BE49-F238E27FC236}">
+                <a16:creationId xmlns:a16="http://schemas.microsoft.com/office/drawing/2014/main" id="{4E6DF5A2-45ED-4A76-5625-C824EEE88ACF}"/>
               </a:ext>
             </a:extLst>
           </p:cNvPr>
@@ -17616,8 +17997,53 @@
         </p:nvCxnSpPr>
         <p:spPr>
           <a:xfrm>
-            <a:off x="763988" y="1077765"/>
-            <a:ext cx="2917981" cy="0"/>
+            <a:off x="5462033" y="4263529"/>
+            <a:ext cx="2917977" cy="0"/>
+          </a:xfrm>
+          <a:prstGeom prst="straightConnector1">
+            <a:avLst/>
+          </a:prstGeom>
+          <a:ln>
+            <a:solidFill>
+              <a:schemeClr val="tx1"/>
+            </a:solidFill>
+            <a:headEnd type="triangle" w="med" len="med"/>
+            <a:tailEnd type="none" w="med" len="med"/>
+          </a:ln>
+        </p:spPr>
+        <p:style>
+          <a:lnRef idx="1">
+            <a:schemeClr val="accent1"/>
+          </a:lnRef>
+          <a:fillRef idx="0">
+            <a:schemeClr val="accent1"/>
+          </a:fillRef>
+          <a:effectRef idx="0">
+            <a:schemeClr val="accent1"/>
+          </a:effectRef>
+          <a:fontRef idx="minor">
+            <a:schemeClr val="tx1"/>
+          </a:fontRef>
+        </p:style>
+      </p:cxnSp>
+      <p:cxnSp>
+        <p:nvCxnSpPr>
+          <p:cNvPr id="41" name="Straight Arrow Connector 81">
+            <a:extLst>
+              <a:ext uri="{FF2B5EF4-FFF2-40B4-BE49-F238E27FC236}">
+                <a16:creationId xmlns:a16="http://schemas.microsoft.com/office/drawing/2014/main" id="{57678421-C9B4-6B04-EAA4-1C61A28A0048}"/>
+              </a:ext>
+            </a:extLst>
+          </p:cNvPr>
+          <p:cNvCxnSpPr>
+            <a:cxnSpLocks/>
+          </p:cNvCxnSpPr>
+          <p:nvPr/>
+        </p:nvCxnSpPr>
+        <p:spPr>
+          <a:xfrm>
+            <a:off x="3681969" y="3762932"/>
+            <a:ext cx="1780064" cy="0"/>
           </a:xfrm>
           <a:prstGeom prst="straightConnector1">
             <a:avLst/>
@@ -17644,84 +18070,12 @@
           </a:fontRef>
         </p:style>
       </p:cxnSp>
-      <p:sp>
-        <p:nvSpPr>
-          <p:cNvPr id="9" name="TextBox 8">
-            <a:extLst>
-              <a:ext uri="{FF2B5EF4-FFF2-40B4-BE49-F238E27FC236}">
-                <a16:creationId xmlns:a16="http://schemas.microsoft.com/office/drawing/2014/main" id="{4A76FC0E-980B-2193-C7E0-A8481D80E714}"/>
-              </a:ext>
-            </a:extLst>
-          </p:cNvPr>
-          <p:cNvSpPr txBox="1"/>
-          <p:nvPr/>
-        </p:nvSpPr>
-        <p:spPr>
-          <a:xfrm>
-            <a:off x="763987" y="831544"/>
-            <a:ext cx="2795674" cy="246221"/>
-          </a:xfrm>
-          <a:prstGeom prst="rect">
-            <a:avLst/>
-          </a:prstGeom>
-          <a:noFill/>
-        </p:spPr>
-        <p:txBody>
-          <a:bodyPr wrap="square" rtlCol="0">
-            <a:spAutoFit/>
-          </a:bodyPr>
-          <a:lstStyle/>
-          <a:p>
-            <a:r>
-              <a:rPr kumimoji="1" lang="en-US" altLang="ko-KR" sz="1000" i="1"/>
-              <a:t>TCP SYN</a:t>
-            </a:r>
-            <a:endParaRPr kumimoji="1" lang="ko-KR" altLang="en-US" sz="1000" i="1"/>
-          </a:p>
-        </p:txBody>
-      </p:sp>
-      <p:sp>
-        <p:nvSpPr>
-          <p:cNvPr id="13" name="TextBox 12">
-            <a:extLst>
-              <a:ext uri="{FF2B5EF4-FFF2-40B4-BE49-F238E27FC236}">
-                <a16:creationId xmlns:a16="http://schemas.microsoft.com/office/drawing/2014/main" id="{DB55E3C7-7986-F0B9-66E8-3BEE3ECDFD04}"/>
-              </a:ext>
-            </a:extLst>
-          </p:cNvPr>
-          <p:cNvSpPr txBox="1"/>
-          <p:nvPr/>
-        </p:nvSpPr>
-        <p:spPr>
-          <a:xfrm>
-            <a:off x="763987" y="2252415"/>
-            <a:ext cx="2795674" cy="246221"/>
-          </a:xfrm>
-          <a:prstGeom prst="rect">
-            <a:avLst/>
-          </a:prstGeom>
-          <a:noFill/>
-        </p:spPr>
-        <p:txBody>
-          <a:bodyPr wrap="square" rtlCol="0">
-            <a:spAutoFit/>
-          </a:bodyPr>
-          <a:lstStyle/>
-          <a:p>
-            <a:r>
-              <a:rPr kumimoji="1" lang="en-US" altLang="ko-KR" sz="1000" i="1"/>
-              <a:t>TCP FIN</a:t>
-            </a:r>
-            <a:endParaRPr kumimoji="1" lang="ko-KR" altLang="en-US" sz="1000" i="1"/>
-          </a:p>
-        </p:txBody>
-      </p:sp>
       <p:cxnSp>
         <p:nvCxnSpPr>
-          <p:cNvPr id="14" name="Straight Arrow Connector 81">
-            <a:extLst>
-              <a:ext uri="{FF2B5EF4-FFF2-40B4-BE49-F238E27FC236}">
-                <a16:creationId xmlns:a16="http://schemas.microsoft.com/office/drawing/2014/main" id="{46AEFF8E-183D-705F-13E1-E0798D6C03A3}"/>
+          <p:cNvPr id="42" name="Straight Arrow Connector 81">
+            <a:extLst>
+              <a:ext uri="{FF2B5EF4-FFF2-40B4-BE49-F238E27FC236}">
+                <a16:creationId xmlns:a16="http://schemas.microsoft.com/office/drawing/2014/main" id="{BB339BC8-3604-042F-26BB-95B5F0F8D9DC}"/>
               </a:ext>
             </a:extLst>
           </p:cNvPr>
@@ -17732,8 +18086,8 @@
         </p:nvCxnSpPr>
         <p:spPr>
           <a:xfrm>
-            <a:off x="763988" y="2498644"/>
-            <a:ext cx="2917981" cy="0"/>
+            <a:off x="5462033" y="3842823"/>
+            <a:ext cx="2917978" cy="0"/>
           </a:xfrm>
           <a:prstGeom prst="straightConnector1">
             <a:avLst/>
@@ -17760,6 +18114,344 @@
           </a:fontRef>
         </p:style>
       </p:cxnSp>
+      <p:cxnSp>
+        <p:nvCxnSpPr>
+          <p:cNvPr id="43" name="Straight Arrow Connector 81">
+            <a:extLst>
+              <a:ext uri="{FF2B5EF4-FFF2-40B4-BE49-F238E27FC236}">
+                <a16:creationId xmlns:a16="http://schemas.microsoft.com/office/drawing/2014/main" id="{765BE89E-10AB-0592-6688-DAEFBE2EB4AD}"/>
+              </a:ext>
+            </a:extLst>
+          </p:cNvPr>
+          <p:cNvCxnSpPr>
+            <a:cxnSpLocks/>
+          </p:cNvCxnSpPr>
+          <p:nvPr/>
+        </p:nvCxnSpPr>
+        <p:spPr>
+          <a:xfrm>
+            <a:off x="3681977" y="4335537"/>
+            <a:ext cx="1780056" cy="0"/>
+          </a:xfrm>
+          <a:prstGeom prst="straightConnector1">
+            <a:avLst/>
+          </a:prstGeom>
+          <a:ln>
+            <a:solidFill>
+              <a:schemeClr val="tx1"/>
+            </a:solidFill>
+            <a:headEnd type="triangle" w="med" len="med"/>
+            <a:tailEnd type="none" w="med" len="med"/>
+          </a:ln>
+        </p:spPr>
+        <p:style>
+          <a:lnRef idx="1">
+            <a:schemeClr val="accent1"/>
+          </a:lnRef>
+          <a:fillRef idx="0">
+            <a:schemeClr val="accent1"/>
+          </a:fillRef>
+          <a:effectRef idx="0">
+            <a:schemeClr val="accent1"/>
+          </a:effectRef>
+          <a:fontRef idx="minor">
+            <a:schemeClr val="tx1"/>
+          </a:fontRef>
+        </p:style>
+      </p:cxnSp>
+      <p:sp>
+        <p:nvSpPr>
+          <p:cNvPr id="44" name="호 43">
+            <a:extLst>
+              <a:ext uri="{FF2B5EF4-FFF2-40B4-BE49-F238E27FC236}">
+                <a16:creationId xmlns:a16="http://schemas.microsoft.com/office/drawing/2014/main" id="{5DDC03F3-0A0B-9056-4EBC-F7E011F4674F}"/>
+              </a:ext>
+            </a:extLst>
+          </p:cNvPr>
+          <p:cNvSpPr/>
+          <p:nvPr/>
+        </p:nvSpPr>
+        <p:spPr>
+          <a:xfrm>
+            <a:off x="8241825" y="3842822"/>
+            <a:ext cx="276365" cy="423019"/>
+          </a:xfrm>
+          <a:prstGeom prst="arc">
+            <a:avLst>
+              <a:gd name="adj1" fmla="val 16200000"/>
+              <a:gd name="adj2" fmla="val 5389298"/>
+            </a:avLst>
+          </a:prstGeom>
+          <a:ln>
+            <a:solidFill>
+              <a:schemeClr val="tx1"/>
+            </a:solidFill>
+            <a:headEnd type="none" w="med" len="med"/>
+            <a:tailEnd type="triangle" w="med" len="med"/>
+          </a:ln>
+        </p:spPr>
+        <p:style>
+          <a:lnRef idx="1">
+            <a:schemeClr val="accent1"/>
+          </a:lnRef>
+          <a:fillRef idx="0">
+            <a:schemeClr val="accent1"/>
+          </a:fillRef>
+          <a:effectRef idx="0">
+            <a:schemeClr val="accent1"/>
+          </a:effectRef>
+          <a:fontRef idx="minor">
+            <a:schemeClr val="tx1"/>
+          </a:fontRef>
+        </p:style>
+        <p:txBody>
+          <a:bodyPr rtlCol="0" anchor="ctr"/>
+          <a:lstStyle/>
+          <a:p>
+            <a:pPr algn="ctr"/>
+            <a:endParaRPr kumimoji="1" lang="ko-KR" altLang="en-US"/>
+          </a:p>
+        </p:txBody>
+      </p:sp>
+      <p:sp>
+        <p:nvSpPr>
+          <p:cNvPr id="45" name="TextBox 44">
+            <a:extLst>
+              <a:ext uri="{FF2B5EF4-FFF2-40B4-BE49-F238E27FC236}">
+                <a16:creationId xmlns:a16="http://schemas.microsoft.com/office/drawing/2014/main" id="{7AE773EF-1C6E-0116-ADF4-FC0601349BB0}"/>
+              </a:ext>
+            </a:extLst>
+          </p:cNvPr>
+          <p:cNvSpPr txBox="1"/>
+          <p:nvPr/>
+        </p:nvSpPr>
+        <p:spPr>
+          <a:xfrm>
+            <a:off x="5584333" y="4261218"/>
+            <a:ext cx="2795674" cy="246221"/>
+          </a:xfrm>
+          <a:prstGeom prst="rect">
+            <a:avLst/>
+          </a:prstGeom>
+          <a:noFill/>
+        </p:spPr>
+        <p:txBody>
+          <a:bodyPr wrap="square" rtlCol="0">
+            <a:spAutoFit/>
+          </a:bodyPr>
+          <a:lstStyle/>
+          <a:p>
+            <a:pPr algn="r"/>
+            <a:r>
+              <a:rPr kumimoji="1" lang="en-US" altLang="ko-KR" sz="1000" i="1"/>
+              <a:t>TCP RST</a:t>
+            </a:r>
+            <a:endParaRPr kumimoji="1" lang="ko-KR" altLang="en-US" sz="1000" i="1"/>
+          </a:p>
+        </p:txBody>
+      </p:sp>
+      <p:sp>
+        <p:nvSpPr>
+          <p:cNvPr id="48" name="TextBox 47">
+            <a:extLst>
+              <a:ext uri="{FF2B5EF4-FFF2-40B4-BE49-F238E27FC236}">
+                <a16:creationId xmlns:a16="http://schemas.microsoft.com/office/drawing/2014/main" id="{93E90A10-8339-B7F8-C67D-124AB2D17C37}"/>
+              </a:ext>
+            </a:extLst>
+          </p:cNvPr>
+          <p:cNvSpPr txBox="1"/>
+          <p:nvPr/>
+        </p:nvSpPr>
+        <p:spPr>
+          <a:xfrm>
+            <a:off x="3684670" y="3515478"/>
+            <a:ext cx="3159933" cy="246221"/>
+          </a:xfrm>
+          <a:prstGeom prst="rect">
+            <a:avLst/>
+          </a:prstGeom>
+          <a:noFill/>
+        </p:spPr>
+        <p:txBody>
+          <a:bodyPr wrap="square" rtlCol="0">
+            <a:spAutoFit/>
+          </a:bodyPr>
+          <a:lstStyle/>
+          <a:p>
+            <a:r>
+              <a:rPr kumimoji="1" lang="en-US" altLang="ko-KR" sz="1000" i="1"/>
+              <a:t>GET </a:t>
+            </a:r>
+            <a:r>
+              <a:rPr lang="en" altLang="ko-KR" sz="1000" i="1"/>
+              <a:t>mock-server:8080/reset-before-response/1000</a:t>
+            </a:r>
+            <a:endParaRPr kumimoji="1" lang="ko-KR" altLang="en-US" sz="1000" i="1"/>
+          </a:p>
+        </p:txBody>
+      </p:sp>
+      <p:sp>
+        <p:nvSpPr>
+          <p:cNvPr id="49" name="TextBox 48">
+            <a:extLst>
+              <a:ext uri="{FF2B5EF4-FFF2-40B4-BE49-F238E27FC236}">
+                <a16:creationId xmlns:a16="http://schemas.microsoft.com/office/drawing/2014/main" id="{C96D526A-4D44-9D3B-C526-D6A806DCDF6B}"/>
+              </a:ext>
+            </a:extLst>
+          </p:cNvPr>
+          <p:cNvSpPr txBox="1"/>
+          <p:nvPr/>
+        </p:nvSpPr>
+        <p:spPr>
+          <a:xfrm>
+            <a:off x="2666358" y="4332989"/>
+            <a:ext cx="2795674" cy="246221"/>
+          </a:xfrm>
+          <a:prstGeom prst="rect">
+            <a:avLst/>
+          </a:prstGeom>
+          <a:noFill/>
+        </p:spPr>
+        <p:txBody>
+          <a:bodyPr wrap="square" rtlCol="0">
+            <a:spAutoFit/>
+          </a:bodyPr>
+          <a:lstStyle/>
+          <a:p>
+            <a:pPr algn="r"/>
+            <a:r>
+              <a:rPr kumimoji="1" lang="en-US" altLang="ko-KR" sz="1000" i="1"/>
+              <a:t>14 Unavailable</a:t>
+            </a:r>
+            <a:endParaRPr kumimoji="1" lang="ko-KR" altLang="en-US" sz="1000" i="1"/>
+          </a:p>
+        </p:txBody>
+      </p:sp>
+      <p:cxnSp>
+        <p:nvCxnSpPr>
+          <p:cNvPr id="57" name="Straight Arrow Connector 81">
+            <a:extLst>
+              <a:ext uri="{FF2B5EF4-FFF2-40B4-BE49-F238E27FC236}">
+                <a16:creationId xmlns:a16="http://schemas.microsoft.com/office/drawing/2014/main" id="{6361DA66-AAEF-FDC5-0C56-6D5996BECF18}"/>
+              </a:ext>
+            </a:extLst>
+          </p:cNvPr>
+          <p:cNvCxnSpPr>
+            <a:cxnSpLocks/>
+          </p:cNvCxnSpPr>
+          <p:nvPr/>
+        </p:nvCxnSpPr>
+        <p:spPr>
+          <a:xfrm>
+            <a:off x="763986" y="4403439"/>
+            <a:ext cx="2917983" cy="0"/>
+          </a:xfrm>
+          <a:prstGeom prst="straightConnector1">
+            <a:avLst/>
+          </a:prstGeom>
+          <a:ln>
+            <a:solidFill>
+              <a:schemeClr val="tx1"/>
+            </a:solidFill>
+            <a:headEnd type="triangle" w="med" len="med"/>
+            <a:tailEnd type="none" w="med" len="med"/>
+          </a:ln>
+        </p:spPr>
+        <p:style>
+          <a:lnRef idx="1">
+            <a:schemeClr val="accent1"/>
+          </a:lnRef>
+          <a:fillRef idx="0">
+            <a:schemeClr val="accent1"/>
+          </a:fillRef>
+          <a:effectRef idx="0">
+            <a:schemeClr val="accent1"/>
+          </a:effectRef>
+          <a:fontRef idx="minor">
+            <a:schemeClr val="tx1"/>
+          </a:fontRef>
+        </p:style>
+      </p:cxnSp>
+      <p:cxnSp>
+        <p:nvCxnSpPr>
+          <p:cNvPr id="58" name="Straight Arrow Connector 81">
+            <a:extLst>
+              <a:ext uri="{FF2B5EF4-FFF2-40B4-BE49-F238E27FC236}">
+                <a16:creationId xmlns:a16="http://schemas.microsoft.com/office/drawing/2014/main" id="{9DE504E9-E20D-1D0C-172F-F39B2F29D98B}"/>
+              </a:ext>
+            </a:extLst>
+          </p:cNvPr>
+          <p:cNvCxnSpPr>
+            <a:cxnSpLocks/>
+          </p:cNvCxnSpPr>
+          <p:nvPr/>
+        </p:nvCxnSpPr>
+        <p:spPr>
+          <a:xfrm>
+            <a:off x="763988" y="4753660"/>
+            <a:ext cx="2917981" cy="0"/>
+          </a:xfrm>
+          <a:prstGeom prst="straightConnector1">
+            <a:avLst/>
+          </a:prstGeom>
+          <a:ln>
+            <a:solidFill>
+              <a:schemeClr val="tx1"/>
+            </a:solidFill>
+            <a:tailEnd type="triangle"/>
+          </a:ln>
+        </p:spPr>
+        <p:style>
+          <a:lnRef idx="1">
+            <a:schemeClr val="accent1"/>
+          </a:lnRef>
+          <a:fillRef idx="0">
+            <a:schemeClr val="accent1"/>
+          </a:fillRef>
+          <a:effectRef idx="0">
+            <a:schemeClr val="accent1"/>
+          </a:effectRef>
+          <a:fontRef idx="minor">
+            <a:schemeClr val="tx1"/>
+          </a:fontRef>
+        </p:style>
+      </p:cxnSp>
+      <p:sp>
+        <p:nvSpPr>
+          <p:cNvPr id="59" name="TextBox 58">
+            <a:extLst>
+              <a:ext uri="{FF2B5EF4-FFF2-40B4-BE49-F238E27FC236}">
+                <a16:creationId xmlns:a16="http://schemas.microsoft.com/office/drawing/2014/main" id="{7C90F713-DDB2-214E-212C-38F354F5A7A9}"/>
+              </a:ext>
+            </a:extLst>
+          </p:cNvPr>
+          <p:cNvSpPr txBox="1"/>
+          <p:nvPr/>
+        </p:nvSpPr>
+        <p:spPr>
+          <a:xfrm>
+            <a:off x="763987" y="4507439"/>
+            <a:ext cx="2795674" cy="246221"/>
+          </a:xfrm>
+          <a:prstGeom prst="rect">
+            <a:avLst/>
+          </a:prstGeom>
+          <a:noFill/>
+        </p:spPr>
+        <p:txBody>
+          <a:bodyPr wrap="square" rtlCol="0">
+            <a:spAutoFit/>
+          </a:bodyPr>
+          <a:lstStyle/>
+          <a:p>
+            <a:r>
+              <a:rPr kumimoji="1" lang="en-US" altLang="ko-KR" sz="1000" i="1"/>
+              <a:t>TCP FIN</a:t>
+            </a:r>
+            <a:endParaRPr kumimoji="1" lang="ko-KR" altLang="en-US" sz="1000" i="1"/>
+          </a:p>
+        </p:txBody>
+      </p:sp>
     </p:spTree>
     <p:extLst>
       <p:ext uri="{BB962C8B-B14F-4D97-AF65-F5344CB8AC3E}">

--- a/content/docs/theory-analysis/istio-sidecar-proxy-access-log/images/images.pptx
+++ b/content/docs/theory-analysis/istio-sidecar-proxy-access-log/images/images.pptx
@@ -5,7 +5,7 @@
     <p:sldMasterId id="2147483648" r:id="rId1"/>
   </p:sldMasterIdLst>
   <p:notesMasterIdLst>
-    <p:notesMasterId r:id="rId38"/>
+    <p:notesMasterId r:id="rId39"/>
   </p:notesMasterIdLst>
   <p:sldIdLst>
     <p:sldId id="398" r:id="rId2"/>
@@ -27,23 +27,24 @@
     <p:sldId id="434" r:id="rId18"/>
     <p:sldId id="435" r:id="rId19"/>
     <p:sldId id="436" r:id="rId20"/>
-    <p:sldId id="413" r:id="rId21"/>
-    <p:sldId id="414" r:id="rId22"/>
-    <p:sldId id="415" r:id="rId23"/>
-    <p:sldId id="403" r:id="rId24"/>
-    <p:sldId id="399" r:id="rId25"/>
-    <p:sldId id="400" r:id="rId26"/>
-    <p:sldId id="401" r:id="rId27"/>
-    <p:sldId id="402" r:id="rId28"/>
-    <p:sldId id="404" r:id="rId29"/>
-    <p:sldId id="405" r:id="rId30"/>
-    <p:sldId id="408" r:id="rId31"/>
-    <p:sldId id="407" r:id="rId32"/>
-    <p:sldId id="409" r:id="rId33"/>
-    <p:sldId id="410" r:id="rId34"/>
-    <p:sldId id="387" r:id="rId35"/>
-    <p:sldId id="411" r:id="rId36"/>
-    <p:sldId id="412" r:id="rId37"/>
+    <p:sldId id="437" r:id="rId21"/>
+    <p:sldId id="413" r:id="rId22"/>
+    <p:sldId id="414" r:id="rId23"/>
+    <p:sldId id="415" r:id="rId24"/>
+    <p:sldId id="403" r:id="rId25"/>
+    <p:sldId id="399" r:id="rId26"/>
+    <p:sldId id="400" r:id="rId27"/>
+    <p:sldId id="401" r:id="rId28"/>
+    <p:sldId id="402" r:id="rId29"/>
+    <p:sldId id="404" r:id="rId30"/>
+    <p:sldId id="405" r:id="rId31"/>
+    <p:sldId id="408" r:id="rId32"/>
+    <p:sldId id="407" r:id="rId33"/>
+    <p:sldId id="409" r:id="rId34"/>
+    <p:sldId id="410" r:id="rId35"/>
+    <p:sldId id="387" r:id="rId36"/>
+    <p:sldId id="411" r:id="rId37"/>
+    <p:sldId id="412" r:id="rId38"/>
   </p:sldIdLst>
   <p:sldSz cx="9144000" cy="5143500" type="screen16x9"/>
   <p:notesSz cx="6858000" cy="9144000"/>
@@ -18559,6 +18560,1403 @@
         <p:cNvPr id="1" name="">
           <a:extLst>
             <a:ext uri="{FF2B5EF4-FFF2-40B4-BE49-F238E27FC236}">
+              <a16:creationId xmlns:a16="http://schemas.microsoft.com/office/drawing/2014/main" id="{8379C552-E71E-FEFD-2267-DE25355CCB6B}"/>
+            </a:ext>
+          </a:extLst>
+        </p:cNvPr>
+        <p:cNvGrpSpPr/>
+        <p:nvPr/>
+      </p:nvGrpSpPr>
+      <p:grpSpPr>
+        <a:xfrm>
+          <a:off x="0" y="0"/>
+          <a:ext cx="0" cy="0"/>
+          <a:chOff x="0" y="0"/>
+          <a:chExt cx="0" cy="0"/>
+        </a:xfrm>
+      </p:grpSpPr>
+      <p:sp>
+        <p:nvSpPr>
+          <p:cNvPr id="3" name="사각형: 둥근 모서리 29">
+            <a:extLst>
+              <a:ext uri="{FF2B5EF4-FFF2-40B4-BE49-F238E27FC236}">
+                <a16:creationId xmlns:a16="http://schemas.microsoft.com/office/drawing/2014/main" id="{B3B7D1FB-D7E6-1552-A92C-43C382BD4A1E}"/>
+              </a:ext>
+            </a:extLst>
+          </p:cNvPr>
+          <p:cNvSpPr/>
+          <p:nvPr/>
+        </p:nvSpPr>
+        <p:spPr>
+          <a:xfrm>
+            <a:off x="179512" y="123478"/>
+            <a:ext cx="4032448" cy="600168"/>
+          </a:xfrm>
+          <a:prstGeom prst="roundRect">
+            <a:avLst>
+              <a:gd name="adj" fmla="val 10124"/>
+            </a:avLst>
+          </a:prstGeom>
+          <a:ln w="12700"/>
+        </p:spPr>
+        <p:style>
+          <a:lnRef idx="2">
+            <a:schemeClr val="dk1"/>
+          </a:lnRef>
+          <a:fillRef idx="1">
+            <a:schemeClr val="lt1"/>
+          </a:fillRef>
+          <a:effectRef idx="0">
+            <a:schemeClr val="dk1"/>
+          </a:effectRef>
+          <a:fontRef idx="minor">
+            <a:schemeClr val="dk1"/>
+          </a:fontRef>
+        </p:style>
+        <p:txBody>
+          <a:bodyPr rtlCol="0" anchor="t"/>
+          <a:lstStyle/>
+          <a:p>
+            <a:pPr algn="ctr"/>
+            <a:r>
+              <a:rPr lang="en-US" altLang="ko-KR" sz="1000" b="1"/>
+              <a:t>shell </a:t>
+            </a:r>
+            <a:r>
+              <a:rPr lang="en-US" altLang="ko-KR" sz="1000"/>
+              <a:t>Pod</a:t>
+            </a:r>
+          </a:p>
+        </p:txBody>
+      </p:sp>
+      <p:sp>
+        <p:nvSpPr>
+          <p:cNvPr id="6" name="사각형: 둥근 모서리 29">
+            <a:extLst>
+              <a:ext uri="{FF2B5EF4-FFF2-40B4-BE49-F238E27FC236}">
+                <a16:creationId xmlns:a16="http://schemas.microsoft.com/office/drawing/2014/main" id="{A9AF35B9-A69F-8E44-D9A8-7FAFD6B2CF59}"/>
+              </a:ext>
+            </a:extLst>
+          </p:cNvPr>
+          <p:cNvSpPr/>
+          <p:nvPr/>
+        </p:nvSpPr>
+        <p:spPr>
+          <a:xfrm>
+            <a:off x="3236328" y="195486"/>
+            <a:ext cx="891282" cy="439396"/>
+          </a:xfrm>
+          <a:prstGeom prst="roundRect">
+            <a:avLst>
+              <a:gd name="adj" fmla="val 14520"/>
+            </a:avLst>
+          </a:prstGeom>
+          <a:ln w="12700"/>
+        </p:spPr>
+        <p:style>
+          <a:lnRef idx="2">
+            <a:schemeClr val="dk1"/>
+          </a:lnRef>
+          <a:fillRef idx="1">
+            <a:schemeClr val="lt1"/>
+          </a:fillRef>
+          <a:effectRef idx="0">
+            <a:schemeClr val="dk1"/>
+          </a:effectRef>
+          <a:fontRef idx="minor">
+            <a:schemeClr val="dk1"/>
+          </a:fontRef>
+        </p:style>
+        <p:txBody>
+          <a:bodyPr rtlCol="0" anchor="ctr"/>
+          <a:lstStyle/>
+          <a:p>
+            <a:pPr algn="ctr"/>
+            <a:r>
+              <a:rPr lang="en-US" altLang="ko-KR" sz="1000" b="1"/>
+              <a:t>istio-proxy</a:t>
+            </a:r>
+          </a:p>
+          <a:p>
+            <a:pPr algn="ctr"/>
+            <a:r>
+              <a:rPr lang="en-US" altLang="ko-KR" sz="1000"/>
+              <a:t>Container</a:t>
+            </a:r>
+          </a:p>
+        </p:txBody>
+      </p:sp>
+      <p:sp>
+        <p:nvSpPr>
+          <p:cNvPr id="7" name="사각형: 둥근 모서리 29">
+            <a:extLst>
+              <a:ext uri="{FF2B5EF4-FFF2-40B4-BE49-F238E27FC236}">
+                <a16:creationId xmlns:a16="http://schemas.microsoft.com/office/drawing/2014/main" id="{97B21E09-C448-9CA9-1A68-62A565D3722A}"/>
+              </a:ext>
+            </a:extLst>
+          </p:cNvPr>
+          <p:cNvSpPr/>
+          <p:nvPr/>
+        </p:nvSpPr>
+        <p:spPr>
+          <a:xfrm>
+            <a:off x="269263" y="195486"/>
+            <a:ext cx="989457" cy="439396"/>
+          </a:xfrm>
+          <a:prstGeom prst="roundRect">
+            <a:avLst>
+              <a:gd name="adj" fmla="val 14520"/>
+            </a:avLst>
+          </a:prstGeom>
+          <a:ln w="12700"/>
+        </p:spPr>
+        <p:style>
+          <a:lnRef idx="2">
+            <a:schemeClr val="dk1"/>
+          </a:lnRef>
+          <a:fillRef idx="1">
+            <a:schemeClr val="lt1"/>
+          </a:fillRef>
+          <a:effectRef idx="0">
+            <a:schemeClr val="dk1"/>
+          </a:effectRef>
+          <a:fontRef idx="minor">
+            <a:schemeClr val="dk1"/>
+          </a:fontRef>
+        </p:style>
+        <p:txBody>
+          <a:bodyPr rtlCol="0" anchor="ctr"/>
+          <a:lstStyle/>
+          <a:p>
+            <a:pPr algn="ctr"/>
+            <a:r>
+              <a:rPr lang="en-US" altLang="ko-KR" sz="1000" b="1"/>
+              <a:t>shell</a:t>
+            </a:r>
+          </a:p>
+          <a:p>
+            <a:pPr algn="ctr"/>
+            <a:r>
+              <a:rPr lang="en-US" altLang="ko-KR" sz="1000"/>
+              <a:t>Container</a:t>
+            </a:r>
+          </a:p>
+        </p:txBody>
+      </p:sp>
+      <p:sp>
+        <p:nvSpPr>
+          <p:cNvPr id="10" name="사각형: 둥근 모서리 29">
+            <a:extLst>
+              <a:ext uri="{FF2B5EF4-FFF2-40B4-BE49-F238E27FC236}">
+                <a16:creationId xmlns:a16="http://schemas.microsoft.com/office/drawing/2014/main" id="{310C62FC-1D09-B198-2FC7-4579558B1915}"/>
+              </a:ext>
+            </a:extLst>
+          </p:cNvPr>
+          <p:cNvSpPr/>
+          <p:nvPr/>
+        </p:nvSpPr>
+        <p:spPr>
+          <a:xfrm>
+            <a:off x="4932042" y="123478"/>
+            <a:ext cx="4032446" cy="600168"/>
+          </a:xfrm>
+          <a:prstGeom prst="roundRect">
+            <a:avLst>
+              <a:gd name="adj" fmla="val 10124"/>
+            </a:avLst>
+          </a:prstGeom>
+          <a:ln w="12700"/>
+        </p:spPr>
+        <p:style>
+          <a:lnRef idx="2">
+            <a:schemeClr val="dk1"/>
+          </a:lnRef>
+          <a:fillRef idx="1">
+            <a:schemeClr val="lt1"/>
+          </a:fillRef>
+          <a:effectRef idx="0">
+            <a:schemeClr val="dk1"/>
+          </a:effectRef>
+          <a:fontRef idx="minor">
+            <a:schemeClr val="dk1"/>
+          </a:fontRef>
+        </p:style>
+        <p:txBody>
+          <a:bodyPr rtlCol="0" anchor="t"/>
+          <a:lstStyle/>
+          <a:p>
+            <a:pPr algn="ctr"/>
+            <a:r>
+              <a:rPr lang="en-US" altLang="ko-KR" sz="1000" b="1"/>
+              <a:t>mock-server </a:t>
+            </a:r>
+            <a:r>
+              <a:rPr lang="en-US" altLang="ko-KR" sz="1000"/>
+              <a:t>Pod</a:t>
+            </a:r>
+          </a:p>
+        </p:txBody>
+      </p:sp>
+      <p:sp>
+        <p:nvSpPr>
+          <p:cNvPr id="11" name="사각형: 둥근 모서리 29">
+            <a:extLst>
+              <a:ext uri="{FF2B5EF4-FFF2-40B4-BE49-F238E27FC236}">
+                <a16:creationId xmlns:a16="http://schemas.microsoft.com/office/drawing/2014/main" id="{D069340A-2628-F323-1538-25D91EB94B37}"/>
+              </a:ext>
+            </a:extLst>
+          </p:cNvPr>
+          <p:cNvSpPr/>
+          <p:nvPr/>
+        </p:nvSpPr>
+        <p:spPr>
+          <a:xfrm>
+            <a:off x="7885282" y="195486"/>
+            <a:ext cx="989457" cy="439396"/>
+          </a:xfrm>
+          <a:prstGeom prst="roundRect">
+            <a:avLst>
+              <a:gd name="adj" fmla="val 14520"/>
+            </a:avLst>
+          </a:prstGeom>
+          <a:ln w="12700"/>
+        </p:spPr>
+        <p:style>
+          <a:lnRef idx="2">
+            <a:schemeClr val="dk1"/>
+          </a:lnRef>
+          <a:fillRef idx="1">
+            <a:schemeClr val="lt1"/>
+          </a:fillRef>
+          <a:effectRef idx="0">
+            <a:schemeClr val="dk1"/>
+          </a:effectRef>
+          <a:fontRef idx="minor">
+            <a:schemeClr val="dk1"/>
+          </a:fontRef>
+        </p:style>
+        <p:txBody>
+          <a:bodyPr rtlCol="0" anchor="ctr"/>
+          <a:lstStyle/>
+          <a:p>
+            <a:pPr algn="ctr"/>
+            <a:r>
+              <a:rPr lang="en-US" altLang="ko-KR" sz="1000" b="1"/>
+              <a:t>mock-server</a:t>
+            </a:r>
+          </a:p>
+          <a:p>
+            <a:pPr algn="ctr"/>
+            <a:r>
+              <a:rPr lang="en-US" altLang="ko-KR" sz="1000"/>
+              <a:t>Container</a:t>
+            </a:r>
+          </a:p>
+        </p:txBody>
+      </p:sp>
+      <p:sp>
+        <p:nvSpPr>
+          <p:cNvPr id="12" name="사각형: 둥근 모서리 29">
+            <a:extLst>
+              <a:ext uri="{FF2B5EF4-FFF2-40B4-BE49-F238E27FC236}">
+                <a16:creationId xmlns:a16="http://schemas.microsoft.com/office/drawing/2014/main" id="{28A4C433-65F3-658A-07CA-B309815F7A48}"/>
+              </a:ext>
+            </a:extLst>
+          </p:cNvPr>
+          <p:cNvSpPr/>
+          <p:nvPr/>
+        </p:nvSpPr>
+        <p:spPr>
+          <a:xfrm>
+            <a:off x="5016392" y="195486"/>
+            <a:ext cx="891282" cy="439396"/>
+          </a:xfrm>
+          <a:prstGeom prst="roundRect">
+            <a:avLst>
+              <a:gd name="adj" fmla="val 14520"/>
+            </a:avLst>
+          </a:prstGeom>
+          <a:ln w="12700"/>
+        </p:spPr>
+        <p:style>
+          <a:lnRef idx="2">
+            <a:schemeClr val="dk1"/>
+          </a:lnRef>
+          <a:fillRef idx="1">
+            <a:schemeClr val="lt1"/>
+          </a:fillRef>
+          <a:effectRef idx="0">
+            <a:schemeClr val="dk1"/>
+          </a:effectRef>
+          <a:fontRef idx="minor">
+            <a:schemeClr val="dk1"/>
+          </a:fontRef>
+        </p:style>
+        <p:txBody>
+          <a:bodyPr rtlCol="0" anchor="ctr"/>
+          <a:lstStyle/>
+          <a:p>
+            <a:pPr algn="ctr"/>
+            <a:r>
+              <a:rPr lang="en-US" altLang="ko-KR" sz="1000" b="1"/>
+              <a:t>istio-proxy</a:t>
+            </a:r>
+          </a:p>
+          <a:p>
+            <a:pPr algn="ctr"/>
+            <a:r>
+              <a:rPr lang="en-US" altLang="ko-KR" sz="1000"/>
+              <a:t>Container</a:t>
+            </a:r>
+          </a:p>
+        </p:txBody>
+      </p:sp>
+      <p:cxnSp>
+        <p:nvCxnSpPr>
+          <p:cNvPr id="36" name="Straight Arrow Connector 81">
+            <a:extLst>
+              <a:ext uri="{FF2B5EF4-FFF2-40B4-BE49-F238E27FC236}">
+                <a16:creationId xmlns:a16="http://schemas.microsoft.com/office/drawing/2014/main" id="{C29E81DC-08D8-9421-E889-9C280019518B}"/>
+              </a:ext>
+            </a:extLst>
+          </p:cNvPr>
+          <p:cNvCxnSpPr>
+            <a:cxnSpLocks/>
+            <a:stCxn id="6" idx="2"/>
+          </p:cNvCxnSpPr>
+          <p:nvPr/>
+        </p:nvCxnSpPr>
+        <p:spPr>
+          <a:xfrm>
+            <a:off x="3681969" y="634882"/>
+            <a:ext cx="0" cy="4313132"/>
+          </a:xfrm>
+          <a:prstGeom prst="straightConnector1">
+            <a:avLst/>
+          </a:prstGeom>
+          <a:ln>
+            <a:solidFill>
+              <a:schemeClr val="tx1"/>
+            </a:solidFill>
+            <a:prstDash val="dash"/>
+            <a:tailEnd type="triangle"/>
+          </a:ln>
+        </p:spPr>
+        <p:style>
+          <a:lnRef idx="1">
+            <a:schemeClr val="accent1"/>
+          </a:lnRef>
+          <a:fillRef idx="0">
+            <a:schemeClr val="accent1"/>
+          </a:fillRef>
+          <a:effectRef idx="0">
+            <a:schemeClr val="accent1"/>
+          </a:effectRef>
+          <a:fontRef idx="minor">
+            <a:schemeClr val="tx1"/>
+          </a:fontRef>
+        </p:style>
+      </p:cxnSp>
+      <p:cxnSp>
+        <p:nvCxnSpPr>
+          <p:cNvPr id="37" name="Straight Arrow Connector 81">
+            <a:extLst>
+              <a:ext uri="{FF2B5EF4-FFF2-40B4-BE49-F238E27FC236}">
+                <a16:creationId xmlns:a16="http://schemas.microsoft.com/office/drawing/2014/main" id="{1E3A735A-1234-ABDC-62AF-1831EF84429A}"/>
+              </a:ext>
+            </a:extLst>
+          </p:cNvPr>
+          <p:cNvCxnSpPr>
+            <a:cxnSpLocks/>
+            <a:stCxn id="7" idx="2"/>
+          </p:cNvCxnSpPr>
+          <p:nvPr/>
+        </p:nvCxnSpPr>
+        <p:spPr>
+          <a:xfrm>
+            <a:off x="763992" y="634882"/>
+            <a:ext cx="0" cy="4313132"/>
+          </a:xfrm>
+          <a:prstGeom prst="straightConnector1">
+            <a:avLst/>
+          </a:prstGeom>
+          <a:ln>
+            <a:solidFill>
+              <a:schemeClr val="tx1"/>
+            </a:solidFill>
+            <a:prstDash val="dash"/>
+            <a:tailEnd type="triangle"/>
+          </a:ln>
+        </p:spPr>
+        <p:style>
+          <a:lnRef idx="1">
+            <a:schemeClr val="accent1"/>
+          </a:lnRef>
+          <a:fillRef idx="0">
+            <a:schemeClr val="accent1"/>
+          </a:fillRef>
+          <a:effectRef idx="0">
+            <a:schemeClr val="accent1"/>
+          </a:effectRef>
+          <a:fontRef idx="minor">
+            <a:schemeClr val="tx1"/>
+          </a:fontRef>
+        </p:style>
+      </p:cxnSp>
+      <p:cxnSp>
+        <p:nvCxnSpPr>
+          <p:cNvPr id="46" name="Straight Arrow Connector 81">
+            <a:extLst>
+              <a:ext uri="{FF2B5EF4-FFF2-40B4-BE49-F238E27FC236}">
+                <a16:creationId xmlns:a16="http://schemas.microsoft.com/office/drawing/2014/main" id="{A69CB8CB-BDAC-3519-5D2B-9B444102B94F}"/>
+              </a:ext>
+            </a:extLst>
+          </p:cNvPr>
+          <p:cNvCxnSpPr>
+            <a:cxnSpLocks/>
+            <a:stCxn id="11" idx="2"/>
+          </p:cNvCxnSpPr>
+          <p:nvPr/>
+        </p:nvCxnSpPr>
+        <p:spPr>
+          <a:xfrm>
+            <a:off x="8380011" y="634882"/>
+            <a:ext cx="0" cy="4385140"/>
+          </a:xfrm>
+          <a:prstGeom prst="straightConnector1">
+            <a:avLst/>
+          </a:prstGeom>
+          <a:ln>
+            <a:solidFill>
+              <a:schemeClr val="tx1"/>
+            </a:solidFill>
+            <a:prstDash val="dash"/>
+            <a:tailEnd type="triangle"/>
+          </a:ln>
+        </p:spPr>
+        <p:style>
+          <a:lnRef idx="1">
+            <a:schemeClr val="accent1"/>
+          </a:lnRef>
+          <a:fillRef idx="0">
+            <a:schemeClr val="accent1"/>
+          </a:fillRef>
+          <a:effectRef idx="0">
+            <a:schemeClr val="accent1"/>
+          </a:effectRef>
+          <a:fontRef idx="minor">
+            <a:schemeClr val="tx1"/>
+          </a:fontRef>
+        </p:style>
+      </p:cxnSp>
+      <p:cxnSp>
+        <p:nvCxnSpPr>
+          <p:cNvPr id="47" name="Straight Arrow Connector 81">
+            <a:extLst>
+              <a:ext uri="{FF2B5EF4-FFF2-40B4-BE49-F238E27FC236}">
+                <a16:creationId xmlns:a16="http://schemas.microsoft.com/office/drawing/2014/main" id="{37A9CC20-3229-7530-9D88-A010CD3B06E4}"/>
+              </a:ext>
+            </a:extLst>
+          </p:cNvPr>
+          <p:cNvCxnSpPr>
+            <a:cxnSpLocks/>
+            <a:stCxn id="12" idx="2"/>
+          </p:cNvCxnSpPr>
+          <p:nvPr/>
+        </p:nvCxnSpPr>
+        <p:spPr>
+          <a:xfrm>
+            <a:off x="5462033" y="634882"/>
+            <a:ext cx="0" cy="4313132"/>
+          </a:xfrm>
+          <a:prstGeom prst="straightConnector1">
+            <a:avLst/>
+          </a:prstGeom>
+          <a:ln>
+            <a:solidFill>
+              <a:schemeClr val="tx1"/>
+            </a:solidFill>
+            <a:prstDash val="dash"/>
+            <a:tailEnd type="triangle"/>
+          </a:ln>
+        </p:spPr>
+        <p:style>
+          <a:lnRef idx="1">
+            <a:schemeClr val="accent1"/>
+          </a:lnRef>
+          <a:fillRef idx="0">
+            <a:schemeClr val="accent1"/>
+          </a:fillRef>
+          <a:effectRef idx="0">
+            <a:schemeClr val="accent1"/>
+          </a:effectRef>
+          <a:fontRef idx="minor">
+            <a:schemeClr val="tx1"/>
+          </a:fontRef>
+        </p:style>
+      </p:cxnSp>
+      <p:cxnSp>
+        <p:nvCxnSpPr>
+          <p:cNvPr id="52" name="Straight Arrow Connector 81">
+            <a:extLst>
+              <a:ext uri="{FF2B5EF4-FFF2-40B4-BE49-F238E27FC236}">
+                <a16:creationId xmlns:a16="http://schemas.microsoft.com/office/drawing/2014/main" id="{17E35E10-A707-3BBD-A33C-587F1B9978C6}"/>
+              </a:ext>
+            </a:extLst>
+          </p:cNvPr>
+          <p:cNvCxnSpPr>
+            <a:cxnSpLocks/>
+          </p:cNvCxnSpPr>
+          <p:nvPr/>
+        </p:nvCxnSpPr>
+        <p:spPr>
+          <a:xfrm>
+            <a:off x="763988" y="1431884"/>
+            <a:ext cx="2917981" cy="0"/>
+          </a:xfrm>
+          <a:prstGeom prst="straightConnector1">
+            <a:avLst/>
+          </a:prstGeom>
+          <a:ln>
+            <a:solidFill>
+              <a:schemeClr val="tx1"/>
+            </a:solidFill>
+            <a:tailEnd type="triangle"/>
+          </a:ln>
+        </p:spPr>
+        <p:style>
+          <a:lnRef idx="1">
+            <a:schemeClr val="accent1"/>
+          </a:lnRef>
+          <a:fillRef idx="0">
+            <a:schemeClr val="accent1"/>
+          </a:fillRef>
+          <a:effectRef idx="0">
+            <a:schemeClr val="accent1"/>
+          </a:effectRef>
+          <a:fontRef idx="minor">
+            <a:schemeClr val="tx1"/>
+          </a:fontRef>
+        </p:style>
+      </p:cxnSp>
+      <p:sp>
+        <p:nvSpPr>
+          <p:cNvPr id="53" name="TextBox 52">
+            <a:extLst>
+              <a:ext uri="{FF2B5EF4-FFF2-40B4-BE49-F238E27FC236}">
+                <a16:creationId xmlns:a16="http://schemas.microsoft.com/office/drawing/2014/main" id="{9B9B5638-45C3-DBAC-232E-FB6280DD360B}"/>
+              </a:ext>
+            </a:extLst>
+          </p:cNvPr>
+          <p:cNvSpPr txBox="1"/>
+          <p:nvPr/>
+        </p:nvSpPr>
+        <p:spPr>
+          <a:xfrm>
+            <a:off x="763986" y="1185663"/>
+            <a:ext cx="3159933" cy="246221"/>
+          </a:xfrm>
+          <a:prstGeom prst="rect">
+            <a:avLst/>
+          </a:prstGeom>
+          <a:noFill/>
+        </p:spPr>
+        <p:txBody>
+          <a:bodyPr wrap="square" rtlCol="0">
+            <a:spAutoFit/>
+          </a:bodyPr>
+          <a:lstStyle/>
+          <a:p>
+            <a:r>
+              <a:rPr kumimoji="1" lang="en-US" altLang="ko-KR" sz="1000" i="1"/>
+              <a:t>GET </a:t>
+            </a:r>
+            <a:r>
+              <a:rPr lang="en" altLang="ko-KR" sz="1000" i="1"/>
+              <a:t>mock-server:8080/reset-before-response/1000</a:t>
+            </a:r>
+            <a:endParaRPr kumimoji="1" lang="ko-KR" altLang="en-US" sz="1000" i="1"/>
+          </a:p>
+        </p:txBody>
+      </p:sp>
+      <p:cxnSp>
+        <p:nvCxnSpPr>
+          <p:cNvPr id="54" name="Straight Arrow Connector 81">
+            <a:extLst>
+              <a:ext uri="{FF2B5EF4-FFF2-40B4-BE49-F238E27FC236}">
+                <a16:creationId xmlns:a16="http://schemas.microsoft.com/office/drawing/2014/main" id="{3CA65C87-B6D2-E447-FDFE-39F103C5B93C}"/>
+              </a:ext>
+            </a:extLst>
+          </p:cNvPr>
+          <p:cNvCxnSpPr>
+            <a:cxnSpLocks/>
+          </p:cNvCxnSpPr>
+          <p:nvPr/>
+        </p:nvCxnSpPr>
+        <p:spPr>
+          <a:xfrm>
+            <a:off x="5462033" y="2006276"/>
+            <a:ext cx="2917977" cy="0"/>
+          </a:xfrm>
+          <a:prstGeom prst="straightConnector1">
+            <a:avLst/>
+          </a:prstGeom>
+          <a:ln>
+            <a:solidFill>
+              <a:schemeClr val="tx1"/>
+            </a:solidFill>
+            <a:headEnd type="triangle" w="med" len="med"/>
+            <a:tailEnd type="none" w="med" len="med"/>
+          </a:ln>
+        </p:spPr>
+        <p:style>
+          <a:lnRef idx="1">
+            <a:schemeClr val="accent1"/>
+          </a:lnRef>
+          <a:fillRef idx="0">
+            <a:schemeClr val="accent1"/>
+          </a:fillRef>
+          <a:effectRef idx="0">
+            <a:schemeClr val="accent1"/>
+          </a:effectRef>
+          <a:fontRef idx="minor">
+            <a:schemeClr val="tx1"/>
+          </a:fontRef>
+        </p:style>
+      </p:cxnSp>
+      <p:cxnSp>
+        <p:nvCxnSpPr>
+          <p:cNvPr id="63" name="Straight Arrow Connector 81">
+            <a:extLst>
+              <a:ext uri="{FF2B5EF4-FFF2-40B4-BE49-F238E27FC236}">
+                <a16:creationId xmlns:a16="http://schemas.microsoft.com/office/drawing/2014/main" id="{AF03EBFD-E4DC-ADE4-C8B5-2FF1A2411508}"/>
+              </a:ext>
+            </a:extLst>
+          </p:cNvPr>
+          <p:cNvCxnSpPr>
+            <a:cxnSpLocks/>
+          </p:cNvCxnSpPr>
+          <p:nvPr/>
+        </p:nvCxnSpPr>
+        <p:spPr>
+          <a:xfrm>
+            <a:off x="3681969" y="1505679"/>
+            <a:ext cx="1780064" cy="0"/>
+          </a:xfrm>
+          <a:prstGeom prst="straightConnector1">
+            <a:avLst/>
+          </a:prstGeom>
+          <a:ln>
+            <a:solidFill>
+              <a:schemeClr val="tx1"/>
+            </a:solidFill>
+            <a:tailEnd type="triangle"/>
+          </a:ln>
+        </p:spPr>
+        <p:style>
+          <a:lnRef idx="1">
+            <a:schemeClr val="accent1"/>
+          </a:lnRef>
+          <a:fillRef idx="0">
+            <a:schemeClr val="accent1"/>
+          </a:fillRef>
+          <a:effectRef idx="0">
+            <a:schemeClr val="accent1"/>
+          </a:effectRef>
+          <a:fontRef idx="minor">
+            <a:schemeClr val="tx1"/>
+          </a:fontRef>
+        </p:style>
+      </p:cxnSp>
+      <p:cxnSp>
+        <p:nvCxnSpPr>
+          <p:cNvPr id="64" name="Straight Arrow Connector 81">
+            <a:extLst>
+              <a:ext uri="{FF2B5EF4-FFF2-40B4-BE49-F238E27FC236}">
+                <a16:creationId xmlns:a16="http://schemas.microsoft.com/office/drawing/2014/main" id="{D431AA36-5855-54FC-4BA2-AB3481FFF3EC}"/>
+              </a:ext>
+            </a:extLst>
+          </p:cNvPr>
+          <p:cNvCxnSpPr>
+            <a:cxnSpLocks/>
+          </p:cNvCxnSpPr>
+          <p:nvPr/>
+        </p:nvCxnSpPr>
+        <p:spPr>
+          <a:xfrm>
+            <a:off x="5462033" y="1585570"/>
+            <a:ext cx="2917978" cy="0"/>
+          </a:xfrm>
+          <a:prstGeom prst="straightConnector1">
+            <a:avLst/>
+          </a:prstGeom>
+          <a:ln>
+            <a:solidFill>
+              <a:schemeClr val="tx1"/>
+            </a:solidFill>
+            <a:tailEnd type="triangle"/>
+          </a:ln>
+        </p:spPr>
+        <p:style>
+          <a:lnRef idx="1">
+            <a:schemeClr val="accent1"/>
+          </a:lnRef>
+          <a:fillRef idx="0">
+            <a:schemeClr val="accent1"/>
+          </a:fillRef>
+          <a:effectRef idx="0">
+            <a:schemeClr val="accent1"/>
+          </a:effectRef>
+          <a:fontRef idx="minor">
+            <a:schemeClr val="tx1"/>
+          </a:fontRef>
+        </p:style>
+      </p:cxnSp>
+      <p:cxnSp>
+        <p:nvCxnSpPr>
+          <p:cNvPr id="70" name="Straight Arrow Connector 81">
+            <a:extLst>
+              <a:ext uri="{FF2B5EF4-FFF2-40B4-BE49-F238E27FC236}">
+                <a16:creationId xmlns:a16="http://schemas.microsoft.com/office/drawing/2014/main" id="{027E87C1-2D74-0AC7-3931-56659B88313A}"/>
+              </a:ext>
+            </a:extLst>
+          </p:cNvPr>
+          <p:cNvCxnSpPr>
+            <a:cxnSpLocks/>
+          </p:cNvCxnSpPr>
+          <p:nvPr/>
+        </p:nvCxnSpPr>
+        <p:spPr>
+          <a:xfrm>
+            <a:off x="3681977" y="2078284"/>
+            <a:ext cx="1780056" cy="0"/>
+          </a:xfrm>
+          <a:prstGeom prst="straightConnector1">
+            <a:avLst/>
+          </a:prstGeom>
+          <a:ln>
+            <a:solidFill>
+              <a:schemeClr val="tx1"/>
+            </a:solidFill>
+            <a:headEnd type="triangle" w="med" len="med"/>
+            <a:tailEnd type="none" w="med" len="med"/>
+          </a:ln>
+        </p:spPr>
+        <p:style>
+          <a:lnRef idx="1">
+            <a:schemeClr val="accent1"/>
+          </a:lnRef>
+          <a:fillRef idx="0">
+            <a:schemeClr val="accent1"/>
+          </a:fillRef>
+          <a:effectRef idx="0">
+            <a:schemeClr val="accent1"/>
+          </a:effectRef>
+          <a:fontRef idx="minor">
+            <a:schemeClr val="tx1"/>
+          </a:fontRef>
+        </p:style>
+      </p:cxnSp>
+      <p:sp>
+        <p:nvSpPr>
+          <p:cNvPr id="2" name="호 1">
+            <a:extLst>
+              <a:ext uri="{FF2B5EF4-FFF2-40B4-BE49-F238E27FC236}">
+                <a16:creationId xmlns:a16="http://schemas.microsoft.com/office/drawing/2014/main" id="{8A2FFCFE-BC51-FA32-734B-4FA70AB64F2A}"/>
+              </a:ext>
+            </a:extLst>
+          </p:cNvPr>
+          <p:cNvSpPr/>
+          <p:nvPr/>
+        </p:nvSpPr>
+        <p:spPr>
+          <a:xfrm>
+            <a:off x="8241825" y="1585569"/>
+            <a:ext cx="276365" cy="423019"/>
+          </a:xfrm>
+          <a:prstGeom prst="arc">
+            <a:avLst>
+              <a:gd name="adj1" fmla="val 16200000"/>
+              <a:gd name="adj2" fmla="val 5389298"/>
+            </a:avLst>
+          </a:prstGeom>
+          <a:ln>
+            <a:solidFill>
+              <a:schemeClr val="tx1"/>
+            </a:solidFill>
+            <a:headEnd type="none" w="med" len="med"/>
+            <a:tailEnd type="triangle" w="med" len="med"/>
+          </a:ln>
+        </p:spPr>
+        <p:style>
+          <a:lnRef idx="1">
+            <a:schemeClr val="accent1"/>
+          </a:lnRef>
+          <a:fillRef idx="0">
+            <a:schemeClr val="accent1"/>
+          </a:fillRef>
+          <a:effectRef idx="0">
+            <a:schemeClr val="accent1"/>
+          </a:effectRef>
+          <a:fontRef idx="minor">
+            <a:schemeClr val="tx1"/>
+          </a:fontRef>
+        </p:style>
+        <p:txBody>
+          <a:bodyPr rtlCol="0" anchor="ctr"/>
+          <a:lstStyle/>
+          <a:p>
+            <a:pPr algn="ctr"/>
+            <a:endParaRPr kumimoji="1" lang="ko-KR" altLang="en-US"/>
+          </a:p>
+        </p:txBody>
+      </p:sp>
+      <p:sp>
+        <p:nvSpPr>
+          <p:cNvPr id="4" name="TextBox 3">
+            <a:extLst>
+              <a:ext uri="{FF2B5EF4-FFF2-40B4-BE49-F238E27FC236}">
+                <a16:creationId xmlns:a16="http://schemas.microsoft.com/office/drawing/2014/main" id="{427E5E3E-261A-A5DC-F0AF-762972100545}"/>
+              </a:ext>
+            </a:extLst>
+          </p:cNvPr>
+          <p:cNvSpPr txBox="1"/>
+          <p:nvPr/>
+        </p:nvSpPr>
+        <p:spPr>
+          <a:xfrm>
+            <a:off x="8410775" y="1680027"/>
+            <a:ext cx="689798" cy="246221"/>
+          </a:xfrm>
+          <a:prstGeom prst="rect">
+            <a:avLst/>
+          </a:prstGeom>
+          <a:noFill/>
+        </p:spPr>
+        <p:txBody>
+          <a:bodyPr wrap="square" rtlCol="0">
+            <a:spAutoFit/>
+          </a:bodyPr>
+          <a:lstStyle/>
+          <a:p>
+            <a:pPr algn="ctr"/>
+            <a:r>
+              <a:rPr kumimoji="1" lang="en-US" altLang="ko-KR" sz="1000" i="1"/>
+              <a:t>1000ms</a:t>
+            </a:r>
+            <a:endParaRPr kumimoji="1" lang="ko-KR" altLang="en-US" sz="1000" i="1"/>
+          </a:p>
+        </p:txBody>
+      </p:sp>
+      <p:sp>
+        <p:nvSpPr>
+          <p:cNvPr id="5" name="TextBox 4">
+            <a:extLst>
+              <a:ext uri="{FF2B5EF4-FFF2-40B4-BE49-F238E27FC236}">
+                <a16:creationId xmlns:a16="http://schemas.microsoft.com/office/drawing/2014/main" id="{22F32AEA-B696-CB51-BA97-F86A51626137}"/>
+              </a:ext>
+            </a:extLst>
+          </p:cNvPr>
+          <p:cNvSpPr txBox="1"/>
+          <p:nvPr/>
+        </p:nvSpPr>
+        <p:spPr>
+          <a:xfrm>
+            <a:off x="5584333" y="2003965"/>
+            <a:ext cx="2795674" cy="246221"/>
+          </a:xfrm>
+          <a:prstGeom prst="rect">
+            <a:avLst/>
+          </a:prstGeom>
+          <a:noFill/>
+        </p:spPr>
+        <p:txBody>
+          <a:bodyPr wrap="square" rtlCol="0">
+            <a:spAutoFit/>
+          </a:bodyPr>
+          <a:lstStyle/>
+          <a:p>
+            <a:pPr algn="r"/>
+            <a:r>
+              <a:rPr kumimoji="1" lang="en-US" altLang="ko-KR" sz="1000" i="1"/>
+              <a:t>Partial Response</a:t>
+            </a:r>
+            <a:endParaRPr kumimoji="1" lang="ko-KR" altLang="en-US" sz="1000" i="1"/>
+          </a:p>
+        </p:txBody>
+      </p:sp>
+      <p:cxnSp>
+        <p:nvCxnSpPr>
+          <p:cNvPr id="8" name="Straight Arrow Connector 81">
+            <a:extLst>
+              <a:ext uri="{FF2B5EF4-FFF2-40B4-BE49-F238E27FC236}">
+                <a16:creationId xmlns:a16="http://schemas.microsoft.com/office/drawing/2014/main" id="{F3BECC03-5F85-EF86-4C89-3FE2504BB7BE}"/>
+              </a:ext>
+            </a:extLst>
+          </p:cNvPr>
+          <p:cNvCxnSpPr>
+            <a:cxnSpLocks/>
+          </p:cNvCxnSpPr>
+          <p:nvPr/>
+        </p:nvCxnSpPr>
+        <p:spPr>
+          <a:xfrm>
+            <a:off x="763988" y="1077765"/>
+            <a:ext cx="2917981" cy="0"/>
+          </a:xfrm>
+          <a:prstGeom prst="straightConnector1">
+            <a:avLst/>
+          </a:prstGeom>
+          <a:ln>
+            <a:solidFill>
+              <a:schemeClr val="tx1"/>
+            </a:solidFill>
+            <a:tailEnd type="triangle"/>
+          </a:ln>
+        </p:spPr>
+        <p:style>
+          <a:lnRef idx="1">
+            <a:schemeClr val="accent1"/>
+          </a:lnRef>
+          <a:fillRef idx="0">
+            <a:schemeClr val="accent1"/>
+          </a:fillRef>
+          <a:effectRef idx="0">
+            <a:schemeClr val="accent1"/>
+          </a:effectRef>
+          <a:fontRef idx="minor">
+            <a:schemeClr val="tx1"/>
+          </a:fontRef>
+        </p:style>
+      </p:cxnSp>
+      <p:sp>
+        <p:nvSpPr>
+          <p:cNvPr id="9" name="TextBox 8">
+            <a:extLst>
+              <a:ext uri="{FF2B5EF4-FFF2-40B4-BE49-F238E27FC236}">
+                <a16:creationId xmlns:a16="http://schemas.microsoft.com/office/drawing/2014/main" id="{90433B36-8DE6-168C-E829-603EAA4FDEC3}"/>
+              </a:ext>
+            </a:extLst>
+          </p:cNvPr>
+          <p:cNvSpPr txBox="1"/>
+          <p:nvPr/>
+        </p:nvSpPr>
+        <p:spPr>
+          <a:xfrm>
+            <a:off x="763987" y="831544"/>
+            <a:ext cx="2795674" cy="246221"/>
+          </a:xfrm>
+          <a:prstGeom prst="rect">
+            <a:avLst/>
+          </a:prstGeom>
+          <a:noFill/>
+        </p:spPr>
+        <p:txBody>
+          <a:bodyPr wrap="square" rtlCol="0">
+            <a:spAutoFit/>
+          </a:bodyPr>
+          <a:lstStyle/>
+          <a:p>
+            <a:r>
+              <a:rPr kumimoji="1" lang="en-US" altLang="ko-KR" sz="1000" i="1"/>
+              <a:t>TCP SYN</a:t>
+            </a:r>
+            <a:endParaRPr kumimoji="1" lang="ko-KR" altLang="en-US" sz="1000" i="1"/>
+          </a:p>
+        </p:txBody>
+      </p:sp>
+      <p:cxnSp>
+        <p:nvCxnSpPr>
+          <p:cNvPr id="58" name="Straight Arrow Connector 81">
+            <a:extLst>
+              <a:ext uri="{FF2B5EF4-FFF2-40B4-BE49-F238E27FC236}">
+                <a16:creationId xmlns:a16="http://schemas.microsoft.com/office/drawing/2014/main" id="{DC2C78F2-1FDE-2FEE-259D-2969D3B5475F}"/>
+              </a:ext>
+            </a:extLst>
+          </p:cNvPr>
+          <p:cNvCxnSpPr>
+            <a:cxnSpLocks/>
+          </p:cNvCxnSpPr>
+          <p:nvPr/>
+        </p:nvCxnSpPr>
+        <p:spPr>
+          <a:xfrm>
+            <a:off x="763988" y="2847520"/>
+            <a:ext cx="2917981" cy="0"/>
+          </a:xfrm>
+          <a:prstGeom prst="straightConnector1">
+            <a:avLst/>
+          </a:prstGeom>
+          <a:ln>
+            <a:solidFill>
+              <a:schemeClr val="tx1"/>
+            </a:solidFill>
+            <a:tailEnd type="triangle"/>
+          </a:ln>
+        </p:spPr>
+        <p:style>
+          <a:lnRef idx="1">
+            <a:schemeClr val="accent1"/>
+          </a:lnRef>
+          <a:fillRef idx="0">
+            <a:schemeClr val="accent1"/>
+          </a:fillRef>
+          <a:effectRef idx="0">
+            <a:schemeClr val="accent1"/>
+          </a:effectRef>
+          <a:fontRef idx="minor">
+            <a:schemeClr val="tx1"/>
+          </a:fontRef>
+        </p:style>
+      </p:cxnSp>
+      <p:sp>
+        <p:nvSpPr>
+          <p:cNvPr id="59" name="TextBox 58">
+            <a:extLst>
+              <a:ext uri="{FF2B5EF4-FFF2-40B4-BE49-F238E27FC236}">
+                <a16:creationId xmlns:a16="http://schemas.microsoft.com/office/drawing/2014/main" id="{F7B2427F-32AA-9F9D-C9CC-8B071E6253DB}"/>
+              </a:ext>
+            </a:extLst>
+          </p:cNvPr>
+          <p:cNvSpPr txBox="1"/>
+          <p:nvPr/>
+        </p:nvSpPr>
+        <p:spPr>
+          <a:xfrm>
+            <a:off x="763987" y="2601299"/>
+            <a:ext cx="2795674" cy="246221"/>
+          </a:xfrm>
+          <a:prstGeom prst="rect">
+            <a:avLst/>
+          </a:prstGeom>
+          <a:noFill/>
+        </p:spPr>
+        <p:txBody>
+          <a:bodyPr wrap="square" rtlCol="0">
+            <a:spAutoFit/>
+          </a:bodyPr>
+          <a:lstStyle/>
+          <a:p>
+            <a:r>
+              <a:rPr kumimoji="1" lang="en-US" altLang="ko-KR" sz="1000" i="1"/>
+              <a:t>TCP FIN</a:t>
+            </a:r>
+            <a:endParaRPr kumimoji="1" lang="ko-KR" altLang="en-US" sz="1000" i="1"/>
+          </a:p>
+        </p:txBody>
+      </p:sp>
+      <p:cxnSp>
+        <p:nvCxnSpPr>
+          <p:cNvPr id="13" name="Straight Arrow Connector 81">
+            <a:extLst>
+              <a:ext uri="{FF2B5EF4-FFF2-40B4-BE49-F238E27FC236}">
+                <a16:creationId xmlns:a16="http://schemas.microsoft.com/office/drawing/2014/main" id="{308E1141-2634-F76F-3C9A-E536DC9A2F3B}"/>
+              </a:ext>
+            </a:extLst>
+          </p:cNvPr>
+          <p:cNvCxnSpPr>
+            <a:cxnSpLocks/>
+          </p:cNvCxnSpPr>
+          <p:nvPr/>
+        </p:nvCxnSpPr>
+        <p:spPr>
+          <a:xfrm>
+            <a:off x="5462033" y="2365915"/>
+            <a:ext cx="2917977" cy="0"/>
+          </a:xfrm>
+          <a:prstGeom prst="straightConnector1">
+            <a:avLst/>
+          </a:prstGeom>
+          <a:ln>
+            <a:solidFill>
+              <a:schemeClr val="tx1"/>
+            </a:solidFill>
+            <a:headEnd type="triangle" w="med" len="med"/>
+            <a:tailEnd type="none" w="med" len="med"/>
+          </a:ln>
+        </p:spPr>
+        <p:style>
+          <a:lnRef idx="1">
+            <a:schemeClr val="accent1"/>
+          </a:lnRef>
+          <a:fillRef idx="0">
+            <a:schemeClr val="accent1"/>
+          </a:fillRef>
+          <a:effectRef idx="0">
+            <a:schemeClr val="accent1"/>
+          </a:effectRef>
+          <a:fontRef idx="minor">
+            <a:schemeClr val="tx1"/>
+          </a:fontRef>
+        </p:style>
+      </p:cxnSp>
+      <p:sp>
+        <p:nvSpPr>
+          <p:cNvPr id="14" name="TextBox 13">
+            <a:extLst>
+              <a:ext uri="{FF2B5EF4-FFF2-40B4-BE49-F238E27FC236}">
+                <a16:creationId xmlns:a16="http://schemas.microsoft.com/office/drawing/2014/main" id="{9BAA014F-3F50-1FEF-ECD2-E16BD672EC1B}"/>
+              </a:ext>
+            </a:extLst>
+          </p:cNvPr>
+          <p:cNvSpPr txBox="1"/>
+          <p:nvPr/>
+        </p:nvSpPr>
+        <p:spPr>
+          <a:xfrm>
+            <a:off x="2666358" y="2435120"/>
+            <a:ext cx="2795674" cy="246221"/>
+          </a:xfrm>
+          <a:prstGeom prst="rect">
+            <a:avLst/>
+          </a:prstGeom>
+          <a:noFill/>
+        </p:spPr>
+        <p:txBody>
+          <a:bodyPr wrap="square" rtlCol="0">
+            <a:spAutoFit/>
+          </a:bodyPr>
+          <a:lstStyle/>
+          <a:p>
+            <a:pPr algn="r"/>
+            <a:r>
+              <a:rPr kumimoji="1" lang="en-US" altLang="ko-KR" sz="1000" i="1"/>
+              <a:t>HTTP/2 RST_STREAM</a:t>
+            </a:r>
+            <a:endParaRPr kumimoji="1" lang="ko-KR" altLang="en-US" sz="1000" i="1"/>
+          </a:p>
+        </p:txBody>
+      </p:sp>
+      <p:cxnSp>
+        <p:nvCxnSpPr>
+          <p:cNvPr id="22" name="Straight Arrow Connector 81">
+            <a:extLst>
+              <a:ext uri="{FF2B5EF4-FFF2-40B4-BE49-F238E27FC236}">
+                <a16:creationId xmlns:a16="http://schemas.microsoft.com/office/drawing/2014/main" id="{C68F54F9-9F93-E8B5-34F0-9E334F70674A}"/>
+              </a:ext>
+            </a:extLst>
+          </p:cNvPr>
+          <p:cNvCxnSpPr>
+            <a:cxnSpLocks/>
+          </p:cNvCxnSpPr>
+          <p:nvPr/>
+        </p:nvCxnSpPr>
+        <p:spPr>
+          <a:xfrm>
+            <a:off x="3681977" y="2437923"/>
+            <a:ext cx="1780056" cy="0"/>
+          </a:xfrm>
+          <a:prstGeom prst="straightConnector1">
+            <a:avLst/>
+          </a:prstGeom>
+          <a:ln>
+            <a:solidFill>
+              <a:schemeClr val="tx1"/>
+            </a:solidFill>
+            <a:headEnd type="triangle" w="med" len="med"/>
+            <a:tailEnd type="none" w="med" len="med"/>
+          </a:ln>
+        </p:spPr>
+        <p:style>
+          <a:lnRef idx="1">
+            <a:schemeClr val="accent1"/>
+          </a:lnRef>
+          <a:fillRef idx="0">
+            <a:schemeClr val="accent1"/>
+          </a:fillRef>
+          <a:effectRef idx="0">
+            <a:schemeClr val="accent1"/>
+          </a:effectRef>
+          <a:fontRef idx="minor">
+            <a:schemeClr val="tx1"/>
+          </a:fontRef>
+        </p:style>
+      </p:cxnSp>
+      <p:sp>
+        <p:nvSpPr>
+          <p:cNvPr id="23" name="TextBox 22">
+            <a:extLst>
+              <a:ext uri="{FF2B5EF4-FFF2-40B4-BE49-F238E27FC236}">
+                <a16:creationId xmlns:a16="http://schemas.microsoft.com/office/drawing/2014/main" id="{A7EDE223-FDC5-1328-376F-8FD3E492787C}"/>
+              </a:ext>
+            </a:extLst>
+          </p:cNvPr>
+          <p:cNvSpPr txBox="1"/>
+          <p:nvPr/>
+        </p:nvSpPr>
+        <p:spPr>
+          <a:xfrm>
+            <a:off x="5584333" y="2363604"/>
+            <a:ext cx="2795674" cy="246221"/>
+          </a:xfrm>
+          <a:prstGeom prst="rect">
+            <a:avLst/>
+          </a:prstGeom>
+          <a:noFill/>
+        </p:spPr>
+        <p:txBody>
+          <a:bodyPr wrap="square" rtlCol="0">
+            <a:spAutoFit/>
+          </a:bodyPr>
+          <a:lstStyle/>
+          <a:p>
+            <a:pPr algn="r"/>
+            <a:r>
+              <a:rPr kumimoji="1" lang="en-US" altLang="ko-KR" sz="1000" i="1"/>
+              <a:t>TCP RST</a:t>
+            </a:r>
+            <a:endParaRPr kumimoji="1" lang="ko-KR" altLang="en-US" sz="1000" i="1"/>
+          </a:p>
+        </p:txBody>
+      </p:sp>
+      <p:cxnSp>
+        <p:nvCxnSpPr>
+          <p:cNvPr id="24" name="Straight Arrow Connector 81">
+            <a:extLst>
+              <a:ext uri="{FF2B5EF4-FFF2-40B4-BE49-F238E27FC236}">
+                <a16:creationId xmlns:a16="http://schemas.microsoft.com/office/drawing/2014/main" id="{929F7874-014F-4F51-2D50-CC1D63A0E7D7}"/>
+              </a:ext>
+            </a:extLst>
+          </p:cNvPr>
+          <p:cNvCxnSpPr>
+            <a:cxnSpLocks/>
+          </p:cNvCxnSpPr>
+          <p:nvPr/>
+        </p:nvCxnSpPr>
+        <p:spPr>
+          <a:xfrm>
+            <a:off x="763986" y="2139702"/>
+            <a:ext cx="2917983" cy="0"/>
+          </a:xfrm>
+          <a:prstGeom prst="straightConnector1">
+            <a:avLst/>
+          </a:prstGeom>
+          <a:ln>
+            <a:solidFill>
+              <a:schemeClr val="tx1"/>
+            </a:solidFill>
+            <a:headEnd type="triangle" w="med" len="med"/>
+            <a:tailEnd type="none" w="med" len="med"/>
+          </a:ln>
+        </p:spPr>
+        <p:style>
+          <a:lnRef idx="1">
+            <a:schemeClr val="accent1"/>
+          </a:lnRef>
+          <a:fillRef idx="0">
+            <a:schemeClr val="accent1"/>
+          </a:fillRef>
+          <a:effectRef idx="0">
+            <a:schemeClr val="accent1"/>
+          </a:effectRef>
+          <a:fontRef idx="minor">
+            <a:schemeClr val="tx1"/>
+          </a:fontRef>
+        </p:style>
+      </p:cxnSp>
+      <p:cxnSp>
+        <p:nvCxnSpPr>
+          <p:cNvPr id="25" name="Straight Arrow Connector 81">
+            <a:extLst>
+              <a:ext uri="{FF2B5EF4-FFF2-40B4-BE49-F238E27FC236}">
+                <a16:creationId xmlns:a16="http://schemas.microsoft.com/office/drawing/2014/main" id="{0CD72229-2938-1F8F-9DC7-753614F00377}"/>
+              </a:ext>
+            </a:extLst>
+          </p:cNvPr>
+          <p:cNvCxnSpPr>
+            <a:cxnSpLocks/>
+          </p:cNvCxnSpPr>
+          <p:nvPr/>
+        </p:nvCxnSpPr>
+        <p:spPr>
+          <a:xfrm>
+            <a:off x="763986" y="2499742"/>
+            <a:ext cx="2917983" cy="0"/>
+          </a:xfrm>
+          <a:prstGeom prst="straightConnector1">
+            <a:avLst/>
+          </a:prstGeom>
+          <a:ln>
+            <a:solidFill>
+              <a:schemeClr val="tx1"/>
+            </a:solidFill>
+            <a:headEnd type="triangle" w="med" len="med"/>
+            <a:tailEnd type="none" w="med" len="med"/>
+          </a:ln>
+        </p:spPr>
+        <p:style>
+          <a:lnRef idx="1">
+            <a:schemeClr val="accent1"/>
+          </a:lnRef>
+          <a:fillRef idx="0">
+            <a:schemeClr val="accent1"/>
+          </a:fillRef>
+          <a:effectRef idx="0">
+            <a:schemeClr val="accent1"/>
+          </a:effectRef>
+          <a:fontRef idx="minor">
+            <a:schemeClr val="tx1"/>
+          </a:fontRef>
+        </p:style>
+      </p:cxnSp>
+      <p:sp>
+        <p:nvSpPr>
+          <p:cNvPr id="26" name="TextBox 25">
+            <a:extLst>
+              <a:ext uri="{FF2B5EF4-FFF2-40B4-BE49-F238E27FC236}">
+                <a16:creationId xmlns:a16="http://schemas.microsoft.com/office/drawing/2014/main" id="{81FB3040-F4EA-4E06-0F68-19606D4A07F0}"/>
+              </a:ext>
+            </a:extLst>
+          </p:cNvPr>
+          <p:cNvSpPr txBox="1"/>
+          <p:nvPr/>
+        </p:nvSpPr>
+        <p:spPr>
+          <a:xfrm>
+            <a:off x="886293" y="2502119"/>
+            <a:ext cx="2795674" cy="246221"/>
+          </a:xfrm>
+          <a:prstGeom prst="rect">
+            <a:avLst/>
+          </a:prstGeom>
+          <a:noFill/>
+        </p:spPr>
+        <p:txBody>
+          <a:bodyPr wrap="square" rtlCol="0">
+            <a:spAutoFit/>
+          </a:bodyPr>
+          <a:lstStyle/>
+          <a:p>
+            <a:pPr algn="r"/>
+            <a:r>
+              <a:rPr kumimoji="1" lang="en-US" altLang="ko-KR" sz="1000" i="1"/>
+              <a:t>HTTP/2 RST_STREAM</a:t>
+            </a:r>
+            <a:endParaRPr kumimoji="1" lang="ko-KR" altLang="en-US" sz="1000" i="1"/>
+          </a:p>
+        </p:txBody>
+      </p:sp>
+    </p:spTree>
+    <p:extLst>
+      <p:ext uri="{BB962C8B-B14F-4D97-AF65-F5344CB8AC3E}">
+        <p14:creationId xmlns:p14="http://schemas.microsoft.com/office/powerpoint/2010/main" val="1233968508"/>
+      </p:ext>
+    </p:extLst>
+  </p:cSld>
+  <p:clrMapOvr>
+    <a:masterClrMapping/>
+  </p:clrMapOvr>
+</p:sld>
+</file>
+
+<file path=ppt/slides/slide21.xml><?xml version="1.0" encoding="utf-8"?>
+<p:sld xmlns:a="http://schemas.openxmlformats.org/drawingml/2006/main" xmlns:r="http://schemas.openxmlformats.org/officeDocument/2006/relationships" xmlns:p="http://schemas.openxmlformats.org/presentationml/2006/main">
+  <p:cSld>
+    <p:spTree>
+      <p:nvGrpSpPr>
+        <p:cNvPr id="1" name="">
+          <a:extLst>
+            <a:ext uri="{FF2B5EF4-FFF2-40B4-BE49-F238E27FC236}">
               <a16:creationId xmlns:a16="http://schemas.microsoft.com/office/drawing/2014/main" id="{BCA98441-60C3-2B04-68DD-3F292947DB4D}"/>
             </a:ext>
           </a:extLst>
@@ -18637,7 +20035,7 @@
 </p:sld>
 </file>
 
-<file path=ppt/slides/slide21.xml><?xml version="1.0" encoding="utf-8"?>
+<file path=ppt/slides/slide22.xml><?xml version="1.0" encoding="utf-8"?>
 <p:sld xmlns:a="http://schemas.openxmlformats.org/drawingml/2006/main" xmlns:r="http://schemas.openxmlformats.org/officeDocument/2006/relationships" xmlns:p="http://schemas.openxmlformats.org/presentationml/2006/main">
   <p:cSld>
     <p:spTree>
@@ -19961,7 +21359,7 @@
 </p:sld>
 </file>
 
-<file path=ppt/slides/slide22.xml><?xml version="1.0" encoding="utf-8"?>
+<file path=ppt/slides/slide23.xml><?xml version="1.0" encoding="utf-8"?>
 <p:sld xmlns:a="http://schemas.openxmlformats.org/drawingml/2006/main" xmlns:r="http://schemas.openxmlformats.org/officeDocument/2006/relationships" xmlns:p="http://schemas.openxmlformats.org/presentationml/2006/main">
   <p:cSld>
     <p:spTree>
@@ -21285,7 +22683,7 @@
 </p:sld>
 </file>
 
-<file path=ppt/slides/slide23.xml><?xml version="1.0" encoding="utf-8"?>
+<file path=ppt/slides/slide24.xml><?xml version="1.0" encoding="utf-8"?>
 <p:sld xmlns:a="http://schemas.openxmlformats.org/drawingml/2006/main" xmlns:r="http://schemas.openxmlformats.org/officeDocument/2006/relationships" xmlns:p="http://schemas.openxmlformats.org/presentationml/2006/main">
   <p:cSld>
     <p:spTree>
@@ -21371,7 +22769,7 @@
 </p:sld>
 </file>
 
-<file path=ppt/slides/slide24.xml><?xml version="1.0" encoding="utf-8"?>
+<file path=ppt/slides/slide25.xml><?xml version="1.0" encoding="utf-8"?>
 <p:sld xmlns:a="http://schemas.openxmlformats.org/drawingml/2006/main" xmlns:r="http://schemas.openxmlformats.org/officeDocument/2006/relationships" xmlns:p="http://schemas.openxmlformats.org/presentationml/2006/main">
   <p:cSld>
     <p:spTree>
@@ -21781,7 +23179,7 @@
 </p:sld>
 </file>
 
-<file path=ppt/slides/slide25.xml><?xml version="1.0" encoding="utf-8"?>
+<file path=ppt/slides/slide26.xml><?xml version="1.0" encoding="utf-8"?>
 <p:sld xmlns:a="http://schemas.openxmlformats.org/drawingml/2006/main" xmlns:r="http://schemas.openxmlformats.org/officeDocument/2006/relationships" xmlns:p="http://schemas.openxmlformats.org/presentationml/2006/main">
   <p:cSld>
     <p:spTree>
@@ -22191,7 +23589,7 @@
 </p:sld>
 </file>
 
-<file path=ppt/slides/slide26.xml><?xml version="1.0" encoding="utf-8"?>
+<file path=ppt/slides/slide27.xml><?xml version="1.0" encoding="utf-8"?>
 <p:sld xmlns:a="http://schemas.openxmlformats.org/drawingml/2006/main" xmlns:r="http://schemas.openxmlformats.org/officeDocument/2006/relationships" xmlns:p="http://schemas.openxmlformats.org/presentationml/2006/main">
   <p:cSld>
     <p:spTree>
@@ -22600,7 +23998,7 @@
 </p:sld>
 </file>
 
-<file path=ppt/slides/slide27.xml><?xml version="1.0" encoding="utf-8"?>
+<file path=ppt/slides/slide28.xml><?xml version="1.0" encoding="utf-8"?>
 <p:sld xmlns:a="http://schemas.openxmlformats.org/drawingml/2006/main" xmlns:r="http://schemas.openxmlformats.org/officeDocument/2006/relationships" xmlns:p="http://schemas.openxmlformats.org/presentationml/2006/main">
   <p:cSld>
     <p:spTree>
@@ -23101,7 +24499,7 @@
 </p:sld>
 </file>
 
-<file path=ppt/slides/slide28.xml><?xml version="1.0" encoding="utf-8"?>
+<file path=ppt/slides/slide29.xml><?xml version="1.0" encoding="utf-8"?>
 <p:sld xmlns:a="http://schemas.openxmlformats.org/drawingml/2006/main" xmlns:r="http://schemas.openxmlformats.org/officeDocument/2006/relationships" xmlns:p="http://schemas.openxmlformats.org/presentationml/2006/main">
   <p:cSld>
     <p:spTree>
@@ -24104,1081 +25502,6 @@
     <p:extLst>
       <p:ext uri="{BB962C8B-B14F-4D97-AF65-F5344CB8AC3E}">
         <p14:creationId xmlns:p14="http://schemas.microsoft.com/office/powerpoint/2010/main" val="591218850"/>
-      </p:ext>
-    </p:extLst>
-  </p:cSld>
-  <p:clrMapOvr>
-    <a:masterClrMapping/>
-  </p:clrMapOvr>
-</p:sld>
-</file>
-
-<file path=ppt/slides/slide29.xml><?xml version="1.0" encoding="utf-8"?>
-<p:sld xmlns:a="http://schemas.openxmlformats.org/drawingml/2006/main" xmlns:r="http://schemas.openxmlformats.org/officeDocument/2006/relationships" xmlns:p="http://schemas.openxmlformats.org/presentationml/2006/main">
-  <p:cSld>
-    <p:spTree>
-      <p:nvGrpSpPr>
-        <p:cNvPr id="1" name="">
-          <a:extLst>
-            <a:ext uri="{FF2B5EF4-FFF2-40B4-BE49-F238E27FC236}">
-              <a16:creationId xmlns:a16="http://schemas.microsoft.com/office/drawing/2014/main" id="{37F64EE1-C6A4-D1CD-01C5-D8F1579D7BF0}"/>
-            </a:ext>
-          </a:extLst>
-        </p:cNvPr>
-        <p:cNvGrpSpPr/>
-        <p:nvPr/>
-      </p:nvGrpSpPr>
-      <p:grpSpPr>
-        <a:xfrm>
-          <a:off x="0" y="0"/>
-          <a:ext cx="0" cy="0"/>
-          <a:chOff x="0" y="0"/>
-          <a:chExt cx="0" cy="0"/>
-        </a:xfrm>
-      </p:grpSpPr>
-      <p:sp>
-        <p:nvSpPr>
-          <p:cNvPr id="4" name="사각형: 둥근 모서리 29">
-            <a:extLst>
-              <a:ext uri="{FF2B5EF4-FFF2-40B4-BE49-F238E27FC236}">
-                <a16:creationId xmlns:a16="http://schemas.microsoft.com/office/drawing/2014/main" id="{6EDB1EE3-920E-070E-9E90-720792CD8100}"/>
-              </a:ext>
-            </a:extLst>
-          </p:cNvPr>
-          <p:cNvSpPr/>
-          <p:nvPr/>
-        </p:nvSpPr>
-        <p:spPr>
-          <a:xfrm>
-            <a:off x="1763688" y="411510"/>
-            <a:ext cx="1164765" cy="657290"/>
-          </a:xfrm>
-          <a:prstGeom prst="roundRect">
-            <a:avLst>
-              <a:gd name="adj" fmla="val 17374"/>
-            </a:avLst>
-          </a:prstGeom>
-          <a:ln w="12700"/>
-        </p:spPr>
-        <p:style>
-          <a:lnRef idx="2">
-            <a:schemeClr val="dk1"/>
-          </a:lnRef>
-          <a:fillRef idx="1">
-            <a:schemeClr val="lt1"/>
-          </a:fillRef>
-          <a:effectRef idx="0">
-            <a:schemeClr val="dk1"/>
-          </a:effectRef>
-          <a:fontRef idx="minor">
-            <a:schemeClr val="dk1"/>
-          </a:fontRef>
-        </p:style>
-        <p:txBody>
-          <a:bodyPr rtlCol="0" anchor="ctr"/>
-          <a:lstStyle/>
-          <a:p>
-            <a:pPr algn="ctr"/>
-            <a:r>
-              <a:rPr lang="en-US" altLang="ko-KR" sz="1000" b="1"/>
-              <a:t>shell</a:t>
-            </a:r>
-          </a:p>
-          <a:p>
-            <a:pPr algn="ctr"/>
-            <a:r>
-              <a:rPr lang="en-US" altLang="ko-KR" sz="1000"/>
-              <a:t>Pod</a:t>
-            </a:r>
-            <a:endParaRPr lang="ko-KR" altLang="en-US" sz="1000"/>
-          </a:p>
-        </p:txBody>
-      </p:sp>
-      <p:sp>
-        <p:nvSpPr>
-          <p:cNvPr id="5" name="사각형: 둥근 모서리 29">
-            <a:extLst>
-              <a:ext uri="{FF2B5EF4-FFF2-40B4-BE49-F238E27FC236}">
-                <a16:creationId xmlns:a16="http://schemas.microsoft.com/office/drawing/2014/main" id="{AF2D8061-47E3-ED11-3E59-8620CE422284}"/>
-              </a:ext>
-            </a:extLst>
-          </p:cNvPr>
-          <p:cNvSpPr/>
-          <p:nvPr/>
-        </p:nvSpPr>
-        <p:spPr>
-          <a:xfrm>
-            <a:off x="5724128" y="411510"/>
-            <a:ext cx="1164765" cy="657290"/>
-          </a:xfrm>
-          <a:prstGeom prst="roundRect">
-            <a:avLst>
-              <a:gd name="adj" fmla="val 17374"/>
-            </a:avLst>
-          </a:prstGeom>
-          <a:ln w="12700"/>
-        </p:spPr>
-        <p:style>
-          <a:lnRef idx="2">
-            <a:schemeClr val="dk1"/>
-          </a:lnRef>
-          <a:fillRef idx="1">
-            <a:schemeClr val="lt1"/>
-          </a:fillRef>
-          <a:effectRef idx="0">
-            <a:schemeClr val="dk1"/>
-          </a:effectRef>
-          <a:fontRef idx="minor">
-            <a:schemeClr val="dk1"/>
-          </a:fontRef>
-        </p:style>
-        <p:txBody>
-          <a:bodyPr rtlCol="0" anchor="ctr"/>
-          <a:lstStyle/>
-          <a:p>
-            <a:pPr algn="ctr"/>
-            <a:r>
-              <a:rPr lang="en-US" altLang="ko-KR" sz="1000" b="1"/>
-              <a:t>mock-server</a:t>
-            </a:r>
-          </a:p>
-          <a:p>
-            <a:pPr algn="ctr"/>
-            <a:r>
-              <a:rPr lang="en-US" altLang="ko-KR" sz="1000"/>
-              <a:t>Pod</a:t>
-            </a:r>
-            <a:endParaRPr lang="ko-KR" altLang="en-US" sz="1000"/>
-          </a:p>
-        </p:txBody>
-      </p:sp>
-      <p:cxnSp>
-        <p:nvCxnSpPr>
-          <p:cNvPr id="8" name="Straight Arrow Connector 81">
-            <a:extLst>
-              <a:ext uri="{FF2B5EF4-FFF2-40B4-BE49-F238E27FC236}">
-                <a16:creationId xmlns:a16="http://schemas.microsoft.com/office/drawing/2014/main" id="{A3A3F3EA-04D5-106D-4E61-98B4C15CCDCB}"/>
-              </a:ext>
-            </a:extLst>
-          </p:cNvPr>
-          <p:cNvCxnSpPr>
-            <a:cxnSpLocks/>
-            <a:stCxn id="5" idx="2"/>
-          </p:cNvCxnSpPr>
-          <p:nvPr/>
-        </p:nvCxnSpPr>
-        <p:spPr>
-          <a:xfrm>
-            <a:off x="6306511" y="1068800"/>
-            <a:ext cx="0" cy="3375158"/>
-          </a:xfrm>
-          <a:prstGeom prst="straightConnector1">
-            <a:avLst/>
-          </a:prstGeom>
-          <a:ln>
-            <a:solidFill>
-              <a:schemeClr val="tx1"/>
-            </a:solidFill>
-            <a:prstDash val="dash"/>
-            <a:tailEnd type="triangle"/>
-          </a:ln>
-        </p:spPr>
-        <p:style>
-          <a:lnRef idx="1">
-            <a:schemeClr val="accent1"/>
-          </a:lnRef>
-          <a:fillRef idx="0">
-            <a:schemeClr val="accent1"/>
-          </a:fillRef>
-          <a:effectRef idx="0">
-            <a:schemeClr val="accent1"/>
-          </a:effectRef>
-          <a:fontRef idx="minor">
-            <a:schemeClr val="tx1"/>
-          </a:fontRef>
-        </p:style>
-      </p:cxnSp>
-      <p:cxnSp>
-        <p:nvCxnSpPr>
-          <p:cNvPr id="2" name="Straight Arrow Connector 81">
-            <a:extLst>
-              <a:ext uri="{FF2B5EF4-FFF2-40B4-BE49-F238E27FC236}">
-                <a16:creationId xmlns:a16="http://schemas.microsoft.com/office/drawing/2014/main" id="{235C000A-EE27-D876-2249-2378AE5E7147}"/>
-              </a:ext>
-            </a:extLst>
-          </p:cNvPr>
-          <p:cNvCxnSpPr>
-            <a:cxnSpLocks/>
-            <a:stCxn id="4" idx="2"/>
-          </p:cNvCxnSpPr>
-          <p:nvPr/>
-        </p:nvCxnSpPr>
-        <p:spPr>
-          <a:xfrm>
-            <a:off x="2346071" y="1068800"/>
-            <a:ext cx="0" cy="3375158"/>
-          </a:xfrm>
-          <a:prstGeom prst="straightConnector1">
-            <a:avLst/>
-          </a:prstGeom>
-          <a:ln>
-            <a:solidFill>
-              <a:schemeClr val="tx1"/>
-            </a:solidFill>
-            <a:prstDash val="dash"/>
-            <a:tailEnd type="triangle"/>
-          </a:ln>
-        </p:spPr>
-        <p:style>
-          <a:lnRef idx="1">
-            <a:schemeClr val="accent1"/>
-          </a:lnRef>
-          <a:fillRef idx="0">
-            <a:schemeClr val="accent1"/>
-          </a:fillRef>
-          <a:effectRef idx="0">
-            <a:schemeClr val="accent1"/>
-          </a:effectRef>
-          <a:fontRef idx="minor">
-            <a:schemeClr val="tx1"/>
-          </a:fontRef>
-        </p:style>
-      </p:cxnSp>
-      <p:cxnSp>
-        <p:nvCxnSpPr>
-          <p:cNvPr id="17" name="Straight Arrow Connector 81">
-            <a:extLst>
-              <a:ext uri="{FF2B5EF4-FFF2-40B4-BE49-F238E27FC236}">
-                <a16:creationId xmlns:a16="http://schemas.microsoft.com/office/drawing/2014/main" id="{E9698C5E-00E5-6CAA-BC6C-BD8B8DDF73D0}"/>
-              </a:ext>
-            </a:extLst>
-          </p:cNvPr>
-          <p:cNvCxnSpPr>
-            <a:cxnSpLocks/>
-          </p:cNvCxnSpPr>
-          <p:nvPr/>
-        </p:nvCxnSpPr>
-        <p:spPr>
-          <a:xfrm>
-            <a:off x="2346071" y="1203596"/>
-            <a:ext cx="3960440" cy="0"/>
-          </a:xfrm>
-          <a:prstGeom prst="straightConnector1">
-            <a:avLst/>
-          </a:prstGeom>
-          <a:ln>
-            <a:solidFill>
-              <a:schemeClr val="tx1"/>
-            </a:solidFill>
-            <a:tailEnd type="triangle"/>
-          </a:ln>
-        </p:spPr>
-        <p:style>
-          <a:lnRef idx="1">
-            <a:schemeClr val="accent1"/>
-          </a:lnRef>
-          <a:fillRef idx="0">
-            <a:schemeClr val="accent1"/>
-          </a:fillRef>
-          <a:effectRef idx="0">
-            <a:schemeClr val="accent1"/>
-          </a:effectRef>
-          <a:fontRef idx="minor">
-            <a:schemeClr val="tx1"/>
-          </a:fontRef>
-        </p:style>
-      </p:cxnSp>
-      <p:sp>
-        <p:nvSpPr>
-          <p:cNvPr id="20" name="TextBox 19">
-            <a:extLst>
-              <a:ext uri="{FF2B5EF4-FFF2-40B4-BE49-F238E27FC236}">
-                <a16:creationId xmlns:a16="http://schemas.microsoft.com/office/drawing/2014/main" id="{D75EF94A-47CB-AFD6-A77B-C7D7EC066A59}"/>
-              </a:ext>
-            </a:extLst>
-          </p:cNvPr>
-          <p:cNvSpPr txBox="1"/>
-          <p:nvPr/>
-        </p:nvSpPr>
-        <p:spPr>
-          <a:xfrm>
-            <a:off x="2928454" y="957375"/>
-            <a:ext cx="2795674" cy="246221"/>
-          </a:xfrm>
-          <a:prstGeom prst="rect">
-            <a:avLst/>
-          </a:prstGeom>
-          <a:noFill/>
-        </p:spPr>
-        <p:txBody>
-          <a:bodyPr wrap="square" rtlCol="0">
-            <a:spAutoFit/>
-          </a:bodyPr>
-          <a:lstStyle/>
-          <a:p>
-            <a:r>
-              <a:rPr kumimoji="1" lang="en-US" altLang="ko-KR" sz="1000" i="1"/>
-              <a:t>GET </a:t>
-            </a:r>
-            <a:r>
-              <a:rPr lang="en" altLang="ko-KR" sz="1000" i="1"/>
-              <a:t>mock-server:8080/status/503</a:t>
-            </a:r>
-            <a:endParaRPr kumimoji="1" lang="ko-KR" altLang="en-US" sz="1000" i="1"/>
-          </a:p>
-        </p:txBody>
-      </p:sp>
-      <p:cxnSp>
-        <p:nvCxnSpPr>
-          <p:cNvPr id="23" name="Straight Arrow Connector 81">
-            <a:extLst>
-              <a:ext uri="{FF2B5EF4-FFF2-40B4-BE49-F238E27FC236}">
-                <a16:creationId xmlns:a16="http://schemas.microsoft.com/office/drawing/2014/main" id="{236AA8F0-5F6A-22EF-0602-EBCF98A0D220}"/>
-              </a:ext>
-            </a:extLst>
-          </p:cNvPr>
-          <p:cNvCxnSpPr>
-            <a:cxnSpLocks/>
-          </p:cNvCxnSpPr>
-          <p:nvPr/>
-        </p:nvCxnSpPr>
-        <p:spPr>
-          <a:xfrm>
-            <a:off x="2346071" y="1275606"/>
-            <a:ext cx="3960440" cy="0"/>
-          </a:xfrm>
-          <a:prstGeom prst="straightConnector1">
-            <a:avLst/>
-          </a:prstGeom>
-          <a:ln>
-            <a:solidFill>
-              <a:schemeClr val="tx1"/>
-            </a:solidFill>
-            <a:headEnd type="triangle" w="med" len="med"/>
-            <a:tailEnd type="none" w="med" len="med"/>
-          </a:ln>
-        </p:spPr>
-        <p:style>
-          <a:lnRef idx="1">
-            <a:schemeClr val="accent1"/>
-          </a:lnRef>
-          <a:fillRef idx="0">
-            <a:schemeClr val="accent1"/>
-          </a:fillRef>
-          <a:effectRef idx="0">
-            <a:schemeClr val="accent1"/>
-          </a:effectRef>
-          <a:fontRef idx="minor">
-            <a:schemeClr val="tx1"/>
-          </a:fontRef>
-        </p:style>
-      </p:cxnSp>
-      <p:sp>
-        <p:nvSpPr>
-          <p:cNvPr id="24" name="TextBox 23">
-            <a:extLst>
-              <a:ext uri="{FF2B5EF4-FFF2-40B4-BE49-F238E27FC236}">
-                <a16:creationId xmlns:a16="http://schemas.microsoft.com/office/drawing/2014/main" id="{FFEB8B80-941E-DBC9-968E-589F748809D3}"/>
-              </a:ext>
-            </a:extLst>
-          </p:cNvPr>
-          <p:cNvSpPr txBox="1"/>
-          <p:nvPr/>
-        </p:nvSpPr>
-        <p:spPr>
-          <a:xfrm>
-            <a:off x="2928454" y="1275606"/>
-            <a:ext cx="2795674" cy="246221"/>
-          </a:xfrm>
-          <a:prstGeom prst="rect">
-            <a:avLst/>
-          </a:prstGeom>
-          <a:noFill/>
-        </p:spPr>
-        <p:txBody>
-          <a:bodyPr wrap="square" rtlCol="0">
-            <a:spAutoFit/>
-          </a:bodyPr>
-          <a:lstStyle/>
-          <a:p>
-            <a:pPr algn="r"/>
-            <a:r>
-              <a:rPr kumimoji="1" lang="en-US" altLang="ko-KR" sz="1000" i="1"/>
-              <a:t>503 Service Unavailable</a:t>
-            </a:r>
-            <a:endParaRPr kumimoji="1" lang="ko-KR" altLang="en-US" sz="1000" i="1"/>
-          </a:p>
-        </p:txBody>
-      </p:sp>
-      <p:cxnSp>
-        <p:nvCxnSpPr>
-          <p:cNvPr id="3" name="Straight Arrow Connector 81">
-            <a:extLst>
-              <a:ext uri="{FF2B5EF4-FFF2-40B4-BE49-F238E27FC236}">
-                <a16:creationId xmlns:a16="http://schemas.microsoft.com/office/drawing/2014/main" id="{A505907C-7434-B45A-4681-C1D870FBA351}"/>
-              </a:ext>
-            </a:extLst>
-          </p:cNvPr>
-          <p:cNvCxnSpPr>
-            <a:cxnSpLocks/>
-          </p:cNvCxnSpPr>
-          <p:nvPr/>
-        </p:nvCxnSpPr>
-        <p:spPr>
-          <a:xfrm>
-            <a:off x="2346071" y="2433535"/>
-            <a:ext cx="3960440" cy="0"/>
-          </a:xfrm>
-          <a:prstGeom prst="straightConnector1">
-            <a:avLst/>
-          </a:prstGeom>
-          <a:ln>
-            <a:solidFill>
-              <a:schemeClr val="tx1"/>
-            </a:solidFill>
-            <a:tailEnd type="triangle"/>
-          </a:ln>
-        </p:spPr>
-        <p:style>
-          <a:lnRef idx="1">
-            <a:schemeClr val="accent1"/>
-          </a:lnRef>
-          <a:fillRef idx="0">
-            <a:schemeClr val="accent1"/>
-          </a:fillRef>
-          <a:effectRef idx="0">
-            <a:schemeClr val="accent1"/>
-          </a:effectRef>
-          <a:fontRef idx="minor">
-            <a:schemeClr val="tx1"/>
-          </a:fontRef>
-        </p:style>
-      </p:cxnSp>
-      <p:sp>
-        <p:nvSpPr>
-          <p:cNvPr id="6" name="TextBox 5">
-            <a:extLst>
-              <a:ext uri="{FF2B5EF4-FFF2-40B4-BE49-F238E27FC236}">
-                <a16:creationId xmlns:a16="http://schemas.microsoft.com/office/drawing/2014/main" id="{526734C0-14D7-73C4-530D-F13A8E3E35CF}"/>
-              </a:ext>
-            </a:extLst>
-          </p:cNvPr>
-          <p:cNvSpPr txBox="1"/>
-          <p:nvPr/>
-        </p:nvSpPr>
-        <p:spPr>
-          <a:xfrm>
-            <a:off x="2928454" y="2187314"/>
-            <a:ext cx="2795674" cy="246221"/>
-          </a:xfrm>
-          <a:prstGeom prst="rect">
-            <a:avLst/>
-          </a:prstGeom>
-          <a:noFill/>
-        </p:spPr>
-        <p:txBody>
-          <a:bodyPr wrap="square" rtlCol="0">
-            <a:spAutoFit/>
-          </a:bodyPr>
-          <a:lstStyle/>
-          <a:p>
-            <a:r>
-              <a:rPr kumimoji="1" lang="en-US" altLang="ko-KR" sz="1000" i="1"/>
-              <a:t>GET </a:t>
-            </a:r>
-            <a:r>
-              <a:rPr lang="en" altLang="ko-KR" sz="1000" i="1"/>
-              <a:t>mock-server:8080/status/503</a:t>
-            </a:r>
-            <a:endParaRPr kumimoji="1" lang="ko-KR" altLang="en-US" sz="1000" i="1"/>
-          </a:p>
-        </p:txBody>
-      </p:sp>
-      <p:cxnSp>
-        <p:nvCxnSpPr>
-          <p:cNvPr id="7" name="Straight Arrow Connector 81">
-            <a:extLst>
-              <a:ext uri="{FF2B5EF4-FFF2-40B4-BE49-F238E27FC236}">
-                <a16:creationId xmlns:a16="http://schemas.microsoft.com/office/drawing/2014/main" id="{1F961F7F-60B1-4C9B-C4DC-FAA5547BD92C}"/>
-              </a:ext>
-            </a:extLst>
-          </p:cNvPr>
-          <p:cNvCxnSpPr>
-            <a:cxnSpLocks/>
-          </p:cNvCxnSpPr>
-          <p:nvPr/>
-        </p:nvCxnSpPr>
-        <p:spPr>
-          <a:xfrm>
-            <a:off x="2346071" y="2505545"/>
-            <a:ext cx="3960440" cy="0"/>
-          </a:xfrm>
-          <a:prstGeom prst="straightConnector1">
-            <a:avLst/>
-          </a:prstGeom>
-          <a:ln>
-            <a:solidFill>
-              <a:schemeClr val="tx1"/>
-            </a:solidFill>
-            <a:headEnd type="triangle" w="med" len="med"/>
-            <a:tailEnd type="none" w="med" len="med"/>
-          </a:ln>
-        </p:spPr>
-        <p:style>
-          <a:lnRef idx="1">
-            <a:schemeClr val="accent1"/>
-          </a:lnRef>
-          <a:fillRef idx="0">
-            <a:schemeClr val="accent1"/>
-          </a:fillRef>
-          <a:effectRef idx="0">
-            <a:schemeClr val="accent1"/>
-          </a:effectRef>
-          <a:fontRef idx="minor">
-            <a:schemeClr val="tx1"/>
-          </a:fontRef>
-        </p:style>
-      </p:cxnSp>
-      <p:sp>
-        <p:nvSpPr>
-          <p:cNvPr id="9" name="TextBox 8">
-            <a:extLst>
-              <a:ext uri="{FF2B5EF4-FFF2-40B4-BE49-F238E27FC236}">
-                <a16:creationId xmlns:a16="http://schemas.microsoft.com/office/drawing/2014/main" id="{40976B70-5713-6C58-8812-F1952B228034}"/>
-              </a:ext>
-            </a:extLst>
-          </p:cNvPr>
-          <p:cNvSpPr txBox="1"/>
-          <p:nvPr/>
-        </p:nvSpPr>
-        <p:spPr>
-          <a:xfrm>
-            <a:off x="2928454" y="2505545"/>
-            <a:ext cx="2795674" cy="246221"/>
-          </a:xfrm>
-          <a:prstGeom prst="rect">
-            <a:avLst/>
-          </a:prstGeom>
-          <a:noFill/>
-        </p:spPr>
-        <p:txBody>
-          <a:bodyPr wrap="square" rtlCol="0">
-            <a:spAutoFit/>
-          </a:bodyPr>
-          <a:lstStyle/>
-          <a:p>
-            <a:pPr algn="r"/>
-            <a:r>
-              <a:rPr kumimoji="1" lang="en-US" altLang="ko-KR" sz="1000" i="1"/>
-              <a:t>503 Service Unavailable</a:t>
-            </a:r>
-            <a:endParaRPr kumimoji="1" lang="ko-KR" altLang="en-US" sz="1000" i="1"/>
-          </a:p>
-        </p:txBody>
-      </p:sp>
-      <p:sp>
-        <p:nvSpPr>
-          <p:cNvPr id="10" name="타원 9">
-            <a:extLst>
-              <a:ext uri="{FF2B5EF4-FFF2-40B4-BE49-F238E27FC236}">
-                <a16:creationId xmlns:a16="http://schemas.microsoft.com/office/drawing/2014/main" id="{C9618050-C7AF-062B-E7C4-89173C887446}"/>
-              </a:ext>
-            </a:extLst>
-          </p:cNvPr>
-          <p:cNvSpPr/>
-          <p:nvPr/>
-        </p:nvSpPr>
-        <p:spPr>
-          <a:xfrm>
-            <a:off x="4285124" y="1646102"/>
-            <a:ext cx="72008" cy="72008"/>
-          </a:xfrm>
-          <a:prstGeom prst="ellipse">
-            <a:avLst/>
-          </a:prstGeom>
-          <a:solidFill>
-            <a:schemeClr val="tx1"/>
-          </a:solidFill>
-          <a:ln>
-            <a:noFill/>
-          </a:ln>
-        </p:spPr>
-        <p:style>
-          <a:lnRef idx="2">
-            <a:schemeClr val="accent1">
-              <a:shade val="15000"/>
-            </a:schemeClr>
-          </a:lnRef>
-          <a:fillRef idx="1">
-            <a:schemeClr val="accent1"/>
-          </a:fillRef>
-          <a:effectRef idx="0">
-            <a:schemeClr val="accent1"/>
-          </a:effectRef>
-          <a:fontRef idx="minor">
-            <a:schemeClr val="lt1"/>
-          </a:fontRef>
-        </p:style>
-        <p:txBody>
-          <a:bodyPr rtlCol="0" anchor="ctr"/>
-          <a:lstStyle/>
-          <a:p>
-            <a:pPr algn="ctr"/>
-            <a:endParaRPr kumimoji="1" lang="ko-KR" altLang="en-US"/>
-          </a:p>
-        </p:txBody>
-      </p:sp>
-      <p:sp>
-        <p:nvSpPr>
-          <p:cNvPr id="11" name="타원 10">
-            <a:extLst>
-              <a:ext uri="{FF2B5EF4-FFF2-40B4-BE49-F238E27FC236}">
-                <a16:creationId xmlns:a16="http://schemas.microsoft.com/office/drawing/2014/main" id="{E939AB10-34A7-D605-0FEC-CC5273246E1F}"/>
-              </a:ext>
-            </a:extLst>
-          </p:cNvPr>
-          <p:cNvSpPr/>
-          <p:nvPr/>
-        </p:nvSpPr>
-        <p:spPr>
-          <a:xfrm>
-            <a:off x="4285124" y="1798822"/>
-            <a:ext cx="72008" cy="72008"/>
-          </a:xfrm>
-          <a:prstGeom prst="ellipse">
-            <a:avLst/>
-          </a:prstGeom>
-          <a:solidFill>
-            <a:schemeClr val="tx1"/>
-          </a:solidFill>
-          <a:ln>
-            <a:noFill/>
-          </a:ln>
-        </p:spPr>
-        <p:style>
-          <a:lnRef idx="2">
-            <a:schemeClr val="accent1">
-              <a:shade val="15000"/>
-            </a:schemeClr>
-          </a:lnRef>
-          <a:fillRef idx="1">
-            <a:schemeClr val="accent1"/>
-          </a:fillRef>
-          <a:effectRef idx="0">
-            <a:schemeClr val="accent1"/>
-          </a:effectRef>
-          <a:fontRef idx="minor">
-            <a:schemeClr val="lt1"/>
-          </a:fontRef>
-        </p:style>
-        <p:txBody>
-          <a:bodyPr rtlCol="0" anchor="ctr"/>
-          <a:lstStyle/>
-          <a:p>
-            <a:pPr algn="ctr"/>
-            <a:endParaRPr kumimoji="1" lang="ko-KR" altLang="en-US"/>
-          </a:p>
-        </p:txBody>
-      </p:sp>
-      <p:sp>
-        <p:nvSpPr>
-          <p:cNvPr id="12" name="타원 11">
-            <a:extLst>
-              <a:ext uri="{FF2B5EF4-FFF2-40B4-BE49-F238E27FC236}">
-                <a16:creationId xmlns:a16="http://schemas.microsoft.com/office/drawing/2014/main" id="{C98A2DE9-970F-CB1C-36AA-4032FBBA18BF}"/>
-              </a:ext>
-            </a:extLst>
-          </p:cNvPr>
-          <p:cNvSpPr/>
-          <p:nvPr/>
-        </p:nvSpPr>
-        <p:spPr>
-          <a:xfrm>
-            <a:off x="4285124" y="1951517"/>
-            <a:ext cx="72008" cy="72008"/>
-          </a:xfrm>
-          <a:prstGeom prst="ellipse">
-            <a:avLst/>
-          </a:prstGeom>
-          <a:solidFill>
-            <a:schemeClr val="tx1"/>
-          </a:solidFill>
-          <a:ln>
-            <a:noFill/>
-          </a:ln>
-        </p:spPr>
-        <p:style>
-          <a:lnRef idx="2">
-            <a:schemeClr val="accent1">
-              <a:shade val="15000"/>
-            </a:schemeClr>
-          </a:lnRef>
-          <a:fillRef idx="1">
-            <a:schemeClr val="accent1"/>
-          </a:fillRef>
-          <a:effectRef idx="0">
-            <a:schemeClr val="accent1"/>
-          </a:effectRef>
-          <a:fontRef idx="minor">
-            <a:schemeClr val="lt1"/>
-          </a:fontRef>
-        </p:style>
-        <p:txBody>
-          <a:bodyPr rtlCol="0" anchor="ctr"/>
-          <a:lstStyle/>
-          <a:p>
-            <a:pPr algn="ctr"/>
-            <a:endParaRPr kumimoji="1" lang="ko-KR" altLang="en-US"/>
-          </a:p>
-        </p:txBody>
-      </p:sp>
-      <p:sp>
-        <p:nvSpPr>
-          <p:cNvPr id="13" name="호 12">
-            <a:extLst>
-              <a:ext uri="{FF2B5EF4-FFF2-40B4-BE49-F238E27FC236}">
-                <a16:creationId xmlns:a16="http://schemas.microsoft.com/office/drawing/2014/main" id="{6BC0E9FE-6901-32BE-471E-55F76663F12A}"/>
-              </a:ext>
-            </a:extLst>
-          </p:cNvPr>
-          <p:cNvSpPr/>
-          <p:nvPr/>
-        </p:nvSpPr>
-        <p:spPr>
-          <a:xfrm>
-            <a:off x="6168328" y="1199085"/>
-            <a:ext cx="276365" cy="1300653"/>
-          </a:xfrm>
-          <a:prstGeom prst="arc">
-            <a:avLst>
-              <a:gd name="adj1" fmla="val 16200000"/>
-              <a:gd name="adj2" fmla="val 5412057"/>
-            </a:avLst>
-          </a:prstGeom>
-          <a:ln>
-            <a:solidFill>
-              <a:schemeClr val="tx1"/>
-            </a:solidFill>
-            <a:headEnd type="none" w="med" len="med"/>
-            <a:tailEnd type="triangle" w="med" len="med"/>
-          </a:ln>
-        </p:spPr>
-        <p:style>
-          <a:lnRef idx="1">
-            <a:schemeClr val="accent1"/>
-          </a:lnRef>
-          <a:fillRef idx="0">
-            <a:schemeClr val="accent1"/>
-          </a:fillRef>
-          <a:effectRef idx="0">
-            <a:schemeClr val="accent1"/>
-          </a:effectRef>
-          <a:fontRef idx="minor">
-            <a:schemeClr val="tx1"/>
-          </a:fontRef>
-        </p:style>
-        <p:txBody>
-          <a:bodyPr rtlCol="0" anchor="ctr"/>
-          <a:lstStyle/>
-          <a:p>
-            <a:pPr algn="ctr"/>
-            <a:endParaRPr kumimoji="1" lang="ko-KR" altLang="en-US"/>
-          </a:p>
-        </p:txBody>
-      </p:sp>
-      <p:sp>
-        <p:nvSpPr>
-          <p:cNvPr id="14" name="TextBox 13">
-            <a:extLst>
-              <a:ext uri="{FF2B5EF4-FFF2-40B4-BE49-F238E27FC236}">
-                <a16:creationId xmlns:a16="http://schemas.microsoft.com/office/drawing/2014/main" id="{A526E9C5-8F09-6DFD-C895-9B8871050F8C}"/>
-              </a:ext>
-            </a:extLst>
-          </p:cNvPr>
-          <p:cNvSpPr txBox="1"/>
-          <p:nvPr/>
-        </p:nvSpPr>
-        <p:spPr>
-          <a:xfrm>
-            <a:off x="6337278" y="1726300"/>
-            <a:ext cx="689798" cy="246221"/>
-          </a:xfrm>
-          <a:prstGeom prst="rect">
-            <a:avLst/>
-          </a:prstGeom>
-          <a:noFill/>
-        </p:spPr>
-        <p:txBody>
-          <a:bodyPr wrap="square" rtlCol="0">
-            <a:spAutoFit/>
-          </a:bodyPr>
-          <a:lstStyle/>
-          <a:p>
-            <a:pPr algn="ctr"/>
-            <a:r>
-              <a:rPr kumimoji="1" lang="en-US" altLang="ko-KR" sz="1000" i="1"/>
-              <a:t>5times</a:t>
-            </a:r>
-            <a:endParaRPr kumimoji="1" lang="ko-KR" altLang="en-US" sz="1000" i="1"/>
-          </a:p>
-        </p:txBody>
-      </p:sp>
-      <p:cxnSp>
-        <p:nvCxnSpPr>
-          <p:cNvPr id="15" name="Straight Arrow Connector 81">
-            <a:extLst>
-              <a:ext uri="{FF2B5EF4-FFF2-40B4-BE49-F238E27FC236}">
-                <a16:creationId xmlns:a16="http://schemas.microsoft.com/office/drawing/2014/main" id="{1C678776-51B3-3A89-1CC4-82F261FE8D75}"/>
-              </a:ext>
-            </a:extLst>
-          </p:cNvPr>
-          <p:cNvCxnSpPr>
-            <a:cxnSpLocks/>
-          </p:cNvCxnSpPr>
-          <p:nvPr/>
-        </p:nvCxnSpPr>
-        <p:spPr>
-          <a:xfrm>
-            <a:off x="2346071" y="3092360"/>
-            <a:ext cx="569745" cy="0"/>
-          </a:xfrm>
-          <a:prstGeom prst="straightConnector1">
-            <a:avLst/>
-          </a:prstGeom>
-          <a:ln>
-            <a:solidFill>
-              <a:schemeClr val="tx1"/>
-            </a:solidFill>
-            <a:tailEnd type="triangle"/>
-          </a:ln>
-        </p:spPr>
-        <p:style>
-          <a:lnRef idx="1">
-            <a:schemeClr val="accent1"/>
-          </a:lnRef>
-          <a:fillRef idx="0">
-            <a:schemeClr val="accent1"/>
-          </a:fillRef>
-          <a:effectRef idx="0">
-            <a:schemeClr val="accent1"/>
-          </a:effectRef>
-          <a:fontRef idx="minor">
-            <a:schemeClr val="tx1"/>
-          </a:fontRef>
-        </p:style>
-      </p:cxnSp>
-      <p:sp>
-        <p:nvSpPr>
-          <p:cNvPr id="16" name="TextBox 15">
-            <a:extLst>
-              <a:ext uri="{FF2B5EF4-FFF2-40B4-BE49-F238E27FC236}">
-                <a16:creationId xmlns:a16="http://schemas.microsoft.com/office/drawing/2014/main" id="{9633C0E1-B114-BC40-EF52-15FDBA42437B}"/>
-              </a:ext>
-            </a:extLst>
-          </p:cNvPr>
-          <p:cNvSpPr txBox="1"/>
-          <p:nvPr/>
-        </p:nvSpPr>
-        <p:spPr>
-          <a:xfrm>
-            <a:off x="2928454" y="2852801"/>
-            <a:ext cx="2795674" cy="246221"/>
-          </a:xfrm>
-          <a:prstGeom prst="rect">
-            <a:avLst/>
-          </a:prstGeom>
-          <a:noFill/>
-        </p:spPr>
-        <p:txBody>
-          <a:bodyPr wrap="square" rtlCol="0">
-            <a:spAutoFit/>
-          </a:bodyPr>
-          <a:lstStyle/>
-          <a:p>
-            <a:r>
-              <a:rPr kumimoji="1" lang="en-US" altLang="ko-KR" sz="1000" i="1"/>
-              <a:t>GET </a:t>
-            </a:r>
-            <a:r>
-              <a:rPr lang="en" altLang="ko-KR" sz="1000" i="1"/>
-              <a:t>mock-server:8080/status/503</a:t>
-            </a:r>
-            <a:endParaRPr kumimoji="1" lang="ko-KR" altLang="en-US" sz="1000" i="1"/>
-          </a:p>
-        </p:txBody>
-      </p:sp>
-      <p:cxnSp>
-        <p:nvCxnSpPr>
-          <p:cNvPr id="22" name="Straight Arrow Connector 81">
-            <a:extLst>
-              <a:ext uri="{FF2B5EF4-FFF2-40B4-BE49-F238E27FC236}">
-                <a16:creationId xmlns:a16="http://schemas.microsoft.com/office/drawing/2014/main" id="{9B69D0BE-25C4-BD20-46A4-FB96B34F6C89}"/>
-              </a:ext>
-            </a:extLst>
-          </p:cNvPr>
-          <p:cNvCxnSpPr>
-            <a:cxnSpLocks/>
-          </p:cNvCxnSpPr>
-          <p:nvPr/>
-        </p:nvCxnSpPr>
-        <p:spPr>
-          <a:xfrm>
-            <a:off x="2346071" y="3337930"/>
-            <a:ext cx="569745" cy="0"/>
-          </a:xfrm>
-          <a:prstGeom prst="straightConnector1">
-            <a:avLst/>
-          </a:prstGeom>
-          <a:ln>
-            <a:solidFill>
-              <a:schemeClr val="tx1"/>
-            </a:solidFill>
-            <a:tailEnd type="triangle"/>
-          </a:ln>
-        </p:spPr>
-        <p:style>
-          <a:lnRef idx="1">
-            <a:schemeClr val="accent1"/>
-          </a:lnRef>
-          <a:fillRef idx="0">
-            <a:schemeClr val="accent1"/>
-          </a:fillRef>
-          <a:effectRef idx="0">
-            <a:schemeClr val="accent1"/>
-          </a:effectRef>
-          <a:fontRef idx="minor">
-            <a:schemeClr val="tx1"/>
-          </a:fontRef>
-        </p:style>
-      </p:cxnSp>
-      <p:sp>
-        <p:nvSpPr>
-          <p:cNvPr id="25" name="TextBox 24">
-            <a:extLst>
-              <a:ext uri="{FF2B5EF4-FFF2-40B4-BE49-F238E27FC236}">
-                <a16:creationId xmlns:a16="http://schemas.microsoft.com/office/drawing/2014/main" id="{8F5097BB-94E4-248F-8A5D-AFFAA1FA8912}"/>
-              </a:ext>
-            </a:extLst>
-          </p:cNvPr>
-          <p:cNvSpPr txBox="1"/>
-          <p:nvPr/>
-        </p:nvSpPr>
-        <p:spPr>
-          <a:xfrm>
-            <a:off x="2928454" y="3098371"/>
-            <a:ext cx="2795674" cy="246221"/>
-          </a:xfrm>
-          <a:prstGeom prst="rect">
-            <a:avLst/>
-          </a:prstGeom>
-          <a:noFill/>
-        </p:spPr>
-        <p:txBody>
-          <a:bodyPr wrap="square" rtlCol="0">
-            <a:spAutoFit/>
-          </a:bodyPr>
-          <a:lstStyle/>
-          <a:p>
-            <a:r>
-              <a:rPr kumimoji="1" lang="en-US" altLang="ko-KR" sz="1000" i="1"/>
-              <a:t>GET </a:t>
-            </a:r>
-            <a:r>
-              <a:rPr lang="en" altLang="ko-KR" sz="1000" i="1"/>
-              <a:t>mock-server:8080/status/503</a:t>
-            </a:r>
-            <a:endParaRPr kumimoji="1" lang="ko-KR" altLang="en-US" sz="1000" i="1"/>
-          </a:p>
-        </p:txBody>
-      </p:sp>
-      <p:cxnSp>
-        <p:nvCxnSpPr>
-          <p:cNvPr id="26" name="Straight Arrow Connector 81">
-            <a:extLst>
-              <a:ext uri="{FF2B5EF4-FFF2-40B4-BE49-F238E27FC236}">
-                <a16:creationId xmlns:a16="http://schemas.microsoft.com/office/drawing/2014/main" id="{5F2933BF-399D-4108-F0FE-14E3BED400C6}"/>
-              </a:ext>
-            </a:extLst>
-          </p:cNvPr>
-          <p:cNvCxnSpPr>
-            <a:cxnSpLocks/>
-          </p:cNvCxnSpPr>
-          <p:nvPr/>
-        </p:nvCxnSpPr>
-        <p:spPr>
-          <a:xfrm>
-            <a:off x="2346071" y="3584151"/>
-            <a:ext cx="569745" cy="0"/>
-          </a:xfrm>
-          <a:prstGeom prst="straightConnector1">
-            <a:avLst/>
-          </a:prstGeom>
-          <a:ln>
-            <a:solidFill>
-              <a:schemeClr val="tx1"/>
-            </a:solidFill>
-            <a:tailEnd type="triangle"/>
-          </a:ln>
-        </p:spPr>
-        <p:style>
-          <a:lnRef idx="1">
-            <a:schemeClr val="accent1"/>
-          </a:lnRef>
-          <a:fillRef idx="0">
-            <a:schemeClr val="accent1"/>
-          </a:fillRef>
-          <a:effectRef idx="0">
-            <a:schemeClr val="accent1"/>
-          </a:effectRef>
-          <a:fontRef idx="minor">
-            <a:schemeClr val="tx1"/>
-          </a:fontRef>
-        </p:style>
-      </p:cxnSp>
-      <p:sp>
-        <p:nvSpPr>
-          <p:cNvPr id="27" name="TextBox 26">
-            <a:extLst>
-              <a:ext uri="{FF2B5EF4-FFF2-40B4-BE49-F238E27FC236}">
-                <a16:creationId xmlns:a16="http://schemas.microsoft.com/office/drawing/2014/main" id="{A83006CE-677B-10C0-907B-4F6E952BE26F}"/>
-              </a:ext>
-            </a:extLst>
-          </p:cNvPr>
-          <p:cNvSpPr txBox="1"/>
-          <p:nvPr/>
-        </p:nvSpPr>
-        <p:spPr>
-          <a:xfrm>
-            <a:off x="2928454" y="3344592"/>
-            <a:ext cx="2795674" cy="246221"/>
-          </a:xfrm>
-          <a:prstGeom prst="rect">
-            <a:avLst/>
-          </a:prstGeom>
-          <a:noFill/>
-        </p:spPr>
-        <p:txBody>
-          <a:bodyPr wrap="square" rtlCol="0">
-            <a:spAutoFit/>
-          </a:bodyPr>
-          <a:lstStyle/>
-          <a:p>
-            <a:r>
-              <a:rPr kumimoji="1" lang="en-US" altLang="ko-KR" sz="1000" i="1"/>
-              <a:t>GET </a:t>
-            </a:r>
-            <a:r>
-              <a:rPr lang="en" altLang="ko-KR" sz="1000" i="1"/>
-              <a:t>mock-server:8080/status/503</a:t>
-            </a:r>
-            <a:endParaRPr kumimoji="1" lang="ko-KR" altLang="en-US" sz="1000" i="1"/>
-          </a:p>
-        </p:txBody>
-      </p:sp>
-    </p:spTree>
-    <p:extLst>
-      <p:ext uri="{BB962C8B-B14F-4D97-AF65-F5344CB8AC3E}">
-        <p14:creationId xmlns:p14="http://schemas.microsoft.com/office/powerpoint/2010/main" val="1848124166"/>
       </p:ext>
     </p:extLst>
   </p:cSld>
@@ -26256,6 +26579,1081 @@
         <p:cNvPr id="1" name="">
           <a:extLst>
             <a:ext uri="{FF2B5EF4-FFF2-40B4-BE49-F238E27FC236}">
+              <a16:creationId xmlns:a16="http://schemas.microsoft.com/office/drawing/2014/main" id="{37F64EE1-C6A4-D1CD-01C5-D8F1579D7BF0}"/>
+            </a:ext>
+          </a:extLst>
+        </p:cNvPr>
+        <p:cNvGrpSpPr/>
+        <p:nvPr/>
+      </p:nvGrpSpPr>
+      <p:grpSpPr>
+        <a:xfrm>
+          <a:off x="0" y="0"/>
+          <a:ext cx="0" cy="0"/>
+          <a:chOff x="0" y="0"/>
+          <a:chExt cx="0" cy="0"/>
+        </a:xfrm>
+      </p:grpSpPr>
+      <p:sp>
+        <p:nvSpPr>
+          <p:cNvPr id="4" name="사각형: 둥근 모서리 29">
+            <a:extLst>
+              <a:ext uri="{FF2B5EF4-FFF2-40B4-BE49-F238E27FC236}">
+                <a16:creationId xmlns:a16="http://schemas.microsoft.com/office/drawing/2014/main" id="{6EDB1EE3-920E-070E-9E90-720792CD8100}"/>
+              </a:ext>
+            </a:extLst>
+          </p:cNvPr>
+          <p:cNvSpPr/>
+          <p:nvPr/>
+        </p:nvSpPr>
+        <p:spPr>
+          <a:xfrm>
+            <a:off x="1763688" y="411510"/>
+            <a:ext cx="1164765" cy="657290"/>
+          </a:xfrm>
+          <a:prstGeom prst="roundRect">
+            <a:avLst>
+              <a:gd name="adj" fmla="val 17374"/>
+            </a:avLst>
+          </a:prstGeom>
+          <a:ln w="12700"/>
+        </p:spPr>
+        <p:style>
+          <a:lnRef idx="2">
+            <a:schemeClr val="dk1"/>
+          </a:lnRef>
+          <a:fillRef idx="1">
+            <a:schemeClr val="lt1"/>
+          </a:fillRef>
+          <a:effectRef idx="0">
+            <a:schemeClr val="dk1"/>
+          </a:effectRef>
+          <a:fontRef idx="minor">
+            <a:schemeClr val="dk1"/>
+          </a:fontRef>
+        </p:style>
+        <p:txBody>
+          <a:bodyPr rtlCol="0" anchor="ctr"/>
+          <a:lstStyle/>
+          <a:p>
+            <a:pPr algn="ctr"/>
+            <a:r>
+              <a:rPr lang="en-US" altLang="ko-KR" sz="1000" b="1"/>
+              <a:t>shell</a:t>
+            </a:r>
+          </a:p>
+          <a:p>
+            <a:pPr algn="ctr"/>
+            <a:r>
+              <a:rPr lang="en-US" altLang="ko-KR" sz="1000"/>
+              <a:t>Pod</a:t>
+            </a:r>
+            <a:endParaRPr lang="ko-KR" altLang="en-US" sz="1000"/>
+          </a:p>
+        </p:txBody>
+      </p:sp>
+      <p:sp>
+        <p:nvSpPr>
+          <p:cNvPr id="5" name="사각형: 둥근 모서리 29">
+            <a:extLst>
+              <a:ext uri="{FF2B5EF4-FFF2-40B4-BE49-F238E27FC236}">
+                <a16:creationId xmlns:a16="http://schemas.microsoft.com/office/drawing/2014/main" id="{AF2D8061-47E3-ED11-3E59-8620CE422284}"/>
+              </a:ext>
+            </a:extLst>
+          </p:cNvPr>
+          <p:cNvSpPr/>
+          <p:nvPr/>
+        </p:nvSpPr>
+        <p:spPr>
+          <a:xfrm>
+            <a:off x="5724128" y="411510"/>
+            <a:ext cx="1164765" cy="657290"/>
+          </a:xfrm>
+          <a:prstGeom prst="roundRect">
+            <a:avLst>
+              <a:gd name="adj" fmla="val 17374"/>
+            </a:avLst>
+          </a:prstGeom>
+          <a:ln w="12700"/>
+        </p:spPr>
+        <p:style>
+          <a:lnRef idx="2">
+            <a:schemeClr val="dk1"/>
+          </a:lnRef>
+          <a:fillRef idx="1">
+            <a:schemeClr val="lt1"/>
+          </a:fillRef>
+          <a:effectRef idx="0">
+            <a:schemeClr val="dk1"/>
+          </a:effectRef>
+          <a:fontRef idx="minor">
+            <a:schemeClr val="dk1"/>
+          </a:fontRef>
+        </p:style>
+        <p:txBody>
+          <a:bodyPr rtlCol="0" anchor="ctr"/>
+          <a:lstStyle/>
+          <a:p>
+            <a:pPr algn="ctr"/>
+            <a:r>
+              <a:rPr lang="en-US" altLang="ko-KR" sz="1000" b="1"/>
+              <a:t>mock-server</a:t>
+            </a:r>
+          </a:p>
+          <a:p>
+            <a:pPr algn="ctr"/>
+            <a:r>
+              <a:rPr lang="en-US" altLang="ko-KR" sz="1000"/>
+              <a:t>Pod</a:t>
+            </a:r>
+            <a:endParaRPr lang="ko-KR" altLang="en-US" sz="1000"/>
+          </a:p>
+        </p:txBody>
+      </p:sp>
+      <p:cxnSp>
+        <p:nvCxnSpPr>
+          <p:cNvPr id="8" name="Straight Arrow Connector 81">
+            <a:extLst>
+              <a:ext uri="{FF2B5EF4-FFF2-40B4-BE49-F238E27FC236}">
+                <a16:creationId xmlns:a16="http://schemas.microsoft.com/office/drawing/2014/main" id="{A3A3F3EA-04D5-106D-4E61-98B4C15CCDCB}"/>
+              </a:ext>
+            </a:extLst>
+          </p:cNvPr>
+          <p:cNvCxnSpPr>
+            <a:cxnSpLocks/>
+            <a:stCxn id="5" idx="2"/>
+          </p:cNvCxnSpPr>
+          <p:nvPr/>
+        </p:nvCxnSpPr>
+        <p:spPr>
+          <a:xfrm>
+            <a:off x="6306511" y="1068800"/>
+            <a:ext cx="0" cy="3375158"/>
+          </a:xfrm>
+          <a:prstGeom prst="straightConnector1">
+            <a:avLst/>
+          </a:prstGeom>
+          <a:ln>
+            <a:solidFill>
+              <a:schemeClr val="tx1"/>
+            </a:solidFill>
+            <a:prstDash val="dash"/>
+            <a:tailEnd type="triangle"/>
+          </a:ln>
+        </p:spPr>
+        <p:style>
+          <a:lnRef idx="1">
+            <a:schemeClr val="accent1"/>
+          </a:lnRef>
+          <a:fillRef idx="0">
+            <a:schemeClr val="accent1"/>
+          </a:fillRef>
+          <a:effectRef idx="0">
+            <a:schemeClr val="accent1"/>
+          </a:effectRef>
+          <a:fontRef idx="minor">
+            <a:schemeClr val="tx1"/>
+          </a:fontRef>
+        </p:style>
+      </p:cxnSp>
+      <p:cxnSp>
+        <p:nvCxnSpPr>
+          <p:cNvPr id="2" name="Straight Arrow Connector 81">
+            <a:extLst>
+              <a:ext uri="{FF2B5EF4-FFF2-40B4-BE49-F238E27FC236}">
+                <a16:creationId xmlns:a16="http://schemas.microsoft.com/office/drawing/2014/main" id="{235C000A-EE27-D876-2249-2378AE5E7147}"/>
+              </a:ext>
+            </a:extLst>
+          </p:cNvPr>
+          <p:cNvCxnSpPr>
+            <a:cxnSpLocks/>
+            <a:stCxn id="4" idx="2"/>
+          </p:cNvCxnSpPr>
+          <p:nvPr/>
+        </p:nvCxnSpPr>
+        <p:spPr>
+          <a:xfrm>
+            <a:off x="2346071" y="1068800"/>
+            <a:ext cx="0" cy="3375158"/>
+          </a:xfrm>
+          <a:prstGeom prst="straightConnector1">
+            <a:avLst/>
+          </a:prstGeom>
+          <a:ln>
+            <a:solidFill>
+              <a:schemeClr val="tx1"/>
+            </a:solidFill>
+            <a:prstDash val="dash"/>
+            <a:tailEnd type="triangle"/>
+          </a:ln>
+        </p:spPr>
+        <p:style>
+          <a:lnRef idx="1">
+            <a:schemeClr val="accent1"/>
+          </a:lnRef>
+          <a:fillRef idx="0">
+            <a:schemeClr val="accent1"/>
+          </a:fillRef>
+          <a:effectRef idx="0">
+            <a:schemeClr val="accent1"/>
+          </a:effectRef>
+          <a:fontRef idx="minor">
+            <a:schemeClr val="tx1"/>
+          </a:fontRef>
+        </p:style>
+      </p:cxnSp>
+      <p:cxnSp>
+        <p:nvCxnSpPr>
+          <p:cNvPr id="17" name="Straight Arrow Connector 81">
+            <a:extLst>
+              <a:ext uri="{FF2B5EF4-FFF2-40B4-BE49-F238E27FC236}">
+                <a16:creationId xmlns:a16="http://schemas.microsoft.com/office/drawing/2014/main" id="{E9698C5E-00E5-6CAA-BC6C-BD8B8DDF73D0}"/>
+              </a:ext>
+            </a:extLst>
+          </p:cNvPr>
+          <p:cNvCxnSpPr>
+            <a:cxnSpLocks/>
+          </p:cNvCxnSpPr>
+          <p:nvPr/>
+        </p:nvCxnSpPr>
+        <p:spPr>
+          <a:xfrm>
+            <a:off x="2346071" y="1203596"/>
+            <a:ext cx="3960440" cy="0"/>
+          </a:xfrm>
+          <a:prstGeom prst="straightConnector1">
+            <a:avLst/>
+          </a:prstGeom>
+          <a:ln>
+            <a:solidFill>
+              <a:schemeClr val="tx1"/>
+            </a:solidFill>
+            <a:tailEnd type="triangle"/>
+          </a:ln>
+        </p:spPr>
+        <p:style>
+          <a:lnRef idx="1">
+            <a:schemeClr val="accent1"/>
+          </a:lnRef>
+          <a:fillRef idx="0">
+            <a:schemeClr val="accent1"/>
+          </a:fillRef>
+          <a:effectRef idx="0">
+            <a:schemeClr val="accent1"/>
+          </a:effectRef>
+          <a:fontRef idx="minor">
+            <a:schemeClr val="tx1"/>
+          </a:fontRef>
+        </p:style>
+      </p:cxnSp>
+      <p:sp>
+        <p:nvSpPr>
+          <p:cNvPr id="20" name="TextBox 19">
+            <a:extLst>
+              <a:ext uri="{FF2B5EF4-FFF2-40B4-BE49-F238E27FC236}">
+                <a16:creationId xmlns:a16="http://schemas.microsoft.com/office/drawing/2014/main" id="{D75EF94A-47CB-AFD6-A77B-C7D7EC066A59}"/>
+              </a:ext>
+            </a:extLst>
+          </p:cNvPr>
+          <p:cNvSpPr txBox="1"/>
+          <p:nvPr/>
+        </p:nvSpPr>
+        <p:spPr>
+          <a:xfrm>
+            <a:off x="2928454" y="957375"/>
+            <a:ext cx="2795674" cy="246221"/>
+          </a:xfrm>
+          <a:prstGeom prst="rect">
+            <a:avLst/>
+          </a:prstGeom>
+          <a:noFill/>
+        </p:spPr>
+        <p:txBody>
+          <a:bodyPr wrap="square" rtlCol="0">
+            <a:spAutoFit/>
+          </a:bodyPr>
+          <a:lstStyle/>
+          <a:p>
+            <a:r>
+              <a:rPr kumimoji="1" lang="en-US" altLang="ko-KR" sz="1000" i="1"/>
+              <a:t>GET </a:t>
+            </a:r>
+            <a:r>
+              <a:rPr lang="en" altLang="ko-KR" sz="1000" i="1"/>
+              <a:t>mock-server:8080/status/503</a:t>
+            </a:r>
+            <a:endParaRPr kumimoji="1" lang="ko-KR" altLang="en-US" sz="1000" i="1"/>
+          </a:p>
+        </p:txBody>
+      </p:sp>
+      <p:cxnSp>
+        <p:nvCxnSpPr>
+          <p:cNvPr id="23" name="Straight Arrow Connector 81">
+            <a:extLst>
+              <a:ext uri="{FF2B5EF4-FFF2-40B4-BE49-F238E27FC236}">
+                <a16:creationId xmlns:a16="http://schemas.microsoft.com/office/drawing/2014/main" id="{236AA8F0-5F6A-22EF-0602-EBCF98A0D220}"/>
+              </a:ext>
+            </a:extLst>
+          </p:cNvPr>
+          <p:cNvCxnSpPr>
+            <a:cxnSpLocks/>
+          </p:cNvCxnSpPr>
+          <p:nvPr/>
+        </p:nvCxnSpPr>
+        <p:spPr>
+          <a:xfrm>
+            <a:off x="2346071" y="1275606"/>
+            <a:ext cx="3960440" cy="0"/>
+          </a:xfrm>
+          <a:prstGeom prst="straightConnector1">
+            <a:avLst/>
+          </a:prstGeom>
+          <a:ln>
+            <a:solidFill>
+              <a:schemeClr val="tx1"/>
+            </a:solidFill>
+            <a:headEnd type="triangle" w="med" len="med"/>
+            <a:tailEnd type="none" w="med" len="med"/>
+          </a:ln>
+        </p:spPr>
+        <p:style>
+          <a:lnRef idx="1">
+            <a:schemeClr val="accent1"/>
+          </a:lnRef>
+          <a:fillRef idx="0">
+            <a:schemeClr val="accent1"/>
+          </a:fillRef>
+          <a:effectRef idx="0">
+            <a:schemeClr val="accent1"/>
+          </a:effectRef>
+          <a:fontRef idx="minor">
+            <a:schemeClr val="tx1"/>
+          </a:fontRef>
+        </p:style>
+      </p:cxnSp>
+      <p:sp>
+        <p:nvSpPr>
+          <p:cNvPr id="24" name="TextBox 23">
+            <a:extLst>
+              <a:ext uri="{FF2B5EF4-FFF2-40B4-BE49-F238E27FC236}">
+                <a16:creationId xmlns:a16="http://schemas.microsoft.com/office/drawing/2014/main" id="{FFEB8B80-941E-DBC9-968E-589F748809D3}"/>
+              </a:ext>
+            </a:extLst>
+          </p:cNvPr>
+          <p:cNvSpPr txBox="1"/>
+          <p:nvPr/>
+        </p:nvSpPr>
+        <p:spPr>
+          <a:xfrm>
+            <a:off x="2928454" y="1275606"/>
+            <a:ext cx="2795674" cy="246221"/>
+          </a:xfrm>
+          <a:prstGeom prst="rect">
+            <a:avLst/>
+          </a:prstGeom>
+          <a:noFill/>
+        </p:spPr>
+        <p:txBody>
+          <a:bodyPr wrap="square" rtlCol="0">
+            <a:spAutoFit/>
+          </a:bodyPr>
+          <a:lstStyle/>
+          <a:p>
+            <a:pPr algn="r"/>
+            <a:r>
+              <a:rPr kumimoji="1" lang="en-US" altLang="ko-KR" sz="1000" i="1"/>
+              <a:t>503 Service Unavailable</a:t>
+            </a:r>
+            <a:endParaRPr kumimoji="1" lang="ko-KR" altLang="en-US" sz="1000" i="1"/>
+          </a:p>
+        </p:txBody>
+      </p:sp>
+      <p:cxnSp>
+        <p:nvCxnSpPr>
+          <p:cNvPr id="3" name="Straight Arrow Connector 81">
+            <a:extLst>
+              <a:ext uri="{FF2B5EF4-FFF2-40B4-BE49-F238E27FC236}">
+                <a16:creationId xmlns:a16="http://schemas.microsoft.com/office/drawing/2014/main" id="{A505907C-7434-B45A-4681-C1D870FBA351}"/>
+              </a:ext>
+            </a:extLst>
+          </p:cNvPr>
+          <p:cNvCxnSpPr>
+            <a:cxnSpLocks/>
+          </p:cNvCxnSpPr>
+          <p:nvPr/>
+        </p:nvCxnSpPr>
+        <p:spPr>
+          <a:xfrm>
+            <a:off x="2346071" y="2433535"/>
+            <a:ext cx="3960440" cy="0"/>
+          </a:xfrm>
+          <a:prstGeom prst="straightConnector1">
+            <a:avLst/>
+          </a:prstGeom>
+          <a:ln>
+            <a:solidFill>
+              <a:schemeClr val="tx1"/>
+            </a:solidFill>
+            <a:tailEnd type="triangle"/>
+          </a:ln>
+        </p:spPr>
+        <p:style>
+          <a:lnRef idx="1">
+            <a:schemeClr val="accent1"/>
+          </a:lnRef>
+          <a:fillRef idx="0">
+            <a:schemeClr val="accent1"/>
+          </a:fillRef>
+          <a:effectRef idx="0">
+            <a:schemeClr val="accent1"/>
+          </a:effectRef>
+          <a:fontRef idx="minor">
+            <a:schemeClr val="tx1"/>
+          </a:fontRef>
+        </p:style>
+      </p:cxnSp>
+      <p:sp>
+        <p:nvSpPr>
+          <p:cNvPr id="6" name="TextBox 5">
+            <a:extLst>
+              <a:ext uri="{FF2B5EF4-FFF2-40B4-BE49-F238E27FC236}">
+                <a16:creationId xmlns:a16="http://schemas.microsoft.com/office/drawing/2014/main" id="{526734C0-14D7-73C4-530D-F13A8E3E35CF}"/>
+              </a:ext>
+            </a:extLst>
+          </p:cNvPr>
+          <p:cNvSpPr txBox="1"/>
+          <p:nvPr/>
+        </p:nvSpPr>
+        <p:spPr>
+          <a:xfrm>
+            <a:off x="2928454" y="2187314"/>
+            <a:ext cx="2795674" cy="246221"/>
+          </a:xfrm>
+          <a:prstGeom prst="rect">
+            <a:avLst/>
+          </a:prstGeom>
+          <a:noFill/>
+        </p:spPr>
+        <p:txBody>
+          <a:bodyPr wrap="square" rtlCol="0">
+            <a:spAutoFit/>
+          </a:bodyPr>
+          <a:lstStyle/>
+          <a:p>
+            <a:r>
+              <a:rPr kumimoji="1" lang="en-US" altLang="ko-KR" sz="1000" i="1"/>
+              <a:t>GET </a:t>
+            </a:r>
+            <a:r>
+              <a:rPr lang="en" altLang="ko-KR" sz="1000" i="1"/>
+              <a:t>mock-server:8080/status/503</a:t>
+            </a:r>
+            <a:endParaRPr kumimoji="1" lang="ko-KR" altLang="en-US" sz="1000" i="1"/>
+          </a:p>
+        </p:txBody>
+      </p:sp>
+      <p:cxnSp>
+        <p:nvCxnSpPr>
+          <p:cNvPr id="7" name="Straight Arrow Connector 81">
+            <a:extLst>
+              <a:ext uri="{FF2B5EF4-FFF2-40B4-BE49-F238E27FC236}">
+                <a16:creationId xmlns:a16="http://schemas.microsoft.com/office/drawing/2014/main" id="{1F961F7F-60B1-4C9B-C4DC-FAA5547BD92C}"/>
+              </a:ext>
+            </a:extLst>
+          </p:cNvPr>
+          <p:cNvCxnSpPr>
+            <a:cxnSpLocks/>
+          </p:cNvCxnSpPr>
+          <p:nvPr/>
+        </p:nvCxnSpPr>
+        <p:spPr>
+          <a:xfrm>
+            <a:off x="2346071" y="2505545"/>
+            <a:ext cx="3960440" cy="0"/>
+          </a:xfrm>
+          <a:prstGeom prst="straightConnector1">
+            <a:avLst/>
+          </a:prstGeom>
+          <a:ln>
+            <a:solidFill>
+              <a:schemeClr val="tx1"/>
+            </a:solidFill>
+            <a:headEnd type="triangle" w="med" len="med"/>
+            <a:tailEnd type="none" w="med" len="med"/>
+          </a:ln>
+        </p:spPr>
+        <p:style>
+          <a:lnRef idx="1">
+            <a:schemeClr val="accent1"/>
+          </a:lnRef>
+          <a:fillRef idx="0">
+            <a:schemeClr val="accent1"/>
+          </a:fillRef>
+          <a:effectRef idx="0">
+            <a:schemeClr val="accent1"/>
+          </a:effectRef>
+          <a:fontRef idx="minor">
+            <a:schemeClr val="tx1"/>
+          </a:fontRef>
+        </p:style>
+      </p:cxnSp>
+      <p:sp>
+        <p:nvSpPr>
+          <p:cNvPr id="9" name="TextBox 8">
+            <a:extLst>
+              <a:ext uri="{FF2B5EF4-FFF2-40B4-BE49-F238E27FC236}">
+                <a16:creationId xmlns:a16="http://schemas.microsoft.com/office/drawing/2014/main" id="{40976B70-5713-6C58-8812-F1952B228034}"/>
+              </a:ext>
+            </a:extLst>
+          </p:cNvPr>
+          <p:cNvSpPr txBox="1"/>
+          <p:nvPr/>
+        </p:nvSpPr>
+        <p:spPr>
+          <a:xfrm>
+            <a:off x="2928454" y="2505545"/>
+            <a:ext cx="2795674" cy="246221"/>
+          </a:xfrm>
+          <a:prstGeom prst="rect">
+            <a:avLst/>
+          </a:prstGeom>
+          <a:noFill/>
+        </p:spPr>
+        <p:txBody>
+          <a:bodyPr wrap="square" rtlCol="0">
+            <a:spAutoFit/>
+          </a:bodyPr>
+          <a:lstStyle/>
+          <a:p>
+            <a:pPr algn="r"/>
+            <a:r>
+              <a:rPr kumimoji="1" lang="en-US" altLang="ko-KR" sz="1000" i="1"/>
+              <a:t>503 Service Unavailable</a:t>
+            </a:r>
+            <a:endParaRPr kumimoji="1" lang="ko-KR" altLang="en-US" sz="1000" i="1"/>
+          </a:p>
+        </p:txBody>
+      </p:sp>
+      <p:sp>
+        <p:nvSpPr>
+          <p:cNvPr id="10" name="타원 9">
+            <a:extLst>
+              <a:ext uri="{FF2B5EF4-FFF2-40B4-BE49-F238E27FC236}">
+                <a16:creationId xmlns:a16="http://schemas.microsoft.com/office/drawing/2014/main" id="{C9618050-C7AF-062B-E7C4-89173C887446}"/>
+              </a:ext>
+            </a:extLst>
+          </p:cNvPr>
+          <p:cNvSpPr/>
+          <p:nvPr/>
+        </p:nvSpPr>
+        <p:spPr>
+          <a:xfrm>
+            <a:off x="4285124" y="1646102"/>
+            <a:ext cx="72008" cy="72008"/>
+          </a:xfrm>
+          <a:prstGeom prst="ellipse">
+            <a:avLst/>
+          </a:prstGeom>
+          <a:solidFill>
+            <a:schemeClr val="tx1"/>
+          </a:solidFill>
+          <a:ln>
+            <a:noFill/>
+          </a:ln>
+        </p:spPr>
+        <p:style>
+          <a:lnRef idx="2">
+            <a:schemeClr val="accent1">
+              <a:shade val="15000"/>
+            </a:schemeClr>
+          </a:lnRef>
+          <a:fillRef idx="1">
+            <a:schemeClr val="accent1"/>
+          </a:fillRef>
+          <a:effectRef idx="0">
+            <a:schemeClr val="accent1"/>
+          </a:effectRef>
+          <a:fontRef idx="minor">
+            <a:schemeClr val="lt1"/>
+          </a:fontRef>
+        </p:style>
+        <p:txBody>
+          <a:bodyPr rtlCol="0" anchor="ctr"/>
+          <a:lstStyle/>
+          <a:p>
+            <a:pPr algn="ctr"/>
+            <a:endParaRPr kumimoji="1" lang="ko-KR" altLang="en-US"/>
+          </a:p>
+        </p:txBody>
+      </p:sp>
+      <p:sp>
+        <p:nvSpPr>
+          <p:cNvPr id="11" name="타원 10">
+            <a:extLst>
+              <a:ext uri="{FF2B5EF4-FFF2-40B4-BE49-F238E27FC236}">
+                <a16:creationId xmlns:a16="http://schemas.microsoft.com/office/drawing/2014/main" id="{E939AB10-34A7-D605-0FEC-CC5273246E1F}"/>
+              </a:ext>
+            </a:extLst>
+          </p:cNvPr>
+          <p:cNvSpPr/>
+          <p:nvPr/>
+        </p:nvSpPr>
+        <p:spPr>
+          <a:xfrm>
+            <a:off x="4285124" y="1798822"/>
+            <a:ext cx="72008" cy="72008"/>
+          </a:xfrm>
+          <a:prstGeom prst="ellipse">
+            <a:avLst/>
+          </a:prstGeom>
+          <a:solidFill>
+            <a:schemeClr val="tx1"/>
+          </a:solidFill>
+          <a:ln>
+            <a:noFill/>
+          </a:ln>
+        </p:spPr>
+        <p:style>
+          <a:lnRef idx="2">
+            <a:schemeClr val="accent1">
+              <a:shade val="15000"/>
+            </a:schemeClr>
+          </a:lnRef>
+          <a:fillRef idx="1">
+            <a:schemeClr val="accent1"/>
+          </a:fillRef>
+          <a:effectRef idx="0">
+            <a:schemeClr val="accent1"/>
+          </a:effectRef>
+          <a:fontRef idx="minor">
+            <a:schemeClr val="lt1"/>
+          </a:fontRef>
+        </p:style>
+        <p:txBody>
+          <a:bodyPr rtlCol="0" anchor="ctr"/>
+          <a:lstStyle/>
+          <a:p>
+            <a:pPr algn="ctr"/>
+            <a:endParaRPr kumimoji="1" lang="ko-KR" altLang="en-US"/>
+          </a:p>
+        </p:txBody>
+      </p:sp>
+      <p:sp>
+        <p:nvSpPr>
+          <p:cNvPr id="12" name="타원 11">
+            <a:extLst>
+              <a:ext uri="{FF2B5EF4-FFF2-40B4-BE49-F238E27FC236}">
+                <a16:creationId xmlns:a16="http://schemas.microsoft.com/office/drawing/2014/main" id="{C98A2DE9-970F-CB1C-36AA-4032FBBA18BF}"/>
+              </a:ext>
+            </a:extLst>
+          </p:cNvPr>
+          <p:cNvSpPr/>
+          <p:nvPr/>
+        </p:nvSpPr>
+        <p:spPr>
+          <a:xfrm>
+            <a:off x="4285124" y="1951517"/>
+            <a:ext cx="72008" cy="72008"/>
+          </a:xfrm>
+          <a:prstGeom prst="ellipse">
+            <a:avLst/>
+          </a:prstGeom>
+          <a:solidFill>
+            <a:schemeClr val="tx1"/>
+          </a:solidFill>
+          <a:ln>
+            <a:noFill/>
+          </a:ln>
+        </p:spPr>
+        <p:style>
+          <a:lnRef idx="2">
+            <a:schemeClr val="accent1">
+              <a:shade val="15000"/>
+            </a:schemeClr>
+          </a:lnRef>
+          <a:fillRef idx="1">
+            <a:schemeClr val="accent1"/>
+          </a:fillRef>
+          <a:effectRef idx="0">
+            <a:schemeClr val="accent1"/>
+          </a:effectRef>
+          <a:fontRef idx="minor">
+            <a:schemeClr val="lt1"/>
+          </a:fontRef>
+        </p:style>
+        <p:txBody>
+          <a:bodyPr rtlCol="0" anchor="ctr"/>
+          <a:lstStyle/>
+          <a:p>
+            <a:pPr algn="ctr"/>
+            <a:endParaRPr kumimoji="1" lang="ko-KR" altLang="en-US"/>
+          </a:p>
+        </p:txBody>
+      </p:sp>
+      <p:sp>
+        <p:nvSpPr>
+          <p:cNvPr id="13" name="호 12">
+            <a:extLst>
+              <a:ext uri="{FF2B5EF4-FFF2-40B4-BE49-F238E27FC236}">
+                <a16:creationId xmlns:a16="http://schemas.microsoft.com/office/drawing/2014/main" id="{6BC0E9FE-6901-32BE-471E-55F76663F12A}"/>
+              </a:ext>
+            </a:extLst>
+          </p:cNvPr>
+          <p:cNvSpPr/>
+          <p:nvPr/>
+        </p:nvSpPr>
+        <p:spPr>
+          <a:xfrm>
+            <a:off x="6168328" y="1199085"/>
+            <a:ext cx="276365" cy="1300653"/>
+          </a:xfrm>
+          <a:prstGeom prst="arc">
+            <a:avLst>
+              <a:gd name="adj1" fmla="val 16200000"/>
+              <a:gd name="adj2" fmla="val 5412057"/>
+            </a:avLst>
+          </a:prstGeom>
+          <a:ln>
+            <a:solidFill>
+              <a:schemeClr val="tx1"/>
+            </a:solidFill>
+            <a:headEnd type="none" w="med" len="med"/>
+            <a:tailEnd type="triangle" w="med" len="med"/>
+          </a:ln>
+        </p:spPr>
+        <p:style>
+          <a:lnRef idx="1">
+            <a:schemeClr val="accent1"/>
+          </a:lnRef>
+          <a:fillRef idx="0">
+            <a:schemeClr val="accent1"/>
+          </a:fillRef>
+          <a:effectRef idx="0">
+            <a:schemeClr val="accent1"/>
+          </a:effectRef>
+          <a:fontRef idx="minor">
+            <a:schemeClr val="tx1"/>
+          </a:fontRef>
+        </p:style>
+        <p:txBody>
+          <a:bodyPr rtlCol="0" anchor="ctr"/>
+          <a:lstStyle/>
+          <a:p>
+            <a:pPr algn="ctr"/>
+            <a:endParaRPr kumimoji="1" lang="ko-KR" altLang="en-US"/>
+          </a:p>
+        </p:txBody>
+      </p:sp>
+      <p:sp>
+        <p:nvSpPr>
+          <p:cNvPr id="14" name="TextBox 13">
+            <a:extLst>
+              <a:ext uri="{FF2B5EF4-FFF2-40B4-BE49-F238E27FC236}">
+                <a16:creationId xmlns:a16="http://schemas.microsoft.com/office/drawing/2014/main" id="{A526E9C5-8F09-6DFD-C895-9B8871050F8C}"/>
+              </a:ext>
+            </a:extLst>
+          </p:cNvPr>
+          <p:cNvSpPr txBox="1"/>
+          <p:nvPr/>
+        </p:nvSpPr>
+        <p:spPr>
+          <a:xfrm>
+            <a:off x="6337278" y="1726300"/>
+            <a:ext cx="689798" cy="246221"/>
+          </a:xfrm>
+          <a:prstGeom prst="rect">
+            <a:avLst/>
+          </a:prstGeom>
+          <a:noFill/>
+        </p:spPr>
+        <p:txBody>
+          <a:bodyPr wrap="square" rtlCol="0">
+            <a:spAutoFit/>
+          </a:bodyPr>
+          <a:lstStyle/>
+          <a:p>
+            <a:pPr algn="ctr"/>
+            <a:r>
+              <a:rPr kumimoji="1" lang="en-US" altLang="ko-KR" sz="1000" i="1"/>
+              <a:t>5times</a:t>
+            </a:r>
+            <a:endParaRPr kumimoji="1" lang="ko-KR" altLang="en-US" sz="1000" i="1"/>
+          </a:p>
+        </p:txBody>
+      </p:sp>
+      <p:cxnSp>
+        <p:nvCxnSpPr>
+          <p:cNvPr id="15" name="Straight Arrow Connector 81">
+            <a:extLst>
+              <a:ext uri="{FF2B5EF4-FFF2-40B4-BE49-F238E27FC236}">
+                <a16:creationId xmlns:a16="http://schemas.microsoft.com/office/drawing/2014/main" id="{1C678776-51B3-3A89-1CC4-82F261FE8D75}"/>
+              </a:ext>
+            </a:extLst>
+          </p:cNvPr>
+          <p:cNvCxnSpPr>
+            <a:cxnSpLocks/>
+          </p:cNvCxnSpPr>
+          <p:nvPr/>
+        </p:nvCxnSpPr>
+        <p:spPr>
+          <a:xfrm>
+            <a:off x="2346071" y="3092360"/>
+            <a:ext cx="569745" cy="0"/>
+          </a:xfrm>
+          <a:prstGeom prst="straightConnector1">
+            <a:avLst/>
+          </a:prstGeom>
+          <a:ln>
+            <a:solidFill>
+              <a:schemeClr val="tx1"/>
+            </a:solidFill>
+            <a:tailEnd type="triangle"/>
+          </a:ln>
+        </p:spPr>
+        <p:style>
+          <a:lnRef idx="1">
+            <a:schemeClr val="accent1"/>
+          </a:lnRef>
+          <a:fillRef idx="0">
+            <a:schemeClr val="accent1"/>
+          </a:fillRef>
+          <a:effectRef idx="0">
+            <a:schemeClr val="accent1"/>
+          </a:effectRef>
+          <a:fontRef idx="minor">
+            <a:schemeClr val="tx1"/>
+          </a:fontRef>
+        </p:style>
+      </p:cxnSp>
+      <p:sp>
+        <p:nvSpPr>
+          <p:cNvPr id="16" name="TextBox 15">
+            <a:extLst>
+              <a:ext uri="{FF2B5EF4-FFF2-40B4-BE49-F238E27FC236}">
+                <a16:creationId xmlns:a16="http://schemas.microsoft.com/office/drawing/2014/main" id="{9633C0E1-B114-BC40-EF52-15FDBA42437B}"/>
+              </a:ext>
+            </a:extLst>
+          </p:cNvPr>
+          <p:cNvSpPr txBox="1"/>
+          <p:nvPr/>
+        </p:nvSpPr>
+        <p:spPr>
+          <a:xfrm>
+            <a:off x="2928454" y="2852801"/>
+            <a:ext cx="2795674" cy="246221"/>
+          </a:xfrm>
+          <a:prstGeom prst="rect">
+            <a:avLst/>
+          </a:prstGeom>
+          <a:noFill/>
+        </p:spPr>
+        <p:txBody>
+          <a:bodyPr wrap="square" rtlCol="0">
+            <a:spAutoFit/>
+          </a:bodyPr>
+          <a:lstStyle/>
+          <a:p>
+            <a:r>
+              <a:rPr kumimoji="1" lang="en-US" altLang="ko-KR" sz="1000" i="1"/>
+              <a:t>GET </a:t>
+            </a:r>
+            <a:r>
+              <a:rPr lang="en" altLang="ko-KR" sz="1000" i="1"/>
+              <a:t>mock-server:8080/status/503</a:t>
+            </a:r>
+            <a:endParaRPr kumimoji="1" lang="ko-KR" altLang="en-US" sz="1000" i="1"/>
+          </a:p>
+        </p:txBody>
+      </p:sp>
+      <p:cxnSp>
+        <p:nvCxnSpPr>
+          <p:cNvPr id="22" name="Straight Arrow Connector 81">
+            <a:extLst>
+              <a:ext uri="{FF2B5EF4-FFF2-40B4-BE49-F238E27FC236}">
+                <a16:creationId xmlns:a16="http://schemas.microsoft.com/office/drawing/2014/main" id="{9B69D0BE-25C4-BD20-46A4-FB96B34F6C89}"/>
+              </a:ext>
+            </a:extLst>
+          </p:cNvPr>
+          <p:cNvCxnSpPr>
+            <a:cxnSpLocks/>
+          </p:cNvCxnSpPr>
+          <p:nvPr/>
+        </p:nvCxnSpPr>
+        <p:spPr>
+          <a:xfrm>
+            <a:off x="2346071" y="3337930"/>
+            <a:ext cx="569745" cy="0"/>
+          </a:xfrm>
+          <a:prstGeom prst="straightConnector1">
+            <a:avLst/>
+          </a:prstGeom>
+          <a:ln>
+            <a:solidFill>
+              <a:schemeClr val="tx1"/>
+            </a:solidFill>
+            <a:tailEnd type="triangle"/>
+          </a:ln>
+        </p:spPr>
+        <p:style>
+          <a:lnRef idx="1">
+            <a:schemeClr val="accent1"/>
+          </a:lnRef>
+          <a:fillRef idx="0">
+            <a:schemeClr val="accent1"/>
+          </a:fillRef>
+          <a:effectRef idx="0">
+            <a:schemeClr val="accent1"/>
+          </a:effectRef>
+          <a:fontRef idx="minor">
+            <a:schemeClr val="tx1"/>
+          </a:fontRef>
+        </p:style>
+      </p:cxnSp>
+      <p:sp>
+        <p:nvSpPr>
+          <p:cNvPr id="25" name="TextBox 24">
+            <a:extLst>
+              <a:ext uri="{FF2B5EF4-FFF2-40B4-BE49-F238E27FC236}">
+                <a16:creationId xmlns:a16="http://schemas.microsoft.com/office/drawing/2014/main" id="{8F5097BB-94E4-248F-8A5D-AFFAA1FA8912}"/>
+              </a:ext>
+            </a:extLst>
+          </p:cNvPr>
+          <p:cNvSpPr txBox="1"/>
+          <p:nvPr/>
+        </p:nvSpPr>
+        <p:spPr>
+          <a:xfrm>
+            <a:off x="2928454" y="3098371"/>
+            <a:ext cx="2795674" cy="246221"/>
+          </a:xfrm>
+          <a:prstGeom prst="rect">
+            <a:avLst/>
+          </a:prstGeom>
+          <a:noFill/>
+        </p:spPr>
+        <p:txBody>
+          <a:bodyPr wrap="square" rtlCol="0">
+            <a:spAutoFit/>
+          </a:bodyPr>
+          <a:lstStyle/>
+          <a:p>
+            <a:r>
+              <a:rPr kumimoji="1" lang="en-US" altLang="ko-KR" sz="1000" i="1"/>
+              <a:t>GET </a:t>
+            </a:r>
+            <a:r>
+              <a:rPr lang="en" altLang="ko-KR" sz="1000" i="1"/>
+              <a:t>mock-server:8080/status/503</a:t>
+            </a:r>
+            <a:endParaRPr kumimoji="1" lang="ko-KR" altLang="en-US" sz="1000" i="1"/>
+          </a:p>
+        </p:txBody>
+      </p:sp>
+      <p:cxnSp>
+        <p:nvCxnSpPr>
+          <p:cNvPr id="26" name="Straight Arrow Connector 81">
+            <a:extLst>
+              <a:ext uri="{FF2B5EF4-FFF2-40B4-BE49-F238E27FC236}">
+                <a16:creationId xmlns:a16="http://schemas.microsoft.com/office/drawing/2014/main" id="{5F2933BF-399D-4108-F0FE-14E3BED400C6}"/>
+              </a:ext>
+            </a:extLst>
+          </p:cNvPr>
+          <p:cNvCxnSpPr>
+            <a:cxnSpLocks/>
+          </p:cNvCxnSpPr>
+          <p:nvPr/>
+        </p:nvCxnSpPr>
+        <p:spPr>
+          <a:xfrm>
+            <a:off x="2346071" y="3584151"/>
+            <a:ext cx="569745" cy="0"/>
+          </a:xfrm>
+          <a:prstGeom prst="straightConnector1">
+            <a:avLst/>
+          </a:prstGeom>
+          <a:ln>
+            <a:solidFill>
+              <a:schemeClr val="tx1"/>
+            </a:solidFill>
+            <a:tailEnd type="triangle"/>
+          </a:ln>
+        </p:spPr>
+        <p:style>
+          <a:lnRef idx="1">
+            <a:schemeClr val="accent1"/>
+          </a:lnRef>
+          <a:fillRef idx="0">
+            <a:schemeClr val="accent1"/>
+          </a:fillRef>
+          <a:effectRef idx="0">
+            <a:schemeClr val="accent1"/>
+          </a:effectRef>
+          <a:fontRef idx="minor">
+            <a:schemeClr val="tx1"/>
+          </a:fontRef>
+        </p:style>
+      </p:cxnSp>
+      <p:sp>
+        <p:nvSpPr>
+          <p:cNvPr id="27" name="TextBox 26">
+            <a:extLst>
+              <a:ext uri="{FF2B5EF4-FFF2-40B4-BE49-F238E27FC236}">
+                <a16:creationId xmlns:a16="http://schemas.microsoft.com/office/drawing/2014/main" id="{A83006CE-677B-10C0-907B-4F6E952BE26F}"/>
+              </a:ext>
+            </a:extLst>
+          </p:cNvPr>
+          <p:cNvSpPr txBox="1"/>
+          <p:nvPr/>
+        </p:nvSpPr>
+        <p:spPr>
+          <a:xfrm>
+            <a:off x="2928454" y="3344592"/>
+            <a:ext cx="2795674" cy="246221"/>
+          </a:xfrm>
+          <a:prstGeom prst="rect">
+            <a:avLst/>
+          </a:prstGeom>
+          <a:noFill/>
+        </p:spPr>
+        <p:txBody>
+          <a:bodyPr wrap="square" rtlCol="0">
+            <a:spAutoFit/>
+          </a:bodyPr>
+          <a:lstStyle/>
+          <a:p>
+            <a:r>
+              <a:rPr kumimoji="1" lang="en-US" altLang="ko-KR" sz="1000" i="1"/>
+              <a:t>GET </a:t>
+            </a:r>
+            <a:r>
+              <a:rPr lang="en" altLang="ko-KR" sz="1000" i="1"/>
+              <a:t>mock-server:8080/status/503</a:t>
+            </a:r>
+            <a:endParaRPr kumimoji="1" lang="ko-KR" altLang="en-US" sz="1000" i="1"/>
+          </a:p>
+        </p:txBody>
+      </p:sp>
+    </p:spTree>
+    <p:extLst>
+      <p:ext uri="{BB962C8B-B14F-4D97-AF65-F5344CB8AC3E}">
+        <p14:creationId xmlns:p14="http://schemas.microsoft.com/office/powerpoint/2010/main" val="1848124166"/>
+      </p:ext>
+    </p:extLst>
+  </p:cSld>
+  <p:clrMapOvr>
+    <a:masterClrMapping/>
+  </p:clrMapOvr>
+</p:sld>
+</file>
+
+<file path=ppt/slides/slide31.xml><?xml version="1.0" encoding="utf-8"?>
+<p:sld xmlns:a="http://schemas.openxmlformats.org/drawingml/2006/main" xmlns:r="http://schemas.openxmlformats.org/officeDocument/2006/relationships" xmlns:p="http://schemas.openxmlformats.org/presentationml/2006/main">
+  <p:cSld>
+    <p:spTree>
+      <p:nvGrpSpPr>
+        <p:cNvPr id="1" name="">
+          <a:extLst>
+            <a:ext uri="{FF2B5EF4-FFF2-40B4-BE49-F238E27FC236}">
               <a16:creationId xmlns:a16="http://schemas.microsoft.com/office/drawing/2014/main" id="{94E9846E-93DE-7B46-CFF0-5CA363A99B38}"/>
             </a:ext>
           </a:extLst>
@@ -27266,7 +28664,7 @@
 </p:sld>
 </file>
 
-<file path=ppt/slides/slide31.xml><?xml version="1.0" encoding="utf-8"?>
+<file path=ppt/slides/slide32.xml><?xml version="1.0" encoding="utf-8"?>
 <p:sld xmlns:a="http://schemas.openxmlformats.org/drawingml/2006/main" xmlns:r="http://schemas.openxmlformats.org/officeDocument/2006/relationships" xmlns:p="http://schemas.openxmlformats.org/presentationml/2006/main">
   <p:cSld>
     <p:spTree>
@@ -28694,7 +30092,7 @@
 </p:sld>
 </file>
 
-<file path=ppt/slides/slide32.xml><?xml version="1.0" encoding="utf-8"?>
+<file path=ppt/slides/slide33.xml><?xml version="1.0" encoding="utf-8"?>
 <p:sld xmlns:a="http://schemas.openxmlformats.org/drawingml/2006/main" xmlns:r="http://schemas.openxmlformats.org/officeDocument/2006/relationships" xmlns:p="http://schemas.openxmlformats.org/presentationml/2006/main">
   <p:cSld>
     <p:spTree>
@@ -30118,7 +31516,7 @@
 </p:sld>
 </file>
 
-<file path=ppt/slides/slide33.xml><?xml version="1.0" encoding="utf-8"?>
+<file path=ppt/slides/slide34.xml><?xml version="1.0" encoding="utf-8"?>
 <p:sld xmlns:a="http://schemas.openxmlformats.org/drawingml/2006/main" xmlns:r="http://schemas.openxmlformats.org/officeDocument/2006/relationships" xmlns:p="http://schemas.openxmlformats.org/presentationml/2006/main">
   <p:cSld>
     <p:spTree>
@@ -30448,7 +31846,7 @@
 </p:sld>
 </file>
 
-<file path=ppt/slides/slide34.xml><?xml version="1.0" encoding="utf-8"?>
+<file path=ppt/slides/slide35.xml><?xml version="1.0" encoding="utf-8"?>
 <p:sld xmlns:a="http://schemas.openxmlformats.org/drawingml/2006/main" xmlns:r="http://schemas.openxmlformats.org/officeDocument/2006/relationships" xmlns:p="http://schemas.openxmlformats.org/presentationml/2006/main">
   <p:cSld>
     <p:spTree>
@@ -30528,7 +31926,7 @@
 </p:sld>
 </file>
 
-<file path=ppt/slides/slide35.xml><?xml version="1.0" encoding="utf-8"?>
+<file path=ppt/slides/slide36.xml><?xml version="1.0" encoding="utf-8"?>
 <p:sld xmlns:a="http://schemas.openxmlformats.org/drawingml/2006/main" xmlns:r="http://schemas.openxmlformats.org/officeDocument/2006/relationships" xmlns:p="http://schemas.openxmlformats.org/presentationml/2006/main">
   <p:cSld>
     <p:spTree>
@@ -31019,7 +32417,7 @@
 </p:sld>
 </file>
 
-<file path=ppt/slides/slide36.xml><?xml version="1.0" encoding="utf-8"?>
+<file path=ppt/slides/slide37.xml><?xml version="1.0" encoding="utf-8"?>
 <p:sld xmlns:a="http://schemas.openxmlformats.org/drawingml/2006/main" xmlns:r="http://schemas.openxmlformats.org/officeDocument/2006/relationships" xmlns:p="http://schemas.openxmlformats.org/presentationml/2006/main">
   <p:cSld>
     <p:spTree>

--- a/content/docs/theory-analysis/istio-sidecar-proxy-access-log/images/images.pptx
+++ b/content/docs/theory-analysis/istio-sidecar-proxy-access-log/images/images.pptx
@@ -19526,7 +19526,7 @@
         <p:spPr>
           <a:xfrm>
             <a:off x="763986" y="1185663"/>
-            <a:ext cx="3159933" cy="246221"/>
+            <a:ext cx="3880019" cy="246221"/>
           </a:xfrm>
           <a:prstGeom prst="rect">
             <a:avLst/>
@@ -19540,12 +19540,8 @@
           <a:lstStyle/>
           <a:p>
             <a:r>
-              <a:rPr kumimoji="1" lang="en-US" altLang="ko-KR" sz="1000" i="1"/>
-              <a:t>GET </a:t>
-            </a:r>
-            <a:r>
               <a:rPr lang="en" altLang="ko-KR" sz="1000" i="1"/>
-              <a:t>mock-server:8080/reset-before-response/1000</a:t>
+              <a:t>mock-server:9090 ResetBeforeResponse {"milliseconds": 1000}</a:t>
             </a:r>
             <a:endParaRPr kumimoji="1" lang="ko-KR" altLang="en-US" sz="1000" i="1"/>
           </a:p>
@@ -20258,7 +20254,7 @@
         <p:spPr>
           <a:xfrm>
             <a:off x="3684670" y="2386852"/>
-            <a:ext cx="3159933" cy="246221"/>
+            <a:ext cx="4110861" cy="246221"/>
           </a:xfrm>
           <a:prstGeom prst="rect">
             <a:avLst/>
@@ -20272,12 +20268,8 @@
           <a:lstStyle/>
           <a:p>
             <a:r>
-              <a:rPr kumimoji="1" lang="en-US" altLang="ko-KR" sz="1000" i="1"/>
-              <a:t>GET </a:t>
-            </a:r>
-            <a:r>
               <a:rPr lang="en" altLang="ko-KR" sz="1000" i="1"/>
-              <a:t>mock-server:8080/reset-before-response/1000</a:t>
+              <a:t>mock-server:9090 ResetBeforeResponse {"milliseconds": 1000}</a:t>
             </a:r>
             <a:endParaRPr kumimoji="1" lang="ko-KR" altLang="en-US" sz="1000" i="1"/>
           </a:p>
@@ -20604,7 +20596,7 @@
         <p:spPr>
           <a:xfrm>
             <a:off x="3684670" y="3515478"/>
-            <a:ext cx="3159933" cy="246221"/>
+            <a:ext cx="4200610" cy="246221"/>
           </a:xfrm>
           <a:prstGeom prst="rect">
             <a:avLst/>
@@ -20618,12 +20610,8 @@
           <a:lstStyle/>
           <a:p>
             <a:r>
-              <a:rPr kumimoji="1" lang="en-US" altLang="ko-KR" sz="1000" i="1"/>
-              <a:t>GET </a:t>
-            </a:r>
-            <a:r>
               <a:rPr lang="en" altLang="ko-KR" sz="1000" i="1"/>
-              <a:t>mock-server:8080/reset-before-response/1000</a:t>
+              <a:t>mock-server:9090 ResetBeforeResponse {"milliseconds": 1000}</a:t>
             </a:r>
             <a:endParaRPr kumimoji="1" lang="ko-KR" altLang="en-US" sz="1000" i="1"/>
           </a:p>
@@ -21406,7 +21394,7 @@
         <p:spPr>
           <a:xfrm>
             <a:off x="763986" y="1185663"/>
-            <a:ext cx="3159933" cy="246221"/>
+            <a:ext cx="3808012" cy="246221"/>
           </a:xfrm>
           <a:prstGeom prst="rect">
             <a:avLst/>
@@ -21420,12 +21408,8 @@
           <a:lstStyle/>
           <a:p>
             <a:r>
-              <a:rPr kumimoji="1" lang="en-US" altLang="ko-KR" sz="1000" i="1"/>
-              <a:t>GET </a:t>
-            </a:r>
-            <a:r>
               <a:rPr lang="en" altLang="ko-KR" sz="1000" i="1"/>
-              <a:t>mock-server:8080/reset-before-response/1000</a:t>
+              <a:t>mock-server:9090 ResetAfterResponse {"milliseconds": 1000}</a:t>
             </a:r>
             <a:endParaRPr kumimoji="1" lang="ko-KR" altLang="en-US" sz="1000" i="1"/>
           </a:p>

--- a/content/docs/theory-analysis/istio-sidecar-proxy-access-log/images/images.pptx
+++ b/content/docs/theory-analysis/istio-sidecar-proxy-access-log/images/images.pptx
@@ -5,7 +5,7 @@
     <p:sldMasterId id="2147483648" r:id="rId1"/>
   </p:sldMasterIdLst>
   <p:notesMasterIdLst>
-    <p:notesMasterId r:id="rId40"/>
+    <p:notesMasterId r:id="rId42"/>
   </p:notesMasterIdLst>
   <p:sldIdLst>
     <p:sldId id="398" r:id="rId2"/>
@@ -29,23 +29,25 @@
     <p:sldId id="435" r:id="rId20"/>
     <p:sldId id="436" r:id="rId21"/>
     <p:sldId id="437" r:id="rId22"/>
-    <p:sldId id="413" r:id="rId23"/>
-    <p:sldId id="414" r:id="rId24"/>
-    <p:sldId id="415" r:id="rId25"/>
-    <p:sldId id="403" r:id="rId26"/>
-    <p:sldId id="399" r:id="rId27"/>
-    <p:sldId id="400" r:id="rId28"/>
-    <p:sldId id="401" r:id="rId29"/>
-    <p:sldId id="402" r:id="rId30"/>
-    <p:sldId id="404" r:id="rId31"/>
-    <p:sldId id="405" r:id="rId32"/>
-    <p:sldId id="408" r:id="rId33"/>
-    <p:sldId id="407" r:id="rId34"/>
-    <p:sldId id="409" r:id="rId35"/>
-    <p:sldId id="410" r:id="rId36"/>
-    <p:sldId id="387" r:id="rId37"/>
-    <p:sldId id="411" r:id="rId38"/>
-    <p:sldId id="412" r:id="rId39"/>
+    <p:sldId id="439" r:id="rId23"/>
+    <p:sldId id="440" r:id="rId24"/>
+    <p:sldId id="413" r:id="rId25"/>
+    <p:sldId id="414" r:id="rId26"/>
+    <p:sldId id="415" r:id="rId27"/>
+    <p:sldId id="403" r:id="rId28"/>
+    <p:sldId id="399" r:id="rId29"/>
+    <p:sldId id="400" r:id="rId30"/>
+    <p:sldId id="401" r:id="rId31"/>
+    <p:sldId id="402" r:id="rId32"/>
+    <p:sldId id="404" r:id="rId33"/>
+    <p:sldId id="405" r:id="rId34"/>
+    <p:sldId id="408" r:id="rId35"/>
+    <p:sldId id="407" r:id="rId36"/>
+    <p:sldId id="409" r:id="rId37"/>
+    <p:sldId id="410" r:id="rId38"/>
+    <p:sldId id="387" r:id="rId39"/>
+    <p:sldId id="411" r:id="rId40"/>
+    <p:sldId id="412" r:id="rId41"/>
   </p:sldIdLst>
   <p:sldSz cx="9144000" cy="5143500" type="screen16x9"/>
   <p:notesSz cx="6858000" cy="9144000"/>
@@ -21926,43 +21928,6 @@
           </a:fontRef>
         </p:style>
       </p:cxnSp>
-      <p:sp>
-        <p:nvSpPr>
-          <p:cNvPr id="14" name="TextBox 13">
-            <a:extLst>
-              <a:ext uri="{FF2B5EF4-FFF2-40B4-BE49-F238E27FC236}">
-                <a16:creationId xmlns:a16="http://schemas.microsoft.com/office/drawing/2014/main" id="{9BAA014F-3F50-1FEF-ECD2-E16BD672EC1B}"/>
-              </a:ext>
-            </a:extLst>
-          </p:cNvPr>
-          <p:cNvSpPr txBox="1"/>
-          <p:nvPr/>
-        </p:nvSpPr>
-        <p:spPr>
-          <a:xfrm>
-            <a:off x="2666358" y="2435120"/>
-            <a:ext cx="2795674" cy="246221"/>
-          </a:xfrm>
-          <a:prstGeom prst="rect">
-            <a:avLst/>
-          </a:prstGeom>
-          <a:noFill/>
-        </p:spPr>
-        <p:txBody>
-          <a:bodyPr wrap="square" rtlCol="0">
-            <a:spAutoFit/>
-          </a:bodyPr>
-          <a:lstStyle/>
-          <a:p>
-            <a:pPr algn="r"/>
-            <a:r>
-              <a:rPr kumimoji="1" lang="en-US" altLang="ko-KR" sz="1000" i="1"/>
-              <a:t>HTTP/2 RST_STREAM</a:t>
-            </a:r>
-            <a:endParaRPr kumimoji="1" lang="ko-KR" altLang="en-US" sz="1000" i="1"/>
-          </a:p>
-        </p:txBody>
-      </p:sp>
       <p:cxnSp>
         <p:nvCxnSpPr>
           <p:cNvPr id="22" name="Straight Arrow Connector 81">
@@ -22022,7 +21987,7 @@
         </p:nvSpPr>
         <p:spPr>
           <a:xfrm>
-            <a:off x="5584333" y="2363604"/>
+            <a:off x="5584333" y="2369954"/>
             <a:ext cx="2795674" cy="246221"/>
           </a:xfrm>
           <a:prstGeom prst="rect">
@@ -22039,7 +22004,7 @@
             <a:pPr algn="r"/>
             <a:r>
               <a:rPr kumimoji="1" lang="en-US" altLang="ko-KR" sz="1000" i="1"/>
-              <a:t>TCP RST</a:t>
+              <a:t>HTTP/2 RST_STREAM</a:t>
             </a:r>
             <a:endParaRPr kumimoji="1" lang="ko-KR" altLang="en-US" sz="1000" i="1"/>
           </a:p>
@@ -22135,12 +22100,57 @@
           </a:fontRef>
         </p:style>
       </p:cxnSp>
-      <p:sp>
-        <p:nvSpPr>
-          <p:cNvPr id="26" name="TextBox 25">
-            <a:extLst>
-              <a:ext uri="{FF2B5EF4-FFF2-40B4-BE49-F238E27FC236}">
-                <a16:creationId xmlns:a16="http://schemas.microsoft.com/office/drawing/2014/main" id="{81FB3040-F4EA-4E06-0F68-19606D4A07F0}"/>
+      <p:cxnSp>
+        <p:nvCxnSpPr>
+          <p:cNvPr id="27" name="Straight Arrow Connector 81">
+            <a:extLst>
+              <a:ext uri="{FF2B5EF4-FFF2-40B4-BE49-F238E27FC236}">
+                <a16:creationId xmlns:a16="http://schemas.microsoft.com/office/drawing/2014/main" id="{7C8303A1-BEFD-42CC-F289-F4AB1008E4C7}"/>
+              </a:ext>
+            </a:extLst>
+          </p:cNvPr>
+          <p:cNvCxnSpPr>
+            <a:cxnSpLocks/>
+          </p:cNvCxnSpPr>
+          <p:nvPr/>
+        </p:nvCxnSpPr>
+        <p:spPr>
+          <a:xfrm>
+            <a:off x="5462033" y="2726720"/>
+            <a:ext cx="2917977" cy="0"/>
+          </a:xfrm>
+          <a:prstGeom prst="straightConnector1">
+            <a:avLst/>
+          </a:prstGeom>
+          <a:ln>
+            <a:solidFill>
+              <a:schemeClr val="tx1"/>
+            </a:solidFill>
+            <a:headEnd type="triangle" w="med" len="med"/>
+            <a:tailEnd type="none" w="med" len="med"/>
+          </a:ln>
+        </p:spPr>
+        <p:style>
+          <a:lnRef idx="1">
+            <a:schemeClr val="accent1"/>
+          </a:lnRef>
+          <a:fillRef idx="0">
+            <a:schemeClr val="accent1"/>
+          </a:fillRef>
+          <a:effectRef idx="0">
+            <a:schemeClr val="accent1"/>
+          </a:effectRef>
+          <a:fontRef idx="minor">
+            <a:schemeClr val="tx1"/>
+          </a:fontRef>
+        </p:style>
+      </p:cxnSp>
+      <p:sp>
+        <p:nvSpPr>
+          <p:cNvPr id="28" name="TextBox 27">
+            <a:extLst>
+              <a:ext uri="{FF2B5EF4-FFF2-40B4-BE49-F238E27FC236}">
+                <a16:creationId xmlns:a16="http://schemas.microsoft.com/office/drawing/2014/main" id="{2C0B9047-8983-0A0E-1F83-751AD29635D1}"/>
               </a:ext>
             </a:extLst>
           </p:cNvPr>
@@ -22149,7 +22159,7 @@
         </p:nvSpPr>
         <p:spPr>
           <a:xfrm>
-            <a:off x="886293" y="2502119"/>
+            <a:off x="5584333" y="2724409"/>
             <a:ext cx="2795674" cy="246221"/>
           </a:xfrm>
           <a:prstGeom prst="rect">
@@ -22166,7 +22176,7 @@
             <a:pPr algn="r"/>
             <a:r>
               <a:rPr kumimoji="1" lang="en-US" altLang="ko-KR" sz="1000" i="1"/>
-              <a:t>HTTP/2 RST_STREAM</a:t>
+              <a:t>TCP RST</a:t>
             </a:r>
             <a:endParaRPr kumimoji="1" lang="ko-KR" altLang="en-US" sz="1000" i="1"/>
           </a:p>
@@ -22186,6 +22196,3275 @@
 </file>
 
 <file path=ppt/slides/slide22.xml><?xml version="1.0" encoding="utf-8"?>
+<p:sld xmlns:a="http://schemas.openxmlformats.org/drawingml/2006/main" xmlns:r="http://schemas.openxmlformats.org/officeDocument/2006/relationships" xmlns:p="http://schemas.openxmlformats.org/presentationml/2006/main">
+  <p:cSld>
+    <p:spTree>
+      <p:nvGrpSpPr>
+        <p:cNvPr id="1" name="">
+          <a:extLst>
+            <a:ext uri="{FF2B5EF4-FFF2-40B4-BE49-F238E27FC236}">
+              <a16:creationId xmlns:a16="http://schemas.microsoft.com/office/drawing/2014/main" id="{669637EF-FAB5-00CF-19F5-4AA418B81BB6}"/>
+            </a:ext>
+          </a:extLst>
+        </p:cNvPr>
+        <p:cNvGrpSpPr/>
+        <p:nvPr/>
+      </p:nvGrpSpPr>
+      <p:grpSpPr>
+        <a:xfrm>
+          <a:off x="0" y="0"/>
+          <a:ext cx="0" cy="0"/>
+          <a:chOff x="0" y="0"/>
+          <a:chExt cx="0" cy="0"/>
+        </a:xfrm>
+      </p:grpSpPr>
+      <p:sp>
+        <p:nvSpPr>
+          <p:cNvPr id="3" name="사각형: 둥근 모서리 29">
+            <a:extLst>
+              <a:ext uri="{FF2B5EF4-FFF2-40B4-BE49-F238E27FC236}">
+                <a16:creationId xmlns:a16="http://schemas.microsoft.com/office/drawing/2014/main" id="{26BF2216-2924-A5F6-53A9-C10A732E615E}"/>
+              </a:ext>
+            </a:extLst>
+          </p:cNvPr>
+          <p:cNvSpPr/>
+          <p:nvPr/>
+        </p:nvSpPr>
+        <p:spPr>
+          <a:xfrm>
+            <a:off x="179512" y="123478"/>
+            <a:ext cx="4032448" cy="600168"/>
+          </a:xfrm>
+          <a:prstGeom prst="roundRect">
+            <a:avLst>
+              <a:gd name="adj" fmla="val 10124"/>
+            </a:avLst>
+          </a:prstGeom>
+          <a:ln w="12700"/>
+        </p:spPr>
+        <p:style>
+          <a:lnRef idx="2">
+            <a:schemeClr val="dk1"/>
+          </a:lnRef>
+          <a:fillRef idx="1">
+            <a:schemeClr val="lt1"/>
+          </a:fillRef>
+          <a:effectRef idx="0">
+            <a:schemeClr val="dk1"/>
+          </a:effectRef>
+          <a:fontRef idx="minor">
+            <a:schemeClr val="dk1"/>
+          </a:fontRef>
+        </p:style>
+        <p:txBody>
+          <a:bodyPr rtlCol="0" anchor="t"/>
+          <a:lstStyle/>
+          <a:p>
+            <a:pPr algn="ctr"/>
+            <a:r>
+              <a:rPr lang="en-US" altLang="ko-KR" sz="1000" b="1"/>
+              <a:t>shell </a:t>
+            </a:r>
+            <a:r>
+              <a:rPr lang="en-US" altLang="ko-KR" sz="1000"/>
+              <a:t>Pod</a:t>
+            </a:r>
+          </a:p>
+        </p:txBody>
+      </p:sp>
+      <p:sp>
+        <p:nvSpPr>
+          <p:cNvPr id="6" name="사각형: 둥근 모서리 29">
+            <a:extLst>
+              <a:ext uri="{FF2B5EF4-FFF2-40B4-BE49-F238E27FC236}">
+                <a16:creationId xmlns:a16="http://schemas.microsoft.com/office/drawing/2014/main" id="{823A786C-0EE7-C611-98C6-706B51A2357B}"/>
+              </a:ext>
+            </a:extLst>
+          </p:cNvPr>
+          <p:cNvSpPr/>
+          <p:nvPr/>
+        </p:nvSpPr>
+        <p:spPr>
+          <a:xfrm>
+            <a:off x="3236328" y="195486"/>
+            <a:ext cx="891282" cy="439396"/>
+          </a:xfrm>
+          <a:prstGeom prst="roundRect">
+            <a:avLst>
+              <a:gd name="adj" fmla="val 14520"/>
+            </a:avLst>
+          </a:prstGeom>
+          <a:ln w="12700"/>
+        </p:spPr>
+        <p:style>
+          <a:lnRef idx="2">
+            <a:schemeClr val="dk1"/>
+          </a:lnRef>
+          <a:fillRef idx="1">
+            <a:schemeClr val="lt1"/>
+          </a:fillRef>
+          <a:effectRef idx="0">
+            <a:schemeClr val="dk1"/>
+          </a:effectRef>
+          <a:fontRef idx="minor">
+            <a:schemeClr val="dk1"/>
+          </a:fontRef>
+        </p:style>
+        <p:txBody>
+          <a:bodyPr rtlCol="0" anchor="ctr"/>
+          <a:lstStyle/>
+          <a:p>
+            <a:pPr algn="ctr"/>
+            <a:r>
+              <a:rPr lang="en-US" altLang="ko-KR" sz="1000" b="1"/>
+              <a:t>istio-proxy</a:t>
+            </a:r>
+          </a:p>
+          <a:p>
+            <a:pPr algn="ctr"/>
+            <a:r>
+              <a:rPr lang="en-US" altLang="ko-KR" sz="1000"/>
+              <a:t>Container</a:t>
+            </a:r>
+          </a:p>
+        </p:txBody>
+      </p:sp>
+      <p:sp>
+        <p:nvSpPr>
+          <p:cNvPr id="7" name="사각형: 둥근 모서리 29">
+            <a:extLst>
+              <a:ext uri="{FF2B5EF4-FFF2-40B4-BE49-F238E27FC236}">
+                <a16:creationId xmlns:a16="http://schemas.microsoft.com/office/drawing/2014/main" id="{DCE8CBF7-8F5A-F42B-A1D6-5709610D4E7B}"/>
+              </a:ext>
+            </a:extLst>
+          </p:cNvPr>
+          <p:cNvSpPr/>
+          <p:nvPr/>
+        </p:nvSpPr>
+        <p:spPr>
+          <a:xfrm>
+            <a:off x="269263" y="195486"/>
+            <a:ext cx="989457" cy="439396"/>
+          </a:xfrm>
+          <a:prstGeom prst="roundRect">
+            <a:avLst>
+              <a:gd name="adj" fmla="val 14520"/>
+            </a:avLst>
+          </a:prstGeom>
+          <a:ln w="12700"/>
+        </p:spPr>
+        <p:style>
+          <a:lnRef idx="2">
+            <a:schemeClr val="dk1"/>
+          </a:lnRef>
+          <a:fillRef idx="1">
+            <a:schemeClr val="lt1"/>
+          </a:fillRef>
+          <a:effectRef idx="0">
+            <a:schemeClr val="dk1"/>
+          </a:effectRef>
+          <a:fontRef idx="minor">
+            <a:schemeClr val="dk1"/>
+          </a:fontRef>
+        </p:style>
+        <p:txBody>
+          <a:bodyPr rtlCol="0" anchor="ctr"/>
+          <a:lstStyle/>
+          <a:p>
+            <a:pPr algn="ctr"/>
+            <a:r>
+              <a:rPr lang="en-US" altLang="ko-KR" sz="1000" b="1"/>
+              <a:t>shell</a:t>
+            </a:r>
+          </a:p>
+          <a:p>
+            <a:pPr algn="ctr"/>
+            <a:r>
+              <a:rPr lang="en-US" altLang="ko-KR" sz="1000"/>
+              <a:t>Container</a:t>
+            </a:r>
+          </a:p>
+        </p:txBody>
+      </p:sp>
+      <p:sp>
+        <p:nvSpPr>
+          <p:cNvPr id="10" name="사각형: 둥근 모서리 29">
+            <a:extLst>
+              <a:ext uri="{FF2B5EF4-FFF2-40B4-BE49-F238E27FC236}">
+                <a16:creationId xmlns:a16="http://schemas.microsoft.com/office/drawing/2014/main" id="{B1BC4202-B113-2745-D85F-B89087C462A0}"/>
+              </a:ext>
+            </a:extLst>
+          </p:cNvPr>
+          <p:cNvSpPr/>
+          <p:nvPr/>
+        </p:nvSpPr>
+        <p:spPr>
+          <a:xfrm>
+            <a:off x="4932042" y="123478"/>
+            <a:ext cx="4032446" cy="600168"/>
+          </a:xfrm>
+          <a:prstGeom prst="roundRect">
+            <a:avLst>
+              <a:gd name="adj" fmla="val 10124"/>
+            </a:avLst>
+          </a:prstGeom>
+          <a:ln w="12700"/>
+        </p:spPr>
+        <p:style>
+          <a:lnRef idx="2">
+            <a:schemeClr val="dk1"/>
+          </a:lnRef>
+          <a:fillRef idx="1">
+            <a:schemeClr val="lt1"/>
+          </a:fillRef>
+          <a:effectRef idx="0">
+            <a:schemeClr val="dk1"/>
+          </a:effectRef>
+          <a:fontRef idx="minor">
+            <a:schemeClr val="dk1"/>
+          </a:fontRef>
+        </p:style>
+        <p:txBody>
+          <a:bodyPr rtlCol="0" anchor="t"/>
+          <a:lstStyle/>
+          <a:p>
+            <a:pPr algn="ctr"/>
+            <a:r>
+              <a:rPr lang="en-US" altLang="ko-KR" sz="1000" b="1"/>
+              <a:t>mock-server </a:t>
+            </a:r>
+            <a:r>
+              <a:rPr lang="en-US" altLang="ko-KR" sz="1000"/>
+              <a:t>Pod</a:t>
+            </a:r>
+          </a:p>
+        </p:txBody>
+      </p:sp>
+      <p:sp>
+        <p:nvSpPr>
+          <p:cNvPr id="11" name="사각형: 둥근 모서리 29">
+            <a:extLst>
+              <a:ext uri="{FF2B5EF4-FFF2-40B4-BE49-F238E27FC236}">
+                <a16:creationId xmlns:a16="http://schemas.microsoft.com/office/drawing/2014/main" id="{CE07C528-A957-A64B-5C0C-42982D63CBA2}"/>
+              </a:ext>
+            </a:extLst>
+          </p:cNvPr>
+          <p:cNvSpPr/>
+          <p:nvPr/>
+        </p:nvSpPr>
+        <p:spPr>
+          <a:xfrm>
+            <a:off x="7885282" y="195486"/>
+            <a:ext cx="989457" cy="439396"/>
+          </a:xfrm>
+          <a:prstGeom prst="roundRect">
+            <a:avLst>
+              <a:gd name="adj" fmla="val 14520"/>
+            </a:avLst>
+          </a:prstGeom>
+          <a:ln w="12700"/>
+        </p:spPr>
+        <p:style>
+          <a:lnRef idx="2">
+            <a:schemeClr val="dk1"/>
+          </a:lnRef>
+          <a:fillRef idx="1">
+            <a:schemeClr val="lt1"/>
+          </a:fillRef>
+          <a:effectRef idx="0">
+            <a:schemeClr val="dk1"/>
+          </a:effectRef>
+          <a:fontRef idx="minor">
+            <a:schemeClr val="dk1"/>
+          </a:fontRef>
+        </p:style>
+        <p:txBody>
+          <a:bodyPr rtlCol="0" anchor="ctr"/>
+          <a:lstStyle/>
+          <a:p>
+            <a:pPr algn="ctr"/>
+            <a:r>
+              <a:rPr lang="en-US" altLang="ko-KR" sz="1000" b="1"/>
+              <a:t>mock-server</a:t>
+            </a:r>
+          </a:p>
+          <a:p>
+            <a:pPr algn="ctr"/>
+            <a:r>
+              <a:rPr lang="en-US" altLang="ko-KR" sz="1000"/>
+              <a:t>Container</a:t>
+            </a:r>
+          </a:p>
+        </p:txBody>
+      </p:sp>
+      <p:sp>
+        <p:nvSpPr>
+          <p:cNvPr id="12" name="사각형: 둥근 모서리 29">
+            <a:extLst>
+              <a:ext uri="{FF2B5EF4-FFF2-40B4-BE49-F238E27FC236}">
+                <a16:creationId xmlns:a16="http://schemas.microsoft.com/office/drawing/2014/main" id="{05EDEE7D-FBDA-9697-2239-23513ACADDC7}"/>
+              </a:ext>
+            </a:extLst>
+          </p:cNvPr>
+          <p:cNvSpPr/>
+          <p:nvPr/>
+        </p:nvSpPr>
+        <p:spPr>
+          <a:xfrm>
+            <a:off x="5016392" y="195486"/>
+            <a:ext cx="891282" cy="439396"/>
+          </a:xfrm>
+          <a:prstGeom prst="roundRect">
+            <a:avLst>
+              <a:gd name="adj" fmla="val 14520"/>
+            </a:avLst>
+          </a:prstGeom>
+          <a:ln w="12700"/>
+        </p:spPr>
+        <p:style>
+          <a:lnRef idx="2">
+            <a:schemeClr val="dk1"/>
+          </a:lnRef>
+          <a:fillRef idx="1">
+            <a:schemeClr val="lt1"/>
+          </a:fillRef>
+          <a:effectRef idx="0">
+            <a:schemeClr val="dk1"/>
+          </a:effectRef>
+          <a:fontRef idx="minor">
+            <a:schemeClr val="dk1"/>
+          </a:fontRef>
+        </p:style>
+        <p:txBody>
+          <a:bodyPr rtlCol="0" anchor="ctr"/>
+          <a:lstStyle/>
+          <a:p>
+            <a:pPr algn="ctr"/>
+            <a:r>
+              <a:rPr lang="en-US" altLang="ko-KR" sz="1000" b="1"/>
+              <a:t>istio-proxy</a:t>
+            </a:r>
+          </a:p>
+          <a:p>
+            <a:pPr algn="ctr"/>
+            <a:r>
+              <a:rPr lang="en-US" altLang="ko-KR" sz="1000"/>
+              <a:t>Container</a:t>
+            </a:r>
+          </a:p>
+        </p:txBody>
+      </p:sp>
+      <p:cxnSp>
+        <p:nvCxnSpPr>
+          <p:cNvPr id="36" name="Straight Arrow Connector 81">
+            <a:extLst>
+              <a:ext uri="{FF2B5EF4-FFF2-40B4-BE49-F238E27FC236}">
+                <a16:creationId xmlns:a16="http://schemas.microsoft.com/office/drawing/2014/main" id="{B278DA02-1424-3343-F1C0-C35D832F4195}"/>
+              </a:ext>
+            </a:extLst>
+          </p:cNvPr>
+          <p:cNvCxnSpPr>
+            <a:cxnSpLocks/>
+            <a:stCxn id="6" idx="2"/>
+          </p:cNvCxnSpPr>
+          <p:nvPr/>
+        </p:nvCxnSpPr>
+        <p:spPr>
+          <a:xfrm>
+            <a:off x="3681969" y="634882"/>
+            <a:ext cx="0" cy="4313132"/>
+          </a:xfrm>
+          <a:prstGeom prst="straightConnector1">
+            <a:avLst/>
+          </a:prstGeom>
+          <a:ln>
+            <a:solidFill>
+              <a:schemeClr val="tx1"/>
+            </a:solidFill>
+            <a:prstDash val="dash"/>
+            <a:tailEnd type="triangle"/>
+          </a:ln>
+        </p:spPr>
+        <p:style>
+          <a:lnRef idx="1">
+            <a:schemeClr val="accent1"/>
+          </a:lnRef>
+          <a:fillRef idx="0">
+            <a:schemeClr val="accent1"/>
+          </a:fillRef>
+          <a:effectRef idx="0">
+            <a:schemeClr val="accent1"/>
+          </a:effectRef>
+          <a:fontRef idx="minor">
+            <a:schemeClr val="tx1"/>
+          </a:fontRef>
+        </p:style>
+      </p:cxnSp>
+      <p:cxnSp>
+        <p:nvCxnSpPr>
+          <p:cNvPr id="37" name="Straight Arrow Connector 81">
+            <a:extLst>
+              <a:ext uri="{FF2B5EF4-FFF2-40B4-BE49-F238E27FC236}">
+                <a16:creationId xmlns:a16="http://schemas.microsoft.com/office/drawing/2014/main" id="{99842D74-5759-B8D1-C654-3593ABA63F5F}"/>
+              </a:ext>
+            </a:extLst>
+          </p:cNvPr>
+          <p:cNvCxnSpPr>
+            <a:cxnSpLocks/>
+            <a:stCxn id="7" idx="2"/>
+          </p:cNvCxnSpPr>
+          <p:nvPr/>
+        </p:nvCxnSpPr>
+        <p:spPr>
+          <a:xfrm>
+            <a:off x="763992" y="634882"/>
+            <a:ext cx="0" cy="4313132"/>
+          </a:xfrm>
+          <a:prstGeom prst="straightConnector1">
+            <a:avLst/>
+          </a:prstGeom>
+          <a:ln>
+            <a:solidFill>
+              <a:schemeClr val="tx1"/>
+            </a:solidFill>
+            <a:prstDash val="dash"/>
+            <a:tailEnd type="triangle"/>
+          </a:ln>
+        </p:spPr>
+        <p:style>
+          <a:lnRef idx="1">
+            <a:schemeClr val="accent1"/>
+          </a:lnRef>
+          <a:fillRef idx="0">
+            <a:schemeClr val="accent1"/>
+          </a:fillRef>
+          <a:effectRef idx="0">
+            <a:schemeClr val="accent1"/>
+          </a:effectRef>
+          <a:fontRef idx="minor">
+            <a:schemeClr val="tx1"/>
+          </a:fontRef>
+        </p:style>
+      </p:cxnSp>
+      <p:cxnSp>
+        <p:nvCxnSpPr>
+          <p:cNvPr id="46" name="Straight Arrow Connector 81">
+            <a:extLst>
+              <a:ext uri="{FF2B5EF4-FFF2-40B4-BE49-F238E27FC236}">
+                <a16:creationId xmlns:a16="http://schemas.microsoft.com/office/drawing/2014/main" id="{0BB1C002-18A5-8891-0C60-525FBCD21586}"/>
+              </a:ext>
+            </a:extLst>
+          </p:cNvPr>
+          <p:cNvCxnSpPr>
+            <a:cxnSpLocks/>
+            <a:stCxn id="11" idx="2"/>
+          </p:cNvCxnSpPr>
+          <p:nvPr/>
+        </p:nvCxnSpPr>
+        <p:spPr>
+          <a:xfrm>
+            <a:off x="8380011" y="634882"/>
+            <a:ext cx="0" cy="4385140"/>
+          </a:xfrm>
+          <a:prstGeom prst="straightConnector1">
+            <a:avLst/>
+          </a:prstGeom>
+          <a:ln>
+            <a:solidFill>
+              <a:schemeClr val="tx1"/>
+            </a:solidFill>
+            <a:prstDash val="dash"/>
+            <a:tailEnd type="triangle"/>
+          </a:ln>
+        </p:spPr>
+        <p:style>
+          <a:lnRef idx="1">
+            <a:schemeClr val="accent1"/>
+          </a:lnRef>
+          <a:fillRef idx="0">
+            <a:schemeClr val="accent1"/>
+          </a:fillRef>
+          <a:effectRef idx="0">
+            <a:schemeClr val="accent1"/>
+          </a:effectRef>
+          <a:fontRef idx="minor">
+            <a:schemeClr val="tx1"/>
+          </a:fontRef>
+        </p:style>
+      </p:cxnSp>
+      <p:cxnSp>
+        <p:nvCxnSpPr>
+          <p:cNvPr id="47" name="Straight Arrow Connector 81">
+            <a:extLst>
+              <a:ext uri="{FF2B5EF4-FFF2-40B4-BE49-F238E27FC236}">
+                <a16:creationId xmlns:a16="http://schemas.microsoft.com/office/drawing/2014/main" id="{1971ADEB-E96A-A06E-4832-C9AFD7438E0C}"/>
+              </a:ext>
+            </a:extLst>
+          </p:cNvPr>
+          <p:cNvCxnSpPr>
+            <a:cxnSpLocks/>
+            <a:stCxn id="12" idx="2"/>
+          </p:cNvCxnSpPr>
+          <p:nvPr/>
+        </p:nvCxnSpPr>
+        <p:spPr>
+          <a:xfrm>
+            <a:off x="5462033" y="634882"/>
+            <a:ext cx="0" cy="4313132"/>
+          </a:xfrm>
+          <a:prstGeom prst="straightConnector1">
+            <a:avLst/>
+          </a:prstGeom>
+          <a:ln>
+            <a:solidFill>
+              <a:schemeClr val="tx1"/>
+            </a:solidFill>
+            <a:prstDash val="dash"/>
+            <a:tailEnd type="triangle"/>
+          </a:ln>
+        </p:spPr>
+        <p:style>
+          <a:lnRef idx="1">
+            <a:schemeClr val="accent1"/>
+          </a:lnRef>
+          <a:fillRef idx="0">
+            <a:schemeClr val="accent1"/>
+          </a:fillRef>
+          <a:effectRef idx="0">
+            <a:schemeClr val="accent1"/>
+          </a:effectRef>
+          <a:fontRef idx="minor">
+            <a:schemeClr val="tx1"/>
+          </a:fontRef>
+        </p:style>
+      </p:cxnSp>
+      <p:cxnSp>
+        <p:nvCxnSpPr>
+          <p:cNvPr id="52" name="Straight Arrow Connector 81">
+            <a:extLst>
+              <a:ext uri="{FF2B5EF4-FFF2-40B4-BE49-F238E27FC236}">
+                <a16:creationId xmlns:a16="http://schemas.microsoft.com/office/drawing/2014/main" id="{CA4CA6E3-3B17-8F76-301F-7B2245D92E2F}"/>
+              </a:ext>
+            </a:extLst>
+          </p:cNvPr>
+          <p:cNvCxnSpPr>
+            <a:cxnSpLocks/>
+          </p:cNvCxnSpPr>
+          <p:nvPr/>
+        </p:nvCxnSpPr>
+        <p:spPr>
+          <a:xfrm>
+            <a:off x="763988" y="1431884"/>
+            <a:ext cx="2917981" cy="0"/>
+          </a:xfrm>
+          <a:prstGeom prst="straightConnector1">
+            <a:avLst/>
+          </a:prstGeom>
+          <a:ln>
+            <a:solidFill>
+              <a:schemeClr val="tx1"/>
+            </a:solidFill>
+            <a:tailEnd type="triangle"/>
+          </a:ln>
+        </p:spPr>
+        <p:style>
+          <a:lnRef idx="1">
+            <a:schemeClr val="accent1"/>
+          </a:lnRef>
+          <a:fillRef idx="0">
+            <a:schemeClr val="accent1"/>
+          </a:fillRef>
+          <a:effectRef idx="0">
+            <a:schemeClr val="accent1"/>
+          </a:effectRef>
+          <a:fontRef idx="minor">
+            <a:schemeClr val="tx1"/>
+          </a:fontRef>
+        </p:style>
+      </p:cxnSp>
+      <p:sp>
+        <p:nvSpPr>
+          <p:cNvPr id="53" name="TextBox 52">
+            <a:extLst>
+              <a:ext uri="{FF2B5EF4-FFF2-40B4-BE49-F238E27FC236}">
+                <a16:creationId xmlns:a16="http://schemas.microsoft.com/office/drawing/2014/main" id="{885B78F1-0090-B4CF-7584-EB058269E9DC}"/>
+              </a:ext>
+            </a:extLst>
+          </p:cNvPr>
+          <p:cNvSpPr txBox="1"/>
+          <p:nvPr/>
+        </p:nvSpPr>
+        <p:spPr>
+          <a:xfrm>
+            <a:off x="763986" y="1185663"/>
+            <a:ext cx="3880019" cy="246221"/>
+          </a:xfrm>
+          <a:prstGeom prst="rect">
+            <a:avLst/>
+          </a:prstGeom>
+          <a:noFill/>
+        </p:spPr>
+        <p:txBody>
+          <a:bodyPr wrap="square" rtlCol="0">
+            <a:spAutoFit/>
+          </a:bodyPr>
+          <a:lstStyle/>
+          <a:p>
+            <a:r>
+              <a:rPr lang="en" altLang="ko-KR" sz="1000" i="1"/>
+              <a:t>mock-server:9090 CloseBeforeResponse {"milliseconds": 1000}</a:t>
+            </a:r>
+            <a:endParaRPr kumimoji="1" lang="ko-KR" altLang="en-US" sz="1000" i="1"/>
+          </a:p>
+        </p:txBody>
+      </p:sp>
+      <p:cxnSp>
+        <p:nvCxnSpPr>
+          <p:cNvPr id="54" name="Straight Arrow Connector 81">
+            <a:extLst>
+              <a:ext uri="{FF2B5EF4-FFF2-40B4-BE49-F238E27FC236}">
+                <a16:creationId xmlns:a16="http://schemas.microsoft.com/office/drawing/2014/main" id="{0ECCA6EE-247A-404B-1161-93E18CA10213}"/>
+              </a:ext>
+            </a:extLst>
+          </p:cNvPr>
+          <p:cNvCxnSpPr>
+            <a:cxnSpLocks/>
+          </p:cNvCxnSpPr>
+          <p:nvPr/>
+        </p:nvCxnSpPr>
+        <p:spPr>
+          <a:xfrm>
+            <a:off x="5462033" y="2006276"/>
+            <a:ext cx="2917977" cy="0"/>
+          </a:xfrm>
+          <a:prstGeom prst="straightConnector1">
+            <a:avLst/>
+          </a:prstGeom>
+          <a:ln>
+            <a:solidFill>
+              <a:schemeClr val="tx1"/>
+            </a:solidFill>
+            <a:headEnd type="triangle" w="med" len="med"/>
+            <a:tailEnd type="none" w="med" len="med"/>
+          </a:ln>
+        </p:spPr>
+        <p:style>
+          <a:lnRef idx="1">
+            <a:schemeClr val="accent1"/>
+          </a:lnRef>
+          <a:fillRef idx="0">
+            <a:schemeClr val="accent1"/>
+          </a:fillRef>
+          <a:effectRef idx="0">
+            <a:schemeClr val="accent1"/>
+          </a:effectRef>
+          <a:fontRef idx="minor">
+            <a:schemeClr val="tx1"/>
+          </a:fontRef>
+        </p:style>
+      </p:cxnSp>
+      <p:sp>
+        <p:nvSpPr>
+          <p:cNvPr id="55" name="TextBox 54">
+            <a:extLst>
+              <a:ext uri="{FF2B5EF4-FFF2-40B4-BE49-F238E27FC236}">
+                <a16:creationId xmlns:a16="http://schemas.microsoft.com/office/drawing/2014/main" id="{69555C5A-7AB0-6669-D8B5-A39F308651D8}"/>
+              </a:ext>
+            </a:extLst>
+          </p:cNvPr>
+          <p:cNvSpPr txBox="1"/>
+          <p:nvPr/>
+        </p:nvSpPr>
+        <p:spPr>
+          <a:xfrm>
+            <a:off x="2666358" y="2075481"/>
+            <a:ext cx="2795674" cy="246221"/>
+          </a:xfrm>
+          <a:prstGeom prst="rect">
+            <a:avLst/>
+          </a:prstGeom>
+          <a:noFill/>
+        </p:spPr>
+        <p:txBody>
+          <a:bodyPr wrap="square" rtlCol="0">
+            <a:spAutoFit/>
+          </a:bodyPr>
+          <a:lstStyle/>
+          <a:p>
+            <a:pPr algn="r"/>
+            <a:r>
+              <a:rPr kumimoji="1" lang="en-US" altLang="ko-KR" sz="1000" i="1"/>
+              <a:t>14 Unavailable</a:t>
+            </a:r>
+            <a:endParaRPr kumimoji="1" lang="ko-KR" altLang="en-US" sz="1000" i="1"/>
+          </a:p>
+        </p:txBody>
+      </p:sp>
+      <p:cxnSp>
+        <p:nvCxnSpPr>
+          <p:cNvPr id="63" name="Straight Arrow Connector 81">
+            <a:extLst>
+              <a:ext uri="{FF2B5EF4-FFF2-40B4-BE49-F238E27FC236}">
+                <a16:creationId xmlns:a16="http://schemas.microsoft.com/office/drawing/2014/main" id="{25B38867-BB8F-A18E-13DD-87645B60D68C}"/>
+              </a:ext>
+            </a:extLst>
+          </p:cNvPr>
+          <p:cNvCxnSpPr>
+            <a:cxnSpLocks/>
+          </p:cNvCxnSpPr>
+          <p:nvPr/>
+        </p:nvCxnSpPr>
+        <p:spPr>
+          <a:xfrm>
+            <a:off x="3681969" y="1505679"/>
+            <a:ext cx="1780064" cy="0"/>
+          </a:xfrm>
+          <a:prstGeom prst="straightConnector1">
+            <a:avLst/>
+          </a:prstGeom>
+          <a:ln>
+            <a:solidFill>
+              <a:schemeClr val="tx1"/>
+            </a:solidFill>
+            <a:tailEnd type="triangle"/>
+          </a:ln>
+        </p:spPr>
+        <p:style>
+          <a:lnRef idx="1">
+            <a:schemeClr val="accent1"/>
+          </a:lnRef>
+          <a:fillRef idx="0">
+            <a:schemeClr val="accent1"/>
+          </a:fillRef>
+          <a:effectRef idx="0">
+            <a:schemeClr val="accent1"/>
+          </a:effectRef>
+          <a:fontRef idx="minor">
+            <a:schemeClr val="tx1"/>
+          </a:fontRef>
+        </p:style>
+      </p:cxnSp>
+      <p:cxnSp>
+        <p:nvCxnSpPr>
+          <p:cNvPr id="64" name="Straight Arrow Connector 81">
+            <a:extLst>
+              <a:ext uri="{FF2B5EF4-FFF2-40B4-BE49-F238E27FC236}">
+                <a16:creationId xmlns:a16="http://schemas.microsoft.com/office/drawing/2014/main" id="{36C853CE-753D-4C01-D452-EE85506EB293}"/>
+              </a:ext>
+            </a:extLst>
+          </p:cNvPr>
+          <p:cNvCxnSpPr>
+            <a:cxnSpLocks/>
+          </p:cNvCxnSpPr>
+          <p:nvPr/>
+        </p:nvCxnSpPr>
+        <p:spPr>
+          <a:xfrm>
+            <a:off x="5462033" y="1585570"/>
+            <a:ext cx="2917978" cy="0"/>
+          </a:xfrm>
+          <a:prstGeom prst="straightConnector1">
+            <a:avLst/>
+          </a:prstGeom>
+          <a:ln>
+            <a:solidFill>
+              <a:schemeClr val="tx1"/>
+            </a:solidFill>
+            <a:tailEnd type="triangle"/>
+          </a:ln>
+        </p:spPr>
+        <p:style>
+          <a:lnRef idx="1">
+            <a:schemeClr val="accent1"/>
+          </a:lnRef>
+          <a:fillRef idx="0">
+            <a:schemeClr val="accent1"/>
+          </a:fillRef>
+          <a:effectRef idx="0">
+            <a:schemeClr val="accent1"/>
+          </a:effectRef>
+          <a:fontRef idx="minor">
+            <a:schemeClr val="tx1"/>
+          </a:fontRef>
+        </p:style>
+      </p:cxnSp>
+      <p:cxnSp>
+        <p:nvCxnSpPr>
+          <p:cNvPr id="70" name="Straight Arrow Connector 81">
+            <a:extLst>
+              <a:ext uri="{FF2B5EF4-FFF2-40B4-BE49-F238E27FC236}">
+                <a16:creationId xmlns:a16="http://schemas.microsoft.com/office/drawing/2014/main" id="{221688F7-A253-F5DD-2A18-54544AE6E45C}"/>
+              </a:ext>
+            </a:extLst>
+          </p:cNvPr>
+          <p:cNvCxnSpPr>
+            <a:cxnSpLocks/>
+          </p:cNvCxnSpPr>
+          <p:nvPr/>
+        </p:nvCxnSpPr>
+        <p:spPr>
+          <a:xfrm>
+            <a:off x="3681977" y="2078284"/>
+            <a:ext cx="1780056" cy="0"/>
+          </a:xfrm>
+          <a:prstGeom prst="straightConnector1">
+            <a:avLst/>
+          </a:prstGeom>
+          <a:ln>
+            <a:solidFill>
+              <a:schemeClr val="tx1"/>
+            </a:solidFill>
+            <a:headEnd type="triangle" w="med" len="med"/>
+            <a:tailEnd type="none" w="med" len="med"/>
+          </a:ln>
+        </p:spPr>
+        <p:style>
+          <a:lnRef idx="1">
+            <a:schemeClr val="accent1"/>
+          </a:lnRef>
+          <a:fillRef idx="0">
+            <a:schemeClr val="accent1"/>
+          </a:fillRef>
+          <a:effectRef idx="0">
+            <a:schemeClr val="accent1"/>
+          </a:effectRef>
+          <a:fontRef idx="minor">
+            <a:schemeClr val="tx1"/>
+          </a:fontRef>
+        </p:style>
+      </p:cxnSp>
+      <p:sp>
+        <p:nvSpPr>
+          <p:cNvPr id="2" name="호 1">
+            <a:extLst>
+              <a:ext uri="{FF2B5EF4-FFF2-40B4-BE49-F238E27FC236}">
+                <a16:creationId xmlns:a16="http://schemas.microsoft.com/office/drawing/2014/main" id="{C7E19A91-E25D-9B97-EB25-68966E7D2928}"/>
+              </a:ext>
+            </a:extLst>
+          </p:cNvPr>
+          <p:cNvSpPr/>
+          <p:nvPr/>
+        </p:nvSpPr>
+        <p:spPr>
+          <a:xfrm>
+            <a:off x="8241825" y="1585569"/>
+            <a:ext cx="276365" cy="423019"/>
+          </a:xfrm>
+          <a:prstGeom prst="arc">
+            <a:avLst>
+              <a:gd name="adj1" fmla="val 16200000"/>
+              <a:gd name="adj2" fmla="val 5389298"/>
+            </a:avLst>
+          </a:prstGeom>
+          <a:ln>
+            <a:solidFill>
+              <a:schemeClr val="tx1"/>
+            </a:solidFill>
+            <a:headEnd type="none" w="med" len="med"/>
+            <a:tailEnd type="triangle" w="med" len="med"/>
+          </a:ln>
+        </p:spPr>
+        <p:style>
+          <a:lnRef idx="1">
+            <a:schemeClr val="accent1"/>
+          </a:lnRef>
+          <a:fillRef idx="0">
+            <a:schemeClr val="accent1"/>
+          </a:fillRef>
+          <a:effectRef idx="0">
+            <a:schemeClr val="accent1"/>
+          </a:effectRef>
+          <a:fontRef idx="minor">
+            <a:schemeClr val="tx1"/>
+          </a:fontRef>
+        </p:style>
+        <p:txBody>
+          <a:bodyPr rtlCol="0" anchor="ctr"/>
+          <a:lstStyle/>
+          <a:p>
+            <a:pPr algn="ctr"/>
+            <a:endParaRPr kumimoji="1" lang="ko-KR" altLang="en-US"/>
+          </a:p>
+        </p:txBody>
+      </p:sp>
+      <p:sp>
+        <p:nvSpPr>
+          <p:cNvPr id="4" name="TextBox 3">
+            <a:extLst>
+              <a:ext uri="{FF2B5EF4-FFF2-40B4-BE49-F238E27FC236}">
+                <a16:creationId xmlns:a16="http://schemas.microsoft.com/office/drawing/2014/main" id="{B04F9547-F174-B0FB-1C69-E05CA7CBCC3B}"/>
+              </a:ext>
+            </a:extLst>
+          </p:cNvPr>
+          <p:cNvSpPr txBox="1"/>
+          <p:nvPr/>
+        </p:nvSpPr>
+        <p:spPr>
+          <a:xfrm>
+            <a:off x="8410775" y="1680027"/>
+            <a:ext cx="689798" cy="246221"/>
+          </a:xfrm>
+          <a:prstGeom prst="rect">
+            <a:avLst/>
+          </a:prstGeom>
+          <a:noFill/>
+        </p:spPr>
+        <p:txBody>
+          <a:bodyPr wrap="square" rtlCol="0">
+            <a:spAutoFit/>
+          </a:bodyPr>
+          <a:lstStyle/>
+          <a:p>
+            <a:pPr algn="ctr"/>
+            <a:r>
+              <a:rPr kumimoji="1" lang="en-US" altLang="ko-KR" sz="1000" i="1"/>
+              <a:t>1000ms</a:t>
+            </a:r>
+            <a:endParaRPr kumimoji="1" lang="ko-KR" altLang="en-US" sz="1000" i="1"/>
+          </a:p>
+        </p:txBody>
+      </p:sp>
+      <p:sp>
+        <p:nvSpPr>
+          <p:cNvPr id="5" name="TextBox 4">
+            <a:extLst>
+              <a:ext uri="{FF2B5EF4-FFF2-40B4-BE49-F238E27FC236}">
+                <a16:creationId xmlns:a16="http://schemas.microsoft.com/office/drawing/2014/main" id="{6E4BE250-FBD3-B773-D608-CB26E6A0DAE8}"/>
+              </a:ext>
+            </a:extLst>
+          </p:cNvPr>
+          <p:cNvSpPr txBox="1"/>
+          <p:nvPr/>
+        </p:nvSpPr>
+        <p:spPr>
+          <a:xfrm>
+            <a:off x="5584333" y="2003965"/>
+            <a:ext cx="2795674" cy="246221"/>
+          </a:xfrm>
+          <a:prstGeom prst="rect">
+            <a:avLst/>
+          </a:prstGeom>
+          <a:noFill/>
+        </p:spPr>
+        <p:txBody>
+          <a:bodyPr wrap="square" rtlCol="0">
+            <a:spAutoFit/>
+          </a:bodyPr>
+          <a:lstStyle/>
+          <a:p>
+            <a:pPr algn="r"/>
+            <a:r>
+              <a:rPr kumimoji="1" lang="en-US" altLang="ko-KR" sz="1000" i="1"/>
+              <a:t>TCP FIN</a:t>
+            </a:r>
+            <a:endParaRPr kumimoji="1" lang="ko-KR" altLang="en-US" sz="1000" i="1"/>
+          </a:p>
+        </p:txBody>
+      </p:sp>
+      <p:cxnSp>
+        <p:nvCxnSpPr>
+          <p:cNvPr id="8" name="Straight Arrow Connector 81">
+            <a:extLst>
+              <a:ext uri="{FF2B5EF4-FFF2-40B4-BE49-F238E27FC236}">
+                <a16:creationId xmlns:a16="http://schemas.microsoft.com/office/drawing/2014/main" id="{8A003FE7-5E49-C6B3-0E7C-C84ED732063D}"/>
+              </a:ext>
+            </a:extLst>
+          </p:cNvPr>
+          <p:cNvCxnSpPr>
+            <a:cxnSpLocks/>
+          </p:cNvCxnSpPr>
+          <p:nvPr/>
+        </p:nvCxnSpPr>
+        <p:spPr>
+          <a:xfrm>
+            <a:off x="763988" y="1077765"/>
+            <a:ext cx="2917981" cy="0"/>
+          </a:xfrm>
+          <a:prstGeom prst="straightConnector1">
+            <a:avLst/>
+          </a:prstGeom>
+          <a:ln>
+            <a:solidFill>
+              <a:schemeClr val="tx1"/>
+            </a:solidFill>
+            <a:tailEnd type="triangle"/>
+          </a:ln>
+        </p:spPr>
+        <p:style>
+          <a:lnRef idx="1">
+            <a:schemeClr val="accent1"/>
+          </a:lnRef>
+          <a:fillRef idx="0">
+            <a:schemeClr val="accent1"/>
+          </a:fillRef>
+          <a:effectRef idx="0">
+            <a:schemeClr val="accent1"/>
+          </a:effectRef>
+          <a:fontRef idx="minor">
+            <a:schemeClr val="tx1"/>
+          </a:fontRef>
+        </p:style>
+      </p:cxnSp>
+      <p:sp>
+        <p:nvSpPr>
+          <p:cNvPr id="9" name="TextBox 8">
+            <a:extLst>
+              <a:ext uri="{FF2B5EF4-FFF2-40B4-BE49-F238E27FC236}">
+                <a16:creationId xmlns:a16="http://schemas.microsoft.com/office/drawing/2014/main" id="{DC1C5DE0-90FB-DC26-33D6-B17463D248EE}"/>
+              </a:ext>
+            </a:extLst>
+          </p:cNvPr>
+          <p:cNvSpPr txBox="1"/>
+          <p:nvPr/>
+        </p:nvSpPr>
+        <p:spPr>
+          <a:xfrm>
+            <a:off x="763987" y="831544"/>
+            <a:ext cx="2795674" cy="246221"/>
+          </a:xfrm>
+          <a:prstGeom prst="rect">
+            <a:avLst/>
+          </a:prstGeom>
+          <a:noFill/>
+        </p:spPr>
+        <p:txBody>
+          <a:bodyPr wrap="square" rtlCol="0">
+            <a:spAutoFit/>
+          </a:bodyPr>
+          <a:lstStyle/>
+          <a:p>
+            <a:r>
+              <a:rPr kumimoji="1" lang="en-US" altLang="ko-KR" sz="1000" i="1"/>
+              <a:t>TCP SYN</a:t>
+            </a:r>
+            <a:endParaRPr kumimoji="1" lang="ko-KR" altLang="en-US" sz="1000" i="1"/>
+          </a:p>
+        </p:txBody>
+      </p:sp>
+      <p:cxnSp>
+        <p:nvCxnSpPr>
+          <p:cNvPr id="15" name="Straight Arrow Connector 81">
+            <a:extLst>
+              <a:ext uri="{FF2B5EF4-FFF2-40B4-BE49-F238E27FC236}">
+                <a16:creationId xmlns:a16="http://schemas.microsoft.com/office/drawing/2014/main" id="{B52F4E53-1B25-FAA9-DDEE-71FA53368A18}"/>
+              </a:ext>
+            </a:extLst>
+          </p:cNvPr>
+          <p:cNvCxnSpPr>
+            <a:cxnSpLocks/>
+          </p:cNvCxnSpPr>
+          <p:nvPr/>
+        </p:nvCxnSpPr>
+        <p:spPr>
+          <a:xfrm>
+            <a:off x="5462033" y="3134903"/>
+            <a:ext cx="2917977" cy="0"/>
+          </a:xfrm>
+          <a:prstGeom prst="straightConnector1">
+            <a:avLst/>
+          </a:prstGeom>
+          <a:ln>
+            <a:solidFill>
+              <a:schemeClr val="tx1"/>
+            </a:solidFill>
+            <a:headEnd type="triangle" w="med" len="med"/>
+            <a:tailEnd type="none" w="med" len="med"/>
+          </a:ln>
+        </p:spPr>
+        <p:style>
+          <a:lnRef idx="1">
+            <a:schemeClr val="accent1"/>
+          </a:lnRef>
+          <a:fillRef idx="0">
+            <a:schemeClr val="accent1"/>
+          </a:fillRef>
+          <a:effectRef idx="0">
+            <a:schemeClr val="accent1"/>
+          </a:effectRef>
+          <a:fontRef idx="minor">
+            <a:schemeClr val="tx1"/>
+          </a:fontRef>
+        </p:style>
+      </p:cxnSp>
+      <p:cxnSp>
+        <p:nvCxnSpPr>
+          <p:cNvPr id="16" name="Straight Arrow Connector 81">
+            <a:extLst>
+              <a:ext uri="{FF2B5EF4-FFF2-40B4-BE49-F238E27FC236}">
+                <a16:creationId xmlns:a16="http://schemas.microsoft.com/office/drawing/2014/main" id="{31196D2B-59BC-8743-1DE1-CF196B4FA7D8}"/>
+              </a:ext>
+            </a:extLst>
+          </p:cNvPr>
+          <p:cNvCxnSpPr>
+            <a:cxnSpLocks/>
+          </p:cNvCxnSpPr>
+          <p:nvPr/>
+        </p:nvCxnSpPr>
+        <p:spPr>
+          <a:xfrm>
+            <a:off x="3681969" y="2634306"/>
+            <a:ext cx="1780064" cy="0"/>
+          </a:xfrm>
+          <a:prstGeom prst="straightConnector1">
+            <a:avLst/>
+          </a:prstGeom>
+          <a:ln>
+            <a:solidFill>
+              <a:schemeClr val="tx1"/>
+            </a:solidFill>
+            <a:tailEnd type="triangle"/>
+          </a:ln>
+        </p:spPr>
+        <p:style>
+          <a:lnRef idx="1">
+            <a:schemeClr val="accent1"/>
+          </a:lnRef>
+          <a:fillRef idx="0">
+            <a:schemeClr val="accent1"/>
+          </a:fillRef>
+          <a:effectRef idx="0">
+            <a:schemeClr val="accent1"/>
+          </a:effectRef>
+          <a:fontRef idx="minor">
+            <a:schemeClr val="tx1"/>
+          </a:fontRef>
+        </p:style>
+      </p:cxnSp>
+      <p:cxnSp>
+        <p:nvCxnSpPr>
+          <p:cNvPr id="17" name="Straight Arrow Connector 81">
+            <a:extLst>
+              <a:ext uri="{FF2B5EF4-FFF2-40B4-BE49-F238E27FC236}">
+                <a16:creationId xmlns:a16="http://schemas.microsoft.com/office/drawing/2014/main" id="{66EAFF7F-37B0-4E44-78C6-F2FEF4E57C29}"/>
+              </a:ext>
+            </a:extLst>
+          </p:cNvPr>
+          <p:cNvCxnSpPr>
+            <a:cxnSpLocks/>
+          </p:cNvCxnSpPr>
+          <p:nvPr/>
+        </p:nvCxnSpPr>
+        <p:spPr>
+          <a:xfrm>
+            <a:off x="5462033" y="2714197"/>
+            <a:ext cx="2917978" cy="0"/>
+          </a:xfrm>
+          <a:prstGeom prst="straightConnector1">
+            <a:avLst/>
+          </a:prstGeom>
+          <a:ln>
+            <a:solidFill>
+              <a:schemeClr val="tx1"/>
+            </a:solidFill>
+            <a:tailEnd type="triangle"/>
+          </a:ln>
+        </p:spPr>
+        <p:style>
+          <a:lnRef idx="1">
+            <a:schemeClr val="accent1"/>
+          </a:lnRef>
+          <a:fillRef idx="0">
+            <a:schemeClr val="accent1"/>
+          </a:fillRef>
+          <a:effectRef idx="0">
+            <a:schemeClr val="accent1"/>
+          </a:effectRef>
+          <a:fontRef idx="minor">
+            <a:schemeClr val="tx1"/>
+          </a:fontRef>
+        </p:style>
+      </p:cxnSp>
+      <p:cxnSp>
+        <p:nvCxnSpPr>
+          <p:cNvPr id="18" name="Straight Arrow Connector 81">
+            <a:extLst>
+              <a:ext uri="{FF2B5EF4-FFF2-40B4-BE49-F238E27FC236}">
+                <a16:creationId xmlns:a16="http://schemas.microsoft.com/office/drawing/2014/main" id="{91C221A7-9EBA-B8A3-FBBC-322D08344105}"/>
+              </a:ext>
+            </a:extLst>
+          </p:cNvPr>
+          <p:cNvCxnSpPr>
+            <a:cxnSpLocks/>
+          </p:cNvCxnSpPr>
+          <p:nvPr/>
+        </p:nvCxnSpPr>
+        <p:spPr>
+          <a:xfrm>
+            <a:off x="3681977" y="3206911"/>
+            <a:ext cx="1780056" cy="0"/>
+          </a:xfrm>
+          <a:prstGeom prst="straightConnector1">
+            <a:avLst/>
+          </a:prstGeom>
+          <a:ln>
+            <a:solidFill>
+              <a:schemeClr val="tx1"/>
+            </a:solidFill>
+            <a:headEnd type="triangle" w="med" len="med"/>
+            <a:tailEnd type="none" w="med" len="med"/>
+          </a:ln>
+        </p:spPr>
+        <p:style>
+          <a:lnRef idx="1">
+            <a:schemeClr val="accent1"/>
+          </a:lnRef>
+          <a:fillRef idx="0">
+            <a:schemeClr val="accent1"/>
+          </a:fillRef>
+          <a:effectRef idx="0">
+            <a:schemeClr val="accent1"/>
+          </a:effectRef>
+          <a:fontRef idx="minor">
+            <a:schemeClr val="tx1"/>
+          </a:fontRef>
+        </p:style>
+      </p:cxnSp>
+      <p:sp>
+        <p:nvSpPr>
+          <p:cNvPr id="19" name="호 18">
+            <a:extLst>
+              <a:ext uri="{FF2B5EF4-FFF2-40B4-BE49-F238E27FC236}">
+                <a16:creationId xmlns:a16="http://schemas.microsoft.com/office/drawing/2014/main" id="{4F035496-6D65-E419-5AFE-3D3AD4B6ABF2}"/>
+              </a:ext>
+            </a:extLst>
+          </p:cNvPr>
+          <p:cNvSpPr/>
+          <p:nvPr/>
+        </p:nvSpPr>
+        <p:spPr>
+          <a:xfrm>
+            <a:off x="8241825" y="2714196"/>
+            <a:ext cx="276365" cy="423019"/>
+          </a:xfrm>
+          <a:prstGeom prst="arc">
+            <a:avLst>
+              <a:gd name="adj1" fmla="val 16200000"/>
+              <a:gd name="adj2" fmla="val 5389298"/>
+            </a:avLst>
+          </a:prstGeom>
+          <a:ln>
+            <a:solidFill>
+              <a:schemeClr val="tx1"/>
+            </a:solidFill>
+            <a:headEnd type="none" w="med" len="med"/>
+            <a:tailEnd type="triangle" w="med" len="med"/>
+          </a:ln>
+        </p:spPr>
+        <p:style>
+          <a:lnRef idx="1">
+            <a:schemeClr val="accent1"/>
+          </a:lnRef>
+          <a:fillRef idx="0">
+            <a:schemeClr val="accent1"/>
+          </a:fillRef>
+          <a:effectRef idx="0">
+            <a:schemeClr val="accent1"/>
+          </a:effectRef>
+          <a:fontRef idx="minor">
+            <a:schemeClr val="tx1"/>
+          </a:fontRef>
+        </p:style>
+        <p:txBody>
+          <a:bodyPr rtlCol="0" anchor="ctr"/>
+          <a:lstStyle/>
+          <a:p>
+            <a:pPr algn="ctr"/>
+            <a:endParaRPr kumimoji="1" lang="ko-KR" altLang="en-US"/>
+          </a:p>
+        </p:txBody>
+      </p:sp>
+      <p:sp>
+        <p:nvSpPr>
+          <p:cNvPr id="20" name="TextBox 19">
+            <a:extLst>
+              <a:ext uri="{FF2B5EF4-FFF2-40B4-BE49-F238E27FC236}">
+                <a16:creationId xmlns:a16="http://schemas.microsoft.com/office/drawing/2014/main" id="{543D543C-ECDD-0FD3-AB33-484BAE8C3314}"/>
+              </a:ext>
+            </a:extLst>
+          </p:cNvPr>
+          <p:cNvSpPr txBox="1"/>
+          <p:nvPr/>
+        </p:nvSpPr>
+        <p:spPr>
+          <a:xfrm>
+            <a:off x="5584333" y="3132592"/>
+            <a:ext cx="2795674" cy="246221"/>
+          </a:xfrm>
+          <a:prstGeom prst="rect">
+            <a:avLst/>
+          </a:prstGeom>
+          <a:noFill/>
+        </p:spPr>
+        <p:txBody>
+          <a:bodyPr wrap="square" rtlCol="0">
+            <a:spAutoFit/>
+          </a:bodyPr>
+          <a:lstStyle/>
+          <a:p>
+            <a:pPr algn="r"/>
+            <a:r>
+              <a:rPr kumimoji="1" lang="en-US" altLang="ko-KR" sz="1000" i="1"/>
+              <a:t>TCP FIN</a:t>
+            </a:r>
+            <a:endParaRPr kumimoji="1" lang="ko-KR" altLang="en-US" sz="1000" i="1"/>
+          </a:p>
+        </p:txBody>
+      </p:sp>
+      <p:sp>
+        <p:nvSpPr>
+          <p:cNvPr id="21" name="TextBox 20">
+            <a:extLst>
+              <a:ext uri="{FF2B5EF4-FFF2-40B4-BE49-F238E27FC236}">
+                <a16:creationId xmlns:a16="http://schemas.microsoft.com/office/drawing/2014/main" id="{ACEFE96F-FDFB-0AAC-5154-0095D36A0FCF}"/>
+              </a:ext>
+            </a:extLst>
+          </p:cNvPr>
+          <p:cNvSpPr txBox="1"/>
+          <p:nvPr/>
+        </p:nvSpPr>
+        <p:spPr>
+          <a:xfrm>
+            <a:off x="3684670" y="2386852"/>
+            <a:ext cx="4110861" cy="246221"/>
+          </a:xfrm>
+          <a:prstGeom prst="rect">
+            <a:avLst/>
+          </a:prstGeom>
+          <a:noFill/>
+        </p:spPr>
+        <p:txBody>
+          <a:bodyPr wrap="square" rtlCol="0">
+            <a:spAutoFit/>
+          </a:bodyPr>
+          <a:lstStyle/>
+          <a:p>
+            <a:r>
+              <a:rPr lang="en" altLang="ko-KR" sz="1000" i="1"/>
+              <a:t>mock-server:9090 CloseBeforeResponse {"milliseconds": 1000}</a:t>
+            </a:r>
+            <a:endParaRPr kumimoji="1" lang="ko-KR" altLang="en-US" sz="1000" i="1"/>
+          </a:p>
+        </p:txBody>
+      </p:sp>
+      <p:sp>
+        <p:nvSpPr>
+          <p:cNvPr id="29" name="TextBox 28">
+            <a:extLst>
+              <a:ext uri="{FF2B5EF4-FFF2-40B4-BE49-F238E27FC236}">
+                <a16:creationId xmlns:a16="http://schemas.microsoft.com/office/drawing/2014/main" id="{DFDF279E-5E2B-A98F-53A0-C9662938F693}"/>
+              </a:ext>
+            </a:extLst>
+          </p:cNvPr>
+          <p:cNvSpPr txBox="1"/>
+          <p:nvPr/>
+        </p:nvSpPr>
+        <p:spPr>
+          <a:xfrm>
+            <a:off x="2666358" y="3204363"/>
+            <a:ext cx="2795674" cy="246221"/>
+          </a:xfrm>
+          <a:prstGeom prst="rect">
+            <a:avLst/>
+          </a:prstGeom>
+          <a:noFill/>
+        </p:spPr>
+        <p:txBody>
+          <a:bodyPr wrap="square" rtlCol="0">
+            <a:spAutoFit/>
+          </a:bodyPr>
+          <a:lstStyle/>
+          <a:p>
+            <a:pPr algn="r"/>
+            <a:r>
+              <a:rPr kumimoji="1" lang="en-US" altLang="ko-KR" sz="1000" i="1"/>
+              <a:t>14 Unavailable</a:t>
+            </a:r>
+            <a:endParaRPr kumimoji="1" lang="ko-KR" altLang="en-US" sz="1000" i="1"/>
+          </a:p>
+        </p:txBody>
+      </p:sp>
+      <p:cxnSp>
+        <p:nvCxnSpPr>
+          <p:cNvPr id="40" name="Straight Arrow Connector 81">
+            <a:extLst>
+              <a:ext uri="{FF2B5EF4-FFF2-40B4-BE49-F238E27FC236}">
+                <a16:creationId xmlns:a16="http://schemas.microsoft.com/office/drawing/2014/main" id="{C05907D0-6509-E32E-4350-F826F5134B0F}"/>
+              </a:ext>
+            </a:extLst>
+          </p:cNvPr>
+          <p:cNvCxnSpPr>
+            <a:cxnSpLocks/>
+          </p:cNvCxnSpPr>
+          <p:nvPr/>
+        </p:nvCxnSpPr>
+        <p:spPr>
+          <a:xfrm>
+            <a:off x="5462033" y="4263529"/>
+            <a:ext cx="2917977" cy="0"/>
+          </a:xfrm>
+          <a:prstGeom prst="straightConnector1">
+            <a:avLst/>
+          </a:prstGeom>
+          <a:ln>
+            <a:solidFill>
+              <a:schemeClr val="tx1"/>
+            </a:solidFill>
+            <a:headEnd type="triangle" w="med" len="med"/>
+            <a:tailEnd type="none" w="med" len="med"/>
+          </a:ln>
+        </p:spPr>
+        <p:style>
+          <a:lnRef idx="1">
+            <a:schemeClr val="accent1"/>
+          </a:lnRef>
+          <a:fillRef idx="0">
+            <a:schemeClr val="accent1"/>
+          </a:fillRef>
+          <a:effectRef idx="0">
+            <a:schemeClr val="accent1"/>
+          </a:effectRef>
+          <a:fontRef idx="minor">
+            <a:schemeClr val="tx1"/>
+          </a:fontRef>
+        </p:style>
+      </p:cxnSp>
+      <p:cxnSp>
+        <p:nvCxnSpPr>
+          <p:cNvPr id="41" name="Straight Arrow Connector 81">
+            <a:extLst>
+              <a:ext uri="{FF2B5EF4-FFF2-40B4-BE49-F238E27FC236}">
+                <a16:creationId xmlns:a16="http://schemas.microsoft.com/office/drawing/2014/main" id="{49B37091-0E57-A2DE-CC25-127DB731EDE2}"/>
+              </a:ext>
+            </a:extLst>
+          </p:cNvPr>
+          <p:cNvCxnSpPr>
+            <a:cxnSpLocks/>
+          </p:cNvCxnSpPr>
+          <p:nvPr/>
+        </p:nvCxnSpPr>
+        <p:spPr>
+          <a:xfrm>
+            <a:off x="3681969" y="3762932"/>
+            <a:ext cx="1780064" cy="0"/>
+          </a:xfrm>
+          <a:prstGeom prst="straightConnector1">
+            <a:avLst/>
+          </a:prstGeom>
+          <a:ln>
+            <a:solidFill>
+              <a:schemeClr val="tx1"/>
+            </a:solidFill>
+            <a:tailEnd type="triangle"/>
+          </a:ln>
+        </p:spPr>
+        <p:style>
+          <a:lnRef idx="1">
+            <a:schemeClr val="accent1"/>
+          </a:lnRef>
+          <a:fillRef idx="0">
+            <a:schemeClr val="accent1"/>
+          </a:fillRef>
+          <a:effectRef idx="0">
+            <a:schemeClr val="accent1"/>
+          </a:effectRef>
+          <a:fontRef idx="minor">
+            <a:schemeClr val="tx1"/>
+          </a:fontRef>
+        </p:style>
+      </p:cxnSp>
+      <p:cxnSp>
+        <p:nvCxnSpPr>
+          <p:cNvPr id="42" name="Straight Arrow Connector 81">
+            <a:extLst>
+              <a:ext uri="{FF2B5EF4-FFF2-40B4-BE49-F238E27FC236}">
+                <a16:creationId xmlns:a16="http://schemas.microsoft.com/office/drawing/2014/main" id="{2F032E85-434E-F587-BD13-99B6507714D7}"/>
+              </a:ext>
+            </a:extLst>
+          </p:cNvPr>
+          <p:cNvCxnSpPr>
+            <a:cxnSpLocks/>
+          </p:cNvCxnSpPr>
+          <p:nvPr/>
+        </p:nvCxnSpPr>
+        <p:spPr>
+          <a:xfrm>
+            <a:off x="5462033" y="3842823"/>
+            <a:ext cx="2917978" cy="0"/>
+          </a:xfrm>
+          <a:prstGeom prst="straightConnector1">
+            <a:avLst/>
+          </a:prstGeom>
+          <a:ln>
+            <a:solidFill>
+              <a:schemeClr val="tx1"/>
+            </a:solidFill>
+            <a:tailEnd type="triangle"/>
+          </a:ln>
+        </p:spPr>
+        <p:style>
+          <a:lnRef idx="1">
+            <a:schemeClr val="accent1"/>
+          </a:lnRef>
+          <a:fillRef idx="0">
+            <a:schemeClr val="accent1"/>
+          </a:fillRef>
+          <a:effectRef idx="0">
+            <a:schemeClr val="accent1"/>
+          </a:effectRef>
+          <a:fontRef idx="minor">
+            <a:schemeClr val="tx1"/>
+          </a:fontRef>
+        </p:style>
+      </p:cxnSp>
+      <p:cxnSp>
+        <p:nvCxnSpPr>
+          <p:cNvPr id="43" name="Straight Arrow Connector 81">
+            <a:extLst>
+              <a:ext uri="{FF2B5EF4-FFF2-40B4-BE49-F238E27FC236}">
+                <a16:creationId xmlns:a16="http://schemas.microsoft.com/office/drawing/2014/main" id="{CDADAA36-F704-95F2-1B9F-262F98C9032C}"/>
+              </a:ext>
+            </a:extLst>
+          </p:cNvPr>
+          <p:cNvCxnSpPr>
+            <a:cxnSpLocks/>
+          </p:cNvCxnSpPr>
+          <p:nvPr/>
+        </p:nvCxnSpPr>
+        <p:spPr>
+          <a:xfrm>
+            <a:off x="3681977" y="4335537"/>
+            <a:ext cx="1780056" cy="0"/>
+          </a:xfrm>
+          <a:prstGeom prst="straightConnector1">
+            <a:avLst/>
+          </a:prstGeom>
+          <a:ln>
+            <a:solidFill>
+              <a:schemeClr val="tx1"/>
+            </a:solidFill>
+            <a:headEnd type="triangle" w="med" len="med"/>
+            <a:tailEnd type="none" w="med" len="med"/>
+          </a:ln>
+        </p:spPr>
+        <p:style>
+          <a:lnRef idx="1">
+            <a:schemeClr val="accent1"/>
+          </a:lnRef>
+          <a:fillRef idx="0">
+            <a:schemeClr val="accent1"/>
+          </a:fillRef>
+          <a:effectRef idx="0">
+            <a:schemeClr val="accent1"/>
+          </a:effectRef>
+          <a:fontRef idx="minor">
+            <a:schemeClr val="tx1"/>
+          </a:fontRef>
+        </p:style>
+      </p:cxnSp>
+      <p:sp>
+        <p:nvSpPr>
+          <p:cNvPr id="44" name="호 43">
+            <a:extLst>
+              <a:ext uri="{FF2B5EF4-FFF2-40B4-BE49-F238E27FC236}">
+                <a16:creationId xmlns:a16="http://schemas.microsoft.com/office/drawing/2014/main" id="{500572B5-5E08-00E9-84A9-DA099C63B2F9}"/>
+              </a:ext>
+            </a:extLst>
+          </p:cNvPr>
+          <p:cNvSpPr/>
+          <p:nvPr/>
+        </p:nvSpPr>
+        <p:spPr>
+          <a:xfrm>
+            <a:off x="8241825" y="3842822"/>
+            <a:ext cx="276365" cy="423019"/>
+          </a:xfrm>
+          <a:prstGeom prst="arc">
+            <a:avLst>
+              <a:gd name="adj1" fmla="val 16200000"/>
+              <a:gd name="adj2" fmla="val 5389298"/>
+            </a:avLst>
+          </a:prstGeom>
+          <a:ln>
+            <a:solidFill>
+              <a:schemeClr val="tx1"/>
+            </a:solidFill>
+            <a:headEnd type="none" w="med" len="med"/>
+            <a:tailEnd type="triangle" w="med" len="med"/>
+          </a:ln>
+        </p:spPr>
+        <p:style>
+          <a:lnRef idx="1">
+            <a:schemeClr val="accent1"/>
+          </a:lnRef>
+          <a:fillRef idx="0">
+            <a:schemeClr val="accent1"/>
+          </a:fillRef>
+          <a:effectRef idx="0">
+            <a:schemeClr val="accent1"/>
+          </a:effectRef>
+          <a:fontRef idx="minor">
+            <a:schemeClr val="tx1"/>
+          </a:fontRef>
+        </p:style>
+        <p:txBody>
+          <a:bodyPr rtlCol="0" anchor="ctr"/>
+          <a:lstStyle/>
+          <a:p>
+            <a:pPr algn="ctr"/>
+            <a:endParaRPr kumimoji="1" lang="ko-KR" altLang="en-US"/>
+          </a:p>
+        </p:txBody>
+      </p:sp>
+      <p:sp>
+        <p:nvSpPr>
+          <p:cNvPr id="45" name="TextBox 44">
+            <a:extLst>
+              <a:ext uri="{FF2B5EF4-FFF2-40B4-BE49-F238E27FC236}">
+                <a16:creationId xmlns:a16="http://schemas.microsoft.com/office/drawing/2014/main" id="{E4F48655-F5AE-BC24-8149-D369EB3E7046}"/>
+              </a:ext>
+            </a:extLst>
+          </p:cNvPr>
+          <p:cNvSpPr txBox="1"/>
+          <p:nvPr/>
+        </p:nvSpPr>
+        <p:spPr>
+          <a:xfrm>
+            <a:off x="5584333" y="4261218"/>
+            <a:ext cx="2795674" cy="246221"/>
+          </a:xfrm>
+          <a:prstGeom prst="rect">
+            <a:avLst/>
+          </a:prstGeom>
+          <a:noFill/>
+        </p:spPr>
+        <p:txBody>
+          <a:bodyPr wrap="square" rtlCol="0">
+            <a:spAutoFit/>
+          </a:bodyPr>
+          <a:lstStyle/>
+          <a:p>
+            <a:pPr algn="r"/>
+            <a:r>
+              <a:rPr kumimoji="1" lang="en-US" altLang="ko-KR" sz="1000" i="1"/>
+              <a:t>TCP FIN</a:t>
+            </a:r>
+            <a:endParaRPr kumimoji="1" lang="ko-KR" altLang="en-US" sz="1000" i="1"/>
+          </a:p>
+        </p:txBody>
+      </p:sp>
+      <p:sp>
+        <p:nvSpPr>
+          <p:cNvPr id="48" name="TextBox 47">
+            <a:extLst>
+              <a:ext uri="{FF2B5EF4-FFF2-40B4-BE49-F238E27FC236}">
+                <a16:creationId xmlns:a16="http://schemas.microsoft.com/office/drawing/2014/main" id="{52275A06-E18C-6F80-22EA-92660313F48D}"/>
+              </a:ext>
+            </a:extLst>
+          </p:cNvPr>
+          <p:cNvSpPr txBox="1"/>
+          <p:nvPr/>
+        </p:nvSpPr>
+        <p:spPr>
+          <a:xfrm>
+            <a:off x="3684670" y="3515478"/>
+            <a:ext cx="4200610" cy="246221"/>
+          </a:xfrm>
+          <a:prstGeom prst="rect">
+            <a:avLst/>
+          </a:prstGeom>
+          <a:noFill/>
+        </p:spPr>
+        <p:txBody>
+          <a:bodyPr wrap="square" rtlCol="0">
+            <a:spAutoFit/>
+          </a:bodyPr>
+          <a:lstStyle/>
+          <a:p>
+            <a:r>
+              <a:rPr lang="en" altLang="ko-KR" sz="1000" i="1"/>
+              <a:t>mock-server:9090 CloseBeforeResponse {"milliseconds": 1000}</a:t>
+            </a:r>
+            <a:endParaRPr kumimoji="1" lang="ko-KR" altLang="en-US" sz="1000" i="1"/>
+          </a:p>
+        </p:txBody>
+      </p:sp>
+      <p:sp>
+        <p:nvSpPr>
+          <p:cNvPr id="49" name="TextBox 48">
+            <a:extLst>
+              <a:ext uri="{FF2B5EF4-FFF2-40B4-BE49-F238E27FC236}">
+                <a16:creationId xmlns:a16="http://schemas.microsoft.com/office/drawing/2014/main" id="{AD191881-D91C-059F-44A4-0FAD4CA2D7FE}"/>
+              </a:ext>
+            </a:extLst>
+          </p:cNvPr>
+          <p:cNvSpPr txBox="1"/>
+          <p:nvPr/>
+        </p:nvSpPr>
+        <p:spPr>
+          <a:xfrm>
+            <a:off x="2666358" y="4332989"/>
+            <a:ext cx="2795674" cy="246221"/>
+          </a:xfrm>
+          <a:prstGeom prst="rect">
+            <a:avLst/>
+          </a:prstGeom>
+          <a:noFill/>
+        </p:spPr>
+        <p:txBody>
+          <a:bodyPr wrap="square" rtlCol="0">
+            <a:spAutoFit/>
+          </a:bodyPr>
+          <a:lstStyle/>
+          <a:p>
+            <a:pPr algn="r"/>
+            <a:r>
+              <a:rPr kumimoji="1" lang="en-US" altLang="ko-KR" sz="1000" i="1"/>
+              <a:t>14 Unavailable</a:t>
+            </a:r>
+            <a:endParaRPr kumimoji="1" lang="ko-KR" altLang="en-US" sz="1000" i="1"/>
+          </a:p>
+        </p:txBody>
+      </p:sp>
+      <p:cxnSp>
+        <p:nvCxnSpPr>
+          <p:cNvPr id="57" name="Straight Arrow Connector 81">
+            <a:extLst>
+              <a:ext uri="{FF2B5EF4-FFF2-40B4-BE49-F238E27FC236}">
+                <a16:creationId xmlns:a16="http://schemas.microsoft.com/office/drawing/2014/main" id="{B63FA61F-A7BE-A7B0-4684-C118A9AD2B51}"/>
+              </a:ext>
+            </a:extLst>
+          </p:cNvPr>
+          <p:cNvCxnSpPr>
+            <a:cxnSpLocks/>
+          </p:cNvCxnSpPr>
+          <p:nvPr/>
+        </p:nvCxnSpPr>
+        <p:spPr>
+          <a:xfrm>
+            <a:off x="763986" y="4403439"/>
+            <a:ext cx="2917983" cy="0"/>
+          </a:xfrm>
+          <a:prstGeom prst="straightConnector1">
+            <a:avLst/>
+          </a:prstGeom>
+          <a:ln>
+            <a:solidFill>
+              <a:schemeClr val="tx1"/>
+            </a:solidFill>
+            <a:headEnd type="triangle" w="med" len="med"/>
+            <a:tailEnd type="none" w="med" len="med"/>
+          </a:ln>
+        </p:spPr>
+        <p:style>
+          <a:lnRef idx="1">
+            <a:schemeClr val="accent1"/>
+          </a:lnRef>
+          <a:fillRef idx="0">
+            <a:schemeClr val="accent1"/>
+          </a:fillRef>
+          <a:effectRef idx="0">
+            <a:schemeClr val="accent1"/>
+          </a:effectRef>
+          <a:fontRef idx="minor">
+            <a:schemeClr val="tx1"/>
+          </a:fontRef>
+        </p:style>
+      </p:cxnSp>
+      <p:cxnSp>
+        <p:nvCxnSpPr>
+          <p:cNvPr id="58" name="Straight Arrow Connector 81">
+            <a:extLst>
+              <a:ext uri="{FF2B5EF4-FFF2-40B4-BE49-F238E27FC236}">
+                <a16:creationId xmlns:a16="http://schemas.microsoft.com/office/drawing/2014/main" id="{7020AF65-9C3D-F17E-3A5B-BF74529E64AB}"/>
+              </a:ext>
+            </a:extLst>
+          </p:cNvPr>
+          <p:cNvCxnSpPr>
+            <a:cxnSpLocks/>
+          </p:cNvCxnSpPr>
+          <p:nvPr/>
+        </p:nvCxnSpPr>
+        <p:spPr>
+          <a:xfrm>
+            <a:off x="763988" y="4753660"/>
+            <a:ext cx="2917981" cy="0"/>
+          </a:xfrm>
+          <a:prstGeom prst="straightConnector1">
+            <a:avLst/>
+          </a:prstGeom>
+          <a:ln>
+            <a:solidFill>
+              <a:schemeClr val="tx1"/>
+            </a:solidFill>
+            <a:tailEnd type="triangle"/>
+          </a:ln>
+        </p:spPr>
+        <p:style>
+          <a:lnRef idx="1">
+            <a:schemeClr val="accent1"/>
+          </a:lnRef>
+          <a:fillRef idx="0">
+            <a:schemeClr val="accent1"/>
+          </a:fillRef>
+          <a:effectRef idx="0">
+            <a:schemeClr val="accent1"/>
+          </a:effectRef>
+          <a:fontRef idx="minor">
+            <a:schemeClr val="tx1"/>
+          </a:fontRef>
+        </p:style>
+      </p:cxnSp>
+      <p:sp>
+        <p:nvSpPr>
+          <p:cNvPr id="59" name="TextBox 58">
+            <a:extLst>
+              <a:ext uri="{FF2B5EF4-FFF2-40B4-BE49-F238E27FC236}">
+                <a16:creationId xmlns:a16="http://schemas.microsoft.com/office/drawing/2014/main" id="{2E643846-4AC9-2BD8-197C-C0BD2FD44C18}"/>
+              </a:ext>
+            </a:extLst>
+          </p:cNvPr>
+          <p:cNvSpPr txBox="1"/>
+          <p:nvPr/>
+        </p:nvSpPr>
+        <p:spPr>
+          <a:xfrm>
+            <a:off x="763987" y="4507439"/>
+            <a:ext cx="2795674" cy="246221"/>
+          </a:xfrm>
+          <a:prstGeom prst="rect">
+            <a:avLst/>
+          </a:prstGeom>
+          <a:noFill/>
+        </p:spPr>
+        <p:txBody>
+          <a:bodyPr wrap="square" rtlCol="0">
+            <a:spAutoFit/>
+          </a:bodyPr>
+          <a:lstStyle/>
+          <a:p>
+            <a:r>
+              <a:rPr kumimoji="1" lang="en-US" altLang="ko-KR" sz="1000" i="1"/>
+              <a:t>TCP FIN</a:t>
+            </a:r>
+            <a:endParaRPr kumimoji="1" lang="ko-KR" altLang="en-US" sz="1000" i="1"/>
+          </a:p>
+        </p:txBody>
+      </p:sp>
+    </p:spTree>
+    <p:extLst>
+      <p:ext uri="{BB962C8B-B14F-4D97-AF65-F5344CB8AC3E}">
+        <p14:creationId xmlns:p14="http://schemas.microsoft.com/office/powerpoint/2010/main" val="3522394024"/>
+      </p:ext>
+    </p:extLst>
+  </p:cSld>
+  <p:clrMapOvr>
+    <a:masterClrMapping/>
+  </p:clrMapOvr>
+</p:sld>
+</file>
+
+<file path=ppt/slides/slide23.xml><?xml version="1.0" encoding="utf-8"?>
+<p:sld xmlns:a="http://schemas.openxmlformats.org/drawingml/2006/main" xmlns:r="http://schemas.openxmlformats.org/officeDocument/2006/relationships" xmlns:p="http://schemas.openxmlformats.org/presentationml/2006/main">
+  <p:cSld>
+    <p:spTree>
+      <p:nvGrpSpPr>
+        <p:cNvPr id="1" name="">
+          <a:extLst>
+            <a:ext uri="{FF2B5EF4-FFF2-40B4-BE49-F238E27FC236}">
+              <a16:creationId xmlns:a16="http://schemas.microsoft.com/office/drawing/2014/main" id="{CC913978-CE12-BF54-DC34-8DC638438AF4}"/>
+            </a:ext>
+          </a:extLst>
+        </p:cNvPr>
+        <p:cNvGrpSpPr/>
+        <p:nvPr/>
+      </p:nvGrpSpPr>
+      <p:grpSpPr>
+        <a:xfrm>
+          <a:off x="0" y="0"/>
+          <a:ext cx="0" cy="0"/>
+          <a:chOff x="0" y="0"/>
+          <a:chExt cx="0" cy="0"/>
+        </a:xfrm>
+      </p:grpSpPr>
+      <p:sp>
+        <p:nvSpPr>
+          <p:cNvPr id="3" name="사각형: 둥근 모서리 29">
+            <a:extLst>
+              <a:ext uri="{FF2B5EF4-FFF2-40B4-BE49-F238E27FC236}">
+                <a16:creationId xmlns:a16="http://schemas.microsoft.com/office/drawing/2014/main" id="{97090507-063C-9EDC-3225-0F6BA4B80A8F}"/>
+              </a:ext>
+            </a:extLst>
+          </p:cNvPr>
+          <p:cNvSpPr/>
+          <p:nvPr/>
+        </p:nvSpPr>
+        <p:spPr>
+          <a:xfrm>
+            <a:off x="179512" y="123478"/>
+            <a:ext cx="4032448" cy="600168"/>
+          </a:xfrm>
+          <a:prstGeom prst="roundRect">
+            <a:avLst>
+              <a:gd name="adj" fmla="val 10124"/>
+            </a:avLst>
+          </a:prstGeom>
+          <a:ln w="12700"/>
+        </p:spPr>
+        <p:style>
+          <a:lnRef idx="2">
+            <a:schemeClr val="dk1"/>
+          </a:lnRef>
+          <a:fillRef idx="1">
+            <a:schemeClr val="lt1"/>
+          </a:fillRef>
+          <a:effectRef idx="0">
+            <a:schemeClr val="dk1"/>
+          </a:effectRef>
+          <a:fontRef idx="minor">
+            <a:schemeClr val="dk1"/>
+          </a:fontRef>
+        </p:style>
+        <p:txBody>
+          <a:bodyPr rtlCol="0" anchor="t"/>
+          <a:lstStyle/>
+          <a:p>
+            <a:pPr algn="ctr"/>
+            <a:r>
+              <a:rPr lang="en-US" altLang="ko-KR" sz="1000" b="1"/>
+              <a:t>shell </a:t>
+            </a:r>
+            <a:r>
+              <a:rPr lang="en-US" altLang="ko-KR" sz="1000"/>
+              <a:t>Pod</a:t>
+            </a:r>
+          </a:p>
+        </p:txBody>
+      </p:sp>
+      <p:sp>
+        <p:nvSpPr>
+          <p:cNvPr id="6" name="사각형: 둥근 모서리 29">
+            <a:extLst>
+              <a:ext uri="{FF2B5EF4-FFF2-40B4-BE49-F238E27FC236}">
+                <a16:creationId xmlns:a16="http://schemas.microsoft.com/office/drawing/2014/main" id="{A3F8AE34-15C0-97CE-27BB-0E81FD78490F}"/>
+              </a:ext>
+            </a:extLst>
+          </p:cNvPr>
+          <p:cNvSpPr/>
+          <p:nvPr/>
+        </p:nvSpPr>
+        <p:spPr>
+          <a:xfrm>
+            <a:off x="3236328" y="195486"/>
+            <a:ext cx="891282" cy="439396"/>
+          </a:xfrm>
+          <a:prstGeom prst="roundRect">
+            <a:avLst>
+              <a:gd name="adj" fmla="val 14520"/>
+            </a:avLst>
+          </a:prstGeom>
+          <a:ln w="12700"/>
+        </p:spPr>
+        <p:style>
+          <a:lnRef idx="2">
+            <a:schemeClr val="dk1"/>
+          </a:lnRef>
+          <a:fillRef idx="1">
+            <a:schemeClr val="lt1"/>
+          </a:fillRef>
+          <a:effectRef idx="0">
+            <a:schemeClr val="dk1"/>
+          </a:effectRef>
+          <a:fontRef idx="minor">
+            <a:schemeClr val="dk1"/>
+          </a:fontRef>
+        </p:style>
+        <p:txBody>
+          <a:bodyPr rtlCol="0" anchor="ctr"/>
+          <a:lstStyle/>
+          <a:p>
+            <a:pPr algn="ctr"/>
+            <a:r>
+              <a:rPr lang="en-US" altLang="ko-KR" sz="1000" b="1"/>
+              <a:t>istio-proxy</a:t>
+            </a:r>
+          </a:p>
+          <a:p>
+            <a:pPr algn="ctr"/>
+            <a:r>
+              <a:rPr lang="en-US" altLang="ko-KR" sz="1000"/>
+              <a:t>Container</a:t>
+            </a:r>
+          </a:p>
+        </p:txBody>
+      </p:sp>
+      <p:sp>
+        <p:nvSpPr>
+          <p:cNvPr id="7" name="사각형: 둥근 모서리 29">
+            <a:extLst>
+              <a:ext uri="{FF2B5EF4-FFF2-40B4-BE49-F238E27FC236}">
+                <a16:creationId xmlns:a16="http://schemas.microsoft.com/office/drawing/2014/main" id="{22E450DF-5C27-302B-6085-F7AC6F8783AA}"/>
+              </a:ext>
+            </a:extLst>
+          </p:cNvPr>
+          <p:cNvSpPr/>
+          <p:nvPr/>
+        </p:nvSpPr>
+        <p:spPr>
+          <a:xfrm>
+            <a:off x="269263" y="195486"/>
+            <a:ext cx="989457" cy="439396"/>
+          </a:xfrm>
+          <a:prstGeom prst="roundRect">
+            <a:avLst>
+              <a:gd name="adj" fmla="val 14520"/>
+            </a:avLst>
+          </a:prstGeom>
+          <a:ln w="12700"/>
+        </p:spPr>
+        <p:style>
+          <a:lnRef idx="2">
+            <a:schemeClr val="dk1"/>
+          </a:lnRef>
+          <a:fillRef idx="1">
+            <a:schemeClr val="lt1"/>
+          </a:fillRef>
+          <a:effectRef idx="0">
+            <a:schemeClr val="dk1"/>
+          </a:effectRef>
+          <a:fontRef idx="minor">
+            <a:schemeClr val="dk1"/>
+          </a:fontRef>
+        </p:style>
+        <p:txBody>
+          <a:bodyPr rtlCol="0" anchor="ctr"/>
+          <a:lstStyle/>
+          <a:p>
+            <a:pPr algn="ctr"/>
+            <a:r>
+              <a:rPr lang="en-US" altLang="ko-KR" sz="1000" b="1"/>
+              <a:t>shell</a:t>
+            </a:r>
+          </a:p>
+          <a:p>
+            <a:pPr algn="ctr"/>
+            <a:r>
+              <a:rPr lang="en-US" altLang="ko-KR" sz="1000"/>
+              <a:t>Container</a:t>
+            </a:r>
+          </a:p>
+        </p:txBody>
+      </p:sp>
+      <p:sp>
+        <p:nvSpPr>
+          <p:cNvPr id="10" name="사각형: 둥근 모서리 29">
+            <a:extLst>
+              <a:ext uri="{FF2B5EF4-FFF2-40B4-BE49-F238E27FC236}">
+                <a16:creationId xmlns:a16="http://schemas.microsoft.com/office/drawing/2014/main" id="{DEBB4B32-DA3F-E6BD-6092-D8BF17A7A830}"/>
+              </a:ext>
+            </a:extLst>
+          </p:cNvPr>
+          <p:cNvSpPr/>
+          <p:nvPr/>
+        </p:nvSpPr>
+        <p:spPr>
+          <a:xfrm>
+            <a:off x="4932042" y="123478"/>
+            <a:ext cx="4032446" cy="600168"/>
+          </a:xfrm>
+          <a:prstGeom prst="roundRect">
+            <a:avLst>
+              <a:gd name="adj" fmla="val 10124"/>
+            </a:avLst>
+          </a:prstGeom>
+          <a:ln w="12700"/>
+        </p:spPr>
+        <p:style>
+          <a:lnRef idx="2">
+            <a:schemeClr val="dk1"/>
+          </a:lnRef>
+          <a:fillRef idx="1">
+            <a:schemeClr val="lt1"/>
+          </a:fillRef>
+          <a:effectRef idx="0">
+            <a:schemeClr val="dk1"/>
+          </a:effectRef>
+          <a:fontRef idx="minor">
+            <a:schemeClr val="dk1"/>
+          </a:fontRef>
+        </p:style>
+        <p:txBody>
+          <a:bodyPr rtlCol="0" anchor="t"/>
+          <a:lstStyle/>
+          <a:p>
+            <a:pPr algn="ctr"/>
+            <a:r>
+              <a:rPr lang="en-US" altLang="ko-KR" sz="1000" b="1"/>
+              <a:t>mock-server </a:t>
+            </a:r>
+            <a:r>
+              <a:rPr lang="en-US" altLang="ko-KR" sz="1000"/>
+              <a:t>Pod</a:t>
+            </a:r>
+          </a:p>
+        </p:txBody>
+      </p:sp>
+      <p:sp>
+        <p:nvSpPr>
+          <p:cNvPr id="11" name="사각형: 둥근 모서리 29">
+            <a:extLst>
+            